--- a/UI.pptx
+++ b/UI.pptx
@@ -9,6 +9,7 @@
     <p:sldId id="257" r:id="rId3"/>
     <p:sldId id="258" r:id="rId4"/>
     <p:sldId id="259" r:id="rId5"/>
+    <p:sldId id="260" r:id="rId6"/>
   </p:sldIdLst>
   <p:sldSz cx="12192000" cy="6858000"/>
   <p:notesSz cx="6858000" cy="9144000"/>
@@ -107,6 +108,11 @@
       </a:defRPr>
     </a:lvl9pPr>
   </p:defaultTextStyle>
+  <p:extLst>
+    <p:ext uri="{EFAFB233-063F-42B5-8137-9DF3F51BA10A}">
+      <p15:sldGuideLst xmlns:p15="http://schemas.microsoft.com/office/powerpoint/2012/main"/>
+    </p:ext>
+  </p:extLst>
 </p:presentation>
 </file>
 
@@ -257,7 +263,7 @@
           <a:p>
             <a:fld id="{F3BA182F-79D5-4EF3-A581-738F691F52DF}" type="datetimeFigureOut">
               <a:rPr lang="zh-CN" altLang="en-US" smtClean="0"/>
-              <a:t>2019/3/15</a:t>
+              <a:t>2019/3/24</a:t>
             </a:fld>
             <a:endParaRPr lang="zh-CN" altLang="en-US"/>
           </a:p>
@@ -455,7 +461,7 @@
           <a:p>
             <a:fld id="{F3BA182F-79D5-4EF3-A581-738F691F52DF}" type="datetimeFigureOut">
               <a:rPr lang="zh-CN" altLang="en-US" smtClean="0"/>
-              <a:t>2019/3/15</a:t>
+              <a:t>2019/3/24</a:t>
             </a:fld>
             <a:endParaRPr lang="zh-CN" altLang="en-US"/>
           </a:p>
@@ -663,7 +669,7 @@
           <a:p>
             <a:fld id="{F3BA182F-79D5-4EF3-A581-738F691F52DF}" type="datetimeFigureOut">
               <a:rPr lang="zh-CN" altLang="en-US" smtClean="0"/>
-              <a:t>2019/3/15</a:t>
+              <a:t>2019/3/24</a:t>
             </a:fld>
             <a:endParaRPr lang="zh-CN" altLang="en-US"/>
           </a:p>
@@ -861,7 +867,7 @@
           <a:p>
             <a:fld id="{F3BA182F-79D5-4EF3-A581-738F691F52DF}" type="datetimeFigureOut">
               <a:rPr lang="zh-CN" altLang="en-US" smtClean="0"/>
-              <a:t>2019/3/15</a:t>
+              <a:t>2019/3/24</a:t>
             </a:fld>
             <a:endParaRPr lang="zh-CN" altLang="en-US"/>
           </a:p>
@@ -1136,7 +1142,7 @@
           <a:p>
             <a:fld id="{F3BA182F-79D5-4EF3-A581-738F691F52DF}" type="datetimeFigureOut">
               <a:rPr lang="zh-CN" altLang="en-US" smtClean="0"/>
-              <a:t>2019/3/15</a:t>
+              <a:t>2019/3/24</a:t>
             </a:fld>
             <a:endParaRPr lang="zh-CN" altLang="en-US"/>
           </a:p>
@@ -1401,7 +1407,7 @@
           <a:p>
             <a:fld id="{F3BA182F-79D5-4EF3-A581-738F691F52DF}" type="datetimeFigureOut">
               <a:rPr lang="zh-CN" altLang="en-US" smtClean="0"/>
-              <a:t>2019/3/15</a:t>
+              <a:t>2019/3/24</a:t>
             </a:fld>
             <a:endParaRPr lang="zh-CN" altLang="en-US"/>
           </a:p>
@@ -1813,7 +1819,7 @@
           <a:p>
             <a:fld id="{F3BA182F-79D5-4EF3-A581-738F691F52DF}" type="datetimeFigureOut">
               <a:rPr lang="zh-CN" altLang="en-US" smtClean="0"/>
-              <a:t>2019/3/15</a:t>
+              <a:t>2019/3/24</a:t>
             </a:fld>
             <a:endParaRPr lang="zh-CN" altLang="en-US"/>
           </a:p>
@@ -1954,7 +1960,7 @@
           <a:p>
             <a:fld id="{F3BA182F-79D5-4EF3-A581-738F691F52DF}" type="datetimeFigureOut">
               <a:rPr lang="zh-CN" altLang="en-US" smtClean="0"/>
-              <a:t>2019/3/15</a:t>
+              <a:t>2019/3/24</a:t>
             </a:fld>
             <a:endParaRPr lang="zh-CN" altLang="en-US"/>
           </a:p>
@@ -2067,7 +2073,7 @@
           <a:p>
             <a:fld id="{F3BA182F-79D5-4EF3-A581-738F691F52DF}" type="datetimeFigureOut">
               <a:rPr lang="zh-CN" altLang="en-US" smtClean="0"/>
-              <a:t>2019/3/15</a:t>
+              <a:t>2019/3/24</a:t>
             </a:fld>
             <a:endParaRPr lang="zh-CN" altLang="en-US"/>
           </a:p>
@@ -2378,7 +2384,7 @@
           <a:p>
             <a:fld id="{F3BA182F-79D5-4EF3-A581-738F691F52DF}" type="datetimeFigureOut">
               <a:rPr lang="zh-CN" altLang="en-US" smtClean="0"/>
-              <a:t>2019/3/15</a:t>
+              <a:t>2019/3/24</a:t>
             </a:fld>
             <a:endParaRPr lang="zh-CN" altLang="en-US"/>
           </a:p>
@@ -2666,7 +2672,7 @@
           <a:p>
             <a:fld id="{F3BA182F-79D5-4EF3-A581-738F691F52DF}" type="datetimeFigureOut">
               <a:rPr lang="zh-CN" altLang="en-US" smtClean="0"/>
-              <a:t>2019/3/15</a:t>
+              <a:t>2019/3/24</a:t>
             </a:fld>
             <a:endParaRPr lang="zh-CN" altLang="en-US"/>
           </a:p>
@@ -2907,7 +2913,7 @@
           <a:p>
             <a:fld id="{F3BA182F-79D5-4EF3-A581-738F691F52DF}" type="datetimeFigureOut">
               <a:rPr lang="zh-CN" altLang="en-US" smtClean="0"/>
-              <a:t>2019/3/15</a:t>
+              <a:t>2019/3/24</a:t>
             </a:fld>
             <a:endParaRPr lang="zh-CN" altLang="en-US"/>
           </a:p>
@@ -4888,13 +4894,13 @@
   <p:clrMapOvr>
     <a:masterClrMapping/>
   </p:clrMapOvr>
-  <mc:AlternateContent xmlns:mc="http://schemas.openxmlformats.org/markup-compatibility/2006">
-    <mc:Choice xmlns:p159="http://schemas.microsoft.com/office/powerpoint/2015/09/main" Requires="p159">
+  <mc:AlternateContent xmlns:mc="http://schemas.openxmlformats.org/markup-compatibility/2006" xmlns:p159="http://schemas.microsoft.com/office/powerpoint/2015/09/main">
+    <mc:Choice Requires="p159">
       <p:transition xmlns:p14="http://schemas.microsoft.com/office/powerpoint/2010/main" spd="slow" p14:dur="2000">
         <p159:morph option="byObject"/>
       </p:transition>
     </mc:Choice>
-    <mc:Fallback>
+    <mc:Fallback xmlns="">
       <p:transition spd="slow">
         <p:fade/>
       </p:transition>
@@ -5666,13 +5672,13 @@
   <p:clrMapOvr>
     <a:masterClrMapping/>
   </p:clrMapOvr>
-  <mc:AlternateContent xmlns:mc="http://schemas.openxmlformats.org/markup-compatibility/2006">
-    <mc:Choice xmlns:p159="http://schemas.microsoft.com/office/powerpoint/2015/09/main" Requires="p159">
+  <mc:AlternateContent xmlns:mc="http://schemas.openxmlformats.org/markup-compatibility/2006" xmlns:p159="http://schemas.microsoft.com/office/powerpoint/2015/09/main">
+    <mc:Choice Requires="p159">
       <p:transition xmlns:p14="http://schemas.microsoft.com/office/powerpoint/2010/main" spd="slow" p14:dur="2000">
         <p159:morph option="byObject"/>
       </p:transition>
     </mc:Choice>
-    <mc:Fallback>
+    <mc:Fallback xmlns="">
       <p:transition spd="slow">
         <p:fade/>
       </p:transition>
@@ -6061,18 +6067,753 @@
   <p:clrMapOvr>
     <a:masterClrMapping/>
   </p:clrMapOvr>
-  <mc:AlternateContent xmlns:mc="http://schemas.openxmlformats.org/markup-compatibility/2006">
-    <mc:Choice xmlns:p159="http://schemas.microsoft.com/office/powerpoint/2015/09/main" Requires="p159">
+  <mc:AlternateContent xmlns:mc="http://schemas.openxmlformats.org/markup-compatibility/2006" xmlns:p159="http://schemas.microsoft.com/office/powerpoint/2015/09/main">
+    <mc:Choice Requires="p159">
       <p:transition xmlns:p14="http://schemas.microsoft.com/office/powerpoint/2010/main" spd="slow" p14:dur="2000">
         <p159:morph option="byObject"/>
       </p:transition>
     </mc:Choice>
-    <mc:Fallback>
+    <mc:Fallback xmlns="">
       <p:transition spd="slow">
         <p:fade/>
       </p:transition>
     </mc:Fallback>
   </mc:AlternateContent>
+</p:sld>
+</file>
+
+<file path=ppt/slides/slide5.xml><?xml version="1.0" encoding="utf-8"?>
+<p:sld xmlns:a="http://schemas.openxmlformats.org/drawingml/2006/main" xmlns:r="http://schemas.openxmlformats.org/officeDocument/2006/relationships" xmlns:p="http://schemas.openxmlformats.org/presentationml/2006/main">
+  <p:cSld>
+    <p:spTree>
+      <p:nvGrpSpPr>
+        <p:cNvPr id="1" name=""/>
+        <p:cNvGrpSpPr/>
+        <p:nvPr/>
+      </p:nvGrpSpPr>
+      <p:grpSpPr>
+        <a:xfrm>
+          <a:off x="0" y="0"/>
+          <a:ext cx="0" cy="0"/>
+          <a:chOff x="0" y="0"/>
+          <a:chExt cx="0" cy="0"/>
+        </a:xfrm>
+      </p:grpSpPr>
+      <p:grpSp>
+        <p:nvGrpSpPr>
+          <p:cNvPr id="9" name="组合 8">
+            <a:extLst>
+              <a:ext uri="{FF2B5EF4-FFF2-40B4-BE49-F238E27FC236}">
+                <a16:creationId xmlns:a16="http://schemas.microsoft.com/office/drawing/2014/main" id="{D3952CFB-8309-4B74-95C9-765958DBC458}"/>
+              </a:ext>
+            </a:extLst>
+          </p:cNvPr>
+          <p:cNvGrpSpPr/>
+          <p:nvPr/>
+        </p:nvGrpSpPr>
+        <p:grpSpPr>
+          <a:xfrm>
+            <a:off x="1756423" y="1674516"/>
+            <a:ext cx="560873" cy="1013637"/>
+            <a:chOff x="5183435" y="2517354"/>
+            <a:chExt cx="535647" cy="1009617"/>
+          </a:xfrm>
+        </p:grpSpPr>
+        <p:sp>
+          <p:nvSpPr>
+            <p:cNvPr id="4" name="矩形: 圆角 3">
+              <a:extLst>
+                <a:ext uri="{FF2B5EF4-FFF2-40B4-BE49-F238E27FC236}">
+                  <a16:creationId xmlns:a16="http://schemas.microsoft.com/office/drawing/2014/main" id="{B57CD4BF-EB72-420F-980B-B2FC024E32AA}"/>
+                </a:ext>
+              </a:extLst>
+            </p:cNvPr>
+            <p:cNvSpPr/>
+            <p:nvPr/>
+          </p:nvSpPr>
+          <p:spPr>
+            <a:xfrm>
+              <a:off x="5183435" y="2517354"/>
+              <a:ext cx="535647" cy="1009617"/>
+            </a:xfrm>
+            <a:prstGeom prst="roundRect">
+              <a:avLst>
+                <a:gd name="adj" fmla="val 50000"/>
+              </a:avLst>
+            </a:prstGeom>
+            <a:noFill/>
+            <a:ln w="38100">
+              <a:solidFill>
+                <a:schemeClr val="tx1">
+                  <a:lumMod val="65000"/>
+                  <a:lumOff val="35000"/>
+                </a:schemeClr>
+              </a:solidFill>
+            </a:ln>
+          </p:spPr>
+          <p:style>
+            <a:lnRef idx="2">
+              <a:schemeClr val="accent1">
+                <a:shade val="50000"/>
+              </a:schemeClr>
+            </a:lnRef>
+            <a:fillRef idx="1">
+              <a:schemeClr val="accent1"/>
+            </a:fillRef>
+            <a:effectRef idx="0">
+              <a:schemeClr val="accent1"/>
+            </a:effectRef>
+            <a:fontRef idx="minor">
+              <a:schemeClr val="lt1"/>
+            </a:fontRef>
+          </p:style>
+          <p:txBody>
+            <a:bodyPr rtlCol="0" anchor="ctr"/>
+            <a:lstStyle/>
+            <a:p>
+              <a:pPr algn="ctr"/>
+              <a:endParaRPr lang="zh-CN" altLang="en-US"/>
+            </a:p>
+          </p:txBody>
+        </p:sp>
+        <p:cxnSp>
+          <p:nvCxnSpPr>
+            <p:cNvPr id="5" name="直接箭头连接符 4">
+              <a:extLst>
+                <a:ext uri="{FF2B5EF4-FFF2-40B4-BE49-F238E27FC236}">
+                  <a16:creationId xmlns:a16="http://schemas.microsoft.com/office/drawing/2014/main" id="{55B7DCBF-B84A-4F34-AA58-D11A9D60E97D}"/>
+                </a:ext>
+              </a:extLst>
+            </p:cNvPr>
+            <p:cNvCxnSpPr>
+              <a:cxnSpLocks/>
+              <a:stCxn id="4" idx="0"/>
+            </p:cNvCxnSpPr>
+            <p:nvPr/>
+          </p:nvCxnSpPr>
+          <p:spPr>
+            <a:xfrm>
+              <a:off x="5451259" y="2517354"/>
+              <a:ext cx="0" cy="379082"/>
+            </a:xfrm>
+            <a:prstGeom prst="straightConnector1">
+              <a:avLst/>
+            </a:prstGeom>
+            <a:ln w="38100" cap="rnd">
+              <a:solidFill>
+                <a:schemeClr val="tx1">
+                  <a:lumMod val="65000"/>
+                  <a:lumOff val="35000"/>
+                </a:schemeClr>
+              </a:solidFill>
+              <a:round/>
+            </a:ln>
+          </p:spPr>
+          <p:style>
+            <a:lnRef idx="1">
+              <a:schemeClr val="accent1"/>
+            </a:lnRef>
+            <a:fillRef idx="0">
+              <a:schemeClr val="accent1"/>
+            </a:fillRef>
+            <a:effectRef idx="0">
+              <a:schemeClr val="accent1"/>
+            </a:effectRef>
+            <a:fontRef idx="minor">
+              <a:schemeClr val="tx1"/>
+            </a:fontRef>
+          </p:style>
+        </p:cxnSp>
+      </p:grpSp>
+      <p:sp>
+        <p:nvSpPr>
+          <p:cNvPr id="23" name="矩形: 圆角 22">
+            <a:extLst>
+              <a:ext uri="{FF2B5EF4-FFF2-40B4-BE49-F238E27FC236}">
+                <a16:creationId xmlns:a16="http://schemas.microsoft.com/office/drawing/2014/main" id="{4E5ECD87-B485-4E6F-9956-145F41562FF7}"/>
+              </a:ext>
+            </a:extLst>
+          </p:cNvPr>
+          <p:cNvSpPr/>
+          <p:nvPr/>
+        </p:nvSpPr>
+        <p:spPr>
+          <a:xfrm>
+            <a:off x="1547388" y="272160"/>
+            <a:ext cx="648000" cy="648000"/>
+          </a:xfrm>
+          <a:prstGeom prst="roundRect">
+            <a:avLst>
+              <a:gd name="adj" fmla="val 50000"/>
+            </a:avLst>
+          </a:prstGeom>
+          <a:solidFill>
+            <a:srgbClr val="5FE5DD"/>
+          </a:solidFill>
+          <a:ln w="19050">
+            <a:noFill/>
+          </a:ln>
+        </p:spPr>
+        <p:style>
+          <a:lnRef idx="2">
+            <a:schemeClr val="accent1">
+              <a:shade val="50000"/>
+            </a:schemeClr>
+          </a:lnRef>
+          <a:fillRef idx="1">
+            <a:schemeClr val="accent1"/>
+          </a:fillRef>
+          <a:effectRef idx="0">
+            <a:schemeClr val="accent1"/>
+          </a:effectRef>
+          <a:fontRef idx="minor">
+            <a:schemeClr val="lt1"/>
+          </a:fontRef>
+        </p:style>
+        <p:txBody>
+          <a:bodyPr rtlCol="0" anchor="ctr"/>
+          <a:lstStyle/>
+          <a:p>
+            <a:pPr algn="ctr"/>
+            <a:endParaRPr lang="zh-CN" altLang="en-US"/>
+          </a:p>
+        </p:txBody>
+      </p:sp>
+      <p:grpSp>
+        <p:nvGrpSpPr>
+          <p:cNvPr id="25" name="组合 24">
+            <a:extLst>
+              <a:ext uri="{FF2B5EF4-FFF2-40B4-BE49-F238E27FC236}">
+                <a16:creationId xmlns:a16="http://schemas.microsoft.com/office/drawing/2014/main" id="{8CCF84AF-1A48-410E-98CE-5C5C370C987C}"/>
+              </a:ext>
+            </a:extLst>
+          </p:cNvPr>
+          <p:cNvGrpSpPr/>
+          <p:nvPr/>
+        </p:nvGrpSpPr>
+        <p:grpSpPr>
+          <a:xfrm>
+            <a:off x="3063580" y="1674515"/>
+            <a:ext cx="560873" cy="1013637"/>
+            <a:chOff x="3063580" y="1674515"/>
+            <a:chExt cx="560873" cy="1013637"/>
+          </a:xfrm>
+        </p:grpSpPr>
+        <p:sp>
+          <p:nvSpPr>
+            <p:cNvPr id="21" name="任意多边形: 形状 20">
+              <a:extLst>
+                <a:ext uri="{FF2B5EF4-FFF2-40B4-BE49-F238E27FC236}">
+                  <a16:creationId xmlns:a16="http://schemas.microsoft.com/office/drawing/2014/main" id="{C5B03FEB-DD61-4DF7-823E-B52E58EF1317}"/>
+                </a:ext>
+              </a:extLst>
+            </p:cNvPr>
+            <p:cNvSpPr/>
+            <p:nvPr/>
+          </p:nvSpPr>
+          <p:spPr>
+            <a:xfrm>
+              <a:off x="3063580" y="1674516"/>
+              <a:ext cx="280437" cy="380591"/>
+            </a:xfrm>
+            <a:custGeom>
+              <a:avLst/>
+              <a:gdLst>
+                <a:gd name="connsiteX0" fmla="*/ 280437 w 280437"/>
+                <a:gd name="connsiteY0" fmla="*/ 0 h 380591"/>
+                <a:gd name="connsiteX1" fmla="*/ 280437 w 280437"/>
+                <a:gd name="connsiteY1" fmla="*/ 380591 h 380591"/>
+                <a:gd name="connsiteX2" fmla="*/ 0 w 280437"/>
+                <a:gd name="connsiteY2" fmla="*/ 380591 h 380591"/>
+                <a:gd name="connsiteX3" fmla="*/ 0 w 280437"/>
+                <a:gd name="connsiteY3" fmla="*/ 280437 h 380591"/>
+                <a:gd name="connsiteX4" fmla="*/ 280437 w 280437"/>
+                <a:gd name="connsiteY4" fmla="*/ 0 h 380591"/>
+              </a:gdLst>
+              <a:ahLst/>
+              <a:cxnLst>
+                <a:cxn ang="0">
+                  <a:pos x="connsiteX0" y="connsiteY0"/>
+                </a:cxn>
+                <a:cxn ang="0">
+                  <a:pos x="connsiteX1" y="connsiteY1"/>
+                </a:cxn>
+                <a:cxn ang="0">
+                  <a:pos x="connsiteX2" y="connsiteY2"/>
+                </a:cxn>
+                <a:cxn ang="0">
+                  <a:pos x="connsiteX3" y="connsiteY3"/>
+                </a:cxn>
+                <a:cxn ang="0">
+                  <a:pos x="connsiteX4" y="connsiteY4"/>
+                </a:cxn>
+              </a:cxnLst>
+              <a:rect l="l" t="t" r="r" b="b"/>
+              <a:pathLst>
+                <a:path w="280437" h="380591">
+                  <a:moveTo>
+                    <a:pt x="280437" y="0"/>
+                  </a:moveTo>
+                  <a:lnTo>
+                    <a:pt x="280437" y="380591"/>
+                  </a:lnTo>
+                  <a:lnTo>
+                    <a:pt x="0" y="380591"/>
+                  </a:lnTo>
+                  <a:lnTo>
+                    <a:pt x="0" y="280437"/>
+                  </a:lnTo>
+                  <a:cubicBezTo>
+                    <a:pt x="0" y="125556"/>
+                    <a:pt x="125556" y="0"/>
+                    <a:pt x="280437" y="0"/>
+                  </a:cubicBezTo>
+                  <a:close/>
+                </a:path>
+              </a:pathLst>
+            </a:custGeom>
+            <a:solidFill>
+              <a:schemeClr val="tx1">
+                <a:lumMod val="65000"/>
+                <a:lumOff val="35000"/>
+                <a:alpha val="75000"/>
+              </a:schemeClr>
+            </a:solidFill>
+            <a:ln w="38100">
+              <a:noFill/>
+            </a:ln>
+          </p:spPr>
+          <p:style>
+            <a:lnRef idx="2">
+              <a:schemeClr val="accent1">
+                <a:shade val="50000"/>
+              </a:schemeClr>
+            </a:lnRef>
+            <a:fillRef idx="1">
+              <a:schemeClr val="accent1"/>
+            </a:fillRef>
+            <a:effectRef idx="0">
+              <a:schemeClr val="accent1"/>
+            </a:effectRef>
+            <a:fontRef idx="minor">
+              <a:schemeClr val="lt1"/>
+            </a:fontRef>
+          </p:style>
+          <p:txBody>
+            <a:bodyPr wrap="square" rtlCol="0" anchor="ctr">
+              <a:noAutofit/>
+            </a:bodyPr>
+            <a:lstStyle/>
+            <a:p>
+              <a:pPr algn="ctr"/>
+              <a:endParaRPr lang="zh-CN" altLang="en-US"/>
+            </a:p>
+          </p:txBody>
+        </p:sp>
+        <p:sp>
+          <p:nvSpPr>
+            <p:cNvPr id="15" name="矩形: 圆角 14">
+              <a:extLst>
+                <a:ext uri="{FF2B5EF4-FFF2-40B4-BE49-F238E27FC236}">
+                  <a16:creationId xmlns:a16="http://schemas.microsoft.com/office/drawing/2014/main" id="{22514FF1-A304-4A6F-BFCA-1C7979C70B55}"/>
+                </a:ext>
+              </a:extLst>
+            </p:cNvPr>
+            <p:cNvSpPr/>
+            <p:nvPr/>
+          </p:nvSpPr>
+          <p:spPr>
+            <a:xfrm>
+              <a:off x="3063580" y="1674515"/>
+              <a:ext cx="560873" cy="1013637"/>
+            </a:xfrm>
+            <a:prstGeom prst="roundRect">
+              <a:avLst>
+                <a:gd name="adj" fmla="val 50000"/>
+              </a:avLst>
+            </a:prstGeom>
+            <a:noFill/>
+            <a:ln w="38100">
+              <a:solidFill>
+                <a:schemeClr val="tx1">
+                  <a:lumMod val="65000"/>
+                  <a:lumOff val="35000"/>
+                </a:schemeClr>
+              </a:solidFill>
+            </a:ln>
+          </p:spPr>
+          <p:style>
+            <a:lnRef idx="2">
+              <a:schemeClr val="accent1">
+                <a:shade val="50000"/>
+              </a:schemeClr>
+            </a:lnRef>
+            <a:fillRef idx="1">
+              <a:schemeClr val="accent1"/>
+            </a:fillRef>
+            <a:effectRef idx="0">
+              <a:schemeClr val="accent1"/>
+            </a:effectRef>
+            <a:fontRef idx="minor">
+              <a:schemeClr val="lt1"/>
+            </a:fontRef>
+          </p:style>
+          <p:txBody>
+            <a:bodyPr rtlCol="0" anchor="ctr"/>
+            <a:lstStyle/>
+            <a:p>
+              <a:pPr algn="ctr"/>
+              <a:endParaRPr lang="zh-CN" altLang="en-US"/>
+            </a:p>
+          </p:txBody>
+        </p:sp>
+      </p:grpSp>
+      <p:sp>
+        <p:nvSpPr>
+          <p:cNvPr id="24" name="矩形: 圆角 23">
+            <a:extLst>
+              <a:ext uri="{FF2B5EF4-FFF2-40B4-BE49-F238E27FC236}">
+                <a16:creationId xmlns:a16="http://schemas.microsoft.com/office/drawing/2014/main" id="{45E09B75-67F4-4F89-B760-1EFE16250094}"/>
+              </a:ext>
+            </a:extLst>
+          </p:cNvPr>
+          <p:cNvSpPr/>
+          <p:nvPr/>
+        </p:nvSpPr>
+        <p:spPr>
+          <a:xfrm>
+            <a:off x="555313" y="272160"/>
+            <a:ext cx="648000" cy="648000"/>
+          </a:xfrm>
+          <a:prstGeom prst="roundRect">
+            <a:avLst>
+              <a:gd name="adj" fmla="val 50000"/>
+            </a:avLst>
+          </a:prstGeom>
+          <a:solidFill>
+            <a:srgbClr val="5FE5DD"/>
+          </a:solidFill>
+          <a:ln w="19050">
+            <a:noFill/>
+          </a:ln>
+        </p:spPr>
+        <p:style>
+          <a:lnRef idx="2">
+            <a:schemeClr val="accent1">
+              <a:shade val="50000"/>
+            </a:schemeClr>
+          </a:lnRef>
+          <a:fillRef idx="1">
+            <a:schemeClr val="accent1"/>
+          </a:fillRef>
+          <a:effectRef idx="0">
+            <a:schemeClr val="accent1"/>
+          </a:effectRef>
+          <a:fontRef idx="minor">
+            <a:schemeClr val="lt1"/>
+          </a:fontRef>
+        </p:style>
+        <p:txBody>
+          <a:bodyPr rtlCol="0" anchor="ctr"/>
+          <a:lstStyle/>
+          <a:p>
+            <a:pPr algn="ctr"/>
+            <a:endParaRPr lang="zh-CN" altLang="en-US"/>
+          </a:p>
+        </p:txBody>
+      </p:sp>
+      <p:grpSp>
+        <p:nvGrpSpPr>
+          <p:cNvPr id="29" name="组合 28">
+            <a:extLst>
+              <a:ext uri="{FF2B5EF4-FFF2-40B4-BE49-F238E27FC236}">
+                <a16:creationId xmlns:a16="http://schemas.microsoft.com/office/drawing/2014/main" id="{327786CC-52C6-474A-89A5-396A5E469953}"/>
+              </a:ext>
+            </a:extLst>
+          </p:cNvPr>
+          <p:cNvGrpSpPr/>
+          <p:nvPr/>
+        </p:nvGrpSpPr>
+        <p:grpSpPr>
+          <a:xfrm>
+            <a:off x="4189373" y="1674515"/>
+            <a:ext cx="561236" cy="1013637"/>
+            <a:chOff x="4189373" y="1674515"/>
+            <a:chExt cx="561236" cy="1013637"/>
+          </a:xfrm>
+        </p:grpSpPr>
+        <p:sp>
+          <p:nvSpPr>
+            <p:cNvPr id="27" name="任意多边形: 形状 26">
+              <a:extLst>
+                <a:ext uri="{FF2B5EF4-FFF2-40B4-BE49-F238E27FC236}">
+                  <a16:creationId xmlns:a16="http://schemas.microsoft.com/office/drawing/2014/main" id="{8198BF3F-5FD8-4068-A5EC-D332EDE1DF89}"/>
+                </a:ext>
+              </a:extLst>
+            </p:cNvPr>
+            <p:cNvSpPr/>
+            <p:nvPr/>
+          </p:nvSpPr>
+          <p:spPr>
+            <a:xfrm flipH="1">
+              <a:off x="4469809" y="1674515"/>
+              <a:ext cx="280800" cy="381600"/>
+            </a:xfrm>
+            <a:custGeom>
+              <a:avLst/>
+              <a:gdLst>
+                <a:gd name="connsiteX0" fmla="*/ 280437 w 280437"/>
+                <a:gd name="connsiteY0" fmla="*/ 0 h 380591"/>
+                <a:gd name="connsiteX1" fmla="*/ 280437 w 280437"/>
+                <a:gd name="connsiteY1" fmla="*/ 380591 h 380591"/>
+                <a:gd name="connsiteX2" fmla="*/ 0 w 280437"/>
+                <a:gd name="connsiteY2" fmla="*/ 380591 h 380591"/>
+                <a:gd name="connsiteX3" fmla="*/ 0 w 280437"/>
+                <a:gd name="connsiteY3" fmla="*/ 280437 h 380591"/>
+                <a:gd name="connsiteX4" fmla="*/ 280437 w 280437"/>
+                <a:gd name="connsiteY4" fmla="*/ 0 h 380591"/>
+              </a:gdLst>
+              <a:ahLst/>
+              <a:cxnLst>
+                <a:cxn ang="0">
+                  <a:pos x="connsiteX0" y="connsiteY0"/>
+                </a:cxn>
+                <a:cxn ang="0">
+                  <a:pos x="connsiteX1" y="connsiteY1"/>
+                </a:cxn>
+                <a:cxn ang="0">
+                  <a:pos x="connsiteX2" y="connsiteY2"/>
+                </a:cxn>
+                <a:cxn ang="0">
+                  <a:pos x="connsiteX3" y="connsiteY3"/>
+                </a:cxn>
+                <a:cxn ang="0">
+                  <a:pos x="connsiteX4" y="connsiteY4"/>
+                </a:cxn>
+              </a:cxnLst>
+              <a:rect l="l" t="t" r="r" b="b"/>
+              <a:pathLst>
+                <a:path w="280437" h="380591">
+                  <a:moveTo>
+                    <a:pt x="280437" y="0"/>
+                  </a:moveTo>
+                  <a:lnTo>
+                    <a:pt x="280437" y="380591"/>
+                  </a:lnTo>
+                  <a:lnTo>
+                    <a:pt x="0" y="380591"/>
+                  </a:lnTo>
+                  <a:lnTo>
+                    <a:pt x="0" y="280437"/>
+                  </a:lnTo>
+                  <a:cubicBezTo>
+                    <a:pt x="0" y="125556"/>
+                    <a:pt x="125556" y="0"/>
+                    <a:pt x="280437" y="0"/>
+                  </a:cubicBezTo>
+                  <a:close/>
+                </a:path>
+              </a:pathLst>
+            </a:custGeom>
+            <a:solidFill>
+              <a:schemeClr val="tx1">
+                <a:lumMod val="65000"/>
+                <a:lumOff val="35000"/>
+                <a:alpha val="75000"/>
+              </a:schemeClr>
+            </a:solidFill>
+            <a:ln w="38100">
+              <a:noFill/>
+            </a:ln>
+          </p:spPr>
+          <p:style>
+            <a:lnRef idx="2">
+              <a:schemeClr val="accent1">
+                <a:shade val="50000"/>
+              </a:schemeClr>
+            </a:lnRef>
+            <a:fillRef idx="1">
+              <a:schemeClr val="accent1"/>
+            </a:fillRef>
+            <a:effectRef idx="0">
+              <a:schemeClr val="accent1"/>
+            </a:effectRef>
+            <a:fontRef idx="minor">
+              <a:schemeClr val="lt1"/>
+            </a:fontRef>
+          </p:style>
+          <p:txBody>
+            <a:bodyPr wrap="square" rtlCol="0" anchor="ctr">
+              <a:noAutofit/>
+            </a:bodyPr>
+            <a:lstStyle/>
+            <a:p>
+              <a:pPr algn="ctr"/>
+              <a:endParaRPr lang="zh-CN" altLang="en-US"/>
+            </a:p>
+          </p:txBody>
+        </p:sp>
+        <p:sp>
+          <p:nvSpPr>
+            <p:cNvPr id="28" name="矩形: 圆角 27">
+              <a:extLst>
+                <a:ext uri="{FF2B5EF4-FFF2-40B4-BE49-F238E27FC236}">
+                  <a16:creationId xmlns:a16="http://schemas.microsoft.com/office/drawing/2014/main" id="{FAB259C5-BD8A-4F40-983D-2425CD5C086D}"/>
+                </a:ext>
+              </a:extLst>
+            </p:cNvPr>
+            <p:cNvSpPr/>
+            <p:nvPr/>
+          </p:nvSpPr>
+          <p:spPr>
+            <a:xfrm>
+              <a:off x="4189373" y="1674515"/>
+              <a:ext cx="560873" cy="1013637"/>
+            </a:xfrm>
+            <a:prstGeom prst="roundRect">
+              <a:avLst>
+                <a:gd name="adj" fmla="val 50000"/>
+              </a:avLst>
+            </a:prstGeom>
+            <a:noFill/>
+            <a:ln w="38100">
+              <a:solidFill>
+                <a:schemeClr val="tx1">
+                  <a:lumMod val="65000"/>
+                  <a:lumOff val="35000"/>
+                </a:schemeClr>
+              </a:solidFill>
+            </a:ln>
+          </p:spPr>
+          <p:style>
+            <a:lnRef idx="2">
+              <a:schemeClr val="accent1">
+                <a:shade val="50000"/>
+              </a:schemeClr>
+            </a:lnRef>
+            <a:fillRef idx="1">
+              <a:schemeClr val="accent1"/>
+            </a:fillRef>
+            <a:effectRef idx="0">
+              <a:schemeClr val="accent1"/>
+            </a:effectRef>
+            <a:fontRef idx="minor">
+              <a:schemeClr val="lt1"/>
+            </a:fontRef>
+          </p:style>
+          <p:txBody>
+            <a:bodyPr rtlCol="0" anchor="ctr"/>
+            <a:lstStyle/>
+            <a:p>
+              <a:pPr algn="ctr"/>
+              <a:endParaRPr lang="zh-CN" altLang="en-US"/>
+            </a:p>
+          </p:txBody>
+        </p:sp>
+      </p:grpSp>
+      <p:sp>
+        <p:nvSpPr>
+          <p:cNvPr id="30" name="矩形: 圆角 29">
+            <a:extLst>
+              <a:ext uri="{FF2B5EF4-FFF2-40B4-BE49-F238E27FC236}">
+                <a16:creationId xmlns:a16="http://schemas.microsoft.com/office/drawing/2014/main" id="{ED7BD5A2-600A-4EE4-AFC4-FC4528B40D8E}"/>
+              </a:ext>
+            </a:extLst>
+          </p:cNvPr>
+          <p:cNvSpPr/>
+          <p:nvPr/>
+        </p:nvSpPr>
+        <p:spPr>
+          <a:xfrm>
+            <a:off x="1756421" y="3260459"/>
+            <a:ext cx="576000" cy="576000"/>
+          </a:xfrm>
+          <a:prstGeom prst="roundRect">
+            <a:avLst>
+              <a:gd name="adj" fmla="val 0"/>
+            </a:avLst>
+          </a:prstGeom>
+          <a:noFill/>
+          <a:ln w="38100">
+            <a:solidFill>
+              <a:schemeClr val="tx1">
+                <a:lumMod val="65000"/>
+                <a:lumOff val="35000"/>
+              </a:schemeClr>
+            </a:solidFill>
+          </a:ln>
+        </p:spPr>
+        <p:style>
+          <a:lnRef idx="2">
+            <a:schemeClr val="accent1">
+              <a:shade val="50000"/>
+            </a:schemeClr>
+          </a:lnRef>
+          <a:fillRef idx="1">
+            <a:schemeClr val="accent1"/>
+          </a:fillRef>
+          <a:effectRef idx="0">
+            <a:schemeClr val="accent1"/>
+          </a:effectRef>
+          <a:fontRef idx="minor">
+            <a:schemeClr val="lt1"/>
+          </a:fontRef>
+        </p:style>
+        <p:txBody>
+          <a:bodyPr rtlCol="0" anchor="ctr"/>
+          <a:lstStyle/>
+          <a:p>
+            <a:pPr algn="ctr"/>
+            <a:endParaRPr lang="zh-CN" altLang="en-US"/>
+          </a:p>
+        </p:txBody>
+      </p:sp>
+      <p:pic>
+        <p:nvPicPr>
+          <p:cNvPr id="39" name="图片 38">
+            <a:extLst>
+              <a:ext uri="{FF2B5EF4-FFF2-40B4-BE49-F238E27FC236}">
+                <a16:creationId xmlns:a16="http://schemas.microsoft.com/office/drawing/2014/main" id="{4C8C9055-D1F5-4A7B-8331-9B0608354414}"/>
+              </a:ext>
+            </a:extLst>
+          </p:cNvPr>
+          <p:cNvPicPr>
+            <a:picLocks noChangeAspect="1"/>
+          </p:cNvPicPr>
+          <p:nvPr/>
+        </p:nvPicPr>
+        <p:blipFill>
+          <a:blip r:embed="rId2">
+            <a:extLst>
+              <a:ext uri="{28A0092B-C50C-407E-A947-70E740481C1C}">
+                <a14:useLocalDpi xmlns:a14="http://schemas.microsoft.com/office/drawing/2010/main" val="0"/>
+              </a:ext>
+            </a:extLst>
+          </a:blip>
+          <a:stretch>
+            <a:fillRect/>
+          </a:stretch>
+        </p:blipFill>
+        <p:spPr>
+          <a:xfrm>
+            <a:off x="2044421" y="3442509"/>
+            <a:ext cx="609600" cy="609600"/>
+          </a:xfrm>
+          <a:prstGeom prst="rect">
+            <a:avLst/>
+          </a:prstGeom>
+        </p:spPr>
+      </p:pic>
+    </p:spTree>
+    <p:extLst>
+      <p:ext uri="{BB962C8B-B14F-4D97-AF65-F5344CB8AC3E}">
+        <p14:creationId xmlns:p14="http://schemas.microsoft.com/office/powerpoint/2010/main" val="2756209485"/>
+      </p:ext>
+    </p:extLst>
+  </p:cSld>
+  <p:clrMapOvr>
+    <a:masterClrMapping/>
+  </p:clrMapOvr>
 </p:sld>
 </file>
 

--- a/UI.pptx
+++ b/UI.pptx
@@ -263,7 +263,7 @@
           <a:p>
             <a:fld id="{F3BA182F-79D5-4EF3-A581-738F691F52DF}" type="datetimeFigureOut">
               <a:rPr lang="zh-CN" altLang="en-US" smtClean="0"/>
-              <a:t>2019/3/24</a:t>
+              <a:t>2019/3/29</a:t>
             </a:fld>
             <a:endParaRPr lang="zh-CN" altLang="en-US"/>
           </a:p>
@@ -461,7 +461,7 @@
           <a:p>
             <a:fld id="{F3BA182F-79D5-4EF3-A581-738F691F52DF}" type="datetimeFigureOut">
               <a:rPr lang="zh-CN" altLang="en-US" smtClean="0"/>
-              <a:t>2019/3/24</a:t>
+              <a:t>2019/3/29</a:t>
             </a:fld>
             <a:endParaRPr lang="zh-CN" altLang="en-US"/>
           </a:p>
@@ -669,7 +669,7 @@
           <a:p>
             <a:fld id="{F3BA182F-79D5-4EF3-A581-738F691F52DF}" type="datetimeFigureOut">
               <a:rPr lang="zh-CN" altLang="en-US" smtClean="0"/>
-              <a:t>2019/3/24</a:t>
+              <a:t>2019/3/29</a:t>
             </a:fld>
             <a:endParaRPr lang="zh-CN" altLang="en-US"/>
           </a:p>
@@ -867,7 +867,7 @@
           <a:p>
             <a:fld id="{F3BA182F-79D5-4EF3-A581-738F691F52DF}" type="datetimeFigureOut">
               <a:rPr lang="zh-CN" altLang="en-US" smtClean="0"/>
-              <a:t>2019/3/24</a:t>
+              <a:t>2019/3/29</a:t>
             </a:fld>
             <a:endParaRPr lang="zh-CN" altLang="en-US"/>
           </a:p>
@@ -1142,7 +1142,7 @@
           <a:p>
             <a:fld id="{F3BA182F-79D5-4EF3-A581-738F691F52DF}" type="datetimeFigureOut">
               <a:rPr lang="zh-CN" altLang="en-US" smtClean="0"/>
-              <a:t>2019/3/24</a:t>
+              <a:t>2019/3/29</a:t>
             </a:fld>
             <a:endParaRPr lang="zh-CN" altLang="en-US"/>
           </a:p>
@@ -1407,7 +1407,7 @@
           <a:p>
             <a:fld id="{F3BA182F-79D5-4EF3-A581-738F691F52DF}" type="datetimeFigureOut">
               <a:rPr lang="zh-CN" altLang="en-US" smtClean="0"/>
-              <a:t>2019/3/24</a:t>
+              <a:t>2019/3/29</a:t>
             </a:fld>
             <a:endParaRPr lang="zh-CN" altLang="en-US"/>
           </a:p>
@@ -1819,7 +1819,7 @@
           <a:p>
             <a:fld id="{F3BA182F-79D5-4EF3-A581-738F691F52DF}" type="datetimeFigureOut">
               <a:rPr lang="zh-CN" altLang="en-US" smtClean="0"/>
-              <a:t>2019/3/24</a:t>
+              <a:t>2019/3/29</a:t>
             </a:fld>
             <a:endParaRPr lang="zh-CN" altLang="en-US"/>
           </a:p>
@@ -1960,7 +1960,7 @@
           <a:p>
             <a:fld id="{F3BA182F-79D5-4EF3-A581-738F691F52DF}" type="datetimeFigureOut">
               <a:rPr lang="zh-CN" altLang="en-US" smtClean="0"/>
-              <a:t>2019/3/24</a:t>
+              <a:t>2019/3/29</a:t>
             </a:fld>
             <a:endParaRPr lang="zh-CN" altLang="en-US"/>
           </a:p>
@@ -2073,7 +2073,7 @@
           <a:p>
             <a:fld id="{F3BA182F-79D5-4EF3-A581-738F691F52DF}" type="datetimeFigureOut">
               <a:rPr lang="zh-CN" altLang="en-US" smtClean="0"/>
-              <a:t>2019/3/24</a:t>
+              <a:t>2019/3/29</a:t>
             </a:fld>
             <a:endParaRPr lang="zh-CN" altLang="en-US"/>
           </a:p>
@@ -2384,7 +2384,7 @@
           <a:p>
             <a:fld id="{F3BA182F-79D5-4EF3-A581-738F691F52DF}" type="datetimeFigureOut">
               <a:rPr lang="zh-CN" altLang="en-US" smtClean="0"/>
-              <a:t>2019/3/24</a:t>
+              <a:t>2019/3/29</a:t>
             </a:fld>
             <a:endParaRPr lang="zh-CN" altLang="en-US"/>
           </a:p>
@@ -2672,7 +2672,7 @@
           <a:p>
             <a:fld id="{F3BA182F-79D5-4EF3-A581-738F691F52DF}" type="datetimeFigureOut">
               <a:rPr lang="zh-CN" altLang="en-US" smtClean="0"/>
-              <a:t>2019/3/24</a:t>
+              <a:t>2019/3/29</a:t>
             </a:fld>
             <a:endParaRPr lang="zh-CN" altLang="en-US"/>
           </a:p>
@@ -2913,7 +2913,7 @@
           <a:p>
             <a:fld id="{F3BA182F-79D5-4EF3-A581-738F691F52DF}" type="datetimeFigureOut">
               <a:rPr lang="zh-CN" altLang="en-US" smtClean="0"/>
-              <a:t>2019/3/24</a:t>
+              <a:t>2019/3/29</a:t>
             </a:fld>
             <a:endParaRPr lang="zh-CN" altLang="en-US"/>
           </a:p>
@@ -6099,132 +6099,6 @@
           <a:chExt cx="0" cy="0"/>
         </a:xfrm>
       </p:grpSpPr>
-      <p:grpSp>
-        <p:nvGrpSpPr>
-          <p:cNvPr id="9" name="组合 8">
-            <a:extLst>
-              <a:ext uri="{FF2B5EF4-FFF2-40B4-BE49-F238E27FC236}">
-                <a16:creationId xmlns:a16="http://schemas.microsoft.com/office/drawing/2014/main" id="{D3952CFB-8309-4B74-95C9-765958DBC458}"/>
-              </a:ext>
-            </a:extLst>
-          </p:cNvPr>
-          <p:cNvGrpSpPr/>
-          <p:nvPr/>
-        </p:nvGrpSpPr>
-        <p:grpSpPr>
-          <a:xfrm>
-            <a:off x="1756423" y="1674516"/>
-            <a:ext cx="560873" cy="1013637"/>
-            <a:chOff x="5183435" y="2517354"/>
-            <a:chExt cx="535647" cy="1009617"/>
-          </a:xfrm>
-        </p:grpSpPr>
-        <p:sp>
-          <p:nvSpPr>
-            <p:cNvPr id="4" name="矩形: 圆角 3">
-              <a:extLst>
-                <a:ext uri="{FF2B5EF4-FFF2-40B4-BE49-F238E27FC236}">
-                  <a16:creationId xmlns:a16="http://schemas.microsoft.com/office/drawing/2014/main" id="{B57CD4BF-EB72-420F-980B-B2FC024E32AA}"/>
-                </a:ext>
-              </a:extLst>
-            </p:cNvPr>
-            <p:cNvSpPr/>
-            <p:nvPr/>
-          </p:nvSpPr>
-          <p:spPr>
-            <a:xfrm>
-              <a:off x="5183435" y="2517354"/>
-              <a:ext cx="535647" cy="1009617"/>
-            </a:xfrm>
-            <a:prstGeom prst="roundRect">
-              <a:avLst>
-                <a:gd name="adj" fmla="val 50000"/>
-              </a:avLst>
-            </a:prstGeom>
-            <a:noFill/>
-            <a:ln w="38100">
-              <a:solidFill>
-                <a:schemeClr val="tx1">
-                  <a:lumMod val="65000"/>
-                  <a:lumOff val="35000"/>
-                </a:schemeClr>
-              </a:solidFill>
-            </a:ln>
-          </p:spPr>
-          <p:style>
-            <a:lnRef idx="2">
-              <a:schemeClr val="accent1">
-                <a:shade val="50000"/>
-              </a:schemeClr>
-            </a:lnRef>
-            <a:fillRef idx="1">
-              <a:schemeClr val="accent1"/>
-            </a:fillRef>
-            <a:effectRef idx="0">
-              <a:schemeClr val="accent1"/>
-            </a:effectRef>
-            <a:fontRef idx="minor">
-              <a:schemeClr val="lt1"/>
-            </a:fontRef>
-          </p:style>
-          <p:txBody>
-            <a:bodyPr rtlCol="0" anchor="ctr"/>
-            <a:lstStyle/>
-            <a:p>
-              <a:pPr algn="ctr"/>
-              <a:endParaRPr lang="zh-CN" altLang="en-US"/>
-            </a:p>
-          </p:txBody>
-        </p:sp>
-        <p:cxnSp>
-          <p:nvCxnSpPr>
-            <p:cNvPr id="5" name="直接箭头连接符 4">
-              <a:extLst>
-                <a:ext uri="{FF2B5EF4-FFF2-40B4-BE49-F238E27FC236}">
-                  <a16:creationId xmlns:a16="http://schemas.microsoft.com/office/drawing/2014/main" id="{55B7DCBF-B84A-4F34-AA58-D11A9D60E97D}"/>
-                </a:ext>
-              </a:extLst>
-            </p:cNvPr>
-            <p:cNvCxnSpPr>
-              <a:cxnSpLocks/>
-              <a:stCxn id="4" idx="0"/>
-            </p:cNvCxnSpPr>
-            <p:nvPr/>
-          </p:nvCxnSpPr>
-          <p:spPr>
-            <a:xfrm>
-              <a:off x="5451259" y="2517354"/>
-              <a:ext cx="0" cy="379082"/>
-            </a:xfrm>
-            <a:prstGeom prst="straightConnector1">
-              <a:avLst/>
-            </a:prstGeom>
-            <a:ln w="38100" cap="rnd">
-              <a:solidFill>
-                <a:schemeClr val="tx1">
-                  <a:lumMod val="65000"/>
-                  <a:lumOff val="35000"/>
-                </a:schemeClr>
-              </a:solidFill>
-              <a:round/>
-            </a:ln>
-          </p:spPr>
-          <p:style>
-            <a:lnRef idx="1">
-              <a:schemeClr val="accent1"/>
-            </a:lnRef>
-            <a:fillRef idx="0">
-              <a:schemeClr val="accent1"/>
-            </a:fillRef>
-            <a:effectRef idx="0">
-              <a:schemeClr val="accent1"/>
-            </a:effectRef>
-            <a:fontRef idx="minor">
-              <a:schemeClr val="tx1"/>
-            </a:fontRef>
-          </p:style>
-        </p:cxnSp>
-      </p:grpSp>
       <p:sp>
         <p:nvSpPr>
           <p:cNvPr id="23" name="矩形: 圆角 22">
@@ -6279,195 +6153,6 @@
           </a:p>
         </p:txBody>
       </p:sp>
-      <p:grpSp>
-        <p:nvGrpSpPr>
-          <p:cNvPr id="25" name="组合 24">
-            <a:extLst>
-              <a:ext uri="{FF2B5EF4-FFF2-40B4-BE49-F238E27FC236}">
-                <a16:creationId xmlns:a16="http://schemas.microsoft.com/office/drawing/2014/main" id="{8CCF84AF-1A48-410E-98CE-5C5C370C987C}"/>
-              </a:ext>
-            </a:extLst>
-          </p:cNvPr>
-          <p:cNvGrpSpPr/>
-          <p:nvPr/>
-        </p:nvGrpSpPr>
-        <p:grpSpPr>
-          <a:xfrm>
-            <a:off x="3063580" y="1674515"/>
-            <a:ext cx="560873" cy="1013637"/>
-            <a:chOff x="3063580" y="1674515"/>
-            <a:chExt cx="560873" cy="1013637"/>
-          </a:xfrm>
-        </p:grpSpPr>
-        <p:sp>
-          <p:nvSpPr>
-            <p:cNvPr id="21" name="任意多边形: 形状 20">
-              <a:extLst>
-                <a:ext uri="{FF2B5EF4-FFF2-40B4-BE49-F238E27FC236}">
-                  <a16:creationId xmlns:a16="http://schemas.microsoft.com/office/drawing/2014/main" id="{C5B03FEB-DD61-4DF7-823E-B52E58EF1317}"/>
-                </a:ext>
-              </a:extLst>
-            </p:cNvPr>
-            <p:cNvSpPr/>
-            <p:nvPr/>
-          </p:nvSpPr>
-          <p:spPr>
-            <a:xfrm>
-              <a:off x="3063580" y="1674516"/>
-              <a:ext cx="280437" cy="380591"/>
-            </a:xfrm>
-            <a:custGeom>
-              <a:avLst/>
-              <a:gdLst>
-                <a:gd name="connsiteX0" fmla="*/ 280437 w 280437"/>
-                <a:gd name="connsiteY0" fmla="*/ 0 h 380591"/>
-                <a:gd name="connsiteX1" fmla="*/ 280437 w 280437"/>
-                <a:gd name="connsiteY1" fmla="*/ 380591 h 380591"/>
-                <a:gd name="connsiteX2" fmla="*/ 0 w 280437"/>
-                <a:gd name="connsiteY2" fmla="*/ 380591 h 380591"/>
-                <a:gd name="connsiteX3" fmla="*/ 0 w 280437"/>
-                <a:gd name="connsiteY3" fmla="*/ 280437 h 380591"/>
-                <a:gd name="connsiteX4" fmla="*/ 280437 w 280437"/>
-                <a:gd name="connsiteY4" fmla="*/ 0 h 380591"/>
-              </a:gdLst>
-              <a:ahLst/>
-              <a:cxnLst>
-                <a:cxn ang="0">
-                  <a:pos x="connsiteX0" y="connsiteY0"/>
-                </a:cxn>
-                <a:cxn ang="0">
-                  <a:pos x="connsiteX1" y="connsiteY1"/>
-                </a:cxn>
-                <a:cxn ang="0">
-                  <a:pos x="connsiteX2" y="connsiteY2"/>
-                </a:cxn>
-                <a:cxn ang="0">
-                  <a:pos x="connsiteX3" y="connsiteY3"/>
-                </a:cxn>
-                <a:cxn ang="0">
-                  <a:pos x="connsiteX4" y="connsiteY4"/>
-                </a:cxn>
-              </a:cxnLst>
-              <a:rect l="l" t="t" r="r" b="b"/>
-              <a:pathLst>
-                <a:path w="280437" h="380591">
-                  <a:moveTo>
-                    <a:pt x="280437" y="0"/>
-                  </a:moveTo>
-                  <a:lnTo>
-                    <a:pt x="280437" y="380591"/>
-                  </a:lnTo>
-                  <a:lnTo>
-                    <a:pt x="0" y="380591"/>
-                  </a:lnTo>
-                  <a:lnTo>
-                    <a:pt x="0" y="280437"/>
-                  </a:lnTo>
-                  <a:cubicBezTo>
-                    <a:pt x="0" y="125556"/>
-                    <a:pt x="125556" y="0"/>
-                    <a:pt x="280437" y="0"/>
-                  </a:cubicBezTo>
-                  <a:close/>
-                </a:path>
-              </a:pathLst>
-            </a:custGeom>
-            <a:solidFill>
-              <a:schemeClr val="tx1">
-                <a:lumMod val="65000"/>
-                <a:lumOff val="35000"/>
-                <a:alpha val="75000"/>
-              </a:schemeClr>
-            </a:solidFill>
-            <a:ln w="38100">
-              <a:noFill/>
-            </a:ln>
-          </p:spPr>
-          <p:style>
-            <a:lnRef idx="2">
-              <a:schemeClr val="accent1">
-                <a:shade val="50000"/>
-              </a:schemeClr>
-            </a:lnRef>
-            <a:fillRef idx="1">
-              <a:schemeClr val="accent1"/>
-            </a:fillRef>
-            <a:effectRef idx="0">
-              <a:schemeClr val="accent1"/>
-            </a:effectRef>
-            <a:fontRef idx="minor">
-              <a:schemeClr val="lt1"/>
-            </a:fontRef>
-          </p:style>
-          <p:txBody>
-            <a:bodyPr wrap="square" rtlCol="0" anchor="ctr">
-              <a:noAutofit/>
-            </a:bodyPr>
-            <a:lstStyle/>
-            <a:p>
-              <a:pPr algn="ctr"/>
-              <a:endParaRPr lang="zh-CN" altLang="en-US"/>
-            </a:p>
-          </p:txBody>
-        </p:sp>
-        <p:sp>
-          <p:nvSpPr>
-            <p:cNvPr id="15" name="矩形: 圆角 14">
-              <a:extLst>
-                <a:ext uri="{FF2B5EF4-FFF2-40B4-BE49-F238E27FC236}">
-                  <a16:creationId xmlns:a16="http://schemas.microsoft.com/office/drawing/2014/main" id="{22514FF1-A304-4A6F-BFCA-1C7979C70B55}"/>
-                </a:ext>
-              </a:extLst>
-            </p:cNvPr>
-            <p:cNvSpPr/>
-            <p:nvPr/>
-          </p:nvSpPr>
-          <p:spPr>
-            <a:xfrm>
-              <a:off x="3063580" y="1674515"/>
-              <a:ext cx="560873" cy="1013637"/>
-            </a:xfrm>
-            <a:prstGeom prst="roundRect">
-              <a:avLst>
-                <a:gd name="adj" fmla="val 50000"/>
-              </a:avLst>
-            </a:prstGeom>
-            <a:noFill/>
-            <a:ln w="38100">
-              <a:solidFill>
-                <a:schemeClr val="tx1">
-                  <a:lumMod val="65000"/>
-                  <a:lumOff val="35000"/>
-                </a:schemeClr>
-              </a:solidFill>
-            </a:ln>
-          </p:spPr>
-          <p:style>
-            <a:lnRef idx="2">
-              <a:schemeClr val="accent1">
-                <a:shade val="50000"/>
-              </a:schemeClr>
-            </a:lnRef>
-            <a:fillRef idx="1">
-              <a:schemeClr val="accent1"/>
-            </a:fillRef>
-            <a:effectRef idx="0">
-              <a:schemeClr val="accent1"/>
-            </a:effectRef>
-            <a:fontRef idx="minor">
-              <a:schemeClr val="lt1"/>
-            </a:fontRef>
-          </p:style>
-          <p:txBody>
-            <a:bodyPr rtlCol="0" anchor="ctr"/>
-            <a:lstStyle/>
-            <a:p>
-              <a:pPr algn="ctr"/>
-              <a:endParaRPr lang="zh-CN" altLang="en-US"/>
-            </a:p>
-          </p:txBody>
-        </p:sp>
-      </p:grpSp>
       <p:sp>
         <p:nvSpPr>
           <p:cNvPr id="24" name="矩形: 圆角 23">
@@ -6524,10 +6209,10 @@
       </p:sp>
       <p:grpSp>
         <p:nvGrpSpPr>
-          <p:cNvPr id="29" name="组合 28">
-            <a:extLst>
-              <a:ext uri="{FF2B5EF4-FFF2-40B4-BE49-F238E27FC236}">
-                <a16:creationId xmlns:a16="http://schemas.microsoft.com/office/drawing/2014/main" id="{327786CC-52C6-474A-89A5-396A5E469953}"/>
+          <p:cNvPr id="67" name="组合 66">
+            <a:extLst>
+              <a:ext uri="{FF2B5EF4-FFF2-40B4-BE49-F238E27FC236}">
+                <a16:creationId xmlns:a16="http://schemas.microsoft.com/office/drawing/2014/main" id="{E7985E7A-2D54-4193-BFC6-A5E3452250A8}"/>
               </a:ext>
             </a:extLst>
           </p:cNvPr>
@@ -6536,129 +6221,18 @@
         </p:nvGrpSpPr>
         <p:grpSpPr>
           <a:xfrm>
-            <a:off x="4189373" y="1674515"/>
-            <a:ext cx="561236" cy="1013637"/>
-            <a:chOff x="4189373" y="1674515"/>
-            <a:chExt cx="561236" cy="1013637"/>
+            <a:off x="1642928" y="1479332"/>
+            <a:ext cx="1404000" cy="1404000"/>
+            <a:chOff x="1642928" y="1479332"/>
+            <a:chExt cx="1404000" cy="1404000"/>
           </a:xfrm>
         </p:grpSpPr>
         <p:sp>
           <p:nvSpPr>
-            <p:cNvPr id="27" name="任意多边形: 形状 26">
+            <p:cNvPr id="59" name="矩形 58">
               <a:extLst>
                 <a:ext uri="{FF2B5EF4-FFF2-40B4-BE49-F238E27FC236}">
-                  <a16:creationId xmlns:a16="http://schemas.microsoft.com/office/drawing/2014/main" id="{8198BF3F-5FD8-4068-A5EC-D332EDE1DF89}"/>
-                </a:ext>
-              </a:extLst>
-            </p:cNvPr>
-            <p:cNvSpPr/>
-            <p:nvPr/>
-          </p:nvSpPr>
-          <p:spPr>
-            <a:xfrm flipH="1">
-              <a:off x="4469809" y="1674515"/>
-              <a:ext cx="280800" cy="381600"/>
-            </a:xfrm>
-            <a:custGeom>
-              <a:avLst/>
-              <a:gdLst>
-                <a:gd name="connsiteX0" fmla="*/ 280437 w 280437"/>
-                <a:gd name="connsiteY0" fmla="*/ 0 h 380591"/>
-                <a:gd name="connsiteX1" fmla="*/ 280437 w 280437"/>
-                <a:gd name="connsiteY1" fmla="*/ 380591 h 380591"/>
-                <a:gd name="connsiteX2" fmla="*/ 0 w 280437"/>
-                <a:gd name="connsiteY2" fmla="*/ 380591 h 380591"/>
-                <a:gd name="connsiteX3" fmla="*/ 0 w 280437"/>
-                <a:gd name="connsiteY3" fmla="*/ 280437 h 380591"/>
-                <a:gd name="connsiteX4" fmla="*/ 280437 w 280437"/>
-                <a:gd name="connsiteY4" fmla="*/ 0 h 380591"/>
-              </a:gdLst>
-              <a:ahLst/>
-              <a:cxnLst>
-                <a:cxn ang="0">
-                  <a:pos x="connsiteX0" y="connsiteY0"/>
-                </a:cxn>
-                <a:cxn ang="0">
-                  <a:pos x="connsiteX1" y="connsiteY1"/>
-                </a:cxn>
-                <a:cxn ang="0">
-                  <a:pos x="connsiteX2" y="connsiteY2"/>
-                </a:cxn>
-                <a:cxn ang="0">
-                  <a:pos x="connsiteX3" y="connsiteY3"/>
-                </a:cxn>
-                <a:cxn ang="0">
-                  <a:pos x="connsiteX4" y="connsiteY4"/>
-                </a:cxn>
-              </a:cxnLst>
-              <a:rect l="l" t="t" r="r" b="b"/>
-              <a:pathLst>
-                <a:path w="280437" h="380591">
-                  <a:moveTo>
-                    <a:pt x="280437" y="0"/>
-                  </a:moveTo>
-                  <a:lnTo>
-                    <a:pt x="280437" y="380591"/>
-                  </a:lnTo>
-                  <a:lnTo>
-                    <a:pt x="0" y="380591"/>
-                  </a:lnTo>
-                  <a:lnTo>
-                    <a:pt x="0" y="280437"/>
-                  </a:lnTo>
-                  <a:cubicBezTo>
-                    <a:pt x="0" y="125556"/>
-                    <a:pt x="125556" y="0"/>
-                    <a:pt x="280437" y="0"/>
-                  </a:cubicBezTo>
-                  <a:close/>
-                </a:path>
-              </a:pathLst>
-            </a:custGeom>
-            <a:solidFill>
-              <a:schemeClr val="tx1">
-                <a:lumMod val="65000"/>
-                <a:lumOff val="35000"/>
-                <a:alpha val="75000"/>
-              </a:schemeClr>
-            </a:solidFill>
-            <a:ln w="38100">
-              <a:noFill/>
-            </a:ln>
-          </p:spPr>
-          <p:style>
-            <a:lnRef idx="2">
-              <a:schemeClr val="accent1">
-                <a:shade val="50000"/>
-              </a:schemeClr>
-            </a:lnRef>
-            <a:fillRef idx="1">
-              <a:schemeClr val="accent1"/>
-            </a:fillRef>
-            <a:effectRef idx="0">
-              <a:schemeClr val="accent1"/>
-            </a:effectRef>
-            <a:fontRef idx="minor">
-              <a:schemeClr val="lt1"/>
-            </a:fontRef>
-          </p:style>
-          <p:txBody>
-            <a:bodyPr wrap="square" rtlCol="0" anchor="ctr">
-              <a:noAutofit/>
-            </a:bodyPr>
-            <a:lstStyle/>
-            <a:p>
-              <a:pPr algn="ctr"/>
-              <a:endParaRPr lang="zh-CN" altLang="en-US"/>
-            </a:p>
-          </p:txBody>
-        </p:sp>
-        <p:sp>
-          <p:nvSpPr>
-            <p:cNvPr id="28" name="矩形: 圆角 27">
-              <a:extLst>
-                <a:ext uri="{FF2B5EF4-FFF2-40B4-BE49-F238E27FC236}">
-                  <a16:creationId xmlns:a16="http://schemas.microsoft.com/office/drawing/2014/main" id="{FAB259C5-BD8A-4F40-983D-2425CD5C086D}"/>
+                  <a16:creationId xmlns:a16="http://schemas.microsoft.com/office/drawing/2014/main" id="{3AEC681E-2681-4890-A11B-96C052D4313D}"/>
                 </a:ext>
               </a:extLst>
             </p:cNvPr>
@@ -6667,22 +6241,17 @@
           </p:nvSpPr>
           <p:spPr>
             <a:xfrm>
-              <a:off x="4189373" y="1674515"/>
-              <a:ext cx="560873" cy="1013637"/>
+              <a:off x="1642928" y="1479332"/>
+              <a:ext cx="1404000" cy="1404000"/>
             </a:xfrm>
-            <a:prstGeom prst="roundRect">
-              <a:avLst>
-                <a:gd name="adj" fmla="val 50000"/>
-              </a:avLst>
+            <a:prstGeom prst="rect">
+              <a:avLst/>
             </a:prstGeom>
-            <a:noFill/>
-            <a:ln w="38100">
-              <a:solidFill>
-                <a:schemeClr val="tx1">
-                  <a:lumMod val="65000"/>
-                  <a:lumOff val="35000"/>
-                </a:schemeClr>
-              </a:solidFill>
+            <a:solidFill>
+              <a:schemeClr val="bg1"/>
+            </a:solidFill>
+            <a:ln>
+              <a:noFill/>
             </a:ln>
           </p:spPr>
           <p:style>
@@ -6710,100 +6279,1303 @@
             </a:p>
           </p:txBody>
         </p:sp>
+        <p:grpSp>
+          <p:nvGrpSpPr>
+            <p:cNvPr id="29" name="组合 28">
+              <a:extLst>
+                <a:ext uri="{FF2B5EF4-FFF2-40B4-BE49-F238E27FC236}">
+                  <a16:creationId xmlns:a16="http://schemas.microsoft.com/office/drawing/2014/main" id="{327786CC-52C6-474A-89A5-396A5E469953}"/>
+                </a:ext>
+              </a:extLst>
+            </p:cNvPr>
+            <p:cNvGrpSpPr/>
+            <p:nvPr/>
+          </p:nvGrpSpPr>
+          <p:grpSpPr>
+            <a:xfrm>
+              <a:off x="2064310" y="1674512"/>
+              <a:ext cx="561236" cy="1013637"/>
+              <a:chOff x="4189373" y="1674515"/>
+              <a:chExt cx="561236" cy="1013637"/>
+            </a:xfrm>
+          </p:grpSpPr>
+          <p:sp>
+            <p:nvSpPr>
+              <p:cNvPr id="27" name="任意多边形: 形状 26">
+                <a:extLst>
+                  <a:ext uri="{FF2B5EF4-FFF2-40B4-BE49-F238E27FC236}">
+                    <a16:creationId xmlns:a16="http://schemas.microsoft.com/office/drawing/2014/main" id="{8198BF3F-5FD8-4068-A5EC-D332EDE1DF89}"/>
+                  </a:ext>
+                </a:extLst>
+              </p:cNvPr>
+              <p:cNvSpPr/>
+              <p:nvPr/>
+            </p:nvSpPr>
+            <p:spPr>
+              <a:xfrm flipH="1">
+                <a:off x="4469809" y="1674515"/>
+                <a:ext cx="280800" cy="381600"/>
+              </a:xfrm>
+              <a:custGeom>
+                <a:avLst/>
+                <a:gdLst>
+                  <a:gd name="connsiteX0" fmla="*/ 280437 w 280437"/>
+                  <a:gd name="connsiteY0" fmla="*/ 0 h 380591"/>
+                  <a:gd name="connsiteX1" fmla="*/ 280437 w 280437"/>
+                  <a:gd name="connsiteY1" fmla="*/ 380591 h 380591"/>
+                  <a:gd name="connsiteX2" fmla="*/ 0 w 280437"/>
+                  <a:gd name="connsiteY2" fmla="*/ 380591 h 380591"/>
+                  <a:gd name="connsiteX3" fmla="*/ 0 w 280437"/>
+                  <a:gd name="connsiteY3" fmla="*/ 280437 h 380591"/>
+                  <a:gd name="connsiteX4" fmla="*/ 280437 w 280437"/>
+                  <a:gd name="connsiteY4" fmla="*/ 0 h 380591"/>
+                </a:gdLst>
+                <a:ahLst/>
+                <a:cxnLst>
+                  <a:cxn ang="0">
+                    <a:pos x="connsiteX0" y="connsiteY0"/>
+                  </a:cxn>
+                  <a:cxn ang="0">
+                    <a:pos x="connsiteX1" y="connsiteY1"/>
+                  </a:cxn>
+                  <a:cxn ang="0">
+                    <a:pos x="connsiteX2" y="connsiteY2"/>
+                  </a:cxn>
+                  <a:cxn ang="0">
+                    <a:pos x="connsiteX3" y="connsiteY3"/>
+                  </a:cxn>
+                  <a:cxn ang="0">
+                    <a:pos x="connsiteX4" y="connsiteY4"/>
+                  </a:cxn>
+                </a:cxnLst>
+                <a:rect l="l" t="t" r="r" b="b"/>
+                <a:pathLst>
+                  <a:path w="280437" h="380591">
+                    <a:moveTo>
+                      <a:pt x="280437" y="0"/>
+                    </a:moveTo>
+                    <a:lnTo>
+                      <a:pt x="280437" y="380591"/>
+                    </a:lnTo>
+                    <a:lnTo>
+                      <a:pt x="0" y="380591"/>
+                    </a:lnTo>
+                    <a:lnTo>
+                      <a:pt x="0" y="280437"/>
+                    </a:lnTo>
+                    <a:cubicBezTo>
+                      <a:pt x="0" y="125556"/>
+                      <a:pt x="125556" y="0"/>
+                      <a:pt x="280437" y="0"/>
+                    </a:cubicBezTo>
+                    <a:close/>
+                  </a:path>
+                </a:pathLst>
+              </a:custGeom>
+              <a:solidFill>
+                <a:schemeClr val="tx1">
+                  <a:lumMod val="65000"/>
+                  <a:lumOff val="35000"/>
+                  <a:alpha val="75000"/>
+                </a:schemeClr>
+              </a:solidFill>
+              <a:ln w="76200">
+                <a:solidFill>
+                  <a:srgbClr val="000000">
+                    <a:alpha val="0"/>
+                  </a:srgbClr>
+                </a:solidFill>
+              </a:ln>
+            </p:spPr>
+            <p:style>
+              <a:lnRef idx="2">
+                <a:schemeClr val="accent1">
+                  <a:shade val="50000"/>
+                </a:schemeClr>
+              </a:lnRef>
+              <a:fillRef idx="1">
+                <a:schemeClr val="accent1"/>
+              </a:fillRef>
+              <a:effectRef idx="0">
+                <a:schemeClr val="accent1"/>
+              </a:effectRef>
+              <a:fontRef idx="minor">
+                <a:schemeClr val="lt1"/>
+              </a:fontRef>
+            </p:style>
+            <p:txBody>
+              <a:bodyPr wrap="square" rtlCol="0" anchor="ctr">
+                <a:noAutofit/>
+              </a:bodyPr>
+              <a:lstStyle/>
+              <a:p>
+                <a:pPr algn="ctr"/>
+                <a:endParaRPr lang="zh-CN" altLang="en-US"/>
+              </a:p>
+            </p:txBody>
+          </p:sp>
+          <p:sp>
+            <p:nvSpPr>
+              <p:cNvPr id="28" name="矩形: 圆角 27">
+                <a:extLst>
+                  <a:ext uri="{FF2B5EF4-FFF2-40B4-BE49-F238E27FC236}">
+                    <a16:creationId xmlns:a16="http://schemas.microsoft.com/office/drawing/2014/main" id="{FAB259C5-BD8A-4F40-983D-2425CD5C086D}"/>
+                  </a:ext>
+                </a:extLst>
+              </p:cNvPr>
+              <p:cNvSpPr/>
+              <p:nvPr/>
+            </p:nvSpPr>
+            <p:spPr>
+              <a:xfrm>
+                <a:off x="4189373" y="1674515"/>
+                <a:ext cx="560873" cy="1013637"/>
+              </a:xfrm>
+              <a:prstGeom prst="roundRect">
+                <a:avLst>
+                  <a:gd name="adj" fmla="val 50000"/>
+                </a:avLst>
+              </a:prstGeom>
+              <a:noFill/>
+              <a:ln w="76200">
+                <a:solidFill>
+                  <a:schemeClr val="tx1">
+                    <a:lumMod val="65000"/>
+                    <a:lumOff val="35000"/>
+                  </a:schemeClr>
+                </a:solidFill>
+              </a:ln>
+            </p:spPr>
+            <p:style>
+              <a:lnRef idx="2">
+                <a:schemeClr val="accent1">
+                  <a:shade val="50000"/>
+                </a:schemeClr>
+              </a:lnRef>
+              <a:fillRef idx="1">
+                <a:schemeClr val="accent1"/>
+              </a:fillRef>
+              <a:effectRef idx="0">
+                <a:schemeClr val="accent1"/>
+              </a:effectRef>
+              <a:fontRef idx="minor">
+                <a:schemeClr val="lt1"/>
+              </a:fontRef>
+            </p:style>
+            <p:txBody>
+              <a:bodyPr rtlCol="0" anchor="ctr"/>
+              <a:lstStyle/>
+              <a:p>
+                <a:pPr algn="ctr"/>
+                <a:endParaRPr lang="zh-CN" altLang="en-US"/>
+              </a:p>
+            </p:txBody>
+          </p:sp>
+        </p:grpSp>
       </p:grpSp>
-      <p:sp>
-        <p:nvSpPr>
-          <p:cNvPr id="30" name="矩形: 圆角 29">
-            <a:extLst>
-              <a:ext uri="{FF2B5EF4-FFF2-40B4-BE49-F238E27FC236}">
-                <a16:creationId xmlns:a16="http://schemas.microsoft.com/office/drawing/2014/main" id="{ED7BD5A2-600A-4EE4-AFC4-FC4528B40D8E}"/>
-              </a:ext>
-            </a:extLst>
-          </p:cNvPr>
-          <p:cNvSpPr/>
+      <p:grpSp>
+        <p:nvGrpSpPr>
+          <p:cNvPr id="68" name="组合 67">
+            <a:extLst>
+              <a:ext uri="{FF2B5EF4-FFF2-40B4-BE49-F238E27FC236}">
+                <a16:creationId xmlns:a16="http://schemas.microsoft.com/office/drawing/2014/main" id="{D3ED7F21-0EE5-40A5-913A-AAE5D0D21D55}"/>
+              </a:ext>
+            </a:extLst>
+          </p:cNvPr>
+          <p:cNvGrpSpPr/>
           <p:nvPr/>
-        </p:nvSpPr>
-        <p:spPr>
+        </p:nvGrpSpPr>
+        <p:grpSpPr>
           <a:xfrm>
-            <a:off x="1756421" y="3260459"/>
-            <a:ext cx="576000" cy="576000"/>
+            <a:off x="3624453" y="1479330"/>
+            <a:ext cx="1404000" cy="1404000"/>
+            <a:chOff x="3624453" y="1479330"/>
+            <a:chExt cx="1404000" cy="1404000"/>
           </a:xfrm>
-          <a:prstGeom prst="roundRect">
-            <a:avLst>
-              <a:gd name="adj" fmla="val 0"/>
-            </a:avLst>
-          </a:prstGeom>
-          <a:noFill/>
-          <a:ln w="38100">
+        </p:grpSpPr>
+        <p:sp>
+          <p:nvSpPr>
+            <p:cNvPr id="64" name="矩形 63">
+              <a:extLst>
+                <a:ext uri="{FF2B5EF4-FFF2-40B4-BE49-F238E27FC236}">
+                  <a16:creationId xmlns:a16="http://schemas.microsoft.com/office/drawing/2014/main" id="{1D20AA0A-D53A-43B3-9CD3-5A790D82B211}"/>
+                </a:ext>
+              </a:extLst>
+            </p:cNvPr>
+            <p:cNvSpPr/>
+            <p:nvPr/>
+          </p:nvSpPr>
+          <p:spPr>
+            <a:xfrm>
+              <a:off x="3624453" y="1479330"/>
+              <a:ext cx="1404000" cy="1404000"/>
+            </a:xfrm>
+            <a:prstGeom prst="rect">
+              <a:avLst/>
+            </a:prstGeom>
             <a:solidFill>
-              <a:schemeClr val="tx1">
-                <a:lumMod val="65000"/>
-                <a:lumOff val="35000"/>
+              <a:schemeClr val="bg1"/>
+            </a:solidFill>
+            <a:ln>
+              <a:noFill/>
+            </a:ln>
+          </p:spPr>
+          <p:style>
+            <a:lnRef idx="2">
+              <a:schemeClr val="accent1">
+                <a:shade val="50000"/>
               </a:schemeClr>
+            </a:lnRef>
+            <a:fillRef idx="1">
+              <a:schemeClr val="accent1"/>
+            </a:fillRef>
+            <a:effectRef idx="0">
+              <a:schemeClr val="accent1"/>
+            </a:effectRef>
+            <a:fontRef idx="minor">
+              <a:schemeClr val="lt1"/>
+            </a:fontRef>
+          </p:style>
+          <p:txBody>
+            <a:bodyPr rtlCol="0" anchor="ctr"/>
+            <a:lstStyle/>
+            <a:p>
+              <a:pPr algn="ctr"/>
+              <a:endParaRPr lang="zh-CN" altLang="en-US"/>
+            </a:p>
+          </p:txBody>
+        </p:sp>
+        <p:grpSp>
+          <p:nvGrpSpPr>
+            <p:cNvPr id="16" name="组合 15">
+              <a:extLst>
+                <a:ext uri="{FF2B5EF4-FFF2-40B4-BE49-F238E27FC236}">
+                  <a16:creationId xmlns:a16="http://schemas.microsoft.com/office/drawing/2014/main" id="{F368BCA2-8780-4FA6-A666-0585024E7869}"/>
+                </a:ext>
+              </a:extLst>
+            </p:cNvPr>
+            <p:cNvGrpSpPr/>
+            <p:nvPr/>
+          </p:nvGrpSpPr>
+          <p:grpSpPr>
+            <a:xfrm>
+              <a:off x="4046016" y="1674512"/>
+              <a:ext cx="560873" cy="1013637"/>
+              <a:chOff x="5183435" y="2517354"/>
+              <a:chExt cx="535647" cy="1009617"/>
+            </a:xfrm>
+          </p:grpSpPr>
+          <p:cxnSp>
+            <p:nvCxnSpPr>
+              <p:cNvPr id="18" name="直接箭头连接符 17">
+                <a:extLst>
+                  <a:ext uri="{FF2B5EF4-FFF2-40B4-BE49-F238E27FC236}">
+                    <a16:creationId xmlns:a16="http://schemas.microsoft.com/office/drawing/2014/main" id="{753DC245-079D-4400-8E55-056E46B98141}"/>
+                  </a:ext>
+                </a:extLst>
+              </p:cNvPr>
+              <p:cNvCxnSpPr>
+                <a:cxnSpLocks/>
+                <a:stCxn id="17" idx="0"/>
+              </p:cNvCxnSpPr>
+              <p:nvPr/>
+            </p:nvCxnSpPr>
+            <p:spPr>
+              <a:xfrm>
+                <a:off x="5451259" y="2517354"/>
+                <a:ext cx="0" cy="379082"/>
+              </a:xfrm>
+              <a:prstGeom prst="straightConnector1">
+                <a:avLst/>
+              </a:prstGeom>
+              <a:ln w="76200" cap="rnd">
+                <a:solidFill>
+                  <a:schemeClr val="bg1">
+                    <a:lumMod val="75000"/>
+                  </a:schemeClr>
+                </a:solidFill>
+                <a:round/>
+              </a:ln>
+            </p:spPr>
+            <p:style>
+              <a:lnRef idx="1">
+                <a:schemeClr val="accent1"/>
+              </a:lnRef>
+              <a:fillRef idx="0">
+                <a:schemeClr val="accent1"/>
+              </a:fillRef>
+              <a:effectRef idx="0">
+                <a:schemeClr val="accent1"/>
+              </a:effectRef>
+              <a:fontRef idx="minor">
+                <a:schemeClr val="tx1"/>
+              </a:fontRef>
+            </p:style>
+          </p:cxnSp>
+          <p:sp>
+            <p:nvSpPr>
+              <p:cNvPr id="17" name="矩形: 圆角 16">
+                <a:extLst>
+                  <a:ext uri="{FF2B5EF4-FFF2-40B4-BE49-F238E27FC236}">
+                    <a16:creationId xmlns:a16="http://schemas.microsoft.com/office/drawing/2014/main" id="{EAD3E3B2-A523-4339-AD0A-9E6251990FE7}"/>
+                  </a:ext>
+                </a:extLst>
+              </p:cNvPr>
+              <p:cNvSpPr/>
+              <p:nvPr/>
+            </p:nvSpPr>
+            <p:spPr>
+              <a:xfrm>
+                <a:off x="5183435" y="2517354"/>
+                <a:ext cx="535647" cy="1009617"/>
+              </a:xfrm>
+              <a:prstGeom prst="roundRect">
+                <a:avLst>
+                  <a:gd name="adj" fmla="val 50000"/>
+                </a:avLst>
+              </a:prstGeom>
+              <a:noFill/>
+              <a:ln w="76200">
+                <a:solidFill>
+                  <a:schemeClr val="tx1">
+                    <a:lumMod val="65000"/>
+                    <a:lumOff val="35000"/>
+                  </a:schemeClr>
+                </a:solidFill>
+              </a:ln>
+            </p:spPr>
+            <p:style>
+              <a:lnRef idx="2">
+                <a:schemeClr val="accent1">
+                  <a:shade val="50000"/>
+                </a:schemeClr>
+              </a:lnRef>
+              <a:fillRef idx="1">
+                <a:schemeClr val="accent1"/>
+              </a:fillRef>
+              <a:effectRef idx="0">
+                <a:schemeClr val="accent1"/>
+              </a:effectRef>
+              <a:fontRef idx="minor">
+                <a:schemeClr val="lt1"/>
+              </a:fontRef>
+            </p:style>
+            <p:txBody>
+              <a:bodyPr rtlCol="0" anchor="ctr"/>
+              <a:lstStyle/>
+              <a:p>
+                <a:pPr algn="ctr"/>
+                <a:endParaRPr lang="zh-CN" altLang="en-US"/>
+              </a:p>
+            </p:txBody>
+          </p:sp>
+        </p:grpSp>
+      </p:grpSp>
+      <p:grpSp>
+        <p:nvGrpSpPr>
+          <p:cNvPr id="72" name="组合 71">
+            <a:extLst>
+              <a:ext uri="{FF2B5EF4-FFF2-40B4-BE49-F238E27FC236}">
+                <a16:creationId xmlns:a16="http://schemas.microsoft.com/office/drawing/2014/main" id="{4465650C-723A-42C0-B768-5AF6AFC6F1AA}"/>
+              </a:ext>
+            </a:extLst>
+          </p:cNvPr>
+          <p:cNvGrpSpPr/>
+          <p:nvPr/>
+        </p:nvGrpSpPr>
+        <p:grpSpPr>
+          <a:xfrm>
+            <a:off x="5880316" y="3078512"/>
+            <a:ext cx="1404000" cy="1404000"/>
+            <a:chOff x="5880316" y="3078512"/>
+            <a:chExt cx="1404000" cy="1404000"/>
+          </a:xfrm>
+        </p:grpSpPr>
+        <p:sp>
+          <p:nvSpPr>
+            <p:cNvPr id="66" name="矩形 65">
+              <a:extLst>
+                <a:ext uri="{FF2B5EF4-FFF2-40B4-BE49-F238E27FC236}">
+                  <a16:creationId xmlns:a16="http://schemas.microsoft.com/office/drawing/2014/main" id="{F387385D-24C8-4A2F-A775-BD00A780D35C}"/>
+                </a:ext>
+              </a:extLst>
+            </p:cNvPr>
+            <p:cNvSpPr/>
+            <p:nvPr/>
+          </p:nvSpPr>
+          <p:spPr>
+            <a:xfrm>
+              <a:off x="5880316" y="3078512"/>
+              <a:ext cx="1404000" cy="1404000"/>
+            </a:xfrm>
+            <a:prstGeom prst="rect">
+              <a:avLst/>
+            </a:prstGeom>
+            <a:solidFill>
+              <a:schemeClr val="bg1"/>
             </a:solidFill>
-          </a:ln>
-        </p:spPr>
-        <p:style>
-          <a:lnRef idx="2">
-            <a:schemeClr val="accent1">
-              <a:shade val="50000"/>
-            </a:schemeClr>
-          </a:lnRef>
-          <a:fillRef idx="1">
-            <a:schemeClr val="accent1"/>
-          </a:fillRef>
-          <a:effectRef idx="0">
-            <a:schemeClr val="accent1"/>
-          </a:effectRef>
-          <a:fontRef idx="minor">
-            <a:schemeClr val="lt1"/>
-          </a:fontRef>
-        </p:style>
-        <p:txBody>
-          <a:bodyPr rtlCol="0" anchor="ctr"/>
-          <a:lstStyle/>
-          <a:p>
-            <a:pPr algn="ctr"/>
-            <a:endParaRPr lang="zh-CN" altLang="en-US"/>
-          </a:p>
-        </p:txBody>
-      </p:sp>
-      <p:pic>
-        <p:nvPicPr>
-          <p:cNvPr id="39" name="图片 38">
-            <a:extLst>
-              <a:ext uri="{FF2B5EF4-FFF2-40B4-BE49-F238E27FC236}">
-                <a16:creationId xmlns:a16="http://schemas.microsoft.com/office/drawing/2014/main" id="{4C8C9055-D1F5-4A7B-8331-9B0608354414}"/>
-              </a:ext>
-            </a:extLst>
-          </p:cNvPr>
-          <p:cNvPicPr>
-            <a:picLocks noChangeAspect="1"/>
-          </p:cNvPicPr>
+            <a:ln>
+              <a:noFill/>
+            </a:ln>
+          </p:spPr>
+          <p:style>
+            <a:lnRef idx="2">
+              <a:schemeClr val="accent1">
+                <a:shade val="50000"/>
+              </a:schemeClr>
+            </a:lnRef>
+            <a:fillRef idx="1">
+              <a:schemeClr val="accent1"/>
+            </a:fillRef>
+            <a:effectRef idx="0">
+              <a:schemeClr val="accent1"/>
+            </a:effectRef>
+            <a:fontRef idx="minor">
+              <a:schemeClr val="lt1"/>
+            </a:fontRef>
+          </p:style>
+          <p:txBody>
+            <a:bodyPr rtlCol="0" anchor="ctr"/>
+            <a:lstStyle/>
+            <a:p>
+              <a:pPr algn="ctr"/>
+              <a:endParaRPr lang="zh-CN" altLang="en-US"/>
+            </a:p>
+          </p:txBody>
+        </p:sp>
+        <p:grpSp>
+          <p:nvGrpSpPr>
+            <p:cNvPr id="2" name="组合 1">
+              <a:extLst>
+                <a:ext uri="{FF2B5EF4-FFF2-40B4-BE49-F238E27FC236}">
+                  <a16:creationId xmlns:a16="http://schemas.microsoft.com/office/drawing/2014/main" id="{CE5215D1-92C6-49D7-A9B3-45434C1F40D3}"/>
+                </a:ext>
+              </a:extLst>
+            </p:cNvPr>
+            <p:cNvGrpSpPr/>
+            <p:nvPr/>
+          </p:nvGrpSpPr>
+          <p:grpSpPr>
+            <a:xfrm>
+              <a:off x="6157878" y="3348512"/>
+              <a:ext cx="848875" cy="864000"/>
+              <a:chOff x="1756421" y="3260459"/>
+              <a:chExt cx="848875" cy="864000"/>
+            </a:xfrm>
+          </p:grpSpPr>
+          <p:sp>
+            <p:nvSpPr>
+              <p:cNvPr id="30" name="矩形: 圆角 29">
+                <a:extLst>
+                  <a:ext uri="{FF2B5EF4-FFF2-40B4-BE49-F238E27FC236}">
+                    <a16:creationId xmlns:a16="http://schemas.microsoft.com/office/drawing/2014/main" id="{ED7BD5A2-600A-4EE4-AFC4-FC4528B40D8E}"/>
+                  </a:ext>
+                </a:extLst>
+              </p:cNvPr>
+              <p:cNvSpPr/>
+              <p:nvPr/>
+            </p:nvSpPr>
+            <p:spPr>
+              <a:xfrm>
+                <a:off x="1756421" y="3260459"/>
+                <a:ext cx="576000" cy="576000"/>
+              </a:xfrm>
+              <a:prstGeom prst="roundRect">
+                <a:avLst>
+                  <a:gd name="adj" fmla="val 0"/>
+                </a:avLst>
+              </a:prstGeom>
+              <a:noFill/>
+              <a:ln w="76200">
+                <a:solidFill>
+                  <a:schemeClr val="tx1">
+                    <a:lumMod val="65000"/>
+                    <a:lumOff val="35000"/>
+                  </a:schemeClr>
+                </a:solidFill>
+              </a:ln>
+            </p:spPr>
+            <p:style>
+              <a:lnRef idx="2">
+                <a:schemeClr val="accent1">
+                  <a:shade val="50000"/>
+                </a:schemeClr>
+              </a:lnRef>
+              <a:fillRef idx="1">
+                <a:schemeClr val="accent1"/>
+              </a:fillRef>
+              <a:effectRef idx="0">
+                <a:schemeClr val="accent1"/>
+              </a:effectRef>
+              <a:fontRef idx="minor">
+                <a:schemeClr val="lt1"/>
+              </a:fontRef>
+            </p:style>
+            <p:txBody>
+              <a:bodyPr rtlCol="0" anchor="ctr"/>
+              <a:lstStyle/>
+              <a:p>
+                <a:pPr algn="ctr"/>
+                <a:endParaRPr lang="zh-CN" altLang="en-US"/>
+              </a:p>
+            </p:txBody>
+          </p:sp>
+          <p:sp>
+            <p:nvSpPr>
+              <p:cNvPr id="26" name="椭圆 25">
+                <a:extLst>
+                  <a:ext uri="{FF2B5EF4-FFF2-40B4-BE49-F238E27FC236}">
+                    <a16:creationId xmlns:a16="http://schemas.microsoft.com/office/drawing/2014/main" id="{30A20275-36B8-41E9-A9A9-DC6B04170779}"/>
+                  </a:ext>
+                </a:extLst>
+              </p:cNvPr>
+              <p:cNvSpPr/>
+              <p:nvPr/>
+            </p:nvSpPr>
+            <p:spPr>
+              <a:xfrm>
+                <a:off x="2029296" y="3548459"/>
+                <a:ext cx="576000" cy="576000"/>
+              </a:xfrm>
+              <a:prstGeom prst="ellipse">
+                <a:avLst/>
+              </a:prstGeom>
+              <a:noFill/>
+              <a:ln w="76200">
+                <a:solidFill>
+                  <a:schemeClr val="tx1">
+                    <a:lumMod val="65000"/>
+                    <a:lumOff val="35000"/>
+                  </a:schemeClr>
+                </a:solidFill>
+              </a:ln>
+            </p:spPr>
+            <p:style>
+              <a:lnRef idx="2">
+                <a:schemeClr val="accent1">
+                  <a:shade val="50000"/>
+                </a:schemeClr>
+              </a:lnRef>
+              <a:fillRef idx="1">
+                <a:schemeClr val="accent1"/>
+              </a:fillRef>
+              <a:effectRef idx="0">
+                <a:schemeClr val="accent1"/>
+              </a:effectRef>
+              <a:fontRef idx="minor">
+                <a:schemeClr val="lt1"/>
+              </a:fontRef>
+            </p:style>
+            <p:txBody>
+              <a:bodyPr rtlCol="0" anchor="ctr"/>
+              <a:lstStyle/>
+              <a:p>
+                <a:pPr algn="ctr"/>
+                <a:endParaRPr lang="zh-CN" altLang="en-US"/>
+              </a:p>
+            </p:txBody>
+          </p:sp>
+        </p:grpSp>
+      </p:grpSp>
+      <p:grpSp>
+        <p:nvGrpSpPr>
+          <p:cNvPr id="71" name="组合 70">
+            <a:extLst>
+              <a:ext uri="{FF2B5EF4-FFF2-40B4-BE49-F238E27FC236}">
+                <a16:creationId xmlns:a16="http://schemas.microsoft.com/office/drawing/2014/main" id="{CBDF1838-2591-46C5-9B0F-9AB58B94C01A}"/>
+              </a:ext>
+            </a:extLst>
+          </p:cNvPr>
+          <p:cNvGrpSpPr/>
           <p:nvPr/>
-        </p:nvPicPr>
-        <p:blipFill>
-          <a:blip r:embed="rId2">
-            <a:extLst>
-              <a:ext uri="{28A0092B-C50C-407E-A947-70E740481C1C}">
-                <a14:useLocalDpi xmlns:a14="http://schemas.microsoft.com/office/drawing/2010/main" val="0"/>
-              </a:ext>
-            </a:extLst>
-          </a:blip>
-          <a:stretch>
-            <a:fillRect/>
-          </a:stretch>
-        </p:blipFill>
-        <p:spPr>
+        </p:nvGrpSpPr>
+        <p:grpSpPr>
           <a:xfrm>
-            <a:off x="2044421" y="3442509"/>
-            <a:ext cx="609600" cy="609600"/>
+            <a:off x="4046016" y="3078512"/>
+            <a:ext cx="1404000" cy="1404000"/>
+            <a:chOff x="4046016" y="3078512"/>
+            <a:chExt cx="1404000" cy="1404000"/>
           </a:xfrm>
-          <a:prstGeom prst="rect">
-            <a:avLst/>
-          </a:prstGeom>
-        </p:spPr>
-      </p:pic>
+        </p:grpSpPr>
+        <p:sp>
+          <p:nvSpPr>
+            <p:cNvPr id="65" name="矩形 64">
+              <a:extLst>
+                <a:ext uri="{FF2B5EF4-FFF2-40B4-BE49-F238E27FC236}">
+                  <a16:creationId xmlns:a16="http://schemas.microsoft.com/office/drawing/2014/main" id="{462E4C2A-B857-45E1-81B6-240ED660A493}"/>
+                </a:ext>
+              </a:extLst>
+            </p:cNvPr>
+            <p:cNvSpPr/>
+            <p:nvPr/>
+          </p:nvSpPr>
+          <p:spPr>
+            <a:xfrm>
+              <a:off x="4046016" y="3078512"/>
+              <a:ext cx="1404000" cy="1404000"/>
+            </a:xfrm>
+            <a:prstGeom prst="rect">
+              <a:avLst/>
+            </a:prstGeom>
+            <a:solidFill>
+              <a:schemeClr val="bg1"/>
+            </a:solidFill>
+            <a:ln>
+              <a:noFill/>
+            </a:ln>
+          </p:spPr>
+          <p:style>
+            <a:lnRef idx="2">
+              <a:schemeClr val="accent1">
+                <a:shade val="50000"/>
+              </a:schemeClr>
+            </a:lnRef>
+            <a:fillRef idx="1">
+              <a:schemeClr val="accent1"/>
+            </a:fillRef>
+            <a:effectRef idx="0">
+              <a:schemeClr val="accent1"/>
+            </a:effectRef>
+            <a:fontRef idx="minor">
+              <a:schemeClr val="lt1"/>
+            </a:fontRef>
+          </p:style>
+          <p:txBody>
+            <a:bodyPr rtlCol="0" anchor="ctr"/>
+            <a:lstStyle/>
+            <a:p>
+              <a:pPr algn="ctr"/>
+              <a:endParaRPr lang="zh-CN" altLang="en-US"/>
+            </a:p>
+          </p:txBody>
+        </p:sp>
+        <p:grpSp>
+          <p:nvGrpSpPr>
+            <p:cNvPr id="55" name="组合 54">
+              <a:extLst>
+                <a:ext uri="{FF2B5EF4-FFF2-40B4-BE49-F238E27FC236}">
+                  <a16:creationId xmlns:a16="http://schemas.microsoft.com/office/drawing/2014/main" id="{7A4F7214-F112-4482-A311-C9A7C5E24A6B}"/>
+                </a:ext>
+              </a:extLst>
+            </p:cNvPr>
+            <p:cNvGrpSpPr>
+              <a:grpSpLocks noChangeAspect="1"/>
+            </p:cNvGrpSpPr>
+            <p:nvPr/>
+          </p:nvGrpSpPr>
+          <p:grpSpPr>
+            <a:xfrm>
+              <a:off x="4316016" y="3520881"/>
+              <a:ext cx="864000" cy="519261"/>
+              <a:chOff x="3063580" y="3260459"/>
+              <a:chExt cx="560873" cy="337082"/>
+            </a:xfrm>
+          </p:grpSpPr>
+          <p:cxnSp>
+            <p:nvCxnSpPr>
+              <p:cNvPr id="32" name="直接箭头连接符 31">
+                <a:extLst>
+                  <a:ext uri="{FF2B5EF4-FFF2-40B4-BE49-F238E27FC236}">
+                    <a16:creationId xmlns:a16="http://schemas.microsoft.com/office/drawing/2014/main" id="{0D0172C5-7954-494E-9D03-991D406DB05E}"/>
+                  </a:ext>
+                </a:extLst>
+              </p:cNvPr>
+              <p:cNvCxnSpPr>
+                <a:cxnSpLocks/>
+              </p:cNvCxnSpPr>
+              <p:nvPr/>
+            </p:nvCxnSpPr>
+            <p:spPr>
+              <a:xfrm>
+                <a:off x="3063580" y="3260459"/>
+                <a:ext cx="560873" cy="0"/>
+              </a:xfrm>
+              <a:prstGeom prst="straightConnector1">
+                <a:avLst/>
+              </a:prstGeom>
+              <a:ln w="76200">
+                <a:solidFill>
+                  <a:schemeClr val="tx1">
+                    <a:lumMod val="65000"/>
+                    <a:lumOff val="35000"/>
+                  </a:schemeClr>
+                </a:solidFill>
+              </a:ln>
+            </p:spPr>
+            <p:style>
+              <a:lnRef idx="1">
+                <a:schemeClr val="accent1"/>
+              </a:lnRef>
+              <a:fillRef idx="0">
+                <a:schemeClr val="accent1"/>
+              </a:fillRef>
+              <a:effectRef idx="0">
+                <a:schemeClr val="accent1"/>
+              </a:effectRef>
+              <a:fontRef idx="minor">
+                <a:schemeClr val="tx1"/>
+              </a:fontRef>
+            </p:style>
+          </p:cxnSp>
+          <p:cxnSp>
+            <p:nvCxnSpPr>
+              <p:cNvPr id="33" name="直接箭头连接符 32">
+                <a:extLst>
+                  <a:ext uri="{FF2B5EF4-FFF2-40B4-BE49-F238E27FC236}">
+                    <a16:creationId xmlns:a16="http://schemas.microsoft.com/office/drawing/2014/main" id="{B4E423A4-7840-4149-8D29-E0019F2D8131}"/>
+                  </a:ext>
+                </a:extLst>
+              </p:cNvPr>
+              <p:cNvCxnSpPr>
+                <a:cxnSpLocks/>
+              </p:cNvCxnSpPr>
+              <p:nvPr/>
+            </p:nvCxnSpPr>
+            <p:spPr>
+              <a:xfrm>
+                <a:off x="3063580" y="3429000"/>
+                <a:ext cx="560873" cy="0"/>
+              </a:xfrm>
+              <a:prstGeom prst="straightConnector1">
+                <a:avLst/>
+              </a:prstGeom>
+              <a:ln w="76200">
+                <a:solidFill>
+                  <a:schemeClr val="tx1">
+                    <a:lumMod val="65000"/>
+                    <a:lumOff val="35000"/>
+                  </a:schemeClr>
+                </a:solidFill>
+              </a:ln>
+            </p:spPr>
+            <p:style>
+              <a:lnRef idx="1">
+                <a:schemeClr val="accent1"/>
+              </a:lnRef>
+              <a:fillRef idx="0">
+                <a:schemeClr val="accent1"/>
+              </a:fillRef>
+              <a:effectRef idx="0">
+                <a:schemeClr val="accent1"/>
+              </a:effectRef>
+              <a:fontRef idx="minor">
+                <a:schemeClr val="tx1"/>
+              </a:fontRef>
+            </p:style>
+          </p:cxnSp>
+          <p:cxnSp>
+            <p:nvCxnSpPr>
+              <p:cNvPr id="40" name="直接箭头连接符 39">
+                <a:extLst>
+                  <a:ext uri="{FF2B5EF4-FFF2-40B4-BE49-F238E27FC236}">
+                    <a16:creationId xmlns:a16="http://schemas.microsoft.com/office/drawing/2014/main" id="{67520C6D-B298-48F7-9BAB-DE581349DC27}"/>
+                  </a:ext>
+                </a:extLst>
+              </p:cNvPr>
+              <p:cNvCxnSpPr>
+                <a:cxnSpLocks/>
+              </p:cNvCxnSpPr>
+              <p:nvPr/>
+            </p:nvCxnSpPr>
+            <p:spPr>
+              <a:xfrm>
+                <a:off x="3063580" y="3597541"/>
+                <a:ext cx="560873" cy="0"/>
+              </a:xfrm>
+              <a:prstGeom prst="straightConnector1">
+                <a:avLst/>
+              </a:prstGeom>
+              <a:ln w="76200">
+                <a:solidFill>
+                  <a:schemeClr val="tx1">
+                    <a:lumMod val="65000"/>
+                    <a:lumOff val="35000"/>
+                  </a:schemeClr>
+                </a:solidFill>
+              </a:ln>
+            </p:spPr>
+            <p:style>
+              <a:lnRef idx="1">
+                <a:schemeClr val="accent1"/>
+              </a:lnRef>
+              <a:fillRef idx="0">
+                <a:schemeClr val="accent1"/>
+              </a:fillRef>
+              <a:effectRef idx="0">
+                <a:schemeClr val="accent1"/>
+              </a:effectRef>
+              <a:fontRef idx="minor">
+                <a:schemeClr val="tx1"/>
+              </a:fontRef>
+            </p:style>
+          </p:cxnSp>
+        </p:grpSp>
+      </p:grpSp>
+      <p:grpSp>
+        <p:nvGrpSpPr>
+          <p:cNvPr id="69" name="组合 68">
+            <a:extLst>
+              <a:ext uri="{FF2B5EF4-FFF2-40B4-BE49-F238E27FC236}">
+                <a16:creationId xmlns:a16="http://schemas.microsoft.com/office/drawing/2014/main" id="{75604190-B87D-4394-A10F-72F33B638B6E}"/>
+              </a:ext>
+            </a:extLst>
+          </p:cNvPr>
+          <p:cNvGrpSpPr/>
+          <p:nvPr/>
+        </p:nvGrpSpPr>
+        <p:grpSpPr>
+          <a:xfrm>
+            <a:off x="7304674" y="1479332"/>
+            <a:ext cx="1404000" cy="1404000"/>
+            <a:chOff x="7304674" y="1479332"/>
+            <a:chExt cx="1404000" cy="1404000"/>
+          </a:xfrm>
+        </p:grpSpPr>
+        <p:sp>
+          <p:nvSpPr>
+            <p:cNvPr id="56" name="矩形 55">
+              <a:extLst>
+                <a:ext uri="{FF2B5EF4-FFF2-40B4-BE49-F238E27FC236}">
+                  <a16:creationId xmlns:a16="http://schemas.microsoft.com/office/drawing/2014/main" id="{979BF856-1877-462B-9B92-ACCB3B26D1C9}"/>
+                </a:ext>
+              </a:extLst>
+            </p:cNvPr>
+            <p:cNvSpPr/>
+            <p:nvPr/>
+          </p:nvSpPr>
+          <p:spPr>
+            <a:xfrm>
+              <a:off x="7304674" y="1479332"/>
+              <a:ext cx="1404000" cy="1404000"/>
+            </a:xfrm>
+            <a:prstGeom prst="rect">
+              <a:avLst/>
+            </a:prstGeom>
+            <a:solidFill>
+              <a:schemeClr val="bg1"/>
+            </a:solidFill>
+            <a:ln>
+              <a:noFill/>
+            </a:ln>
+          </p:spPr>
+          <p:style>
+            <a:lnRef idx="2">
+              <a:schemeClr val="accent1">
+                <a:shade val="50000"/>
+              </a:schemeClr>
+            </a:lnRef>
+            <a:fillRef idx="1">
+              <a:schemeClr val="accent1"/>
+            </a:fillRef>
+            <a:effectRef idx="0">
+              <a:schemeClr val="accent1"/>
+            </a:effectRef>
+            <a:fontRef idx="minor">
+              <a:schemeClr val="lt1"/>
+            </a:fontRef>
+          </p:style>
+          <p:txBody>
+            <a:bodyPr rtlCol="0" anchor="ctr"/>
+            <a:lstStyle/>
+            <a:p>
+              <a:pPr algn="ctr"/>
+              <a:endParaRPr lang="zh-CN" altLang="en-US"/>
+            </a:p>
+          </p:txBody>
+        </p:sp>
+        <p:grpSp>
+          <p:nvGrpSpPr>
+            <p:cNvPr id="9" name="组合 8">
+              <a:extLst>
+                <a:ext uri="{FF2B5EF4-FFF2-40B4-BE49-F238E27FC236}">
+                  <a16:creationId xmlns:a16="http://schemas.microsoft.com/office/drawing/2014/main" id="{D3952CFB-8309-4B74-95C9-765958DBC458}"/>
+                </a:ext>
+              </a:extLst>
+            </p:cNvPr>
+            <p:cNvGrpSpPr/>
+            <p:nvPr/>
+          </p:nvGrpSpPr>
+          <p:grpSpPr>
+            <a:xfrm>
+              <a:off x="7726237" y="1674512"/>
+              <a:ext cx="560873" cy="1013637"/>
+              <a:chOff x="5183435" y="2517354"/>
+              <a:chExt cx="535647" cy="1009617"/>
+            </a:xfrm>
+          </p:grpSpPr>
+          <p:sp>
+            <p:nvSpPr>
+              <p:cNvPr id="4" name="矩形: 圆角 3">
+                <a:extLst>
+                  <a:ext uri="{FF2B5EF4-FFF2-40B4-BE49-F238E27FC236}">
+                    <a16:creationId xmlns:a16="http://schemas.microsoft.com/office/drawing/2014/main" id="{B57CD4BF-EB72-420F-980B-B2FC024E32AA}"/>
+                  </a:ext>
+                </a:extLst>
+              </p:cNvPr>
+              <p:cNvSpPr/>
+              <p:nvPr/>
+            </p:nvSpPr>
+            <p:spPr>
+              <a:xfrm>
+                <a:off x="5183435" y="2517354"/>
+                <a:ext cx="535647" cy="1009617"/>
+              </a:xfrm>
+              <a:prstGeom prst="roundRect">
+                <a:avLst>
+                  <a:gd name="adj" fmla="val 50000"/>
+                </a:avLst>
+              </a:prstGeom>
+              <a:solidFill>
+                <a:schemeClr val="bg1">
+                  <a:lumMod val="95000"/>
+                </a:schemeClr>
+              </a:solidFill>
+              <a:ln w="76200">
+                <a:solidFill>
+                  <a:schemeClr val="tx1">
+                    <a:lumMod val="65000"/>
+                    <a:lumOff val="35000"/>
+                  </a:schemeClr>
+                </a:solidFill>
+              </a:ln>
+            </p:spPr>
+            <p:style>
+              <a:lnRef idx="2">
+                <a:schemeClr val="accent1">
+                  <a:shade val="50000"/>
+                </a:schemeClr>
+              </a:lnRef>
+              <a:fillRef idx="1">
+                <a:schemeClr val="accent1"/>
+              </a:fillRef>
+              <a:effectRef idx="0">
+                <a:schemeClr val="accent1"/>
+              </a:effectRef>
+              <a:fontRef idx="minor">
+                <a:schemeClr val="lt1"/>
+              </a:fontRef>
+            </p:style>
+            <p:txBody>
+              <a:bodyPr rtlCol="0" anchor="ctr"/>
+              <a:lstStyle/>
+              <a:p>
+                <a:pPr algn="ctr"/>
+                <a:endParaRPr lang="zh-CN" altLang="en-US"/>
+              </a:p>
+            </p:txBody>
+          </p:sp>
+          <p:cxnSp>
+            <p:nvCxnSpPr>
+              <p:cNvPr id="5" name="直接箭头连接符 4">
+                <a:extLst>
+                  <a:ext uri="{FF2B5EF4-FFF2-40B4-BE49-F238E27FC236}">
+                    <a16:creationId xmlns:a16="http://schemas.microsoft.com/office/drawing/2014/main" id="{55B7DCBF-B84A-4F34-AA58-D11A9D60E97D}"/>
+                  </a:ext>
+                </a:extLst>
+              </p:cNvPr>
+              <p:cNvCxnSpPr>
+                <a:cxnSpLocks/>
+                <a:stCxn id="4" idx="0"/>
+              </p:cNvCxnSpPr>
+              <p:nvPr/>
+            </p:nvCxnSpPr>
+            <p:spPr>
+              <a:xfrm>
+                <a:off x="5451259" y="2517354"/>
+                <a:ext cx="0" cy="379082"/>
+              </a:xfrm>
+              <a:prstGeom prst="straightConnector1">
+                <a:avLst/>
+              </a:prstGeom>
+              <a:ln w="76200" cap="rnd">
+                <a:solidFill>
+                  <a:schemeClr val="tx1">
+                    <a:lumMod val="65000"/>
+                    <a:lumOff val="35000"/>
+                  </a:schemeClr>
+                </a:solidFill>
+                <a:round/>
+              </a:ln>
+            </p:spPr>
+            <p:style>
+              <a:lnRef idx="1">
+                <a:schemeClr val="accent1"/>
+              </a:lnRef>
+              <a:fillRef idx="0">
+                <a:schemeClr val="accent1"/>
+              </a:fillRef>
+              <a:effectRef idx="0">
+                <a:schemeClr val="accent1"/>
+              </a:effectRef>
+              <a:fontRef idx="minor">
+                <a:schemeClr val="tx1"/>
+              </a:fontRef>
+            </p:style>
+          </p:cxnSp>
+        </p:grpSp>
+      </p:grpSp>
+      <p:grpSp>
+        <p:nvGrpSpPr>
+          <p:cNvPr id="70" name="组合 69">
+            <a:extLst>
+              <a:ext uri="{FF2B5EF4-FFF2-40B4-BE49-F238E27FC236}">
+                <a16:creationId xmlns:a16="http://schemas.microsoft.com/office/drawing/2014/main" id="{FD934526-F6CE-4D2C-B692-4F28D4EECD41}"/>
+              </a:ext>
+            </a:extLst>
+          </p:cNvPr>
+          <p:cNvGrpSpPr/>
+          <p:nvPr/>
+        </p:nvGrpSpPr>
+        <p:grpSpPr>
+          <a:xfrm>
+            <a:off x="9354657" y="1479332"/>
+            <a:ext cx="1404000" cy="1404000"/>
+            <a:chOff x="9354657" y="1479332"/>
+            <a:chExt cx="1404000" cy="1404000"/>
+          </a:xfrm>
+        </p:grpSpPr>
+        <p:sp>
+          <p:nvSpPr>
+            <p:cNvPr id="58" name="矩形 57">
+              <a:extLst>
+                <a:ext uri="{FF2B5EF4-FFF2-40B4-BE49-F238E27FC236}">
+                  <a16:creationId xmlns:a16="http://schemas.microsoft.com/office/drawing/2014/main" id="{4F3455A8-1376-4091-83F8-6CAE4C769B51}"/>
+                </a:ext>
+              </a:extLst>
+            </p:cNvPr>
+            <p:cNvSpPr/>
+            <p:nvPr/>
+          </p:nvSpPr>
+          <p:spPr>
+            <a:xfrm>
+              <a:off x="9354657" y="1479332"/>
+              <a:ext cx="1404000" cy="1404000"/>
+            </a:xfrm>
+            <a:prstGeom prst="rect">
+              <a:avLst/>
+            </a:prstGeom>
+            <a:solidFill>
+              <a:schemeClr val="bg1"/>
+            </a:solidFill>
+            <a:ln>
+              <a:noFill/>
+            </a:ln>
+          </p:spPr>
+          <p:style>
+            <a:lnRef idx="2">
+              <a:schemeClr val="accent1">
+                <a:shade val="50000"/>
+              </a:schemeClr>
+            </a:lnRef>
+            <a:fillRef idx="1">
+              <a:schemeClr val="accent1"/>
+            </a:fillRef>
+            <a:effectRef idx="0">
+              <a:schemeClr val="accent1"/>
+            </a:effectRef>
+            <a:fontRef idx="minor">
+              <a:schemeClr val="lt1"/>
+            </a:fontRef>
+          </p:style>
+          <p:txBody>
+            <a:bodyPr rtlCol="0" anchor="ctr"/>
+            <a:lstStyle/>
+            <a:p>
+              <a:pPr algn="ctr"/>
+              <a:endParaRPr lang="zh-CN" altLang="en-US"/>
+            </a:p>
+          </p:txBody>
+        </p:sp>
+        <p:grpSp>
+          <p:nvGrpSpPr>
+            <p:cNvPr id="25" name="组合 24">
+              <a:extLst>
+                <a:ext uri="{FF2B5EF4-FFF2-40B4-BE49-F238E27FC236}">
+                  <a16:creationId xmlns:a16="http://schemas.microsoft.com/office/drawing/2014/main" id="{8CCF84AF-1A48-410E-98CE-5C5C370C987C}"/>
+                </a:ext>
+              </a:extLst>
+            </p:cNvPr>
+            <p:cNvGrpSpPr/>
+            <p:nvPr/>
+          </p:nvGrpSpPr>
+          <p:grpSpPr>
+            <a:xfrm>
+              <a:off x="9776220" y="1674512"/>
+              <a:ext cx="560873" cy="1013637"/>
+              <a:chOff x="3063580" y="1674515"/>
+              <a:chExt cx="560873" cy="1013637"/>
+            </a:xfrm>
+          </p:grpSpPr>
+          <p:sp>
+            <p:nvSpPr>
+              <p:cNvPr id="21" name="任意多边形: 形状 20">
+                <a:extLst>
+                  <a:ext uri="{FF2B5EF4-FFF2-40B4-BE49-F238E27FC236}">
+                    <a16:creationId xmlns:a16="http://schemas.microsoft.com/office/drawing/2014/main" id="{C5B03FEB-DD61-4DF7-823E-B52E58EF1317}"/>
+                  </a:ext>
+                </a:extLst>
+              </p:cNvPr>
+              <p:cNvSpPr/>
+              <p:nvPr/>
+            </p:nvSpPr>
+            <p:spPr>
+              <a:xfrm>
+                <a:off x="3063580" y="1674516"/>
+                <a:ext cx="280437" cy="380591"/>
+              </a:xfrm>
+              <a:custGeom>
+                <a:avLst/>
+                <a:gdLst>
+                  <a:gd name="connsiteX0" fmla="*/ 280437 w 280437"/>
+                  <a:gd name="connsiteY0" fmla="*/ 0 h 380591"/>
+                  <a:gd name="connsiteX1" fmla="*/ 280437 w 280437"/>
+                  <a:gd name="connsiteY1" fmla="*/ 380591 h 380591"/>
+                  <a:gd name="connsiteX2" fmla="*/ 0 w 280437"/>
+                  <a:gd name="connsiteY2" fmla="*/ 380591 h 380591"/>
+                  <a:gd name="connsiteX3" fmla="*/ 0 w 280437"/>
+                  <a:gd name="connsiteY3" fmla="*/ 280437 h 380591"/>
+                  <a:gd name="connsiteX4" fmla="*/ 280437 w 280437"/>
+                  <a:gd name="connsiteY4" fmla="*/ 0 h 380591"/>
+                </a:gdLst>
+                <a:ahLst/>
+                <a:cxnLst>
+                  <a:cxn ang="0">
+                    <a:pos x="connsiteX0" y="connsiteY0"/>
+                  </a:cxn>
+                  <a:cxn ang="0">
+                    <a:pos x="connsiteX1" y="connsiteY1"/>
+                  </a:cxn>
+                  <a:cxn ang="0">
+                    <a:pos x="connsiteX2" y="connsiteY2"/>
+                  </a:cxn>
+                  <a:cxn ang="0">
+                    <a:pos x="connsiteX3" y="connsiteY3"/>
+                  </a:cxn>
+                  <a:cxn ang="0">
+                    <a:pos x="connsiteX4" y="connsiteY4"/>
+                  </a:cxn>
+                </a:cxnLst>
+                <a:rect l="l" t="t" r="r" b="b"/>
+                <a:pathLst>
+                  <a:path w="280437" h="380591">
+                    <a:moveTo>
+                      <a:pt x="280437" y="0"/>
+                    </a:moveTo>
+                    <a:lnTo>
+                      <a:pt x="280437" y="380591"/>
+                    </a:lnTo>
+                    <a:lnTo>
+                      <a:pt x="0" y="380591"/>
+                    </a:lnTo>
+                    <a:lnTo>
+                      <a:pt x="0" y="280437"/>
+                    </a:lnTo>
+                    <a:cubicBezTo>
+                      <a:pt x="0" y="125556"/>
+                      <a:pt x="125556" y="0"/>
+                      <a:pt x="280437" y="0"/>
+                    </a:cubicBezTo>
+                    <a:close/>
+                  </a:path>
+                </a:pathLst>
+              </a:custGeom>
+              <a:solidFill>
+                <a:schemeClr val="tx1">
+                  <a:lumMod val="65000"/>
+                  <a:lumOff val="35000"/>
+                  <a:alpha val="75000"/>
+                </a:schemeClr>
+              </a:solidFill>
+              <a:ln w="76200">
+                <a:noFill/>
+              </a:ln>
+            </p:spPr>
+            <p:style>
+              <a:lnRef idx="2">
+                <a:schemeClr val="accent1">
+                  <a:shade val="50000"/>
+                </a:schemeClr>
+              </a:lnRef>
+              <a:fillRef idx="1">
+                <a:schemeClr val="accent1"/>
+              </a:fillRef>
+              <a:effectRef idx="0">
+                <a:schemeClr val="accent1"/>
+              </a:effectRef>
+              <a:fontRef idx="minor">
+                <a:schemeClr val="lt1"/>
+              </a:fontRef>
+            </p:style>
+            <p:txBody>
+              <a:bodyPr wrap="square" rtlCol="0" anchor="ctr">
+                <a:noAutofit/>
+              </a:bodyPr>
+              <a:lstStyle/>
+              <a:p>
+                <a:pPr algn="ctr"/>
+                <a:endParaRPr lang="zh-CN" altLang="en-US"/>
+              </a:p>
+            </p:txBody>
+          </p:sp>
+          <p:sp>
+            <p:nvSpPr>
+              <p:cNvPr id="15" name="矩形: 圆角 14">
+                <a:extLst>
+                  <a:ext uri="{FF2B5EF4-FFF2-40B4-BE49-F238E27FC236}">
+                    <a16:creationId xmlns:a16="http://schemas.microsoft.com/office/drawing/2014/main" id="{22514FF1-A304-4A6F-BFCA-1C7979C70B55}"/>
+                  </a:ext>
+                </a:extLst>
+              </p:cNvPr>
+              <p:cNvSpPr/>
+              <p:nvPr/>
+            </p:nvSpPr>
+            <p:spPr>
+              <a:xfrm>
+                <a:off x="3063580" y="1674515"/>
+                <a:ext cx="560873" cy="1013637"/>
+              </a:xfrm>
+              <a:prstGeom prst="roundRect">
+                <a:avLst>
+                  <a:gd name="adj" fmla="val 50000"/>
+                </a:avLst>
+              </a:prstGeom>
+              <a:noFill/>
+              <a:ln w="76200">
+                <a:solidFill>
+                  <a:schemeClr val="tx1">
+                    <a:lumMod val="65000"/>
+                    <a:lumOff val="35000"/>
+                  </a:schemeClr>
+                </a:solidFill>
+              </a:ln>
+            </p:spPr>
+            <p:style>
+              <a:lnRef idx="2">
+                <a:schemeClr val="accent1">
+                  <a:shade val="50000"/>
+                </a:schemeClr>
+              </a:lnRef>
+              <a:fillRef idx="1">
+                <a:schemeClr val="accent1"/>
+              </a:fillRef>
+              <a:effectRef idx="0">
+                <a:schemeClr val="accent1"/>
+              </a:effectRef>
+              <a:fontRef idx="minor">
+                <a:schemeClr val="lt1"/>
+              </a:fontRef>
+            </p:style>
+            <p:txBody>
+              <a:bodyPr rtlCol="0" anchor="ctr"/>
+              <a:lstStyle/>
+              <a:p>
+                <a:pPr algn="ctr"/>
+                <a:endParaRPr lang="zh-CN" altLang="en-US"/>
+              </a:p>
+            </p:txBody>
+          </p:sp>
+        </p:grpSp>
+      </p:grpSp>
     </p:spTree>
     <p:extLst>
       <p:ext uri="{BB962C8B-B14F-4D97-AF65-F5344CB8AC3E}">

--- a/UI.pptx
+++ b/UI.pptx
@@ -10,6 +10,7 @@
     <p:sldId id="258" r:id="rId4"/>
     <p:sldId id="259" r:id="rId5"/>
     <p:sldId id="260" r:id="rId6"/>
+    <p:sldId id="261" r:id="rId7"/>
   </p:sldIdLst>
   <p:sldSz cx="12192000" cy="6858000"/>
   <p:notesSz cx="6858000" cy="9144000"/>
@@ -263,7 +264,7 @@
           <a:p>
             <a:fld id="{F3BA182F-79D5-4EF3-A581-738F691F52DF}" type="datetimeFigureOut">
               <a:rPr lang="zh-CN" altLang="en-US" smtClean="0"/>
-              <a:t>2019/3/29</a:t>
+              <a:t>2019/4/20</a:t>
             </a:fld>
             <a:endParaRPr lang="zh-CN" altLang="en-US"/>
           </a:p>
@@ -461,7 +462,7 @@
           <a:p>
             <a:fld id="{F3BA182F-79D5-4EF3-A581-738F691F52DF}" type="datetimeFigureOut">
               <a:rPr lang="zh-CN" altLang="en-US" smtClean="0"/>
-              <a:t>2019/3/29</a:t>
+              <a:t>2019/4/20</a:t>
             </a:fld>
             <a:endParaRPr lang="zh-CN" altLang="en-US"/>
           </a:p>
@@ -669,7 +670,7 @@
           <a:p>
             <a:fld id="{F3BA182F-79D5-4EF3-A581-738F691F52DF}" type="datetimeFigureOut">
               <a:rPr lang="zh-CN" altLang="en-US" smtClean="0"/>
-              <a:t>2019/3/29</a:t>
+              <a:t>2019/4/20</a:t>
             </a:fld>
             <a:endParaRPr lang="zh-CN" altLang="en-US"/>
           </a:p>
@@ -867,7 +868,7 @@
           <a:p>
             <a:fld id="{F3BA182F-79D5-4EF3-A581-738F691F52DF}" type="datetimeFigureOut">
               <a:rPr lang="zh-CN" altLang="en-US" smtClean="0"/>
-              <a:t>2019/3/29</a:t>
+              <a:t>2019/4/20</a:t>
             </a:fld>
             <a:endParaRPr lang="zh-CN" altLang="en-US"/>
           </a:p>
@@ -1142,7 +1143,7 @@
           <a:p>
             <a:fld id="{F3BA182F-79D5-4EF3-A581-738F691F52DF}" type="datetimeFigureOut">
               <a:rPr lang="zh-CN" altLang="en-US" smtClean="0"/>
-              <a:t>2019/3/29</a:t>
+              <a:t>2019/4/20</a:t>
             </a:fld>
             <a:endParaRPr lang="zh-CN" altLang="en-US"/>
           </a:p>
@@ -1407,7 +1408,7 @@
           <a:p>
             <a:fld id="{F3BA182F-79D5-4EF3-A581-738F691F52DF}" type="datetimeFigureOut">
               <a:rPr lang="zh-CN" altLang="en-US" smtClean="0"/>
-              <a:t>2019/3/29</a:t>
+              <a:t>2019/4/20</a:t>
             </a:fld>
             <a:endParaRPr lang="zh-CN" altLang="en-US"/>
           </a:p>
@@ -1819,7 +1820,7 @@
           <a:p>
             <a:fld id="{F3BA182F-79D5-4EF3-A581-738F691F52DF}" type="datetimeFigureOut">
               <a:rPr lang="zh-CN" altLang="en-US" smtClean="0"/>
-              <a:t>2019/3/29</a:t>
+              <a:t>2019/4/20</a:t>
             </a:fld>
             <a:endParaRPr lang="zh-CN" altLang="en-US"/>
           </a:p>
@@ -1960,7 +1961,7 @@
           <a:p>
             <a:fld id="{F3BA182F-79D5-4EF3-A581-738F691F52DF}" type="datetimeFigureOut">
               <a:rPr lang="zh-CN" altLang="en-US" smtClean="0"/>
-              <a:t>2019/3/29</a:t>
+              <a:t>2019/4/20</a:t>
             </a:fld>
             <a:endParaRPr lang="zh-CN" altLang="en-US"/>
           </a:p>
@@ -2073,7 +2074,7 @@
           <a:p>
             <a:fld id="{F3BA182F-79D5-4EF3-A581-738F691F52DF}" type="datetimeFigureOut">
               <a:rPr lang="zh-CN" altLang="en-US" smtClean="0"/>
-              <a:t>2019/3/29</a:t>
+              <a:t>2019/4/20</a:t>
             </a:fld>
             <a:endParaRPr lang="zh-CN" altLang="en-US"/>
           </a:p>
@@ -2384,7 +2385,7 @@
           <a:p>
             <a:fld id="{F3BA182F-79D5-4EF3-A581-738F691F52DF}" type="datetimeFigureOut">
               <a:rPr lang="zh-CN" altLang="en-US" smtClean="0"/>
-              <a:t>2019/3/29</a:t>
+              <a:t>2019/4/20</a:t>
             </a:fld>
             <a:endParaRPr lang="zh-CN" altLang="en-US"/>
           </a:p>
@@ -2672,7 +2673,7 @@
           <a:p>
             <a:fld id="{F3BA182F-79D5-4EF3-A581-738F691F52DF}" type="datetimeFigureOut">
               <a:rPr lang="zh-CN" altLang="en-US" smtClean="0"/>
-              <a:t>2019/3/29</a:t>
+              <a:t>2019/4/20</a:t>
             </a:fld>
             <a:endParaRPr lang="zh-CN" altLang="en-US"/>
           </a:p>
@@ -2913,7 +2914,7 @@
           <a:p>
             <a:fld id="{F3BA182F-79D5-4EF3-A581-738F691F52DF}" type="datetimeFigureOut">
               <a:rPr lang="zh-CN" altLang="en-US" smtClean="0"/>
-              <a:t>2019/3/29</a:t>
+              <a:t>2019/4/20</a:t>
             </a:fld>
             <a:endParaRPr lang="zh-CN" altLang="en-US"/>
           </a:p>
@@ -7589,6 +7590,649 @@
 </p:sld>
 </file>
 
+<file path=ppt/slides/slide6.xml><?xml version="1.0" encoding="utf-8"?>
+<p:sld xmlns:a="http://schemas.openxmlformats.org/drawingml/2006/main" xmlns:r="http://schemas.openxmlformats.org/officeDocument/2006/relationships" xmlns:p="http://schemas.openxmlformats.org/presentationml/2006/main">
+  <p:cSld>
+    <p:spTree>
+      <p:nvGrpSpPr>
+        <p:cNvPr id="1" name=""/>
+        <p:cNvGrpSpPr/>
+        <p:nvPr/>
+      </p:nvGrpSpPr>
+      <p:grpSpPr>
+        <a:xfrm>
+          <a:off x="0" y="0"/>
+          <a:ext cx="0" cy="0"/>
+          <a:chOff x="0" y="0"/>
+          <a:chExt cx="0" cy="0"/>
+        </a:xfrm>
+      </p:grpSpPr>
+      <p:sp>
+        <p:nvSpPr>
+          <p:cNvPr id="23" name="矩形: 圆角 22">
+            <a:extLst>
+              <a:ext uri="{FF2B5EF4-FFF2-40B4-BE49-F238E27FC236}">
+                <a16:creationId xmlns:a16="http://schemas.microsoft.com/office/drawing/2014/main" id="{4E5ECD87-B485-4E6F-9956-145F41562FF7}"/>
+              </a:ext>
+            </a:extLst>
+          </p:cNvPr>
+          <p:cNvSpPr/>
+          <p:nvPr/>
+        </p:nvSpPr>
+        <p:spPr>
+          <a:xfrm>
+            <a:off x="1547388" y="272160"/>
+            <a:ext cx="648000" cy="648000"/>
+          </a:xfrm>
+          <a:prstGeom prst="roundRect">
+            <a:avLst>
+              <a:gd name="adj" fmla="val 50000"/>
+            </a:avLst>
+          </a:prstGeom>
+          <a:solidFill>
+            <a:srgbClr val="5FE5DD"/>
+          </a:solidFill>
+          <a:ln w="19050">
+            <a:noFill/>
+          </a:ln>
+        </p:spPr>
+        <p:style>
+          <a:lnRef idx="2">
+            <a:schemeClr val="accent1">
+              <a:shade val="50000"/>
+            </a:schemeClr>
+          </a:lnRef>
+          <a:fillRef idx="1">
+            <a:schemeClr val="accent1"/>
+          </a:fillRef>
+          <a:effectRef idx="0">
+            <a:schemeClr val="accent1"/>
+          </a:effectRef>
+          <a:fontRef idx="minor">
+            <a:schemeClr val="lt1"/>
+          </a:fontRef>
+        </p:style>
+        <p:txBody>
+          <a:bodyPr rtlCol="0" anchor="ctr"/>
+          <a:lstStyle/>
+          <a:p>
+            <a:pPr algn="ctr"/>
+            <a:endParaRPr lang="zh-CN" altLang="en-US"/>
+          </a:p>
+        </p:txBody>
+      </p:sp>
+      <p:sp>
+        <p:nvSpPr>
+          <p:cNvPr id="24" name="矩形: 圆角 23">
+            <a:extLst>
+              <a:ext uri="{FF2B5EF4-FFF2-40B4-BE49-F238E27FC236}">
+                <a16:creationId xmlns:a16="http://schemas.microsoft.com/office/drawing/2014/main" id="{45E09B75-67F4-4F89-B760-1EFE16250094}"/>
+              </a:ext>
+            </a:extLst>
+          </p:cNvPr>
+          <p:cNvSpPr/>
+          <p:nvPr/>
+        </p:nvSpPr>
+        <p:spPr>
+          <a:xfrm>
+            <a:off x="555313" y="272160"/>
+            <a:ext cx="648000" cy="648000"/>
+          </a:xfrm>
+          <a:prstGeom prst="roundRect">
+            <a:avLst>
+              <a:gd name="adj" fmla="val 50000"/>
+            </a:avLst>
+          </a:prstGeom>
+          <a:solidFill>
+            <a:srgbClr val="5FE5DD"/>
+          </a:solidFill>
+          <a:ln w="19050">
+            <a:noFill/>
+          </a:ln>
+        </p:spPr>
+        <p:style>
+          <a:lnRef idx="2">
+            <a:schemeClr val="accent1">
+              <a:shade val="50000"/>
+            </a:schemeClr>
+          </a:lnRef>
+          <a:fillRef idx="1">
+            <a:schemeClr val="accent1"/>
+          </a:fillRef>
+          <a:effectRef idx="0">
+            <a:schemeClr val="accent1"/>
+          </a:effectRef>
+          <a:fontRef idx="minor">
+            <a:schemeClr val="lt1"/>
+          </a:fontRef>
+        </p:style>
+        <p:txBody>
+          <a:bodyPr rtlCol="0" anchor="ctr"/>
+          <a:lstStyle/>
+          <a:p>
+            <a:pPr algn="ctr"/>
+            <a:endParaRPr lang="zh-CN" altLang="en-US"/>
+          </a:p>
+        </p:txBody>
+      </p:sp>
+      <p:sp>
+        <p:nvSpPr>
+          <p:cNvPr id="8" name="椭圆 7">
+            <a:extLst>
+              <a:ext uri="{FF2B5EF4-FFF2-40B4-BE49-F238E27FC236}">
+                <a16:creationId xmlns:a16="http://schemas.microsoft.com/office/drawing/2014/main" id="{3CC1FC26-D666-4F8C-8553-8FFFE931BB94}"/>
+              </a:ext>
+            </a:extLst>
+          </p:cNvPr>
+          <p:cNvSpPr/>
+          <p:nvPr/>
+        </p:nvSpPr>
+        <p:spPr>
+          <a:xfrm>
+            <a:off x="1735952" y="1574809"/>
+            <a:ext cx="1434297" cy="1494233"/>
+          </a:xfrm>
+          <a:prstGeom prst="ellipse">
+            <a:avLst/>
+          </a:prstGeom>
+          <a:solidFill>
+            <a:srgbClr val="F7B563"/>
+          </a:solidFill>
+          <a:ln>
+            <a:noFill/>
+          </a:ln>
+        </p:spPr>
+        <p:style>
+          <a:lnRef idx="2">
+            <a:schemeClr val="accent1">
+              <a:shade val="50000"/>
+            </a:schemeClr>
+          </a:lnRef>
+          <a:fillRef idx="1">
+            <a:schemeClr val="accent1"/>
+          </a:fillRef>
+          <a:effectRef idx="0">
+            <a:schemeClr val="accent1"/>
+          </a:effectRef>
+          <a:fontRef idx="minor">
+            <a:schemeClr val="lt1"/>
+          </a:fontRef>
+        </p:style>
+        <p:txBody>
+          <a:bodyPr rtlCol="0" anchor="ctr"/>
+          <a:lstStyle/>
+          <a:p>
+            <a:pPr algn="ctr"/>
+            <a:endParaRPr lang="zh-CN" altLang="en-US"/>
+          </a:p>
+        </p:txBody>
+      </p:sp>
+      <p:sp>
+        <p:nvSpPr>
+          <p:cNvPr id="43" name="椭圆 42">
+            <a:extLst>
+              <a:ext uri="{FF2B5EF4-FFF2-40B4-BE49-F238E27FC236}">
+                <a16:creationId xmlns:a16="http://schemas.microsoft.com/office/drawing/2014/main" id="{6819D592-7E44-402E-B172-096CC8A095C9}"/>
+              </a:ext>
+            </a:extLst>
+          </p:cNvPr>
+          <p:cNvSpPr/>
+          <p:nvPr/>
+        </p:nvSpPr>
+        <p:spPr>
+          <a:xfrm>
+            <a:off x="1735950" y="1574809"/>
+            <a:ext cx="1434297" cy="1494233"/>
+          </a:xfrm>
+          <a:prstGeom prst="ellipse">
+            <a:avLst/>
+          </a:prstGeom>
+          <a:solidFill>
+            <a:schemeClr val="tx1">
+              <a:alpha val="10000"/>
+            </a:schemeClr>
+          </a:solidFill>
+          <a:ln>
+            <a:noFill/>
+          </a:ln>
+        </p:spPr>
+        <p:style>
+          <a:lnRef idx="2">
+            <a:schemeClr val="accent1">
+              <a:shade val="50000"/>
+            </a:schemeClr>
+          </a:lnRef>
+          <a:fillRef idx="1">
+            <a:schemeClr val="accent1"/>
+          </a:fillRef>
+          <a:effectRef idx="0">
+            <a:schemeClr val="accent1"/>
+          </a:effectRef>
+          <a:fontRef idx="minor">
+            <a:schemeClr val="lt1"/>
+          </a:fontRef>
+        </p:style>
+        <p:txBody>
+          <a:bodyPr rtlCol="0" anchor="ctr"/>
+          <a:lstStyle/>
+          <a:p>
+            <a:pPr algn="ctr"/>
+            <a:endParaRPr lang="zh-CN" altLang="en-US"/>
+          </a:p>
+        </p:txBody>
+      </p:sp>
+      <p:sp>
+        <p:nvSpPr>
+          <p:cNvPr id="42" name="矩形 41">
+            <a:extLst>
+              <a:ext uri="{FF2B5EF4-FFF2-40B4-BE49-F238E27FC236}">
+                <a16:creationId xmlns:a16="http://schemas.microsoft.com/office/drawing/2014/main" id="{5ACA2891-C3B2-4EE7-9E1A-4E75B6C5B36A}"/>
+              </a:ext>
+            </a:extLst>
+          </p:cNvPr>
+          <p:cNvSpPr/>
+          <p:nvPr/>
+        </p:nvSpPr>
+        <p:spPr>
+          <a:xfrm>
+            <a:off x="2065348" y="1748253"/>
+            <a:ext cx="775504" cy="983848"/>
+          </a:xfrm>
+          <a:prstGeom prst="rect">
+            <a:avLst/>
+          </a:prstGeom>
+          <a:solidFill>
+            <a:schemeClr val="bg1">
+              <a:lumMod val="75000"/>
+            </a:schemeClr>
+          </a:solidFill>
+          <a:ln>
+            <a:noFill/>
+          </a:ln>
+        </p:spPr>
+        <p:style>
+          <a:lnRef idx="2">
+            <a:schemeClr val="accent1">
+              <a:shade val="50000"/>
+            </a:schemeClr>
+          </a:lnRef>
+          <a:fillRef idx="1">
+            <a:schemeClr val="accent1"/>
+          </a:fillRef>
+          <a:effectRef idx="0">
+            <a:schemeClr val="accent1"/>
+          </a:effectRef>
+          <a:fontRef idx="minor">
+            <a:schemeClr val="lt1"/>
+          </a:fontRef>
+        </p:style>
+        <p:txBody>
+          <a:bodyPr rtlCol="0" anchor="ctr"/>
+          <a:lstStyle/>
+          <a:p>
+            <a:pPr algn="ctr"/>
+            <a:endParaRPr lang="zh-CN" altLang="en-US"/>
+          </a:p>
+        </p:txBody>
+      </p:sp>
+      <p:sp>
+        <p:nvSpPr>
+          <p:cNvPr id="41" name="矩形 40">
+            <a:extLst>
+              <a:ext uri="{FF2B5EF4-FFF2-40B4-BE49-F238E27FC236}">
+                <a16:creationId xmlns:a16="http://schemas.microsoft.com/office/drawing/2014/main" id="{A51B341D-EA2E-4227-B570-96C524CCA19B}"/>
+              </a:ext>
+            </a:extLst>
+          </p:cNvPr>
+          <p:cNvSpPr/>
+          <p:nvPr/>
+        </p:nvSpPr>
+        <p:spPr>
+          <a:xfrm>
+            <a:off x="2024996" y="1806286"/>
+            <a:ext cx="856209" cy="983848"/>
+          </a:xfrm>
+          <a:prstGeom prst="rect">
+            <a:avLst/>
+          </a:prstGeom>
+          <a:solidFill>
+            <a:schemeClr val="bg1">
+              <a:lumMod val="85000"/>
+            </a:schemeClr>
+          </a:solidFill>
+          <a:ln>
+            <a:noFill/>
+          </a:ln>
+        </p:spPr>
+        <p:style>
+          <a:lnRef idx="2">
+            <a:schemeClr val="accent1">
+              <a:shade val="50000"/>
+            </a:schemeClr>
+          </a:lnRef>
+          <a:fillRef idx="1">
+            <a:schemeClr val="accent1"/>
+          </a:fillRef>
+          <a:effectRef idx="0">
+            <a:schemeClr val="accent1"/>
+          </a:effectRef>
+          <a:fontRef idx="minor">
+            <a:schemeClr val="lt1"/>
+          </a:fontRef>
+        </p:style>
+        <p:txBody>
+          <a:bodyPr rtlCol="0" anchor="ctr"/>
+          <a:lstStyle/>
+          <a:p>
+            <a:pPr algn="ctr"/>
+            <a:endParaRPr lang="zh-CN" altLang="en-US"/>
+          </a:p>
+        </p:txBody>
+      </p:sp>
+      <p:sp>
+        <p:nvSpPr>
+          <p:cNvPr id="3" name="矩形 2">
+            <a:extLst>
+              <a:ext uri="{FF2B5EF4-FFF2-40B4-BE49-F238E27FC236}">
+                <a16:creationId xmlns:a16="http://schemas.microsoft.com/office/drawing/2014/main" id="{FA59670F-438C-4FB2-9219-6812FF27FCD2}"/>
+              </a:ext>
+            </a:extLst>
+          </p:cNvPr>
+          <p:cNvSpPr/>
+          <p:nvPr/>
+        </p:nvSpPr>
+        <p:spPr>
+          <a:xfrm>
+            <a:off x="1982541" y="1864319"/>
+            <a:ext cx="941118" cy="983848"/>
+          </a:xfrm>
+          <a:prstGeom prst="rect">
+            <a:avLst/>
+          </a:prstGeom>
+          <a:solidFill>
+            <a:schemeClr val="bg1">
+              <a:lumMod val="95000"/>
+            </a:schemeClr>
+          </a:solidFill>
+          <a:ln>
+            <a:noFill/>
+          </a:ln>
+        </p:spPr>
+        <p:style>
+          <a:lnRef idx="2">
+            <a:schemeClr val="accent1">
+              <a:shade val="50000"/>
+            </a:schemeClr>
+          </a:lnRef>
+          <a:fillRef idx="1">
+            <a:schemeClr val="accent1"/>
+          </a:fillRef>
+          <a:effectRef idx="0">
+            <a:schemeClr val="accent1"/>
+          </a:effectRef>
+          <a:fontRef idx="minor">
+            <a:schemeClr val="lt1"/>
+          </a:fontRef>
+        </p:style>
+        <p:txBody>
+          <a:bodyPr rtlCol="0" anchor="ctr"/>
+          <a:lstStyle/>
+          <a:p>
+            <a:pPr algn="ctr"/>
+            <a:endParaRPr lang="zh-CN" altLang="en-US"/>
+          </a:p>
+        </p:txBody>
+      </p:sp>
+      <p:sp>
+        <p:nvSpPr>
+          <p:cNvPr id="39" name="任意多边形: 形状 38">
+            <a:extLst>
+              <a:ext uri="{FF2B5EF4-FFF2-40B4-BE49-F238E27FC236}">
+                <a16:creationId xmlns:a16="http://schemas.microsoft.com/office/drawing/2014/main" id="{B8F4269E-9A6B-42D4-A4F6-D99C5C4296D3}"/>
+              </a:ext>
+            </a:extLst>
+          </p:cNvPr>
+          <p:cNvSpPr/>
+          <p:nvPr/>
+        </p:nvSpPr>
+        <p:spPr>
+          <a:xfrm>
+            <a:off x="1735951" y="2229877"/>
+            <a:ext cx="1434298" cy="839165"/>
+          </a:xfrm>
+          <a:custGeom>
+            <a:avLst/>
+            <a:gdLst>
+              <a:gd name="connsiteX0" fmla="*/ 5997 w 1434298"/>
+              <a:gd name="connsiteY0" fmla="*/ 0 h 839165"/>
+              <a:gd name="connsiteX1" fmla="*/ 1428301 w 1434298"/>
+              <a:gd name="connsiteY1" fmla="*/ 0 h 839165"/>
+              <a:gd name="connsiteX2" fmla="*/ 1430596 w 1434298"/>
+              <a:gd name="connsiteY2" fmla="*/ 15660 h 839165"/>
+              <a:gd name="connsiteX3" fmla="*/ 1434298 w 1434298"/>
+              <a:gd name="connsiteY3" fmla="*/ 92048 h 839165"/>
+              <a:gd name="connsiteX4" fmla="*/ 717149 w 1434298"/>
+              <a:gd name="connsiteY4" fmla="*/ 839165 h 839165"/>
+              <a:gd name="connsiteX5" fmla="*/ 0 w 1434298"/>
+              <a:gd name="connsiteY5" fmla="*/ 92048 h 839165"/>
+              <a:gd name="connsiteX6" fmla="*/ 3703 w 1434298"/>
+              <a:gd name="connsiteY6" fmla="*/ 15660 h 839165"/>
+            </a:gdLst>
+            <a:ahLst/>
+            <a:cxnLst>
+              <a:cxn ang="0">
+                <a:pos x="connsiteX0" y="connsiteY0"/>
+              </a:cxn>
+              <a:cxn ang="0">
+                <a:pos x="connsiteX1" y="connsiteY1"/>
+              </a:cxn>
+              <a:cxn ang="0">
+                <a:pos x="connsiteX2" y="connsiteY2"/>
+              </a:cxn>
+              <a:cxn ang="0">
+                <a:pos x="connsiteX3" y="connsiteY3"/>
+              </a:cxn>
+              <a:cxn ang="0">
+                <a:pos x="connsiteX4" y="connsiteY4"/>
+              </a:cxn>
+              <a:cxn ang="0">
+                <a:pos x="connsiteX5" y="connsiteY5"/>
+              </a:cxn>
+              <a:cxn ang="0">
+                <a:pos x="connsiteX6" y="connsiteY6"/>
+              </a:cxn>
+            </a:cxnLst>
+            <a:rect l="l" t="t" r="r" b="b"/>
+            <a:pathLst>
+              <a:path w="1434298" h="839165">
+                <a:moveTo>
+                  <a:pt x="5997" y="0"/>
+                </a:moveTo>
+                <a:lnTo>
+                  <a:pt x="1428301" y="0"/>
+                </a:lnTo>
+                <a:lnTo>
+                  <a:pt x="1430596" y="15660"/>
+                </a:lnTo>
+                <a:cubicBezTo>
+                  <a:pt x="1433044" y="40776"/>
+                  <a:pt x="1434298" y="66259"/>
+                  <a:pt x="1434298" y="92048"/>
+                </a:cubicBezTo>
+                <a:cubicBezTo>
+                  <a:pt x="1434298" y="504669"/>
+                  <a:pt x="1113219" y="839165"/>
+                  <a:pt x="717149" y="839165"/>
+                </a:cubicBezTo>
+                <a:cubicBezTo>
+                  <a:pt x="321079" y="839165"/>
+                  <a:pt x="0" y="504669"/>
+                  <a:pt x="0" y="92048"/>
+                </a:cubicBezTo>
+                <a:cubicBezTo>
+                  <a:pt x="0" y="66259"/>
+                  <a:pt x="1254" y="40776"/>
+                  <a:pt x="3703" y="15660"/>
+                </a:cubicBezTo>
+                <a:close/>
+              </a:path>
+            </a:pathLst>
+          </a:custGeom>
+          <a:solidFill>
+            <a:srgbClr val="F7B563"/>
+          </a:solidFill>
+          <a:ln>
+            <a:noFill/>
+          </a:ln>
+        </p:spPr>
+        <p:style>
+          <a:lnRef idx="2">
+            <a:schemeClr val="accent1">
+              <a:shade val="50000"/>
+            </a:schemeClr>
+          </a:lnRef>
+          <a:fillRef idx="1">
+            <a:schemeClr val="accent1"/>
+          </a:fillRef>
+          <a:effectRef idx="0">
+            <a:schemeClr val="accent1"/>
+          </a:effectRef>
+          <a:fontRef idx="minor">
+            <a:schemeClr val="lt1"/>
+          </a:fontRef>
+        </p:style>
+        <p:txBody>
+          <a:bodyPr wrap="square" rtlCol="0" anchor="ctr">
+            <a:noAutofit/>
+          </a:bodyPr>
+          <a:lstStyle/>
+          <a:p>
+            <a:pPr algn="ctr"/>
+            <a:endParaRPr lang="zh-CN" altLang="en-US"/>
+          </a:p>
+        </p:txBody>
+      </p:sp>
+      <p:sp>
+        <p:nvSpPr>
+          <p:cNvPr id="45" name="矩形 44">
+            <a:extLst>
+              <a:ext uri="{FF2B5EF4-FFF2-40B4-BE49-F238E27FC236}">
+                <a16:creationId xmlns:a16="http://schemas.microsoft.com/office/drawing/2014/main" id="{B658D392-3572-4176-A58F-E3651C209A30}"/>
+              </a:ext>
+            </a:extLst>
+          </p:cNvPr>
+          <p:cNvSpPr/>
+          <p:nvPr/>
+        </p:nvSpPr>
+        <p:spPr>
+          <a:xfrm>
+            <a:off x="2065346" y="1977357"/>
+            <a:ext cx="705911" cy="63290"/>
+          </a:xfrm>
+          <a:prstGeom prst="rect">
+            <a:avLst/>
+          </a:prstGeom>
+          <a:solidFill>
+            <a:schemeClr val="bg1">
+              <a:lumMod val="85000"/>
+            </a:schemeClr>
+          </a:solidFill>
+          <a:ln>
+            <a:noFill/>
+          </a:ln>
+        </p:spPr>
+        <p:style>
+          <a:lnRef idx="2">
+            <a:schemeClr val="accent1">
+              <a:shade val="50000"/>
+            </a:schemeClr>
+          </a:lnRef>
+          <a:fillRef idx="1">
+            <a:schemeClr val="accent1"/>
+          </a:fillRef>
+          <a:effectRef idx="0">
+            <a:schemeClr val="accent1"/>
+          </a:effectRef>
+          <a:fontRef idx="minor">
+            <a:schemeClr val="lt1"/>
+          </a:fontRef>
+        </p:style>
+        <p:txBody>
+          <a:bodyPr rtlCol="0" anchor="ctr"/>
+          <a:lstStyle/>
+          <a:p>
+            <a:pPr algn="ctr"/>
+            <a:endParaRPr lang="zh-CN" altLang="en-US"/>
+          </a:p>
+        </p:txBody>
+      </p:sp>
+      <p:sp>
+        <p:nvSpPr>
+          <p:cNvPr id="46" name="矩形 45">
+            <a:extLst>
+              <a:ext uri="{FF2B5EF4-FFF2-40B4-BE49-F238E27FC236}">
+                <a16:creationId xmlns:a16="http://schemas.microsoft.com/office/drawing/2014/main" id="{D9B424BE-C877-49F1-87C6-8021B457FE88}"/>
+              </a:ext>
+            </a:extLst>
+          </p:cNvPr>
+          <p:cNvSpPr/>
+          <p:nvPr/>
+        </p:nvSpPr>
+        <p:spPr>
+          <a:xfrm>
+            <a:off x="2065346" y="2098680"/>
+            <a:ext cx="466839" cy="63290"/>
+          </a:xfrm>
+          <a:prstGeom prst="rect">
+            <a:avLst/>
+          </a:prstGeom>
+          <a:solidFill>
+            <a:schemeClr val="bg1">
+              <a:lumMod val="85000"/>
+            </a:schemeClr>
+          </a:solidFill>
+          <a:ln>
+            <a:noFill/>
+          </a:ln>
+        </p:spPr>
+        <p:style>
+          <a:lnRef idx="2">
+            <a:schemeClr val="accent1">
+              <a:shade val="50000"/>
+            </a:schemeClr>
+          </a:lnRef>
+          <a:fillRef idx="1">
+            <a:schemeClr val="accent1"/>
+          </a:fillRef>
+          <a:effectRef idx="0">
+            <a:schemeClr val="accent1"/>
+          </a:effectRef>
+          <a:fontRef idx="minor">
+            <a:schemeClr val="lt1"/>
+          </a:fontRef>
+        </p:style>
+        <p:txBody>
+          <a:bodyPr rtlCol="0" anchor="ctr"/>
+          <a:lstStyle/>
+          <a:p>
+            <a:pPr algn="ctr"/>
+            <a:endParaRPr lang="zh-CN" altLang="en-US"/>
+          </a:p>
+        </p:txBody>
+      </p:sp>
+    </p:spTree>
+    <p:extLst>
+      <p:ext uri="{BB962C8B-B14F-4D97-AF65-F5344CB8AC3E}">
+        <p14:creationId xmlns:p14="http://schemas.microsoft.com/office/powerpoint/2010/main" val="1189973641"/>
+      </p:ext>
+    </p:extLst>
+  </p:cSld>
+  <p:clrMapOvr>
+    <a:masterClrMapping/>
+  </p:clrMapOvr>
+</p:sld>
+</file>
+
 <file path=ppt/theme/theme1.xml><?xml version="1.0" encoding="utf-8"?>
 <a:theme xmlns:a="http://schemas.openxmlformats.org/drawingml/2006/main" name="Office 主题​​">
   <a:themeElements>

--- a/UI.pptx
+++ b/UI.pptx
@@ -5,12 +5,8 @@
     <p:sldMasterId id="2147483648" r:id="rId1"/>
   </p:sldMasterIdLst>
   <p:sldIdLst>
-    <p:sldId id="256" r:id="rId2"/>
-    <p:sldId id="257" r:id="rId3"/>
-    <p:sldId id="258" r:id="rId4"/>
-    <p:sldId id="259" r:id="rId5"/>
-    <p:sldId id="260" r:id="rId6"/>
-    <p:sldId id="261" r:id="rId7"/>
+    <p:sldId id="260" r:id="rId2"/>
+    <p:sldId id="261" r:id="rId3"/>
   </p:sldIdLst>
   <p:sldSz cx="12192000" cy="6858000"/>
   <p:notesSz cx="6858000" cy="9144000"/>
@@ -264,7 +260,7 @@
           <a:p>
             <a:fld id="{F3BA182F-79D5-4EF3-A581-738F691F52DF}" type="datetimeFigureOut">
               <a:rPr lang="zh-CN" altLang="en-US" smtClean="0"/>
-              <a:t>2019/4/20</a:t>
+              <a:t>2019/4/26</a:t>
             </a:fld>
             <a:endParaRPr lang="zh-CN" altLang="en-US"/>
           </a:p>
@@ -462,7 +458,7 @@
           <a:p>
             <a:fld id="{F3BA182F-79D5-4EF3-A581-738F691F52DF}" type="datetimeFigureOut">
               <a:rPr lang="zh-CN" altLang="en-US" smtClean="0"/>
-              <a:t>2019/4/20</a:t>
+              <a:t>2019/4/26</a:t>
             </a:fld>
             <a:endParaRPr lang="zh-CN" altLang="en-US"/>
           </a:p>
@@ -670,7 +666,7 @@
           <a:p>
             <a:fld id="{F3BA182F-79D5-4EF3-A581-738F691F52DF}" type="datetimeFigureOut">
               <a:rPr lang="zh-CN" altLang="en-US" smtClean="0"/>
-              <a:t>2019/4/20</a:t>
+              <a:t>2019/4/26</a:t>
             </a:fld>
             <a:endParaRPr lang="zh-CN" altLang="en-US"/>
           </a:p>
@@ -868,7 +864,7 @@
           <a:p>
             <a:fld id="{F3BA182F-79D5-4EF3-A581-738F691F52DF}" type="datetimeFigureOut">
               <a:rPr lang="zh-CN" altLang="en-US" smtClean="0"/>
-              <a:t>2019/4/20</a:t>
+              <a:t>2019/4/26</a:t>
             </a:fld>
             <a:endParaRPr lang="zh-CN" altLang="en-US"/>
           </a:p>
@@ -1143,7 +1139,7 @@
           <a:p>
             <a:fld id="{F3BA182F-79D5-4EF3-A581-738F691F52DF}" type="datetimeFigureOut">
               <a:rPr lang="zh-CN" altLang="en-US" smtClean="0"/>
-              <a:t>2019/4/20</a:t>
+              <a:t>2019/4/26</a:t>
             </a:fld>
             <a:endParaRPr lang="zh-CN" altLang="en-US"/>
           </a:p>
@@ -1408,7 +1404,7 @@
           <a:p>
             <a:fld id="{F3BA182F-79D5-4EF3-A581-738F691F52DF}" type="datetimeFigureOut">
               <a:rPr lang="zh-CN" altLang="en-US" smtClean="0"/>
-              <a:t>2019/4/20</a:t>
+              <a:t>2019/4/26</a:t>
             </a:fld>
             <a:endParaRPr lang="zh-CN" altLang="en-US"/>
           </a:p>
@@ -1820,7 +1816,7 @@
           <a:p>
             <a:fld id="{F3BA182F-79D5-4EF3-A581-738F691F52DF}" type="datetimeFigureOut">
               <a:rPr lang="zh-CN" altLang="en-US" smtClean="0"/>
-              <a:t>2019/4/20</a:t>
+              <a:t>2019/4/26</a:t>
             </a:fld>
             <a:endParaRPr lang="zh-CN" altLang="en-US"/>
           </a:p>
@@ -1961,7 +1957,7 @@
           <a:p>
             <a:fld id="{F3BA182F-79D5-4EF3-A581-738F691F52DF}" type="datetimeFigureOut">
               <a:rPr lang="zh-CN" altLang="en-US" smtClean="0"/>
-              <a:t>2019/4/20</a:t>
+              <a:t>2019/4/26</a:t>
             </a:fld>
             <a:endParaRPr lang="zh-CN" altLang="en-US"/>
           </a:p>
@@ -2074,7 +2070,7 @@
           <a:p>
             <a:fld id="{F3BA182F-79D5-4EF3-A581-738F691F52DF}" type="datetimeFigureOut">
               <a:rPr lang="zh-CN" altLang="en-US" smtClean="0"/>
-              <a:t>2019/4/20</a:t>
+              <a:t>2019/4/26</a:t>
             </a:fld>
             <a:endParaRPr lang="zh-CN" altLang="en-US"/>
           </a:p>
@@ -2385,7 +2381,7 @@
           <a:p>
             <a:fld id="{F3BA182F-79D5-4EF3-A581-738F691F52DF}" type="datetimeFigureOut">
               <a:rPr lang="zh-CN" altLang="en-US" smtClean="0"/>
-              <a:t>2019/4/20</a:t>
+              <a:t>2019/4/26</a:t>
             </a:fld>
             <a:endParaRPr lang="zh-CN" altLang="en-US"/>
           </a:p>
@@ -2673,7 +2669,7 @@
           <a:p>
             <a:fld id="{F3BA182F-79D5-4EF3-A581-738F691F52DF}" type="datetimeFigureOut">
               <a:rPr lang="zh-CN" altLang="en-US" smtClean="0"/>
-              <a:t>2019/4/20</a:t>
+              <a:t>2019/4/26</a:t>
             </a:fld>
             <a:endParaRPr lang="zh-CN" altLang="en-US"/>
           </a:p>
@@ -2914,7 +2910,7 @@
           <a:p>
             <a:fld id="{F3BA182F-79D5-4EF3-A581-738F691F52DF}" type="datetimeFigureOut">
               <a:rPr lang="zh-CN" altLang="en-US" smtClean="0"/>
-              <a:t>2019/4/20</a:t>
+              <a:t>2019/4/26</a:t>
             </a:fld>
             <a:endParaRPr lang="zh-CN" altLang="en-US"/>
           </a:p>
@@ -3317,2775 +3313,16 @@
 <file path=ppt/slides/slide1.xml><?xml version="1.0" encoding="utf-8"?>
 <p:sld xmlns:a="http://schemas.openxmlformats.org/drawingml/2006/main" xmlns:r="http://schemas.openxmlformats.org/officeDocument/2006/relationships" xmlns:p="http://schemas.openxmlformats.org/presentationml/2006/main">
   <p:cSld>
-    <p:spTree>
-      <p:nvGrpSpPr>
-        <p:cNvPr id="1" name=""/>
-        <p:cNvGrpSpPr/>
-        <p:nvPr/>
-      </p:nvGrpSpPr>
-      <p:grpSpPr>
-        <a:xfrm>
-          <a:off x="0" y="0"/>
-          <a:ext cx="0" cy="0"/>
-          <a:chOff x="0" y="0"/>
-          <a:chExt cx="0" cy="0"/>
-        </a:xfrm>
-      </p:grpSpPr>
-      <p:sp>
-        <p:nvSpPr>
-          <p:cNvPr id="6" name="矩形 5">
-            <a:extLst>
-              <a:ext uri="{FF2B5EF4-FFF2-40B4-BE49-F238E27FC236}">
-                <a16:creationId xmlns:a16="http://schemas.microsoft.com/office/drawing/2014/main" id="{044BDEDE-29B0-4078-9C03-1F3053B90C32}"/>
-              </a:ext>
-            </a:extLst>
-          </p:cNvPr>
-          <p:cNvSpPr/>
-          <p:nvPr/>
-        </p:nvSpPr>
-        <p:spPr>
-          <a:xfrm>
-            <a:off x="6960973" y="2421924"/>
-            <a:ext cx="3052119" cy="2261287"/>
-          </a:xfrm>
-          <a:prstGeom prst="rect">
-            <a:avLst/>
-          </a:prstGeom>
-          <a:solidFill>
-            <a:schemeClr val="bg1">
-              <a:lumMod val="95000"/>
-            </a:schemeClr>
-          </a:solidFill>
-          <a:ln>
-            <a:noFill/>
-          </a:ln>
-        </p:spPr>
-        <p:style>
-          <a:lnRef idx="2">
-            <a:schemeClr val="accent1">
-              <a:shade val="50000"/>
-            </a:schemeClr>
-          </a:lnRef>
-          <a:fillRef idx="1">
-            <a:schemeClr val="accent1"/>
-          </a:fillRef>
-          <a:effectRef idx="0">
-            <a:schemeClr val="accent1"/>
-          </a:effectRef>
-          <a:fontRef idx="minor">
-            <a:schemeClr val="lt1"/>
-          </a:fontRef>
-        </p:style>
-        <p:txBody>
-          <a:bodyPr rtlCol="0" anchor="ctr"/>
-          <a:lstStyle/>
-          <a:p>
-            <a:pPr algn="ctr"/>
-            <a:endParaRPr lang="zh-CN" altLang="en-US"/>
-          </a:p>
-        </p:txBody>
-      </p:sp>
-      <p:sp>
-        <p:nvSpPr>
-          <p:cNvPr id="5" name="文本框 4">
-            <a:extLst>
-              <a:ext uri="{FF2B5EF4-FFF2-40B4-BE49-F238E27FC236}">
-                <a16:creationId xmlns:a16="http://schemas.microsoft.com/office/drawing/2014/main" id="{9C8C050E-24DE-4470-A08C-17875F7DE46D}"/>
-              </a:ext>
-            </a:extLst>
-          </p:cNvPr>
-          <p:cNvSpPr txBox="1"/>
-          <p:nvPr/>
-        </p:nvSpPr>
-        <p:spPr>
-          <a:xfrm>
-            <a:off x="5388114" y="498216"/>
-            <a:ext cx="1415772" cy="461665"/>
-          </a:xfrm>
-          <a:prstGeom prst="rect">
-            <a:avLst/>
-          </a:prstGeom>
-          <a:noFill/>
-        </p:spPr>
-        <p:txBody>
-          <a:bodyPr wrap="none" rtlCol="0">
-            <a:spAutoFit/>
-          </a:bodyPr>
-          <a:lstStyle/>
-          <a:p>
-            <a:r>
-              <a:rPr lang="zh-CN" altLang="en-US" sz="2400" dirty="0">
-                <a:solidFill>
-                  <a:schemeClr val="tx1">
-                    <a:lumMod val="85000"/>
-                    <a:lumOff val="15000"/>
-                  </a:schemeClr>
-                </a:solidFill>
-                <a:latin typeface="微软雅黑" panose="020B0503020204020204" pitchFamily="34" charset="-122"/>
-                <a:ea typeface="微软雅黑" panose="020B0503020204020204" pitchFamily="34" charset="-122"/>
-              </a:rPr>
-              <a:t>卷轴功能</a:t>
-            </a:r>
-          </a:p>
-        </p:txBody>
-      </p:sp>
-      <p:grpSp>
-        <p:nvGrpSpPr>
-          <p:cNvPr id="20" name="组合 19">
-            <a:extLst>
-              <a:ext uri="{FF2B5EF4-FFF2-40B4-BE49-F238E27FC236}">
-                <a16:creationId xmlns:a16="http://schemas.microsoft.com/office/drawing/2014/main" id="{AA2E08E7-E752-47DA-B0E7-5C6611384D92}"/>
-              </a:ext>
-            </a:extLst>
-          </p:cNvPr>
-          <p:cNvGrpSpPr/>
-          <p:nvPr/>
-        </p:nvGrpSpPr>
-        <p:grpSpPr>
-          <a:xfrm>
-            <a:off x="2001794" y="1569308"/>
-            <a:ext cx="3052119" cy="4139513"/>
-            <a:chOff x="2001794" y="1569308"/>
-            <a:chExt cx="3052119" cy="4139513"/>
-          </a:xfrm>
-        </p:grpSpPr>
-        <p:sp>
-          <p:nvSpPr>
-            <p:cNvPr id="4" name="矩形 3">
-              <a:extLst>
-                <a:ext uri="{FF2B5EF4-FFF2-40B4-BE49-F238E27FC236}">
-                  <a16:creationId xmlns:a16="http://schemas.microsoft.com/office/drawing/2014/main" id="{7BF8375B-CCF5-4117-9A4D-FA604737AC2B}"/>
-                </a:ext>
-              </a:extLst>
-            </p:cNvPr>
-            <p:cNvSpPr/>
-            <p:nvPr/>
-          </p:nvSpPr>
-          <p:spPr>
-            <a:xfrm>
-              <a:off x="2001794" y="1569308"/>
-              <a:ext cx="3052119" cy="4139513"/>
-            </a:xfrm>
-            <a:prstGeom prst="rect">
-              <a:avLst/>
-            </a:prstGeom>
-            <a:solidFill>
-              <a:schemeClr val="bg1">
-                <a:lumMod val="95000"/>
-              </a:schemeClr>
-            </a:solidFill>
-            <a:ln>
-              <a:noFill/>
-            </a:ln>
-          </p:spPr>
-          <p:style>
-            <a:lnRef idx="2">
-              <a:schemeClr val="accent1">
-                <a:shade val="50000"/>
-              </a:schemeClr>
-            </a:lnRef>
-            <a:fillRef idx="1">
-              <a:schemeClr val="accent1"/>
-            </a:fillRef>
-            <a:effectRef idx="0">
-              <a:schemeClr val="accent1"/>
-            </a:effectRef>
-            <a:fontRef idx="minor">
-              <a:schemeClr val="lt1"/>
-            </a:fontRef>
-          </p:style>
-          <p:txBody>
-            <a:bodyPr rtlCol="0" anchor="ctr"/>
-            <a:lstStyle/>
-            <a:p>
-              <a:pPr algn="ctr"/>
-              <a:endParaRPr lang="zh-CN" altLang="en-US"/>
-            </a:p>
-          </p:txBody>
-        </p:sp>
-        <p:pic>
-          <p:nvPicPr>
-            <p:cNvPr id="11" name="图片 10">
-              <a:extLst>
-                <a:ext uri="{FF2B5EF4-FFF2-40B4-BE49-F238E27FC236}">
-                  <a16:creationId xmlns:a16="http://schemas.microsoft.com/office/drawing/2014/main" id="{E2CD82FB-3E80-485B-9868-31E051A92A9C}"/>
-                </a:ext>
-              </a:extLst>
-            </p:cNvPr>
-            <p:cNvPicPr>
-              <a:picLocks noChangeAspect="1"/>
-            </p:cNvPicPr>
-            <p:nvPr/>
-          </p:nvPicPr>
-          <p:blipFill>
-            <a:blip r:embed="rId2">
-              <a:extLst>
-                <a:ext uri="{28A0092B-C50C-407E-A947-70E740481C1C}">
-                  <a14:useLocalDpi xmlns:a14="http://schemas.microsoft.com/office/drawing/2010/main" val="0"/>
-                </a:ext>
-              </a:extLst>
-            </a:blip>
-            <a:stretch>
-              <a:fillRect/>
-            </a:stretch>
-          </p:blipFill>
-          <p:spPr>
-            <a:xfrm>
-              <a:off x="3211983" y="1928684"/>
-              <a:ext cx="631739" cy="579738"/>
-            </a:xfrm>
-            <a:prstGeom prst="ellipse">
-              <a:avLst/>
-            </a:prstGeom>
-            <a:ln>
-              <a:noFill/>
-            </a:ln>
-            <a:effectLst>
-              <a:outerShdw blurRad="63500" sx="102000" sy="102000" algn="ctr" rotWithShape="0">
-                <a:prstClr val="black">
-                  <a:alpha val="40000"/>
-                </a:prstClr>
-              </a:outerShdw>
-            </a:effectLst>
-          </p:spPr>
-        </p:pic>
-        <p:sp>
-          <p:nvSpPr>
-            <p:cNvPr id="13" name="矩形 12">
-              <a:extLst>
-                <a:ext uri="{FF2B5EF4-FFF2-40B4-BE49-F238E27FC236}">
-                  <a16:creationId xmlns:a16="http://schemas.microsoft.com/office/drawing/2014/main" id="{719899DF-20DC-408B-B90B-3B0F6BFF7A9E}"/>
-                </a:ext>
-              </a:extLst>
-            </p:cNvPr>
-            <p:cNvSpPr/>
-            <p:nvPr/>
-          </p:nvSpPr>
-          <p:spPr>
-            <a:xfrm>
-              <a:off x="2409565" y="2728988"/>
-              <a:ext cx="2236573" cy="138810"/>
-            </a:xfrm>
-            <a:prstGeom prst="rect">
-              <a:avLst/>
-            </a:prstGeom>
-            <a:solidFill>
-              <a:schemeClr val="bg1">
-                <a:lumMod val="50000"/>
-              </a:schemeClr>
-            </a:solidFill>
-            <a:ln>
-              <a:noFill/>
-            </a:ln>
-          </p:spPr>
-          <p:style>
-            <a:lnRef idx="2">
-              <a:schemeClr val="accent1">
-                <a:shade val="50000"/>
-              </a:schemeClr>
-            </a:lnRef>
-            <a:fillRef idx="1">
-              <a:schemeClr val="accent1"/>
-            </a:fillRef>
-            <a:effectRef idx="0">
-              <a:schemeClr val="accent1"/>
-            </a:effectRef>
-            <a:fontRef idx="minor">
-              <a:schemeClr val="lt1"/>
-            </a:fontRef>
-          </p:style>
-          <p:txBody>
-            <a:bodyPr rtlCol="0" anchor="ctr"/>
-            <a:lstStyle/>
-            <a:p>
-              <a:pPr algn="ctr"/>
-              <a:endParaRPr lang="zh-CN" altLang="en-US"/>
-            </a:p>
-          </p:txBody>
-        </p:sp>
-        <p:sp>
-          <p:nvSpPr>
-            <p:cNvPr id="14" name="矩形 13">
-              <a:extLst>
-                <a:ext uri="{FF2B5EF4-FFF2-40B4-BE49-F238E27FC236}">
-                  <a16:creationId xmlns:a16="http://schemas.microsoft.com/office/drawing/2014/main" id="{2A942D62-842D-41E0-8A16-4017B9390D4E}"/>
-                </a:ext>
-              </a:extLst>
-            </p:cNvPr>
-            <p:cNvSpPr/>
-            <p:nvPr/>
-          </p:nvSpPr>
-          <p:spPr>
-            <a:xfrm>
-              <a:off x="2409566" y="2972413"/>
-              <a:ext cx="1334532" cy="138810"/>
-            </a:xfrm>
-            <a:prstGeom prst="rect">
-              <a:avLst/>
-            </a:prstGeom>
-            <a:solidFill>
-              <a:schemeClr val="bg1">
-                <a:lumMod val="65000"/>
-              </a:schemeClr>
-            </a:solidFill>
-            <a:ln>
-              <a:noFill/>
-            </a:ln>
-          </p:spPr>
-          <p:style>
-            <a:lnRef idx="2">
-              <a:schemeClr val="accent1">
-                <a:shade val="50000"/>
-              </a:schemeClr>
-            </a:lnRef>
-            <a:fillRef idx="1">
-              <a:schemeClr val="accent1"/>
-            </a:fillRef>
-            <a:effectRef idx="0">
-              <a:schemeClr val="accent1"/>
-            </a:effectRef>
-            <a:fontRef idx="minor">
-              <a:schemeClr val="lt1"/>
-            </a:fontRef>
-          </p:style>
-          <p:txBody>
-            <a:bodyPr rtlCol="0" anchor="ctr"/>
-            <a:lstStyle/>
-            <a:p>
-              <a:pPr algn="ctr"/>
-              <a:endParaRPr lang="zh-CN" altLang="en-US"/>
-            </a:p>
-          </p:txBody>
-        </p:sp>
-        <p:sp>
-          <p:nvSpPr>
-            <p:cNvPr id="15" name="矩形 14">
-              <a:extLst>
-                <a:ext uri="{FF2B5EF4-FFF2-40B4-BE49-F238E27FC236}">
-                  <a16:creationId xmlns:a16="http://schemas.microsoft.com/office/drawing/2014/main" id="{FC1ABA2A-FDDD-4CB1-BBB9-853E4B8EA9BE}"/>
-                </a:ext>
-              </a:extLst>
-            </p:cNvPr>
-            <p:cNvSpPr/>
-            <p:nvPr/>
-          </p:nvSpPr>
-          <p:spPr>
-            <a:xfrm>
-              <a:off x="2409566" y="3234388"/>
-              <a:ext cx="1147366" cy="138810"/>
-            </a:xfrm>
-            <a:prstGeom prst="rect">
-              <a:avLst/>
-            </a:prstGeom>
-            <a:solidFill>
-              <a:schemeClr val="bg1">
-                <a:lumMod val="65000"/>
-              </a:schemeClr>
-            </a:solidFill>
-            <a:ln>
-              <a:noFill/>
-            </a:ln>
-          </p:spPr>
-          <p:style>
-            <a:lnRef idx="2">
-              <a:schemeClr val="accent1">
-                <a:shade val="50000"/>
-              </a:schemeClr>
-            </a:lnRef>
-            <a:fillRef idx="1">
-              <a:schemeClr val="accent1"/>
-            </a:fillRef>
-            <a:effectRef idx="0">
-              <a:schemeClr val="accent1"/>
-            </a:effectRef>
-            <a:fontRef idx="minor">
-              <a:schemeClr val="lt1"/>
-            </a:fontRef>
-          </p:style>
-          <p:txBody>
-            <a:bodyPr rtlCol="0" anchor="ctr"/>
-            <a:lstStyle/>
-            <a:p>
-              <a:pPr algn="ctr"/>
-              <a:endParaRPr lang="zh-CN" altLang="en-US"/>
-            </a:p>
-          </p:txBody>
-        </p:sp>
-        <p:sp>
-          <p:nvSpPr>
-            <p:cNvPr id="16" name="矩形 15">
-              <a:extLst>
-                <a:ext uri="{FF2B5EF4-FFF2-40B4-BE49-F238E27FC236}">
-                  <a16:creationId xmlns:a16="http://schemas.microsoft.com/office/drawing/2014/main" id="{982A4D14-CF82-4695-AD7D-A5C5C451B548}"/>
-                </a:ext>
-              </a:extLst>
-            </p:cNvPr>
-            <p:cNvSpPr/>
-            <p:nvPr/>
-          </p:nvSpPr>
-          <p:spPr>
-            <a:xfrm>
-              <a:off x="2409564" y="4201807"/>
-              <a:ext cx="2236573" cy="138810"/>
-            </a:xfrm>
-            <a:prstGeom prst="rect">
-              <a:avLst/>
-            </a:prstGeom>
-            <a:solidFill>
-              <a:srgbClr val="00B0F0"/>
-            </a:solidFill>
-            <a:ln>
-              <a:noFill/>
-            </a:ln>
-          </p:spPr>
-          <p:style>
-            <a:lnRef idx="2">
-              <a:schemeClr val="accent1">
-                <a:shade val="50000"/>
-              </a:schemeClr>
-            </a:lnRef>
-            <a:fillRef idx="1">
-              <a:schemeClr val="accent1"/>
-            </a:fillRef>
-            <a:effectRef idx="0">
-              <a:schemeClr val="accent1"/>
-            </a:effectRef>
-            <a:fontRef idx="minor">
-              <a:schemeClr val="lt1"/>
-            </a:fontRef>
-          </p:style>
-          <p:txBody>
-            <a:bodyPr rtlCol="0" anchor="ctr"/>
-            <a:lstStyle/>
-            <a:p>
-              <a:pPr algn="ctr"/>
-              <a:endParaRPr lang="zh-CN" altLang="en-US"/>
-            </a:p>
-          </p:txBody>
-        </p:sp>
-        <p:sp>
-          <p:nvSpPr>
-            <p:cNvPr id="18" name="椭圆 17">
-              <a:extLst>
-                <a:ext uri="{FF2B5EF4-FFF2-40B4-BE49-F238E27FC236}">
-                  <a16:creationId xmlns:a16="http://schemas.microsoft.com/office/drawing/2014/main" id="{C2F4FFDD-7F6C-428A-A001-FF8A6316CE68}"/>
-                </a:ext>
-              </a:extLst>
-            </p:cNvPr>
-            <p:cNvSpPr/>
-            <p:nvPr/>
-          </p:nvSpPr>
-          <p:spPr>
-            <a:xfrm>
-              <a:off x="2409564" y="4731495"/>
-              <a:ext cx="544284" cy="557197"/>
-            </a:xfrm>
-            <a:prstGeom prst="ellipse">
-              <a:avLst/>
-            </a:prstGeom>
-            <a:solidFill>
-              <a:schemeClr val="bg1">
-                <a:lumMod val="65000"/>
-              </a:schemeClr>
-            </a:solidFill>
-            <a:ln>
-              <a:noFill/>
-            </a:ln>
-          </p:spPr>
-          <p:style>
-            <a:lnRef idx="2">
-              <a:schemeClr val="accent1">
-                <a:shade val="50000"/>
-              </a:schemeClr>
-            </a:lnRef>
-            <a:fillRef idx="1">
-              <a:schemeClr val="accent1"/>
-            </a:fillRef>
-            <a:effectRef idx="0">
-              <a:schemeClr val="accent1"/>
-            </a:effectRef>
-            <a:fontRef idx="minor">
-              <a:schemeClr val="lt1"/>
-            </a:fontRef>
-          </p:style>
-          <p:txBody>
-            <a:bodyPr rtlCol="0" anchor="ctr"/>
-            <a:lstStyle/>
-            <a:p>
-              <a:pPr algn="ctr"/>
-              <a:endParaRPr lang="zh-CN" altLang="en-US"/>
-            </a:p>
-          </p:txBody>
-        </p:sp>
-        <p:sp>
-          <p:nvSpPr>
-            <p:cNvPr id="19" name="椭圆 18">
-              <a:extLst>
-                <a:ext uri="{FF2B5EF4-FFF2-40B4-BE49-F238E27FC236}">
-                  <a16:creationId xmlns:a16="http://schemas.microsoft.com/office/drawing/2014/main" id="{5F0A9619-2C71-43BD-8C7B-37F636AF1270}"/>
-                </a:ext>
-              </a:extLst>
-            </p:cNvPr>
-            <p:cNvSpPr/>
-            <p:nvPr/>
-          </p:nvSpPr>
-          <p:spPr>
-            <a:xfrm>
-              <a:off x="3284790" y="4731495"/>
-              <a:ext cx="544284" cy="557197"/>
-            </a:xfrm>
-            <a:prstGeom prst="ellipse">
-              <a:avLst/>
-            </a:prstGeom>
-            <a:solidFill>
-              <a:schemeClr val="bg1">
-                <a:lumMod val="65000"/>
-              </a:schemeClr>
-            </a:solidFill>
-            <a:ln>
-              <a:noFill/>
-            </a:ln>
-          </p:spPr>
-          <p:style>
-            <a:lnRef idx="2">
-              <a:schemeClr val="accent1">
-                <a:shade val="50000"/>
-              </a:schemeClr>
-            </a:lnRef>
-            <a:fillRef idx="1">
-              <a:schemeClr val="accent1"/>
-            </a:fillRef>
-            <a:effectRef idx="0">
-              <a:schemeClr val="accent1"/>
-            </a:effectRef>
-            <a:fontRef idx="minor">
-              <a:schemeClr val="lt1"/>
-            </a:fontRef>
-          </p:style>
-          <p:txBody>
-            <a:bodyPr rtlCol="0" anchor="ctr"/>
-            <a:lstStyle/>
-            <a:p>
-              <a:pPr algn="ctr"/>
-              <a:endParaRPr lang="zh-CN" altLang="en-US"/>
-            </a:p>
-          </p:txBody>
-        </p:sp>
-      </p:grpSp>
-      <p:sp>
-        <p:nvSpPr>
-          <p:cNvPr id="22" name="任意多边形: 形状 21">
-            <a:extLst>
-              <a:ext uri="{FF2B5EF4-FFF2-40B4-BE49-F238E27FC236}">
-                <a16:creationId xmlns:a16="http://schemas.microsoft.com/office/drawing/2014/main" id="{05EC69AD-BE44-4F30-98A4-2582A394D205}"/>
-              </a:ext>
-            </a:extLst>
-          </p:cNvPr>
-          <p:cNvSpPr/>
-          <p:nvPr/>
-        </p:nvSpPr>
-        <p:spPr>
-          <a:xfrm>
-            <a:off x="6096000" y="1198605"/>
-            <a:ext cx="5099222" cy="9209903"/>
-          </a:xfrm>
-          <a:custGeom>
-            <a:avLst/>
-            <a:gdLst>
-              <a:gd name="connsiteX0" fmla="*/ 864973 w 5099222"/>
-              <a:gd name="connsiteY0" fmla="*/ 5490518 h 9209903"/>
-              <a:gd name="connsiteX1" fmla="*/ 864973 w 5099222"/>
-              <a:gd name="connsiteY1" fmla="*/ 7751805 h 9209903"/>
-              <a:gd name="connsiteX2" fmla="*/ 3917092 w 5099222"/>
-              <a:gd name="connsiteY2" fmla="*/ 7751805 h 9209903"/>
-              <a:gd name="connsiteX3" fmla="*/ 3917092 w 5099222"/>
-              <a:gd name="connsiteY3" fmla="*/ 5490518 h 9209903"/>
-              <a:gd name="connsiteX4" fmla="*/ 864973 w 5099222"/>
-              <a:gd name="connsiteY4" fmla="*/ 1223318 h 9209903"/>
-              <a:gd name="connsiteX5" fmla="*/ 864973 w 5099222"/>
-              <a:gd name="connsiteY5" fmla="*/ 3484605 h 9209903"/>
-              <a:gd name="connsiteX6" fmla="*/ 3917092 w 5099222"/>
-              <a:gd name="connsiteY6" fmla="*/ 3484605 h 9209903"/>
-              <a:gd name="connsiteX7" fmla="*/ 3917092 w 5099222"/>
-              <a:gd name="connsiteY7" fmla="*/ 1223318 h 9209903"/>
-              <a:gd name="connsiteX8" fmla="*/ 0 w 5099222"/>
-              <a:gd name="connsiteY8" fmla="*/ 0 h 9209903"/>
-              <a:gd name="connsiteX9" fmla="*/ 5099222 w 5099222"/>
-              <a:gd name="connsiteY9" fmla="*/ 0 h 9209903"/>
-              <a:gd name="connsiteX10" fmla="*/ 5099222 w 5099222"/>
-              <a:gd name="connsiteY10" fmla="*/ 4267200 h 9209903"/>
-              <a:gd name="connsiteX11" fmla="*/ 5099222 w 5099222"/>
-              <a:gd name="connsiteY11" fmla="*/ 4942703 h 9209903"/>
-              <a:gd name="connsiteX12" fmla="*/ 5099222 w 5099222"/>
-              <a:gd name="connsiteY12" fmla="*/ 9209903 h 9209903"/>
-              <a:gd name="connsiteX13" fmla="*/ 0 w 5099222"/>
-              <a:gd name="connsiteY13" fmla="*/ 9209903 h 9209903"/>
-              <a:gd name="connsiteX14" fmla="*/ 0 w 5099222"/>
-              <a:gd name="connsiteY14" fmla="*/ 4942703 h 9209903"/>
-              <a:gd name="connsiteX15" fmla="*/ 0 w 5099222"/>
-              <a:gd name="connsiteY15" fmla="*/ 4267200 h 9209903"/>
-            </a:gdLst>
-            <a:ahLst/>
-            <a:cxnLst>
-              <a:cxn ang="0">
-                <a:pos x="connsiteX0" y="connsiteY0"/>
-              </a:cxn>
-              <a:cxn ang="0">
-                <a:pos x="connsiteX1" y="connsiteY1"/>
-              </a:cxn>
-              <a:cxn ang="0">
-                <a:pos x="connsiteX2" y="connsiteY2"/>
-              </a:cxn>
-              <a:cxn ang="0">
-                <a:pos x="connsiteX3" y="connsiteY3"/>
-              </a:cxn>
-              <a:cxn ang="0">
-                <a:pos x="connsiteX4" y="connsiteY4"/>
-              </a:cxn>
-              <a:cxn ang="0">
-                <a:pos x="connsiteX5" y="connsiteY5"/>
-              </a:cxn>
-              <a:cxn ang="0">
-                <a:pos x="connsiteX6" y="connsiteY6"/>
-              </a:cxn>
-              <a:cxn ang="0">
-                <a:pos x="connsiteX7" y="connsiteY7"/>
-              </a:cxn>
-              <a:cxn ang="0">
-                <a:pos x="connsiteX8" y="connsiteY8"/>
-              </a:cxn>
-              <a:cxn ang="0">
-                <a:pos x="connsiteX9" y="connsiteY9"/>
-              </a:cxn>
-              <a:cxn ang="0">
-                <a:pos x="connsiteX10" y="connsiteY10"/>
-              </a:cxn>
-              <a:cxn ang="0">
-                <a:pos x="connsiteX11" y="connsiteY11"/>
-              </a:cxn>
-              <a:cxn ang="0">
-                <a:pos x="connsiteX12" y="connsiteY12"/>
-              </a:cxn>
-              <a:cxn ang="0">
-                <a:pos x="connsiteX13" y="connsiteY13"/>
-              </a:cxn>
-              <a:cxn ang="0">
-                <a:pos x="connsiteX14" y="connsiteY14"/>
-              </a:cxn>
-              <a:cxn ang="0">
-                <a:pos x="connsiteX15" y="connsiteY15"/>
-              </a:cxn>
-            </a:cxnLst>
-            <a:rect l="l" t="t" r="r" b="b"/>
-            <a:pathLst>
-              <a:path w="5099222" h="9209903">
-                <a:moveTo>
-                  <a:pt x="864973" y="5490518"/>
-                </a:moveTo>
-                <a:lnTo>
-                  <a:pt x="864973" y="7751805"/>
-                </a:lnTo>
-                <a:lnTo>
-                  <a:pt x="3917092" y="7751805"/>
-                </a:lnTo>
-                <a:lnTo>
-                  <a:pt x="3917092" y="5490518"/>
-                </a:lnTo>
-                <a:close/>
-                <a:moveTo>
-                  <a:pt x="864973" y="1223318"/>
-                </a:moveTo>
-                <a:lnTo>
-                  <a:pt x="864973" y="3484605"/>
-                </a:lnTo>
-                <a:lnTo>
-                  <a:pt x="3917092" y="3484605"/>
-                </a:lnTo>
-                <a:lnTo>
-                  <a:pt x="3917092" y="1223318"/>
-                </a:lnTo>
-                <a:close/>
-                <a:moveTo>
-                  <a:pt x="0" y="0"/>
-                </a:moveTo>
-                <a:lnTo>
-                  <a:pt x="5099222" y="0"/>
-                </a:lnTo>
-                <a:lnTo>
-                  <a:pt x="5099222" y="4267200"/>
-                </a:lnTo>
-                <a:lnTo>
-                  <a:pt x="5099222" y="4942703"/>
-                </a:lnTo>
-                <a:lnTo>
-                  <a:pt x="5099222" y="9209903"/>
-                </a:lnTo>
-                <a:lnTo>
-                  <a:pt x="0" y="9209903"/>
-                </a:lnTo>
-                <a:lnTo>
-                  <a:pt x="0" y="4942703"/>
-                </a:lnTo>
-                <a:lnTo>
-                  <a:pt x="0" y="4267200"/>
-                </a:lnTo>
-                <a:close/>
-              </a:path>
-            </a:pathLst>
-          </a:custGeom>
-          <a:solidFill>
-            <a:schemeClr val="bg1"/>
-          </a:solidFill>
-          <a:ln>
-            <a:noFill/>
-          </a:ln>
-        </p:spPr>
-        <p:style>
-          <a:lnRef idx="2">
-            <a:schemeClr val="accent1">
-              <a:shade val="50000"/>
-            </a:schemeClr>
-          </a:lnRef>
-          <a:fillRef idx="1">
-            <a:schemeClr val="accent1"/>
-          </a:fillRef>
-          <a:effectRef idx="0">
-            <a:schemeClr val="accent1"/>
-          </a:effectRef>
-          <a:fontRef idx="minor">
-            <a:schemeClr val="lt1"/>
-          </a:fontRef>
-        </p:style>
-        <p:txBody>
-          <a:bodyPr wrap="square" rtlCol="0" anchor="ctr">
-            <a:noAutofit/>
-          </a:bodyPr>
-          <a:lstStyle/>
-          <a:p>
-            <a:pPr algn="ctr"/>
-            <a:endParaRPr lang="zh-CN" altLang="en-US"/>
-          </a:p>
-        </p:txBody>
-      </p:sp>
-      <p:sp>
-        <p:nvSpPr>
-          <p:cNvPr id="23" name="文本框 22">
-            <a:extLst>
-              <a:ext uri="{FF2B5EF4-FFF2-40B4-BE49-F238E27FC236}">
-                <a16:creationId xmlns:a16="http://schemas.microsoft.com/office/drawing/2014/main" id="{FA143817-2D2D-4FC5-BA7F-8A5D052F2921}"/>
-              </a:ext>
-            </a:extLst>
-          </p:cNvPr>
-          <p:cNvSpPr txBox="1"/>
-          <p:nvPr/>
-        </p:nvSpPr>
-        <p:spPr>
-          <a:xfrm>
-            <a:off x="190038" y="6297653"/>
-            <a:ext cx="1383712" cy="461665"/>
-          </a:xfrm>
-          <a:prstGeom prst="rect">
-            <a:avLst/>
-          </a:prstGeom>
-          <a:noFill/>
-        </p:spPr>
-        <p:txBody>
-          <a:bodyPr wrap="none" rtlCol="0">
-            <a:spAutoFit/>
-          </a:bodyPr>
-          <a:lstStyle/>
-          <a:p>
-            <a:r>
-              <a:rPr lang="en-US" altLang="zh-CN" sz="2400" dirty="0">
-                <a:solidFill>
-                  <a:schemeClr val="bg1">
-                    <a:lumMod val="65000"/>
-                  </a:schemeClr>
-                </a:solidFill>
-                <a:latin typeface="微软雅黑" panose="020B0503020204020204" pitchFamily="34" charset="-122"/>
-                <a:ea typeface="微软雅黑" panose="020B0503020204020204" pitchFamily="34" charset="-122"/>
-              </a:rPr>
-              <a:t>Emerald</a:t>
-            </a:r>
-            <a:endParaRPr lang="zh-CN" altLang="en-US" sz="2400" dirty="0">
-              <a:solidFill>
-                <a:schemeClr val="bg1">
-                  <a:lumMod val="65000"/>
-                </a:schemeClr>
-              </a:solidFill>
-              <a:latin typeface="微软雅黑" panose="020B0503020204020204" pitchFamily="34" charset="-122"/>
-              <a:ea typeface="微软雅黑" panose="020B0503020204020204" pitchFamily="34" charset="-122"/>
-            </a:endParaRPr>
-          </a:p>
-        </p:txBody>
-      </p:sp>
-    </p:spTree>
-    <p:extLst>
-      <p:ext uri="{BB962C8B-B14F-4D97-AF65-F5344CB8AC3E}">
-        <p14:creationId xmlns:p14="http://schemas.microsoft.com/office/powerpoint/2010/main" val="1926366573"/>
-      </p:ext>
-    </p:extLst>
-  </p:cSld>
-  <p:clrMapOvr>
-    <a:masterClrMapping/>
-  </p:clrMapOvr>
-</p:sld>
-</file>
-
-<file path=ppt/slides/slide2.xml><?xml version="1.0" encoding="utf-8"?>
-<p:sld xmlns:a="http://schemas.openxmlformats.org/drawingml/2006/main" xmlns:r="http://schemas.openxmlformats.org/officeDocument/2006/relationships" xmlns:p="http://schemas.openxmlformats.org/presentationml/2006/main">
-  <p:cSld>
-    <p:spTree>
-      <p:nvGrpSpPr>
-        <p:cNvPr id="1" name=""/>
-        <p:cNvGrpSpPr/>
-        <p:nvPr/>
-      </p:nvGrpSpPr>
-      <p:grpSpPr>
-        <a:xfrm>
-          <a:off x="0" y="0"/>
-          <a:ext cx="0" cy="0"/>
-          <a:chOff x="0" y="0"/>
-          <a:chExt cx="0" cy="0"/>
-        </a:xfrm>
-      </p:grpSpPr>
-      <p:sp>
-        <p:nvSpPr>
-          <p:cNvPr id="6" name="矩形 5">
-            <a:extLst>
-              <a:ext uri="{FF2B5EF4-FFF2-40B4-BE49-F238E27FC236}">
-                <a16:creationId xmlns:a16="http://schemas.microsoft.com/office/drawing/2014/main" id="{044BDEDE-29B0-4078-9C03-1F3053B90C32}"/>
-              </a:ext>
-            </a:extLst>
-          </p:cNvPr>
-          <p:cNvSpPr/>
-          <p:nvPr/>
-        </p:nvSpPr>
-        <p:spPr>
-          <a:xfrm>
-            <a:off x="4712043" y="2372497"/>
-            <a:ext cx="3052119" cy="2261287"/>
-          </a:xfrm>
-          <a:prstGeom prst="rect">
-            <a:avLst/>
-          </a:prstGeom>
-          <a:solidFill>
-            <a:schemeClr val="bg1">
-              <a:lumMod val="95000"/>
-            </a:schemeClr>
-          </a:solidFill>
-          <a:ln>
-            <a:noFill/>
-          </a:ln>
-        </p:spPr>
-        <p:style>
-          <a:lnRef idx="2">
-            <a:schemeClr val="accent1">
-              <a:shade val="50000"/>
-            </a:schemeClr>
-          </a:lnRef>
-          <a:fillRef idx="1">
-            <a:schemeClr val="accent1"/>
-          </a:fillRef>
-          <a:effectRef idx="0">
-            <a:schemeClr val="accent1"/>
-          </a:effectRef>
-          <a:fontRef idx="minor">
-            <a:schemeClr val="lt1"/>
-          </a:fontRef>
-        </p:style>
-        <p:txBody>
-          <a:bodyPr rtlCol="0" anchor="ctr"/>
-          <a:lstStyle/>
-          <a:p>
-            <a:pPr algn="ctr"/>
-            <a:endParaRPr lang="zh-CN" altLang="en-US"/>
-          </a:p>
-        </p:txBody>
-      </p:sp>
-      <p:sp>
-        <p:nvSpPr>
-          <p:cNvPr id="5" name="文本框 4">
-            <a:extLst>
-              <a:ext uri="{FF2B5EF4-FFF2-40B4-BE49-F238E27FC236}">
-                <a16:creationId xmlns:a16="http://schemas.microsoft.com/office/drawing/2014/main" id="{9C8C050E-24DE-4470-A08C-17875F7DE46D}"/>
-              </a:ext>
-            </a:extLst>
-          </p:cNvPr>
-          <p:cNvSpPr txBox="1"/>
-          <p:nvPr/>
-        </p:nvSpPr>
-        <p:spPr>
-          <a:xfrm>
-            <a:off x="5388114" y="498216"/>
-            <a:ext cx="1415772" cy="461665"/>
-          </a:xfrm>
-          <a:prstGeom prst="rect">
-            <a:avLst/>
-          </a:prstGeom>
-          <a:noFill/>
-        </p:spPr>
-        <p:txBody>
-          <a:bodyPr wrap="none" rtlCol="0">
-            <a:spAutoFit/>
-          </a:bodyPr>
-          <a:lstStyle/>
-          <a:p>
-            <a:r>
-              <a:rPr lang="zh-CN" altLang="en-US" sz="2400" dirty="0">
-                <a:solidFill>
-                  <a:schemeClr val="tx1">
-                    <a:lumMod val="85000"/>
-                    <a:lumOff val="15000"/>
-                  </a:schemeClr>
-                </a:solidFill>
-                <a:latin typeface="微软雅黑" panose="020B0503020204020204" pitchFamily="34" charset="-122"/>
-                <a:ea typeface="微软雅黑" panose="020B0503020204020204" pitchFamily="34" charset="-122"/>
-              </a:rPr>
-              <a:t>卷轴功能</a:t>
-            </a:r>
-          </a:p>
-        </p:txBody>
-      </p:sp>
-      <p:grpSp>
-        <p:nvGrpSpPr>
-          <p:cNvPr id="20" name="组合 19">
-            <a:extLst>
-              <a:ext uri="{FF2B5EF4-FFF2-40B4-BE49-F238E27FC236}">
-                <a16:creationId xmlns:a16="http://schemas.microsoft.com/office/drawing/2014/main" id="{AA2E08E7-E752-47DA-B0E7-5C6611384D92}"/>
-              </a:ext>
-            </a:extLst>
-          </p:cNvPr>
-          <p:cNvGrpSpPr/>
-          <p:nvPr/>
-        </p:nvGrpSpPr>
-        <p:grpSpPr>
-          <a:xfrm>
-            <a:off x="4712042" y="2372497"/>
-            <a:ext cx="3052119" cy="4139513"/>
-            <a:chOff x="2001794" y="1569308"/>
-            <a:chExt cx="3052119" cy="4139513"/>
-          </a:xfrm>
-        </p:grpSpPr>
-        <p:sp>
-          <p:nvSpPr>
-            <p:cNvPr id="4" name="矩形 3">
-              <a:extLst>
-                <a:ext uri="{FF2B5EF4-FFF2-40B4-BE49-F238E27FC236}">
-                  <a16:creationId xmlns:a16="http://schemas.microsoft.com/office/drawing/2014/main" id="{7BF8375B-CCF5-4117-9A4D-FA604737AC2B}"/>
-                </a:ext>
-              </a:extLst>
-            </p:cNvPr>
-            <p:cNvSpPr/>
-            <p:nvPr/>
-          </p:nvSpPr>
-          <p:spPr>
-            <a:xfrm>
-              <a:off x="2001794" y="1569308"/>
-              <a:ext cx="3052119" cy="4139513"/>
-            </a:xfrm>
-            <a:prstGeom prst="rect">
-              <a:avLst/>
-            </a:prstGeom>
-            <a:solidFill>
-              <a:schemeClr val="bg1">
-                <a:lumMod val="95000"/>
-              </a:schemeClr>
-            </a:solidFill>
-            <a:ln>
-              <a:noFill/>
-            </a:ln>
-          </p:spPr>
-          <p:style>
-            <a:lnRef idx="2">
-              <a:schemeClr val="accent1">
-                <a:shade val="50000"/>
-              </a:schemeClr>
-            </a:lnRef>
-            <a:fillRef idx="1">
-              <a:schemeClr val="accent1"/>
-            </a:fillRef>
-            <a:effectRef idx="0">
-              <a:schemeClr val="accent1"/>
-            </a:effectRef>
-            <a:fontRef idx="minor">
-              <a:schemeClr val="lt1"/>
-            </a:fontRef>
-          </p:style>
-          <p:txBody>
-            <a:bodyPr rtlCol="0" anchor="ctr"/>
-            <a:lstStyle/>
-            <a:p>
-              <a:pPr algn="ctr"/>
-              <a:endParaRPr lang="zh-CN" altLang="en-US"/>
-            </a:p>
-          </p:txBody>
-        </p:sp>
-        <p:pic>
-          <p:nvPicPr>
-            <p:cNvPr id="11" name="图片 10">
-              <a:extLst>
-                <a:ext uri="{FF2B5EF4-FFF2-40B4-BE49-F238E27FC236}">
-                  <a16:creationId xmlns:a16="http://schemas.microsoft.com/office/drawing/2014/main" id="{E2CD82FB-3E80-485B-9868-31E051A92A9C}"/>
-                </a:ext>
-              </a:extLst>
-            </p:cNvPr>
-            <p:cNvPicPr>
-              <a:picLocks noChangeAspect="1"/>
-            </p:cNvPicPr>
-            <p:nvPr/>
-          </p:nvPicPr>
-          <p:blipFill>
-            <a:blip r:embed="rId2">
-              <a:extLst>
-                <a:ext uri="{28A0092B-C50C-407E-A947-70E740481C1C}">
-                  <a14:useLocalDpi xmlns:a14="http://schemas.microsoft.com/office/drawing/2010/main" val="0"/>
-                </a:ext>
-              </a:extLst>
-            </a:blip>
-            <a:stretch>
-              <a:fillRect/>
-            </a:stretch>
-          </p:blipFill>
-          <p:spPr>
-            <a:xfrm>
-              <a:off x="3211983" y="1928684"/>
-              <a:ext cx="631739" cy="579738"/>
-            </a:xfrm>
-            <a:prstGeom prst="ellipse">
-              <a:avLst/>
-            </a:prstGeom>
-            <a:ln>
-              <a:noFill/>
-            </a:ln>
-            <a:effectLst>
-              <a:outerShdw blurRad="63500" sx="102000" sy="102000" algn="ctr" rotWithShape="0">
-                <a:prstClr val="black">
-                  <a:alpha val="40000"/>
-                </a:prstClr>
-              </a:outerShdw>
-            </a:effectLst>
-          </p:spPr>
-        </p:pic>
-        <p:sp>
-          <p:nvSpPr>
-            <p:cNvPr id="13" name="矩形 12">
-              <a:extLst>
-                <a:ext uri="{FF2B5EF4-FFF2-40B4-BE49-F238E27FC236}">
-                  <a16:creationId xmlns:a16="http://schemas.microsoft.com/office/drawing/2014/main" id="{719899DF-20DC-408B-B90B-3B0F6BFF7A9E}"/>
-                </a:ext>
-              </a:extLst>
-            </p:cNvPr>
-            <p:cNvSpPr/>
-            <p:nvPr/>
-          </p:nvSpPr>
-          <p:spPr>
-            <a:xfrm>
-              <a:off x="2409565" y="2728988"/>
-              <a:ext cx="2236573" cy="138810"/>
-            </a:xfrm>
-            <a:prstGeom prst="rect">
-              <a:avLst/>
-            </a:prstGeom>
-            <a:solidFill>
-              <a:schemeClr val="bg1">
-                <a:lumMod val="50000"/>
-              </a:schemeClr>
-            </a:solidFill>
-            <a:ln>
-              <a:noFill/>
-            </a:ln>
-          </p:spPr>
-          <p:style>
-            <a:lnRef idx="2">
-              <a:schemeClr val="accent1">
-                <a:shade val="50000"/>
-              </a:schemeClr>
-            </a:lnRef>
-            <a:fillRef idx="1">
-              <a:schemeClr val="accent1"/>
-            </a:fillRef>
-            <a:effectRef idx="0">
-              <a:schemeClr val="accent1"/>
-            </a:effectRef>
-            <a:fontRef idx="minor">
-              <a:schemeClr val="lt1"/>
-            </a:fontRef>
-          </p:style>
-          <p:txBody>
-            <a:bodyPr rtlCol="0" anchor="ctr"/>
-            <a:lstStyle/>
-            <a:p>
-              <a:pPr algn="ctr"/>
-              <a:endParaRPr lang="zh-CN" altLang="en-US"/>
-            </a:p>
-          </p:txBody>
-        </p:sp>
-        <p:sp>
-          <p:nvSpPr>
-            <p:cNvPr id="14" name="矩形 13">
-              <a:extLst>
-                <a:ext uri="{FF2B5EF4-FFF2-40B4-BE49-F238E27FC236}">
-                  <a16:creationId xmlns:a16="http://schemas.microsoft.com/office/drawing/2014/main" id="{2A942D62-842D-41E0-8A16-4017B9390D4E}"/>
-                </a:ext>
-              </a:extLst>
-            </p:cNvPr>
-            <p:cNvSpPr/>
-            <p:nvPr/>
-          </p:nvSpPr>
-          <p:spPr>
-            <a:xfrm>
-              <a:off x="2409566" y="2972413"/>
-              <a:ext cx="1334532" cy="138810"/>
-            </a:xfrm>
-            <a:prstGeom prst="rect">
-              <a:avLst/>
-            </a:prstGeom>
-            <a:solidFill>
-              <a:schemeClr val="bg1">
-                <a:lumMod val="65000"/>
-              </a:schemeClr>
-            </a:solidFill>
-            <a:ln>
-              <a:noFill/>
-            </a:ln>
-          </p:spPr>
-          <p:style>
-            <a:lnRef idx="2">
-              <a:schemeClr val="accent1">
-                <a:shade val="50000"/>
-              </a:schemeClr>
-            </a:lnRef>
-            <a:fillRef idx="1">
-              <a:schemeClr val="accent1"/>
-            </a:fillRef>
-            <a:effectRef idx="0">
-              <a:schemeClr val="accent1"/>
-            </a:effectRef>
-            <a:fontRef idx="minor">
-              <a:schemeClr val="lt1"/>
-            </a:fontRef>
-          </p:style>
-          <p:txBody>
-            <a:bodyPr rtlCol="0" anchor="ctr"/>
-            <a:lstStyle/>
-            <a:p>
-              <a:pPr algn="ctr"/>
-              <a:endParaRPr lang="zh-CN" altLang="en-US"/>
-            </a:p>
-          </p:txBody>
-        </p:sp>
-        <p:sp>
-          <p:nvSpPr>
-            <p:cNvPr id="15" name="矩形 14">
-              <a:extLst>
-                <a:ext uri="{FF2B5EF4-FFF2-40B4-BE49-F238E27FC236}">
-                  <a16:creationId xmlns:a16="http://schemas.microsoft.com/office/drawing/2014/main" id="{FC1ABA2A-FDDD-4CB1-BBB9-853E4B8EA9BE}"/>
-                </a:ext>
-              </a:extLst>
-            </p:cNvPr>
-            <p:cNvSpPr/>
-            <p:nvPr/>
-          </p:nvSpPr>
-          <p:spPr>
-            <a:xfrm>
-              <a:off x="2409566" y="3234388"/>
-              <a:ext cx="1147366" cy="138810"/>
-            </a:xfrm>
-            <a:prstGeom prst="rect">
-              <a:avLst/>
-            </a:prstGeom>
-            <a:solidFill>
-              <a:schemeClr val="bg1">
-                <a:lumMod val="65000"/>
-              </a:schemeClr>
-            </a:solidFill>
-            <a:ln>
-              <a:noFill/>
-            </a:ln>
-          </p:spPr>
-          <p:style>
-            <a:lnRef idx="2">
-              <a:schemeClr val="accent1">
-                <a:shade val="50000"/>
-              </a:schemeClr>
-            </a:lnRef>
-            <a:fillRef idx="1">
-              <a:schemeClr val="accent1"/>
-            </a:fillRef>
-            <a:effectRef idx="0">
-              <a:schemeClr val="accent1"/>
-            </a:effectRef>
-            <a:fontRef idx="minor">
-              <a:schemeClr val="lt1"/>
-            </a:fontRef>
-          </p:style>
-          <p:txBody>
-            <a:bodyPr rtlCol="0" anchor="ctr"/>
-            <a:lstStyle/>
-            <a:p>
-              <a:pPr algn="ctr"/>
-              <a:endParaRPr lang="zh-CN" altLang="en-US"/>
-            </a:p>
-          </p:txBody>
-        </p:sp>
-        <p:sp>
-          <p:nvSpPr>
-            <p:cNvPr id="16" name="矩形 15">
-              <a:extLst>
-                <a:ext uri="{FF2B5EF4-FFF2-40B4-BE49-F238E27FC236}">
-                  <a16:creationId xmlns:a16="http://schemas.microsoft.com/office/drawing/2014/main" id="{982A4D14-CF82-4695-AD7D-A5C5C451B548}"/>
-                </a:ext>
-              </a:extLst>
-            </p:cNvPr>
-            <p:cNvSpPr/>
-            <p:nvPr/>
-          </p:nvSpPr>
-          <p:spPr>
-            <a:xfrm>
-              <a:off x="2409564" y="4201807"/>
-              <a:ext cx="2236573" cy="138810"/>
-            </a:xfrm>
-            <a:prstGeom prst="rect">
-              <a:avLst/>
-            </a:prstGeom>
-            <a:solidFill>
-              <a:srgbClr val="00B0F0"/>
-            </a:solidFill>
-            <a:ln>
-              <a:noFill/>
-            </a:ln>
-          </p:spPr>
-          <p:style>
-            <a:lnRef idx="2">
-              <a:schemeClr val="accent1">
-                <a:shade val="50000"/>
-              </a:schemeClr>
-            </a:lnRef>
-            <a:fillRef idx="1">
-              <a:schemeClr val="accent1"/>
-            </a:fillRef>
-            <a:effectRef idx="0">
-              <a:schemeClr val="accent1"/>
-            </a:effectRef>
-            <a:fontRef idx="minor">
-              <a:schemeClr val="lt1"/>
-            </a:fontRef>
-          </p:style>
-          <p:txBody>
-            <a:bodyPr rtlCol="0" anchor="ctr"/>
-            <a:lstStyle/>
-            <a:p>
-              <a:pPr algn="ctr"/>
-              <a:endParaRPr lang="zh-CN" altLang="en-US"/>
-            </a:p>
-          </p:txBody>
-        </p:sp>
-        <p:sp>
-          <p:nvSpPr>
-            <p:cNvPr id="18" name="椭圆 17">
-              <a:extLst>
-                <a:ext uri="{FF2B5EF4-FFF2-40B4-BE49-F238E27FC236}">
-                  <a16:creationId xmlns:a16="http://schemas.microsoft.com/office/drawing/2014/main" id="{C2F4FFDD-7F6C-428A-A001-FF8A6316CE68}"/>
-                </a:ext>
-              </a:extLst>
-            </p:cNvPr>
-            <p:cNvSpPr/>
-            <p:nvPr/>
-          </p:nvSpPr>
-          <p:spPr>
-            <a:xfrm>
-              <a:off x="2409564" y="4731495"/>
-              <a:ext cx="544284" cy="557197"/>
-            </a:xfrm>
-            <a:prstGeom prst="ellipse">
-              <a:avLst/>
-            </a:prstGeom>
-            <a:solidFill>
-              <a:schemeClr val="bg1">
-                <a:lumMod val="65000"/>
-              </a:schemeClr>
-            </a:solidFill>
-            <a:ln>
-              <a:noFill/>
-            </a:ln>
-          </p:spPr>
-          <p:style>
-            <a:lnRef idx="2">
-              <a:schemeClr val="accent1">
-                <a:shade val="50000"/>
-              </a:schemeClr>
-            </a:lnRef>
-            <a:fillRef idx="1">
-              <a:schemeClr val="accent1"/>
-            </a:fillRef>
-            <a:effectRef idx="0">
-              <a:schemeClr val="accent1"/>
-            </a:effectRef>
-            <a:fontRef idx="minor">
-              <a:schemeClr val="lt1"/>
-            </a:fontRef>
-          </p:style>
-          <p:txBody>
-            <a:bodyPr rtlCol="0" anchor="ctr"/>
-            <a:lstStyle/>
-            <a:p>
-              <a:pPr algn="ctr"/>
-              <a:endParaRPr lang="zh-CN" altLang="en-US"/>
-            </a:p>
-          </p:txBody>
-        </p:sp>
-        <p:sp>
-          <p:nvSpPr>
-            <p:cNvPr id="19" name="椭圆 18">
-              <a:extLst>
-                <a:ext uri="{FF2B5EF4-FFF2-40B4-BE49-F238E27FC236}">
-                  <a16:creationId xmlns:a16="http://schemas.microsoft.com/office/drawing/2014/main" id="{5F0A9619-2C71-43BD-8C7B-37F636AF1270}"/>
-                </a:ext>
-              </a:extLst>
-            </p:cNvPr>
-            <p:cNvSpPr/>
-            <p:nvPr/>
-          </p:nvSpPr>
-          <p:spPr>
-            <a:xfrm>
-              <a:off x="3284790" y="4731495"/>
-              <a:ext cx="544284" cy="557197"/>
-            </a:xfrm>
-            <a:prstGeom prst="ellipse">
-              <a:avLst/>
-            </a:prstGeom>
-            <a:solidFill>
-              <a:schemeClr val="bg1">
-                <a:lumMod val="65000"/>
-              </a:schemeClr>
-            </a:solidFill>
-            <a:ln>
-              <a:noFill/>
-            </a:ln>
-          </p:spPr>
-          <p:style>
-            <a:lnRef idx="2">
-              <a:schemeClr val="accent1">
-                <a:shade val="50000"/>
-              </a:schemeClr>
-            </a:lnRef>
-            <a:fillRef idx="1">
-              <a:schemeClr val="accent1"/>
-            </a:fillRef>
-            <a:effectRef idx="0">
-              <a:schemeClr val="accent1"/>
-            </a:effectRef>
-            <a:fontRef idx="minor">
-              <a:schemeClr val="lt1"/>
-            </a:fontRef>
-          </p:style>
-          <p:txBody>
-            <a:bodyPr rtlCol="0" anchor="ctr"/>
-            <a:lstStyle/>
-            <a:p>
-              <a:pPr algn="ctr"/>
-              <a:endParaRPr lang="zh-CN" altLang="en-US"/>
-            </a:p>
-          </p:txBody>
-        </p:sp>
-      </p:grpSp>
-      <p:sp>
-        <p:nvSpPr>
-          <p:cNvPr id="22" name="任意多边形: 形状 21">
-            <a:extLst>
-              <a:ext uri="{FF2B5EF4-FFF2-40B4-BE49-F238E27FC236}">
-                <a16:creationId xmlns:a16="http://schemas.microsoft.com/office/drawing/2014/main" id="{05EC69AD-BE44-4F30-98A4-2582A394D205}"/>
-              </a:ext>
-            </a:extLst>
-          </p:cNvPr>
-          <p:cNvSpPr/>
-          <p:nvPr/>
-        </p:nvSpPr>
-        <p:spPr>
-          <a:xfrm>
-            <a:off x="3847070" y="1149178"/>
-            <a:ext cx="5099222" cy="9209903"/>
-          </a:xfrm>
-          <a:custGeom>
-            <a:avLst/>
-            <a:gdLst>
-              <a:gd name="connsiteX0" fmla="*/ 864973 w 5099222"/>
-              <a:gd name="connsiteY0" fmla="*/ 5490518 h 9209903"/>
-              <a:gd name="connsiteX1" fmla="*/ 864973 w 5099222"/>
-              <a:gd name="connsiteY1" fmla="*/ 7751805 h 9209903"/>
-              <a:gd name="connsiteX2" fmla="*/ 3917092 w 5099222"/>
-              <a:gd name="connsiteY2" fmla="*/ 7751805 h 9209903"/>
-              <a:gd name="connsiteX3" fmla="*/ 3917092 w 5099222"/>
-              <a:gd name="connsiteY3" fmla="*/ 5490518 h 9209903"/>
-              <a:gd name="connsiteX4" fmla="*/ 864973 w 5099222"/>
-              <a:gd name="connsiteY4" fmla="*/ 1223318 h 9209903"/>
-              <a:gd name="connsiteX5" fmla="*/ 864973 w 5099222"/>
-              <a:gd name="connsiteY5" fmla="*/ 3484605 h 9209903"/>
-              <a:gd name="connsiteX6" fmla="*/ 3917092 w 5099222"/>
-              <a:gd name="connsiteY6" fmla="*/ 3484605 h 9209903"/>
-              <a:gd name="connsiteX7" fmla="*/ 3917092 w 5099222"/>
-              <a:gd name="connsiteY7" fmla="*/ 1223318 h 9209903"/>
-              <a:gd name="connsiteX8" fmla="*/ 0 w 5099222"/>
-              <a:gd name="connsiteY8" fmla="*/ 0 h 9209903"/>
-              <a:gd name="connsiteX9" fmla="*/ 5099222 w 5099222"/>
-              <a:gd name="connsiteY9" fmla="*/ 0 h 9209903"/>
-              <a:gd name="connsiteX10" fmla="*/ 5099222 w 5099222"/>
-              <a:gd name="connsiteY10" fmla="*/ 4267200 h 9209903"/>
-              <a:gd name="connsiteX11" fmla="*/ 5099222 w 5099222"/>
-              <a:gd name="connsiteY11" fmla="*/ 4942703 h 9209903"/>
-              <a:gd name="connsiteX12" fmla="*/ 5099222 w 5099222"/>
-              <a:gd name="connsiteY12" fmla="*/ 9209903 h 9209903"/>
-              <a:gd name="connsiteX13" fmla="*/ 0 w 5099222"/>
-              <a:gd name="connsiteY13" fmla="*/ 9209903 h 9209903"/>
-              <a:gd name="connsiteX14" fmla="*/ 0 w 5099222"/>
-              <a:gd name="connsiteY14" fmla="*/ 4942703 h 9209903"/>
-              <a:gd name="connsiteX15" fmla="*/ 0 w 5099222"/>
-              <a:gd name="connsiteY15" fmla="*/ 4267200 h 9209903"/>
-            </a:gdLst>
-            <a:ahLst/>
-            <a:cxnLst>
-              <a:cxn ang="0">
-                <a:pos x="connsiteX0" y="connsiteY0"/>
-              </a:cxn>
-              <a:cxn ang="0">
-                <a:pos x="connsiteX1" y="connsiteY1"/>
-              </a:cxn>
-              <a:cxn ang="0">
-                <a:pos x="connsiteX2" y="connsiteY2"/>
-              </a:cxn>
-              <a:cxn ang="0">
-                <a:pos x="connsiteX3" y="connsiteY3"/>
-              </a:cxn>
-              <a:cxn ang="0">
-                <a:pos x="connsiteX4" y="connsiteY4"/>
-              </a:cxn>
-              <a:cxn ang="0">
-                <a:pos x="connsiteX5" y="connsiteY5"/>
-              </a:cxn>
-              <a:cxn ang="0">
-                <a:pos x="connsiteX6" y="connsiteY6"/>
-              </a:cxn>
-              <a:cxn ang="0">
-                <a:pos x="connsiteX7" y="connsiteY7"/>
-              </a:cxn>
-              <a:cxn ang="0">
-                <a:pos x="connsiteX8" y="connsiteY8"/>
-              </a:cxn>
-              <a:cxn ang="0">
-                <a:pos x="connsiteX9" y="connsiteY9"/>
-              </a:cxn>
-              <a:cxn ang="0">
-                <a:pos x="connsiteX10" y="connsiteY10"/>
-              </a:cxn>
-              <a:cxn ang="0">
-                <a:pos x="connsiteX11" y="connsiteY11"/>
-              </a:cxn>
-              <a:cxn ang="0">
-                <a:pos x="connsiteX12" y="connsiteY12"/>
-              </a:cxn>
-              <a:cxn ang="0">
-                <a:pos x="connsiteX13" y="connsiteY13"/>
-              </a:cxn>
-              <a:cxn ang="0">
-                <a:pos x="connsiteX14" y="connsiteY14"/>
-              </a:cxn>
-              <a:cxn ang="0">
-                <a:pos x="connsiteX15" y="connsiteY15"/>
-              </a:cxn>
-            </a:cxnLst>
-            <a:rect l="l" t="t" r="r" b="b"/>
-            <a:pathLst>
-              <a:path w="5099222" h="9209903">
-                <a:moveTo>
-                  <a:pt x="864973" y="5490518"/>
-                </a:moveTo>
-                <a:lnTo>
-                  <a:pt x="864973" y="7751805"/>
-                </a:lnTo>
-                <a:lnTo>
-                  <a:pt x="3917092" y="7751805"/>
-                </a:lnTo>
-                <a:lnTo>
-                  <a:pt x="3917092" y="5490518"/>
-                </a:lnTo>
-                <a:close/>
-                <a:moveTo>
-                  <a:pt x="864973" y="1223318"/>
-                </a:moveTo>
-                <a:lnTo>
-                  <a:pt x="864973" y="3484605"/>
-                </a:lnTo>
-                <a:lnTo>
-                  <a:pt x="3917092" y="3484605"/>
-                </a:lnTo>
-                <a:lnTo>
-                  <a:pt x="3917092" y="1223318"/>
-                </a:lnTo>
-                <a:close/>
-                <a:moveTo>
-                  <a:pt x="0" y="0"/>
-                </a:moveTo>
-                <a:lnTo>
-                  <a:pt x="5099222" y="0"/>
-                </a:lnTo>
-                <a:lnTo>
-                  <a:pt x="5099222" y="4267200"/>
-                </a:lnTo>
-                <a:lnTo>
-                  <a:pt x="5099222" y="4942703"/>
-                </a:lnTo>
-                <a:lnTo>
-                  <a:pt x="5099222" y="9209903"/>
-                </a:lnTo>
-                <a:lnTo>
-                  <a:pt x="0" y="9209903"/>
-                </a:lnTo>
-                <a:lnTo>
-                  <a:pt x="0" y="4942703"/>
-                </a:lnTo>
-                <a:lnTo>
-                  <a:pt x="0" y="4267200"/>
-                </a:lnTo>
-                <a:close/>
-              </a:path>
-            </a:pathLst>
-          </a:custGeom>
-          <a:solidFill>
-            <a:schemeClr val="bg1"/>
-          </a:solidFill>
-          <a:ln>
-            <a:noFill/>
-          </a:ln>
-        </p:spPr>
-        <p:style>
-          <a:lnRef idx="2">
-            <a:schemeClr val="accent1">
-              <a:shade val="50000"/>
-            </a:schemeClr>
-          </a:lnRef>
-          <a:fillRef idx="1">
-            <a:schemeClr val="accent1"/>
-          </a:fillRef>
-          <a:effectRef idx="0">
-            <a:schemeClr val="accent1"/>
-          </a:effectRef>
-          <a:fontRef idx="minor">
-            <a:schemeClr val="lt1"/>
-          </a:fontRef>
-        </p:style>
-        <p:txBody>
-          <a:bodyPr wrap="square" rtlCol="0" anchor="ctr">
-            <a:noAutofit/>
-          </a:bodyPr>
-          <a:lstStyle/>
-          <a:p>
-            <a:pPr algn="ctr"/>
-            <a:endParaRPr lang="zh-CN" altLang="en-US"/>
-          </a:p>
-        </p:txBody>
-      </p:sp>
-    </p:spTree>
-    <p:extLst>
-      <p:ext uri="{BB962C8B-B14F-4D97-AF65-F5344CB8AC3E}">
-        <p14:creationId xmlns:p14="http://schemas.microsoft.com/office/powerpoint/2010/main" val="1478925618"/>
-      </p:ext>
-    </p:extLst>
-  </p:cSld>
-  <p:clrMapOvr>
-    <a:masterClrMapping/>
-  </p:clrMapOvr>
-  <mc:AlternateContent xmlns:mc="http://schemas.openxmlformats.org/markup-compatibility/2006" xmlns:p159="http://schemas.microsoft.com/office/powerpoint/2015/09/main">
-    <mc:Choice Requires="p159">
-      <p:transition xmlns:p14="http://schemas.microsoft.com/office/powerpoint/2010/main" spd="slow" p14:dur="2000">
-        <p159:morph option="byObject"/>
-      </p:transition>
-    </mc:Choice>
-    <mc:Fallback xmlns="">
-      <p:transition spd="slow">
-        <p:fade/>
-      </p:transition>
-    </mc:Fallback>
-  </mc:AlternateContent>
-</p:sld>
-</file>
-
-<file path=ppt/slides/slide3.xml><?xml version="1.0" encoding="utf-8"?>
-<p:sld xmlns:a="http://schemas.openxmlformats.org/drawingml/2006/main" xmlns:r="http://schemas.openxmlformats.org/officeDocument/2006/relationships" xmlns:p="http://schemas.openxmlformats.org/presentationml/2006/main">
-  <p:cSld>
-    <p:spTree>
-      <p:nvGrpSpPr>
-        <p:cNvPr id="1" name=""/>
-        <p:cNvGrpSpPr/>
-        <p:nvPr/>
-      </p:nvGrpSpPr>
-      <p:grpSpPr>
-        <a:xfrm>
-          <a:off x="0" y="0"/>
-          <a:ext cx="0" cy="0"/>
-          <a:chOff x="0" y="0"/>
-          <a:chExt cx="0" cy="0"/>
-        </a:xfrm>
-      </p:grpSpPr>
-      <p:sp>
-        <p:nvSpPr>
-          <p:cNvPr id="6" name="矩形 5">
-            <a:extLst>
-              <a:ext uri="{FF2B5EF4-FFF2-40B4-BE49-F238E27FC236}">
-                <a16:creationId xmlns:a16="http://schemas.microsoft.com/office/drawing/2014/main" id="{044BDEDE-29B0-4078-9C03-1F3053B90C32}"/>
-              </a:ext>
-            </a:extLst>
-          </p:cNvPr>
-          <p:cNvSpPr/>
-          <p:nvPr/>
-        </p:nvSpPr>
-        <p:spPr>
-          <a:xfrm>
-            <a:off x="4712043" y="2372497"/>
-            <a:ext cx="3052119" cy="2261287"/>
-          </a:xfrm>
-          <a:prstGeom prst="rect">
-            <a:avLst/>
-          </a:prstGeom>
-          <a:solidFill>
-            <a:schemeClr val="bg1">
-              <a:lumMod val="95000"/>
-            </a:schemeClr>
-          </a:solidFill>
-          <a:ln>
-            <a:noFill/>
-          </a:ln>
-        </p:spPr>
-        <p:style>
-          <a:lnRef idx="2">
-            <a:schemeClr val="accent1">
-              <a:shade val="50000"/>
-            </a:schemeClr>
-          </a:lnRef>
-          <a:fillRef idx="1">
-            <a:schemeClr val="accent1"/>
-          </a:fillRef>
-          <a:effectRef idx="0">
-            <a:schemeClr val="accent1"/>
-          </a:effectRef>
-          <a:fontRef idx="minor">
-            <a:schemeClr val="lt1"/>
-          </a:fontRef>
-        </p:style>
-        <p:txBody>
-          <a:bodyPr rtlCol="0" anchor="ctr"/>
-          <a:lstStyle/>
-          <a:p>
-            <a:pPr algn="ctr"/>
-            <a:endParaRPr lang="zh-CN" altLang="en-US"/>
-          </a:p>
-        </p:txBody>
-      </p:sp>
-      <p:sp>
-        <p:nvSpPr>
-          <p:cNvPr id="5" name="文本框 4">
-            <a:extLst>
-              <a:ext uri="{FF2B5EF4-FFF2-40B4-BE49-F238E27FC236}">
-                <a16:creationId xmlns:a16="http://schemas.microsoft.com/office/drawing/2014/main" id="{9C8C050E-24DE-4470-A08C-17875F7DE46D}"/>
-              </a:ext>
-            </a:extLst>
-          </p:cNvPr>
-          <p:cNvSpPr txBox="1"/>
-          <p:nvPr/>
-        </p:nvSpPr>
-        <p:spPr>
-          <a:xfrm>
-            <a:off x="5388114" y="498216"/>
-            <a:ext cx="1415772" cy="461665"/>
-          </a:xfrm>
-          <a:prstGeom prst="rect">
-            <a:avLst/>
-          </a:prstGeom>
-          <a:noFill/>
-        </p:spPr>
-        <p:txBody>
-          <a:bodyPr wrap="none" rtlCol="0">
-            <a:spAutoFit/>
-          </a:bodyPr>
-          <a:lstStyle/>
-          <a:p>
-            <a:r>
-              <a:rPr lang="zh-CN" altLang="en-US" sz="2400" dirty="0">
-                <a:solidFill>
-                  <a:schemeClr val="tx1">
-                    <a:lumMod val="85000"/>
-                    <a:lumOff val="15000"/>
-                  </a:schemeClr>
-                </a:solidFill>
-                <a:latin typeface="微软雅黑" panose="020B0503020204020204" pitchFamily="34" charset="-122"/>
-                <a:ea typeface="微软雅黑" panose="020B0503020204020204" pitchFamily="34" charset="-122"/>
-              </a:rPr>
-              <a:t>卷轴功能</a:t>
-            </a:r>
-          </a:p>
-        </p:txBody>
-      </p:sp>
-      <p:grpSp>
-        <p:nvGrpSpPr>
-          <p:cNvPr id="20" name="组合 19">
-            <a:extLst>
-              <a:ext uri="{FF2B5EF4-FFF2-40B4-BE49-F238E27FC236}">
-                <a16:creationId xmlns:a16="http://schemas.microsoft.com/office/drawing/2014/main" id="{AA2E08E7-E752-47DA-B0E7-5C6611384D92}"/>
-              </a:ext>
-            </a:extLst>
-          </p:cNvPr>
-          <p:cNvGrpSpPr/>
-          <p:nvPr/>
-        </p:nvGrpSpPr>
-        <p:grpSpPr>
-          <a:xfrm>
-            <a:off x="4712042" y="1260388"/>
-            <a:ext cx="3052119" cy="4139513"/>
-            <a:chOff x="2001794" y="1569308"/>
-            <a:chExt cx="3052119" cy="4139513"/>
-          </a:xfrm>
-        </p:grpSpPr>
-        <p:sp>
-          <p:nvSpPr>
-            <p:cNvPr id="4" name="矩形 3">
-              <a:extLst>
-                <a:ext uri="{FF2B5EF4-FFF2-40B4-BE49-F238E27FC236}">
-                  <a16:creationId xmlns:a16="http://schemas.microsoft.com/office/drawing/2014/main" id="{7BF8375B-CCF5-4117-9A4D-FA604737AC2B}"/>
-                </a:ext>
-              </a:extLst>
-            </p:cNvPr>
-            <p:cNvSpPr/>
-            <p:nvPr/>
-          </p:nvSpPr>
-          <p:spPr>
-            <a:xfrm>
-              <a:off x="2001794" y="1569308"/>
-              <a:ext cx="3052119" cy="4139513"/>
-            </a:xfrm>
-            <a:prstGeom prst="rect">
-              <a:avLst/>
-            </a:prstGeom>
-            <a:solidFill>
-              <a:schemeClr val="bg1">
-                <a:lumMod val="95000"/>
-              </a:schemeClr>
-            </a:solidFill>
-            <a:ln>
-              <a:noFill/>
-            </a:ln>
-          </p:spPr>
-          <p:style>
-            <a:lnRef idx="2">
-              <a:schemeClr val="accent1">
-                <a:shade val="50000"/>
-              </a:schemeClr>
-            </a:lnRef>
-            <a:fillRef idx="1">
-              <a:schemeClr val="accent1"/>
-            </a:fillRef>
-            <a:effectRef idx="0">
-              <a:schemeClr val="accent1"/>
-            </a:effectRef>
-            <a:fontRef idx="minor">
-              <a:schemeClr val="lt1"/>
-            </a:fontRef>
-          </p:style>
-          <p:txBody>
-            <a:bodyPr rtlCol="0" anchor="ctr"/>
-            <a:lstStyle/>
-            <a:p>
-              <a:pPr algn="ctr"/>
-              <a:endParaRPr lang="zh-CN" altLang="en-US"/>
-            </a:p>
-          </p:txBody>
-        </p:sp>
-        <p:pic>
-          <p:nvPicPr>
-            <p:cNvPr id="11" name="图片 10">
-              <a:extLst>
-                <a:ext uri="{FF2B5EF4-FFF2-40B4-BE49-F238E27FC236}">
-                  <a16:creationId xmlns:a16="http://schemas.microsoft.com/office/drawing/2014/main" id="{E2CD82FB-3E80-485B-9868-31E051A92A9C}"/>
-                </a:ext>
-              </a:extLst>
-            </p:cNvPr>
-            <p:cNvPicPr>
-              <a:picLocks noChangeAspect="1"/>
-            </p:cNvPicPr>
-            <p:nvPr/>
-          </p:nvPicPr>
-          <p:blipFill>
-            <a:blip r:embed="rId2">
-              <a:extLst>
-                <a:ext uri="{28A0092B-C50C-407E-A947-70E740481C1C}">
-                  <a14:useLocalDpi xmlns:a14="http://schemas.microsoft.com/office/drawing/2010/main" val="0"/>
-                </a:ext>
-              </a:extLst>
-            </a:blip>
-            <a:stretch>
-              <a:fillRect/>
-            </a:stretch>
-          </p:blipFill>
-          <p:spPr>
-            <a:xfrm>
-              <a:off x="3211983" y="1928684"/>
-              <a:ext cx="631739" cy="579738"/>
-            </a:xfrm>
-            <a:prstGeom prst="ellipse">
-              <a:avLst/>
-            </a:prstGeom>
-            <a:ln>
-              <a:noFill/>
-            </a:ln>
-            <a:effectLst>
-              <a:outerShdw blurRad="63500" sx="102000" sy="102000" algn="ctr" rotWithShape="0">
-                <a:prstClr val="black">
-                  <a:alpha val="40000"/>
-                </a:prstClr>
-              </a:outerShdw>
-            </a:effectLst>
-          </p:spPr>
-        </p:pic>
-        <p:sp>
-          <p:nvSpPr>
-            <p:cNvPr id="13" name="矩形 12">
-              <a:extLst>
-                <a:ext uri="{FF2B5EF4-FFF2-40B4-BE49-F238E27FC236}">
-                  <a16:creationId xmlns:a16="http://schemas.microsoft.com/office/drawing/2014/main" id="{719899DF-20DC-408B-B90B-3B0F6BFF7A9E}"/>
-                </a:ext>
-              </a:extLst>
-            </p:cNvPr>
-            <p:cNvSpPr/>
-            <p:nvPr/>
-          </p:nvSpPr>
-          <p:spPr>
-            <a:xfrm>
-              <a:off x="2409565" y="2728988"/>
-              <a:ext cx="2236573" cy="138810"/>
-            </a:xfrm>
-            <a:prstGeom prst="rect">
-              <a:avLst/>
-            </a:prstGeom>
-            <a:solidFill>
-              <a:schemeClr val="bg1">
-                <a:lumMod val="50000"/>
-              </a:schemeClr>
-            </a:solidFill>
-            <a:ln>
-              <a:noFill/>
-            </a:ln>
-          </p:spPr>
-          <p:style>
-            <a:lnRef idx="2">
-              <a:schemeClr val="accent1">
-                <a:shade val="50000"/>
-              </a:schemeClr>
-            </a:lnRef>
-            <a:fillRef idx="1">
-              <a:schemeClr val="accent1"/>
-            </a:fillRef>
-            <a:effectRef idx="0">
-              <a:schemeClr val="accent1"/>
-            </a:effectRef>
-            <a:fontRef idx="minor">
-              <a:schemeClr val="lt1"/>
-            </a:fontRef>
-          </p:style>
-          <p:txBody>
-            <a:bodyPr rtlCol="0" anchor="ctr"/>
-            <a:lstStyle/>
-            <a:p>
-              <a:pPr algn="ctr"/>
-              <a:endParaRPr lang="zh-CN" altLang="en-US"/>
-            </a:p>
-          </p:txBody>
-        </p:sp>
-        <p:sp>
-          <p:nvSpPr>
-            <p:cNvPr id="14" name="矩形 13">
-              <a:extLst>
-                <a:ext uri="{FF2B5EF4-FFF2-40B4-BE49-F238E27FC236}">
-                  <a16:creationId xmlns:a16="http://schemas.microsoft.com/office/drawing/2014/main" id="{2A942D62-842D-41E0-8A16-4017B9390D4E}"/>
-                </a:ext>
-              </a:extLst>
-            </p:cNvPr>
-            <p:cNvSpPr/>
-            <p:nvPr/>
-          </p:nvSpPr>
-          <p:spPr>
-            <a:xfrm>
-              <a:off x="2409566" y="2972413"/>
-              <a:ext cx="1334532" cy="138810"/>
-            </a:xfrm>
-            <a:prstGeom prst="rect">
-              <a:avLst/>
-            </a:prstGeom>
-            <a:solidFill>
-              <a:schemeClr val="bg1">
-                <a:lumMod val="65000"/>
-              </a:schemeClr>
-            </a:solidFill>
-            <a:ln>
-              <a:noFill/>
-            </a:ln>
-          </p:spPr>
-          <p:style>
-            <a:lnRef idx="2">
-              <a:schemeClr val="accent1">
-                <a:shade val="50000"/>
-              </a:schemeClr>
-            </a:lnRef>
-            <a:fillRef idx="1">
-              <a:schemeClr val="accent1"/>
-            </a:fillRef>
-            <a:effectRef idx="0">
-              <a:schemeClr val="accent1"/>
-            </a:effectRef>
-            <a:fontRef idx="minor">
-              <a:schemeClr val="lt1"/>
-            </a:fontRef>
-          </p:style>
-          <p:txBody>
-            <a:bodyPr rtlCol="0" anchor="ctr"/>
-            <a:lstStyle/>
-            <a:p>
-              <a:pPr algn="ctr"/>
-              <a:endParaRPr lang="zh-CN" altLang="en-US"/>
-            </a:p>
-          </p:txBody>
-        </p:sp>
-        <p:sp>
-          <p:nvSpPr>
-            <p:cNvPr id="15" name="矩形 14">
-              <a:extLst>
-                <a:ext uri="{FF2B5EF4-FFF2-40B4-BE49-F238E27FC236}">
-                  <a16:creationId xmlns:a16="http://schemas.microsoft.com/office/drawing/2014/main" id="{FC1ABA2A-FDDD-4CB1-BBB9-853E4B8EA9BE}"/>
-                </a:ext>
-              </a:extLst>
-            </p:cNvPr>
-            <p:cNvSpPr/>
-            <p:nvPr/>
-          </p:nvSpPr>
-          <p:spPr>
-            <a:xfrm>
-              <a:off x="2409566" y="3234388"/>
-              <a:ext cx="1147366" cy="138810"/>
-            </a:xfrm>
-            <a:prstGeom prst="rect">
-              <a:avLst/>
-            </a:prstGeom>
-            <a:solidFill>
-              <a:schemeClr val="bg1">
-                <a:lumMod val="65000"/>
-              </a:schemeClr>
-            </a:solidFill>
-            <a:ln>
-              <a:noFill/>
-            </a:ln>
-          </p:spPr>
-          <p:style>
-            <a:lnRef idx="2">
-              <a:schemeClr val="accent1">
-                <a:shade val="50000"/>
-              </a:schemeClr>
-            </a:lnRef>
-            <a:fillRef idx="1">
-              <a:schemeClr val="accent1"/>
-            </a:fillRef>
-            <a:effectRef idx="0">
-              <a:schemeClr val="accent1"/>
-            </a:effectRef>
-            <a:fontRef idx="minor">
-              <a:schemeClr val="lt1"/>
-            </a:fontRef>
-          </p:style>
-          <p:txBody>
-            <a:bodyPr rtlCol="0" anchor="ctr"/>
-            <a:lstStyle/>
-            <a:p>
-              <a:pPr algn="ctr"/>
-              <a:endParaRPr lang="zh-CN" altLang="en-US"/>
-            </a:p>
-          </p:txBody>
-        </p:sp>
-        <p:sp>
-          <p:nvSpPr>
-            <p:cNvPr id="16" name="矩形 15">
-              <a:extLst>
-                <a:ext uri="{FF2B5EF4-FFF2-40B4-BE49-F238E27FC236}">
-                  <a16:creationId xmlns:a16="http://schemas.microsoft.com/office/drawing/2014/main" id="{982A4D14-CF82-4695-AD7D-A5C5C451B548}"/>
-                </a:ext>
-              </a:extLst>
-            </p:cNvPr>
-            <p:cNvSpPr/>
-            <p:nvPr/>
-          </p:nvSpPr>
-          <p:spPr>
-            <a:xfrm>
-              <a:off x="2409564" y="4201807"/>
-              <a:ext cx="2236573" cy="138810"/>
-            </a:xfrm>
-            <a:prstGeom prst="rect">
-              <a:avLst/>
-            </a:prstGeom>
-            <a:solidFill>
-              <a:srgbClr val="00B0F0"/>
-            </a:solidFill>
-            <a:ln>
-              <a:noFill/>
-            </a:ln>
-          </p:spPr>
-          <p:style>
-            <a:lnRef idx="2">
-              <a:schemeClr val="accent1">
-                <a:shade val="50000"/>
-              </a:schemeClr>
-            </a:lnRef>
-            <a:fillRef idx="1">
-              <a:schemeClr val="accent1"/>
-            </a:fillRef>
-            <a:effectRef idx="0">
-              <a:schemeClr val="accent1"/>
-            </a:effectRef>
-            <a:fontRef idx="minor">
-              <a:schemeClr val="lt1"/>
-            </a:fontRef>
-          </p:style>
-          <p:txBody>
-            <a:bodyPr rtlCol="0" anchor="ctr"/>
-            <a:lstStyle/>
-            <a:p>
-              <a:pPr algn="ctr"/>
-              <a:endParaRPr lang="zh-CN" altLang="en-US"/>
-            </a:p>
-          </p:txBody>
-        </p:sp>
-        <p:sp>
-          <p:nvSpPr>
-            <p:cNvPr id="18" name="椭圆 17">
-              <a:extLst>
-                <a:ext uri="{FF2B5EF4-FFF2-40B4-BE49-F238E27FC236}">
-                  <a16:creationId xmlns:a16="http://schemas.microsoft.com/office/drawing/2014/main" id="{C2F4FFDD-7F6C-428A-A001-FF8A6316CE68}"/>
-                </a:ext>
-              </a:extLst>
-            </p:cNvPr>
-            <p:cNvSpPr/>
-            <p:nvPr/>
-          </p:nvSpPr>
-          <p:spPr>
-            <a:xfrm>
-              <a:off x="2409564" y="4731495"/>
-              <a:ext cx="544284" cy="557197"/>
-            </a:xfrm>
-            <a:prstGeom prst="ellipse">
-              <a:avLst/>
-            </a:prstGeom>
-            <a:solidFill>
-              <a:schemeClr val="bg1">
-                <a:lumMod val="65000"/>
-              </a:schemeClr>
-            </a:solidFill>
-            <a:ln>
-              <a:noFill/>
-            </a:ln>
-          </p:spPr>
-          <p:style>
-            <a:lnRef idx="2">
-              <a:schemeClr val="accent1">
-                <a:shade val="50000"/>
-              </a:schemeClr>
-            </a:lnRef>
-            <a:fillRef idx="1">
-              <a:schemeClr val="accent1"/>
-            </a:fillRef>
-            <a:effectRef idx="0">
-              <a:schemeClr val="accent1"/>
-            </a:effectRef>
-            <a:fontRef idx="minor">
-              <a:schemeClr val="lt1"/>
-            </a:fontRef>
-          </p:style>
-          <p:txBody>
-            <a:bodyPr rtlCol="0" anchor="ctr"/>
-            <a:lstStyle/>
-            <a:p>
-              <a:pPr algn="ctr"/>
-              <a:endParaRPr lang="zh-CN" altLang="en-US"/>
-            </a:p>
-          </p:txBody>
-        </p:sp>
-        <p:sp>
-          <p:nvSpPr>
-            <p:cNvPr id="19" name="椭圆 18">
-              <a:extLst>
-                <a:ext uri="{FF2B5EF4-FFF2-40B4-BE49-F238E27FC236}">
-                  <a16:creationId xmlns:a16="http://schemas.microsoft.com/office/drawing/2014/main" id="{5F0A9619-2C71-43BD-8C7B-37F636AF1270}"/>
-                </a:ext>
-              </a:extLst>
-            </p:cNvPr>
-            <p:cNvSpPr/>
-            <p:nvPr/>
-          </p:nvSpPr>
-          <p:spPr>
-            <a:xfrm>
-              <a:off x="3284790" y="4731495"/>
-              <a:ext cx="544284" cy="557197"/>
-            </a:xfrm>
-            <a:prstGeom prst="ellipse">
-              <a:avLst/>
-            </a:prstGeom>
-            <a:solidFill>
-              <a:schemeClr val="bg1">
-                <a:lumMod val="65000"/>
-              </a:schemeClr>
-            </a:solidFill>
-            <a:ln>
-              <a:noFill/>
-            </a:ln>
-          </p:spPr>
-          <p:style>
-            <a:lnRef idx="2">
-              <a:schemeClr val="accent1">
-                <a:shade val="50000"/>
-              </a:schemeClr>
-            </a:lnRef>
-            <a:fillRef idx="1">
-              <a:schemeClr val="accent1"/>
-            </a:fillRef>
-            <a:effectRef idx="0">
-              <a:schemeClr val="accent1"/>
-            </a:effectRef>
-            <a:fontRef idx="minor">
-              <a:schemeClr val="lt1"/>
-            </a:fontRef>
-          </p:style>
-          <p:txBody>
-            <a:bodyPr rtlCol="0" anchor="ctr"/>
-            <a:lstStyle/>
-            <a:p>
-              <a:pPr algn="ctr"/>
-              <a:endParaRPr lang="zh-CN" altLang="en-US"/>
-            </a:p>
-          </p:txBody>
-        </p:sp>
-      </p:grpSp>
-      <p:sp>
-        <p:nvSpPr>
-          <p:cNvPr id="22" name="任意多边形: 形状 21">
-            <a:extLst>
-              <a:ext uri="{FF2B5EF4-FFF2-40B4-BE49-F238E27FC236}">
-                <a16:creationId xmlns:a16="http://schemas.microsoft.com/office/drawing/2014/main" id="{05EC69AD-BE44-4F30-98A4-2582A394D205}"/>
-              </a:ext>
-            </a:extLst>
-          </p:cNvPr>
-          <p:cNvSpPr/>
-          <p:nvPr/>
-        </p:nvSpPr>
-        <p:spPr>
-          <a:xfrm>
-            <a:off x="3847070" y="1149178"/>
-            <a:ext cx="5099222" cy="9209903"/>
-          </a:xfrm>
-          <a:custGeom>
-            <a:avLst/>
-            <a:gdLst>
-              <a:gd name="connsiteX0" fmla="*/ 864973 w 5099222"/>
-              <a:gd name="connsiteY0" fmla="*/ 5490518 h 9209903"/>
-              <a:gd name="connsiteX1" fmla="*/ 864973 w 5099222"/>
-              <a:gd name="connsiteY1" fmla="*/ 7751805 h 9209903"/>
-              <a:gd name="connsiteX2" fmla="*/ 3917092 w 5099222"/>
-              <a:gd name="connsiteY2" fmla="*/ 7751805 h 9209903"/>
-              <a:gd name="connsiteX3" fmla="*/ 3917092 w 5099222"/>
-              <a:gd name="connsiteY3" fmla="*/ 5490518 h 9209903"/>
-              <a:gd name="connsiteX4" fmla="*/ 864973 w 5099222"/>
-              <a:gd name="connsiteY4" fmla="*/ 1223318 h 9209903"/>
-              <a:gd name="connsiteX5" fmla="*/ 864973 w 5099222"/>
-              <a:gd name="connsiteY5" fmla="*/ 3484605 h 9209903"/>
-              <a:gd name="connsiteX6" fmla="*/ 3917092 w 5099222"/>
-              <a:gd name="connsiteY6" fmla="*/ 3484605 h 9209903"/>
-              <a:gd name="connsiteX7" fmla="*/ 3917092 w 5099222"/>
-              <a:gd name="connsiteY7" fmla="*/ 1223318 h 9209903"/>
-              <a:gd name="connsiteX8" fmla="*/ 0 w 5099222"/>
-              <a:gd name="connsiteY8" fmla="*/ 0 h 9209903"/>
-              <a:gd name="connsiteX9" fmla="*/ 5099222 w 5099222"/>
-              <a:gd name="connsiteY9" fmla="*/ 0 h 9209903"/>
-              <a:gd name="connsiteX10" fmla="*/ 5099222 w 5099222"/>
-              <a:gd name="connsiteY10" fmla="*/ 4267200 h 9209903"/>
-              <a:gd name="connsiteX11" fmla="*/ 5099222 w 5099222"/>
-              <a:gd name="connsiteY11" fmla="*/ 4942703 h 9209903"/>
-              <a:gd name="connsiteX12" fmla="*/ 5099222 w 5099222"/>
-              <a:gd name="connsiteY12" fmla="*/ 9209903 h 9209903"/>
-              <a:gd name="connsiteX13" fmla="*/ 0 w 5099222"/>
-              <a:gd name="connsiteY13" fmla="*/ 9209903 h 9209903"/>
-              <a:gd name="connsiteX14" fmla="*/ 0 w 5099222"/>
-              <a:gd name="connsiteY14" fmla="*/ 4942703 h 9209903"/>
-              <a:gd name="connsiteX15" fmla="*/ 0 w 5099222"/>
-              <a:gd name="connsiteY15" fmla="*/ 4267200 h 9209903"/>
-            </a:gdLst>
-            <a:ahLst/>
-            <a:cxnLst>
-              <a:cxn ang="0">
-                <a:pos x="connsiteX0" y="connsiteY0"/>
-              </a:cxn>
-              <a:cxn ang="0">
-                <a:pos x="connsiteX1" y="connsiteY1"/>
-              </a:cxn>
-              <a:cxn ang="0">
-                <a:pos x="connsiteX2" y="connsiteY2"/>
-              </a:cxn>
-              <a:cxn ang="0">
-                <a:pos x="connsiteX3" y="connsiteY3"/>
-              </a:cxn>
-              <a:cxn ang="0">
-                <a:pos x="connsiteX4" y="connsiteY4"/>
-              </a:cxn>
-              <a:cxn ang="0">
-                <a:pos x="connsiteX5" y="connsiteY5"/>
-              </a:cxn>
-              <a:cxn ang="0">
-                <a:pos x="connsiteX6" y="connsiteY6"/>
-              </a:cxn>
-              <a:cxn ang="0">
-                <a:pos x="connsiteX7" y="connsiteY7"/>
-              </a:cxn>
-              <a:cxn ang="0">
-                <a:pos x="connsiteX8" y="connsiteY8"/>
-              </a:cxn>
-              <a:cxn ang="0">
-                <a:pos x="connsiteX9" y="connsiteY9"/>
-              </a:cxn>
-              <a:cxn ang="0">
-                <a:pos x="connsiteX10" y="connsiteY10"/>
-              </a:cxn>
-              <a:cxn ang="0">
-                <a:pos x="connsiteX11" y="connsiteY11"/>
-              </a:cxn>
-              <a:cxn ang="0">
-                <a:pos x="connsiteX12" y="connsiteY12"/>
-              </a:cxn>
-              <a:cxn ang="0">
-                <a:pos x="connsiteX13" y="connsiteY13"/>
-              </a:cxn>
-              <a:cxn ang="0">
-                <a:pos x="connsiteX14" y="connsiteY14"/>
-              </a:cxn>
-              <a:cxn ang="0">
-                <a:pos x="connsiteX15" y="connsiteY15"/>
-              </a:cxn>
-            </a:cxnLst>
-            <a:rect l="l" t="t" r="r" b="b"/>
-            <a:pathLst>
-              <a:path w="5099222" h="9209903">
-                <a:moveTo>
-                  <a:pt x="864973" y="5490518"/>
-                </a:moveTo>
-                <a:lnTo>
-                  <a:pt x="864973" y="7751805"/>
-                </a:lnTo>
-                <a:lnTo>
-                  <a:pt x="3917092" y="7751805"/>
-                </a:lnTo>
-                <a:lnTo>
-                  <a:pt x="3917092" y="5490518"/>
-                </a:lnTo>
-                <a:close/>
-                <a:moveTo>
-                  <a:pt x="864973" y="1223318"/>
-                </a:moveTo>
-                <a:lnTo>
-                  <a:pt x="864973" y="3484605"/>
-                </a:lnTo>
-                <a:lnTo>
-                  <a:pt x="3917092" y="3484605"/>
-                </a:lnTo>
-                <a:lnTo>
-                  <a:pt x="3917092" y="1223318"/>
-                </a:lnTo>
-                <a:close/>
-                <a:moveTo>
-                  <a:pt x="0" y="0"/>
-                </a:moveTo>
-                <a:lnTo>
-                  <a:pt x="5099222" y="0"/>
-                </a:lnTo>
-                <a:lnTo>
-                  <a:pt x="5099222" y="4267200"/>
-                </a:lnTo>
-                <a:lnTo>
-                  <a:pt x="5099222" y="4942703"/>
-                </a:lnTo>
-                <a:lnTo>
-                  <a:pt x="5099222" y="9209903"/>
-                </a:lnTo>
-                <a:lnTo>
-                  <a:pt x="0" y="9209903"/>
-                </a:lnTo>
-                <a:lnTo>
-                  <a:pt x="0" y="4942703"/>
-                </a:lnTo>
-                <a:lnTo>
-                  <a:pt x="0" y="4267200"/>
-                </a:lnTo>
-                <a:close/>
-              </a:path>
-            </a:pathLst>
-          </a:custGeom>
-          <a:solidFill>
-            <a:schemeClr val="bg1"/>
-          </a:solidFill>
-          <a:ln>
-            <a:noFill/>
-          </a:ln>
-        </p:spPr>
-        <p:style>
-          <a:lnRef idx="2">
-            <a:schemeClr val="accent1">
-              <a:shade val="50000"/>
-            </a:schemeClr>
-          </a:lnRef>
-          <a:fillRef idx="1">
-            <a:schemeClr val="accent1"/>
-          </a:fillRef>
-          <a:effectRef idx="0">
-            <a:schemeClr val="accent1"/>
-          </a:effectRef>
-          <a:fontRef idx="minor">
-            <a:schemeClr val="lt1"/>
-          </a:fontRef>
-        </p:style>
-        <p:txBody>
-          <a:bodyPr wrap="square" rtlCol="0" anchor="ctr">
-            <a:noAutofit/>
-          </a:bodyPr>
-          <a:lstStyle/>
-          <a:p>
-            <a:pPr algn="ctr"/>
-            <a:endParaRPr lang="zh-CN" altLang="en-US"/>
-          </a:p>
-        </p:txBody>
-      </p:sp>
-    </p:spTree>
-    <p:extLst>
-      <p:ext uri="{BB962C8B-B14F-4D97-AF65-F5344CB8AC3E}">
-        <p14:creationId xmlns:p14="http://schemas.microsoft.com/office/powerpoint/2010/main" val="4280811420"/>
-      </p:ext>
-    </p:extLst>
-  </p:cSld>
-  <p:clrMapOvr>
-    <a:masterClrMapping/>
-  </p:clrMapOvr>
-  <mc:AlternateContent xmlns:mc="http://schemas.openxmlformats.org/markup-compatibility/2006" xmlns:p159="http://schemas.microsoft.com/office/powerpoint/2015/09/main">
-    <mc:Choice Requires="p159">
-      <p:transition xmlns:p14="http://schemas.microsoft.com/office/powerpoint/2010/main" spd="slow" p14:dur="2000">
-        <p159:morph option="byObject"/>
-      </p:transition>
-    </mc:Choice>
-    <mc:Fallback xmlns="">
-      <p:transition spd="slow">
-        <p:fade/>
-      </p:transition>
-    </mc:Fallback>
-  </mc:AlternateContent>
-</p:sld>
-</file>
-
-<file path=ppt/slides/slide4.xml><?xml version="1.0" encoding="utf-8"?>
-<p:sld xmlns:a="http://schemas.openxmlformats.org/drawingml/2006/main" xmlns:r="http://schemas.openxmlformats.org/officeDocument/2006/relationships" xmlns:p="http://schemas.openxmlformats.org/presentationml/2006/main">
-  <p:cSld>
-    <p:spTree>
-      <p:nvGrpSpPr>
-        <p:cNvPr id="1" name=""/>
-        <p:cNvGrpSpPr/>
-        <p:nvPr/>
-      </p:nvGrpSpPr>
-      <p:grpSpPr>
-        <a:xfrm>
-          <a:off x="0" y="0"/>
-          <a:ext cx="0" cy="0"/>
-          <a:chOff x="0" y="0"/>
-          <a:chExt cx="0" cy="0"/>
-        </a:xfrm>
-      </p:grpSpPr>
-      <p:sp>
-        <p:nvSpPr>
-          <p:cNvPr id="2" name="矩形 1">
-            <a:extLst>
-              <a:ext uri="{FF2B5EF4-FFF2-40B4-BE49-F238E27FC236}">
-                <a16:creationId xmlns:a16="http://schemas.microsoft.com/office/drawing/2014/main" id="{205520AE-1005-4883-9083-0DBBC44DF329}"/>
-              </a:ext>
-            </a:extLst>
-          </p:cNvPr>
-          <p:cNvSpPr/>
-          <p:nvPr/>
-        </p:nvSpPr>
-        <p:spPr>
-          <a:xfrm>
-            <a:off x="5090983" y="2106826"/>
-            <a:ext cx="1272746" cy="1297460"/>
-          </a:xfrm>
-          <a:prstGeom prst="rect">
-            <a:avLst/>
-          </a:prstGeom>
-          <a:solidFill>
-            <a:srgbClr val="FF0000"/>
-          </a:solidFill>
-          <a:ln>
-            <a:solidFill>
-              <a:schemeClr val="tx1"/>
-            </a:solidFill>
-          </a:ln>
-        </p:spPr>
-        <p:style>
-          <a:lnRef idx="2">
-            <a:schemeClr val="accent1">
-              <a:shade val="50000"/>
-            </a:schemeClr>
-          </a:lnRef>
-          <a:fillRef idx="1">
-            <a:schemeClr val="accent1"/>
-          </a:fillRef>
-          <a:effectRef idx="0">
-            <a:schemeClr val="accent1"/>
-          </a:effectRef>
-          <a:fontRef idx="minor">
-            <a:schemeClr val="lt1"/>
-          </a:fontRef>
-        </p:style>
-        <p:txBody>
-          <a:bodyPr rtlCol="0" anchor="ctr"/>
-          <a:lstStyle/>
-          <a:p>
-            <a:pPr algn="ctr"/>
-            <a:endParaRPr lang="zh-CN" altLang="en-US"/>
-          </a:p>
-        </p:txBody>
-      </p:sp>
-      <p:sp>
-        <p:nvSpPr>
-          <p:cNvPr id="17" name="矩形 16">
-            <a:extLst>
-              <a:ext uri="{FF2B5EF4-FFF2-40B4-BE49-F238E27FC236}">
-                <a16:creationId xmlns:a16="http://schemas.microsoft.com/office/drawing/2014/main" id="{58809A1F-C544-4A47-A59B-A123570FD49F}"/>
-              </a:ext>
-            </a:extLst>
-          </p:cNvPr>
-          <p:cNvSpPr/>
-          <p:nvPr/>
-        </p:nvSpPr>
-        <p:spPr>
-          <a:xfrm>
-            <a:off x="5568779" y="2514599"/>
-            <a:ext cx="1272746" cy="1297460"/>
-          </a:xfrm>
-          <a:prstGeom prst="rect">
-            <a:avLst/>
-          </a:prstGeom>
-          <a:solidFill>
-            <a:srgbClr val="FF0000"/>
-          </a:solidFill>
-          <a:ln>
-            <a:solidFill>
-              <a:schemeClr val="tx1"/>
-            </a:solidFill>
-          </a:ln>
-        </p:spPr>
-        <p:style>
-          <a:lnRef idx="2">
-            <a:schemeClr val="accent1">
-              <a:shade val="50000"/>
-            </a:schemeClr>
-          </a:lnRef>
-          <a:fillRef idx="1">
-            <a:schemeClr val="accent1"/>
-          </a:fillRef>
-          <a:effectRef idx="0">
-            <a:schemeClr val="accent1"/>
-          </a:effectRef>
-          <a:fontRef idx="minor">
-            <a:schemeClr val="lt1"/>
-          </a:fontRef>
-        </p:style>
-        <p:txBody>
-          <a:bodyPr rtlCol="0" anchor="ctr"/>
-          <a:lstStyle/>
-          <a:p>
-            <a:pPr algn="ctr"/>
-            <a:r>
-              <a:rPr lang="en-US" altLang="zh-CN" sz="4400" dirty="0"/>
-              <a:t>A</a:t>
-            </a:r>
-            <a:endParaRPr lang="zh-CN" altLang="en-US" sz="4400" dirty="0"/>
-          </a:p>
-        </p:txBody>
-      </p:sp>
-      <p:sp>
-        <p:nvSpPr>
-          <p:cNvPr id="23" name="矩形 22">
-            <a:extLst>
-              <a:ext uri="{FF2B5EF4-FFF2-40B4-BE49-F238E27FC236}">
-                <a16:creationId xmlns:a16="http://schemas.microsoft.com/office/drawing/2014/main" id="{CFEEA809-4171-43C7-8443-CE76EB4D7EAA}"/>
-              </a:ext>
-            </a:extLst>
-          </p:cNvPr>
-          <p:cNvSpPr/>
-          <p:nvPr/>
-        </p:nvSpPr>
-        <p:spPr>
-          <a:xfrm>
-            <a:off x="5702643" y="3429000"/>
-            <a:ext cx="1272746" cy="1297460"/>
-          </a:xfrm>
-          <a:prstGeom prst="rect">
-            <a:avLst/>
-          </a:prstGeom>
-          <a:solidFill>
-            <a:srgbClr val="FF0000"/>
-          </a:solidFill>
-          <a:ln>
-            <a:solidFill>
-              <a:schemeClr val="tx1"/>
-            </a:solidFill>
-          </a:ln>
-        </p:spPr>
-        <p:style>
-          <a:lnRef idx="2">
-            <a:schemeClr val="accent1">
-              <a:shade val="50000"/>
-            </a:schemeClr>
-          </a:lnRef>
-          <a:fillRef idx="1">
-            <a:schemeClr val="accent1"/>
-          </a:fillRef>
-          <a:effectRef idx="0">
-            <a:schemeClr val="accent1"/>
-          </a:effectRef>
-          <a:fontRef idx="minor">
-            <a:schemeClr val="lt1"/>
-          </a:fontRef>
-        </p:style>
-        <p:txBody>
-          <a:bodyPr rtlCol="0" anchor="ctr"/>
-          <a:lstStyle/>
-          <a:p>
-            <a:pPr algn="ctr"/>
-            <a:r>
-              <a:rPr lang="en-US" altLang="zh-CN" sz="4400" dirty="0"/>
-              <a:t>B</a:t>
-            </a:r>
-            <a:endParaRPr lang="zh-CN" altLang="en-US" sz="4400" dirty="0"/>
-          </a:p>
-        </p:txBody>
-      </p:sp>
-      <p:sp>
-        <p:nvSpPr>
-          <p:cNvPr id="3" name="文本框 2">
-            <a:extLst>
-              <a:ext uri="{FF2B5EF4-FFF2-40B4-BE49-F238E27FC236}">
-                <a16:creationId xmlns:a16="http://schemas.microsoft.com/office/drawing/2014/main" id="{2043603B-C713-4D48-A0A7-92D638BAA6AA}"/>
-              </a:ext>
-            </a:extLst>
-          </p:cNvPr>
-          <p:cNvSpPr txBox="1"/>
-          <p:nvPr/>
-        </p:nvSpPr>
-        <p:spPr>
-          <a:xfrm>
-            <a:off x="5015384" y="441572"/>
-            <a:ext cx="1826141" cy="1077218"/>
-          </a:xfrm>
-          <a:prstGeom prst="rect">
-            <a:avLst/>
-          </a:prstGeom>
-          <a:noFill/>
-        </p:spPr>
-        <p:txBody>
-          <a:bodyPr wrap="none" rtlCol="0">
-            <a:spAutoFit/>
-          </a:bodyPr>
-          <a:lstStyle/>
-          <a:p>
-            <a:pPr algn="ctr"/>
-            <a:r>
-              <a:rPr lang="zh-CN" altLang="en-US" sz="3200" dirty="0"/>
-              <a:t>绘制次数</a:t>
-            </a:r>
-            <a:endParaRPr lang="en-US" altLang="zh-CN" sz="3200" dirty="0"/>
-          </a:p>
-          <a:p>
-            <a:pPr algn="ctr"/>
-            <a:r>
-              <a:rPr lang="en-US" altLang="zh-CN" sz="3200" dirty="0"/>
-              <a:t>11</a:t>
-            </a:r>
-            <a:endParaRPr lang="zh-CN" altLang="en-US" sz="3200" dirty="0"/>
-          </a:p>
-        </p:txBody>
-      </p:sp>
-      <p:sp>
-        <p:nvSpPr>
-          <p:cNvPr id="24" name="矩形 23">
-            <a:extLst>
-              <a:ext uri="{FF2B5EF4-FFF2-40B4-BE49-F238E27FC236}">
-                <a16:creationId xmlns:a16="http://schemas.microsoft.com/office/drawing/2014/main" id="{52FD13BB-0400-42CC-9B2E-F883F5263AD3}"/>
-              </a:ext>
-            </a:extLst>
-          </p:cNvPr>
-          <p:cNvSpPr/>
-          <p:nvPr/>
-        </p:nvSpPr>
-        <p:spPr>
-          <a:xfrm>
-            <a:off x="2744229" y="2069755"/>
-            <a:ext cx="1272746" cy="1297460"/>
-          </a:xfrm>
-          <a:prstGeom prst="rect">
-            <a:avLst/>
-          </a:prstGeom>
-          <a:solidFill>
-            <a:srgbClr val="00B0F0"/>
-          </a:solidFill>
-          <a:ln>
-            <a:solidFill>
-              <a:schemeClr val="tx1"/>
-            </a:solidFill>
-          </a:ln>
-        </p:spPr>
-        <p:style>
-          <a:lnRef idx="2">
-            <a:schemeClr val="accent1">
-              <a:shade val="50000"/>
-            </a:schemeClr>
-          </a:lnRef>
-          <a:fillRef idx="1">
-            <a:schemeClr val="accent1"/>
-          </a:fillRef>
-          <a:effectRef idx="0">
-            <a:schemeClr val="accent1"/>
-          </a:effectRef>
-          <a:fontRef idx="minor">
-            <a:schemeClr val="lt1"/>
-          </a:fontRef>
-        </p:style>
-        <p:txBody>
-          <a:bodyPr rtlCol="0" anchor="ctr"/>
-          <a:lstStyle/>
-          <a:p>
-            <a:pPr algn="ctr"/>
-            <a:endParaRPr lang="zh-CN" altLang="en-US"/>
-          </a:p>
-        </p:txBody>
-      </p:sp>
-      <p:sp>
-        <p:nvSpPr>
-          <p:cNvPr id="25" name="文本框 24">
-            <a:extLst>
-              <a:ext uri="{FF2B5EF4-FFF2-40B4-BE49-F238E27FC236}">
-                <a16:creationId xmlns:a16="http://schemas.microsoft.com/office/drawing/2014/main" id="{4DA5A6B4-C460-4EE4-BDDE-CF45CCA21F15}"/>
-              </a:ext>
-            </a:extLst>
-          </p:cNvPr>
-          <p:cNvSpPr txBox="1"/>
-          <p:nvPr/>
-        </p:nvSpPr>
-        <p:spPr>
-          <a:xfrm>
-            <a:off x="1992199" y="4931435"/>
-            <a:ext cx="7470315" cy="1569660"/>
-          </a:xfrm>
-          <a:prstGeom prst="rect">
-            <a:avLst/>
-          </a:prstGeom>
-          <a:noFill/>
-        </p:spPr>
-        <p:txBody>
-          <a:bodyPr wrap="none" rtlCol="0">
-            <a:spAutoFit/>
-          </a:bodyPr>
-          <a:lstStyle/>
-          <a:p>
-            <a:pPr algn="ctr"/>
-            <a:r>
-              <a:rPr lang="zh-CN" altLang="en-US" sz="3200" dirty="0"/>
-              <a:t>考虑透明图片</a:t>
-            </a:r>
-            <a:endParaRPr lang="en-US" altLang="zh-CN" sz="3200" dirty="0"/>
-          </a:p>
-          <a:p>
-            <a:pPr algn="ctr"/>
-            <a:r>
-              <a:rPr lang="zh-CN" altLang="en-US" sz="3200" dirty="0"/>
-              <a:t>接触的图片</a:t>
-            </a:r>
-            <a:r>
-              <a:rPr lang="en-US" altLang="zh-CN" sz="3200" dirty="0"/>
-              <a:t>A</a:t>
-            </a:r>
-            <a:r>
-              <a:rPr lang="zh-CN" altLang="en-US" sz="3200" dirty="0"/>
-              <a:t>需要刷新</a:t>
-            </a:r>
-            <a:endParaRPr lang="en-US" altLang="zh-CN" sz="3200" dirty="0"/>
-          </a:p>
-          <a:p>
-            <a:pPr algn="ctr"/>
-            <a:r>
-              <a:rPr lang="zh-CN" altLang="en-US" sz="3200" dirty="0"/>
-              <a:t>然而图片</a:t>
-            </a:r>
-            <a:r>
-              <a:rPr lang="en-US" altLang="zh-CN" sz="3200" dirty="0"/>
-              <a:t>A</a:t>
-            </a:r>
-            <a:r>
-              <a:rPr lang="zh-CN" altLang="en-US" sz="3200" dirty="0"/>
-              <a:t>接触图片</a:t>
-            </a:r>
-            <a:r>
-              <a:rPr lang="en-US" altLang="zh-CN" sz="3200" dirty="0"/>
-              <a:t>B</a:t>
-            </a:r>
-            <a:r>
-              <a:rPr lang="zh-CN" altLang="en-US" sz="3200" dirty="0"/>
-              <a:t>，图片</a:t>
-            </a:r>
-            <a:r>
-              <a:rPr lang="en-US" altLang="zh-CN" sz="3200" dirty="0"/>
-              <a:t>B</a:t>
-            </a:r>
-            <a:r>
-              <a:rPr lang="zh-CN" altLang="en-US" sz="3200" dirty="0"/>
-              <a:t>也必须刷新</a:t>
-            </a:r>
-          </a:p>
-        </p:txBody>
-      </p:sp>
-    </p:spTree>
-    <p:extLst>
-      <p:ext uri="{BB962C8B-B14F-4D97-AF65-F5344CB8AC3E}">
-        <p14:creationId xmlns:p14="http://schemas.microsoft.com/office/powerpoint/2010/main" val="2554146110"/>
-      </p:ext>
-    </p:extLst>
-  </p:cSld>
-  <p:clrMapOvr>
-    <a:masterClrMapping/>
-  </p:clrMapOvr>
-  <mc:AlternateContent xmlns:mc="http://schemas.openxmlformats.org/markup-compatibility/2006" xmlns:p159="http://schemas.microsoft.com/office/powerpoint/2015/09/main">
-    <mc:Choice Requires="p159">
-      <p:transition xmlns:p14="http://schemas.microsoft.com/office/powerpoint/2010/main" spd="slow" p14:dur="2000">
-        <p159:morph option="byObject"/>
-      </p:transition>
-    </mc:Choice>
-    <mc:Fallback xmlns="">
-      <p:transition spd="slow">
-        <p:fade/>
-      </p:transition>
-    </mc:Fallback>
-  </mc:AlternateContent>
-</p:sld>
-</file>
-
-<file path=ppt/slides/slide5.xml><?xml version="1.0" encoding="utf-8"?>
-<p:sld xmlns:a="http://schemas.openxmlformats.org/drawingml/2006/main" xmlns:r="http://schemas.openxmlformats.org/officeDocument/2006/relationships" xmlns:p="http://schemas.openxmlformats.org/presentationml/2006/main">
-  <p:cSld>
+    <p:bg>
+      <p:bgPr>
+        <a:solidFill>
+          <a:schemeClr val="bg1">
+            <a:lumMod val="95000"/>
+          </a:schemeClr>
+        </a:solidFill>
+        <a:effectLst/>
+      </p:bgPr>
+    </p:bg>
     <p:spTree>
       <p:nvGrpSpPr>
         <p:cNvPr id="1" name=""/>
@@ -6210,10 +3447,10 @@
       </p:sp>
       <p:grpSp>
         <p:nvGrpSpPr>
-          <p:cNvPr id="67" name="组合 66">
-            <a:extLst>
-              <a:ext uri="{FF2B5EF4-FFF2-40B4-BE49-F238E27FC236}">
-                <a16:creationId xmlns:a16="http://schemas.microsoft.com/office/drawing/2014/main" id="{E7985E7A-2D54-4193-BFC6-A5E3452250A8}"/>
+          <p:cNvPr id="34" name="组合 33">
+            <a:extLst>
+              <a:ext uri="{FF2B5EF4-FFF2-40B4-BE49-F238E27FC236}">
+                <a16:creationId xmlns:a16="http://schemas.microsoft.com/office/drawing/2014/main" id="{37DA09E9-EC89-4FD9-9EFC-5DB0C20CF18E}"/>
               </a:ext>
             </a:extLst>
           </p:cNvPr>
@@ -6222,9 +3459,9 @@
         </p:nvGrpSpPr>
         <p:grpSpPr>
           <a:xfrm>
-            <a:off x="1642928" y="1479332"/>
-            <a:ext cx="1404000" cy="1404000"/>
-            <a:chOff x="1642928" y="1479332"/>
+            <a:off x="1521089" y="1479332"/>
+            <a:ext cx="652576" cy="652576"/>
+            <a:chOff x="1521965" y="1479332"/>
             <a:chExt cx="1404000" cy="1404000"/>
           </a:xfrm>
         </p:grpSpPr>
@@ -6242,7 +3479,7 @@
           </p:nvSpPr>
           <p:spPr>
             <a:xfrm>
-              <a:off x="1642928" y="1479332"/>
+              <a:off x="1521965" y="1479332"/>
               <a:ext cx="1404000" cy="1404000"/>
             </a:xfrm>
             <a:prstGeom prst="rect">
@@ -6282,10 +3519,10 @@
         </p:sp>
         <p:grpSp>
           <p:nvGrpSpPr>
-            <p:cNvPr id="29" name="组合 28">
+            <p:cNvPr id="7" name="组合 6">
               <a:extLst>
                 <a:ext uri="{FF2B5EF4-FFF2-40B4-BE49-F238E27FC236}">
-                  <a16:creationId xmlns:a16="http://schemas.microsoft.com/office/drawing/2014/main" id="{327786CC-52C6-474A-89A5-396A5E469953}"/>
+                  <a16:creationId xmlns:a16="http://schemas.microsoft.com/office/drawing/2014/main" id="{7BF6FA10-E4E2-44EA-975E-F2BE0809C795}"/>
                 </a:ext>
               </a:extLst>
             </p:cNvPr>
@@ -6294,18 +3531,18 @@
           </p:nvGrpSpPr>
           <p:grpSpPr>
             <a:xfrm>
-              <a:off x="2064310" y="1674512"/>
-              <a:ext cx="561236" cy="1013637"/>
-              <a:chOff x="4189373" y="1674515"/>
-              <a:chExt cx="561236" cy="1013637"/>
+              <a:off x="1943347" y="1674512"/>
+              <a:ext cx="560873" cy="948511"/>
+              <a:chOff x="2064310" y="1674512"/>
+              <a:chExt cx="560873" cy="948511"/>
             </a:xfrm>
           </p:grpSpPr>
           <p:sp>
             <p:nvSpPr>
-              <p:cNvPr id="27" name="任意多边形: 形状 26">
+              <p:cNvPr id="28" name="矩形: 圆角 27">
                 <a:extLst>
                   <a:ext uri="{FF2B5EF4-FFF2-40B4-BE49-F238E27FC236}">
-                    <a16:creationId xmlns:a16="http://schemas.microsoft.com/office/drawing/2014/main" id="{8198BF3F-5FD8-4068-A5EC-D332EDE1DF89}"/>
+                    <a16:creationId xmlns:a16="http://schemas.microsoft.com/office/drawing/2014/main" id="{FAB259C5-BD8A-4F40-983D-2425CD5C086D}"/>
                   </a:ext>
                 </a:extLst>
               </p:cNvPr>
@@ -6313,23 +3550,87 @@
               <p:nvPr/>
             </p:nvSpPr>
             <p:spPr>
-              <a:xfrm flipH="1">
-                <a:off x="4469809" y="1674515"/>
-                <a:ext cx="280800" cy="381600"/>
+              <a:xfrm>
+                <a:off x="2064310" y="1674513"/>
+                <a:ext cx="560873" cy="948510"/>
+              </a:xfrm>
+              <a:prstGeom prst="roundRect">
+                <a:avLst>
+                  <a:gd name="adj" fmla="val 48664"/>
+                </a:avLst>
+              </a:prstGeom>
+              <a:solidFill>
+                <a:srgbClr val="D6CED1"/>
+              </a:solidFill>
+              <a:ln w="76200">
+                <a:noFill/>
+              </a:ln>
+            </p:spPr>
+            <p:style>
+              <a:lnRef idx="2">
+                <a:schemeClr val="accent1">
+                  <a:shade val="50000"/>
+                </a:schemeClr>
+              </a:lnRef>
+              <a:fillRef idx="1">
+                <a:schemeClr val="accent1"/>
+              </a:fillRef>
+              <a:effectRef idx="0">
+                <a:schemeClr val="accent1"/>
+              </a:effectRef>
+              <a:fontRef idx="minor">
+                <a:schemeClr val="lt1"/>
+              </a:fontRef>
+            </p:style>
+            <p:txBody>
+              <a:bodyPr rtlCol="0" anchor="ctr"/>
+              <a:lstStyle/>
+              <a:p>
+                <a:pPr algn="ctr"/>
+                <a:endParaRPr lang="zh-CN" altLang="en-US"/>
+              </a:p>
+            </p:txBody>
+          </p:sp>
+          <p:sp>
+            <p:nvSpPr>
+              <p:cNvPr id="37" name="任意多边形: 形状 36">
+                <a:extLst>
+                  <a:ext uri="{FF2B5EF4-FFF2-40B4-BE49-F238E27FC236}">
+                    <a16:creationId xmlns:a16="http://schemas.microsoft.com/office/drawing/2014/main" id="{32DCDABC-913F-4699-ABAE-5CAB4F6B8A12}"/>
+                  </a:ext>
+                </a:extLst>
+              </p:cNvPr>
+              <p:cNvSpPr/>
+              <p:nvPr/>
+            </p:nvSpPr>
+            <p:spPr>
+              <a:xfrm flipH="1" flipV="1">
+                <a:off x="2343291" y="1674512"/>
+                <a:ext cx="280800" cy="556780"/>
               </a:xfrm>
               <a:custGeom>
                 <a:avLst/>
                 <a:gdLst>
-                  <a:gd name="connsiteX0" fmla="*/ 280437 w 280437"/>
-                  <a:gd name="connsiteY0" fmla="*/ 0 h 380591"/>
-                  <a:gd name="connsiteX1" fmla="*/ 280437 w 280437"/>
-                  <a:gd name="connsiteY1" fmla="*/ 380591 h 380591"/>
-                  <a:gd name="connsiteX2" fmla="*/ 0 w 280437"/>
-                  <a:gd name="connsiteY2" fmla="*/ 380591 h 380591"/>
-                  <a:gd name="connsiteX3" fmla="*/ 0 w 280437"/>
-                  <a:gd name="connsiteY3" fmla="*/ 280437 h 380591"/>
-                  <a:gd name="connsiteX4" fmla="*/ 280437 w 280437"/>
-                  <a:gd name="connsiteY4" fmla="*/ 0 h 380591"/>
+                  <a:gd name="connsiteX0" fmla="*/ 280800 w 281163"/>
+                  <a:gd name="connsiteY0" fmla="*/ 576780 h 576780"/>
+                  <a:gd name="connsiteX1" fmla="*/ 0 w 281163"/>
+                  <a:gd name="connsiteY1" fmla="*/ 295600 h 576780"/>
+                  <a:gd name="connsiteX2" fmla="*/ 0 w 281163"/>
+                  <a:gd name="connsiteY2" fmla="*/ 195180 h 576780"/>
+                  <a:gd name="connsiteX3" fmla="*/ 363 w 281163"/>
+                  <a:gd name="connsiteY3" fmla="*/ 195180 h 576780"/>
+                  <a:gd name="connsiteX4" fmla="*/ 363 w 281163"/>
+                  <a:gd name="connsiteY4" fmla="*/ 0 h 576780"/>
+                  <a:gd name="connsiteX5" fmla="*/ 278036 w 281163"/>
+                  <a:gd name="connsiteY5" fmla="*/ 195180 h 576780"/>
+                  <a:gd name="connsiteX6" fmla="*/ 280800 w 281163"/>
+                  <a:gd name="connsiteY6" fmla="*/ 195180 h 576780"/>
+                  <a:gd name="connsiteX7" fmla="*/ 280800 w 281163"/>
+                  <a:gd name="connsiteY7" fmla="*/ 197123 h 576780"/>
+                  <a:gd name="connsiteX8" fmla="*/ 281163 w 281163"/>
+                  <a:gd name="connsiteY8" fmla="*/ 197378 h 576780"/>
+                  <a:gd name="connsiteX9" fmla="*/ 280800 w 281163"/>
+                  <a:gd name="connsiteY9" fmla="*/ 197378 h 576780"/>
                 </a:gdLst>
                 <a:ahLst/>
                 <a:cxnLst>
@@ -6348,44 +3649,66 @@
                   <a:cxn ang="0">
                     <a:pos x="connsiteX4" y="connsiteY4"/>
                   </a:cxn>
+                  <a:cxn ang="0">
+                    <a:pos x="connsiteX5" y="connsiteY5"/>
+                  </a:cxn>
+                  <a:cxn ang="0">
+                    <a:pos x="connsiteX6" y="connsiteY6"/>
+                  </a:cxn>
+                  <a:cxn ang="0">
+                    <a:pos x="connsiteX7" y="connsiteY7"/>
+                  </a:cxn>
+                  <a:cxn ang="0">
+                    <a:pos x="connsiteX8" y="connsiteY8"/>
+                  </a:cxn>
+                  <a:cxn ang="0">
+                    <a:pos x="connsiteX9" y="connsiteY9"/>
+                  </a:cxn>
                 </a:cxnLst>
                 <a:rect l="l" t="t" r="r" b="b"/>
                 <a:pathLst>
-                  <a:path w="280437" h="380591">
+                  <a:path w="281163" h="576780">
                     <a:moveTo>
-                      <a:pt x="280437" y="0"/>
+                      <a:pt x="280800" y="576780"/>
                     </a:moveTo>
+                    <a:cubicBezTo>
+                      <a:pt x="125719" y="576780"/>
+                      <a:pt x="0" y="450891"/>
+                      <a:pt x="0" y="295600"/>
+                    </a:cubicBezTo>
                     <a:lnTo>
-                      <a:pt x="280437" y="380591"/>
+                      <a:pt x="0" y="195180"/>
                     </a:lnTo>
                     <a:lnTo>
-                      <a:pt x="0" y="380591"/>
+                      <a:pt x="363" y="195180"/>
                     </a:lnTo>
                     <a:lnTo>
-                      <a:pt x="0" y="280437"/>
+                      <a:pt x="363" y="0"/>
                     </a:lnTo>
-                    <a:cubicBezTo>
-                      <a:pt x="0" y="125556"/>
-                      <a:pt x="125556" y="0"/>
-                      <a:pt x="280437" y="0"/>
-                    </a:cubicBezTo>
+                    <a:lnTo>
+                      <a:pt x="278036" y="195180"/>
+                    </a:lnTo>
+                    <a:lnTo>
+                      <a:pt x="280800" y="195180"/>
+                    </a:lnTo>
+                    <a:lnTo>
+                      <a:pt x="280800" y="197123"/>
+                    </a:lnTo>
+                    <a:lnTo>
+                      <a:pt x="281163" y="197378"/>
+                    </a:lnTo>
+                    <a:lnTo>
+                      <a:pt x="280800" y="197378"/>
+                    </a:lnTo>
                     <a:close/>
                   </a:path>
                 </a:pathLst>
               </a:custGeom>
               <a:solidFill>
-                <a:schemeClr val="tx1">
-                  <a:lumMod val="65000"/>
-                  <a:lumOff val="35000"/>
-                  <a:alpha val="75000"/>
-                </a:schemeClr>
+                <a:srgbClr val="B8ACAD"/>
               </a:solidFill>
-              <a:ln w="76200">
-                <a:solidFill>
-                  <a:srgbClr val="000000">
-                    <a:alpha val="0"/>
-                  </a:srgbClr>
-                </a:solidFill>
+              <a:ln>
+                <a:noFill/>
               </a:ln>
             </p:spPr>
             <p:style>
@@ -6417,10 +3740,10 @@
           </p:sp>
           <p:sp>
             <p:nvSpPr>
-              <p:cNvPr id="28" name="矩形: 圆角 27">
+              <p:cNvPr id="38" name="矩形: 圆角 37">
                 <a:extLst>
                   <a:ext uri="{FF2B5EF4-FFF2-40B4-BE49-F238E27FC236}">
-                    <a16:creationId xmlns:a16="http://schemas.microsoft.com/office/drawing/2014/main" id="{FAB259C5-BD8A-4F40-983D-2425CD5C086D}"/>
+                    <a16:creationId xmlns:a16="http://schemas.microsoft.com/office/drawing/2014/main" id="{FEBDFF4B-1170-4E89-8B4E-DE1168433E79}"/>
                   </a:ext>
                 </a:extLst>
               </p:cNvPr>
@@ -6429,22 +3752,19 @@
             </p:nvSpPr>
             <p:spPr>
               <a:xfrm>
-                <a:off x="4189373" y="1674515"/>
-                <a:ext cx="560873" cy="1013637"/>
+                <a:off x="2299503" y="1775035"/>
+                <a:ext cx="87577" cy="179543"/>
               </a:xfrm>
               <a:prstGeom prst="roundRect">
                 <a:avLst>
-                  <a:gd name="adj" fmla="val 50000"/>
+                  <a:gd name="adj" fmla="val 48664"/>
                 </a:avLst>
               </a:prstGeom>
-              <a:noFill/>
+              <a:solidFill>
+                <a:schemeClr val="bg1"/>
+              </a:solidFill>
               <a:ln w="76200">
-                <a:solidFill>
-                  <a:schemeClr val="tx1">
-                    <a:lumMod val="65000"/>
-                    <a:lumOff val="35000"/>
-                  </a:schemeClr>
-                </a:solidFill>
+                <a:noFill/>
               </a:ln>
             </p:spPr>
             <p:style>
@@ -6476,10 +3796,10 @@
       </p:grpSp>
       <p:grpSp>
         <p:nvGrpSpPr>
-          <p:cNvPr id="68" name="组合 67">
-            <a:extLst>
-              <a:ext uri="{FF2B5EF4-FFF2-40B4-BE49-F238E27FC236}">
-                <a16:creationId xmlns:a16="http://schemas.microsoft.com/office/drawing/2014/main" id="{D3ED7F21-0EE5-40A5-913A-AAE5D0D21D55}"/>
+          <p:cNvPr id="8" name="组合 7">
+            <a:extLst>
+              <a:ext uri="{FF2B5EF4-FFF2-40B4-BE49-F238E27FC236}">
+                <a16:creationId xmlns:a16="http://schemas.microsoft.com/office/drawing/2014/main" id="{23D252DD-DC7C-4243-B3E4-68A89314F165}"/>
               </a:ext>
             </a:extLst>
           </p:cNvPr>
@@ -6487,19 +3807,19 @@
           <p:nvPr/>
         </p:nvGrpSpPr>
         <p:grpSpPr>
-          <a:xfrm>
-            <a:off x="3624453" y="1479330"/>
-            <a:ext cx="1404000" cy="1404000"/>
-            <a:chOff x="3624453" y="1479330"/>
+          <a:xfrm flipH="1">
+            <a:off x="2300428" y="1479332"/>
+            <a:ext cx="652576" cy="652576"/>
+            <a:chOff x="3596419" y="1479332"/>
             <a:chExt cx="1404000" cy="1404000"/>
           </a:xfrm>
         </p:grpSpPr>
         <p:sp>
           <p:nvSpPr>
-            <p:cNvPr id="64" name="矩形 63">
+            <p:cNvPr id="41" name="矩形 40">
               <a:extLst>
                 <a:ext uri="{FF2B5EF4-FFF2-40B4-BE49-F238E27FC236}">
-                  <a16:creationId xmlns:a16="http://schemas.microsoft.com/office/drawing/2014/main" id="{1D20AA0A-D53A-43B3-9CD3-5A790D82B211}"/>
+                  <a16:creationId xmlns:a16="http://schemas.microsoft.com/office/drawing/2014/main" id="{C95C6D49-A5CB-4D89-AE46-0D89C4BB8074}"/>
                 </a:ext>
               </a:extLst>
             </p:cNvPr>
@@ -6508,7 +3828,7 @@
           </p:nvSpPr>
           <p:spPr>
             <a:xfrm>
-              <a:off x="3624453" y="1479330"/>
+              <a:off x="3596419" y="1479332"/>
               <a:ext cx="1404000" cy="1404000"/>
             </a:xfrm>
             <a:prstGeom prst="rect">
@@ -6548,10 +3868,10 @@
         </p:sp>
         <p:grpSp>
           <p:nvGrpSpPr>
-            <p:cNvPr id="16" name="组合 15">
+            <p:cNvPr id="42" name="组合 41">
               <a:extLst>
                 <a:ext uri="{FF2B5EF4-FFF2-40B4-BE49-F238E27FC236}">
-                  <a16:creationId xmlns:a16="http://schemas.microsoft.com/office/drawing/2014/main" id="{F368BCA2-8780-4FA6-A666-0585024E7869}"/>
+                  <a16:creationId xmlns:a16="http://schemas.microsoft.com/office/drawing/2014/main" id="{50DFB0C1-709C-46E7-8F99-4DCFA14C2A49}"/>
                 </a:ext>
               </a:extLst>
             </p:cNvPr>
@@ -6560,65 +3880,18 @@
           </p:nvGrpSpPr>
           <p:grpSpPr>
             <a:xfrm>
-              <a:off x="4046016" y="1674512"/>
-              <a:ext cx="560873" cy="1013637"/>
-              <a:chOff x="5183435" y="2517354"/>
-              <a:chExt cx="535647" cy="1009617"/>
+              <a:off x="4017801" y="1674512"/>
+              <a:ext cx="560873" cy="948511"/>
+              <a:chOff x="2064310" y="1674512"/>
+              <a:chExt cx="560873" cy="948511"/>
             </a:xfrm>
           </p:grpSpPr>
-          <p:cxnSp>
-            <p:nvCxnSpPr>
-              <p:cNvPr id="18" name="直接箭头连接符 17">
+          <p:sp>
+            <p:nvSpPr>
+              <p:cNvPr id="43" name="矩形: 圆角 42">
                 <a:extLst>
                   <a:ext uri="{FF2B5EF4-FFF2-40B4-BE49-F238E27FC236}">
-                    <a16:creationId xmlns:a16="http://schemas.microsoft.com/office/drawing/2014/main" id="{753DC245-079D-4400-8E55-056E46B98141}"/>
-                  </a:ext>
-                </a:extLst>
-              </p:cNvPr>
-              <p:cNvCxnSpPr>
-                <a:cxnSpLocks/>
-                <a:stCxn id="17" idx="0"/>
-              </p:cNvCxnSpPr>
-              <p:nvPr/>
-            </p:nvCxnSpPr>
-            <p:spPr>
-              <a:xfrm>
-                <a:off x="5451259" y="2517354"/>
-                <a:ext cx="0" cy="379082"/>
-              </a:xfrm>
-              <a:prstGeom prst="straightConnector1">
-                <a:avLst/>
-              </a:prstGeom>
-              <a:ln w="76200" cap="rnd">
-                <a:solidFill>
-                  <a:schemeClr val="bg1">
-                    <a:lumMod val="75000"/>
-                  </a:schemeClr>
-                </a:solidFill>
-                <a:round/>
-              </a:ln>
-            </p:spPr>
-            <p:style>
-              <a:lnRef idx="1">
-                <a:schemeClr val="accent1"/>
-              </a:lnRef>
-              <a:fillRef idx="0">
-                <a:schemeClr val="accent1"/>
-              </a:fillRef>
-              <a:effectRef idx="0">
-                <a:schemeClr val="accent1"/>
-              </a:effectRef>
-              <a:fontRef idx="minor">
-                <a:schemeClr val="tx1"/>
-              </a:fontRef>
-            </p:style>
-          </p:cxnSp>
-          <p:sp>
-            <p:nvSpPr>
-              <p:cNvPr id="17" name="矩形: 圆角 16">
-                <a:extLst>
-                  <a:ext uri="{FF2B5EF4-FFF2-40B4-BE49-F238E27FC236}">
-                    <a16:creationId xmlns:a16="http://schemas.microsoft.com/office/drawing/2014/main" id="{EAD3E3B2-A523-4339-AD0A-9E6251990FE7}"/>
+                    <a16:creationId xmlns:a16="http://schemas.microsoft.com/office/drawing/2014/main" id="{6C4B2F8B-308A-422B-AEF0-BF279B8F5AEA}"/>
                   </a:ext>
                 </a:extLst>
               </p:cNvPr>
@@ -6627,22 +3900,220 @@
             </p:nvSpPr>
             <p:spPr>
               <a:xfrm>
-                <a:off x="5183435" y="2517354"/>
-                <a:ext cx="535647" cy="1009617"/>
+                <a:off x="2064310" y="1674513"/>
+                <a:ext cx="560873" cy="948510"/>
               </a:xfrm>
               <a:prstGeom prst="roundRect">
                 <a:avLst>
-                  <a:gd name="adj" fmla="val 50000"/>
+                  <a:gd name="adj" fmla="val 48664"/>
                 </a:avLst>
               </a:prstGeom>
-              <a:noFill/>
+              <a:solidFill>
+                <a:srgbClr val="D6CED1"/>
+              </a:solidFill>
               <a:ln w="76200">
-                <a:solidFill>
-                  <a:schemeClr val="tx1">
-                    <a:lumMod val="65000"/>
-                    <a:lumOff val="35000"/>
-                  </a:schemeClr>
-                </a:solidFill>
+                <a:noFill/>
+              </a:ln>
+            </p:spPr>
+            <p:style>
+              <a:lnRef idx="2">
+                <a:schemeClr val="accent1">
+                  <a:shade val="50000"/>
+                </a:schemeClr>
+              </a:lnRef>
+              <a:fillRef idx="1">
+                <a:schemeClr val="accent1"/>
+              </a:fillRef>
+              <a:effectRef idx="0">
+                <a:schemeClr val="accent1"/>
+              </a:effectRef>
+              <a:fontRef idx="minor">
+                <a:schemeClr val="lt1"/>
+              </a:fontRef>
+            </p:style>
+            <p:txBody>
+              <a:bodyPr rtlCol="0" anchor="ctr"/>
+              <a:lstStyle/>
+              <a:p>
+                <a:pPr algn="ctr"/>
+                <a:endParaRPr lang="zh-CN" altLang="en-US"/>
+              </a:p>
+            </p:txBody>
+          </p:sp>
+          <p:sp>
+            <p:nvSpPr>
+              <p:cNvPr id="44" name="任意多边形: 形状 43">
+                <a:extLst>
+                  <a:ext uri="{FF2B5EF4-FFF2-40B4-BE49-F238E27FC236}">
+                    <a16:creationId xmlns:a16="http://schemas.microsoft.com/office/drawing/2014/main" id="{90262BB6-9085-426E-8E6D-2504CBF620D2}"/>
+                  </a:ext>
+                </a:extLst>
+              </p:cNvPr>
+              <p:cNvSpPr/>
+              <p:nvPr/>
+            </p:nvSpPr>
+            <p:spPr>
+              <a:xfrm flipH="1" flipV="1">
+                <a:off x="2343291" y="1674512"/>
+                <a:ext cx="280800" cy="556780"/>
+              </a:xfrm>
+              <a:custGeom>
+                <a:avLst/>
+                <a:gdLst>
+                  <a:gd name="connsiteX0" fmla="*/ 280800 w 281163"/>
+                  <a:gd name="connsiteY0" fmla="*/ 576780 h 576780"/>
+                  <a:gd name="connsiteX1" fmla="*/ 0 w 281163"/>
+                  <a:gd name="connsiteY1" fmla="*/ 295600 h 576780"/>
+                  <a:gd name="connsiteX2" fmla="*/ 0 w 281163"/>
+                  <a:gd name="connsiteY2" fmla="*/ 195180 h 576780"/>
+                  <a:gd name="connsiteX3" fmla="*/ 363 w 281163"/>
+                  <a:gd name="connsiteY3" fmla="*/ 195180 h 576780"/>
+                  <a:gd name="connsiteX4" fmla="*/ 363 w 281163"/>
+                  <a:gd name="connsiteY4" fmla="*/ 0 h 576780"/>
+                  <a:gd name="connsiteX5" fmla="*/ 278036 w 281163"/>
+                  <a:gd name="connsiteY5" fmla="*/ 195180 h 576780"/>
+                  <a:gd name="connsiteX6" fmla="*/ 280800 w 281163"/>
+                  <a:gd name="connsiteY6" fmla="*/ 195180 h 576780"/>
+                  <a:gd name="connsiteX7" fmla="*/ 280800 w 281163"/>
+                  <a:gd name="connsiteY7" fmla="*/ 197123 h 576780"/>
+                  <a:gd name="connsiteX8" fmla="*/ 281163 w 281163"/>
+                  <a:gd name="connsiteY8" fmla="*/ 197378 h 576780"/>
+                  <a:gd name="connsiteX9" fmla="*/ 280800 w 281163"/>
+                  <a:gd name="connsiteY9" fmla="*/ 197378 h 576780"/>
+                </a:gdLst>
+                <a:ahLst/>
+                <a:cxnLst>
+                  <a:cxn ang="0">
+                    <a:pos x="connsiteX0" y="connsiteY0"/>
+                  </a:cxn>
+                  <a:cxn ang="0">
+                    <a:pos x="connsiteX1" y="connsiteY1"/>
+                  </a:cxn>
+                  <a:cxn ang="0">
+                    <a:pos x="connsiteX2" y="connsiteY2"/>
+                  </a:cxn>
+                  <a:cxn ang="0">
+                    <a:pos x="connsiteX3" y="connsiteY3"/>
+                  </a:cxn>
+                  <a:cxn ang="0">
+                    <a:pos x="connsiteX4" y="connsiteY4"/>
+                  </a:cxn>
+                  <a:cxn ang="0">
+                    <a:pos x="connsiteX5" y="connsiteY5"/>
+                  </a:cxn>
+                  <a:cxn ang="0">
+                    <a:pos x="connsiteX6" y="connsiteY6"/>
+                  </a:cxn>
+                  <a:cxn ang="0">
+                    <a:pos x="connsiteX7" y="connsiteY7"/>
+                  </a:cxn>
+                  <a:cxn ang="0">
+                    <a:pos x="connsiteX8" y="connsiteY8"/>
+                  </a:cxn>
+                  <a:cxn ang="0">
+                    <a:pos x="connsiteX9" y="connsiteY9"/>
+                  </a:cxn>
+                </a:cxnLst>
+                <a:rect l="l" t="t" r="r" b="b"/>
+                <a:pathLst>
+                  <a:path w="281163" h="576780">
+                    <a:moveTo>
+                      <a:pt x="280800" y="576780"/>
+                    </a:moveTo>
+                    <a:cubicBezTo>
+                      <a:pt x="125719" y="576780"/>
+                      <a:pt x="0" y="450891"/>
+                      <a:pt x="0" y="295600"/>
+                    </a:cubicBezTo>
+                    <a:lnTo>
+                      <a:pt x="0" y="195180"/>
+                    </a:lnTo>
+                    <a:lnTo>
+                      <a:pt x="363" y="195180"/>
+                    </a:lnTo>
+                    <a:lnTo>
+                      <a:pt x="363" y="0"/>
+                    </a:lnTo>
+                    <a:lnTo>
+                      <a:pt x="278036" y="195180"/>
+                    </a:lnTo>
+                    <a:lnTo>
+                      <a:pt x="280800" y="195180"/>
+                    </a:lnTo>
+                    <a:lnTo>
+                      <a:pt x="280800" y="197123"/>
+                    </a:lnTo>
+                    <a:lnTo>
+                      <a:pt x="281163" y="197378"/>
+                    </a:lnTo>
+                    <a:lnTo>
+                      <a:pt x="280800" y="197378"/>
+                    </a:lnTo>
+                    <a:close/>
+                  </a:path>
+                </a:pathLst>
+              </a:custGeom>
+              <a:solidFill>
+                <a:srgbClr val="B8ACAD"/>
+              </a:solidFill>
+              <a:ln>
+                <a:noFill/>
+              </a:ln>
+            </p:spPr>
+            <p:style>
+              <a:lnRef idx="2">
+                <a:schemeClr val="accent1">
+                  <a:shade val="50000"/>
+                </a:schemeClr>
+              </a:lnRef>
+              <a:fillRef idx="1">
+                <a:schemeClr val="accent1"/>
+              </a:fillRef>
+              <a:effectRef idx="0">
+                <a:schemeClr val="accent1"/>
+              </a:effectRef>
+              <a:fontRef idx="minor">
+                <a:schemeClr val="lt1"/>
+              </a:fontRef>
+            </p:style>
+            <p:txBody>
+              <a:bodyPr wrap="square" rtlCol="0" anchor="ctr">
+                <a:noAutofit/>
+              </a:bodyPr>
+              <a:lstStyle/>
+              <a:p>
+                <a:pPr algn="ctr"/>
+                <a:endParaRPr lang="zh-CN" altLang="en-US"/>
+              </a:p>
+            </p:txBody>
+          </p:sp>
+          <p:sp>
+            <p:nvSpPr>
+              <p:cNvPr id="45" name="矩形: 圆角 44">
+                <a:extLst>
+                  <a:ext uri="{FF2B5EF4-FFF2-40B4-BE49-F238E27FC236}">
+                    <a16:creationId xmlns:a16="http://schemas.microsoft.com/office/drawing/2014/main" id="{119DC88C-B356-4E79-9AC3-F7861ADA650B}"/>
+                  </a:ext>
+                </a:extLst>
+              </p:cNvPr>
+              <p:cNvSpPr/>
+              <p:nvPr/>
+            </p:nvSpPr>
+            <p:spPr>
+              <a:xfrm>
+                <a:off x="2299503" y="1775035"/>
+                <a:ext cx="87577" cy="179543"/>
+              </a:xfrm>
+              <a:prstGeom prst="roundRect">
+                <a:avLst>
+                  <a:gd name="adj" fmla="val 48664"/>
+                </a:avLst>
+              </a:prstGeom>
+              <a:solidFill>
+                <a:schemeClr val="bg1"/>
+              </a:solidFill>
+              <a:ln w="76200">
+                <a:noFill/>
               </a:ln>
             </p:spPr>
             <p:style>
@@ -6674,10 +4145,10 @@
       </p:grpSp>
       <p:grpSp>
         <p:nvGrpSpPr>
-          <p:cNvPr id="72" name="组合 71">
-            <a:extLst>
-              <a:ext uri="{FF2B5EF4-FFF2-40B4-BE49-F238E27FC236}">
-                <a16:creationId xmlns:a16="http://schemas.microsoft.com/office/drawing/2014/main" id="{4465650C-723A-42C0-B768-5AF6AFC6F1AA}"/>
+          <p:cNvPr id="14" name="组合 13">
+            <a:extLst>
+              <a:ext uri="{FF2B5EF4-FFF2-40B4-BE49-F238E27FC236}">
+                <a16:creationId xmlns:a16="http://schemas.microsoft.com/office/drawing/2014/main" id="{FE1A8849-033A-4760-8FF9-E638FFD2AA9A}"/>
               </a:ext>
             </a:extLst>
           </p:cNvPr>
@@ -6686,18 +4157,18 @@
         </p:nvGrpSpPr>
         <p:grpSpPr>
           <a:xfrm>
-            <a:off x="5880316" y="3078512"/>
-            <a:ext cx="1404000" cy="1404000"/>
-            <a:chOff x="5880316" y="3078512"/>
+            <a:off x="3062321" y="1479332"/>
+            <a:ext cx="652576" cy="652576"/>
+            <a:chOff x="5059600" y="1479332"/>
             <a:chExt cx="1404000" cy="1404000"/>
           </a:xfrm>
         </p:grpSpPr>
         <p:sp>
           <p:nvSpPr>
-            <p:cNvPr id="66" name="矩形 65">
+            <p:cNvPr id="47" name="矩形 46">
               <a:extLst>
                 <a:ext uri="{FF2B5EF4-FFF2-40B4-BE49-F238E27FC236}">
-                  <a16:creationId xmlns:a16="http://schemas.microsoft.com/office/drawing/2014/main" id="{F387385D-24C8-4A2F-A775-BD00A780D35C}"/>
+                  <a16:creationId xmlns:a16="http://schemas.microsoft.com/office/drawing/2014/main" id="{CCF04153-252D-4E94-B403-33D9401DBACE}"/>
                 </a:ext>
               </a:extLst>
             </p:cNvPr>
@@ -6705,8 +4176,8 @@
             <p:nvPr/>
           </p:nvSpPr>
           <p:spPr>
-            <a:xfrm>
-              <a:off x="5880316" y="3078512"/>
+            <a:xfrm flipH="1">
+              <a:off x="5059600" y="1479332"/>
               <a:ext cx="1404000" cy="1404000"/>
             </a:xfrm>
             <a:prstGeom prst="rect">
@@ -6746,10 +4217,10 @@
         </p:sp>
         <p:grpSp>
           <p:nvGrpSpPr>
-            <p:cNvPr id="2" name="组合 1">
+            <p:cNvPr id="13" name="组合 12">
               <a:extLst>
                 <a:ext uri="{FF2B5EF4-FFF2-40B4-BE49-F238E27FC236}">
-                  <a16:creationId xmlns:a16="http://schemas.microsoft.com/office/drawing/2014/main" id="{CE5215D1-92C6-49D7-A9B3-45434C1F40D3}"/>
+                  <a16:creationId xmlns:a16="http://schemas.microsoft.com/office/drawing/2014/main" id="{0A714344-CCF8-4ACB-94E4-7BA9163492BF}"/>
                 </a:ext>
               </a:extLst>
             </p:cNvPr>
@@ -6758,18 +4229,18 @@
           </p:nvGrpSpPr>
           <p:grpSpPr>
             <a:xfrm>
-              <a:off x="6157878" y="3348512"/>
-              <a:ext cx="848875" cy="864000"/>
-              <a:chOff x="1756421" y="3260459"/>
-              <a:chExt cx="848875" cy="864000"/>
+              <a:off x="5481345" y="1674513"/>
+              <a:ext cx="560873" cy="948510"/>
+              <a:chOff x="5481345" y="1674513"/>
+              <a:chExt cx="560873" cy="948510"/>
             </a:xfrm>
           </p:grpSpPr>
           <p:sp>
             <p:nvSpPr>
-              <p:cNvPr id="30" name="矩形: 圆角 29">
+              <p:cNvPr id="49" name="矩形: 圆角 48">
                 <a:extLst>
                   <a:ext uri="{FF2B5EF4-FFF2-40B4-BE49-F238E27FC236}">
-                    <a16:creationId xmlns:a16="http://schemas.microsoft.com/office/drawing/2014/main" id="{ED7BD5A2-600A-4EE4-AFC4-FC4528B40D8E}"/>
+                    <a16:creationId xmlns:a16="http://schemas.microsoft.com/office/drawing/2014/main" id="{9954C060-BCD5-4162-8257-AAD6AE7BE5E2}"/>
                   </a:ext>
                 </a:extLst>
               </p:cNvPr>
@@ -6777,23 +4248,20 @@
               <p:nvPr/>
             </p:nvSpPr>
             <p:spPr>
-              <a:xfrm>
-                <a:off x="1756421" y="3260459"/>
-                <a:ext cx="576000" cy="576000"/>
+              <a:xfrm flipH="1">
+                <a:off x="5481345" y="1674513"/>
+                <a:ext cx="560873" cy="948510"/>
               </a:xfrm>
               <a:prstGeom prst="roundRect">
                 <a:avLst>
-                  <a:gd name="adj" fmla="val 0"/>
+                  <a:gd name="adj" fmla="val 48664"/>
                 </a:avLst>
               </a:prstGeom>
-              <a:noFill/>
+              <a:solidFill>
+                <a:srgbClr val="D6CED1"/>
+              </a:solidFill>
               <a:ln w="76200">
-                <a:solidFill>
-                  <a:schemeClr val="tx1">
-                    <a:lumMod val="65000"/>
-                    <a:lumOff val="35000"/>
-                  </a:schemeClr>
-                </a:solidFill>
+                <a:noFill/>
               </a:ln>
             </p:spPr>
             <p:style>
@@ -6821,12 +4289,56 @@
               </a:p>
             </p:txBody>
           </p:sp>
+          <p:cxnSp>
+            <p:nvCxnSpPr>
+              <p:cNvPr id="11" name="直接连接符 10">
+                <a:extLst>
+                  <a:ext uri="{FF2B5EF4-FFF2-40B4-BE49-F238E27FC236}">
+                    <a16:creationId xmlns:a16="http://schemas.microsoft.com/office/drawing/2014/main" id="{4E4E9391-A239-4426-8CD6-4665F861DF1B}"/>
+                  </a:ext>
+                </a:extLst>
+              </p:cNvPr>
+              <p:cNvCxnSpPr>
+                <a:cxnSpLocks/>
+              </p:cNvCxnSpPr>
+              <p:nvPr/>
+            </p:nvCxnSpPr>
+            <p:spPr>
+              <a:xfrm>
+                <a:off x="5759564" y="1727026"/>
+                <a:ext cx="2036" cy="421742"/>
+              </a:xfrm>
+              <a:prstGeom prst="line">
+                <a:avLst/>
+              </a:prstGeom>
+              <a:ln w="19050" cap="rnd">
+                <a:solidFill>
+                  <a:srgbClr val="B8ACAD"/>
+                </a:solidFill>
+                <a:round/>
+              </a:ln>
+            </p:spPr>
+            <p:style>
+              <a:lnRef idx="1">
+                <a:schemeClr val="accent1"/>
+              </a:lnRef>
+              <a:fillRef idx="0">
+                <a:schemeClr val="accent1"/>
+              </a:fillRef>
+              <a:effectRef idx="0">
+                <a:schemeClr val="accent1"/>
+              </a:effectRef>
+              <a:fontRef idx="minor">
+                <a:schemeClr val="tx1"/>
+              </a:fontRef>
+            </p:style>
+          </p:cxnSp>
           <p:sp>
             <p:nvSpPr>
-              <p:cNvPr id="26" name="椭圆 25">
+              <p:cNvPr id="51" name="矩形: 圆角 50">
                 <a:extLst>
                   <a:ext uri="{FF2B5EF4-FFF2-40B4-BE49-F238E27FC236}">
-                    <a16:creationId xmlns:a16="http://schemas.microsoft.com/office/drawing/2014/main" id="{30A20275-36B8-41E9-A9A9-DC6B04170779}"/>
+                    <a16:creationId xmlns:a16="http://schemas.microsoft.com/office/drawing/2014/main" id="{096C9D37-DDEA-4886-AA05-878AC2C12CE9}"/>
                   </a:ext>
                 </a:extLst>
               </p:cNvPr>
@@ -6834,21 +4346,20 @@
               <p:nvPr/>
             </p:nvSpPr>
             <p:spPr>
-              <a:xfrm>
-                <a:off x="2029296" y="3548459"/>
-                <a:ext cx="576000" cy="576000"/>
+              <a:xfrm flipH="1">
+                <a:off x="5719448" y="1775035"/>
+                <a:ext cx="87577" cy="179543"/>
               </a:xfrm>
-              <a:prstGeom prst="ellipse">
-                <a:avLst/>
+              <a:prstGeom prst="roundRect">
+                <a:avLst>
+                  <a:gd name="adj" fmla="val 48664"/>
+                </a:avLst>
               </a:prstGeom>
-              <a:noFill/>
+              <a:solidFill>
+                <a:schemeClr val="bg1"/>
+              </a:solidFill>
               <a:ln w="76200">
-                <a:solidFill>
-                  <a:schemeClr val="tx1">
-                    <a:lumMod val="65000"/>
-                    <a:lumOff val="35000"/>
-                  </a:schemeClr>
-                </a:solidFill>
+                <a:noFill/>
               </a:ln>
             </p:spPr>
             <p:style>
@@ -6880,10 +4391,10 @@
       </p:grpSp>
       <p:grpSp>
         <p:nvGrpSpPr>
-          <p:cNvPr id="71" name="组合 70">
-            <a:extLst>
-              <a:ext uri="{FF2B5EF4-FFF2-40B4-BE49-F238E27FC236}">
-                <a16:creationId xmlns:a16="http://schemas.microsoft.com/office/drawing/2014/main" id="{CBDF1838-2591-46C5-9B0F-9AB58B94C01A}"/>
+          <p:cNvPr id="57" name="组合 56">
+            <a:extLst>
+              <a:ext uri="{FF2B5EF4-FFF2-40B4-BE49-F238E27FC236}">
+                <a16:creationId xmlns:a16="http://schemas.microsoft.com/office/drawing/2014/main" id="{90618A41-62D9-4BD6-A23A-3792B8A7A081}"/>
               </a:ext>
             </a:extLst>
           </p:cNvPr>
@@ -6892,18 +4403,18 @@
         </p:nvGrpSpPr>
         <p:grpSpPr>
           <a:xfrm>
-            <a:off x="4046016" y="3078512"/>
-            <a:ext cx="1404000" cy="1404000"/>
-            <a:chOff x="4046016" y="3078512"/>
+            <a:off x="3824215" y="1481448"/>
+            <a:ext cx="652576" cy="652576"/>
+            <a:chOff x="5059600" y="1479332"/>
             <a:chExt cx="1404000" cy="1404000"/>
           </a:xfrm>
         </p:grpSpPr>
         <p:sp>
           <p:nvSpPr>
-            <p:cNvPr id="65" name="矩形 64">
+            <p:cNvPr id="60" name="矩形 59">
               <a:extLst>
                 <a:ext uri="{FF2B5EF4-FFF2-40B4-BE49-F238E27FC236}">
-                  <a16:creationId xmlns:a16="http://schemas.microsoft.com/office/drawing/2014/main" id="{462E4C2A-B857-45E1-81B6-240ED660A493}"/>
+                  <a16:creationId xmlns:a16="http://schemas.microsoft.com/office/drawing/2014/main" id="{404F931F-2BE6-41C0-B52E-84FFFC60B2A0}"/>
                 </a:ext>
               </a:extLst>
             </p:cNvPr>
@@ -6911,8 +4422,8 @@
             <p:nvPr/>
           </p:nvSpPr>
           <p:spPr>
-            <a:xfrm>
-              <a:off x="4046016" y="3078512"/>
+            <a:xfrm flipH="1">
+              <a:off x="5059600" y="1479332"/>
               <a:ext cx="1404000" cy="1404000"/>
             </a:xfrm>
             <a:prstGeom prst="rect">
@@ -6952,172 +4463,140 @@
         </p:sp>
         <p:grpSp>
           <p:nvGrpSpPr>
-            <p:cNvPr id="55" name="组合 54">
+            <p:cNvPr id="61" name="组合 60">
               <a:extLst>
                 <a:ext uri="{FF2B5EF4-FFF2-40B4-BE49-F238E27FC236}">
-                  <a16:creationId xmlns:a16="http://schemas.microsoft.com/office/drawing/2014/main" id="{7A4F7214-F112-4482-A311-C9A7C5E24A6B}"/>
+                  <a16:creationId xmlns:a16="http://schemas.microsoft.com/office/drawing/2014/main" id="{DB7E2008-FBE5-468C-AD33-D3563037A36F}"/>
                 </a:ext>
               </a:extLst>
             </p:cNvPr>
-            <p:cNvGrpSpPr>
-              <a:grpSpLocks noChangeAspect="1"/>
-            </p:cNvGrpSpPr>
+            <p:cNvGrpSpPr/>
             <p:nvPr/>
           </p:nvGrpSpPr>
           <p:grpSpPr>
             <a:xfrm>
-              <a:off x="4316016" y="3520881"/>
-              <a:ext cx="864000" cy="519261"/>
-              <a:chOff x="3063580" y="3260459"/>
-              <a:chExt cx="560873" cy="337082"/>
+              <a:off x="5481345" y="1674513"/>
+              <a:ext cx="560873" cy="948510"/>
+              <a:chOff x="5481345" y="1674513"/>
+              <a:chExt cx="560873" cy="948510"/>
             </a:xfrm>
           </p:grpSpPr>
-          <p:cxnSp>
-            <p:nvCxnSpPr>
-              <p:cNvPr id="32" name="直接箭头连接符 31">
+          <p:sp>
+            <p:nvSpPr>
+              <p:cNvPr id="62" name="矩形: 圆角 61">
                 <a:extLst>
                   <a:ext uri="{FF2B5EF4-FFF2-40B4-BE49-F238E27FC236}">
-                    <a16:creationId xmlns:a16="http://schemas.microsoft.com/office/drawing/2014/main" id="{0D0172C5-7954-494E-9D03-991D406DB05E}"/>
+                    <a16:creationId xmlns:a16="http://schemas.microsoft.com/office/drawing/2014/main" id="{7819BE13-9BB1-48F0-99D9-D974CE992CD7}"/>
                   </a:ext>
                 </a:extLst>
               </p:cNvPr>
-              <p:cNvCxnSpPr>
-                <a:cxnSpLocks/>
-              </p:cNvCxnSpPr>
+              <p:cNvSpPr/>
               <p:nvPr/>
-            </p:nvCxnSpPr>
+            </p:nvSpPr>
             <p:spPr>
-              <a:xfrm>
-                <a:off x="3063580" y="3260459"/>
-                <a:ext cx="560873" cy="0"/>
+              <a:xfrm flipH="1">
+                <a:off x="5481345" y="1674513"/>
+                <a:ext cx="560873" cy="948510"/>
               </a:xfrm>
-              <a:prstGeom prst="straightConnector1">
-                <a:avLst/>
+              <a:prstGeom prst="roundRect">
+                <a:avLst>
+                  <a:gd name="adj" fmla="val 48664"/>
+                </a:avLst>
               </a:prstGeom>
+              <a:solidFill>
+                <a:srgbClr val="D6CED1"/>
+              </a:solidFill>
               <a:ln w="76200">
-                <a:solidFill>
-                  <a:schemeClr val="tx1">
-                    <a:lumMod val="65000"/>
-                    <a:lumOff val="35000"/>
-                  </a:schemeClr>
-                </a:solidFill>
+                <a:noFill/>
               </a:ln>
             </p:spPr>
             <p:style>
-              <a:lnRef idx="1">
-                <a:schemeClr val="accent1"/>
+              <a:lnRef idx="2">
+                <a:schemeClr val="accent1">
+                  <a:shade val="50000"/>
+                </a:schemeClr>
               </a:lnRef>
-              <a:fillRef idx="0">
+              <a:fillRef idx="1">
                 <a:schemeClr val="accent1"/>
               </a:fillRef>
               <a:effectRef idx="0">
                 <a:schemeClr val="accent1"/>
               </a:effectRef>
               <a:fontRef idx="minor">
-                <a:schemeClr val="tx1"/>
+                <a:schemeClr val="lt1"/>
               </a:fontRef>
             </p:style>
-          </p:cxnSp>
-          <p:cxnSp>
-            <p:nvCxnSpPr>
-              <p:cNvPr id="33" name="直接箭头连接符 32">
+            <p:txBody>
+              <a:bodyPr rtlCol="0" anchor="ctr"/>
+              <a:lstStyle/>
+              <a:p>
+                <a:pPr algn="ctr"/>
+                <a:endParaRPr lang="zh-CN" altLang="en-US"/>
+              </a:p>
+            </p:txBody>
+          </p:sp>
+          <p:sp>
+            <p:nvSpPr>
+              <p:cNvPr id="73" name="矩形: 圆角 72">
                 <a:extLst>
                   <a:ext uri="{FF2B5EF4-FFF2-40B4-BE49-F238E27FC236}">
-                    <a16:creationId xmlns:a16="http://schemas.microsoft.com/office/drawing/2014/main" id="{B4E423A4-7840-4149-8D29-E0019F2D8131}"/>
+                    <a16:creationId xmlns:a16="http://schemas.microsoft.com/office/drawing/2014/main" id="{05CCA8AF-C040-4CE7-954F-E676C90827FA}"/>
                   </a:ext>
                 </a:extLst>
               </p:cNvPr>
-              <p:cNvCxnSpPr>
-                <a:cxnSpLocks/>
-              </p:cNvCxnSpPr>
+              <p:cNvSpPr/>
               <p:nvPr/>
-            </p:nvCxnSpPr>
+            </p:nvSpPr>
             <p:spPr>
-              <a:xfrm>
-                <a:off x="3063580" y="3429000"/>
-                <a:ext cx="560873" cy="0"/>
+              <a:xfrm flipH="1">
+                <a:off x="5719448" y="1775035"/>
+                <a:ext cx="87577" cy="179543"/>
               </a:xfrm>
-              <a:prstGeom prst="straightConnector1">
-                <a:avLst/>
+              <a:prstGeom prst="roundRect">
+                <a:avLst>
+                  <a:gd name="adj" fmla="val 48664"/>
+                </a:avLst>
               </a:prstGeom>
+              <a:solidFill>
+                <a:srgbClr val="B8ACAD"/>
+              </a:solidFill>
               <a:ln w="76200">
-                <a:solidFill>
-                  <a:schemeClr val="tx1">
-                    <a:lumMod val="65000"/>
-                    <a:lumOff val="35000"/>
-                  </a:schemeClr>
-                </a:solidFill>
+                <a:noFill/>
               </a:ln>
             </p:spPr>
             <p:style>
-              <a:lnRef idx="1">
-                <a:schemeClr val="accent1"/>
+              <a:lnRef idx="2">
+                <a:schemeClr val="accent1">
+                  <a:shade val="50000"/>
+                </a:schemeClr>
               </a:lnRef>
-              <a:fillRef idx="0">
+              <a:fillRef idx="1">
                 <a:schemeClr val="accent1"/>
               </a:fillRef>
               <a:effectRef idx="0">
                 <a:schemeClr val="accent1"/>
               </a:effectRef>
               <a:fontRef idx="minor">
-                <a:schemeClr val="tx1"/>
+                <a:schemeClr val="lt1"/>
               </a:fontRef>
             </p:style>
-          </p:cxnSp>
-          <p:cxnSp>
-            <p:nvCxnSpPr>
-              <p:cNvPr id="40" name="直接箭头连接符 39">
-                <a:extLst>
-                  <a:ext uri="{FF2B5EF4-FFF2-40B4-BE49-F238E27FC236}">
-                    <a16:creationId xmlns:a16="http://schemas.microsoft.com/office/drawing/2014/main" id="{67520C6D-B298-48F7-9BAB-DE581349DC27}"/>
-                  </a:ext>
-                </a:extLst>
-              </p:cNvPr>
-              <p:cNvCxnSpPr>
-                <a:cxnSpLocks/>
-              </p:cNvCxnSpPr>
-              <p:nvPr/>
-            </p:nvCxnSpPr>
-            <p:spPr>
-              <a:xfrm>
-                <a:off x="3063580" y="3597541"/>
-                <a:ext cx="560873" cy="0"/>
-              </a:xfrm>
-              <a:prstGeom prst="straightConnector1">
-                <a:avLst/>
-              </a:prstGeom>
-              <a:ln w="76200">
-                <a:solidFill>
-                  <a:schemeClr val="tx1">
-                    <a:lumMod val="65000"/>
-                    <a:lumOff val="35000"/>
-                  </a:schemeClr>
-                </a:solidFill>
-              </a:ln>
-            </p:spPr>
-            <p:style>
-              <a:lnRef idx="1">
-                <a:schemeClr val="accent1"/>
-              </a:lnRef>
-              <a:fillRef idx="0">
-                <a:schemeClr val="accent1"/>
-              </a:fillRef>
-              <a:effectRef idx="0">
-                <a:schemeClr val="accent1"/>
-              </a:effectRef>
-              <a:fontRef idx="minor">
-                <a:schemeClr val="tx1"/>
-              </a:fontRef>
-            </p:style>
-          </p:cxnSp>
+            <p:txBody>
+              <a:bodyPr rtlCol="0" anchor="ctr"/>
+              <a:lstStyle/>
+              <a:p>
+                <a:pPr algn="ctr"/>
+                <a:endParaRPr lang="zh-CN" altLang="en-US"/>
+              </a:p>
+            </p:txBody>
+          </p:sp>
         </p:grpSp>
       </p:grpSp>
       <p:grpSp>
         <p:nvGrpSpPr>
-          <p:cNvPr id="69" name="组合 68">
-            <a:extLst>
-              <a:ext uri="{FF2B5EF4-FFF2-40B4-BE49-F238E27FC236}">
-                <a16:creationId xmlns:a16="http://schemas.microsoft.com/office/drawing/2014/main" id="{75604190-B87D-4394-A10F-72F33B638B6E}"/>
+          <p:cNvPr id="20" name="组合 19">
+            <a:extLst>
+              <a:ext uri="{FF2B5EF4-FFF2-40B4-BE49-F238E27FC236}">
+                <a16:creationId xmlns:a16="http://schemas.microsoft.com/office/drawing/2014/main" id="{D67D4BD1-5965-4BB2-AE8A-8AC9FE0FC643}"/>
               </a:ext>
             </a:extLst>
           </p:cNvPr>
@@ -7126,18 +4605,18 @@
         </p:nvGrpSpPr>
         <p:grpSpPr>
           <a:xfrm>
-            <a:off x="7304674" y="1479332"/>
-            <a:ext cx="1404000" cy="1404000"/>
-            <a:chOff x="7304674" y="1479332"/>
+            <a:off x="1520328" y="2266756"/>
+            <a:ext cx="652576" cy="652576"/>
+            <a:chOff x="1520328" y="3173453"/>
             <a:chExt cx="1404000" cy="1404000"/>
           </a:xfrm>
         </p:grpSpPr>
         <p:sp>
           <p:nvSpPr>
-            <p:cNvPr id="56" name="矩形 55">
+            <p:cNvPr id="74" name="矩形 73">
               <a:extLst>
                 <a:ext uri="{FF2B5EF4-FFF2-40B4-BE49-F238E27FC236}">
-                  <a16:creationId xmlns:a16="http://schemas.microsoft.com/office/drawing/2014/main" id="{979BF856-1877-462B-9B92-ACCB3B26D1C9}"/>
+                  <a16:creationId xmlns:a16="http://schemas.microsoft.com/office/drawing/2014/main" id="{31ECF372-9785-4382-BC2F-FEE919499444}"/>
                 </a:ext>
               </a:extLst>
             </p:cNvPr>
@@ -7146,7 +4625,7 @@
           </p:nvSpPr>
           <p:spPr>
             <a:xfrm>
-              <a:off x="7304674" y="1479332"/>
+              <a:off x="1520328" y="3173453"/>
               <a:ext cx="1404000" cy="1404000"/>
             </a:xfrm>
             <a:prstGeom prst="rect">
@@ -7186,10 +4665,10 @@
         </p:sp>
         <p:grpSp>
           <p:nvGrpSpPr>
-            <p:cNvPr id="9" name="组合 8">
+            <p:cNvPr id="19" name="组合 18">
               <a:extLst>
                 <a:ext uri="{FF2B5EF4-FFF2-40B4-BE49-F238E27FC236}">
-                  <a16:creationId xmlns:a16="http://schemas.microsoft.com/office/drawing/2014/main" id="{D3952CFB-8309-4B74-95C9-765958DBC458}"/>
+                  <a16:creationId xmlns:a16="http://schemas.microsoft.com/office/drawing/2014/main" id="{9E8B130A-47E0-4BEE-9ECD-CC04467C4BAA}"/>
                 </a:ext>
               </a:extLst>
             </p:cNvPr>
@@ -7198,18 +4677,18 @@
           </p:nvGrpSpPr>
           <p:grpSpPr>
             <a:xfrm>
-              <a:off x="7726237" y="1674512"/>
-              <a:ext cx="560873" cy="1013637"/>
-              <a:chOff x="5183435" y="2517354"/>
-              <a:chExt cx="535647" cy="1009617"/>
+              <a:off x="1747526" y="3534942"/>
+              <a:ext cx="949604" cy="638759"/>
+              <a:chOff x="1747525" y="3429000"/>
+              <a:chExt cx="949604" cy="638759"/>
             </a:xfrm>
           </p:grpSpPr>
           <p:sp>
             <p:nvSpPr>
-              <p:cNvPr id="4" name="矩形: 圆角 3">
+              <p:cNvPr id="75" name="矩形: 圆角 74">
                 <a:extLst>
                   <a:ext uri="{FF2B5EF4-FFF2-40B4-BE49-F238E27FC236}">
-                    <a16:creationId xmlns:a16="http://schemas.microsoft.com/office/drawing/2014/main" id="{B57CD4BF-EB72-420F-980B-B2FC024E32AA}"/>
+                    <a16:creationId xmlns:a16="http://schemas.microsoft.com/office/drawing/2014/main" id="{76B7D22F-66F3-41A1-8854-5777892E978E}"/>
                   </a:ext>
                 </a:extLst>
               </p:cNvPr>
@@ -7218,8 +4697,8 @@
             </p:nvSpPr>
             <p:spPr>
               <a:xfrm>
-                <a:off x="5183435" y="2517354"/>
-                <a:ext cx="535647" cy="1009617"/>
+                <a:off x="1747526" y="3429000"/>
+                <a:ext cx="949603" cy="127665"/>
               </a:xfrm>
               <a:prstGeom prst="roundRect">
                 <a:avLst>
@@ -7227,17 +4706,10 @@
                 </a:avLst>
               </a:prstGeom>
               <a:solidFill>
-                <a:schemeClr val="bg1">
-                  <a:lumMod val="95000"/>
-                </a:schemeClr>
+                <a:srgbClr val="D6CED1"/>
               </a:solidFill>
               <a:ln w="76200">
-                <a:solidFill>
-                  <a:schemeClr val="tx1">
-                    <a:lumMod val="65000"/>
-                    <a:lumOff val="35000"/>
-                  </a:schemeClr>
-                </a:solidFill>
+                <a:noFill/>
               </a:ln>
             </p:spPr>
             <p:style>
@@ -7265,62 +4737,302 @@
               </a:p>
             </p:txBody>
           </p:sp>
-          <p:cxnSp>
-            <p:nvCxnSpPr>
-              <p:cNvPr id="5" name="直接箭头连接符 4">
+          <p:sp>
+            <p:nvSpPr>
+              <p:cNvPr id="76" name="矩形: 圆角 75">
                 <a:extLst>
                   <a:ext uri="{FF2B5EF4-FFF2-40B4-BE49-F238E27FC236}">
-                    <a16:creationId xmlns:a16="http://schemas.microsoft.com/office/drawing/2014/main" id="{55B7DCBF-B84A-4F34-AA58-D11A9D60E97D}"/>
+                    <a16:creationId xmlns:a16="http://schemas.microsoft.com/office/drawing/2014/main" id="{BC4AF2EC-D208-4A13-B1A3-9D98D69FA200}"/>
                   </a:ext>
                 </a:extLst>
               </p:cNvPr>
-              <p:cNvCxnSpPr>
-                <a:cxnSpLocks/>
-                <a:stCxn id="4" idx="0"/>
-              </p:cNvCxnSpPr>
+              <p:cNvSpPr/>
               <p:nvPr/>
-            </p:nvCxnSpPr>
+            </p:nvSpPr>
             <p:spPr>
               <a:xfrm>
-                <a:off x="5451259" y="2517354"/>
-                <a:ext cx="0" cy="379082"/>
+                <a:off x="1747526" y="3684547"/>
+                <a:ext cx="949603" cy="127665"/>
               </a:xfrm>
-              <a:prstGeom prst="straightConnector1">
-                <a:avLst/>
+              <a:prstGeom prst="roundRect">
+                <a:avLst>
+                  <a:gd name="adj" fmla="val 50000"/>
+                </a:avLst>
               </a:prstGeom>
-              <a:ln w="76200" cap="rnd">
-                <a:solidFill>
-                  <a:schemeClr val="tx1">
-                    <a:lumMod val="65000"/>
-                    <a:lumOff val="35000"/>
-                  </a:schemeClr>
-                </a:solidFill>
-                <a:round/>
+              <a:solidFill>
+                <a:srgbClr val="D6CED1"/>
+              </a:solidFill>
+              <a:ln w="76200">
+                <a:noFill/>
               </a:ln>
             </p:spPr>
             <p:style>
-              <a:lnRef idx="1">
-                <a:schemeClr val="accent1"/>
+              <a:lnRef idx="2">
+                <a:schemeClr val="accent1">
+                  <a:shade val="50000"/>
+                </a:schemeClr>
               </a:lnRef>
-              <a:fillRef idx="0">
+              <a:fillRef idx="1">
                 <a:schemeClr val="accent1"/>
               </a:fillRef>
               <a:effectRef idx="0">
                 <a:schemeClr val="accent1"/>
               </a:effectRef>
               <a:fontRef idx="minor">
-                <a:schemeClr val="tx1"/>
+                <a:schemeClr val="lt1"/>
               </a:fontRef>
             </p:style>
-          </p:cxnSp>
+            <p:txBody>
+              <a:bodyPr rtlCol="0" anchor="ctr"/>
+              <a:lstStyle/>
+              <a:p>
+                <a:pPr algn="ctr"/>
+                <a:endParaRPr lang="zh-CN" altLang="en-US"/>
+              </a:p>
+            </p:txBody>
+          </p:sp>
+          <p:sp>
+            <p:nvSpPr>
+              <p:cNvPr id="77" name="矩形: 圆角 76">
+                <a:extLst>
+                  <a:ext uri="{FF2B5EF4-FFF2-40B4-BE49-F238E27FC236}">
+                    <a16:creationId xmlns:a16="http://schemas.microsoft.com/office/drawing/2014/main" id="{9F146B93-0550-4D7D-8740-6D8DB3FAADF2}"/>
+                  </a:ext>
+                </a:extLst>
+              </p:cNvPr>
+              <p:cNvSpPr/>
+              <p:nvPr/>
+            </p:nvSpPr>
+            <p:spPr>
+              <a:xfrm>
+                <a:off x="1747525" y="3940094"/>
+                <a:ext cx="949603" cy="127665"/>
+              </a:xfrm>
+              <a:prstGeom prst="roundRect">
+                <a:avLst>
+                  <a:gd name="adj" fmla="val 50000"/>
+                </a:avLst>
+              </a:prstGeom>
+              <a:solidFill>
+                <a:srgbClr val="D6CED1"/>
+              </a:solidFill>
+              <a:ln w="76200">
+                <a:noFill/>
+              </a:ln>
+            </p:spPr>
+            <p:style>
+              <a:lnRef idx="2">
+                <a:schemeClr val="accent1">
+                  <a:shade val="50000"/>
+                </a:schemeClr>
+              </a:lnRef>
+              <a:fillRef idx="1">
+                <a:schemeClr val="accent1"/>
+              </a:fillRef>
+              <a:effectRef idx="0">
+                <a:schemeClr val="accent1"/>
+              </a:effectRef>
+              <a:fontRef idx="minor">
+                <a:schemeClr val="lt1"/>
+              </a:fontRef>
+            </p:style>
+            <p:txBody>
+              <a:bodyPr rtlCol="0" anchor="ctr"/>
+              <a:lstStyle/>
+              <a:p>
+                <a:pPr algn="ctr"/>
+                <a:endParaRPr lang="zh-CN" altLang="en-US"/>
+              </a:p>
+            </p:txBody>
+          </p:sp>
+        </p:grpSp>
+        <p:grpSp>
+          <p:nvGrpSpPr>
+            <p:cNvPr id="78" name="组合 77">
+              <a:extLst>
+                <a:ext uri="{FF2B5EF4-FFF2-40B4-BE49-F238E27FC236}">
+                  <a16:creationId xmlns:a16="http://schemas.microsoft.com/office/drawing/2014/main" id="{AC50D995-51C1-47AF-8424-78C47D59A4DB}"/>
+                </a:ext>
+              </a:extLst>
+            </p:cNvPr>
+            <p:cNvGrpSpPr/>
+            <p:nvPr/>
+          </p:nvGrpSpPr>
+          <p:grpSpPr>
+            <a:xfrm>
+              <a:off x="1747526" y="3534942"/>
+              <a:ext cx="195821" cy="638759"/>
+              <a:chOff x="1747525" y="3429000"/>
+              <a:chExt cx="949604" cy="638759"/>
+            </a:xfrm>
+            <a:solidFill>
+              <a:srgbClr val="B8ACAD"/>
+            </a:solidFill>
+          </p:grpSpPr>
+          <p:sp>
+            <p:nvSpPr>
+              <p:cNvPr id="79" name="矩形: 圆角 78">
+                <a:extLst>
+                  <a:ext uri="{FF2B5EF4-FFF2-40B4-BE49-F238E27FC236}">
+                    <a16:creationId xmlns:a16="http://schemas.microsoft.com/office/drawing/2014/main" id="{8CB0945B-DACD-45D8-A225-8B3354E89763}"/>
+                  </a:ext>
+                </a:extLst>
+              </p:cNvPr>
+              <p:cNvSpPr/>
+              <p:nvPr/>
+            </p:nvSpPr>
+            <p:spPr>
+              <a:xfrm>
+                <a:off x="1747526" y="3429000"/>
+                <a:ext cx="949603" cy="127665"/>
+              </a:xfrm>
+              <a:prstGeom prst="roundRect">
+                <a:avLst>
+                  <a:gd name="adj" fmla="val 50000"/>
+                </a:avLst>
+              </a:prstGeom>
+              <a:grpFill/>
+              <a:ln w="76200">
+                <a:noFill/>
+              </a:ln>
+            </p:spPr>
+            <p:style>
+              <a:lnRef idx="2">
+                <a:schemeClr val="accent1">
+                  <a:shade val="50000"/>
+                </a:schemeClr>
+              </a:lnRef>
+              <a:fillRef idx="1">
+                <a:schemeClr val="accent1"/>
+              </a:fillRef>
+              <a:effectRef idx="0">
+                <a:schemeClr val="accent1"/>
+              </a:effectRef>
+              <a:fontRef idx="minor">
+                <a:schemeClr val="lt1"/>
+              </a:fontRef>
+            </p:style>
+            <p:txBody>
+              <a:bodyPr rtlCol="0" anchor="ctr"/>
+              <a:lstStyle/>
+              <a:p>
+                <a:pPr algn="ctr"/>
+                <a:endParaRPr lang="zh-CN" altLang="en-US"/>
+              </a:p>
+            </p:txBody>
+          </p:sp>
+          <p:sp>
+            <p:nvSpPr>
+              <p:cNvPr id="80" name="矩形: 圆角 79">
+                <a:extLst>
+                  <a:ext uri="{FF2B5EF4-FFF2-40B4-BE49-F238E27FC236}">
+                    <a16:creationId xmlns:a16="http://schemas.microsoft.com/office/drawing/2014/main" id="{667CD4FC-B7EF-4421-97F5-223DF4822E13}"/>
+                  </a:ext>
+                </a:extLst>
+              </p:cNvPr>
+              <p:cNvSpPr/>
+              <p:nvPr/>
+            </p:nvSpPr>
+            <p:spPr>
+              <a:xfrm>
+                <a:off x="1747526" y="3684547"/>
+                <a:ext cx="949603" cy="127665"/>
+              </a:xfrm>
+              <a:prstGeom prst="roundRect">
+                <a:avLst>
+                  <a:gd name="adj" fmla="val 50000"/>
+                </a:avLst>
+              </a:prstGeom>
+              <a:grpFill/>
+              <a:ln w="76200">
+                <a:noFill/>
+              </a:ln>
+            </p:spPr>
+            <p:style>
+              <a:lnRef idx="2">
+                <a:schemeClr val="accent1">
+                  <a:shade val="50000"/>
+                </a:schemeClr>
+              </a:lnRef>
+              <a:fillRef idx="1">
+                <a:schemeClr val="accent1"/>
+              </a:fillRef>
+              <a:effectRef idx="0">
+                <a:schemeClr val="accent1"/>
+              </a:effectRef>
+              <a:fontRef idx="minor">
+                <a:schemeClr val="lt1"/>
+              </a:fontRef>
+            </p:style>
+            <p:txBody>
+              <a:bodyPr rtlCol="0" anchor="ctr"/>
+              <a:lstStyle/>
+              <a:p>
+                <a:pPr algn="ctr"/>
+                <a:endParaRPr lang="zh-CN" altLang="en-US"/>
+              </a:p>
+            </p:txBody>
+          </p:sp>
+          <p:sp>
+            <p:nvSpPr>
+              <p:cNvPr id="81" name="矩形: 圆角 80">
+                <a:extLst>
+                  <a:ext uri="{FF2B5EF4-FFF2-40B4-BE49-F238E27FC236}">
+                    <a16:creationId xmlns:a16="http://schemas.microsoft.com/office/drawing/2014/main" id="{1EEAEF92-FC54-42CD-AD59-FD681923D9A8}"/>
+                  </a:ext>
+                </a:extLst>
+              </p:cNvPr>
+              <p:cNvSpPr/>
+              <p:nvPr/>
+            </p:nvSpPr>
+            <p:spPr>
+              <a:xfrm>
+                <a:off x="1747525" y="3940094"/>
+                <a:ext cx="949603" cy="127665"/>
+              </a:xfrm>
+              <a:prstGeom prst="roundRect">
+                <a:avLst>
+                  <a:gd name="adj" fmla="val 50000"/>
+                </a:avLst>
+              </a:prstGeom>
+              <a:grpFill/>
+              <a:ln w="76200">
+                <a:noFill/>
+              </a:ln>
+            </p:spPr>
+            <p:style>
+              <a:lnRef idx="2">
+                <a:schemeClr val="accent1">
+                  <a:shade val="50000"/>
+                </a:schemeClr>
+              </a:lnRef>
+              <a:fillRef idx="1">
+                <a:schemeClr val="accent1"/>
+              </a:fillRef>
+              <a:effectRef idx="0">
+                <a:schemeClr val="accent1"/>
+              </a:effectRef>
+              <a:fontRef idx="minor">
+                <a:schemeClr val="lt1"/>
+              </a:fontRef>
+            </p:style>
+            <p:txBody>
+              <a:bodyPr rtlCol="0" anchor="ctr"/>
+              <a:lstStyle/>
+              <a:p>
+                <a:pPr algn="ctr"/>
+                <a:endParaRPr lang="zh-CN" altLang="en-US"/>
+              </a:p>
+            </p:txBody>
+          </p:sp>
         </p:grpSp>
       </p:grpSp>
       <p:grpSp>
         <p:nvGrpSpPr>
-          <p:cNvPr id="70" name="组合 69">
-            <a:extLst>
-              <a:ext uri="{FF2B5EF4-FFF2-40B4-BE49-F238E27FC236}">
-                <a16:creationId xmlns:a16="http://schemas.microsoft.com/office/drawing/2014/main" id="{FD934526-F6CE-4D2C-B692-4F28D4EECD41}"/>
+          <p:cNvPr id="31" name="组合 30">
+            <a:extLst>
+              <a:ext uri="{FF2B5EF4-FFF2-40B4-BE49-F238E27FC236}">
+                <a16:creationId xmlns:a16="http://schemas.microsoft.com/office/drawing/2014/main" id="{D0396CD4-0841-407A-B8F7-82250148BDDC}"/>
               </a:ext>
             </a:extLst>
           </p:cNvPr>
@@ -7329,18 +5041,18 @@
         </p:nvGrpSpPr>
         <p:grpSpPr>
           <a:xfrm>
-            <a:off x="9354657" y="1479332"/>
-            <a:ext cx="1404000" cy="1404000"/>
-            <a:chOff x="9354657" y="1479332"/>
+            <a:off x="2300428" y="2266756"/>
+            <a:ext cx="652576" cy="652576"/>
+            <a:chOff x="3198691" y="3173453"/>
             <a:chExt cx="1404000" cy="1404000"/>
           </a:xfrm>
         </p:grpSpPr>
         <p:sp>
           <p:nvSpPr>
-            <p:cNvPr id="58" name="矩形 57">
+            <p:cNvPr id="83" name="矩形 82">
               <a:extLst>
                 <a:ext uri="{FF2B5EF4-FFF2-40B4-BE49-F238E27FC236}">
-                  <a16:creationId xmlns:a16="http://schemas.microsoft.com/office/drawing/2014/main" id="{4F3455A8-1376-4091-83F8-6CAE4C769B51}"/>
+                  <a16:creationId xmlns:a16="http://schemas.microsoft.com/office/drawing/2014/main" id="{8789DF39-F20A-45C3-8CD8-FF97337CC316}"/>
                 </a:ext>
               </a:extLst>
             </p:cNvPr>
@@ -7349,7 +5061,7 @@
           </p:nvSpPr>
           <p:spPr>
             <a:xfrm>
-              <a:off x="9354657" y="1479332"/>
+              <a:off x="3198691" y="3173453"/>
               <a:ext cx="1404000" cy="1404000"/>
             </a:xfrm>
             <a:prstGeom prst="rect">
@@ -7389,10 +5101,10 @@
         </p:sp>
         <p:grpSp>
           <p:nvGrpSpPr>
-            <p:cNvPr id="25" name="组合 24">
+            <p:cNvPr id="22" name="组合 21">
               <a:extLst>
                 <a:ext uri="{FF2B5EF4-FFF2-40B4-BE49-F238E27FC236}">
-                  <a16:creationId xmlns:a16="http://schemas.microsoft.com/office/drawing/2014/main" id="{8CCF84AF-1A48-410E-98CE-5C5C370C987C}"/>
+                  <a16:creationId xmlns:a16="http://schemas.microsoft.com/office/drawing/2014/main" id="{A8248EE6-3378-4AC3-B610-C39F54BAD0D6}"/>
                 </a:ext>
               </a:extLst>
             </p:cNvPr>
@@ -7401,18 +5113,18 @@
           </p:nvGrpSpPr>
           <p:grpSpPr>
             <a:xfrm>
-              <a:off x="9776220" y="1674512"/>
-              <a:ext cx="560873" cy="1013637"/>
-              <a:chOff x="3063580" y="1674515"/>
-              <a:chExt cx="560873" cy="1013637"/>
+              <a:off x="3486691" y="3461453"/>
+              <a:ext cx="828000" cy="828000"/>
+              <a:chOff x="3443491" y="3402202"/>
+              <a:chExt cx="828000" cy="828000"/>
             </a:xfrm>
           </p:grpSpPr>
           <p:sp>
             <p:nvSpPr>
-              <p:cNvPr id="21" name="任意多边形: 形状 20">
+              <p:cNvPr id="92" name="矩形: 圆角 91">
                 <a:extLst>
                   <a:ext uri="{FF2B5EF4-FFF2-40B4-BE49-F238E27FC236}">
-                    <a16:creationId xmlns:a16="http://schemas.microsoft.com/office/drawing/2014/main" id="{C5B03FEB-DD61-4DF7-823E-B52E58EF1317}"/>
+                    <a16:creationId xmlns:a16="http://schemas.microsoft.com/office/drawing/2014/main" id="{7C1B54F0-202B-4F94-B03F-281BF88F88B7}"/>
                   </a:ext>
                 </a:extLst>
               </p:cNvPr>
@@ -7421,74 +5133,19 @@
             </p:nvSpPr>
             <p:spPr>
               <a:xfrm>
-                <a:off x="3063580" y="1674516"/>
-                <a:ext cx="280437" cy="380591"/>
+                <a:off x="3443491" y="3402202"/>
+                <a:ext cx="828000" cy="828000"/>
               </a:xfrm>
-              <a:custGeom>
-                <a:avLst/>
-                <a:gdLst>
-                  <a:gd name="connsiteX0" fmla="*/ 280437 w 280437"/>
-                  <a:gd name="connsiteY0" fmla="*/ 0 h 380591"/>
-                  <a:gd name="connsiteX1" fmla="*/ 280437 w 280437"/>
-                  <a:gd name="connsiteY1" fmla="*/ 380591 h 380591"/>
-                  <a:gd name="connsiteX2" fmla="*/ 0 w 280437"/>
-                  <a:gd name="connsiteY2" fmla="*/ 380591 h 380591"/>
-                  <a:gd name="connsiteX3" fmla="*/ 0 w 280437"/>
-                  <a:gd name="connsiteY3" fmla="*/ 280437 h 380591"/>
-                  <a:gd name="connsiteX4" fmla="*/ 280437 w 280437"/>
-                  <a:gd name="connsiteY4" fmla="*/ 0 h 380591"/>
-                </a:gdLst>
-                <a:ahLst/>
-                <a:cxnLst>
-                  <a:cxn ang="0">
-                    <a:pos x="connsiteX0" y="connsiteY0"/>
-                  </a:cxn>
-                  <a:cxn ang="0">
-                    <a:pos x="connsiteX1" y="connsiteY1"/>
-                  </a:cxn>
-                  <a:cxn ang="0">
-                    <a:pos x="connsiteX2" y="connsiteY2"/>
-                  </a:cxn>
-                  <a:cxn ang="0">
-                    <a:pos x="connsiteX3" y="connsiteY3"/>
-                  </a:cxn>
-                  <a:cxn ang="0">
-                    <a:pos x="connsiteX4" y="connsiteY4"/>
-                  </a:cxn>
-                </a:cxnLst>
-                <a:rect l="l" t="t" r="r" b="b"/>
-                <a:pathLst>
-                  <a:path w="280437" h="380591">
-                    <a:moveTo>
-                      <a:pt x="280437" y="0"/>
-                    </a:moveTo>
-                    <a:lnTo>
-                      <a:pt x="280437" y="380591"/>
-                    </a:lnTo>
-                    <a:lnTo>
-                      <a:pt x="0" y="380591"/>
-                    </a:lnTo>
-                    <a:lnTo>
-                      <a:pt x="0" y="280437"/>
-                    </a:lnTo>
-                    <a:cubicBezTo>
-                      <a:pt x="0" y="125556"/>
-                      <a:pt x="125556" y="0"/>
-                      <a:pt x="280437" y="0"/>
-                    </a:cubicBezTo>
-                    <a:close/>
-                  </a:path>
-                </a:pathLst>
-              </a:custGeom>
-              <a:solidFill>
-                <a:schemeClr val="tx1">
-                  <a:lumMod val="65000"/>
-                  <a:lumOff val="35000"/>
-                  <a:alpha val="75000"/>
-                </a:schemeClr>
-              </a:solidFill>
-              <a:ln w="76200">
-                <a:noFill/>
+              <a:prstGeom prst="roundRect">
+                <a:avLst>
+                  <a:gd name="adj" fmla="val 23039"/>
+                </a:avLst>
+              </a:prstGeom>
+              <a:noFill/>
+              <a:ln w="28575">
+                <a:solidFill>
+                  <a:srgbClr val="D6CED1"/>
+                </a:solidFill>
               </a:ln>
             </p:spPr>
             <p:style>
@@ -7508,9 +5165,7 @@
               </a:fontRef>
             </p:style>
             <p:txBody>
-              <a:bodyPr wrap="square" rtlCol="0" anchor="ctr">
-                <a:noAutofit/>
-              </a:bodyPr>
+              <a:bodyPr rtlCol="0" anchor="ctr"/>
               <a:lstStyle/>
               <a:p>
                 <a:pPr algn="ctr"/>
@@ -7520,10 +5175,10 @@
           </p:sp>
           <p:sp>
             <p:nvSpPr>
-              <p:cNvPr id="15" name="矩形: 圆角 14">
+              <p:cNvPr id="93" name="椭圆 92">
                 <a:extLst>
                   <a:ext uri="{FF2B5EF4-FFF2-40B4-BE49-F238E27FC236}">
-                    <a16:creationId xmlns:a16="http://schemas.microsoft.com/office/drawing/2014/main" id="{22514FF1-A304-4A6F-BFCA-1C7979C70B55}"/>
+                    <a16:creationId xmlns:a16="http://schemas.microsoft.com/office/drawing/2014/main" id="{4FA201C2-0325-4BF5-ADC0-5073C923B1BF}"/>
                   </a:ext>
                 </a:extLst>
               </p:cNvPr>
@@ -7532,22 +5187,17 @@
             </p:nvSpPr>
             <p:spPr>
               <a:xfrm>
-                <a:off x="3063580" y="1674515"/>
-                <a:ext cx="560873" cy="1013637"/>
+                <a:off x="3683426" y="3624615"/>
+                <a:ext cx="350225" cy="363552"/>
               </a:xfrm>
-              <a:prstGeom prst="roundRect">
-                <a:avLst>
-                  <a:gd name="adj" fmla="val 50000"/>
-                </a:avLst>
+              <a:prstGeom prst="ellipse">
+                <a:avLst/>
               </a:prstGeom>
-              <a:noFill/>
+              <a:solidFill>
+                <a:srgbClr val="B8ACAD"/>
+              </a:solidFill>
               <a:ln w="76200">
-                <a:solidFill>
-                  <a:schemeClr val="tx1">
-                    <a:lumMod val="65000"/>
-                    <a:lumOff val="35000"/>
-                  </a:schemeClr>
-                </a:solidFill>
+                <a:noFill/>
               </a:ln>
             </p:spPr>
             <p:style>
@@ -7590,7 +5240,7 @@
 </p:sld>
 </file>
 
-<file path=ppt/slides/slide6.xml><?xml version="1.0" encoding="utf-8"?>
+<file path=ppt/slides/slide2.xml><?xml version="1.0" encoding="utf-8"?>
 <p:sld xmlns:a="http://schemas.openxmlformats.org/drawingml/2006/main" xmlns:r="http://schemas.openxmlformats.org/officeDocument/2006/relationships" xmlns:p="http://schemas.openxmlformats.org/presentationml/2006/main">
   <p:cSld>
     <p:spTree>
@@ -7607,6 +5257,56 @@
           <a:chExt cx="0" cy="0"/>
         </a:xfrm>
       </p:grpSpPr>
+      <p:sp>
+        <p:nvSpPr>
+          <p:cNvPr id="35" name="矩形 34">
+            <a:extLst>
+              <a:ext uri="{FF2B5EF4-FFF2-40B4-BE49-F238E27FC236}">
+                <a16:creationId xmlns:a16="http://schemas.microsoft.com/office/drawing/2014/main" id="{6DFFED45-A759-446F-BFE7-5DF2506A3B22}"/>
+              </a:ext>
+            </a:extLst>
+          </p:cNvPr>
+          <p:cNvSpPr/>
+          <p:nvPr/>
+        </p:nvSpPr>
+        <p:spPr>
+          <a:xfrm>
+            <a:off x="7005918" y="1237129"/>
+            <a:ext cx="1492623" cy="1494233"/>
+          </a:xfrm>
+          <a:prstGeom prst="rect">
+            <a:avLst/>
+          </a:prstGeom>
+          <a:noFill/>
+          <a:ln>
+            <a:noFill/>
+          </a:ln>
+        </p:spPr>
+        <p:style>
+          <a:lnRef idx="2">
+            <a:schemeClr val="accent1">
+              <a:shade val="50000"/>
+            </a:schemeClr>
+          </a:lnRef>
+          <a:fillRef idx="1">
+            <a:schemeClr val="accent1"/>
+          </a:fillRef>
+          <a:effectRef idx="0">
+            <a:schemeClr val="accent1"/>
+          </a:effectRef>
+          <a:fontRef idx="minor">
+            <a:schemeClr val="lt1"/>
+          </a:fontRef>
+        </p:style>
+        <p:txBody>
+          <a:bodyPr rtlCol="0" anchor="ctr"/>
+          <a:lstStyle/>
+          <a:p>
+            <a:pPr algn="ctr"/>
+            <a:endParaRPr lang="zh-CN" altLang="en-US"/>
+          </a:p>
+        </p:txBody>
+      </p:sp>
       <p:sp>
         <p:nvSpPr>
           <p:cNvPr id="23" name="矩形: 圆角 22">
@@ -8220,6 +5920,454 @@
           </a:p>
         </p:txBody>
       </p:sp>
+      <p:grpSp>
+        <p:nvGrpSpPr>
+          <p:cNvPr id="32" name="组合 31">
+            <a:extLst>
+              <a:ext uri="{FF2B5EF4-FFF2-40B4-BE49-F238E27FC236}">
+                <a16:creationId xmlns:a16="http://schemas.microsoft.com/office/drawing/2014/main" id="{1584E8D5-4653-4ADB-B543-2C41F7DA1978}"/>
+              </a:ext>
+            </a:extLst>
+          </p:cNvPr>
+          <p:cNvGrpSpPr/>
+          <p:nvPr/>
+        </p:nvGrpSpPr>
+        <p:grpSpPr>
+          <a:xfrm>
+            <a:off x="7217771" y="1469742"/>
+            <a:ext cx="1068916" cy="1029006"/>
+            <a:chOff x="7209271" y="1462853"/>
+            <a:chExt cx="1068916" cy="1029006"/>
+          </a:xfrm>
+        </p:grpSpPr>
+        <p:sp>
+          <p:nvSpPr>
+            <p:cNvPr id="29" name="等腰三角形 28">
+              <a:extLst>
+                <a:ext uri="{FF2B5EF4-FFF2-40B4-BE49-F238E27FC236}">
+                  <a16:creationId xmlns:a16="http://schemas.microsoft.com/office/drawing/2014/main" id="{254184FD-8D97-4783-AC2D-DD6C44E6A79A}"/>
+                </a:ext>
+              </a:extLst>
+            </p:cNvPr>
+            <p:cNvSpPr/>
+            <p:nvPr/>
+          </p:nvSpPr>
+          <p:spPr>
+            <a:xfrm>
+              <a:off x="7619704" y="1815588"/>
+              <a:ext cx="658483" cy="676271"/>
+            </a:xfrm>
+            <a:prstGeom prst="triangle">
+              <a:avLst/>
+            </a:prstGeom>
+            <a:solidFill>
+              <a:srgbClr val="D0F8F5"/>
+            </a:solidFill>
+            <a:ln>
+              <a:noFill/>
+            </a:ln>
+          </p:spPr>
+          <p:style>
+            <a:lnRef idx="2">
+              <a:schemeClr val="accent1">
+                <a:shade val="50000"/>
+              </a:schemeClr>
+            </a:lnRef>
+            <a:fillRef idx="1">
+              <a:schemeClr val="accent1"/>
+            </a:fillRef>
+            <a:effectRef idx="0">
+              <a:schemeClr val="accent1"/>
+            </a:effectRef>
+            <a:fontRef idx="minor">
+              <a:schemeClr val="lt1"/>
+            </a:fontRef>
+          </p:style>
+          <p:txBody>
+            <a:bodyPr rtlCol="0" anchor="ctr"/>
+            <a:lstStyle/>
+            <a:p>
+              <a:pPr algn="ctr"/>
+              <a:endParaRPr lang="zh-CN" altLang="en-US"/>
+            </a:p>
+          </p:txBody>
+        </p:sp>
+        <p:sp>
+          <p:nvSpPr>
+            <p:cNvPr id="47" name="任意多边形: 形状 46">
+              <a:extLst>
+                <a:ext uri="{FF2B5EF4-FFF2-40B4-BE49-F238E27FC236}">
+                  <a16:creationId xmlns:a16="http://schemas.microsoft.com/office/drawing/2014/main" id="{0116E92E-602A-4298-B089-FD7CF42A1C66}"/>
+                </a:ext>
+              </a:extLst>
+            </p:cNvPr>
+            <p:cNvSpPr/>
+            <p:nvPr/>
+          </p:nvSpPr>
+          <p:spPr>
+            <a:xfrm>
+              <a:off x="7929912" y="2131475"/>
+              <a:ext cx="348275" cy="360384"/>
+            </a:xfrm>
+            <a:custGeom>
+              <a:avLst/>
+              <a:gdLst>
+                <a:gd name="connsiteX0" fmla="*/ 172823 w 348275"/>
+                <a:gd name="connsiteY0" fmla="*/ 0 h 360384"/>
+                <a:gd name="connsiteX1" fmla="*/ 348275 w 348275"/>
+                <a:gd name="connsiteY1" fmla="*/ 360384 h 360384"/>
+                <a:gd name="connsiteX2" fmla="*/ 2067 w 348275"/>
+                <a:gd name="connsiteY2" fmla="*/ 360384 h 360384"/>
+                <a:gd name="connsiteX3" fmla="*/ 0 w 348275"/>
+                <a:gd name="connsiteY3" fmla="*/ 337134 h 360384"/>
+                <a:gd name="connsiteX4" fmla="*/ 152031 w 348275"/>
+                <a:gd name="connsiteY4" fmla="*/ 12801 h 360384"/>
+              </a:gdLst>
+              <a:ahLst/>
+              <a:cxnLst>
+                <a:cxn ang="0">
+                  <a:pos x="connsiteX0" y="connsiteY0"/>
+                </a:cxn>
+                <a:cxn ang="0">
+                  <a:pos x="connsiteX1" y="connsiteY1"/>
+                </a:cxn>
+                <a:cxn ang="0">
+                  <a:pos x="connsiteX2" y="connsiteY2"/>
+                </a:cxn>
+                <a:cxn ang="0">
+                  <a:pos x="connsiteX3" y="connsiteY3"/>
+                </a:cxn>
+                <a:cxn ang="0">
+                  <a:pos x="connsiteX4" y="connsiteY4"/>
+                </a:cxn>
+              </a:cxnLst>
+              <a:rect l="l" t="t" r="r" b="b"/>
+              <a:pathLst>
+                <a:path w="348275" h="360384">
+                  <a:moveTo>
+                    <a:pt x="172823" y="0"/>
+                  </a:moveTo>
+                  <a:lnTo>
+                    <a:pt x="348275" y="360384"/>
+                  </a:lnTo>
+                  <a:lnTo>
+                    <a:pt x="2067" y="360384"/>
+                  </a:lnTo>
+                  <a:lnTo>
+                    <a:pt x="0" y="337134"/>
+                  </a:lnTo>
+                  <a:cubicBezTo>
+                    <a:pt x="0" y="202124"/>
+                    <a:pt x="60307" y="83091"/>
+                    <a:pt x="152031" y="12801"/>
+                  </a:cubicBezTo>
+                  <a:close/>
+                </a:path>
+              </a:pathLst>
+            </a:custGeom>
+            <a:solidFill>
+              <a:srgbClr val="E8FCFB"/>
+            </a:solidFill>
+            <a:ln>
+              <a:noFill/>
+            </a:ln>
+          </p:spPr>
+          <p:style>
+            <a:lnRef idx="2">
+              <a:schemeClr val="accent1">
+                <a:shade val="50000"/>
+              </a:schemeClr>
+            </a:lnRef>
+            <a:fillRef idx="1">
+              <a:schemeClr val="accent1"/>
+            </a:fillRef>
+            <a:effectRef idx="0">
+              <a:schemeClr val="accent1"/>
+            </a:effectRef>
+            <a:fontRef idx="minor">
+              <a:schemeClr val="lt1"/>
+            </a:fontRef>
+          </p:style>
+          <p:txBody>
+            <a:bodyPr wrap="square" rtlCol="0" anchor="ctr">
+              <a:noAutofit/>
+            </a:bodyPr>
+            <a:lstStyle/>
+            <a:p>
+              <a:pPr algn="ctr"/>
+              <a:endParaRPr lang="zh-CN" altLang="en-US"/>
+            </a:p>
+          </p:txBody>
+        </p:sp>
+        <p:sp>
+          <p:nvSpPr>
+            <p:cNvPr id="9" name="等腰三角形 8">
+              <a:extLst>
+                <a:ext uri="{FF2B5EF4-FFF2-40B4-BE49-F238E27FC236}">
+                  <a16:creationId xmlns:a16="http://schemas.microsoft.com/office/drawing/2014/main" id="{3C67E0A2-6DC1-4CE0-8181-573AA2129D20}"/>
+                </a:ext>
+              </a:extLst>
+            </p:cNvPr>
+            <p:cNvSpPr/>
+            <p:nvPr/>
+          </p:nvSpPr>
+          <p:spPr>
+            <a:xfrm>
+              <a:off x="7209271" y="1462854"/>
+              <a:ext cx="873041" cy="1029005"/>
+            </a:xfrm>
+            <a:prstGeom prst="triangle">
+              <a:avLst/>
+            </a:prstGeom>
+            <a:solidFill>
+              <a:srgbClr val="5FE5DD"/>
+            </a:solidFill>
+            <a:ln>
+              <a:noFill/>
+            </a:ln>
+          </p:spPr>
+          <p:style>
+            <a:lnRef idx="2">
+              <a:schemeClr val="accent1">
+                <a:shade val="50000"/>
+              </a:schemeClr>
+            </a:lnRef>
+            <a:fillRef idx="1">
+              <a:schemeClr val="accent1"/>
+            </a:fillRef>
+            <a:effectRef idx="0">
+              <a:schemeClr val="accent1"/>
+            </a:effectRef>
+            <a:fontRef idx="minor">
+              <a:schemeClr val="lt1"/>
+            </a:fontRef>
+          </p:style>
+          <p:txBody>
+            <a:bodyPr rtlCol="0" anchor="ctr"/>
+            <a:lstStyle/>
+            <a:p>
+              <a:pPr algn="ctr"/>
+              <a:endParaRPr lang="zh-CN" altLang="en-US"/>
+            </a:p>
+          </p:txBody>
+        </p:sp>
+        <p:sp>
+          <p:nvSpPr>
+            <p:cNvPr id="28" name="任意多边形: 形状 27">
+              <a:extLst>
+                <a:ext uri="{FF2B5EF4-FFF2-40B4-BE49-F238E27FC236}">
+                  <a16:creationId xmlns:a16="http://schemas.microsoft.com/office/drawing/2014/main" id="{D0C4FFB6-C938-4EC4-B2AE-5B071C59DD99}"/>
+                </a:ext>
+              </a:extLst>
+            </p:cNvPr>
+            <p:cNvSpPr/>
+            <p:nvPr/>
+          </p:nvSpPr>
+          <p:spPr>
+            <a:xfrm>
+              <a:off x="7419315" y="1462853"/>
+              <a:ext cx="450166" cy="606313"/>
+            </a:xfrm>
+            <a:custGeom>
+              <a:avLst/>
+              <a:gdLst>
+                <a:gd name="connsiteX0" fmla="*/ 224705 w 450166"/>
+                <a:gd name="connsiteY0" fmla="*/ 0 h 606313"/>
+                <a:gd name="connsiteX1" fmla="*/ 450166 w 450166"/>
+                <a:gd name="connsiteY1" fmla="*/ 531478 h 606313"/>
+                <a:gd name="connsiteX2" fmla="*/ 396391 w 450166"/>
+                <a:gd name="connsiteY2" fmla="*/ 565881 h 606313"/>
+                <a:gd name="connsiteX3" fmla="*/ 226477 w 450166"/>
+                <a:gd name="connsiteY3" fmla="*/ 606313 h 606313"/>
+                <a:gd name="connsiteX4" fmla="*/ 56563 w 450166"/>
+                <a:gd name="connsiteY4" fmla="*/ 565881 h 606313"/>
+                <a:gd name="connsiteX5" fmla="*/ 0 w 450166"/>
+                <a:gd name="connsiteY5" fmla="*/ 529695 h 606313"/>
+              </a:gdLst>
+              <a:ahLst/>
+              <a:cxnLst>
+                <a:cxn ang="0">
+                  <a:pos x="connsiteX0" y="connsiteY0"/>
+                </a:cxn>
+                <a:cxn ang="0">
+                  <a:pos x="connsiteX1" y="connsiteY1"/>
+                </a:cxn>
+                <a:cxn ang="0">
+                  <a:pos x="connsiteX2" y="connsiteY2"/>
+                </a:cxn>
+                <a:cxn ang="0">
+                  <a:pos x="connsiteX3" y="connsiteY3"/>
+                </a:cxn>
+                <a:cxn ang="0">
+                  <a:pos x="connsiteX4" y="connsiteY4"/>
+                </a:cxn>
+                <a:cxn ang="0">
+                  <a:pos x="connsiteX5" y="connsiteY5"/>
+                </a:cxn>
+              </a:cxnLst>
+              <a:rect l="l" t="t" r="r" b="b"/>
+              <a:pathLst>
+                <a:path w="450166" h="606313">
+                  <a:moveTo>
+                    <a:pt x="224705" y="0"/>
+                  </a:moveTo>
+                  <a:lnTo>
+                    <a:pt x="450166" y="531478"/>
+                  </a:lnTo>
+                  <a:lnTo>
+                    <a:pt x="396391" y="565881"/>
+                  </a:lnTo>
+                  <a:cubicBezTo>
+                    <a:pt x="344166" y="591916"/>
+                    <a:pt x="286748" y="606313"/>
+                    <a:pt x="226477" y="606313"/>
+                  </a:cubicBezTo>
+                  <a:cubicBezTo>
+                    <a:pt x="166206" y="606313"/>
+                    <a:pt x="108788" y="591916"/>
+                    <a:pt x="56563" y="565881"/>
+                  </a:cubicBezTo>
+                  <a:lnTo>
+                    <a:pt x="0" y="529695"/>
+                  </a:lnTo>
+                  <a:close/>
+                </a:path>
+              </a:pathLst>
+            </a:custGeom>
+            <a:solidFill>
+              <a:srgbClr val="9BEFE9"/>
+            </a:solidFill>
+            <a:ln>
+              <a:noFill/>
+            </a:ln>
+          </p:spPr>
+          <p:style>
+            <a:lnRef idx="2">
+              <a:schemeClr val="accent1">
+                <a:shade val="50000"/>
+              </a:schemeClr>
+            </a:lnRef>
+            <a:fillRef idx="1">
+              <a:schemeClr val="accent1"/>
+            </a:fillRef>
+            <a:effectRef idx="0">
+              <a:schemeClr val="accent1"/>
+            </a:effectRef>
+            <a:fontRef idx="minor">
+              <a:schemeClr val="lt1"/>
+            </a:fontRef>
+          </p:style>
+          <p:txBody>
+            <a:bodyPr wrap="square" rtlCol="0" anchor="ctr">
+              <a:noAutofit/>
+            </a:bodyPr>
+            <a:lstStyle/>
+            <a:p>
+              <a:pPr algn="ctr"/>
+              <a:endParaRPr lang="zh-CN" altLang="en-US"/>
+            </a:p>
+          </p:txBody>
+        </p:sp>
+        <p:sp>
+          <p:nvSpPr>
+            <p:cNvPr id="33" name="任意多边形: 形状 32">
+              <a:extLst>
+                <a:ext uri="{FF2B5EF4-FFF2-40B4-BE49-F238E27FC236}">
+                  <a16:creationId xmlns:a16="http://schemas.microsoft.com/office/drawing/2014/main" id="{0FF5AB3B-2F8C-456D-AA69-3BF4674AD1BB}"/>
+                </a:ext>
+              </a:extLst>
+            </p:cNvPr>
+            <p:cNvSpPr/>
+            <p:nvPr/>
+          </p:nvSpPr>
+          <p:spPr>
+            <a:xfrm>
+              <a:off x="7648256" y="1462854"/>
+              <a:ext cx="436521" cy="1029005"/>
+            </a:xfrm>
+            <a:custGeom>
+              <a:avLst/>
+              <a:gdLst>
+                <a:gd name="connsiteX0" fmla="*/ 1 w 436521"/>
+                <a:gd name="connsiteY0" fmla="*/ 0 h 1029005"/>
+                <a:gd name="connsiteX1" fmla="*/ 436521 w 436521"/>
+                <a:gd name="connsiteY1" fmla="*/ 1029005 h 1029005"/>
+                <a:gd name="connsiteX2" fmla="*/ 0 w 436521"/>
+                <a:gd name="connsiteY2" fmla="*/ 1029005 h 1029005"/>
+                <a:gd name="connsiteX3" fmla="*/ 0 w 436521"/>
+                <a:gd name="connsiteY3" fmla="*/ 3 h 1029005"/>
+              </a:gdLst>
+              <a:ahLst/>
+              <a:cxnLst>
+                <a:cxn ang="0">
+                  <a:pos x="connsiteX0" y="connsiteY0"/>
+                </a:cxn>
+                <a:cxn ang="0">
+                  <a:pos x="connsiteX1" y="connsiteY1"/>
+                </a:cxn>
+                <a:cxn ang="0">
+                  <a:pos x="connsiteX2" y="connsiteY2"/>
+                </a:cxn>
+                <a:cxn ang="0">
+                  <a:pos x="connsiteX3" y="connsiteY3"/>
+                </a:cxn>
+              </a:cxnLst>
+              <a:rect l="l" t="t" r="r" b="b"/>
+              <a:pathLst>
+                <a:path w="436521" h="1029005">
+                  <a:moveTo>
+                    <a:pt x="1" y="0"/>
+                  </a:moveTo>
+                  <a:lnTo>
+                    <a:pt x="436521" y="1029005"/>
+                  </a:lnTo>
+                  <a:lnTo>
+                    <a:pt x="0" y="1029005"/>
+                  </a:lnTo>
+                  <a:lnTo>
+                    <a:pt x="0" y="3"/>
+                  </a:lnTo>
+                  <a:close/>
+                </a:path>
+              </a:pathLst>
+            </a:custGeom>
+            <a:solidFill>
+              <a:schemeClr val="bg1">
+                <a:alpha val="40000"/>
+              </a:schemeClr>
+            </a:solidFill>
+            <a:ln>
+              <a:noFill/>
+            </a:ln>
+          </p:spPr>
+          <p:style>
+            <a:lnRef idx="2">
+              <a:schemeClr val="accent1">
+                <a:shade val="50000"/>
+              </a:schemeClr>
+            </a:lnRef>
+            <a:fillRef idx="1">
+              <a:schemeClr val="accent1"/>
+            </a:fillRef>
+            <a:effectRef idx="0">
+              <a:schemeClr val="accent1"/>
+            </a:effectRef>
+            <a:fontRef idx="minor">
+              <a:schemeClr val="lt1"/>
+            </a:fontRef>
+          </p:style>
+          <p:txBody>
+            <a:bodyPr wrap="square" rtlCol="0" anchor="ctr">
+              <a:noAutofit/>
+            </a:bodyPr>
+            <a:lstStyle/>
+            <a:p>
+              <a:pPr algn="ctr"/>
+              <a:endParaRPr lang="zh-CN" altLang="en-US"/>
+            </a:p>
+          </p:txBody>
+        </p:sp>
+      </p:grpSp>
     </p:spTree>
     <p:extLst>
       <p:ext uri="{BB962C8B-B14F-4D97-AF65-F5344CB8AC3E}">

--- a/UI.pptx
+++ b/UI.pptx
@@ -260,7 +260,7 @@
           <a:p>
             <a:fld id="{F3BA182F-79D5-4EF3-A581-738F691F52DF}" type="datetimeFigureOut">
               <a:rPr lang="zh-CN" altLang="en-US" smtClean="0"/>
-              <a:t>2019/4/26</a:t>
+              <a:t>2019/4/27</a:t>
             </a:fld>
             <a:endParaRPr lang="zh-CN" altLang="en-US"/>
           </a:p>
@@ -458,7 +458,7 @@
           <a:p>
             <a:fld id="{F3BA182F-79D5-4EF3-A581-738F691F52DF}" type="datetimeFigureOut">
               <a:rPr lang="zh-CN" altLang="en-US" smtClean="0"/>
-              <a:t>2019/4/26</a:t>
+              <a:t>2019/4/27</a:t>
             </a:fld>
             <a:endParaRPr lang="zh-CN" altLang="en-US"/>
           </a:p>
@@ -666,7 +666,7 @@
           <a:p>
             <a:fld id="{F3BA182F-79D5-4EF3-A581-738F691F52DF}" type="datetimeFigureOut">
               <a:rPr lang="zh-CN" altLang="en-US" smtClean="0"/>
-              <a:t>2019/4/26</a:t>
+              <a:t>2019/4/27</a:t>
             </a:fld>
             <a:endParaRPr lang="zh-CN" altLang="en-US"/>
           </a:p>
@@ -864,7 +864,7 @@
           <a:p>
             <a:fld id="{F3BA182F-79D5-4EF3-A581-738F691F52DF}" type="datetimeFigureOut">
               <a:rPr lang="zh-CN" altLang="en-US" smtClean="0"/>
-              <a:t>2019/4/26</a:t>
+              <a:t>2019/4/27</a:t>
             </a:fld>
             <a:endParaRPr lang="zh-CN" altLang="en-US"/>
           </a:p>
@@ -1139,7 +1139,7 @@
           <a:p>
             <a:fld id="{F3BA182F-79D5-4EF3-A581-738F691F52DF}" type="datetimeFigureOut">
               <a:rPr lang="zh-CN" altLang="en-US" smtClean="0"/>
-              <a:t>2019/4/26</a:t>
+              <a:t>2019/4/27</a:t>
             </a:fld>
             <a:endParaRPr lang="zh-CN" altLang="en-US"/>
           </a:p>
@@ -1404,7 +1404,7 @@
           <a:p>
             <a:fld id="{F3BA182F-79D5-4EF3-A581-738F691F52DF}" type="datetimeFigureOut">
               <a:rPr lang="zh-CN" altLang="en-US" smtClean="0"/>
-              <a:t>2019/4/26</a:t>
+              <a:t>2019/4/27</a:t>
             </a:fld>
             <a:endParaRPr lang="zh-CN" altLang="en-US"/>
           </a:p>
@@ -1816,7 +1816,7 @@
           <a:p>
             <a:fld id="{F3BA182F-79D5-4EF3-A581-738F691F52DF}" type="datetimeFigureOut">
               <a:rPr lang="zh-CN" altLang="en-US" smtClean="0"/>
-              <a:t>2019/4/26</a:t>
+              <a:t>2019/4/27</a:t>
             </a:fld>
             <a:endParaRPr lang="zh-CN" altLang="en-US"/>
           </a:p>
@@ -1957,7 +1957,7 @@
           <a:p>
             <a:fld id="{F3BA182F-79D5-4EF3-A581-738F691F52DF}" type="datetimeFigureOut">
               <a:rPr lang="zh-CN" altLang="en-US" smtClean="0"/>
-              <a:t>2019/4/26</a:t>
+              <a:t>2019/4/27</a:t>
             </a:fld>
             <a:endParaRPr lang="zh-CN" altLang="en-US"/>
           </a:p>
@@ -2070,7 +2070,7 @@
           <a:p>
             <a:fld id="{F3BA182F-79D5-4EF3-A581-738F691F52DF}" type="datetimeFigureOut">
               <a:rPr lang="zh-CN" altLang="en-US" smtClean="0"/>
-              <a:t>2019/4/26</a:t>
+              <a:t>2019/4/27</a:t>
             </a:fld>
             <a:endParaRPr lang="zh-CN" altLang="en-US"/>
           </a:p>
@@ -2381,7 +2381,7 @@
           <a:p>
             <a:fld id="{F3BA182F-79D5-4EF3-A581-738F691F52DF}" type="datetimeFigureOut">
               <a:rPr lang="zh-CN" altLang="en-US" smtClean="0"/>
-              <a:t>2019/4/26</a:t>
+              <a:t>2019/4/27</a:t>
             </a:fld>
             <a:endParaRPr lang="zh-CN" altLang="en-US"/>
           </a:p>
@@ -2669,7 +2669,7 @@
           <a:p>
             <a:fld id="{F3BA182F-79D5-4EF3-A581-738F691F52DF}" type="datetimeFigureOut">
               <a:rPr lang="zh-CN" altLang="en-US" smtClean="0"/>
-              <a:t>2019/4/26</a:t>
+              <a:t>2019/4/27</a:t>
             </a:fld>
             <a:endParaRPr lang="zh-CN" altLang="en-US"/>
           </a:p>
@@ -2910,7 +2910,7 @@
           <a:p>
             <a:fld id="{F3BA182F-79D5-4EF3-A581-738F691F52DF}" type="datetimeFigureOut">
               <a:rPr lang="zh-CN" altLang="en-US" smtClean="0"/>
-              <a:t>2019/4/26</a:t>
+              <a:t>2019/4/27</a:t>
             </a:fld>
             <a:endParaRPr lang="zh-CN" altLang="en-US"/>
           </a:p>
@@ -5243,6 +5243,14 @@
 <file path=ppt/slides/slide2.xml><?xml version="1.0" encoding="utf-8"?>
 <p:sld xmlns:a="http://schemas.openxmlformats.org/drawingml/2006/main" xmlns:r="http://schemas.openxmlformats.org/officeDocument/2006/relationships" xmlns:p="http://schemas.openxmlformats.org/presentationml/2006/main">
   <p:cSld>
+    <p:bg>
+      <p:bgPr>
+        <a:solidFill>
+          <a:schemeClr val="bg1"/>
+        </a:solidFill>
+        <a:effectLst/>
+      </p:bgPr>
+    </p:bg>
     <p:spTree>
       <p:nvGrpSpPr>
         <p:cNvPr id="1" name=""/>
@@ -5259,25 +5267,270 @@
       </p:grpSpPr>
       <p:sp>
         <p:nvSpPr>
-          <p:cNvPr id="35" name="矩形 34">
-            <a:extLst>
-              <a:ext uri="{FF2B5EF4-FFF2-40B4-BE49-F238E27FC236}">
-                <a16:creationId xmlns:a16="http://schemas.microsoft.com/office/drawing/2014/main" id="{6DFFED45-A759-446F-BFE7-5DF2506A3B22}"/>
-              </a:ext>
-            </a:extLst>
-          </p:cNvPr>
-          <p:cNvSpPr/>
+          <p:cNvPr id="4" name="矩形 3">
+            <a:extLst>
+              <a:ext uri="{FF2B5EF4-FFF2-40B4-BE49-F238E27FC236}">
+                <a16:creationId xmlns:a16="http://schemas.microsoft.com/office/drawing/2014/main" id="{5C34D88C-D461-4008-BF8F-3CDFA86BF3A3}"/>
+              </a:ext>
+            </a:extLst>
+          </p:cNvPr>
+          <p:cNvSpPr>
+            <a:spLocks/>
+          </p:cNvSpPr>
           <p:nvPr/>
         </p:nvSpPr>
         <p:spPr>
           <a:xfrm>
-            <a:off x="7005918" y="1237129"/>
-            <a:ext cx="1492623" cy="1494233"/>
+            <a:off x="5675478" y="1471055"/>
+            <a:ext cx="1512000" cy="1512000"/>
           </a:xfrm>
           <a:prstGeom prst="rect">
             <a:avLst/>
           </a:prstGeom>
           <a:noFill/>
+          <a:ln>
+            <a:noFill/>
+          </a:ln>
+        </p:spPr>
+        <p:style>
+          <a:lnRef idx="2">
+            <a:schemeClr val="accent1">
+              <a:shade val="50000"/>
+            </a:schemeClr>
+          </a:lnRef>
+          <a:fillRef idx="1">
+            <a:schemeClr val="accent1"/>
+          </a:fillRef>
+          <a:effectRef idx="0">
+            <a:schemeClr val="accent1"/>
+          </a:effectRef>
+          <a:fontRef idx="minor">
+            <a:schemeClr val="lt1"/>
+          </a:fontRef>
+        </p:style>
+        <p:txBody>
+          <a:bodyPr rtlCol="0" anchor="ctr"/>
+          <a:lstStyle/>
+          <a:p>
+            <a:pPr algn="ctr"/>
+            <a:endParaRPr lang="zh-CN" altLang="en-US"/>
+          </a:p>
+        </p:txBody>
+      </p:sp>
+      <p:grpSp>
+        <p:nvGrpSpPr>
+          <p:cNvPr id="5" name="组合 4">
+            <a:extLst>
+              <a:ext uri="{FF2B5EF4-FFF2-40B4-BE49-F238E27FC236}">
+                <a16:creationId xmlns:a16="http://schemas.microsoft.com/office/drawing/2014/main" id="{1B93D2FE-28D1-4701-8CC4-8C57C53F7719}"/>
+              </a:ext>
+            </a:extLst>
+          </p:cNvPr>
+          <p:cNvGrpSpPr/>
+          <p:nvPr/>
+        </p:nvGrpSpPr>
+        <p:grpSpPr>
+          <a:xfrm>
+            <a:off x="5685166" y="1461415"/>
+            <a:ext cx="1492624" cy="1531281"/>
+            <a:chOff x="5675478" y="1516860"/>
+            <a:chExt cx="1492624" cy="1531281"/>
+          </a:xfrm>
+        </p:grpSpPr>
+        <p:sp>
+          <p:nvSpPr>
+            <p:cNvPr id="26" name="矩形: 圆角 25">
+              <a:extLst>
+                <a:ext uri="{FF2B5EF4-FFF2-40B4-BE49-F238E27FC236}">
+                  <a16:creationId xmlns:a16="http://schemas.microsoft.com/office/drawing/2014/main" id="{E2F98AB9-F44B-4177-91FC-7022ECCC94AA}"/>
+                </a:ext>
+              </a:extLst>
+            </p:cNvPr>
+            <p:cNvSpPr>
+              <a:spLocks noChangeAspect="1"/>
+            </p:cNvSpPr>
+            <p:nvPr/>
+          </p:nvSpPr>
+          <p:spPr>
+            <a:xfrm>
+              <a:off x="5675479" y="1553908"/>
+              <a:ext cx="1492623" cy="1494233"/>
+            </a:xfrm>
+            <a:prstGeom prst="roundRect">
+              <a:avLst>
+                <a:gd name="adj" fmla="val 50000"/>
+              </a:avLst>
+            </a:prstGeom>
+            <a:solidFill>
+              <a:srgbClr val="EDEDF5"/>
+            </a:solidFill>
+            <a:ln>
+              <a:noFill/>
+            </a:ln>
+          </p:spPr>
+          <p:style>
+            <a:lnRef idx="2">
+              <a:schemeClr val="accent1">
+                <a:shade val="50000"/>
+              </a:schemeClr>
+            </a:lnRef>
+            <a:fillRef idx="1">
+              <a:schemeClr val="accent1"/>
+            </a:fillRef>
+            <a:effectRef idx="0">
+              <a:schemeClr val="accent1"/>
+            </a:effectRef>
+            <a:fontRef idx="minor">
+              <a:schemeClr val="lt1"/>
+            </a:fontRef>
+          </p:style>
+          <p:txBody>
+            <a:bodyPr rtlCol="0" anchor="ctr"/>
+            <a:lstStyle/>
+            <a:p>
+              <a:pPr algn="ctr"/>
+              <a:endParaRPr lang="zh-CN" altLang="en-US"/>
+            </a:p>
+          </p:txBody>
+        </p:sp>
+        <p:sp>
+          <p:nvSpPr>
+            <p:cNvPr id="30" name="矩形: 圆角 29">
+              <a:extLst>
+                <a:ext uri="{FF2B5EF4-FFF2-40B4-BE49-F238E27FC236}">
+                  <a16:creationId xmlns:a16="http://schemas.microsoft.com/office/drawing/2014/main" id="{175C0496-8E14-44E3-A2C2-2D8B59330D81}"/>
+                </a:ext>
+              </a:extLst>
+            </p:cNvPr>
+            <p:cNvSpPr/>
+            <p:nvPr/>
+          </p:nvSpPr>
+          <p:spPr>
+            <a:xfrm>
+              <a:off x="5675478" y="1516861"/>
+              <a:ext cx="1492623" cy="1494233"/>
+            </a:xfrm>
+            <a:prstGeom prst="roundRect">
+              <a:avLst>
+                <a:gd name="adj" fmla="val 50000"/>
+              </a:avLst>
+            </a:prstGeom>
+            <a:solidFill>
+              <a:schemeClr val="bg1"/>
+            </a:solidFill>
+            <a:ln>
+              <a:noFill/>
+            </a:ln>
+          </p:spPr>
+          <p:style>
+            <a:lnRef idx="2">
+              <a:schemeClr val="accent1">
+                <a:shade val="50000"/>
+              </a:schemeClr>
+            </a:lnRef>
+            <a:fillRef idx="1">
+              <a:schemeClr val="accent1"/>
+            </a:fillRef>
+            <a:effectRef idx="0">
+              <a:schemeClr val="accent1"/>
+            </a:effectRef>
+            <a:fontRef idx="minor">
+              <a:schemeClr val="lt1"/>
+            </a:fontRef>
+          </p:style>
+          <p:txBody>
+            <a:bodyPr rtlCol="0" anchor="ctr"/>
+            <a:lstStyle/>
+            <a:p>
+              <a:pPr algn="ctr"/>
+              <a:endParaRPr lang="zh-CN" altLang="en-US"/>
+            </a:p>
+          </p:txBody>
+        </p:sp>
+        <p:sp>
+          <p:nvSpPr>
+            <p:cNvPr id="27" name="矩形: 圆角 26">
+              <a:extLst>
+                <a:ext uri="{FF2B5EF4-FFF2-40B4-BE49-F238E27FC236}">
+                  <a16:creationId xmlns:a16="http://schemas.microsoft.com/office/drawing/2014/main" id="{D5FBBFBD-C4D0-4625-9D7F-B99C3D3BF2DA}"/>
+                </a:ext>
+              </a:extLst>
+            </p:cNvPr>
+            <p:cNvSpPr/>
+            <p:nvPr/>
+          </p:nvSpPr>
+          <p:spPr>
+            <a:xfrm>
+              <a:off x="5675478" y="1516860"/>
+              <a:ext cx="1492623" cy="1494233"/>
+            </a:xfrm>
+            <a:prstGeom prst="roundRect">
+              <a:avLst>
+                <a:gd name="adj" fmla="val 50000"/>
+              </a:avLst>
+            </a:prstGeom>
+            <a:blipFill dpi="0" rotWithShape="1">
+              <a:blip r:embed="rId2"/>
+              <a:srcRect/>
+              <a:stretch>
+                <a:fillRect/>
+              </a:stretch>
+            </a:blipFill>
+            <a:ln>
+              <a:noFill/>
+            </a:ln>
+          </p:spPr>
+          <p:style>
+            <a:lnRef idx="2">
+              <a:schemeClr val="accent1">
+                <a:shade val="50000"/>
+              </a:schemeClr>
+            </a:lnRef>
+            <a:fillRef idx="1">
+              <a:schemeClr val="accent1"/>
+            </a:fillRef>
+            <a:effectRef idx="0">
+              <a:schemeClr val="accent1"/>
+            </a:effectRef>
+            <a:fontRef idx="minor">
+              <a:schemeClr val="lt1"/>
+            </a:fontRef>
+          </p:style>
+          <p:txBody>
+            <a:bodyPr rtlCol="0" anchor="ctr"/>
+            <a:lstStyle/>
+            <a:p>
+              <a:pPr algn="ctr"/>
+              <a:endParaRPr lang="zh-CN" altLang="en-US"/>
+            </a:p>
+          </p:txBody>
+        </p:sp>
+      </p:grpSp>
+      <p:sp>
+        <p:nvSpPr>
+          <p:cNvPr id="22" name="矩形: 圆角 21">
+            <a:extLst>
+              <a:ext uri="{FF2B5EF4-FFF2-40B4-BE49-F238E27FC236}">
+                <a16:creationId xmlns:a16="http://schemas.microsoft.com/office/drawing/2014/main" id="{390B59D4-38CB-4E0D-8859-6FCA254503FA}"/>
+              </a:ext>
+            </a:extLst>
+          </p:cNvPr>
+          <p:cNvSpPr/>
+          <p:nvPr/>
+        </p:nvSpPr>
+        <p:spPr>
+          <a:xfrm>
+            <a:off x="3926657" y="1588140"/>
+            <a:ext cx="1492623" cy="1494233"/>
+          </a:xfrm>
+          <a:prstGeom prst="roundRect">
+            <a:avLst>
+              <a:gd name="adj" fmla="val 50000"/>
+            </a:avLst>
+          </a:prstGeom>
+          <a:solidFill>
+            <a:srgbClr val="EDEDF5"/>
+          </a:solidFill>
           <a:ln>
             <a:noFill/>
           </a:ln>
@@ -5920,6 +6173,60 @@
           </a:p>
         </p:txBody>
       </p:sp>
+      <p:sp>
+        <p:nvSpPr>
+          <p:cNvPr id="35" name="矩形: 圆角 34">
+            <a:extLst>
+              <a:ext uri="{FF2B5EF4-FFF2-40B4-BE49-F238E27FC236}">
+                <a16:creationId xmlns:a16="http://schemas.microsoft.com/office/drawing/2014/main" id="{6DFFED45-A759-446F-BFE7-5DF2506A3B22}"/>
+              </a:ext>
+            </a:extLst>
+          </p:cNvPr>
+          <p:cNvSpPr/>
+          <p:nvPr/>
+        </p:nvSpPr>
+        <p:spPr>
+          <a:xfrm>
+            <a:off x="3926657" y="1551093"/>
+            <a:ext cx="1492623" cy="1494233"/>
+          </a:xfrm>
+          <a:prstGeom prst="roundRect">
+            <a:avLst>
+              <a:gd name="adj" fmla="val 50000"/>
+            </a:avLst>
+          </a:prstGeom>
+          <a:solidFill>
+            <a:schemeClr val="bg1"/>
+          </a:solidFill>
+          <a:ln>
+            <a:noFill/>
+          </a:ln>
+        </p:spPr>
+        <p:style>
+          <a:lnRef idx="2">
+            <a:schemeClr val="accent1">
+              <a:shade val="50000"/>
+            </a:schemeClr>
+          </a:lnRef>
+          <a:fillRef idx="1">
+            <a:schemeClr val="accent1"/>
+          </a:fillRef>
+          <a:effectRef idx="0">
+            <a:schemeClr val="accent1"/>
+          </a:effectRef>
+          <a:fontRef idx="minor">
+            <a:schemeClr val="lt1"/>
+          </a:fontRef>
+        </p:style>
+        <p:txBody>
+          <a:bodyPr rtlCol="0" anchor="ctr"/>
+          <a:lstStyle/>
+          <a:p>
+            <a:pPr algn="ctr"/>
+            <a:endParaRPr lang="zh-CN" altLang="en-US"/>
+          </a:p>
+        </p:txBody>
+      </p:sp>
       <p:grpSp>
         <p:nvGrpSpPr>
           <p:cNvPr id="32" name="组合 31">
@@ -5929,13 +6236,15 @@
               </a:ext>
             </a:extLst>
           </p:cNvPr>
-          <p:cNvGrpSpPr/>
+          <p:cNvGrpSpPr>
+            <a:grpSpLocks noChangeAspect="1"/>
+          </p:cNvGrpSpPr>
           <p:nvPr/>
         </p:nvGrpSpPr>
         <p:grpSpPr>
           <a:xfrm>
-            <a:off x="7217771" y="1469742"/>
-            <a:ext cx="1068916" cy="1029006"/>
+            <a:off x="4186816" y="1796101"/>
+            <a:ext cx="972303" cy="936000"/>
             <a:chOff x="7209271" y="1462853"/>
             <a:chExt cx="1068916" cy="1029006"/>
           </a:xfrm>
@@ -5961,7 +6270,7 @@
               <a:avLst/>
             </a:prstGeom>
             <a:solidFill>
-              <a:srgbClr val="D0F8F5"/>
+              <a:srgbClr val="BDF5F1"/>
             </a:solidFill>
             <a:ln>
               <a:noFill/>
@@ -6066,7 +6375,7 @@
               </a:pathLst>
             </a:custGeom>
             <a:solidFill>
-              <a:srgbClr val="E8FCFB"/>
+              <a:srgbClr val="D4F8F5"/>
             </a:solidFill>
             <a:ln>
               <a:noFill/>
@@ -6165,7 +6474,7 @@
           </p:nvSpPr>
           <p:spPr>
             <a:xfrm>
-              <a:off x="7419315" y="1462853"/>
+              <a:off x="7427130" y="1462853"/>
               <a:ext cx="450166" cy="606313"/>
             </a:xfrm>
             <a:custGeom>

--- a/UI.pptx
+++ b/UI.pptx
@@ -7,6 +7,8 @@
   <p:sldIdLst>
     <p:sldId id="260" r:id="rId2"/>
     <p:sldId id="261" r:id="rId3"/>
+    <p:sldId id="262" r:id="rId4"/>
+    <p:sldId id="263" r:id="rId5"/>
   </p:sldIdLst>
   <p:sldSz cx="12192000" cy="6858000"/>
   <p:notesSz cx="6858000" cy="9144000"/>
@@ -260,7 +262,7 @@
           <a:p>
             <a:fld id="{F3BA182F-79D5-4EF3-A581-738F691F52DF}" type="datetimeFigureOut">
               <a:rPr lang="zh-CN" altLang="en-US" smtClean="0"/>
-              <a:t>2019/4/27</a:t>
+              <a:t>2019/4/30</a:t>
             </a:fld>
             <a:endParaRPr lang="zh-CN" altLang="en-US"/>
           </a:p>
@@ -458,7 +460,7 @@
           <a:p>
             <a:fld id="{F3BA182F-79D5-4EF3-A581-738F691F52DF}" type="datetimeFigureOut">
               <a:rPr lang="zh-CN" altLang="en-US" smtClean="0"/>
-              <a:t>2019/4/27</a:t>
+              <a:t>2019/4/30</a:t>
             </a:fld>
             <a:endParaRPr lang="zh-CN" altLang="en-US"/>
           </a:p>
@@ -666,7 +668,7 @@
           <a:p>
             <a:fld id="{F3BA182F-79D5-4EF3-A581-738F691F52DF}" type="datetimeFigureOut">
               <a:rPr lang="zh-CN" altLang="en-US" smtClean="0"/>
-              <a:t>2019/4/27</a:t>
+              <a:t>2019/4/30</a:t>
             </a:fld>
             <a:endParaRPr lang="zh-CN" altLang="en-US"/>
           </a:p>
@@ -864,7 +866,7 @@
           <a:p>
             <a:fld id="{F3BA182F-79D5-4EF3-A581-738F691F52DF}" type="datetimeFigureOut">
               <a:rPr lang="zh-CN" altLang="en-US" smtClean="0"/>
-              <a:t>2019/4/27</a:t>
+              <a:t>2019/4/30</a:t>
             </a:fld>
             <a:endParaRPr lang="zh-CN" altLang="en-US"/>
           </a:p>
@@ -1139,7 +1141,7 @@
           <a:p>
             <a:fld id="{F3BA182F-79D5-4EF3-A581-738F691F52DF}" type="datetimeFigureOut">
               <a:rPr lang="zh-CN" altLang="en-US" smtClean="0"/>
-              <a:t>2019/4/27</a:t>
+              <a:t>2019/4/30</a:t>
             </a:fld>
             <a:endParaRPr lang="zh-CN" altLang="en-US"/>
           </a:p>
@@ -1404,7 +1406,7 @@
           <a:p>
             <a:fld id="{F3BA182F-79D5-4EF3-A581-738F691F52DF}" type="datetimeFigureOut">
               <a:rPr lang="zh-CN" altLang="en-US" smtClean="0"/>
-              <a:t>2019/4/27</a:t>
+              <a:t>2019/4/30</a:t>
             </a:fld>
             <a:endParaRPr lang="zh-CN" altLang="en-US"/>
           </a:p>
@@ -1816,7 +1818,7 @@
           <a:p>
             <a:fld id="{F3BA182F-79D5-4EF3-A581-738F691F52DF}" type="datetimeFigureOut">
               <a:rPr lang="zh-CN" altLang="en-US" smtClean="0"/>
-              <a:t>2019/4/27</a:t>
+              <a:t>2019/4/30</a:t>
             </a:fld>
             <a:endParaRPr lang="zh-CN" altLang="en-US"/>
           </a:p>
@@ -1957,7 +1959,7 @@
           <a:p>
             <a:fld id="{F3BA182F-79D5-4EF3-A581-738F691F52DF}" type="datetimeFigureOut">
               <a:rPr lang="zh-CN" altLang="en-US" smtClean="0"/>
-              <a:t>2019/4/27</a:t>
+              <a:t>2019/4/30</a:t>
             </a:fld>
             <a:endParaRPr lang="zh-CN" altLang="en-US"/>
           </a:p>
@@ -2070,7 +2072,7 @@
           <a:p>
             <a:fld id="{F3BA182F-79D5-4EF3-A581-738F691F52DF}" type="datetimeFigureOut">
               <a:rPr lang="zh-CN" altLang="en-US" smtClean="0"/>
-              <a:t>2019/4/27</a:t>
+              <a:t>2019/4/30</a:t>
             </a:fld>
             <a:endParaRPr lang="zh-CN" altLang="en-US"/>
           </a:p>
@@ -2381,7 +2383,7 @@
           <a:p>
             <a:fld id="{F3BA182F-79D5-4EF3-A581-738F691F52DF}" type="datetimeFigureOut">
               <a:rPr lang="zh-CN" altLang="en-US" smtClean="0"/>
-              <a:t>2019/4/27</a:t>
+              <a:t>2019/4/30</a:t>
             </a:fld>
             <a:endParaRPr lang="zh-CN" altLang="en-US"/>
           </a:p>
@@ -2669,7 +2671,7 @@
           <a:p>
             <a:fld id="{F3BA182F-79D5-4EF3-A581-738F691F52DF}" type="datetimeFigureOut">
               <a:rPr lang="zh-CN" altLang="en-US" smtClean="0"/>
-              <a:t>2019/4/27</a:t>
+              <a:t>2019/4/30</a:t>
             </a:fld>
             <a:endParaRPr lang="zh-CN" altLang="en-US"/>
           </a:p>
@@ -2910,7 +2912,7 @@
           <a:p>
             <a:fld id="{F3BA182F-79D5-4EF3-A581-738F691F52DF}" type="datetimeFigureOut">
               <a:rPr lang="zh-CN" altLang="en-US" smtClean="0"/>
-              <a:t>2019/4/27</a:t>
+              <a:t>2019/4/30</a:t>
             </a:fld>
             <a:endParaRPr lang="zh-CN" altLang="en-US"/>
           </a:p>
@@ -5331,7 +5333,7 @@
         </p:nvGrpSpPr>
         <p:grpSpPr>
           <a:xfrm>
-            <a:off x="5685166" y="1461415"/>
+            <a:off x="5877607" y="1556284"/>
             <a:ext cx="1492624" cy="1531281"/>
             <a:chOff x="5675478" y="1516860"/>
             <a:chExt cx="1492624" cy="1531281"/>
@@ -6690,6 +6692,2093 @@
 </p:sld>
 </file>
 
+<file path=ppt/slides/slide3.xml><?xml version="1.0" encoding="utf-8"?>
+<p:sld xmlns:a="http://schemas.openxmlformats.org/drawingml/2006/main" xmlns:r="http://schemas.openxmlformats.org/officeDocument/2006/relationships" xmlns:p="http://schemas.openxmlformats.org/presentationml/2006/main">
+  <p:cSld>
+    <p:spTree>
+      <p:nvGrpSpPr>
+        <p:cNvPr id="1" name=""/>
+        <p:cNvGrpSpPr/>
+        <p:nvPr/>
+      </p:nvGrpSpPr>
+      <p:grpSpPr>
+        <a:xfrm>
+          <a:off x="0" y="0"/>
+          <a:ext cx="0" cy="0"/>
+          <a:chOff x="0" y="0"/>
+          <a:chExt cx="0" cy="0"/>
+        </a:xfrm>
+      </p:grpSpPr>
+      <p:grpSp>
+        <p:nvGrpSpPr>
+          <p:cNvPr id="5" name="组合 4">
+            <a:extLst>
+              <a:ext uri="{FF2B5EF4-FFF2-40B4-BE49-F238E27FC236}">
+                <a16:creationId xmlns:a16="http://schemas.microsoft.com/office/drawing/2014/main" id="{1B93D2FE-28D1-4701-8CC4-8C57C53F7719}"/>
+              </a:ext>
+            </a:extLst>
+          </p:cNvPr>
+          <p:cNvGrpSpPr/>
+          <p:nvPr/>
+        </p:nvGrpSpPr>
+        <p:grpSpPr>
+          <a:xfrm>
+            <a:off x="2473077" y="2681883"/>
+            <a:ext cx="1492623" cy="1494234"/>
+            <a:chOff x="5675478" y="1516860"/>
+            <a:chExt cx="1492623" cy="1494234"/>
+          </a:xfrm>
+        </p:grpSpPr>
+        <p:sp>
+          <p:nvSpPr>
+            <p:cNvPr id="30" name="矩形: 圆角 29">
+              <a:extLst>
+                <a:ext uri="{FF2B5EF4-FFF2-40B4-BE49-F238E27FC236}">
+                  <a16:creationId xmlns:a16="http://schemas.microsoft.com/office/drawing/2014/main" id="{175C0496-8E14-44E3-A2C2-2D8B59330D81}"/>
+                </a:ext>
+              </a:extLst>
+            </p:cNvPr>
+            <p:cNvSpPr/>
+            <p:nvPr/>
+          </p:nvSpPr>
+          <p:spPr>
+            <a:xfrm>
+              <a:off x="5675478" y="1516861"/>
+              <a:ext cx="1492623" cy="1494233"/>
+            </a:xfrm>
+            <a:prstGeom prst="roundRect">
+              <a:avLst>
+                <a:gd name="adj" fmla="val 50000"/>
+              </a:avLst>
+            </a:prstGeom>
+            <a:solidFill>
+              <a:schemeClr val="bg1"/>
+            </a:solidFill>
+            <a:ln>
+              <a:noFill/>
+            </a:ln>
+            <a:effectLst>
+              <a:outerShdw blurRad="101600" dist="38100" dir="5400000" algn="t" rotWithShape="0">
+                <a:schemeClr val="tx1">
+                  <a:alpha val="20000"/>
+                </a:schemeClr>
+              </a:outerShdw>
+            </a:effectLst>
+          </p:spPr>
+          <p:style>
+            <a:lnRef idx="2">
+              <a:schemeClr val="accent1">
+                <a:shade val="50000"/>
+              </a:schemeClr>
+            </a:lnRef>
+            <a:fillRef idx="1">
+              <a:schemeClr val="accent1"/>
+            </a:fillRef>
+            <a:effectRef idx="0">
+              <a:schemeClr val="accent1"/>
+            </a:effectRef>
+            <a:fontRef idx="minor">
+              <a:schemeClr val="lt1"/>
+            </a:fontRef>
+          </p:style>
+          <p:txBody>
+            <a:bodyPr rtlCol="0" anchor="ctr"/>
+            <a:lstStyle/>
+            <a:p>
+              <a:pPr algn="ctr"/>
+              <a:endParaRPr lang="zh-CN" altLang="en-US"/>
+            </a:p>
+          </p:txBody>
+        </p:sp>
+        <p:sp>
+          <p:nvSpPr>
+            <p:cNvPr id="27" name="矩形: 圆角 26">
+              <a:extLst>
+                <a:ext uri="{FF2B5EF4-FFF2-40B4-BE49-F238E27FC236}">
+                  <a16:creationId xmlns:a16="http://schemas.microsoft.com/office/drawing/2014/main" id="{D5FBBFBD-C4D0-4625-9D7F-B99C3D3BF2DA}"/>
+                </a:ext>
+              </a:extLst>
+            </p:cNvPr>
+            <p:cNvSpPr/>
+            <p:nvPr/>
+          </p:nvSpPr>
+          <p:spPr>
+            <a:xfrm>
+              <a:off x="5675478" y="1516860"/>
+              <a:ext cx="1492623" cy="1494233"/>
+            </a:xfrm>
+            <a:prstGeom prst="roundRect">
+              <a:avLst>
+                <a:gd name="adj" fmla="val 50000"/>
+              </a:avLst>
+            </a:prstGeom>
+            <a:blipFill dpi="0" rotWithShape="1">
+              <a:blip r:embed="rId2"/>
+              <a:srcRect/>
+              <a:stretch>
+                <a:fillRect/>
+              </a:stretch>
+            </a:blipFill>
+            <a:ln>
+              <a:noFill/>
+            </a:ln>
+          </p:spPr>
+          <p:style>
+            <a:lnRef idx="2">
+              <a:schemeClr val="accent1">
+                <a:shade val="50000"/>
+              </a:schemeClr>
+            </a:lnRef>
+            <a:fillRef idx="1">
+              <a:schemeClr val="accent1"/>
+            </a:fillRef>
+            <a:effectRef idx="0">
+              <a:schemeClr val="accent1"/>
+            </a:effectRef>
+            <a:fontRef idx="minor">
+              <a:schemeClr val="lt1"/>
+            </a:fontRef>
+          </p:style>
+          <p:txBody>
+            <a:bodyPr rtlCol="0" anchor="ctr"/>
+            <a:lstStyle/>
+            <a:p>
+              <a:pPr algn="ctr"/>
+              <a:endParaRPr lang="zh-CN" altLang="en-US"/>
+            </a:p>
+          </p:txBody>
+        </p:sp>
+      </p:grpSp>
+      <p:sp>
+        <p:nvSpPr>
+          <p:cNvPr id="23" name="矩形: 圆角 22">
+            <a:extLst>
+              <a:ext uri="{FF2B5EF4-FFF2-40B4-BE49-F238E27FC236}">
+                <a16:creationId xmlns:a16="http://schemas.microsoft.com/office/drawing/2014/main" id="{4E5ECD87-B485-4E6F-9956-145F41562FF7}"/>
+              </a:ext>
+            </a:extLst>
+          </p:cNvPr>
+          <p:cNvSpPr/>
+          <p:nvPr/>
+        </p:nvSpPr>
+        <p:spPr>
+          <a:xfrm>
+            <a:off x="1547388" y="272160"/>
+            <a:ext cx="648000" cy="648000"/>
+          </a:xfrm>
+          <a:prstGeom prst="roundRect">
+            <a:avLst>
+              <a:gd name="adj" fmla="val 50000"/>
+            </a:avLst>
+          </a:prstGeom>
+          <a:solidFill>
+            <a:srgbClr val="5FE5DD"/>
+          </a:solidFill>
+          <a:ln w="19050">
+            <a:noFill/>
+          </a:ln>
+        </p:spPr>
+        <p:style>
+          <a:lnRef idx="2">
+            <a:schemeClr val="accent1">
+              <a:shade val="50000"/>
+            </a:schemeClr>
+          </a:lnRef>
+          <a:fillRef idx="1">
+            <a:schemeClr val="accent1"/>
+          </a:fillRef>
+          <a:effectRef idx="0">
+            <a:schemeClr val="accent1"/>
+          </a:effectRef>
+          <a:fontRef idx="minor">
+            <a:schemeClr val="lt1"/>
+          </a:fontRef>
+        </p:style>
+        <p:txBody>
+          <a:bodyPr rtlCol="0" anchor="ctr"/>
+          <a:lstStyle/>
+          <a:p>
+            <a:pPr algn="ctr"/>
+            <a:endParaRPr lang="zh-CN" altLang="en-US"/>
+          </a:p>
+        </p:txBody>
+      </p:sp>
+      <p:sp>
+        <p:nvSpPr>
+          <p:cNvPr id="24" name="矩形: 圆角 23">
+            <a:extLst>
+              <a:ext uri="{FF2B5EF4-FFF2-40B4-BE49-F238E27FC236}">
+                <a16:creationId xmlns:a16="http://schemas.microsoft.com/office/drawing/2014/main" id="{45E09B75-67F4-4F89-B760-1EFE16250094}"/>
+              </a:ext>
+            </a:extLst>
+          </p:cNvPr>
+          <p:cNvSpPr/>
+          <p:nvPr/>
+        </p:nvSpPr>
+        <p:spPr>
+          <a:xfrm>
+            <a:off x="555313" y="272160"/>
+            <a:ext cx="648000" cy="648000"/>
+          </a:xfrm>
+          <a:prstGeom prst="roundRect">
+            <a:avLst>
+              <a:gd name="adj" fmla="val 50000"/>
+            </a:avLst>
+          </a:prstGeom>
+          <a:solidFill>
+            <a:srgbClr val="5FE5DD"/>
+          </a:solidFill>
+          <a:ln w="19050">
+            <a:noFill/>
+          </a:ln>
+        </p:spPr>
+        <p:style>
+          <a:lnRef idx="2">
+            <a:schemeClr val="accent1">
+              <a:shade val="50000"/>
+            </a:schemeClr>
+          </a:lnRef>
+          <a:fillRef idx="1">
+            <a:schemeClr val="accent1"/>
+          </a:fillRef>
+          <a:effectRef idx="0">
+            <a:schemeClr val="accent1"/>
+          </a:effectRef>
+          <a:fontRef idx="minor">
+            <a:schemeClr val="lt1"/>
+          </a:fontRef>
+        </p:style>
+        <p:txBody>
+          <a:bodyPr rtlCol="0" anchor="ctr"/>
+          <a:lstStyle/>
+          <a:p>
+            <a:pPr algn="ctr"/>
+            <a:endParaRPr lang="zh-CN" altLang="en-US"/>
+          </a:p>
+        </p:txBody>
+      </p:sp>
+      <p:grpSp>
+        <p:nvGrpSpPr>
+          <p:cNvPr id="71" name="组合 70">
+            <a:extLst>
+              <a:ext uri="{FF2B5EF4-FFF2-40B4-BE49-F238E27FC236}">
+                <a16:creationId xmlns:a16="http://schemas.microsoft.com/office/drawing/2014/main" id="{81FB3B35-2318-4457-95DC-C520B75AE75F}"/>
+              </a:ext>
+            </a:extLst>
+          </p:cNvPr>
+          <p:cNvGrpSpPr/>
+          <p:nvPr/>
+        </p:nvGrpSpPr>
+        <p:grpSpPr>
+          <a:xfrm>
+            <a:off x="7030437" y="2645258"/>
+            <a:ext cx="663905" cy="663905"/>
+            <a:chOff x="5598211" y="2485999"/>
+            <a:chExt cx="252000" cy="252000"/>
+          </a:xfrm>
+        </p:grpSpPr>
+        <p:cxnSp>
+          <p:nvCxnSpPr>
+            <p:cNvPr id="49" name="直接连接符 48">
+              <a:extLst>
+                <a:ext uri="{FF2B5EF4-FFF2-40B4-BE49-F238E27FC236}">
+                  <a16:creationId xmlns:a16="http://schemas.microsoft.com/office/drawing/2014/main" id="{4AFC89BE-23B8-45FF-987D-E6560BFF3DCC}"/>
+                </a:ext>
+              </a:extLst>
+            </p:cNvPr>
+            <p:cNvCxnSpPr>
+              <a:cxnSpLocks/>
+            </p:cNvCxnSpPr>
+            <p:nvPr/>
+          </p:nvCxnSpPr>
+          <p:spPr>
+            <a:xfrm>
+              <a:off x="5599551" y="2601685"/>
+              <a:ext cx="250660" cy="0"/>
+            </a:xfrm>
+            <a:prstGeom prst="line">
+              <a:avLst/>
+            </a:prstGeom>
+            <a:ln w="76200" cap="rnd">
+              <a:solidFill>
+                <a:schemeClr val="tx1">
+                  <a:lumMod val="50000"/>
+                  <a:lumOff val="50000"/>
+                </a:schemeClr>
+              </a:solidFill>
+              <a:round/>
+            </a:ln>
+          </p:spPr>
+          <p:style>
+            <a:lnRef idx="1">
+              <a:schemeClr val="accent1"/>
+            </a:lnRef>
+            <a:fillRef idx="0">
+              <a:schemeClr val="accent1"/>
+            </a:fillRef>
+            <a:effectRef idx="0">
+              <a:schemeClr val="accent1"/>
+            </a:effectRef>
+            <a:fontRef idx="minor">
+              <a:schemeClr val="tx1"/>
+            </a:fontRef>
+          </p:style>
+        </p:cxnSp>
+        <p:sp>
+          <p:nvSpPr>
+            <p:cNvPr id="48" name="弧形 47">
+              <a:extLst>
+                <a:ext uri="{FF2B5EF4-FFF2-40B4-BE49-F238E27FC236}">
+                  <a16:creationId xmlns:a16="http://schemas.microsoft.com/office/drawing/2014/main" id="{A1B02804-B06D-4C16-8363-61CE38D605E4}"/>
+                </a:ext>
+              </a:extLst>
+            </p:cNvPr>
+            <p:cNvSpPr/>
+            <p:nvPr/>
+          </p:nvSpPr>
+          <p:spPr>
+            <a:xfrm>
+              <a:off x="5598211" y="2485999"/>
+              <a:ext cx="252000" cy="252000"/>
+            </a:xfrm>
+            <a:prstGeom prst="arc">
+              <a:avLst>
+                <a:gd name="adj1" fmla="val 1817991"/>
+                <a:gd name="adj2" fmla="val 21272467"/>
+              </a:avLst>
+            </a:prstGeom>
+            <a:ln w="76200" cap="rnd">
+              <a:solidFill>
+                <a:schemeClr val="tx1"/>
+              </a:solidFill>
+              <a:round/>
+            </a:ln>
+          </p:spPr>
+          <p:style>
+            <a:lnRef idx="1">
+              <a:schemeClr val="accent1"/>
+            </a:lnRef>
+            <a:fillRef idx="0">
+              <a:schemeClr val="accent1"/>
+            </a:fillRef>
+            <a:effectRef idx="0">
+              <a:schemeClr val="accent1"/>
+            </a:effectRef>
+            <a:fontRef idx="minor">
+              <a:schemeClr val="tx1"/>
+            </a:fontRef>
+          </p:style>
+          <p:txBody>
+            <a:bodyPr rtlCol="0" anchor="ctr"/>
+            <a:lstStyle/>
+            <a:p>
+              <a:pPr algn="ctr"/>
+              <a:endParaRPr lang="zh-CN" altLang="en-US"/>
+            </a:p>
+          </p:txBody>
+        </p:sp>
+      </p:grpSp>
+      <p:grpSp>
+        <p:nvGrpSpPr>
+          <p:cNvPr id="75" name="组合 74">
+            <a:extLst>
+              <a:ext uri="{FF2B5EF4-FFF2-40B4-BE49-F238E27FC236}">
+                <a16:creationId xmlns:a16="http://schemas.microsoft.com/office/drawing/2014/main" id="{B690163C-5BFE-4F9D-85B4-AAC5BC56FF23}"/>
+              </a:ext>
+            </a:extLst>
+          </p:cNvPr>
+          <p:cNvGrpSpPr/>
+          <p:nvPr/>
+        </p:nvGrpSpPr>
+        <p:grpSpPr>
+          <a:xfrm>
+            <a:off x="8066532" y="2645258"/>
+            <a:ext cx="312984" cy="663905"/>
+            <a:chOff x="6000369" y="2485999"/>
+            <a:chExt cx="118800" cy="252000"/>
+          </a:xfrm>
+        </p:grpSpPr>
+        <p:cxnSp>
+          <p:nvCxnSpPr>
+            <p:cNvPr id="50" name="直接连接符 49">
+              <a:extLst>
+                <a:ext uri="{FF2B5EF4-FFF2-40B4-BE49-F238E27FC236}">
+                  <a16:creationId xmlns:a16="http://schemas.microsoft.com/office/drawing/2014/main" id="{DA87BA15-9820-4056-A9D2-A9DD43EEE201}"/>
+                </a:ext>
+              </a:extLst>
+            </p:cNvPr>
+            <p:cNvCxnSpPr>
+              <a:cxnSpLocks/>
+            </p:cNvCxnSpPr>
+            <p:nvPr/>
+          </p:nvCxnSpPr>
+          <p:spPr>
+            <a:xfrm flipH="1">
+              <a:off x="6001038" y="2539804"/>
+              <a:ext cx="0" cy="198195"/>
+            </a:xfrm>
+            <a:prstGeom prst="line">
+              <a:avLst/>
+            </a:prstGeom>
+            <a:ln w="76200" cap="rnd">
+              <a:solidFill>
+                <a:schemeClr val="tx1"/>
+              </a:solidFill>
+              <a:round/>
+            </a:ln>
+          </p:spPr>
+          <p:style>
+            <a:lnRef idx="1">
+              <a:schemeClr val="accent1"/>
+            </a:lnRef>
+            <a:fillRef idx="0">
+              <a:schemeClr val="accent1"/>
+            </a:fillRef>
+            <a:effectRef idx="0">
+              <a:schemeClr val="accent1"/>
+            </a:effectRef>
+            <a:fontRef idx="minor">
+              <a:schemeClr val="tx1"/>
+            </a:fontRef>
+          </p:style>
+        </p:cxnSp>
+        <p:sp>
+          <p:nvSpPr>
+            <p:cNvPr id="51" name="弧形 50">
+              <a:extLst>
+                <a:ext uri="{FF2B5EF4-FFF2-40B4-BE49-F238E27FC236}">
+                  <a16:creationId xmlns:a16="http://schemas.microsoft.com/office/drawing/2014/main" id="{05B6D31A-DC6D-4CE1-BF67-A5EF0BFC166E}"/>
+                </a:ext>
+              </a:extLst>
+            </p:cNvPr>
+            <p:cNvSpPr/>
+            <p:nvPr/>
+          </p:nvSpPr>
+          <p:spPr>
+            <a:xfrm>
+              <a:off x="6000369" y="2485999"/>
+              <a:ext cx="118800" cy="118800"/>
+            </a:xfrm>
+            <a:prstGeom prst="arc">
+              <a:avLst>
+                <a:gd name="adj1" fmla="val 11124299"/>
+                <a:gd name="adj2" fmla="val 17866105"/>
+              </a:avLst>
+            </a:prstGeom>
+            <a:ln w="76200" cap="rnd">
+              <a:solidFill>
+                <a:schemeClr val="tx1"/>
+              </a:solidFill>
+              <a:round/>
+            </a:ln>
+          </p:spPr>
+          <p:style>
+            <a:lnRef idx="1">
+              <a:schemeClr val="accent1"/>
+            </a:lnRef>
+            <a:fillRef idx="0">
+              <a:schemeClr val="accent1"/>
+            </a:fillRef>
+            <a:effectRef idx="0">
+              <a:schemeClr val="accent1"/>
+            </a:effectRef>
+            <a:fontRef idx="minor">
+              <a:schemeClr val="tx1"/>
+            </a:fontRef>
+          </p:style>
+          <p:txBody>
+            <a:bodyPr rtlCol="0" anchor="ctr"/>
+            <a:lstStyle/>
+            <a:p>
+              <a:pPr algn="ctr"/>
+              <a:endParaRPr lang="zh-CN" altLang="en-US"/>
+            </a:p>
+          </p:txBody>
+        </p:sp>
+      </p:grpSp>
+      <p:grpSp>
+        <p:nvGrpSpPr>
+          <p:cNvPr id="70" name="组合 69">
+            <a:extLst>
+              <a:ext uri="{FF2B5EF4-FFF2-40B4-BE49-F238E27FC236}">
+                <a16:creationId xmlns:a16="http://schemas.microsoft.com/office/drawing/2014/main" id="{C3DFB8FF-027A-4004-A0D2-974ABAB6DBA2}"/>
+              </a:ext>
+            </a:extLst>
+          </p:cNvPr>
+          <p:cNvGrpSpPr/>
+          <p:nvPr/>
+        </p:nvGrpSpPr>
+        <p:grpSpPr>
+          <a:xfrm>
+            <a:off x="6022895" y="2780550"/>
+            <a:ext cx="635352" cy="528613"/>
+            <a:chOff x="5208895" y="2542553"/>
+            <a:chExt cx="241162" cy="200647"/>
+          </a:xfrm>
+        </p:grpSpPr>
+        <p:cxnSp>
+          <p:nvCxnSpPr>
+            <p:cNvPr id="52" name="直接连接符 51">
+              <a:extLst>
+                <a:ext uri="{FF2B5EF4-FFF2-40B4-BE49-F238E27FC236}">
+                  <a16:creationId xmlns:a16="http://schemas.microsoft.com/office/drawing/2014/main" id="{A0F72843-E342-4206-BBFF-889EE8C9C32F}"/>
+                </a:ext>
+              </a:extLst>
+            </p:cNvPr>
+            <p:cNvCxnSpPr>
+              <a:cxnSpLocks/>
+            </p:cNvCxnSpPr>
+            <p:nvPr/>
+          </p:nvCxnSpPr>
+          <p:spPr>
+            <a:xfrm>
+              <a:off x="5219470" y="2553586"/>
+              <a:ext cx="109218" cy="88566"/>
+            </a:xfrm>
+            <a:prstGeom prst="line">
+              <a:avLst/>
+            </a:prstGeom>
+            <a:ln w="76200" cap="rnd">
+              <a:solidFill>
+                <a:schemeClr val="tx1">
+                  <a:lumMod val="50000"/>
+                  <a:lumOff val="50000"/>
+                </a:schemeClr>
+              </a:solidFill>
+              <a:round/>
+            </a:ln>
+          </p:spPr>
+          <p:style>
+            <a:lnRef idx="1">
+              <a:schemeClr val="accent1"/>
+            </a:lnRef>
+            <a:fillRef idx="0">
+              <a:schemeClr val="accent1"/>
+            </a:fillRef>
+            <a:effectRef idx="0">
+              <a:schemeClr val="accent1"/>
+            </a:effectRef>
+            <a:fontRef idx="minor">
+              <a:schemeClr val="tx1"/>
+            </a:fontRef>
+          </p:style>
+        </p:cxnSp>
+        <p:cxnSp>
+          <p:nvCxnSpPr>
+            <p:cNvPr id="38" name="直接连接符 37">
+              <a:extLst>
+                <a:ext uri="{FF2B5EF4-FFF2-40B4-BE49-F238E27FC236}">
+                  <a16:creationId xmlns:a16="http://schemas.microsoft.com/office/drawing/2014/main" id="{A45B12B5-270C-494C-8D33-8FB78ED71159}"/>
+                </a:ext>
+              </a:extLst>
+            </p:cNvPr>
+            <p:cNvCxnSpPr>
+              <a:cxnSpLocks/>
+            </p:cNvCxnSpPr>
+            <p:nvPr/>
+          </p:nvCxnSpPr>
+          <p:spPr>
+            <a:xfrm flipH="1">
+              <a:off x="5328688" y="2545005"/>
+              <a:ext cx="119741" cy="97147"/>
+            </a:xfrm>
+            <a:prstGeom prst="line">
+              <a:avLst/>
+            </a:prstGeom>
+            <a:ln w="76200" cap="rnd">
+              <a:solidFill>
+                <a:schemeClr val="tx1"/>
+              </a:solidFill>
+              <a:round/>
+            </a:ln>
+          </p:spPr>
+          <p:style>
+            <a:lnRef idx="1">
+              <a:schemeClr val="accent1"/>
+            </a:lnRef>
+            <a:fillRef idx="0">
+              <a:schemeClr val="accent1"/>
+            </a:fillRef>
+            <a:effectRef idx="0">
+              <a:schemeClr val="accent1"/>
+            </a:effectRef>
+            <a:fontRef idx="minor">
+              <a:schemeClr val="tx1"/>
+            </a:fontRef>
+          </p:style>
+        </p:cxnSp>
+        <p:cxnSp>
+          <p:nvCxnSpPr>
+            <p:cNvPr id="40" name="直接连接符 39">
+              <a:extLst>
+                <a:ext uri="{FF2B5EF4-FFF2-40B4-BE49-F238E27FC236}">
+                  <a16:creationId xmlns:a16="http://schemas.microsoft.com/office/drawing/2014/main" id="{B7C98CE0-D706-4A88-AEDF-74A7C348E056}"/>
+                </a:ext>
+              </a:extLst>
+            </p:cNvPr>
+            <p:cNvCxnSpPr>
+              <a:cxnSpLocks/>
+            </p:cNvCxnSpPr>
+            <p:nvPr/>
+          </p:nvCxnSpPr>
+          <p:spPr>
+            <a:xfrm>
+              <a:off x="5450057" y="2542553"/>
+              <a:ext cx="0" cy="198137"/>
+            </a:xfrm>
+            <a:prstGeom prst="line">
+              <a:avLst/>
+            </a:prstGeom>
+            <a:ln w="76200" cap="rnd">
+              <a:solidFill>
+                <a:schemeClr val="tx1">
+                  <a:lumMod val="50000"/>
+                  <a:lumOff val="50000"/>
+                </a:schemeClr>
+              </a:solidFill>
+              <a:round/>
+            </a:ln>
+          </p:spPr>
+          <p:style>
+            <a:lnRef idx="1">
+              <a:schemeClr val="accent1"/>
+            </a:lnRef>
+            <a:fillRef idx="0">
+              <a:schemeClr val="accent1"/>
+            </a:fillRef>
+            <a:effectRef idx="0">
+              <a:schemeClr val="accent1"/>
+            </a:effectRef>
+            <a:fontRef idx="minor">
+              <a:schemeClr val="tx1"/>
+            </a:fontRef>
+          </p:style>
+        </p:cxnSp>
+        <p:cxnSp>
+          <p:nvCxnSpPr>
+            <p:cNvPr id="37" name="直接连接符 36">
+              <a:extLst>
+                <a:ext uri="{FF2B5EF4-FFF2-40B4-BE49-F238E27FC236}">
+                  <a16:creationId xmlns:a16="http://schemas.microsoft.com/office/drawing/2014/main" id="{EAEA0A26-9F0E-4BB4-A9D7-94B2282A59D2}"/>
+                </a:ext>
+              </a:extLst>
+            </p:cNvPr>
+            <p:cNvCxnSpPr>
+              <a:cxnSpLocks/>
+            </p:cNvCxnSpPr>
+            <p:nvPr/>
+          </p:nvCxnSpPr>
+          <p:spPr>
+            <a:xfrm>
+              <a:off x="5208895" y="2547583"/>
+              <a:ext cx="0" cy="195617"/>
+            </a:xfrm>
+            <a:prstGeom prst="line">
+              <a:avLst/>
+            </a:prstGeom>
+            <a:ln w="76200" cap="rnd">
+              <a:solidFill>
+                <a:schemeClr val="tx1"/>
+              </a:solidFill>
+              <a:round/>
+            </a:ln>
+          </p:spPr>
+          <p:style>
+            <a:lnRef idx="1">
+              <a:schemeClr val="accent1"/>
+            </a:lnRef>
+            <a:fillRef idx="0">
+              <a:schemeClr val="accent1"/>
+            </a:fillRef>
+            <a:effectRef idx="0">
+              <a:schemeClr val="accent1"/>
+            </a:effectRef>
+            <a:fontRef idx="minor">
+              <a:schemeClr val="tx1"/>
+            </a:fontRef>
+          </p:style>
+        </p:cxnSp>
+      </p:grpSp>
+      <p:grpSp>
+        <p:nvGrpSpPr>
+          <p:cNvPr id="76" name="组合 75">
+            <a:extLst>
+              <a:ext uri="{FF2B5EF4-FFF2-40B4-BE49-F238E27FC236}">
+                <a16:creationId xmlns:a16="http://schemas.microsoft.com/office/drawing/2014/main" id="{2D7D6CD3-5144-43C1-861B-19698A47928E}"/>
+              </a:ext>
+            </a:extLst>
+          </p:cNvPr>
+          <p:cNvGrpSpPr/>
+          <p:nvPr/>
+        </p:nvGrpSpPr>
+        <p:grpSpPr>
+          <a:xfrm>
+            <a:off x="8573993" y="2645258"/>
+            <a:ext cx="667388" cy="663905"/>
+            <a:chOff x="6201266" y="2485999"/>
+            <a:chExt cx="253322" cy="252000"/>
+          </a:xfrm>
+        </p:grpSpPr>
+        <p:sp>
+          <p:nvSpPr>
+            <p:cNvPr id="58" name="弧形 57">
+              <a:extLst>
+                <a:ext uri="{FF2B5EF4-FFF2-40B4-BE49-F238E27FC236}">
+                  <a16:creationId xmlns:a16="http://schemas.microsoft.com/office/drawing/2014/main" id="{FD9102C1-5F61-4459-ACA6-37133A7BD381}"/>
+                </a:ext>
+              </a:extLst>
+            </p:cNvPr>
+            <p:cNvSpPr/>
+            <p:nvPr/>
+          </p:nvSpPr>
+          <p:spPr>
+            <a:xfrm>
+              <a:off x="6201266" y="2485999"/>
+              <a:ext cx="252000" cy="252000"/>
+            </a:xfrm>
+            <a:prstGeom prst="arc">
+              <a:avLst>
+                <a:gd name="adj1" fmla="val 21364427"/>
+                <a:gd name="adj2" fmla="val 21272467"/>
+              </a:avLst>
+            </a:prstGeom>
+            <a:ln w="76200" cap="rnd">
+              <a:solidFill>
+                <a:schemeClr val="tx1"/>
+              </a:solidFill>
+              <a:round/>
+            </a:ln>
+          </p:spPr>
+          <p:style>
+            <a:lnRef idx="1">
+              <a:schemeClr val="accent1"/>
+            </a:lnRef>
+            <a:fillRef idx="0">
+              <a:schemeClr val="accent1"/>
+            </a:fillRef>
+            <a:effectRef idx="0">
+              <a:schemeClr val="accent1"/>
+            </a:effectRef>
+            <a:fontRef idx="minor">
+              <a:schemeClr val="tx1"/>
+            </a:fontRef>
+          </p:style>
+          <p:txBody>
+            <a:bodyPr rtlCol="0" anchor="ctr"/>
+            <a:lstStyle/>
+            <a:p>
+              <a:pPr algn="ctr"/>
+              <a:endParaRPr lang="zh-CN" altLang="en-US"/>
+            </a:p>
+          </p:txBody>
+        </p:sp>
+        <p:cxnSp>
+          <p:nvCxnSpPr>
+            <p:cNvPr id="59" name="直接连接符 58">
+              <a:extLst>
+                <a:ext uri="{FF2B5EF4-FFF2-40B4-BE49-F238E27FC236}">
+                  <a16:creationId xmlns:a16="http://schemas.microsoft.com/office/drawing/2014/main" id="{F1FB9638-5867-4358-A29F-6079B4DEFD4B}"/>
+                </a:ext>
+              </a:extLst>
+            </p:cNvPr>
+            <p:cNvCxnSpPr>
+              <a:cxnSpLocks/>
+            </p:cNvCxnSpPr>
+            <p:nvPr/>
+          </p:nvCxnSpPr>
+          <p:spPr>
+            <a:xfrm flipH="1">
+              <a:off x="6453266" y="2485999"/>
+              <a:ext cx="1322" cy="252000"/>
+            </a:xfrm>
+            <a:prstGeom prst="line">
+              <a:avLst/>
+            </a:prstGeom>
+            <a:ln w="76200" cap="rnd">
+              <a:solidFill>
+                <a:schemeClr val="tx1">
+                  <a:lumMod val="50000"/>
+                  <a:lumOff val="50000"/>
+                </a:schemeClr>
+              </a:solidFill>
+              <a:round/>
+            </a:ln>
+          </p:spPr>
+          <p:style>
+            <a:lnRef idx="1">
+              <a:schemeClr val="accent1"/>
+            </a:lnRef>
+            <a:fillRef idx="0">
+              <a:schemeClr val="accent1"/>
+            </a:fillRef>
+            <a:effectRef idx="0">
+              <a:schemeClr val="accent1"/>
+            </a:effectRef>
+            <a:fontRef idx="minor">
+              <a:schemeClr val="tx1"/>
+            </a:fontRef>
+          </p:style>
+        </p:cxnSp>
+      </p:grpSp>
+      <p:cxnSp>
+        <p:nvCxnSpPr>
+          <p:cNvPr id="61" name="直接连接符 60">
+            <a:extLst>
+              <a:ext uri="{FF2B5EF4-FFF2-40B4-BE49-F238E27FC236}">
+                <a16:creationId xmlns:a16="http://schemas.microsoft.com/office/drawing/2014/main" id="{6ECB2F65-1AD6-4EA9-BFBC-E2979544CB46}"/>
+              </a:ext>
+            </a:extLst>
+          </p:cNvPr>
+          <p:cNvCxnSpPr>
+            <a:cxnSpLocks/>
+          </p:cNvCxnSpPr>
+          <p:nvPr/>
+        </p:nvCxnSpPr>
+        <p:spPr>
+          <a:xfrm>
+            <a:off x="9613571" y="2236087"/>
+            <a:ext cx="0" cy="1073076"/>
+          </a:xfrm>
+          <a:prstGeom prst="line">
+            <a:avLst/>
+          </a:prstGeom>
+          <a:ln w="76200" cap="rnd">
+            <a:solidFill>
+              <a:schemeClr val="tx1"/>
+            </a:solidFill>
+            <a:round/>
+          </a:ln>
+        </p:spPr>
+        <p:style>
+          <a:lnRef idx="1">
+            <a:schemeClr val="accent1"/>
+          </a:lnRef>
+          <a:fillRef idx="0">
+            <a:schemeClr val="accent1"/>
+          </a:fillRef>
+          <a:effectRef idx="0">
+            <a:schemeClr val="accent1"/>
+          </a:effectRef>
+          <a:fontRef idx="minor">
+            <a:schemeClr val="tx1"/>
+          </a:fontRef>
+        </p:style>
+      </p:cxnSp>
+      <p:pic>
+        <p:nvPicPr>
+          <p:cNvPr id="83" name="图片 82">
+            <a:extLst>
+              <a:ext uri="{FF2B5EF4-FFF2-40B4-BE49-F238E27FC236}">
+                <a16:creationId xmlns:a16="http://schemas.microsoft.com/office/drawing/2014/main" id="{2D02C103-5063-4B6A-929D-26E64FE5E3D1}"/>
+              </a:ext>
+            </a:extLst>
+          </p:cNvPr>
+          <p:cNvPicPr>
+            <a:picLocks noChangeAspect="1"/>
+          </p:cNvPicPr>
+          <p:nvPr/>
+        </p:nvPicPr>
+        <p:blipFill>
+          <a:blip r:embed="rId3"/>
+          <a:stretch>
+            <a:fillRect/>
+          </a:stretch>
+        </p:blipFill>
+        <p:spPr>
+          <a:xfrm>
+            <a:off x="4701268" y="3907962"/>
+            <a:ext cx="6264183" cy="838273"/>
+          </a:xfrm>
+          <a:prstGeom prst="rect">
+            <a:avLst/>
+          </a:prstGeom>
+        </p:spPr>
+      </p:pic>
+      <p:grpSp>
+        <p:nvGrpSpPr>
+          <p:cNvPr id="85" name="组合 84">
+            <a:extLst>
+              <a:ext uri="{FF2B5EF4-FFF2-40B4-BE49-F238E27FC236}">
+                <a16:creationId xmlns:a16="http://schemas.microsoft.com/office/drawing/2014/main" id="{321D4381-33D9-44E9-A69D-F6A180F16ABD}"/>
+              </a:ext>
+            </a:extLst>
+          </p:cNvPr>
+          <p:cNvGrpSpPr/>
+          <p:nvPr/>
+        </p:nvGrpSpPr>
+        <p:grpSpPr>
+          <a:xfrm>
+            <a:off x="5088816" y="2537054"/>
+            <a:ext cx="792000" cy="792000"/>
+            <a:chOff x="5101774" y="2455056"/>
+            <a:chExt cx="792000" cy="792000"/>
+          </a:xfrm>
+        </p:grpSpPr>
+        <p:cxnSp>
+          <p:nvCxnSpPr>
+            <p:cNvPr id="34" name="直接连接符 33">
+              <a:extLst>
+                <a:ext uri="{FF2B5EF4-FFF2-40B4-BE49-F238E27FC236}">
+                  <a16:creationId xmlns:a16="http://schemas.microsoft.com/office/drawing/2014/main" id="{3EF835D2-AFED-4476-A39D-312AA1A0439D}"/>
+                </a:ext>
+              </a:extLst>
+            </p:cNvPr>
+            <p:cNvCxnSpPr/>
+            <p:nvPr/>
+          </p:nvCxnSpPr>
+          <p:spPr>
+            <a:xfrm>
+              <a:off x="5172391" y="2851056"/>
+              <a:ext cx="485402" cy="0"/>
+            </a:xfrm>
+            <a:prstGeom prst="line">
+              <a:avLst/>
+            </a:prstGeom>
+            <a:ln w="76200" cap="rnd">
+              <a:solidFill>
+                <a:schemeClr val="tx1">
+                  <a:lumMod val="50000"/>
+                  <a:lumOff val="50000"/>
+                </a:schemeClr>
+              </a:solidFill>
+              <a:round/>
+            </a:ln>
+          </p:spPr>
+          <p:style>
+            <a:lnRef idx="1">
+              <a:schemeClr val="accent1"/>
+            </a:lnRef>
+            <a:fillRef idx="0">
+              <a:schemeClr val="accent1"/>
+            </a:fillRef>
+            <a:effectRef idx="0">
+              <a:schemeClr val="accent1"/>
+            </a:effectRef>
+            <a:fontRef idx="minor">
+              <a:schemeClr val="tx1"/>
+            </a:fontRef>
+          </p:style>
+        </p:cxnSp>
+        <p:sp>
+          <p:nvSpPr>
+            <p:cNvPr id="84" name="弧形 83">
+              <a:extLst>
+                <a:ext uri="{FF2B5EF4-FFF2-40B4-BE49-F238E27FC236}">
+                  <a16:creationId xmlns:a16="http://schemas.microsoft.com/office/drawing/2014/main" id="{738F2808-47EE-47C8-B763-C7EDABBE1A00}"/>
+                </a:ext>
+              </a:extLst>
+            </p:cNvPr>
+            <p:cNvSpPr>
+              <a:spLocks noChangeAspect="1"/>
+            </p:cNvSpPr>
+            <p:nvPr/>
+          </p:nvSpPr>
+          <p:spPr>
+            <a:xfrm>
+              <a:off x="5101774" y="2455056"/>
+              <a:ext cx="792000" cy="792000"/>
+            </a:xfrm>
+            <a:prstGeom prst="arc">
+              <a:avLst>
+                <a:gd name="adj1" fmla="val 3895352"/>
+                <a:gd name="adj2" fmla="val 17604657"/>
+              </a:avLst>
+            </a:prstGeom>
+            <a:ln w="76200" cap="rnd">
+              <a:solidFill>
+                <a:schemeClr val="tx1"/>
+              </a:solidFill>
+              <a:round/>
+            </a:ln>
+          </p:spPr>
+          <p:style>
+            <a:lnRef idx="1">
+              <a:schemeClr val="accent1"/>
+            </a:lnRef>
+            <a:fillRef idx="0">
+              <a:schemeClr val="accent1"/>
+            </a:fillRef>
+            <a:effectRef idx="0">
+              <a:schemeClr val="accent1"/>
+            </a:effectRef>
+            <a:fontRef idx="minor">
+              <a:schemeClr val="tx1"/>
+            </a:fontRef>
+          </p:style>
+          <p:txBody>
+            <a:bodyPr rtlCol="0" anchor="ctr"/>
+            <a:lstStyle/>
+            <a:p>
+              <a:pPr algn="ctr"/>
+              <a:endParaRPr lang="zh-CN" altLang="en-US"/>
+            </a:p>
+          </p:txBody>
+        </p:sp>
+      </p:grpSp>
+      <p:grpSp>
+        <p:nvGrpSpPr>
+          <p:cNvPr id="89" name="组合 88">
+            <a:extLst>
+              <a:ext uri="{FF2B5EF4-FFF2-40B4-BE49-F238E27FC236}">
+                <a16:creationId xmlns:a16="http://schemas.microsoft.com/office/drawing/2014/main" id="{CBD42311-87DF-4F42-9D74-F7270BA26E2B}"/>
+              </a:ext>
+            </a:extLst>
+          </p:cNvPr>
+          <p:cNvGrpSpPr/>
+          <p:nvPr/>
+        </p:nvGrpSpPr>
+        <p:grpSpPr>
+          <a:xfrm>
+            <a:off x="9875627" y="2428979"/>
+            <a:ext cx="972000" cy="972000"/>
+            <a:chOff x="9835468" y="2491210"/>
+            <a:chExt cx="972000" cy="972000"/>
+          </a:xfrm>
+        </p:grpSpPr>
+        <p:sp>
+          <p:nvSpPr>
+            <p:cNvPr id="64" name="弧形 63">
+              <a:extLst>
+                <a:ext uri="{FF2B5EF4-FFF2-40B4-BE49-F238E27FC236}">
+                  <a16:creationId xmlns:a16="http://schemas.microsoft.com/office/drawing/2014/main" id="{763EC656-CD8A-412B-9CDA-094285A2D60C}"/>
+                </a:ext>
+              </a:extLst>
+            </p:cNvPr>
+            <p:cNvSpPr/>
+            <p:nvPr/>
+          </p:nvSpPr>
+          <p:spPr>
+            <a:xfrm>
+              <a:off x="9985764" y="2645258"/>
+              <a:ext cx="663905" cy="663905"/>
+            </a:xfrm>
+            <a:prstGeom prst="arc">
+              <a:avLst>
+                <a:gd name="adj1" fmla="val 21364427"/>
+                <a:gd name="adj2" fmla="val 21272467"/>
+              </a:avLst>
+            </a:prstGeom>
+            <a:ln w="76200" cap="rnd">
+              <a:solidFill>
+                <a:schemeClr val="tx1"/>
+              </a:solidFill>
+              <a:round/>
+            </a:ln>
+          </p:spPr>
+          <p:style>
+            <a:lnRef idx="1">
+              <a:schemeClr val="accent1"/>
+            </a:lnRef>
+            <a:fillRef idx="0">
+              <a:schemeClr val="accent1"/>
+            </a:fillRef>
+            <a:effectRef idx="0">
+              <a:schemeClr val="accent1"/>
+            </a:effectRef>
+            <a:fontRef idx="minor">
+              <a:schemeClr val="tx1"/>
+            </a:fontRef>
+          </p:style>
+          <p:txBody>
+            <a:bodyPr rtlCol="0" anchor="ctr"/>
+            <a:lstStyle/>
+            <a:p>
+              <a:pPr algn="ctr"/>
+              <a:endParaRPr lang="zh-CN" altLang="en-US"/>
+            </a:p>
+          </p:txBody>
+        </p:sp>
+        <p:sp>
+          <p:nvSpPr>
+            <p:cNvPr id="88" name="弧形 87">
+              <a:extLst>
+                <a:ext uri="{FF2B5EF4-FFF2-40B4-BE49-F238E27FC236}">
+                  <a16:creationId xmlns:a16="http://schemas.microsoft.com/office/drawing/2014/main" id="{A8D34806-3F7B-4942-B810-B6C8D5E1E13B}"/>
+                </a:ext>
+              </a:extLst>
+            </p:cNvPr>
+            <p:cNvSpPr>
+              <a:spLocks noChangeAspect="1"/>
+            </p:cNvSpPr>
+            <p:nvPr/>
+          </p:nvSpPr>
+          <p:spPr>
+            <a:xfrm>
+              <a:off x="9835468" y="2491210"/>
+              <a:ext cx="972000" cy="972000"/>
+            </a:xfrm>
+            <a:prstGeom prst="arc">
+              <a:avLst>
+                <a:gd name="adj1" fmla="val 15877922"/>
+                <a:gd name="adj2" fmla="val 5881754"/>
+              </a:avLst>
+            </a:prstGeom>
+            <a:ln w="76200" cap="rnd">
+              <a:solidFill>
+                <a:schemeClr val="tx1">
+                  <a:lumMod val="50000"/>
+                  <a:lumOff val="50000"/>
+                </a:schemeClr>
+              </a:solidFill>
+              <a:round/>
+            </a:ln>
+          </p:spPr>
+          <p:style>
+            <a:lnRef idx="1">
+              <a:schemeClr val="accent1"/>
+            </a:lnRef>
+            <a:fillRef idx="0">
+              <a:schemeClr val="accent1"/>
+            </a:fillRef>
+            <a:effectRef idx="0">
+              <a:schemeClr val="accent1"/>
+            </a:effectRef>
+            <a:fontRef idx="minor">
+              <a:schemeClr val="tx1"/>
+            </a:fontRef>
+          </p:style>
+          <p:txBody>
+            <a:bodyPr rtlCol="0" anchor="ctr"/>
+            <a:lstStyle/>
+            <a:p>
+              <a:pPr algn="ctr"/>
+              <a:endParaRPr lang="zh-CN" altLang="en-US"/>
+            </a:p>
+          </p:txBody>
+        </p:sp>
+      </p:grpSp>
+    </p:spTree>
+    <p:extLst>
+      <p:ext uri="{BB962C8B-B14F-4D97-AF65-F5344CB8AC3E}">
+        <p14:creationId xmlns:p14="http://schemas.microsoft.com/office/powerpoint/2010/main" val="2602214897"/>
+      </p:ext>
+    </p:extLst>
+  </p:cSld>
+  <p:clrMapOvr>
+    <a:masterClrMapping/>
+  </p:clrMapOvr>
+</p:sld>
+</file>
+
+<file path=ppt/slides/slide4.xml><?xml version="1.0" encoding="utf-8"?>
+<p:sld xmlns:a="http://schemas.openxmlformats.org/drawingml/2006/main" xmlns:r="http://schemas.openxmlformats.org/officeDocument/2006/relationships" xmlns:p="http://schemas.openxmlformats.org/presentationml/2006/main">
+  <p:cSld>
+    <p:bg>
+      <p:bgPr>
+        <a:solidFill>
+          <a:srgbClr val="0D0D1E"/>
+        </a:solidFill>
+        <a:effectLst/>
+      </p:bgPr>
+    </p:bg>
+    <p:spTree>
+      <p:nvGrpSpPr>
+        <p:cNvPr id="1" name=""/>
+        <p:cNvGrpSpPr/>
+        <p:nvPr/>
+      </p:nvGrpSpPr>
+      <p:grpSpPr>
+        <a:xfrm>
+          <a:off x="0" y="0"/>
+          <a:ext cx="0" cy="0"/>
+          <a:chOff x="0" y="0"/>
+          <a:chExt cx="0" cy="0"/>
+        </a:xfrm>
+      </p:grpSpPr>
+      <p:grpSp>
+        <p:nvGrpSpPr>
+          <p:cNvPr id="3" name="组合 2">
+            <a:extLst>
+              <a:ext uri="{FF2B5EF4-FFF2-40B4-BE49-F238E27FC236}">
+                <a16:creationId xmlns:a16="http://schemas.microsoft.com/office/drawing/2014/main" id="{CA1685B2-A14B-420B-BCFD-5482A0C2D4C4}"/>
+              </a:ext>
+            </a:extLst>
+          </p:cNvPr>
+          <p:cNvGrpSpPr/>
+          <p:nvPr/>
+        </p:nvGrpSpPr>
+        <p:grpSpPr>
+          <a:xfrm>
+            <a:off x="3216594" y="2869986"/>
+            <a:ext cx="5748824" cy="1080000"/>
+            <a:chOff x="3216594" y="2869986"/>
+            <a:chExt cx="5748824" cy="1080000"/>
+          </a:xfrm>
+        </p:grpSpPr>
+        <p:grpSp>
+          <p:nvGrpSpPr>
+            <p:cNvPr id="71" name="组合 70">
+              <a:extLst>
+                <a:ext uri="{FF2B5EF4-FFF2-40B4-BE49-F238E27FC236}">
+                  <a16:creationId xmlns:a16="http://schemas.microsoft.com/office/drawing/2014/main" id="{81FB3B35-2318-4457-95DC-C520B75AE75F}"/>
+                </a:ext>
+              </a:extLst>
+            </p:cNvPr>
+            <p:cNvGrpSpPr/>
+            <p:nvPr/>
+          </p:nvGrpSpPr>
+          <p:grpSpPr>
+            <a:xfrm>
+              <a:off x="5158215" y="3228619"/>
+              <a:ext cx="663905" cy="663905"/>
+              <a:chOff x="5598211" y="2485999"/>
+              <a:chExt cx="252000" cy="252000"/>
+            </a:xfrm>
+          </p:grpSpPr>
+          <p:cxnSp>
+            <p:nvCxnSpPr>
+              <p:cNvPr id="49" name="直接连接符 48">
+                <a:extLst>
+                  <a:ext uri="{FF2B5EF4-FFF2-40B4-BE49-F238E27FC236}">
+                    <a16:creationId xmlns:a16="http://schemas.microsoft.com/office/drawing/2014/main" id="{4AFC89BE-23B8-45FF-987D-E6560BFF3DCC}"/>
+                  </a:ext>
+                </a:extLst>
+              </p:cNvPr>
+              <p:cNvCxnSpPr>
+                <a:cxnSpLocks/>
+              </p:cNvCxnSpPr>
+              <p:nvPr/>
+            </p:nvCxnSpPr>
+            <p:spPr>
+              <a:xfrm>
+                <a:off x="5599551" y="2601685"/>
+                <a:ext cx="250660" cy="0"/>
+              </a:xfrm>
+              <a:prstGeom prst="line">
+                <a:avLst/>
+              </a:prstGeom>
+              <a:ln w="76200" cap="rnd">
+                <a:solidFill>
+                  <a:schemeClr val="tx1">
+                    <a:lumMod val="50000"/>
+                    <a:lumOff val="50000"/>
+                  </a:schemeClr>
+                </a:solidFill>
+                <a:round/>
+              </a:ln>
+            </p:spPr>
+            <p:style>
+              <a:lnRef idx="1">
+                <a:schemeClr val="accent1"/>
+              </a:lnRef>
+              <a:fillRef idx="0">
+                <a:schemeClr val="accent1"/>
+              </a:fillRef>
+              <a:effectRef idx="0">
+                <a:schemeClr val="accent1"/>
+              </a:effectRef>
+              <a:fontRef idx="minor">
+                <a:schemeClr val="tx1"/>
+              </a:fontRef>
+            </p:style>
+          </p:cxnSp>
+          <p:sp>
+            <p:nvSpPr>
+              <p:cNvPr id="48" name="弧形 47">
+                <a:extLst>
+                  <a:ext uri="{FF2B5EF4-FFF2-40B4-BE49-F238E27FC236}">
+                    <a16:creationId xmlns:a16="http://schemas.microsoft.com/office/drawing/2014/main" id="{A1B02804-B06D-4C16-8363-61CE38D605E4}"/>
+                  </a:ext>
+                </a:extLst>
+              </p:cNvPr>
+              <p:cNvSpPr/>
+              <p:nvPr/>
+            </p:nvSpPr>
+            <p:spPr>
+              <a:xfrm>
+                <a:off x="5598211" y="2485999"/>
+                <a:ext cx="252000" cy="252000"/>
+              </a:xfrm>
+              <a:prstGeom prst="arc">
+                <a:avLst>
+                  <a:gd name="adj1" fmla="val 1817991"/>
+                  <a:gd name="adj2" fmla="val 21272467"/>
+                </a:avLst>
+              </a:prstGeom>
+              <a:ln w="76200" cap="rnd">
+                <a:solidFill>
+                  <a:schemeClr val="bg1"/>
+                </a:solidFill>
+                <a:round/>
+              </a:ln>
+            </p:spPr>
+            <p:style>
+              <a:lnRef idx="1">
+                <a:schemeClr val="accent1"/>
+              </a:lnRef>
+              <a:fillRef idx="0">
+                <a:schemeClr val="accent1"/>
+              </a:fillRef>
+              <a:effectRef idx="0">
+                <a:schemeClr val="accent1"/>
+              </a:effectRef>
+              <a:fontRef idx="minor">
+                <a:schemeClr val="tx1"/>
+              </a:fontRef>
+            </p:style>
+            <p:txBody>
+              <a:bodyPr rtlCol="0" anchor="ctr"/>
+              <a:lstStyle/>
+              <a:p>
+                <a:pPr algn="ctr"/>
+                <a:endParaRPr lang="zh-CN" altLang="en-US"/>
+              </a:p>
+            </p:txBody>
+          </p:sp>
+        </p:grpSp>
+        <p:grpSp>
+          <p:nvGrpSpPr>
+            <p:cNvPr id="75" name="组合 74">
+              <a:extLst>
+                <a:ext uri="{FF2B5EF4-FFF2-40B4-BE49-F238E27FC236}">
+                  <a16:creationId xmlns:a16="http://schemas.microsoft.com/office/drawing/2014/main" id="{B690163C-5BFE-4F9D-85B4-AAC5BC56FF23}"/>
+                </a:ext>
+              </a:extLst>
+            </p:cNvPr>
+            <p:cNvGrpSpPr/>
+            <p:nvPr/>
+          </p:nvGrpSpPr>
+          <p:grpSpPr>
+            <a:xfrm>
+              <a:off x="6194310" y="3228619"/>
+              <a:ext cx="312984" cy="663905"/>
+              <a:chOff x="6000369" y="2485999"/>
+              <a:chExt cx="118800" cy="252000"/>
+            </a:xfrm>
+          </p:grpSpPr>
+          <p:cxnSp>
+            <p:nvCxnSpPr>
+              <p:cNvPr id="50" name="直接连接符 49">
+                <a:extLst>
+                  <a:ext uri="{FF2B5EF4-FFF2-40B4-BE49-F238E27FC236}">
+                    <a16:creationId xmlns:a16="http://schemas.microsoft.com/office/drawing/2014/main" id="{DA87BA15-9820-4056-A9D2-A9DD43EEE201}"/>
+                  </a:ext>
+                </a:extLst>
+              </p:cNvPr>
+              <p:cNvCxnSpPr>
+                <a:cxnSpLocks/>
+              </p:cNvCxnSpPr>
+              <p:nvPr/>
+            </p:nvCxnSpPr>
+            <p:spPr>
+              <a:xfrm flipH="1">
+                <a:off x="6001038" y="2539804"/>
+                <a:ext cx="0" cy="198195"/>
+              </a:xfrm>
+              <a:prstGeom prst="line">
+                <a:avLst/>
+              </a:prstGeom>
+              <a:ln w="76200" cap="rnd">
+                <a:solidFill>
+                  <a:schemeClr val="bg1"/>
+                </a:solidFill>
+                <a:round/>
+              </a:ln>
+            </p:spPr>
+            <p:style>
+              <a:lnRef idx="1">
+                <a:schemeClr val="accent1"/>
+              </a:lnRef>
+              <a:fillRef idx="0">
+                <a:schemeClr val="accent1"/>
+              </a:fillRef>
+              <a:effectRef idx="0">
+                <a:schemeClr val="accent1"/>
+              </a:effectRef>
+              <a:fontRef idx="minor">
+                <a:schemeClr val="tx1"/>
+              </a:fontRef>
+            </p:style>
+          </p:cxnSp>
+          <p:sp>
+            <p:nvSpPr>
+              <p:cNvPr id="51" name="弧形 50">
+                <a:extLst>
+                  <a:ext uri="{FF2B5EF4-FFF2-40B4-BE49-F238E27FC236}">
+                    <a16:creationId xmlns:a16="http://schemas.microsoft.com/office/drawing/2014/main" id="{05B6D31A-DC6D-4CE1-BF67-A5EF0BFC166E}"/>
+                  </a:ext>
+                </a:extLst>
+              </p:cNvPr>
+              <p:cNvSpPr/>
+              <p:nvPr/>
+            </p:nvSpPr>
+            <p:spPr>
+              <a:xfrm>
+                <a:off x="6000369" y="2485999"/>
+                <a:ext cx="118800" cy="118800"/>
+              </a:xfrm>
+              <a:prstGeom prst="arc">
+                <a:avLst>
+                  <a:gd name="adj1" fmla="val 11124299"/>
+                  <a:gd name="adj2" fmla="val 17866105"/>
+                </a:avLst>
+              </a:prstGeom>
+              <a:ln w="76200" cap="rnd">
+                <a:solidFill>
+                  <a:schemeClr val="bg1"/>
+                </a:solidFill>
+                <a:round/>
+              </a:ln>
+            </p:spPr>
+            <p:style>
+              <a:lnRef idx="1">
+                <a:schemeClr val="accent1"/>
+              </a:lnRef>
+              <a:fillRef idx="0">
+                <a:schemeClr val="accent1"/>
+              </a:fillRef>
+              <a:effectRef idx="0">
+                <a:schemeClr val="accent1"/>
+              </a:effectRef>
+              <a:fontRef idx="minor">
+                <a:schemeClr val="tx1"/>
+              </a:fontRef>
+            </p:style>
+            <p:txBody>
+              <a:bodyPr rtlCol="0" anchor="ctr"/>
+              <a:lstStyle/>
+              <a:p>
+                <a:pPr algn="ctr"/>
+                <a:endParaRPr lang="zh-CN" altLang="en-US"/>
+              </a:p>
+            </p:txBody>
+          </p:sp>
+        </p:grpSp>
+        <p:grpSp>
+          <p:nvGrpSpPr>
+            <p:cNvPr id="70" name="组合 69">
+              <a:extLst>
+                <a:ext uri="{FF2B5EF4-FFF2-40B4-BE49-F238E27FC236}">
+                  <a16:creationId xmlns:a16="http://schemas.microsoft.com/office/drawing/2014/main" id="{C3DFB8FF-027A-4004-A0D2-974ABAB6DBA2}"/>
+                </a:ext>
+              </a:extLst>
+            </p:cNvPr>
+            <p:cNvGrpSpPr/>
+            <p:nvPr/>
+          </p:nvGrpSpPr>
+          <p:grpSpPr>
+            <a:xfrm>
+              <a:off x="4150673" y="3363911"/>
+              <a:ext cx="635352" cy="528613"/>
+              <a:chOff x="5208895" y="2542553"/>
+              <a:chExt cx="241162" cy="200647"/>
+            </a:xfrm>
+          </p:grpSpPr>
+          <p:cxnSp>
+            <p:nvCxnSpPr>
+              <p:cNvPr id="52" name="直接连接符 51">
+                <a:extLst>
+                  <a:ext uri="{FF2B5EF4-FFF2-40B4-BE49-F238E27FC236}">
+                    <a16:creationId xmlns:a16="http://schemas.microsoft.com/office/drawing/2014/main" id="{A0F72843-E342-4206-BBFF-889EE8C9C32F}"/>
+                  </a:ext>
+                </a:extLst>
+              </p:cNvPr>
+              <p:cNvCxnSpPr>
+                <a:cxnSpLocks/>
+              </p:cNvCxnSpPr>
+              <p:nvPr/>
+            </p:nvCxnSpPr>
+            <p:spPr>
+              <a:xfrm>
+                <a:off x="5219470" y="2553586"/>
+                <a:ext cx="109218" cy="88566"/>
+              </a:xfrm>
+              <a:prstGeom prst="line">
+                <a:avLst/>
+              </a:prstGeom>
+              <a:ln w="76200" cap="rnd">
+                <a:solidFill>
+                  <a:schemeClr val="tx1">
+                    <a:lumMod val="50000"/>
+                    <a:lumOff val="50000"/>
+                  </a:schemeClr>
+                </a:solidFill>
+                <a:round/>
+              </a:ln>
+            </p:spPr>
+            <p:style>
+              <a:lnRef idx="1">
+                <a:schemeClr val="accent1"/>
+              </a:lnRef>
+              <a:fillRef idx="0">
+                <a:schemeClr val="accent1"/>
+              </a:fillRef>
+              <a:effectRef idx="0">
+                <a:schemeClr val="accent1"/>
+              </a:effectRef>
+              <a:fontRef idx="minor">
+                <a:schemeClr val="tx1"/>
+              </a:fontRef>
+            </p:style>
+          </p:cxnSp>
+          <p:cxnSp>
+            <p:nvCxnSpPr>
+              <p:cNvPr id="38" name="直接连接符 37">
+                <a:extLst>
+                  <a:ext uri="{FF2B5EF4-FFF2-40B4-BE49-F238E27FC236}">
+                    <a16:creationId xmlns:a16="http://schemas.microsoft.com/office/drawing/2014/main" id="{A45B12B5-270C-494C-8D33-8FB78ED71159}"/>
+                  </a:ext>
+                </a:extLst>
+              </p:cNvPr>
+              <p:cNvCxnSpPr>
+                <a:cxnSpLocks/>
+              </p:cNvCxnSpPr>
+              <p:nvPr/>
+            </p:nvCxnSpPr>
+            <p:spPr>
+              <a:xfrm flipH="1">
+                <a:off x="5328688" y="2545005"/>
+                <a:ext cx="119741" cy="97147"/>
+              </a:xfrm>
+              <a:prstGeom prst="line">
+                <a:avLst/>
+              </a:prstGeom>
+              <a:ln w="76200" cap="rnd">
+                <a:solidFill>
+                  <a:schemeClr val="bg1"/>
+                </a:solidFill>
+                <a:round/>
+              </a:ln>
+            </p:spPr>
+            <p:style>
+              <a:lnRef idx="1">
+                <a:schemeClr val="accent1"/>
+              </a:lnRef>
+              <a:fillRef idx="0">
+                <a:schemeClr val="accent1"/>
+              </a:fillRef>
+              <a:effectRef idx="0">
+                <a:schemeClr val="accent1"/>
+              </a:effectRef>
+              <a:fontRef idx="minor">
+                <a:schemeClr val="tx1"/>
+              </a:fontRef>
+            </p:style>
+          </p:cxnSp>
+          <p:cxnSp>
+            <p:nvCxnSpPr>
+              <p:cNvPr id="40" name="直接连接符 39">
+                <a:extLst>
+                  <a:ext uri="{FF2B5EF4-FFF2-40B4-BE49-F238E27FC236}">
+                    <a16:creationId xmlns:a16="http://schemas.microsoft.com/office/drawing/2014/main" id="{B7C98CE0-D706-4A88-AEDF-74A7C348E056}"/>
+                  </a:ext>
+                </a:extLst>
+              </p:cNvPr>
+              <p:cNvCxnSpPr>
+                <a:cxnSpLocks/>
+              </p:cNvCxnSpPr>
+              <p:nvPr/>
+            </p:nvCxnSpPr>
+            <p:spPr>
+              <a:xfrm>
+                <a:off x="5450057" y="2542553"/>
+                <a:ext cx="0" cy="198137"/>
+              </a:xfrm>
+              <a:prstGeom prst="line">
+                <a:avLst/>
+              </a:prstGeom>
+              <a:ln w="76200" cap="rnd">
+                <a:solidFill>
+                  <a:schemeClr val="tx1">
+                    <a:lumMod val="50000"/>
+                    <a:lumOff val="50000"/>
+                  </a:schemeClr>
+                </a:solidFill>
+                <a:round/>
+              </a:ln>
+            </p:spPr>
+            <p:style>
+              <a:lnRef idx="1">
+                <a:schemeClr val="accent1"/>
+              </a:lnRef>
+              <a:fillRef idx="0">
+                <a:schemeClr val="accent1"/>
+              </a:fillRef>
+              <a:effectRef idx="0">
+                <a:schemeClr val="accent1"/>
+              </a:effectRef>
+              <a:fontRef idx="minor">
+                <a:schemeClr val="tx1"/>
+              </a:fontRef>
+            </p:style>
+          </p:cxnSp>
+          <p:cxnSp>
+            <p:nvCxnSpPr>
+              <p:cNvPr id="37" name="直接连接符 36">
+                <a:extLst>
+                  <a:ext uri="{FF2B5EF4-FFF2-40B4-BE49-F238E27FC236}">
+                    <a16:creationId xmlns:a16="http://schemas.microsoft.com/office/drawing/2014/main" id="{EAEA0A26-9F0E-4BB4-A9D7-94B2282A59D2}"/>
+                  </a:ext>
+                </a:extLst>
+              </p:cNvPr>
+              <p:cNvCxnSpPr>
+                <a:cxnSpLocks/>
+              </p:cNvCxnSpPr>
+              <p:nvPr/>
+            </p:nvCxnSpPr>
+            <p:spPr>
+              <a:xfrm>
+                <a:off x="5208895" y="2547583"/>
+                <a:ext cx="0" cy="195617"/>
+              </a:xfrm>
+              <a:prstGeom prst="line">
+                <a:avLst/>
+              </a:prstGeom>
+              <a:ln w="76200" cap="rnd">
+                <a:solidFill>
+                  <a:schemeClr val="bg1"/>
+                </a:solidFill>
+                <a:round/>
+              </a:ln>
+            </p:spPr>
+            <p:style>
+              <a:lnRef idx="1">
+                <a:schemeClr val="accent1"/>
+              </a:lnRef>
+              <a:fillRef idx="0">
+                <a:schemeClr val="accent1"/>
+              </a:fillRef>
+              <a:effectRef idx="0">
+                <a:schemeClr val="accent1"/>
+              </a:effectRef>
+              <a:fontRef idx="minor">
+                <a:schemeClr val="tx1"/>
+              </a:fontRef>
+            </p:style>
+          </p:cxnSp>
+        </p:grpSp>
+        <p:grpSp>
+          <p:nvGrpSpPr>
+            <p:cNvPr id="76" name="组合 75">
+              <a:extLst>
+                <a:ext uri="{FF2B5EF4-FFF2-40B4-BE49-F238E27FC236}">
+                  <a16:creationId xmlns:a16="http://schemas.microsoft.com/office/drawing/2014/main" id="{2D7D6CD3-5144-43C1-861B-19698A47928E}"/>
+                </a:ext>
+              </a:extLst>
+            </p:cNvPr>
+            <p:cNvGrpSpPr/>
+            <p:nvPr/>
+          </p:nvGrpSpPr>
+          <p:grpSpPr>
+            <a:xfrm>
+              <a:off x="6701771" y="3228619"/>
+              <a:ext cx="667388" cy="663905"/>
+              <a:chOff x="6201266" y="2485999"/>
+              <a:chExt cx="253322" cy="252000"/>
+            </a:xfrm>
+          </p:grpSpPr>
+          <p:sp>
+            <p:nvSpPr>
+              <p:cNvPr id="58" name="弧形 57">
+                <a:extLst>
+                  <a:ext uri="{FF2B5EF4-FFF2-40B4-BE49-F238E27FC236}">
+                    <a16:creationId xmlns:a16="http://schemas.microsoft.com/office/drawing/2014/main" id="{FD9102C1-5F61-4459-ACA6-37133A7BD381}"/>
+                  </a:ext>
+                </a:extLst>
+              </p:cNvPr>
+              <p:cNvSpPr/>
+              <p:nvPr/>
+            </p:nvSpPr>
+            <p:spPr>
+              <a:xfrm>
+                <a:off x="6201266" y="2485999"/>
+                <a:ext cx="252000" cy="252000"/>
+              </a:xfrm>
+              <a:prstGeom prst="arc">
+                <a:avLst>
+                  <a:gd name="adj1" fmla="val 21364427"/>
+                  <a:gd name="adj2" fmla="val 21272467"/>
+                </a:avLst>
+              </a:prstGeom>
+              <a:ln w="76200" cap="rnd">
+                <a:solidFill>
+                  <a:schemeClr val="bg1"/>
+                </a:solidFill>
+                <a:round/>
+              </a:ln>
+            </p:spPr>
+            <p:style>
+              <a:lnRef idx="1">
+                <a:schemeClr val="accent1"/>
+              </a:lnRef>
+              <a:fillRef idx="0">
+                <a:schemeClr val="accent1"/>
+              </a:fillRef>
+              <a:effectRef idx="0">
+                <a:schemeClr val="accent1"/>
+              </a:effectRef>
+              <a:fontRef idx="minor">
+                <a:schemeClr val="tx1"/>
+              </a:fontRef>
+            </p:style>
+            <p:txBody>
+              <a:bodyPr rtlCol="0" anchor="ctr"/>
+              <a:lstStyle/>
+              <a:p>
+                <a:pPr algn="ctr"/>
+                <a:endParaRPr lang="zh-CN" altLang="en-US"/>
+              </a:p>
+            </p:txBody>
+          </p:sp>
+          <p:cxnSp>
+            <p:nvCxnSpPr>
+              <p:cNvPr id="59" name="直接连接符 58">
+                <a:extLst>
+                  <a:ext uri="{FF2B5EF4-FFF2-40B4-BE49-F238E27FC236}">
+                    <a16:creationId xmlns:a16="http://schemas.microsoft.com/office/drawing/2014/main" id="{F1FB9638-5867-4358-A29F-6079B4DEFD4B}"/>
+                  </a:ext>
+                </a:extLst>
+              </p:cNvPr>
+              <p:cNvCxnSpPr>
+                <a:cxnSpLocks/>
+              </p:cNvCxnSpPr>
+              <p:nvPr/>
+            </p:nvCxnSpPr>
+            <p:spPr>
+              <a:xfrm flipH="1">
+                <a:off x="6453266" y="2485999"/>
+                <a:ext cx="1322" cy="252000"/>
+              </a:xfrm>
+              <a:prstGeom prst="line">
+                <a:avLst/>
+              </a:prstGeom>
+              <a:ln w="76200" cap="rnd">
+                <a:solidFill>
+                  <a:schemeClr val="tx1">
+                    <a:lumMod val="50000"/>
+                    <a:lumOff val="50000"/>
+                  </a:schemeClr>
+                </a:solidFill>
+                <a:round/>
+              </a:ln>
+            </p:spPr>
+            <p:style>
+              <a:lnRef idx="1">
+                <a:schemeClr val="accent1"/>
+              </a:lnRef>
+              <a:fillRef idx="0">
+                <a:schemeClr val="accent1"/>
+              </a:fillRef>
+              <a:effectRef idx="0">
+                <a:schemeClr val="accent1"/>
+              </a:effectRef>
+              <a:fontRef idx="minor">
+                <a:schemeClr val="tx1"/>
+              </a:fontRef>
+            </p:style>
+          </p:cxnSp>
+        </p:grpSp>
+        <p:cxnSp>
+          <p:nvCxnSpPr>
+            <p:cNvPr id="61" name="直接连接符 60">
+              <a:extLst>
+                <a:ext uri="{FF2B5EF4-FFF2-40B4-BE49-F238E27FC236}">
+                  <a16:creationId xmlns:a16="http://schemas.microsoft.com/office/drawing/2014/main" id="{6ECB2F65-1AD6-4EA9-BFBC-E2979544CB46}"/>
+                </a:ext>
+              </a:extLst>
+            </p:cNvPr>
+            <p:cNvCxnSpPr>
+              <a:cxnSpLocks/>
+            </p:cNvCxnSpPr>
+            <p:nvPr/>
+          </p:nvCxnSpPr>
+          <p:spPr>
+            <a:xfrm>
+              <a:off x="7741349" y="2873448"/>
+              <a:ext cx="0" cy="1073076"/>
+            </a:xfrm>
+            <a:prstGeom prst="line">
+              <a:avLst/>
+            </a:prstGeom>
+            <a:ln w="76200" cap="rnd">
+              <a:solidFill>
+                <a:schemeClr val="bg1"/>
+              </a:solidFill>
+              <a:round/>
+            </a:ln>
+          </p:spPr>
+          <p:style>
+            <a:lnRef idx="1">
+              <a:schemeClr val="accent1"/>
+            </a:lnRef>
+            <a:fillRef idx="0">
+              <a:schemeClr val="accent1"/>
+            </a:fillRef>
+            <a:effectRef idx="0">
+              <a:schemeClr val="accent1"/>
+            </a:effectRef>
+            <a:fontRef idx="minor">
+              <a:schemeClr val="tx1"/>
+            </a:fontRef>
+          </p:style>
+        </p:cxnSp>
+        <p:grpSp>
+          <p:nvGrpSpPr>
+            <p:cNvPr id="85" name="组合 84">
+              <a:extLst>
+                <a:ext uri="{FF2B5EF4-FFF2-40B4-BE49-F238E27FC236}">
+                  <a16:creationId xmlns:a16="http://schemas.microsoft.com/office/drawing/2014/main" id="{321D4381-33D9-44E9-A69D-F6A180F16ABD}"/>
+                </a:ext>
+              </a:extLst>
+            </p:cNvPr>
+            <p:cNvGrpSpPr/>
+            <p:nvPr/>
+          </p:nvGrpSpPr>
+          <p:grpSpPr>
+            <a:xfrm>
+              <a:off x="3216594" y="3100524"/>
+              <a:ext cx="792000" cy="792000"/>
+              <a:chOff x="5101774" y="2455056"/>
+              <a:chExt cx="792000" cy="792000"/>
+            </a:xfrm>
+          </p:grpSpPr>
+          <p:cxnSp>
+            <p:nvCxnSpPr>
+              <p:cNvPr id="34" name="直接连接符 33">
+                <a:extLst>
+                  <a:ext uri="{FF2B5EF4-FFF2-40B4-BE49-F238E27FC236}">
+                    <a16:creationId xmlns:a16="http://schemas.microsoft.com/office/drawing/2014/main" id="{3EF835D2-AFED-4476-A39D-312AA1A0439D}"/>
+                  </a:ext>
+                </a:extLst>
+              </p:cNvPr>
+              <p:cNvCxnSpPr/>
+              <p:nvPr/>
+            </p:nvCxnSpPr>
+            <p:spPr>
+              <a:xfrm>
+                <a:off x="5172391" y="2851056"/>
+                <a:ext cx="485402" cy="0"/>
+              </a:xfrm>
+              <a:prstGeom prst="line">
+                <a:avLst/>
+              </a:prstGeom>
+              <a:ln w="76200" cap="rnd">
+                <a:solidFill>
+                  <a:schemeClr val="tx1">
+                    <a:lumMod val="50000"/>
+                    <a:lumOff val="50000"/>
+                  </a:schemeClr>
+                </a:solidFill>
+                <a:round/>
+              </a:ln>
+            </p:spPr>
+            <p:style>
+              <a:lnRef idx="1">
+                <a:schemeClr val="accent1"/>
+              </a:lnRef>
+              <a:fillRef idx="0">
+                <a:schemeClr val="accent1"/>
+              </a:fillRef>
+              <a:effectRef idx="0">
+                <a:schemeClr val="accent1"/>
+              </a:effectRef>
+              <a:fontRef idx="minor">
+                <a:schemeClr val="tx1"/>
+              </a:fontRef>
+            </p:style>
+          </p:cxnSp>
+          <p:sp>
+            <p:nvSpPr>
+              <p:cNvPr id="84" name="弧形 83">
+                <a:extLst>
+                  <a:ext uri="{FF2B5EF4-FFF2-40B4-BE49-F238E27FC236}">
+                    <a16:creationId xmlns:a16="http://schemas.microsoft.com/office/drawing/2014/main" id="{738F2808-47EE-47C8-B763-C7EDABBE1A00}"/>
+                  </a:ext>
+                </a:extLst>
+              </p:cNvPr>
+              <p:cNvSpPr>
+                <a:spLocks noChangeAspect="1"/>
+              </p:cNvSpPr>
+              <p:nvPr/>
+            </p:nvSpPr>
+            <p:spPr>
+              <a:xfrm>
+                <a:off x="5101774" y="2455056"/>
+                <a:ext cx="792000" cy="792000"/>
+              </a:xfrm>
+              <a:prstGeom prst="arc">
+                <a:avLst>
+                  <a:gd name="adj1" fmla="val 3895352"/>
+                  <a:gd name="adj2" fmla="val 17604657"/>
+                </a:avLst>
+              </a:prstGeom>
+              <a:ln w="76200" cap="rnd">
+                <a:solidFill>
+                  <a:schemeClr val="bg1"/>
+                </a:solidFill>
+                <a:round/>
+              </a:ln>
+            </p:spPr>
+            <p:style>
+              <a:lnRef idx="1">
+                <a:schemeClr val="accent1"/>
+              </a:lnRef>
+              <a:fillRef idx="0">
+                <a:schemeClr val="accent1"/>
+              </a:fillRef>
+              <a:effectRef idx="0">
+                <a:schemeClr val="accent1"/>
+              </a:effectRef>
+              <a:fontRef idx="minor">
+                <a:schemeClr val="tx1"/>
+              </a:fontRef>
+            </p:style>
+            <p:txBody>
+              <a:bodyPr rtlCol="0" anchor="ctr"/>
+              <a:lstStyle/>
+              <a:p>
+                <a:pPr algn="ctr"/>
+                <a:endParaRPr lang="zh-CN" altLang="en-US"/>
+              </a:p>
+            </p:txBody>
+          </p:sp>
+        </p:grpSp>
+        <p:grpSp>
+          <p:nvGrpSpPr>
+            <p:cNvPr id="89" name="组合 88">
+              <a:extLst>
+                <a:ext uri="{FF2B5EF4-FFF2-40B4-BE49-F238E27FC236}">
+                  <a16:creationId xmlns:a16="http://schemas.microsoft.com/office/drawing/2014/main" id="{CBD42311-87DF-4F42-9D74-F7270BA26E2B}"/>
+                </a:ext>
+              </a:extLst>
+            </p:cNvPr>
+            <p:cNvGrpSpPr/>
+            <p:nvPr/>
+          </p:nvGrpSpPr>
+          <p:grpSpPr>
+            <a:xfrm>
+              <a:off x="7885418" y="2869986"/>
+              <a:ext cx="1080000" cy="1080000"/>
+              <a:chOff x="9835468" y="2491210"/>
+              <a:chExt cx="1080000" cy="1080000"/>
+            </a:xfrm>
+          </p:grpSpPr>
+          <p:sp>
+            <p:nvSpPr>
+              <p:cNvPr id="64" name="弧形 63">
+                <a:extLst>
+                  <a:ext uri="{FF2B5EF4-FFF2-40B4-BE49-F238E27FC236}">
+                    <a16:creationId xmlns:a16="http://schemas.microsoft.com/office/drawing/2014/main" id="{763EC656-CD8A-412B-9CDA-094285A2D60C}"/>
+                  </a:ext>
+                </a:extLst>
+              </p:cNvPr>
+              <p:cNvSpPr/>
+              <p:nvPr/>
+            </p:nvSpPr>
+            <p:spPr>
+              <a:xfrm>
+                <a:off x="10043516" y="2699258"/>
+                <a:ext cx="663905" cy="663905"/>
+              </a:xfrm>
+              <a:prstGeom prst="arc">
+                <a:avLst>
+                  <a:gd name="adj1" fmla="val 21364427"/>
+                  <a:gd name="adj2" fmla="val 21272467"/>
+                </a:avLst>
+              </a:prstGeom>
+              <a:ln w="76200" cap="rnd">
+                <a:solidFill>
+                  <a:schemeClr val="bg1"/>
+                </a:solidFill>
+                <a:round/>
+              </a:ln>
+            </p:spPr>
+            <p:style>
+              <a:lnRef idx="1">
+                <a:schemeClr val="accent1"/>
+              </a:lnRef>
+              <a:fillRef idx="0">
+                <a:schemeClr val="accent1"/>
+              </a:fillRef>
+              <a:effectRef idx="0">
+                <a:schemeClr val="accent1"/>
+              </a:effectRef>
+              <a:fontRef idx="minor">
+                <a:schemeClr val="tx1"/>
+              </a:fontRef>
+            </p:style>
+            <p:txBody>
+              <a:bodyPr rtlCol="0" anchor="ctr"/>
+              <a:lstStyle/>
+              <a:p>
+                <a:pPr algn="ctr"/>
+                <a:endParaRPr lang="zh-CN" altLang="en-US"/>
+              </a:p>
+            </p:txBody>
+          </p:sp>
+          <p:sp>
+            <p:nvSpPr>
+              <p:cNvPr id="88" name="弧形 87">
+                <a:extLst>
+                  <a:ext uri="{FF2B5EF4-FFF2-40B4-BE49-F238E27FC236}">
+                    <a16:creationId xmlns:a16="http://schemas.microsoft.com/office/drawing/2014/main" id="{A8D34806-3F7B-4942-B810-B6C8D5E1E13B}"/>
+                  </a:ext>
+                </a:extLst>
+              </p:cNvPr>
+              <p:cNvSpPr>
+                <a:spLocks noChangeAspect="1"/>
+              </p:cNvSpPr>
+              <p:nvPr/>
+            </p:nvSpPr>
+            <p:spPr>
+              <a:xfrm>
+                <a:off x="9835468" y="2491210"/>
+                <a:ext cx="1080000" cy="1080000"/>
+              </a:xfrm>
+              <a:prstGeom prst="arc">
+                <a:avLst>
+                  <a:gd name="adj1" fmla="val 15877922"/>
+                  <a:gd name="adj2" fmla="val 5881754"/>
+                </a:avLst>
+              </a:prstGeom>
+              <a:ln w="76200" cap="rnd">
+                <a:solidFill>
+                  <a:schemeClr val="tx1">
+                    <a:lumMod val="50000"/>
+                    <a:lumOff val="50000"/>
+                  </a:schemeClr>
+                </a:solidFill>
+                <a:round/>
+              </a:ln>
+            </p:spPr>
+            <p:style>
+              <a:lnRef idx="1">
+                <a:schemeClr val="accent1"/>
+              </a:lnRef>
+              <a:fillRef idx="0">
+                <a:schemeClr val="accent1"/>
+              </a:fillRef>
+              <a:effectRef idx="0">
+                <a:schemeClr val="accent1"/>
+              </a:effectRef>
+              <a:fontRef idx="minor">
+                <a:schemeClr val="tx1"/>
+              </a:fontRef>
+            </p:style>
+            <p:txBody>
+              <a:bodyPr rtlCol="0" anchor="ctr"/>
+              <a:lstStyle/>
+              <a:p>
+                <a:pPr algn="ctr"/>
+                <a:endParaRPr lang="zh-CN" altLang="en-US"/>
+              </a:p>
+            </p:txBody>
+          </p:sp>
+        </p:grpSp>
+      </p:grpSp>
+    </p:spTree>
+    <p:extLst>
+      <p:ext uri="{BB962C8B-B14F-4D97-AF65-F5344CB8AC3E}">
+        <p14:creationId xmlns:p14="http://schemas.microsoft.com/office/powerpoint/2010/main" val="4030841273"/>
+      </p:ext>
+    </p:extLst>
+  </p:cSld>
+  <p:clrMapOvr>
+    <a:masterClrMapping/>
+  </p:clrMapOvr>
+</p:sld>
+</file>
+
 <file path=ppt/theme/theme1.xml><?xml version="1.0" encoding="utf-8"?>
 <a:theme xmlns:a="http://schemas.openxmlformats.org/drawingml/2006/main" name="Office 主题​​">
   <a:themeElements>

--- a/UI.pptx
+++ b/UI.pptx
@@ -7,8 +7,9 @@
   <p:sldIdLst>
     <p:sldId id="260" r:id="rId2"/>
     <p:sldId id="261" r:id="rId3"/>
-    <p:sldId id="262" r:id="rId4"/>
-    <p:sldId id="263" r:id="rId5"/>
+    <p:sldId id="264" r:id="rId4"/>
+    <p:sldId id="262" r:id="rId5"/>
+    <p:sldId id="263" r:id="rId6"/>
   </p:sldIdLst>
   <p:sldSz cx="12192000" cy="6858000"/>
   <p:notesSz cx="6858000" cy="9144000"/>
@@ -262,7 +263,7 @@
           <a:p>
             <a:fld id="{F3BA182F-79D5-4EF3-A581-738F691F52DF}" type="datetimeFigureOut">
               <a:rPr lang="zh-CN" altLang="en-US" smtClean="0"/>
-              <a:t>2019/4/30</a:t>
+              <a:t>2019/5/3</a:t>
             </a:fld>
             <a:endParaRPr lang="zh-CN" altLang="en-US"/>
           </a:p>
@@ -460,7 +461,7 @@
           <a:p>
             <a:fld id="{F3BA182F-79D5-4EF3-A581-738F691F52DF}" type="datetimeFigureOut">
               <a:rPr lang="zh-CN" altLang="en-US" smtClean="0"/>
-              <a:t>2019/4/30</a:t>
+              <a:t>2019/5/3</a:t>
             </a:fld>
             <a:endParaRPr lang="zh-CN" altLang="en-US"/>
           </a:p>
@@ -668,7 +669,7 @@
           <a:p>
             <a:fld id="{F3BA182F-79D5-4EF3-A581-738F691F52DF}" type="datetimeFigureOut">
               <a:rPr lang="zh-CN" altLang="en-US" smtClean="0"/>
-              <a:t>2019/4/30</a:t>
+              <a:t>2019/5/3</a:t>
             </a:fld>
             <a:endParaRPr lang="zh-CN" altLang="en-US"/>
           </a:p>
@@ -866,7 +867,7 @@
           <a:p>
             <a:fld id="{F3BA182F-79D5-4EF3-A581-738F691F52DF}" type="datetimeFigureOut">
               <a:rPr lang="zh-CN" altLang="en-US" smtClean="0"/>
-              <a:t>2019/4/30</a:t>
+              <a:t>2019/5/3</a:t>
             </a:fld>
             <a:endParaRPr lang="zh-CN" altLang="en-US"/>
           </a:p>
@@ -1141,7 +1142,7 @@
           <a:p>
             <a:fld id="{F3BA182F-79D5-4EF3-A581-738F691F52DF}" type="datetimeFigureOut">
               <a:rPr lang="zh-CN" altLang="en-US" smtClean="0"/>
-              <a:t>2019/4/30</a:t>
+              <a:t>2019/5/3</a:t>
             </a:fld>
             <a:endParaRPr lang="zh-CN" altLang="en-US"/>
           </a:p>
@@ -1406,7 +1407,7 @@
           <a:p>
             <a:fld id="{F3BA182F-79D5-4EF3-A581-738F691F52DF}" type="datetimeFigureOut">
               <a:rPr lang="zh-CN" altLang="en-US" smtClean="0"/>
-              <a:t>2019/4/30</a:t>
+              <a:t>2019/5/3</a:t>
             </a:fld>
             <a:endParaRPr lang="zh-CN" altLang="en-US"/>
           </a:p>
@@ -1818,7 +1819,7 @@
           <a:p>
             <a:fld id="{F3BA182F-79D5-4EF3-A581-738F691F52DF}" type="datetimeFigureOut">
               <a:rPr lang="zh-CN" altLang="en-US" smtClean="0"/>
-              <a:t>2019/4/30</a:t>
+              <a:t>2019/5/3</a:t>
             </a:fld>
             <a:endParaRPr lang="zh-CN" altLang="en-US"/>
           </a:p>
@@ -1959,7 +1960,7 @@
           <a:p>
             <a:fld id="{F3BA182F-79D5-4EF3-A581-738F691F52DF}" type="datetimeFigureOut">
               <a:rPr lang="zh-CN" altLang="en-US" smtClean="0"/>
-              <a:t>2019/4/30</a:t>
+              <a:t>2019/5/3</a:t>
             </a:fld>
             <a:endParaRPr lang="zh-CN" altLang="en-US"/>
           </a:p>
@@ -2072,7 +2073,7 @@
           <a:p>
             <a:fld id="{F3BA182F-79D5-4EF3-A581-738F691F52DF}" type="datetimeFigureOut">
               <a:rPr lang="zh-CN" altLang="en-US" smtClean="0"/>
-              <a:t>2019/4/30</a:t>
+              <a:t>2019/5/3</a:t>
             </a:fld>
             <a:endParaRPr lang="zh-CN" altLang="en-US"/>
           </a:p>
@@ -2383,7 +2384,7 @@
           <a:p>
             <a:fld id="{F3BA182F-79D5-4EF3-A581-738F691F52DF}" type="datetimeFigureOut">
               <a:rPr lang="zh-CN" altLang="en-US" smtClean="0"/>
-              <a:t>2019/4/30</a:t>
+              <a:t>2019/5/3</a:t>
             </a:fld>
             <a:endParaRPr lang="zh-CN" altLang="en-US"/>
           </a:p>
@@ -2671,7 +2672,7 @@
           <a:p>
             <a:fld id="{F3BA182F-79D5-4EF3-A581-738F691F52DF}" type="datetimeFigureOut">
               <a:rPr lang="zh-CN" altLang="en-US" smtClean="0"/>
-              <a:t>2019/4/30</a:t>
+              <a:t>2019/5/3</a:t>
             </a:fld>
             <a:endParaRPr lang="zh-CN" altLang="en-US"/>
           </a:p>
@@ -2912,7 +2913,7 @@
           <a:p>
             <a:fld id="{F3BA182F-79D5-4EF3-A581-738F691F52DF}" type="datetimeFigureOut">
               <a:rPr lang="zh-CN" altLang="en-US" smtClean="0"/>
-              <a:t>2019/4/30</a:t>
+              <a:t>2019/5/3</a:t>
             </a:fld>
             <a:endParaRPr lang="zh-CN" altLang="en-US"/>
           </a:p>
@@ -6709,32 +6710,142 @@
           <a:chExt cx="0" cy="0"/>
         </a:xfrm>
       </p:grpSpPr>
+      <p:sp>
+        <p:nvSpPr>
+          <p:cNvPr id="23" name="矩形: 圆角 22">
+            <a:extLst>
+              <a:ext uri="{FF2B5EF4-FFF2-40B4-BE49-F238E27FC236}">
+                <a16:creationId xmlns:a16="http://schemas.microsoft.com/office/drawing/2014/main" id="{4E5ECD87-B485-4E6F-9956-145F41562FF7}"/>
+              </a:ext>
+            </a:extLst>
+          </p:cNvPr>
+          <p:cNvSpPr/>
+          <p:nvPr/>
+        </p:nvSpPr>
+        <p:spPr>
+          <a:xfrm>
+            <a:off x="1628259" y="1059238"/>
+            <a:ext cx="773516" cy="234000"/>
+          </a:xfrm>
+          <a:prstGeom prst="roundRect">
+            <a:avLst>
+              <a:gd name="adj" fmla="val 50000"/>
+            </a:avLst>
+          </a:prstGeom>
+          <a:solidFill>
+            <a:srgbClr val="5FE5DD"/>
+          </a:solidFill>
+          <a:ln w="19050">
+            <a:noFill/>
+          </a:ln>
+        </p:spPr>
+        <p:style>
+          <a:lnRef idx="2">
+            <a:schemeClr val="accent1">
+              <a:shade val="50000"/>
+            </a:schemeClr>
+          </a:lnRef>
+          <a:fillRef idx="1">
+            <a:schemeClr val="accent1"/>
+          </a:fillRef>
+          <a:effectRef idx="0">
+            <a:schemeClr val="accent1"/>
+          </a:effectRef>
+          <a:fontRef idx="minor">
+            <a:schemeClr val="lt1"/>
+          </a:fontRef>
+        </p:style>
+        <p:txBody>
+          <a:bodyPr rtlCol="0" anchor="ctr"/>
+          <a:lstStyle/>
+          <a:p>
+            <a:pPr algn="ctr"/>
+            <a:endParaRPr lang="zh-CN" altLang="en-US"/>
+          </a:p>
+        </p:txBody>
+      </p:sp>
+      <p:sp>
+        <p:nvSpPr>
+          <p:cNvPr id="25" name="矩形: 圆角 24">
+            <a:extLst>
+              <a:ext uri="{FF2B5EF4-FFF2-40B4-BE49-F238E27FC236}">
+                <a16:creationId xmlns:a16="http://schemas.microsoft.com/office/drawing/2014/main" id="{14C15968-0222-4370-9FB0-50285D7C1158}"/>
+              </a:ext>
+            </a:extLst>
+          </p:cNvPr>
+          <p:cNvSpPr/>
+          <p:nvPr/>
+        </p:nvSpPr>
+        <p:spPr>
+          <a:xfrm>
+            <a:off x="1628258" y="1293238"/>
+            <a:ext cx="773516" cy="234000"/>
+          </a:xfrm>
+          <a:prstGeom prst="roundRect">
+            <a:avLst>
+              <a:gd name="adj" fmla="val 50000"/>
+            </a:avLst>
+          </a:prstGeom>
+          <a:solidFill>
+            <a:srgbClr val="9BEFE9"/>
+          </a:solidFill>
+          <a:ln w="19050">
+            <a:noFill/>
+          </a:ln>
+        </p:spPr>
+        <p:style>
+          <a:lnRef idx="2">
+            <a:schemeClr val="accent1">
+              <a:shade val="50000"/>
+            </a:schemeClr>
+          </a:lnRef>
+          <a:fillRef idx="1">
+            <a:schemeClr val="accent1"/>
+          </a:fillRef>
+          <a:effectRef idx="0">
+            <a:schemeClr val="accent1"/>
+          </a:effectRef>
+          <a:fontRef idx="minor">
+            <a:schemeClr val="lt1"/>
+          </a:fontRef>
+        </p:style>
+        <p:txBody>
+          <a:bodyPr rtlCol="0" anchor="ctr"/>
+          <a:lstStyle/>
+          <a:p>
+            <a:pPr algn="ctr"/>
+            <a:endParaRPr lang="zh-CN" altLang="en-US"/>
+          </a:p>
+        </p:txBody>
+      </p:sp>
       <p:grpSp>
         <p:nvGrpSpPr>
-          <p:cNvPr id="5" name="组合 4">
-            <a:extLst>
-              <a:ext uri="{FF2B5EF4-FFF2-40B4-BE49-F238E27FC236}">
-                <a16:creationId xmlns:a16="http://schemas.microsoft.com/office/drawing/2014/main" id="{1B93D2FE-28D1-4701-8CC4-8C57C53F7719}"/>
-              </a:ext>
-            </a:extLst>
-          </p:cNvPr>
-          <p:cNvGrpSpPr/>
+          <p:cNvPr id="14" name="组合 13">
+            <a:extLst>
+              <a:ext uri="{FF2B5EF4-FFF2-40B4-BE49-F238E27FC236}">
+                <a16:creationId xmlns:a16="http://schemas.microsoft.com/office/drawing/2014/main" id="{91F2EFE0-CB2D-43B4-811B-7B46F86B0597}"/>
+              </a:ext>
+            </a:extLst>
+          </p:cNvPr>
+          <p:cNvGrpSpPr>
+            <a:grpSpLocks noChangeAspect="1"/>
+          </p:cNvGrpSpPr>
           <p:nvPr/>
         </p:nvGrpSpPr>
         <p:grpSpPr>
           <a:xfrm>
-            <a:off x="2473077" y="2681883"/>
-            <a:ext cx="1492623" cy="1494234"/>
-            <a:chOff x="5675478" y="1516860"/>
-            <a:chExt cx="1492623" cy="1494234"/>
+            <a:off x="2940167" y="1059238"/>
+            <a:ext cx="144829" cy="288000"/>
+            <a:chOff x="2940166" y="1059238"/>
+            <a:chExt cx="235347" cy="468000"/>
           </a:xfrm>
         </p:grpSpPr>
         <p:sp>
           <p:nvSpPr>
-            <p:cNvPr id="30" name="矩形: 圆角 29">
+            <p:cNvPr id="34" name="矩形: 圆角 33">
               <a:extLst>
                 <a:ext uri="{FF2B5EF4-FFF2-40B4-BE49-F238E27FC236}">
-                  <a16:creationId xmlns:a16="http://schemas.microsoft.com/office/drawing/2014/main" id="{175C0496-8E14-44E3-A2C2-2D8B59330D81}"/>
+                  <a16:creationId xmlns:a16="http://schemas.microsoft.com/office/drawing/2014/main" id="{5FB19D58-3CBD-4E87-9EFC-D3C99C72F321}"/>
                 </a:ext>
               </a:extLst>
             </p:cNvPr>
@@ -6743,8 +6854,8 @@
           </p:nvSpPr>
           <p:spPr>
             <a:xfrm>
-              <a:off x="5675478" y="1516861"/>
-              <a:ext cx="1492623" cy="1494233"/>
+              <a:off x="2940166" y="1059238"/>
+              <a:ext cx="235347" cy="234000"/>
             </a:xfrm>
             <a:prstGeom prst="roundRect">
               <a:avLst>
@@ -6752,18 +6863,13 @@
               </a:avLst>
             </a:prstGeom>
             <a:solidFill>
-              <a:schemeClr val="bg1"/>
+              <a:schemeClr val="bg1">
+                <a:lumMod val="85000"/>
+              </a:schemeClr>
             </a:solidFill>
-            <a:ln>
+            <a:ln w="19050">
               <a:noFill/>
             </a:ln>
-            <a:effectLst>
-              <a:outerShdw blurRad="101600" dist="38100" dir="5400000" algn="t" rotWithShape="0">
-                <a:schemeClr val="tx1">
-                  <a:alpha val="20000"/>
-                </a:schemeClr>
-              </a:outerShdw>
-            </a:effectLst>
           </p:spPr>
           <p:style>
             <a:lnRef idx="2">
@@ -6792,10 +6898,10 @@
         </p:sp>
         <p:sp>
           <p:nvSpPr>
-            <p:cNvPr id="27" name="矩形: 圆角 26">
+            <p:cNvPr id="36" name="矩形: 圆角 35">
               <a:extLst>
                 <a:ext uri="{FF2B5EF4-FFF2-40B4-BE49-F238E27FC236}">
-                  <a16:creationId xmlns:a16="http://schemas.microsoft.com/office/drawing/2014/main" id="{D5FBBFBD-C4D0-4625-9D7F-B99C3D3BF2DA}"/>
+                  <a16:creationId xmlns:a16="http://schemas.microsoft.com/office/drawing/2014/main" id="{39F9C29F-EA4C-405C-B200-F20D3FFA1080}"/>
                 </a:ext>
               </a:extLst>
             </p:cNvPr>
@@ -6804,22 +6910,18 @@
           </p:nvSpPr>
           <p:spPr>
             <a:xfrm>
-              <a:off x="5675478" y="1516860"/>
-              <a:ext cx="1492623" cy="1494233"/>
+              <a:off x="2940166" y="1293238"/>
+              <a:ext cx="235347" cy="234000"/>
             </a:xfrm>
             <a:prstGeom prst="roundRect">
               <a:avLst>
                 <a:gd name="adj" fmla="val 50000"/>
               </a:avLst>
             </a:prstGeom>
-            <a:blipFill dpi="0" rotWithShape="1">
-              <a:blip r:embed="rId2"/>
-              <a:srcRect/>
-              <a:stretch>
-                <a:fillRect/>
-              </a:stretch>
-            </a:blipFill>
-            <a:ln>
+            <a:solidFill>
+              <a:srgbClr val="5FE5DD"/>
+            </a:solidFill>
+            <a:ln w="19050">
               <a:noFill/>
             </a:ln>
           </p:spPr>
@@ -6848,7 +6950,144 @@
             </a:p>
           </p:txBody>
         </p:sp>
+        <p:grpSp>
+          <p:nvGrpSpPr>
+            <p:cNvPr id="12" name="组合 11">
+              <a:extLst>
+                <a:ext uri="{FF2B5EF4-FFF2-40B4-BE49-F238E27FC236}">
+                  <a16:creationId xmlns:a16="http://schemas.microsoft.com/office/drawing/2014/main" id="{BA0D470B-BA98-400C-A5C1-08D13F4AE905}"/>
+                </a:ext>
+              </a:extLst>
+            </p:cNvPr>
+            <p:cNvGrpSpPr/>
+            <p:nvPr/>
+          </p:nvGrpSpPr>
+          <p:grpSpPr>
+            <a:xfrm>
+              <a:off x="2999003" y="1345039"/>
+              <a:ext cx="117673" cy="130397"/>
+              <a:chOff x="4202723" y="1556238"/>
+              <a:chExt cx="218196" cy="241790"/>
+            </a:xfrm>
+          </p:grpSpPr>
+          <p:cxnSp>
+            <p:nvCxnSpPr>
+              <p:cNvPr id="6" name="直接连接符 5">
+                <a:extLst>
+                  <a:ext uri="{FF2B5EF4-FFF2-40B4-BE49-F238E27FC236}">
+                    <a16:creationId xmlns:a16="http://schemas.microsoft.com/office/drawing/2014/main" id="{6AEB06DA-3BD0-4139-A5B0-C6A8E7573D50}"/>
+                  </a:ext>
+                </a:extLst>
+              </p:cNvPr>
+              <p:cNvCxnSpPr/>
+              <p:nvPr/>
+            </p:nvCxnSpPr>
+            <p:spPr>
+              <a:xfrm>
+                <a:off x="4202723" y="1710082"/>
+                <a:ext cx="76344" cy="87945"/>
+              </a:xfrm>
+              <a:prstGeom prst="line">
+                <a:avLst/>
+              </a:prstGeom>
+              <a:ln w="19050" cap="rnd">
+                <a:solidFill>
+                  <a:schemeClr val="bg1"/>
+                </a:solidFill>
+                <a:round/>
+              </a:ln>
+            </p:spPr>
+            <p:style>
+              <a:lnRef idx="1">
+                <a:schemeClr val="accent1"/>
+              </a:lnRef>
+              <a:fillRef idx="0">
+                <a:schemeClr val="accent1"/>
+              </a:fillRef>
+              <a:effectRef idx="0">
+                <a:schemeClr val="accent1"/>
+              </a:effectRef>
+              <a:fontRef idx="minor">
+                <a:schemeClr val="tx1"/>
+              </a:fontRef>
+            </p:style>
+          </p:cxnSp>
+          <p:cxnSp>
+            <p:nvCxnSpPr>
+              <p:cNvPr id="38" name="直接连接符 37">
+                <a:extLst>
+                  <a:ext uri="{FF2B5EF4-FFF2-40B4-BE49-F238E27FC236}">
+                    <a16:creationId xmlns:a16="http://schemas.microsoft.com/office/drawing/2014/main" id="{367AE5CA-1610-467F-B6EB-79A306146CC1}"/>
+                  </a:ext>
+                </a:extLst>
+              </p:cNvPr>
+              <p:cNvCxnSpPr>
+                <a:cxnSpLocks/>
+              </p:cNvCxnSpPr>
+              <p:nvPr/>
+            </p:nvCxnSpPr>
+            <p:spPr>
+              <a:xfrm flipV="1">
+                <a:off x="4279067" y="1556238"/>
+                <a:ext cx="141852" cy="241790"/>
+              </a:xfrm>
+              <a:prstGeom prst="line">
+                <a:avLst/>
+              </a:prstGeom>
+              <a:ln w="19050" cap="rnd">
+                <a:solidFill>
+                  <a:schemeClr val="bg1"/>
+                </a:solidFill>
+                <a:round/>
+              </a:ln>
+            </p:spPr>
+            <p:style>
+              <a:lnRef idx="1">
+                <a:schemeClr val="accent1"/>
+              </a:lnRef>
+              <a:fillRef idx="0">
+                <a:schemeClr val="accent1"/>
+              </a:fillRef>
+              <a:effectRef idx="0">
+                <a:schemeClr val="accent1"/>
+              </a:effectRef>
+              <a:fontRef idx="minor">
+                <a:schemeClr val="tx1"/>
+              </a:fontRef>
+            </p:style>
+          </p:cxnSp>
+        </p:grpSp>
       </p:grpSp>
+    </p:spTree>
+    <p:extLst>
+      <p:ext uri="{BB962C8B-B14F-4D97-AF65-F5344CB8AC3E}">
+        <p14:creationId xmlns:p14="http://schemas.microsoft.com/office/powerpoint/2010/main" val="2151371382"/>
+      </p:ext>
+    </p:extLst>
+  </p:cSld>
+  <p:clrMapOvr>
+    <a:masterClrMapping/>
+  </p:clrMapOvr>
+</p:sld>
+</file>
+
+<file path=ppt/slides/slide4.xml><?xml version="1.0" encoding="utf-8"?>
+<p:sld xmlns:a="http://schemas.openxmlformats.org/drawingml/2006/main" xmlns:r="http://schemas.openxmlformats.org/officeDocument/2006/relationships" xmlns:p="http://schemas.openxmlformats.org/presentationml/2006/main">
+  <p:cSld>
+    <p:spTree>
+      <p:nvGrpSpPr>
+        <p:cNvPr id="1" name=""/>
+        <p:cNvGrpSpPr/>
+        <p:nvPr/>
+      </p:nvGrpSpPr>
+      <p:grpSpPr>
+        <a:xfrm>
+          <a:off x="0" y="0"/>
+          <a:ext cx="0" cy="0"/>
+          <a:chOff x="0" y="0"/>
+          <a:chExt cx="0" cy="0"/>
+        </a:xfrm>
+      </p:grpSpPr>
       <p:sp>
         <p:nvSpPr>
           <p:cNvPr id="23" name="矩形: 圆角 22">
@@ -6971,7 +7210,7 @@
         </p:nvGrpSpPr>
         <p:grpSpPr>
           <a:xfrm>
-            <a:off x="7030437" y="2645258"/>
+            <a:off x="5328959" y="3159279"/>
             <a:ext cx="663905" cy="663905"/>
             <a:chOff x="5598211" y="2485999"/>
             <a:chExt cx="252000" cy="252000"/>
@@ -7092,7 +7331,7 @@
         </p:nvGrpSpPr>
         <p:grpSpPr>
           <a:xfrm>
-            <a:off x="8066532" y="2645258"/>
+            <a:off x="6365054" y="3159279"/>
             <a:ext cx="312984" cy="663905"/>
             <a:chOff x="6000369" y="2485999"/>
             <a:chExt cx="118800" cy="252000"/>
@@ -7210,7 +7449,7 @@
         </p:nvGrpSpPr>
         <p:grpSpPr>
           <a:xfrm>
-            <a:off x="6022895" y="2780550"/>
+            <a:off x="4321417" y="3294571"/>
             <a:ext cx="635352" cy="528613"/>
             <a:chOff x="5208895" y="2542553"/>
             <a:chExt cx="241162" cy="200647"/>
@@ -7413,7 +7652,7 @@
         </p:nvGrpSpPr>
         <p:grpSpPr>
           <a:xfrm>
-            <a:off x="8573993" y="2645258"/>
+            <a:off x="6872515" y="3159279"/>
             <a:ext cx="667388" cy="663905"/>
             <a:chOff x="6201266" y="2485999"/>
             <a:chExt cx="253322" cy="252000"/>
@@ -7536,7 +7775,7 @@
         </p:nvCxnSpPr>
         <p:spPr>
           <a:xfrm>
-            <a:off x="9613571" y="2236087"/>
+            <a:off x="7912093" y="2750108"/>
             <a:ext cx="0" cy="1073076"/>
           </a:xfrm>
           <a:prstGeom prst="line">
@@ -7564,36 +7803,6 @@
           </a:fontRef>
         </p:style>
       </p:cxnSp>
-      <p:pic>
-        <p:nvPicPr>
-          <p:cNvPr id="83" name="图片 82">
-            <a:extLst>
-              <a:ext uri="{FF2B5EF4-FFF2-40B4-BE49-F238E27FC236}">
-                <a16:creationId xmlns:a16="http://schemas.microsoft.com/office/drawing/2014/main" id="{2D02C103-5063-4B6A-929D-26E64FE5E3D1}"/>
-              </a:ext>
-            </a:extLst>
-          </p:cNvPr>
-          <p:cNvPicPr>
-            <a:picLocks noChangeAspect="1"/>
-          </p:cNvPicPr>
-          <p:nvPr/>
-        </p:nvPicPr>
-        <p:blipFill>
-          <a:blip r:embed="rId3"/>
-          <a:stretch>
-            <a:fillRect/>
-          </a:stretch>
-        </p:blipFill>
-        <p:spPr>
-          <a:xfrm>
-            <a:off x="4701268" y="3907962"/>
-            <a:ext cx="6264183" cy="838273"/>
-          </a:xfrm>
-          <a:prstGeom prst="rect">
-            <a:avLst/>
-          </a:prstGeom>
-        </p:spPr>
-      </p:pic>
       <p:grpSp>
         <p:nvGrpSpPr>
           <p:cNvPr id="85" name="组合 84">
@@ -7608,7 +7817,7 @@
         </p:nvGrpSpPr>
         <p:grpSpPr>
           <a:xfrm>
-            <a:off x="5088816" y="2537054"/>
+            <a:off x="3387338" y="3051075"/>
             <a:ext cx="792000" cy="792000"/>
             <a:chOff x="5101774" y="2455056"/>
             <a:chExt cx="792000" cy="792000"/>
@@ -7729,7 +7938,7 @@
         </p:nvGrpSpPr>
         <p:grpSpPr>
           <a:xfrm>
-            <a:off x="9875627" y="2428979"/>
+            <a:off x="8174149" y="2943000"/>
             <a:ext cx="972000" cy="972000"/>
             <a:chOff x="9835468" y="2491210"/>
             <a:chExt cx="972000" cy="972000"/>
@@ -7860,7 +8069,7 @@
 </p:sld>
 </file>
 
-<file path=ppt/slides/slide4.xml><?xml version="1.0" encoding="utf-8"?>
+<file path=ppt/slides/slide5.xml><?xml version="1.0" encoding="utf-8"?>
 <p:sld xmlns:a="http://schemas.openxmlformats.org/drawingml/2006/main" xmlns:r="http://schemas.openxmlformats.org/officeDocument/2006/relationships" xmlns:p="http://schemas.openxmlformats.org/presentationml/2006/main">
   <p:cSld>
     <p:bg>

--- a/UI.pptx
+++ b/UI.pptx
@@ -263,7 +263,7 @@
           <a:p>
             <a:fld id="{F3BA182F-79D5-4EF3-A581-738F691F52DF}" type="datetimeFigureOut">
               <a:rPr lang="zh-CN" altLang="en-US" smtClean="0"/>
-              <a:t>2019/5/3</a:t>
+              <a:t>2019/5/10</a:t>
             </a:fld>
             <a:endParaRPr lang="zh-CN" altLang="en-US"/>
           </a:p>
@@ -461,7 +461,7 @@
           <a:p>
             <a:fld id="{F3BA182F-79D5-4EF3-A581-738F691F52DF}" type="datetimeFigureOut">
               <a:rPr lang="zh-CN" altLang="en-US" smtClean="0"/>
-              <a:t>2019/5/3</a:t>
+              <a:t>2019/5/10</a:t>
             </a:fld>
             <a:endParaRPr lang="zh-CN" altLang="en-US"/>
           </a:p>
@@ -669,7 +669,7 @@
           <a:p>
             <a:fld id="{F3BA182F-79D5-4EF3-A581-738F691F52DF}" type="datetimeFigureOut">
               <a:rPr lang="zh-CN" altLang="en-US" smtClean="0"/>
-              <a:t>2019/5/3</a:t>
+              <a:t>2019/5/10</a:t>
             </a:fld>
             <a:endParaRPr lang="zh-CN" altLang="en-US"/>
           </a:p>
@@ -867,7 +867,7 @@
           <a:p>
             <a:fld id="{F3BA182F-79D5-4EF3-A581-738F691F52DF}" type="datetimeFigureOut">
               <a:rPr lang="zh-CN" altLang="en-US" smtClean="0"/>
-              <a:t>2019/5/3</a:t>
+              <a:t>2019/5/10</a:t>
             </a:fld>
             <a:endParaRPr lang="zh-CN" altLang="en-US"/>
           </a:p>
@@ -1142,7 +1142,7 @@
           <a:p>
             <a:fld id="{F3BA182F-79D5-4EF3-A581-738F691F52DF}" type="datetimeFigureOut">
               <a:rPr lang="zh-CN" altLang="en-US" smtClean="0"/>
-              <a:t>2019/5/3</a:t>
+              <a:t>2019/5/10</a:t>
             </a:fld>
             <a:endParaRPr lang="zh-CN" altLang="en-US"/>
           </a:p>
@@ -1407,7 +1407,7 @@
           <a:p>
             <a:fld id="{F3BA182F-79D5-4EF3-A581-738F691F52DF}" type="datetimeFigureOut">
               <a:rPr lang="zh-CN" altLang="en-US" smtClean="0"/>
-              <a:t>2019/5/3</a:t>
+              <a:t>2019/5/10</a:t>
             </a:fld>
             <a:endParaRPr lang="zh-CN" altLang="en-US"/>
           </a:p>
@@ -1819,7 +1819,7 @@
           <a:p>
             <a:fld id="{F3BA182F-79D5-4EF3-A581-738F691F52DF}" type="datetimeFigureOut">
               <a:rPr lang="zh-CN" altLang="en-US" smtClean="0"/>
-              <a:t>2019/5/3</a:t>
+              <a:t>2019/5/10</a:t>
             </a:fld>
             <a:endParaRPr lang="zh-CN" altLang="en-US"/>
           </a:p>
@@ -1960,7 +1960,7 @@
           <a:p>
             <a:fld id="{F3BA182F-79D5-4EF3-A581-738F691F52DF}" type="datetimeFigureOut">
               <a:rPr lang="zh-CN" altLang="en-US" smtClean="0"/>
-              <a:t>2019/5/3</a:t>
+              <a:t>2019/5/10</a:t>
             </a:fld>
             <a:endParaRPr lang="zh-CN" altLang="en-US"/>
           </a:p>
@@ -2073,7 +2073,7 @@
           <a:p>
             <a:fld id="{F3BA182F-79D5-4EF3-A581-738F691F52DF}" type="datetimeFigureOut">
               <a:rPr lang="zh-CN" altLang="en-US" smtClean="0"/>
-              <a:t>2019/5/3</a:t>
+              <a:t>2019/5/10</a:t>
             </a:fld>
             <a:endParaRPr lang="zh-CN" altLang="en-US"/>
           </a:p>
@@ -2384,7 +2384,7 @@
           <a:p>
             <a:fld id="{F3BA182F-79D5-4EF3-A581-738F691F52DF}" type="datetimeFigureOut">
               <a:rPr lang="zh-CN" altLang="en-US" smtClean="0"/>
-              <a:t>2019/5/3</a:t>
+              <a:t>2019/5/10</a:t>
             </a:fld>
             <a:endParaRPr lang="zh-CN" altLang="en-US"/>
           </a:p>
@@ -2672,7 +2672,7 @@
           <a:p>
             <a:fld id="{F3BA182F-79D5-4EF3-A581-738F691F52DF}" type="datetimeFigureOut">
               <a:rPr lang="zh-CN" altLang="en-US" smtClean="0"/>
-              <a:t>2019/5/3</a:t>
+              <a:t>2019/5/10</a:t>
             </a:fld>
             <a:endParaRPr lang="zh-CN" altLang="en-US"/>
           </a:p>
@@ -2913,7 +2913,7 @@
           <a:p>
             <a:fld id="{F3BA182F-79D5-4EF3-A581-738F691F52DF}" type="datetimeFigureOut">
               <a:rPr lang="zh-CN" altLang="en-US" smtClean="0"/>
-              <a:t>2019/5/3</a:t>
+              <a:t>2019/5/10</a:t>
             </a:fld>
             <a:endParaRPr lang="zh-CN" altLang="en-US"/>
           </a:p>
@@ -6477,7 +6477,7 @@
           </p:nvSpPr>
           <p:spPr>
             <a:xfrm>
-              <a:off x="7427130" y="1462853"/>
+              <a:off x="7427131" y="1462853"/>
               <a:ext cx="450166" cy="606313"/>
             </a:xfrm>
             <a:custGeom>

--- a/UI.pptx
+++ b/UI.pptx
@@ -263,7 +263,7 @@
           <a:p>
             <a:fld id="{F3BA182F-79D5-4EF3-A581-738F691F52DF}" type="datetimeFigureOut">
               <a:rPr lang="zh-CN" altLang="en-US" smtClean="0"/>
-              <a:t>2019/5/10</a:t>
+              <a:t>2019/5/18</a:t>
             </a:fld>
             <a:endParaRPr lang="zh-CN" altLang="en-US"/>
           </a:p>
@@ -461,7 +461,7 @@
           <a:p>
             <a:fld id="{F3BA182F-79D5-4EF3-A581-738F691F52DF}" type="datetimeFigureOut">
               <a:rPr lang="zh-CN" altLang="en-US" smtClean="0"/>
-              <a:t>2019/5/10</a:t>
+              <a:t>2019/5/18</a:t>
             </a:fld>
             <a:endParaRPr lang="zh-CN" altLang="en-US"/>
           </a:p>
@@ -669,7 +669,7 @@
           <a:p>
             <a:fld id="{F3BA182F-79D5-4EF3-A581-738F691F52DF}" type="datetimeFigureOut">
               <a:rPr lang="zh-CN" altLang="en-US" smtClean="0"/>
-              <a:t>2019/5/10</a:t>
+              <a:t>2019/5/18</a:t>
             </a:fld>
             <a:endParaRPr lang="zh-CN" altLang="en-US"/>
           </a:p>
@@ -867,7 +867,7 @@
           <a:p>
             <a:fld id="{F3BA182F-79D5-4EF3-A581-738F691F52DF}" type="datetimeFigureOut">
               <a:rPr lang="zh-CN" altLang="en-US" smtClean="0"/>
-              <a:t>2019/5/10</a:t>
+              <a:t>2019/5/18</a:t>
             </a:fld>
             <a:endParaRPr lang="zh-CN" altLang="en-US"/>
           </a:p>
@@ -1142,7 +1142,7 @@
           <a:p>
             <a:fld id="{F3BA182F-79D5-4EF3-A581-738F691F52DF}" type="datetimeFigureOut">
               <a:rPr lang="zh-CN" altLang="en-US" smtClean="0"/>
-              <a:t>2019/5/10</a:t>
+              <a:t>2019/5/18</a:t>
             </a:fld>
             <a:endParaRPr lang="zh-CN" altLang="en-US"/>
           </a:p>
@@ -1407,7 +1407,7 @@
           <a:p>
             <a:fld id="{F3BA182F-79D5-4EF3-A581-738F691F52DF}" type="datetimeFigureOut">
               <a:rPr lang="zh-CN" altLang="en-US" smtClean="0"/>
-              <a:t>2019/5/10</a:t>
+              <a:t>2019/5/18</a:t>
             </a:fld>
             <a:endParaRPr lang="zh-CN" altLang="en-US"/>
           </a:p>
@@ -1819,7 +1819,7 @@
           <a:p>
             <a:fld id="{F3BA182F-79D5-4EF3-A581-738F691F52DF}" type="datetimeFigureOut">
               <a:rPr lang="zh-CN" altLang="en-US" smtClean="0"/>
-              <a:t>2019/5/10</a:t>
+              <a:t>2019/5/18</a:t>
             </a:fld>
             <a:endParaRPr lang="zh-CN" altLang="en-US"/>
           </a:p>
@@ -1960,7 +1960,7 @@
           <a:p>
             <a:fld id="{F3BA182F-79D5-4EF3-A581-738F691F52DF}" type="datetimeFigureOut">
               <a:rPr lang="zh-CN" altLang="en-US" smtClean="0"/>
-              <a:t>2019/5/10</a:t>
+              <a:t>2019/5/18</a:t>
             </a:fld>
             <a:endParaRPr lang="zh-CN" altLang="en-US"/>
           </a:p>
@@ -2073,7 +2073,7 @@
           <a:p>
             <a:fld id="{F3BA182F-79D5-4EF3-A581-738F691F52DF}" type="datetimeFigureOut">
               <a:rPr lang="zh-CN" altLang="en-US" smtClean="0"/>
-              <a:t>2019/5/10</a:t>
+              <a:t>2019/5/18</a:t>
             </a:fld>
             <a:endParaRPr lang="zh-CN" altLang="en-US"/>
           </a:p>
@@ -2384,7 +2384,7 @@
           <a:p>
             <a:fld id="{F3BA182F-79D5-4EF3-A581-738F691F52DF}" type="datetimeFigureOut">
               <a:rPr lang="zh-CN" altLang="en-US" smtClean="0"/>
-              <a:t>2019/5/10</a:t>
+              <a:t>2019/5/18</a:t>
             </a:fld>
             <a:endParaRPr lang="zh-CN" altLang="en-US"/>
           </a:p>
@@ -2672,7 +2672,7 @@
           <a:p>
             <a:fld id="{F3BA182F-79D5-4EF3-A581-738F691F52DF}" type="datetimeFigureOut">
               <a:rPr lang="zh-CN" altLang="en-US" smtClean="0"/>
-              <a:t>2019/5/10</a:t>
+              <a:t>2019/5/18</a:t>
             </a:fld>
             <a:endParaRPr lang="zh-CN" altLang="en-US"/>
           </a:p>
@@ -2913,7 +2913,7 @@
           <a:p>
             <a:fld id="{F3BA182F-79D5-4EF3-A581-738F691F52DF}" type="datetimeFigureOut">
               <a:rPr lang="zh-CN" altLang="en-US" smtClean="0"/>
-              <a:t>2019/5/10</a:t>
+              <a:t>2019/5/18</a:t>
             </a:fld>
             <a:endParaRPr lang="zh-CN" altLang="en-US"/>
           </a:p>
@@ -5229,6 +5229,185 @@
             </p:txBody>
           </p:sp>
         </p:grpSp>
+      </p:grpSp>
+      <p:sp>
+        <p:nvSpPr>
+          <p:cNvPr id="48" name="矩形 47">
+            <a:extLst>
+              <a:ext uri="{FF2B5EF4-FFF2-40B4-BE49-F238E27FC236}">
+                <a16:creationId xmlns:a16="http://schemas.microsoft.com/office/drawing/2014/main" id="{E9377AC8-5E45-48E5-B98D-91445F22E5D6}"/>
+              </a:ext>
+            </a:extLst>
+          </p:cNvPr>
+          <p:cNvSpPr/>
+          <p:nvPr/>
+        </p:nvSpPr>
+        <p:spPr>
+          <a:xfrm>
+            <a:off x="6020325" y="2108487"/>
+            <a:ext cx="652576" cy="652576"/>
+          </a:xfrm>
+          <a:prstGeom prst="rect">
+            <a:avLst/>
+          </a:prstGeom>
+          <a:solidFill>
+            <a:schemeClr val="bg1"/>
+          </a:solidFill>
+          <a:ln>
+            <a:noFill/>
+          </a:ln>
+        </p:spPr>
+        <p:style>
+          <a:lnRef idx="2">
+            <a:schemeClr val="accent1">
+              <a:shade val="50000"/>
+            </a:schemeClr>
+          </a:lnRef>
+          <a:fillRef idx="1">
+            <a:schemeClr val="accent1"/>
+          </a:fillRef>
+          <a:effectRef idx="0">
+            <a:schemeClr val="accent1"/>
+          </a:effectRef>
+          <a:fontRef idx="minor">
+            <a:schemeClr val="lt1"/>
+          </a:fontRef>
+        </p:style>
+        <p:txBody>
+          <a:bodyPr rtlCol="0" anchor="ctr"/>
+          <a:lstStyle/>
+          <a:p>
+            <a:pPr algn="ctr"/>
+            <a:endParaRPr lang="zh-CN" altLang="en-US"/>
+          </a:p>
+        </p:txBody>
+      </p:sp>
+      <p:grpSp>
+        <p:nvGrpSpPr>
+          <p:cNvPr id="50" name="组合 49">
+            <a:extLst>
+              <a:ext uri="{FF2B5EF4-FFF2-40B4-BE49-F238E27FC236}">
+                <a16:creationId xmlns:a16="http://schemas.microsoft.com/office/drawing/2014/main" id="{D92387AF-9000-493F-A463-3F9B349D8387}"/>
+              </a:ext>
+            </a:extLst>
+          </p:cNvPr>
+          <p:cNvGrpSpPr/>
+          <p:nvPr/>
+        </p:nvGrpSpPr>
+        <p:grpSpPr>
+          <a:xfrm>
+            <a:off x="6154187" y="2242349"/>
+            <a:ext cx="384853" cy="384853"/>
+            <a:chOff x="3443491" y="3402202"/>
+            <a:chExt cx="828000" cy="828000"/>
+          </a:xfrm>
+        </p:grpSpPr>
+        <p:sp>
+          <p:nvSpPr>
+            <p:cNvPr id="52" name="矩形: 圆角 51">
+              <a:extLst>
+                <a:ext uri="{FF2B5EF4-FFF2-40B4-BE49-F238E27FC236}">
+                  <a16:creationId xmlns:a16="http://schemas.microsoft.com/office/drawing/2014/main" id="{25D9C759-7571-4404-B1F1-4561B58E6096}"/>
+                </a:ext>
+              </a:extLst>
+            </p:cNvPr>
+            <p:cNvSpPr/>
+            <p:nvPr/>
+          </p:nvSpPr>
+          <p:spPr>
+            <a:xfrm>
+              <a:off x="3443491" y="3402202"/>
+              <a:ext cx="828000" cy="828000"/>
+            </a:xfrm>
+            <a:prstGeom prst="roundRect">
+              <a:avLst>
+                <a:gd name="adj" fmla="val 23039"/>
+              </a:avLst>
+            </a:prstGeom>
+            <a:noFill/>
+            <a:ln w="28575">
+              <a:solidFill>
+                <a:srgbClr val="D6CED1"/>
+              </a:solidFill>
+            </a:ln>
+          </p:spPr>
+          <p:style>
+            <a:lnRef idx="2">
+              <a:schemeClr val="accent1">
+                <a:shade val="50000"/>
+              </a:schemeClr>
+            </a:lnRef>
+            <a:fillRef idx="1">
+              <a:schemeClr val="accent1"/>
+            </a:fillRef>
+            <a:effectRef idx="0">
+              <a:schemeClr val="accent1"/>
+            </a:effectRef>
+            <a:fontRef idx="minor">
+              <a:schemeClr val="lt1"/>
+            </a:fontRef>
+          </p:style>
+          <p:txBody>
+            <a:bodyPr rtlCol="0" anchor="ctr"/>
+            <a:lstStyle/>
+            <a:p>
+              <a:pPr algn="ctr"/>
+              <a:endParaRPr lang="zh-CN" altLang="en-US"/>
+            </a:p>
+          </p:txBody>
+        </p:sp>
+        <p:sp>
+          <p:nvSpPr>
+            <p:cNvPr id="53" name="椭圆 52">
+              <a:extLst>
+                <a:ext uri="{FF2B5EF4-FFF2-40B4-BE49-F238E27FC236}">
+                  <a16:creationId xmlns:a16="http://schemas.microsoft.com/office/drawing/2014/main" id="{33642E71-EACB-4C73-B9A7-A9CAB6E53B9E}"/>
+                </a:ext>
+              </a:extLst>
+            </p:cNvPr>
+            <p:cNvSpPr/>
+            <p:nvPr/>
+          </p:nvSpPr>
+          <p:spPr>
+            <a:xfrm>
+              <a:off x="3683426" y="3624615"/>
+              <a:ext cx="350225" cy="363552"/>
+            </a:xfrm>
+            <a:prstGeom prst="ellipse">
+              <a:avLst/>
+            </a:prstGeom>
+            <a:solidFill>
+              <a:srgbClr val="B8ACAD"/>
+            </a:solidFill>
+            <a:ln w="76200">
+              <a:noFill/>
+            </a:ln>
+          </p:spPr>
+          <p:style>
+            <a:lnRef idx="2">
+              <a:schemeClr val="accent1">
+                <a:shade val="50000"/>
+              </a:schemeClr>
+            </a:lnRef>
+            <a:fillRef idx="1">
+              <a:schemeClr val="accent1"/>
+            </a:fillRef>
+            <a:effectRef idx="0">
+              <a:schemeClr val="accent1"/>
+            </a:effectRef>
+            <a:fontRef idx="minor">
+              <a:schemeClr val="lt1"/>
+            </a:fontRef>
+          </p:style>
+          <p:txBody>
+            <a:bodyPr rtlCol="0" anchor="ctr"/>
+            <a:lstStyle/>
+            <a:p>
+              <a:pPr algn="ctr"/>
+              <a:endParaRPr lang="zh-CN" altLang="en-US"/>
+            </a:p>
+          </p:txBody>
+        </p:sp>
       </p:grpSp>
     </p:spTree>
     <p:extLst>

--- a/UI.pptx
+++ b/UI.pptx
@@ -263,7 +263,7 @@
           <a:p>
             <a:fld id="{F3BA182F-79D5-4EF3-A581-738F691F52DF}" type="datetimeFigureOut">
               <a:rPr lang="zh-CN" altLang="en-US" smtClean="0"/>
-              <a:t>2019/5/18</a:t>
+              <a:t>2019/5/19</a:t>
             </a:fld>
             <a:endParaRPr lang="zh-CN" altLang="en-US"/>
           </a:p>
@@ -461,7 +461,7 @@
           <a:p>
             <a:fld id="{F3BA182F-79D5-4EF3-A581-738F691F52DF}" type="datetimeFigureOut">
               <a:rPr lang="zh-CN" altLang="en-US" smtClean="0"/>
-              <a:t>2019/5/18</a:t>
+              <a:t>2019/5/19</a:t>
             </a:fld>
             <a:endParaRPr lang="zh-CN" altLang="en-US"/>
           </a:p>
@@ -669,7 +669,7 @@
           <a:p>
             <a:fld id="{F3BA182F-79D5-4EF3-A581-738F691F52DF}" type="datetimeFigureOut">
               <a:rPr lang="zh-CN" altLang="en-US" smtClean="0"/>
-              <a:t>2019/5/18</a:t>
+              <a:t>2019/5/19</a:t>
             </a:fld>
             <a:endParaRPr lang="zh-CN" altLang="en-US"/>
           </a:p>
@@ -867,7 +867,7 @@
           <a:p>
             <a:fld id="{F3BA182F-79D5-4EF3-A581-738F691F52DF}" type="datetimeFigureOut">
               <a:rPr lang="zh-CN" altLang="en-US" smtClean="0"/>
-              <a:t>2019/5/18</a:t>
+              <a:t>2019/5/19</a:t>
             </a:fld>
             <a:endParaRPr lang="zh-CN" altLang="en-US"/>
           </a:p>
@@ -1142,7 +1142,7 @@
           <a:p>
             <a:fld id="{F3BA182F-79D5-4EF3-A581-738F691F52DF}" type="datetimeFigureOut">
               <a:rPr lang="zh-CN" altLang="en-US" smtClean="0"/>
-              <a:t>2019/5/18</a:t>
+              <a:t>2019/5/19</a:t>
             </a:fld>
             <a:endParaRPr lang="zh-CN" altLang="en-US"/>
           </a:p>
@@ -1407,7 +1407,7 @@
           <a:p>
             <a:fld id="{F3BA182F-79D5-4EF3-A581-738F691F52DF}" type="datetimeFigureOut">
               <a:rPr lang="zh-CN" altLang="en-US" smtClean="0"/>
-              <a:t>2019/5/18</a:t>
+              <a:t>2019/5/19</a:t>
             </a:fld>
             <a:endParaRPr lang="zh-CN" altLang="en-US"/>
           </a:p>
@@ -1819,7 +1819,7 @@
           <a:p>
             <a:fld id="{F3BA182F-79D5-4EF3-A581-738F691F52DF}" type="datetimeFigureOut">
               <a:rPr lang="zh-CN" altLang="en-US" smtClean="0"/>
-              <a:t>2019/5/18</a:t>
+              <a:t>2019/5/19</a:t>
             </a:fld>
             <a:endParaRPr lang="zh-CN" altLang="en-US"/>
           </a:p>
@@ -1960,7 +1960,7 @@
           <a:p>
             <a:fld id="{F3BA182F-79D5-4EF3-A581-738F691F52DF}" type="datetimeFigureOut">
               <a:rPr lang="zh-CN" altLang="en-US" smtClean="0"/>
-              <a:t>2019/5/18</a:t>
+              <a:t>2019/5/19</a:t>
             </a:fld>
             <a:endParaRPr lang="zh-CN" altLang="en-US"/>
           </a:p>
@@ -2073,7 +2073,7 @@
           <a:p>
             <a:fld id="{F3BA182F-79D5-4EF3-A581-738F691F52DF}" type="datetimeFigureOut">
               <a:rPr lang="zh-CN" altLang="en-US" smtClean="0"/>
-              <a:t>2019/5/18</a:t>
+              <a:t>2019/5/19</a:t>
             </a:fld>
             <a:endParaRPr lang="zh-CN" altLang="en-US"/>
           </a:p>
@@ -2384,7 +2384,7 @@
           <a:p>
             <a:fld id="{F3BA182F-79D5-4EF3-A581-738F691F52DF}" type="datetimeFigureOut">
               <a:rPr lang="zh-CN" altLang="en-US" smtClean="0"/>
-              <a:t>2019/5/18</a:t>
+              <a:t>2019/5/19</a:t>
             </a:fld>
             <a:endParaRPr lang="zh-CN" altLang="en-US"/>
           </a:p>
@@ -2672,7 +2672,7 @@
           <a:p>
             <a:fld id="{F3BA182F-79D5-4EF3-A581-738F691F52DF}" type="datetimeFigureOut">
               <a:rPr lang="zh-CN" altLang="en-US" smtClean="0"/>
-              <a:t>2019/5/18</a:t>
+              <a:t>2019/5/19</a:t>
             </a:fld>
             <a:endParaRPr lang="zh-CN" altLang="en-US"/>
           </a:p>
@@ -2913,7 +2913,7 @@
           <a:p>
             <a:fld id="{F3BA182F-79D5-4EF3-A581-738F691F52DF}" type="datetimeFigureOut">
               <a:rPr lang="zh-CN" altLang="en-US" smtClean="0"/>
-              <a:t>2019/5/18</a:t>
+              <a:t>2019/5/19</a:t>
             </a:fld>
             <a:endParaRPr lang="zh-CN" altLang="en-US"/>
           </a:p>
@@ -5282,133 +5282,60 @@
           </a:p>
         </p:txBody>
       </p:sp>
-      <p:grpSp>
-        <p:nvGrpSpPr>
-          <p:cNvPr id="50" name="组合 49">
-            <a:extLst>
-              <a:ext uri="{FF2B5EF4-FFF2-40B4-BE49-F238E27FC236}">
-                <a16:creationId xmlns:a16="http://schemas.microsoft.com/office/drawing/2014/main" id="{D92387AF-9000-493F-A463-3F9B349D8387}"/>
-              </a:ext>
-            </a:extLst>
-          </p:cNvPr>
-          <p:cNvGrpSpPr/>
+      <p:sp>
+        <p:nvSpPr>
+          <p:cNvPr id="2" name="梯形 1">
+            <a:extLst>
+              <a:ext uri="{FF2B5EF4-FFF2-40B4-BE49-F238E27FC236}">
+                <a16:creationId xmlns:a16="http://schemas.microsoft.com/office/drawing/2014/main" id="{BCA94FB3-F575-46EB-BE60-3CAD405FB0B6}"/>
+              </a:ext>
+            </a:extLst>
+          </p:cNvPr>
+          <p:cNvSpPr/>
           <p:nvPr/>
-        </p:nvGrpSpPr>
-        <p:grpSpPr>
-          <a:xfrm>
-            <a:off x="6154187" y="2242349"/>
-            <a:ext cx="384853" cy="384853"/>
-            <a:chOff x="3443491" y="3402202"/>
-            <a:chExt cx="828000" cy="828000"/>
+        </p:nvSpPr>
+        <p:spPr>
+          <a:xfrm flipV="1">
+            <a:off x="6116140" y="2320760"/>
+            <a:ext cx="460946" cy="292131"/>
           </a:xfrm>
-        </p:grpSpPr>
-        <p:sp>
-          <p:nvSpPr>
-            <p:cNvPr id="52" name="矩形: 圆角 51">
-              <a:extLst>
-                <a:ext uri="{FF2B5EF4-FFF2-40B4-BE49-F238E27FC236}">
-                  <a16:creationId xmlns:a16="http://schemas.microsoft.com/office/drawing/2014/main" id="{25D9C759-7571-4404-B1F1-4561B58E6096}"/>
-                </a:ext>
-              </a:extLst>
-            </p:cNvPr>
-            <p:cNvSpPr/>
-            <p:nvPr/>
-          </p:nvSpPr>
-          <p:spPr>
-            <a:xfrm>
-              <a:off x="3443491" y="3402202"/>
-              <a:ext cx="828000" cy="828000"/>
-            </a:xfrm>
-            <a:prstGeom prst="roundRect">
-              <a:avLst>
-                <a:gd name="adj" fmla="val 23039"/>
-              </a:avLst>
-            </a:prstGeom>
+          <a:prstGeom prst="trapezoid">
+            <a:avLst>
+              <a:gd name="adj" fmla="val 24999"/>
+            </a:avLst>
+          </a:prstGeom>
+          <a:solidFill>
+            <a:srgbClr val="D6CED1"/>
+          </a:solidFill>
+          <a:ln>
             <a:noFill/>
-            <a:ln w="28575">
-              <a:solidFill>
-                <a:srgbClr val="D6CED1"/>
-              </a:solidFill>
-            </a:ln>
-          </p:spPr>
-          <p:style>
-            <a:lnRef idx="2">
-              <a:schemeClr val="accent1">
-                <a:shade val="50000"/>
-              </a:schemeClr>
-            </a:lnRef>
-            <a:fillRef idx="1">
-              <a:schemeClr val="accent1"/>
-            </a:fillRef>
-            <a:effectRef idx="0">
-              <a:schemeClr val="accent1"/>
-            </a:effectRef>
-            <a:fontRef idx="minor">
-              <a:schemeClr val="lt1"/>
-            </a:fontRef>
-          </p:style>
-          <p:txBody>
-            <a:bodyPr rtlCol="0" anchor="ctr"/>
-            <a:lstStyle/>
-            <a:p>
-              <a:pPr algn="ctr"/>
-              <a:endParaRPr lang="zh-CN" altLang="en-US"/>
-            </a:p>
-          </p:txBody>
-        </p:sp>
-        <p:sp>
-          <p:nvSpPr>
-            <p:cNvPr id="53" name="椭圆 52">
-              <a:extLst>
-                <a:ext uri="{FF2B5EF4-FFF2-40B4-BE49-F238E27FC236}">
-                  <a16:creationId xmlns:a16="http://schemas.microsoft.com/office/drawing/2014/main" id="{33642E71-EACB-4C73-B9A7-A9CAB6E53B9E}"/>
-                </a:ext>
-              </a:extLst>
-            </p:cNvPr>
-            <p:cNvSpPr/>
-            <p:nvPr/>
-          </p:nvSpPr>
-          <p:spPr>
-            <a:xfrm>
-              <a:off x="3683426" y="3624615"/>
-              <a:ext cx="350225" cy="363552"/>
-            </a:xfrm>
-            <a:prstGeom prst="ellipse">
-              <a:avLst/>
-            </a:prstGeom>
-            <a:solidFill>
-              <a:srgbClr val="B8ACAD"/>
-            </a:solidFill>
-            <a:ln w="76200">
-              <a:noFill/>
-            </a:ln>
-          </p:spPr>
-          <p:style>
-            <a:lnRef idx="2">
-              <a:schemeClr val="accent1">
-                <a:shade val="50000"/>
-              </a:schemeClr>
-            </a:lnRef>
-            <a:fillRef idx="1">
-              <a:schemeClr val="accent1"/>
-            </a:fillRef>
-            <a:effectRef idx="0">
-              <a:schemeClr val="accent1"/>
-            </a:effectRef>
-            <a:fontRef idx="minor">
-              <a:schemeClr val="lt1"/>
-            </a:fontRef>
-          </p:style>
-          <p:txBody>
-            <a:bodyPr rtlCol="0" anchor="ctr"/>
-            <a:lstStyle/>
-            <a:p>
-              <a:pPr algn="ctr"/>
-              <a:endParaRPr lang="zh-CN" altLang="en-US"/>
-            </a:p>
-          </p:txBody>
-        </p:sp>
-      </p:grpSp>
+          </a:ln>
+        </p:spPr>
+        <p:style>
+          <a:lnRef idx="2">
+            <a:schemeClr val="accent1">
+              <a:shade val="50000"/>
+            </a:schemeClr>
+          </a:lnRef>
+          <a:fillRef idx="1">
+            <a:schemeClr val="accent1"/>
+          </a:fillRef>
+          <a:effectRef idx="0">
+            <a:schemeClr val="accent1"/>
+          </a:effectRef>
+          <a:fontRef idx="minor">
+            <a:schemeClr val="lt1"/>
+          </a:fontRef>
+        </p:style>
+        <p:txBody>
+          <a:bodyPr rtlCol="0" anchor="ctr"/>
+          <a:lstStyle/>
+          <a:p>
+            <a:pPr algn="ctr"/>
+            <a:endParaRPr lang="zh-CN" altLang="en-US"/>
+          </a:p>
+        </p:txBody>
+      </p:sp>
     </p:spTree>
     <p:extLst>
       <p:ext uri="{BB962C8B-B14F-4D97-AF65-F5344CB8AC3E}">
@@ -5447,6 +5374,65 @@
           <a:chExt cx="0" cy="0"/>
         </a:xfrm>
       </p:grpSpPr>
+      <p:sp>
+        <p:nvSpPr>
+          <p:cNvPr id="12" name="矩形 11">
+            <a:extLst>
+              <a:ext uri="{FF2B5EF4-FFF2-40B4-BE49-F238E27FC236}">
+                <a16:creationId xmlns:a16="http://schemas.microsoft.com/office/drawing/2014/main" id="{088CF8B8-437B-4B8F-8338-931A1D14AF80}"/>
+              </a:ext>
+            </a:extLst>
+          </p:cNvPr>
+          <p:cNvSpPr/>
+          <p:nvPr/>
+        </p:nvSpPr>
+        <p:spPr>
+          <a:xfrm>
+            <a:off x="3020786" y="3429000"/>
+            <a:ext cx="3477985" cy="1714500"/>
+          </a:xfrm>
+          <a:prstGeom prst="rect">
+            <a:avLst/>
+          </a:prstGeom>
+          <a:solidFill>
+            <a:schemeClr val="bg1"/>
+          </a:solidFill>
+          <a:ln>
+            <a:noFill/>
+          </a:ln>
+          <a:effectLst>
+            <a:outerShdw blurRad="127000" algn="ctr" rotWithShape="0">
+              <a:prstClr val="black">
+                <a:alpha val="20000"/>
+              </a:prstClr>
+            </a:outerShdw>
+          </a:effectLst>
+        </p:spPr>
+        <p:style>
+          <a:lnRef idx="2">
+            <a:schemeClr val="accent1">
+              <a:shade val="50000"/>
+            </a:schemeClr>
+          </a:lnRef>
+          <a:fillRef idx="1">
+            <a:schemeClr val="accent1"/>
+          </a:fillRef>
+          <a:effectRef idx="0">
+            <a:schemeClr val="accent1"/>
+          </a:effectRef>
+          <a:fontRef idx="minor">
+            <a:schemeClr val="lt1"/>
+          </a:fontRef>
+        </p:style>
+        <p:txBody>
+          <a:bodyPr rtlCol="0" anchor="ctr"/>
+          <a:lstStyle/>
+          <a:p>
+            <a:pPr algn="ctr"/>
+            <a:endParaRPr lang="zh-CN" altLang="en-US"/>
+          </a:p>
+        </p:txBody>
+      </p:sp>
       <p:sp>
         <p:nvSpPr>
           <p:cNvPr id="4" name="矩形 3">
@@ -6859,6 +6845,460 @@
           </p:txBody>
         </p:sp>
       </p:grpSp>
+      <p:grpSp>
+        <p:nvGrpSpPr>
+          <p:cNvPr id="7" name="组合 6">
+            <a:extLst>
+              <a:ext uri="{FF2B5EF4-FFF2-40B4-BE49-F238E27FC236}">
+                <a16:creationId xmlns:a16="http://schemas.microsoft.com/office/drawing/2014/main" id="{93840E56-5B7B-41A1-ACD2-FCE2ED30226A}"/>
+              </a:ext>
+            </a:extLst>
+          </p:cNvPr>
+          <p:cNvGrpSpPr/>
+          <p:nvPr/>
+        </p:nvGrpSpPr>
+        <p:grpSpPr>
+          <a:xfrm>
+            <a:off x="3310566" y="4227182"/>
+            <a:ext cx="2882096" cy="335666"/>
+            <a:chOff x="3321934" y="4166886"/>
+            <a:chExt cx="2882096" cy="335666"/>
+          </a:xfrm>
+        </p:grpSpPr>
+        <p:sp>
+          <p:nvSpPr>
+            <p:cNvPr id="2" name="矩形 1">
+              <a:extLst>
+                <a:ext uri="{FF2B5EF4-FFF2-40B4-BE49-F238E27FC236}">
+                  <a16:creationId xmlns:a16="http://schemas.microsoft.com/office/drawing/2014/main" id="{97410427-B79B-4E75-B5A0-72A57FFFFEA4}"/>
+                </a:ext>
+              </a:extLst>
+            </p:cNvPr>
+            <p:cNvSpPr/>
+            <p:nvPr/>
+          </p:nvSpPr>
+          <p:spPr>
+            <a:xfrm>
+              <a:off x="3321934" y="4166886"/>
+              <a:ext cx="2882096" cy="335666"/>
+            </a:xfrm>
+            <a:prstGeom prst="rect">
+              <a:avLst/>
+            </a:prstGeom>
+            <a:solidFill>
+              <a:schemeClr val="bg1">
+                <a:lumMod val="95000"/>
+              </a:schemeClr>
+            </a:solidFill>
+            <a:ln>
+              <a:noFill/>
+            </a:ln>
+            <a:effectLst/>
+          </p:spPr>
+          <p:style>
+            <a:lnRef idx="2">
+              <a:schemeClr val="accent1">
+                <a:shade val="50000"/>
+              </a:schemeClr>
+            </a:lnRef>
+            <a:fillRef idx="1">
+              <a:schemeClr val="accent1"/>
+            </a:fillRef>
+            <a:effectRef idx="0">
+              <a:schemeClr val="accent1"/>
+            </a:effectRef>
+            <a:fontRef idx="minor">
+              <a:schemeClr val="lt1"/>
+            </a:fontRef>
+          </p:style>
+          <p:txBody>
+            <a:bodyPr rtlCol="0" anchor="ctr"/>
+            <a:lstStyle/>
+            <a:p>
+              <a:pPr algn="ctr"/>
+              <a:endParaRPr lang="zh-CN" altLang="en-US"/>
+            </a:p>
+          </p:txBody>
+        </p:sp>
+        <p:grpSp>
+          <p:nvGrpSpPr>
+            <p:cNvPr id="31" name="组合 30">
+              <a:extLst>
+                <a:ext uri="{FF2B5EF4-FFF2-40B4-BE49-F238E27FC236}">
+                  <a16:creationId xmlns:a16="http://schemas.microsoft.com/office/drawing/2014/main" id="{B08C07C4-E3BA-47D8-A3BE-E6954DF1AE46}"/>
+                </a:ext>
+              </a:extLst>
+            </p:cNvPr>
+            <p:cNvGrpSpPr>
+              <a:grpSpLocks/>
+            </p:cNvGrpSpPr>
+            <p:nvPr/>
+          </p:nvGrpSpPr>
+          <p:grpSpPr>
+            <a:xfrm>
+              <a:off x="3415502" y="4219072"/>
+              <a:ext cx="216000" cy="216000"/>
+              <a:chOff x="5675478" y="1516860"/>
+              <a:chExt cx="1492624" cy="1531281"/>
+            </a:xfrm>
+            <a:effectLst/>
+          </p:grpSpPr>
+          <p:sp>
+            <p:nvSpPr>
+              <p:cNvPr id="34" name="矩形: 圆角 33">
+                <a:extLst>
+                  <a:ext uri="{FF2B5EF4-FFF2-40B4-BE49-F238E27FC236}">
+                    <a16:creationId xmlns:a16="http://schemas.microsoft.com/office/drawing/2014/main" id="{3825A476-D8C8-4DBF-BDDC-623866FFC82C}"/>
+                  </a:ext>
+                </a:extLst>
+              </p:cNvPr>
+              <p:cNvSpPr>
+                <a:spLocks noChangeAspect="1"/>
+              </p:cNvSpPr>
+              <p:nvPr/>
+            </p:nvSpPr>
+            <p:spPr>
+              <a:xfrm>
+                <a:off x="5675479" y="1553908"/>
+                <a:ext cx="1492623" cy="1494233"/>
+              </a:xfrm>
+              <a:prstGeom prst="roundRect">
+                <a:avLst>
+                  <a:gd name="adj" fmla="val 50000"/>
+                </a:avLst>
+              </a:prstGeom>
+              <a:solidFill>
+                <a:srgbClr val="EDEDF5"/>
+              </a:solidFill>
+              <a:ln>
+                <a:noFill/>
+              </a:ln>
+            </p:spPr>
+            <p:style>
+              <a:lnRef idx="2">
+                <a:schemeClr val="accent1">
+                  <a:shade val="50000"/>
+                </a:schemeClr>
+              </a:lnRef>
+              <a:fillRef idx="1">
+                <a:schemeClr val="accent1"/>
+              </a:fillRef>
+              <a:effectRef idx="0">
+                <a:schemeClr val="accent1"/>
+              </a:effectRef>
+              <a:fontRef idx="minor">
+                <a:schemeClr val="lt1"/>
+              </a:fontRef>
+            </p:style>
+            <p:txBody>
+              <a:bodyPr rtlCol="0" anchor="ctr"/>
+              <a:lstStyle/>
+              <a:p>
+                <a:pPr algn="ctr"/>
+                <a:endParaRPr lang="zh-CN" altLang="en-US"/>
+              </a:p>
+            </p:txBody>
+          </p:sp>
+          <p:sp>
+            <p:nvSpPr>
+              <p:cNvPr id="36" name="矩形: 圆角 35">
+                <a:extLst>
+                  <a:ext uri="{FF2B5EF4-FFF2-40B4-BE49-F238E27FC236}">
+                    <a16:creationId xmlns:a16="http://schemas.microsoft.com/office/drawing/2014/main" id="{A660D11A-3BF0-464F-B300-CEDBD3144B2E}"/>
+                  </a:ext>
+                </a:extLst>
+              </p:cNvPr>
+              <p:cNvSpPr/>
+              <p:nvPr/>
+            </p:nvSpPr>
+            <p:spPr>
+              <a:xfrm>
+                <a:off x="5675478" y="1516861"/>
+                <a:ext cx="1492623" cy="1494233"/>
+              </a:xfrm>
+              <a:prstGeom prst="roundRect">
+                <a:avLst>
+                  <a:gd name="adj" fmla="val 50000"/>
+                </a:avLst>
+              </a:prstGeom>
+              <a:solidFill>
+                <a:schemeClr val="bg1"/>
+              </a:solidFill>
+              <a:ln>
+                <a:noFill/>
+              </a:ln>
+            </p:spPr>
+            <p:style>
+              <a:lnRef idx="2">
+                <a:schemeClr val="accent1">
+                  <a:shade val="50000"/>
+                </a:schemeClr>
+              </a:lnRef>
+              <a:fillRef idx="1">
+                <a:schemeClr val="accent1"/>
+              </a:fillRef>
+              <a:effectRef idx="0">
+                <a:schemeClr val="accent1"/>
+              </a:effectRef>
+              <a:fontRef idx="minor">
+                <a:schemeClr val="lt1"/>
+              </a:fontRef>
+            </p:style>
+            <p:txBody>
+              <a:bodyPr rtlCol="0" anchor="ctr"/>
+              <a:lstStyle/>
+              <a:p>
+                <a:pPr algn="ctr"/>
+                <a:endParaRPr lang="zh-CN" altLang="en-US"/>
+              </a:p>
+            </p:txBody>
+          </p:sp>
+          <p:sp>
+            <p:nvSpPr>
+              <p:cNvPr id="37" name="矩形: 圆角 36">
+                <a:extLst>
+                  <a:ext uri="{FF2B5EF4-FFF2-40B4-BE49-F238E27FC236}">
+                    <a16:creationId xmlns:a16="http://schemas.microsoft.com/office/drawing/2014/main" id="{DBD160E2-46E3-4747-88F2-4FC4B77BC68F}"/>
+                  </a:ext>
+                </a:extLst>
+              </p:cNvPr>
+              <p:cNvSpPr/>
+              <p:nvPr/>
+            </p:nvSpPr>
+            <p:spPr>
+              <a:xfrm>
+                <a:off x="5675478" y="1516860"/>
+                <a:ext cx="1492623" cy="1494233"/>
+              </a:xfrm>
+              <a:prstGeom prst="roundRect">
+                <a:avLst>
+                  <a:gd name="adj" fmla="val 50000"/>
+                </a:avLst>
+              </a:prstGeom>
+              <a:blipFill dpi="0" rotWithShape="1">
+                <a:blip r:embed="rId2"/>
+                <a:srcRect/>
+                <a:stretch>
+                  <a:fillRect/>
+                </a:stretch>
+              </a:blipFill>
+              <a:ln>
+                <a:noFill/>
+              </a:ln>
+            </p:spPr>
+            <p:style>
+              <a:lnRef idx="2">
+                <a:schemeClr val="accent1">
+                  <a:shade val="50000"/>
+                </a:schemeClr>
+              </a:lnRef>
+              <a:fillRef idx="1">
+                <a:schemeClr val="accent1"/>
+              </a:fillRef>
+              <a:effectRef idx="0">
+                <a:schemeClr val="accent1"/>
+              </a:effectRef>
+              <a:fontRef idx="minor">
+                <a:schemeClr val="lt1"/>
+              </a:fontRef>
+            </p:style>
+            <p:txBody>
+              <a:bodyPr rtlCol="0" anchor="ctr"/>
+              <a:lstStyle/>
+              <a:p>
+                <a:pPr algn="ctr"/>
+                <a:endParaRPr lang="zh-CN" altLang="en-US"/>
+              </a:p>
+            </p:txBody>
+          </p:sp>
+        </p:grpSp>
+        <p:sp>
+          <p:nvSpPr>
+            <p:cNvPr id="6" name="文本框 5">
+              <a:extLst>
+                <a:ext uri="{FF2B5EF4-FFF2-40B4-BE49-F238E27FC236}">
+                  <a16:creationId xmlns:a16="http://schemas.microsoft.com/office/drawing/2014/main" id="{C208CFB0-0E06-4444-996E-0CEBBCC17FE3}"/>
+                </a:ext>
+              </a:extLst>
+            </p:cNvPr>
+            <p:cNvSpPr txBox="1"/>
+            <p:nvPr/>
+          </p:nvSpPr>
+          <p:spPr>
+            <a:xfrm>
+              <a:off x="3649439" y="4200973"/>
+              <a:ext cx="1978427" cy="253916"/>
+            </a:xfrm>
+            <a:prstGeom prst="rect">
+              <a:avLst/>
+            </a:prstGeom>
+            <a:noFill/>
+          </p:spPr>
+          <p:txBody>
+            <a:bodyPr wrap="none" rtlCol="0">
+              <a:spAutoFit/>
+            </a:bodyPr>
+            <a:lstStyle/>
+            <a:p>
+              <a:r>
+                <a:rPr lang="zh-CN" altLang="en-US" sz="1050" dirty="0">
+                  <a:solidFill>
+                    <a:schemeClr val="tx1">
+                      <a:lumMod val="65000"/>
+                      <a:lumOff val="35000"/>
+                    </a:schemeClr>
+                  </a:solidFill>
+                  <a:latin typeface="微软雅黑" panose="020B0503020204020204" pitchFamily="34" charset="-122"/>
+                  <a:ea typeface="微软雅黑" panose="020B0503020204020204" pitchFamily="34" charset="-122"/>
+                </a:rPr>
+                <a:t>在此处创建</a:t>
+              </a:r>
+              <a:r>
+                <a:rPr lang="en-US" altLang="zh-CN" sz="1050" dirty="0">
+                  <a:solidFill>
+                    <a:schemeClr val="tx1">
+                      <a:lumMod val="65000"/>
+                      <a:lumOff val="35000"/>
+                    </a:schemeClr>
+                  </a:solidFill>
+                  <a:latin typeface="微软雅黑" panose="020B0503020204020204" pitchFamily="34" charset="-122"/>
+                  <a:ea typeface="微软雅黑" panose="020B0503020204020204" pitchFamily="34" charset="-122"/>
+                </a:rPr>
+                <a:t>/</a:t>
+              </a:r>
+              <a:r>
+                <a:rPr lang="zh-CN" altLang="en-US" sz="1050" dirty="0">
+                  <a:solidFill>
+                    <a:schemeClr val="tx1">
+                      <a:lumMod val="65000"/>
+                      <a:lumOff val="35000"/>
+                    </a:schemeClr>
+                  </a:solidFill>
+                  <a:latin typeface="微软雅黑" panose="020B0503020204020204" pitchFamily="34" charset="-122"/>
+                  <a:ea typeface="微软雅黑" panose="020B0503020204020204" pitchFamily="34" charset="-122"/>
+                </a:rPr>
+                <a:t>更新</a:t>
+              </a:r>
+              <a:r>
+                <a:rPr lang="en-US" altLang="zh-CN" sz="1050" dirty="0">
+                  <a:solidFill>
+                    <a:schemeClr val="tx1">
+                      <a:lumMod val="65000"/>
+                      <a:lumOff val="35000"/>
+                    </a:schemeClr>
+                  </a:solidFill>
+                  <a:latin typeface="微软雅黑" panose="020B0503020204020204" pitchFamily="34" charset="-122"/>
+                  <a:ea typeface="微软雅黑" panose="020B0503020204020204" pitchFamily="34" charset="-122"/>
+                </a:rPr>
+                <a:t>Emerald</a:t>
+              </a:r>
+              <a:r>
+                <a:rPr lang="zh-CN" altLang="en-US" sz="1050" dirty="0">
+                  <a:solidFill>
+                    <a:schemeClr val="tx1">
+                      <a:lumMod val="65000"/>
+                      <a:lumOff val="35000"/>
+                    </a:schemeClr>
+                  </a:solidFill>
+                  <a:latin typeface="微软雅黑" panose="020B0503020204020204" pitchFamily="34" charset="-122"/>
+                  <a:ea typeface="微软雅黑" panose="020B0503020204020204" pitchFamily="34" charset="-122"/>
+                </a:rPr>
+                <a:t>工程</a:t>
+              </a:r>
+            </a:p>
+          </p:txBody>
+        </p:sp>
+      </p:grpSp>
+      <p:pic>
+        <p:nvPicPr>
+          <p:cNvPr id="11" name="图片 10">
+            <a:extLst>
+              <a:ext uri="{FF2B5EF4-FFF2-40B4-BE49-F238E27FC236}">
+                <a16:creationId xmlns:a16="http://schemas.microsoft.com/office/drawing/2014/main" id="{FA1ECBA9-708D-447C-B086-1693208FB648}"/>
+              </a:ext>
+            </a:extLst>
+          </p:cNvPr>
+          <p:cNvPicPr>
+            <a:picLocks noChangeAspect="1"/>
+          </p:cNvPicPr>
+          <p:nvPr/>
+        </p:nvPicPr>
+        <p:blipFill>
+          <a:blip r:embed="rId3">
+            <a:extLst>
+              <a:ext uri="{28A0092B-C50C-407E-A947-70E740481C1C}">
+                <a14:useLocalDpi xmlns:a14="http://schemas.microsoft.com/office/drawing/2010/main" val="0"/>
+              </a:ext>
+            </a:extLst>
+          </a:blip>
+          <a:stretch>
+            <a:fillRect/>
+          </a:stretch>
+        </p:blipFill>
+        <p:spPr>
+          <a:xfrm>
+            <a:off x="3187836" y="3531558"/>
+            <a:ext cx="335666" cy="335666"/>
+          </a:xfrm>
+          <a:prstGeom prst="rect">
+            <a:avLst/>
+          </a:prstGeom>
+        </p:spPr>
+      </p:pic>
+      <p:sp>
+        <p:nvSpPr>
+          <p:cNvPr id="38" name="文本框 37">
+            <a:extLst>
+              <a:ext uri="{FF2B5EF4-FFF2-40B4-BE49-F238E27FC236}">
+                <a16:creationId xmlns:a16="http://schemas.microsoft.com/office/drawing/2014/main" id="{BC5BAA33-D43E-44D6-8229-40382B7815CD}"/>
+              </a:ext>
+            </a:extLst>
+          </p:cNvPr>
+          <p:cNvSpPr txBox="1"/>
+          <p:nvPr/>
+        </p:nvSpPr>
+        <p:spPr>
+          <a:xfrm>
+            <a:off x="3569828" y="3580597"/>
+            <a:ext cx="713657" cy="253916"/>
+          </a:xfrm>
+          <a:prstGeom prst="rect">
+            <a:avLst/>
+          </a:prstGeom>
+          <a:noFill/>
+        </p:spPr>
+        <p:txBody>
+          <a:bodyPr wrap="none" rtlCol="0">
+            <a:spAutoFit/>
+          </a:bodyPr>
+          <a:lstStyle/>
+          <a:p>
+            <a:r>
+              <a:rPr lang="en-US" altLang="zh-CN" sz="1050" dirty="0">
+                <a:solidFill>
+                  <a:schemeClr val="tx1">
+                    <a:lumMod val="65000"/>
+                    <a:lumOff val="35000"/>
+                  </a:schemeClr>
+                </a:solidFill>
+                <a:latin typeface="微软雅黑" panose="020B0503020204020204" pitchFamily="34" charset="-122"/>
+                <a:ea typeface="微软雅黑" panose="020B0503020204020204" pitchFamily="34" charset="-122"/>
+              </a:rPr>
+              <a:t>Explorer</a:t>
+            </a:r>
+            <a:endParaRPr lang="zh-CN" altLang="en-US" sz="1050" dirty="0">
+              <a:solidFill>
+                <a:schemeClr val="tx1">
+                  <a:lumMod val="65000"/>
+                  <a:lumOff val="35000"/>
+                </a:schemeClr>
+              </a:solidFill>
+              <a:latin typeface="微软雅黑" panose="020B0503020204020204" pitchFamily="34" charset="-122"/>
+              <a:ea typeface="微软雅黑" panose="020B0503020204020204" pitchFamily="34" charset="-122"/>
+            </a:endParaRPr>
+          </a:p>
+        </p:txBody>
+      </p:sp>
     </p:spTree>
     <p:extLst>
       <p:ext uri="{BB962C8B-B14F-4D97-AF65-F5344CB8AC3E}">

--- a/UI.pptx
+++ b/UI.pptx
@@ -263,7 +263,7 @@
           <a:p>
             <a:fld id="{F3BA182F-79D5-4EF3-A581-738F691F52DF}" type="datetimeFigureOut">
               <a:rPr lang="zh-CN" altLang="en-US" smtClean="0"/>
-              <a:t>2019/5/19</a:t>
+              <a:t>2019/5/24</a:t>
             </a:fld>
             <a:endParaRPr lang="zh-CN" altLang="en-US"/>
           </a:p>
@@ -461,7 +461,7 @@
           <a:p>
             <a:fld id="{F3BA182F-79D5-4EF3-A581-738F691F52DF}" type="datetimeFigureOut">
               <a:rPr lang="zh-CN" altLang="en-US" smtClean="0"/>
-              <a:t>2019/5/19</a:t>
+              <a:t>2019/5/24</a:t>
             </a:fld>
             <a:endParaRPr lang="zh-CN" altLang="en-US"/>
           </a:p>
@@ -669,7 +669,7 @@
           <a:p>
             <a:fld id="{F3BA182F-79D5-4EF3-A581-738F691F52DF}" type="datetimeFigureOut">
               <a:rPr lang="zh-CN" altLang="en-US" smtClean="0"/>
-              <a:t>2019/5/19</a:t>
+              <a:t>2019/5/24</a:t>
             </a:fld>
             <a:endParaRPr lang="zh-CN" altLang="en-US"/>
           </a:p>
@@ -867,7 +867,7 @@
           <a:p>
             <a:fld id="{F3BA182F-79D5-4EF3-A581-738F691F52DF}" type="datetimeFigureOut">
               <a:rPr lang="zh-CN" altLang="en-US" smtClean="0"/>
-              <a:t>2019/5/19</a:t>
+              <a:t>2019/5/24</a:t>
             </a:fld>
             <a:endParaRPr lang="zh-CN" altLang="en-US"/>
           </a:p>
@@ -1142,7 +1142,7 @@
           <a:p>
             <a:fld id="{F3BA182F-79D5-4EF3-A581-738F691F52DF}" type="datetimeFigureOut">
               <a:rPr lang="zh-CN" altLang="en-US" smtClean="0"/>
-              <a:t>2019/5/19</a:t>
+              <a:t>2019/5/24</a:t>
             </a:fld>
             <a:endParaRPr lang="zh-CN" altLang="en-US"/>
           </a:p>
@@ -1407,7 +1407,7 @@
           <a:p>
             <a:fld id="{F3BA182F-79D5-4EF3-A581-738F691F52DF}" type="datetimeFigureOut">
               <a:rPr lang="zh-CN" altLang="en-US" smtClean="0"/>
-              <a:t>2019/5/19</a:t>
+              <a:t>2019/5/24</a:t>
             </a:fld>
             <a:endParaRPr lang="zh-CN" altLang="en-US"/>
           </a:p>
@@ -1819,7 +1819,7 @@
           <a:p>
             <a:fld id="{F3BA182F-79D5-4EF3-A581-738F691F52DF}" type="datetimeFigureOut">
               <a:rPr lang="zh-CN" altLang="en-US" smtClean="0"/>
-              <a:t>2019/5/19</a:t>
+              <a:t>2019/5/24</a:t>
             </a:fld>
             <a:endParaRPr lang="zh-CN" altLang="en-US"/>
           </a:p>
@@ -1960,7 +1960,7 @@
           <a:p>
             <a:fld id="{F3BA182F-79D5-4EF3-A581-738F691F52DF}" type="datetimeFigureOut">
               <a:rPr lang="zh-CN" altLang="en-US" smtClean="0"/>
-              <a:t>2019/5/19</a:t>
+              <a:t>2019/5/24</a:t>
             </a:fld>
             <a:endParaRPr lang="zh-CN" altLang="en-US"/>
           </a:p>
@@ -2073,7 +2073,7 @@
           <a:p>
             <a:fld id="{F3BA182F-79D5-4EF3-A581-738F691F52DF}" type="datetimeFigureOut">
               <a:rPr lang="zh-CN" altLang="en-US" smtClean="0"/>
-              <a:t>2019/5/19</a:t>
+              <a:t>2019/5/24</a:t>
             </a:fld>
             <a:endParaRPr lang="zh-CN" altLang="en-US"/>
           </a:p>
@@ -2384,7 +2384,7 @@
           <a:p>
             <a:fld id="{F3BA182F-79D5-4EF3-A581-738F691F52DF}" type="datetimeFigureOut">
               <a:rPr lang="zh-CN" altLang="en-US" smtClean="0"/>
-              <a:t>2019/5/19</a:t>
+              <a:t>2019/5/24</a:t>
             </a:fld>
             <a:endParaRPr lang="zh-CN" altLang="en-US"/>
           </a:p>
@@ -2672,7 +2672,7 @@
           <a:p>
             <a:fld id="{F3BA182F-79D5-4EF3-A581-738F691F52DF}" type="datetimeFigureOut">
               <a:rPr lang="zh-CN" altLang="en-US" smtClean="0"/>
-              <a:t>2019/5/19</a:t>
+              <a:t>2019/5/24</a:t>
             </a:fld>
             <a:endParaRPr lang="zh-CN" altLang="en-US"/>
           </a:p>
@@ -2913,7 +2913,7 @@
           <a:p>
             <a:fld id="{F3BA182F-79D5-4EF3-A581-738F691F52DF}" type="datetimeFigureOut">
               <a:rPr lang="zh-CN" altLang="en-US" smtClean="0"/>
-              <a:t>2019/5/19</a:t>
+              <a:t>2019/5/24</a:t>
             </a:fld>
             <a:endParaRPr lang="zh-CN" altLang="en-US"/>
           </a:p>
@@ -7296,6 +7296,77 @@
               <a:latin typeface="微软雅黑" panose="020B0503020204020204" pitchFamily="34" charset="-122"/>
               <a:ea typeface="微软雅黑" panose="020B0503020204020204" pitchFamily="34" charset="-122"/>
             </a:endParaRPr>
+          </a:p>
+        </p:txBody>
+      </p:sp>
+      <p:sp>
+        <p:nvSpPr>
+          <p:cNvPr id="48" name="矩形: 圆角 47">
+            <a:extLst>
+              <a:ext uri="{FF2B5EF4-FFF2-40B4-BE49-F238E27FC236}">
+                <a16:creationId xmlns:a16="http://schemas.microsoft.com/office/drawing/2014/main" id="{A3997D1F-6537-4EA7-AD46-E6DD8AF9D72C}"/>
+              </a:ext>
+            </a:extLst>
+          </p:cNvPr>
+          <p:cNvSpPr/>
+          <p:nvPr/>
+        </p:nvSpPr>
+        <p:spPr>
+          <a:xfrm>
+            <a:off x="8963425" y="1609126"/>
+            <a:ext cx="1492623" cy="1494233"/>
+          </a:xfrm>
+          <a:prstGeom prst="roundRect">
+            <a:avLst>
+              <a:gd name="adj" fmla="val 50000"/>
+            </a:avLst>
+          </a:prstGeom>
+          <a:blipFill dpi="0" rotWithShape="1">
+            <a:blip r:embed="rId4">
+              <a:extLst>
+                <a:ext uri="{28A0092B-C50C-407E-A947-70E740481C1C}">
+                  <a14:useLocalDpi xmlns:a14="http://schemas.microsoft.com/office/drawing/2010/main" val="0"/>
+                </a:ext>
+              </a:extLst>
+            </a:blip>
+            <a:srcRect/>
+            <a:stretch>
+              <a:fillRect/>
+            </a:stretch>
+          </a:blipFill>
+          <a:ln>
+            <a:noFill/>
+          </a:ln>
+          <a:effectLst>
+            <a:outerShdw blurRad="203200" algn="ctr" rotWithShape="0">
+              <a:prstClr val="black">
+                <a:alpha val="20000"/>
+              </a:prstClr>
+            </a:outerShdw>
+          </a:effectLst>
+        </p:spPr>
+        <p:style>
+          <a:lnRef idx="2">
+            <a:schemeClr val="accent1">
+              <a:shade val="50000"/>
+            </a:schemeClr>
+          </a:lnRef>
+          <a:fillRef idx="1">
+            <a:schemeClr val="accent1"/>
+          </a:fillRef>
+          <a:effectRef idx="0">
+            <a:schemeClr val="accent1"/>
+          </a:effectRef>
+          <a:fontRef idx="minor">
+            <a:schemeClr val="lt1"/>
+          </a:fontRef>
+        </p:style>
+        <p:txBody>
+          <a:bodyPr rtlCol="0" anchor="ctr"/>
+          <a:lstStyle/>
+          <a:p>
+            <a:pPr algn="ctr"/>
+            <a:endParaRPr lang="zh-CN" altLang="en-US"/>
           </a:p>
         </p:txBody>
       </p:sp>

--- a/UI.pptx
+++ b/UI.pptx
@@ -6,7 +6,7 @@
   </p:sldMasterIdLst>
   <p:sldIdLst>
     <p:sldId id="260" r:id="rId2"/>
-    <p:sldId id="261" r:id="rId3"/>
+    <p:sldId id="265" r:id="rId3"/>
     <p:sldId id="264" r:id="rId4"/>
     <p:sldId id="262" r:id="rId5"/>
     <p:sldId id="263" r:id="rId6"/>
@@ -263,7 +263,7 @@
           <a:p>
             <a:fld id="{F3BA182F-79D5-4EF3-A581-738F691F52DF}" type="datetimeFigureOut">
               <a:rPr lang="zh-CN" altLang="en-US" smtClean="0"/>
-              <a:t>2019/5/24</a:t>
+              <a:t>2019/5/31</a:t>
             </a:fld>
             <a:endParaRPr lang="zh-CN" altLang="en-US"/>
           </a:p>
@@ -461,7 +461,7 @@
           <a:p>
             <a:fld id="{F3BA182F-79D5-4EF3-A581-738F691F52DF}" type="datetimeFigureOut">
               <a:rPr lang="zh-CN" altLang="en-US" smtClean="0"/>
-              <a:t>2019/5/24</a:t>
+              <a:t>2019/5/31</a:t>
             </a:fld>
             <a:endParaRPr lang="zh-CN" altLang="en-US"/>
           </a:p>
@@ -669,7 +669,7 @@
           <a:p>
             <a:fld id="{F3BA182F-79D5-4EF3-A581-738F691F52DF}" type="datetimeFigureOut">
               <a:rPr lang="zh-CN" altLang="en-US" smtClean="0"/>
-              <a:t>2019/5/24</a:t>
+              <a:t>2019/5/31</a:t>
             </a:fld>
             <a:endParaRPr lang="zh-CN" altLang="en-US"/>
           </a:p>
@@ -867,7 +867,7 @@
           <a:p>
             <a:fld id="{F3BA182F-79D5-4EF3-A581-738F691F52DF}" type="datetimeFigureOut">
               <a:rPr lang="zh-CN" altLang="en-US" smtClean="0"/>
-              <a:t>2019/5/24</a:t>
+              <a:t>2019/5/31</a:t>
             </a:fld>
             <a:endParaRPr lang="zh-CN" altLang="en-US"/>
           </a:p>
@@ -1142,7 +1142,7 @@
           <a:p>
             <a:fld id="{F3BA182F-79D5-4EF3-A581-738F691F52DF}" type="datetimeFigureOut">
               <a:rPr lang="zh-CN" altLang="en-US" smtClean="0"/>
-              <a:t>2019/5/24</a:t>
+              <a:t>2019/5/31</a:t>
             </a:fld>
             <a:endParaRPr lang="zh-CN" altLang="en-US"/>
           </a:p>
@@ -1407,7 +1407,7 @@
           <a:p>
             <a:fld id="{F3BA182F-79D5-4EF3-A581-738F691F52DF}" type="datetimeFigureOut">
               <a:rPr lang="zh-CN" altLang="en-US" smtClean="0"/>
-              <a:t>2019/5/24</a:t>
+              <a:t>2019/5/31</a:t>
             </a:fld>
             <a:endParaRPr lang="zh-CN" altLang="en-US"/>
           </a:p>
@@ -1819,7 +1819,7 @@
           <a:p>
             <a:fld id="{F3BA182F-79D5-4EF3-A581-738F691F52DF}" type="datetimeFigureOut">
               <a:rPr lang="zh-CN" altLang="en-US" smtClean="0"/>
-              <a:t>2019/5/24</a:t>
+              <a:t>2019/5/31</a:t>
             </a:fld>
             <a:endParaRPr lang="zh-CN" altLang="en-US"/>
           </a:p>
@@ -1960,7 +1960,7 @@
           <a:p>
             <a:fld id="{F3BA182F-79D5-4EF3-A581-738F691F52DF}" type="datetimeFigureOut">
               <a:rPr lang="zh-CN" altLang="en-US" smtClean="0"/>
-              <a:t>2019/5/24</a:t>
+              <a:t>2019/5/31</a:t>
             </a:fld>
             <a:endParaRPr lang="zh-CN" altLang="en-US"/>
           </a:p>
@@ -2073,7 +2073,7 @@
           <a:p>
             <a:fld id="{F3BA182F-79D5-4EF3-A581-738F691F52DF}" type="datetimeFigureOut">
               <a:rPr lang="zh-CN" altLang="en-US" smtClean="0"/>
-              <a:t>2019/5/24</a:t>
+              <a:t>2019/5/31</a:t>
             </a:fld>
             <a:endParaRPr lang="zh-CN" altLang="en-US"/>
           </a:p>
@@ -2384,7 +2384,7 @@
           <a:p>
             <a:fld id="{F3BA182F-79D5-4EF3-A581-738F691F52DF}" type="datetimeFigureOut">
               <a:rPr lang="zh-CN" altLang="en-US" smtClean="0"/>
-              <a:t>2019/5/24</a:t>
+              <a:t>2019/5/31</a:t>
             </a:fld>
             <a:endParaRPr lang="zh-CN" altLang="en-US"/>
           </a:p>
@@ -2672,7 +2672,7 @@
           <a:p>
             <a:fld id="{F3BA182F-79D5-4EF3-A581-738F691F52DF}" type="datetimeFigureOut">
               <a:rPr lang="zh-CN" altLang="en-US" smtClean="0"/>
-              <a:t>2019/5/24</a:t>
+              <a:t>2019/5/31</a:t>
             </a:fld>
             <a:endParaRPr lang="zh-CN" altLang="en-US"/>
           </a:p>
@@ -2913,7 +2913,7 @@
           <a:p>
             <a:fld id="{F3BA182F-79D5-4EF3-A581-738F691F52DF}" type="datetimeFigureOut">
               <a:rPr lang="zh-CN" altLang="en-US" smtClean="0"/>
-              <a:t>2019/5/24</a:t>
+              <a:t>2019/5/31</a:t>
             </a:fld>
             <a:endParaRPr lang="zh-CN" altLang="en-US"/>
           </a:p>
@@ -5336,6 +5336,185 @@
           </a:p>
         </p:txBody>
       </p:sp>
+      <p:sp>
+        <p:nvSpPr>
+          <p:cNvPr id="50" name="矩形 49">
+            <a:extLst>
+              <a:ext uri="{FF2B5EF4-FFF2-40B4-BE49-F238E27FC236}">
+                <a16:creationId xmlns:a16="http://schemas.microsoft.com/office/drawing/2014/main" id="{BEF59BAE-B3B8-4A26-A293-10D643369509}"/>
+              </a:ext>
+            </a:extLst>
+          </p:cNvPr>
+          <p:cNvSpPr/>
+          <p:nvPr/>
+        </p:nvSpPr>
+        <p:spPr>
+          <a:xfrm>
+            <a:off x="3061374" y="2268623"/>
+            <a:ext cx="652576" cy="652576"/>
+          </a:xfrm>
+          <a:prstGeom prst="rect">
+            <a:avLst/>
+          </a:prstGeom>
+          <a:solidFill>
+            <a:schemeClr val="bg1"/>
+          </a:solidFill>
+          <a:ln>
+            <a:noFill/>
+          </a:ln>
+        </p:spPr>
+        <p:style>
+          <a:lnRef idx="2">
+            <a:schemeClr val="accent1">
+              <a:shade val="50000"/>
+            </a:schemeClr>
+          </a:lnRef>
+          <a:fillRef idx="1">
+            <a:schemeClr val="accent1"/>
+          </a:fillRef>
+          <a:effectRef idx="0">
+            <a:schemeClr val="accent1"/>
+          </a:effectRef>
+          <a:fontRef idx="minor">
+            <a:schemeClr val="lt1"/>
+          </a:fontRef>
+        </p:style>
+        <p:txBody>
+          <a:bodyPr rtlCol="0" anchor="ctr"/>
+          <a:lstStyle/>
+          <a:p>
+            <a:pPr algn="ctr"/>
+            <a:endParaRPr lang="zh-CN" altLang="en-US"/>
+          </a:p>
+        </p:txBody>
+      </p:sp>
+      <p:grpSp>
+        <p:nvGrpSpPr>
+          <p:cNvPr id="52" name="组合 51">
+            <a:extLst>
+              <a:ext uri="{FF2B5EF4-FFF2-40B4-BE49-F238E27FC236}">
+                <a16:creationId xmlns:a16="http://schemas.microsoft.com/office/drawing/2014/main" id="{BD8FFBC9-4974-45F0-8334-1FB10BC93717}"/>
+              </a:ext>
+            </a:extLst>
+          </p:cNvPr>
+          <p:cNvGrpSpPr/>
+          <p:nvPr/>
+        </p:nvGrpSpPr>
+        <p:grpSpPr>
+          <a:xfrm>
+            <a:off x="3195236" y="2402485"/>
+            <a:ext cx="384853" cy="384853"/>
+            <a:chOff x="3443491" y="3402202"/>
+            <a:chExt cx="828000" cy="828000"/>
+          </a:xfrm>
+        </p:grpSpPr>
+        <p:sp>
+          <p:nvSpPr>
+            <p:cNvPr id="53" name="矩形: 圆角 52">
+              <a:extLst>
+                <a:ext uri="{FF2B5EF4-FFF2-40B4-BE49-F238E27FC236}">
+                  <a16:creationId xmlns:a16="http://schemas.microsoft.com/office/drawing/2014/main" id="{36F8C2E0-0642-4A92-AB84-901ADC686AD9}"/>
+                </a:ext>
+              </a:extLst>
+            </p:cNvPr>
+            <p:cNvSpPr/>
+            <p:nvPr/>
+          </p:nvSpPr>
+          <p:spPr>
+            <a:xfrm>
+              <a:off x="3443491" y="3402202"/>
+              <a:ext cx="828000" cy="828000"/>
+            </a:xfrm>
+            <a:prstGeom prst="ellipse">
+              <a:avLst/>
+            </a:prstGeom>
+            <a:noFill/>
+            <a:ln w="28575">
+              <a:solidFill>
+                <a:srgbClr val="D6CED1"/>
+              </a:solidFill>
+            </a:ln>
+          </p:spPr>
+          <p:style>
+            <a:lnRef idx="2">
+              <a:schemeClr val="accent1">
+                <a:shade val="50000"/>
+              </a:schemeClr>
+            </a:lnRef>
+            <a:fillRef idx="1">
+              <a:schemeClr val="accent1"/>
+            </a:fillRef>
+            <a:effectRef idx="0">
+              <a:schemeClr val="accent1"/>
+            </a:effectRef>
+            <a:fontRef idx="minor">
+              <a:schemeClr val="lt1"/>
+            </a:fontRef>
+          </p:style>
+          <p:txBody>
+            <a:bodyPr rtlCol="0" anchor="ctr"/>
+            <a:lstStyle/>
+            <a:p>
+              <a:pPr algn="ctr"/>
+              <a:endParaRPr lang="zh-CN" altLang="en-US"/>
+            </a:p>
+          </p:txBody>
+        </p:sp>
+        <p:sp>
+          <p:nvSpPr>
+            <p:cNvPr id="54" name="十字形 53">
+              <a:extLst>
+                <a:ext uri="{FF2B5EF4-FFF2-40B4-BE49-F238E27FC236}">
+                  <a16:creationId xmlns:a16="http://schemas.microsoft.com/office/drawing/2014/main" id="{88859E61-0E7F-4E52-8847-094A97F6510C}"/>
+                </a:ext>
+              </a:extLst>
+            </p:cNvPr>
+            <p:cNvSpPr/>
+            <p:nvPr/>
+          </p:nvSpPr>
+          <p:spPr>
+            <a:xfrm>
+              <a:off x="3683426" y="3624615"/>
+              <a:ext cx="350225" cy="363552"/>
+            </a:xfrm>
+            <a:prstGeom prst="plus">
+              <a:avLst>
+                <a:gd name="adj" fmla="val 40958"/>
+              </a:avLst>
+            </a:prstGeom>
+            <a:solidFill>
+              <a:srgbClr val="B8ACAD"/>
+            </a:solidFill>
+            <a:ln w="76200">
+              <a:noFill/>
+            </a:ln>
+          </p:spPr>
+          <p:style>
+            <a:lnRef idx="2">
+              <a:schemeClr val="accent1">
+                <a:shade val="50000"/>
+              </a:schemeClr>
+            </a:lnRef>
+            <a:fillRef idx="1">
+              <a:schemeClr val="accent1"/>
+            </a:fillRef>
+            <a:effectRef idx="0">
+              <a:schemeClr val="accent1"/>
+            </a:effectRef>
+            <a:fontRef idx="minor">
+              <a:schemeClr val="lt1"/>
+            </a:fontRef>
+          </p:style>
+          <p:txBody>
+            <a:bodyPr rtlCol="0" anchor="ctr"/>
+            <a:lstStyle/>
+            <a:p>
+              <a:pPr algn="ctr"/>
+              <a:endParaRPr lang="zh-CN" altLang="en-US"/>
+            </a:p>
+          </p:txBody>
+        </p:sp>
+      </p:grpSp>
     </p:spTree>
     <p:extLst>
       <p:ext uri="{BB962C8B-B14F-4D97-AF65-F5344CB8AC3E}">
@@ -5352,14 +5531,6 @@
 <file path=ppt/slides/slide2.xml><?xml version="1.0" encoding="utf-8"?>
 <p:sld xmlns:a="http://schemas.openxmlformats.org/drawingml/2006/main" xmlns:r="http://schemas.openxmlformats.org/officeDocument/2006/relationships" xmlns:p="http://schemas.openxmlformats.org/presentationml/2006/main">
   <p:cSld>
-    <p:bg>
-      <p:bgPr>
-        <a:solidFill>
-          <a:schemeClr val="bg1"/>
-        </a:solidFill>
-        <a:effectLst/>
-      </p:bgPr>
-    </p:bg>
     <p:spTree>
       <p:nvGrpSpPr>
         <p:cNvPr id="1" name=""/>
@@ -5374,6 +5545,65 @@
           <a:chExt cx="0" cy="0"/>
         </a:xfrm>
       </p:grpSpPr>
+      <p:sp>
+        <p:nvSpPr>
+          <p:cNvPr id="40" name="等腰三角形 39">
+            <a:extLst>
+              <a:ext uri="{FF2B5EF4-FFF2-40B4-BE49-F238E27FC236}">
+                <a16:creationId xmlns:a16="http://schemas.microsoft.com/office/drawing/2014/main" id="{252F6A86-CC50-4C20-B876-29D21D4DF7F4}"/>
+              </a:ext>
+            </a:extLst>
+          </p:cNvPr>
+          <p:cNvSpPr/>
+          <p:nvPr/>
+        </p:nvSpPr>
+        <p:spPr>
+          <a:xfrm>
+            <a:off x="4192287" y="1796102"/>
+            <a:ext cx="794132" cy="935999"/>
+          </a:xfrm>
+          <a:prstGeom prst="triangle">
+            <a:avLst/>
+          </a:prstGeom>
+          <a:solidFill>
+            <a:srgbClr val="5FE5DD"/>
+          </a:solidFill>
+          <a:ln>
+            <a:noFill/>
+          </a:ln>
+          <a:effectLst>
+            <a:outerShdw blurRad="165100" algn="ctr" rotWithShape="0">
+              <a:prstClr val="black">
+                <a:alpha val="20000"/>
+              </a:prstClr>
+            </a:outerShdw>
+          </a:effectLst>
+        </p:spPr>
+        <p:style>
+          <a:lnRef idx="2">
+            <a:schemeClr val="accent1">
+              <a:shade val="50000"/>
+            </a:schemeClr>
+          </a:lnRef>
+          <a:fillRef idx="1">
+            <a:schemeClr val="accent1"/>
+          </a:fillRef>
+          <a:effectRef idx="0">
+            <a:schemeClr val="accent1"/>
+          </a:effectRef>
+          <a:fontRef idx="minor">
+            <a:schemeClr val="lt1"/>
+          </a:fontRef>
+        </p:style>
+        <p:txBody>
+          <a:bodyPr rtlCol="0" anchor="ctr"/>
+          <a:lstStyle/>
+          <a:p>
+            <a:pPr algn="ctr"/>
+            <a:endParaRPr lang="zh-CN" altLang="en-US"/>
+          </a:p>
+        </p:txBody>
+      </p:sp>
       <p:sp>
         <p:nvSpPr>
           <p:cNvPr id="12" name="矩形 11">
@@ -5676,60 +5906,6 @@
       </p:grpSp>
       <p:sp>
         <p:nvSpPr>
-          <p:cNvPr id="22" name="矩形: 圆角 21">
-            <a:extLst>
-              <a:ext uri="{FF2B5EF4-FFF2-40B4-BE49-F238E27FC236}">
-                <a16:creationId xmlns:a16="http://schemas.microsoft.com/office/drawing/2014/main" id="{390B59D4-38CB-4E0D-8859-6FCA254503FA}"/>
-              </a:ext>
-            </a:extLst>
-          </p:cNvPr>
-          <p:cNvSpPr/>
-          <p:nvPr/>
-        </p:nvSpPr>
-        <p:spPr>
-          <a:xfrm>
-            <a:off x="3926657" y="1588140"/>
-            <a:ext cx="1492623" cy="1494233"/>
-          </a:xfrm>
-          <a:prstGeom prst="roundRect">
-            <a:avLst>
-              <a:gd name="adj" fmla="val 50000"/>
-            </a:avLst>
-          </a:prstGeom>
-          <a:solidFill>
-            <a:srgbClr val="EDEDF5"/>
-          </a:solidFill>
-          <a:ln>
-            <a:noFill/>
-          </a:ln>
-        </p:spPr>
-        <p:style>
-          <a:lnRef idx="2">
-            <a:schemeClr val="accent1">
-              <a:shade val="50000"/>
-            </a:schemeClr>
-          </a:lnRef>
-          <a:fillRef idx="1">
-            <a:schemeClr val="accent1"/>
-          </a:fillRef>
-          <a:effectRef idx="0">
-            <a:schemeClr val="accent1"/>
-          </a:effectRef>
-          <a:fontRef idx="minor">
-            <a:schemeClr val="lt1"/>
-          </a:fontRef>
-        </p:style>
-        <p:txBody>
-          <a:bodyPr rtlCol="0" anchor="ctr"/>
-          <a:lstStyle/>
-          <a:p>
-            <a:pPr algn="ctr"/>
-            <a:endParaRPr lang="zh-CN" altLang="en-US"/>
-          </a:p>
-        </p:txBody>
-      </p:sp>
-      <p:sp>
-        <p:nvSpPr>
           <p:cNvPr id="23" name="矩形: 圆角 22">
             <a:extLst>
               <a:ext uri="{FF2B5EF4-FFF2-40B4-BE49-F238E27FC236}">
@@ -6343,10 +6519,10 @@
       </p:sp>
       <p:sp>
         <p:nvSpPr>
-          <p:cNvPr id="35" name="矩形: 圆角 34">
-            <a:extLst>
-              <a:ext uri="{FF2B5EF4-FFF2-40B4-BE49-F238E27FC236}">
-                <a16:creationId xmlns:a16="http://schemas.microsoft.com/office/drawing/2014/main" id="{6DFFED45-A759-446F-BFE7-5DF2506A3B22}"/>
+          <p:cNvPr id="29" name="等腰三角形 28">
+            <a:extLst>
+              <a:ext uri="{FF2B5EF4-FFF2-40B4-BE49-F238E27FC236}">
+                <a16:creationId xmlns:a16="http://schemas.microsoft.com/office/drawing/2014/main" id="{254184FD-8D97-4783-AC2D-DD6C44E6A79A}"/>
               </a:ext>
             </a:extLst>
           </p:cNvPr>
@@ -6355,20 +6531,25 @@
         </p:nvSpPr>
         <p:spPr>
           <a:xfrm>
-            <a:off x="3926657" y="1551093"/>
-            <a:ext cx="1492623" cy="1494233"/>
+            <a:off x="4560152" y="2116954"/>
+            <a:ext cx="598967" cy="615147"/>
           </a:xfrm>
-          <a:prstGeom prst="roundRect">
-            <a:avLst>
-              <a:gd name="adj" fmla="val 50000"/>
-            </a:avLst>
+          <a:prstGeom prst="triangle">
+            <a:avLst/>
           </a:prstGeom>
           <a:solidFill>
-            <a:schemeClr val="bg1"/>
+            <a:srgbClr val="C0F9F5"/>
           </a:solidFill>
           <a:ln>
             <a:noFill/>
           </a:ln>
+          <a:effectLst>
+            <a:outerShdw blurRad="101600" algn="ctr" rotWithShape="0">
+              <a:prstClr val="black">
+                <a:alpha val="30000"/>
+              </a:prstClr>
+            </a:outerShdw>
+          </a:effectLst>
         </p:spPr>
         <p:style>
           <a:lnRef idx="2">
@@ -6395,456 +6576,6 @@
           </a:p>
         </p:txBody>
       </p:sp>
-      <p:grpSp>
-        <p:nvGrpSpPr>
-          <p:cNvPr id="32" name="组合 31">
-            <a:extLst>
-              <a:ext uri="{FF2B5EF4-FFF2-40B4-BE49-F238E27FC236}">
-                <a16:creationId xmlns:a16="http://schemas.microsoft.com/office/drawing/2014/main" id="{1584E8D5-4653-4ADB-B543-2C41F7DA1978}"/>
-              </a:ext>
-            </a:extLst>
-          </p:cNvPr>
-          <p:cNvGrpSpPr>
-            <a:grpSpLocks noChangeAspect="1"/>
-          </p:cNvGrpSpPr>
-          <p:nvPr/>
-        </p:nvGrpSpPr>
-        <p:grpSpPr>
-          <a:xfrm>
-            <a:off x="4186816" y="1796101"/>
-            <a:ext cx="972303" cy="936000"/>
-            <a:chOff x="7209271" y="1462853"/>
-            <a:chExt cx="1068916" cy="1029006"/>
-          </a:xfrm>
-        </p:grpSpPr>
-        <p:sp>
-          <p:nvSpPr>
-            <p:cNvPr id="29" name="等腰三角形 28">
-              <a:extLst>
-                <a:ext uri="{FF2B5EF4-FFF2-40B4-BE49-F238E27FC236}">
-                  <a16:creationId xmlns:a16="http://schemas.microsoft.com/office/drawing/2014/main" id="{254184FD-8D97-4783-AC2D-DD6C44E6A79A}"/>
-                </a:ext>
-              </a:extLst>
-            </p:cNvPr>
-            <p:cNvSpPr/>
-            <p:nvPr/>
-          </p:nvSpPr>
-          <p:spPr>
-            <a:xfrm>
-              <a:off x="7619704" y="1815588"/>
-              <a:ext cx="658483" cy="676271"/>
-            </a:xfrm>
-            <a:prstGeom prst="triangle">
-              <a:avLst/>
-            </a:prstGeom>
-            <a:solidFill>
-              <a:srgbClr val="BDF5F1"/>
-            </a:solidFill>
-            <a:ln>
-              <a:noFill/>
-            </a:ln>
-          </p:spPr>
-          <p:style>
-            <a:lnRef idx="2">
-              <a:schemeClr val="accent1">
-                <a:shade val="50000"/>
-              </a:schemeClr>
-            </a:lnRef>
-            <a:fillRef idx="1">
-              <a:schemeClr val="accent1"/>
-            </a:fillRef>
-            <a:effectRef idx="0">
-              <a:schemeClr val="accent1"/>
-            </a:effectRef>
-            <a:fontRef idx="minor">
-              <a:schemeClr val="lt1"/>
-            </a:fontRef>
-          </p:style>
-          <p:txBody>
-            <a:bodyPr rtlCol="0" anchor="ctr"/>
-            <a:lstStyle/>
-            <a:p>
-              <a:pPr algn="ctr"/>
-              <a:endParaRPr lang="zh-CN" altLang="en-US"/>
-            </a:p>
-          </p:txBody>
-        </p:sp>
-        <p:sp>
-          <p:nvSpPr>
-            <p:cNvPr id="47" name="任意多边形: 形状 46">
-              <a:extLst>
-                <a:ext uri="{FF2B5EF4-FFF2-40B4-BE49-F238E27FC236}">
-                  <a16:creationId xmlns:a16="http://schemas.microsoft.com/office/drawing/2014/main" id="{0116E92E-602A-4298-B089-FD7CF42A1C66}"/>
-                </a:ext>
-              </a:extLst>
-            </p:cNvPr>
-            <p:cNvSpPr/>
-            <p:nvPr/>
-          </p:nvSpPr>
-          <p:spPr>
-            <a:xfrm>
-              <a:off x="7929912" y="2131475"/>
-              <a:ext cx="348275" cy="360384"/>
-            </a:xfrm>
-            <a:custGeom>
-              <a:avLst/>
-              <a:gdLst>
-                <a:gd name="connsiteX0" fmla="*/ 172823 w 348275"/>
-                <a:gd name="connsiteY0" fmla="*/ 0 h 360384"/>
-                <a:gd name="connsiteX1" fmla="*/ 348275 w 348275"/>
-                <a:gd name="connsiteY1" fmla="*/ 360384 h 360384"/>
-                <a:gd name="connsiteX2" fmla="*/ 2067 w 348275"/>
-                <a:gd name="connsiteY2" fmla="*/ 360384 h 360384"/>
-                <a:gd name="connsiteX3" fmla="*/ 0 w 348275"/>
-                <a:gd name="connsiteY3" fmla="*/ 337134 h 360384"/>
-                <a:gd name="connsiteX4" fmla="*/ 152031 w 348275"/>
-                <a:gd name="connsiteY4" fmla="*/ 12801 h 360384"/>
-              </a:gdLst>
-              <a:ahLst/>
-              <a:cxnLst>
-                <a:cxn ang="0">
-                  <a:pos x="connsiteX0" y="connsiteY0"/>
-                </a:cxn>
-                <a:cxn ang="0">
-                  <a:pos x="connsiteX1" y="connsiteY1"/>
-                </a:cxn>
-                <a:cxn ang="0">
-                  <a:pos x="connsiteX2" y="connsiteY2"/>
-                </a:cxn>
-                <a:cxn ang="0">
-                  <a:pos x="connsiteX3" y="connsiteY3"/>
-                </a:cxn>
-                <a:cxn ang="0">
-                  <a:pos x="connsiteX4" y="connsiteY4"/>
-                </a:cxn>
-              </a:cxnLst>
-              <a:rect l="l" t="t" r="r" b="b"/>
-              <a:pathLst>
-                <a:path w="348275" h="360384">
-                  <a:moveTo>
-                    <a:pt x="172823" y="0"/>
-                  </a:moveTo>
-                  <a:lnTo>
-                    <a:pt x="348275" y="360384"/>
-                  </a:lnTo>
-                  <a:lnTo>
-                    <a:pt x="2067" y="360384"/>
-                  </a:lnTo>
-                  <a:lnTo>
-                    <a:pt x="0" y="337134"/>
-                  </a:lnTo>
-                  <a:cubicBezTo>
-                    <a:pt x="0" y="202124"/>
-                    <a:pt x="60307" y="83091"/>
-                    <a:pt x="152031" y="12801"/>
-                  </a:cubicBezTo>
-                  <a:close/>
-                </a:path>
-              </a:pathLst>
-            </a:custGeom>
-            <a:solidFill>
-              <a:srgbClr val="D4F8F5"/>
-            </a:solidFill>
-            <a:ln>
-              <a:noFill/>
-            </a:ln>
-          </p:spPr>
-          <p:style>
-            <a:lnRef idx="2">
-              <a:schemeClr val="accent1">
-                <a:shade val="50000"/>
-              </a:schemeClr>
-            </a:lnRef>
-            <a:fillRef idx="1">
-              <a:schemeClr val="accent1"/>
-            </a:fillRef>
-            <a:effectRef idx="0">
-              <a:schemeClr val="accent1"/>
-            </a:effectRef>
-            <a:fontRef idx="minor">
-              <a:schemeClr val="lt1"/>
-            </a:fontRef>
-          </p:style>
-          <p:txBody>
-            <a:bodyPr wrap="square" rtlCol="0" anchor="ctr">
-              <a:noAutofit/>
-            </a:bodyPr>
-            <a:lstStyle/>
-            <a:p>
-              <a:pPr algn="ctr"/>
-              <a:endParaRPr lang="zh-CN" altLang="en-US"/>
-            </a:p>
-          </p:txBody>
-        </p:sp>
-        <p:sp>
-          <p:nvSpPr>
-            <p:cNvPr id="9" name="等腰三角形 8">
-              <a:extLst>
-                <a:ext uri="{FF2B5EF4-FFF2-40B4-BE49-F238E27FC236}">
-                  <a16:creationId xmlns:a16="http://schemas.microsoft.com/office/drawing/2014/main" id="{3C67E0A2-6DC1-4CE0-8181-573AA2129D20}"/>
-                </a:ext>
-              </a:extLst>
-            </p:cNvPr>
-            <p:cNvSpPr/>
-            <p:nvPr/>
-          </p:nvSpPr>
-          <p:spPr>
-            <a:xfrm>
-              <a:off x="7209271" y="1462854"/>
-              <a:ext cx="873041" cy="1029005"/>
-            </a:xfrm>
-            <a:prstGeom prst="triangle">
-              <a:avLst/>
-            </a:prstGeom>
-            <a:solidFill>
-              <a:srgbClr val="5FE5DD"/>
-            </a:solidFill>
-            <a:ln>
-              <a:noFill/>
-            </a:ln>
-          </p:spPr>
-          <p:style>
-            <a:lnRef idx="2">
-              <a:schemeClr val="accent1">
-                <a:shade val="50000"/>
-              </a:schemeClr>
-            </a:lnRef>
-            <a:fillRef idx="1">
-              <a:schemeClr val="accent1"/>
-            </a:fillRef>
-            <a:effectRef idx="0">
-              <a:schemeClr val="accent1"/>
-            </a:effectRef>
-            <a:fontRef idx="minor">
-              <a:schemeClr val="lt1"/>
-            </a:fontRef>
-          </p:style>
-          <p:txBody>
-            <a:bodyPr rtlCol="0" anchor="ctr"/>
-            <a:lstStyle/>
-            <a:p>
-              <a:pPr algn="ctr"/>
-              <a:endParaRPr lang="zh-CN" altLang="en-US"/>
-            </a:p>
-          </p:txBody>
-        </p:sp>
-        <p:sp>
-          <p:nvSpPr>
-            <p:cNvPr id="28" name="任意多边形: 形状 27">
-              <a:extLst>
-                <a:ext uri="{FF2B5EF4-FFF2-40B4-BE49-F238E27FC236}">
-                  <a16:creationId xmlns:a16="http://schemas.microsoft.com/office/drawing/2014/main" id="{D0C4FFB6-C938-4EC4-B2AE-5B071C59DD99}"/>
-                </a:ext>
-              </a:extLst>
-            </p:cNvPr>
-            <p:cNvSpPr/>
-            <p:nvPr/>
-          </p:nvSpPr>
-          <p:spPr>
-            <a:xfrm>
-              <a:off x="7427131" y="1462853"/>
-              <a:ext cx="450166" cy="606313"/>
-            </a:xfrm>
-            <a:custGeom>
-              <a:avLst/>
-              <a:gdLst>
-                <a:gd name="connsiteX0" fmla="*/ 224705 w 450166"/>
-                <a:gd name="connsiteY0" fmla="*/ 0 h 606313"/>
-                <a:gd name="connsiteX1" fmla="*/ 450166 w 450166"/>
-                <a:gd name="connsiteY1" fmla="*/ 531478 h 606313"/>
-                <a:gd name="connsiteX2" fmla="*/ 396391 w 450166"/>
-                <a:gd name="connsiteY2" fmla="*/ 565881 h 606313"/>
-                <a:gd name="connsiteX3" fmla="*/ 226477 w 450166"/>
-                <a:gd name="connsiteY3" fmla="*/ 606313 h 606313"/>
-                <a:gd name="connsiteX4" fmla="*/ 56563 w 450166"/>
-                <a:gd name="connsiteY4" fmla="*/ 565881 h 606313"/>
-                <a:gd name="connsiteX5" fmla="*/ 0 w 450166"/>
-                <a:gd name="connsiteY5" fmla="*/ 529695 h 606313"/>
-              </a:gdLst>
-              <a:ahLst/>
-              <a:cxnLst>
-                <a:cxn ang="0">
-                  <a:pos x="connsiteX0" y="connsiteY0"/>
-                </a:cxn>
-                <a:cxn ang="0">
-                  <a:pos x="connsiteX1" y="connsiteY1"/>
-                </a:cxn>
-                <a:cxn ang="0">
-                  <a:pos x="connsiteX2" y="connsiteY2"/>
-                </a:cxn>
-                <a:cxn ang="0">
-                  <a:pos x="connsiteX3" y="connsiteY3"/>
-                </a:cxn>
-                <a:cxn ang="0">
-                  <a:pos x="connsiteX4" y="connsiteY4"/>
-                </a:cxn>
-                <a:cxn ang="0">
-                  <a:pos x="connsiteX5" y="connsiteY5"/>
-                </a:cxn>
-              </a:cxnLst>
-              <a:rect l="l" t="t" r="r" b="b"/>
-              <a:pathLst>
-                <a:path w="450166" h="606313">
-                  <a:moveTo>
-                    <a:pt x="224705" y="0"/>
-                  </a:moveTo>
-                  <a:lnTo>
-                    <a:pt x="450166" y="531478"/>
-                  </a:lnTo>
-                  <a:lnTo>
-                    <a:pt x="396391" y="565881"/>
-                  </a:lnTo>
-                  <a:cubicBezTo>
-                    <a:pt x="344166" y="591916"/>
-                    <a:pt x="286748" y="606313"/>
-                    <a:pt x="226477" y="606313"/>
-                  </a:cubicBezTo>
-                  <a:cubicBezTo>
-                    <a:pt x="166206" y="606313"/>
-                    <a:pt x="108788" y="591916"/>
-                    <a:pt x="56563" y="565881"/>
-                  </a:cubicBezTo>
-                  <a:lnTo>
-                    <a:pt x="0" y="529695"/>
-                  </a:lnTo>
-                  <a:close/>
-                </a:path>
-              </a:pathLst>
-            </a:custGeom>
-            <a:solidFill>
-              <a:srgbClr val="9BEFE9"/>
-            </a:solidFill>
-            <a:ln>
-              <a:noFill/>
-            </a:ln>
-          </p:spPr>
-          <p:style>
-            <a:lnRef idx="2">
-              <a:schemeClr val="accent1">
-                <a:shade val="50000"/>
-              </a:schemeClr>
-            </a:lnRef>
-            <a:fillRef idx="1">
-              <a:schemeClr val="accent1"/>
-            </a:fillRef>
-            <a:effectRef idx="0">
-              <a:schemeClr val="accent1"/>
-            </a:effectRef>
-            <a:fontRef idx="minor">
-              <a:schemeClr val="lt1"/>
-            </a:fontRef>
-          </p:style>
-          <p:txBody>
-            <a:bodyPr wrap="square" rtlCol="0" anchor="ctr">
-              <a:noAutofit/>
-            </a:bodyPr>
-            <a:lstStyle/>
-            <a:p>
-              <a:pPr algn="ctr"/>
-              <a:endParaRPr lang="zh-CN" altLang="en-US"/>
-            </a:p>
-          </p:txBody>
-        </p:sp>
-        <p:sp>
-          <p:nvSpPr>
-            <p:cNvPr id="33" name="任意多边形: 形状 32">
-              <a:extLst>
-                <a:ext uri="{FF2B5EF4-FFF2-40B4-BE49-F238E27FC236}">
-                  <a16:creationId xmlns:a16="http://schemas.microsoft.com/office/drawing/2014/main" id="{0FF5AB3B-2F8C-456D-AA69-3BF4674AD1BB}"/>
-                </a:ext>
-              </a:extLst>
-            </p:cNvPr>
-            <p:cNvSpPr/>
-            <p:nvPr/>
-          </p:nvSpPr>
-          <p:spPr>
-            <a:xfrm>
-              <a:off x="7648256" y="1462854"/>
-              <a:ext cx="436521" cy="1029005"/>
-            </a:xfrm>
-            <a:custGeom>
-              <a:avLst/>
-              <a:gdLst>
-                <a:gd name="connsiteX0" fmla="*/ 1 w 436521"/>
-                <a:gd name="connsiteY0" fmla="*/ 0 h 1029005"/>
-                <a:gd name="connsiteX1" fmla="*/ 436521 w 436521"/>
-                <a:gd name="connsiteY1" fmla="*/ 1029005 h 1029005"/>
-                <a:gd name="connsiteX2" fmla="*/ 0 w 436521"/>
-                <a:gd name="connsiteY2" fmla="*/ 1029005 h 1029005"/>
-                <a:gd name="connsiteX3" fmla="*/ 0 w 436521"/>
-                <a:gd name="connsiteY3" fmla="*/ 3 h 1029005"/>
-              </a:gdLst>
-              <a:ahLst/>
-              <a:cxnLst>
-                <a:cxn ang="0">
-                  <a:pos x="connsiteX0" y="connsiteY0"/>
-                </a:cxn>
-                <a:cxn ang="0">
-                  <a:pos x="connsiteX1" y="connsiteY1"/>
-                </a:cxn>
-                <a:cxn ang="0">
-                  <a:pos x="connsiteX2" y="connsiteY2"/>
-                </a:cxn>
-                <a:cxn ang="0">
-                  <a:pos x="connsiteX3" y="connsiteY3"/>
-                </a:cxn>
-              </a:cxnLst>
-              <a:rect l="l" t="t" r="r" b="b"/>
-              <a:pathLst>
-                <a:path w="436521" h="1029005">
-                  <a:moveTo>
-                    <a:pt x="1" y="0"/>
-                  </a:moveTo>
-                  <a:lnTo>
-                    <a:pt x="436521" y="1029005"/>
-                  </a:lnTo>
-                  <a:lnTo>
-                    <a:pt x="0" y="1029005"/>
-                  </a:lnTo>
-                  <a:lnTo>
-                    <a:pt x="0" y="3"/>
-                  </a:lnTo>
-                  <a:close/>
-                </a:path>
-              </a:pathLst>
-            </a:custGeom>
-            <a:solidFill>
-              <a:schemeClr val="bg1">
-                <a:alpha val="40000"/>
-              </a:schemeClr>
-            </a:solidFill>
-            <a:ln>
-              <a:noFill/>
-            </a:ln>
-          </p:spPr>
-          <p:style>
-            <a:lnRef idx="2">
-              <a:schemeClr val="accent1">
-                <a:shade val="50000"/>
-              </a:schemeClr>
-            </a:lnRef>
-            <a:fillRef idx="1">
-              <a:schemeClr val="accent1"/>
-            </a:fillRef>
-            <a:effectRef idx="0">
-              <a:schemeClr val="accent1"/>
-            </a:effectRef>
-            <a:fontRef idx="minor">
-              <a:schemeClr val="lt1"/>
-            </a:fontRef>
-          </p:style>
-          <p:txBody>
-            <a:bodyPr wrap="square" rtlCol="0" anchor="ctr">
-              <a:noAutofit/>
-            </a:bodyPr>
-            <a:lstStyle/>
-            <a:p>
-              <a:pPr algn="ctr"/>
-              <a:endParaRPr lang="zh-CN" altLang="en-US"/>
-            </a:p>
-          </p:txBody>
-        </p:sp>
-      </p:grpSp>
       <p:grpSp>
         <p:nvGrpSpPr>
           <p:cNvPr id="7" name="组合 6">
@@ -6920,198 +6651,6 @@
             </a:p>
           </p:txBody>
         </p:sp>
-        <p:grpSp>
-          <p:nvGrpSpPr>
-            <p:cNvPr id="31" name="组合 30">
-              <a:extLst>
-                <a:ext uri="{FF2B5EF4-FFF2-40B4-BE49-F238E27FC236}">
-                  <a16:creationId xmlns:a16="http://schemas.microsoft.com/office/drawing/2014/main" id="{B08C07C4-E3BA-47D8-A3BE-E6954DF1AE46}"/>
-                </a:ext>
-              </a:extLst>
-            </p:cNvPr>
-            <p:cNvGrpSpPr>
-              <a:grpSpLocks/>
-            </p:cNvGrpSpPr>
-            <p:nvPr/>
-          </p:nvGrpSpPr>
-          <p:grpSpPr>
-            <a:xfrm>
-              <a:off x="3415502" y="4219072"/>
-              <a:ext cx="216000" cy="216000"/>
-              <a:chOff x="5675478" y="1516860"/>
-              <a:chExt cx="1492624" cy="1531281"/>
-            </a:xfrm>
-            <a:effectLst/>
-          </p:grpSpPr>
-          <p:sp>
-            <p:nvSpPr>
-              <p:cNvPr id="34" name="矩形: 圆角 33">
-                <a:extLst>
-                  <a:ext uri="{FF2B5EF4-FFF2-40B4-BE49-F238E27FC236}">
-                    <a16:creationId xmlns:a16="http://schemas.microsoft.com/office/drawing/2014/main" id="{3825A476-D8C8-4DBF-BDDC-623866FFC82C}"/>
-                  </a:ext>
-                </a:extLst>
-              </p:cNvPr>
-              <p:cNvSpPr>
-                <a:spLocks noChangeAspect="1"/>
-              </p:cNvSpPr>
-              <p:nvPr/>
-            </p:nvSpPr>
-            <p:spPr>
-              <a:xfrm>
-                <a:off x="5675479" y="1553908"/>
-                <a:ext cx="1492623" cy="1494233"/>
-              </a:xfrm>
-              <a:prstGeom prst="roundRect">
-                <a:avLst>
-                  <a:gd name="adj" fmla="val 50000"/>
-                </a:avLst>
-              </a:prstGeom>
-              <a:solidFill>
-                <a:srgbClr val="EDEDF5"/>
-              </a:solidFill>
-              <a:ln>
-                <a:noFill/>
-              </a:ln>
-            </p:spPr>
-            <p:style>
-              <a:lnRef idx="2">
-                <a:schemeClr val="accent1">
-                  <a:shade val="50000"/>
-                </a:schemeClr>
-              </a:lnRef>
-              <a:fillRef idx="1">
-                <a:schemeClr val="accent1"/>
-              </a:fillRef>
-              <a:effectRef idx="0">
-                <a:schemeClr val="accent1"/>
-              </a:effectRef>
-              <a:fontRef idx="minor">
-                <a:schemeClr val="lt1"/>
-              </a:fontRef>
-            </p:style>
-            <p:txBody>
-              <a:bodyPr rtlCol="0" anchor="ctr"/>
-              <a:lstStyle/>
-              <a:p>
-                <a:pPr algn="ctr"/>
-                <a:endParaRPr lang="zh-CN" altLang="en-US"/>
-              </a:p>
-            </p:txBody>
-          </p:sp>
-          <p:sp>
-            <p:nvSpPr>
-              <p:cNvPr id="36" name="矩形: 圆角 35">
-                <a:extLst>
-                  <a:ext uri="{FF2B5EF4-FFF2-40B4-BE49-F238E27FC236}">
-                    <a16:creationId xmlns:a16="http://schemas.microsoft.com/office/drawing/2014/main" id="{A660D11A-3BF0-464F-B300-CEDBD3144B2E}"/>
-                  </a:ext>
-                </a:extLst>
-              </p:cNvPr>
-              <p:cNvSpPr/>
-              <p:nvPr/>
-            </p:nvSpPr>
-            <p:spPr>
-              <a:xfrm>
-                <a:off x="5675478" y="1516861"/>
-                <a:ext cx="1492623" cy="1494233"/>
-              </a:xfrm>
-              <a:prstGeom prst="roundRect">
-                <a:avLst>
-                  <a:gd name="adj" fmla="val 50000"/>
-                </a:avLst>
-              </a:prstGeom>
-              <a:solidFill>
-                <a:schemeClr val="bg1"/>
-              </a:solidFill>
-              <a:ln>
-                <a:noFill/>
-              </a:ln>
-            </p:spPr>
-            <p:style>
-              <a:lnRef idx="2">
-                <a:schemeClr val="accent1">
-                  <a:shade val="50000"/>
-                </a:schemeClr>
-              </a:lnRef>
-              <a:fillRef idx="1">
-                <a:schemeClr val="accent1"/>
-              </a:fillRef>
-              <a:effectRef idx="0">
-                <a:schemeClr val="accent1"/>
-              </a:effectRef>
-              <a:fontRef idx="minor">
-                <a:schemeClr val="lt1"/>
-              </a:fontRef>
-            </p:style>
-            <p:txBody>
-              <a:bodyPr rtlCol="0" anchor="ctr"/>
-              <a:lstStyle/>
-              <a:p>
-                <a:pPr algn="ctr"/>
-                <a:endParaRPr lang="zh-CN" altLang="en-US"/>
-              </a:p>
-            </p:txBody>
-          </p:sp>
-          <p:sp>
-            <p:nvSpPr>
-              <p:cNvPr id="37" name="矩形: 圆角 36">
-                <a:extLst>
-                  <a:ext uri="{FF2B5EF4-FFF2-40B4-BE49-F238E27FC236}">
-                    <a16:creationId xmlns:a16="http://schemas.microsoft.com/office/drawing/2014/main" id="{DBD160E2-46E3-4747-88F2-4FC4B77BC68F}"/>
-                  </a:ext>
-                </a:extLst>
-              </p:cNvPr>
-              <p:cNvSpPr/>
-              <p:nvPr/>
-            </p:nvSpPr>
-            <p:spPr>
-              <a:xfrm>
-                <a:off x="5675478" y="1516860"/>
-                <a:ext cx="1492623" cy="1494233"/>
-              </a:xfrm>
-              <a:prstGeom prst="roundRect">
-                <a:avLst>
-                  <a:gd name="adj" fmla="val 50000"/>
-                </a:avLst>
-              </a:prstGeom>
-              <a:blipFill dpi="0" rotWithShape="1">
-                <a:blip r:embed="rId2"/>
-                <a:srcRect/>
-                <a:stretch>
-                  <a:fillRect/>
-                </a:stretch>
-              </a:blipFill>
-              <a:ln>
-                <a:noFill/>
-              </a:ln>
-            </p:spPr>
-            <p:style>
-              <a:lnRef idx="2">
-                <a:schemeClr val="accent1">
-                  <a:shade val="50000"/>
-                </a:schemeClr>
-              </a:lnRef>
-              <a:fillRef idx="1">
-                <a:schemeClr val="accent1"/>
-              </a:fillRef>
-              <a:effectRef idx="0">
-                <a:schemeClr val="accent1"/>
-              </a:effectRef>
-              <a:fontRef idx="minor">
-                <a:schemeClr val="lt1"/>
-              </a:fontRef>
-            </p:style>
-            <p:txBody>
-              <a:bodyPr rtlCol="0" anchor="ctr"/>
-              <a:lstStyle/>
-              <a:p>
-                <a:pPr algn="ctr"/>
-                <a:endParaRPr lang="zh-CN" altLang="en-US"/>
-              </a:p>
-            </p:txBody>
-          </p:sp>
-        </p:grpSp>
         <p:sp>
           <p:nvSpPr>
             <p:cNvPr id="6" name="文本框 5">
@@ -7211,10 +6750,10 @@
       </p:grpSp>
       <p:pic>
         <p:nvPicPr>
-          <p:cNvPr id="11" name="图片 10">
-            <a:extLst>
-              <a:ext uri="{FF2B5EF4-FFF2-40B4-BE49-F238E27FC236}">
-                <a16:creationId xmlns:a16="http://schemas.microsoft.com/office/drawing/2014/main" id="{FA1ECBA9-708D-447C-B086-1693208FB648}"/>
+          <p:cNvPr id="13" name="图片 12">
+            <a:extLst>
+              <a:ext uri="{FF2B5EF4-FFF2-40B4-BE49-F238E27FC236}">
+                <a16:creationId xmlns:a16="http://schemas.microsoft.com/office/drawing/2014/main" id="{09F9412F-E5FE-49BC-8AA9-A7CC29AB6A98}"/>
               </a:ext>
             </a:extLst>
           </p:cNvPr>
@@ -7237,8 +6776,8 @@
         </p:blipFill>
         <p:spPr>
           <a:xfrm>
-            <a:off x="3187836" y="3531558"/>
-            <a:ext cx="335666" cy="335666"/>
+            <a:off x="3188702" y="3531557"/>
+            <a:ext cx="334800" cy="334800"/>
           </a:xfrm>
           <a:prstGeom prst="rect">
             <a:avLst/>
@@ -7370,10 +6909,444 @@
           </a:p>
         </p:txBody>
       </p:sp>
+      <p:sp>
+        <p:nvSpPr>
+          <p:cNvPr id="49" name="矩形: 圆角 48">
+            <a:extLst>
+              <a:ext uri="{FF2B5EF4-FFF2-40B4-BE49-F238E27FC236}">
+                <a16:creationId xmlns:a16="http://schemas.microsoft.com/office/drawing/2014/main" id="{63FE2F80-9000-4B41-9784-ED02FFD59A0B}"/>
+              </a:ext>
+            </a:extLst>
+          </p:cNvPr>
+          <p:cNvSpPr/>
+          <p:nvPr/>
+        </p:nvSpPr>
+        <p:spPr>
+          <a:xfrm>
+            <a:off x="4304061" y="826837"/>
+            <a:ext cx="648000" cy="648000"/>
+          </a:xfrm>
+          <a:prstGeom prst="roundRect">
+            <a:avLst>
+              <a:gd name="adj" fmla="val 50000"/>
+            </a:avLst>
+          </a:prstGeom>
+          <a:solidFill>
+            <a:srgbClr val="5FE5DD"/>
+          </a:solidFill>
+          <a:ln w="19050">
+            <a:noFill/>
+          </a:ln>
+        </p:spPr>
+        <p:style>
+          <a:lnRef idx="2">
+            <a:schemeClr val="accent1">
+              <a:shade val="50000"/>
+            </a:schemeClr>
+          </a:lnRef>
+          <a:fillRef idx="1">
+            <a:schemeClr val="accent1"/>
+          </a:fillRef>
+          <a:effectRef idx="0">
+            <a:schemeClr val="accent1"/>
+          </a:effectRef>
+          <a:fontRef idx="minor">
+            <a:schemeClr val="lt1"/>
+          </a:fontRef>
+        </p:style>
+        <p:txBody>
+          <a:bodyPr rtlCol="0" anchor="ctr"/>
+          <a:lstStyle/>
+          <a:p>
+            <a:pPr algn="ctr"/>
+            <a:endParaRPr lang="zh-CN" altLang="en-US"/>
+          </a:p>
+        </p:txBody>
+      </p:sp>
+      <p:grpSp>
+        <p:nvGrpSpPr>
+          <p:cNvPr id="17" name="组合 16">
+            <a:extLst>
+              <a:ext uri="{FF2B5EF4-FFF2-40B4-BE49-F238E27FC236}">
+                <a16:creationId xmlns:a16="http://schemas.microsoft.com/office/drawing/2014/main" id="{75CD09B6-7136-423C-A2F3-06831FEA0C84}"/>
+              </a:ext>
+            </a:extLst>
+          </p:cNvPr>
+          <p:cNvGrpSpPr/>
+          <p:nvPr/>
+        </p:nvGrpSpPr>
+        <p:grpSpPr>
+          <a:xfrm>
+            <a:off x="7550894" y="751055"/>
+            <a:ext cx="720001" cy="720000"/>
+            <a:chOff x="7548956" y="646268"/>
+            <a:chExt cx="720001" cy="720000"/>
+          </a:xfrm>
+        </p:grpSpPr>
+        <p:sp>
+          <p:nvSpPr>
+            <p:cNvPr id="15" name="椭圆 14">
+              <a:extLst>
+                <a:ext uri="{FF2B5EF4-FFF2-40B4-BE49-F238E27FC236}">
+                  <a16:creationId xmlns:a16="http://schemas.microsoft.com/office/drawing/2014/main" id="{101DA4B1-B82E-4757-9AE3-C5B0DDA135E4}"/>
+                </a:ext>
+              </a:extLst>
+            </p:cNvPr>
+            <p:cNvSpPr/>
+            <p:nvPr/>
+          </p:nvSpPr>
+          <p:spPr>
+            <a:xfrm>
+              <a:off x="7548956" y="646268"/>
+              <a:ext cx="720000" cy="720000"/>
+            </a:xfrm>
+            <a:prstGeom prst="ellipse">
+              <a:avLst/>
+            </a:prstGeom>
+            <a:solidFill>
+              <a:srgbClr val="5FE5DD"/>
+            </a:solidFill>
+            <a:ln>
+              <a:noFill/>
+            </a:ln>
+            <a:effectLst>
+              <a:outerShdw blurRad="101600" algn="ctr" rotWithShape="0">
+                <a:schemeClr val="tx1">
+                  <a:alpha val="20000"/>
+                </a:schemeClr>
+              </a:outerShdw>
+            </a:effectLst>
+          </p:spPr>
+          <p:style>
+            <a:lnRef idx="2">
+              <a:schemeClr val="accent1">
+                <a:shade val="50000"/>
+              </a:schemeClr>
+            </a:lnRef>
+            <a:fillRef idx="1">
+              <a:schemeClr val="accent1"/>
+            </a:fillRef>
+            <a:effectRef idx="0">
+              <a:schemeClr val="accent1"/>
+            </a:effectRef>
+            <a:fontRef idx="minor">
+              <a:schemeClr val="lt1"/>
+            </a:fontRef>
+          </p:style>
+          <p:txBody>
+            <a:bodyPr rtlCol="0" anchor="ctr"/>
+            <a:lstStyle/>
+            <a:p>
+              <a:pPr algn="ctr"/>
+              <a:endParaRPr lang="zh-CN" altLang="en-US"/>
+            </a:p>
+          </p:txBody>
+        </p:sp>
+        <p:sp>
+          <p:nvSpPr>
+            <p:cNvPr id="54" name="任意多边形: 形状 53">
+              <a:extLst>
+                <a:ext uri="{FF2B5EF4-FFF2-40B4-BE49-F238E27FC236}">
+                  <a16:creationId xmlns:a16="http://schemas.microsoft.com/office/drawing/2014/main" id="{37746598-8DC3-47FA-8CEE-53F5F9A9CFC6}"/>
+                </a:ext>
+              </a:extLst>
+            </p:cNvPr>
+            <p:cNvSpPr/>
+            <p:nvPr/>
+          </p:nvSpPr>
+          <p:spPr>
+            <a:xfrm rot="10800000">
+              <a:off x="7901023" y="646268"/>
+              <a:ext cx="367933" cy="720000"/>
+            </a:xfrm>
+            <a:custGeom>
+              <a:avLst/>
+              <a:gdLst>
+                <a:gd name="connsiteX0" fmla="*/ 360000 w 367933"/>
+                <a:gd name="connsiteY0" fmla="*/ 0 h 720000"/>
+                <a:gd name="connsiteX1" fmla="*/ 367933 w 367933"/>
+                <a:gd name="connsiteY1" fmla="*/ 800 h 720000"/>
+                <a:gd name="connsiteX2" fmla="*/ 367933 w 367933"/>
+                <a:gd name="connsiteY2" fmla="*/ 719200 h 720000"/>
+                <a:gd name="connsiteX3" fmla="*/ 360000 w 367933"/>
+                <a:gd name="connsiteY3" fmla="*/ 720000 h 720000"/>
+                <a:gd name="connsiteX4" fmla="*/ 0 w 367933"/>
+                <a:gd name="connsiteY4" fmla="*/ 360000 h 720000"/>
+                <a:gd name="connsiteX5" fmla="*/ 360000 w 367933"/>
+                <a:gd name="connsiteY5" fmla="*/ 0 h 720000"/>
+              </a:gdLst>
+              <a:ahLst/>
+              <a:cxnLst>
+                <a:cxn ang="0">
+                  <a:pos x="connsiteX0" y="connsiteY0"/>
+                </a:cxn>
+                <a:cxn ang="0">
+                  <a:pos x="connsiteX1" y="connsiteY1"/>
+                </a:cxn>
+                <a:cxn ang="0">
+                  <a:pos x="connsiteX2" y="connsiteY2"/>
+                </a:cxn>
+                <a:cxn ang="0">
+                  <a:pos x="connsiteX3" y="connsiteY3"/>
+                </a:cxn>
+                <a:cxn ang="0">
+                  <a:pos x="connsiteX4" y="connsiteY4"/>
+                </a:cxn>
+                <a:cxn ang="0">
+                  <a:pos x="connsiteX5" y="connsiteY5"/>
+                </a:cxn>
+              </a:cxnLst>
+              <a:rect l="l" t="t" r="r" b="b"/>
+              <a:pathLst>
+                <a:path w="367933" h="720000">
+                  <a:moveTo>
+                    <a:pt x="360000" y="0"/>
+                  </a:moveTo>
+                  <a:lnTo>
+                    <a:pt x="367933" y="800"/>
+                  </a:lnTo>
+                  <a:lnTo>
+                    <a:pt x="367933" y="719200"/>
+                  </a:lnTo>
+                  <a:lnTo>
+                    <a:pt x="360000" y="720000"/>
+                  </a:lnTo>
+                  <a:cubicBezTo>
+                    <a:pt x="161177" y="720000"/>
+                    <a:pt x="0" y="558823"/>
+                    <a:pt x="0" y="360000"/>
+                  </a:cubicBezTo>
+                  <a:cubicBezTo>
+                    <a:pt x="0" y="161177"/>
+                    <a:pt x="161177" y="0"/>
+                    <a:pt x="360000" y="0"/>
+                  </a:cubicBezTo>
+                  <a:close/>
+                </a:path>
+              </a:pathLst>
+            </a:custGeom>
+            <a:gradFill flip="none" rotWithShape="1">
+              <a:gsLst>
+                <a:gs pos="100000">
+                  <a:schemeClr val="bg1">
+                    <a:alpha val="40000"/>
+                  </a:schemeClr>
+                </a:gs>
+                <a:gs pos="0">
+                  <a:schemeClr val="bg1">
+                    <a:alpha val="80000"/>
+                  </a:schemeClr>
+                </a:gs>
+              </a:gsLst>
+              <a:path path="circle">
+                <a:fillToRect r="100000" b="100000"/>
+              </a:path>
+              <a:tileRect l="-100000" t="-100000"/>
+            </a:gradFill>
+            <a:ln>
+              <a:noFill/>
+            </a:ln>
+          </p:spPr>
+          <p:style>
+            <a:lnRef idx="2">
+              <a:schemeClr val="accent1">
+                <a:shade val="50000"/>
+              </a:schemeClr>
+            </a:lnRef>
+            <a:fillRef idx="1">
+              <a:schemeClr val="accent1"/>
+            </a:fillRef>
+            <a:effectRef idx="0">
+              <a:schemeClr val="accent1"/>
+            </a:effectRef>
+            <a:fontRef idx="minor">
+              <a:schemeClr val="lt1"/>
+            </a:fontRef>
+          </p:style>
+          <p:txBody>
+            <a:bodyPr wrap="square" rtlCol="0" anchor="ctr">
+              <a:noAutofit/>
+            </a:bodyPr>
+            <a:lstStyle/>
+            <a:p>
+              <a:pPr algn="ctr"/>
+              <a:endParaRPr lang="zh-CN" altLang="en-US"/>
+            </a:p>
+          </p:txBody>
+        </p:sp>
+        <p:sp>
+          <p:nvSpPr>
+            <p:cNvPr id="55" name="任意多边形: 形状 54">
+              <a:extLst>
+                <a:ext uri="{FF2B5EF4-FFF2-40B4-BE49-F238E27FC236}">
+                  <a16:creationId xmlns:a16="http://schemas.microsoft.com/office/drawing/2014/main" id="{1B92060E-103E-4098-9F0A-61165464A546}"/>
+                </a:ext>
+              </a:extLst>
+            </p:cNvPr>
+            <p:cNvSpPr/>
+            <p:nvPr/>
+          </p:nvSpPr>
+          <p:spPr>
+            <a:xfrm rot="16200000">
+              <a:off x="7724990" y="822301"/>
+              <a:ext cx="367933" cy="720000"/>
+            </a:xfrm>
+            <a:custGeom>
+              <a:avLst/>
+              <a:gdLst>
+                <a:gd name="connsiteX0" fmla="*/ 360000 w 367933"/>
+                <a:gd name="connsiteY0" fmla="*/ 0 h 720000"/>
+                <a:gd name="connsiteX1" fmla="*/ 367933 w 367933"/>
+                <a:gd name="connsiteY1" fmla="*/ 800 h 720000"/>
+                <a:gd name="connsiteX2" fmla="*/ 367933 w 367933"/>
+                <a:gd name="connsiteY2" fmla="*/ 719200 h 720000"/>
+                <a:gd name="connsiteX3" fmla="*/ 360000 w 367933"/>
+                <a:gd name="connsiteY3" fmla="*/ 720000 h 720000"/>
+                <a:gd name="connsiteX4" fmla="*/ 0 w 367933"/>
+                <a:gd name="connsiteY4" fmla="*/ 360000 h 720000"/>
+                <a:gd name="connsiteX5" fmla="*/ 360000 w 367933"/>
+                <a:gd name="connsiteY5" fmla="*/ 0 h 720000"/>
+              </a:gdLst>
+              <a:ahLst/>
+              <a:cxnLst>
+                <a:cxn ang="0">
+                  <a:pos x="connsiteX0" y="connsiteY0"/>
+                </a:cxn>
+                <a:cxn ang="0">
+                  <a:pos x="connsiteX1" y="connsiteY1"/>
+                </a:cxn>
+                <a:cxn ang="0">
+                  <a:pos x="connsiteX2" y="connsiteY2"/>
+                </a:cxn>
+                <a:cxn ang="0">
+                  <a:pos x="connsiteX3" y="connsiteY3"/>
+                </a:cxn>
+                <a:cxn ang="0">
+                  <a:pos x="connsiteX4" y="connsiteY4"/>
+                </a:cxn>
+                <a:cxn ang="0">
+                  <a:pos x="connsiteX5" y="connsiteY5"/>
+                </a:cxn>
+              </a:cxnLst>
+              <a:rect l="l" t="t" r="r" b="b"/>
+              <a:pathLst>
+                <a:path w="367933" h="720000">
+                  <a:moveTo>
+                    <a:pt x="360000" y="0"/>
+                  </a:moveTo>
+                  <a:lnTo>
+                    <a:pt x="367933" y="800"/>
+                  </a:lnTo>
+                  <a:lnTo>
+                    <a:pt x="367933" y="719200"/>
+                  </a:lnTo>
+                  <a:lnTo>
+                    <a:pt x="360000" y="720000"/>
+                  </a:lnTo>
+                  <a:cubicBezTo>
+                    <a:pt x="161177" y="720000"/>
+                    <a:pt x="0" y="558823"/>
+                    <a:pt x="0" y="360000"/>
+                  </a:cubicBezTo>
+                  <a:cubicBezTo>
+                    <a:pt x="0" y="161177"/>
+                    <a:pt x="161177" y="0"/>
+                    <a:pt x="360000" y="0"/>
+                  </a:cubicBezTo>
+                  <a:close/>
+                </a:path>
+              </a:pathLst>
+            </a:custGeom>
+            <a:gradFill flip="none" rotWithShape="1">
+              <a:gsLst>
+                <a:gs pos="100000">
+                  <a:schemeClr val="bg1">
+                    <a:alpha val="40000"/>
+                  </a:schemeClr>
+                </a:gs>
+                <a:gs pos="0">
+                  <a:schemeClr val="bg1">
+                    <a:alpha val="80000"/>
+                  </a:schemeClr>
+                </a:gs>
+              </a:gsLst>
+              <a:path path="circle">
+                <a:fillToRect l="50000" t="50000" r="50000" b="50000"/>
+              </a:path>
+              <a:tileRect/>
+            </a:gradFill>
+            <a:ln>
+              <a:noFill/>
+            </a:ln>
+          </p:spPr>
+          <p:style>
+            <a:lnRef idx="2">
+              <a:schemeClr val="accent1">
+                <a:shade val="50000"/>
+              </a:schemeClr>
+            </a:lnRef>
+            <a:fillRef idx="1">
+              <a:schemeClr val="accent1"/>
+            </a:fillRef>
+            <a:effectRef idx="0">
+              <a:schemeClr val="accent1"/>
+            </a:effectRef>
+            <a:fontRef idx="minor">
+              <a:schemeClr val="lt1"/>
+            </a:fontRef>
+          </p:style>
+          <p:txBody>
+            <a:bodyPr wrap="square" rtlCol="0" anchor="ctr">
+              <a:noAutofit/>
+            </a:bodyPr>
+            <a:lstStyle/>
+            <a:p>
+              <a:pPr algn="ctr"/>
+              <a:endParaRPr lang="zh-CN" altLang="en-US"/>
+            </a:p>
+          </p:txBody>
+        </p:sp>
+      </p:grpSp>
+      <p:pic>
+        <p:nvPicPr>
+          <p:cNvPr id="19" name="图片 18">
+            <a:extLst>
+              <a:ext uri="{FF2B5EF4-FFF2-40B4-BE49-F238E27FC236}">
+                <a16:creationId xmlns:a16="http://schemas.microsoft.com/office/drawing/2014/main" id="{0AF6B459-8DD1-4DB7-8FA4-63A744AC05FB}"/>
+              </a:ext>
+            </a:extLst>
+          </p:cNvPr>
+          <p:cNvPicPr>
+            <a:picLocks noChangeAspect="1"/>
+          </p:cNvPicPr>
+          <p:nvPr/>
+        </p:nvPicPr>
+        <p:blipFill>
+          <a:blip r:embed="rId5">
+            <a:extLst>
+              <a:ext uri="{28A0092B-C50C-407E-A947-70E740481C1C}">
+                <a14:useLocalDpi xmlns:a14="http://schemas.microsoft.com/office/drawing/2010/main" val="0"/>
+              </a:ext>
+            </a:extLst>
+          </a:blip>
+          <a:stretch>
+            <a:fillRect/>
+          </a:stretch>
+        </p:blipFill>
+        <p:spPr>
+          <a:xfrm>
+            <a:off x="3402902" y="4274415"/>
+            <a:ext cx="241200" cy="241200"/>
+          </a:xfrm>
+          <a:prstGeom prst="rect">
+            <a:avLst/>
+          </a:prstGeom>
+        </p:spPr>
+      </p:pic>
     </p:spTree>
     <p:extLst>
       <p:ext uri="{BB962C8B-B14F-4D97-AF65-F5344CB8AC3E}">
-        <p14:creationId xmlns:p14="http://schemas.microsoft.com/office/powerpoint/2010/main" val="1189973641"/>
+        <p14:creationId xmlns:p14="http://schemas.microsoft.com/office/powerpoint/2010/main" val="2457115701"/>
       </p:ext>
     </p:extLst>
   </p:cSld>

--- a/UI.pptx
+++ b/UI.pptx
@@ -263,7 +263,7 @@
           <a:p>
             <a:fld id="{F3BA182F-79D5-4EF3-A581-738F691F52DF}" type="datetimeFigureOut">
               <a:rPr lang="zh-CN" altLang="en-US" smtClean="0"/>
-              <a:t>2019/5/31</a:t>
+              <a:t>2019/6/1</a:t>
             </a:fld>
             <a:endParaRPr lang="zh-CN" altLang="en-US"/>
           </a:p>
@@ -461,7 +461,7 @@
           <a:p>
             <a:fld id="{F3BA182F-79D5-4EF3-A581-738F691F52DF}" type="datetimeFigureOut">
               <a:rPr lang="zh-CN" altLang="en-US" smtClean="0"/>
-              <a:t>2019/5/31</a:t>
+              <a:t>2019/6/1</a:t>
             </a:fld>
             <a:endParaRPr lang="zh-CN" altLang="en-US"/>
           </a:p>
@@ -669,7 +669,7 @@
           <a:p>
             <a:fld id="{F3BA182F-79D5-4EF3-A581-738F691F52DF}" type="datetimeFigureOut">
               <a:rPr lang="zh-CN" altLang="en-US" smtClean="0"/>
-              <a:t>2019/5/31</a:t>
+              <a:t>2019/6/1</a:t>
             </a:fld>
             <a:endParaRPr lang="zh-CN" altLang="en-US"/>
           </a:p>
@@ -867,7 +867,7 @@
           <a:p>
             <a:fld id="{F3BA182F-79D5-4EF3-A581-738F691F52DF}" type="datetimeFigureOut">
               <a:rPr lang="zh-CN" altLang="en-US" smtClean="0"/>
-              <a:t>2019/5/31</a:t>
+              <a:t>2019/6/1</a:t>
             </a:fld>
             <a:endParaRPr lang="zh-CN" altLang="en-US"/>
           </a:p>
@@ -1142,7 +1142,7 @@
           <a:p>
             <a:fld id="{F3BA182F-79D5-4EF3-A581-738F691F52DF}" type="datetimeFigureOut">
               <a:rPr lang="zh-CN" altLang="en-US" smtClean="0"/>
-              <a:t>2019/5/31</a:t>
+              <a:t>2019/6/1</a:t>
             </a:fld>
             <a:endParaRPr lang="zh-CN" altLang="en-US"/>
           </a:p>
@@ -1407,7 +1407,7 @@
           <a:p>
             <a:fld id="{F3BA182F-79D5-4EF3-A581-738F691F52DF}" type="datetimeFigureOut">
               <a:rPr lang="zh-CN" altLang="en-US" smtClean="0"/>
-              <a:t>2019/5/31</a:t>
+              <a:t>2019/6/1</a:t>
             </a:fld>
             <a:endParaRPr lang="zh-CN" altLang="en-US"/>
           </a:p>
@@ -1819,7 +1819,7 @@
           <a:p>
             <a:fld id="{F3BA182F-79D5-4EF3-A581-738F691F52DF}" type="datetimeFigureOut">
               <a:rPr lang="zh-CN" altLang="en-US" smtClean="0"/>
-              <a:t>2019/5/31</a:t>
+              <a:t>2019/6/1</a:t>
             </a:fld>
             <a:endParaRPr lang="zh-CN" altLang="en-US"/>
           </a:p>
@@ -1960,7 +1960,7 @@
           <a:p>
             <a:fld id="{F3BA182F-79D5-4EF3-A581-738F691F52DF}" type="datetimeFigureOut">
               <a:rPr lang="zh-CN" altLang="en-US" smtClean="0"/>
-              <a:t>2019/5/31</a:t>
+              <a:t>2019/6/1</a:t>
             </a:fld>
             <a:endParaRPr lang="zh-CN" altLang="en-US"/>
           </a:p>
@@ -2073,7 +2073,7 @@
           <a:p>
             <a:fld id="{F3BA182F-79D5-4EF3-A581-738F691F52DF}" type="datetimeFigureOut">
               <a:rPr lang="zh-CN" altLang="en-US" smtClean="0"/>
-              <a:t>2019/5/31</a:t>
+              <a:t>2019/6/1</a:t>
             </a:fld>
             <a:endParaRPr lang="zh-CN" altLang="en-US"/>
           </a:p>
@@ -2384,7 +2384,7 @@
           <a:p>
             <a:fld id="{F3BA182F-79D5-4EF3-A581-738F691F52DF}" type="datetimeFigureOut">
               <a:rPr lang="zh-CN" altLang="en-US" smtClean="0"/>
-              <a:t>2019/5/31</a:t>
+              <a:t>2019/6/1</a:t>
             </a:fld>
             <a:endParaRPr lang="zh-CN" altLang="en-US"/>
           </a:p>
@@ -2672,7 +2672,7 @@
           <a:p>
             <a:fld id="{F3BA182F-79D5-4EF3-A581-738F691F52DF}" type="datetimeFigureOut">
               <a:rPr lang="zh-CN" altLang="en-US" smtClean="0"/>
-              <a:t>2019/5/31</a:t>
+              <a:t>2019/6/1</a:t>
             </a:fld>
             <a:endParaRPr lang="zh-CN" altLang="en-US"/>
           </a:p>
@@ -2913,7 +2913,7 @@
           <a:p>
             <a:fld id="{F3BA182F-79D5-4EF3-A581-738F691F52DF}" type="datetimeFigureOut">
               <a:rPr lang="zh-CN" altLang="en-US" smtClean="0"/>
-              <a:t>2019/5/31</a:t>
+              <a:t>2019/6/1</a:t>
             </a:fld>
             <a:endParaRPr lang="zh-CN" altLang="en-US"/>
           </a:p>
@@ -3340,6 +3340,58 @@
           <a:chExt cx="0" cy="0"/>
         </a:xfrm>
       </p:grpSpPr>
+      <p:sp>
+        <p:nvSpPr>
+          <p:cNvPr id="3" name="矩形 2">
+            <a:extLst>
+              <a:ext uri="{FF2B5EF4-FFF2-40B4-BE49-F238E27FC236}">
+                <a16:creationId xmlns:a16="http://schemas.microsoft.com/office/drawing/2014/main" id="{48A0902B-3C84-4A24-81F0-74DDEE1E6166}"/>
+              </a:ext>
+            </a:extLst>
+          </p:cNvPr>
+          <p:cNvSpPr/>
+          <p:nvPr/>
+        </p:nvSpPr>
+        <p:spPr>
+          <a:xfrm>
+            <a:off x="3081670" y="3647787"/>
+            <a:ext cx="1199263" cy="1044862"/>
+          </a:xfrm>
+          <a:prstGeom prst="rect">
+            <a:avLst/>
+          </a:prstGeom>
+          <a:solidFill>
+            <a:schemeClr val="tx1"/>
+          </a:solidFill>
+          <a:ln>
+            <a:noFill/>
+          </a:ln>
+        </p:spPr>
+        <p:style>
+          <a:lnRef idx="2">
+            <a:schemeClr val="accent1">
+              <a:shade val="50000"/>
+            </a:schemeClr>
+          </a:lnRef>
+          <a:fillRef idx="1">
+            <a:schemeClr val="accent1"/>
+          </a:fillRef>
+          <a:effectRef idx="0">
+            <a:schemeClr val="accent1"/>
+          </a:effectRef>
+          <a:fontRef idx="minor">
+            <a:schemeClr val="lt1"/>
+          </a:fontRef>
+        </p:style>
+        <p:txBody>
+          <a:bodyPr rtlCol="0" anchor="ctr"/>
+          <a:lstStyle/>
+          <a:p>
+            <a:pPr algn="ctr"/>
+            <a:endParaRPr lang="zh-CN" altLang="en-US"/>
+          </a:p>
+        </p:txBody>
+      </p:sp>
       <p:sp>
         <p:nvSpPr>
           <p:cNvPr id="23" name="矩形: 圆角 22">
@@ -5514,6 +5566,676 @@
             </a:p>
           </p:txBody>
         </p:sp>
+      </p:grpSp>
+      <p:grpSp>
+        <p:nvGrpSpPr>
+          <p:cNvPr id="55" name="组合 54">
+            <a:extLst>
+              <a:ext uri="{FF2B5EF4-FFF2-40B4-BE49-F238E27FC236}">
+                <a16:creationId xmlns:a16="http://schemas.microsoft.com/office/drawing/2014/main" id="{03F5EE71-24B1-4DB0-AF5F-8357F8DF8361}"/>
+              </a:ext>
+            </a:extLst>
+          </p:cNvPr>
+          <p:cNvGrpSpPr/>
+          <p:nvPr/>
+        </p:nvGrpSpPr>
+        <p:grpSpPr>
+          <a:xfrm>
+            <a:off x="3434115" y="3940340"/>
+            <a:ext cx="468000" cy="468000"/>
+            <a:chOff x="4627642" y="4188354"/>
+            <a:chExt cx="417573" cy="420715"/>
+          </a:xfrm>
+        </p:grpSpPr>
+        <p:sp>
+          <p:nvSpPr>
+            <p:cNvPr id="56" name="任意多边形: 形状 55">
+              <a:extLst>
+                <a:ext uri="{FF2B5EF4-FFF2-40B4-BE49-F238E27FC236}">
+                  <a16:creationId xmlns:a16="http://schemas.microsoft.com/office/drawing/2014/main" id="{C36DD277-8A3C-419F-98D3-F628A208C8AD}"/>
+                </a:ext>
+              </a:extLst>
+            </p:cNvPr>
+            <p:cNvSpPr/>
+            <p:nvPr/>
+          </p:nvSpPr>
+          <p:spPr>
+            <a:xfrm rot="1313670">
+              <a:off x="4627642" y="4188354"/>
+              <a:ext cx="417573" cy="420715"/>
+            </a:xfrm>
+            <a:custGeom>
+              <a:avLst/>
+              <a:gdLst>
+                <a:gd name="connsiteX0" fmla="*/ 256895 w 417573"/>
+                <a:gd name="connsiteY0" fmla="*/ 0 h 420715"/>
+                <a:gd name="connsiteX1" fmla="*/ 293037 w 417573"/>
+                <a:gd name="connsiteY1" fmla="*/ 11219 h 420715"/>
+                <a:gd name="connsiteX2" fmla="*/ 319400 w 417573"/>
+                <a:gd name="connsiteY2" fmla="*/ 25942 h 420715"/>
+                <a:gd name="connsiteX3" fmla="*/ 316927 w 417573"/>
+                <a:gd name="connsiteY3" fmla="*/ 38650 h 420715"/>
+                <a:gd name="connsiteX4" fmla="*/ 332743 w 417573"/>
+                <a:gd name="connsiteY4" fmla="*/ 76834 h 420715"/>
+                <a:gd name="connsiteX5" fmla="*/ 370927 w 417573"/>
+                <a:gd name="connsiteY5" fmla="*/ 92650 h 420715"/>
+                <a:gd name="connsiteX6" fmla="*/ 386751 w 417573"/>
+                <a:gd name="connsiteY6" fmla="*/ 89571 h 420715"/>
+                <a:gd name="connsiteX7" fmla="*/ 396343 w 417573"/>
+                <a:gd name="connsiteY7" fmla="*/ 102730 h 420715"/>
+                <a:gd name="connsiteX8" fmla="*/ 415249 w 417573"/>
+                <a:gd name="connsiteY8" fmla="*/ 146013 h 420715"/>
+                <a:gd name="connsiteX9" fmla="*/ 417573 w 417573"/>
+                <a:gd name="connsiteY9" fmla="*/ 161380 h 420715"/>
+                <a:gd name="connsiteX10" fmla="*/ 400613 w 417573"/>
+                <a:gd name="connsiteY10" fmla="*/ 172815 h 420715"/>
+                <a:gd name="connsiteX11" fmla="*/ 384796 w 417573"/>
+                <a:gd name="connsiteY11" fmla="*/ 210998 h 420715"/>
+                <a:gd name="connsiteX12" fmla="*/ 400613 w 417573"/>
+                <a:gd name="connsiteY12" fmla="*/ 249182 h 420715"/>
+                <a:gd name="connsiteX13" fmla="*/ 417366 w 417573"/>
+                <a:gd name="connsiteY13" fmla="*/ 260477 h 420715"/>
+                <a:gd name="connsiteX14" fmla="*/ 415249 w 417573"/>
+                <a:gd name="connsiteY14" fmla="*/ 274477 h 420715"/>
+                <a:gd name="connsiteX15" fmla="*/ 396343 w 417573"/>
+                <a:gd name="connsiteY15" fmla="*/ 317761 h 420715"/>
+                <a:gd name="connsiteX16" fmla="*/ 395397 w 417573"/>
+                <a:gd name="connsiteY16" fmla="*/ 319058 h 420715"/>
+                <a:gd name="connsiteX17" fmla="*/ 391248 w 417573"/>
+                <a:gd name="connsiteY17" fmla="*/ 316302 h 420715"/>
+                <a:gd name="connsiteX18" fmla="*/ 332743 w 417573"/>
+                <a:gd name="connsiteY18" fmla="*/ 328164 h 420715"/>
+                <a:gd name="connsiteX19" fmla="*/ 320881 w 417573"/>
+                <a:gd name="connsiteY19" fmla="*/ 386669 h 420715"/>
+                <a:gd name="connsiteX20" fmla="*/ 324297 w 417573"/>
+                <a:gd name="connsiteY20" fmla="*/ 391813 h 420715"/>
+                <a:gd name="connsiteX21" fmla="*/ 293037 w 417573"/>
+                <a:gd name="connsiteY21" fmla="*/ 409271 h 420715"/>
+                <a:gd name="connsiteX22" fmla="*/ 256172 w 417573"/>
+                <a:gd name="connsiteY22" fmla="*/ 420715 h 420715"/>
+                <a:gd name="connsiteX23" fmla="*/ 245262 w 417573"/>
+                <a:gd name="connsiteY23" fmla="*/ 404533 h 420715"/>
+                <a:gd name="connsiteX24" fmla="*/ 207078 w 417573"/>
+                <a:gd name="connsiteY24" fmla="*/ 388716 h 420715"/>
+                <a:gd name="connsiteX25" fmla="*/ 168895 w 417573"/>
+                <a:gd name="connsiteY25" fmla="*/ 404533 h 420715"/>
+                <a:gd name="connsiteX26" fmla="*/ 158636 w 417573"/>
+                <a:gd name="connsiteY26" fmla="*/ 419748 h 420715"/>
+                <a:gd name="connsiteX27" fmla="*/ 124883 w 417573"/>
+                <a:gd name="connsiteY27" fmla="*/ 409271 h 420715"/>
+                <a:gd name="connsiteX28" fmla="*/ 90877 w 417573"/>
+                <a:gd name="connsiteY28" fmla="*/ 390280 h 420715"/>
+                <a:gd name="connsiteX29" fmla="*/ 93275 w 417573"/>
+                <a:gd name="connsiteY29" fmla="*/ 386669 h 420715"/>
+                <a:gd name="connsiteX30" fmla="*/ 81413 w 417573"/>
+                <a:gd name="connsiteY30" fmla="*/ 328164 h 420715"/>
+                <a:gd name="connsiteX31" fmla="*/ 22909 w 417573"/>
+                <a:gd name="connsiteY31" fmla="*/ 316302 h 420715"/>
+                <a:gd name="connsiteX32" fmla="*/ 21383 w 417573"/>
+                <a:gd name="connsiteY32" fmla="*/ 317315 h 420715"/>
+                <a:gd name="connsiteX33" fmla="*/ 2671 w 417573"/>
+                <a:gd name="connsiteY33" fmla="*/ 274477 h 420715"/>
+                <a:gd name="connsiteX34" fmla="*/ 206 w 417573"/>
+                <a:gd name="connsiteY34" fmla="*/ 258174 h 420715"/>
+                <a:gd name="connsiteX35" fmla="*/ 13544 w 417573"/>
+                <a:gd name="connsiteY35" fmla="*/ 249182 h 420715"/>
+                <a:gd name="connsiteX36" fmla="*/ 29360 w 417573"/>
+                <a:gd name="connsiteY36" fmla="*/ 210998 h 420715"/>
+                <a:gd name="connsiteX37" fmla="*/ 13544 w 417573"/>
+                <a:gd name="connsiteY37" fmla="*/ 172815 h 420715"/>
+                <a:gd name="connsiteX38" fmla="*/ 0 w 417573"/>
+                <a:gd name="connsiteY38" fmla="*/ 163683 h 420715"/>
+                <a:gd name="connsiteX39" fmla="*/ 2671 w 417573"/>
+                <a:gd name="connsiteY39" fmla="*/ 146013 h 420715"/>
+                <a:gd name="connsiteX40" fmla="*/ 21578 w 417573"/>
+                <a:gd name="connsiteY40" fmla="*/ 102730 h 420715"/>
+                <a:gd name="connsiteX41" fmla="*/ 30702 w 417573"/>
+                <a:gd name="connsiteY41" fmla="*/ 90212 h 420715"/>
+                <a:gd name="connsiteX42" fmla="*/ 43229 w 417573"/>
+                <a:gd name="connsiteY42" fmla="*/ 92650 h 420715"/>
+                <a:gd name="connsiteX43" fmla="*/ 81413 w 417573"/>
+                <a:gd name="connsiteY43" fmla="*/ 76834 h 420715"/>
+                <a:gd name="connsiteX44" fmla="*/ 97229 w 417573"/>
+                <a:gd name="connsiteY44" fmla="*/ 38650 h 420715"/>
+                <a:gd name="connsiteX45" fmla="*/ 95125 w 417573"/>
+                <a:gd name="connsiteY45" fmla="*/ 27838 h 420715"/>
+                <a:gd name="connsiteX46" fmla="*/ 124883 w 417573"/>
+                <a:gd name="connsiteY46" fmla="*/ 11219 h 420715"/>
+                <a:gd name="connsiteX47" fmla="*/ 157796 w 417573"/>
+                <a:gd name="connsiteY47" fmla="*/ 1003 h 420715"/>
+                <a:gd name="connsiteX48" fmla="*/ 168895 w 417573"/>
+                <a:gd name="connsiteY48" fmla="*/ 17464 h 420715"/>
+                <a:gd name="connsiteX49" fmla="*/ 207078 w 417573"/>
+                <a:gd name="connsiteY49" fmla="*/ 33280 h 420715"/>
+                <a:gd name="connsiteX50" fmla="*/ 256835 w 417573"/>
+                <a:gd name="connsiteY50" fmla="*/ 299 h 420715"/>
+              </a:gdLst>
+              <a:ahLst/>
+              <a:cxnLst>
+                <a:cxn ang="0">
+                  <a:pos x="connsiteX0" y="connsiteY0"/>
+                </a:cxn>
+                <a:cxn ang="0">
+                  <a:pos x="connsiteX1" y="connsiteY1"/>
+                </a:cxn>
+                <a:cxn ang="0">
+                  <a:pos x="connsiteX2" y="connsiteY2"/>
+                </a:cxn>
+                <a:cxn ang="0">
+                  <a:pos x="connsiteX3" y="connsiteY3"/>
+                </a:cxn>
+                <a:cxn ang="0">
+                  <a:pos x="connsiteX4" y="connsiteY4"/>
+                </a:cxn>
+                <a:cxn ang="0">
+                  <a:pos x="connsiteX5" y="connsiteY5"/>
+                </a:cxn>
+                <a:cxn ang="0">
+                  <a:pos x="connsiteX6" y="connsiteY6"/>
+                </a:cxn>
+                <a:cxn ang="0">
+                  <a:pos x="connsiteX7" y="connsiteY7"/>
+                </a:cxn>
+                <a:cxn ang="0">
+                  <a:pos x="connsiteX8" y="connsiteY8"/>
+                </a:cxn>
+                <a:cxn ang="0">
+                  <a:pos x="connsiteX9" y="connsiteY9"/>
+                </a:cxn>
+                <a:cxn ang="0">
+                  <a:pos x="connsiteX10" y="connsiteY10"/>
+                </a:cxn>
+                <a:cxn ang="0">
+                  <a:pos x="connsiteX11" y="connsiteY11"/>
+                </a:cxn>
+                <a:cxn ang="0">
+                  <a:pos x="connsiteX12" y="connsiteY12"/>
+                </a:cxn>
+                <a:cxn ang="0">
+                  <a:pos x="connsiteX13" y="connsiteY13"/>
+                </a:cxn>
+                <a:cxn ang="0">
+                  <a:pos x="connsiteX14" y="connsiteY14"/>
+                </a:cxn>
+                <a:cxn ang="0">
+                  <a:pos x="connsiteX15" y="connsiteY15"/>
+                </a:cxn>
+                <a:cxn ang="0">
+                  <a:pos x="connsiteX16" y="connsiteY16"/>
+                </a:cxn>
+                <a:cxn ang="0">
+                  <a:pos x="connsiteX17" y="connsiteY17"/>
+                </a:cxn>
+                <a:cxn ang="0">
+                  <a:pos x="connsiteX18" y="connsiteY18"/>
+                </a:cxn>
+                <a:cxn ang="0">
+                  <a:pos x="connsiteX19" y="connsiteY19"/>
+                </a:cxn>
+                <a:cxn ang="0">
+                  <a:pos x="connsiteX20" y="connsiteY20"/>
+                </a:cxn>
+                <a:cxn ang="0">
+                  <a:pos x="connsiteX21" y="connsiteY21"/>
+                </a:cxn>
+                <a:cxn ang="0">
+                  <a:pos x="connsiteX22" y="connsiteY22"/>
+                </a:cxn>
+                <a:cxn ang="0">
+                  <a:pos x="connsiteX23" y="connsiteY23"/>
+                </a:cxn>
+                <a:cxn ang="0">
+                  <a:pos x="connsiteX24" y="connsiteY24"/>
+                </a:cxn>
+                <a:cxn ang="0">
+                  <a:pos x="connsiteX25" y="connsiteY25"/>
+                </a:cxn>
+                <a:cxn ang="0">
+                  <a:pos x="connsiteX26" y="connsiteY26"/>
+                </a:cxn>
+                <a:cxn ang="0">
+                  <a:pos x="connsiteX27" y="connsiteY27"/>
+                </a:cxn>
+                <a:cxn ang="0">
+                  <a:pos x="connsiteX28" y="connsiteY28"/>
+                </a:cxn>
+                <a:cxn ang="0">
+                  <a:pos x="connsiteX29" y="connsiteY29"/>
+                </a:cxn>
+                <a:cxn ang="0">
+                  <a:pos x="connsiteX30" y="connsiteY30"/>
+                </a:cxn>
+                <a:cxn ang="0">
+                  <a:pos x="connsiteX31" y="connsiteY31"/>
+                </a:cxn>
+                <a:cxn ang="0">
+                  <a:pos x="connsiteX32" y="connsiteY32"/>
+                </a:cxn>
+                <a:cxn ang="0">
+                  <a:pos x="connsiteX33" y="connsiteY33"/>
+                </a:cxn>
+                <a:cxn ang="0">
+                  <a:pos x="connsiteX34" y="connsiteY34"/>
+                </a:cxn>
+                <a:cxn ang="0">
+                  <a:pos x="connsiteX35" y="connsiteY35"/>
+                </a:cxn>
+                <a:cxn ang="0">
+                  <a:pos x="connsiteX36" y="connsiteY36"/>
+                </a:cxn>
+                <a:cxn ang="0">
+                  <a:pos x="connsiteX37" y="connsiteY37"/>
+                </a:cxn>
+                <a:cxn ang="0">
+                  <a:pos x="connsiteX38" y="connsiteY38"/>
+                </a:cxn>
+                <a:cxn ang="0">
+                  <a:pos x="connsiteX39" y="connsiteY39"/>
+                </a:cxn>
+                <a:cxn ang="0">
+                  <a:pos x="connsiteX40" y="connsiteY40"/>
+                </a:cxn>
+                <a:cxn ang="0">
+                  <a:pos x="connsiteX41" y="connsiteY41"/>
+                </a:cxn>
+                <a:cxn ang="0">
+                  <a:pos x="connsiteX42" y="connsiteY42"/>
+                </a:cxn>
+                <a:cxn ang="0">
+                  <a:pos x="connsiteX43" y="connsiteY43"/>
+                </a:cxn>
+                <a:cxn ang="0">
+                  <a:pos x="connsiteX44" y="connsiteY44"/>
+                </a:cxn>
+                <a:cxn ang="0">
+                  <a:pos x="connsiteX45" y="connsiteY45"/>
+                </a:cxn>
+                <a:cxn ang="0">
+                  <a:pos x="connsiteX46" y="connsiteY46"/>
+                </a:cxn>
+                <a:cxn ang="0">
+                  <a:pos x="connsiteX47" y="connsiteY47"/>
+                </a:cxn>
+                <a:cxn ang="0">
+                  <a:pos x="connsiteX48" y="connsiteY48"/>
+                </a:cxn>
+                <a:cxn ang="0">
+                  <a:pos x="connsiteX49" y="connsiteY49"/>
+                </a:cxn>
+                <a:cxn ang="0">
+                  <a:pos x="connsiteX50" y="connsiteY50"/>
+                </a:cxn>
+              </a:cxnLst>
+              <a:rect l="l" t="t" r="r" b="b"/>
+              <a:pathLst>
+                <a:path w="417573" h="420715">
+                  <a:moveTo>
+                    <a:pt x="256895" y="0"/>
+                  </a:moveTo>
+                  <a:lnTo>
+                    <a:pt x="293037" y="11219"/>
+                  </a:lnTo>
+                  <a:lnTo>
+                    <a:pt x="319400" y="25942"/>
+                  </a:lnTo>
+                  <a:lnTo>
+                    <a:pt x="316927" y="38650"/>
+                  </a:lnTo>
+                  <a:cubicBezTo>
+                    <a:pt x="316927" y="52470"/>
+                    <a:pt x="322199" y="66290"/>
+                    <a:pt x="332743" y="76834"/>
+                  </a:cubicBezTo>
+                  <a:cubicBezTo>
+                    <a:pt x="343287" y="87378"/>
+                    <a:pt x="357107" y="92650"/>
+                    <a:pt x="370927" y="92650"/>
+                  </a:cubicBezTo>
+                  <a:lnTo>
+                    <a:pt x="386751" y="89571"/>
+                  </a:lnTo>
+                  <a:lnTo>
+                    <a:pt x="396343" y="102730"/>
+                  </a:lnTo>
+                  <a:cubicBezTo>
+                    <a:pt x="404145" y="116299"/>
+                    <a:pt x="410516" y="130795"/>
+                    <a:pt x="415249" y="146013"/>
+                  </a:cubicBezTo>
+                  <a:lnTo>
+                    <a:pt x="417573" y="161380"/>
+                  </a:lnTo>
+                  <a:lnTo>
+                    <a:pt x="400613" y="172815"/>
+                  </a:lnTo>
+                  <a:cubicBezTo>
+                    <a:pt x="390840" y="182587"/>
+                    <a:pt x="384796" y="196087"/>
+                    <a:pt x="384796" y="210998"/>
+                  </a:cubicBezTo>
+                  <a:cubicBezTo>
+                    <a:pt x="384796" y="225910"/>
+                    <a:pt x="390840" y="239410"/>
+                    <a:pt x="400613" y="249182"/>
+                  </a:cubicBezTo>
+                  <a:lnTo>
+                    <a:pt x="417366" y="260477"/>
+                  </a:lnTo>
+                  <a:lnTo>
+                    <a:pt x="415249" y="274477"/>
+                  </a:lnTo>
+                  <a:cubicBezTo>
+                    <a:pt x="410516" y="289695"/>
+                    <a:pt x="404145" y="304192"/>
+                    <a:pt x="396343" y="317761"/>
+                  </a:cubicBezTo>
+                  <a:lnTo>
+                    <a:pt x="395397" y="319058"/>
+                  </a:lnTo>
+                  <a:lnTo>
+                    <a:pt x="391248" y="316302"/>
+                  </a:lnTo>
+                  <a:cubicBezTo>
+                    <a:pt x="371746" y="308394"/>
+                    <a:pt x="348560" y="312348"/>
+                    <a:pt x="332743" y="328164"/>
+                  </a:cubicBezTo>
+                  <a:cubicBezTo>
+                    <a:pt x="316927" y="343981"/>
+                    <a:pt x="312973" y="367167"/>
+                    <a:pt x="320881" y="386669"/>
+                  </a:cubicBezTo>
+                  <a:lnTo>
+                    <a:pt x="324297" y="391813"/>
+                  </a:lnTo>
+                  <a:lnTo>
+                    <a:pt x="293037" y="409271"/>
+                  </a:lnTo>
+                  <a:lnTo>
+                    <a:pt x="256172" y="420715"/>
+                  </a:lnTo>
+                  <a:lnTo>
+                    <a:pt x="245262" y="404533"/>
+                  </a:lnTo>
+                  <a:cubicBezTo>
+                    <a:pt x="235490" y="394761"/>
+                    <a:pt x="221990" y="388716"/>
+                    <a:pt x="207078" y="388716"/>
+                  </a:cubicBezTo>
+                  <a:cubicBezTo>
+                    <a:pt x="192167" y="388716"/>
+                    <a:pt x="178667" y="394761"/>
+                    <a:pt x="168895" y="404533"/>
+                  </a:cubicBezTo>
+                  <a:lnTo>
+                    <a:pt x="158636" y="419748"/>
+                  </a:lnTo>
+                  <a:lnTo>
+                    <a:pt x="124883" y="409271"/>
+                  </a:lnTo>
+                  <a:lnTo>
+                    <a:pt x="90877" y="390280"/>
+                  </a:lnTo>
+                  <a:lnTo>
+                    <a:pt x="93275" y="386669"/>
+                  </a:lnTo>
+                  <a:cubicBezTo>
+                    <a:pt x="101183" y="367167"/>
+                    <a:pt x="97229" y="343981"/>
+                    <a:pt x="81413" y="328164"/>
+                  </a:cubicBezTo>
+                  <a:cubicBezTo>
+                    <a:pt x="65597" y="312348"/>
+                    <a:pt x="42410" y="308394"/>
+                    <a:pt x="22909" y="316302"/>
+                  </a:cubicBezTo>
+                  <a:lnTo>
+                    <a:pt x="21383" y="317315"/>
+                  </a:lnTo>
+                  <a:lnTo>
+                    <a:pt x="2671" y="274477"/>
+                  </a:lnTo>
+                  <a:lnTo>
+                    <a:pt x="206" y="258174"/>
+                  </a:lnTo>
+                  <a:lnTo>
+                    <a:pt x="13544" y="249182"/>
+                  </a:lnTo>
+                  <a:cubicBezTo>
+                    <a:pt x="23316" y="239410"/>
+                    <a:pt x="29360" y="225910"/>
+                    <a:pt x="29360" y="210998"/>
+                  </a:cubicBezTo>
+                  <a:cubicBezTo>
+                    <a:pt x="29360" y="196087"/>
+                    <a:pt x="23316" y="182587"/>
+                    <a:pt x="13544" y="172815"/>
+                  </a:cubicBezTo>
+                  <a:lnTo>
+                    <a:pt x="0" y="163683"/>
+                  </a:lnTo>
+                  <a:lnTo>
+                    <a:pt x="2671" y="146013"/>
+                  </a:lnTo>
+                  <a:cubicBezTo>
+                    <a:pt x="7405" y="130795"/>
+                    <a:pt x="13775" y="116299"/>
+                    <a:pt x="21578" y="102730"/>
+                  </a:cubicBezTo>
+                  <a:lnTo>
+                    <a:pt x="30702" y="90212"/>
+                  </a:lnTo>
+                  <a:lnTo>
+                    <a:pt x="43229" y="92650"/>
+                  </a:lnTo>
+                  <a:cubicBezTo>
+                    <a:pt x="57049" y="92650"/>
+                    <a:pt x="70869" y="87378"/>
+                    <a:pt x="81413" y="76834"/>
+                  </a:cubicBezTo>
+                  <a:cubicBezTo>
+                    <a:pt x="91957" y="66290"/>
+                    <a:pt x="97229" y="52470"/>
+                    <a:pt x="97229" y="38650"/>
+                  </a:cubicBezTo>
+                  <a:lnTo>
+                    <a:pt x="95125" y="27838"/>
+                  </a:lnTo>
+                  <a:lnTo>
+                    <a:pt x="124883" y="11219"/>
+                  </a:lnTo>
+                  <a:lnTo>
+                    <a:pt x="157796" y="1003"/>
+                  </a:lnTo>
+                  <a:lnTo>
+                    <a:pt x="168895" y="17464"/>
+                  </a:lnTo>
+                  <a:cubicBezTo>
+                    <a:pt x="178667" y="27236"/>
+                    <a:pt x="192167" y="33280"/>
+                    <a:pt x="207078" y="33280"/>
+                  </a:cubicBezTo>
+                  <a:cubicBezTo>
+                    <a:pt x="229446" y="33280"/>
+                    <a:pt x="248637" y="19681"/>
+                    <a:pt x="256835" y="299"/>
+                  </a:cubicBezTo>
+                  <a:close/>
+                </a:path>
+              </a:pathLst>
+            </a:custGeom>
+            <a:solidFill>
+              <a:schemeClr val="bg1">
+                <a:alpha val="30000"/>
+              </a:schemeClr>
+            </a:solidFill>
+            <a:ln>
+              <a:noFill/>
+            </a:ln>
+            <a:effectLst/>
+          </p:spPr>
+          <p:style>
+            <a:lnRef idx="2">
+              <a:schemeClr val="accent1">
+                <a:shade val="50000"/>
+              </a:schemeClr>
+            </a:lnRef>
+            <a:fillRef idx="1">
+              <a:schemeClr val="accent1"/>
+            </a:fillRef>
+            <a:effectRef idx="0">
+              <a:schemeClr val="accent1"/>
+            </a:effectRef>
+            <a:fontRef idx="minor">
+              <a:schemeClr val="lt1"/>
+            </a:fontRef>
+          </p:style>
+          <p:txBody>
+            <a:bodyPr wrap="square" rtlCol="0" anchor="ctr">
+              <a:noAutofit/>
+            </a:bodyPr>
+            <a:lstStyle/>
+            <a:p>
+              <a:pPr algn="ctr"/>
+              <a:endParaRPr lang="zh-CN" altLang="en-US" dirty="0"/>
+            </a:p>
+          </p:txBody>
+        </p:sp>
+        <p:grpSp>
+          <p:nvGrpSpPr>
+            <p:cNvPr id="58" name="组合 57">
+              <a:extLst>
+                <a:ext uri="{FF2B5EF4-FFF2-40B4-BE49-F238E27FC236}">
+                  <a16:creationId xmlns:a16="http://schemas.microsoft.com/office/drawing/2014/main" id="{D678651A-7662-404F-A8EA-0C58273168C2}"/>
+                </a:ext>
+              </a:extLst>
+            </p:cNvPr>
+            <p:cNvGrpSpPr/>
+            <p:nvPr/>
+          </p:nvGrpSpPr>
+          <p:grpSpPr>
+            <a:xfrm>
+              <a:off x="4703540" y="4260007"/>
+              <a:ext cx="270000" cy="270000"/>
+              <a:chOff x="4649251" y="4204302"/>
+              <a:chExt cx="371481" cy="370800"/>
+            </a:xfrm>
+          </p:grpSpPr>
+          <p:sp>
+            <p:nvSpPr>
+              <p:cNvPr id="63" name="椭圆 62">
+                <a:extLst>
+                  <a:ext uri="{FF2B5EF4-FFF2-40B4-BE49-F238E27FC236}">
+                    <a16:creationId xmlns:a16="http://schemas.microsoft.com/office/drawing/2014/main" id="{BBDDDD1D-B7C6-4B4D-84DE-46A3FE19D50D}"/>
+                  </a:ext>
+                </a:extLst>
+              </p:cNvPr>
+              <p:cNvSpPr/>
+              <p:nvPr/>
+            </p:nvSpPr>
+            <p:spPr>
+              <a:xfrm>
+                <a:off x="4649251" y="4204302"/>
+                <a:ext cx="371481" cy="370800"/>
+              </a:xfrm>
+              <a:prstGeom prst="ellipse">
+                <a:avLst/>
+              </a:prstGeom>
+              <a:solidFill>
+                <a:schemeClr val="bg1">
+                  <a:alpha val="40000"/>
+                </a:schemeClr>
+              </a:solidFill>
+              <a:ln>
+                <a:noFill/>
+              </a:ln>
+              <a:effectLst/>
+            </p:spPr>
+            <p:style>
+              <a:lnRef idx="2">
+                <a:schemeClr val="accent1">
+                  <a:shade val="50000"/>
+                </a:schemeClr>
+              </a:lnRef>
+              <a:fillRef idx="1">
+                <a:schemeClr val="accent1"/>
+              </a:fillRef>
+              <a:effectRef idx="0">
+                <a:schemeClr val="accent1"/>
+              </a:effectRef>
+              <a:fontRef idx="minor">
+                <a:schemeClr val="lt1"/>
+              </a:fontRef>
+            </p:style>
+            <p:txBody>
+              <a:bodyPr wrap="square" rtlCol="0" anchor="ctr">
+                <a:noAutofit/>
+              </a:bodyPr>
+              <a:lstStyle/>
+              <a:p>
+                <a:pPr algn="ctr"/>
+                <a:endParaRPr lang="zh-CN" altLang="en-US" dirty="0"/>
+              </a:p>
+            </p:txBody>
+          </p:sp>
+          <p:sp>
+            <p:nvSpPr>
+              <p:cNvPr id="64" name="椭圆 63">
+                <a:extLst>
+                  <a:ext uri="{FF2B5EF4-FFF2-40B4-BE49-F238E27FC236}">
+                    <a16:creationId xmlns:a16="http://schemas.microsoft.com/office/drawing/2014/main" id="{2301E77A-43B7-4C8D-A565-28B64025D4BE}"/>
+                  </a:ext>
+                </a:extLst>
+              </p:cNvPr>
+              <p:cNvSpPr/>
+              <p:nvPr/>
+            </p:nvSpPr>
+            <p:spPr>
+              <a:xfrm>
+                <a:off x="4744991" y="4299702"/>
+                <a:ext cx="180000" cy="180000"/>
+              </a:xfrm>
+              <a:prstGeom prst="ellipse">
+                <a:avLst/>
+              </a:prstGeom>
+              <a:solidFill>
+                <a:schemeClr val="bg1">
+                  <a:alpha val="50000"/>
+                </a:schemeClr>
+              </a:solidFill>
+              <a:ln>
+                <a:noFill/>
+              </a:ln>
+              <a:effectLst/>
+            </p:spPr>
+            <p:style>
+              <a:lnRef idx="2">
+                <a:schemeClr val="accent1">
+                  <a:shade val="50000"/>
+                </a:schemeClr>
+              </a:lnRef>
+              <a:fillRef idx="1">
+                <a:schemeClr val="accent1"/>
+              </a:fillRef>
+              <a:effectRef idx="0">
+                <a:schemeClr val="accent1"/>
+              </a:effectRef>
+              <a:fontRef idx="minor">
+                <a:schemeClr val="lt1"/>
+              </a:fontRef>
+            </p:style>
+            <p:txBody>
+              <a:bodyPr wrap="square" rtlCol="0" anchor="ctr">
+                <a:noAutofit/>
+              </a:bodyPr>
+              <a:lstStyle/>
+              <a:p>
+                <a:pPr algn="ctr"/>
+                <a:endParaRPr lang="zh-CN" altLang="en-US" dirty="0"/>
+              </a:p>
+            </p:txBody>
+          </p:sp>
+        </p:grpSp>
       </p:grpSp>
     </p:spTree>
     <p:extLst>

--- a/UI.pptx
+++ b/UI.pptx
@@ -263,7 +263,7 @@
           <a:p>
             <a:fld id="{F3BA182F-79D5-4EF3-A581-738F691F52DF}" type="datetimeFigureOut">
               <a:rPr lang="zh-CN" altLang="en-US" smtClean="0"/>
-              <a:t>2019/6/1</a:t>
+              <a:t>2019/6/7</a:t>
             </a:fld>
             <a:endParaRPr lang="zh-CN" altLang="en-US"/>
           </a:p>
@@ -461,7 +461,7 @@
           <a:p>
             <a:fld id="{F3BA182F-79D5-4EF3-A581-738F691F52DF}" type="datetimeFigureOut">
               <a:rPr lang="zh-CN" altLang="en-US" smtClean="0"/>
-              <a:t>2019/6/1</a:t>
+              <a:t>2019/6/7</a:t>
             </a:fld>
             <a:endParaRPr lang="zh-CN" altLang="en-US"/>
           </a:p>
@@ -669,7 +669,7 @@
           <a:p>
             <a:fld id="{F3BA182F-79D5-4EF3-A581-738F691F52DF}" type="datetimeFigureOut">
               <a:rPr lang="zh-CN" altLang="en-US" smtClean="0"/>
-              <a:t>2019/6/1</a:t>
+              <a:t>2019/6/7</a:t>
             </a:fld>
             <a:endParaRPr lang="zh-CN" altLang="en-US"/>
           </a:p>
@@ -867,7 +867,7 @@
           <a:p>
             <a:fld id="{F3BA182F-79D5-4EF3-A581-738F691F52DF}" type="datetimeFigureOut">
               <a:rPr lang="zh-CN" altLang="en-US" smtClean="0"/>
-              <a:t>2019/6/1</a:t>
+              <a:t>2019/6/7</a:t>
             </a:fld>
             <a:endParaRPr lang="zh-CN" altLang="en-US"/>
           </a:p>
@@ -1142,7 +1142,7 @@
           <a:p>
             <a:fld id="{F3BA182F-79D5-4EF3-A581-738F691F52DF}" type="datetimeFigureOut">
               <a:rPr lang="zh-CN" altLang="en-US" smtClean="0"/>
-              <a:t>2019/6/1</a:t>
+              <a:t>2019/6/7</a:t>
             </a:fld>
             <a:endParaRPr lang="zh-CN" altLang="en-US"/>
           </a:p>
@@ -1407,7 +1407,7 @@
           <a:p>
             <a:fld id="{F3BA182F-79D5-4EF3-A581-738F691F52DF}" type="datetimeFigureOut">
               <a:rPr lang="zh-CN" altLang="en-US" smtClean="0"/>
-              <a:t>2019/6/1</a:t>
+              <a:t>2019/6/7</a:t>
             </a:fld>
             <a:endParaRPr lang="zh-CN" altLang="en-US"/>
           </a:p>
@@ -1819,7 +1819,7 @@
           <a:p>
             <a:fld id="{F3BA182F-79D5-4EF3-A581-738F691F52DF}" type="datetimeFigureOut">
               <a:rPr lang="zh-CN" altLang="en-US" smtClean="0"/>
-              <a:t>2019/6/1</a:t>
+              <a:t>2019/6/7</a:t>
             </a:fld>
             <a:endParaRPr lang="zh-CN" altLang="en-US"/>
           </a:p>
@@ -1960,7 +1960,7 @@
           <a:p>
             <a:fld id="{F3BA182F-79D5-4EF3-A581-738F691F52DF}" type="datetimeFigureOut">
               <a:rPr lang="zh-CN" altLang="en-US" smtClean="0"/>
-              <a:t>2019/6/1</a:t>
+              <a:t>2019/6/7</a:t>
             </a:fld>
             <a:endParaRPr lang="zh-CN" altLang="en-US"/>
           </a:p>
@@ -2073,7 +2073,7 @@
           <a:p>
             <a:fld id="{F3BA182F-79D5-4EF3-A581-738F691F52DF}" type="datetimeFigureOut">
               <a:rPr lang="zh-CN" altLang="en-US" smtClean="0"/>
-              <a:t>2019/6/1</a:t>
+              <a:t>2019/6/7</a:t>
             </a:fld>
             <a:endParaRPr lang="zh-CN" altLang="en-US"/>
           </a:p>
@@ -2384,7 +2384,7 @@
           <a:p>
             <a:fld id="{F3BA182F-79D5-4EF3-A581-738F691F52DF}" type="datetimeFigureOut">
               <a:rPr lang="zh-CN" altLang="en-US" smtClean="0"/>
-              <a:t>2019/6/1</a:t>
+              <a:t>2019/6/7</a:t>
             </a:fld>
             <a:endParaRPr lang="zh-CN" altLang="en-US"/>
           </a:p>
@@ -2672,7 +2672,7 @@
           <a:p>
             <a:fld id="{F3BA182F-79D5-4EF3-A581-738F691F52DF}" type="datetimeFigureOut">
               <a:rPr lang="zh-CN" altLang="en-US" smtClean="0"/>
-              <a:t>2019/6/1</a:t>
+              <a:t>2019/6/7</a:t>
             </a:fld>
             <a:endParaRPr lang="zh-CN" altLang="en-US"/>
           </a:p>
@@ -2913,7 +2913,7 @@
           <a:p>
             <a:fld id="{F3BA182F-79D5-4EF3-A581-738F691F52DF}" type="datetimeFigureOut">
               <a:rPr lang="zh-CN" altLang="en-US" smtClean="0"/>
-              <a:t>2019/6/1</a:t>
+              <a:t>2019/6/7</a:t>
             </a:fld>
             <a:endParaRPr lang="zh-CN" altLang="en-US"/>
           </a:p>
@@ -6237,6 +6237,578 @@
           </p:sp>
         </p:grpSp>
       </p:grpSp>
+      <p:sp>
+        <p:nvSpPr>
+          <p:cNvPr id="65" name="矩形 64">
+            <a:extLst>
+              <a:ext uri="{FF2B5EF4-FFF2-40B4-BE49-F238E27FC236}">
+                <a16:creationId xmlns:a16="http://schemas.microsoft.com/office/drawing/2014/main" id="{64D812F0-5840-4937-B540-173D31478326}"/>
+              </a:ext>
+            </a:extLst>
+          </p:cNvPr>
+          <p:cNvSpPr/>
+          <p:nvPr/>
+        </p:nvSpPr>
+        <p:spPr>
+          <a:xfrm>
+            <a:off x="3822565" y="2266756"/>
+            <a:ext cx="652576" cy="652576"/>
+          </a:xfrm>
+          <a:prstGeom prst="rect">
+            <a:avLst/>
+          </a:prstGeom>
+          <a:solidFill>
+            <a:schemeClr val="bg1"/>
+          </a:solidFill>
+          <a:ln>
+            <a:noFill/>
+          </a:ln>
+        </p:spPr>
+        <p:style>
+          <a:lnRef idx="2">
+            <a:schemeClr val="accent1">
+              <a:shade val="50000"/>
+            </a:schemeClr>
+          </a:lnRef>
+          <a:fillRef idx="1">
+            <a:schemeClr val="accent1"/>
+          </a:fillRef>
+          <a:effectRef idx="0">
+            <a:schemeClr val="accent1"/>
+          </a:effectRef>
+          <a:fontRef idx="minor">
+            <a:schemeClr val="lt1"/>
+          </a:fontRef>
+        </p:style>
+        <p:txBody>
+          <a:bodyPr rtlCol="0" anchor="ctr"/>
+          <a:lstStyle/>
+          <a:p>
+            <a:pPr algn="ctr"/>
+            <a:endParaRPr lang="zh-CN" altLang="en-US"/>
+          </a:p>
+        </p:txBody>
+      </p:sp>
+      <p:grpSp>
+        <p:nvGrpSpPr>
+          <p:cNvPr id="4" name="组合 3">
+            <a:extLst>
+              <a:ext uri="{FF2B5EF4-FFF2-40B4-BE49-F238E27FC236}">
+                <a16:creationId xmlns:a16="http://schemas.microsoft.com/office/drawing/2014/main" id="{10E70058-B6EC-4A62-9F2E-2D6A4ED9289D}"/>
+              </a:ext>
+            </a:extLst>
+          </p:cNvPr>
+          <p:cNvGrpSpPr/>
+          <p:nvPr/>
+        </p:nvGrpSpPr>
+        <p:grpSpPr>
+          <a:xfrm>
+            <a:off x="3956253" y="2400444"/>
+            <a:ext cx="385200" cy="385200"/>
+            <a:chOff x="1735950" y="1574809"/>
+            <a:chExt cx="1434299" cy="1494233"/>
+          </a:xfrm>
+        </p:grpSpPr>
+        <p:sp>
+          <p:nvSpPr>
+            <p:cNvPr id="69" name="椭圆 68">
+              <a:extLst>
+                <a:ext uri="{FF2B5EF4-FFF2-40B4-BE49-F238E27FC236}">
+                  <a16:creationId xmlns:a16="http://schemas.microsoft.com/office/drawing/2014/main" id="{3403B085-F654-452A-84FA-BBB40B983B05}"/>
+                </a:ext>
+              </a:extLst>
+            </p:cNvPr>
+            <p:cNvSpPr/>
+            <p:nvPr/>
+          </p:nvSpPr>
+          <p:spPr>
+            <a:xfrm>
+              <a:off x="1735952" y="1574809"/>
+              <a:ext cx="1434297" cy="1494233"/>
+            </a:xfrm>
+            <a:prstGeom prst="ellipse">
+              <a:avLst/>
+            </a:prstGeom>
+            <a:solidFill>
+              <a:srgbClr val="F7B563"/>
+            </a:solidFill>
+            <a:ln>
+              <a:noFill/>
+            </a:ln>
+          </p:spPr>
+          <p:style>
+            <a:lnRef idx="2">
+              <a:schemeClr val="accent1">
+                <a:shade val="50000"/>
+              </a:schemeClr>
+            </a:lnRef>
+            <a:fillRef idx="1">
+              <a:schemeClr val="accent1"/>
+            </a:fillRef>
+            <a:effectRef idx="0">
+              <a:schemeClr val="accent1"/>
+            </a:effectRef>
+            <a:fontRef idx="minor">
+              <a:schemeClr val="lt1"/>
+            </a:fontRef>
+          </p:style>
+          <p:txBody>
+            <a:bodyPr rtlCol="0" anchor="ctr"/>
+            <a:lstStyle/>
+            <a:p>
+              <a:pPr algn="ctr"/>
+              <a:endParaRPr lang="zh-CN" altLang="en-US"/>
+            </a:p>
+          </p:txBody>
+        </p:sp>
+        <p:sp>
+          <p:nvSpPr>
+            <p:cNvPr id="70" name="椭圆 69">
+              <a:extLst>
+                <a:ext uri="{FF2B5EF4-FFF2-40B4-BE49-F238E27FC236}">
+                  <a16:creationId xmlns:a16="http://schemas.microsoft.com/office/drawing/2014/main" id="{8C8F926F-CE11-4976-9DC1-E7A5DF612AB2}"/>
+                </a:ext>
+              </a:extLst>
+            </p:cNvPr>
+            <p:cNvSpPr/>
+            <p:nvPr/>
+          </p:nvSpPr>
+          <p:spPr>
+            <a:xfrm>
+              <a:off x="1735950" y="1574809"/>
+              <a:ext cx="1434297" cy="1494233"/>
+            </a:xfrm>
+            <a:prstGeom prst="ellipse">
+              <a:avLst/>
+            </a:prstGeom>
+            <a:solidFill>
+              <a:srgbClr val="B8ACAD"/>
+            </a:solidFill>
+            <a:ln w="28575">
+              <a:solidFill>
+                <a:srgbClr val="B8ACAD"/>
+              </a:solidFill>
+            </a:ln>
+          </p:spPr>
+          <p:style>
+            <a:lnRef idx="2">
+              <a:schemeClr val="accent1">
+                <a:shade val="50000"/>
+              </a:schemeClr>
+            </a:lnRef>
+            <a:fillRef idx="1">
+              <a:schemeClr val="accent1"/>
+            </a:fillRef>
+            <a:effectRef idx="0">
+              <a:schemeClr val="accent1"/>
+            </a:effectRef>
+            <a:fontRef idx="minor">
+              <a:schemeClr val="lt1"/>
+            </a:fontRef>
+          </p:style>
+          <p:txBody>
+            <a:bodyPr rtlCol="0" anchor="ctr"/>
+            <a:lstStyle/>
+            <a:p>
+              <a:pPr algn="ctr"/>
+              <a:endParaRPr lang="zh-CN" altLang="en-US"/>
+            </a:p>
+          </p:txBody>
+        </p:sp>
+        <p:sp>
+          <p:nvSpPr>
+            <p:cNvPr id="71" name="矩形 70">
+              <a:extLst>
+                <a:ext uri="{FF2B5EF4-FFF2-40B4-BE49-F238E27FC236}">
+                  <a16:creationId xmlns:a16="http://schemas.microsoft.com/office/drawing/2014/main" id="{3A6B76E0-1913-40A1-ABE9-27A227140EDF}"/>
+                </a:ext>
+              </a:extLst>
+            </p:cNvPr>
+            <p:cNvSpPr/>
+            <p:nvPr/>
+          </p:nvSpPr>
+          <p:spPr>
+            <a:xfrm>
+              <a:off x="2065348" y="1748253"/>
+              <a:ext cx="775504" cy="983848"/>
+            </a:xfrm>
+            <a:prstGeom prst="rect">
+              <a:avLst/>
+            </a:prstGeom>
+            <a:solidFill>
+              <a:schemeClr val="bg1">
+                <a:lumMod val="75000"/>
+              </a:schemeClr>
+            </a:solidFill>
+            <a:ln>
+              <a:noFill/>
+            </a:ln>
+          </p:spPr>
+          <p:style>
+            <a:lnRef idx="2">
+              <a:schemeClr val="accent1">
+                <a:shade val="50000"/>
+              </a:schemeClr>
+            </a:lnRef>
+            <a:fillRef idx="1">
+              <a:schemeClr val="accent1"/>
+            </a:fillRef>
+            <a:effectRef idx="0">
+              <a:schemeClr val="accent1"/>
+            </a:effectRef>
+            <a:fontRef idx="minor">
+              <a:schemeClr val="lt1"/>
+            </a:fontRef>
+          </p:style>
+          <p:txBody>
+            <a:bodyPr rtlCol="0" anchor="ctr"/>
+            <a:lstStyle/>
+            <a:p>
+              <a:pPr algn="ctr"/>
+              <a:endParaRPr lang="zh-CN" altLang="en-US"/>
+            </a:p>
+          </p:txBody>
+        </p:sp>
+        <p:sp>
+          <p:nvSpPr>
+            <p:cNvPr id="72" name="矩形 71">
+              <a:extLst>
+                <a:ext uri="{FF2B5EF4-FFF2-40B4-BE49-F238E27FC236}">
+                  <a16:creationId xmlns:a16="http://schemas.microsoft.com/office/drawing/2014/main" id="{52430030-04F7-4430-8E46-050709682DA6}"/>
+                </a:ext>
+              </a:extLst>
+            </p:cNvPr>
+            <p:cNvSpPr/>
+            <p:nvPr/>
+          </p:nvSpPr>
+          <p:spPr>
+            <a:xfrm>
+              <a:off x="2024996" y="1806286"/>
+              <a:ext cx="856209" cy="983848"/>
+            </a:xfrm>
+            <a:prstGeom prst="rect">
+              <a:avLst/>
+            </a:prstGeom>
+            <a:solidFill>
+              <a:srgbClr val="D6CED1"/>
+            </a:solidFill>
+            <a:ln>
+              <a:noFill/>
+            </a:ln>
+          </p:spPr>
+          <p:style>
+            <a:lnRef idx="2">
+              <a:schemeClr val="accent1">
+                <a:shade val="50000"/>
+              </a:schemeClr>
+            </a:lnRef>
+            <a:fillRef idx="1">
+              <a:schemeClr val="accent1"/>
+            </a:fillRef>
+            <a:effectRef idx="0">
+              <a:schemeClr val="accent1"/>
+            </a:effectRef>
+            <a:fontRef idx="minor">
+              <a:schemeClr val="lt1"/>
+            </a:fontRef>
+          </p:style>
+          <p:txBody>
+            <a:bodyPr rtlCol="0" anchor="ctr"/>
+            <a:lstStyle/>
+            <a:p>
+              <a:pPr algn="ctr"/>
+              <a:endParaRPr lang="zh-CN" altLang="en-US"/>
+            </a:p>
+          </p:txBody>
+        </p:sp>
+        <p:sp>
+          <p:nvSpPr>
+            <p:cNvPr id="82" name="矩形 81">
+              <a:extLst>
+                <a:ext uri="{FF2B5EF4-FFF2-40B4-BE49-F238E27FC236}">
+                  <a16:creationId xmlns:a16="http://schemas.microsoft.com/office/drawing/2014/main" id="{00538A06-C37B-4633-9288-A50E3EEEE954}"/>
+                </a:ext>
+              </a:extLst>
+            </p:cNvPr>
+            <p:cNvSpPr/>
+            <p:nvPr/>
+          </p:nvSpPr>
+          <p:spPr>
+            <a:xfrm>
+              <a:off x="1982541" y="1864319"/>
+              <a:ext cx="941118" cy="983848"/>
+            </a:xfrm>
+            <a:prstGeom prst="rect">
+              <a:avLst/>
+            </a:prstGeom>
+            <a:solidFill>
+              <a:schemeClr val="bg1"/>
+            </a:solidFill>
+            <a:ln>
+              <a:noFill/>
+            </a:ln>
+          </p:spPr>
+          <p:style>
+            <a:lnRef idx="2">
+              <a:schemeClr val="accent1">
+                <a:shade val="50000"/>
+              </a:schemeClr>
+            </a:lnRef>
+            <a:fillRef idx="1">
+              <a:schemeClr val="accent1"/>
+            </a:fillRef>
+            <a:effectRef idx="0">
+              <a:schemeClr val="accent1"/>
+            </a:effectRef>
+            <a:fontRef idx="minor">
+              <a:schemeClr val="lt1"/>
+            </a:fontRef>
+          </p:style>
+          <p:txBody>
+            <a:bodyPr rtlCol="0" anchor="ctr"/>
+            <a:lstStyle/>
+            <a:p>
+              <a:pPr algn="ctr"/>
+              <a:endParaRPr lang="zh-CN" altLang="en-US"/>
+            </a:p>
+          </p:txBody>
+        </p:sp>
+        <p:sp>
+          <p:nvSpPr>
+            <p:cNvPr id="84" name="任意多边形: 形状 83">
+              <a:extLst>
+                <a:ext uri="{FF2B5EF4-FFF2-40B4-BE49-F238E27FC236}">
+                  <a16:creationId xmlns:a16="http://schemas.microsoft.com/office/drawing/2014/main" id="{9208EB5C-1DC2-4B48-BB33-60DE79841B29}"/>
+                </a:ext>
+              </a:extLst>
+            </p:cNvPr>
+            <p:cNvSpPr/>
+            <p:nvPr/>
+          </p:nvSpPr>
+          <p:spPr>
+            <a:xfrm>
+              <a:off x="1735950" y="2283293"/>
+              <a:ext cx="1434299" cy="785749"/>
+            </a:xfrm>
+            <a:custGeom>
+              <a:avLst/>
+              <a:gdLst>
+                <a:gd name="connsiteX0" fmla="*/ 5997 w 1434298"/>
+                <a:gd name="connsiteY0" fmla="*/ 0 h 839165"/>
+                <a:gd name="connsiteX1" fmla="*/ 1428301 w 1434298"/>
+                <a:gd name="connsiteY1" fmla="*/ 0 h 839165"/>
+                <a:gd name="connsiteX2" fmla="*/ 1430596 w 1434298"/>
+                <a:gd name="connsiteY2" fmla="*/ 15660 h 839165"/>
+                <a:gd name="connsiteX3" fmla="*/ 1434298 w 1434298"/>
+                <a:gd name="connsiteY3" fmla="*/ 92048 h 839165"/>
+                <a:gd name="connsiteX4" fmla="*/ 717149 w 1434298"/>
+                <a:gd name="connsiteY4" fmla="*/ 839165 h 839165"/>
+                <a:gd name="connsiteX5" fmla="*/ 0 w 1434298"/>
+                <a:gd name="connsiteY5" fmla="*/ 92048 h 839165"/>
+                <a:gd name="connsiteX6" fmla="*/ 3703 w 1434298"/>
+                <a:gd name="connsiteY6" fmla="*/ 15660 h 839165"/>
+              </a:gdLst>
+              <a:ahLst/>
+              <a:cxnLst>
+                <a:cxn ang="0">
+                  <a:pos x="connsiteX0" y="connsiteY0"/>
+                </a:cxn>
+                <a:cxn ang="0">
+                  <a:pos x="connsiteX1" y="connsiteY1"/>
+                </a:cxn>
+                <a:cxn ang="0">
+                  <a:pos x="connsiteX2" y="connsiteY2"/>
+                </a:cxn>
+                <a:cxn ang="0">
+                  <a:pos x="connsiteX3" y="connsiteY3"/>
+                </a:cxn>
+                <a:cxn ang="0">
+                  <a:pos x="connsiteX4" y="connsiteY4"/>
+                </a:cxn>
+                <a:cxn ang="0">
+                  <a:pos x="connsiteX5" y="connsiteY5"/>
+                </a:cxn>
+                <a:cxn ang="0">
+                  <a:pos x="connsiteX6" y="connsiteY6"/>
+                </a:cxn>
+              </a:cxnLst>
+              <a:rect l="l" t="t" r="r" b="b"/>
+              <a:pathLst>
+                <a:path w="1434298" h="839165">
+                  <a:moveTo>
+                    <a:pt x="5997" y="0"/>
+                  </a:moveTo>
+                  <a:lnTo>
+                    <a:pt x="1428301" y="0"/>
+                  </a:lnTo>
+                  <a:lnTo>
+                    <a:pt x="1430596" y="15660"/>
+                  </a:lnTo>
+                  <a:cubicBezTo>
+                    <a:pt x="1433044" y="40776"/>
+                    <a:pt x="1434298" y="66259"/>
+                    <a:pt x="1434298" y="92048"/>
+                  </a:cubicBezTo>
+                  <a:cubicBezTo>
+                    <a:pt x="1434298" y="504669"/>
+                    <a:pt x="1113219" y="839165"/>
+                    <a:pt x="717149" y="839165"/>
+                  </a:cubicBezTo>
+                  <a:cubicBezTo>
+                    <a:pt x="321079" y="839165"/>
+                    <a:pt x="0" y="504669"/>
+                    <a:pt x="0" y="92048"/>
+                  </a:cubicBezTo>
+                  <a:cubicBezTo>
+                    <a:pt x="0" y="66259"/>
+                    <a:pt x="1254" y="40776"/>
+                    <a:pt x="3703" y="15660"/>
+                  </a:cubicBezTo>
+                  <a:close/>
+                </a:path>
+              </a:pathLst>
+            </a:custGeom>
+            <a:solidFill>
+              <a:srgbClr val="D6CED1"/>
+            </a:solidFill>
+            <a:ln w="28575">
+              <a:solidFill>
+                <a:srgbClr val="D6CED1"/>
+              </a:solidFill>
+            </a:ln>
+          </p:spPr>
+          <p:style>
+            <a:lnRef idx="2">
+              <a:schemeClr val="accent1">
+                <a:shade val="50000"/>
+              </a:schemeClr>
+            </a:lnRef>
+            <a:fillRef idx="1">
+              <a:schemeClr val="accent1"/>
+            </a:fillRef>
+            <a:effectRef idx="0">
+              <a:schemeClr val="accent1"/>
+            </a:effectRef>
+            <a:fontRef idx="minor">
+              <a:schemeClr val="lt1"/>
+            </a:fontRef>
+          </p:style>
+          <p:txBody>
+            <a:bodyPr wrap="square" rtlCol="0" anchor="ctr">
+              <a:noAutofit/>
+            </a:bodyPr>
+            <a:lstStyle/>
+            <a:p>
+              <a:pPr algn="ctr"/>
+              <a:endParaRPr lang="zh-CN" altLang="en-US"/>
+            </a:p>
+          </p:txBody>
+        </p:sp>
+        <p:sp>
+          <p:nvSpPr>
+            <p:cNvPr id="85" name="矩形 84">
+              <a:extLst>
+                <a:ext uri="{FF2B5EF4-FFF2-40B4-BE49-F238E27FC236}">
+                  <a16:creationId xmlns:a16="http://schemas.microsoft.com/office/drawing/2014/main" id="{5EE50413-0523-4E14-BF7E-A8AF2C7A8459}"/>
+                </a:ext>
+              </a:extLst>
+            </p:cNvPr>
+            <p:cNvSpPr/>
+            <p:nvPr/>
+          </p:nvSpPr>
+          <p:spPr>
+            <a:xfrm>
+              <a:off x="2065346" y="1977357"/>
+              <a:ext cx="705911" cy="63290"/>
+            </a:xfrm>
+            <a:prstGeom prst="rect">
+              <a:avLst/>
+            </a:prstGeom>
+            <a:solidFill>
+              <a:srgbClr val="B8ACAD"/>
+            </a:solidFill>
+            <a:ln>
+              <a:noFill/>
+            </a:ln>
+          </p:spPr>
+          <p:style>
+            <a:lnRef idx="2">
+              <a:schemeClr val="accent1">
+                <a:shade val="50000"/>
+              </a:schemeClr>
+            </a:lnRef>
+            <a:fillRef idx="1">
+              <a:schemeClr val="accent1"/>
+            </a:fillRef>
+            <a:effectRef idx="0">
+              <a:schemeClr val="accent1"/>
+            </a:effectRef>
+            <a:fontRef idx="minor">
+              <a:schemeClr val="lt1"/>
+            </a:fontRef>
+          </p:style>
+          <p:txBody>
+            <a:bodyPr rtlCol="0" anchor="ctr"/>
+            <a:lstStyle/>
+            <a:p>
+              <a:pPr algn="ctr"/>
+              <a:endParaRPr lang="zh-CN" altLang="en-US"/>
+            </a:p>
+          </p:txBody>
+        </p:sp>
+        <p:sp>
+          <p:nvSpPr>
+            <p:cNvPr id="86" name="矩形 85">
+              <a:extLst>
+                <a:ext uri="{FF2B5EF4-FFF2-40B4-BE49-F238E27FC236}">
+                  <a16:creationId xmlns:a16="http://schemas.microsoft.com/office/drawing/2014/main" id="{23C33DBB-4EC9-45F6-97C8-2C3E78D158CF}"/>
+                </a:ext>
+              </a:extLst>
+            </p:cNvPr>
+            <p:cNvSpPr/>
+            <p:nvPr/>
+          </p:nvSpPr>
+          <p:spPr>
+            <a:xfrm>
+              <a:off x="2065346" y="2098680"/>
+              <a:ext cx="466839" cy="63290"/>
+            </a:xfrm>
+            <a:prstGeom prst="rect">
+              <a:avLst/>
+            </a:prstGeom>
+            <a:solidFill>
+              <a:srgbClr val="B8ACAD"/>
+            </a:solidFill>
+            <a:ln>
+              <a:noFill/>
+            </a:ln>
+          </p:spPr>
+          <p:style>
+            <a:lnRef idx="2">
+              <a:schemeClr val="accent1">
+                <a:shade val="50000"/>
+              </a:schemeClr>
+            </a:lnRef>
+            <a:fillRef idx="1">
+              <a:schemeClr val="accent1"/>
+            </a:fillRef>
+            <a:effectRef idx="0">
+              <a:schemeClr val="accent1"/>
+            </a:effectRef>
+            <a:fontRef idx="minor">
+              <a:schemeClr val="lt1"/>
+            </a:fontRef>
+          </p:style>
+          <p:txBody>
+            <a:bodyPr rtlCol="0" anchor="ctr"/>
+            <a:lstStyle/>
+            <a:p>
+              <a:pPr algn="ctr"/>
+              <a:endParaRPr lang="zh-CN" altLang="en-US"/>
+            </a:p>
+          </p:txBody>
+        </p:sp>
+      </p:grpSp>
     </p:spTree>
     <p:extLst>
       <p:ext uri="{BB962C8B-B14F-4D97-AF65-F5344CB8AC3E}">
@@ -8443,6 +9015,129 @@
           </p:cxnSp>
         </p:grpSp>
       </p:grpSp>
+      <p:pic>
+        <p:nvPicPr>
+          <p:cNvPr id="3" name="图片 2" descr="图片包含 文字, 天空, 人员&#10;&#10;描述已自动生成">
+            <a:extLst>
+              <a:ext uri="{FF2B5EF4-FFF2-40B4-BE49-F238E27FC236}">
+                <a16:creationId xmlns:a16="http://schemas.microsoft.com/office/drawing/2014/main" id="{67976770-77D1-46FF-97CC-982CACFD66A1}"/>
+              </a:ext>
+            </a:extLst>
+          </p:cNvPr>
+          <p:cNvPicPr>
+            <a:picLocks noChangeAspect="1"/>
+          </p:cNvPicPr>
+          <p:nvPr/>
+        </p:nvPicPr>
+        <p:blipFill>
+          <a:blip r:embed="rId2">
+            <a:extLst>
+              <a:ext uri="{28A0092B-C50C-407E-A947-70E740481C1C}">
+                <a14:useLocalDpi xmlns:a14="http://schemas.microsoft.com/office/drawing/2010/main" val="0"/>
+              </a:ext>
+            </a:extLst>
+          </a:blip>
+          <a:stretch>
+            <a:fillRect/>
+          </a:stretch>
+        </p:blipFill>
+        <p:spPr>
+          <a:xfrm>
+            <a:off x="4229100" y="2019300"/>
+            <a:ext cx="3733800" cy="2819400"/>
+          </a:xfrm>
+          <a:prstGeom prst="rect">
+            <a:avLst/>
+          </a:prstGeom>
+        </p:spPr>
+      </p:pic>
+      <p:sp>
+        <p:nvSpPr>
+          <p:cNvPr id="4" name="矩形 3">
+            <a:extLst>
+              <a:ext uri="{FF2B5EF4-FFF2-40B4-BE49-F238E27FC236}">
+                <a16:creationId xmlns:a16="http://schemas.microsoft.com/office/drawing/2014/main" id="{B3482C45-2582-4095-A195-E91DF7961FB8}"/>
+              </a:ext>
+            </a:extLst>
+          </p:cNvPr>
+          <p:cNvSpPr/>
+          <p:nvPr/>
+        </p:nvSpPr>
+        <p:spPr>
+          <a:xfrm>
+            <a:off x="4347713" y="3640346"/>
+            <a:ext cx="3519578" cy="854015"/>
+          </a:xfrm>
+          <a:prstGeom prst="rect">
+            <a:avLst/>
+          </a:prstGeom>
+          <a:solidFill>
+            <a:srgbClr val="E6231E"/>
+          </a:solidFill>
+          <a:ln>
+            <a:noFill/>
+          </a:ln>
+          <a:scene3d>
+            <a:camera prst="perspectiveRight">
+              <a:rot lat="21240000" lon="20099998" rev="0"/>
+            </a:camera>
+            <a:lightRig rig="threePt" dir="t"/>
+          </a:scene3d>
+        </p:spPr>
+        <p:style>
+          <a:lnRef idx="2">
+            <a:schemeClr val="accent1">
+              <a:shade val="50000"/>
+            </a:schemeClr>
+          </a:lnRef>
+          <a:fillRef idx="1">
+            <a:schemeClr val="accent1"/>
+          </a:fillRef>
+          <a:effectRef idx="0">
+            <a:schemeClr val="accent1"/>
+          </a:effectRef>
+          <a:fontRef idx="minor">
+            <a:schemeClr val="lt1"/>
+          </a:fontRef>
+        </p:style>
+        <p:txBody>
+          <a:bodyPr rtlCol="0" anchor="ctr"/>
+          <a:lstStyle/>
+          <a:p>
+            <a:pPr algn="ctr"/>
+            <a:r>
+              <a:rPr lang="zh-CN" altLang="en-US" sz="3200" b="1" dirty="0">
+                <a:solidFill>
+                  <a:srgbClr val="FFFF00"/>
+                </a:solidFill>
+                <a:latin typeface="微软雅黑" panose="020B0503020204020204" pitchFamily="34" charset="-122"/>
+                <a:ea typeface="微软雅黑" panose="020B0503020204020204" pitchFamily="34" charset="-122"/>
+              </a:rPr>
+              <a:t>严厉打击</a:t>
+            </a:r>
+            <a:r>
+              <a:rPr lang="en-US" altLang="zh-CN" sz="3200" b="1" dirty="0">
+                <a:solidFill>
+                  <a:srgbClr val="FFFF00"/>
+                </a:solidFill>
+                <a:latin typeface="微软雅黑" panose="020B0503020204020204" pitchFamily="34" charset="-122"/>
+                <a:ea typeface="微软雅黑" panose="020B0503020204020204" pitchFamily="34" charset="-122"/>
+              </a:rPr>
+              <a:t>YY</a:t>
+            </a:r>
+            <a:r>
+              <a:rPr lang="zh-CN" altLang="en-US" sz="3200" b="1" dirty="0">
+                <a:solidFill>
+                  <a:srgbClr val="FFFF00"/>
+                </a:solidFill>
+                <a:latin typeface="微软雅黑" panose="020B0503020204020204" pitchFamily="34" charset="-122"/>
+                <a:ea typeface="微软雅黑" panose="020B0503020204020204" pitchFamily="34" charset="-122"/>
+              </a:rPr>
+              <a:t>菌</a:t>
+            </a:r>
+          </a:p>
+        </p:txBody>
+      </p:sp>
     </p:spTree>
     <p:extLst>
       <p:ext uri="{BB962C8B-B14F-4D97-AF65-F5344CB8AC3E}">

--- a/UI.pptx
+++ b/UI.pptx
@@ -263,7 +263,7 @@
           <a:p>
             <a:fld id="{F3BA182F-79D5-4EF3-A581-738F691F52DF}" type="datetimeFigureOut">
               <a:rPr lang="zh-CN" altLang="en-US" smtClean="0"/>
-              <a:t>2019/6/7</a:t>
+              <a:t>2019/6/8</a:t>
             </a:fld>
             <a:endParaRPr lang="zh-CN" altLang="en-US"/>
           </a:p>
@@ -461,7 +461,7 @@
           <a:p>
             <a:fld id="{F3BA182F-79D5-4EF3-A581-738F691F52DF}" type="datetimeFigureOut">
               <a:rPr lang="zh-CN" altLang="en-US" smtClean="0"/>
-              <a:t>2019/6/7</a:t>
+              <a:t>2019/6/8</a:t>
             </a:fld>
             <a:endParaRPr lang="zh-CN" altLang="en-US"/>
           </a:p>
@@ -669,7 +669,7 @@
           <a:p>
             <a:fld id="{F3BA182F-79D5-4EF3-A581-738F691F52DF}" type="datetimeFigureOut">
               <a:rPr lang="zh-CN" altLang="en-US" smtClean="0"/>
-              <a:t>2019/6/7</a:t>
+              <a:t>2019/6/8</a:t>
             </a:fld>
             <a:endParaRPr lang="zh-CN" altLang="en-US"/>
           </a:p>
@@ -867,7 +867,7 @@
           <a:p>
             <a:fld id="{F3BA182F-79D5-4EF3-A581-738F691F52DF}" type="datetimeFigureOut">
               <a:rPr lang="zh-CN" altLang="en-US" smtClean="0"/>
-              <a:t>2019/6/7</a:t>
+              <a:t>2019/6/8</a:t>
             </a:fld>
             <a:endParaRPr lang="zh-CN" altLang="en-US"/>
           </a:p>
@@ -1142,7 +1142,7 @@
           <a:p>
             <a:fld id="{F3BA182F-79D5-4EF3-A581-738F691F52DF}" type="datetimeFigureOut">
               <a:rPr lang="zh-CN" altLang="en-US" smtClean="0"/>
-              <a:t>2019/6/7</a:t>
+              <a:t>2019/6/8</a:t>
             </a:fld>
             <a:endParaRPr lang="zh-CN" altLang="en-US"/>
           </a:p>
@@ -1407,7 +1407,7 @@
           <a:p>
             <a:fld id="{F3BA182F-79D5-4EF3-A581-738F691F52DF}" type="datetimeFigureOut">
               <a:rPr lang="zh-CN" altLang="en-US" smtClean="0"/>
-              <a:t>2019/6/7</a:t>
+              <a:t>2019/6/8</a:t>
             </a:fld>
             <a:endParaRPr lang="zh-CN" altLang="en-US"/>
           </a:p>
@@ -1819,7 +1819,7 @@
           <a:p>
             <a:fld id="{F3BA182F-79D5-4EF3-A581-738F691F52DF}" type="datetimeFigureOut">
               <a:rPr lang="zh-CN" altLang="en-US" smtClean="0"/>
-              <a:t>2019/6/7</a:t>
+              <a:t>2019/6/8</a:t>
             </a:fld>
             <a:endParaRPr lang="zh-CN" altLang="en-US"/>
           </a:p>
@@ -1960,7 +1960,7 @@
           <a:p>
             <a:fld id="{F3BA182F-79D5-4EF3-A581-738F691F52DF}" type="datetimeFigureOut">
               <a:rPr lang="zh-CN" altLang="en-US" smtClean="0"/>
-              <a:t>2019/6/7</a:t>
+              <a:t>2019/6/8</a:t>
             </a:fld>
             <a:endParaRPr lang="zh-CN" altLang="en-US"/>
           </a:p>
@@ -2073,7 +2073,7 @@
           <a:p>
             <a:fld id="{F3BA182F-79D5-4EF3-A581-738F691F52DF}" type="datetimeFigureOut">
               <a:rPr lang="zh-CN" altLang="en-US" smtClean="0"/>
-              <a:t>2019/6/7</a:t>
+              <a:t>2019/6/8</a:t>
             </a:fld>
             <a:endParaRPr lang="zh-CN" altLang="en-US"/>
           </a:p>
@@ -2384,7 +2384,7 @@
           <a:p>
             <a:fld id="{F3BA182F-79D5-4EF3-A581-738F691F52DF}" type="datetimeFigureOut">
               <a:rPr lang="zh-CN" altLang="en-US" smtClean="0"/>
-              <a:t>2019/6/7</a:t>
+              <a:t>2019/6/8</a:t>
             </a:fld>
             <a:endParaRPr lang="zh-CN" altLang="en-US"/>
           </a:p>
@@ -2672,7 +2672,7 @@
           <a:p>
             <a:fld id="{F3BA182F-79D5-4EF3-A581-738F691F52DF}" type="datetimeFigureOut">
               <a:rPr lang="zh-CN" altLang="en-US" smtClean="0"/>
-              <a:t>2019/6/7</a:t>
+              <a:t>2019/6/8</a:t>
             </a:fld>
             <a:endParaRPr lang="zh-CN" altLang="en-US"/>
           </a:p>
@@ -2913,7 +2913,7 @@
           <a:p>
             <a:fld id="{F3BA182F-79D5-4EF3-A581-738F691F52DF}" type="datetimeFigureOut">
               <a:rPr lang="zh-CN" altLang="en-US" smtClean="0"/>
-              <a:t>2019/6/7</a:t>
+              <a:t>2019/6/8</a:t>
             </a:fld>
             <a:endParaRPr lang="zh-CN" altLang="en-US"/>
           </a:p>
@@ -9278,10 +9278,10 @@
       </p:sp>
       <p:grpSp>
         <p:nvGrpSpPr>
-          <p:cNvPr id="71" name="组合 70">
+          <p:cNvPr id="2" name="组合 1">
             <a:extLst>
               <a:ext uri="{FF2B5EF4-FFF2-40B4-BE49-F238E27FC236}">
-                <a16:creationId xmlns:a16="http://schemas.microsoft.com/office/drawing/2014/main" id="{81FB3B35-2318-4457-95DC-C520B75AE75F}"/>
+                <a16:creationId xmlns:a16="http://schemas.microsoft.com/office/drawing/2014/main" id="{1E1CC9FE-3A33-4BA6-A6C7-DCA4FC070772}"/>
               </a:ext>
             </a:extLst>
           </p:cNvPr>
@@ -9290,18 +9290,581 @@
         </p:nvGrpSpPr>
         <p:grpSpPr>
           <a:xfrm>
-            <a:off x="5328959" y="3159279"/>
-            <a:ext cx="663905" cy="663905"/>
-            <a:chOff x="5598211" y="2485999"/>
-            <a:chExt cx="252000" cy="252000"/>
+            <a:off x="3387338" y="2750108"/>
+            <a:ext cx="5758811" cy="1164892"/>
+            <a:chOff x="3387338" y="2750108"/>
+            <a:chExt cx="5758811" cy="1164892"/>
           </a:xfrm>
         </p:grpSpPr>
+        <p:grpSp>
+          <p:nvGrpSpPr>
+            <p:cNvPr id="71" name="组合 70">
+              <a:extLst>
+                <a:ext uri="{FF2B5EF4-FFF2-40B4-BE49-F238E27FC236}">
+                  <a16:creationId xmlns:a16="http://schemas.microsoft.com/office/drawing/2014/main" id="{81FB3B35-2318-4457-95DC-C520B75AE75F}"/>
+                </a:ext>
+              </a:extLst>
+            </p:cNvPr>
+            <p:cNvGrpSpPr/>
+            <p:nvPr/>
+          </p:nvGrpSpPr>
+          <p:grpSpPr>
+            <a:xfrm>
+              <a:off x="5328959" y="3159279"/>
+              <a:ext cx="663905" cy="663905"/>
+              <a:chOff x="5598211" y="2485999"/>
+              <a:chExt cx="252000" cy="252000"/>
+            </a:xfrm>
+          </p:grpSpPr>
+          <p:cxnSp>
+            <p:nvCxnSpPr>
+              <p:cNvPr id="49" name="直接连接符 48">
+                <a:extLst>
+                  <a:ext uri="{FF2B5EF4-FFF2-40B4-BE49-F238E27FC236}">
+                    <a16:creationId xmlns:a16="http://schemas.microsoft.com/office/drawing/2014/main" id="{4AFC89BE-23B8-45FF-987D-E6560BFF3DCC}"/>
+                  </a:ext>
+                </a:extLst>
+              </p:cNvPr>
+              <p:cNvCxnSpPr>
+                <a:cxnSpLocks/>
+              </p:cNvCxnSpPr>
+              <p:nvPr/>
+            </p:nvCxnSpPr>
+            <p:spPr>
+              <a:xfrm>
+                <a:off x="5599551" y="2601685"/>
+                <a:ext cx="250660" cy="0"/>
+              </a:xfrm>
+              <a:prstGeom prst="line">
+                <a:avLst/>
+              </a:prstGeom>
+              <a:ln w="76200" cap="rnd">
+                <a:solidFill>
+                  <a:schemeClr val="tx1">
+                    <a:lumMod val="50000"/>
+                    <a:lumOff val="50000"/>
+                  </a:schemeClr>
+                </a:solidFill>
+                <a:round/>
+              </a:ln>
+            </p:spPr>
+            <p:style>
+              <a:lnRef idx="1">
+                <a:schemeClr val="accent1"/>
+              </a:lnRef>
+              <a:fillRef idx="0">
+                <a:schemeClr val="accent1"/>
+              </a:fillRef>
+              <a:effectRef idx="0">
+                <a:schemeClr val="accent1"/>
+              </a:effectRef>
+              <a:fontRef idx="minor">
+                <a:schemeClr val="tx1"/>
+              </a:fontRef>
+            </p:style>
+          </p:cxnSp>
+          <p:sp>
+            <p:nvSpPr>
+              <p:cNvPr id="48" name="弧形 47">
+                <a:extLst>
+                  <a:ext uri="{FF2B5EF4-FFF2-40B4-BE49-F238E27FC236}">
+                    <a16:creationId xmlns:a16="http://schemas.microsoft.com/office/drawing/2014/main" id="{A1B02804-B06D-4C16-8363-61CE38D605E4}"/>
+                  </a:ext>
+                </a:extLst>
+              </p:cNvPr>
+              <p:cNvSpPr/>
+              <p:nvPr/>
+            </p:nvSpPr>
+            <p:spPr>
+              <a:xfrm>
+                <a:off x="5598211" y="2485999"/>
+                <a:ext cx="252000" cy="252000"/>
+              </a:xfrm>
+              <a:prstGeom prst="arc">
+                <a:avLst>
+                  <a:gd name="adj1" fmla="val 1817991"/>
+                  <a:gd name="adj2" fmla="val 21272467"/>
+                </a:avLst>
+              </a:prstGeom>
+              <a:ln w="76200" cap="rnd">
+                <a:solidFill>
+                  <a:schemeClr val="tx1"/>
+                </a:solidFill>
+                <a:round/>
+              </a:ln>
+            </p:spPr>
+            <p:style>
+              <a:lnRef idx="1">
+                <a:schemeClr val="accent1"/>
+              </a:lnRef>
+              <a:fillRef idx="0">
+                <a:schemeClr val="accent1"/>
+              </a:fillRef>
+              <a:effectRef idx="0">
+                <a:schemeClr val="accent1"/>
+              </a:effectRef>
+              <a:fontRef idx="minor">
+                <a:schemeClr val="tx1"/>
+              </a:fontRef>
+            </p:style>
+            <p:txBody>
+              <a:bodyPr rtlCol="0" anchor="ctr"/>
+              <a:lstStyle/>
+              <a:p>
+                <a:pPr algn="ctr"/>
+                <a:endParaRPr lang="zh-CN" altLang="en-US"/>
+              </a:p>
+            </p:txBody>
+          </p:sp>
+        </p:grpSp>
+        <p:grpSp>
+          <p:nvGrpSpPr>
+            <p:cNvPr id="75" name="组合 74">
+              <a:extLst>
+                <a:ext uri="{FF2B5EF4-FFF2-40B4-BE49-F238E27FC236}">
+                  <a16:creationId xmlns:a16="http://schemas.microsoft.com/office/drawing/2014/main" id="{B690163C-5BFE-4F9D-85B4-AAC5BC56FF23}"/>
+                </a:ext>
+              </a:extLst>
+            </p:cNvPr>
+            <p:cNvGrpSpPr/>
+            <p:nvPr/>
+          </p:nvGrpSpPr>
+          <p:grpSpPr>
+            <a:xfrm>
+              <a:off x="6365054" y="3159279"/>
+              <a:ext cx="312984" cy="663905"/>
+              <a:chOff x="6000369" y="2485999"/>
+              <a:chExt cx="118800" cy="252000"/>
+            </a:xfrm>
+          </p:grpSpPr>
+          <p:cxnSp>
+            <p:nvCxnSpPr>
+              <p:cNvPr id="50" name="直接连接符 49">
+                <a:extLst>
+                  <a:ext uri="{FF2B5EF4-FFF2-40B4-BE49-F238E27FC236}">
+                    <a16:creationId xmlns:a16="http://schemas.microsoft.com/office/drawing/2014/main" id="{DA87BA15-9820-4056-A9D2-A9DD43EEE201}"/>
+                  </a:ext>
+                </a:extLst>
+              </p:cNvPr>
+              <p:cNvCxnSpPr>
+                <a:cxnSpLocks/>
+              </p:cNvCxnSpPr>
+              <p:nvPr/>
+            </p:nvCxnSpPr>
+            <p:spPr>
+              <a:xfrm flipH="1">
+                <a:off x="6001038" y="2539804"/>
+                <a:ext cx="0" cy="198195"/>
+              </a:xfrm>
+              <a:prstGeom prst="line">
+                <a:avLst/>
+              </a:prstGeom>
+              <a:ln w="76200" cap="rnd">
+                <a:solidFill>
+                  <a:schemeClr val="tx1"/>
+                </a:solidFill>
+                <a:round/>
+              </a:ln>
+            </p:spPr>
+            <p:style>
+              <a:lnRef idx="1">
+                <a:schemeClr val="accent1"/>
+              </a:lnRef>
+              <a:fillRef idx="0">
+                <a:schemeClr val="accent1"/>
+              </a:fillRef>
+              <a:effectRef idx="0">
+                <a:schemeClr val="accent1"/>
+              </a:effectRef>
+              <a:fontRef idx="minor">
+                <a:schemeClr val="tx1"/>
+              </a:fontRef>
+            </p:style>
+          </p:cxnSp>
+          <p:sp>
+            <p:nvSpPr>
+              <p:cNvPr id="51" name="弧形 50">
+                <a:extLst>
+                  <a:ext uri="{FF2B5EF4-FFF2-40B4-BE49-F238E27FC236}">
+                    <a16:creationId xmlns:a16="http://schemas.microsoft.com/office/drawing/2014/main" id="{05B6D31A-DC6D-4CE1-BF67-A5EF0BFC166E}"/>
+                  </a:ext>
+                </a:extLst>
+              </p:cNvPr>
+              <p:cNvSpPr/>
+              <p:nvPr/>
+            </p:nvSpPr>
+            <p:spPr>
+              <a:xfrm>
+                <a:off x="6000369" y="2485999"/>
+                <a:ext cx="118800" cy="118800"/>
+              </a:xfrm>
+              <a:prstGeom prst="arc">
+                <a:avLst>
+                  <a:gd name="adj1" fmla="val 11124299"/>
+                  <a:gd name="adj2" fmla="val 17866105"/>
+                </a:avLst>
+              </a:prstGeom>
+              <a:ln w="76200" cap="rnd">
+                <a:solidFill>
+                  <a:schemeClr val="tx1"/>
+                </a:solidFill>
+                <a:round/>
+              </a:ln>
+            </p:spPr>
+            <p:style>
+              <a:lnRef idx="1">
+                <a:schemeClr val="accent1"/>
+              </a:lnRef>
+              <a:fillRef idx="0">
+                <a:schemeClr val="accent1"/>
+              </a:fillRef>
+              <a:effectRef idx="0">
+                <a:schemeClr val="accent1"/>
+              </a:effectRef>
+              <a:fontRef idx="minor">
+                <a:schemeClr val="tx1"/>
+              </a:fontRef>
+            </p:style>
+            <p:txBody>
+              <a:bodyPr rtlCol="0" anchor="ctr"/>
+              <a:lstStyle/>
+              <a:p>
+                <a:pPr algn="ctr"/>
+                <a:endParaRPr lang="zh-CN" altLang="en-US"/>
+              </a:p>
+            </p:txBody>
+          </p:sp>
+        </p:grpSp>
+        <p:grpSp>
+          <p:nvGrpSpPr>
+            <p:cNvPr id="70" name="组合 69">
+              <a:extLst>
+                <a:ext uri="{FF2B5EF4-FFF2-40B4-BE49-F238E27FC236}">
+                  <a16:creationId xmlns:a16="http://schemas.microsoft.com/office/drawing/2014/main" id="{C3DFB8FF-027A-4004-A0D2-974ABAB6DBA2}"/>
+                </a:ext>
+              </a:extLst>
+            </p:cNvPr>
+            <p:cNvGrpSpPr/>
+            <p:nvPr/>
+          </p:nvGrpSpPr>
+          <p:grpSpPr>
+            <a:xfrm>
+              <a:off x="4321417" y="3294571"/>
+              <a:ext cx="635352" cy="528613"/>
+              <a:chOff x="5208895" y="2542553"/>
+              <a:chExt cx="241162" cy="200647"/>
+            </a:xfrm>
+          </p:grpSpPr>
+          <p:cxnSp>
+            <p:nvCxnSpPr>
+              <p:cNvPr id="52" name="直接连接符 51">
+                <a:extLst>
+                  <a:ext uri="{FF2B5EF4-FFF2-40B4-BE49-F238E27FC236}">
+                    <a16:creationId xmlns:a16="http://schemas.microsoft.com/office/drawing/2014/main" id="{A0F72843-E342-4206-BBFF-889EE8C9C32F}"/>
+                  </a:ext>
+                </a:extLst>
+              </p:cNvPr>
+              <p:cNvCxnSpPr>
+                <a:cxnSpLocks/>
+              </p:cNvCxnSpPr>
+              <p:nvPr/>
+            </p:nvCxnSpPr>
+            <p:spPr>
+              <a:xfrm>
+                <a:off x="5219470" y="2553586"/>
+                <a:ext cx="109218" cy="88566"/>
+              </a:xfrm>
+              <a:prstGeom prst="line">
+                <a:avLst/>
+              </a:prstGeom>
+              <a:ln w="76200" cap="rnd">
+                <a:solidFill>
+                  <a:schemeClr val="tx1">
+                    <a:lumMod val="50000"/>
+                    <a:lumOff val="50000"/>
+                  </a:schemeClr>
+                </a:solidFill>
+                <a:round/>
+              </a:ln>
+            </p:spPr>
+            <p:style>
+              <a:lnRef idx="1">
+                <a:schemeClr val="accent1"/>
+              </a:lnRef>
+              <a:fillRef idx="0">
+                <a:schemeClr val="accent1"/>
+              </a:fillRef>
+              <a:effectRef idx="0">
+                <a:schemeClr val="accent1"/>
+              </a:effectRef>
+              <a:fontRef idx="minor">
+                <a:schemeClr val="tx1"/>
+              </a:fontRef>
+            </p:style>
+          </p:cxnSp>
+          <p:cxnSp>
+            <p:nvCxnSpPr>
+              <p:cNvPr id="38" name="直接连接符 37">
+                <a:extLst>
+                  <a:ext uri="{FF2B5EF4-FFF2-40B4-BE49-F238E27FC236}">
+                    <a16:creationId xmlns:a16="http://schemas.microsoft.com/office/drawing/2014/main" id="{A45B12B5-270C-494C-8D33-8FB78ED71159}"/>
+                  </a:ext>
+                </a:extLst>
+              </p:cNvPr>
+              <p:cNvCxnSpPr>
+                <a:cxnSpLocks/>
+              </p:cNvCxnSpPr>
+              <p:nvPr/>
+            </p:nvCxnSpPr>
+            <p:spPr>
+              <a:xfrm flipH="1">
+                <a:off x="5328688" y="2545005"/>
+                <a:ext cx="119741" cy="97147"/>
+              </a:xfrm>
+              <a:prstGeom prst="line">
+                <a:avLst/>
+              </a:prstGeom>
+              <a:ln w="76200" cap="rnd">
+                <a:solidFill>
+                  <a:schemeClr val="tx1"/>
+                </a:solidFill>
+                <a:round/>
+              </a:ln>
+            </p:spPr>
+            <p:style>
+              <a:lnRef idx="1">
+                <a:schemeClr val="accent1"/>
+              </a:lnRef>
+              <a:fillRef idx="0">
+                <a:schemeClr val="accent1"/>
+              </a:fillRef>
+              <a:effectRef idx="0">
+                <a:schemeClr val="accent1"/>
+              </a:effectRef>
+              <a:fontRef idx="minor">
+                <a:schemeClr val="tx1"/>
+              </a:fontRef>
+            </p:style>
+          </p:cxnSp>
+          <p:cxnSp>
+            <p:nvCxnSpPr>
+              <p:cNvPr id="40" name="直接连接符 39">
+                <a:extLst>
+                  <a:ext uri="{FF2B5EF4-FFF2-40B4-BE49-F238E27FC236}">
+                    <a16:creationId xmlns:a16="http://schemas.microsoft.com/office/drawing/2014/main" id="{B7C98CE0-D706-4A88-AEDF-74A7C348E056}"/>
+                  </a:ext>
+                </a:extLst>
+              </p:cNvPr>
+              <p:cNvCxnSpPr>
+                <a:cxnSpLocks/>
+              </p:cNvCxnSpPr>
+              <p:nvPr/>
+            </p:nvCxnSpPr>
+            <p:spPr>
+              <a:xfrm>
+                <a:off x="5450057" y="2542553"/>
+                <a:ext cx="0" cy="198137"/>
+              </a:xfrm>
+              <a:prstGeom prst="line">
+                <a:avLst/>
+              </a:prstGeom>
+              <a:ln w="76200" cap="rnd">
+                <a:solidFill>
+                  <a:schemeClr val="tx1">
+                    <a:lumMod val="50000"/>
+                    <a:lumOff val="50000"/>
+                  </a:schemeClr>
+                </a:solidFill>
+                <a:round/>
+              </a:ln>
+            </p:spPr>
+            <p:style>
+              <a:lnRef idx="1">
+                <a:schemeClr val="accent1"/>
+              </a:lnRef>
+              <a:fillRef idx="0">
+                <a:schemeClr val="accent1"/>
+              </a:fillRef>
+              <a:effectRef idx="0">
+                <a:schemeClr val="accent1"/>
+              </a:effectRef>
+              <a:fontRef idx="minor">
+                <a:schemeClr val="tx1"/>
+              </a:fontRef>
+            </p:style>
+          </p:cxnSp>
+          <p:cxnSp>
+            <p:nvCxnSpPr>
+              <p:cNvPr id="37" name="直接连接符 36">
+                <a:extLst>
+                  <a:ext uri="{FF2B5EF4-FFF2-40B4-BE49-F238E27FC236}">
+                    <a16:creationId xmlns:a16="http://schemas.microsoft.com/office/drawing/2014/main" id="{EAEA0A26-9F0E-4BB4-A9D7-94B2282A59D2}"/>
+                  </a:ext>
+                </a:extLst>
+              </p:cNvPr>
+              <p:cNvCxnSpPr>
+                <a:cxnSpLocks/>
+              </p:cNvCxnSpPr>
+              <p:nvPr/>
+            </p:nvCxnSpPr>
+            <p:spPr>
+              <a:xfrm>
+                <a:off x="5208895" y="2547583"/>
+                <a:ext cx="0" cy="195617"/>
+              </a:xfrm>
+              <a:prstGeom prst="line">
+                <a:avLst/>
+              </a:prstGeom>
+              <a:ln w="76200" cap="rnd">
+                <a:solidFill>
+                  <a:schemeClr val="tx1"/>
+                </a:solidFill>
+                <a:round/>
+              </a:ln>
+            </p:spPr>
+            <p:style>
+              <a:lnRef idx="1">
+                <a:schemeClr val="accent1"/>
+              </a:lnRef>
+              <a:fillRef idx="0">
+                <a:schemeClr val="accent1"/>
+              </a:fillRef>
+              <a:effectRef idx="0">
+                <a:schemeClr val="accent1"/>
+              </a:effectRef>
+              <a:fontRef idx="minor">
+                <a:schemeClr val="tx1"/>
+              </a:fontRef>
+            </p:style>
+          </p:cxnSp>
+        </p:grpSp>
+        <p:grpSp>
+          <p:nvGrpSpPr>
+            <p:cNvPr id="76" name="组合 75">
+              <a:extLst>
+                <a:ext uri="{FF2B5EF4-FFF2-40B4-BE49-F238E27FC236}">
+                  <a16:creationId xmlns:a16="http://schemas.microsoft.com/office/drawing/2014/main" id="{2D7D6CD3-5144-43C1-861B-19698A47928E}"/>
+                </a:ext>
+              </a:extLst>
+            </p:cNvPr>
+            <p:cNvGrpSpPr/>
+            <p:nvPr/>
+          </p:nvGrpSpPr>
+          <p:grpSpPr>
+            <a:xfrm>
+              <a:off x="6872515" y="3159279"/>
+              <a:ext cx="667388" cy="663905"/>
+              <a:chOff x="6201266" y="2485999"/>
+              <a:chExt cx="253322" cy="252000"/>
+            </a:xfrm>
+          </p:grpSpPr>
+          <p:sp>
+            <p:nvSpPr>
+              <p:cNvPr id="58" name="弧形 57">
+                <a:extLst>
+                  <a:ext uri="{FF2B5EF4-FFF2-40B4-BE49-F238E27FC236}">
+                    <a16:creationId xmlns:a16="http://schemas.microsoft.com/office/drawing/2014/main" id="{FD9102C1-5F61-4459-ACA6-37133A7BD381}"/>
+                  </a:ext>
+                </a:extLst>
+              </p:cNvPr>
+              <p:cNvSpPr/>
+              <p:nvPr/>
+            </p:nvSpPr>
+            <p:spPr>
+              <a:xfrm>
+                <a:off x="6201266" y="2485999"/>
+                <a:ext cx="252000" cy="252000"/>
+              </a:xfrm>
+              <a:prstGeom prst="arc">
+                <a:avLst>
+                  <a:gd name="adj1" fmla="val 21364427"/>
+                  <a:gd name="adj2" fmla="val 21272467"/>
+                </a:avLst>
+              </a:prstGeom>
+              <a:ln w="76200" cap="rnd">
+                <a:solidFill>
+                  <a:schemeClr val="tx1"/>
+                </a:solidFill>
+                <a:round/>
+              </a:ln>
+            </p:spPr>
+            <p:style>
+              <a:lnRef idx="1">
+                <a:schemeClr val="accent1"/>
+              </a:lnRef>
+              <a:fillRef idx="0">
+                <a:schemeClr val="accent1"/>
+              </a:fillRef>
+              <a:effectRef idx="0">
+                <a:schemeClr val="accent1"/>
+              </a:effectRef>
+              <a:fontRef idx="minor">
+                <a:schemeClr val="tx1"/>
+              </a:fontRef>
+            </p:style>
+            <p:txBody>
+              <a:bodyPr rtlCol="0" anchor="ctr"/>
+              <a:lstStyle/>
+              <a:p>
+                <a:pPr algn="ctr"/>
+                <a:endParaRPr lang="zh-CN" altLang="en-US"/>
+              </a:p>
+            </p:txBody>
+          </p:sp>
+          <p:cxnSp>
+            <p:nvCxnSpPr>
+              <p:cNvPr id="59" name="直接连接符 58">
+                <a:extLst>
+                  <a:ext uri="{FF2B5EF4-FFF2-40B4-BE49-F238E27FC236}">
+                    <a16:creationId xmlns:a16="http://schemas.microsoft.com/office/drawing/2014/main" id="{F1FB9638-5867-4358-A29F-6079B4DEFD4B}"/>
+                  </a:ext>
+                </a:extLst>
+              </p:cNvPr>
+              <p:cNvCxnSpPr>
+                <a:cxnSpLocks/>
+              </p:cNvCxnSpPr>
+              <p:nvPr/>
+            </p:nvCxnSpPr>
+            <p:spPr>
+              <a:xfrm flipH="1">
+                <a:off x="6453266" y="2485999"/>
+                <a:ext cx="1322" cy="252000"/>
+              </a:xfrm>
+              <a:prstGeom prst="line">
+                <a:avLst/>
+              </a:prstGeom>
+              <a:ln w="76200" cap="rnd">
+                <a:solidFill>
+                  <a:schemeClr val="tx1">
+                    <a:lumMod val="50000"/>
+                    <a:lumOff val="50000"/>
+                  </a:schemeClr>
+                </a:solidFill>
+                <a:round/>
+              </a:ln>
+            </p:spPr>
+            <p:style>
+              <a:lnRef idx="1">
+                <a:schemeClr val="accent1"/>
+              </a:lnRef>
+              <a:fillRef idx="0">
+                <a:schemeClr val="accent1"/>
+              </a:fillRef>
+              <a:effectRef idx="0">
+                <a:schemeClr val="accent1"/>
+              </a:effectRef>
+              <a:fontRef idx="minor">
+                <a:schemeClr val="tx1"/>
+              </a:fontRef>
+            </p:style>
+          </p:cxnSp>
+        </p:grpSp>
         <p:cxnSp>
           <p:nvCxnSpPr>
-            <p:cNvPr id="49" name="直接连接符 48">
+            <p:cNvPr id="61" name="直接连接符 60">
               <a:extLst>
                 <a:ext uri="{FF2B5EF4-FFF2-40B4-BE49-F238E27FC236}">
-                  <a16:creationId xmlns:a16="http://schemas.microsoft.com/office/drawing/2014/main" id="{4AFC89BE-23B8-45FF-987D-E6560BFF3DCC}"/>
+                  <a16:creationId xmlns:a16="http://schemas.microsoft.com/office/drawing/2014/main" id="{6ECB2F65-1AD6-4EA9-BFBC-E2979544CB46}"/>
                 </a:ext>
               </a:extLst>
             </p:cNvPr>
@@ -9312,129 +9875,8 @@
           </p:nvCxnSpPr>
           <p:spPr>
             <a:xfrm>
-              <a:off x="5599551" y="2601685"/>
-              <a:ext cx="250660" cy="0"/>
-            </a:xfrm>
-            <a:prstGeom prst="line">
-              <a:avLst/>
-            </a:prstGeom>
-            <a:ln w="76200" cap="rnd">
-              <a:solidFill>
-                <a:schemeClr val="tx1">
-                  <a:lumMod val="50000"/>
-                  <a:lumOff val="50000"/>
-                </a:schemeClr>
-              </a:solidFill>
-              <a:round/>
-            </a:ln>
-          </p:spPr>
-          <p:style>
-            <a:lnRef idx="1">
-              <a:schemeClr val="accent1"/>
-            </a:lnRef>
-            <a:fillRef idx="0">
-              <a:schemeClr val="accent1"/>
-            </a:fillRef>
-            <a:effectRef idx="0">
-              <a:schemeClr val="accent1"/>
-            </a:effectRef>
-            <a:fontRef idx="minor">
-              <a:schemeClr val="tx1"/>
-            </a:fontRef>
-          </p:style>
-        </p:cxnSp>
-        <p:sp>
-          <p:nvSpPr>
-            <p:cNvPr id="48" name="弧形 47">
-              <a:extLst>
-                <a:ext uri="{FF2B5EF4-FFF2-40B4-BE49-F238E27FC236}">
-                  <a16:creationId xmlns:a16="http://schemas.microsoft.com/office/drawing/2014/main" id="{A1B02804-B06D-4C16-8363-61CE38D605E4}"/>
-                </a:ext>
-              </a:extLst>
-            </p:cNvPr>
-            <p:cNvSpPr/>
-            <p:nvPr/>
-          </p:nvSpPr>
-          <p:spPr>
-            <a:xfrm>
-              <a:off x="5598211" y="2485999"/>
-              <a:ext cx="252000" cy="252000"/>
-            </a:xfrm>
-            <a:prstGeom prst="arc">
-              <a:avLst>
-                <a:gd name="adj1" fmla="val 1817991"/>
-                <a:gd name="adj2" fmla="val 21272467"/>
-              </a:avLst>
-            </a:prstGeom>
-            <a:ln w="76200" cap="rnd">
-              <a:solidFill>
-                <a:schemeClr val="tx1"/>
-              </a:solidFill>
-              <a:round/>
-            </a:ln>
-          </p:spPr>
-          <p:style>
-            <a:lnRef idx="1">
-              <a:schemeClr val="accent1"/>
-            </a:lnRef>
-            <a:fillRef idx="0">
-              <a:schemeClr val="accent1"/>
-            </a:fillRef>
-            <a:effectRef idx="0">
-              <a:schemeClr val="accent1"/>
-            </a:effectRef>
-            <a:fontRef idx="minor">
-              <a:schemeClr val="tx1"/>
-            </a:fontRef>
-          </p:style>
-          <p:txBody>
-            <a:bodyPr rtlCol="0" anchor="ctr"/>
-            <a:lstStyle/>
-            <a:p>
-              <a:pPr algn="ctr"/>
-              <a:endParaRPr lang="zh-CN" altLang="en-US"/>
-            </a:p>
-          </p:txBody>
-        </p:sp>
-      </p:grpSp>
-      <p:grpSp>
-        <p:nvGrpSpPr>
-          <p:cNvPr id="75" name="组合 74">
-            <a:extLst>
-              <a:ext uri="{FF2B5EF4-FFF2-40B4-BE49-F238E27FC236}">
-                <a16:creationId xmlns:a16="http://schemas.microsoft.com/office/drawing/2014/main" id="{B690163C-5BFE-4F9D-85B4-AAC5BC56FF23}"/>
-              </a:ext>
-            </a:extLst>
-          </p:cNvPr>
-          <p:cNvGrpSpPr/>
-          <p:nvPr/>
-        </p:nvGrpSpPr>
-        <p:grpSpPr>
-          <a:xfrm>
-            <a:off x="6365054" y="3159279"/>
-            <a:ext cx="312984" cy="663905"/>
-            <a:chOff x="6000369" y="2485999"/>
-            <a:chExt cx="118800" cy="252000"/>
-          </a:xfrm>
-        </p:grpSpPr>
-        <p:cxnSp>
-          <p:nvCxnSpPr>
-            <p:cNvPr id="50" name="直接连接符 49">
-              <a:extLst>
-                <a:ext uri="{FF2B5EF4-FFF2-40B4-BE49-F238E27FC236}">
-                  <a16:creationId xmlns:a16="http://schemas.microsoft.com/office/drawing/2014/main" id="{DA87BA15-9820-4056-A9D2-A9DD43EEE201}"/>
-                </a:ext>
-              </a:extLst>
-            </p:cNvPr>
-            <p:cNvCxnSpPr>
-              <a:cxnSpLocks/>
-            </p:cNvCxnSpPr>
-            <p:nvPr/>
-          </p:nvCxnSpPr>
-          <p:spPr>
-            <a:xfrm flipH="1">
-              <a:off x="6001038" y="2539804"/>
-              <a:ext cx="0" cy="198195"/>
+              <a:off x="7912093" y="2750108"/>
+              <a:ext cx="0" cy="1073076"/>
             </a:xfrm>
             <a:prstGeom prst="line">
               <a:avLst/>
@@ -9461,86 +9903,851 @@
             </a:fontRef>
           </p:style>
         </p:cxnSp>
-        <p:sp>
-          <p:nvSpPr>
-            <p:cNvPr id="51" name="弧形 50">
+        <p:grpSp>
+          <p:nvGrpSpPr>
+            <p:cNvPr id="85" name="组合 84">
               <a:extLst>
                 <a:ext uri="{FF2B5EF4-FFF2-40B4-BE49-F238E27FC236}">
-                  <a16:creationId xmlns:a16="http://schemas.microsoft.com/office/drawing/2014/main" id="{05B6D31A-DC6D-4CE1-BF67-A5EF0BFC166E}"/>
+                  <a16:creationId xmlns:a16="http://schemas.microsoft.com/office/drawing/2014/main" id="{321D4381-33D9-44E9-A69D-F6A180F16ABD}"/>
                 </a:ext>
               </a:extLst>
             </p:cNvPr>
-            <p:cNvSpPr/>
+            <p:cNvGrpSpPr/>
             <p:nvPr/>
-          </p:nvSpPr>
-          <p:spPr>
+          </p:nvGrpSpPr>
+          <p:grpSpPr>
             <a:xfrm>
-              <a:off x="6000369" y="2485999"/>
-              <a:ext cx="118800" cy="118800"/>
+              <a:off x="3387338" y="3051075"/>
+              <a:ext cx="792000" cy="792000"/>
+              <a:chOff x="5101774" y="2455056"/>
+              <a:chExt cx="792000" cy="792000"/>
             </a:xfrm>
-            <a:prstGeom prst="arc">
-              <a:avLst>
-                <a:gd name="adj1" fmla="val 11124299"/>
-                <a:gd name="adj2" fmla="val 17866105"/>
-              </a:avLst>
-            </a:prstGeom>
-            <a:ln w="76200" cap="rnd">
-              <a:solidFill>
+          </p:grpSpPr>
+          <p:cxnSp>
+            <p:nvCxnSpPr>
+              <p:cNvPr id="34" name="直接连接符 33">
+                <a:extLst>
+                  <a:ext uri="{FF2B5EF4-FFF2-40B4-BE49-F238E27FC236}">
+                    <a16:creationId xmlns:a16="http://schemas.microsoft.com/office/drawing/2014/main" id="{3EF835D2-AFED-4476-A39D-312AA1A0439D}"/>
+                  </a:ext>
+                </a:extLst>
+              </p:cNvPr>
+              <p:cNvCxnSpPr/>
+              <p:nvPr/>
+            </p:nvCxnSpPr>
+            <p:spPr>
+              <a:xfrm>
+                <a:off x="5172391" y="2851056"/>
+                <a:ext cx="485402" cy="0"/>
+              </a:xfrm>
+              <a:prstGeom prst="line">
+                <a:avLst/>
+              </a:prstGeom>
+              <a:ln w="76200" cap="rnd">
+                <a:solidFill>
+                  <a:schemeClr val="tx1">
+                    <a:lumMod val="50000"/>
+                    <a:lumOff val="50000"/>
+                  </a:schemeClr>
+                </a:solidFill>
+                <a:round/>
+              </a:ln>
+            </p:spPr>
+            <p:style>
+              <a:lnRef idx="1">
+                <a:schemeClr val="accent1"/>
+              </a:lnRef>
+              <a:fillRef idx="0">
+                <a:schemeClr val="accent1"/>
+              </a:fillRef>
+              <a:effectRef idx="0">
+                <a:schemeClr val="accent1"/>
+              </a:effectRef>
+              <a:fontRef idx="minor">
                 <a:schemeClr val="tx1"/>
-              </a:solidFill>
-              <a:round/>
-            </a:ln>
-          </p:spPr>
-          <p:style>
-            <a:lnRef idx="1">
-              <a:schemeClr val="accent1"/>
-            </a:lnRef>
-            <a:fillRef idx="0">
-              <a:schemeClr val="accent1"/>
-            </a:fillRef>
-            <a:effectRef idx="0">
-              <a:schemeClr val="accent1"/>
-            </a:effectRef>
-            <a:fontRef idx="minor">
-              <a:schemeClr val="tx1"/>
-            </a:fontRef>
-          </p:style>
-          <p:txBody>
-            <a:bodyPr rtlCol="0" anchor="ctr"/>
-            <a:lstStyle/>
-            <a:p>
-              <a:pPr algn="ctr"/>
-              <a:endParaRPr lang="zh-CN" altLang="en-US"/>
-            </a:p>
-          </p:txBody>
-        </p:sp>
+              </a:fontRef>
+            </p:style>
+          </p:cxnSp>
+          <p:sp>
+            <p:nvSpPr>
+              <p:cNvPr id="84" name="弧形 83">
+                <a:extLst>
+                  <a:ext uri="{FF2B5EF4-FFF2-40B4-BE49-F238E27FC236}">
+                    <a16:creationId xmlns:a16="http://schemas.microsoft.com/office/drawing/2014/main" id="{738F2808-47EE-47C8-B763-C7EDABBE1A00}"/>
+                  </a:ext>
+                </a:extLst>
+              </p:cNvPr>
+              <p:cNvSpPr>
+                <a:spLocks noChangeAspect="1"/>
+              </p:cNvSpPr>
+              <p:nvPr/>
+            </p:nvSpPr>
+            <p:spPr>
+              <a:xfrm>
+                <a:off x="5101774" y="2455056"/>
+                <a:ext cx="792000" cy="792000"/>
+              </a:xfrm>
+              <a:prstGeom prst="arc">
+                <a:avLst>
+                  <a:gd name="adj1" fmla="val 3895352"/>
+                  <a:gd name="adj2" fmla="val 17604657"/>
+                </a:avLst>
+              </a:prstGeom>
+              <a:ln w="76200" cap="rnd">
+                <a:solidFill>
+                  <a:schemeClr val="tx1"/>
+                </a:solidFill>
+                <a:round/>
+              </a:ln>
+            </p:spPr>
+            <p:style>
+              <a:lnRef idx="1">
+                <a:schemeClr val="accent1"/>
+              </a:lnRef>
+              <a:fillRef idx="0">
+                <a:schemeClr val="accent1"/>
+              </a:fillRef>
+              <a:effectRef idx="0">
+                <a:schemeClr val="accent1"/>
+              </a:effectRef>
+              <a:fontRef idx="minor">
+                <a:schemeClr val="tx1"/>
+              </a:fontRef>
+            </p:style>
+            <p:txBody>
+              <a:bodyPr rtlCol="0" anchor="ctr"/>
+              <a:lstStyle/>
+              <a:p>
+                <a:pPr algn="ctr"/>
+                <a:endParaRPr lang="zh-CN" altLang="en-US"/>
+              </a:p>
+            </p:txBody>
+          </p:sp>
+        </p:grpSp>
+        <p:grpSp>
+          <p:nvGrpSpPr>
+            <p:cNvPr id="89" name="组合 88">
+              <a:extLst>
+                <a:ext uri="{FF2B5EF4-FFF2-40B4-BE49-F238E27FC236}">
+                  <a16:creationId xmlns:a16="http://schemas.microsoft.com/office/drawing/2014/main" id="{CBD42311-87DF-4F42-9D74-F7270BA26E2B}"/>
+                </a:ext>
+              </a:extLst>
+            </p:cNvPr>
+            <p:cNvGrpSpPr/>
+            <p:nvPr/>
+          </p:nvGrpSpPr>
+          <p:grpSpPr>
+            <a:xfrm>
+              <a:off x="8174149" y="2943000"/>
+              <a:ext cx="972000" cy="972000"/>
+              <a:chOff x="9835468" y="2491210"/>
+              <a:chExt cx="972000" cy="972000"/>
+            </a:xfrm>
+          </p:grpSpPr>
+          <p:sp>
+            <p:nvSpPr>
+              <p:cNvPr id="64" name="弧形 63">
+                <a:extLst>
+                  <a:ext uri="{FF2B5EF4-FFF2-40B4-BE49-F238E27FC236}">
+                    <a16:creationId xmlns:a16="http://schemas.microsoft.com/office/drawing/2014/main" id="{763EC656-CD8A-412B-9CDA-094285A2D60C}"/>
+                  </a:ext>
+                </a:extLst>
+              </p:cNvPr>
+              <p:cNvSpPr/>
+              <p:nvPr/>
+            </p:nvSpPr>
+            <p:spPr>
+              <a:xfrm>
+                <a:off x="9985764" y="2645258"/>
+                <a:ext cx="663905" cy="663905"/>
+              </a:xfrm>
+              <a:prstGeom prst="arc">
+                <a:avLst>
+                  <a:gd name="adj1" fmla="val 21364427"/>
+                  <a:gd name="adj2" fmla="val 21272467"/>
+                </a:avLst>
+              </a:prstGeom>
+              <a:ln w="76200" cap="rnd">
+                <a:solidFill>
+                  <a:schemeClr val="tx1"/>
+                </a:solidFill>
+                <a:round/>
+              </a:ln>
+            </p:spPr>
+            <p:style>
+              <a:lnRef idx="1">
+                <a:schemeClr val="accent1"/>
+              </a:lnRef>
+              <a:fillRef idx="0">
+                <a:schemeClr val="accent1"/>
+              </a:fillRef>
+              <a:effectRef idx="0">
+                <a:schemeClr val="accent1"/>
+              </a:effectRef>
+              <a:fontRef idx="minor">
+                <a:schemeClr val="tx1"/>
+              </a:fontRef>
+            </p:style>
+            <p:txBody>
+              <a:bodyPr rtlCol="0" anchor="ctr"/>
+              <a:lstStyle/>
+              <a:p>
+                <a:pPr algn="ctr"/>
+                <a:endParaRPr lang="zh-CN" altLang="en-US"/>
+              </a:p>
+            </p:txBody>
+          </p:sp>
+          <p:sp>
+            <p:nvSpPr>
+              <p:cNvPr id="88" name="弧形 87">
+                <a:extLst>
+                  <a:ext uri="{FF2B5EF4-FFF2-40B4-BE49-F238E27FC236}">
+                    <a16:creationId xmlns:a16="http://schemas.microsoft.com/office/drawing/2014/main" id="{A8D34806-3F7B-4942-B810-B6C8D5E1E13B}"/>
+                  </a:ext>
+                </a:extLst>
+              </p:cNvPr>
+              <p:cNvSpPr>
+                <a:spLocks noChangeAspect="1"/>
+              </p:cNvSpPr>
+              <p:nvPr/>
+            </p:nvSpPr>
+            <p:spPr>
+              <a:xfrm>
+                <a:off x="9835468" y="2491210"/>
+                <a:ext cx="972000" cy="972000"/>
+              </a:xfrm>
+              <a:prstGeom prst="arc">
+                <a:avLst>
+                  <a:gd name="adj1" fmla="val 15877922"/>
+                  <a:gd name="adj2" fmla="val 5881754"/>
+                </a:avLst>
+              </a:prstGeom>
+              <a:ln w="76200" cap="rnd">
+                <a:solidFill>
+                  <a:schemeClr val="tx1">
+                    <a:lumMod val="50000"/>
+                    <a:lumOff val="50000"/>
+                  </a:schemeClr>
+                </a:solidFill>
+                <a:round/>
+              </a:ln>
+            </p:spPr>
+            <p:style>
+              <a:lnRef idx="1">
+                <a:schemeClr val="accent1"/>
+              </a:lnRef>
+              <a:fillRef idx="0">
+                <a:schemeClr val="accent1"/>
+              </a:fillRef>
+              <a:effectRef idx="0">
+                <a:schemeClr val="accent1"/>
+              </a:effectRef>
+              <a:fontRef idx="minor">
+                <a:schemeClr val="tx1"/>
+              </a:fontRef>
+            </p:style>
+            <p:txBody>
+              <a:bodyPr rtlCol="0" anchor="ctr"/>
+              <a:lstStyle/>
+              <a:p>
+                <a:pPr algn="ctr"/>
+                <a:endParaRPr lang="zh-CN" altLang="en-US"/>
+              </a:p>
+            </p:txBody>
+          </p:sp>
+        </p:grpSp>
       </p:grpSp>
       <p:grpSp>
         <p:nvGrpSpPr>
-          <p:cNvPr id="70" name="组合 69">
+          <p:cNvPr id="57" name="组合 56">
             <a:extLst>
               <a:ext uri="{FF2B5EF4-FFF2-40B4-BE49-F238E27FC236}">
-                <a16:creationId xmlns:a16="http://schemas.microsoft.com/office/drawing/2014/main" id="{C3DFB8FF-027A-4004-A0D2-974ABAB6DBA2}"/>
+                <a16:creationId xmlns:a16="http://schemas.microsoft.com/office/drawing/2014/main" id="{9DA068F1-6266-4A49-959B-ED162028249B}"/>
               </a:ext>
             </a:extLst>
           </p:cNvPr>
-          <p:cNvGrpSpPr/>
+          <p:cNvGrpSpPr>
+            <a:grpSpLocks noChangeAspect="1"/>
+          </p:cNvGrpSpPr>
           <p:nvPr/>
         </p:nvGrpSpPr>
         <p:grpSpPr>
           <a:xfrm>
-            <a:off x="4321417" y="3294571"/>
-            <a:ext cx="635352" cy="528613"/>
-            <a:chOff x="5208895" y="2542553"/>
-            <a:chExt cx="241162" cy="200647"/>
+            <a:off x="3229539" y="804770"/>
+            <a:ext cx="1800000" cy="364104"/>
+            <a:chOff x="3387338" y="2750108"/>
+            <a:chExt cx="5758811" cy="1164892"/>
           </a:xfrm>
         </p:grpSpPr>
+        <p:grpSp>
+          <p:nvGrpSpPr>
+            <p:cNvPr id="60" name="组合 59">
+              <a:extLst>
+                <a:ext uri="{FF2B5EF4-FFF2-40B4-BE49-F238E27FC236}">
+                  <a16:creationId xmlns:a16="http://schemas.microsoft.com/office/drawing/2014/main" id="{951930C2-BC3B-46BA-A857-500F57B5CCC3}"/>
+                </a:ext>
+              </a:extLst>
+            </p:cNvPr>
+            <p:cNvGrpSpPr/>
+            <p:nvPr/>
+          </p:nvGrpSpPr>
+          <p:grpSpPr>
+            <a:xfrm>
+              <a:off x="5328959" y="3159279"/>
+              <a:ext cx="663905" cy="663905"/>
+              <a:chOff x="5598211" y="2485999"/>
+              <a:chExt cx="252000" cy="252000"/>
+            </a:xfrm>
+          </p:grpSpPr>
+          <p:cxnSp>
+            <p:nvCxnSpPr>
+              <p:cNvPr id="87" name="直接连接符 86">
+                <a:extLst>
+                  <a:ext uri="{FF2B5EF4-FFF2-40B4-BE49-F238E27FC236}">
+                    <a16:creationId xmlns:a16="http://schemas.microsoft.com/office/drawing/2014/main" id="{252BF2B0-37A6-41D2-A988-CBC7718F7370}"/>
+                  </a:ext>
+                </a:extLst>
+              </p:cNvPr>
+              <p:cNvCxnSpPr>
+                <a:cxnSpLocks/>
+              </p:cNvCxnSpPr>
+              <p:nvPr/>
+            </p:nvCxnSpPr>
+            <p:spPr>
+              <a:xfrm>
+                <a:off x="5599551" y="2601685"/>
+                <a:ext cx="250660" cy="0"/>
+              </a:xfrm>
+              <a:prstGeom prst="line">
+                <a:avLst/>
+              </a:prstGeom>
+              <a:ln w="28575" cap="rnd">
+                <a:solidFill>
+                  <a:schemeClr val="tx1">
+                    <a:lumMod val="50000"/>
+                    <a:lumOff val="50000"/>
+                  </a:schemeClr>
+                </a:solidFill>
+                <a:round/>
+              </a:ln>
+            </p:spPr>
+            <p:style>
+              <a:lnRef idx="1">
+                <a:schemeClr val="accent1"/>
+              </a:lnRef>
+              <a:fillRef idx="0">
+                <a:schemeClr val="accent1"/>
+              </a:fillRef>
+              <a:effectRef idx="0">
+                <a:schemeClr val="accent1"/>
+              </a:effectRef>
+              <a:fontRef idx="minor">
+                <a:schemeClr val="tx1"/>
+              </a:fontRef>
+            </p:style>
+          </p:cxnSp>
+          <p:sp>
+            <p:nvSpPr>
+              <p:cNvPr id="90" name="弧形 89">
+                <a:extLst>
+                  <a:ext uri="{FF2B5EF4-FFF2-40B4-BE49-F238E27FC236}">
+                    <a16:creationId xmlns:a16="http://schemas.microsoft.com/office/drawing/2014/main" id="{2FE74D66-6DA0-4C19-A510-4E996CE9F720}"/>
+                  </a:ext>
+                </a:extLst>
+              </p:cNvPr>
+              <p:cNvSpPr/>
+              <p:nvPr/>
+            </p:nvSpPr>
+            <p:spPr>
+              <a:xfrm>
+                <a:off x="5598211" y="2485999"/>
+                <a:ext cx="252000" cy="252000"/>
+              </a:xfrm>
+              <a:prstGeom prst="arc">
+                <a:avLst>
+                  <a:gd name="adj1" fmla="val 1817991"/>
+                  <a:gd name="adj2" fmla="val 21272467"/>
+                </a:avLst>
+              </a:prstGeom>
+              <a:ln w="28575" cap="rnd">
+                <a:solidFill>
+                  <a:schemeClr val="tx1"/>
+                </a:solidFill>
+                <a:round/>
+              </a:ln>
+            </p:spPr>
+            <p:style>
+              <a:lnRef idx="1">
+                <a:schemeClr val="accent1"/>
+              </a:lnRef>
+              <a:fillRef idx="0">
+                <a:schemeClr val="accent1"/>
+              </a:fillRef>
+              <a:effectRef idx="0">
+                <a:schemeClr val="accent1"/>
+              </a:effectRef>
+              <a:fontRef idx="minor">
+                <a:schemeClr val="tx1"/>
+              </a:fontRef>
+            </p:style>
+            <p:txBody>
+              <a:bodyPr rtlCol="0" anchor="ctr"/>
+              <a:lstStyle/>
+              <a:p>
+                <a:pPr algn="ctr"/>
+                <a:endParaRPr lang="zh-CN" altLang="en-US"/>
+              </a:p>
+            </p:txBody>
+          </p:sp>
+        </p:grpSp>
+        <p:grpSp>
+          <p:nvGrpSpPr>
+            <p:cNvPr id="62" name="组合 61">
+              <a:extLst>
+                <a:ext uri="{FF2B5EF4-FFF2-40B4-BE49-F238E27FC236}">
+                  <a16:creationId xmlns:a16="http://schemas.microsoft.com/office/drawing/2014/main" id="{ACEEBDFC-A06A-4C26-BF71-AE7D852C68D1}"/>
+                </a:ext>
+              </a:extLst>
+            </p:cNvPr>
+            <p:cNvGrpSpPr/>
+            <p:nvPr/>
+          </p:nvGrpSpPr>
+          <p:grpSpPr>
+            <a:xfrm>
+              <a:off x="6365054" y="3159279"/>
+              <a:ext cx="312984" cy="663905"/>
+              <a:chOff x="6000369" y="2485999"/>
+              <a:chExt cx="118800" cy="252000"/>
+            </a:xfrm>
+          </p:grpSpPr>
+          <p:cxnSp>
+            <p:nvCxnSpPr>
+              <p:cNvPr id="83" name="直接连接符 82">
+                <a:extLst>
+                  <a:ext uri="{FF2B5EF4-FFF2-40B4-BE49-F238E27FC236}">
+                    <a16:creationId xmlns:a16="http://schemas.microsoft.com/office/drawing/2014/main" id="{1CA610F4-3E04-4618-9959-C13BCE5F72E1}"/>
+                  </a:ext>
+                </a:extLst>
+              </p:cNvPr>
+              <p:cNvCxnSpPr>
+                <a:cxnSpLocks/>
+              </p:cNvCxnSpPr>
+              <p:nvPr/>
+            </p:nvCxnSpPr>
+            <p:spPr>
+              <a:xfrm flipH="1">
+                <a:off x="6001038" y="2539804"/>
+                <a:ext cx="0" cy="198195"/>
+              </a:xfrm>
+              <a:prstGeom prst="line">
+                <a:avLst/>
+              </a:prstGeom>
+              <a:ln w="28575" cap="rnd">
+                <a:solidFill>
+                  <a:schemeClr val="tx1"/>
+                </a:solidFill>
+                <a:round/>
+              </a:ln>
+            </p:spPr>
+            <p:style>
+              <a:lnRef idx="1">
+                <a:schemeClr val="accent1"/>
+              </a:lnRef>
+              <a:fillRef idx="0">
+                <a:schemeClr val="accent1"/>
+              </a:fillRef>
+              <a:effectRef idx="0">
+                <a:schemeClr val="accent1"/>
+              </a:effectRef>
+              <a:fontRef idx="minor">
+                <a:schemeClr val="tx1"/>
+              </a:fontRef>
+            </p:style>
+          </p:cxnSp>
+          <p:sp>
+            <p:nvSpPr>
+              <p:cNvPr id="86" name="弧形 85">
+                <a:extLst>
+                  <a:ext uri="{FF2B5EF4-FFF2-40B4-BE49-F238E27FC236}">
+                    <a16:creationId xmlns:a16="http://schemas.microsoft.com/office/drawing/2014/main" id="{CE3BEF76-1F39-4B71-A16B-35A660798F5C}"/>
+                  </a:ext>
+                </a:extLst>
+              </p:cNvPr>
+              <p:cNvSpPr/>
+              <p:nvPr/>
+            </p:nvSpPr>
+            <p:spPr>
+              <a:xfrm>
+                <a:off x="6000369" y="2485999"/>
+                <a:ext cx="118800" cy="118800"/>
+              </a:xfrm>
+              <a:prstGeom prst="arc">
+                <a:avLst>
+                  <a:gd name="adj1" fmla="val 11124299"/>
+                  <a:gd name="adj2" fmla="val 17866105"/>
+                </a:avLst>
+              </a:prstGeom>
+              <a:ln w="28575" cap="rnd">
+                <a:solidFill>
+                  <a:schemeClr val="tx1"/>
+                </a:solidFill>
+                <a:round/>
+              </a:ln>
+            </p:spPr>
+            <p:style>
+              <a:lnRef idx="1">
+                <a:schemeClr val="accent1"/>
+              </a:lnRef>
+              <a:fillRef idx="0">
+                <a:schemeClr val="accent1"/>
+              </a:fillRef>
+              <a:effectRef idx="0">
+                <a:schemeClr val="accent1"/>
+              </a:effectRef>
+              <a:fontRef idx="minor">
+                <a:schemeClr val="tx1"/>
+              </a:fontRef>
+            </p:style>
+            <p:txBody>
+              <a:bodyPr rtlCol="0" anchor="ctr"/>
+              <a:lstStyle/>
+              <a:p>
+                <a:pPr algn="ctr"/>
+                <a:endParaRPr lang="zh-CN" altLang="en-US"/>
+              </a:p>
+            </p:txBody>
+          </p:sp>
+        </p:grpSp>
+        <p:grpSp>
+          <p:nvGrpSpPr>
+            <p:cNvPr id="63" name="组合 62">
+              <a:extLst>
+                <a:ext uri="{FF2B5EF4-FFF2-40B4-BE49-F238E27FC236}">
+                  <a16:creationId xmlns:a16="http://schemas.microsoft.com/office/drawing/2014/main" id="{3BC4992C-59A1-4468-9F15-CEFCBEE57754}"/>
+                </a:ext>
+              </a:extLst>
+            </p:cNvPr>
+            <p:cNvGrpSpPr/>
+            <p:nvPr/>
+          </p:nvGrpSpPr>
+          <p:grpSpPr>
+            <a:xfrm>
+              <a:off x="4321417" y="3294571"/>
+              <a:ext cx="635352" cy="528613"/>
+              <a:chOff x="5208895" y="2542553"/>
+              <a:chExt cx="241162" cy="200647"/>
+            </a:xfrm>
+          </p:grpSpPr>
+          <p:cxnSp>
+            <p:nvCxnSpPr>
+              <p:cNvPr id="79" name="直接连接符 78">
+                <a:extLst>
+                  <a:ext uri="{FF2B5EF4-FFF2-40B4-BE49-F238E27FC236}">
+                    <a16:creationId xmlns:a16="http://schemas.microsoft.com/office/drawing/2014/main" id="{DF7D3D73-CAF8-4C37-9B34-84473E723ABA}"/>
+                  </a:ext>
+                </a:extLst>
+              </p:cNvPr>
+              <p:cNvCxnSpPr>
+                <a:cxnSpLocks/>
+              </p:cNvCxnSpPr>
+              <p:nvPr/>
+            </p:nvCxnSpPr>
+            <p:spPr>
+              <a:xfrm>
+                <a:off x="5219470" y="2553586"/>
+                <a:ext cx="109218" cy="88566"/>
+              </a:xfrm>
+              <a:prstGeom prst="line">
+                <a:avLst/>
+              </a:prstGeom>
+              <a:ln w="28575" cap="rnd">
+                <a:solidFill>
+                  <a:schemeClr val="tx1">
+                    <a:lumMod val="50000"/>
+                    <a:lumOff val="50000"/>
+                  </a:schemeClr>
+                </a:solidFill>
+                <a:round/>
+              </a:ln>
+            </p:spPr>
+            <p:style>
+              <a:lnRef idx="1">
+                <a:schemeClr val="accent1"/>
+              </a:lnRef>
+              <a:fillRef idx="0">
+                <a:schemeClr val="accent1"/>
+              </a:fillRef>
+              <a:effectRef idx="0">
+                <a:schemeClr val="accent1"/>
+              </a:effectRef>
+              <a:fontRef idx="minor">
+                <a:schemeClr val="tx1"/>
+              </a:fontRef>
+            </p:style>
+          </p:cxnSp>
+          <p:cxnSp>
+            <p:nvCxnSpPr>
+              <p:cNvPr id="80" name="直接连接符 79">
+                <a:extLst>
+                  <a:ext uri="{FF2B5EF4-FFF2-40B4-BE49-F238E27FC236}">
+                    <a16:creationId xmlns:a16="http://schemas.microsoft.com/office/drawing/2014/main" id="{043E7DD5-DD7A-40CB-9677-D9E54C000DD8}"/>
+                  </a:ext>
+                </a:extLst>
+              </p:cNvPr>
+              <p:cNvCxnSpPr>
+                <a:cxnSpLocks/>
+              </p:cNvCxnSpPr>
+              <p:nvPr/>
+            </p:nvCxnSpPr>
+            <p:spPr>
+              <a:xfrm flipH="1">
+                <a:off x="5328688" y="2545005"/>
+                <a:ext cx="119741" cy="97147"/>
+              </a:xfrm>
+              <a:prstGeom prst="line">
+                <a:avLst/>
+              </a:prstGeom>
+              <a:ln w="28575" cap="rnd">
+                <a:solidFill>
+                  <a:schemeClr val="tx1"/>
+                </a:solidFill>
+                <a:round/>
+              </a:ln>
+            </p:spPr>
+            <p:style>
+              <a:lnRef idx="1">
+                <a:schemeClr val="accent1"/>
+              </a:lnRef>
+              <a:fillRef idx="0">
+                <a:schemeClr val="accent1"/>
+              </a:fillRef>
+              <a:effectRef idx="0">
+                <a:schemeClr val="accent1"/>
+              </a:effectRef>
+              <a:fontRef idx="minor">
+                <a:schemeClr val="tx1"/>
+              </a:fontRef>
+            </p:style>
+          </p:cxnSp>
+          <p:cxnSp>
+            <p:nvCxnSpPr>
+              <p:cNvPr id="81" name="直接连接符 80">
+                <a:extLst>
+                  <a:ext uri="{FF2B5EF4-FFF2-40B4-BE49-F238E27FC236}">
+                    <a16:creationId xmlns:a16="http://schemas.microsoft.com/office/drawing/2014/main" id="{1058501C-8EFB-4922-AD7D-CA2593B61D06}"/>
+                  </a:ext>
+                </a:extLst>
+              </p:cNvPr>
+              <p:cNvCxnSpPr>
+                <a:cxnSpLocks/>
+              </p:cNvCxnSpPr>
+              <p:nvPr/>
+            </p:nvCxnSpPr>
+            <p:spPr>
+              <a:xfrm>
+                <a:off x="5450057" y="2542553"/>
+                <a:ext cx="0" cy="198137"/>
+              </a:xfrm>
+              <a:prstGeom prst="line">
+                <a:avLst/>
+              </a:prstGeom>
+              <a:ln w="28575" cap="rnd">
+                <a:solidFill>
+                  <a:schemeClr val="tx1">
+                    <a:lumMod val="50000"/>
+                    <a:lumOff val="50000"/>
+                  </a:schemeClr>
+                </a:solidFill>
+                <a:round/>
+              </a:ln>
+            </p:spPr>
+            <p:style>
+              <a:lnRef idx="1">
+                <a:schemeClr val="accent1"/>
+              </a:lnRef>
+              <a:fillRef idx="0">
+                <a:schemeClr val="accent1"/>
+              </a:fillRef>
+              <a:effectRef idx="0">
+                <a:schemeClr val="accent1"/>
+              </a:effectRef>
+              <a:fontRef idx="minor">
+                <a:schemeClr val="tx1"/>
+              </a:fontRef>
+            </p:style>
+          </p:cxnSp>
+          <p:cxnSp>
+            <p:nvCxnSpPr>
+              <p:cNvPr id="82" name="直接连接符 81">
+                <a:extLst>
+                  <a:ext uri="{FF2B5EF4-FFF2-40B4-BE49-F238E27FC236}">
+                    <a16:creationId xmlns:a16="http://schemas.microsoft.com/office/drawing/2014/main" id="{213A26B2-5F4C-420C-9012-CE2143447480}"/>
+                  </a:ext>
+                </a:extLst>
+              </p:cNvPr>
+              <p:cNvCxnSpPr>
+                <a:cxnSpLocks/>
+              </p:cNvCxnSpPr>
+              <p:nvPr/>
+            </p:nvCxnSpPr>
+            <p:spPr>
+              <a:xfrm>
+                <a:off x="5208895" y="2547583"/>
+                <a:ext cx="0" cy="195617"/>
+              </a:xfrm>
+              <a:prstGeom prst="line">
+                <a:avLst/>
+              </a:prstGeom>
+              <a:ln w="28575" cap="rnd">
+                <a:solidFill>
+                  <a:schemeClr val="tx1"/>
+                </a:solidFill>
+                <a:round/>
+              </a:ln>
+            </p:spPr>
+            <p:style>
+              <a:lnRef idx="1">
+                <a:schemeClr val="accent1"/>
+              </a:lnRef>
+              <a:fillRef idx="0">
+                <a:schemeClr val="accent1"/>
+              </a:fillRef>
+              <a:effectRef idx="0">
+                <a:schemeClr val="accent1"/>
+              </a:effectRef>
+              <a:fontRef idx="minor">
+                <a:schemeClr val="tx1"/>
+              </a:fontRef>
+            </p:style>
+          </p:cxnSp>
+        </p:grpSp>
+        <p:grpSp>
+          <p:nvGrpSpPr>
+            <p:cNvPr id="65" name="组合 64">
+              <a:extLst>
+                <a:ext uri="{FF2B5EF4-FFF2-40B4-BE49-F238E27FC236}">
+                  <a16:creationId xmlns:a16="http://schemas.microsoft.com/office/drawing/2014/main" id="{61B95BFC-DC24-479C-8CA1-16B0ABEAD31B}"/>
+                </a:ext>
+              </a:extLst>
+            </p:cNvPr>
+            <p:cNvGrpSpPr/>
+            <p:nvPr/>
+          </p:nvGrpSpPr>
+          <p:grpSpPr>
+            <a:xfrm>
+              <a:off x="6872515" y="3159279"/>
+              <a:ext cx="667388" cy="663905"/>
+              <a:chOff x="6201266" y="2485999"/>
+              <a:chExt cx="253322" cy="252000"/>
+            </a:xfrm>
+          </p:grpSpPr>
+          <p:sp>
+            <p:nvSpPr>
+              <p:cNvPr id="77" name="弧形 76">
+                <a:extLst>
+                  <a:ext uri="{FF2B5EF4-FFF2-40B4-BE49-F238E27FC236}">
+                    <a16:creationId xmlns:a16="http://schemas.microsoft.com/office/drawing/2014/main" id="{96AB8CFA-7B6E-4BD3-A718-A3AF34A490B8}"/>
+                  </a:ext>
+                </a:extLst>
+              </p:cNvPr>
+              <p:cNvSpPr/>
+              <p:nvPr/>
+            </p:nvSpPr>
+            <p:spPr>
+              <a:xfrm>
+                <a:off x="6201266" y="2485999"/>
+                <a:ext cx="252000" cy="252000"/>
+              </a:xfrm>
+              <a:prstGeom prst="arc">
+                <a:avLst>
+                  <a:gd name="adj1" fmla="val 21364427"/>
+                  <a:gd name="adj2" fmla="val 21272467"/>
+                </a:avLst>
+              </a:prstGeom>
+              <a:ln w="28575" cap="rnd">
+                <a:solidFill>
+                  <a:schemeClr val="tx1"/>
+                </a:solidFill>
+                <a:round/>
+              </a:ln>
+            </p:spPr>
+            <p:style>
+              <a:lnRef idx="1">
+                <a:schemeClr val="accent1"/>
+              </a:lnRef>
+              <a:fillRef idx="0">
+                <a:schemeClr val="accent1"/>
+              </a:fillRef>
+              <a:effectRef idx="0">
+                <a:schemeClr val="accent1"/>
+              </a:effectRef>
+              <a:fontRef idx="minor">
+                <a:schemeClr val="tx1"/>
+              </a:fontRef>
+            </p:style>
+            <p:txBody>
+              <a:bodyPr rtlCol="0" anchor="ctr"/>
+              <a:lstStyle/>
+              <a:p>
+                <a:pPr algn="ctr"/>
+                <a:endParaRPr lang="zh-CN" altLang="en-US"/>
+              </a:p>
+            </p:txBody>
+          </p:sp>
+          <p:cxnSp>
+            <p:nvCxnSpPr>
+              <p:cNvPr id="78" name="直接连接符 77">
+                <a:extLst>
+                  <a:ext uri="{FF2B5EF4-FFF2-40B4-BE49-F238E27FC236}">
+                    <a16:creationId xmlns:a16="http://schemas.microsoft.com/office/drawing/2014/main" id="{A5BBA061-67FC-492D-9263-C0AA629E1E80}"/>
+                  </a:ext>
+                </a:extLst>
+              </p:cNvPr>
+              <p:cNvCxnSpPr>
+                <a:cxnSpLocks/>
+              </p:cNvCxnSpPr>
+              <p:nvPr/>
+            </p:nvCxnSpPr>
+            <p:spPr>
+              <a:xfrm flipH="1">
+                <a:off x="6453266" y="2485999"/>
+                <a:ext cx="1322" cy="252000"/>
+              </a:xfrm>
+              <a:prstGeom prst="line">
+                <a:avLst/>
+              </a:prstGeom>
+              <a:ln w="28575" cap="rnd">
+                <a:solidFill>
+                  <a:schemeClr val="tx1">
+                    <a:lumMod val="50000"/>
+                    <a:lumOff val="50000"/>
+                  </a:schemeClr>
+                </a:solidFill>
+                <a:round/>
+              </a:ln>
+            </p:spPr>
+            <p:style>
+              <a:lnRef idx="1">
+                <a:schemeClr val="accent1"/>
+              </a:lnRef>
+              <a:fillRef idx="0">
+                <a:schemeClr val="accent1"/>
+              </a:fillRef>
+              <a:effectRef idx="0">
+                <a:schemeClr val="accent1"/>
+              </a:effectRef>
+              <a:fontRef idx="minor">
+                <a:schemeClr val="tx1"/>
+              </a:fontRef>
+            </p:style>
+          </p:cxnSp>
+        </p:grpSp>
         <p:cxnSp>
           <p:nvCxnSpPr>
-            <p:cNvPr id="52" name="直接连接符 51">
+            <p:cNvPr id="66" name="直接连接符 65">
               <a:extLst>
                 <a:ext uri="{FF2B5EF4-FFF2-40B4-BE49-F238E27FC236}">
-                  <a16:creationId xmlns:a16="http://schemas.microsoft.com/office/drawing/2014/main" id="{A0F72843-E342-4206-BBFF-889EE8C9C32F}"/>
+                  <a16:creationId xmlns:a16="http://schemas.microsoft.com/office/drawing/2014/main" id="{5FC3B8A1-54E6-447B-AAE9-D272FD7FED6A}"/>
                 </a:ext>
               </a:extLst>
             </p:cNvPr>
@@ -9551,60 +10758,13 @@
           </p:nvCxnSpPr>
           <p:spPr>
             <a:xfrm>
-              <a:off x="5219470" y="2553586"/>
-              <a:ext cx="109218" cy="88566"/>
+              <a:off x="7912093" y="2750108"/>
+              <a:ext cx="0" cy="1073076"/>
             </a:xfrm>
             <a:prstGeom prst="line">
               <a:avLst/>
             </a:prstGeom>
-            <a:ln w="76200" cap="rnd">
-              <a:solidFill>
-                <a:schemeClr val="tx1">
-                  <a:lumMod val="50000"/>
-                  <a:lumOff val="50000"/>
-                </a:schemeClr>
-              </a:solidFill>
-              <a:round/>
-            </a:ln>
-          </p:spPr>
-          <p:style>
-            <a:lnRef idx="1">
-              <a:schemeClr val="accent1"/>
-            </a:lnRef>
-            <a:fillRef idx="0">
-              <a:schemeClr val="accent1"/>
-            </a:fillRef>
-            <a:effectRef idx="0">
-              <a:schemeClr val="accent1"/>
-            </a:effectRef>
-            <a:fontRef idx="minor">
-              <a:schemeClr val="tx1"/>
-            </a:fontRef>
-          </p:style>
-        </p:cxnSp>
-        <p:cxnSp>
-          <p:nvCxnSpPr>
-            <p:cNvPr id="38" name="直接连接符 37">
-              <a:extLst>
-                <a:ext uri="{FF2B5EF4-FFF2-40B4-BE49-F238E27FC236}">
-                  <a16:creationId xmlns:a16="http://schemas.microsoft.com/office/drawing/2014/main" id="{A45B12B5-270C-494C-8D33-8FB78ED71159}"/>
-                </a:ext>
-              </a:extLst>
-            </p:cNvPr>
-            <p:cNvCxnSpPr>
-              <a:cxnSpLocks/>
-            </p:cNvCxnSpPr>
-            <p:nvPr/>
-          </p:nvCxnSpPr>
-          <p:spPr>
-            <a:xfrm flipH="1">
-              <a:off x="5328688" y="2545005"/>
-              <a:ext cx="119741" cy="97147"/>
-            </a:xfrm>
-            <a:prstGeom prst="line">
-              <a:avLst/>
-            </a:prstGeom>
-            <a:ln w="76200" cap="rnd">
+            <a:ln w="28575" cap="rnd">
               <a:solidFill>
                 <a:schemeClr val="tx1"/>
               </a:solidFill>
@@ -9626,515 +10786,259 @@
             </a:fontRef>
           </p:style>
         </p:cxnSp>
-        <p:cxnSp>
-          <p:nvCxnSpPr>
-            <p:cNvPr id="40" name="直接连接符 39">
+        <p:grpSp>
+          <p:nvGrpSpPr>
+            <p:cNvPr id="67" name="组合 66">
               <a:extLst>
                 <a:ext uri="{FF2B5EF4-FFF2-40B4-BE49-F238E27FC236}">
-                  <a16:creationId xmlns:a16="http://schemas.microsoft.com/office/drawing/2014/main" id="{B7C98CE0-D706-4A88-AEDF-74A7C348E056}"/>
+                  <a16:creationId xmlns:a16="http://schemas.microsoft.com/office/drawing/2014/main" id="{C75F163A-2D35-4B9A-8298-AC6072A68F84}"/>
                 </a:ext>
               </a:extLst>
             </p:cNvPr>
-            <p:cNvCxnSpPr>
-              <a:cxnSpLocks/>
-            </p:cNvCxnSpPr>
+            <p:cNvGrpSpPr/>
             <p:nvPr/>
-          </p:nvCxnSpPr>
-          <p:spPr>
+          </p:nvGrpSpPr>
+          <p:grpSpPr>
             <a:xfrm>
-              <a:off x="5450057" y="2542553"/>
-              <a:ext cx="0" cy="198137"/>
+              <a:off x="3387338" y="3051075"/>
+              <a:ext cx="792000" cy="792000"/>
+              <a:chOff x="5101774" y="2455056"/>
+              <a:chExt cx="792000" cy="792000"/>
             </a:xfrm>
-            <a:prstGeom prst="line">
-              <a:avLst/>
-            </a:prstGeom>
-            <a:ln w="76200" cap="rnd">
-              <a:solidFill>
-                <a:schemeClr val="tx1">
-                  <a:lumMod val="50000"/>
-                  <a:lumOff val="50000"/>
-                </a:schemeClr>
-              </a:solidFill>
-              <a:round/>
-            </a:ln>
-          </p:spPr>
-          <p:style>
-            <a:lnRef idx="1">
-              <a:schemeClr val="accent1"/>
-            </a:lnRef>
-            <a:fillRef idx="0">
-              <a:schemeClr val="accent1"/>
-            </a:fillRef>
-            <a:effectRef idx="0">
-              <a:schemeClr val="accent1"/>
-            </a:effectRef>
-            <a:fontRef idx="minor">
-              <a:schemeClr val="tx1"/>
-            </a:fontRef>
-          </p:style>
-        </p:cxnSp>
-        <p:cxnSp>
-          <p:nvCxnSpPr>
-            <p:cNvPr id="37" name="直接连接符 36">
+          </p:grpSpPr>
+          <p:cxnSp>
+            <p:nvCxnSpPr>
+              <p:cNvPr id="73" name="直接连接符 72">
+                <a:extLst>
+                  <a:ext uri="{FF2B5EF4-FFF2-40B4-BE49-F238E27FC236}">
+                    <a16:creationId xmlns:a16="http://schemas.microsoft.com/office/drawing/2014/main" id="{3BBAD85D-F64A-47FD-B31B-CA7C9513FAC9}"/>
+                  </a:ext>
+                </a:extLst>
+              </p:cNvPr>
+              <p:cNvCxnSpPr/>
+              <p:nvPr/>
+            </p:nvCxnSpPr>
+            <p:spPr>
+              <a:xfrm>
+                <a:off x="5172391" y="2851056"/>
+                <a:ext cx="485402" cy="0"/>
+              </a:xfrm>
+              <a:prstGeom prst="line">
+                <a:avLst/>
+              </a:prstGeom>
+              <a:ln w="28575" cap="rnd">
+                <a:solidFill>
+                  <a:schemeClr val="tx1">
+                    <a:lumMod val="50000"/>
+                    <a:lumOff val="50000"/>
+                  </a:schemeClr>
+                </a:solidFill>
+                <a:round/>
+              </a:ln>
+            </p:spPr>
+            <p:style>
+              <a:lnRef idx="1">
+                <a:schemeClr val="accent1"/>
+              </a:lnRef>
+              <a:fillRef idx="0">
+                <a:schemeClr val="accent1"/>
+              </a:fillRef>
+              <a:effectRef idx="0">
+                <a:schemeClr val="accent1"/>
+              </a:effectRef>
+              <a:fontRef idx="minor">
+                <a:schemeClr val="tx1"/>
+              </a:fontRef>
+            </p:style>
+          </p:cxnSp>
+          <p:sp>
+            <p:nvSpPr>
+              <p:cNvPr id="74" name="弧形 73">
+                <a:extLst>
+                  <a:ext uri="{FF2B5EF4-FFF2-40B4-BE49-F238E27FC236}">
+                    <a16:creationId xmlns:a16="http://schemas.microsoft.com/office/drawing/2014/main" id="{A946D3B3-4E00-4FB6-8213-B37B143A8471}"/>
+                  </a:ext>
+                </a:extLst>
+              </p:cNvPr>
+              <p:cNvSpPr>
+                <a:spLocks noChangeAspect="1"/>
+              </p:cNvSpPr>
+              <p:nvPr/>
+            </p:nvSpPr>
+            <p:spPr>
+              <a:xfrm>
+                <a:off x="5101774" y="2455056"/>
+                <a:ext cx="792000" cy="792000"/>
+              </a:xfrm>
+              <a:prstGeom prst="arc">
+                <a:avLst>
+                  <a:gd name="adj1" fmla="val 3895352"/>
+                  <a:gd name="adj2" fmla="val 17604657"/>
+                </a:avLst>
+              </a:prstGeom>
+              <a:ln w="28575" cap="rnd">
+                <a:solidFill>
+                  <a:schemeClr val="tx1"/>
+                </a:solidFill>
+                <a:round/>
+              </a:ln>
+            </p:spPr>
+            <p:style>
+              <a:lnRef idx="1">
+                <a:schemeClr val="accent1"/>
+              </a:lnRef>
+              <a:fillRef idx="0">
+                <a:schemeClr val="accent1"/>
+              </a:fillRef>
+              <a:effectRef idx="0">
+                <a:schemeClr val="accent1"/>
+              </a:effectRef>
+              <a:fontRef idx="minor">
+                <a:schemeClr val="tx1"/>
+              </a:fontRef>
+            </p:style>
+            <p:txBody>
+              <a:bodyPr rtlCol="0" anchor="ctr"/>
+              <a:lstStyle/>
+              <a:p>
+                <a:pPr algn="ctr"/>
+                <a:endParaRPr lang="zh-CN" altLang="en-US"/>
+              </a:p>
+            </p:txBody>
+          </p:sp>
+        </p:grpSp>
+        <p:grpSp>
+          <p:nvGrpSpPr>
+            <p:cNvPr id="68" name="组合 67">
               <a:extLst>
                 <a:ext uri="{FF2B5EF4-FFF2-40B4-BE49-F238E27FC236}">
-                  <a16:creationId xmlns:a16="http://schemas.microsoft.com/office/drawing/2014/main" id="{EAEA0A26-9F0E-4BB4-A9D7-94B2282A59D2}"/>
+                  <a16:creationId xmlns:a16="http://schemas.microsoft.com/office/drawing/2014/main" id="{4472DB95-E46F-4777-9E05-9AB05EC07C7A}"/>
                 </a:ext>
               </a:extLst>
             </p:cNvPr>
-            <p:cNvCxnSpPr>
-              <a:cxnSpLocks/>
-            </p:cNvCxnSpPr>
+            <p:cNvGrpSpPr/>
             <p:nvPr/>
-          </p:nvCxnSpPr>
-          <p:spPr>
+          </p:nvGrpSpPr>
+          <p:grpSpPr>
             <a:xfrm>
-              <a:off x="5208895" y="2547583"/>
-              <a:ext cx="0" cy="195617"/>
+              <a:off x="8174149" y="2943000"/>
+              <a:ext cx="972000" cy="972000"/>
+              <a:chOff x="9835468" y="2491210"/>
+              <a:chExt cx="972000" cy="972000"/>
             </a:xfrm>
-            <a:prstGeom prst="line">
-              <a:avLst/>
-            </a:prstGeom>
-            <a:ln w="76200" cap="rnd">
-              <a:solidFill>
+          </p:grpSpPr>
+          <p:sp>
+            <p:nvSpPr>
+              <p:cNvPr id="69" name="弧形 68">
+                <a:extLst>
+                  <a:ext uri="{FF2B5EF4-FFF2-40B4-BE49-F238E27FC236}">
+                    <a16:creationId xmlns:a16="http://schemas.microsoft.com/office/drawing/2014/main" id="{F920678A-6465-4C48-A9DC-CB560D53CCCD}"/>
+                  </a:ext>
+                </a:extLst>
+              </p:cNvPr>
+              <p:cNvSpPr/>
+              <p:nvPr/>
+            </p:nvSpPr>
+            <p:spPr>
+              <a:xfrm>
+                <a:off x="9985764" y="2645258"/>
+                <a:ext cx="663905" cy="663905"/>
+              </a:xfrm>
+              <a:prstGeom prst="arc">
+                <a:avLst>
+                  <a:gd name="adj1" fmla="val 21364427"/>
+                  <a:gd name="adj2" fmla="val 21272467"/>
+                </a:avLst>
+              </a:prstGeom>
+              <a:ln w="28575" cap="rnd">
+                <a:solidFill>
+                  <a:schemeClr val="tx1"/>
+                </a:solidFill>
+                <a:round/>
+              </a:ln>
+            </p:spPr>
+            <p:style>
+              <a:lnRef idx="1">
+                <a:schemeClr val="accent1"/>
+              </a:lnRef>
+              <a:fillRef idx="0">
+                <a:schemeClr val="accent1"/>
+              </a:fillRef>
+              <a:effectRef idx="0">
+                <a:schemeClr val="accent1"/>
+              </a:effectRef>
+              <a:fontRef idx="minor">
                 <a:schemeClr val="tx1"/>
-              </a:solidFill>
-              <a:round/>
-            </a:ln>
-          </p:spPr>
-          <p:style>
-            <a:lnRef idx="1">
-              <a:schemeClr val="accent1"/>
-            </a:lnRef>
-            <a:fillRef idx="0">
-              <a:schemeClr val="accent1"/>
-            </a:fillRef>
-            <a:effectRef idx="0">
-              <a:schemeClr val="accent1"/>
-            </a:effectRef>
-            <a:fontRef idx="minor">
-              <a:schemeClr val="tx1"/>
-            </a:fontRef>
-          </p:style>
-        </p:cxnSp>
-      </p:grpSp>
-      <p:grpSp>
-        <p:nvGrpSpPr>
-          <p:cNvPr id="76" name="组合 75">
-            <a:extLst>
-              <a:ext uri="{FF2B5EF4-FFF2-40B4-BE49-F238E27FC236}">
-                <a16:creationId xmlns:a16="http://schemas.microsoft.com/office/drawing/2014/main" id="{2D7D6CD3-5144-43C1-861B-19698A47928E}"/>
-              </a:ext>
-            </a:extLst>
-          </p:cNvPr>
-          <p:cNvGrpSpPr/>
-          <p:nvPr/>
-        </p:nvGrpSpPr>
-        <p:grpSpPr>
-          <a:xfrm>
-            <a:off x="6872515" y="3159279"/>
-            <a:ext cx="667388" cy="663905"/>
-            <a:chOff x="6201266" y="2485999"/>
-            <a:chExt cx="253322" cy="252000"/>
-          </a:xfrm>
-        </p:grpSpPr>
-        <p:sp>
-          <p:nvSpPr>
-            <p:cNvPr id="58" name="弧形 57">
-              <a:extLst>
-                <a:ext uri="{FF2B5EF4-FFF2-40B4-BE49-F238E27FC236}">
-                  <a16:creationId xmlns:a16="http://schemas.microsoft.com/office/drawing/2014/main" id="{FD9102C1-5F61-4459-ACA6-37133A7BD381}"/>
-                </a:ext>
-              </a:extLst>
-            </p:cNvPr>
-            <p:cNvSpPr/>
-            <p:nvPr/>
-          </p:nvSpPr>
-          <p:spPr>
-            <a:xfrm>
-              <a:off x="6201266" y="2485999"/>
-              <a:ext cx="252000" cy="252000"/>
-            </a:xfrm>
-            <a:prstGeom prst="arc">
-              <a:avLst>
-                <a:gd name="adj1" fmla="val 21364427"/>
-                <a:gd name="adj2" fmla="val 21272467"/>
-              </a:avLst>
-            </a:prstGeom>
-            <a:ln w="76200" cap="rnd">
-              <a:solidFill>
+              </a:fontRef>
+            </p:style>
+            <p:txBody>
+              <a:bodyPr rtlCol="0" anchor="ctr"/>
+              <a:lstStyle/>
+              <a:p>
+                <a:pPr algn="ctr"/>
+                <a:endParaRPr lang="zh-CN" altLang="en-US"/>
+              </a:p>
+            </p:txBody>
+          </p:sp>
+          <p:sp>
+            <p:nvSpPr>
+              <p:cNvPr id="72" name="弧形 71">
+                <a:extLst>
+                  <a:ext uri="{FF2B5EF4-FFF2-40B4-BE49-F238E27FC236}">
+                    <a16:creationId xmlns:a16="http://schemas.microsoft.com/office/drawing/2014/main" id="{F0BD6CC4-D015-43F7-AB0B-D8026A39D74E}"/>
+                  </a:ext>
+                </a:extLst>
+              </p:cNvPr>
+              <p:cNvSpPr>
+                <a:spLocks noChangeAspect="1"/>
+              </p:cNvSpPr>
+              <p:nvPr/>
+            </p:nvSpPr>
+            <p:spPr>
+              <a:xfrm>
+                <a:off x="9835468" y="2491210"/>
+                <a:ext cx="972000" cy="972000"/>
+              </a:xfrm>
+              <a:prstGeom prst="arc">
+                <a:avLst>
+                  <a:gd name="adj1" fmla="val 15877922"/>
+                  <a:gd name="adj2" fmla="val 5881754"/>
+                </a:avLst>
+              </a:prstGeom>
+              <a:ln w="28575" cap="rnd">
+                <a:solidFill>
+                  <a:schemeClr val="tx1">
+                    <a:lumMod val="50000"/>
+                    <a:lumOff val="50000"/>
+                  </a:schemeClr>
+                </a:solidFill>
+                <a:round/>
+              </a:ln>
+            </p:spPr>
+            <p:style>
+              <a:lnRef idx="1">
+                <a:schemeClr val="accent1"/>
+              </a:lnRef>
+              <a:fillRef idx="0">
+                <a:schemeClr val="accent1"/>
+              </a:fillRef>
+              <a:effectRef idx="0">
+                <a:schemeClr val="accent1"/>
+              </a:effectRef>
+              <a:fontRef idx="minor">
                 <a:schemeClr val="tx1"/>
-              </a:solidFill>
-              <a:round/>
-            </a:ln>
-          </p:spPr>
-          <p:style>
-            <a:lnRef idx="1">
-              <a:schemeClr val="accent1"/>
-            </a:lnRef>
-            <a:fillRef idx="0">
-              <a:schemeClr val="accent1"/>
-            </a:fillRef>
-            <a:effectRef idx="0">
-              <a:schemeClr val="accent1"/>
-            </a:effectRef>
-            <a:fontRef idx="minor">
-              <a:schemeClr val="tx1"/>
-            </a:fontRef>
-          </p:style>
-          <p:txBody>
-            <a:bodyPr rtlCol="0" anchor="ctr"/>
-            <a:lstStyle/>
-            <a:p>
-              <a:pPr algn="ctr"/>
-              <a:endParaRPr lang="zh-CN" altLang="en-US"/>
-            </a:p>
-          </p:txBody>
-        </p:sp>
-        <p:cxnSp>
-          <p:nvCxnSpPr>
-            <p:cNvPr id="59" name="直接连接符 58">
-              <a:extLst>
-                <a:ext uri="{FF2B5EF4-FFF2-40B4-BE49-F238E27FC236}">
-                  <a16:creationId xmlns:a16="http://schemas.microsoft.com/office/drawing/2014/main" id="{F1FB9638-5867-4358-A29F-6079B4DEFD4B}"/>
-                </a:ext>
-              </a:extLst>
-            </p:cNvPr>
-            <p:cNvCxnSpPr>
-              <a:cxnSpLocks/>
-            </p:cNvCxnSpPr>
-            <p:nvPr/>
-          </p:nvCxnSpPr>
-          <p:spPr>
-            <a:xfrm flipH="1">
-              <a:off x="6453266" y="2485999"/>
-              <a:ext cx="1322" cy="252000"/>
-            </a:xfrm>
-            <a:prstGeom prst="line">
-              <a:avLst/>
-            </a:prstGeom>
-            <a:ln w="76200" cap="rnd">
-              <a:solidFill>
-                <a:schemeClr val="tx1">
-                  <a:lumMod val="50000"/>
-                  <a:lumOff val="50000"/>
-                </a:schemeClr>
-              </a:solidFill>
-              <a:round/>
-            </a:ln>
-          </p:spPr>
-          <p:style>
-            <a:lnRef idx="1">
-              <a:schemeClr val="accent1"/>
-            </a:lnRef>
-            <a:fillRef idx="0">
-              <a:schemeClr val="accent1"/>
-            </a:fillRef>
-            <a:effectRef idx="0">
-              <a:schemeClr val="accent1"/>
-            </a:effectRef>
-            <a:fontRef idx="minor">
-              <a:schemeClr val="tx1"/>
-            </a:fontRef>
-          </p:style>
-        </p:cxnSp>
-      </p:grpSp>
-      <p:cxnSp>
-        <p:nvCxnSpPr>
-          <p:cNvPr id="61" name="直接连接符 60">
-            <a:extLst>
-              <a:ext uri="{FF2B5EF4-FFF2-40B4-BE49-F238E27FC236}">
-                <a16:creationId xmlns:a16="http://schemas.microsoft.com/office/drawing/2014/main" id="{6ECB2F65-1AD6-4EA9-BFBC-E2979544CB46}"/>
-              </a:ext>
-            </a:extLst>
-          </p:cNvPr>
-          <p:cNvCxnSpPr>
-            <a:cxnSpLocks/>
-          </p:cNvCxnSpPr>
-          <p:nvPr/>
-        </p:nvCxnSpPr>
-        <p:spPr>
-          <a:xfrm>
-            <a:off x="7912093" y="2750108"/>
-            <a:ext cx="0" cy="1073076"/>
-          </a:xfrm>
-          <a:prstGeom prst="line">
-            <a:avLst/>
-          </a:prstGeom>
-          <a:ln w="76200" cap="rnd">
-            <a:solidFill>
-              <a:schemeClr val="tx1"/>
-            </a:solidFill>
-            <a:round/>
-          </a:ln>
-        </p:spPr>
-        <p:style>
-          <a:lnRef idx="1">
-            <a:schemeClr val="accent1"/>
-          </a:lnRef>
-          <a:fillRef idx="0">
-            <a:schemeClr val="accent1"/>
-          </a:fillRef>
-          <a:effectRef idx="0">
-            <a:schemeClr val="accent1"/>
-          </a:effectRef>
-          <a:fontRef idx="minor">
-            <a:schemeClr val="tx1"/>
-          </a:fontRef>
-        </p:style>
-      </p:cxnSp>
-      <p:grpSp>
-        <p:nvGrpSpPr>
-          <p:cNvPr id="85" name="组合 84">
-            <a:extLst>
-              <a:ext uri="{FF2B5EF4-FFF2-40B4-BE49-F238E27FC236}">
-                <a16:creationId xmlns:a16="http://schemas.microsoft.com/office/drawing/2014/main" id="{321D4381-33D9-44E9-A69D-F6A180F16ABD}"/>
-              </a:ext>
-            </a:extLst>
-          </p:cNvPr>
-          <p:cNvGrpSpPr/>
-          <p:nvPr/>
-        </p:nvGrpSpPr>
-        <p:grpSpPr>
-          <a:xfrm>
-            <a:off x="3387338" y="3051075"/>
-            <a:ext cx="792000" cy="792000"/>
-            <a:chOff x="5101774" y="2455056"/>
-            <a:chExt cx="792000" cy="792000"/>
-          </a:xfrm>
-        </p:grpSpPr>
-        <p:cxnSp>
-          <p:nvCxnSpPr>
-            <p:cNvPr id="34" name="直接连接符 33">
-              <a:extLst>
-                <a:ext uri="{FF2B5EF4-FFF2-40B4-BE49-F238E27FC236}">
-                  <a16:creationId xmlns:a16="http://schemas.microsoft.com/office/drawing/2014/main" id="{3EF835D2-AFED-4476-A39D-312AA1A0439D}"/>
-                </a:ext>
-              </a:extLst>
-            </p:cNvPr>
-            <p:cNvCxnSpPr/>
-            <p:nvPr/>
-          </p:nvCxnSpPr>
-          <p:spPr>
-            <a:xfrm>
-              <a:off x="5172391" y="2851056"/>
-              <a:ext cx="485402" cy="0"/>
-            </a:xfrm>
-            <a:prstGeom prst="line">
-              <a:avLst/>
-            </a:prstGeom>
-            <a:ln w="76200" cap="rnd">
-              <a:solidFill>
-                <a:schemeClr val="tx1">
-                  <a:lumMod val="50000"/>
-                  <a:lumOff val="50000"/>
-                </a:schemeClr>
-              </a:solidFill>
-              <a:round/>
-            </a:ln>
-          </p:spPr>
-          <p:style>
-            <a:lnRef idx="1">
-              <a:schemeClr val="accent1"/>
-            </a:lnRef>
-            <a:fillRef idx="0">
-              <a:schemeClr val="accent1"/>
-            </a:fillRef>
-            <a:effectRef idx="0">
-              <a:schemeClr val="accent1"/>
-            </a:effectRef>
-            <a:fontRef idx="minor">
-              <a:schemeClr val="tx1"/>
-            </a:fontRef>
-          </p:style>
-        </p:cxnSp>
-        <p:sp>
-          <p:nvSpPr>
-            <p:cNvPr id="84" name="弧形 83">
-              <a:extLst>
-                <a:ext uri="{FF2B5EF4-FFF2-40B4-BE49-F238E27FC236}">
-                  <a16:creationId xmlns:a16="http://schemas.microsoft.com/office/drawing/2014/main" id="{738F2808-47EE-47C8-B763-C7EDABBE1A00}"/>
-                </a:ext>
-              </a:extLst>
-            </p:cNvPr>
-            <p:cNvSpPr>
-              <a:spLocks noChangeAspect="1"/>
-            </p:cNvSpPr>
-            <p:nvPr/>
-          </p:nvSpPr>
-          <p:spPr>
-            <a:xfrm>
-              <a:off x="5101774" y="2455056"/>
-              <a:ext cx="792000" cy="792000"/>
-            </a:xfrm>
-            <a:prstGeom prst="arc">
-              <a:avLst>
-                <a:gd name="adj1" fmla="val 3895352"/>
-                <a:gd name="adj2" fmla="val 17604657"/>
-              </a:avLst>
-            </a:prstGeom>
-            <a:ln w="76200" cap="rnd">
-              <a:solidFill>
-                <a:schemeClr val="tx1"/>
-              </a:solidFill>
-              <a:round/>
-            </a:ln>
-          </p:spPr>
-          <p:style>
-            <a:lnRef idx="1">
-              <a:schemeClr val="accent1"/>
-            </a:lnRef>
-            <a:fillRef idx="0">
-              <a:schemeClr val="accent1"/>
-            </a:fillRef>
-            <a:effectRef idx="0">
-              <a:schemeClr val="accent1"/>
-            </a:effectRef>
-            <a:fontRef idx="minor">
-              <a:schemeClr val="tx1"/>
-            </a:fontRef>
-          </p:style>
-          <p:txBody>
-            <a:bodyPr rtlCol="0" anchor="ctr"/>
-            <a:lstStyle/>
-            <a:p>
-              <a:pPr algn="ctr"/>
-              <a:endParaRPr lang="zh-CN" altLang="en-US"/>
-            </a:p>
-          </p:txBody>
-        </p:sp>
-      </p:grpSp>
-      <p:grpSp>
-        <p:nvGrpSpPr>
-          <p:cNvPr id="89" name="组合 88">
-            <a:extLst>
-              <a:ext uri="{FF2B5EF4-FFF2-40B4-BE49-F238E27FC236}">
-                <a16:creationId xmlns:a16="http://schemas.microsoft.com/office/drawing/2014/main" id="{CBD42311-87DF-4F42-9D74-F7270BA26E2B}"/>
-              </a:ext>
-            </a:extLst>
-          </p:cNvPr>
-          <p:cNvGrpSpPr/>
-          <p:nvPr/>
-        </p:nvGrpSpPr>
-        <p:grpSpPr>
-          <a:xfrm>
-            <a:off x="8174149" y="2943000"/>
-            <a:ext cx="972000" cy="972000"/>
-            <a:chOff x="9835468" y="2491210"/>
-            <a:chExt cx="972000" cy="972000"/>
-          </a:xfrm>
-        </p:grpSpPr>
-        <p:sp>
-          <p:nvSpPr>
-            <p:cNvPr id="64" name="弧形 63">
-              <a:extLst>
-                <a:ext uri="{FF2B5EF4-FFF2-40B4-BE49-F238E27FC236}">
-                  <a16:creationId xmlns:a16="http://schemas.microsoft.com/office/drawing/2014/main" id="{763EC656-CD8A-412B-9CDA-094285A2D60C}"/>
-                </a:ext>
-              </a:extLst>
-            </p:cNvPr>
-            <p:cNvSpPr/>
-            <p:nvPr/>
-          </p:nvSpPr>
-          <p:spPr>
-            <a:xfrm>
-              <a:off x="9985764" y="2645258"/>
-              <a:ext cx="663905" cy="663905"/>
-            </a:xfrm>
-            <a:prstGeom prst="arc">
-              <a:avLst>
-                <a:gd name="adj1" fmla="val 21364427"/>
-                <a:gd name="adj2" fmla="val 21272467"/>
-              </a:avLst>
-            </a:prstGeom>
-            <a:ln w="76200" cap="rnd">
-              <a:solidFill>
-                <a:schemeClr val="tx1"/>
-              </a:solidFill>
-              <a:round/>
-            </a:ln>
-          </p:spPr>
-          <p:style>
-            <a:lnRef idx="1">
-              <a:schemeClr val="accent1"/>
-            </a:lnRef>
-            <a:fillRef idx="0">
-              <a:schemeClr val="accent1"/>
-            </a:fillRef>
-            <a:effectRef idx="0">
-              <a:schemeClr val="accent1"/>
-            </a:effectRef>
-            <a:fontRef idx="minor">
-              <a:schemeClr val="tx1"/>
-            </a:fontRef>
-          </p:style>
-          <p:txBody>
-            <a:bodyPr rtlCol="0" anchor="ctr"/>
-            <a:lstStyle/>
-            <a:p>
-              <a:pPr algn="ctr"/>
-              <a:endParaRPr lang="zh-CN" altLang="en-US"/>
-            </a:p>
-          </p:txBody>
-        </p:sp>
-        <p:sp>
-          <p:nvSpPr>
-            <p:cNvPr id="88" name="弧形 87">
-              <a:extLst>
-                <a:ext uri="{FF2B5EF4-FFF2-40B4-BE49-F238E27FC236}">
-                  <a16:creationId xmlns:a16="http://schemas.microsoft.com/office/drawing/2014/main" id="{A8D34806-3F7B-4942-B810-B6C8D5E1E13B}"/>
-                </a:ext>
-              </a:extLst>
-            </p:cNvPr>
-            <p:cNvSpPr>
-              <a:spLocks noChangeAspect="1"/>
-            </p:cNvSpPr>
-            <p:nvPr/>
-          </p:nvSpPr>
-          <p:spPr>
-            <a:xfrm>
-              <a:off x="9835468" y="2491210"/>
-              <a:ext cx="972000" cy="972000"/>
-            </a:xfrm>
-            <a:prstGeom prst="arc">
-              <a:avLst>
-                <a:gd name="adj1" fmla="val 15877922"/>
-                <a:gd name="adj2" fmla="val 5881754"/>
-              </a:avLst>
-            </a:prstGeom>
-            <a:ln w="76200" cap="rnd">
-              <a:solidFill>
-                <a:schemeClr val="tx1">
-                  <a:lumMod val="50000"/>
-                  <a:lumOff val="50000"/>
-                </a:schemeClr>
-              </a:solidFill>
-              <a:round/>
-            </a:ln>
-          </p:spPr>
-          <p:style>
-            <a:lnRef idx="1">
-              <a:schemeClr val="accent1"/>
-            </a:lnRef>
-            <a:fillRef idx="0">
-              <a:schemeClr val="accent1"/>
-            </a:fillRef>
-            <a:effectRef idx="0">
-              <a:schemeClr val="accent1"/>
-            </a:effectRef>
-            <a:fontRef idx="minor">
-              <a:schemeClr val="tx1"/>
-            </a:fontRef>
-          </p:style>
-          <p:txBody>
-            <a:bodyPr rtlCol="0" anchor="ctr"/>
-            <a:lstStyle/>
-            <a:p>
-              <a:pPr algn="ctr"/>
-              <a:endParaRPr lang="zh-CN" altLang="en-US"/>
-            </a:p>
-          </p:txBody>
-        </p:sp>
+              </a:fontRef>
+            </p:style>
+            <p:txBody>
+              <a:bodyPr rtlCol="0" anchor="ctr"/>
+              <a:lstStyle/>
+              <a:p>
+                <a:pPr algn="ctr"/>
+                <a:endParaRPr lang="zh-CN" altLang="en-US"/>
+              </a:p>
+            </p:txBody>
+          </p:sp>
+        </p:grpSp>
       </p:grpSp>
     </p:spTree>
     <p:extLst>

--- a/UI.pptx
+++ b/UI.pptx
@@ -263,7 +263,7 @@
           <a:p>
             <a:fld id="{F3BA182F-79D5-4EF3-A581-738F691F52DF}" type="datetimeFigureOut">
               <a:rPr lang="zh-CN" altLang="en-US" smtClean="0"/>
-              <a:t>2019/6/8</a:t>
+              <a:t>2019/6/24</a:t>
             </a:fld>
             <a:endParaRPr lang="zh-CN" altLang="en-US"/>
           </a:p>
@@ -461,7 +461,7 @@
           <a:p>
             <a:fld id="{F3BA182F-79D5-4EF3-A581-738F691F52DF}" type="datetimeFigureOut">
               <a:rPr lang="zh-CN" altLang="en-US" smtClean="0"/>
-              <a:t>2019/6/8</a:t>
+              <a:t>2019/6/24</a:t>
             </a:fld>
             <a:endParaRPr lang="zh-CN" altLang="en-US"/>
           </a:p>
@@ -669,7 +669,7 @@
           <a:p>
             <a:fld id="{F3BA182F-79D5-4EF3-A581-738F691F52DF}" type="datetimeFigureOut">
               <a:rPr lang="zh-CN" altLang="en-US" smtClean="0"/>
-              <a:t>2019/6/8</a:t>
+              <a:t>2019/6/24</a:t>
             </a:fld>
             <a:endParaRPr lang="zh-CN" altLang="en-US"/>
           </a:p>
@@ -867,7 +867,7 @@
           <a:p>
             <a:fld id="{F3BA182F-79D5-4EF3-A581-738F691F52DF}" type="datetimeFigureOut">
               <a:rPr lang="zh-CN" altLang="en-US" smtClean="0"/>
-              <a:t>2019/6/8</a:t>
+              <a:t>2019/6/24</a:t>
             </a:fld>
             <a:endParaRPr lang="zh-CN" altLang="en-US"/>
           </a:p>
@@ -1142,7 +1142,7 @@
           <a:p>
             <a:fld id="{F3BA182F-79D5-4EF3-A581-738F691F52DF}" type="datetimeFigureOut">
               <a:rPr lang="zh-CN" altLang="en-US" smtClean="0"/>
-              <a:t>2019/6/8</a:t>
+              <a:t>2019/6/24</a:t>
             </a:fld>
             <a:endParaRPr lang="zh-CN" altLang="en-US"/>
           </a:p>
@@ -1407,7 +1407,7 @@
           <a:p>
             <a:fld id="{F3BA182F-79D5-4EF3-A581-738F691F52DF}" type="datetimeFigureOut">
               <a:rPr lang="zh-CN" altLang="en-US" smtClean="0"/>
-              <a:t>2019/6/8</a:t>
+              <a:t>2019/6/24</a:t>
             </a:fld>
             <a:endParaRPr lang="zh-CN" altLang="en-US"/>
           </a:p>
@@ -1819,7 +1819,7 @@
           <a:p>
             <a:fld id="{F3BA182F-79D5-4EF3-A581-738F691F52DF}" type="datetimeFigureOut">
               <a:rPr lang="zh-CN" altLang="en-US" smtClean="0"/>
-              <a:t>2019/6/8</a:t>
+              <a:t>2019/6/24</a:t>
             </a:fld>
             <a:endParaRPr lang="zh-CN" altLang="en-US"/>
           </a:p>
@@ -1960,7 +1960,7 @@
           <a:p>
             <a:fld id="{F3BA182F-79D5-4EF3-A581-738F691F52DF}" type="datetimeFigureOut">
               <a:rPr lang="zh-CN" altLang="en-US" smtClean="0"/>
-              <a:t>2019/6/8</a:t>
+              <a:t>2019/6/24</a:t>
             </a:fld>
             <a:endParaRPr lang="zh-CN" altLang="en-US"/>
           </a:p>
@@ -2073,7 +2073,7 @@
           <a:p>
             <a:fld id="{F3BA182F-79D5-4EF3-A581-738F691F52DF}" type="datetimeFigureOut">
               <a:rPr lang="zh-CN" altLang="en-US" smtClean="0"/>
-              <a:t>2019/6/8</a:t>
+              <a:t>2019/6/24</a:t>
             </a:fld>
             <a:endParaRPr lang="zh-CN" altLang="en-US"/>
           </a:p>
@@ -2384,7 +2384,7 @@
           <a:p>
             <a:fld id="{F3BA182F-79D5-4EF3-A581-738F691F52DF}" type="datetimeFigureOut">
               <a:rPr lang="zh-CN" altLang="en-US" smtClean="0"/>
-              <a:t>2019/6/8</a:t>
+              <a:t>2019/6/24</a:t>
             </a:fld>
             <a:endParaRPr lang="zh-CN" altLang="en-US"/>
           </a:p>
@@ -2672,7 +2672,7 @@
           <a:p>
             <a:fld id="{F3BA182F-79D5-4EF3-A581-738F691F52DF}" type="datetimeFigureOut">
               <a:rPr lang="zh-CN" altLang="en-US" smtClean="0"/>
-              <a:t>2019/6/8</a:t>
+              <a:t>2019/6/24</a:t>
             </a:fld>
             <a:endParaRPr lang="zh-CN" altLang="en-US"/>
           </a:p>
@@ -2913,7 +2913,7 @@
           <a:p>
             <a:fld id="{F3BA182F-79D5-4EF3-A581-738F691F52DF}" type="datetimeFigureOut">
               <a:rPr lang="zh-CN" altLang="en-US" smtClean="0"/>
-              <a:t>2019/6/8</a:t>
+              <a:t>2019/6/24</a:t>
             </a:fld>
             <a:endParaRPr lang="zh-CN" altLang="en-US"/>
           </a:p>
@@ -9015,48 +9015,12 @@
           </p:cxnSp>
         </p:grpSp>
       </p:grpSp>
-      <p:pic>
-        <p:nvPicPr>
-          <p:cNvPr id="3" name="图片 2" descr="图片包含 文字, 天空, 人员&#10;&#10;描述已自动生成">
+      <p:sp>
+        <p:nvSpPr>
+          <p:cNvPr id="13" name="矩形: 圆角 12">
             <a:extLst>
               <a:ext uri="{FF2B5EF4-FFF2-40B4-BE49-F238E27FC236}">
-                <a16:creationId xmlns:a16="http://schemas.microsoft.com/office/drawing/2014/main" id="{67976770-77D1-46FF-97CC-982CACFD66A1}"/>
-              </a:ext>
-            </a:extLst>
-          </p:cNvPr>
-          <p:cNvPicPr>
-            <a:picLocks noChangeAspect="1"/>
-          </p:cNvPicPr>
-          <p:nvPr/>
-        </p:nvPicPr>
-        <p:blipFill>
-          <a:blip r:embed="rId2">
-            <a:extLst>
-              <a:ext uri="{28A0092B-C50C-407E-A947-70E740481C1C}">
-                <a14:useLocalDpi xmlns:a14="http://schemas.microsoft.com/office/drawing/2010/main" val="0"/>
-              </a:ext>
-            </a:extLst>
-          </a:blip>
-          <a:stretch>
-            <a:fillRect/>
-          </a:stretch>
-        </p:blipFill>
-        <p:spPr>
-          <a:xfrm>
-            <a:off x="4229100" y="2019300"/>
-            <a:ext cx="3733800" cy="2819400"/>
-          </a:xfrm>
-          <a:prstGeom prst="rect">
-            <a:avLst/>
-          </a:prstGeom>
-        </p:spPr>
-      </p:pic>
-      <p:sp>
-        <p:nvSpPr>
-          <p:cNvPr id="4" name="矩形 3">
-            <a:extLst>
-              <a:ext uri="{FF2B5EF4-FFF2-40B4-BE49-F238E27FC236}">
-                <a16:creationId xmlns:a16="http://schemas.microsoft.com/office/drawing/2014/main" id="{B3482C45-2582-4095-A195-E91DF7961FB8}"/>
+                <a16:creationId xmlns:a16="http://schemas.microsoft.com/office/drawing/2014/main" id="{723AD7F3-70FD-416D-B4B7-89DEB39F73AC}"/>
               </a:ext>
             </a:extLst>
           </p:cNvPr>
@@ -9065,24 +9029,22 @@
         </p:nvSpPr>
         <p:spPr>
           <a:xfrm>
-            <a:off x="4347713" y="3640346"/>
-            <a:ext cx="3519578" cy="854015"/>
+            <a:off x="1628258" y="1756399"/>
+            <a:ext cx="2029341" cy="234000"/>
           </a:xfrm>
-          <a:prstGeom prst="rect">
-            <a:avLst/>
+          <a:prstGeom prst="roundRect">
+            <a:avLst>
+              <a:gd name="adj" fmla="val 50000"/>
+            </a:avLst>
           </a:prstGeom>
           <a:solidFill>
-            <a:srgbClr val="E6231E"/>
+            <a:srgbClr val="C0F9F5">
+              <a:alpha val="40000"/>
+            </a:srgbClr>
           </a:solidFill>
-          <a:ln>
+          <a:ln w="19050">
             <a:noFill/>
           </a:ln>
-          <a:scene3d>
-            <a:camera prst="perspectiveRight">
-              <a:rot lat="21240000" lon="20099998" rev="0"/>
-            </a:camera>
-            <a:lightRig rig="threePt" dir="t"/>
-          </a:scene3d>
         </p:spPr>
         <p:style>
           <a:lnRef idx="2">
@@ -9105,36 +9067,61 @@
           <a:lstStyle/>
           <a:p>
             <a:pPr algn="ctr"/>
-            <a:r>
-              <a:rPr lang="zh-CN" altLang="en-US" sz="3200" b="1" dirty="0">
-                <a:solidFill>
-                  <a:srgbClr val="FFFF00"/>
-                </a:solidFill>
-                <a:latin typeface="微软雅黑" panose="020B0503020204020204" pitchFamily="34" charset="-122"/>
-                <a:ea typeface="微软雅黑" panose="020B0503020204020204" pitchFamily="34" charset="-122"/>
-              </a:rPr>
-              <a:t>严厉打击</a:t>
-            </a:r>
-            <a:r>
-              <a:rPr lang="en-US" altLang="zh-CN" sz="3200" b="1" dirty="0">
-                <a:solidFill>
-                  <a:srgbClr val="FFFF00"/>
-                </a:solidFill>
-                <a:latin typeface="微软雅黑" panose="020B0503020204020204" pitchFamily="34" charset="-122"/>
-                <a:ea typeface="微软雅黑" panose="020B0503020204020204" pitchFamily="34" charset="-122"/>
-              </a:rPr>
-              <a:t>YY</a:t>
-            </a:r>
-            <a:r>
-              <a:rPr lang="zh-CN" altLang="en-US" sz="3200" b="1" dirty="0">
-                <a:solidFill>
-                  <a:srgbClr val="FFFF00"/>
-                </a:solidFill>
-                <a:latin typeface="微软雅黑" panose="020B0503020204020204" pitchFamily="34" charset="-122"/>
-                <a:ea typeface="微软雅黑" panose="020B0503020204020204" pitchFamily="34" charset="-122"/>
-              </a:rPr>
-              <a:t>菌</a:t>
-            </a:r>
+            <a:endParaRPr lang="zh-CN" altLang="en-US"/>
+          </a:p>
+        </p:txBody>
+      </p:sp>
+      <p:sp>
+        <p:nvSpPr>
+          <p:cNvPr id="15" name="矩形: 圆角 14">
+            <a:extLst>
+              <a:ext uri="{FF2B5EF4-FFF2-40B4-BE49-F238E27FC236}">
+                <a16:creationId xmlns:a16="http://schemas.microsoft.com/office/drawing/2014/main" id="{36AF7EA4-0B84-4B08-97AE-71CAD8CF6D55}"/>
+              </a:ext>
+            </a:extLst>
+          </p:cNvPr>
+          <p:cNvSpPr/>
+          <p:nvPr/>
+        </p:nvSpPr>
+        <p:spPr>
+          <a:xfrm>
+            <a:off x="1628257" y="1990399"/>
+            <a:ext cx="2029341" cy="234000"/>
+          </a:xfrm>
+          <a:prstGeom prst="roundRect">
+            <a:avLst>
+              <a:gd name="adj" fmla="val 50000"/>
+            </a:avLst>
+          </a:prstGeom>
+          <a:solidFill>
+            <a:srgbClr val="9BEFE9"/>
+          </a:solidFill>
+          <a:ln w="19050">
+            <a:noFill/>
+          </a:ln>
+        </p:spPr>
+        <p:style>
+          <a:lnRef idx="2">
+            <a:schemeClr val="accent1">
+              <a:shade val="50000"/>
+            </a:schemeClr>
+          </a:lnRef>
+          <a:fillRef idx="1">
+            <a:schemeClr val="accent1"/>
+          </a:fillRef>
+          <a:effectRef idx="0">
+            <a:schemeClr val="accent1"/>
+          </a:effectRef>
+          <a:fontRef idx="minor">
+            <a:schemeClr val="lt1"/>
+          </a:fontRef>
+        </p:style>
+        <p:txBody>
+          <a:bodyPr rtlCol="0" anchor="ctr"/>
+          <a:lstStyle/>
+          <a:p>
+            <a:pPr algn="ctr"/>
+            <a:endParaRPr lang="zh-CN" altLang="en-US"/>
           </a:p>
         </p:txBody>
       </p:sp>

--- a/UI.pptx
+++ b/UI.pptx
@@ -263,7 +263,7 @@
           <a:p>
             <a:fld id="{F3BA182F-79D5-4EF3-A581-738F691F52DF}" type="datetimeFigureOut">
               <a:rPr lang="zh-CN" altLang="en-US" smtClean="0"/>
-              <a:t>2019/6/24</a:t>
+              <a:t>2019/7/2</a:t>
             </a:fld>
             <a:endParaRPr lang="zh-CN" altLang="en-US"/>
           </a:p>
@@ -461,7 +461,7 @@
           <a:p>
             <a:fld id="{F3BA182F-79D5-4EF3-A581-738F691F52DF}" type="datetimeFigureOut">
               <a:rPr lang="zh-CN" altLang="en-US" smtClean="0"/>
-              <a:t>2019/6/24</a:t>
+              <a:t>2019/7/2</a:t>
             </a:fld>
             <a:endParaRPr lang="zh-CN" altLang="en-US"/>
           </a:p>
@@ -669,7 +669,7 @@
           <a:p>
             <a:fld id="{F3BA182F-79D5-4EF3-A581-738F691F52DF}" type="datetimeFigureOut">
               <a:rPr lang="zh-CN" altLang="en-US" smtClean="0"/>
-              <a:t>2019/6/24</a:t>
+              <a:t>2019/7/2</a:t>
             </a:fld>
             <a:endParaRPr lang="zh-CN" altLang="en-US"/>
           </a:p>
@@ -867,7 +867,7 @@
           <a:p>
             <a:fld id="{F3BA182F-79D5-4EF3-A581-738F691F52DF}" type="datetimeFigureOut">
               <a:rPr lang="zh-CN" altLang="en-US" smtClean="0"/>
-              <a:t>2019/6/24</a:t>
+              <a:t>2019/7/2</a:t>
             </a:fld>
             <a:endParaRPr lang="zh-CN" altLang="en-US"/>
           </a:p>
@@ -1142,7 +1142,7 @@
           <a:p>
             <a:fld id="{F3BA182F-79D5-4EF3-A581-738F691F52DF}" type="datetimeFigureOut">
               <a:rPr lang="zh-CN" altLang="en-US" smtClean="0"/>
-              <a:t>2019/6/24</a:t>
+              <a:t>2019/7/2</a:t>
             </a:fld>
             <a:endParaRPr lang="zh-CN" altLang="en-US"/>
           </a:p>
@@ -1407,7 +1407,7 @@
           <a:p>
             <a:fld id="{F3BA182F-79D5-4EF3-A581-738F691F52DF}" type="datetimeFigureOut">
               <a:rPr lang="zh-CN" altLang="en-US" smtClean="0"/>
-              <a:t>2019/6/24</a:t>
+              <a:t>2019/7/2</a:t>
             </a:fld>
             <a:endParaRPr lang="zh-CN" altLang="en-US"/>
           </a:p>
@@ -1819,7 +1819,7 @@
           <a:p>
             <a:fld id="{F3BA182F-79D5-4EF3-A581-738F691F52DF}" type="datetimeFigureOut">
               <a:rPr lang="zh-CN" altLang="en-US" smtClean="0"/>
-              <a:t>2019/6/24</a:t>
+              <a:t>2019/7/2</a:t>
             </a:fld>
             <a:endParaRPr lang="zh-CN" altLang="en-US"/>
           </a:p>
@@ -1960,7 +1960,7 @@
           <a:p>
             <a:fld id="{F3BA182F-79D5-4EF3-A581-738F691F52DF}" type="datetimeFigureOut">
               <a:rPr lang="zh-CN" altLang="en-US" smtClean="0"/>
-              <a:t>2019/6/24</a:t>
+              <a:t>2019/7/2</a:t>
             </a:fld>
             <a:endParaRPr lang="zh-CN" altLang="en-US"/>
           </a:p>
@@ -2073,7 +2073,7 @@
           <a:p>
             <a:fld id="{F3BA182F-79D5-4EF3-A581-738F691F52DF}" type="datetimeFigureOut">
               <a:rPr lang="zh-CN" altLang="en-US" smtClean="0"/>
-              <a:t>2019/6/24</a:t>
+              <a:t>2019/7/2</a:t>
             </a:fld>
             <a:endParaRPr lang="zh-CN" altLang="en-US"/>
           </a:p>
@@ -2384,7 +2384,7 @@
           <a:p>
             <a:fld id="{F3BA182F-79D5-4EF3-A581-738F691F52DF}" type="datetimeFigureOut">
               <a:rPr lang="zh-CN" altLang="en-US" smtClean="0"/>
-              <a:t>2019/6/24</a:t>
+              <a:t>2019/7/2</a:t>
             </a:fld>
             <a:endParaRPr lang="zh-CN" altLang="en-US"/>
           </a:p>
@@ -2672,7 +2672,7 @@
           <a:p>
             <a:fld id="{F3BA182F-79D5-4EF3-A581-738F691F52DF}" type="datetimeFigureOut">
               <a:rPr lang="zh-CN" altLang="en-US" smtClean="0"/>
-              <a:t>2019/6/24</a:t>
+              <a:t>2019/7/2</a:t>
             </a:fld>
             <a:endParaRPr lang="zh-CN" altLang="en-US"/>
           </a:p>
@@ -2913,7 +2913,7 @@
           <a:p>
             <a:fld id="{F3BA182F-79D5-4EF3-A581-738F691F52DF}" type="datetimeFigureOut">
               <a:rPr lang="zh-CN" altLang="en-US" smtClean="0"/>
-              <a:t>2019/6/24</a:t>
+              <a:t>2019/7/2</a:t>
             </a:fld>
             <a:endParaRPr lang="zh-CN" altLang="en-US"/>
           </a:p>
@@ -4615,442 +4615,6 @@
               <a:solidFill>
                 <a:srgbClr val="B8ACAD"/>
               </a:solidFill>
-              <a:ln w="76200">
-                <a:noFill/>
-              </a:ln>
-            </p:spPr>
-            <p:style>
-              <a:lnRef idx="2">
-                <a:schemeClr val="accent1">
-                  <a:shade val="50000"/>
-                </a:schemeClr>
-              </a:lnRef>
-              <a:fillRef idx="1">
-                <a:schemeClr val="accent1"/>
-              </a:fillRef>
-              <a:effectRef idx="0">
-                <a:schemeClr val="accent1"/>
-              </a:effectRef>
-              <a:fontRef idx="minor">
-                <a:schemeClr val="lt1"/>
-              </a:fontRef>
-            </p:style>
-            <p:txBody>
-              <a:bodyPr rtlCol="0" anchor="ctr"/>
-              <a:lstStyle/>
-              <a:p>
-                <a:pPr algn="ctr"/>
-                <a:endParaRPr lang="zh-CN" altLang="en-US"/>
-              </a:p>
-            </p:txBody>
-          </p:sp>
-        </p:grpSp>
-      </p:grpSp>
-      <p:grpSp>
-        <p:nvGrpSpPr>
-          <p:cNvPr id="20" name="组合 19">
-            <a:extLst>
-              <a:ext uri="{FF2B5EF4-FFF2-40B4-BE49-F238E27FC236}">
-                <a16:creationId xmlns:a16="http://schemas.microsoft.com/office/drawing/2014/main" id="{D67D4BD1-5965-4BB2-AE8A-8AC9FE0FC643}"/>
-              </a:ext>
-            </a:extLst>
-          </p:cNvPr>
-          <p:cNvGrpSpPr/>
-          <p:nvPr/>
-        </p:nvGrpSpPr>
-        <p:grpSpPr>
-          <a:xfrm>
-            <a:off x="1520328" y="2266756"/>
-            <a:ext cx="652576" cy="652576"/>
-            <a:chOff x="1520328" y="3173453"/>
-            <a:chExt cx="1404000" cy="1404000"/>
-          </a:xfrm>
-        </p:grpSpPr>
-        <p:sp>
-          <p:nvSpPr>
-            <p:cNvPr id="74" name="矩形 73">
-              <a:extLst>
-                <a:ext uri="{FF2B5EF4-FFF2-40B4-BE49-F238E27FC236}">
-                  <a16:creationId xmlns:a16="http://schemas.microsoft.com/office/drawing/2014/main" id="{31ECF372-9785-4382-BC2F-FEE919499444}"/>
-                </a:ext>
-              </a:extLst>
-            </p:cNvPr>
-            <p:cNvSpPr/>
-            <p:nvPr/>
-          </p:nvSpPr>
-          <p:spPr>
-            <a:xfrm>
-              <a:off x="1520328" y="3173453"/>
-              <a:ext cx="1404000" cy="1404000"/>
-            </a:xfrm>
-            <a:prstGeom prst="rect">
-              <a:avLst/>
-            </a:prstGeom>
-            <a:solidFill>
-              <a:schemeClr val="bg1"/>
-            </a:solidFill>
-            <a:ln>
-              <a:noFill/>
-            </a:ln>
-          </p:spPr>
-          <p:style>
-            <a:lnRef idx="2">
-              <a:schemeClr val="accent1">
-                <a:shade val="50000"/>
-              </a:schemeClr>
-            </a:lnRef>
-            <a:fillRef idx="1">
-              <a:schemeClr val="accent1"/>
-            </a:fillRef>
-            <a:effectRef idx="0">
-              <a:schemeClr val="accent1"/>
-            </a:effectRef>
-            <a:fontRef idx="minor">
-              <a:schemeClr val="lt1"/>
-            </a:fontRef>
-          </p:style>
-          <p:txBody>
-            <a:bodyPr rtlCol="0" anchor="ctr"/>
-            <a:lstStyle/>
-            <a:p>
-              <a:pPr algn="ctr"/>
-              <a:endParaRPr lang="zh-CN" altLang="en-US"/>
-            </a:p>
-          </p:txBody>
-        </p:sp>
-        <p:grpSp>
-          <p:nvGrpSpPr>
-            <p:cNvPr id="19" name="组合 18">
-              <a:extLst>
-                <a:ext uri="{FF2B5EF4-FFF2-40B4-BE49-F238E27FC236}">
-                  <a16:creationId xmlns:a16="http://schemas.microsoft.com/office/drawing/2014/main" id="{9E8B130A-47E0-4BEE-9ECD-CC04467C4BAA}"/>
-                </a:ext>
-              </a:extLst>
-            </p:cNvPr>
-            <p:cNvGrpSpPr/>
-            <p:nvPr/>
-          </p:nvGrpSpPr>
-          <p:grpSpPr>
-            <a:xfrm>
-              <a:off x="1747526" y="3534942"/>
-              <a:ext cx="949604" cy="638759"/>
-              <a:chOff x="1747525" y="3429000"/>
-              <a:chExt cx="949604" cy="638759"/>
-            </a:xfrm>
-          </p:grpSpPr>
-          <p:sp>
-            <p:nvSpPr>
-              <p:cNvPr id="75" name="矩形: 圆角 74">
-                <a:extLst>
-                  <a:ext uri="{FF2B5EF4-FFF2-40B4-BE49-F238E27FC236}">
-                    <a16:creationId xmlns:a16="http://schemas.microsoft.com/office/drawing/2014/main" id="{76B7D22F-66F3-41A1-8854-5777892E978E}"/>
-                  </a:ext>
-                </a:extLst>
-              </p:cNvPr>
-              <p:cNvSpPr/>
-              <p:nvPr/>
-            </p:nvSpPr>
-            <p:spPr>
-              <a:xfrm>
-                <a:off x="1747526" y="3429000"/>
-                <a:ext cx="949603" cy="127665"/>
-              </a:xfrm>
-              <a:prstGeom prst="roundRect">
-                <a:avLst>
-                  <a:gd name="adj" fmla="val 50000"/>
-                </a:avLst>
-              </a:prstGeom>
-              <a:solidFill>
-                <a:srgbClr val="D6CED1"/>
-              </a:solidFill>
-              <a:ln w="76200">
-                <a:noFill/>
-              </a:ln>
-            </p:spPr>
-            <p:style>
-              <a:lnRef idx="2">
-                <a:schemeClr val="accent1">
-                  <a:shade val="50000"/>
-                </a:schemeClr>
-              </a:lnRef>
-              <a:fillRef idx="1">
-                <a:schemeClr val="accent1"/>
-              </a:fillRef>
-              <a:effectRef idx="0">
-                <a:schemeClr val="accent1"/>
-              </a:effectRef>
-              <a:fontRef idx="minor">
-                <a:schemeClr val="lt1"/>
-              </a:fontRef>
-            </p:style>
-            <p:txBody>
-              <a:bodyPr rtlCol="0" anchor="ctr"/>
-              <a:lstStyle/>
-              <a:p>
-                <a:pPr algn="ctr"/>
-                <a:endParaRPr lang="zh-CN" altLang="en-US"/>
-              </a:p>
-            </p:txBody>
-          </p:sp>
-          <p:sp>
-            <p:nvSpPr>
-              <p:cNvPr id="76" name="矩形: 圆角 75">
-                <a:extLst>
-                  <a:ext uri="{FF2B5EF4-FFF2-40B4-BE49-F238E27FC236}">
-                    <a16:creationId xmlns:a16="http://schemas.microsoft.com/office/drawing/2014/main" id="{BC4AF2EC-D208-4A13-B1A3-9D98D69FA200}"/>
-                  </a:ext>
-                </a:extLst>
-              </p:cNvPr>
-              <p:cNvSpPr/>
-              <p:nvPr/>
-            </p:nvSpPr>
-            <p:spPr>
-              <a:xfrm>
-                <a:off x="1747526" y="3684547"/>
-                <a:ext cx="949603" cy="127665"/>
-              </a:xfrm>
-              <a:prstGeom prst="roundRect">
-                <a:avLst>
-                  <a:gd name="adj" fmla="val 50000"/>
-                </a:avLst>
-              </a:prstGeom>
-              <a:solidFill>
-                <a:srgbClr val="D6CED1"/>
-              </a:solidFill>
-              <a:ln w="76200">
-                <a:noFill/>
-              </a:ln>
-            </p:spPr>
-            <p:style>
-              <a:lnRef idx="2">
-                <a:schemeClr val="accent1">
-                  <a:shade val="50000"/>
-                </a:schemeClr>
-              </a:lnRef>
-              <a:fillRef idx="1">
-                <a:schemeClr val="accent1"/>
-              </a:fillRef>
-              <a:effectRef idx="0">
-                <a:schemeClr val="accent1"/>
-              </a:effectRef>
-              <a:fontRef idx="minor">
-                <a:schemeClr val="lt1"/>
-              </a:fontRef>
-            </p:style>
-            <p:txBody>
-              <a:bodyPr rtlCol="0" anchor="ctr"/>
-              <a:lstStyle/>
-              <a:p>
-                <a:pPr algn="ctr"/>
-                <a:endParaRPr lang="zh-CN" altLang="en-US"/>
-              </a:p>
-            </p:txBody>
-          </p:sp>
-          <p:sp>
-            <p:nvSpPr>
-              <p:cNvPr id="77" name="矩形: 圆角 76">
-                <a:extLst>
-                  <a:ext uri="{FF2B5EF4-FFF2-40B4-BE49-F238E27FC236}">
-                    <a16:creationId xmlns:a16="http://schemas.microsoft.com/office/drawing/2014/main" id="{9F146B93-0550-4D7D-8740-6D8DB3FAADF2}"/>
-                  </a:ext>
-                </a:extLst>
-              </p:cNvPr>
-              <p:cNvSpPr/>
-              <p:nvPr/>
-            </p:nvSpPr>
-            <p:spPr>
-              <a:xfrm>
-                <a:off x="1747525" y="3940094"/>
-                <a:ext cx="949603" cy="127665"/>
-              </a:xfrm>
-              <a:prstGeom prst="roundRect">
-                <a:avLst>
-                  <a:gd name="adj" fmla="val 50000"/>
-                </a:avLst>
-              </a:prstGeom>
-              <a:solidFill>
-                <a:srgbClr val="D6CED1"/>
-              </a:solidFill>
-              <a:ln w="76200">
-                <a:noFill/>
-              </a:ln>
-            </p:spPr>
-            <p:style>
-              <a:lnRef idx="2">
-                <a:schemeClr val="accent1">
-                  <a:shade val="50000"/>
-                </a:schemeClr>
-              </a:lnRef>
-              <a:fillRef idx="1">
-                <a:schemeClr val="accent1"/>
-              </a:fillRef>
-              <a:effectRef idx="0">
-                <a:schemeClr val="accent1"/>
-              </a:effectRef>
-              <a:fontRef idx="minor">
-                <a:schemeClr val="lt1"/>
-              </a:fontRef>
-            </p:style>
-            <p:txBody>
-              <a:bodyPr rtlCol="0" anchor="ctr"/>
-              <a:lstStyle/>
-              <a:p>
-                <a:pPr algn="ctr"/>
-                <a:endParaRPr lang="zh-CN" altLang="en-US"/>
-              </a:p>
-            </p:txBody>
-          </p:sp>
-        </p:grpSp>
-        <p:grpSp>
-          <p:nvGrpSpPr>
-            <p:cNvPr id="78" name="组合 77">
-              <a:extLst>
-                <a:ext uri="{FF2B5EF4-FFF2-40B4-BE49-F238E27FC236}">
-                  <a16:creationId xmlns:a16="http://schemas.microsoft.com/office/drawing/2014/main" id="{AC50D995-51C1-47AF-8424-78C47D59A4DB}"/>
-                </a:ext>
-              </a:extLst>
-            </p:cNvPr>
-            <p:cNvGrpSpPr/>
-            <p:nvPr/>
-          </p:nvGrpSpPr>
-          <p:grpSpPr>
-            <a:xfrm>
-              <a:off x="1747526" y="3534942"/>
-              <a:ext cx="195821" cy="638759"/>
-              <a:chOff x="1747525" y="3429000"/>
-              <a:chExt cx="949604" cy="638759"/>
-            </a:xfrm>
-            <a:solidFill>
-              <a:srgbClr val="B8ACAD"/>
-            </a:solidFill>
-          </p:grpSpPr>
-          <p:sp>
-            <p:nvSpPr>
-              <p:cNvPr id="79" name="矩形: 圆角 78">
-                <a:extLst>
-                  <a:ext uri="{FF2B5EF4-FFF2-40B4-BE49-F238E27FC236}">
-                    <a16:creationId xmlns:a16="http://schemas.microsoft.com/office/drawing/2014/main" id="{8CB0945B-DACD-45D8-A225-8B3354E89763}"/>
-                  </a:ext>
-                </a:extLst>
-              </p:cNvPr>
-              <p:cNvSpPr/>
-              <p:nvPr/>
-            </p:nvSpPr>
-            <p:spPr>
-              <a:xfrm>
-                <a:off x="1747526" y="3429000"/>
-                <a:ext cx="949603" cy="127665"/>
-              </a:xfrm>
-              <a:prstGeom prst="roundRect">
-                <a:avLst>
-                  <a:gd name="adj" fmla="val 50000"/>
-                </a:avLst>
-              </a:prstGeom>
-              <a:grpFill/>
-              <a:ln w="76200">
-                <a:noFill/>
-              </a:ln>
-            </p:spPr>
-            <p:style>
-              <a:lnRef idx="2">
-                <a:schemeClr val="accent1">
-                  <a:shade val="50000"/>
-                </a:schemeClr>
-              </a:lnRef>
-              <a:fillRef idx="1">
-                <a:schemeClr val="accent1"/>
-              </a:fillRef>
-              <a:effectRef idx="0">
-                <a:schemeClr val="accent1"/>
-              </a:effectRef>
-              <a:fontRef idx="minor">
-                <a:schemeClr val="lt1"/>
-              </a:fontRef>
-            </p:style>
-            <p:txBody>
-              <a:bodyPr rtlCol="0" anchor="ctr"/>
-              <a:lstStyle/>
-              <a:p>
-                <a:pPr algn="ctr"/>
-                <a:endParaRPr lang="zh-CN" altLang="en-US"/>
-              </a:p>
-            </p:txBody>
-          </p:sp>
-          <p:sp>
-            <p:nvSpPr>
-              <p:cNvPr id="80" name="矩形: 圆角 79">
-                <a:extLst>
-                  <a:ext uri="{FF2B5EF4-FFF2-40B4-BE49-F238E27FC236}">
-                    <a16:creationId xmlns:a16="http://schemas.microsoft.com/office/drawing/2014/main" id="{667CD4FC-B7EF-4421-97F5-223DF4822E13}"/>
-                  </a:ext>
-                </a:extLst>
-              </p:cNvPr>
-              <p:cNvSpPr/>
-              <p:nvPr/>
-            </p:nvSpPr>
-            <p:spPr>
-              <a:xfrm>
-                <a:off x="1747526" y="3684547"/>
-                <a:ext cx="949603" cy="127665"/>
-              </a:xfrm>
-              <a:prstGeom prst="roundRect">
-                <a:avLst>
-                  <a:gd name="adj" fmla="val 50000"/>
-                </a:avLst>
-              </a:prstGeom>
-              <a:grpFill/>
-              <a:ln w="76200">
-                <a:noFill/>
-              </a:ln>
-            </p:spPr>
-            <p:style>
-              <a:lnRef idx="2">
-                <a:schemeClr val="accent1">
-                  <a:shade val="50000"/>
-                </a:schemeClr>
-              </a:lnRef>
-              <a:fillRef idx="1">
-                <a:schemeClr val="accent1"/>
-              </a:fillRef>
-              <a:effectRef idx="0">
-                <a:schemeClr val="accent1"/>
-              </a:effectRef>
-              <a:fontRef idx="minor">
-                <a:schemeClr val="lt1"/>
-              </a:fontRef>
-            </p:style>
-            <p:txBody>
-              <a:bodyPr rtlCol="0" anchor="ctr"/>
-              <a:lstStyle/>
-              <a:p>
-                <a:pPr algn="ctr"/>
-                <a:endParaRPr lang="zh-CN" altLang="en-US"/>
-              </a:p>
-            </p:txBody>
-          </p:sp>
-          <p:sp>
-            <p:nvSpPr>
-              <p:cNvPr id="81" name="矩形: 圆角 80">
-                <a:extLst>
-                  <a:ext uri="{FF2B5EF4-FFF2-40B4-BE49-F238E27FC236}">
-                    <a16:creationId xmlns:a16="http://schemas.microsoft.com/office/drawing/2014/main" id="{1EEAEF92-FC54-42CD-AD59-FD681923D9A8}"/>
-                  </a:ext>
-                </a:extLst>
-              </p:cNvPr>
-              <p:cNvSpPr/>
-              <p:nvPr/>
-            </p:nvSpPr>
-            <p:spPr>
-              <a:xfrm>
-                <a:off x="1747525" y="3940094"/>
-                <a:ext cx="949603" cy="127665"/>
-              </a:xfrm>
-              <a:prstGeom prst="roundRect">
-                <a:avLst>
-                  <a:gd name="adj" fmla="val 50000"/>
-                </a:avLst>
-              </a:prstGeom>
-              <a:grpFill/>
               <a:ln w="76200">
                 <a:noFill/>
               </a:ln>
@@ -6809,6 +6373,366 @@
           </p:txBody>
         </p:sp>
       </p:grpSp>
+      <p:grpSp>
+        <p:nvGrpSpPr>
+          <p:cNvPr id="6" name="组合 5">
+            <a:extLst>
+              <a:ext uri="{FF2B5EF4-FFF2-40B4-BE49-F238E27FC236}">
+                <a16:creationId xmlns:a16="http://schemas.microsoft.com/office/drawing/2014/main" id="{E7714EB0-E616-4A9C-B2D5-6A0E1A113985}"/>
+              </a:ext>
+            </a:extLst>
+          </p:cNvPr>
+          <p:cNvGrpSpPr/>
+          <p:nvPr/>
+        </p:nvGrpSpPr>
+        <p:grpSpPr>
+          <a:xfrm>
+            <a:off x="1520328" y="2266756"/>
+            <a:ext cx="652576" cy="652576"/>
+            <a:chOff x="1520328" y="2266756"/>
+            <a:chExt cx="652576" cy="652576"/>
+          </a:xfrm>
+        </p:grpSpPr>
+        <p:sp>
+          <p:nvSpPr>
+            <p:cNvPr id="74" name="矩形 73">
+              <a:extLst>
+                <a:ext uri="{FF2B5EF4-FFF2-40B4-BE49-F238E27FC236}">
+                  <a16:creationId xmlns:a16="http://schemas.microsoft.com/office/drawing/2014/main" id="{31ECF372-9785-4382-BC2F-FEE919499444}"/>
+                </a:ext>
+              </a:extLst>
+            </p:cNvPr>
+            <p:cNvSpPr/>
+            <p:nvPr/>
+          </p:nvSpPr>
+          <p:spPr>
+            <a:xfrm>
+              <a:off x="1520328" y="2266756"/>
+              <a:ext cx="652576" cy="652576"/>
+            </a:xfrm>
+            <a:prstGeom prst="rect">
+              <a:avLst/>
+            </a:prstGeom>
+            <a:solidFill>
+              <a:schemeClr val="bg1"/>
+            </a:solidFill>
+            <a:ln>
+              <a:noFill/>
+            </a:ln>
+          </p:spPr>
+          <p:style>
+            <a:lnRef idx="2">
+              <a:schemeClr val="accent1">
+                <a:shade val="50000"/>
+              </a:schemeClr>
+            </a:lnRef>
+            <a:fillRef idx="1">
+              <a:schemeClr val="accent1"/>
+            </a:fillRef>
+            <a:effectRef idx="0">
+              <a:schemeClr val="accent1"/>
+            </a:effectRef>
+            <a:fontRef idx="minor">
+              <a:schemeClr val="lt1"/>
+            </a:fontRef>
+          </p:style>
+          <p:txBody>
+            <a:bodyPr rtlCol="0" anchor="ctr"/>
+            <a:lstStyle/>
+            <a:p>
+              <a:pPr algn="ctr"/>
+              <a:endParaRPr lang="zh-CN" altLang="en-US"/>
+            </a:p>
+          </p:txBody>
+        </p:sp>
+        <p:grpSp>
+          <p:nvGrpSpPr>
+            <p:cNvPr id="5" name="组合 4">
+              <a:extLst>
+                <a:ext uri="{FF2B5EF4-FFF2-40B4-BE49-F238E27FC236}">
+                  <a16:creationId xmlns:a16="http://schemas.microsoft.com/office/drawing/2014/main" id="{4256FF5E-02D2-4B43-A984-FDEBD1050417}"/>
+                </a:ext>
+              </a:extLst>
+            </p:cNvPr>
+            <p:cNvGrpSpPr/>
+            <p:nvPr/>
+          </p:nvGrpSpPr>
+          <p:grpSpPr>
+            <a:xfrm>
+              <a:off x="1654190" y="2422220"/>
+              <a:ext cx="384853" cy="341649"/>
+              <a:chOff x="1874876" y="3087351"/>
+              <a:chExt cx="384853" cy="341649"/>
+            </a:xfrm>
+          </p:grpSpPr>
+          <p:sp>
+            <p:nvSpPr>
+              <p:cNvPr id="66" name="矩形: 圆角 65">
+                <a:extLst>
+                  <a:ext uri="{FF2B5EF4-FFF2-40B4-BE49-F238E27FC236}">
+                    <a16:creationId xmlns:a16="http://schemas.microsoft.com/office/drawing/2014/main" id="{A4B78088-C1A3-40E5-BCAB-0B094F6BC677}"/>
+                  </a:ext>
+                </a:extLst>
+              </p:cNvPr>
+              <p:cNvSpPr/>
+              <p:nvPr/>
+            </p:nvSpPr>
+            <p:spPr>
+              <a:xfrm>
+                <a:off x="1874876" y="3087351"/>
+                <a:ext cx="384853" cy="341649"/>
+              </a:xfrm>
+              <a:prstGeom prst="roundRect">
+                <a:avLst>
+                  <a:gd name="adj" fmla="val 15121"/>
+                </a:avLst>
+              </a:prstGeom>
+              <a:solidFill>
+                <a:srgbClr val="D6CED1"/>
+              </a:solidFill>
+              <a:ln w="28575">
+                <a:solidFill>
+                  <a:srgbClr val="D6CED1"/>
+                </a:solidFill>
+              </a:ln>
+            </p:spPr>
+            <p:style>
+              <a:lnRef idx="2">
+                <a:schemeClr val="accent1">
+                  <a:shade val="50000"/>
+                </a:schemeClr>
+              </a:lnRef>
+              <a:fillRef idx="1">
+                <a:schemeClr val="accent1"/>
+              </a:fillRef>
+              <a:effectRef idx="0">
+                <a:schemeClr val="accent1"/>
+              </a:effectRef>
+              <a:fontRef idx="minor">
+                <a:schemeClr val="lt1"/>
+              </a:fontRef>
+            </p:style>
+            <p:txBody>
+              <a:bodyPr rtlCol="0" anchor="ctr"/>
+              <a:lstStyle/>
+              <a:p>
+                <a:pPr algn="ctr"/>
+                <a:endParaRPr lang="zh-CN" altLang="en-US"/>
+              </a:p>
+            </p:txBody>
+          </p:sp>
+          <p:sp>
+            <p:nvSpPr>
+              <p:cNvPr id="67" name="矩形 66">
+                <a:extLst>
+                  <a:ext uri="{FF2B5EF4-FFF2-40B4-BE49-F238E27FC236}">
+                    <a16:creationId xmlns:a16="http://schemas.microsoft.com/office/drawing/2014/main" id="{45732F6F-3FDA-43D0-97BD-22368C364227}"/>
+                  </a:ext>
+                </a:extLst>
+              </p:cNvPr>
+              <p:cNvSpPr/>
+              <p:nvPr/>
+            </p:nvSpPr>
+            <p:spPr>
+              <a:xfrm>
+                <a:off x="1874876" y="3087351"/>
+                <a:ext cx="384853" cy="72469"/>
+              </a:xfrm>
+              <a:prstGeom prst="rect">
+                <a:avLst/>
+              </a:prstGeom>
+              <a:solidFill>
+                <a:srgbClr val="B8ACAD"/>
+              </a:solidFill>
+              <a:ln w="28575">
+                <a:solidFill>
+                  <a:srgbClr val="B8ACAD"/>
+                </a:solidFill>
+              </a:ln>
+            </p:spPr>
+            <p:style>
+              <a:lnRef idx="2">
+                <a:schemeClr val="accent1">
+                  <a:shade val="50000"/>
+                </a:schemeClr>
+              </a:lnRef>
+              <a:fillRef idx="1">
+                <a:schemeClr val="accent1"/>
+              </a:fillRef>
+              <a:effectRef idx="0">
+                <a:schemeClr val="accent1"/>
+              </a:effectRef>
+              <a:fontRef idx="minor">
+                <a:schemeClr val="lt1"/>
+              </a:fontRef>
+            </p:style>
+            <p:txBody>
+              <a:bodyPr rtlCol="0" anchor="ctr"/>
+              <a:lstStyle/>
+              <a:p>
+                <a:pPr algn="ctr"/>
+                <a:endParaRPr lang="zh-CN" altLang="en-US"/>
+              </a:p>
+            </p:txBody>
+          </p:sp>
+          <p:sp>
+            <p:nvSpPr>
+              <p:cNvPr id="68" name="矩形 67">
+                <a:extLst>
+                  <a:ext uri="{FF2B5EF4-FFF2-40B4-BE49-F238E27FC236}">
+                    <a16:creationId xmlns:a16="http://schemas.microsoft.com/office/drawing/2014/main" id="{24B386BE-B877-4E98-8733-DF8FF9001DD6}"/>
+                  </a:ext>
+                </a:extLst>
+              </p:cNvPr>
+              <p:cNvSpPr/>
+              <p:nvPr/>
+            </p:nvSpPr>
+            <p:spPr>
+              <a:xfrm>
+                <a:off x="1907388" y="3209271"/>
+                <a:ext cx="288000" cy="25200"/>
+              </a:xfrm>
+              <a:prstGeom prst="rect">
+                <a:avLst/>
+              </a:prstGeom>
+              <a:solidFill>
+                <a:srgbClr val="B8ACAD"/>
+              </a:solidFill>
+              <a:ln w="6350">
+                <a:noFill/>
+              </a:ln>
+            </p:spPr>
+            <p:style>
+              <a:lnRef idx="2">
+                <a:schemeClr val="accent1">
+                  <a:shade val="50000"/>
+                </a:schemeClr>
+              </a:lnRef>
+              <a:fillRef idx="1">
+                <a:schemeClr val="accent1"/>
+              </a:fillRef>
+              <a:effectRef idx="0">
+                <a:schemeClr val="accent1"/>
+              </a:effectRef>
+              <a:fontRef idx="minor">
+                <a:schemeClr val="lt1"/>
+              </a:fontRef>
+            </p:style>
+            <p:txBody>
+              <a:bodyPr rtlCol="0" anchor="ctr"/>
+              <a:lstStyle/>
+              <a:p>
+                <a:pPr algn="ctr"/>
+                <a:endParaRPr lang="zh-CN" altLang="en-US"/>
+              </a:p>
+            </p:txBody>
+          </p:sp>
+          <p:sp>
+            <p:nvSpPr>
+              <p:cNvPr id="87" name="矩形 86">
+                <a:extLst>
+                  <a:ext uri="{FF2B5EF4-FFF2-40B4-BE49-F238E27FC236}">
+                    <a16:creationId xmlns:a16="http://schemas.microsoft.com/office/drawing/2014/main" id="{1B94F33F-E6EC-4B0F-B989-FBA3D74403BA}"/>
+                  </a:ext>
+                </a:extLst>
+              </p:cNvPr>
+              <p:cNvSpPr/>
+              <p:nvPr/>
+            </p:nvSpPr>
+            <p:spPr>
+              <a:xfrm>
+                <a:off x="1907388" y="3256610"/>
+                <a:ext cx="216000" cy="25200"/>
+              </a:xfrm>
+              <a:prstGeom prst="rect">
+                <a:avLst/>
+              </a:prstGeom>
+              <a:solidFill>
+                <a:srgbClr val="B8ACAD"/>
+              </a:solidFill>
+              <a:ln w="6350">
+                <a:noFill/>
+              </a:ln>
+            </p:spPr>
+            <p:style>
+              <a:lnRef idx="2">
+                <a:schemeClr val="accent1">
+                  <a:shade val="50000"/>
+                </a:schemeClr>
+              </a:lnRef>
+              <a:fillRef idx="1">
+                <a:schemeClr val="accent1"/>
+              </a:fillRef>
+              <a:effectRef idx="0">
+                <a:schemeClr val="accent1"/>
+              </a:effectRef>
+              <a:fontRef idx="minor">
+                <a:schemeClr val="lt1"/>
+              </a:fontRef>
+            </p:style>
+            <p:txBody>
+              <a:bodyPr rtlCol="0" anchor="ctr"/>
+              <a:lstStyle/>
+              <a:p>
+                <a:pPr algn="ctr"/>
+                <a:endParaRPr lang="zh-CN" altLang="en-US"/>
+              </a:p>
+            </p:txBody>
+          </p:sp>
+          <p:sp>
+            <p:nvSpPr>
+              <p:cNvPr id="88" name="矩形 87">
+                <a:extLst>
+                  <a:ext uri="{FF2B5EF4-FFF2-40B4-BE49-F238E27FC236}">
+                    <a16:creationId xmlns:a16="http://schemas.microsoft.com/office/drawing/2014/main" id="{956B841C-3E11-413F-B828-8E7D4278FC03}"/>
+                  </a:ext>
+                </a:extLst>
+              </p:cNvPr>
+              <p:cNvSpPr/>
+              <p:nvPr/>
+            </p:nvSpPr>
+            <p:spPr>
+              <a:xfrm>
+                <a:off x="1907388" y="3302639"/>
+                <a:ext cx="144000" cy="25200"/>
+              </a:xfrm>
+              <a:prstGeom prst="rect">
+                <a:avLst/>
+              </a:prstGeom>
+              <a:solidFill>
+                <a:srgbClr val="B8ACAD"/>
+              </a:solidFill>
+              <a:ln w="6350">
+                <a:noFill/>
+              </a:ln>
+            </p:spPr>
+            <p:style>
+              <a:lnRef idx="2">
+                <a:schemeClr val="accent1">
+                  <a:shade val="50000"/>
+                </a:schemeClr>
+              </a:lnRef>
+              <a:fillRef idx="1">
+                <a:schemeClr val="accent1"/>
+              </a:fillRef>
+              <a:effectRef idx="0">
+                <a:schemeClr val="accent1"/>
+              </a:effectRef>
+              <a:fontRef idx="minor">
+                <a:schemeClr val="lt1"/>
+              </a:fontRef>
+            </p:style>
+            <p:txBody>
+              <a:bodyPr rtlCol="0" anchor="ctr"/>
+              <a:lstStyle/>
+              <a:p>
+                <a:pPr algn="ctr"/>
+                <a:endParaRPr lang="zh-CN" altLang="en-US"/>
+              </a:p>
+            </p:txBody>
+          </p:sp>
+        </p:grpSp>
+      </p:grpSp>
     </p:spTree>
     <p:extLst>
       <p:ext uri="{BB962C8B-B14F-4D97-AF65-F5344CB8AC3E}">

--- a/UI.pptx
+++ b/UI.pptx
@@ -8,8 +8,9 @@
     <p:sldId id="260" r:id="rId2"/>
     <p:sldId id="265" r:id="rId3"/>
     <p:sldId id="264" r:id="rId4"/>
-    <p:sldId id="262" r:id="rId5"/>
-    <p:sldId id="263" r:id="rId6"/>
+    <p:sldId id="266" r:id="rId5"/>
+    <p:sldId id="262" r:id="rId6"/>
+    <p:sldId id="263" r:id="rId7"/>
   </p:sldIdLst>
   <p:sldSz cx="12192000" cy="6858000"/>
   <p:notesSz cx="6858000" cy="9144000"/>
@@ -263,7 +264,7 @@
           <a:p>
             <a:fld id="{F3BA182F-79D5-4EF3-A581-738F691F52DF}" type="datetimeFigureOut">
               <a:rPr lang="zh-CN" altLang="en-US" smtClean="0"/>
-              <a:t>2019/7/2</a:t>
+              <a:t>2019/7/11</a:t>
             </a:fld>
             <a:endParaRPr lang="zh-CN" altLang="en-US"/>
           </a:p>
@@ -461,7 +462,7 @@
           <a:p>
             <a:fld id="{F3BA182F-79D5-4EF3-A581-738F691F52DF}" type="datetimeFigureOut">
               <a:rPr lang="zh-CN" altLang="en-US" smtClean="0"/>
-              <a:t>2019/7/2</a:t>
+              <a:t>2019/7/11</a:t>
             </a:fld>
             <a:endParaRPr lang="zh-CN" altLang="en-US"/>
           </a:p>
@@ -669,7 +670,7 @@
           <a:p>
             <a:fld id="{F3BA182F-79D5-4EF3-A581-738F691F52DF}" type="datetimeFigureOut">
               <a:rPr lang="zh-CN" altLang="en-US" smtClean="0"/>
-              <a:t>2019/7/2</a:t>
+              <a:t>2019/7/11</a:t>
             </a:fld>
             <a:endParaRPr lang="zh-CN" altLang="en-US"/>
           </a:p>
@@ -867,7 +868,7 @@
           <a:p>
             <a:fld id="{F3BA182F-79D5-4EF3-A581-738F691F52DF}" type="datetimeFigureOut">
               <a:rPr lang="zh-CN" altLang="en-US" smtClean="0"/>
-              <a:t>2019/7/2</a:t>
+              <a:t>2019/7/11</a:t>
             </a:fld>
             <a:endParaRPr lang="zh-CN" altLang="en-US"/>
           </a:p>
@@ -1142,7 +1143,7 @@
           <a:p>
             <a:fld id="{F3BA182F-79D5-4EF3-A581-738F691F52DF}" type="datetimeFigureOut">
               <a:rPr lang="zh-CN" altLang="en-US" smtClean="0"/>
-              <a:t>2019/7/2</a:t>
+              <a:t>2019/7/11</a:t>
             </a:fld>
             <a:endParaRPr lang="zh-CN" altLang="en-US"/>
           </a:p>
@@ -1407,7 +1408,7 @@
           <a:p>
             <a:fld id="{F3BA182F-79D5-4EF3-A581-738F691F52DF}" type="datetimeFigureOut">
               <a:rPr lang="zh-CN" altLang="en-US" smtClean="0"/>
-              <a:t>2019/7/2</a:t>
+              <a:t>2019/7/11</a:t>
             </a:fld>
             <a:endParaRPr lang="zh-CN" altLang="en-US"/>
           </a:p>
@@ -1819,7 +1820,7 @@
           <a:p>
             <a:fld id="{F3BA182F-79D5-4EF3-A581-738F691F52DF}" type="datetimeFigureOut">
               <a:rPr lang="zh-CN" altLang="en-US" smtClean="0"/>
-              <a:t>2019/7/2</a:t>
+              <a:t>2019/7/11</a:t>
             </a:fld>
             <a:endParaRPr lang="zh-CN" altLang="en-US"/>
           </a:p>
@@ -1960,7 +1961,7 @@
           <a:p>
             <a:fld id="{F3BA182F-79D5-4EF3-A581-738F691F52DF}" type="datetimeFigureOut">
               <a:rPr lang="zh-CN" altLang="en-US" smtClean="0"/>
-              <a:t>2019/7/2</a:t>
+              <a:t>2019/7/11</a:t>
             </a:fld>
             <a:endParaRPr lang="zh-CN" altLang="en-US"/>
           </a:p>
@@ -2073,7 +2074,7 @@
           <a:p>
             <a:fld id="{F3BA182F-79D5-4EF3-A581-738F691F52DF}" type="datetimeFigureOut">
               <a:rPr lang="zh-CN" altLang="en-US" smtClean="0"/>
-              <a:t>2019/7/2</a:t>
+              <a:t>2019/7/11</a:t>
             </a:fld>
             <a:endParaRPr lang="zh-CN" altLang="en-US"/>
           </a:p>
@@ -2384,7 +2385,7 @@
           <a:p>
             <a:fld id="{F3BA182F-79D5-4EF3-A581-738F691F52DF}" type="datetimeFigureOut">
               <a:rPr lang="zh-CN" altLang="en-US" smtClean="0"/>
-              <a:t>2019/7/2</a:t>
+              <a:t>2019/7/11</a:t>
             </a:fld>
             <a:endParaRPr lang="zh-CN" altLang="en-US"/>
           </a:p>
@@ -2672,7 +2673,7 @@
           <a:p>
             <a:fld id="{F3BA182F-79D5-4EF3-A581-738F691F52DF}" type="datetimeFigureOut">
               <a:rPr lang="zh-CN" altLang="en-US" smtClean="0"/>
-              <a:t>2019/7/2</a:t>
+              <a:t>2019/7/11</a:t>
             </a:fld>
             <a:endParaRPr lang="zh-CN" altLang="en-US"/>
           </a:p>
@@ -2913,7 +2914,7 @@
           <a:p>
             <a:fld id="{F3BA182F-79D5-4EF3-A581-738F691F52DF}" type="datetimeFigureOut">
               <a:rPr lang="zh-CN" altLang="en-US" smtClean="0"/>
-              <a:t>2019/7/2</a:t>
+              <a:t>2019/7/11</a:t>
             </a:fld>
             <a:endParaRPr lang="zh-CN" altLang="en-US"/>
           </a:p>
@@ -8591,6 +8592,344 @@
           <a:chExt cx="0" cy="0"/>
         </a:xfrm>
       </p:grpSpPr>
+      <p:grpSp>
+        <p:nvGrpSpPr>
+          <p:cNvPr id="29" name="组合 28">
+            <a:extLst>
+              <a:ext uri="{FF2B5EF4-FFF2-40B4-BE49-F238E27FC236}">
+                <a16:creationId xmlns:a16="http://schemas.microsoft.com/office/drawing/2014/main" id="{DB6CB542-737C-41D5-A375-428821C51FF8}"/>
+              </a:ext>
+            </a:extLst>
+          </p:cNvPr>
+          <p:cNvGrpSpPr/>
+          <p:nvPr/>
+        </p:nvGrpSpPr>
+        <p:grpSpPr>
+          <a:xfrm rot="20409588">
+            <a:off x="5831753" y="2605961"/>
+            <a:ext cx="720001" cy="720000"/>
+            <a:chOff x="7548956" y="646268"/>
+            <a:chExt cx="720001" cy="720000"/>
+          </a:xfrm>
+        </p:grpSpPr>
+        <p:sp>
+          <p:nvSpPr>
+            <p:cNvPr id="30" name="椭圆 29">
+              <a:extLst>
+                <a:ext uri="{FF2B5EF4-FFF2-40B4-BE49-F238E27FC236}">
+                  <a16:creationId xmlns:a16="http://schemas.microsoft.com/office/drawing/2014/main" id="{2AFED9A7-EC2D-4612-BD1D-5892FD02907F}"/>
+                </a:ext>
+              </a:extLst>
+            </p:cNvPr>
+            <p:cNvSpPr/>
+            <p:nvPr/>
+          </p:nvSpPr>
+          <p:spPr>
+            <a:xfrm>
+              <a:off x="7548956" y="646268"/>
+              <a:ext cx="720000" cy="720000"/>
+            </a:xfrm>
+            <a:prstGeom prst="ellipse">
+              <a:avLst/>
+            </a:prstGeom>
+            <a:solidFill>
+              <a:srgbClr val="909090"/>
+            </a:solidFill>
+            <a:ln>
+              <a:noFill/>
+            </a:ln>
+            <a:effectLst/>
+          </p:spPr>
+          <p:style>
+            <a:lnRef idx="2">
+              <a:schemeClr val="accent1">
+                <a:shade val="50000"/>
+              </a:schemeClr>
+            </a:lnRef>
+            <a:fillRef idx="1">
+              <a:schemeClr val="accent1"/>
+            </a:fillRef>
+            <a:effectRef idx="0">
+              <a:schemeClr val="accent1"/>
+            </a:effectRef>
+            <a:fontRef idx="minor">
+              <a:schemeClr val="lt1"/>
+            </a:fontRef>
+          </p:style>
+          <p:txBody>
+            <a:bodyPr rtlCol="0" anchor="ctr"/>
+            <a:lstStyle/>
+            <a:p>
+              <a:pPr algn="ctr"/>
+              <a:endParaRPr lang="zh-CN" altLang="en-US"/>
+            </a:p>
+          </p:txBody>
+        </p:sp>
+        <p:sp>
+          <p:nvSpPr>
+            <p:cNvPr id="31" name="任意多边形: 形状 30">
+              <a:extLst>
+                <a:ext uri="{FF2B5EF4-FFF2-40B4-BE49-F238E27FC236}">
+                  <a16:creationId xmlns:a16="http://schemas.microsoft.com/office/drawing/2014/main" id="{DC34A2FF-EA88-4427-8030-861A7D660B25}"/>
+                </a:ext>
+              </a:extLst>
+            </p:cNvPr>
+            <p:cNvSpPr/>
+            <p:nvPr/>
+          </p:nvSpPr>
+          <p:spPr>
+            <a:xfrm rot="10800000">
+              <a:off x="7901023" y="646268"/>
+              <a:ext cx="367933" cy="720000"/>
+            </a:xfrm>
+            <a:custGeom>
+              <a:avLst/>
+              <a:gdLst>
+                <a:gd name="connsiteX0" fmla="*/ 360000 w 367933"/>
+                <a:gd name="connsiteY0" fmla="*/ 0 h 720000"/>
+                <a:gd name="connsiteX1" fmla="*/ 367933 w 367933"/>
+                <a:gd name="connsiteY1" fmla="*/ 800 h 720000"/>
+                <a:gd name="connsiteX2" fmla="*/ 367933 w 367933"/>
+                <a:gd name="connsiteY2" fmla="*/ 719200 h 720000"/>
+                <a:gd name="connsiteX3" fmla="*/ 360000 w 367933"/>
+                <a:gd name="connsiteY3" fmla="*/ 720000 h 720000"/>
+                <a:gd name="connsiteX4" fmla="*/ 0 w 367933"/>
+                <a:gd name="connsiteY4" fmla="*/ 360000 h 720000"/>
+                <a:gd name="connsiteX5" fmla="*/ 360000 w 367933"/>
+                <a:gd name="connsiteY5" fmla="*/ 0 h 720000"/>
+              </a:gdLst>
+              <a:ahLst/>
+              <a:cxnLst>
+                <a:cxn ang="0">
+                  <a:pos x="connsiteX0" y="connsiteY0"/>
+                </a:cxn>
+                <a:cxn ang="0">
+                  <a:pos x="connsiteX1" y="connsiteY1"/>
+                </a:cxn>
+                <a:cxn ang="0">
+                  <a:pos x="connsiteX2" y="connsiteY2"/>
+                </a:cxn>
+                <a:cxn ang="0">
+                  <a:pos x="connsiteX3" y="connsiteY3"/>
+                </a:cxn>
+                <a:cxn ang="0">
+                  <a:pos x="connsiteX4" y="connsiteY4"/>
+                </a:cxn>
+                <a:cxn ang="0">
+                  <a:pos x="connsiteX5" y="connsiteY5"/>
+                </a:cxn>
+              </a:cxnLst>
+              <a:rect l="l" t="t" r="r" b="b"/>
+              <a:pathLst>
+                <a:path w="367933" h="720000">
+                  <a:moveTo>
+                    <a:pt x="360000" y="0"/>
+                  </a:moveTo>
+                  <a:lnTo>
+                    <a:pt x="367933" y="800"/>
+                  </a:lnTo>
+                  <a:lnTo>
+                    <a:pt x="367933" y="719200"/>
+                  </a:lnTo>
+                  <a:lnTo>
+                    <a:pt x="360000" y="720000"/>
+                  </a:lnTo>
+                  <a:cubicBezTo>
+                    <a:pt x="161177" y="720000"/>
+                    <a:pt x="0" y="558823"/>
+                    <a:pt x="0" y="360000"/>
+                  </a:cubicBezTo>
+                  <a:cubicBezTo>
+                    <a:pt x="0" y="161177"/>
+                    <a:pt x="161177" y="0"/>
+                    <a:pt x="360000" y="0"/>
+                  </a:cubicBezTo>
+                  <a:close/>
+                </a:path>
+              </a:pathLst>
+            </a:custGeom>
+            <a:gradFill flip="none" rotWithShape="1">
+              <a:gsLst>
+                <a:gs pos="100000">
+                  <a:schemeClr val="bg1">
+                    <a:alpha val="40000"/>
+                  </a:schemeClr>
+                </a:gs>
+                <a:gs pos="0">
+                  <a:schemeClr val="bg1">
+                    <a:alpha val="80000"/>
+                  </a:schemeClr>
+                </a:gs>
+              </a:gsLst>
+              <a:path path="circle">
+                <a:fillToRect r="100000" b="100000"/>
+              </a:path>
+              <a:tileRect l="-100000" t="-100000"/>
+            </a:gradFill>
+            <a:ln>
+              <a:noFill/>
+            </a:ln>
+          </p:spPr>
+          <p:style>
+            <a:lnRef idx="2">
+              <a:schemeClr val="accent1">
+                <a:shade val="50000"/>
+              </a:schemeClr>
+            </a:lnRef>
+            <a:fillRef idx="1">
+              <a:schemeClr val="accent1"/>
+            </a:fillRef>
+            <a:effectRef idx="0">
+              <a:schemeClr val="accent1"/>
+            </a:effectRef>
+            <a:fontRef idx="minor">
+              <a:schemeClr val="lt1"/>
+            </a:fontRef>
+          </p:style>
+          <p:txBody>
+            <a:bodyPr wrap="square" rtlCol="0" anchor="ctr">
+              <a:noAutofit/>
+            </a:bodyPr>
+            <a:lstStyle/>
+            <a:p>
+              <a:pPr algn="ctr"/>
+              <a:endParaRPr lang="zh-CN" altLang="en-US"/>
+            </a:p>
+          </p:txBody>
+        </p:sp>
+        <p:sp>
+          <p:nvSpPr>
+            <p:cNvPr id="32" name="任意多边形: 形状 31">
+              <a:extLst>
+                <a:ext uri="{FF2B5EF4-FFF2-40B4-BE49-F238E27FC236}">
+                  <a16:creationId xmlns:a16="http://schemas.microsoft.com/office/drawing/2014/main" id="{B4496374-E255-43C4-A5D5-46A86DD3A704}"/>
+                </a:ext>
+              </a:extLst>
+            </p:cNvPr>
+            <p:cNvSpPr/>
+            <p:nvPr/>
+          </p:nvSpPr>
+          <p:spPr>
+            <a:xfrm rot="16200000">
+              <a:off x="7724990" y="822301"/>
+              <a:ext cx="367933" cy="720000"/>
+            </a:xfrm>
+            <a:custGeom>
+              <a:avLst/>
+              <a:gdLst>
+                <a:gd name="connsiteX0" fmla="*/ 360000 w 367933"/>
+                <a:gd name="connsiteY0" fmla="*/ 0 h 720000"/>
+                <a:gd name="connsiteX1" fmla="*/ 367933 w 367933"/>
+                <a:gd name="connsiteY1" fmla="*/ 800 h 720000"/>
+                <a:gd name="connsiteX2" fmla="*/ 367933 w 367933"/>
+                <a:gd name="connsiteY2" fmla="*/ 719200 h 720000"/>
+                <a:gd name="connsiteX3" fmla="*/ 360000 w 367933"/>
+                <a:gd name="connsiteY3" fmla="*/ 720000 h 720000"/>
+                <a:gd name="connsiteX4" fmla="*/ 0 w 367933"/>
+                <a:gd name="connsiteY4" fmla="*/ 360000 h 720000"/>
+                <a:gd name="connsiteX5" fmla="*/ 360000 w 367933"/>
+                <a:gd name="connsiteY5" fmla="*/ 0 h 720000"/>
+              </a:gdLst>
+              <a:ahLst/>
+              <a:cxnLst>
+                <a:cxn ang="0">
+                  <a:pos x="connsiteX0" y="connsiteY0"/>
+                </a:cxn>
+                <a:cxn ang="0">
+                  <a:pos x="connsiteX1" y="connsiteY1"/>
+                </a:cxn>
+                <a:cxn ang="0">
+                  <a:pos x="connsiteX2" y="connsiteY2"/>
+                </a:cxn>
+                <a:cxn ang="0">
+                  <a:pos x="connsiteX3" y="connsiteY3"/>
+                </a:cxn>
+                <a:cxn ang="0">
+                  <a:pos x="connsiteX4" y="connsiteY4"/>
+                </a:cxn>
+                <a:cxn ang="0">
+                  <a:pos x="connsiteX5" y="connsiteY5"/>
+                </a:cxn>
+              </a:cxnLst>
+              <a:rect l="l" t="t" r="r" b="b"/>
+              <a:pathLst>
+                <a:path w="367933" h="720000">
+                  <a:moveTo>
+                    <a:pt x="360000" y="0"/>
+                  </a:moveTo>
+                  <a:lnTo>
+                    <a:pt x="367933" y="800"/>
+                  </a:lnTo>
+                  <a:lnTo>
+                    <a:pt x="367933" y="719200"/>
+                  </a:lnTo>
+                  <a:lnTo>
+                    <a:pt x="360000" y="720000"/>
+                  </a:lnTo>
+                  <a:cubicBezTo>
+                    <a:pt x="161177" y="720000"/>
+                    <a:pt x="0" y="558823"/>
+                    <a:pt x="0" y="360000"/>
+                  </a:cubicBezTo>
+                  <a:cubicBezTo>
+                    <a:pt x="0" y="161177"/>
+                    <a:pt x="161177" y="0"/>
+                    <a:pt x="360000" y="0"/>
+                  </a:cubicBezTo>
+                  <a:close/>
+                </a:path>
+              </a:pathLst>
+            </a:custGeom>
+            <a:gradFill flip="none" rotWithShape="1">
+              <a:gsLst>
+                <a:gs pos="100000">
+                  <a:schemeClr val="bg1">
+                    <a:alpha val="40000"/>
+                  </a:schemeClr>
+                </a:gs>
+                <a:gs pos="0">
+                  <a:schemeClr val="bg1">
+                    <a:alpha val="80000"/>
+                  </a:schemeClr>
+                </a:gs>
+              </a:gsLst>
+              <a:path path="circle">
+                <a:fillToRect l="50000" t="50000" r="50000" b="50000"/>
+              </a:path>
+              <a:tileRect/>
+            </a:gradFill>
+            <a:ln>
+              <a:noFill/>
+            </a:ln>
+          </p:spPr>
+          <p:style>
+            <a:lnRef idx="2">
+              <a:schemeClr val="accent1">
+                <a:shade val="50000"/>
+              </a:schemeClr>
+            </a:lnRef>
+            <a:fillRef idx="1">
+              <a:schemeClr val="accent1"/>
+            </a:fillRef>
+            <a:effectRef idx="0">
+              <a:schemeClr val="accent1"/>
+            </a:effectRef>
+            <a:fontRef idx="minor">
+              <a:schemeClr val="lt1"/>
+            </a:fontRef>
+          </p:style>
+          <p:txBody>
+            <a:bodyPr wrap="square" rtlCol="0" anchor="ctr">
+              <a:noAutofit/>
+            </a:bodyPr>
+            <a:lstStyle/>
+            <a:p>
+              <a:pPr algn="ctr"/>
+              <a:endParaRPr lang="zh-CN" altLang="en-US"/>
+            </a:p>
+          </p:txBody>
+        </p:sp>
+      </p:grpSp>
       <p:sp>
         <p:nvSpPr>
           <p:cNvPr id="23" name="矩形: 圆角 22">
@@ -9049,6 +9388,1737 @@
           </a:p>
         </p:txBody>
       </p:sp>
+      <p:grpSp>
+        <p:nvGrpSpPr>
+          <p:cNvPr id="16" name="组合 15">
+            <a:extLst>
+              <a:ext uri="{FF2B5EF4-FFF2-40B4-BE49-F238E27FC236}">
+                <a16:creationId xmlns:a16="http://schemas.microsoft.com/office/drawing/2014/main" id="{E3DF496C-9A68-4F5A-8BDC-08494990DE21}"/>
+              </a:ext>
+            </a:extLst>
+          </p:cNvPr>
+          <p:cNvGrpSpPr/>
+          <p:nvPr/>
+        </p:nvGrpSpPr>
+        <p:grpSpPr>
+          <a:xfrm>
+            <a:off x="5531477" y="613312"/>
+            <a:ext cx="720000" cy="720000"/>
+            <a:chOff x="6071477" y="391055"/>
+            <a:chExt cx="720000" cy="720000"/>
+          </a:xfrm>
+        </p:grpSpPr>
+        <p:sp>
+          <p:nvSpPr>
+            <p:cNvPr id="17" name="椭圆 16">
+              <a:extLst>
+                <a:ext uri="{FF2B5EF4-FFF2-40B4-BE49-F238E27FC236}">
+                  <a16:creationId xmlns:a16="http://schemas.microsoft.com/office/drawing/2014/main" id="{86982436-EB77-4814-9DF7-2DCF4C7600BE}"/>
+                </a:ext>
+              </a:extLst>
+            </p:cNvPr>
+            <p:cNvSpPr/>
+            <p:nvPr/>
+          </p:nvSpPr>
+          <p:spPr>
+            <a:xfrm>
+              <a:off x="6071477" y="391055"/>
+              <a:ext cx="720000" cy="720000"/>
+            </a:xfrm>
+            <a:prstGeom prst="ellipse">
+              <a:avLst/>
+            </a:prstGeom>
+            <a:gradFill>
+              <a:gsLst>
+                <a:gs pos="0">
+                  <a:srgbClr val="5FE5DD"/>
+                </a:gs>
+                <a:gs pos="100000">
+                  <a:srgbClr val="22D0C4"/>
+                </a:gs>
+              </a:gsLst>
+              <a:path path="circle">
+                <a:fillToRect r="100000" b="100000"/>
+              </a:path>
+            </a:gradFill>
+            <a:ln>
+              <a:noFill/>
+            </a:ln>
+            <a:effectLst/>
+          </p:spPr>
+          <p:style>
+            <a:lnRef idx="2">
+              <a:schemeClr val="accent1">
+                <a:shade val="50000"/>
+              </a:schemeClr>
+            </a:lnRef>
+            <a:fillRef idx="1">
+              <a:schemeClr val="accent1"/>
+            </a:fillRef>
+            <a:effectRef idx="0">
+              <a:schemeClr val="accent1"/>
+            </a:effectRef>
+            <a:fontRef idx="minor">
+              <a:schemeClr val="lt1"/>
+            </a:fontRef>
+          </p:style>
+          <p:txBody>
+            <a:bodyPr rtlCol="0" anchor="ctr"/>
+            <a:lstStyle/>
+            <a:p>
+              <a:pPr algn="ctr"/>
+              <a:endParaRPr lang="zh-CN" altLang="en-US"/>
+            </a:p>
+          </p:txBody>
+        </p:sp>
+        <p:grpSp>
+          <p:nvGrpSpPr>
+            <p:cNvPr id="18" name="组合 17">
+              <a:extLst>
+                <a:ext uri="{FF2B5EF4-FFF2-40B4-BE49-F238E27FC236}">
+                  <a16:creationId xmlns:a16="http://schemas.microsoft.com/office/drawing/2014/main" id="{3A83D688-A7AE-4D9D-9C83-C3CA5629FFE9}"/>
+                </a:ext>
+              </a:extLst>
+            </p:cNvPr>
+            <p:cNvGrpSpPr/>
+            <p:nvPr/>
+          </p:nvGrpSpPr>
+          <p:grpSpPr>
+            <a:xfrm>
+              <a:off x="6212664" y="468495"/>
+              <a:ext cx="432876" cy="418685"/>
+              <a:chOff x="4344687" y="1948502"/>
+              <a:chExt cx="966838" cy="935999"/>
+            </a:xfrm>
+          </p:grpSpPr>
+          <p:sp>
+            <p:nvSpPr>
+              <p:cNvPr id="21" name="等腰三角形 20">
+                <a:extLst>
+                  <a:ext uri="{FF2B5EF4-FFF2-40B4-BE49-F238E27FC236}">
+                    <a16:creationId xmlns:a16="http://schemas.microsoft.com/office/drawing/2014/main" id="{B04A078C-A9BB-4BC7-8C6E-E5DB872BDE24}"/>
+                  </a:ext>
+                </a:extLst>
+              </p:cNvPr>
+              <p:cNvSpPr/>
+              <p:nvPr/>
+            </p:nvSpPr>
+            <p:spPr>
+              <a:xfrm>
+                <a:off x="4344687" y="1948502"/>
+                <a:ext cx="794132" cy="935999"/>
+              </a:xfrm>
+              <a:prstGeom prst="triangle">
+                <a:avLst/>
+              </a:prstGeom>
+              <a:solidFill>
+                <a:schemeClr val="bg1"/>
+              </a:solidFill>
+              <a:ln>
+                <a:noFill/>
+              </a:ln>
+              <a:effectLst/>
+            </p:spPr>
+            <p:style>
+              <a:lnRef idx="2">
+                <a:schemeClr val="accent1">
+                  <a:shade val="50000"/>
+                </a:schemeClr>
+              </a:lnRef>
+              <a:fillRef idx="1">
+                <a:schemeClr val="accent1"/>
+              </a:fillRef>
+              <a:effectRef idx="0">
+                <a:schemeClr val="accent1"/>
+              </a:effectRef>
+              <a:fontRef idx="minor">
+                <a:schemeClr val="lt1"/>
+              </a:fontRef>
+            </p:style>
+            <p:txBody>
+              <a:bodyPr rtlCol="0" anchor="ctr"/>
+              <a:lstStyle/>
+              <a:p>
+                <a:pPr algn="ctr"/>
+                <a:endParaRPr lang="zh-CN" altLang="en-US"/>
+              </a:p>
+            </p:txBody>
+          </p:sp>
+          <p:sp>
+            <p:nvSpPr>
+              <p:cNvPr id="22" name="等腰三角形 21">
+                <a:extLst>
+                  <a:ext uri="{FF2B5EF4-FFF2-40B4-BE49-F238E27FC236}">
+                    <a16:creationId xmlns:a16="http://schemas.microsoft.com/office/drawing/2014/main" id="{4CA4CB68-1D79-4042-A3B6-7DCCC41401AC}"/>
+                  </a:ext>
+                </a:extLst>
+              </p:cNvPr>
+              <p:cNvSpPr/>
+              <p:nvPr/>
+            </p:nvSpPr>
+            <p:spPr>
+              <a:xfrm>
+                <a:off x="4712557" y="2269353"/>
+                <a:ext cx="598968" cy="608640"/>
+              </a:xfrm>
+              <a:prstGeom prst="triangle">
+                <a:avLst/>
+              </a:prstGeom>
+              <a:solidFill>
+                <a:schemeClr val="bg1">
+                  <a:alpha val="80000"/>
+                </a:schemeClr>
+              </a:solidFill>
+              <a:ln>
+                <a:noFill/>
+              </a:ln>
+              <a:effectLst/>
+            </p:spPr>
+            <p:style>
+              <a:lnRef idx="2">
+                <a:schemeClr val="accent1">
+                  <a:shade val="50000"/>
+                </a:schemeClr>
+              </a:lnRef>
+              <a:fillRef idx="1">
+                <a:schemeClr val="accent1"/>
+              </a:fillRef>
+              <a:effectRef idx="0">
+                <a:schemeClr val="accent1"/>
+              </a:effectRef>
+              <a:fontRef idx="minor">
+                <a:schemeClr val="lt1"/>
+              </a:fontRef>
+            </p:style>
+            <p:txBody>
+              <a:bodyPr rtlCol="0" anchor="ctr"/>
+              <a:lstStyle/>
+              <a:p>
+                <a:pPr algn="ctr"/>
+                <a:endParaRPr lang="zh-CN" altLang="en-US"/>
+              </a:p>
+            </p:txBody>
+          </p:sp>
+        </p:grpSp>
+        <p:sp>
+          <p:nvSpPr>
+            <p:cNvPr id="19" name="任意多边形: 形状 18">
+              <a:extLst>
+                <a:ext uri="{FF2B5EF4-FFF2-40B4-BE49-F238E27FC236}">
+                  <a16:creationId xmlns:a16="http://schemas.microsoft.com/office/drawing/2014/main" id="{AFDA9BFC-11BB-4573-A6A7-4D417BA1AE4B}"/>
+                </a:ext>
+              </a:extLst>
+            </p:cNvPr>
+            <p:cNvSpPr/>
+            <p:nvPr/>
+          </p:nvSpPr>
+          <p:spPr>
+            <a:xfrm>
+              <a:off x="6099637" y="884272"/>
+              <a:ext cx="666210" cy="226783"/>
+            </a:xfrm>
+            <a:custGeom>
+              <a:avLst/>
+              <a:gdLst>
+                <a:gd name="connsiteX0" fmla="*/ 0 w 666210"/>
+                <a:gd name="connsiteY0" fmla="*/ 0 h 226783"/>
+                <a:gd name="connsiteX1" fmla="*/ 666210 w 666210"/>
+                <a:gd name="connsiteY1" fmla="*/ 0 h 226783"/>
+                <a:gd name="connsiteX2" fmla="*/ 664815 w 666210"/>
+                <a:gd name="connsiteY2" fmla="*/ 6911 h 226783"/>
+                <a:gd name="connsiteX3" fmla="*/ 333105 w 666210"/>
+                <a:gd name="connsiteY3" fmla="*/ 226783 h 226783"/>
+                <a:gd name="connsiteX4" fmla="*/ 1396 w 666210"/>
+                <a:gd name="connsiteY4" fmla="*/ 6911 h 226783"/>
+              </a:gdLst>
+              <a:ahLst/>
+              <a:cxnLst>
+                <a:cxn ang="0">
+                  <a:pos x="connsiteX0" y="connsiteY0"/>
+                </a:cxn>
+                <a:cxn ang="0">
+                  <a:pos x="connsiteX1" y="connsiteY1"/>
+                </a:cxn>
+                <a:cxn ang="0">
+                  <a:pos x="connsiteX2" y="connsiteY2"/>
+                </a:cxn>
+                <a:cxn ang="0">
+                  <a:pos x="connsiteX3" y="connsiteY3"/>
+                </a:cxn>
+                <a:cxn ang="0">
+                  <a:pos x="connsiteX4" y="connsiteY4"/>
+                </a:cxn>
+              </a:cxnLst>
+              <a:rect l="l" t="t" r="r" b="b"/>
+              <a:pathLst>
+                <a:path w="666210" h="226783">
+                  <a:moveTo>
+                    <a:pt x="0" y="0"/>
+                  </a:moveTo>
+                  <a:lnTo>
+                    <a:pt x="666210" y="0"/>
+                  </a:lnTo>
+                  <a:lnTo>
+                    <a:pt x="664815" y="6911"/>
+                  </a:lnTo>
+                  <a:cubicBezTo>
+                    <a:pt x="610164" y="136121"/>
+                    <a:pt x="482222" y="226783"/>
+                    <a:pt x="333105" y="226783"/>
+                  </a:cubicBezTo>
+                  <a:cubicBezTo>
+                    <a:pt x="183988" y="226783"/>
+                    <a:pt x="56047" y="136121"/>
+                    <a:pt x="1396" y="6911"/>
+                  </a:cubicBezTo>
+                  <a:close/>
+                </a:path>
+              </a:pathLst>
+            </a:custGeom>
+            <a:solidFill>
+              <a:schemeClr val="bg1">
+                <a:alpha val="50000"/>
+              </a:schemeClr>
+            </a:solidFill>
+            <a:ln>
+              <a:noFill/>
+            </a:ln>
+            <a:effectLst/>
+          </p:spPr>
+          <p:style>
+            <a:lnRef idx="2">
+              <a:schemeClr val="accent1">
+                <a:shade val="50000"/>
+              </a:schemeClr>
+            </a:lnRef>
+            <a:fillRef idx="1">
+              <a:schemeClr val="accent1"/>
+            </a:fillRef>
+            <a:effectRef idx="0">
+              <a:schemeClr val="accent1"/>
+            </a:effectRef>
+            <a:fontRef idx="minor">
+              <a:schemeClr val="lt1"/>
+            </a:fontRef>
+          </p:style>
+          <p:txBody>
+            <a:bodyPr wrap="square" rtlCol="0" anchor="ctr">
+              <a:noAutofit/>
+            </a:bodyPr>
+            <a:lstStyle/>
+            <a:p>
+              <a:pPr algn="ctr"/>
+              <a:endParaRPr lang="zh-CN" altLang="en-US"/>
+            </a:p>
+          </p:txBody>
+        </p:sp>
+        <p:sp>
+          <p:nvSpPr>
+            <p:cNvPr id="20" name="任意多边形: 形状 19">
+              <a:extLst>
+                <a:ext uri="{FF2B5EF4-FFF2-40B4-BE49-F238E27FC236}">
+                  <a16:creationId xmlns:a16="http://schemas.microsoft.com/office/drawing/2014/main" id="{94F007CC-B857-4FD2-8ECA-EBF569898BF4}"/>
+                </a:ext>
+              </a:extLst>
+            </p:cNvPr>
+            <p:cNvSpPr/>
+            <p:nvPr/>
+          </p:nvSpPr>
+          <p:spPr>
+            <a:xfrm>
+              <a:off x="6212663" y="884270"/>
+              <a:ext cx="480296" cy="187301"/>
+            </a:xfrm>
+            <a:custGeom>
+              <a:avLst/>
+              <a:gdLst>
+                <a:gd name="connsiteX0" fmla="*/ 8301 w 468514"/>
+                <a:gd name="connsiteY0" fmla="*/ 0 h 192314"/>
+                <a:gd name="connsiteX1" fmla="*/ 429967 w 468514"/>
+                <a:gd name="connsiteY1" fmla="*/ 0 h 192314"/>
+                <a:gd name="connsiteX2" fmla="*/ 468514 w 468514"/>
+                <a:gd name="connsiteY2" fmla="*/ 119144 h 192314"/>
+                <a:gd name="connsiteX3" fmla="*/ 417717 w 468514"/>
+                <a:gd name="connsiteY3" fmla="*/ 165301 h 192314"/>
+                <a:gd name="connsiteX4" fmla="*/ 361525 w 468514"/>
+                <a:gd name="connsiteY4" fmla="*/ 192314 h 192314"/>
+                <a:gd name="connsiteX5" fmla="*/ 0 w 468514"/>
+                <a:gd name="connsiteY5" fmla="*/ 2686 h 192314"/>
+              </a:gdLst>
+              <a:ahLst/>
+              <a:cxnLst>
+                <a:cxn ang="0">
+                  <a:pos x="connsiteX0" y="connsiteY0"/>
+                </a:cxn>
+                <a:cxn ang="0">
+                  <a:pos x="connsiteX1" y="connsiteY1"/>
+                </a:cxn>
+                <a:cxn ang="0">
+                  <a:pos x="connsiteX2" y="connsiteY2"/>
+                </a:cxn>
+                <a:cxn ang="0">
+                  <a:pos x="connsiteX3" y="connsiteY3"/>
+                </a:cxn>
+                <a:cxn ang="0">
+                  <a:pos x="connsiteX4" y="connsiteY4"/>
+                </a:cxn>
+                <a:cxn ang="0">
+                  <a:pos x="connsiteX5" y="connsiteY5"/>
+                </a:cxn>
+              </a:cxnLst>
+              <a:rect l="l" t="t" r="r" b="b"/>
+              <a:pathLst>
+                <a:path w="468514" h="192314">
+                  <a:moveTo>
+                    <a:pt x="8301" y="0"/>
+                  </a:moveTo>
+                  <a:lnTo>
+                    <a:pt x="429967" y="0"/>
+                  </a:lnTo>
+                  <a:lnTo>
+                    <a:pt x="468514" y="119144"/>
+                  </a:lnTo>
+                  <a:lnTo>
+                    <a:pt x="417717" y="165301"/>
+                  </a:lnTo>
+                  <a:lnTo>
+                    <a:pt x="361525" y="192314"/>
+                  </a:lnTo>
+                  <a:lnTo>
+                    <a:pt x="0" y="2686"/>
+                  </a:lnTo>
+                  <a:close/>
+                </a:path>
+              </a:pathLst>
+            </a:custGeom>
+            <a:solidFill>
+              <a:schemeClr val="bg1">
+                <a:alpha val="50000"/>
+              </a:schemeClr>
+            </a:solidFill>
+            <a:ln>
+              <a:noFill/>
+            </a:ln>
+            <a:effectLst/>
+          </p:spPr>
+          <p:style>
+            <a:lnRef idx="2">
+              <a:schemeClr val="accent1">
+                <a:shade val="50000"/>
+              </a:schemeClr>
+            </a:lnRef>
+            <a:fillRef idx="1">
+              <a:schemeClr val="accent1"/>
+            </a:fillRef>
+            <a:effectRef idx="0">
+              <a:schemeClr val="accent1"/>
+            </a:effectRef>
+            <a:fontRef idx="minor">
+              <a:schemeClr val="lt1"/>
+            </a:fontRef>
+          </p:style>
+          <p:txBody>
+            <a:bodyPr wrap="square" rtlCol="0" anchor="ctr">
+              <a:noAutofit/>
+            </a:bodyPr>
+            <a:lstStyle/>
+            <a:p>
+              <a:pPr algn="ctr"/>
+              <a:endParaRPr lang="zh-CN" altLang="en-US"/>
+            </a:p>
+          </p:txBody>
+        </p:sp>
+      </p:grpSp>
+      <p:sp>
+        <p:nvSpPr>
+          <p:cNvPr id="2" name="文本框 1">
+            <a:extLst>
+              <a:ext uri="{FF2B5EF4-FFF2-40B4-BE49-F238E27FC236}">
+                <a16:creationId xmlns:a16="http://schemas.microsoft.com/office/drawing/2014/main" id="{5376734F-5A74-4635-945F-AF40500C1D9B}"/>
+              </a:ext>
+            </a:extLst>
+          </p:cNvPr>
+          <p:cNvSpPr txBox="1"/>
+          <p:nvPr/>
+        </p:nvSpPr>
+        <p:spPr>
+          <a:xfrm>
+            <a:off x="5660076" y="1536120"/>
+            <a:ext cx="354584" cy="276999"/>
+          </a:xfrm>
+          <a:prstGeom prst="rect">
+            <a:avLst/>
+          </a:prstGeom>
+          <a:noFill/>
+        </p:spPr>
+        <p:txBody>
+          <a:bodyPr wrap="none" rtlCol="0">
+            <a:spAutoFit/>
+          </a:bodyPr>
+          <a:lstStyle/>
+          <a:p>
+            <a:pPr algn="ctr"/>
+            <a:r>
+              <a:rPr lang="en-US" altLang="zh-CN" sz="1200">
+                <a:latin typeface="Abadi Extra Light" panose="020B0204020104020204" pitchFamily="34" charset="0"/>
+              </a:rPr>
+              <a:t>RC</a:t>
+            </a:r>
+            <a:endParaRPr lang="zh-CN" altLang="en-US" sz="1200">
+              <a:latin typeface="Abadi Extra Light" panose="020B0204020104020204" pitchFamily="34" charset="0"/>
+            </a:endParaRPr>
+          </a:p>
+        </p:txBody>
+      </p:sp>
+      <p:grpSp>
+        <p:nvGrpSpPr>
+          <p:cNvPr id="33" name="组合 32">
+            <a:extLst>
+              <a:ext uri="{FF2B5EF4-FFF2-40B4-BE49-F238E27FC236}">
+                <a16:creationId xmlns:a16="http://schemas.microsoft.com/office/drawing/2014/main" id="{A3088884-2070-445C-91A1-5BC4C36A130C}"/>
+              </a:ext>
+            </a:extLst>
+          </p:cNvPr>
+          <p:cNvGrpSpPr/>
+          <p:nvPr/>
+        </p:nvGrpSpPr>
+        <p:grpSpPr>
+          <a:xfrm>
+            <a:off x="6550892" y="613312"/>
+            <a:ext cx="720000" cy="720000"/>
+            <a:chOff x="6071477" y="391055"/>
+            <a:chExt cx="720000" cy="720000"/>
+          </a:xfrm>
+        </p:grpSpPr>
+        <p:sp>
+          <p:nvSpPr>
+            <p:cNvPr id="35" name="椭圆 34">
+              <a:extLst>
+                <a:ext uri="{FF2B5EF4-FFF2-40B4-BE49-F238E27FC236}">
+                  <a16:creationId xmlns:a16="http://schemas.microsoft.com/office/drawing/2014/main" id="{250E69DD-9122-4F9A-8778-798065D7361D}"/>
+                </a:ext>
+              </a:extLst>
+            </p:cNvPr>
+            <p:cNvSpPr/>
+            <p:nvPr/>
+          </p:nvSpPr>
+          <p:spPr>
+            <a:xfrm>
+              <a:off x="6071477" y="391055"/>
+              <a:ext cx="720000" cy="720000"/>
+            </a:xfrm>
+            <a:prstGeom prst="ellipse">
+              <a:avLst/>
+            </a:prstGeom>
+            <a:solidFill>
+              <a:srgbClr val="E9403A"/>
+            </a:solidFill>
+            <a:ln>
+              <a:noFill/>
+            </a:ln>
+            <a:effectLst>
+              <a:outerShdw blurRad="101600" algn="ctr" rotWithShape="0">
+                <a:schemeClr val="tx1">
+                  <a:alpha val="20000"/>
+                </a:schemeClr>
+              </a:outerShdw>
+            </a:effectLst>
+          </p:spPr>
+          <p:style>
+            <a:lnRef idx="2">
+              <a:schemeClr val="accent1">
+                <a:shade val="50000"/>
+              </a:schemeClr>
+            </a:lnRef>
+            <a:fillRef idx="1">
+              <a:schemeClr val="accent1"/>
+            </a:fillRef>
+            <a:effectRef idx="0">
+              <a:schemeClr val="accent1"/>
+            </a:effectRef>
+            <a:fontRef idx="minor">
+              <a:schemeClr val="lt1"/>
+            </a:fontRef>
+          </p:style>
+          <p:txBody>
+            <a:bodyPr rtlCol="0" anchor="ctr"/>
+            <a:lstStyle/>
+            <a:p>
+              <a:pPr algn="ctr"/>
+              <a:endParaRPr lang="zh-CN" altLang="en-US"/>
+            </a:p>
+          </p:txBody>
+        </p:sp>
+        <p:grpSp>
+          <p:nvGrpSpPr>
+            <p:cNvPr id="37" name="组合 36">
+              <a:extLst>
+                <a:ext uri="{FF2B5EF4-FFF2-40B4-BE49-F238E27FC236}">
+                  <a16:creationId xmlns:a16="http://schemas.microsoft.com/office/drawing/2014/main" id="{B966C7FE-A337-4CAF-90DD-F95B9B89AC73}"/>
+                </a:ext>
+              </a:extLst>
+            </p:cNvPr>
+            <p:cNvGrpSpPr/>
+            <p:nvPr/>
+          </p:nvGrpSpPr>
+          <p:grpSpPr>
+            <a:xfrm>
+              <a:off x="6212664" y="468495"/>
+              <a:ext cx="432876" cy="418685"/>
+              <a:chOff x="4344687" y="1948502"/>
+              <a:chExt cx="966838" cy="935999"/>
+            </a:xfrm>
+          </p:grpSpPr>
+          <p:sp>
+            <p:nvSpPr>
+              <p:cNvPr id="41" name="等腰三角形 40">
+                <a:extLst>
+                  <a:ext uri="{FF2B5EF4-FFF2-40B4-BE49-F238E27FC236}">
+                    <a16:creationId xmlns:a16="http://schemas.microsoft.com/office/drawing/2014/main" id="{E919E407-1407-4133-8E53-C0D0454729CC}"/>
+                  </a:ext>
+                </a:extLst>
+              </p:cNvPr>
+              <p:cNvSpPr/>
+              <p:nvPr/>
+            </p:nvSpPr>
+            <p:spPr>
+              <a:xfrm>
+                <a:off x="4344687" y="1948502"/>
+                <a:ext cx="794132" cy="935999"/>
+              </a:xfrm>
+              <a:prstGeom prst="triangle">
+                <a:avLst/>
+              </a:prstGeom>
+              <a:solidFill>
+                <a:schemeClr val="bg1"/>
+              </a:solidFill>
+              <a:ln>
+                <a:noFill/>
+              </a:ln>
+              <a:effectLst/>
+            </p:spPr>
+            <p:style>
+              <a:lnRef idx="2">
+                <a:schemeClr val="accent1">
+                  <a:shade val="50000"/>
+                </a:schemeClr>
+              </a:lnRef>
+              <a:fillRef idx="1">
+                <a:schemeClr val="accent1"/>
+              </a:fillRef>
+              <a:effectRef idx="0">
+                <a:schemeClr val="accent1"/>
+              </a:effectRef>
+              <a:fontRef idx="minor">
+                <a:schemeClr val="lt1"/>
+              </a:fontRef>
+            </p:style>
+            <p:txBody>
+              <a:bodyPr rtlCol="0" anchor="ctr"/>
+              <a:lstStyle/>
+              <a:p>
+                <a:pPr algn="ctr"/>
+                <a:endParaRPr lang="zh-CN" altLang="en-US"/>
+              </a:p>
+            </p:txBody>
+          </p:sp>
+          <p:sp>
+            <p:nvSpPr>
+              <p:cNvPr id="42" name="等腰三角形 41">
+                <a:extLst>
+                  <a:ext uri="{FF2B5EF4-FFF2-40B4-BE49-F238E27FC236}">
+                    <a16:creationId xmlns:a16="http://schemas.microsoft.com/office/drawing/2014/main" id="{01AA9E8F-C2B5-4AC9-8914-AFBBCE1327DD}"/>
+                  </a:ext>
+                </a:extLst>
+              </p:cNvPr>
+              <p:cNvSpPr/>
+              <p:nvPr/>
+            </p:nvSpPr>
+            <p:spPr>
+              <a:xfrm>
+                <a:off x="4712557" y="2269353"/>
+                <a:ext cx="598968" cy="608640"/>
+              </a:xfrm>
+              <a:prstGeom prst="triangle">
+                <a:avLst/>
+              </a:prstGeom>
+              <a:solidFill>
+                <a:schemeClr val="bg1">
+                  <a:alpha val="80000"/>
+                </a:schemeClr>
+              </a:solidFill>
+              <a:ln>
+                <a:noFill/>
+              </a:ln>
+              <a:effectLst/>
+            </p:spPr>
+            <p:style>
+              <a:lnRef idx="2">
+                <a:schemeClr val="accent1">
+                  <a:shade val="50000"/>
+                </a:schemeClr>
+              </a:lnRef>
+              <a:fillRef idx="1">
+                <a:schemeClr val="accent1"/>
+              </a:fillRef>
+              <a:effectRef idx="0">
+                <a:schemeClr val="accent1"/>
+              </a:effectRef>
+              <a:fontRef idx="minor">
+                <a:schemeClr val="lt1"/>
+              </a:fontRef>
+            </p:style>
+            <p:txBody>
+              <a:bodyPr rtlCol="0" anchor="ctr"/>
+              <a:lstStyle/>
+              <a:p>
+                <a:pPr algn="ctr"/>
+                <a:endParaRPr lang="zh-CN" altLang="en-US"/>
+              </a:p>
+            </p:txBody>
+          </p:sp>
+        </p:grpSp>
+        <p:sp>
+          <p:nvSpPr>
+            <p:cNvPr id="39" name="任意多边形: 形状 38">
+              <a:extLst>
+                <a:ext uri="{FF2B5EF4-FFF2-40B4-BE49-F238E27FC236}">
+                  <a16:creationId xmlns:a16="http://schemas.microsoft.com/office/drawing/2014/main" id="{DD8CB9A8-E658-475D-BCB3-C6ED3B58A797}"/>
+                </a:ext>
+              </a:extLst>
+            </p:cNvPr>
+            <p:cNvSpPr/>
+            <p:nvPr/>
+          </p:nvSpPr>
+          <p:spPr>
+            <a:xfrm>
+              <a:off x="6099637" y="884272"/>
+              <a:ext cx="666210" cy="226783"/>
+            </a:xfrm>
+            <a:custGeom>
+              <a:avLst/>
+              <a:gdLst>
+                <a:gd name="connsiteX0" fmla="*/ 0 w 666210"/>
+                <a:gd name="connsiteY0" fmla="*/ 0 h 226783"/>
+                <a:gd name="connsiteX1" fmla="*/ 666210 w 666210"/>
+                <a:gd name="connsiteY1" fmla="*/ 0 h 226783"/>
+                <a:gd name="connsiteX2" fmla="*/ 664815 w 666210"/>
+                <a:gd name="connsiteY2" fmla="*/ 6911 h 226783"/>
+                <a:gd name="connsiteX3" fmla="*/ 333105 w 666210"/>
+                <a:gd name="connsiteY3" fmla="*/ 226783 h 226783"/>
+                <a:gd name="connsiteX4" fmla="*/ 1396 w 666210"/>
+                <a:gd name="connsiteY4" fmla="*/ 6911 h 226783"/>
+              </a:gdLst>
+              <a:ahLst/>
+              <a:cxnLst>
+                <a:cxn ang="0">
+                  <a:pos x="connsiteX0" y="connsiteY0"/>
+                </a:cxn>
+                <a:cxn ang="0">
+                  <a:pos x="connsiteX1" y="connsiteY1"/>
+                </a:cxn>
+                <a:cxn ang="0">
+                  <a:pos x="connsiteX2" y="connsiteY2"/>
+                </a:cxn>
+                <a:cxn ang="0">
+                  <a:pos x="connsiteX3" y="connsiteY3"/>
+                </a:cxn>
+                <a:cxn ang="0">
+                  <a:pos x="connsiteX4" y="connsiteY4"/>
+                </a:cxn>
+              </a:cxnLst>
+              <a:rect l="l" t="t" r="r" b="b"/>
+              <a:pathLst>
+                <a:path w="666210" h="226783">
+                  <a:moveTo>
+                    <a:pt x="0" y="0"/>
+                  </a:moveTo>
+                  <a:lnTo>
+                    <a:pt x="666210" y="0"/>
+                  </a:lnTo>
+                  <a:lnTo>
+                    <a:pt x="664815" y="6911"/>
+                  </a:lnTo>
+                  <a:cubicBezTo>
+                    <a:pt x="610164" y="136121"/>
+                    <a:pt x="482222" y="226783"/>
+                    <a:pt x="333105" y="226783"/>
+                  </a:cubicBezTo>
+                  <a:cubicBezTo>
+                    <a:pt x="183988" y="226783"/>
+                    <a:pt x="56047" y="136121"/>
+                    <a:pt x="1396" y="6911"/>
+                  </a:cubicBezTo>
+                  <a:close/>
+                </a:path>
+              </a:pathLst>
+            </a:custGeom>
+            <a:solidFill>
+              <a:schemeClr val="bg1">
+                <a:alpha val="50000"/>
+              </a:schemeClr>
+            </a:solidFill>
+            <a:ln>
+              <a:noFill/>
+            </a:ln>
+            <a:effectLst/>
+          </p:spPr>
+          <p:style>
+            <a:lnRef idx="2">
+              <a:schemeClr val="accent1">
+                <a:shade val="50000"/>
+              </a:schemeClr>
+            </a:lnRef>
+            <a:fillRef idx="1">
+              <a:schemeClr val="accent1"/>
+            </a:fillRef>
+            <a:effectRef idx="0">
+              <a:schemeClr val="accent1"/>
+            </a:effectRef>
+            <a:fontRef idx="minor">
+              <a:schemeClr val="lt1"/>
+            </a:fontRef>
+          </p:style>
+          <p:txBody>
+            <a:bodyPr wrap="square" rtlCol="0" anchor="ctr">
+              <a:noAutofit/>
+            </a:bodyPr>
+            <a:lstStyle/>
+            <a:p>
+              <a:pPr algn="ctr"/>
+              <a:endParaRPr lang="zh-CN" altLang="en-US"/>
+            </a:p>
+          </p:txBody>
+        </p:sp>
+        <p:sp>
+          <p:nvSpPr>
+            <p:cNvPr id="40" name="任意多边形: 形状 39">
+              <a:extLst>
+                <a:ext uri="{FF2B5EF4-FFF2-40B4-BE49-F238E27FC236}">
+                  <a16:creationId xmlns:a16="http://schemas.microsoft.com/office/drawing/2014/main" id="{D0E5A621-93F5-449F-ABAA-57D0050796AF}"/>
+                </a:ext>
+              </a:extLst>
+            </p:cNvPr>
+            <p:cNvSpPr/>
+            <p:nvPr/>
+          </p:nvSpPr>
+          <p:spPr>
+            <a:xfrm>
+              <a:off x="6212663" y="884270"/>
+              <a:ext cx="480296" cy="187301"/>
+            </a:xfrm>
+            <a:custGeom>
+              <a:avLst/>
+              <a:gdLst>
+                <a:gd name="connsiteX0" fmla="*/ 8301 w 468514"/>
+                <a:gd name="connsiteY0" fmla="*/ 0 h 192314"/>
+                <a:gd name="connsiteX1" fmla="*/ 429967 w 468514"/>
+                <a:gd name="connsiteY1" fmla="*/ 0 h 192314"/>
+                <a:gd name="connsiteX2" fmla="*/ 468514 w 468514"/>
+                <a:gd name="connsiteY2" fmla="*/ 119144 h 192314"/>
+                <a:gd name="connsiteX3" fmla="*/ 417717 w 468514"/>
+                <a:gd name="connsiteY3" fmla="*/ 165301 h 192314"/>
+                <a:gd name="connsiteX4" fmla="*/ 361525 w 468514"/>
+                <a:gd name="connsiteY4" fmla="*/ 192314 h 192314"/>
+                <a:gd name="connsiteX5" fmla="*/ 0 w 468514"/>
+                <a:gd name="connsiteY5" fmla="*/ 2686 h 192314"/>
+              </a:gdLst>
+              <a:ahLst/>
+              <a:cxnLst>
+                <a:cxn ang="0">
+                  <a:pos x="connsiteX0" y="connsiteY0"/>
+                </a:cxn>
+                <a:cxn ang="0">
+                  <a:pos x="connsiteX1" y="connsiteY1"/>
+                </a:cxn>
+                <a:cxn ang="0">
+                  <a:pos x="connsiteX2" y="connsiteY2"/>
+                </a:cxn>
+                <a:cxn ang="0">
+                  <a:pos x="connsiteX3" y="connsiteY3"/>
+                </a:cxn>
+                <a:cxn ang="0">
+                  <a:pos x="connsiteX4" y="connsiteY4"/>
+                </a:cxn>
+                <a:cxn ang="0">
+                  <a:pos x="connsiteX5" y="connsiteY5"/>
+                </a:cxn>
+              </a:cxnLst>
+              <a:rect l="l" t="t" r="r" b="b"/>
+              <a:pathLst>
+                <a:path w="468514" h="192314">
+                  <a:moveTo>
+                    <a:pt x="8301" y="0"/>
+                  </a:moveTo>
+                  <a:lnTo>
+                    <a:pt x="429967" y="0"/>
+                  </a:lnTo>
+                  <a:lnTo>
+                    <a:pt x="468514" y="119144"/>
+                  </a:lnTo>
+                  <a:lnTo>
+                    <a:pt x="417717" y="165301"/>
+                  </a:lnTo>
+                  <a:lnTo>
+                    <a:pt x="361525" y="192314"/>
+                  </a:lnTo>
+                  <a:lnTo>
+                    <a:pt x="0" y="2686"/>
+                  </a:lnTo>
+                  <a:close/>
+                </a:path>
+              </a:pathLst>
+            </a:custGeom>
+            <a:solidFill>
+              <a:schemeClr val="bg1">
+                <a:alpha val="50000"/>
+              </a:schemeClr>
+            </a:solidFill>
+            <a:ln>
+              <a:noFill/>
+            </a:ln>
+            <a:effectLst/>
+          </p:spPr>
+          <p:style>
+            <a:lnRef idx="2">
+              <a:schemeClr val="accent1">
+                <a:shade val="50000"/>
+              </a:schemeClr>
+            </a:lnRef>
+            <a:fillRef idx="1">
+              <a:schemeClr val="accent1"/>
+            </a:fillRef>
+            <a:effectRef idx="0">
+              <a:schemeClr val="accent1"/>
+            </a:effectRef>
+            <a:fontRef idx="minor">
+              <a:schemeClr val="lt1"/>
+            </a:fontRef>
+          </p:style>
+          <p:txBody>
+            <a:bodyPr wrap="square" rtlCol="0" anchor="ctr">
+              <a:noAutofit/>
+            </a:bodyPr>
+            <a:lstStyle/>
+            <a:p>
+              <a:pPr algn="ctr"/>
+              <a:endParaRPr lang="zh-CN" altLang="en-US"/>
+            </a:p>
+          </p:txBody>
+        </p:sp>
+      </p:grpSp>
+      <p:sp>
+        <p:nvSpPr>
+          <p:cNvPr id="43" name="文本框 42">
+            <a:extLst>
+              <a:ext uri="{FF2B5EF4-FFF2-40B4-BE49-F238E27FC236}">
+                <a16:creationId xmlns:a16="http://schemas.microsoft.com/office/drawing/2014/main" id="{5FE84B48-7270-4A61-8132-08C45B3FFE5B}"/>
+              </a:ext>
+            </a:extLst>
+          </p:cNvPr>
+          <p:cNvSpPr txBox="1"/>
+          <p:nvPr/>
+        </p:nvSpPr>
+        <p:spPr>
+          <a:xfrm>
+            <a:off x="6682304" y="1531291"/>
+            <a:ext cx="457177" cy="276999"/>
+          </a:xfrm>
+          <a:prstGeom prst="rect">
+            <a:avLst/>
+          </a:prstGeom>
+          <a:noFill/>
+        </p:spPr>
+        <p:txBody>
+          <a:bodyPr wrap="none" rtlCol="0">
+            <a:spAutoFit/>
+          </a:bodyPr>
+          <a:lstStyle/>
+          <a:p>
+            <a:pPr algn="ctr"/>
+            <a:r>
+              <a:rPr lang="en-US" altLang="zh-CN" sz="1200">
+                <a:latin typeface="Abadi Extra Light" panose="020B0204020104020204" pitchFamily="34" charset="0"/>
+              </a:rPr>
+              <a:t>Beta</a:t>
+            </a:r>
+            <a:endParaRPr lang="zh-CN" altLang="en-US" sz="1200">
+              <a:latin typeface="Abadi Extra Light" panose="020B0204020104020204" pitchFamily="34" charset="0"/>
+            </a:endParaRPr>
+          </a:p>
+        </p:txBody>
+      </p:sp>
+      <p:sp>
+        <p:nvSpPr>
+          <p:cNvPr id="3" name="梯形 2">
+            <a:extLst>
+              <a:ext uri="{FF2B5EF4-FFF2-40B4-BE49-F238E27FC236}">
+                <a16:creationId xmlns:a16="http://schemas.microsoft.com/office/drawing/2014/main" id="{A66DDB69-B1C3-4DE8-9CA9-A41B6A25B9E4}"/>
+              </a:ext>
+            </a:extLst>
+          </p:cNvPr>
+          <p:cNvSpPr/>
+          <p:nvPr/>
+        </p:nvSpPr>
+        <p:spPr>
+          <a:xfrm flipV="1">
+            <a:off x="5526726" y="2985995"/>
+            <a:ext cx="1330057" cy="802140"/>
+          </a:xfrm>
+          <a:prstGeom prst="trapezoid">
+            <a:avLst>
+              <a:gd name="adj" fmla="val 27598"/>
+            </a:avLst>
+          </a:prstGeom>
+          <a:solidFill>
+            <a:srgbClr val="C0F9F5"/>
+          </a:solidFill>
+          <a:ln>
+            <a:noFill/>
+          </a:ln>
+        </p:spPr>
+        <p:style>
+          <a:lnRef idx="2">
+            <a:schemeClr val="accent1">
+              <a:shade val="50000"/>
+            </a:schemeClr>
+          </a:lnRef>
+          <a:fillRef idx="1">
+            <a:schemeClr val="accent1"/>
+          </a:fillRef>
+          <a:effectRef idx="0">
+            <a:schemeClr val="accent1"/>
+          </a:effectRef>
+          <a:fontRef idx="minor">
+            <a:schemeClr val="lt1"/>
+          </a:fontRef>
+        </p:style>
+        <p:txBody>
+          <a:bodyPr rtlCol="0" anchor="ctr"/>
+          <a:lstStyle/>
+          <a:p>
+            <a:pPr algn="ctr"/>
+            <a:endParaRPr lang="zh-CN" altLang="en-US"/>
+          </a:p>
+        </p:txBody>
+      </p:sp>
+      <p:sp>
+        <p:nvSpPr>
+          <p:cNvPr id="45" name="任意多边形: 形状 44">
+            <a:extLst>
+              <a:ext uri="{FF2B5EF4-FFF2-40B4-BE49-F238E27FC236}">
+                <a16:creationId xmlns:a16="http://schemas.microsoft.com/office/drawing/2014/main" id="{E1148238-D07A-46DD-ACB4-4507B348794E}"/>
+              </a:ext>
+            </a:extLst>
+          </p:cNvPr>
+          <p:cNvSpPr/>
+          <p:nvPr/>
+        </p:nvSpPr>
+        <p:spPr>
+          <a:xfrm flipV="1">
+            <a:off x="6247154" y="2980124"/>
+            <a:ext cx="607475" cy="802140"/>
+          </a:xfrm>
+          <a:custGeom>
+            <a:avLst/>
+            <a:gdLst>
+              <a:gd name="connsiteX0" fmla="*/ 161307 w 607475"/>
+              <a:gd name="connsiteY0" fmla="*/ 802140 h 802140"/>
+              <a:gd name="connsiteX1" fmla="*/ 607475 w 607475"/>
+              <a:gd name="connsiteY1" fmla="*/ 802140 h 802140"/>
+              <a:gd name="connsiteX2" fmla="*/ 362951 w 607475"/>
+              <a:gd name="connsiteY2" fmla="*/ 0 h 802140"/>
+              <a:gd name="connsiteX3" fmla="*/ 0 w 607475"/>
+              <a:gd name="connsiteY3" fmla="*/ 0 h 802140"/>
+            </a:gdLst>
+            <a:ahLst/>
+            <a:cxnLst>
+              <a:cxn ang="0">
+                <a:pos x="connsiteX0" y="connsiteY0"/>
+              </a:cxn>
+              <a:cxn ang="0">
+                <a:pos x="connsiteX1" y="connsiteY1"/>
+              </a:cxn>
+              <a:cxn ang="0">
+                <a:pos x="connsiteX2" y="connsiteY2"/>
+              </a:cxn>
+              <a:cxn ang="0">
+                <a:pos x="connsiteX3" y="connsiteY3"/>
+              </a:cxn>
+            </a:cxnLst>
+            <a:rect l="l" t="t" r="r" b="b"/>
+            <a:pathLst>
+              <a:path w="607475" h="802140">
+                <a:moveTo>
+                  <a:pt x="161307" y="802140"/>
+                </a:moveTo>
+                <a:lnTo>
+                  <a:pt x="607475" y="802140"/>
+                </a:lnTo>
+                <a:lnTo>
+                  <a:pt x="362951" y="0"/>
+                </a:lnTo>
+                <a:lnTo>
+                  <a:pt x="0" y="0"/>
+                </a:lnTo>
+                <a:close/>
+              </a:path>
+            </a:pathLst>
+          </a:custGeom>
+          <a:solidFill>
+            <a:srgbClr val="22D0C4">
+              <a:alpha val="30000"/>
+            </a:srgbClr>
+          </a:solidFill>
+          <a:ln>
+            <a:noFill/>
+          </a:ln>
+        </p:spPr>
+        <p:style>
+          <a:lnRef idx="2">
+            <a:schemeClr val="accent1">
+              <a:shade val="50000"/>
+            </a:schemeClr>
+          </a:lnRef>
+          <a:fillRef idx="1">
+            <a:schemeClr val="accent1"/>
+          </a:fillRef>
+          <a:effectRef idx="0">
+            <a:schemeClr val="accent1"/>
+          </a:effectRef>
+          <a:fontRef idx="minor">
+            <a:schemeClr val="lt1"/>
+          </a:fontRef>
+        </p:style>
+        <p:txBody>
+          <a:bodyPr wrap="square" rtlCol="0" anchor="ctr">
+            <a:noAutofit/>
+          </a:bodyPr>
+          <a:lstStyle/>
+          <a:p>
+            <a:pPr algn="ctr"/>
+            <a:endParaRPr lang="zh-CN" altLang="en-US"/>
+          </a:p>
+        </p:txBody>
+      </p:sp>
+      <p:grpSp>
+        <p:nvGrpSpPr>
+          <p:cNvPr id="44" name="组合 43">
+            <a:extLst>
+              <a:ext uri="{FF2B5EF4-FFF2-40B4-BE49-F238E27FC236}">
+                <a16:creationId xmlns:a16="http://schemas.microsoft.com/office/drawing/2014/main" id="{AA935424-61CD-41B6-A19B-B72418AA8572}"/>
+              </a:ext>
+            </a:extLst>
+          </p:cNvPr>
+          <p:cNvGrpSpPr/>
+          <p:nvPr/>
+        </p:nvGrpSpPr>
+        <p:grpSpPr>
+          <a:xfrm>
+            <a:off x="7870826" y="2771545"/>
+            <a:ext cx="720001" cy="720000"/>
+            <a:chOff x="7548956" y="646268"/>
+            <a:chExt cx="720001" cy="720000"/>
+          </a:xfrm>
+        </p:grpSpPr>
+        <p:sp>
+          <p:nvSpPr>
+            <p:cNvPr id="46" name="椭圆 45">
+              <a:extLst>
+                <a:ext uri="{FF2B5EF4-FFF2-40B4-BE49-F238E27FC236}">
+                  <a16:creationId xmlns:a16="http://schemas.microsoft.com/office/drawing/2014/main" id="{5513C23A-285E-4966-A7F2-26B323CB8F5B}"/>
+                </a:ext>
+              </a:extLst>
+            </p:cNvPr>
+            <p:cNvSpPr/>
+            <p:nvPr/>
+          </p:nvSpPr>
+          <p:spPr>
+            <a:xfrm>
+              <a:off x="7548956" y="646268"/>
+              <a:ext cx="720000" cy="720000"/>
+            </a:xfrm>
+            <a:prstGeom prst="ellipse">
+              <a:avLst/>
+            </a:prstGeom>
+            <a:solidFill>
+              <a:srgbClr val="909090"/>
+            </a:solidFill>
+            <a:ln>
+              <a:noFill/>
+            </a:ln>
+            <a:effectLst/>
+          </p:spPr>
+          <p:style>
+            <a:lnRef idx="2">
+              <a:schemeClr val="accent1">
+                <a:shade val="50000"/>
+              </a:schemeClr>
+            </a:lnRef>
+            <a:fillRef idx="1">
+              <a:schemeClr val="accent1"/>
+            </a:fillRef>
+            <a:effectRef idx="0">
+              <a:schemeClr val="accent1"/>
+            </a:effectRef>
+            <a:fontRef idx="minor">
+              <a:schemeClr val="lt1"/>
+            </a:fontRef>
+          </p:style>
+          <p:txBody>
+            <a:bodyPr rtlCol="0" anchor="ctr"/>
+            <a:lstStyle/>
+            <a:p>
+              <a:pPr algn="ctr"/>
+              <a:endParaRPr lang="zh-CN" altLang="en-US"/>
+            </a:p>
+          </p:txBody>
+        </p:sp>
+        <p:sp>
+          <p:nvSpPr>
+            <p:cNvPr id="47" name="任意多边形: 形状 46">
+              <a:extLst>
+                <a:ext uri="{FF2B5EF4-FFF2-40B4-BE49-F238E27FC236}">
+                  <a16:creationId xmlns:a16="http://schemas.microsoft.com/office/drawing/2014/main" id="{E6367D73-7968-464D-A455-4F12E639093D}"/>
+                </a:ext>
+              </a:extLst>
+            </p:cNvPr>
+            <p:cNvSpPr/>
+            <p:nvPr/>
+          </p:nvSpPr>
+          <p:spPr>
+            <a:xfrm rot="10800000">
+              <a:off x="7901023" y="646268"/>
+              <a:ext cx="367933" cy="720000"/>
+            </a:xfrm>
+            <a:custGeom>
+              <a:avLst/>
+              <a:gdLst>
+                <a:gd name="connsiteX0" fmla="*/ 360000 w 367933"/>
+                <a:gd name="connsiteY0" fmla="*/ 0 h 720000"/>
+                <a:gd name="connsiteX1" fmla="*/ 367933 w 367933"/>
+                <a:gd name="connsiteY1" fmla="*/ 800 h 720000"/>
+                <a:gd name="connsiteX2" fmla="*/ 367933 w 367933"/>
+                <a:gd name="connsiteY2" fmla="*/ 719200 h 720000"/>
+                <a:gd name="connsiteX3" fmla="*/ 360000 w 367933"/>
+                <a:gd name="connsiteY3" fmla="*/ 720000 h 720000"/>
+                <a:gd name="connsiteX4" fmla="*/ 0 w 367933"/>
+                <a:gd name="connsiteY4" fmla="*/ 360000 h 720000"/>
+                <a:gd name="connsiteX5" fmla="*/ 360000 w 367933"/>
+                <a:gd name="connsiteY5" fmla="*/ 0 h 720000"/>
+              </a:gdLst>
+              <a:ahLst/>
+              <a:cxnLst>
+                <a:cxn ang="0">
+                  <a:pos x="connsiteX0" y="connsiteY0"/>
+                </a:cxn>
+                <a:cxn ang="0">
+                  <a:pos x="connsiteX1" y="connsiteY1"/>
+                </a:cxn>
+                <a:cxn ang="0">
+                  <a:pos x="connsiteX2" y="connsiteY2"/>
+                </a:cxn>
+                <a:cxn ang="0">
+                  <a:pos x="connsiteX3" y="connsiteY3"/>
+                </a:cxn>
+                <a:cxn ang="0">
+                  <a:pos x="connsiteX4" y="connsiteY4"/>
+                </a:cxn>
+                <a:cxn ang="0">
+                  <a:pos x="connsiteX5" y="connsiteY5"/>
+                </a:cxn>
+              </a:cxnLst>
+              <a:rect l="l" t="t" r="r" b="b"/>
+              <a:pathLst>
+                <a:path w="367933" h="720000">
+                  <a:moveTo>
+                    <a:pt x="360000" y="0"/>
+                  </a:moveTo>
+                  <a:lnTo>
+                    <a:pt x="367933" y="800"/>
+                  </a:lnTo>
+                  <a:lnTo>
+                    <a:pt x="367933" y="719200"/>
+                  </a:lnTo>
+                  <a:lnTo>
+                    <a:pt x="360000" y="720000"/>
+                  </a:lnTo>
+                  <a:cubicBezTo>
+                    <a:pt x="161177" y="720000"/>
+                    <a:pt x="0" y="558823"/>
+                    <a:pt x="0" y="360000"/>
+                  </a:cubicBezTo>
+                  <a:cubicBezTo>
+                    <a:pt x="0" y="161177"/>
+                    <a:pt x="161177" y="0"/>
+                    <a:pt x="360000" y="0"/>
+                  </a:cubicBezTo>
+                  <a:close/>
+                </a:path>
+              </a:pathLst>
+            </a:custGeom>
+            <a:gradFill flip="none" rotWithShape="1">
+              <a:gsLst>
+                <a:gs pos="100000">
+                  <a:schemeClr val="bg1">
+                    <a:alpha val="40000"/>
+                  </a:schemeClr>
+                </a:gs>
+                <a:gs pos="0">
+                  <a:schemeClr val="bg1">
+                    <a:alpha val="80000"/>
+                  </a:schemeClr>
+                </a:gs>
+              </a:gsLst>
+              <a:path path="circle">
+                <a:fillToRect r="100000" b="100000"/>
+              </a:path>
+              <a:tileRect l="-100000" t="-100000"/>
+            </a:gradFill>
+            <a:ln>
+              <a:noFill/>
+            </a:ln>
+          </p:spPr>
+          <p:style>
+            <a:lnRef idx="2">
+              <a:schemeClr val="accent1">
+                <a:shade val="50000"/>
+              </a:schemeClr>
+            </a:lnRef>
+            <a:fillRef idx="1">
+              <a:schemeClr val="accent1"/>
+            </a:fillRef>
+            <a:effectRef idx="0">
+              <a:schemeClr val="accent1"/>
+            </a:effectRef>
+            <a:fontRef idx="minor">
+              <a:schemeClr val="lt1"/>
+            </a:fontRef>
+          </p:style>
+          <p:txBody>
+            <a:bodyPr wrap="square" rtlCol="0" anchor="ctr">
+              <a:noAutofit/>
+            </a:bodyPr>
+            <a:lstStyle/>
+            <a:p>
+              <a:pPr algn="ctr"/>
+              <a:endParaRPr lang="zh-CN" altLang="en-US"/>
+            </a:p>
+          </p:txBody>
+        </p:sp>
+        <p:sp>
+          <p:nvSpPr>
+            <p:cNvPr id="48" name="任意多边形: 形状 47">
+              <a:extLst>
+                <a:ext uri="{FF2B5EF4-FFF2-40B4-BE49-F238E27FC236}">
+                  <a16:creationId xmlns:a16="http://schemas.microsoft.com/office/drawing/2014/main" id="{6739C874-96E7-4488-A737-849BD4A387CB}"/>
+                </a:ext>
+              </a:extLst>
+            </p:cNvPr>
+            <p:cNvSpPr/>
+            <p:nvPr/>
+          </p:nvSpPr>
+          <p:spPr>
+            <a:xfrm rot="16200000">
+              <a:off x="7724990" y="822301"/>
+              <a:ext cx="367933" cy="720000"/>
+            </a:xfrm>
+            <a:custGeom>
+              <a:avLst/>
+              <a:gdLst>
+                <a:gd name="connsiteX0" fmla="*/ 360000 w 367933"/>
+                <a:gd name="connsiteY0" fmla="*/ 0 h 720000"/>
+                <a:gd name="connsiteX1" fmla="*/ 367933 w 367933"/>
+                <a:gd name="connsiteY1" fmla="*/ 800 h 720000"/>
+                <a:gd name="connsiteX2" fmla="*/ 367933 w 367933"/>
+                <a:gd name="connsiteY2" fmla="*/ 719200 h 720000"/>
+                <a:gd name="connsiteX3" fmla="*/ 360000 w 367933"/>
+                <a:gd name="connsiteY3" fmla="*/ 720000 h 720000"/>
+                <a:gd name="connsiteX4" fmla="*/ 0 w 367933"/>
+                <a:gd name="connsiteY4" fmla="*/ 360000 h 720000"/>
+                <a:gd name="connsiteX5" fmla="*/ 360000 w 367933"/>
+                <a:gd name="connsiteY5" fmla="*/ 0 h 720000"/>
+              </a:gdLst>
+              <a:ahLst/>
+              <a:cxnLst>
+                <a:cxn ang="0">
+                  <a:pos x="connsiteX0" y="connsiteY0"/>
+                </a:cxn>
+                <a:cxn ang="0">
+                  <a:pos x="connsiteX1" y="connsiteY1"/>
+                </a:cxn>
+                <a:cxn ang="0">
+                  <a:pos x="connsiteX2" y="connsiteY2"/>
+                </a:cxn>
+                <a:cxn ang="0">
+                  <a:pos x="connsiteX3" y="connsiteY3"/>
+                </a:cxn>
+                <a:cxn ang="0">
+                  <a:pos x="connsiteX4" y="connsiteY4"/>
+                </a:cxn>
+                <a:cxn ang="0">
+                  <a:pos x="connsiteX5" y="connsiteY5"/>
+                </a:cxn>
+              </a:cxnLst>
+              <a:rect l="l" t="t" r="r" b="b"/>
+              <a:pathLst>
+                <a:path w="367933" h="720000">
+                  <a:moveTo>
+                    <a:pt x="360000" y="0"/>
+                  </a:moveTo>
+                  <a:lnTo>
+                    <a:pt x="367933" y="800"/>
+                  </a:lnTo>
+                  <a:lnTo>
+                    <a:pt x="367933" y="719200"/>
+                  </a:lnTo>
+                  <a:lnTo>
+                    <a:pt x="360000" y="720000"/>
+                  </a:lnTo>
+                  <a:cubicBezTo>
+                    <a:pt x="161177" y="720000"/>
+                    <a:pt x="0" y="558823"/>
+                    <a:pt x="0" y="360000"/>
+                  </a:cubicBezTo>
+                  <a:cubicBezTo>
+                    <a:pt x="0" y="161177"/>
+                    <a:pt x="161177" y="0"/>
+                    <a:pt x="360000" y="0"/>
+                  </a:cubicBezTo>
+                  <a:close/>
+                </a:path>
+              </a:pathLst>
+            </a:custGeom>
+            <a:gradFill flip="none" rotWithShape="1">
+              <a:gsLst>
+                <a:gs pos="100000">
+                  <a:schemeClr val="bg1">
+                    <a:alpha val="40000"/>
+                  </a:schemeClr>
+                </a:gs>
+                <a:gs pos="0">
+                  <a:schemeClr val="bg1">
+                    <a:alpha val="80000"/>
+                  </a:schemeClr>
+                </a:gs>
+              </a:gsLst>
+              <a:path path="circle">
+                <a:fillToRect l="50000" t="50000" r="50000" b="50000"/>
+              </a:path>
+              <a:tileRect/>
+            </a:gradFill>
+            <a:ln>
+              <a:noFill/>
+            </a:ln>
+          </p:spPr>
+          <p:style>
+            <a:lnRef idx="2">
+              <a:schemeClr val="accent1">
+                <a:shade val="50000"/>
+              </a:schemeClr>
+            </a:lnRef>
+            <a:fillRef idx="1">
+              <a:schemeClr val="accent1"/>
+            </a:fillRef>
+            <a:effectRef idx="0">
+              <a:schemeClr val="accent1"/>
+            </a:effectRef>
+            <a:fontRef idx="minor">
+              <a:schemeClr val="lt1"/>
+            </a:fontRef>
+          </p:style>
+          <p:txBody>
+            <a:bodyPr wrap="square" rtlCol="0" anchor="ctr">
+              <a:noAutofit/>
+            </a:bodyPr>
+            <a:lstStyle/>
+            <a:p>
+              <a:pPr algn="ctr"/>
+              <a:endParaRPr lang="zh-CN" altLang="en-US"/>
+            </a:p>
+          </p:txBody>
+        </p:sp>
+      </p:grpSp>
+      <p:grpSp>
+        <p:nvGrpSpPr>
+          <p:cNvPr id="9" name="组合 8">
+            <a:extLst>
+              <a:ext uri="{FF2B5EF4-FFF2-40B4-BE49-F238E27FC236}">
+                <a16:creationId xmlns:a16="http://schemas.microsoft.com/office/drawing/2014/main" id="{FFE44ECE-F2A4-4DC9-8253-686A7CF2EB5C}"/>
+              </a:ext>
+            </a:extLst>
+          </p:cNvPr>
+          <p:cNvGrpSpPr/>
+          <p:nvPr/>
+        </p:nvGrpSpPr>
+        <p:grpSpPr>
+          <a:xfrm>
+            <a:off x="7798134" y="2698811"/>
+            <a:ext cx="849517" cy="849600"/>
+            <a:chOff x="7741309" y="2604304"/>
+            <a:chExt cx="849517" cy="995423"/>
+          </a:xfrm>
+        </p:grpSpPr>
+        <p:cxnSp>
+          <p:nvCxnSpPr>
+            <p:cNvPr id="5" name="直接连接符 4">
+              <a:extLst>
+                <a:ext uri="{FF2B5EF4-FFF2-40B4-BE49-F238E27FC236}">
+                  <a16:creationId xmlns:a16="http://schemas.microsoft.com/office/drawing/2014/main" id="{541059F2-C38A-411B-946C-225058FD0B1A}"/>
+                </a:ext>
+              </a:extLst>
+            </p:cNvPr>
+            <p:cNvCxnSpPr/>
+            <p:nvPr/>
+          </p:nvCxnSpPr>
+          <p:spPr>
+            <a:xfrm>
+              <a:off x="7743463" y="2604304"/>
+              <a:ext cx="847363" cy="995423"/>
+            </a:xfrm>
+            <a:prstGeom prst="line">
+              <a:avLst/>
+            </a:prstGeom>
+            <a:ln w="76200" cap="rnd">
+              <a:solidFill>
+                <a:srgbClr val="E9403A">
+                  <a:alpha val="80000"/>
+                </a:srgbClr>
+              </a:solidFill>
+              <a:round/>
+            </a:ln>
+          </p:spPr>
+          <p:style>
+            <a:lnRef idx="1">
+              <a:schemeClr val="accent1"/>
+            </a:lnRef>
+            <a:fillRef idx="0">
+              <a:schemeClr val="accent1"/>
+            </a:fillRef>
+            <a:effectRef idx="0">
+              <a:schemeClr val="accent1"/>
+            </a:effectRef>
+            <a:fontRef idx="minor">
+              <a:schemeClr val="tx1"/>
+            </a:fontRef>
+          </p:style>
+        </p:cxnSp>
+        <p:cxnSp>
+          <p:nvCxnSpPr>
+            <p:cNvPr id="49" name="直接连接符 48">
+              <a:extLst>
+                <a:ext uri="{FF2B5EF4-FFF2-40B4-BE49-F238E27FC236}">
+                  <a16:creationId xmlns:a16="http://schemas.microsoft.com/office/drawing/2014/main" id="{1F8CAEC1-7984-482A-B42E-C9AA4C8E7661}"/>
+                </a:ext>
+              </a:extLst>
+            </p:cNvPr>
+            <p:cNvCxnSpPr>
+              <a:cxnSpLocks/>
+            </p:cNvCxnSpPr>
+            <p:nvPr/>
+          </p:nvCxnSpPr>
+          <p:spPr>
+            <a:xfrm flipV="1">
+              <a:off x="7741309" y="2649508"/>
+              <a:ext cx="849517" cy="936364"/>
+            </a:xfrm>
+            <a:prstGeom prst="line">
+              <a:avLst/>
+            </a:prstGeom>
+            <a:ln w="76200" cap="rnd">
+              <a:solidFill>
+                <a:srgbClr val="E9403A"/>
+              </a:solidFill>
+              <a:round/>
+            </a:ln>
+          </p:spPr>
+          <p:style>
+            <a:lnRef idx="1">
+              <a:schemeClr val="accent1"/>
+            </a:lnRef>
+            <a:fillRef idx="0">
+              <a:schemeClr val="accent1"/>
+            </a:fillRef>
+            <a:effectRef idx="0">
+              <a:schemeClr val="accent1"/>
+            </a:effectRef>
+            <a:fontRef idx="minor">
+              <a:schemeClr val="tx1"/>
+            </a:fontRef>
+          </p:style>
+        </p:cxnSp>
+      </p:grpSp>
+      <p:sp>
+        <p:nvSpPr>
+          <p:cNvPr id="10" name="椭圆 9">
+            <a:extLst>
+              <a:ext uri="{FF2B5EF4-FFF2-40B4-BE49-F238E27FC236}">
+                <a16:creationId xmlns:a16="http://schemas.microsoft.com/office/drawing/2014/main" id="{CE3980EB-EC3E-4F6D-B2C5-DECCE0CDF777}"/>
+              </a:ext>
+            </a:extLst>
+          </p:cNvPr>
+          <p:cNvSpPr/>
+          <p:nvPr/>
+        </p:nvSpPr>
+        <p:spPr>
+          <a:xfrm>
+            <a:off x="3284677" y="3491545"/>
+            <a:ext cx="554400" cy="555171"/>
+          </a:xfrm>
+          <a:prstGeom prst="ellipse">
+            <a:avLst/>
+          </a:prstGeom>
+          <a:solidFill>
+            <a:srgbClr val="22D0C4"/>
+          </a:solidFill>
+          <a:ln>
+            <a:noFill/>
+          </a:ln>
+        </p:spPr>
+        <p:style>
+          <a:lnRef idx="2">
+            <a:schemeClr val="accent1">
+              <a:shade val="50000"/>
+            </a:schemeClr>
+          </a:lnRef>
+          <a:fillRef idx="1">
+            <a:schemeClr val="accent1"/>
+          </a:fillRef>
+          <a:effectRef idx="0">
+            <a:schemeClr val="accent1"/>
+          </a:effectRef>
+          <a:fontRef idx="minor">
+            <a:schemeClr val="lt1"/>
+          </a:fontRef>
+        </p:style>
+        <p:txBody>
+          <a:bodyPr rtlCol="0" anchor="ctr"/>
+          <a:lstStyle/>
+          <a:p>
+            <a:pPr algn="ctr"/>
+            <a:endParaRPr lang="zh-CN" altLang="en-US"/>
+          </a:p>
+        </p:txBody>
+      </p:sp>
+      <p:sp>
+        <p:nvSpPr>
+          <p:cNvPr id="51" name="任意多边形: 形状 50">
+            <a:extLst>
+              <a:ext uri="{FF2B5EF4-FFF2-40B4-BE49-F238E27FC236}">
+                <a16:creationId xmlns:a16="http://schemas.microsoft.com/office/drawing/2014/main" id="{D4BEFD04-E839-4379-8286-1678B2EA9499}"/>
+              </a:ext>
+            </a:extLst>
+          </p:cNvPr>
+          <p:cNvSpPr>
+            <a:spLocks noChangeAspect="1"/>
+          </p:cNvSpPr>
+          <p:nvPr/>
+        </p:nvSpPr>
+        <p:spPr>
+          <a:xfrm>
+            <a:off x="3032059" y="4134999"/>
+            <a:ext cx="1059637" cy="446314"/>
+          </a:xfrm>
+          <a:custGeom>
+            <a:avLst/>
+            <a:gdLst>
+              <a:gd name="connsiteX0" fmla="*/ 529818 w 1059637"/>
+              <a:gd name="connsiteY0" fmla="*/ 0 h 446314"/>
+              <a:gd name="connsiteX1" fmla="*/ 1058113 w 1059637"/>
+              <a:gd name="connsiteY1" fmla="*/ 431171 h 446314"/>
+              <a:gd name="connsiteX2" fmla="*/ 1059637 w 1059637"/>
+              <a:gd name="connsiteY2" fmla="*/ 446314 h 446314"/>
+              <a:gd name="connsiteX3" fmla="*/ 0 w 1059637"/>
+              <a:gd name="connsiteY3" fmla="*/ 446314 h 446314"/>
+              <a:gd name="connsiteX4" fmla="*/ 1524 w 1059637"/>
+              <a:gd name="connsiteY4" fmla="*/ 431171 h 446314"/>
+              <a:gd name="connsiteX5" fmla="*/ 529818 w 1059637"/>
+              <a:gd name="connsiteY5" fmla="*/ 0 h 446314"/>
+            </a:gdLst>
+            <a:ahLst/>
+            <a:cxnLst>
+              <a:cxn ang="0">
+                <a:pos x="connsiteX0" y="connsiteY0"/>
+              </a:cxn>
+              <a:cxn ang="0">
+                <a:pos x="connsiteX1" y="connsiteY1"/>
+              </a:cxn>
+              <a:cxn ang="0">
+                <a:pos x="connsiteX2" y="connsiteY2"/>
+              </a:cxn>
+              <a:cxn ang="0">
+                <a:pos x="connsiteX3" y="connsiteY3"/>
+              </a:cxn>
+              <a:cxn ang="0">
+                <a:pos x="connsiteX4" y="connsiteY4"/>
+              </a:cxn>
+              <a:cxn ang="0">
+                <a:pos x="connsiteX5" y="connsiteY5"/>
+              </a:cxn>
+            </a:cxnLst>
+            <a:rect l="l" t="t" r="r" b="b"/>
+            <a:pathLst>
+              <a:path w="1059637" h="446314">
+                <a:moveTo>
+                  <a:pt x="529818" y="0"/>
+                </a:moveTo>
+                <a:cubicBezTo>
+                  <a:pt x="790411" y="0"/>
+                  <a:pt x="1007830" y="185102"/>
+                  <a:pt x="1058113" y="431171"/>
+                </a:cubicBezTo>
+                <a:lnTo>
+                  <a:pt x="1059637" y="446314"/>
+                </a:lnTo>
+                <a:lnTo>
+                  <a:pt x="0" y="446314"/>
+                </a:lnTo>
+                <a:lnTo>
+                  <a:pt x="1524" y="431171"/>
+                </a:lnTo>
+                <a:cubicBezTo>
+                  <a:pt x="51807" y="185102"/>
+                  <a:pt x="269226" y="0"/>
+                  <a:pt x="529818" y="0"/>
+                </a:cubicBezTo>
+                <a:close/>
+              </a:path>
+            </a:pathLst>
+          </a:custGeom>
+          <a:solidFill>
+            <a:srgbClr val="C0F9F5"/>
+          </a:solidFill>
+          <a:ln>
+            <a:noFill/>
+          </a:ln>
+        </p:spPr>
+        <p:style>
+          <a:lnRef idx="2">
+            <a:schemeClr val="accent1">
+              <a:shade val="50000"/>
+            </a:schemeClr>
+          </a:lnRef>
+          <a:fillRef idx="1">
+            <a:schemeClr val="accent1"/>
+          </a:fillRef>
+          <a:effectRef idx="0">
+            <a:schemeClr val="accent1"/>
+          </a:effectRef>
+          <a:fontRef idx="minor">
+            <a:schemeClr val="lt1"/>
+          </a:fontRef>
+        </p:style>
+        <p:txBody>
+          <a:bodyPr wrap="square" rtlCol="0" anchor="ctr">
+            <a:noAutofit/>
+          </a:bodyPr>
+          <a:lstStyle/>
+          <a:p>
+            <a:pPr algn="ctr"/>
+            <a:endParaRPr lang="zh-CN" altLang="en-US"/>
+          </a:p>
+        </p:txBody>
+      </p:sp>
     </p:spTree>
     <p:extLst>
       <p:ext uri="{BB962C8B-B14F-4D97-AF65-F5344CB8AC3E}">
@@ -9063,6 +11133,2876 @@
 </file>
 
 <file path=ppt/slides/slide4.xml><?xml version="1.0" encoding="utf-8"?>
+<p:sld xmlns:a="http://schemas.openxmlformats.org/drawingml/2006/main" xmlns:r="http://schemas.openxmlformats.org/officeDocument/2006/relationships" xmlns:p="http://schemas.openxmlformats.org/presentationml/2006/main">
+  <p:cSld>
+    <p:bg>
+      <p:bgPr>
+        <a:solidFill>
+          <a:schemeClr val="bg1"/>
+        </a:solidFill>
+        <a:effectLst/>
+      </p:bgPr>
+    </p:bg>
+    <p:spTree>
+      <p:nvGrpSpPr>
+        <p:cNvPr id="1" name=""/>
+        <p:cNvGrpSpPr/>
+        <p:nvPr/>
+      </p:nvGrpSpPr>
+      <p:grpSpPr>
+        <a:xfrm>
+          <a:off x="0" y="0"/>
+          <a:ext cx="0" cy="0"/>
+          <a:chOff x="0" y="0"/>
+          <a:chExt cx="0" cy="0"/>
+        </a:xfrm>
+      </p:grpSpPr>
+      <p:sp>
+        <p:nvSpPr>
+          <p:cNvPr id="4" name="矩形: 圆角 3">
+            <a:extLst>
+              <a:ext uri="{FF2B5EF4-FFF2-40B4-BE49-F238E27FC236}">
+                <a16:creationId xmlns:a16="http://schemas.microsoft.com/office/drawing/2014/main" id="{249576B7-257E-4A08-99D9-B97946F2E623}"/>
+              </a:ext>
+            </a:extLst>
+          </p:cNvPr>
+          <p:cNvSpPr/>
+          <p:nvPr/>
+        </p:nvSpPr>
+        <p:spPr>
+          <a:xfrm>
+            <a:off x="2329543" y="550073"/>
+            <a:ext cx="7750628" cy="5818069"/>
+          </a:xfrm>
+          <a:prstGeom prst="roundRect">
+            <a:avLst>
+              <a:gd name="adj" fmla="val 815"/>
+            </a:avLst>
+          </a:prstGeom>
+          <a:solidFill>
+            <a:schemeClr val="bg1"/>
+          </a:solidFill>
+          <a:ln>
+            <a:noFill/>
+          </a:ln>
+          <a:effectLst>
+            <a:outerShdw blurRad="152400" algn="ctr" rotWithShape="0">
+              <a:prstClr val="black">
+                <a:alpha val="20000"/>
+              </a:prstClr>
+            </a:outerShdw>
+          </a:effectLst>
+        </p:spPr>
+        <p:style>
+          <a:lnRef idx="2">
+            <a:schemeClr val="accent1">
+              <a:shade val="50000"/>
+            </a:schemeClr>
+          </a:lnRef>
+          <a:fillRef idx="1">
+            <a:schemeClr val="accent1"/>
+          </a:fillRef>
+          <a:effectRef idx="0">
+            <a:schemeClr val="accent1"/>
+          </a:effectRef>
+          <a:fontRef idx="minor">
+            <a:schemeClr val="lt1"/>
+          </a:fontRef>
+        </p:style>
+        <p:txBody>
+          <a:bodyPr rtlCol="0" anchor="ctr"/>
+          <a:lstStyle/>
+          <a:p>
+            <a:pPr algn="ctr"/>
+            <a:endParaRPr lang="zh-CN" altLang="en-US"/>
+          </a:p>
+        </p:txBody>
+      </p:sp>
+      <p:sp>
+        <p:nvSpPr>
+          <p:cNvPr id="6" name="矩形: 圆角 5">
+            <a:extLst>
+              <a:ext uri="{FF2B5EF4-FFF2-40B4-BE49-F238E27FC236}">
+                <a16:creationId xmlns:a16="http://schemas.microsoft.com/office/drawing/2014/main" id="{50AB789A-F452-433D-A7D1-C5443DB035D6}"/>
+              </a:ext>
+            </a:extLst>
+          </p:cNvPr>
+          <p:cNvSpPr/>
+          <p:nvPr/>
+        </p:nvSpPr>
+        <p:spPr>
+          <a:xfrm>
+            <a:off x="2525384" y="1348235"/>
+            <a:ext cx="2243833" cy="377715"/>
+          </a:xfrm>
+          <a:prstGeom prst="roundRect">
+            <a:avLst>
+              <a:gd name="adj" fmla="val 50000"/>
+            </a:avLst>
+          </a:prstGeom>
+          <a:solidFill>
+            <a:srgbClr val="C0F9F5"/>
+          </a:solidFill>
+          <a:ln>
+            <a:noFill/>
+          </a:ln>
+        </p:spPr>
+        <p:style>
+          <a:lnRef idx="2">
+            <a:schemeClr val="accent1">
+              <a:shade val="50000"/>
+            </a:schemeClr>
+          </a:lnRef>
+          <a:fillRef idx="1">
+            <a:schemeClr val="accent1"/>
+          </a:fillRef>
+          <a:effectRef idx="0">
+            <a:schemeClr val="accent1"/>
+          </a:effectRef>
+          <a:fontRef idx="minor">
+            <a:schemeClr val="lt1"/>
+          </a:fontRef>
+        </p:style>
+        <p:txBody>
+          <a:bodyPr rtlCol="0" anchor="ctr"/>
+          <a:lstStyle/>
+          <a:p>
+            <a:pPr algn="ctr"/>
+            <a:endParaRPr lang="zh-CN" altLang="en-US"/>
+          </a:p>
+        </p:txBody>
+      </p:sp>
+      <p:cxnSp>
+        <p:nvCxnSpPr>
+          <p:cNvPr id="11" name="直接连接符 10">
+            <a:extLst>
+              <a:ext uri="{FF2B5EF4-FFF2-40B4-BE49-F238E27FC236}">
+                <a16:creationId xmlns:a16="http://schemas.microsoft.com/office/drawing/2014/main" id="{7EAA70FD-9D71-4A73-8EE7-9FEDDFF6B8BC}"/>
+              </a:ext>
+            </a:extLst>
+          </p:cNvPr>
+          <p:cNvCxnSpPr>
+            <a:cxnSpLocks/>
+          </p:cNvCxnSpPr>
+          <p:nvPr/>
+        </p:nvCxnSpPr>
+        <p:spPr>
+          <a:xfrm>
+            <a:off x="4940058" y="721986"/>
+            <a:ext cx="0" cy="5467503"/>
+          </a:xfrm>
+          <a:prstGeom prst="line">
+            <a:avLst/>
+          </a:prstGeom>
+          <a:ln w="12700">
+            <a:solidFill>
+              <a:srgbClr val="F3F1FB"/>
+            </a:solidFill>
+          </a:ln>
+        </p:spPr>
+        <p:style>
+          <a:lnRef idx="1">
+            <a:schemeClr val="accent1"/>
+          </a:lnRef>
+          <a:fillRef idx="0">
+            <a:schemeClr val="accent1"/>
+          </a:fillRef>
+          <a:effectRef idx="0">
+            <a:schemeClr val="accent1"/>
+          </a:effectRef>
+          <a:fontRef idx="minor">
+            <a:schemeClr val="tx1"/>
+          </a:fontRef>
+        </p:style>
+      </p:cxnSp>
+      <p:grpSp>
+        <p:nvGrpSpPr>
+          <p:cNvPr id="14" name="组合 13">
+            <a:extLst>
+              <a:ext uri="{FF2B5EF4-FFF2-40B4-BE49-F238E27FC236}">
+                <a16:creationId xmlns:a16="http://schemas.microsoft.com/office/drawing/2014/main" id="{0EF0F7AD-1069-4D14-A4B4-84ADED227A95}"/>
+              </a:ext>
+            </a:extLst>
+          </p:cNvPr>
+          <p:cNvGrpSpPr/>
+          <p:nvPr/>
+        </p:nvGrpSpPr>
+        <p:grpSpPr>
+          <a:xfrm>
+            <a:off x="2533406" y="733376"/>
+            <a:ext cx="422201" cy="441060"/>
+            <a:chOff x="6071477" y="391055"/>
+            <a:chExt cx="720000" cy="720000"/>
+          </a:xfrm>
+        </p:grpSpPr>
+        <p:sp>
+          <p:nvSpPr>
+            <p:cNvPr id="15" name="椭圆 14">
+              <a:extLst>
+                <a:ext uri="{FF2B5EF4-FFF2-40B4-BE49-F238E27FC236}">
+                  <a16:creationId xmlns:a16="http://schemas.microsoft.com/office/drawing/2014/main" id="{81A262F8-39A3-43D0-9A56-8684ACE8B4ED}"/>
+                </a:ext>
+              </a:extLst>
+            </p:cNvPr>
+            <p:cNvSpPr/>
+            <p:nvPr/>
+          </p:nvSpPr>
+          <p:spPr>
+            <a:xfrm>
+              <a:off x="6071477" y="391055"/>
+              <a:ext cx="720000" cy="720000"/>
+            </a:xfrm>
+            <a:prstGeom prst="ellipse">
+              <a:avLst/>
+            </a:prstGeom>
+            <a:gradFill>
+              <a:gsLst>
+                <a:gs pos="0">
+                  <a:srgbClr val="5FE5DD"/>
+                </a:gs>
+                <a:gs pos="100000">
+                  <a:srgbClr val="22D0C4"/>
+                </a:gs>
+              </a:gsLst>
+              <a:path path="circle">
+                <a:fillToRect r="100000" b="100000"/>
+              </a:path>
+            </a:gradFill>
+            <a:ln>
+              <a:noFill/>
+            </a:ln>
+            <a:effectLst/>
+          </p:spPr>
+          <p:style>
+            <a:lnRef idx="2">
+              <a:schemeClr val="accent1">
+                <a:shade val="50000"/>
+              </a:schemeClr>
+            </a:lnRef>
+            <a:fillRef idx="1">
+              <a:schemeClr val="accent1"/>
+            </a:fillRef>
+            <a:effectRef idx="0">
+              <a:schemeClr val="accent1"/>
+            </a:effectRef>
+            <a:fontRef idx="minor">
+              <a:schemeClr val="lt1"/>
+            </a:fontRef>
+          </p:style>
+          <p:txBody>
+            <a:bodyPr rtlCol="0" anchor="ctr"/>
+            <a:lstStyle/>
+            <a:p>
+              <a:pPr algn="ctr"/>
+              <a:endParaRPr lang="zh-CN" altLang="en-US"/>
+            </a:p>
+          </p:txBody>
+        </p:sp>
+        <p:grpSp>
+          <p:nvGrpSpPr>
+            <p:cNvPr id="16" name="组合 15">
+              <a:extLst>
+                <a:ext uri="{FF2B5EF4-FFF2-40B4-BE49-F238E27FC236}">
+                  <a16:creationId xmlns:a16="http://schemas.microsoft.com/office/drawing/2014/main" id="{59E63A23-1115-417D-A99A-AFC7DD1643E8}"/>
+                </a:ext>
+              </a:extLst>
+            </p:cNvPr>
+            <p:cNvGrpSpPr/>
+            <p:nvPr/>
+          </p:nvGrpSpPr>
+          <p:grpSpPr>
+            <a:xfrm>
+              <a:off x="6212664" y="468495"/>
+              <a:ext cx="432876" cy="418685"/>
+              <a:chOff x="4344687" y="1948502"/>
+              <a:chExt cx="966838" cy="935999"/>
+            </a:xfrm>
+          </p:grpSpPr>
+          <p:sp>
+            <p:nvSpPr>
+              <p:cNvPr id="19" name="等腰三角形 18">
+                <a:extLst>
+                  <a:ext uri="{FF2B5EF4-FFF2-40B4-BE49-F238E27FC236}">
+                    <a16:creationId xmlns:a16="http://schemas.microsoft.com/office/drawing/2014/main" id="{999B8302-519E-4A00-9EE8-126809208A14}"/>
+                  </a:ext>
+                </a:extLst>
+              </p:cNvPr>
+              <p:cNvSpPr/>
+              <p:nvPr/>
+            </p:nvSpPr>
+            <p:spPr>
+              <a:xfrm>
+                <a:off x="4344687" y="1948502"/>
+                <a:ext cx="794132" cy="935999"/>
+              </a:xfrm>
+              <a:prstGeom prst="triangle">
+                <a:avLst/>
+              </a:prstGeom>
+              <a:solidFill>
+                <a:schemeClr val="bg1"/>
+              </a:solidFill>
+              <a:ln>
+                <a:noFill/>
+              </a:ln>
+              <a:effectLst/>
+            </p:spPr>
+            <p:style>
+              <a:lnRef idx="2">
+                <a:schemeClr val="accent1">
+                  <a:shade val="50000"/>
+                </a:schemeClr>
+              </a:lnRef>
+              <a:fillRef idx="1">
+                <a:schemeClr val="accent1"/>
+              </a:fillRef>
+              <a:effectRef idx="0">
+                <a:schemeClr val="accent1"/>
+              </a:effectRef>
+              <a:fontRef idx="minor">
+                <a:schemeClr val="lt1"/>
+              </a:fontRef>
+            </p:style>
+            <p:txBody>
+              <a:bodyPr rtlCol="0" anchor="ctr"/>
+              <a:lstStyle/>
+              <a:p>
+                <a:pPr algn="ctr"/>
+                <a:endParaRPr lang="zh-CN" altLang="en-US"/>
+              </a:p>
+            </p:txBody>
+          </p:sp>
+          <p:sp>
+            <p:nvSpPr>
+              <p:cNvPr id="20" name="等腰三角形 19">
+                <a:extLst>
+                  <a:ext uri="{FF2B5EF4-FFF2-40B4-BE49-F238E27FC236}">
+                    <a16:creationId xmlns:a16="http://schemas.microsoft.com/office/drawing/2014/main" id="{A3B1EC6F-E462-4749-8F42-1AC16CDEFB06}"/>
+                  </a:ext>
+                </a:extLst>
+              </p:cNvPr>
+              <p:cNvSpPr/>
+              <p:nvPr/>
+            </p:nvSpPr>
+            <p:spPr>
+              <a:xfrm>
+                <a:off x="4712557" y="2269353"/>
+                <a:ext cx="598968" cy="608640"/>
+              </a:xfrm>
+              <a:prstGeom prst="triangle">
+                <a:avLst/>
+              </a:prstGeom>
+              <a:solidFill>
+                <a:schemeClr val="bg1">
+                  <a:alpha val="80000"/>
+                </a:schemeClr>
+              </a:solidFill>
+              <a:ln>
+                <a:noFill/>
+              </a:ln>
+              <a:effectLst/>
+            </p:spPr>
+            <p:style>
+              <a:lnRef idx="2">
+                <a:schemeClr val="accent1">
+                  <a:shade val="50000"/>
+                </a:schemeClr>
+              </a:lnRef>
+              <a:fillRef idx="1">
+                <a:schemeClr val="accent1"/>
+              </a:fillRef>
+              <a:effectRef idx="0">
+                <a:schemeClr val="accent1"/>
+              </a:effectRef>
+              <a:fontRef idx="minor">
+                <a:schemeClr val="lt1"/>
+              </a:fontRef>
+            </p:style>
+            <p:txBody>
+              <a:bodyPr rtlCol="0" anchor="ctr"/>
+              <a:lstStyle/>
+              <a:p>
+                <a:pPr algn="ctr"/>
+                <a:endParaRPr lang="zh-CN" altLang="en-US"/>
+              </a:p>
+            </p:txBody>
+          </p:sp>
+        </p:grpSp>
+        <p:sp>
+          <p:nvSpPr>
+            <p:cNvPr id="17" name="任意多边形: 形状 16">
+              <a:extLst>
+                <a:ext uri="{FF2B5EF4-FFF2-40B4-BE49-F238E27FC236}">
+                  <a16:creationId xmlns:a16="http://schemas.microsoft.com/office/drawing/2014/main" id="{2113699D-48BF-45BA-94CB-B465C2BC9D64}"/>
+                </a:ext>
+              </a:extLst>
+            </p:cNvPr>
+            <p:cNvSpPr/>
+            <p:nvPr/>
+          </p:nvSpPr>
+          <p:spPr>
+            <a:xfrm>
+              <a:off x="6099637" y="884272"/>
+              <a:ext cx="666210" cy="226783"/>
+            </a:xfrm>
+            <a:custGeom>
+              <a:avLst/>
+              <a:gdLst>
+                <a:gd name="connsiteX0" fmla="*/ 0 w 666210"/>
+                <a:gd name="connsiteY0" fmla="*/ 0 h 226783"/>
+                <a:gd name="connsiteX1" fmla="*/ 666210 w 666210"/>
+                <a:gd name="connsiteY1" fmla="*/ 0 h 226783"/>
+                <a:gd name="connsiteX2" fmla="*/ 664815 w 666210"/>
+                <a:gd name="connsiteY2" fmla="*/ 6911 h 226783"/>
+                <a:gd name="connsiteX3" fmla="*/ 333105 w 666210"/>
+                <a:gd name="connsiteY3" fmla="*/ 226783 h 226783"/>
+                <a:gd name="connsiteX4" fmla="*/ 1396 w 666210"/>
+                <a:gd name="connsiteY4" fmla="*/ 6911 h 226783"/>
+              </a:gdLst>
+              <a:ahLst/>
+              <a:cxnLst>
+                <a:cxn ang="0">
+                  <a:pos x="connsiteX0" y="connsiteY0"/>
+                </a:cxn>
+                <a:cxn ang="0">
+                  <a:pos x="connsiteX1" y="connsiteY1"/>
+                </a:cxn>
+                <a:cxn ang="0">
+                  <a:pos x="connsiteX2" y="connsiteY2"/>
+                </a:cxn>
+                <a:cxn ang="0">
+                  <a:pos x="connsiteX3" y="connsiteY3"/>
+                </a:cxn>
+                <a:cxn ang="0">
+                  <a:pos x="connsiteX4" y="connsiteY4"/>
+                </a:cxn>
+              </a:cxnLst>
+              <a:rect l="l" t="t" r="r" b="b"/>
+              <a:pathLst>
+                <a:path w="666210" h="226783">
+                  <a:moveTo>
+                    <a:pt x="0" y="0"/>
+                  </a:moveTo>
+                  <a:lnTo>
+                    <a:pt x="666210" y="0"/>
+                  </a:lnTo>
+                  <a:lnTo>
+                    <a:pt x="664815" y="6911"/>
+                  </a:lnTo>
+                  <a:cubicBezTo>
+                    <a:pt x="610164" y="136121"/>
+                    <a:pt x="482222" y="226783"/>
+                    <a:pt x="333105" y="226783"/>
+                  </a:cubicBezTo>
+                  <a:cubicBezTo>
+                    <a:pt x="183988" y="226783"/>
+                    <a:pt x="56047" y="136121"/>
+                    <a:pt x="1396" y="6911"/>
+                  </a:cubicBezTo>
+                  <a:close/>
+                </a:path>
+              </a:pathLst>
+            </a:custGeom>
+            <a:solidFill>
+              <a:schemeClr val="bg1">
+                <a:alpha val="50000"/>
+              </a:schemeClr>
+            </a:solidFill>
+            <a:ln>
+              <a:noFill/>
+            </a:ln>
+            <a:effectLst/>
+          </p:spPr>
+          <p:style>
+            <a:lnRef idx="2">
+              <a:schemeClr val="accent1">
+                <a:shade val="50000"/>
+              </a:schemeClr>
+            </a:lnRef>
+            <a:fillRef idx="1">
+              <a:schemeClr val="accent1"/>
+            </a:fillRef>
+            <a:effectRef idx="0">
+              <a:schemeClr val="accent1"/>
+            </a:effectRef>
+            <a:fontRef idx="minor">
+              <a:schemeClr val="lt1"/>
+            </a:fontRef>
+          </p:style>
+          <p:txBody>
+            <a:bodyPr wrap="square" rtlCol="0" anchor="ctr">
+              <a:noAutofit/>
+            </a:bodyPr>
+            <a:lstStyle/>
+            <a:p>
+              <a:pPr algn="ctr"/>
+              <a:endParaRPr lang="zh-CN" altLang="en-US"/>
+            </a:p>
+          </p:txBody>
+        </p:sp>
+        <p:sp>
+          <p:nvSpPr>
+            <p:cNvPr id="18" name="任意多边形: 形状 17">
+              <a:extLst>
+                <a:ext uri="{FF2B5EF4-FFF2-40B4-BE49-F238E27FC236}">
+                  <a16:creationId xmlns:a16="http://schemas.microsoft.com/office/drawing/2014/main" id="{21379E7A-52EA-48ED-BF7F-4A4FA414F212}"/>
+                </a:ext>
+              </a:extLst>
+            </p:cNvPr>
+            <p:cNvSpPr/>
+            <p:nvPr/>
+          </p:nvSpPr>
+          <p:spPr>
+            <a:xfrm>
+              <a:off x="6212663" y="884270"/>
+              <a:ext cx="480296" cy="187301"/>
+            </a:xfrm>
+            <a:custGeom>
+              <a:avLst/>
+              <a:gdLst>
+                <a:gd name="connsiteX0" fmla="*/ 8301 w 468514"/>
+                <a:gd name="connsiteY0" fmla="*/ 0 h 192314"/>
+                <a:gd name="connsiteX1" fmla="*/ 429967 w 468514"/>
+                <a:gd name="connsiteY1" fmla="*/ 0 h 192314"/>
+                <a:gd name="connsiteX2" fmla="*/ 468514 w 468514"/>
+                <a:gd name="connsiteY2" fmla="*/ 119144 h 192314"/>
+                <a:gd name="connsiteX3" fmla="*/ 417717 w 468514"/>
+                <a:gd name="connsiteY3" fmla="*/ 165301 h 192314"/>
+                <a:gd name="connsiteX4" fmla="*/ 361525 w 468514"/>
+                <a:gd name="connsiteY4" fmla="*/ 192314 h 192314"/>
+                <a:gd name="connsiteX5" fmla="*/ 0 w 468514"/>
+                <a:gd name="connsiteY5" fmla="*/ 2686 h 192314"/>
+              </a:gdLst>
+              <a:ahLst/>
+              <a:cxnLst>
+                <a:cxn ang="0">
+                  <a:pos x="connsiteX0" y="connsiteY0"/>
+                </a:cxn>
+                <a:cxn ang="0">
+                  <a:pos x="connsiteX1" y="connsiteY1"/>
+                </a:cxn>
+                <a:cxn ang="0">
+                  <a:pos x="connsiteX2" y="connsiteY2"/>
+                </a:cxn>
+                <a:cxn ang="0">
+                  <a:pos x="connsiteX3" y="connsiteY3"/>
+                </a:cxn>
+                <a:cxn ang="0">
+                  <a:pos x="connsiteX4" y="connsiteY4"/>
+                </a:cxn>
+                <a:cxn ang="0">
+                  <a:pos x="connsiteX5" y="connsiteY5"/>
+                </a:cxn>
+              </a:cxnLst>
+              <a:rect l="l" t="t" r="r" b="b"/>
+              <a:pathLst>
+                <a:path w="468514" h="192314">
+                  <a:moveTo>
+                    <a:pt x="8301" y="0"/>
+                  </a:moveTo>
+                  <a:lnTo>
+                    <a:pt x="429967" y="0"/>
+                  </a:lnTo>
+                  <a:lnTo>
+                    <a:pt x="468514" y="119144"/>
+                  </a:lnTo>
+                  <a:lnTo>
+                    <a:pt x="417717" y="165301"/>
+                  </a:lnTo>
+                  <a:lnTo>
+                    <a:pt x="361525" y="192314"/>
+                  </a:lnTo>
+                  <a:lnTo>
+                    <a:pt x="0" y="2686"/>
+                  </a:lnTo>
+                  <a:close/>
+                </a:path>
+              </a:pathLst>
+            </a:custGeom>
+            <a:solidFill>
+              <a:schemeClr val="bg1">
+                <a:alpha val="50000"/>
+              </a:schemeClr>
+            </a:solidFill>
+            <a:ln>
+              <a:noFill/>
+            </a:ln>
+            <a:effectLst/>
+          </p:spPr>
+          <p:style>
+            <a:lnRef idx="2">
+              <a:schemeClr val="accent1">
+                <a:shade val="50000"/>
+              </a:schemeClr>
+            </a:lnRef>
+            <a:fillRef idx="1">
+              <a:schemeClr val="accent1"/>
+            </a:fillRef>
+            <a:effectRef idx="0">
+              <a:schemeClr val="accent1"/>
+            </a:effectRef>
+            <a:fontRef idx="minor">
+              <a:schemeClr val="lt1"/>
+            </a:fontRef>
+          </p:style>
+          <p:txBody>
+            <a:bodyPr wrap="square" rtlCol="0" anchor="ctr">
+              <a:noAutofit/>
+            </a:bodyPr>
+            <a:lstStyle/>
+            <a:p>
+              <a:pPr algn="ctr"/>
+              <a:endParaRPr lang="zh-CN" altLang="en-US"/>
+            </a:p>
+          </p:txBody>
+        </p:sp>
+      </p:grpSp>
+      <p:sp>
+        <p:nvSpPr>
+          <p:cNvPr id="21" name="文本框 20">
+            <a:extLst>
+              <a:ext uri="{FF2B5EF4-FFF2-40B4-BE49-F238E27FC236}">
+                <a16:creationId xmlns:a16="http://schemas.microsoft.com/office/drawing/2014/main" id="{59342D9F-3D52-4A0A-8E2D-B2CB3C2D10FD}"/>
+              </a:ext>
+            </a:extLst>
+          </p:cNvPr>
+          <p:cNvSpPr txBox="1"/>
+          <p:nvPr/>
+        </p:nvSpPr>
+        <p:spPr>
+          <a:xfrm>
+            <a:off x="3048019" y="800018"/>
+            <a:ext cx="828304" cy="307777"/>
+          </a:xfrm>
+          <a:prstGeom prst="rect">
+            <a:avLst/>
+          </a:prstGeom>
+          <a:noFill/>
+        </p:spPr>
+        <p:txBody>
+          <a:bodyPr wrap="none" rtlCol="0">
+            <a:spAutoFit/>
+          </a:bodyPr>
+          <a:lstStyle/>
+          <a:p>
+            <a:r>
+              <a:rPr lang="en-US" altLang="zh-CN" sz="1400">
+                <a:solidFill>
+                  <a:schemeClr val="tx1">
+                    <a:lumMod val="85000"/>
+                    <a:lumOff val="15000"/>
+                  </a:schemeClr>
+                </a:solidFill>
+                <a:latin typeface="Abadi Extra Light" panose="020B0204020104020204" pitchFamily="34" charset="0"/>
+                <a:ea typeface="微软雅黑" panose="020B0503020204020204" pitchFamily="34" charset="-122"/>
+              </a:rPr>
+              <a:t>BUILDER</a:t>
+            </a:r>
+            <a:endParaRPr lang="zh-CN" altLang="en-US" sz="1400">
+              <a:solidFill>
+                <a:schemeClr val="tx1">
+                  <a:lumMod val="85000"/>
+                  <a:lumOff val="15000"/>
+                </a:schemeClr>
+              </a:solidFill>
+              <a:latin typeface="Abadi Extra Light" panose="020B0204020104020204" pitchFamily="34" charset="0"/>
+              <a:ea typeface="微软雅黑" panose="020B0503020204020204" pitchFamily="34" charset="-122"/>
+            </a:endParaRPr>
+          </a:p>
+        </p:txBody>
+      </p:sp>
+      <p:sp>
+        <p:nvSpPr>
+          <p:cNvPr id="22" name="文本框 21">
+            <a:extLst>
+              <a:ext uri="{FF2B5EF4-FFF2-40B4-BE49-F238E27FC236}">
+                <a16:creationId xmlns:a16="http://schemas.microsoft.com/office/drawing/2014/main" id="{2E6949A6-0289-4DF4-B754-61C288BC27AC}"/>
+              </a:ext>
+            </a:extLst>
+          </p:cNvPr>
+          <p:cNvSpPr txBox="1"/>
+          <p:nvPr/>
+        </p:nvSpPr>
+        <p:spPr>
+          <a:xfrm>
+            <a:off x="3048019" y="1386890"/>
+            <a:ext cx="818686" cy="307777"/>
+          </a:xfrm>
+          <a:prstGeom prst="rect">
+            <a:avLst/>
+          </a:prstGeom>
+          <a:noFill/>
+        </p:spPr>
+        <p:txBody>
+          <a:bodyPr wrap="none" rtlCol="0">
+            <a:spAutoFit/>
+          </a:bodyPr>
+          <a:lstStyle/>
+          <a:p>
+            <a:r>
+              <a:rPr lang="en-US" altLang="zh-CN" sz="1400">
+                <a:solidFill>
+                  <a:schemeClr val="tx1">
+                    <a:lumMod val="85000"/>
+                    <a:lumOff val="15000"/>
+                  </a:schemeClr>
+                </a:solidFill>
+                <a:latin typeface="Abadi Extra Light" panose="020B0204020104020204" pitchFamily="34" charset="0"/>
+                <a:ea typeface="微软雅黑" panose="020B0503020204020204" pitchFamily="34" charset="-122"/>
+              </a:rPr>
+              <a:t>PROJECT</a:t>
+            </a:r>
+            <a:endParaRPr lang="zh-CN" altLang="en-US" sz="1400">
+              <a:solidFill>
+                <a:schemeClr val="tx1">
+                  <a:lumMod val="85000"/>
+                  <a:lumOff val="15000"/>
+                </a:schemeClr>
+              </a:solidFill>
+              <a:latin typeface="Abadi Extra Light" panose="020B0204020104020204" pitchFamily="34" charset="0"/>
+              <a:ea typeface="微软雅黑" panose="020B0503020204020204" pitchFamily="34" charset="-122"/>
+            </a:endParaRPr>
+          </a:p>
+        </p:txBody>
+      </p:sp>
+      <p:pic>
+        <p:nvPicPr>
+          <p:cNvPr id="31" name="图片 30">
+            <a:extLst>
+              <a:ext uri="{FF2B5EF4-FFF2-40B4-BE49-F238E27FC236}">
+                <a16:creationId xmlns:a16="http://schemas.microsoft.com/office/drawing/2014/main" id="{F54C37B1-E39C-4F44-B9EC-B55027E2E885}"/>
+              </a:ext>
+            </a:extLst>
+          </p:cNvPr>
+          <p:cNvPicPr>
+            <a:picLocks noChangeAspect="1"/>
+          </p:cNvPicPr>
+          <p:nvPr/>
+        </p:nvPicPr>
+        <p:blipFill>
+          <a:blip r:embed="rId2"/>
+          <a:stretch>
+            <a:fillRect/>
+          </a:stretch>
+        </p:blipFill>
+        <p:spPr>
+          <a:xfrm>
+            <a:off x="961192" y="2705138"/>
+            <a:ext cx="586791" cy="449619"/>
+          </a:xfrm>
+          <a:prstGeom prst="rect">
+            <a:avLst/>
+          </a:prstGeom>
+        </p:spPr>
+      </p:pic>
+      <p:sp>
+        <p:nvSpPr>
+          <p:cNvPr id="33" name="文本框 32">
+            <a:extLst>
+              <a:ext uri="{FF2B5EF4-FFF2-40B4-BE49-F238E27FC236}">
+                <a16:creationId xmlns:a16="http://schemas.microsoft.com/office/drawing/2014/main" id="{02FCEC83-563A-4738-84F2-2AEAA0E12A16}"/>
+              </a:ext>
+            </a:extLst>
+          </p:cNvPr>
+          <p:cNvSpPr txBox="1"/>
+          <p:nvPr/>
+        </p:nvSpPr>
+        <p:spPr>
+          <a:xfrm>
+            <a:off x="3048019" y="1918153"/>
+            <a:ext cx="702115" cy="307777"/>
+          </a:xfrm>
+          <a:prstGeom prst="rect">
+            <a:avLst/>
+          </a:prstGeom>
+          <a:noFill/>
+        </p:spPr>
+        <p:txBody>
+          <a:bodyPr wrap="none" rtlCol="0">
+            <a:spAutoFit/>
+          </a:bodyPr>
+          <a:lstStyle/>
+          <a:p>
+            <a:r>
+              <a:rPr lang="en-US" altLang="zh-CN" sz="1400">
+                <a:solidFill>
+                  <a:schemeClr val="tx1">
+                    <a:lumMod val="85000"/>
+                    <a:lumOff val="15000"/>
+                  </a:schemeClr>
+                </a:solidFill>
+                <a:latin typeface="Abadi Extra Light" panose="020B0204020104020204" pitchFamily="34" charset="0"/>
+                <a:ea typeface="微软雅黑" panose="020B0503020204020204" pitchFamily="34" charset="-122"/>
+              </a:rPr>
+              <a:t>Backup</a:t>
+            </a:r>
+            <a:endParaRPr lang="zh-CN" altLang="en-US" sz="1400">
+              <a:solidFill>
+                <a:schemeClr val="tx1">
+                  <a:lumMod val="85000"/>
+                  <a:lumOff val="15000"/>
+                </a:schemeClr>
+              </a:solidFill>
+              <a:latin typeface="Abadi Extra Light" panose="020B0204020104020204" pitchFamily="34" charset="0"/>
+              <a:ea typeface="微软雅黑" panose="020B0503020204020204" pitchFamily="34" charset="-122"/>
+            </a:endParaRPr>
+          </a:p>
+        </p:txBody>
+      </p:sp>
+      <p:sp>
+        <p:nvSpPr>
+          <p:cNvPr id="60" name="文本框 59">
+            <a:extLst>
+              <a:ext uri="{FF2B5EF4-FFF2-40B4-BE49-F238E27FC236}">
+                <a16:creationId xmlns:a16="http://schemas.microsoft.com/office/drawing/2014/main" id="{BDEFBA48-4B82-4C42-8D0C-48045E05B13B}"/>
+              </a:ext>
+            </a:extLst>
+          </p:cNvPr>
+          <p:cNvSpPr txBox="1"/>
+          <p:nvPr/>
+        </p:nvSpPr>
+        <p:spPr>
+          <a:xfrm>
+            <a:off x="3047719" y="2394984"/>
+            <a:ext cx="877163" cy="307777"/>
+          </a:xfrm>
+          <a:prstGeom prst="rect">
+            <a:avLst/>
+          </a:prstGeom>
+          <a:noFill/>
+        </p:spPr>
+        <p:txBody>
+          <a:bodyPr wrap="none" rtlCol="0">
+            <a:spAutoFit/>
+          </a:bodyPr>
+          <a:lstStyle/>
+          <a:p>
+            <a:r>
+              <a:rPr lang="en-US" altLang="zh-CN" sz="1400">
+                <a:solidFill>
+                  <a:schemeClr val="tx1">
+                    <a:lumMod val="85000"/>
+                    <a:lumOff val="15000"/>
+                  </a:schemeClr>
+                </a:solidFill>
+                <a:latin typeface="Abadi Extra Light" panose="020B0204020104020204" pitchFamily="34" charset="0"/>
+                <a:ea typeface="微软雅黑" panose="020B0503020204020204" pitchFamily="34" charset="-122"/>
+              </a:rPr>
+              <a:t>Animation</a:t>
+            </a:r>
+            <a:endParaRPr lang="zh-CN" altLang="en-US" sz="1400">
+              <a:solidFill>
+                <a:schemeClr val="tx1">
+                  <a:lumMod val="85000"/>
+                  <a:lumOff val="15000"/>
+                </a:schemeClr>
+              </a:solidFill>
+              <a:latin typeface="Abadi Extra Light" panose="020B0204020104020204" pitchFamily="34" charset="0"/>
+              <a:ea typeface="微软雅黑" panose="020B0503020204020204" pitchFamily="34" charset="-122"/>
+            </a:endParaRPr>
+          </a:p>
+        </p:txBody>
+      </p:sp>
+      <p:grpSp>
+        <p:nvGrpSpPr>
+          <p:cNvPr id="32" name="组合 31">
+            <a:extLst>
+              <a:ext uri="{FF2B5EF4-FFF2-40B4-BE49-F238E27FC236}">
+                <a16:creationId xmlns:a16="http://schemas.microsoft.com/office/drawing/2014/main" id="{22510958-BD21-4D18-AD49-AD6C5D175E13}"/>
+              </a:ext>
+            </a:extLst>
+          </p:cNvPr>
+          <p:cNvGrpSpPr/>
+          <p:nvPr/>
+        </p:nvGrpSpPr>
+        <p:grpSpPr>
+          <a:xfrm>
+            <a:off x="984601" y="880757"/>
+            <a:ext cx="310036" cy="309504"/>
+            <a:chOff x="1461084" y="1669789"/>
+            <a:chExt cx="248400" cy="247972"/>
+          </a:xfrm>
+        </p:grpSpPr>
+        <p:sp>
+          <p:nvSpPr>
+            <p:cNvPr id="28" name="矩形 27">
+              <a:extLst>
+                <a:ext uri="{FF2B5EF4-FFF2-40B4-BE49-F238E27FC236}">
+                  <a16:creationId xmlns:a16="http://schemas.microsoft.com/office/drawing/2014/main" id="{49485767-8BCD-484B-AA4C-38D745D4A9A2}"/>
+                </a:ext>
+              </a:extLst>
+            </p:cNvPr>
+            <p:cNvSpPr/>
+            <p:nvPr/>
+          </p:nvSpPr>
+          <p:spPr>
+            <a:xfrm>
+              <a:off x="1461084" y="1669789"/>
+              <a:ext cx="248400" cy="247972"/>
+            </a:xfrm>
+            <a:prstGeom prst="rect">
+              <a:avLst/>
+            </a:prstGeom>
+            <a:solidFill>
+              <a:schemeClr val="bg1">
+                <a:lumMod val="95000"/>
+                <a:alpha val="0"/>
+              </a:schemeClr>
+            </a:solidFill>
+            <a:ln>
+              <a:noFill/>
+            </a:ln>
+          </p:spPr>
+          <p:style>
+            <a:lnRef idx="2">
+              <a:schemeClr val="accent1">
+                <a:shade val="50000"/>
+              </a:schemeClr>
+            </a:lnRef>
+            <a:fillRef idx="1">
+              <a:schemeClr val="accent1"/>
+            </a:fillRef>
+            <a:effectRef idx="0">
+              <a:schemeClr val="accent1"/>
+            </a:effectRef>
+            <a:fontRef idx="minor">
+              <a:schemeClr val="lt1"/>
+            </a:fontRef>
+          </p:style>
+          <p:txBody>
+            <a:bodyPr rtlCol="0" anchor="ctr"/>
+            <a:lstStyle/>
+            <a:p>
+              <a:pPr algn="ctr"/>
+              <a:endParaRPr lang="zh-CN" altLang="en-US"/>
+            </a:p>
+          </p:txBody>
+        </p:sp>
+        <p:sp>
+          <p:nvSpPr>
+            <p:cNvPr id="29" name="矩形 28">
+              <a:extLst>
+                <a:ext uri="{FF2B5EF4-FFF2-40B4-BE49-F238E27FC236}">
+                  <a16:creationId xmlns:a16="http://schemas.microsoft.com/office/drawing/2014/main" id="{9499A29E-2F07-4652-A3FB-C1E03BEA8EDE}"/>
+                </a:ext>
+              </a:extLst>
+            </p:cNvPr>
+            <p:cNvSpPr/>
+            <p:nvPr/>
+          </p:nvSpPr>
+          <p:spPr>
+            <a:xfrm>
+              <a:off x="1487033" y="1718629"/>
+              <a:ext cx="139884" cy="108501"/>
+            </a:xfrm>
+            <a:prstGeom prst="rect">
+              <a:avLst/>
+            </a:prstGeom>
+            <a:solidFill>
+              <a:srgbClr val="643EFF"/>
+            </a:solidFill>
+            <a:ln>
+              <a:noFill/>
+            </a:ln>
+          </p:spPr>
+          <p:style>
+            <a:lnRef idx="2">
+              <a:schemeClr val="accent1">
+                <a:shade val="50000"/>
+              </a:schemeClr>
+            </a:lnRef>
+            <a:fillRef idx="1">
+              <a:schemeClr val="accent1"/>
+            </a:fillRef>
+            <a:effectRef idx="0">
+              <a:schemeClr val="accent1"/>
+            </a:effectRef>
+            <a:fontRef idx="minor">
+              <a:schemeClr val="lt1"/>
+            </a:fontRef>
+          </p:style>
+          <p:txBody>
+            <a:bodyPr rtlCol="0" anchor="ctr"/>
+            <a:lstStyle/>
+            <a:p>
+              <a:pPr algn="ctr"/>
+              <a:endParaRPr lang="zh-CN" altLang="en-US"/>
+            </a:p>
+          </p:txBody>
+        </p:sp>
+        <p:sp>
+          <p:nvSpPr>
+            <p:cNvPr id="30" name="矩形 29">
+              <a:extLst>
+                <a:ext uri="{FF2B5EF4-FFF2-40B4-BE49-F238E27FC236}">
+                  <a16:creationId xmlns:a16="http://schemas.microsoft.com/office/drawing/2014/main" id="{4FEC0EB6-16AA-4BE0-86FB-90C9FC9F6E61}"/>
+                </a:ext>
+              </a:extLst>
+            </p:cNvPr>
+            <p:cNvSpPr/>
+            <p:nvPr/>
+          </p:nvSpPr>
+          <p:spPr>
+            <a:xfrm>
+              <a:off x="1542810" y="1758605"/>
+              <a:ext cx="139884" cy="108501"/>
+            </a:xfrm>
+            <a:prstGeom prst="rect">
+              <a:avLst/>
+            </a:prstGeom>
+            <a:solidFill>
+              <a:srgbClr val="22D0C4"/>
+            </a:solidFill>
+            <a:ln>
+              <a:noFill/>
+            </a:ln>
+          </p:spPr>
+          <p:style>
+            <a:lnRef idx="2">
+              <a:schemeClr val="accent1">
+                <a:shade val="50000"/>
+              </a:schemeClr>
+            </a:lnRef>
+            <a:fillRef idx="1">
+              <a:schemeClr val="accent1"/>
+            </a:fillRef>
+            <a:effectRef idx="0">
+              <a:schemeClr val="accent1"/>
+            </a:effectRef>
+            <a:fontRef idx="minor">
+              <a:schemeClr val="lt1"/>
+            </a:fontRef>
+          </p:style>
+          <p:txBody>
+            <a:bodyPr rtlCol="0" anchor="ctr"/>
+            <a:lstStyle/>
+            <a:p>
+              <a:pPr algn="ctr"/>
+              <a:endParaRPr lang="zh-CN" altLang="en-US"/>
+            </a:p>
+          </p:txBody>
+        </p:sp>
+      </p:grpSp>
+      <p:grpSp>
+        <p:nvGrpSpPr>
+          <p:cNvPr id="59" name="组合 58">
+            <a:extLst>
+              <a:ext uri="{FF2B5EF4-FFF2-40B4-BE49-F238E27FC236}">
+                <a16:creationId xmlns:a16="http://schemas.microsoft.com/office/drawing/2014/main" id="{E3A3EE5C-A83E-41D4-A577-EE314E7EBCED}"/>
+              </a:ext>
+            </a:extLst>
+          </p:cNvPr>
+          <p:cNvGrpSpPr/>
+          <p:nvPr/>
+        </p:nvGrpSpPr>
+        <p:grpSpPr>
+          <a:xfrm>
+            <a:off x="985884" y="1392149"/>
+            <a:ext cx="310572" cy="310038"/>
+            <a:chOff x="2664000" y="1936800"/>
+            <a:chExt cx="248829" cy="248400"/>
+          </a:xfrm>
+        </p:grpSpPr>
+        <p:grpSp>
+          <p:nvGrpSpPr>
+            <p:cNvPr id="47" name="组合 46">
+              <a:extLst>
+                <a:ext uri="{FF2B5EF4-FFF2-40B4-BE49-F238E27FC236}">
+                  <a16:creationId xmlns:a16="http://schemas.microsoft.com/office/drawing/2014/main" id="{B0578023-EC45-4B1A-81D1-EC2A8F920543}"/>
+                </a:ext>
+              </a:extLst>
+            </p:cNvPr>
+            <p:cNvGrpSpPr>
+              <a:grpSpLocks noChangeAspect="1"/>
+            </p:cNvGrpSpPr>
+            <p:nvPr/>
+          </p:nvGrpSpPr>
+          <p:grpSpPr>
+            <a:xfrm>
+              <a:off x="2664000" y="1936800"/>
+              <a:ext cx="248829" cy="248400"/>
+              <a:chOff x="1423783" y="1830253"/>
+              <a:chExt cx="248400" cy="247972"/>
+            </a:xfrm>
+          </p:grpSpPr>
+          <p:sp>
+            <p:nvSpPr>
+              <p:cNvPr id="39" name="矩形 38">
+                <a:extLst>
+                  <a:ext uri="{FF2B5EF4-FFF2-40B4-BE49-F238E27FC236}">
+                    <a16:creationId xmlns:a16="http://schemas.microsoft.com/office/drawing/2014/main" id="{C466D7EE-A5DB-48F2-ABEB-7B8FE43ACCD7}"/>
+                  </a:ext>
+                </a:extLst>
+              </p:cNvPr>
+              <p:cNvSpPr/>
+              <p:nvPr/>
+            </p:nvSpPr>
+            <p:spPr>
+              <a:xfrm>
+                <a:off x="1423783" y="1830253"/>
+                <a:ext cx="248400" cy="247972"/>
+              </a:xfrm>
+              <a:prstGeom prst="rect">
+                <a:avLst/>
+              </a:prstGeom>
+              <a:solidFill>
+                <a:schemeClr val="bg1">
+                  <a:lumMod val="95000"/>
+                  <a:alpha val="0"/>
+                </a:schemeClr>
+              </a:solidFill>
+              <a:ln>
+                <a:noFill/>
+              </a:ln>
+            </p:spPr>
+            <p:style>
+              <a:lnRef idx="2">
+                <a:schemeClr val="accent1">
+                  <a:shade val="50000"/>
+                </a:schemeClr>
+              </a:lnRef>
+              <a:fillRef idx="1">
+                <a:schemeClr val="accent1"/>
+              </a:fillRef>
+              <a:effectRef idx="0">
+                <a:schemeClr val="accent1"/>
+              </a:effectRef>
+              <a:fontRef idx="minor">
+                <a:schemeClr val="lt1"/>
+              </a:fontRef>
+            </p:style>
+            <p:txBody>
+              <a:bodyPr rtlCol="0" anchor="ctr"/>
+              <a:lstStyle/>
+              <a:p>
+                <a:pPr algn="ctr"/>
+                <a:endParaRPr lang="zh-CN" altLang="en-US"/>
+              </a:p>
+            </p:txBody>
+          </p:sp>
+          <p:sp>
+            <p:nvSpPr>
+              <p:cNvPr id="41" name="椭圆 40">
+                <a:extLst>
+                  <a:ext uri="{FF2B5EF4-FFF2-40B4-BE49-F238E27FC236}">
+                    <a16:creationId xmlns:a16="http://schemas.microsoft.com/office/drawing/2014/main" id="{23D6FF8B-81C7-47AC-ABC2-C0B594B243C5}"/>
+                  </a:ext>
+                </a:extLst>
+              </p:cNvPr>
+              <p:cNvSpPr/>
+              <p:nvPr/>
+            </p:nvSpPr>
+            <p:spPr>
+              <a:xfrm>
+                <a:off x="1464717" y="1872649"/>
+                <a:ext cx="165833" cy="165600"/>
+              </a:xfrm>
+              <a:prstGeom prst="ellipse">
+                <a:avLst/>
+              </a:prstGeom>
+              <a:solidFill>
+                <a:srgbClr val="643EFF"/>
+              </a:solidFill>
+              <a:ln>
+                <a:noFill/>
+              </a:ln>
+            </p:spPr>
+            <p:style>
+              <a:lnRef idx="2">
+                <a:schemeClr val="accent1">
+                  <a:shade val="50000"/>
+                </a:schemeClr>
+              </a:lnRef>
+              <a:fillRef idx="1">
+                <a:schemeClr val="accent1"/>
+              </a:fillRef>
+              <a:effectRef idx="0">
+                <a:schemeClr val="accent1"/>
+              </a:effectRef>
+              <a:fontRef idx="minor">
+                <a:schemeClr val="lt1"/>
+              </a:fontRef>
+            </p:style>
+            <p:txBody>
+              <a:bodyPr rtlCol="0" anchor="ctr"/>
+              <a:lstStyle/>
+              <a:p>
+                <a:pPr algn="ctr"/>
+                <a:endParaRPr lang="zh-CN" altLang="en-US"/>
+              </a:p>
+            </p:txBody>
+          </p:sp>
+        </p:grpSp>
+        <p:grpSp>
+          <p:nvGrpSpPr>
+            <p:cNvPr id="58" name="组合 57">
+              <a:extLst>
+                <a:ext uri="{FF2B5EF4-FFF2-40B4-BE49-F238E27FC236}">
+                  <a16:creationId xmlns:a16="http://schemas.microsoft.com/office/drawing/2014/main" id="{280D688C-B58F-4C30-BAEA-12229663CC05}"/>
+                </a:ext>
+              </a:extLst>
+            </p:cNvPr>
+            <p:cNvGrpSpPr/>
+            <p:nvPr/>
+          </p:nvGrpSpPr>
+          <p:grpSpPr>
+            <a:xfrm>
+              <a:off x="2783383" y="2003380"/>
+              <a:ext cx="45719" cy="77831"/>
+              <a:chOff x="2788065" y="1979269"/>
+              <a:chExt cx="83059" cy="165886"/>
+            </a:xfrm>
+          </p:grpSpPr>
+          <p:cxnSp>
+            <p:nvCxnSpPr>
+              <p:cNvPr id="52" name="直接连接符 51">
+                <a:extLst>
+                  <a:ext uri="{FF2B5EF4-FFF2-40B4-BE49-F238E27FC236}">
+                    <a16:creationId xmlns:a16="http://schemas.microsoft.com/office/drawing/2014/main" id="{7D0D5507-67EE-47CE-BB5F-F82CF59F31F6}"/>
+                  </a:ext>
+                </a:extLst>
+              </p:cNvPr>
+              <p:cNvCxnSpPr>
+                <a:cxnSpLocks/>
+                <a:stCxn id="41" idx="0"/>
+                <a:endCxn id="41" idx="4"/>
+              </p:cNvCxnSpPr>
+              <p:nvPr/>
+            </p:nvCxnSpPr>
+            <p:spPr>
+              <a:xfrm>
+                <a:off x="2788065" y="1979269"/>
+                <a:ext cx="0" cy="165886"/>
+              </a:xfrm>
+              <a:prstGeom prst="line">
+                <a:avLst/>
+              </a:prstGeom>
+              <a:ln w="19050" cap="rnd">
+                <a:solidFill>
+                  <a:schemeClr val="bg1"/>
+                </a:solidFill>
+                <a:round/>
+              </a:ln>
+            </p:spPr>
+            <p:style>
+              <a:lnRef idx="1">
+                <a:schemeClr val="accent1"/>
+              </a:lnRef>
+              <a:fillRef idx="0">
+                <a:schemeClr val="accent1"/>
+              </a:fillRef>
+              <a:effectRef idx="0">
+                <a:schemeClr val="accent1"/>
+              </a:effectRef>
+              <a:fontRef idx="minor">
+                <a:schemeClr val="tx1"/>
+              </a:fontRef>
+            </p:style>
+          </p:cxnSp>
+          <p:cxnSp>
+            <p:nvCxnSpPr>
+              <p:cNvPr id="55" name="直接连接符 54">
+                <a:extLst>
+                  <a:ext uri="{FF2B5EF4-FFF2-40B4-BE49-F238E27FC236}">
+                    <a16:creationId xmlns:a16="http://schemas.microsoft.com/office/drawing/2014/main" id="{1BD4ED56-637B-4A9A-8A82-3873466503F4}"/>
+                  </a:ext>
+                </a:extLst>
+              </p:cNvPr>
+              <p:cNvCxnSpPr>
+                <a:cxnSpLocks/>
+                <a:stCxn id="41" idx="4"/>
+                <a:endCxn id="41" idx="6"/>
+              </p:cNvCxnSpPr>
+              <p:nvPr/>
+            </p:nvCxnSpPr>
+            <p:spPr>
+              <a:xfrm flipV="1">
+                <a:off x="2788065" y="2062212"/>
+                <a:ext cx="83059" cy="82943"/>
+              </a:xfrm>
+              <a:prstGeom prst="line">
+                <a:avLst/>
+              </a:prstGeom>
+              <a:ln w="19050" cap="rnd">
+                <a:solidFill>
+                  <a:schemeClr val="bg1"/>
+                </a:solidFill>
+                <a:round/>
+              </a:ln>
+            </p:spPr>
+            <p:style>
+              <a:lnRef idx="1">
+                <a:schemeClr val="accent1"/>
+              </a:lnRef>
+              <a:fillRef idx="0">
+                <a:schemeClr val="accent1"/>
+              </a:fillRef>
+              <a:effectRef idx="0">
+                <a:schemeClr val="accent1"/>
+              </a:effectRef>
+              <a:fontRef idx="minor">
+                <a:schemeClr val="tx1"/>
+              </a:fontRef>
+            </p:style>
+          </p:cxnSp>
+        </p:grpSp>
+      </p:grpSp>
+      <p:grpSp>
+        <p:nvGrpSpPr>
+          <p:cNvPr id="69" name="组合 68">
+            <a:extLst>
+              <a:ext uri="{FF2B5EF4-FFF2-40B4-BE49-F238E27FC236}">
+                <a16:creationId xmlns:a16="http://schemas.microsoft.com/office/drawing/2014/main" id="{7F360FFC-BBEB-4F65-9627-328B40092837}"/>
+              </a:ext>
+            </a:extLst>
+          </p:cNvPr>
+          <p:cNvGrpSpPr/>
+          <p:nvPr/>
+        </p:nvGrpSpPr>
+        <p:grpSpPr>
+          <a:xfrm>
+            <a:off x="985884" y="1866719"/>
+            <a:ext cx="310572" cy="310038"/>
+            <a:chOff x="2664000" y="2196707"/>
+            <a:chExt cx="248829" cy="248400"/>
+          </a:xfrm>
+        </p:grpSpPr>
+        <p:grpSp>
+          <p:nvGrpSpPr>
+            <p:cNvPr id="62" name="组合 61">
+              <a:extLst>
+                <a:ext uri="{FF2B5EF4-FFF2-40B4-BE49-F238E27FC236}">
+                  <a16:creationId xmlns:a16="http://schemas.microsoft.com/office/drawing/2014/main" id="{9C5873D3-D6BF-403F-9F37-E069E8E2874E}"/>
+                </a:ext>
+              </a:extLst>
+            </p:cNvPr>
+            <p:cNvGrpSpPr>
+              <a:grpSpLocks noChangeAspect="1"/>
+            </p:cNvGrpSpPr>
+            <p:nvPr/>
+          </p:nvGrpSpPr>
+          <p:grpSpPr>
+            <a:xfrm>
+              <a:off x="2664000" y="2196707"/>
+              <a:ext cx="248829" cy="248400"/>
+              <a:chOff x="1423783" y="1830253"/>
+              <a:chExt cx="248400" cy="247972"/>
+            </a:xfrm>
+          </p:grpSpPr>
+          <p:sp>
+            <p:nvSpPr>
+              <p:cNvPr id="66" name="矩形 65">
+                <a:extLst>
+                  <a:ext uri="{FF2B5EF4-FFF2-40B4-BE49-F238E27FC236}">
+                    <a16:creationId xmlns:a16="http://schemas.microsoft.com/office/drawing/2014/main" id="{98A8493A-EEFB-4092-AD60-6768342A8BD3}"/>
+                  </a:ext>
+                </a:extLst>
+              </p:cNvPr>
+              <p:cNvSpPr/>
+              <p:nvPr/>
+            </p:nvSpPr>
+            <p:spPr>
+              <a:xfrm>
+                <a:off x="1423783" y="1830253"/>
+                <a:ext cx="248400" cy="247972"/>
+              </a:xfrm>
+              <a:prstGeom prst="rect">
+                <a:avLst/>
+              </a:prstGeom>
+              <a:solidFill>
+                <a:schemeClr val="bg1">
+                  <a:lumMod val="95000"/>
+                  <a:alpha val="0"/>
+                </a:schemeClr>
+              </a:solidFill>
+              <a:ln>
+                <a:noFill/>
+              </a:ln>
+            </p:spPr>
+            <p:style>
+              <a:lnRef idx="2">
+                <a:schemeClr val="accent1">
+                  <a:shade val="50000"/>
+                </a:schemeClr>
+              </a:lnRef>
+              <a:fillRef idx="1">
+                <a:schemeClr val="accent1"/>
+              </a:fillRef>
+              <a:effectRef idx="0">
+                <a:schemeClr val="accent1"/>
+              </a:effectRef>
+              <a:fontRef idx="minor">
+                <a:schemeClr val="lt1"/>
+              </a:fontRef>
+            </p:style>
+            <p:txBody>
+              <a:bodyPr rtlCol="0" anchor="ctr"/>
+              <a:lstStyle/>
+              <a:p>
+                <a:pPr algn="ctr"/>
+                <a:endParaRPr lang="zh-CN" altLang="en-US"/>
+              </a:p>
+            </p:txBody>
+          </p:sp>
+          <p:sp>
+            <p:nvSpPr>
+              <p:cNvPr id="67" name="椭圆 66">
+                <a:extLst>
+                  <a:ext uri="{FF2B5EF4-FFF2-40B4-BE49-F238E27FC236}">
+                    <a16:creationId xmlns:a16="http://schemas.microsoft.com/office/drawing/2014/main" id="{0750323A-F6D8-472C-9DC2-B5F3A4DAA2EF}"/>
+                  </a:ext>
+                </a:extLst>
+              </p:cNvPr>
+              <p:cNvSpPr/>
+              <p:nvPr/>
+            </p:nvSpPr>
+            <p:spPr>
+              <a:xfrm>
+                <a:off x="1464717" y="1872649"/>
+                <a:ext cx="165833" cy="165600"/>
+              </a:xfrm>
+              <a:prstGeom prst="ellipse">
+                <a:avLst/>
+              </a:prstGeom>
+              <a:solidFill>
+                <a:srgbClr val="22D0C4"/>
+              </a:solidFill>
+              <a:ln>
+                <a:noFill/>
+              </a:ln>
+            </p:spPr>
+            <p:style>
+              <a:lnRef idx="2">
+                <a:schemeClr val="accent1">
+                  <a:shade val="50000"/>
+                </a:schemeClr>
+              </a:lnRef>
+              <a:fillRef idx="1">
+                <a:schemeClr val="accent1"/>
+              </a:fillRef>
+              <a:effectRef idx="0">
+                <a:schemeClr val="accent1"/>
+              </a:effectRef>
+              <a:fontRef idx="minor">
+                <a:schemeClr val="lt1"/>
+              </a:fontRef>
+            </p:style>
+            <p:txBody>
+              <a:bodyPr rtlCol="0" anchor="ctr"/>
+              <a:lstStyle/>
+              <a:p>
+                <a:pPr algn="ctr"/>
+                <a:endParaRPr lang="zh-CN" altLang="en-US"/>
+              </a:p>
+            </p:txBody>
+          </p:sp>
+        </p:grpSp>
+        <p:cxnSp>
+          <p:nvCxnSpPr>
+            <p:cNvPr id="68" name="直接连接符 67">
+              <a:extLst>
+                <a:ext uri="{FF2B5EF4-FFF2-40B4-BE49-F238E27FC236}">
+                  <a16:creationId xmlns:a16="http://schemas.microsoft.com/office/drawing/2014/main" id="{FEFF536D-0CB6-45CC-9D95-DC09347E95FA}"/>
+                </a:ext>
+              </a:extLst>
+            </p:cNvPr>
+            <p:cNvCxnSpPr>
+              <a:cxnSpLocks/>
+            </p:cNvCxnSpPr>
+            <p:nvPr/>
+          </p:nvCxnSpPr>
+          <p:spPr>
+            <a:xfrm>
+              <a:off x="2780938" y="2283332"/>
+              <a:ext cx="0" cy="77831"/>
+            </a:xfrm>
+            <a:prstGeom prst="line">
+              <a:avLst/>
+            </a:prstGeom>
+            <a:ln w="19050" cap="rnd">
+              <a:solidFill>
+                <a:schemeClr val="bg1"/>
+              </a:solidFill>
+              <a:round/>
+            </a:ln>
+          </p:spPr>
+          <p:style>
+            <a:lnRef idx="1">
+              <a:schemeClr val="accent1"/>
+            </a:lnRef>
+            <a:fillRef idx="0">
+              <a:schemeClr val="accent1"/>
+            </a:fillRef>
+            <a:effectRef idx="0">
+              <a:schemeClr val="accent1"/>
+            </a:effectRef>
+            <a:fontRef idx="minor">
+              <a:schemeClr val="tx1"/>
+            </a:fontRef>
+          </p:style>
+        </p:cxnSp>
+      </p:grpSp>
+      <p:sp>
+        <p:nvSpPr>
+          <p:cNvPr id="71" name="文本框 70">
+            <a:extLst>
+              <a:ext uri="{FF2B5EF4-FFF2-40B4-BE49-F238E27FC236}">
+                <a16:creationId xmlns:a16="http://schemas.microsoft.com/office/drawing/2014/main" id="{7F8F6474-1528-4CED-8BE6-C0DA6A124E62}"/>
+              </a:ext>
+            </a:extLst>
+          </p:cNvPr>
+          <p:cNvSpPr txBox="1"/>
+          <p:nvPr/>
+        </p:nvSpPr>
+        <p:spPr>
+          <a:xfrm>
+            <a:off x="5159379" y="1354480"/>
+            <a:ext cx="474810" cy="307777"/>
+          </a:xfrm>
+          <a:prstGeom prst="rect">
+            <a:avLst/>
+          </a:prstGeom>
+          <a:noFill/>
+        </p:spPr>
+        <p:txBody>
+          <a:bodyPr wrap="none" rtlCol="0">
+            <a:spAutoFit/>
+          </a:bodyPr>
+          <a:lstStyle/>
+          <a:p>
+            <a:r>
+              <a:rPr lang="en-US" altLang="zh-CN" sz="1400">
+                <a:solidFill>
+                  <a:srgbClr val="643EFF"/>
+                </a:solidFill>
+                <a:latin typeface="Abadi Extra Light" panose="020B0204020104020204" pitchFamily="34" charset="0"/>
+                <a:ea typeface="微软雅黑" panose="020B0503020204020204" pitchFamily="34" charset="-122"/>
+              </a:rPr>
+              <a:t>Title</a:t>
+            </a:r>
+            <a:endParaRPr lang="zh-CN" altLang="en-US" sz="1400">
+              <a:solidFill>
+                <a:srgbClr val="643EFF"/>
+              </a:solidFill>
+              <a:latin typeface="Abadi Extra Light" panose="020B0204020104020204" pitchFamily="34" charset="0"/>
+              <a:ea typeface="微软雅黑" panose="020B0503020204020204" pitchFamily="34" charset="-122"/>
+            </a:endParaRPr>
+          </a:p>
+        </p:txBody>
+      </p:sp>
+      <p:sp>
+        <p:nvSpPr>
+          <p:cNvPr id="72" name="文本框 71">
+            <a:extLst>
+              <a:ext uri="{FF2B5EF4-FFF2-40B4-BE49-F238E27FC236}">
+                <a16:creationId xmlns:a16="http://schemas.microsoft.com/office/drawing/2014/main" id="{6623E30B-82E9-4139-B792-7C67FD9AD253}"/>
+              </a:ext>
+            </a:extLst>
+          </p:cNvPr>
+          <p:cNvSpPr txBox="1"/>
+          <p:nvPr/>
+        </p:nvSpPr>
+        <p:spPr>
+          <a:xfrm>
+            <a:off x="5164009" y="1653041"/>
+            <a:ext cx="846963" cy="307777"/>
+          </a:xfrm>
+          <a:prstGeom prst="rect">
+            <a:avLst/>
+          </a:prstGeom>
+          <a:noFill/>
+        </p:spPr>
+        <p:txBody>
+          <a:bodyPr wrap="none" rtlCol="0">
+            <a:spAutoFit/>
+          </a:bodyPr>
+          <a:lstStyle/>
+          <a:p>
+            <a:r>
+              <a:rPr lang="en-US" altLang="zh-CN" sz="1400">
+                <a:solidFill>
+                  <a:schemeClr val="tx1">
+                    <a:lumMod val="85000"/>
+                    <a:lumOff val="15000"/>
+                  </a:schemeClr>
+                </a:solidFill>
+                <a:latin typeface="Abadi Extra Light" panose="020B0204020104020204" pitchFamily="34" charset="0"/>
+                <a:ea typeface="微软雅黑" panose="020B0503020204020204" pitchFamily="34" charset="-122"/>
+              </a:rPr>
+              <a:t>Moristory</a:t>
+            </a:r>
+            <a:endParaRPr lang="zh-CN" altLang="en-US" sz="1400">
+              <a:solidFill>
+                <a:schemeClr val="tx1">
+                  <a:lumMod val="85000"/>
+                  <a:lumOff val="15000"/>
+                </a:schemeClr>
+              </a:solidFill>
+              <a:latin typeface="Abadi Extra Light" panose="020B0204020104020204" pitchFamily="34" charset="0"/>
+              <a:ea typeface="微软雅黑" panose="020B0503020204020204" pitchFamily="34" charset="-122"/>
+            </a:endParaRPr>
+          </a:p>
+        </p:txBody>
+      </p:sp>
+      <p:sp>
+        <p:nvSpPr>
+          <p:cNvPr id="73" name="文本框 72">
+            <a:extLst>
+              <a:ext uri="{FF2B5EF4-FFF2-40B4-BE49-F238E27FC236}">
+                <a16:creationId xmlns:a16="http://schemas.microsoft.com/office/drawing/2014/main" id="{87780606-63BC-41D5-8A67-9FC21C5EB719}"/>
+              </a:ext>
+            </a:extLst>
+          </p:cNvPr>
+          <p:cNvSpPr txBox="1"/>
+          <p:nvPr/>
+        </p:nvSpPr>
+        <p:spPr>
+          <a:xfrm>
+            <a:off x="5167424" y="2113785"/>
+            <a:ext cx="614592" cy="307777"/>
+          </a:xfrm>
+          <a:prstGeom prst="rect">
+            <a:avLst/>
+          </a:prstGeom>
+          <a:noFill/>
+        </p:spPr>
+        <p:txBody>
+          <a:bodyPr wrap="none" rtlCol="0">
+            <a:spAutoFit/>
+          </a:bodyPr>
+          <a:lstStyle/>
+          <a:p>
+            <a:r>
+              <a:rPr lang="en-US" altLang="zh-CN" sz="1400">
+                <a:solidFill>
+                  <a:srgbClr val="643EFF"/>
+                </a:solidFill>
+                <a:latin typeface="Abadi Extra Light" panose="020B0204020104020204" pitchFamily="34" charset="0"/>
+                <a:ea typeface="微软雅黑" panose="020B0503020204020204" pitchFamily="34" charset="-122"/>
+              </a:rPr>
+              <a:t>Maker</a:t>
+            </a:r>
+            <a:endParaRPr lang="zh-CN" altLang="en-US" sz="1400">
+              <a:solidFill>
+                <a:srgbClr val="643EFF"/>
+              </a:solidFill>
+              <a:latin typeface="Abadi Extra Light" panose="020B0204020104020204" pitchFamily="34" charset="0"/>
+              <a:ea typeface="微软雅黑" panose="020B0503020204020204" pitchFamily="34" charset="-122"/>
+            </a:endParaRPr>
+          </a:p>
+        </p:txBody>
+      </p:sp>
+      <p:sp>
+        <p:nvSpPr>
+          <p:cNvPr id="74" name="文本框 73">
+            <a:extLst>
+              <a:ext uri="{FF2B5EF4-FFF2-40B4-BE49-F238E27FC236}">
+                <a16:creationId xmlns:a16="http://schemas.microsoft.com/office/drawing/2014/main" id="{1CE20002-9643-42C3-9C06-7268BDCCF344}"/>
+              </a:ext>
+            </a:extLst>
+          </p:cNvPr>
+          <p:cNvSpPr txBox="1"/>
+          <p:nvPr/>
+        </p:nvSpPr>
+        <p:spPr>
+          <a:xfrm>
+            <a:off x="5167424" y="2402054"/>
+            <a:ext cx="880177" cy="307777"/>
+          </a:xfrm>
+          <a:prstGeom prst="rect">
+            <a:avLst/>
+          </a:prstGeom>
+          <a:noFill/>
+        </p:spPr>
+        <p:txBody>
+          <a:bodyPr wrap="none" rtlCol="0">
+            <a:spAutoFit/>
+          </a:bodyPr>
+          <a:lstStyle/>
+          <a:p>
+            <a:r>
+              <a:rPr lang="en-US" altLang="zh-CN" sz="1400">
+                <a:solidFill>
+                  <a:schemeClr val="tx1">
+                    <a:lumMod val="85000"/>
+                    <a:lumOff val="15000"/>
+                  </a:schemeClr>
+                </a:solidFill>
+                <a:latin typeface="Abadi Extra Light" panose="020B0204020104020204" pitchFamily="34" charset="0"/>
+                <a:ea typeface="微软雅黑" panose="020B0503020204020204" pitchFamily="34" charset="-122"/>
+              </a:rPr>
+              <a:t>Error 404</a:t>
+            </a:r>
+            <a:endParaRPr lang="zh-CN" altLang="en-US" sz="1400">
+              <a:solidFill>
+                <a:schemeClr val="tx1">
+                  <a:lumMod val="85000"/>
+                  <a:lumOff val="15000"/>
+                </a:schemeClr>
+              </a:solidFill>
+              <a:latin typeface="Abadi Extra Light" panose="020B0204020104020204" pitchFamily="34" charset="0"/>
+              <a:ea typeface="微软雅黑" panose="020B0503020204020204" pitchFamily="34" charset="-122"/>
+            </a:endParaRPr>
+          </a:p>
+        </p:txBody>
+      </p:sp>
+      <p:sp>
+        <p:nvSpPr>
+          <p:cNvPr id="75" name="文本框 74">
+            <a:extLst>
+              <a:ext uri="{FF2B5EF4-FFF2-40B4-BE49-F238E27FC236}">
+                <a16:creationId xmlns:a16="http://schemas.microsoft.com/office/drawing/2014/main" id="{CB326511-5F39-4B9A-8DF2-CEE47C44A8DC}"/>
+              </a:ext>
+            </a:extLst>
+          </p:cNvPr>
+          <p:cNvSpPr txBox="1"/>
+          <p:nvPr/>
+        </p:nvSpPr>
+        <p:spPr>
+          <a:xfrm>
+            <a:off x="5159379" y="2832308"/>
+            <a:ext cx="2489079" cy="307777"/>
+          </a:xfrm>
+          <a:prstGeom prst="rect">
+            <a:avLst/>
+          </a:prstGeom>
+          <a:noFill/>
+        </p:spPr>
+        <p:txBody>
+          <a:bodyPr wrap="none" rtlCol="0">
+            <a:spAutoFit/>
+          </a:bodyPr>
+          <a:lstStyle/>
+          <a:p>
+            <a:r>
+              <a:rPr lang="en-US" altLang="zh-CN" sz="1400">
+                <a:solidFill>
+                  <a:srgbClr val="E9403A"/>
+                </a:solidFill>
+                <a:latin typeface="Abadi Extra Light" panose="020B0204020104020204" pitchFamily="34" charset="0"/>
+                <a:ea typeface="微软雅黑" panose="020B0503020204020204" pitchFamily="34" charset="-122"/>
+              </a:rPr>
+              <a:t>Using Version (Update available)</a:t>
+            </a:r>
+            <a:endParaRPr lang="zh-CN" altLang="en-US" sz="1400">
+              <a:solidFill>
+                <a:srgbClr val="E9403A"/>
+              </a:solidFill>
+              <a:latin typeface="Abadi Extra Light" panose="020B0204020104020204" pitchFamily="34" charset="0"/>
+              <a:ea typeface="微软雅黑" panose="020B0503020204020204" pitchFamily="34" charset="-122"/>
+            </a:endParaRPr>
+          </a:p>
+        </p:txBody>
+      </p:sp>
+      <p:sp>
+        <p:nvSpPr>
+          <p:cNvPr id="76" name="文本框 75">
+            <a:extLst>
+              <a:ext uri="{FF2B5EF4-FFF2-40B4-BE49-F238E27FC236}">
+                <a16:creationId xmlns:a16="http://schemas.microsoft.com/office/drawing/2014/main" id="{D3F70F2E-3190-4C03-97C1-71ABCA4DADF1}"/>
+              </a:ext>
+            </a:extLst>
+          </p:cNvPr>
+          <p:cNvSpPr txBox="1"/>
+          <p:nvPr/>
+        </p:nvSpPr>
+        <p:spPr>
+          <a:xfrm>
+            <a:off x="5167424" y="3165530"/>
+            <a:ext cx="1087157" cy="307777"/>
+          </a:xfrm>
+          <a:prstGeom prst="rect">
+            <a:avLst/>
+          </a:prstGeom>
+          <a:noFill/>
+        </p:spPr>
+        <p:txBody>
+          <a:bodyPr wrap="none" rtlCol="0">
+            <a:spAutoFit/>
+          </a:bodyPr>
+          <a:lstStyle/>
+          <a:p>
+            <a:r>
+              <a:rPr lang="en-US" altLang="zh-CN" sz="1400">
+                <a:solidFill>
+                  <a:schemeClr val="tx1">
+                    <a:lumMod val="85000"/>
+                    <a:lumOff val="15000"/>
+                  </a:schemeClr>
+                </a:solidFill>
+                <a:latin typeface="Abadi Extra Light" panose="020B0204020104020204" pitchFamily="34" charset="0"/>
+                <a:ea typeface="微软雅黑" panose="020B0503020204020204" pitchFamily="34" charset="-122"/>
+              </a:rPr>
+              <a:t>V19070901</a:t>
+            </a:r>
+            <a:endParaRPr lang="zh-CN" altLang="en-US" sz="1400">
+              <a:solidFill>
+                <a:schemeClr val="tx1">
+                  <a:lumMod val="85000"/>
+                  <a:lumOff val="15000"/>
+                </a:schemeClr>
+              </a:solidFill>
+              <a:latin typeface="Abadi Extra Light" panose="020B0204020104020204" pitchFamily="34" charset="0"/>
+              <a:ea typeface="微软雅黑" panose="020B0503020204020204" pitchFamily="34" charset="-122"/>
+            </a:endParaRPr>
+          </a:p>
+        </p:txBody>
+      </p:sp>
+      <p:pic>
+        <p:nvPicPr>
+          <p:cNvPr id="78" name="图片 77">
+            <a:extLst>
+              <a:ext uri="{FF2B5EF4-FFF2-40B4-BE49-F238E27FC236}">
+                <a16:creationId xmlns:a16="http://schemas.microsoft.com/office/drawing/2014/main" id="{F8509361-255D-4335-9260-54B2AF2B4805}"/>
+              </a:ext>
+            </a:extLst>
+          </p:cNvPr>
+          <p:cNvPicPr>
+            <a:picLocks noChangeAspect="1"/>
+          </p:cNvPicPr>
+          <p:nvPr/>
+        </p:nvPicPr>
+        <p:blipFill>
+          <a:blip r:embed="rId3">
+            <a:extLst>
+              <a:ext uri="{28A0092B-C50C-407E-A947-70E740481C1C}">
+                <a14:useLocalDpi xmlns:a14="http://schemas.microsoft.com/office/drawing/2010/main" val="0"/>
+              </a:ext>
+            </a:extLst>
+          </a:blip>
+          <a:srcRect/>
+          <a:stretch/>
+        </p:blipFill>
+        <p:spPr>
+          <a:xfrm>
+            <a:off x="2668240" y="2394984"/>
+            <a:ext cx="304826" cy="304826"/>
+          </a:xfrm>
+          <a:prstGeom prst="rect">
+            <a:avLst/>
+          </a:prstGeom>
+        </p:spPr>
+      </p:pic>
+      <p:pic>
+        <p:nvPicPr>
+          <p:cNvPr id="80" name="图片 79" descr="图片包含 物体&#10;&#10;描述已自动生成">
+            <a:extLst>
+              <a:ext uri="{FF2B5EF4-FFF2-40B4-BE49-F238E27FC236}">
+                <a16:creationId xmlns:a16="http://schemas.microsoft.com/office/drawing/2014/main" id="{5F7214F7-7CEE-4512-82A9-B027F7E8A57D}"/>
+              </a:ext>
+            </a:extLst>
+          </p:cNvPr>
+          <p:cNvPicPr>
+            <a:picLocks noChangeAspect="1"/>
+          </p:cNvPicPr>
+          <p:nvPr/>
+        </p:nvPicPr>
+        <p:blipFill>
+          <a:blip r:embed="rId4">
+            <a:extLst>
+              <a:ext uri="{28A0092B-C50C-407E-A947-70E740481C1C}">
+                <a14:useLocalDpi xmlns:a14="http://schemas.microsoft.com/office/drawing/2010/main" val="0"/>
+              </a:ext>
+            </a:extLst>
+          </a:blip>
+          <a:stretch>
+            <a:fillRect/>
+          </a:stretch>
+        </p:blipFill>
+        <p:spPr>
+          <a:xfrm>
+            <a:off x="2665192" y="1908822"/>
+            <a:ext cx="310923" cy="310923"/>
+          </a:xfrm>
+          <a:prstGeom prst="rect">
+            <a:avLst/>
+          </a:prstGeom>
+        </p:spPr>
+      </p:pic>
+      <p:pic>
+        <p:nvPicPr>
+          <p:cNvPr id="82" name="图片 81" descr="图片包含 监视器, 屏幕, 电视, 物体&#10;&#10;描述已自动生成">
+            <a:extLst>
+              <a:ext uri="{FF2B5EF4-FFF2-40B4-BE49-F238E27FC236}">
+                <a16:creationId xmlns:a16="http://schemas.microsoft.com/office/drawing/2014/main" id="{D46CF19F-ADD5-42CF-9547-DE508754EBD1}"/>
+              </a:ext>
+            </a:extLst>
+          </p:cNvPr>
+          <p:cNvPicPr>
+            <a:picLocks noChangeAspect="1"/>
+          </p:cNvPicPr>
+          <p:nvPr/>
+        </p:nvPicPr>
+        <p:blipFill>
+          <a:blip r:embed="rId5">
+            <a:extLst>
+              <a:ext uri="{28A0092B-C50C-407E-A947-70E740481C1C}">
+                <a14:useLocalDpi xmlns:a14="http://schemas.microsoft.com/office/drawing/2010/main" val="0"/>
+              </a:ext>
+            </a:extLst>
+          </a:blip>
+          <a:stretch>
+            <a:fillRect/>
+          </a:stretch>
+        </p:blipFill>
+        <p:spPr>
+          <a:xfrm>
+            <a:off x="2675051" y="1381630"/>
+            <a:ext cx="310923" cy="310923"/>
+          </a:xfrm>
+          <a:prstGeom prst="rect">
+            <a:avLst/>
+          </a:prstGeom>
+        </p:spPr>
+      </p:pic>
+      <p:sp>
+        <p:nvSpPr>
+          <p:cNvPr id="86" name="文本框 85">
+            <a:extLst>
+              <a:ext uri="{FF2B5EF4-FFF2-40B4-BE49-F238E27FC236}">
+                <a16:creationId xmlns:a16="http://schemas.microsoft.com/office/drawing/2014/main" id="{A13553B0-79ED-4CFE-B77E-D19C154C69AC}"/>
+              </a:ext>
+            </a:extLst>
+          </p:cNvPr>
+          <p:cNvSpPr txBox="1"/>
+          <p:nvPr/>
+        </p:nvSpPr>
+        <p:spPr>
+          <a:xfrm>
+            <a:off x="5163893" y="3625366"/>
+            <a:ext cx="522900" cy="307777"/>
+          </a:xfrm>
+          <a:prstGeom prst="rect">
+            <a:avLst/>
+          </a:prstGeom>
+          <a:noFill/>
+        </p:spPr>
+        <p:txBody>
+          <a:bodyPr wrap="none" rtlCol="0">
+            <a:spAutoFit/>
+          </a:bodyPr>
+          <a:lstStyle/>
+          <a:p>
+            <a:r>
+              <a:rPr lang="en-US" altLang="zh-CN" sz="1400">
+                <a:solidFill>
+                  <a:srgbClr val="643EFF"/>
+                </a:solidFill>
+                <a:latin typeface="Abadi Extra Light" panose="020B0204020104020204" pitchFamily="34" charset="0"/>
+                <a:ea typeface="微软雅黑" panose="020B0503020204020204" pitchFamily="34" charset="-122"/>
+              </a:rPr>
+              <a:t>Note</a:t>
+            </a:r>
+            <a:endParaRPr lang="zh-CN" altLang="en-US" sz="1400">
+              <a:solidFill>
+                <a:srgbClr val="643EFF"/>
+              </a:solidFill>
+              <a:latin typeface="Abadi Extra Light" panose="020B0204020104020204" pitchFamily="34" charset="0"/>
+              <a:ea typeface="微软雅黑" panose="020B0503020204020204" pitchFamily="34" charset="-122"/>
+            </a:endParaRPr>
+          </a:p>
+        </p:txBody>
+      </p:sp>
+      <p:sp>
+        <p:nvSpPr>
+          <p:cNvPr id="87" name="文本框 86">
+            <a:extLst>
+              <a:ext uri="{FF2B5EF4-FFF2-40B4-BE49-F238E27FC236}">
+                <a16:creationId xmlns:a16="http://schemas.microsoft.com/office/drawing/2014/main" id="{059F1B2C-EA9E-4F2A-B68F-8D5CACCB7B18}"/>
+              </a:ext>
+            </a:extLst>
+          </p:cNvPr>
+          <p:cNvSpPr txBox="1"/>
+          <p:nvPr/>
+        </p:nvSpPr>
+        <p:spPr>
+          <a:xfrm>
+            <a:off x="3051131" y="2862841"/>
+            <a:ext cx="595035" cy="307777"/>
+          </a:xfrm>
+          <a:prstGeom prst="rect">
+            <a:avLst/>
+          </a:prstGeom>
+          <a:noFill/>
+        </p:spPr>
+        <p:txBody>
+          <a:bodyPr wrap="none" rtlCol="0">
+            <a:spAutoFit/>
+          </a:bodyPr>
+          <a:lstStyle/>
+          <a:p>
+            <a:r>
+              <a:rPr lang="en-US" altLang="zh-CN" sz="1400">
+                <a:solidFill>
+                  <a:schemeClr val="tx1">
+                    <a:lumMod val="85000"/>
+                    <a:lumOff val="15000"/>
+                  </a:schemeClr>
+                </a:solidFill>
+                <a:latin typeface="Abadi Extra Light" panose="020B0204020104020204" pitchFamily="34" charset="0"/>
+                <a:ea typeface="微软雅黑" panose="020B0503020204020204" pitchFamily="34" charset="-122"/>
+              </a:rPr>
+              <a:t>About</a:t>
+            </a:r>
+            <a:endParaRPr lang="zh-CN" altLang="en-US" sz="1400">
+              <a:solidFill>
+                <a:schemeClr val="tx1">
+                  <a:lumMod val="85000"/>
+                  <a:lumOff val="15000"/>
+                </a:schemeClr>
+              </a:solidFill>
+              <a:latin typeface="Abadi Extra Light" panose="020B0204020104020204" pitchFamily="34" charset="0"/>
+              <a:ea typeface="微软雅黑" panose="020B0503020204020204" pitchFamily="34" charset="-122"/>
+            </a:endParaRPr>
+          </a:p>
+        </p:txBody>
+      </p:sp>
+      <p:pic>
+        <p:nvPicPr>
+          <p:cNvPr id="88" name="图片 87">
+            <a:extLst>
+              <a:ext uri="{FF2B5EF4-FFF2-40B4-BE49-F238E27FC236}">
+                <a16:creationId xmlns:a16="http://schemas.microsoft.com/office/drawing/2014/main" id="{195FC4D3-C84F-4AEE-A316-C65C34218665}"/>
+              </a:ext>
+            </a:extLst>
+          </p:cNvPr>
+          <p:cNvPicPr>
+            <a:picLocks noChangeAspect="1"/>
+          </p:cNvPicPr>
+          <p:nvPr/>
+        </p:nvPicPr>
+        <p:blipFill>
+          <a:blip r:embed="rId6">
+            <a:extLst>
+              <a:ext uri="{28A0092B-C50C-407E-A947-70E740481C1C}">
+                <a14:useLocalDpi xmlns:a14="http://schemas.microsoft.com/office/drawing/2010/main" val="0"/>
+              </a:ext>
+            </a:extLst>
+          </a:blip>
+          <a:srcRect/>
+          <a:stretch/>
+        </p:blipFill>
+        <p:spPr>
+          <a:xfrm>
+            <a:off x="2671652" y="2862841"/>
+            <a:ext cx="304826" cy="304826"/>
+          </a:xfrm>
+          <a:prstGeom prst="rect">
+            <a:avLst/>
+          </a:prstGeom>
+        </p:spPr>
+      </p:pic>
+      <p:grpSp>
+        <p:nvGrpSpPr>
+          <p:cNvPr id="99" name="组合 98">
+            <a:extLst>
+              <a:ext uri="{FF2B5EF4-FFF2-40B4-BE49-F238E27FC236}">
+                <a16:creationId xmlns:a16="http://schemas.microsoft.com/office/drawing/2014/main" id="{2DFF5994-02A6-4958-A35E-7DB88C8B642C}"/>
+              </a:ext>
+            </a:extLst>
+          </p:cNvPr>
+          <p:cNvGrpSpPr/>
+          <p:nvPr/>
+        </p:nvGrpSpPr>
+        <p:grpSpPr>
+          <a:xfrm>
+            <a:off x="1592401" y="880757"/>
+            <a:ext cx="310572" cy="310038"/>
+            <a:chOff x="1592401" y="880757"/>
+            <a:chExt cx="310572" cy="310038"/>
+          </a:xfrm>
+        </p:grpSpPr>
+        <p:sp>
+          <p:nvSpPr>
+            <p:cNvPr id="92" name="矩形 91">
+              <a:extLst>
+                <a:ext uri="{FF2B5EF4-FFF2-40B4-BE49-F238E27FC236}">
+                  <a16:creationId xmlns:a16="http://schemas.microsoft.com/office/drawing/2014/main" id="{F4EBA385-353D-4BB8-88DB-B1A9F1FA59EF}"/>
+                </a:ext>
+              </a:extLst>
+            </p:cNvPr>
+            <p:cNvSpPr/>
+            <p:nvPr/>
+          </p:nvSpPr>
+          <p:spPr>
+            <a:xfrm>
+              <a:off x="1592401" y="880757"/>
+              <a:ext cx="310572" cy="310038"/>
+            </a:xfrm>
+            <a:prstGeom prst="rect">
+              <a:avLst/>
+            </a:prstGeom>
+            <a:solidFill>
+              <a:schemeClr val="bg1">
+                <a:lumMod val="95000"/>
+                <a:alpha val="0"/>
+              </a:schemeClr>
+            </a:solidFill>
+            <a:ln>
+              <a:noFill/>
+            </a:ln>
+          </p:spPr>
+          <p:style>
+            <a:lnRef idx="2">
+              <a:schemeClr val="accent1">
+                <a:shade val="50000"/>
+              </a:schemeClr>
+            </a:lnRef>
+            <a:fillRef idx="1">
+              <a:schemeClr val="accent1"/>
+            </a:fillRef>
+            <a:effectRef idx="0">
+              <a:schemeClr val="accent1"/>
+            </a:effectRef>
+            <a:fontRef idx="minor">
+              <a:schemeClr val="lt1"/>
+            </a:fontRef>
+          </p:style>
+          <p:txBody>
+            <a:bodyPr rtlCol="0" anchor="ctr"/>
+            <a:lstStyle/>
+            <a:p>
+              <a:pPr algn="ctr"/>
+              <a:endParaRPr lang="zh-CN" altLang="en-US"/>
+            </a:p>
+          </p:txBody>
+        </p:sp>
+        <p:grpSp>
+          <p:nvGrpSpPr>
+            <p:cNvPr id="98" name="组合 97">
+              <a:extLst>
+                <a:ext uri="{FF2B5EF4-FFF2-40B4-BE49-F238E27FC236}">
+                  <a16:creationId xmlns:a16="http://schemas.microsoft.com/office/drawing/2014/main" id="{024F7E86-95C5-4BE0-B6D0-2747505A230E}"/>
+                </a:ext>
+              </a:extLst>
+            </p:cNvPr>
+            <p:cNvGrpSpPr/>
+            <p:nvPr/>
+          </p:nvGrpSpPr>
+          <p:grpSpPr>
+            <a:xfrm>
+              <a:off x="1642914" y="912251"/>
+              <a:ext cx="209547" cy="247051"/>
+              <a:chOff x="1645669" y="893430"/>
+              <a:chExt cx="209547" cy="247051"/>
+            </a:xfrm>
+          </p:grpSpPr>
+          <p:sp>
+            <p:nvSpPr>
+              <p:cNvPr id="93" name="椭圆 92">
+                <a:extLst>
+                  <a:ext uri="{FF2B5EF4-FFF2-40B4-BE49-F238E27FC236}">
+                    <a16:creationId xmlns:a16="http://schemas.microsoft.com/office/drawing/2014/main" id="{73671702-0EAF-4FDF-BD92-53FB8973F037}"/>
+                  </a:ext>
+                </a:extLst>
+              </p:cNvPr>
+              <p:cNvSpPr/>
+              <p:nvPr/>
+            </p:nvSpPr>
+            <p:spPr>
+              <a:xfrm>
+                <a:off x="1645670" y="893430"/>
+                <a:ext cx="207339" cy="207049"/>
+              </a:xfrm>
+              <a:prstGeom prst="ellipse">
+                <a:avLst/>
+              </a:prstGeom>
+              <a:solidFill>
+                <a:srgbClr val="22D0C4"/>
+              </a:solidFill>
+              <a:ln>
+                <a:noFill/>
+              </a:ln>
+            </p:spPr>
+            <p:style>
+              <a:lnRef idx="2">
+                <a:schemeClr val="accent1">
+                  <a:shade val="50000"/>
+                </a:schemeClr>
+              </a:lnRef>
+              <a:fillRef idx="1">
+                <a:schemeClr val="accent1"/>
+              </a:fillRef>
+              <a:effectRef idx="0">
+                <a:schemeClr val="accent1"/>
+              </a:effectRef>
+              <a:fontRef idx="minor">
+                <a:schemeClr val="lt1"/>
+              </a:fontRef>
+            </p:style>
+            <p:txBody>
+              <a:bodyPr rtlCol="0" anchor="ctr"/>
+              <a:lstStyle/>
+              <a:p>
+                <a:pPr algn="ctr"/>
+                <a:endParaRPr lang="zh-CN" altLang="en-US"/>
+              </a:p>
+            </p:txBody>
+          </p:sp>
+          <p:grpSp>
+            <p:nvGrpSpPr>
+              <p:cNvPr id="97" name="组合 96">
+                <a:extLst>
+                  <a:ext uri="{FF2B5EF4-FFF2-40B4-BE49-F238E27FC236}">
+                    <a16:creationId xmlns:a16="http://schemas.microsoft.com/office/drawing/2014/main" id="{F85FFA41-1FA1-4A30-BDC9-CF620DECE416}"/>
+                  </a:ext>
+                </a:extLst>
+              </p:cNvPr>
+              <p:cNvGrpSpPr/>
+              <p:nvPr/>
+            </p:nvGrpSpPr>
+            <p:grpSpPr>
+              <a:xfrm>
+                <a:off x="1645669" y="903741"/>
+                <a:ext cx="209547" cy="236740"/>
+                <a:chOff x="1645669" y="903741"/>
+                <a:chExt cx="209547" cy="236740"/>
+              </a:xfrm>
+            </p:grpSpPr>
+            <p:sp>
+              <p:nvSpPr>
+                <p:cNvPr id="94" name="椭圆 93">
+                  <a:extLst>
+                    <a:ext uri="{FF2B5EF4-FFF2-40B4-BE49-F238E27FC236}">
+                      <a16:creationId xmlns:a16="http://schemas.microsoft.com/office/drawing/2014/main" id="{315BE0DB-913E-4BD7-9DC9-200904264CF5}"/>
+                    </a:ext>
+                  </a:extLst>
+                </p:cNvPr>
+                <p:cNvSpPr/>
+                <p:nvPr/>
+              </p:nvSpPr>
+              <p:spPr>
+                <a:xfrm>
+                  <a:off x="1645669" y="903741"/>
+                  <a:ext cx="207339" cy="207049"/>
+                </a:xfrm>
+                <a:prstGeom prst="ellipse">
+                  <a:avLst/>
+                </a:prstGeom>
+                <a:solidFill>
+                  <a:srgbClr val="22D0C4">
+                    <a:alpha val="30000"/>
+                  </a:srgbClr>
+                </a:solidFill>
+                <a:ln>
+                  <a:noFill/>
+                </a:ln>
+              </p:spPr>
+              <p:style>
+                <a:lnRef idx="2">
+                  <a:schemeClr val="accent1">
+                    <a:shade val="50000"/>
+                  </a:schemeClr>
+                </a:lnRef>
+                <a:fillRef idx="1">
+                  <a:schemeClr val="accent1"/>
+                </a:fillRef>
+                <a:effectRef idx="0">
+                  <a:schemeClr val="accent1"/>
+                </a:effectRef>
+                <a:fontRef idx="minor">
+                  <a:schemeClr val="lt1"/>
+                </a:fontRef>
+              </p:style>
+              <p:txBody>
+                <a:bodyPr rtlCol="0" anchor="ctr"/>
+                <a:lstStyle/>
+                <a:p>
+                  <a:pPr algn="ctr"/>
+                  <a:endParaRPr lang="zh-CN" altLang="en-US"/>
+                </a:p>
+              </p:txBody>
+            </p:sp>
+            <p:sp>
+              <p:nvSpPr>
+                <p:cNvPr id="95" name="椭圆 94">
+                  <a:extLst>
+                    <a:ext uri="{FF2B5EF4-FFF2-40B4-BE49-F238E27FC236}">
+                      <a16:creationId xmlns:a16="http://schemas.microsoft.com/office/drawing/2014/main" id="{5B337DD6-9828-430F-8743-85DBCE3DF251}"/>
+                    </a:ext>
+                  </a:extLst>
+                </p:cNvPr>
+                <p:cNvSpPr/>
+                <p:nvPr/>
+              </p:nvSpPr>
+              <p:spPr>
+                <a:xfrm>
+                  <a:off x="1647877" y="917855"/>
+                  <a:ext cx="207339" cy="207049"/>
+                </a:xfrm>
+                <a:prstGeom prst="ellipse">
+                  <a:avLst/>
+                </a:prstGeom>
+                <a:solidFill>
+                  <a:srgbClr val="22D0C4">
+                    <a:alpha val="20000"/>
+                  </a:srgbClr>
+                </a:solidFill>
+                <a:ln>
+                  <a:noFill/>
+                </a:ln>
+              </p:spPr>
+              <p:style>
+                <a:lnRef idx="2">
+                  <a:schemeClr val="accent1">
+                    <a:shade val="50000"/>
+                  </a:schemeClr>
+                </a:lnRef>
+                <a:fillRef idx="1">
+                  <a:schemeClr val="accent1"/>
+                </a:fillRef>
+                <a:effectRef idx="0">
+                  <a:schemeClr val="accent1"/>
+                </a:effectRef>
+                <a:fontRef idx="minor">
+                  <a:schemeClr val="lt1"/>
+                </a:fontRef>
+              </p:style>
+              <p:txBody>
+                <a:bodyPr rtlCol="0" anchor="ctr"/>
+                <a:lstStyle/>
+                <a:p>
+                  <a:pPr algn="ctr"/>
+                  <a:endParaRPr lang="zh-CN" altLang="en-US"/>
+                </a:p>
+              </p:txBody>
+            </p:sp>
+            <p:sp>
+              <p:nvSpPr>
+                <p:cNvPr id="96" name="椭圆 95">
+                  <a:extLst>
+                    <a:ext uri="{FF2B5EF4-FFF2-40B4-BE49-F238E27FC236}">
+                      <a16:creationId xmlns:a16="http://schemas.microsoft.com/office/drawing/2014/main" id="{B877473A-FC05-4534-80ED-0D07E64C30D0}"/>
+                    </a:ext>
+                  </a:extLst>
+                </p:cNvPr>
+                <p:cNvSpPr/>
+                <p:nvPr/>
+              </p:nvSpPr>
+              <p:spPr>
+                <a:xfrm>
+                  <a:off x="1647478" y="933432"/>
+                  <a:ext cx="207339" cy="207049"/>
+                </a:xfrm>
+                <a:prstGeom prst="ellipse">
+                  <a:avLst/>
+                </a:prstGeom>
+                <a:solidFill>
+                  <a:srgbClr val="22D0C4">
+                    <a:alpha val="10000"/>
+                  </a:srgbClr>
+                </a:solidFill>
+                <a:ln>
+                  <a:noFill/>
+                </a:ln>
+              </p:spPr>
+              <p:style>
+                <a:lnRef idx="2">
+                  <a:schemeClr val="accent1">
+                    <a:shade val="50000"/>
+                  </a:schemeClr>
+                </a:lnRef>
+                <a:fillRef idx="1">
+                  <a:schemeClr val="accent1"/>
+                </a:fillRef>
+                <a:effectRef idx="0">
+                  <a:schemeClr val="accent1"/>
+                </a:effectRef>
+                <a:fontRef idx="minor">
+                  <a:schemeClr val="lt1"/>
+                </a:fontRef>
+              </p:style>
+              <p:txBody>
+                <a:bodyPr rtlCol="0" anchor="ctr"/>
+                <a:lstStyle/>
+                <a:p>
+                  <a:pPr algn="ctr"/>
+                  <a:endParaRPr lang="zh-CN" altLang="en-US"/>
+                </a:p>
+              </p:txBody>
+            </p:sp>
+          </p:grpSp>
+        </p:grpSp>
+      </p:grpSp>
+      <p:grpSp>
+        <p:nvGrpSpPr>
+          <p:cNvPr id="56" name="组合 55">
+            <a:extLst>
+              <a:ext uri="{FF2B5EF4-FFF2-40B4-BE49-F238E27FC236}">
+                <a16:creationId xmlns:a16="http://schemas.microsoft.com/office/drawing/2014/main" id="{DA9997A4-C409-4E54-A195-7C34B56ECE31}"/>
+              </a:ext>
+            </a:extLst>
+          </p:cNvPr>
+          <p:cNvGrpSpPr>
+            <a:grpSpLocks noChangeAspect="1"/>
+          </p:cNvGrpSpPr>
+          <p:nvPr/>
+        </p:nvGrpSpPr>
+        <p:grpSpPr>
+          <a:xfrm>
+            <a:off x="1582421" y="1368803"/>
+            <a:ext cx="310572" cy="310038"/>
+            <a:chOff x="1423783" y="1830253"/>
+            <a:chExt cx="248400" cy="247972"/>
+          </a:xfrm>
+        </p:grpSpPr>
+        <p:sp>
+          <p:nvSpPr>
+            <p:cNvPr id="64" name="矩形 63">
+              <a:extLst>
+                <a:ext uri="{FF2B5EF4-FFF2-40B4-BE49-F238E27FC236}">
+                  <a16:creationId xmlns:a16="http://schemas.microsoft.com/office/drawing/2014/main" id="{3EAD220F-A9B5-463D-8350-9A5A7713724E}"/>
+                </a:ext>
+              </a:extLst>
+            </p:cNvPr>
+            <p:cNvSpPr/>
+            <p:nvPr/>
+          </p:nvSpPr>
+          <p:spPr>
+            <a:xfrm>
+              <a:off x="1423783" y="1830253"/>
+              <a:ext cx="248400" cy="247972"/>
+            </a:xfrm>
+            <a:prstGeom prst="rect">
+              <a:avLst/>
+            </a:prstGeom>
+            <a:solidFill>
+              <a:schemeClr val="bg1">
+                <a:lumMod val="95000"/>
+                <a:alpha val="0"/>
+              </a:schemeClr>
+            </a:solidFill>
+            <a:ln>
+              <a:noFill/>
+            </a:ln>
+          </p:spPr>
+          <p:style>
+            <a:lnRef idx="2">
+              <a:schemeClr val="accent1">
+                <a:shade val="50000"/>
+              </a:schemeClr>
+            </a:lnRef>
+            <a:fillRef idx="1">
+              <a:schemeClr val="accent1"/>
+            </a:fillRef>
+            <a:effectRef idx="0">
+              <a:schemeClr val="accent1"/>
+            </a:effectRef>
+            <a:fontRef idx="minor">
+              <a:schemeClr val="lt1"/>
+            </a:fontRef>
+          </p:style>
+          <p:txBody>
+            <a:bodyPr rtlCol="0" anchor="ctr"/>
+            <a:lstStyle/>
+            <a:p>
+              <a:pPr algn="ctr"/>
+              <a:endParaRPr lang="zh-CN" altLang="en-US"/>
+            </a:p>
+          </p:txBody>
+        </p:sp>
+        <p:sp>
+          <p:nvSpPr>
+            <p:cNvPr id="65" name="椭圆 64">
+              <a:extLst>
+                <a:ext uri="{FF2B5EF4-FFF2-40B4-BE49-F238E27FC236}">
+                  <a16:creationId xmlns:a16="http://schemas.microsoft.com/office/drawing/2014/main" id="{EAEF200B-5C86-43FC-A0B5-9C5349BCA732}"/>
+                </a:ext>
+              </a:extLst>
+            </p:cNvPr>
+            <p:cNvSpPr/>
+            <p:nvPr/>
+          </p:nvSpPr>
+          <p:spPr>
+            <a:xfrm>
+              <a:off x="1464717" y="1872649"/>
+              <a:ext cx="165833" cy="165600"/>
+            </a:xfrm>
+            <a:prstGeom prst="ellipse">
+              <a:avLst/>
+            </a:prstGeom>
+            <a:solidFill>
+              <a:srgbClr val="643EFF"/>
+            </a:solidFill>
+            <a:ln>
+              <a:noFill/>
+            </a:ln>
+          </p:spPr>
+          <p:style>
+            <a:lnRef idx="2">
+              <a:schemeClr val="accent1">
+                <a:shade val="50000"/>
+              </a:schemeClr>
+            </a:lnRef>
+            <a:fillRef idx="1">
+              <a:schemeClr val="accent1"/>
+            </a:fillRef>
+            <a:effectRef idx="0">
+              <a:schemeClr val="accent1"/>
+            </a:effectRef>
+            <a:fontRef idx="minor">
+              <a:schemeClr val="lt1"/>
+            </a:fontRef>
+          </p:style>
+          <p:txBody>
+            <a:bodyPr rtlCol="0" anchor="ctr"/>
+            <a:lstStyle/>
+            <a:p>
+              <a:pPr algn="ctr"/>
+              <a:r>
+                <a:rPr lang="en-US" altLang="zh-CN" sz="1200" b="1"/>
+                <a:t>…</a:t>
+              </a:r>
+              <a:endParaRPr lang="zh-CN" altLang="en-US" sz="1200" b="1"/>
+            </a:p>
+          </p:txBody>
+        </p:sp>
+      </p:grpSp>
+      <p:grpSp>
+        <p:nvGrpSpPr>
+          <p:cNvPr id="5" name="组合 4">
+            <a:extLst>
+              <a:ext uri="{FF2B5EF4-FFF2-40B4-BE49-F238E27FC236}">
+                <a16:creationId xmlns:a16="http://schemas.microsoft.com/office/drawing/2014/main" id="{64F3421A-C5F7-404F-BDBC-C3E2632FA16E}"/>
+              </a:ext>
+            </a:extLst>
+          </p:cNvPr>
+          <p:cNvGrpSpPr/>
+          <p:nvPr/>
+        </p:nvGrpSpPr>
+        <p:grpSpPr>
+          <a:xfrm>
+            <a:off x="1589936" y="1866719"/>
+            <a:ext cx="310572" cy="310038"/>
+            <a:chOff x="1589936" y="1866719"/>
+            <a:chExt cx="310572" cy="310038"/>
+          </a:xfrm>
+        </p:grpSpPr>
+        <p:sp>
+          <p:nvSpPr>
+            <p:cNvPr id="61" name="矩形 60">
+              <a:extLst>
+                <a:ext uri="{FF2B5EF4-FFF2-40B4-BE49-F238E27FC236}">
+                  <a16:creationId xmlns:a16="http://schemas.microsoft.com/office/drawing/2014/main" id="{29D034E3-C30E-4A97-8340-E4D5EB83BD3F}"/>
+                </a:ext>
+              </a:extLst>
+            </p:cNvPr>
+            <p:cNvSpPr/>
+            <p:nvPr/>
+          </p:nvSpPr>
+          <p:spPr>
+            <a:xfrm>
+              <a:off x="1589936" y="1866719"/>
+              <a:ext cx="310572" cy="310038"/>
+            </a:xfrm>
+            <a:prstGeom prst="rect">
+              <a:avLst/>
+            </a:prstGeom>
+            <a:solidFill>
+              <a:srgbClr val="E9403A">
+                <a:alpha val="0"/>
+              </a:srgbClr>
+            </a:solidFill>
+            <a:ln>
+              <a:noFill/>
+            </a:ln>
+          </p:spPr>
+          <p:style>
+            <a:lnRef idx="2">
+              <a:schemeClr val="accent1">
+                <a:shade val="50000"/>
+              </a:schemeClr>
+            </a:lnRef>
+            <a:fillRef idx="1">
+              <a:schemeClr val="accent1"/>
+            </a:fillRef>
+            <a:effectRef idx="0">
+              <a:schemeClr val="accent1"/>
+            </a:effectRef>
+            <a:fontRef idx="minor">
+              <a:schemeClr val="lt1"/>
+            </a:fontRef>
+          </p:style>
+          <p:txBody>
+            <a:bodyPr rtlCol="0" anchor="ctr"/>
+            <a:lstStyle/>
+            <a:p>
+              <a:pPr algn="ctr"/>
+              <a:endParaRPr lang="zh-CN" altLang="en-US"/>
+            </a:p>
+          </p:txBody>
+        </p:sp>
+        <p:sp>
+          <p:nvSpPr>
+            <p:cNvPr id="77" name="椭圆 76">
+              <a:extLst>
+                <a:ext uri="{FF2B5EF4-FFF2-40B4-BE49-F238E27FC236}">
+                  <a16:creationId xmlns:a16="http://schemas.microsoft.com/office/drawing/2014/main" id="{4C912488-0FA5-4A21-90E5-2DE09AD5CCE5}"/>
+                </a:ext>
+              </a:extLst>
+            </p:cNvPr>
+            <p:cNvSpPr/>
+            <p:nvPr/>
+          </p:nvSpPr>
+          <p:spPr>
+            <a:xfrm>
+              <a:off x="1662832" y="1929044"/>
+              <a:ext cx="114508" cy="119002"/>
+            </a:xfrm>
+            <a:prstGeom prst="ellipse">
+              <a:avLst/>
+            </a:prstGeom>
+            <a:solidFill>
+              <a:srgbClr val="C0F9F5"/>
+            </a:solidFill>
+            <a:ln>
+              <a:noFill/>
+            </a:ln>
+          </p:spPr>
+          <p:style>
+            <a:lnRef idx="2">
+              <a:schemeClr val="accent1">
+                <a:shade val="50000"/>
+              </a:schemeClr>
+            </a:lnRef>
+            <a:fillRef idx="1">
+              <a:schemeClr val="accent1"/>
+            </a:fillRef>
+            <a:effectRef idx="0">
+              <a:schemeClr val="accent1"/>
+            </a:effectRef>
+            <a:fontRef idx="minor">
+              <a:schemeClr val="lt1"/>
+            </a:fontRef>
+          </p:style>
+          <p:txBody>
+            <a:bodyPr rtlCol="0" anchor="ctr"/>
+            <a:lstStyle/>
+            <a:p>
+              <a:pPr algn="ctr"/>
+              <a:endParaRPr lang="zh-CN" altLang="en-US" sz="1200" b="1"/>
+            </a:p>
+          </p:txBody>
+        </p:sp>
+        <p:sp>
+          <p:nvSpPr>
+            <p:cNvPr id="70" name="椭圆 69">
+              <a:extLst>
+                <a:ext uri="{FF2B5EF4-FFF2-40B4-BE49-F238E27FC236}">
+                  <a16:creationId xmlns:a16="http://schemas.microsoft.com/office/drawing/2014/main" id="{7B140033-30D4-4B65-8205-AF6CFB9571F2}"/>
+                </a:ext>
+              </a:extLst>
+            </p:cNvPr>
+            <p:cNvSpPr/>
+            <p:nvPr/>
+          </p:nvSpPr>
+          <p:spPr>
+            <a:xfrm>
+              <a:off x="1711773" y="1929044"/>
+              <a:ext cx="114508" cy="119002"/>
+            </a:xfrm>
+            <a:prstGeom prst="ellipse">
+              <a:avLst/>
+            </a:prstGeom>
+            <a:solidFill>
+              <a:srgbClr val="22D0C4"/>
+            </a:solidFill>
+            <a:ln>
+              <a:noFill/>
+            </a:ln>
+          </p:spPr>
+          <p:style>
+            <a:lnRef idx="2">
+              <a:schemeClr val="accent1">
+                <a:shade val="50000"/>
+              </a:schemeClr>
+            </a:lnRef>
+            <a:fillRef idx="1">
+              <a:schemeClr val="accent1"/>
+            </a:fillRef>
+            <a:effectRef idx="0">
+              <a:schemeClr val="accent1"/>
+            </a:effectRef>
+            <a:fontRef idx="minor">
+              <a:schemeClr val="lt1"/>
+            </a:fontRef>
+          </p:style>
+          <p:txBody>
+            <a:bodyPr rtlCol="0" anchor="ctr"/>
+            <a:lstStyle/>
+            <a:p>
+              <a:pPr algn="ctr"/>
+              <a:endParaRPr lang="zh-CN" altLang="en-US" sz="1200" b="1"/>
+            </a:p>
+          </p:txBody>
+        </p:sp>
+        <p:sp>
+          <p:nvSpPr>
+            <p:cNvPr id="63" name="梯形 62">
+              <a:extLst>
+                <a:ext uri="{FF2B5EF4-FFF2-40B4-BE49-F238E27FC236}">
+                  <a16:creationId xmlns:a16="http://schemas.microsoft.com/office/drawing/2014/main" id="{759F6971-21F0-4592-A5B7-11A147B1981E}"/>
+                </a:ext>
+              </a:extLst>
+            </p:cNvPr>
+            <p:cNvSpPr/>
+            <p:nvPr/>
+          </p:nvSpPr>
+          <p:spPr>
+            <a:xfrm flipV="1">
+              <a:off x="1642969" y="2007774"/>
+              <a:ext cx="201204" cy="119001"/>
+            </a:xfrm>
+            <a:prstGeom prst="trapezoid">
+              <a:avLst>
+                <a:gd name="adj" fmla="val 25936"/>
+              </a:avLst>
+            </a:prstGeom>
+            <a:solidFill>
+              <a:srgbClr val="F5F5F5"/>
+            </a:solidFill>
+            <a:ln>
+              <a:noFill/>
+            </a:ln>
+          </p:spPr>
+          <p:style>
+            <a:lnRef idx="2">
+              <a:schemeClr val="accent1">
+                <a:shade val="50000"/>
+              </a:schemeClr>
+            </a:lnRef>
+            <a:fillRef idx="1">
+              <a:schemeClr val="accent1"/>
+            </a:fillRef>
+            <a:effectRef idx="0">
+              <a:schemeClr val="accent1"/>
+            </a:effectRef>
+            <a:fontRef idx="minor">
+              <a:schemeClr val="lt1"/>
+            </a:fontRef>
+          </p:style>
+          <p:txBody>
+            <a:bodyPr rtlCol="0" anchor="ctr"/>
+            <a:lstStyle/>
+            <a:p>
+              <a:pPr algn="ctr"/>
+              <a:endParaRPr lang="zh-CN" altLang="en-US" sz="1200" b="1"/>
+            </a:p>
+          </p:txBody>
+        </p:sp>
+        <p:sp>
+          <p:nvSpPr>
+            <p:cNvPr id="81" name="任意多边形: 形状 80">
+              <a:extLst>
+                <a:ext uri="{FF2B5EF4-FFF2-40B4-BE49-F238E27FC236}">
+                  <a16:creationId xmlns:a16="http://schemas.microsoft.com/office/drawing/2014/main" id="{D9342CF3-FC31-42CA-AAEF-25EC22FE9871}"/>
+                </a:ext>
+              </a:extLst>
+            </p:cNvPr>
+            <p:cNvSpPr/>
+            <p:nvPr/>
+          </p:nvSpPr>
+          <p:spPr>
+            <a:xfrm flipV="1">
+              <a:off x="1757314" y="2007773"/>
+              <a:ext cx="90430" cy="121551"/>
+            </a:xfrm>
+            <a:custGeom>
+              <a:avLst/>
+              <a:gdLst>
+                <a:gd name="connsiteX0" fmla="*/ 62795 w 90430"/>
+                <a:gd name="connsiteY0" fmla="*/ 119001 h 119001"/>
+                <a:gd name="connsiteX1" fmla="*/ 90430 w 90430"/>
+                <a:gd name="connsiteY1" fmla="*/ 119001 h 119001"/>
+                <a:gd name="connsiteX2" fmla="*/ 59566 w 90430"/>
+                <a:gd name="connsiteY2" fmla="*/ 0 h 119001"/>
+                <a:gd name="connsiteX3" fmla="*/ 0 w 90430"/>
+                <a:gd name="connsiteY3" fmla="*/ 0 h 119001"/>
+              </a:gdLst>
+              <a:ahLst/>
+              <a:cxnLst>
+                <a:cxn ang="0">
+                  <a:pos x="connsiteX0" y="connsiteY0"/>
+                </a:cxn>
+                <a:cxn ang="0">
+                  <a:pos x="connsiteX1" y="connsiteY1"/>
+                </a:cxn>
+                <a:cxn ang="0">
+                  <a:pos x="connsiteX2" y="connsiteY2"/>
+                </a:cxn>
+                <a:cxn ang="0">
+                  <a:pos x="connsiteX3" y="connsiteY3"/>
+                </a:cxn>
+              </a:cxnLst>
+              <a:rect l="l" t="t" r="r" b="b"/>
+              <a:pathLst>
+                <a:path w="90430" h="119001">
+                  <a:moveTo>
+                    <a:pt x="62795" y="119001"/>
+                  </a:moveTo>
+                  <a:lnTo>
+                    <a:pt x="90430" y="119001"/>
+                  </a:lnTo>
+                  <a:lnTo>
+                    <a:pt x="59566" y="0"/>
+                  </a:lnTo>
+                  <a:lnTo>
+                    <a:pt x="0" y="0"/>
+                  </a:lnTo>
+                  <a:close/>
+                </a:path>
+              </a:pathLst>
+            </a:custGeom>
+            <a:solidFill>
+              <a:schemeClr val="bg1">
+                <a:lumMod val="85000"/>
+              </a:schemeClr>
+            </a:solidFill>
+            <a:ln>
+              <a:noFill/>
+            </a:ln>
+          </p:spPr>
+          <p:style>
+            <a:lnRef idx="2">
+              <a:schemeClr val="accent1">
+                <a:shade val="50000"/>
+              </a:schemeClr>
+            </a:lnRef>
+            <a:fillRef idx="1">
+              <a:schemeClr val="accent1"/>
+            </a:fillRef>
+            <a:effectRef idx="0">
+              <a:schemeClr val="accent1"/>
+            </a:effectRef>
+            <a:fontRef idx="minor">
+              <a:schemeClr val="lt1"/>
+            </a:fontRef>
+          </p:style>
+          <p:txBody>
+            <a:bodyPr wrap="square" rtlCol="0" anchor="ctr">
+              <a:noAutofit/>
+            </a:bodyPr>
+            <a:lstStyle/>
+            <a:p>
+              <a:pPr algn="ctr"/>
+              <a:endParaRPr lang="zh-CN" altLang="en-US" sz="1200" b="1"/>
+            </a:p>
+          </p:txBody>
+        </p:sp>
+      </p:grpSp>
+    </p:spTree>
+    <p:extLst>
+      <p:ext uri="{BB962C8B-B14F-4D97-AF65-F5344CB8AC3E}">
+        <p14:creationId xmlns:p14="http://schemas.microsoft.com/office/powerpoint/2010/main" val="3235485545"/>
+      </p:ext>
+    </p:extLst>
+  </p:cSld>
+  <p:clrMapOvr>
+    <a:masterClrMapping/>
+  </p:clrMapOvr>
+</p:sld>
+</file>
+
+<file path=ppt/slides/slide5.xml><?xml version="1.0" encoding="utf-8"?>
 <p:sld xmlns:a="http://schemas.openxmlformats.org/drawingml/2006/main" xmlns:r="http://schemas.openxmlformats.org/officeDocument/2006/relationships" xmlns:p="http://schemas.openxmlformats.org/presentationml/2006/main">
   <p:cSld>
     <p:spTree>
@@ -10964,7 +15904,7 @@
 </p:sld>
 </file>
 
-<file path=ppt/slides/slide5.xml><?xml version="1.0" encoding="utf-8"?>
+<file path=ppt/slides/slide6.xml><?xml version="1.0" encoding="utf-8"?>
 <p:sld xmlns:a="http://schemas.openxmlformats.org/drawingml/2006/main" xmlns:r="http://schemas.openxmlformats.org/officeDocument/2006/relationships" xmlns:p="http://schemas.openxmlformats.org/presentationml/2006/main">
   <p:cSld>
     <p:bg>

--- a/UI.pptx
+++ b/UI.pptx
@@ -8,9 +8,11 @@
     <p:sldId id="260" r:id="rId2"/>
     <p:sldId id="265" r:id="rId3"/>
     <p:sldId id="264" r:id="rId4"/>
-    <p:sldId id="266" r:id="rId5"/>
-    <p:sldId id="262" r:id="rId6"/>
-    <p:sldId id="263" r:id="rId7"/>
+    <p:sldId id="268" r:id="rId5"/>
+    <p:sldId id="266" r:id="rId6"/>
+    <p:sldId id="262" r:id="rId7"/>
+    <p:sldId id="267" r:id="rId8"/>
+    <p:sldId id="263" r:id="rId9"/>
   </p:sldIdLst>
   <p:sldSz cx="12192000" cy="6858000"/>
   <p:notesSz cx="6858000" cy="9144000"/>
@@ -264,7 +266,7 @@
           <a:p>
             <a:fld id="{F3BA182F-79D5-4EF3-A581-738F691F52DF}" type="datetimeFigureOut">
               <a:rPr lang="zh-CN" altLang="en-US" smtClean="0"/>
-              <a:t>2019/7/11</a:t>
+              <a:t>2019/7/12</a:t>
             </a:fld>
             <a:endParaRPr lang="zh-CN" altLang="en-US"/>
           </a:p>
@@ -462,7 +464,7 @@
           <a:p>
             <a:fld id="{F3BA182F-79D5-4EF3-A581-738F691F52DF}" type="datetimeFigureOut">
               <a:rPr lang="zh-CN" altLang="en-US" smtClean="0"/>
-              <a:t>2019/7/11</a:t>
+              <a:t>2019/7/12</a:t>
             </a:fld>
             <a:endParaRPr lang="zh-CN" altLang="en-US"/>
           </a:p>
@@ -670,7 +672,7 @@
           <a:p>
             <a:fld id="{F3BA182F-79D5-4EF3-A581-738F691F52DF}" type="datetimeFigureOut">
               <a:rPr lang="zh-CN" altLang="en-US" smtClean="0"/>
-              <a:t>2019/7/11</a:t>
+              <a:t>2019/7/12</a:t>
             </a:fld>
             <a:endParaRPr lang="zh-CN" altLang="en-US"/>
           </a:p>
@@ -868,7 +870,7 @@
           <a:p>
             <a:fld id="{F3BA182F-79D5-4EF3-A581-738F691F52DF}" type="datetimeFigureOut">
               <a:rPr lang="zh-CN" altLang="en-US" smtClean="0"/>
-              <a:t>2019/7/11</a:t>
+              <a:t>2019/7/12</a:t>
             </a:fld>
             <a:endParaRPr lang="zh-CN" altLang="en-US"/>
           </a:p>
@@ -1143,7 +1145,7 @@
           <a:p>
             <a:fld id="{F3BA182F-79D5-4EF3-A581-738F691F52DF}" type="datetimeFigureOut">
               <a:rPr lang="zh-CN" altLang="en-US" smtClean="0"/>
-              <a:t>2019/7/11</a:t>
+              <a:t>2019/7/12</a:t>
             </a:fld>
             <a:endParaRPr lang="zh-CN" altLang="en-US"/>
           </a:p>
@@ -1408,7 +1410,7 @@
           <a:p>
             <a:fld id="{F3BA182F-79D5-4EF3-A581-738F691F52DF}" type="datetimeFigureOut">
               <a:rPr lang="zh-CN" altLang="en-US" smtClean="0"/>
-              <a:t>2019/7/11</a:t>
+              <a:t>2019/7/12</a:t>
             </a:fld>
             <a:endParaRPr lang="zh-CN" altLang="en-US"/>
           </a:p>
@@ -1820,7 +1822,7 @@
           <a:p>
             <a:fld id="{F3BA182F-79D5-4EF3-A581-738F691F52DF}" type="datetimeFigureOut">
               <a:rPr lang="zh-CN" altLang="en-US" smtClean="0"/>
-              <a:t>2019/7/11</a:t>
+              <a:t>2019/7/12</a:t>
             </a:fld>
             <a:endParaRPr lang="zh-CN" altLang="en-US"/>
           </a:p>
@@ -1961,7 +1963,7 @@
           <a:p>
             <a:fld id="{F3BA182F-79D5-4EF3-A581-738F691F52DF}" type="datetimeFigureOut">
               <a:rPr lang="zh-CN" altLang="en-US" smtClean="0"/>
-              <a:t>2019/7/11</a:t>
+              <a:t>2019/7/12</a:t>
             </a:fld>
             <a:endParaRPr lang="zh-CN" altLang="en-US"/>
           </a:p>
@@ -2074,7 +2076,7 @@
           <a:p>
             <a:fld id="{F3BA182F-79D5-4EF3-A581-738F691F52DF}" type="datetimeFigureOut">
               <a:rPr lang="zh-CN" altLang="en-US" smtClean="0"/>
-              <a:t>2019/7/11</a:t>
+              <a:t>2019/7/12</a:t>
             </a:fld>
             <a:endParaRPr lang="zh-CN" altLang="en-US"/>
           </a:p>
@@ -2385,7 +2387,7 @@
           <a:p>
             <a:fld id="{F3BA182F-79D5-4EF3-A581-738F691F52DF}" type="datetimeFigureOut">
               <a:rPr lang="zh-CN" altLang="en-US" smtClean="0"/>
-              <a:t>2019/7/11</a:t>
+              <a:t>2019/7/12</a:t>
             </a:fld>
             <a:endParaRPr lang="zh-CN" altLang="en-US"/>
           </a:p>
@@ -2673,7 +2675,7 @@
           <a:p>
             <a:fld id="{F3BA182F-79D5-4EF3-A581-738F691F52DF}" type="datetimeFigureOut">
               <a:rPr lang="zh-CN" altLang="en-US" smtClean="0"/>
-              <a:t>2019/7/11</a:t>
+              <a:t>2019/7/12</a:t>
             </a:fld>
             <a:endParaRPr lang="zh-CN" altLang="en-US"/>
           </a:p>
@@ -2914,7 +2916,7 @@
           <a:p>
             <a:fld id="{F3BA182F-79D5-4EF3-A581-738F691F52DF}" type="datetimeFigureOut">
               <a:rPr lang="zh-CN" altLang="en-US" smtClean="0"/>
-              <a:t>2019/7/11</a:t>
+              <a:t>2019/7/12</a:t>
             </a:fld>
             <a:endParaRPr lang="zh-CN" altLang="en-US"/>
           </a:p>
@@ -9843,8 +9845,8 @@
         </p:nvSpPr>
         <p:spPr>
           <a:xfrm>
-            <a:off x="5660076" y="1536120"/>
-            <a:ext cx="354584" cy="276999"/>
+            <a:off x="5603972" y="1536120"/>
+            <a:ext cx="466794" cy="276999"/>
           </a:xfrm>
           <a:prstGeom prst="rect">
             <a:avLst/>
@@ -9860,12 +9862,12 @@
             <a:pPr algn="ctr"/>
             <a:r>
               <a:rPr lang="en-US" altLang="zh-CN" sz="1200">
-                <a:latin typeface="Abadi Extra Light" panose="020B0204020104020204" pitchFamily="34" charset="0"/>
+                <a:latin typeface="Wingdings 2" panose="05020102010507070707" pitchFamily="18" charset="2"/>
               </a:rPr>
               <a:t>RC</a:t>
             </a:r>
             <a:endParaRPr lang="zh-CN" altLang="en-US" sz="1200">
-              <a:latin typeface="Abadi Extra Light" panose="020B0204020104020204" pitchFamily="34" charset="0"/>
+              <a:latin typeface="Wingdings 2" panose="05020102010507070707" pitchFamily="18" charset="2"/>
             </a:endParaRPr>
           </a:p>
         </p:txBody>
@@ -11119,6 +11121,453 @@
           </a:p>
         </p:txBody>
       </p:sp>
+      <p:grpSp>
+        <p:nvGrpSpPr>
+          <p:cNvPr id="4" name="组合 3">
+            <a:extLst>
+              <a:ext uri="{FF2B5EF4-FFF2-40B4-BE49-F238E27FC236}">
+                <a16:creationId xmlns:a16="http://schemas.microsoft.com/office/drawing/2014/main" id="{8D29F522-F5F9-4C63-A165-B52F291C72ED}"/>
+              </a:ext>
+            </a:extLst>
+          </p:cNvPr>
+          <p:cNvGrpSpPr/>
+          <p:nvPr/>
+        </p:nvGrpSpPr>
+        <p:grpSpPr>
+          <a:xfrm>
+            <a:off x="3976928" y="816119"/>
+            <a:ext cx="1220400" cy="1219359"/>
+            <a:chOff x="6071477" y="391055"/>
+            <a:chExt cx="720000" cy="720000"/>
+          </a:xfrm>
+        </p:grpSpPr>
+        <p:sp>
+          <p:nvSpPr>
+            <p:cNvPr id="52" name="椭圆 51">
+              <a:extLst>
+                <a:ext uri="{FF2B5EF4-FFF2-40B4-BE49-F238E27FC236}">
+                  <a16:creationId xmlns:a16="http://schemas.microsoft.com/office/drawing/2014/main" id="{FBCDDC3D-A200-44BB-9230-5BC9E6F06F2E}"/>
+                </a:ext>
+              </a:extLst>
+            </p:cNvPr>
+            <p:cNvSpPr/>
+            <p:nvPr/>
+          </p:nvSpPr>
+          <p:spPr>
+            <a:xfrm>
+              <a:off x="6071477" y="391055"/>
+              <a:ext cx="720000" cy="720000"/>
+            </a:xfrm>
+            <a:prstGeom prst="ellipse">
+              <a:avLst/>
+            </a:prstGeom>
+            <a:gradFill>
+              <a:gsLst>
+                <a:gs pos="0">
+                  <a:srgbClr val="5FE5DD"/>
+                </a:gs>
+                <a:gs pos="100000">
+                  <a:srgbClr val="22D0C4"/>
+                </a:gs>
+              </a:gsLst>
+              <a:path path="circle">
+                <a:fillToRect r="100000" b="100000"/>
+              </a:path>
+            </a:gradFill>
+            <a:ln>
+              <a:noFill/>
+            </a:ln>
+            <a:effectLst>
+              <a:outerShdw blurRad="203200" algn="ctr" rotWithShape="0">
+                <a:prstClr val="black">
+                  <a:alpha val="20000"/>
+                </a:prstClr>
+              </a:outerShdw>
+            </a:effectLst>
+          </p:spPr>
+          <p:style>
+            <a:lnRef idx="2">
+              <a:schemeClr val="accent1">
+                <a:shade val="50000"/>
+              </a:schemeClr>
+            </a:lnRef>
+            <a:fillRef idx="1">
+              <a:schemeClr val="accent1"/>
+            </a:fillRef>
+            <a:effectRef idx="0">
+              <a:schemeClr val="accent1"/>
+            </a:effectRef>
+            <a:fontRef idx="minor">
+              <a:schemeClr val="lt1"/>
+            </a:fontRef>
+          </p:style>
+          <p:txBody>
+            <a:bodyPr rtlCol="0" anchor="ctr"/>
+            <a:lstStyle/>
+            <a:p>
+              <a:pPr algn="ctr"/>
+              <a:endParaRPr lang="zh-CN" altLang="en-US"/>
+            </a:p>
+          </p:txBody>
+        </p:sp>
+        <p:grpSp>
+          <p:nvGrpSpPr>
+            <p:cNvPr id="53" name="组合 52">
+              <a:extLst>
+                <a:ext uri="{FF2B5EF4-FFF2-40B4-BE49-F238E27FC236}">
+                  <a16:creationId xmlns:a16="http://schemas.microsoft.com/office/drawing/2014/main" id="{CC7760CE-AEE3-434C-B244-D10A44D07785}"/>
+                </a:ext>
+              </a:extLst>
+            </p:cNvPr>
+            <p:cNvGrpSpPr/>
+            <p:nvPr/>
+          </p:nvGrpSpPr>
+          <p:grpSpPr>
+            <a:xfrm>
+              <a:off x="6212659" y="468495"/>
+              <a:ext cx="432875" cy="418685"/>
+              <a:chOff x="4344687" y="1948502"/>
+              <a:chExt cx="966838" cy="935999"/>
+            </a:xfrm>
+          </p:grpSpPr>
+          <p:sp>
+            <p:nvSpPr>
+              <p:cNvPr id="56" name="等腰三角形 55">
+                <a:extLst>
+                  <a:ext uri="{FF2B5EF4-FFF2-40B4-BE49-F238E27FC236}">
+                    <a16:creationId xmlns:a16="http://schemas.microsoft.com/office/drawing/2014/main" id="{36C1B7A1-BFB5-49F2-8586-F08300E457FB}"/>
+                  </a:ext>
+                </a:extLst>
+              </p:cNvPr>
+              <p:cNvSpPr/>
+              <p:nvPr/>
+            </p:nvSpPr>
+            <p:spPr>
+              <a:xfrm>
+                <a:off x="4344687" y="1948502"/>
+                <a:ext cx="794132" cy="935999"/>
+              </a:xfrm>
+              <a:prstGeom prst="triangle">
+                <a:avLst/>
+              </a:prstGeom>
+              <a:solidFill>
+                <a:schemeClr val="bg1"/>
+              </a:solidFill>
+              <a:ln>
+                <a:noFill/>
+              </a:ln>
+              <a:effectLst/>
+            </p:spPr>
+            <p:style>
+              <a:lnRef idx="2">
+                <a:schemeClr val="accent1">
+                  <a:shade val="50000"/>
+                </a:schemeClr>
+              </a:lnRef>
+              <a:fillRef idx="1">
+                <a:schemeClr val="accent1"/>
+              </a:fillRef>
+              <a:effectRef idx="0">
+                <a:schemeClr val="accent1"/>
+              </a:effectRef>
+              <a:fontRef idx="minor">
+                <a:schemeClr val="lt1"/>
+              </a:fontRef>
+            </p:style>
+            <p:txBody>
+              <a:bodyPr rtlCol="0" anchor="ctr"/>
+              <a:lstStyle/>
+              <a:p>
+                <a:pPr algn="ctr"/>
+                <a:endParaRPr lang="zh-CN" altLang="en-US"/>
+              </a:p>
+            </p:txBody>
+          </p:sp>
+          <p:sp>
+            <p:nvSpPr>
+              <p:cNvPr id="57" name="等腰三角形 56">
+                <a:extLst>
+                  <a:ext uri="{FF2B5EF4-FFF2-40B4-BE49-F238E27FC236}">
+                    <a16:creationId xmlns:a16="http://schemas.microsoft.com/office/drawing/2014/main" id="{677E996C-B95A-41CB-AEDE-637A3937B794}"/>
+                  </a:ext>
+                </a:extLst>
+              </p:cNvPr>
+              <p:cNvSpPr/>
+              <p:nvPr/>
+            </p:nvSpPr>
+            <p:spPr>
+              <a:xfrm>
+                <a:off x="4712557" y="2269353"/>
+                <a:ext cx="598968" cy="608640"/>
+              </a:xfrm>
+              <a:prstGeom prst="triangle">
+                <a:avLst/>
+              </a:prstGeom>
+              <a:solidFill>
+                <a:schemeClr val="bg1">
+                  <a:alpha val="80000"/>
+                </a:schemeClr>
+              </a:solidFill>
+              <a:ln>
+                <a:noFill/>
+              </a:ln>
+              <a:effectLst/>
+            </p:spPr>
+            <p:style>
+              <a:lnRef idx="2">
+                <a:schemeClr val="accent1">
+                  <a:shade val="50000"/>
+                </a:schemeClr>
+              </a:lnRef>
+              <a:fillRef idx="1">
+                <a:schemeClr val="accent1"/>
+              </a:fillRef>
+              <a:effectRef idx="0">
+                <a:schemeClr val="accent1"/>
+              </a:effectRef>
+              <a:fontRef idx="minor">
+                <a:schemeClr val="lt1"/>
+              </a:fontRef>
+            </p:style>
+            <p:txBody>
+              <a:bodyPr rtlCol="0" anchor="ctr"/>
+              <a:lstStyle/>
+              <a:p>
+                <a:pPr algn="ctr"/>
+                <a:endParaRPr lang="zh-CN" altLang="en-US"/>
+              </a:p>
+            </p:txBody>
+          </p:sp>
+        </p:grpSp>
+        <p:sp>
+          <p:nvSpPr>
+            <p:cNvPr id="54" name="任意多边形: 形状 53">
+              <a:extLst>
+                <a:ext uri="{FF2B5EF4-FFF2-40B4-BE49-F238E27FC236}">
+                  <a16:creationId xmlns:a16="http://schemas.microsoft.com/office/drawing/2014/main" id="{A297C4F8-EE29-4A72-BCA3-2B06E4728613}"/>
+                </a:ext>
+              </a:extLst>
+            </p:cNvPr>
+            <p:cNvSpPr/>
+            <p:nvPr/>
+          </p:nvSpPr>
+          <p:spPr>
+            <a:xfrm>
+              <a:off x="6099637" y="884272"/>
+              <a:ext cx="666210" cy="226783"/>
+            </a:xfrm>
+            <a:custGeom>
+              <a:avLst/>
+              <a:gdLst>
+                <a:gd name="connsiteX0" fmla="*/ 0 w 666210"/>
+                <a:gd name="connsiteY0" fmla="*/ 0 h 226783"/>
+                <a:gd name="connsiteX1" fmla="*/ 666210 w 666210"/>
+                <a:gd name="connsiteY1" fmla="*/ 0 h 226783"/>
+                <a:gd name="connsiteX2" fmla="*/ 664815 w 666210"/>
+                <a:gd name="connsiteY2" fmla="*/ 6911 h 226783"/>
+                <a:gd name="connsiteX3" fmla="*/ 333105 w 666210"/>
+                <a:gd name="connsiteY3" fmla="*/ 226783 h 226783"/>
+                <a:gd name="connsiteX4" fmla="*/ 1396 w 666210"/>
+                <a:gd name="connsiteY4" fmla="*/ 6911 h 226783"/>
+              </a:gdLst>
+              <a:ahLst/>
+              <a:cxnLst>
+                <a:cxn ang="0">
+                  <a:pos x="connsiteX0" y="connsiteY0"/>
+                </a:cxn>
+                <a:cxn ang="0">
+                  <a:pos x="connsiteX1" y="connsiteY1"/>
+                </a:cxn>
+                <a:cxn ang="0">
+                  <a:pos x="connsiteX2" y="connsiteY2"/>
+                </a:cxn>
+                <a:cxn ang="0">
+                  <a:pos x="connsiteX3" y="connsiteY3"/>
+                </a:cxn>
+                <a:cxn ang="0">
+                  <a:pos x="connsiteX4" y="connsiteY4"/>
+                </a:cxn>
+              </a:cxnLst>
+              <a:rect l="l" t="t" r="r" b="b"/>
+              <a:pathLst>
+                <a:path w="666210" h="226783">
+                  <a:moveTo>
+                    <a:pt x="0" y="0"/>
+                  </a:moveTo>
+                  <a:lnTo>
+                    <a:pt x="666210" y="0"/>
+                  </a:lnTo>
+                  <a:lnTo>
+                    <a:pt x="664815" y="6911"/>
+                  </a:lnTo>
+                  <a:cubicBezTo>
+                    <a:pt x="610164" y="136121"/>
+                    <a:pt x="482222" y="226783"/>
+                    <a:pt x="333105" y="226783"/>
+                  </a:cubicBezTo>
+                  <a:cubicBezTo>
+                    <a:pt x="183988" y="226783"/>
+                    <a:pt x="56047" y="136121"/>
+                    <a:pt x="1396" y="6911"/>
+                  </a:cubicBezTo>
+                  <a:close/>
+                </a:path>
+              </a:pathLst>
+            </a:custGeom>
+            <a:solidFill>
+              <a:schemeClr val="bg1">
+                <a:alpha val="50000"/>
+              </a:schemeClr>
+            </a:solidFill>
+            <a:ln>
+              <a:noFill/>
+            </a:ln>
+            <a:effectLst/>
+          </p:spPr>
+          <p:style>
+            <a:lnRef idx="2">
+              <a:schemeClr val="accent1">
+                <a:shade val="50000"/>
+              </a:schemeClr>
+            </a:lnRef>
+            <a:fillRef idx="1">
+              <a:schemeClr val="accent1"/>
+            </a:fillRef>
+            <a:effectRef idx="0">
+              <a:schemeClr val="accent1"/>
+            </a:effectRef>
+            <a:fontRef idx="minor">
+              <a:schemeClr val="lt1"/>
+            </a:fontRef>
+          </p:style>
+          <p:txBody>
+            <a:bodyPr wrap="square" rtlCol="0" anchor="ctr">
+              <a:noAutofit/>
+            </a:bodyPr>
+            <a:lstStyle/>
+            <a:p>
+              <a:pPr algn="ctr"/>
+              <a:endParaRPr lang="zh-CN" altLang="en-US"/>
+            </a:p>
+          </p:txBody>
+        </p:sp>
+        <p:sp>
+          <p:nvSpPr>
+            <p:cNvPr id="55" name="任意多边形: 形状 54">
+              <a:extLst>
+                <a:ext uri="{FF2B5EF4-FFF2-40B4-BE49-F238E27FC236}">
+                  <a16:creationId xmlns:a16="http://schemas.microsoft.com/office/drawing/2014/main" id="{9DB76B74-E4A1-4F3C-9B0C-E7C9009756B6}"/>
+                </a:ext>
+              </a:extLst>
+            </p:cNvPr>
+            <p:cNvSpPr/>
+            <p:nvPr/>
+          </p:nvSpPr>
+          <p:spPr>
+            <a:xfrm>
+              <a:off x="6212663" y="884270"/>
+              <a:ext cx="480296" cy="187301"/>
+            </a:xfrm>
+            <a:custGeom>
+              <a:avLst/>
+              <a:gdLst>
+                <a:gd name="connsiteX0" fmla="*/ 8301 w 468514"/>
+                <a:gd name="connsiteY0" fmla="*/ 0 h 192314"/>
+                <a:gd name="connsiteX1" fmla="*/ 429967 w 468514"/>
+                <a:gd name="connsiteY1" fmla="*/ 0 h 192314"/>
+                <a:gd name="connsiteX2" fmla="*/ 468514 w 468514"/>
+                <a:gd name="connsiteY2" fmla="*/ 119144 h 192314"/>
+                <a:gd name="connsiteX3" fmla="*/ 417717 w 468514"/>
+                <a:gd name="connsiteY3" fmla="*/ 165301 h 192314"/>
+                <a:gd name="connsiteX4" fmla="*/ 361525 w 468514"/>
+                <a:gd name="connsiteY4" fmla="*/ 192314 h 192314"/>
+                <a:gd name="connsiteX5" fmla="*/ 0 w 468514"/>
+                <a:gd name="connsiteY5" fmla="*/ 2686 h 192314"/>
+              </a:gdLst>
+              <a:ahLst/>
+              <a:cxnLst>
+                <a:cxn ang="0">
+                  <a:pos x="connsiteX0" y="connsiteY0"/>
+                </a:cxn>
+                <a:cxn ang="0">
+                  <a:pos x="connsiteX1" y="connsiteY1"/>
+                </a:cxn>
+                <a:cxn ang="0">
+                  <a:pos x="connsiteX2" y="connsiteY2"/>
+                </a:cxn>
+                <a:cxn ang="0">
+                  <a:pos x="connsiteX3" y="connsiteY3"/>
+                </a:cxn>
+                <a:cxn ang="0">
+                  <a:pos x="connsiteX4" y="connsiteY4"/>
+                </a:cxn>
+                <a:cxn ang="0">
+                  <a:pos x="connsiteX5" y="connsiteY5"/>
+                </a:cxn>
+              </a:cxnLst>
+              <a:rect l="l" t="t" r="r" b="b"/>
+              <a:pathLst>
+                <a:path w="468514" h="192314">
+                  <a:moveTo>
+                    <a:pt x="8301" y="0"/>
+                  </a:moveTo>
+                  <a:lnTo>
+                    <a:pt x="429967" y="0"/>
+                  </a:lnTo>
+                  <a:lnTo>
+                    <a:pt x="468514" y="119144"/>
+                  </a:lnTo>
+                  <a:lnTo>
+                    <a:pt x="417717" y="165301"/>
+                  </a:lnTo>
+                  <a:lnTo>
+                    <a:pt x="361525" y="192314"/>
+                  </a:lnTo>
+                  <a:lnTo>
+                    <a:pt x="0" y="2686"/>
+                  </a:lnTo>
+                  <a:close/>
+                </a:path>
+              </a:pathLst>
+            </a:custGeom>
+            <a:solidFill>
+              <a:schemeClr val="bg1">
+                <a:alpha val="50000"/>
+              </a:schemeClr>
+            </a:solidFill>
+            <a:ln>
+              <a:noFill/>
+            </a:ln>
+            <a:effectLst/>
+          </p:spPr>
+          <p:style>
+            <a:lnRef idx="2">
+              <a:schemeClr val="accent1">
+                <a:shade val="50000"/>
+              </a:schemeClr>
+            </a:lnRef>
+            <a:fillRef idx="1">
+              <a:schemeClr val="accent1"/>
+            </a:fillRef>
+            <a:effectRef idx="0">
+              <a:schemeClr val="accent1"/>
+            </a:effectRef>
+            <a:fontRef idx="minor">
+              <a:schemeClr val="lt1"/>
+            </a:fontRef>
+          </p:style>
+          <p:txBody>
+            <a:bodyPr wrap="square" rtlCol="0" anchor="ctr">
+              <a:noAutofit/>
+            </a:bodyPr>
+            <a:lstStyle/>
+            <a:p>
+              <a:pPr algn="ctr"/>
+              <a:endParaRPr lang="zh-CN" altLang="en-US"/>
+            </a:p>
+          </p:txBody>
+        </p:sp>
+      </p:grpSp>
     </p:spTree>
     <p:extLst>
       <p:ext uri="{BB962C8B-B14F-4D97-AF65-F5344CB8AC3E}">
@@ -11133,6 +11582,234 @@
 </file>
 
 <file path=ppt/slides/slide4.xml><?xml version="1.0" encoding="utf-8"?>
+<p:sld xmlns:a="http://schemas.openxmlformats.org/drawingml/2006/main" xmlns:r="http://schemas.openxmlformats.org/officeDocument/2006/relationships" xmlns:p="http://schemas.openxmlformats.org/presentationml/2006/main">
+  <p:cSld>
+    <p:spTree>
+      <p:nvGrpSpPr>
+        <p:cNvPr id="1" name=""/>
+        <p:cNvGrpSpPr/>
+        <p:nvPr/>
+      </p:nvGrpSpPr>
+      <p:grpSpPr>
+        <a:xfrm>
+          <a:off x="0" y="0"/>
+          <a:ext cx="0" cy="0"/>
+          <a:chOff x="0" y="0"/>
+          <a:chExt cx="0" cy="0"/>
+        </a:xfrm>
+      </p:grpSpPr>
+      <p:pic>
+        <p:nvPicPr>
+          <p:cNvPr id="20" name="图片 19">
+            <a:extLst>
+              <a:ext uri="{FF2B5EF4-FFF2-40B4-BE49-F238E27FC236}">
+                <a16:creationId xmlns:a16="http://schemas.microsoft.com/office/drawing/2014/main" id="{94E165E8-D27D-407A-8CA6-09B5F9E38FDB}"/>
+              </a:ext>
+            </a:extLst>
+          </p:cNvPr>
+          <p:cNvPicPr>
+            <a:picLocks noChangeAspect="1"/>
+          </p:cNvPicPr>
+          <p:nvPr/>
+        </p:nvPicPr>
+        <p:blipFill>
+          <a:blip r:embed="rId2">
+            <a:grayscl/>
+            <a:extLst>
+              <a:ext uri="{BEBA8EAE-BF5A-486C-A8C5-ECC9F3942E4B}">
+                <a14:imgProps xmlns:a14="http://schemas.microsoft.com/office/drawing/2010/main">
+                  <a14:imgLayer r:embed="rId3">
+                    <a14:imgEffect>
+                      <a14:brightnessContrast bright="-20000"/>
+                    </a14:imgEffect>
+                  </a14:imgLayer>
+                </a14:imgProps>
+              </a:ext>
+            </a:extLst>
+          </a:blip>
+          <a:stretch>
+            <a:fillRect/>
+          </a:stretch>
+        </p:blipFill>
+        <p:spPr>
+          <a:xfrm>
+            <a:off x="4373731" y="2034419"/>
+            <a:ext cx="3444538" cy="2789162"/>
+          </a:xfrm>
+          <a:prstGeom prst="rect">
+            <a:avLst/>
+          </a:prstGeom>
+        </p:spPr>
+      </p:pic>
+      <p:pic>
+        <p:nvPicPr>
+          <p:cNvPr id="22" name="图片 21">
+            <a:extLst>
+              <a:ext uri="{FF2B5EF4-FFF2-40B4-BE49-F238E27FC236}">
+                <a16:creationId xmlns:a16="http://schemas.microsoft.com/office/drawing/2014/main" id="{0F5B1225-9C82-4A86-BA54-F5019CB6DA01}"/>
+              </a:ext>
+            </a:extLst>
+          </p:cNvPr>
+          <p:cNvPicPr>
+            <a:picLocks noChangeAspect="1"/>
+          </p:cNvPicPr>
+          <p:nvPr/>
+        </p:nvPicPr>
+        <p:blipFill>
+          <a:blip r:embed="rId4">
+            <a:extLst>
+              <a:ext uri="{BEBA8EAE-BF5A-486C-A8C5-ECC9F3942E4B}">
+                <a14:imgProps xmlns:a14="http://schemas.microsoft.com/office/drawing/2010/main">
+                  <a14:imgLayer r:embed="rId3">
+                    <a14:imgEffect>
+                      <a14:backgroundRemoval t="9563" b="99454" l="9956" r="89602">
+                        <a14:foregroundMark x1="54204" y1="94809" x2="65044" y2="95902"/>
+                        <a14:foregroundMark x1="52212" y1="94262" x2="51770" y2="99180"/>
+                        <a14:foregroundMark x1="66150" y1="90984" x2="73009" y2="99454"/>
+                        <a14:foregroundMark x1="74998" y1="98837" x2="75221" y2="99180"/>
+                        <a14:foregroundMark x1="69118" y1="89817" x2="73401" y2="96387"/>
+                        <a14:foregroundMark x1="74110" y1="98484" x2="74115" y2="98634"/>
+                        <a14:foregroundMark x1="74040" y1="96312" x2="74051" y2="96646"/>
+                        <a14:backgroundMark x1="28761" y1="23497" x2="16372" y2="45628"/>
+                        <a14:backgroundMark x1="16372" y1="45628" x2="22124" y2="73497"/>
+                        <a14:backgroundMark x1="22124" y1="73497" x2="34956" y2="81148"/>
+                        <a14:backgroundMark x1="34956" y1="81148" x2="53982" y2="82514"/>
+                        <a14:backgroundMark x1="53982" y1="82514" x2="73230" y2="74863"/>
+                        <a14:backgroundMark x1="73230" y1="74863" x2="73451" y2="45902"/>
+                        <a14:backgroundMark x1="73451" y1="45902" x2="57522" y2="30328"/>
+                        <a14:backgroundMark x1="57522" y1="30328" x2="33628" y2="28689"/>
+                        <a14:backgroundMark x1="33628" y1="28689" x2="20796" y2="47541"/>
+                        <a14:backgroundMark x1="20796" y1="47541" x2="45796" y2="55464"/>
+                        <a14:backgroundMark x1="45796" y1="55464" x2="50000" y2="53825"/>
+                        <a14:backgroundMark x1="22566" y1="15027" x2="14381" y2="31148"/>
+                        <a14:backgroundMark x1="14381" y1="31148" x2="8628" y2="57104"/>
+                        <a14:backgroundMark x1="8628" y1="57104" x2="11504" y2="79235"/>
+                        <a14:backgroundMark x1="11504" y1="79235" x2="32301" y2="53279"/>
+                        <a14:backgroundMark x1="32301" y1="53279" x2="35619" y2="31967"/>
+                        <a14:backgroundMark x1="35619" y1="31967" x2="45133" y2="11749"/>
+                        <a14:backgroundMark x1="45133" y1="11749" x2="67257" y2="10929"/>
+                        <a14:backgroundMark x1="67257" y1="10929" x2="76770" y2="33060"/>
+                        <a14:backgroundMark x1="76770" y1="33060" x2="77876" y2="81694"/>
+                        <a14:backgroundMark x1="77876" y1="81694" x2="78982" y2="61749"/>
+                        <a14:backgroundMark x1="78982" y1="61749" x2="78319" y2="61202"/>
+                        <a14:backgroundMark x1="60619" y1="33880" x2="25442" y2="66120"/>
+                        <a14:backgroundMark x1="25442" y1="66120" x2="39159" y2="73770"/>
+                        <a14:backgroundMark x1="39159" y1="73770" x2="50885" y2="54645"/>
+                        <a14:backgroundMark x1="50885" y1="54645" x2="37832" y2="47541"/>
+                        <a14:backgroundMark x1="37832" y1="47541" x2="52212" y2="83333"/>
+                        <a14:backgroundMark x1="72518" y1="85800" x2="79204" y2="86612"/>
+                        <a14:backgroundMark x1="52212" y1="83333" x2="70776" y2="85588"/>
+                        <a14:backgroundMark x1="79204" y1="86612" x2="82301" y2="63934"/>
+                        <a14:backgroundMark x1="82301" y1="63934" x2="73894" y2="44536"/>
+                        <a14:backgroundMark x1="73894" y1="44536" x2="63053" y2="33333"/>
+                        <a14:backgroundMark x1="52434" y1="60109" x2="40265" y2="80328"/>
+                        <a14:backgroundMark x1="40265" y1="80328" x2="52655" y2="60656"/>
+                        <a14:backgroundMark x1="52655" y1="60656" x2="55531" y2="37978"/>
+                        <a14:backgroundMark x1="55531" y1="37978" x2="42920" y2="51913"/>
+                        <a14:backgroundMark x1="42920" y1="51913" x2="47345" y2="70492"/>
+                        <a14:backgroundMark x1="47345" y1="70492" x2="62832" y2="77596"/>
+                        <a14:backgroundMark x1="62832" y1="77596" x2="74558" y2="60656"/>
+                        <a14:backgroundMark x1="74558" y1="60656" x2="57301" y2="42896"/>
+                        <a14:backgroundMark x1="57301" y1="42896" x2="48673" y2="42623"/>
+                        <a14:backgroundMark x1="26991" y1="15574" x2="48673" y2="23224"/>
+                        <a14:backgroundMark x1="57301" y1="44262" x2="63938" y2="61749"/>
+                        <a14:backgroundMark x1="63938" y1="61749" x2="72566" y2="72404"/>
+                        <a14:backgroundMark x1="52434" y1="63661" x2="76549" y2="76776"/>
+                        <a14:backgroundMark x1="34956" y1="58197" x2="44027" y2="71585"/>
+                        <a14:backgroundMark x1="44469" y1="57104" x2="32522" y2="58743"/>
+                        <a14:backgroundMark x1="64159" y1="59836" x2="77655" y2="65574"/>
+                        <a14:backgroundMark x1="77655" y1="65574" x2="77655" y2="65847"/>
+                        <a14:backgroundMark x1="63938" y1="60656" x2="50442" y2="70219"/>
+                        <a14:backgroundMark x1="50442" y1="70219" x2="50442" y2="70219"/>
+                        <a14:backgroundMark x1="55531" y1="52732" x2="65044" y2="61475"/>
+                        <a14:backgroundMark x1="36726" y1="84973" x2="40929" y2="99454"/>
+                        <a14:backgroundMark x1="11062" y1="71585" x2="21903" y2="97814"/>
+                        <a14:backgroundMark x1="21018" y1="76503" x2="28982" y2="98634"/>
+                        <a14:backgroundMark x1="75885" y1="86885" x2="76327" y2="92077"/>
+                        <a14:backgroundMark x1="76991" y1="97814" x2="76549" y2="99454"/>
+                        <a14:backgroundMark x1="74558" y1="85246" x2="78097" y2="93989"/>
+                        <a14:backgroundMark x1="67257" y1="85792" x2="75000" y2="83880"/>
+                      </a14:backgroundRemoval>
+                    </a14:imgEffect>
+                  </a14:imgLayer>
+                </a14:imgProps>
+              </a:ext>
+            </a:extLst>
+          </a:blip>
+          <a:stretch>
+            <a:fillRect/>
+          </a:stretch>
+        </p:blipFill>
+        <p:spPr>
+          <a:xfrm>
+            <a:off x="4373731" y="2034419"/>
+            <a:ext cx="3444538" cy="2789162"/>
+          </a:xfrm>
+          <a:prstGeom prst="rect">
+            <a:avLst/>
+          </a:prstGeom>
+        </p:spPr>
+      </p:pic>
+      <p:sp>
+        <p:nvSpPr>
+          <p:cNvPr id="23" name="文本框 22">
+            <a:extLst>
+              <a:ext uri="{FF2B5EF4-FFF2-40B4-BE49-F238E27FC236}">
+                <a16:creationId xmlns:a16="http://schemas.microsoft.com/office/drawing/2014/main" id="{4748A9F2-B3D8-4C56-A6E2-C1065A8CD937}"/>
+              </a:ext>
+            </a:extLst>
+          </p:cNvPr>
+          <p:cNvSpPr txBox="1"/>
+          <p:nvPr/>
+        </p:nvSpPr>
+        <p:spPr>
+          <a:xfrm>
+            <a:off x="5033886" y="3064048"/>
+            <a:ext cx="2531462" cy="1569660"/>
+          </a:xfrm>
+          <a:prstGeom prst="rect">
+            <a:avLst/>
+          </a:prstGeom>
+          <a:noFill/>
+        </p:spPr>
+        <p:txBody>
+          <a:bodyPr wrap="none" rtlCol="0">
+            <a:spAutoFit/>
+          </a:bodyPr>
+          <a:lstStyle/>
+          <a:p>
+            <a:r>
+              <a:rPr lang="en-US" altLang="zh-CN" sz="9600">
+                <a:solidFill>
+                  <a:srgbClr val="FF0000"/>
+                </a:solidFill>
+                <a:latin typeface="Abadi Extra Light" panose="020B0204020104020204" pitchFamily="34" charset="0"/>
+              </a:rPr>
+              <a:t>F**K</a:t>
+            </a:r>
+            <a:endParaRPr lang="zh-CN" altLang="en-US" sz="9600">
+              <a:solidFill>
+                <a:srgbClr val="FF0000"/>
+              </a:solidFill>
+              <a:latin typeface="Abadi Extra Light" panose="020B0204020104020204" pitchFamily="34" charset="0"/>
+            </a:endParaRPr>
+          </a:p>
+        </p:txBody>
+      </p:sp>
+    </p:spTree>
+    <p:extLst>
+      <p:ext uri="{BB962C8B-B14F-4D97-AF65-F5344CB8AC3E}">
+        <p14:creationId xmlns:p14="http://schemas.microsoft.com/office/powerpoint/2010/main" val="3361814802"/>
+      </p:ext>
+    </p:extLst>
+  </p:cSld>
+  <p:clrMapOvr>
+    <a:masterClrMapping/>
+  </p:clrMapOvr>
+</p:sld>
+</file>
+
+<file path=ppt/slides/slide5.xml><?xml version="1.0" encoding="utf-8"?>
 <p:sld xmlns:a="http://schemas.openxmlformats.org/drawingml/2006/main" xmlns:r="http://schemas.openxmlformats.org/officeDocument/2006/relationships" xmlns:p="http://schemas.openxmlformats.org/presentationml/2006/main">
   <p:cSld>
     <p:bg>
@@ -14002,7 +14679,7 @@
 </p:sld>
 </file>
 
-<file path=ppt/slides/slide5.xml><?xml version="1.0" encoding="utf-8"?>
+<file path=ppt/slides/slide6.xml><?xml version="1.0" encoding="utf-8"?>
 <p:sld xmlns:a="http://schemas.openxmlformats.org/drawingml/2006/main" xmlns:r="http://schemas.openxmlformats.org/officeDocument/2006/relationships" xmlns:p="http://schemas.openxmlformats.org/presentationml/2006/main">
   <p:cSld>
     <p:spTree>
@@ -15904,7 +16581,2437 @@
 </p:sld>
 </file>
 
-<file path=ppt/slides/slide6.xml><?xml version="1.0" encoding="utf-8"?>
+<file path=ppt/slides/slide7.xml><?xml version="1.0" encoding="utf-8"?>
+<p:sld xmlns:a="http://schemas.openxmlformats.org/drawingml/2006/main" xmlns:r="http://schemas.openxmlformats.org/officeDocument/2006/relationships" xmlns:p="http://schemas.openxmlformats.org/presentationml/2006/main">
+  <p:cSld>
+    <p:spTree>
+      <p:nvGrpSpPr>
+        <p:cNvPr id="1" name=""/>
+        <p:cNvGrpSpPr/>
+        <p:nvPr/>
+      </p:nvGrpSpPr>
+      <p:grpSpPr>
+        <a:xfrm>
+          <a:off x="0" y="0"/>
+          <a:ext cx="0" cy="0"/>
+          <a:chOff x="0" y="0"/>
+          <a:chExt cx="0" cy="0"/>
+        </a:xfrm>
+      </p:grpSpPr>
+      <p:sp>
+        <p:nvSpPr>
+          <p:cNvPr id="23" name="矩形: 圆角 22">
+            <a:extLst>
+              <a:ext uri="{FF2B5EF4-FFF2-40B4-BE49-F238E27FC236}">
+                <a16:creationId xmlns:a16="http://schemas.microsoft.com/office/drawing/2014/main" id="{4E5ECD87-B485-4E6F-9956-145F41562FF7}"/>
+              </a:ext>
+            </a:extLst>
+          </p:cNvPr>
+          <p:cNvSpPr/>
+          <p:nvPr/>
+        </p:nvSpPr>
+        <p:spPr>
+          <a:xfrm>
+            <a:off x="1547388" y="272160"/>
+            <a:ext cx="648000" cy="648000"/>
+          </a:xfrm>
+          <a:prstGeom prst="roundRect">
+            <a:avLst>
+              <a:gd name="adj" fmla="val 50000"/>
+            </a:avLst>
+          </a:prstGeom>
+          <a:solidFill>
+            <a:srgbClr val="5FE5DD"/>
+          </a:solidFill>
+          <a:ln w="19050">
+            <a:noFill/>
+          </a:ln>
+        </p:spPr>
+        <p:style>
+          <a:lnRef idx="2">
+            <a:schemeClr val="accent1">
+              <a:shade val="50000"/>
+            </a:schemeClr>
+          </a:lnRef>
+          <a:fillRef idx="1">
+            <a:schemeClr val="accent1"/>
+          </a:fillRef>
+          <a:effectRef idx="0">
+            <a:schemeClr val="accent1"/>
+          </a:effectRef>
+          <a:fontRef idx="minor">
+            <a:schemeClr val="lt1"/>
+          </a:fontRef>
+        </p:style>
+        <p:txBody>
+          <a:bodyPr rtlCol="0" anchor="ctr"/>
+          <a:lstStyle/>
+          <a:p>
+            <a:pPr algn="ctr"/>
+            <a:endParaRPr lang="zh-CN" altLang="en-US"/>
+          </a:p>
+        </p:txBody>
+      </p:sp>
+      <p:sp>
+        <p:nvSpPr>
+          <p:cNvPr id="24" name="矩形: 圆角 23">
+            <a:extLst>
+              <a:ext uri="{FF2B5EF4-FFF2-40B4-BE49-F238E27FC236}">
+                <a16:creationId xmlns:a16="http://schemas.microsoft.com/office/drawing/2014/main" id="{45E09B75-67F4-4F89-B760-1EFE16250094}"/>
+              </a:ext>
+            </a:extLst>
+          </p:cNvPr>
+          <p:cNvSpPr/>
+          <p:nvPr/>
+        </p:nvSpPr>
+        <p:spPr>
+          <a:xfrm>
+            <a:off x="555313" y="272160"/>
+            <a:ext cx="648000" cy="648000"/>
+          </a:xfrm>
+          <a:prstGeom prst="roundRect">
+            <a:avLst>
+              <a:gd name="adj" fmla="val 50000"/>
+            </a:avLst>
+          </a:prstGeom>
+          <a:solidFill>
+            <a:srgbClr val="5FE5DD"/>
+          </a:solidFill>
+          <a:ln w="19050">
+            <a:noFill/>
+          </a:ln>
+        </p:spPr>
+        <p:style>
+          <a:lnRef idx="2">
+            <a:schemeClr val="accent1">
+              <a:shade val="50000"/>
+            </a:schemeClr>
+          </a:lnRef>
+          <a:fillRef idx="1">
+            <a:schemeClr val="accent1"/>
+          </a:fillRef>
+          <a:effectRef idx="0">
+            <a:schemeClr val="accent1"/>
+          </a:effectRef>
+          <a:fontRef idx="minor">
+            <a:schemeClr val="lt1"/>
+          </a:fontRef>
+        </p:style>
+        <p:txBody>
+          <a:bodyPr rtlCol="0" anchor="ctr"/>
+          <a:lstStyle/>
+          <a:p>
+            <a:pPr algn="ctr"/>
+            <a:endParaRPr lang="zh-CN" altLang="en-US"/>
+          </a:p>
+        </p:txBody>
+      </p:sp>
+      <p:grpSp>
+        <p:nvGrpSpPr>
+          <p:cNvPr id="2" name="组合 1">
+            <a:extLst>
+              <a:ext uri="{FF2B5EF4-FFF2-40B4-BE49-F238E27FC236}">
+                <a16:creationId xmlns:a16="http://schemas.microsoft.com/office/drawing/2014/main" id="{1E1CC9FE-3A33-4BA6-A6C7-DCA4FC070772}"/>
+              </a:ext>
+            </a:extLst>
+          </p:cNvPr>
+          <p:cNvGrpSpPr/>
+          <p:nvPr/>
+        </p:nvGrpSpPr>
+        <p:grpSpPr>
+          <a:xfrm>
+            <a:off x="3387338" y="2750108"/>
+            <a:ext cx="5758811" cy="1164892"/>
+            <a:chOff x="3387338" y="2750108"/>
+            <a:chExt cx="5758811" cy="1164892"/>
+          </a:xfrm>
+        </p:grpSpPr>
+        <p:grpSp>
+          <p:nvGrpSpPr>
+            <p:cNvPr id="71" name="组合 70">
+              <a:extLst>
+                <a:ext uri="{FF2B5EF4-FFF2-40B4-BE49-F238E27FC236}">
+                  <a16:creationId xmlns:a16="http://schemas.microsoft.com/office/drawing/2014/main" id="{81FB3B35-2318-4457-95DC-C520B75AE75F}"/>
+                </a:ext>
+              </a:extLst>
+            </p:cNvPr>
+            <p:cNvGrpSpPr/>
+            <p:nvPr/>
+          </p:nvGrpSpPr>
+          <p:grpSpPr>
+            <a:xfrm>
+              <a:off x="5328959" y="3159279"/>
+              <a:ext cx="663905" cy="663905"/>
+              <a:chOff x="5598211" y="2485999"/>
+              <a:chExt cx="252000" cy="252000"/>
+            </a:xfrm>
+          </p:grpSpPr>
+          <p:cxnSp>
+            <p:nvCxnSpPr>
+              <p:cNvPr id="49" name="直接连接符 48">
+                <a:extLst>
+                  <a:ext uri="{FF2B5EF4-FFF2-40B4-BE49-F238E27FC236}">
+                    <a16:creationId xmlns:a16="http://schemas.microsoft.com/office/drawing/2014/main" id="{4AFC89BE-23B8-45FF-987D-E6560BFF3DCC}"/>
+                  </a:ext>
+                </a:extLst>
+              </p:cNvPr>
+              <p:cNvCxnSpPr>
+                <a:cxnSpLocks/>
+              </p:cNvCxnSpPr>
+              <p:nvPr/>
+            </p:nvCxnSpPr>
+            <p:spPr>
+              <a:xfrm>
+                <a:off x="5599551" y="2601685"/>
+                <a:ext cx="250660" cy="0"/>
+              </a:xfrm>
+              <a:prstGeom prst="line">
+                <a:avLst/>
+              </a:prstGeom>
+              <a:ln w="76200" cap="rnd">
+                <a:solidFill>
+                  <a:schemeClr val="tx1">
+                    <a:lumMod val="50000"/>
+                    <a:lumOff val="50000"/>
+                  </a:schemeClr>
+                </a:solidFill>
+                <a:round/>
+              </a:ln>
+            </p:spPr>
+            <p:style>
+              <a:lnRef idx="1">
+                <a:schemeClr val="accent1"/>
+              </a:lnRef>
+              <a:fillRef idx="0">
+                <a:schemeClr val="accent1"/>
+              </a:fillRef>
+              <a:effectRef idx="0">
+                <a:schemeClr val="accent1"/>
+              </a:effectRef>
+              <a:fontRef idx="minor">
+                <a:schemeClr val="tx1"/>
+              </a:fontRef>
+            </p:style>
+          </p:cxnSp>
+          <p:sp>
+            <p:nvSpPr>
+              <p:cNvPr id="48" name="弧形 47">
+                <a:extLst>
+                  <a:ext uri="{FF2B5EF4-FFF2-40B4-BE49-F238E27FC236}">
+                    <a16:creationId xmlns:a16="http://schemas.microsoft.com/office/drawing/2014/main" id="{A1B02804-B06D-4C16-8363-61CE38D605E4}"/>
+                  </a:ext>
+                </a:extLst>
+              </p:cNvPr>
+              <p:cNvSpPr/>
+              <p:nvPr/>
+            </p:nvSpPr>
+            <p:spPr>
+              <a:xfrm>
+                <a:off x="5598211" y="2485999"/>
+                <a:ext cx="252000" cy="252000"/>
+              </a:xfrm>
+              <a:prstGeom prst="arc">
+                <a:avLst>
+                  <a:gd name="adj1" fmla="val 1817991"/>
+                  <a:gd name="adj2" fmla="val 21272467"/>
+                </a:avLst>
+              </a:prstGeom>
+              <a:ln w="76200" cap="rnd">
+                <a:solidFill>
+                  <a:schemeClr val="tx1"/>
+                </a:solidFill>
+                <a:round/>
+              </a:ln>
+            </p:spPr>
+            <p:style>
+              <a:lnRef idx="1">
+                <a:schemeClr val="accent1"/>
+              </a:lnRef>
+              <a:fillRef idx="0">
+                <a:schemeClr val="accent1"/>
+              </a:fillRef>
+              <a:effectRef idx="0">
+                <a:schemeClr val="accent1"/>
+              </a:effectRef>
+              <a:fontRef idx="minor">
+                <a:schemeClr val="tx1"/>
+              </a:fontRef>
+            </p:style>
+            <p:txBody>
+              <a:bodyPr rtlCol="0" anchor="ctr"/>
+              <a:lstStyle/>
+              <a:p>
+                <a:pPr algn="ctr"/>
+                <a:endParaRPr lang="zh-CN" altLang="en-US"/>
+              </a:p>
+            </p:txBody>
+          </p:sp>
+        </p:grpSp>
+        <p:grpSp>
+          <p:nvGrpSpPr>
+            <p:cNvPr id="75" name="组合 74">
+              <a:extLst>
+                <a:ext uri="{FF2B5EF4-FFF2-40B4-BE49-F238E27FC236}">
+                  <a16:creationId xmlns:a16="http://schemas.microsoft.com/office/drawing/2014/main" id="{B690163C-5BFE-4F9D-85B4-AAC5BC56FF23}"/>
+                </a:ext>
+              </a:extLst>
+            </p:cNvPr>
+            <p:cNvGrpSpPr/>
+            <p:nvPr/>
+          </p:nvGrpSpPr>
+          <p:grpSpPr>
+            <a:xfrm>
+              <a:off x="6365054" y="3159279"/>
+              <a:ext cx="312984" cy="663905"/>
+              <a:chOff x="6000369" y="2485999"/>
+              <a:chExt cx="118800" cy="252000"/>
+            </a:xfrm>
+          </p:grpSpPr>
+          <p:cxnSp>
+            <p:nvCxnSpPr>
+              <p:cNvPr id="50" name="直接连接符 49">
+                <a:extLst>
+                  <a:ext uri="{FF2B5EF4-FFF2-40B4-BE49-F238E27FC236}">
+                    <a16:creationId xmlns:a16="http://schemas.microsoft.com/office/drawing/2014/main" id="{DA87BA15-9820-4056-A9D2-A9DD43EEE201}"/>
+                  </a:ext>
+                </a:extLst>
+              </p:cNvPr>
+              <p:cNvCxnSpPr>
+                <a:cxnSpLocks/>
+              </p:cNvCxnSpPr>
+              <p:nvPr/>
+            </p:nvCxnSpPr>
+            <p:spPr>
+              <a:xfrm flipH="1">
+                <a:off x="6001038" y="2539804"/>
+                <a:ext cx="0" cy="198195"/>
+              </a:xfrm>
+              <a:prstGeom prst="line">
+                <a:avLst/>
+              </a:prstGeom>
+              <a:ln w="76200" cap="rnd">
+                <a:solidFill>
+                  <a:schemeClr val="tx1"/>
+                </a:solidFill>
+                <a:round/>
+              </a:ln>
+            </p:spPr>
+            <p:style>
+              <a:lnRef idx="1">
+                <a:schemeClr val="accent1"/>
+              </a:lnRef>
+              <a:fillRef idx="0">
+                <a:schemeClr val="accent1"/>
+              </a:fillRef>
+              <a:effectRef idx="0">
+                <a:schemeClr val="accent1"/>
+              </a:effectRef>
+              <a:fontRef idx="minor">
+                <a:schemeClr val="tx1"/>
+              </a:fontRef>
+            </p:style>
+          </p:cxnSp>
+          <p:sp>
+            <p:nvSpPr>
+              <p:cNvPr id="51" name="弧形 50">
+                <a:extLst>
+                  <a:ext uri="{FF2B5EF4-FFF2-40B4-BE49-F238E27FC236}">
+                    <a16:creationId xmlns:a16="http://schemas.microsoft.com/office/drawing/2014/main" id="{05B6D31A-DC6D-4CE1-BF67-A5EF0BFC166E}"/>
+                  </a:ext>
+                </a:extLst>
+              </p:cNvPr>
+              <p:cNvSpPr/>
+              <p:nvPr/>
+            </p:nvSpPr>
+            <p:spPr>
+              <a:xfrm>
+                <a:off x="6000369" y="2485999"/>
+                <a:ext cx="118800" cy="118800"/>
+              </a:xfrm>
+              <a:prstGeom prst="arc">
+                <a:avLst>
+                  <a:gd name="adj1" fmla="val 11124299"/>
+                  <a:gd name="adj2" fmla="val 17866105"/>
+                </a:avLst>
+              </a:prstGeom>
+              <a:ln w="76200" cap="rnd">
+                <a:solidFill>
+                  <a:schemeClr val="tx1"/>
+                </a:solidFill>
+                <a:round/>
+              </a:ln>
+            </p:spPr>
+            <p:style>
+              <a:lnRef idx="1">
+                <a:schemeClr val="accent1"/>
+              </a:lnRef>
+              <a:fillRef idx="0">
+                <a:schemeClr val="accent1"/>
+              </a:fillRef>
+              <a:effectRef idx="0">
+                <a:schemeClr val="accent1"/>
+              </a:effectRef>
+              <a:fontRef idx="minor">
+                <a:schemeClr val="tx1"/>
+              </a:fontRef>
+            </p:style>
+            <p:txBody>
+              <a:bodyPr rtlCol="0" anchor="ctr"/>
+              <a:lstStyle/>
+              <a:p>
+                <a:pPr algn="ctr"/>
+                <a:endParaRPr lang="zh-CN" altLang="en-US"/>
+              </a:p>
+            </p:txBody>
+          </p:sp>
+        </p:grpSp>
+        <p:grpSp>
+          <p:nvGrpSpPr>
+            <p:cNvPr id="70" name="组合 69">
+              <a:extLst>
+                <a:ext uri="{FF2B5EF4-FFF2-40B4-BE49-F238E27FC236}">
+                  <a16:creationId xmlns:a16="http://schemas.microsoft.com/office/drawing/2014/main" id="{C3DFB8FF-027A-4004-A0D2-974ABAB6DBA2}"/>
+                </a:ext>
+              </a:extLst>
+            </p:cNvPr>
+            <p:cNvGrpSpPr/>
+            <p:nvPr/>
+          </p:nvGrpSpPr>
+          <p:grpSpPr>
+            <a:xfrm>
+              <a:off x="4321417" y="3294571"/>
+              <a:ext cx="635352" cy="528613"/>
+              <a:chOff x="5208895" y="2542553"/>
+              <a:chExt cx="241162" cy="200647"/>
+            </a:xfrm>
+          </p:grpSpPr>
+          <p:cxnSp>
+            <p:nvCxnSpPr>
+              <p:cNvPr id="52" name="直接连接符 51">
+                <a:extLst>
+                  <a:ext uri="{FF2B5EF4-FFF2-40B4-BE49-F238E27FC236}">
+                    <a16:creationId xmlns:a16="http://schemas.microsoft.com/office/drawing/2014/main" id="{A0F72843-E342-4206-BBFF-889EE8C9C32F}"/>
+                  </a:ext>
+                </a:extLst>
+              </p:cNvPr>
+              <p:cNvCxnSpPr>
+                <a:cxnSpLocks/>
+              </p:cNvCxnSpPr>
+              <p:nvPr/>
+            </p:nvCxnSpPr>
+            <p:spPr>
+              <a:xfrm>
+                <a:off x="5219470" y="2553586"/>
+                <a:ext cx="109218" cy="88566"/>
+              </a:xfrm>
+              <a:prstGeom prst="line">
+                <a:avLst/>
+              </a:prstGeom>
+              <a:ln w="76200" cap="rnd">
+                <a:solidFill>
+                  <a:schemeClr val="tx1">
+                    <a:lumMod val="50000"/>
+                    <a:lumOff val="50000"/>
+                  </a:schemeClr>
+                </a:solidFill>
+                <a:round/>
+              </a:ln>
+            </p:spPr>
+            <p:style>
+              <a:lnRef idx="1">
+                <a:schemeClr val="accent1"/>
+              </a:lnRef>
+              <a:fillRef idx="0">
+                <a:schemeClr val="accent1"/>
+              </a:fillRef>
+              <a:effectRef idx="0">
+                <a:schemeClr val="accent1"/>
+              </a:effectRef>
+              <a:fontRef idx="minor">
+                <a:schemeClr val="tx1"/>
+              </a:fontRef>
+            </p:style>
+          </p:cxnSp>
+          <p:cxnSp>
+            <p:nvCxnSpPr>
+              <p:cNvPr id="38" name="直接连接符 37">
+                <a:extLst>
+                  <a:ext uri="{FF2B5EF4-FFF2-40B4-BE49-F238E27FC236}">
+                    <a16:creationId xmlns:a16="http://schemas.microsoft.com/office/drawing/2014/main" id="{A45B12B5-270C-494C-8D33-8FB78ED71159}"/>
+                  </a:ext>
+                </a:extLst>
+              </p:cNvPr>
+              <p:cNvCxnSpPr>
+                <a:cxnSpLocks/>
+              </p:cNvCxnSpPr>
+              <p:nvPr/>
+            </p:nvCxnSpPr>
+            <p:spPr>
+              <a:xfrm flipH="1">
+                <a:off x="5328688" y="2545005"/>
+                <a:ext cx="119741" cy="97147"/>
+              </a:xfrm>
+              <a:prstGeom prst="line">
+                <a:avLst/>
+              </a:prstGeom>
+              <a:ln w="76200" cap="rnd">
+                <a:solidFill>
+                  <a:schemeClr val="tx1"/>
+                </a:solidFill>
+                <a:round/>
+              </a:ln>
+            </p:spPr>
+            <p:style>
+              <a:lnRef idx="1">
+                <a:schemeClr val="accent1"/>
+              </a:lnRef>
+              <a:fillRef idx="0">
+                <a:schemeClr val="accent1"/>
+              </a:fillRef>
+              <a:effectRef idx="0">
+                <a:schemeClr val="accent1"/>
+              </a:effectRef>
+              <a:fontRef idx="minor">
+                <a:schemeClr val="tx1"/>
+              </a:fontRef>
+            </p:style>
+          </p:cxnSp>
+          <p:cxnSp>
+            <p:nvCxnSpPr>
+              <p:cNvPr id="40" name="直接连接符 39">
+                <a:extLst>
+                  <a:ext uri="{FF2B5EF4-FFF2-40B4-BE49-F238E27FC236}">
+                    <a16:creationId xmlns:a16="http://schemas.microsoft.com/office/drawing/2014/main" id="{B7C98CE0-D706-4A88-AEDF-74A7C348E056}"/>
+                  </a:ext>
+                </a:extLst>
+              </p:cNvPr>
+              <p:cNvCxnSpPr>
+                <a:cxnSpLocks/>
+              </p:cNvCxnSpPr>
+              <p:nvPr/>
+            </p:nvCxnSpPr>
+            <p:spPr>
+              <a:xfrm>
+                <a:off x="5450057" y="2542553"/>
+                <a:ext cx="0" cy="198137"/>
+              </a:xfrm>
+              <a:prstGeom prst="line">
+                <a:avLst/>
+              </a:prstGeom>
+              <a:ln w="76200" cap="rnd">
+                <a:solidFill>
+                  <a:schemeClr val="tx1">
+                    <a:lumMod val="50000"/>
+                    <a:lumOff val="50000"/>
+                  </a:schemeClr>
+                </a:solidFill>
+                <a:round/>
+              </a:ln>
+            </p:spPr>
+            <p:style>
+              <a:lnRef idx="1">
+                <a:schemeClr val="accent1"/>
+              </a:lnRef>
+              <a:fillRef idx="0">
+                <a:schemeClr val="accent1"/>
+              </a:fillRef>
+              <a:effectRef idx="0">
+                <a:schemeClr val="accent1"/>
+              </a:effectRef>
+              <a:fontRef idx="minor">
+                <a:schemeClr val="tx1"/>
+              </a:fontRef>
+            </p:style>
+          </p:cxnSp>
+          <p:cxnSp>
+            <p:nvCxnSpPr>
+              <p:cNvPr id="37" name="直接连接符 36">
+                <a:extLst>
+                  <a:ext uri="{FF2B5EF4-FFF2-40B4-BE49-F238E27FC236}">
+                    <a16:creationId xmlns:a16="http://schemas.microsoft.com/office/drawing/2014/main" id="{EAEA0A26-9F0E-4BB4-A9D7-94B2282A59D2}"/>
+                  </a:ext>
+                </a:extLst>
+              </p:cNvPr>
+              <p:cNvCxnSpPr>
+                <a:cxnSpLocks/>
+              </p:cNvCxnSpPr>
+              <p:nvPr/>
+            </p:nvCxnSpPr>
+            <p:spPr>
+              <a:xfrm>
+                <a:off x="5208895" y="2547583"/>
+                <a:ext cx="0" cy="195617"/>
+              </a:xfrm>
+              <a:prstGeom prst="line">
+                <a:avLst/>
+              </a:prstGeom>
+              <a:ln w="76200" cap="rnd">
+                <a:solidFill>
+                  <a:schemeClr val="tx1"/>
+                </a:solidFill>
+                <a:round/>
+              </a:ln>
+            </p:spPr>
+            <p:style>
+              <a:lnRef idx="1">
+                <a:schemeClr val="accent1"/>
+              </a:lnRef>
+              <a:fillRef idx="0">
+                <a:schemeClr val="accent1"/>
+              </a:fillRef>
+              <a:effectRef idx="0">
+                <a:schemeClr val="accent1"/>
+              </a:effectRef>
+              <a:fontRef idx="minor">
+                <a:schemeClr val="tx1"/>
+              </a:fontRef>
+            </p:style>
+          </p:cxnSp>
+        </p:grpSp>
+        <p:grpSp>
+          <p:nvGrpSpPr>
+            <p:cNvPr id="76" name="组合 75">
+              <a:extLst>
+                <a:ext uri="{FF2B5EF4-FFF2-40B4-BE49-F238E27FC236}">
+                  <a16:creationId xmlns:a16="http://schemas.microsoft.com/office/drawing/2014/main" id="{2D7D6CD3-5144-43C1-861B-19698A47928E}"/>
+                </a:ext>
+              </a:extLst>
+            </p:cNvPr>
+            <p:cNvGrpSpPr/>
+            <p:nvPr/>
+          </p:nvGrpSpPr>
+          <p:grpSpPr>
+            <a:xfrm>
+              <a:off x="6872515" y="3159279"/>
+              <a:ext cx="667388" cy="663905"/>
+              <a:chOff x="6201266" y="2485999"/>
+              <a:chExt cx="253322" cy="252000"/>
+            </a:xfrm>
+          </p:grpSpPr>
+          <p:sp>
+            <p:nvSpPr>
+              <p:cNvPr id="58" name="弧形 57">
+                <a:extLst>
+                  <a:ext uri="{FF2B5EF4-FFF2-40B4-BE49-F238E27FC236}">
+                    <a16:creationId xmlns:a16="http://schemas.microsoft.com/office/drawing/2014/main" id="{FD9102C1-5F61-4459-ACA6-37133A7BD381}"/>
+                  </a:ext>
+                </a:extLst>
+              </p:cNvPr>
+              <p:cNvSpPr/>
+              <p:nvPr/>
+            </p:nvSpPr>
+            <p:spPr>
+              <a:xfrm>
+                <a:off x="6201266" y="2485999"/>
+                <a:ext cx="252000" cy="252000"/>
+              </a:xfrm>
+              <a:prstGeom prst="arc">
+                <a:avLst>
+                  <a:gd name="adj1" fmla="val 21364427"/>
+                  <a:gd name="adj2" fmla="val 21272467"/>
+                </a:avLst>
+              </a:prstGeom>
+              <a:ln w="76200" cap="rnd">
+                <a:solidFill>
+                  <a:schemeClr val="tx1"/>
+                </a:solidFill>
+                <a:round/>
+              </a:ln>
+            </p:spPr>
+            <p:style>
+              <a:lnRef idx="1">
+                <a:schemeClr val="accent1"/>
+              </a:lnRef>
+              <a:fillRef idx="0">
+                <a:schemeClr val="accent1"/>
+              </a:fillRef>
+              <a:effectRef idx="0">
+                <a:schemeClr val="accent1"/>
+              </a:effectRef>
+              <a:fontRef idx="minor">
+                <a:schemeClr val="tx1"/>
+              </a:fontRef>
+            </p:style>
+            <p:txBody>
+              <a:bodyPr rtlCol="0" anchor="ctr"/>
+              <a:lstStyle/>
+              <a:p>
+                <a:pPr algn="ctr"/>
+                <a:endParaRPr lang="zh-CN" altLang="en-US"/>
+              </a:p>
+            </p:txBody>
+          </p:sp>
+          <p:cxnSp>
+            <p:nvCxnSpPr>
+              <p:cNvPr id="59" name="直接连接符 58">
+                <a:extLst>
+                  <a:ext uri="{FF2B5EF4-FFF2-40B4-BE49-F238E27FC236}">
+                    <a16:creationId xmlns:a16="http://schemas.microsoft.com/office/drawing/2014/main" id="{F1FB9638-5867-4358-A29F-6079B4DEFD4B}"/>
+                  </a:ext>
+                </a:extLst>
+              </p:cNvPr>
+              <p:cNvCxnSpPr>
+                <a:cxnSpLocks/>
+              </p:cNvCxnSpPr>
+              <p:nvPr/>
+            </p:nvCxnSpPr>
+            <p:spPr>
+              <a:xfrm flipH="1">
+                <a:off x="6453266" y="2485999"/>
+                <a:ext cx="1322" cy="252000"/>
+              </a:xfrm>
+              <a:prstGeom prst="line">
+                <a:avLst/>
+              </a:prstGeom>
+              <a:ln w="76200" cap="rnd">
+                <a:solidFill>
+                  <a:schemeClr val="tx1">
+                    <a:lumMod val="50000"/>
+                    <a:lumOff val="50000"/>
+                  </a:schemeClr>
+                </a:solidFill>
+                <a:round/>
+              </a:ln>
+            </p:spPr>
+            <p:style>
+              <a:lnRef idx="1">
+                <a:schemeClr val="accent1"/>
+              </a:lnRef>
+              <a:fillRef idx="0">
+                <a:schemeClr val="accent1"/>
+              </a:fillRef>
+              <a:effectRef idx="0">
+                <a:schemeClr val="accent1"/>
+              </a:effectRef>
+              <a:fontRef idx="minor">
+                <a:schemeClr val="tx1"/>
+              </a:fontRef>
+            </p:style>
+          </p:cxnSp>
+        </p:grpSp>
+        <p:cxnSp>
+          <p:nvCxnSpPr>
+            <p:cNvPr id="61" name="直接连接符 60">
+              <a:extLst>
+                <a:ext uri="{FF2B5EF4-FFF2-40B4-BE49-F238E27FC236}">
+                  <a16:creationId xmlns:a16="http://schemas.microsoft.com/office/drawing/2014/main" id="{6ECB2F65-1AD6-4EA9-BFBC-E2979544CB46}"/>
+                </a:ext>
+              </a:extLst>
+            </p:cNvPr>
+            <p:cNvCxnSpPr>
+              <a:cxnSpLocks/>
+            </p:cNvCxnSpPr>
+            <p:nvPr/>
+          </p:nvCxnSpPr>
+          <p:spPr>
+            <a:xfrm>
+              <a:off x="7912093" y="2750108"/>
+              <a:ext cx="0" cy="1073076"/>
+            </a:xfrm>
+            <a:prstGeom prst="line">
+              <a:avLst/>
+            </a:prstGeom>
+            <a:ln w="76200" cap="rnd">
+              <a:solidFill>
+                <a:schemeClr val="tx1"/>
+              </a:solidFill>
+              <a:round/>
+            </a:ln>
+          </p:spPr>
+          <p:style>
+            <a:lnRef idx="1">
+              <a:schemeClr val="accent1"/>
+            </a:lnRef>
+            <a:fillRef idx="0">
+              <a:schemeClr val="accent1"/>
+            </a:fillRef>
+            <a:effectRef idx="0">
+              <a:schemeClr val="accent1"/>
+            </a:effectRef>
+            <a:fontRef idx="minor">
+              <a:schemeClr val="tx1"/>
+            </a:fontRef>
+          </p:style>
+        </p:cxnSp>
+        <p:grpSp>
+          <p:nvGrpSpPr>
+            <p:cNvPr id="85" name="组合 84">
+              <a:extLst>
+                <a:ext uri="{FF2B5EF4-FFF2-40B4-BE49-F238E27FC236}">
+                  <a16:creationId xmlns:a16="http://schemas.microsoft.com/office/drawing/2014/main" id="{321D4381-33D9-44E9-A69D-F6A180F16ABD}"/>
+                </a:ext>
+              </a:extLst>
+            </p:cNvPr>
+            <p:cNvGrpSpPr/>
+            <p:nvPr/>
+          </p:nvGrpSpPr>
+          <p:grpSpPr>
+            <a:xfrm>
+              <a:off x="3387338" y="3051075"/>
+              <a:ext cx="792000" cy="792000"/>
+              <a:chOff x="5101774" y="2455056"/>
+              <a:chExt cx="792000" cy="792000"/>
+            </a:xfrm>
+          </p:grpSpPr>
+          <p:cxnSp>
+            <p:nvCxnSpPr>
+              <p:cNvPr id="34" name="直接连接符 33">
+                <a:extLst>
+                  <a:ext uri="{FF2B5EF4-FFF2-40B4-BE49-F238E27FC236}">
+                    <a16:creationId xmlns:a16="http://schemas.microsoft.com/office/drawing/2014/main" id="{3EF835D2-AFED-4476-A39D-312AA1A0439D}"/>
+                  </a:ext>
+                </a:extLst>
+              </p:cNvPr>
+              <p:cNvCxnSpPr/>
+              <p:nvPr/>
+            </p:nvCxnSpPr>
+            <p:spPr>
+              <a:xfrm>
+                <a:off x="5172391" y="2851056"/>
+                <a:ext cx="485402" cy="0"/>
+              </a:xfrm>
+              <a:prstGeom prst="line">
+                <a:avLst/>
+              </a:prstGeom>
+              <a:ln w="76200" cap="rnd">
+                <a:solidFill>
+                  <a:schemeClr val="tx1">
+                    <a:lumMod val="50000"/>
+                    <a:lumOff val="50000"/>
+                  </a:schemeClr>
+                </a:solidFill>
+                <a:round/>
+              </a:ln>
+            </p:spPr>
+            <p:style>
+              <a:lnRef idx="1">
+                <a:schemeClr val="accent1"/>
+              </a:lnRef>
+              <a:fillRef idx="0">
+                <a:schemeClr val="accent1"/>
+              </a:fillRef>
+              <a:effectRef idx="0">
+                <a:schemeClr val="accent1"/>
+              </a:effectRef>
+              <a:fontRef idx="minor">
+                <a:schemeClr val="tx1"/>
+              </a:fontRef>
+            </p:style>
+          </p:cxnSp>
+          <p:sp>
+            <p:nvSpPr>
+              <p:cNvPr id="84" name="弧形 83">
+                <a:extLst>
+                  <a:ext uri="{FF2B5EF4-FFF2-40B4-BE49-F238E27FC236}">
+                    <a16:creationId xmlns:a16="http://schemas.microsoft.com/office/drawing/2014/main" id="{738F2808-47EE-47C8-B763-C7EDABBE1A00}"/>
+                  </a:ext>
+                </a:extLst>
+              </p:cNvPr>
+              <p:cNvSpPr>
+                <a:spLocks noChangeAspect="1"/>
+              </p:cNvSpPr>
+              <p:nvPr/>
+            </p:nvSpPr>
+            <p:spPr>
+              <a:xfrm>
+                <a:off x="5101774" y="2455056"/>
+                <a:ext cx="792000" cy="792000"/>
+              </a:xfrm>
+              <a:prstGeom prst="arc">
+                <a:avLst>
+                  <a:gd name="adj1" fmla="val 3895352"/>
+                  <a:gd name="adj2" fmla="val 17604657"/>
+                </a:avLst>
+              </a:prstGeom>
+              <a:ln w="76200" cap="rnd">
+                <a:solidFill>
+                  <a:schemeClr val="tx1"/>
+                </a:solidFill>
+                <a:round/>
+              </a:ln>
+            </p:spPr>
+            <p:style>
+              <a:lnRef idx="1">
+                <a:schemeClr val="accent1"/>
+              </a:lnRef>
+              <a:fillRef idx="0">
+                <a:schemeClr val="accent1"/>
+              </a:fillRef>
+              <a:effectRef idx="0">
+                <a:schemeClr val="accent1"/>
+              </a:effectRef>
+              <a:fontRef idx="minor">
+                <a:schemeClr val="tx1"/>
+              </a:fontRef>
+            </p:style>
+            <p:txBody>
+              <a:bodyPr rtlCol="0" anchor="ctr"/>
+              <a:lstStyle/>
+              <a:p>
+                <a:pPr algn="ctr"/>
+                <a:endParaRPr lang="zh-CN" altLang="en-US"/>
+              </a:p>
+            </p:txBody>
+          </p:sp>
+        </p:grpSp>
+        <p:grpSp>
+          <p:nvGrpSpPr>
+            <p:cNvPr id="89" name="组合 88">
+              <a:extLst>
+                <a:ext uri="{FF2B5EF4-FFF2-40B4-BE49-F238E27FC236}">
+                  <a16:creationId xmlns:a16="http://schemas.microsoft.com/office/drawing/2014/main" id="{CBD42311-87DF-4F42-9D74-F7270BA26E2B}"/>
+                </a:ext>
+              </a:extLst>
+            </p:cNvPr>
+            <p:cNvGrpSpPr/>
+            <p:nvPr/>
+          </p:nvGrpSpPr>
+          <p:grpSpPr>
+            <a:xfrm>
+              <a:off x="8174149" y="2943000"/>
+              <a:ext cx="972000" cy="972000"/>
+              <a:chOff x="9835468" y="2491210"/>
+              <a:chExt cx="972000" cy="972000"/>
+            </a:xfrm>
+          </p:grpSpPr>
+          <p:sp>
+            <p:nvSpPr>
+              <p:cNvPr id="64" name="弧形 63">
+                <a:extLst>
+                  <a:ext uri="{FF2B5EF4-FFF2-40B4-BE49-F238E27FC236}">
+                    <a16:creationId xmlns:a16="http://schemas.microsoft.com/office/drawing/2014/main" id="{763EC656-CD8A-412B-9CDA-094285A2D60C}"/>
+                  </a:ext>
+                </a:extLst>
+              </p:cNvPr>
+              <p:cNvSpPr/>
+              <p:nvPr/>
+            </p:nvSpPr>
+            <p:spPr>
+              <a:xfrm>
+                <a:off x="9985764" y="2645258"/>
+                <a:ext cx="663905" cy="663905"/>
+              </a:xfrm>
+              <a:prstGeom prst="arc">
+                <a:avLst>
+                  <a:gd name="adj1" fmla="val 21364427"/>
+                  <a:gd name="adj2" fmla="val 21272467"/>
+                </a:avLst>
+              </a:prstGeom>
+              <a:ln w="76200" cap="rnd">
+                <a:solidFill>
+                  <a:schemeClr val="tx1"/>
+                </a:solidFill>
+                <a:round/>
+              </a:ln>
+            </p:spPr>
+            <p:style>
+              <a:lnRef idx="1">
+                <a:schemeClr val="accent1"/>
+              </a:lnRef>
+              <a:fillRef idx="0">
+                <a:schemeClr val="accent1"/>
+              </a:fillRef>
+              <a:effectRef idx="0">
+                <a:schemeClr val="accent1"/>
+              </a:effectRef>
+              <a:fontRef idx="minor">
+                <a:schemeClr val="tx1"/>
+              </a:fontRef>
+            </p:style>
+            <p:txBody>
+              <a:bodyPr rtlCol="0" anchor="ctr"/>
+              <a:lstStyle/>
+              <a:p>
+                <a:pPr algn="ctr"/>
+                <a:endParaRPr lang="zh-CN" altLang="en-US"/>
+              </a:p>
+            </p:txBody>
+          </p:sp>
+          <p:sp>
+            <p:nvSpPr>
+              <p:cNvPr id="88" name="弧形 87">
+                <a:extLst>
+                  <a:ext uri="{FF2B5EF4-FFF2-40B4-BE49-F238E27FC236}">
+                    <a16:creationId xmlns:a16="http://schemas.microsoft.com/office/drawing/2014/main" id="{A8D34806-3F7B-4942-B810-B6C8D5E1E13B}"/>
+                  </a:ext>
+                </a:extLst>
+              </p:cNvPr>
+              <p:cNvSpPr>
+                <a:spLocks noChangeAspect="1"/>
+              </p:cNvSpPr>
+              <p:nvPr/>
+            </p:nvSpPr>
+            <p:spPr>
+              <a:xfrm>
+                <a:off x="9835468" y="2491210"/>
+                <a:ext cx="972000" cy="972000"/>
+              </a:xfrm>
+              <a:prstGeom prst="arc">
+                <a:avLst>
+                  <a:gd name="adj1" fmla="val 15877922"/>
+                  <a:gd name="adj2" fmla="val 5881754"/>
+                </a:avLst>
+              </a:prstGeom>
+              <a:ln w="76200" cap="rnd">
+                <a:solidFill>
+                  <a:schemeClr val="tx1">
+                    <a:lumMod val="50000"/>
+                    <a:lumOff val="50000"/>
+                  </a:schemeClr>
+                </a:solidFill>
+                <a:round/>
+              </a:ln>
+            </p:spPr>
+            <p:style>
+              <a:lnRef idx="1">
+                <a:schemeClr val="accent1"/>
+              </a:lnRef>
+              <a:fillRef idx="0">
+                <a:schemeClr val="accent1"/>
+              </a:fillRef>
+              <a:effectRef idx="0">
+                <a:schemeClr val="accent1"/>
+              </a:effectRef>
+              <a:fontRef idx="minor">
+                <a:schemeClr val="tx1"/>
+              </a:fontRef>
+            </p:style>
+            <p:txBody>
+              <a:bodyPr rtlCol="0" anchor="ctr"/>
+              <a:lstStyle/>
+              <a:p>
+                <a:pPr algn="ctr"/>
+                <a:endParaRPr lang="zh-CN" altLang="en-US"/>
+              </a:p>
+            </p:txBody>
+          </p:sp>
+        </p:grpSp>
+      </p:grpSp>
+      <p:grpSp>
+        <p:nvGrpSpPr>
+          <p:cNvPr id="57" name="组合 56">
+            <a:extLst>
+              <a:ext uri="{FF2B5EF4-FFF2-40B4-BE49-F238E27FC236}">
+                <a16:creationId xmlns:a16="http://schemas.microsoft.com/office/drawing/2014/main" id="{9DA068F1-6266-4A49-959B-ED162028249B}"/>
+              </a:ext>
+            </a:extLst>
+          </p:cNvPr>
+          <p:cNvGrpSpPr>
+            <a:grpSpLocks noChangeAspect="1"/>
+          </p:cNvGrpSpPr>
+          <p:nvPr/>
+        </p:nvGrpSpPr>
+        <p:grpSpPr>
+          <a:xfrm>
+            <a:off x="3229539" y="804770"/>
+            <a:ext cx="1800000" cy="364104"/>
+            <a:chOff x="3387338" y="2750108"/>
+            <a:chExt cx="5758811" cy="1164892"/>
+          </a:xfrm>
+        </p:grpSpPr>
+        <p:grpSp>
+          <p:nvGrpSpPr>
+            <p:cNvPr id="60" name="组合 59">
+              <a:extLst>
+                <a:ext uri="{FF2B5EF4-FFF2-40B4-BE49-F238E27FC236}">
+                  <a16:creationId xmlns:a16="http://schemas.microsoft.com/office/drawing/2014/main" id="{951930C2-BC3B-46BA-A857-500F57B5CCC3}"/>
+                </a:ext>
+              </a:extLst>
+            </p:cNvPr>
+            <p:cNvGrpSpPr/>
+            <p:nvPr/>
+          </p:nvGrpSpPr>
+          <p:grpSpPr>
+            <a:xfrm>
+              <a:off x="5328959" y="3159279"/>
+              <a:ext cx="663905" cy="663905"/>
+              <a:chOff x="5598211" y="2485999"/>
+              <a:chExt cx="252000" cy="252000"/>
+            </a:xfrm>
+          </p:grpSpPr>
+          <p:cxnSp>
+            <p:nvCxnSpPr>
+              <p:cNvPr id="87" name="直接连接符 86">
+                <a:extLst>
+                  <a:ext uri="{FF2B5EF4-FFF2-40B4-BE49-F238E27FC236}">
+                    <a16:creationId xmlns:a16="http://schemas.microsoft.com/office/drawing/2014/main" id="{252BF2B0-37A6-41D2-A988-CBC7718F7370}"/>
+                  </a:ext>
+                </a:extLst>
+              </p:cNvPr>
+              <p:cNvCxnSpPr>
+                <a:cxnSpLocks/>
+              </p:cNvCxnSpPr>
+              <p:nvPr/>
+            </p:nvCxnSpPr>
+            <p:spPr>
+              <a:xfrm>
+                <a:off x="5599551" y="2601685"/>
+                <a:ext cx="250660" cy="0"/>
+              </a:xfrm>
+              <a:prstGeom prst="line">
+                <a:avLst/>
+              </a:prstGeom>
+              <a:ln w="28575" cap="rnd">
+                <a:solidFill>
+                  <a:schemeClr val="tx1">
+                    <a:lumMod val="50000"/>
+                    <a:lumOff val="50000"/>
+                  </a:schemeClr>
+                </a:solidFill>
+                <a:round/>
+              </a:ln>
+            </p:spPr>
+            <p:style>
+              <a:lnRef idx="1">
+                <a:schemeClr val="accent1"/>
+              </a:lnRef>
+              <a:fillRef idx="0">
+                <a:schemeClr val="accent1"/>
+              </a:fillRef>
+              <a:effectRef idx="0">
+                <a:schemeClr val="accent1"/>
+              </a:effectRef>
+              <a:fontRef idx="minor">
+                <a:schemeClr val="tx1"/>
+              </a:fontRef>
+            </p:style>
+          </p:cxnSp>
+          <p:sp>
+            <p:nvSpPr>
+              <p:cNvPr id="90" name="弧形 89">
+                <a:extLst>
+                  <a:ext uri="{FF2B5EF4-FFF2-40B4-BE49-F238E27FC236}">
+                    <a16:creationId xmlns:a16="http://schemas.microsoft.com/office/drawing/2014/main" id="{2FE74D66-6DA0-4C19-A510-4E996CE9F720}"/>
+                  </a:ext>
+                </a:extLst>
+              </p:cNvPr>
+              <p:cNvSpPr/>
+              <p:nvPr/>
+            </p:nvSpPr>
+            <p:spPr>
+              <a:xfrm>
+                <a:off x="5598211" y="2485999"/>
+                <a:ext cx="252000" cy="252000"/>
+              </a:xfrm>
+              <a:prstGeom prst="arc">
+                <a:avLst>
+                  <a:gd name="adj1" fmla="val 1817991"/>
+                  <a:gd name="adj2" fmla="val 21272467"/>
+                </a:avLst>
+              </a:prstGeom>
+              <a:ln w="28575" cap="rnd">
+                <a:solidFill>
+                  <a:schemeClr val="tx1"/>
+                </a:solidFill>
+                <a:round/>
+              </a:ln>
+            </p:spPr>
+            <p:style>
+              <a:lnRef idx="1">
+                <a:schemeClr val="accent1"/>
+              </a:lnRef>
+              <a:fillRef idx="0">
+                <a:schemeClr val="accent1"/>
+              </a:fillRef>
+              <a:effectRef idx="0">
+                <a:schemeClr val="accent1"/>
+              </a:effectRef>
+              <a:fontRef idx="minor">
+                <a:schemeClr val="tx1"/>
+              </a:fontRef>
+            </p:style>
+            <p:txBody>
+              <a:bodyPr rtlCol="0" anchor="ctr"/>
+              <a:lstStyle/>
+              <a:p>
+                <a:pPr algn="ctr"/>
+                <a:endParaRPr lang="zh-CN" altLang="en-US"/>
+              </a:p>
+            </p:txBody>
+          </p:sp>
+        </p:grpSp>
+        <p:grpSp>
+          <p:nvGrpSpPr>
+            <p:cNvPr id="62" name="组合 61">
+              <a:extLst>
+                <a:ext uri="{FF2B5EF4-FFF2-40B4-BE49-F238E27FC236}">
+                  <a16:creationId xmlns:a16="http://schemas.microsoft.com/office/drawing/2014/main" id="{ACEEBDFC-A06A-4C26-BF71-AE7D852C68D1}"/>
+                </a:ext>
+              </a:extLst>
+            </p:cNvPr>
+            <p:cNvGrpSpPr/>
+            <p:nvPr/>
+          </p:nvGrpSpPr>
+          <p:grpSpPr>
+            <a:xfrm>
+              <a:off x="6365054" y="3159279"/>
+              <a:ext cx="312984" cy="663905"/>
+              <a:chOff x="6000369" y="2485999"/>
+              <a:chExt cx="118800" cy="252000"/>
+            </a:xfrm>
+          </p:grpSpPr>
+          <p:cxnSp>
+            <p:nvCxnSpPr>
+              <p:cNvPr id="83" name="直接连接符 82">
+                <a:extLst>
+                  <a:ext uri="{FF2B5EF4-FFF2-40B4-BE49-F238E27FC236}">
+                    <a16:creationId xmlns:a16="http://schemas.microsoft.com/office/drawing/2014/main" id="{1CA610F4-3E04-4618-9959-C13BCE5F72E1}"/>
+                  </a:ext>
+                </a:extLst>
+              </p:cNvPr>
+              <p:cNvCxnSpPr>
+                <a:cxnSpLocks/>
+              </p:cNvCxnSpPr>
+              <p:nvPr/>
+            </p:nvCxnSpPr>
+            <p:spPr>
+              <a:xfrm flipH="1">
+                <a:off x="6001038" y="2539804"/>
+                <a:ext cx="0" cy="198195"/>
+              </a:xfrm>
+              <a:prstGeom prst="line">
+                <a:avLst/>
+              </a:prstGeom>
+              <a:ln w="28575" cap="rnd">
+                <a:solidFill>
+                  <a:schemeClr val="tx1"/>
+                </a:solidFill>
+                <a:round/>
+              </a:ln>
+            </p:spPr>
+            <p:style>
+              <a:lnRef idx="1">
+                <a:schemeClr val="accent1"/>
+              </a:lnRef>
+              <a:fillRef idx="0">
+                <a:schemeClr val="accent1"/>
+              </a:fillRef>
+              <a:effectRef idx="0">
+                <a:schemeClr val="accent1"/>
+              </a:effectRef>
+              <a:fontRef idx="minor">
+                <a:schemeClr val="tx1"/>
+              </a:fontRef>
+            </p:style>
+          </p:cxnSp>
+          <p:sp>
+            <p:nvSpPr>
+              <p:cNvPr id="86" name="弧形 85">
+                <a:extLst>
+                  <a:ext uri="{FF2B5EF4-FFF2-40B4-BE49-F238E27FC236}">
+                    <a16:creationId xmlns:a16="http://schemas.microsoft.com/office/drawing/2014/main" id="{CE3BEF76-1F39-4B71-A16B-35A660798F5C}"/>
+                  </a:ext>
+                </a:extLst>
+              </p:cNvPr>
+              <p:cNvSpPr/>
+              <p:nvPr/>
+            </p:nvSpPr>
+            <p:spPr>
+              <a:xfrm>
+                <a:off x="6000369" y="2485999"/>
+                <a:ext cx="118800" cy="118800"/>
+              </a:xfrm>
+              <a:prstGeom prst="arc">
+                <a:avLst>
+                  <a:gd name="adj1" fmla="val 11124299"/>
+                  <a:gd name="adj2" fmla="val 17866105"/>
+                </a:avLst>
+              </a:prstGeom>
+              <a:ln w="28575" cap="rnd">
+                <a:solidFill>
+                  <a:schemeClr val="tx1"/>
+                </a:solidFill>
+                <a:round/>
+              </a:ln>
+            </p:spPr>
+            <p:style>
+              <a:lnRef idx="1">
+                <a:schemeClr val="accent1"/>
+              </a:lnRef>
+              <a:fillRef idx="0">
+                <a:schemeClr val="accent1"/>
+              </a:fillRef>
+              <a:effectRef idx="0">
+                <a:schemeClr val="accent1"/>
+              </a:effectRef>
+              <a:fontRef idx="minor">
+                <a:schemeClr val="tx1"/>
+              </a:fontRef>
+            </p:style>
+            <p:txBody>
+              <a:bodyPr rtlCol="0" anchor="ctr"/>
+              <a:lstStyle/>
+              <a:p>
+                <a:pPr algn="ctr"/>
+                <a:endParaRPr lang="zh-CN" altLang="en-US"/>
+              </a:p>
+            </p:txBody>
+          </p:sp>
+        </p:grpSp>
+        <p:grpSp>
+          <p:nvGrpSpPr>
+            <p:cNvPr id="63" name="组合 62">
+              <a:extLst>
+                <a:ext uri="{FF2B5EF4-FFF2-40B4-BE49-F238E27FC236}">
+                  <a16:creationId xmlns:a16="http://schemas.microsoft.com/office/drawing/2014/main" id="{3BC4992C-59A1-4468-9F15-CEFCBEE57754}"/>
+                </a:ext>
+              </a:extLst>
+            </p:cNvPr>
+            <p:cNvGrpSpPr/>
+            <p:nvPr/>
+          </p:nvGrpSpPr>
+          <p:grpSpPr>
+            <a:xfrm>
+              <a:off x="4321417" y="3294571"/>
+              <a:ext cx="635352" cy="528613"/>
+              <a:chOff x="5208895" y="2542553"/>
+              <a:chExt cx="241162" cy="200647"/>
+            </a:xfrm>
+          </p:grpSpPr>
+          <p:cxnSp>
+            <p:nvCxnSpPr>
+              <p:cNvPr id="79" name="直接连接符 78">
+                <a:extLst>
+                  <a:ext uri="{FF2B5EF4-FFF2-40B4-BE49-F238E27FC236}">
+                    <a16:creationId xmlns:a16="http://schemas.microsoft.com/office/drawing/2014/main" id="{DF7D3D73-CAF8-4C37-9B34-84473E723ABA}"/>
+                  </a:ext>
+                </a:extLst>
+              </p:cNvPr>
+              <p:cNvCxnSpPr>
+                <a:cxnSpLocks/>
+              </p:cNvCxnSpPr>
+              <p:nvPr/>
+            </p:nvCxnSpPr>
+            <p:spPr>
+              <a:xfrm>
+                <a:off x="5219470" y="2553586"/>
+                <a:ext cx="109218" cy="88566"/>
+              </a:xfrm>
+              <a:prstGeom prst="line">
+                <a:avLst/>
+              </a:prstGeom>
+              <a:ln w="28575" cap="rnd">
+                <a:solidFill>
+                  <a:schemeClr val="tx1">
+                    <a:lumMod val="50000"/>
+                    <a:lumOff val="50000"/>
+                  </a:schemeClr>
+                </a:solidFill>
+                <a:round/>
+              </a:ln>
+            </p:spPr>
+            <p:style>
+              <a:lnRef idx="1">
+                <a:schemeClr val="accent1"/>
+              </a:lnRef>
+              <a:fillRef idx="0">
+                <a:schemeClr val="accent1"/>
+              </a:fillRef>
+              <a:effectRef idx="0">
+                <a:schemeClr val="accent1"/>
+              </a:effectRef>
+              <a:fontRef idx="minor">
+                <a:schemeClr val="tx1"/>
+              </a:fontRef>
+            </p:style>
+          </p:cxnSp>
+          <p:cxnSp>
+            <p:nvCxnSpPr>
+              <p:cNvPr id="80" name="直接连接符 79">
+                <a:extLst>
+                  <a:ext uri="{FF2B5EF4-FFF2-40B4-BE49-F238E27FC236}">
+                    <a16:creationId xmlns:a16="http://schemas.microsoft.com/office/drawing/2014/main" id="{043E7DD5-DD7A-40CB-9677-D9E54C000DD8}"/>
+                  </a:ext>
+                </a:extLst>
+              </p:cNvPr>
+              <p:cNvCxnSpPr>
+                <a:cxnSpLocks/>
+              </p:cNvCxnSpPr>
+              <p:nvPr/>
+            </p:nvCxnSpPr>
+            <p:spPr>
+              <a:xfrm flipH="1">
+                <a:off x="5328688" y="2545005"/>
+                <a:ext cx="119741" cy="97147"/>
+              </a:xfrm>
+              <a:prstGeom prst="line">
+                <a:avLst/>
+              </a:prstGeom>
+              <a:ln w="28575" cap="rnd">
+                <a:solidFill>
+                  <a:schemeClr val="tx1"/>
+                </a:solidFill>
+                <a:round/>
+              </a:ln>
+            </p:spPr>
+            <p:style>
+              <a:lnRef idx="1">
+                <a:schemeClr val="accent1"/>
+              </a:lnRef>
+              <a:fillRef idx="0">
+                <a:schemeClr val="accent1"/>
+              </a:fillRef>
+              <a:effectRef idx="0">
+                <a:schemeClr val="accent1"/>
+              </a:effectRef>
+              <a:fontRef idx="minor">
+                <a:schemeClr val="tx1"/>
+              </a:fontRef>
+            </p:style>
+          </p:cxnSp>
+          <p:cxnSp>
+            <p:nvCxnSpPr>
+              <p:cNvPr id="81" name="直接连接符 80">
+                <a:extLst>
+                  <a:ext uri="{FF2B5EF4-FFF2-40B4-BE49-F238E27FC236}">
+                    <a16:creationId xmlns:a16="http://schemas.microsoft.com/office/drawing/2014/main" id="{1058501C-8EFB-4922-AD7D-CA2593B61D06}"/>
+                  </a:ext>
+                </a:extLst>
+              </p:cNvPr>
+              <p:cNvCxnSpPr>
+                <a:cxnSpLocks/>
+              </p:cNvCxnSpPr>
+              <p:nvPr/>
+            </p:nvCxnSpPr>
+            <p:spPr>
+              <a:xfrm>
+                <a:off x="5450057" y="2542553"/>
+                <a:ext cx="0" cy="198137"/>
+              </a:xfrm>
+              <a:prstGeom prst="line">
+                <a:avLst/>
+              </a:prstGeom>
+              <a:ln w="28575" cap="rnd">
+                <a:solidFill>
+                  <a:schemeClr val="tx1">
+                    <a:lumMod val="50000"/>
+                    <a:lumOff val="50000"/>
+                  </a:schemeClr>
+                </a:solidFill>
+                <a:round/>
+              </a:ln>
+            </p:spPr>
+            <p:style>
+              <a:lnRef idx="1">
+                <a:schemeClr val="accent1"/>
+              </a:lnRef>
+              <a:fillRef idx="0">
+                <a:schemeClr val="accent1"/>
+              </a:fillRef>
+              <a:effectRef idx="0">
+                <a:schemeClr val="accent1"/>
+              </a:effectRef>
+              <a:fontRef idx="minor">
+                <a:schemeClr val="tx1"/>
+              </a:fontRef>
+            </p:style>
+          </p:cxnSp>
+          <p:cxnSp>
+            <p:nvCxnSpPr>
+              <p:cNvPr id="82" name="直接连接符 81">
+                <a:extLst>
+                  <a:ext uri="{FF2B5EF4-FFF2-40B4-BE49-F238E27FC236}">
+                    <a16:creationId xmlns:a16="http://schemas.microsoft.com/office/drawing/2014/main" id="{213A26B2-5F4C-420C-9012-CE2143447480}"/>
+                  </a:ext>
+                </a:extLst>
+              </p:cNvPr>
+              <p:cNvCxnSpPr>
+                <a:cxnSpLocks/>
+              </p:cNvCxnSpPr>
+              <p:nvPr/>
+            </p:nvCxnSpPr>
+            <p:spPr>
+              <a:xfrm>
+                <a:off x="5208895" y="2547583"/>
+                <a:ext cx="0" cy="195617"/>
+              </a:xfrm>
+              <a:prstGeom prst="line">
+                <a:avLst/>
+              </a:prstGeom>
+              <a:ln w="28575" cap="rnd">
+                <a:solidFill>
+                  <a:schemeClr val="tx1"/>
+                </a:solidFill>
+                <a:round/>
+              </a:ln>
+            </p:spPr>
+            <p:style>
+              <a:lnRef idx="1">
+                <a:schemeClr val="accent1"/>
+              </a:lnRef>
+              <a:fillRef idx="0">
+                <a:schemeClr val="accent1"/>
+              </a:fillRef>
+              <a:effectRef idx="0">
+                <a:schemeClr val="accent1"/>
+              </a:effectRef>
+              <a:fontRef idx="minor">
+                <a:schemeClr val="tx1"/>
+              </a:fontRef>
+            </p:style>
+          </p:cxnSp>
+        </p:grpSp>
+        <p:grpSp>
+          <p:nvGrpSpPr>
+            <p:cNvPr id="65" name="组合 64">
+              <a:extLst>
+                <a:ext uri="{FF2B5EF4-FFF2-40B4-BE49-F238E27FC236}">
+                  <a16:creationId xmlns:a16="http://schemas.microsoft.com/office/drawing/2014/main" id="{61B95BFC-DC24-479C-8CA1-16B0ABEAD31B}"/>
+                </a:ext>
+              </a:extLst>
+            </p:cNvPr>
+            <p:cNvGrpSpPr/>
+            <p:nvPr/>
+          </p:nvGrpSpPr>
+          <p:grpSpPr>
+            <a:xfrm>
+              <a:off x="6872515" y="3159279"/>
+              <a:ext cx="667388" cy="663905"/>
+              <a:chOff x="6201266" y="2485999"/>
+              <a:chExt cx="253322" cy="252000"/>
+            </a:xfrm>
+          </p:grpSpPr>
+          <p:sp>
+            <p:nvSpPr>
+              <p:cNvPr id="77" name="弧形 76">
+                <a:extLst>
+                  <a:ext uri="{FF2B5EF4-FFF2-40B4-BE49-F238E27FC236}">
+                    <a16:creationId xmlns:a16="http://schemas.microsoft.com/office/drawing/2014/main" id="{96AB8CFA-7B6E-4BD3-A718-A3AF34A490B8}"/>
+                  </a:ext>
+                </a:extLst>
+              </p:cNvPr>
+              <p:cNvSpPr/>
+              <p:nvPr/>
+            </p:nvSpPr>
+            <p:spPr>
+              <a:xfrm>
+                <a:off x="6201266" y="2485999"/>
+                <a:ext cx="252000" cy="252000"/>
+              </a:xfrm>
+              <a:prstGeom prst="arc">
+                <a:avLst>
+                  <a:gd name="adj1" fmla="val 21364427"/>
+                  <a:gd name="adj2" fmla="val 21272467"/>
+                </a:avLst>
+              </a:prstGeom>
+              <a:ln w="28575" cap="rnd">
+                <a:solidFill>
+                  <a:schemeClr val="tx1"/>
+                </a:solidFill>
+                <a:round/>
+              </a:ln>
+            </p:spPr>
+            <p:style>
+              <a:lnRef idx="1">
+                <a:schemeClr val="accent1"/>
+              </a:lnRef>
+              <a:fillRef idx="0">
+                <a:schemeClr val="accent1"/>
+              </a:fillRef>
+              <a:effectRef idx="0">
+                <a:schemeClr val="accent1"/>
+              </a:effectRef>
+              <a:fontRef idx="minor">
+                <a:schemeClr val="tx1"/>
+              </a:fontRef>
+            </p:style>
+            <p:txBody>
+              <a:bodyPr rtlCol="0" anchor="ctr"/>
+              <a:lstStyle/>
+              <a:p>
+                <a:pPr algn="ctr"/>
+                <a:endParaRPr lang="zh-CN" altLang="en-US"/>
+              </a:p>
+            </p:txBody>
+          </p:sp>
+          <p:cxnSp>
+            <p:nvCxnSpPr>
+              <p:cNvPr id="78" name="直接连接符 77">
+                <a:extLst>
+                  <a:ext uri="{FF2B5EF4-FFF2-40B4-BE49-F238E27FC236}">
+                    <a16:creationId xmlns:a16="http://schemas.microsoft.com/office/drawing/2014/main" id="{A5BBA061-67FC-492D-9263-C0AA629E1E80}"/>
+                  </a:ext>
+                </a:extLst>
+              </p:cNvPr>
+              <p:cNvCxnSpPr>
+                <a:cxnSpLocks/>
+              </p:cNvCxnSpPr>
+              <p:nvPr/>
+            </p:nvCxnSpPr>
+            <p:spPr>
+              <a:xfrm flipH="1">
+                <a:off x="6453266" y="2485999"/>
+                <a:ext cx="1322" cy="252000"/>
+              </a:xfrm>
+              <a:prstGeom prst="line">
+                <a:avLst/>
+              </a:prstGeom>
+              <a:ln w="28575" cap="rnd">
+                <a:solidFill>
+                  <a:schemeClr val="tx1">
+                    <a:lumMod val="50000"/>
+                    <a:lumOff val="50000"/>
+                  </a:schemeClr>
+                </a:solidFill>
+                <a:round/>
+              </a:ln>
+            </p:spPr>
+            <p:style>
+              <a:lnRef idx="1">
+                <a:schemeClr val="accent1"/>
+              </a:lnRef>
+              <a:fillRef idx="0">
+                <a:schemeClr val="accent1"/>
+              </a:fillRef>
+              <a:effectRef idx="0">
+                <a:schemeClr val="accent1"/>
+              </a:effectRef>
+              <a:fontRef idx="minor">
+                <a:schemeClr val="tx1"/>
+              </a:fontRef>
+            </p:style>
+          </p:cxnSp>
+        </p:grpSp>
+        <p:cxnSp>
+          <p:nvCxnSpPr>
+            <p:cNvPr id="66" name="直接连接符 65">
+              <a:extLst>
+                <a:ext uri="{FF2B5EF4-FFF2-40B4-BE49-F238E27FC236}">
+                  <a16:creationId xmlns:a16="http://schemas.microsoft.com/office/drawing/2014/main" id="{5FC3B8A1-54E6-447B-AAE9-D272FD7FED6A}"/>
+                </a:ext>
+              </a:extLst>
+            </p:cNvPr>
+            <p:cNvCxnSpPr>
+              <a:cxnSpLocks/>
+            </p:cNvCxnSpPr>
+            <p:nvPr/>
+          </p:nvCxnSpPr>
+          <p:spPr>
+            <a:xfrm>
+              <a:off x="7912093" y="2750108"/>
+              <a:ext cx="0" cy="1073076"/>
+            </a:xfrm>
+            <a:prstGeom prst="line">
+              <a:avLst/>
+            </a:prstGeom>
+            <a:ln w="28575" cap="rnd">
+              <a:solidFill>
+                <a:schemeClr val="tx1"/>
+              </a:solidFill>
+              <a:round/>
+            </a:ln>
+          </p:spPr>
+          <p:style>
+            <a:lnRef idx="1">
+              <a:schemeClr val="accent1"/>
+            </a:lnRef>
+            <a:fillRef idx="0">
+              <a:schemeClr val="accent1"/>
+            </a:fillRef>
+            <a:effectRef idx="0">
+              <a:schemeClr val="accent1"/>
+            </a:effectRef>
+            <a:fontRef idx="minor">
+              <a:schemeClr val="tx1"/>
+            </a:fontRef>
+          </p:style>
+        </p:cxnSp>
+        <p:grpSp>
+          <p:nvGrpSpPr>
+            <p:cNvPr id="67" name="组合 66">
+              <a:extLst>
+                <a:ext uri="{FF2B5EF4-FFF2-40B4-BE49-F238E27FC236}">
+                  <a16:creationId xmlns:a16="http://schemas.microsoft.com/office/drawing/2014/main" id="{C75F163A-2D35-4B9A-8298-AC6072A68F84}"/>
+                </a:ext>
+              </a:extLst>
+            </p:cNvPr>
+            <p:cNvGrpSpPr/>
+            <p:nvPr/>
+          </p:nvGrpSpPr>
+          <p:grpSpPr>
+            <a:xfrm>
+              <a:off x="3387338" y="3051075"/>
+              <a:ext cx="792000" cy="792000"/>
+              <a:chOff x="5101774" y="2455056"/>
+              <a:chExt cx="792000" cy="792000"/>
+            </a:xfrm>
+          </p:grpSpPr>
+          <p:cxnSp>
+            <p:nvCxnSpPr>
+              <p:cNvPr id="73" name="直接连接符 72">
+                <a:extLst>
+                  <a:ext uri="{FF2B5EF4-FFF2-40B4-BE49-F238E27FC236}">
+                    <a16:creationId xmlns:a16="http://schemas.microsoft.com/office/drawing/2014/main" id="{3BBAD85D-F64A-47FD-B31B-CA7C9513FAC9}"/>
+                  </a:ext>
+                </a:extLst>
+              </p:cNvPr>
+              <p:cNvCxnSpPr/>
+              <p:nvPr/>
+            </p:nvCxnSpPr>
+            <p:spPr>
+              <a:xfrm>
+                <a:off x="5172391" y="2851056"/>
+                <a:ext cx="485402" cy="0"/>
+              </a:xfrm>
+              <a:prstGeom prst="line">
+                <a:avLst/>
+              </a:prstGeom>
+              <a:ln w="28575" cap="rnd">
+                <a:solidFill>
+                  <a:schemeClr val="tx1">
+                    <a:lumMod val="50000"/>
+                    <a:lumOff val="50000"/>
+                  </a:schemeClr>
+                </a:solidFill>
+                <a:round/>
+              </a:ln>
+            </p:spPr>
+            <p:style>
+              <a:lnRef idx="1">
+                <a:schemeClr val="accent1"/>
+              </a:lnRef>
+              <a:fillRef idx="0">
+                <a:schemeClr val="accent1"/>
+              </a:fillRef>
+              <a:effectRef idx="0">
+                <a:schemeClr val="accent1"/>
+              </a:effectRef>
+              <a:fontRef idx="minor">
+                <a:schemeClr val="tx1"/>
+              </a:fontRef>
+            </p:style>
+          </p:cxnSp>
+          <p:sp>
+            <p:nvSpPr>
+              <p:cNvPr id="74" name="弧形 73">
+                <a:extLst>
+                  <a:ext uri="{FF2B5EF4-FFF2-40B4-BE49-F238E27FC236}">
+                    <a16:creationId xmlns:a16="http://schemas.microsoft.com/office/drawing/2014/main" id="{A946D3B3-4E00-4FB6-8213-B37B143A8471}"/>
+                  </a:ext>
+                </a:extLst>
+              </p:cNvPr>
+              <p:cNvSpPr>
+                <a:spLocks noChangeAspect="1"/>
+              </p:cNvSpPr>
+              <p:nvPr/>
+            </p:nvSpPr>
+            <p:spPr>
+              <a:xfrm>
+                <a:off x="5101774" y="2455056"/>
+                <a:ext cx="792000" cy="792000"/>
+              </a:xfrm>
+              <a:prstGeom prst="arc">
+                <a:avLst>
+                  <a:gd name="adj1" fmla="val 3895352"/>
+                  <a:gd name="adj2" fmla="val 17604657"/>
+                </a:avLst>
+              </a:prstGeom>
+              <a:ln w="28575" cap="rnd">
+                <a:solidFill>
+                  <a:schemeClr val="tx1"/>
+                </a:solidFill>
+                <a:round/>
+              </a:ln>
+            </p:spPr>
+            <p:style>
+              <a:lnRef idx="1">
+                <a:schemeClr val="accent1"/>
+              </a:lnRef>
+              <a:fillRef idx="0">
+                <a:schemeClr val="accent1"/>
+              </a:fillRef>
+              <a:effectRef idx="0">
+                <a:schemeClr val="accent1"/>
+              </a:effectRef>
+              <a:fontRef idx="minor">
+                <a:schemeClr val="tx1"/>
+              </a:fontRef>
+            </p:style>
+            <p:txBody>
+              <a:bodyPr rtlCol="0" anchor="ctr"/>
+              <a:lstStyle/>
+              <a:p>
+                <a:pPr algn="ctr"/>
+                <a:endParaRPr lang="zh-CN" altLang="en-US"/>
+              </a:p>
+            </p:txBody>
+          </p:sp>
+        </p:grpSp>
+        <p:grpSp>
+          <p:nvGrpSpPr>
+            <p:cNvPr id="68" name="组合 67">
+              <a:extLst>
+                <a:ext uri="{FF2B5EF4-FFF2-40B4-BE49-F238E27FC236}">
+                  <a16:creationId xmlns:a16="http://schemas.microsoft.com/office/drawing/2014/main" id="{4472DB95-E46F-4777-9E05-9AB05EC07C7A}"/>
+                </a:ext>
+              </a:extLst>
+            </p:cNvPr>
+            <p:cNvGrpSpPr/>
+            <p:nvPr/>
+          </p:nvGrpSpPr>
+          <p:grpSpPr>
+            <a:xfrm>
+              <a:off x="8174149" y="2943000"/>
+              <a:ext cx="972000" cy="972000"/>
+              <a:chOff x="9835468" y="2491210"/>
+              <a:chExt cx="972000" cy="972000"/>
+            </a:xfrm>
+          </p:grpSpPr>
+          <p:sp>
+            <p:nvSpPr>
+              <p:cNvPr id="69" name="弧形 68">
+                <a:extLst>
+                  <a:ext uri="{FF2B5EF4-FFF2-40B4-BE49-F238E27FC236}">
+                    <a16:creationId xmlns:a16="http://schemas.microsoft.com/office/drawing/2014/main" id="{F920678A-6465-4C48-A9DC-CB560D53CCCD}"/>
+                  </a:ext>
+                </a:extLst>
+              </p:cNvPr>
+              <p:cNvSpPr/>
+              <p:nvPr/>
+            </p:nvSpPr>
+            <p:spPr>
+              <a:xfrm>
+                <a:off x="9985764" y="2645258"/>
+                <a:ext cx="663905" cy="663905"/>
+              </a:xfrm>
+              <a:prstGeom prst="arc">
+                <a:avLst>
+                  <a:gd name="adj1" fmla="val 21364427"/>
+                  <a:gd name="adj2" fmla="val 21272467"/>
+                </a:avLst>
+              </a:prstGeom>
+              <a:ln w="28575" cap="rnd">
+                <a:solidFill>
+                  <a:schemeClr val="tx1"/>
+                </a:solidFill>
+                <a:round/>
+              </a:ln>
+            </p:spPr>
+            <p:style>
+              <a:lnRef idx="1">
+                <a:schemeClr val="accent1"/>
+              </a:lnRef>
+              <a:fillRef idx="0">
+                <a:schemeClr val="accent1"/>
+              </a:fillRef>
+              <a:effectRef idx="0">
+                <a:schemeClr val="accent1"/>
+              </a:effectRef>
+              <a:fontRef idx="minor">
+                <a:schemeClr val="tx1"/>
+              </a:fontRef>
+            </p:style>
+            <p:txBody>
+              <a:bodyPr rtlCol="0" anchor="ctr"/>
+              <a:lstStyle/>
+              <a:p>
+                <a:pPr algn="ctr"/>
+                <a:endParaRPr lang="zh-CN" altLang="en-US"/>
+              </a:p>
+            </p:txBody>
+          </p:sp>
+          <p:sp>
+            <p:nvSpPr>
+              <p:cNvPr id="72" name="弧形 71">
+                <a:extLst>
+                  <a:ext uri="{FF2B5EF4-FFF2-40B4-BE49-F238E27FC236}">
+                    <a16:creationId xmlns:a16="http://schemas.microsoft.com/office/drawing/2014/main" id="{F0BD6CC4-D015-43F7-AB0B-D8026A39D74E}"/>
+                  </a:ext>
+                </a:extLst>
+              </p:cNvPr>
+              <p:cNvSpPr>
+                <a:spLocks noChangeAspect="1"/>
+              </p:cNvSpPr>
+              <p:nvPr/>
+            </p:nvSpPr>
+            <p:spPr>
+              <a:xfrm>
+                <a:off x="9835468" y="2491210"/>
+                <a:ext cx="972000" cy="972000"/>
+              </a:xfrm>
+              <a:prstGeom prst="arc">
+                <a:avLst>
+                  <a:gd name="adj1" fmla="val 15877922"/>
+                  <a:gd name="adj2" fmla="val 5881754"/>
+                </a:avLst>
+              </a:prstGeom>
+              <a:ln w="28575" cap="rnd">
+                <a:solidFill>
+                  <a:schemeClr val="tx1">
+                    <a:lumMod val="50000"/>
+                    <a:lumOff val="50000"/>
+                  </a:schemeClr>
+                </a:solidFill>
+                <a:round/>
+              </a:ln>
+            </p:spPr>
+            <p:style>
+              <a:lnRef idx="1">
+                <a:schemeClr val="accent1"/>
+              </a:lnRef>
+              <a:fillRef idx="0">
+                <a:schemeClr val="accent1"/>
+              </a:fillRef>
+              <a:effectRef idx="0">
+                <a:schemeClr val="accent1"/>
+              </a:effectRef>
+              <a:fontRef idx="minor">
+                <a:schemeClr val="tx1"/>
+              </a:fontRef>
+            </p:style>
+            <p:txBody>
+              <a:bodyPr rtlCol="0" anchor="ctr"/>
+              <a:lstStyle/>
+              <a:p>
+                <a:pPr algn="ctr"/>
+                <a:endParaRPr lang="zh-CN" altLang="en-US"/>
+              </a:p>
+            </p:txBody>
+          </p:sp>
+        </p:grpSp>
+      </p:grpSp>
+      <p:cxnSp>
+        <p:nvCxnSpPr>
+          <p:cNvPr id="53" name="直接连接符 52">
+            <a:extLst>
+              <a:ext uri="{FF2B5EF4-FFF2-40B4-BE49-F238E27FC236}">
+                <a16:creationId xmlns:a16="http://schemas.microsoft.com/office/drawing/2014/main" id="{A2B97D28-2C8F-4828-B17C-B8C43985C7A0}"/>
+              </a:ext>
+            </a:extLst>
+          </p:cNvPr>
+          <p:cNvCxnSpPr>
+            <a:cxnSpLocks/>
+          </p:cNvCxnSpPr>
+          <p:nvPr/>
+        </p:nvCxnSpPr>
+        <p:spPr>
+          <a:xfrm>
+            <a:off x="3517261" y="4368360"/>
+            <a:ext cx="526673" cy="0"/>
+          </a:xfrm>
+          <a:prstGeom prst="line">
+            <a:avLst/>
+          </a:prstGeom>
+          <a:ln w="76200" cap="rnd">
+            <a:solidFill>
+              <a:schemeClr val="tx1"/>
+            </a:solidFill>
+            <a:round/>
+          </a:ln>
+        </p:spPr>
+        <p:style>
+          <a:lnRef idx="1">
+            <a:schemeClr val="accent1"/>
+          </a:lnRef>
+          <a:fillRef idx="0">
+            <a:schemeClr val="accent1"/>
+          </a:fillRef>
+          <a:effectRef idx="0">
+            <a:schemeClr val="accent1"/>
+          </a:effectRef>
+          <a:fontRef idx="minor">
+            <a:schemeClr val="tx1"/>
+          </a:fontRef>
+        </p:style>
+      </p:cxnSp>
+      <p:cxnSp>
+        <p:nvCxnSpPr>
+          <p:cNvPr id="54" name="直接连接符 53">
+            <a:extLst>
+              <a:ext uri="{FF2B5EF4-FFF2-40B4-BE49-F238E27FC236}">
+                <a16:creationId xmlns:a16="http://schemas.microsoft.com/office/drawing/2014/main" id="{009E1BA1-1F16-42F6-87A4-8BBC7DC2A0EE}"/>
+              </a:ext>
+            </a:extLst>
+          </p:cNvPr>
+          <p:cNvCxnSpPr>
+            <a:cxnSpLocks/>
+          </p:cNvCxnSpPr>
+          <p:nvPr/>
+        </p:nvCxnSpPr>
+        <p:spPr>
+          <a:xfrm>
+            <a:off x="3517261" y="4771280"/>
+            <a:ext cx="526673" cy="0"/>
+          </a:xfrm>
+          <a:prstGeom prst="line">
+            <a:avLst/>
+          </a:prstGeom>
+          <a:ln w="76200" cap="rnd">
+            <a:solidFill>
+              <a:schemeClr val="tx1"/>
+            </a:solidFill>
+            <a:round/>
+          </a:ln>
+        </p:spPr>
+        <p:style>
+          <a:lnRef idx="1">
+            <a:schemeClr val="accent1"/>
+          </a:lnRef>
+          <a:fillRef idx="0">
+            <a:schemeClr val="accent1"/>
+          </a:fillRef>
+          <a:effectRef idx="0">
+            <a:schemeClr val="accent1"/>
+          </a:effectRef>
+          <a:fontRef idx="minor">
+            <a:schemeClr val="tx1"/>
+          </a:fontRef>
+        </p:style>
+      </p:cxnSp>
+      <p:cxnSp>
+        <p:nvCxnSpPr>
+          <p:cNvPr id="55" name="直接连接符 54">
+            <a:extLst>
+              <a:ext uri="{FF2B5EF4-FFF2-40B4-BE49-F238E27FC236}">
+                <a16:creationId xmlns:a16="http://schemas.microsoft.com/office/drawing/2014/main" id="{94B06C0E-1998-43B2-BDF5-DFA5D6EF1529}"/>
+              </a:ext>
+            </a:extLst>
+          </p:cNvPr>
+          <p:cNvCxnSpPr>
+            <a:cxnSpLocks/>
+          </p:cNvCxnSpPr>
+          <p:nvPr/>
+        </p:nvCxnSpPr>
+        <p:spPr>
+          <a:xfrm>
+            <a:off x="3516542" y="5178376"/>
+            <a:ext cx="526673" cy="0"/>
+          </a:xfrm>
+          <a:prstGeom prst="line">
+            <a:avLst/>
+          </a:prstGeom>
+          <a:ln w="76200" cap="rnd">
+            <a:solidFill>
+              <a:schemeClr val="tx1"/>
+            </a:solidFill>
+            <a:round/>
+          </a:ln>
+        </p:spPr>
+        <p:style>
+          <a:lnRef idx="1">
+            <a:schemeClr val="accent1"/>
+          </a:lnRef>
+          <a:fillRef idx="0">
+            <a:schemeClr val="accent1"/>
+          </a:fillRef>
+          <a:effectRef idx="0">
+            <a:schemeClr val="accent1"/>
+          </a:effectRef>
+          <a:fontRef idx="minor">
+            <a:schemeClr val="tx1"/>
+          </a:fontRef>
+        </p:style>
+      </p:cxnSp>
+      <p:cxnSp>
+        <p:nvCxnSpPr>
+          <p:cNvPr id="56" name="直接连接符 55">
+            <a:extLst>
+              <a:ext uri="{FF2B5EF4-FFF2-40B4-BE49-F238E27FC236}">
+                <a16:creationId xmlns:a16="http://schemas.microsoft.com/office/drawing/2014/main" id="{59C12463-FFC6-48CD-894B-B15F19DBAB3C}"/>
+              </a:ext>
+            </a:extLst>
+          </p:cNvPr>
+          <p:cNvCxnSpPr>
+            <a:cxnSpLocks/>
+          </p:cNvCxnSpPr>
+          <p:nvPr/>
+        </p:nvCxnSpPr>
+        <p:spPr>
+          <a:xfrm>
+            <a:off x="3516542" y="4368360"/>
+            <a:ext cx="0" cy="810016"/>
+          </a:xfrm>
+          <a:prstGeom prst="line">
+            <a:avLst/>
+          </a:prstGeom>
+          <a:ln w="76200" cap="rnd">
+            <a:solidFill>
+              <a:schemeClr val="tx1"/>
+            </a:solidFill>
+            <a:round/>
+          </a:ln>
+        </p:spPr>
+        <p:style>
+          <a:lnRef idx="1">
+            <a:schemeClr val="accent1"/>
+          </a:lnRef>
+          <a:fillRef idx="0">
+            <a:schemeClr val="accent1"/>
+          </a:fillRef>
+          <a:effectRef idx="0">
+            <a:schemeClr val="accent1"/>
+          </a:effectRef>
+          <a:fontRef idx="minor">
+            <a:schemeClr val="tx1"/>
+          </a:fontRef>
+        </p:style>
+      </p:cxnSp>
+      <p:cxnSp>
+        <p:nvCxnSpPr>
+          <p:cNvPr id="91" name="直接连接符 90">
+            <a:extLst>
+              <a:ext uri="{FF2B5EF4-FFF2-40B4-BE49-F238E27FC236}">
+                <a16:creationId xmlns:a16="http://schemas.microsoft.com/office/drawing/2014/main" id="{B5B81D85-6BB0-488A-AB6B-6C0367A9F8A8}"/>
+              </a:ext>
+            </a:extLst>
+          </p:cNvPr>
+          <p:cNvCxnSpPr>
+            <a:cxnSpLocks/>
+          </p:cNvCxnSpPr>
+          <p:nvPr/>
+        </p:nvCxnSpPr>
+        <p:spPr>
+          <a:xfrm>
+            <a:off x="4349277" y="4368360"/>
+            <a:ext cx="0" cy="810016"/>
+          </a:xfrm>
+          <a:prstGeom prst="line">
+            <a:avLst/>
+          </a:prstGeom>
+          <a:ln w="76200" cap="rnd">
+            <a:solidFill>
+              <a:schemeClr val="tx1"/>
+            </a:solidFill>
+            <a:round/>
+          </a:ln>
+        </p:spPr>
+        <p:style>
+          <a:lnRef idx="1">
+            <a:schemeClr val="accent1"/>
+          </a:lnRef>
+          <a:fillRef idx="0">
+            <a:schemeClr val="accent1"/>
+          </a:fillRef>
+          <a:effectRef idx="0">
+            <a:schemeClr val="accent1"/>
+          </a:effectRef>
+          <a:fontRef idx="minor">
+            <a:schemeClr val="tx1"/>
+          </a:fontRef>
+        </p:style>
+      </p:cxnSp>
+      <p:cxnSp>
+        <p:nvCxnSpPr>
+          <p:cNvPr id="92" name="直接连接符 91">
+            <a:extLst>
+              <a:ext uri="{FF2B5EF4-FFF2-40B4-BE49-F238E27FC236}">
+                <a16:creationId xmlns:a16="http://schemas.microsoft.com/office/drawing/2014/main" id="{DD6DDEAA-C9DB-4507-AE98-83D72E38D5BD}"/>
+              </a:ext>
+            </a:extLst>
+          </p:cNvPr>
+          <p:cNvCxnSpPr>
+            <a:cxnSpLocks/>
+          </p:cNvCxnSpPr>
+          <p:nvPr/>
+        </p:nvCxnSpPr>
+        <p:spPr>
+          <a:xfrm>
+            <a:off x="4349277" y="4368360"/>
+            <a:ext cx="376449" cy="353952"/>
+          </a:xfrm>
+          <a:prstGeom prst="line">
+            <a:avLst/>
+          </a:prstGeom>
+          <a:ln w="76200" cap="rnd">
+            <a:solidFill>
+              <a:schemeClr val="tx1"/>
+            </a:solidFill>
+            <a:round/>
+          </a:ln>
+        </p:spPr>
+        <p:style>
+          <a:lnRef idx="1">
+            <a:schemeClr val="accent1"/>
+          </a:lnRef>
+          <a:fillRef idx="0">
+            <a:schemeClr val="accent1"/>
+          </a:fillRef>
+          <a:effectRef idx="0">
+            <a:schemeClr val="accent1"/>
+          </a:effectRef>
+          <a:fontRef idx="minor">
+            <a:schemeClr val="tx1"/>
+          </a:fontRef>
+        </p:style>
+      </p:cxnSp>
+      <p:cxnSp>
+        <p:nvCxnSpPr>
+          <p:cNvPr id="93" name="直接连接符 92">
+            <a:extLst>
+              <a:ext uri="{FF2B5EF4-FFF2-40B4-BE49-F238E27FC236}">
+                <a16:creationId xmlns:a16="http://schemas.microsoft.com/office/drawing/2014/main" id="{5150981B-B011-466A-845E-15CFA94752E6}"/>
+              </a:ext>
+            </a:extLst>
+          </p:cNvPr>
+          <p:cNvCxnSpPr>
+            <a:cxnSpLocks/>
+          </p:cNvCxnSpPr>
+          <p:nvPr/>
+        </p:nvCxnSpPr>
+        <p:spPr>
+          <a:xfrm flipV="1">
+            <a:off x="4725726" y="4368360"/>
+            <a:ext cx="364674" cy="353952"/>
+          </a:xfrm>
+          <a:prstGeom prst="line">
+            <a:avLst/>
+          </a:prstGeom>
+          <a:ln w="76200" cap="rnd">
+            <a:solidFill>
+              <a:schemeClr val="tx1"/>
+            </a:solidFill>
+            <a:round/>
+          </a:ln>
+        </p:spPr>
+        <p:style>
+          <a:lnRef idx="1">
+            <a:schemeClr val="accent1"/>
+          </a:lnRef>
+          <a:fillRef idx="0">
+            <a:schemeClr val="accent1"/>
+          </a:fillRef>
+          <a:effectRef idx="0">
+            <a:schemeClr val="accent1"/>
+          </a:effectRef>
+          <a:fontRef idx="minor">
+            <a:schemeClr val="tx1"/>
+          </a:fontRef>
+        </p:style>
+      </p:cxnSp>
+      <p:cxnSp>
+        <p:nvCxnSpPr>
+          <p:cNvPr id="94" name="直接连接符 93">
+            <a:extLst>
+              <a:ext uri="{FF2B5EF4-FFF2-40B4-BE49-F238E27FC236}">
+                <a16:creationId xmlns:a16="http://schemas.microsoft.com/office/drawing/2014/main" id="{6F0B3CA6-D905-4646-9453-DD36C0F0BF84}"/>
+              </a:ext>
+            </a:extLst>
+          </p:cNvPr>
+          <p:cNvCxnSpPr>
+            <a:cxnSpLocks/>
+          </p:cNvCxnSpPr>
+          <p:nvPr/>
+        </p:nvCxnSpPr>
+        <p:spPr>
+          <a:xfrm>
+            <a:off x="5090400" y="4368360"/>
+            <a:ext cx="0" cy="810016"/>
+          </a:xfrm>
+          <a:prstGeom prst="line">
+            <a:avLst/>
+          </a:prstGeom>
+          <a:ln w="76200" cap="rnd">
+            <a:solidFill>
+              <a:schemeClr val="tx1"/>
+            </a:solidFill>
+            <a:round/>
+          </a:ln>
+        </p:spPr>
+        <p:style>
+          <a:lnRef idx="1">
+            <a:schemeClr val="accent1"/>
+          </a:lnRef>
+          <a:fillRef idx="0">
+            <a:schemeClr val="accent1"/>
+          </a:fillRef>
+          <a:effectRef idx="0">
+            <a:schemeClr val="accent1"/>
+          </a:effectRef>
+          <a:fontRef idx="minor">
+            <a:schemeClr val="tx1"/>
+          </a:fontRef>
+        </p:style>
+      </p:cxnSp>
+      <p:cxnSp>
+        <p:nvCxnSpPr>
+          <p:cNvPr id="95" name="直接连接符 94">
+            <a:extLst>
+              <a:ext uri="{FF2B5EF4-FFF2-40B4-BE49-F238E27FC236}">
+                <a16:creationId xmlns:a16="http://schemas.microsoft.com/office/drawing/2014/main" id="{11A292C7-5EBA-495E-9CBA-39756E11D86E}"/>
+              </a:ext>
+            </a:extLst>
+          </p:cNvPr>
+          <p:cNvCxnSpPr>
+            <a:cxnSpLocks/>
+          </p:cNvCxnSpPr>
+          <p:nvPr/>
+        </p:nvCxnSpPr>
+        <p:spPr>
+          <a:xfrm>
+            <a:off x="5459918" y="4366272"/>
+            <a:ext cx="0" cy="810016"/>
+          </a:xfrm>
+          <a:prstGeom prst="line">
+            <a:avLst/>
+          </a:prstGeom>
+          <a:ln w="76200" cap="rnd">
+            <a:solidFill>
+              <a:schemeClr val="tx1"/>
+            </a:solidFill>
+            <a:round/>
+          </a:ln>
+        </p:spPr>
+        <p:style>
+          <a:lnRef idx="1">
+            <a:schemeClr val="accent1"/>
+          </a:lnRef>
+          <a:fillRef idx="0">
+            <a:schemeClr val="accent1"/>
+          </a:fillRef>
+          <a:effectRef idx="0">
+            <a:schemeClr val="accent1"/>
+          </a:effectRef>
+          <a:fontRef idx="minor">
+            <a:schemeClr val="tx1"/>
+          </a:fontRef>
+        </p:style>
+      </p:cxnSp>
+      <p:cxnSp>
+        <p:nvCxnSpPr>
+          <p:cNvPr id="96" name="直接连接符 95">
+            <a:extLst>
+              <a:ext uri="{FF2B5EF4-FFF2-40B4-BE49-F238E27FC236}">
+                <a16:creationId xmlns:a16="http://schemas.microsoft.com/office/drawing/2014/main" id="{C9280CEF-CD78-4815-B70D-09B0CE46B92E}"/>
+              </a:ext>
+            </a:extLst>
+          </p:cNvPr>
+          <p:cNvCxnSpPr>
+            <a:cxnSpLocks/>
+          </p:cNvCxnSpPr>
+          <p:nvPr/>
+        </p:nvCxnSpPr>
+        <p:spPr>
+          <a:xfrm>
+            <a:off x="5517715" y="4771280"/>
+            <a:ext cx="469594" cy="405008"/>
+          </a:xfrm>
+          <a:prstGeom prst="line">
+            <a:avLst/>
+          </a:prstGeom>
+          <a:ln w="76200" cap="rnd">
+            <a:solidFill>
+              <a:schemeClr val="tx1"/>
+            </a:solidFill>
+            <a:round/>
+          </a:ln>
+        </p:spPr>
+        <p:style>
+          <a:lnRef idx="1">
+            <a:schemeClr val="accent1"/>
+          </a:lnRef>
+          <a:fillRef idx="0">
+            <a:schemeClr val="accent1"/>
+          </a:fillRef>
+          <a:effectRef idx="0">
+            <a:schemeClr val="accent1"/>
+          </a:effectRef>
+          <a:fontRef idx="minor">
+            <a:schemeClr val="tx1"/>
+          </a:fontRef>
+        </p:style>
+      </p:cxnSp>
+      <p:cxnSp>
+        <p:nvCxnSpPr>
+          <p:cNvPr id="97" name="直接连接符 96">
+            <a:extLst>
+              <a:ext uri="{FF2B5EF4-FFF2-40B4-BE49-F238E27FC236}">
+                <a16:creationId xmlns:a16="http://schemas.microsoft.com/office/drawing/2014/main" id="{D98456B8-D86A-4121-B2FC-2B8BEEC0B01D}"/>
+              </a:ext>
+            </a:extLst>
+          </p:cNvPr>
+          <p:cNvCxnSpPr>
+            <a:cxnSpLocks/>
+          </p:cNvCxnSpPr>
+          <p:nvPr/>
+        </p:nvCxnSpPr>
+        <p:spPr>
+          <a:xfrm flipV="1">
+            <a:off x="5517715" y="4366272"/>
+            <a:ext cx="469594" cy="405008"/>
+          </a:xfrm>
+          <a:prstGeom prst="line">
+            <a:avLst/>
+          </a:prstGeom>
+          <a:ln w="76200" cap="rnd">
+            <a:solidFill>
+              <a:schemeClr val="tx1"/>
+            </a:solidFill>
+            <a:round/>
+          </a:ln>
+        </p:spPr>
+        <p:style>
+          <a:lnRef idx="1">
+            <a:schemeClr val="accent1"/>
+          </a:lnRef>
+          <a:fillRef idx="0">
+            <a:schemeClr val="accent1"/>
+          </a:fillRef>
+          <a:effectRef idx="0">
+            <a:schemeClr val="accent1"/>
+          </a:effectRef>
+          <a:fontRef idx="minor">
+            <a:schemeClr val="tx1"/>
+          </a:fontRef>
+        </p:style>
+      </p:cxnSp>
+      <p:cxnSp>
+        <p:nvCxnSpPr>
+          <p:cNvPr id="98" name="直接连接符 97">
+            <a:extLst>
+              <a:ext uri="{FF2B5EF4-FFF2-40B4-BE49-F238E27FC236}">
+                <a16:creationId xmlns:a16="http://schemas.microsoft.com/office/drawing/2014/main" id="{BA24BB0A-E51A-4EE8-9800-B015A2256099}"/>
+              </a:ext>
+            </a:extLst>
+          </p:cNvPr>
+          <p:cNvCxnSpPr>
+            <a:cxnSpLocks/>
+          </p:cNvCxnSpPr>
+          <p:nvPr/>
+        </p:nvCxnSpPr>
+        <p:spPr>
+          <a:xfrm>
+            <a:off x="5459919" y="4366272"/>
+            <a:ext cx="527390" cy="0"/>
+          </a:xfrm>
+          <a:prstGeom prst="line">
+            <a:avLst/>
+          </a:prstGeom>
+          <a:ln w="76200" cap="rnd">
+            <a:solidFill>
+              <a:schemeClr val="tx1"/>
+            </a:solidFill>
+            <a:round/>
+          </a:ln>
+        </p:spPr>
+        <p:style>
+          <a:lnRef idx="1">
+            <a:schemeClr val="accent1"/>
+          </a:lnRef>
+          <a:fillRef idx="0">
+            <a:schemeClr val="accent1"/>
+          </a:fillRef>
+          <a:effectRef idx="0">
+            <a:schemeClr val="accent1"/>
+          </a:effectRef>
+          <a:fontRef idx="minor">
+            <a:schemeClr val="tx1"/>
+          </a:fontRef>
+        </p:style>
+      </p:cxnSp>
+    </p:spTree>
+    <p:extLst>
+      <p:ext uri="{BB962C8B-B14F-4D97-AF65-F5344CB8AC3E}">
+        <p14:creationId xmlns:p14="http://schemas.microsoft.com/office/powerpoint/2010/main" val="2245897195"/>
+      </p:ext>
+    </p:extLst>
+  </p:cSld>
+  <p:clrMapOvr>
+    <a:masterClrMapping/>
+  </p:clrMapOvr>
+</p:sld>
+</file>
+
+<file path=ppt/slides/slide8.xml><?xml version="1.0" encoding="utf-8"?>
 <p:sld xmlns:a="http://schemas.openxmlformats.org/drawingml/2006/main" xmlns:r="http://schemas.openxmlformats.org/officeDocument/2006/relationships" xmlns:p="http://schemas.openxmlformats.org/presentationml/2006/main">
   <p:cSld>
     <p:bg>

--- a/UI.pptx
+++ b/UI.pptx
@@ -266,7 +266,7 @@
           <a:p>
             <a:fld id="{F3BA182F-79D5-4EF3-A581-738F691F52DF}" type="datetimeFigureOut">
               <a:rPr lang="zh-CN" altLang="en-US" smtClean="0"/>
-              <a:t>2019/7/12</a:t>
+              <a:t>2019/7/14</a:t>
             </a:fld>
             <a:endParaRPr lang="zh-CN" altLang="en-US"/>
           </a:p>
@@ -464,7 +464,7 @@
           <a:p>
             <a:fld id="{F3BA182F-79D5-4EF3-A581-738F691F52DF}" type="datetimeFigureOut">
               <a:rPr lang="zh-CN" altLang="en-US" smtClean="0"/>
-              <a:t>2019/7/12</a:t>
+              <a:t>2019/7/14</a:t>
             </a:fld>
             <a:endParaRPr lang="zh-CN" altLang="en-US"/>
           </a:p>
@@ -672,7 +672,7 @@
           <a:p>
             <a:fld id="{F3BA182F-79D5-4EF3-A581-738F691F52DF}" type="datetimeFigureOut">
               <a:rPr lang="zh-CN" altLang="en-US" smtClean="0"/>
-              <a:t>2019/7/12</a:t>
+              <a:t>2019/7/14</a:t>
             </a:fld>
             <a:endParaRPr lang="zh-CN" altLang="en-US"/>
           </a:p>
@@ -870,7 +870,7 @@
           <a:p>
             <a:fld id="{F3BA182F-79D5-4EF3-A581-738F691F52DF}" type="datetimeFigureOut">
               <a:rPr lang="zh-CN" altLang="en-US" smtClean="0"/>
-              <a:t>2019/7/12</a:t>
+              <a:t>2019/7/14</a:t>
             </a:fld>
             <a:endParaRPr lang="zh-CN" altLang="en-US"/>
           </a:p>
@@ -1145,7 +1145,7 @@
           <a:p>
             <a:fld id="{F3BA182F-79D5-4EF3-A581-738F691F52DF}" type="datetimeFigureOut">
               <a:rPr lang="zh-CN" altLang="en-US" smtClean="0"/>
-              <a:t>2019/7/12</a:t>
+              <a:t>2019/7/14</a:t>
             </a:fld>
             <a:endParaRPr lang="zh-CN" altLang="en-US"/>
           </a:p>
@@ -1410,7 +1410,7 @@
           <a:p>
             <a:fld id="{F3BA182F-79D5-4EF3-A581-738F691F52DF}" type="datetimeFigureOut">
               <a:rPr lang="zh-CN" altLang="en-US" smtClean="0"/>
-              <a:t>2019/7/12</a:t>
+              <a:t>2019/7/14</a:t>
             </a:fld>
             <a:endParaRPr lang="zh-CN" altLang="en-US"/>
           </a:p>
@@ -1822,7 +1822,7 @@
           <a:p>
             <a:fld id="{F3BA182F-79D5-4EF3-A581-738F691F52DF}" type="datetimeFigureOut">
               <a:rPr lang="zh-CN" altLang="en-US" smtClean="0"/>
-              <a:t>2019/7/12</a:t>
+              <a:t>2019/7/14</a:t>
             </a:fld>
             <a:endParaRPr lang="zh-CN" altLang="en-US"/>
           </a:p>
@@ -1963,7 +1963,7 @@
           <a:p>
             <a:fld id="{F3BA182F-79D5-4EF3-A581-738F691F52DF}" type="datetimeFigureOut">
               <a:rPr lang="zh-CN" altLang="en-US" smtClean="0"/>
-              <a:t>2019/7/12</a:t>
+              <a:t>2019/7/14</a:t>
             </a:fld>
             <a:endParaRPr lang="zh-CN" altLang="en-US"/>
           </a:p>
@@ -2076,7 +2076,7 @@
           <a:p>
             <a:fld id="{F3BA182F-79D5-4EF3-A581-738F691F52DF}" type="datetimeFigureOut">
               <a:rPr lang="zh-CN" altLang="en-US" smtClean="0"/>
-              <a:t>2019/7/12</a:t>
+              <a:t>2019/7/14</a:t>
             </a:fld>
             <a:endParaRPr lang="zh-CN" altLang="en-US"/>
           </a:p>
@@ -2387,7 +2387,7 @@
           <a:p>
             <a:fld id="{F3BA182F-79D5-4EF3-A581-738F691F52DF}" type="datetimeFigureOut">
               <a:rPr lang="zh-CN" altLang="en-US" smtClean="0"/>
-              <a:t>2019/7/12</a:t>
+              <a:t>2019/7/14</a:t>
             </a:fld>
             <a:endParaRPr lang="zh-CN" altLang="en-US"/>
           </a:p>
@@ -2675,7 +2675,7 @@
           <a:p>
             <a:fld id="{F3BA182F-79D5-4EF3-A581-738F691F52DF}" type="datetimeFigureOut">
               <a:rPr lang="zh-CN" altLang="en-US" smtClean="0"/>
-              <a:t>2019/7/12</a:t>
+              <a:t>2019/7/14</a:t>
             </a:fld>
             <a:endParaRPr lang="zh-CN" altLang="en-US"/>
           </a:p>
@@ -2916,7 +2916,7 @@
           <a:p>
             <a:fld id="{F3BA182F-79D5-4EF3-A581-738F691F52DF}" type="datetimeFigureOut">
               <a:rPr lang="zh-CN" altLang="en-US" smtClean="0"/>
-              <a:t>2019/7/12</a:t>
+              <a:t>2019/7/14</a:t>
             </a:fld>
             <a:endParaRPr lang="zh-CN" altLang="en-US"/>
           </a:p>

--- a/UI.pptx
+++ b/UI.pptx
@@ -8,11 +8,12 @@
     <p:sldId id="260" r:id="rId2"/>
     <p:sldId id="265" r:id="rId3"/>
     <p:sldId id="264" r:id="rId4"/>
-    <p:sldId id="268" r:id="rId5"/>
-    <p:sldId id="266" r:id="rId6"/>
-    <p:sldId id="262" r:id="rId7"/>
-    <p:sldId id="267" r:id="rId8"/>
-    <p:sldId id="263" r:id="rId9"/>
+    <p:sldId id="269" r:id="rId5"/>
+    <p:sldId id="268" r:id="rId6"/>
+    <p:sldId id="266" r:id="rId7"/>
+    <p:sldId id="262" r:id="rId8"/>
+    <p:sldId id="267" r:id="rId9"/>
+    <p:sldId id="263" r:id="rId10"/>
   </p:sldIdLst>
   <p:sldSz cx="12192000" cy="6858000"/>
   <p:notesSz cx="6858000" cy="9144000"/>
@@ -266,7 +267,7 @@
           <a:p>
             <a:fld id="{F3BA182F-79D5-4EF3-A581-738F691F52DF}" type="datetimeFigureOut">
               <a:rPr lang="zh-CN" altLang="en-US" smtClean="0"/>
-              <a:t>2019/7/14</a:t>
+              <a:t>2019/10/1</a:t>
             </a:fld>
             <a:endParaRPr lang="zh-CN" altLang="en-US"/>
           </a:p>
@@ -464,7 +465,7 @@
           <a:p>
             <a:fld id="{F3BA182F-79D5-4EF3-A581-738F691F52DF}" type="datetimeFigureOut">
               <a:rPr lang="zh-CN" altLang="en-US" smtClean="0"/>
-              <a:t>2019/7/14</a:t>
+              <a:t>2019/10/1</a:t>
             </a:fld>
             <a:endParaRPr lang="zh-CN" altLang="en-US"/>
           </a:p>
@@ -672,7 +673,7 @@
           <a:p>
             <a:fld id="{F3BA182F-79D5-4EF3-A581-738F691F52DF}" type="datetimeFigureOut">
               <a:rPr lang="zh-CN" altLang="en-US" smtClean="0"/>
-              <a:t>2019/7/14</a:t>
+              <a:t>2019/10/1</a:t>
             </a:fld>
             <a:endParaRPr lang="zh-CN" altLang="en-US"/>
           </a:p>
@@ -870,7 +871,7 @@
           <a:p>
             <a:fld id="{F3BA182F-79D5-4EF3-A581-738F691F52DF}" type="datetimeFigureOut">
               <a:rPr lang="zh-CN" altLang="en-US" smtClean="0"/>
-              <a:t>2019/7/14</a:t>
+              <a:t>2019/10/1</a:t>
             </a:fld>
             <a:endParaRPr lang="zh-CN" altLang="en-US"/>
           </a:p>
@@ -1145,7 +1146,7 @@
           <a:p>
             <a:fld id="{F3BA182F-79D5-4EF3-A581-738F691F52DF}" type="datetimeFigureOut">
               <a:rPr lang="zh-CN" altLang="en-US" smtClean="0"/>
-              <a:t>2019/7/14</a:t>
+              <a:t>2019/10/1</a:t>
             </a:fld>
             <a:endParaRPr lang="zh-CN" altLang="en-US"/>
           </a:p>
@@ -1410,7 +1411,7 @@
           <a:p>
             <a:fld id="{F3BA182F-79D5-4EF3-A581-738F691F52DF}" type="datetimeFigureOut">
               <a:rPr lang="zh-CN" altLang="en-US" smtClean="0"/>
-              <a:t>2019/7/14</a:t>
+              <a:t>2019/10/1</a:t>
             </a:fld>
             <a:endParaRPr lang="zh-CN" altLang="en-US"/>
           </a:p>
@@ -1822,7 +1823,7 @@
           <a:p>
             <a:fld id="{F3BA182F-79D5-4EF3-A581-738F691F52DF}" type="datetimeFigureOut">
               <a:rPr lang="zh-CN" altLang="en-US" smtClean="0"/>
-              <a:t>2019/7/14</a:t>
+              <a:t>2019/10/1</a:t>
             </a:fld>
             <a:endParaRPr lang="zh-CN" altLang="en-US"/>
           </a:p>
@@ -1963,7 +1964,7 @@
           <a:p>
             <a:fld id="{F3BA182F-79D5-4EF3-A581-738F691F52DF}" type="datetimeFigureOut">
               <a:rPr lang="zh-CN" altLang="en-US" smtClean="0"/>
-              <a:t>2019/7/14</a:t>
+              <a:t>2019/10/1</a:t>
             </a:fld>
             <a:endParaRPr lang="zh-CN" altLang="en-US"/>
           </a:p>
@@ -2076,7 +2077,7 @@
           <a:p>
             <a:fld id="{F3BA182F-79D5-4EF3-A581-738F691F52DF}" type="datetimeFigureOut">
               <a:rPr lang="zh-CN" altLang="en-US" smtClean="0"/>
-              <a:t>2019/7/14</a:t>
+              <a:t>2019/10/1</a:t>
             </a:fld>
             <a:endParaRPr lang="zh-CN" altLang="en-US"/>
           </a:p>
@@ -2387,7 +2388,7 @@
           <a:p>
             <a:fld id="{F3BA182F-79D5-4EF3-A581-738F691F52DF}" type="datetimeFigureOut">
               <a:rPr lang="zh-CN" altLang="en-US" smtClean="0"/>
-              <a:t>2019/7/14</a:t>
+              <a:t>2019/10/1</a:t>
             </a:fld>
             <a:endParaRPr lang="zh-CN" altLang="en-US"/>
           </a:p>
@@ -2675,7 +2676,7 @@
           <a:p>
             <a:fld id="{F3BA182F-79D5-4EF3-A581-738F691F52DF}" type="datetimeFigureOut">
               <a:rPr lang="zh-CN" altLang="en-US" smtClean="0"/>
-              <a:t>2019/7/14</a:t>
+              <a:t>2019/10/1</a:t>
             </a:fld>
             <a:endParaRPr lang="zh-CN" altLang="en-US"/>
           </a:p>
@@ -2916,7 +2917,7 @@
           <a:p>
             <a:fld id="{F3BA182F-79D5-4EF3-A581-738F691F52DF}" type="datetimeFigureOut">
               <a:rPr lang="zh-CN" altLang="en-US" smtClean="0"/>
-              <a:t>2019/7/14</a:t>
+              <a:t>2019/10/1</a:t>
             </a:fld>
             <a:endParaRPr lang="zh-CN" altLang="en-US"/>
           </a:p>
@@ -11598,6 +11599,3010 @@
           <a:chExt cx="0" cy="0"/>
         </a:xfrm>
       </p:grpSpPr>
+      <p:grpSp>
+        <p:nvGrpSpPr>
+          <p:cNvPr id="29" name="组合 28">
+            <a:extLst>
+              <a:ext uri="{FF2B5EF4-FFF2-40B4-BE49-F238E27FC236}">
+                <a16:creationId xmlns:a16="http://schemas.microsoft.com/office/drawing/2014/main" id="{DB6CB542-737C-41D5-A375-428821C51FF8}"/>
+              </a:ext>
+            </a:extLst>
+          </p:cNvPr>
+          <p:cNvGrpSpPr/>
+          <p:nvPr/>
+        </p:nvGrpSpPr>
+        <p:grpSpPr>
+          <a:xfrm rot="20409588">
+            <a:off x="5831753" y="2605961"/>
+            <a:ext cx="720001" cy="720000"/>
+            <a:chOff x="7548956" y="646268"/>
+            <a:chExt cx="720001" cy="720000"/>
+          </a:xfrm>
+        </p:grpSpPr>
+        <p:sp>
+          <p:nvSpPr>
+            <p:cNvPr id="30" name="椭圆 29">
+              <a:extLst>
+                <a:ext uri="{FF2B5EF4-FFF2-40B4-BE49-F238E27FC236}">
+                  <a16:creationId xmlns:a16="http://schemas.microsoft.com/office/drawing/2014/main" id="{2AFED9A7-EC2D-4612-BD1D-5892FD02907F}"/>
+                </a:ext>
+              </a:extLst>
+            </p:cNvPr>
+            <p:cNvSpPr/>
+            <p:nvPr/>
+          </p:nvSpPr>
+          <p:spPr>
+            <a:xfrm>
+              <a:off x="7548956" y="646268"/>
+              <a:ext cx="720000" cy="720000"/>
+            </a:xfrm>
+            <a:prstGeom prst="ellipse">
+              <a:avLst/>
+            </a:prstGeom>
+            <a:solidFill>
+              <a:srgbClr val="909090"/>
+            </a:solidFill>
+            <a:ln>
+              <a:noFill/>
+            </a:ln>
+            <a:effectLst/>
+          </p:spPr>
+          <p:style>
+            <a:lnRef idx="2">
+              <a:schemeClr val="accent1">
+                <a:shade val="50000"/>
+              </a:schemeClr>
+            </a:lnRef>
+            <a:fillRef idx="1">
+              <a:schemeClr val="accent1"/>
+            </a:fillRef>
+            <a:effectRef idx="0">
+              <a:schemeClr val="accent1"/>
+            </a:effectRef>
+            <a:fontRef idx="minor">
+              <a:schemeClr val="lt1"/>
+            </a:fontRef>
+          </p:style>
+          <p:txBody>
+            <a:bodyPr rtlCol="0" anchor="ctr"/>
+            <a:lstStyle/>
+            <a:p>
+              <a:pPr algn="ctr"/>
+              <a:endParaRPr lang="zh-CN" altLang="en-US"/>
+            </a:p>
+          </p:txBody>
+        </p:sp>
+        <p:sp>
+          <p:nvSpPr>
+            <p:cNvPr id="31" name="任意多边形: 形状 30">
+              <a:extLst>
+                <a:ext uri="{FF2B5EF4-FFF2-40B4-BE49-F238E27FC236}">
+                  <a16:creationId xmlns:a16="http://schemas.microsoft.com/office/drawing/2014/main" id="{DC34A2FF-EA88-4427-8030-861A7D660B25}"/>
+                </a:ext>
+              </a:extLst>
+            </p:cNvPr>
+            <p:cNvSpPr/>
+            <p:nvPr/>
+          </p:nvSpPr>
+          <p:spPr>
+            <a:xfrm rot="10800000">
+              <a:off x="7901023" y="646268"/>
+              <a:ext cx="367933" cy="720000"/>
+            </a:xfrm>
+            <a:custGeom>
+              <a:avLst/>
+              <a:gdLst>
+                <a:gd name="connsiteX0" fmla="*/ 360000 w 367933"/>
+                <a:gd name="connsiteY0" fmla="*/ 0 h 720000"/>
+                <a:gd name="connsiteX1" fmla="*/ 367933 w 367933"/>
+                <a:gd name="connsiteY1" fmla="*/ 800 h 720000"/>
+                <a:gd name="connsiteX2" fmla="*/ 367933 w 367933"/>
+                <a:gd name="connsiteY2" fmla="*/ 719200 h 720000"/>
+                <a:gd name="connsiteX3" fmla="*/ 360000 w 367933"/>
+                <a:gd name="connsiteY3" fmla="*/ 720000 h 720000"/>
+                <a:gd name="connsiteX4" fmla="*/ 0 w 367933"/>
+                <a:gd name="connsiteY4" fmla="*/ 360000 h 720000"/>
+                <a:gd name="connsiteX5" fmla="*/ 360000 w 367933"/>
+                <a:gd name="connsiteY5" fmla="*/ 0 h 720000"/>
+              </a:gdLst>
+              <a:ahLst/>
+              <a:cxnLst>
+                <a:cxn ang="0">
+                  <a:pos x="connsiteX0" y="connsiteY0"/>
+                </a:cxn>
+                <a:cxn ang="0">
+                  <a:pos x="connsiteX1" y="connsiteY1"/>
+                </a:cxn>
+                <a:cxn ang="0">
+                  <a:pos x="connsiteX2" y="connsiteY2"/>
+                </a:cxn>
+                <a:cxn ang="0">
+                  <a:pos x="connsiteX3" y="connsiteY3"/>
+                </a:cxn>
+                <a:cxn ang="0">
+                  <a:pos x="connsiteX4" y="connsiteY4"/>
+                </a:cxn>
+                <a:cxn ang="0">
+                  <a:pos x="connsiteX5" y="connsiteY5"/>
+                </a:cxn>
+              </a:cxnLst>
+              <a:rect l="l" t="t" r="r" b="b"/>
+              <a:pathLst>
+                <a:path w="367933" h="720000">
+                  <a:moveTo>
+                    <a:pt x="360000" y="0"/>
+                  </a:moveTo>
+                  <a:lnTo>
+                    <a:pt x="367933" y="800"/>
+                  </a:lnTo>
+                  <a:lnTo>
+                    <a:pt x="367933" y="719200"/>
+                  </a:lnTo>
+                  <a:lnTo>
+                    <a:pt x="360000" y="720000"/>
+                  </a:lnTo>
+                  <a:cubicBezTo>
+                    <a:pt x="161177" y="720000"/>
+                    <a:pt x="0" y="558823"/>
+                    <a:pt x="0" y="360000"/>
+                  </a:cubicBezTo>
+                  <a:cubicBezTo>
+                    <a:pt x="0" y="161177"/>
+                    <a:pt x="161177" y="0"/>
+                    <a:pt x="360000" y="0"/>
+                  </a:cubicBezTo>
+                  <a:close/>
+                </a:path>
+              </a:pathLst>
+            </a:custGeom>
+            <a:gradFill flip="none" rotWithShape="1">
+              <a:gsLst>
+                <a:gs pos="100000">
+                  <a:schemeClr val="bg1">
+                    <a:alpha val="40000"/>
+                  </a:schemeClr>
+                </a:gs>
+                <a:gs pos="0">
+                  <a:schemeClr val="bg1">
+                    <a:alpha val="80000"/>
+                  </a:schemeClr>
+                </a:gs>
+              </a:gsLst>
+              <a:path path="circle">
+                <a:fillToRect r="100000" b="100000"/>
+              </a:path>
+              <a:tileRect l="-100000" t="-100000"/>
+            </a:gradFill>
+            <a:ln>
+              <a:noFill/>
+            </a:ln>
+          </p:spPr>
+          <p:style>
+            <a:lnRef idx="2">
+              <a:schemeClr val="accent1">
+                <a:shade val="50000"/>
+              </a:schemeClr>
+            </a:lnRef>
+            <a:fillRef idx="1">
+              <a:schemeClr val="accent1"/>
+            </a:fillRef>
+            <a:effectRef idx="0">
+              <a:schemeClr val="accent1"/>
+            </a:effectRef>
+            <a:fontRef idx="minor">
+              <a:schemeClr val="lt1"/>
+            </a:fontRef>
+          </p:style>
+          <p:txBody>
+            <a:bodyPr wrap="square" rtlCol="0" anchor="ctr">
+              <a:noAutofit/>
+            </a:bodyPr>
+            <a:lstStyle/>
+            <a:p>
+              <a:pPr algn="ctr"/>
+              <a:endParaRPr lang="zh-CN" altLang="en-US"/>
+            </a:p>
+          </p:txBody>
+        </p:sp>
+        <p:sp>
+          <p:nvSpPr>
+            <p:cNvPr id="32" name="任意多边形: 形状 31">
+              <a:extLst>
+                <a:ext uri="{FF2B5EF4-FFF2-40B4-BE49-F238E27FC236}">
+                  <a16:creationId xmlns:a16="http://schemas.microsoft.com/office/drawing/2014/main" id="{B4496374-E255-43C4-A5D5-46A86DD3A704}"/>
+                </a:ext>
+              </a:extLst>
+            </p:cNvPr>
+            <p:cNvSpPr/>
+            <p:nvPr/>
+          </p:nvSpPr>
+          <p:spPr>
+            <a:xfrm rot="16200000">
+              <a:off x="7724990" y="822301"/>
+              <a:ext cx="367933" cy="720000"/>
+            </a:xfrm>
+            <a:custGeom>
+              <a:avLst/>
+              <a:gdLst>
+                <a:gd name="connsiteX0" fmla="*/ 360000 w 367933"/>
+                <a:gd name="connsiteY0" fmla="*/ 0 h 720000"/>
+                <a:gd name="connsiteX1" fmla="*/ 367933 w 367933"/>
+                <a:gd name="connsiteY1" fmla="*/ 800 h 720000"/>
+                <a:gd name="connsiteX2" fmla="*/ 367933 w 367933"/>
+                <a:gd name="connsiteY2" fmla="*/ 719200 h 720000"/>
+                <a:gd name="connsiteX3" fmla="*/ 360000 w 367933"/>
+                <a:gd name="connsiteY3" fmla="*/ 720000 h 720000"/>
+                <a:gd name="connsiteX4" fmla="*/ 0 w 367933"/>
+                <a:gd name="connsiteY4" fmla="*/ 360000 h 720000"/>
+                <a:gd name="connsiteX5" fmla="*/ 360000 w 367933"/>
+                <a:gd name="connsiteY5" fmla="*/ 0 h 720000"/>
+              </a:gdLst>
+              <a:ahLst/>
+              <a:cxnLst>
+                <a:cxn ang="0">
+                  <a:pos x="connsiteX0" y="connsiteY0"/>
+                </a:cxn>
+                <a:cxn ang="0">
+                  <a:pos x="connsiteX1" y="connsiteY1"/>
+                </a:cxn>
+                <a:cxn ang="0">
+                  <a:pos x="connsiteX2" y="connsiteY2"/>
+                </a:cxn>
+                <a:cxn ang="0">
+                  <a:pos x="connsiteX3" y="connsiteY3"/>
+                </a:cxn>
+                <a:cxn ang="0">
+                  <a:pos x="connsiteX4" y="connsiteY4"/>
+                </a:cxn>
+                <a:cxn ang="0">
+                  <a:pos x="connsiteX5" y="connsiteY5"/>
+                </a:cxn>
+              </a:cxnLst>
+              <a:rect l="l" t="t" r="r" b="b"/>
+              <a:pathLst>
+                <a:path w="367933" h="720000">
+                  <a:moveTo>
+                    <a:pt x="360000" y="0"/>
+                  </a:moveTo>
+                  <a:lnTo>
+                    <a:pt x="367933" y="800"/>
+                  </a:lnTo>
+                  <a:lnTo>
+                    <a:pt x="367933" y="719200"/>
+                  </a:lnTo>
+                  <a:lnTo>
+                    <a:pt x="360000" y="720000"/>
+                  </a:lnTo>
+                  <a:cubicBezTo>
+                    <a:pt x="161177" y="720000"/>
+                    <a:pt x="0" y="558823"/>
+                    <a:pt x="0" y="360000"/>
+                  </a:cubicBezTo>
+                  <a:cubicBezTo>
+                    <a:pt x="0" y="161177"/>
+                    <a:pt x="161177" y="0"/>
+                    <a:pt x="360000" y="0"/>
+                  </a:cubicBezTo>
+                  <a:close/>
+                </a:path>
+              </a:pathLst>
+            </a:custGeom>
+            <a:gradFill flip="none" rotWithShape="1">
+              <a:gsLst>
+                <a:gs pos="100000">
+                  <a:schemeClr val="bg1">
+                    <a:alpha val="40000"/>
+                  </a:schemeClr>
+                </a:gs>
+                <a:gs pos="0">
+                  <a:schemeClr val="bg1">
+                    <a:alpha val="80000"/>
+                  </a:schemeClr>
+                </a:gs>
+              </a:gsLst>
+              <a:path path="circle">
+                <a:fillToRect l="50000" t="50000" r="50000" b="50000"/>
+              </a:path>
+              <a:tileRect/>
+            </a:gradFill>
+            <a:ln>
+              <a:noFill/>
+            </a:ln>
+          </p:spPr>
+          <p:style>
+            <a:lnRef idx="2">
+              <a:schemeClr val="accent1">
+                <a:shade val="50000"/>
+              </a:schemeClr>
+            </a:lnRef>
+            <a:fillRef idx="1">
+              <a:schemeClr val="accent1"/>
+            </a:fillRef>
+            <a:effectRef idx="0">
+              <a:schemeClr val="accent1"/>
+            </a:effectRef>
+            <a:fontRef idx="minor">
+              <a:schemeClr val="lt1"/>
+            </a:fontRef>
+          </p:style>
+          <p:txBody>
+            <a:bodyPr wrap="square" rtlCol="0" anchor="ctr">
+              <a:noAutofit/>
+            </a:bodyPr>
+            <a:lstStyle/>
+            <a:p>
+              <a:pPr algn="ctr"/>
+              <a:endParaRPr lang="zh-CN" altLang="en-US"/>
+            </a:p>
+          </p:txBody>
+        </p:sp>
+      </p:grpSp>
+      <p:sp>
+        <p:nvSpPr>
+          <p:cNvPr id="23" name="矩形: 圆角 22">
+            <a:extLst>
+              <a:ext uri="{FF2B5EF4-FFF2-40B4-BE49-F238E27FC236}">
+                <a16:creationId xmlns:a16="http://schemas.microsoft.com/office/drawing/2014/main" id="{4E5ECD87-B485-4E6F-9956-145F41562FF7}"/>
+              </a:ext>
+            </a:extLst>
+          </p:cNvPr>
+          <p:cNvSpPr/>
+          <p:nvPr/>
+        </p:nvSpPr>
+        <p:spPr>
+          <a:xfrm>
+            <a:off x="1628259" y="1059238"/>
+            <a:ext cx="773516" cy="234000"/>
+          </a:xfrm>
+          <a:prstGeom prst="roundRect">
+            <a:avLst>
+              <a:gd name="adj" fmla="val 50000"/>
+            </a:avLst>
+          </a:prstGeom>
+          <a:solidFill>
+            <a:srgbClr val="5FE5DD"/>
+          </a:solidFill>
+          <a:ln w="19050">
+            <a:noFill/>
+          </a:ln>
+        </p:spPr>
+        <p:style>
+          <a:lnRef idx="2">
+            <a:schemeClr val="accent1">
+              <a:shade val="50000"/>
+            </a:schemeClr>
+          </a:lnRef>
+          <a:fillRef idx="1">
+            <a:schemeClr val="accent1"/>
+          </a:fillRef>
+          <a:effectRef idx="0">
+            <a:schemeClr val="accent1"/>
+          </a:effectRef>
+          <a:fontRef idx="minor">
+            <a:schemeClr val="lt1"/>
+          </a:fontRef>
+        </p:style>
+        <p:txBody>
+          <a:bodyPr rtlCol="0" anchor="ctr"/>
+          <a:lstStyle/>
+          <a:p>
+            <a:pPr algn="ctr"/>
+            <a:endParaRPr lang="zh-CN" altLang="en-US"/>
+          </a:p>
+        </p:txBody>
+      </p:sp>
+      <p:sp>
+        <p:nvSpPr>
+          <p:cNvPr id="25" name="矩形: 圆角 24">
+            <a:extLst>
+              <a:ext uri="{FF2B5EF4-FFF2-40B4-BE49-F238E27FC236}">
+                <a16:creationId xmlns:a16="http://schemas.microsoft.com/office/drawing/2014/main" id="{14C15968-0222-4370-9FB0-50285D7C1158}"/>
+              </a:ext>
+            </a:extLst>
+          </p:cNvPr>
+          <p:cNvSpPr/>
+          <p:nvPr/>
+        </p:nvSpPr>
+        <p:spPr>
+          <a:xfrm>
+            <a:off x="1628258" y="1293238"/>
+            <a:ext cx="773516" cy="234000"/>
+          </a:xfrm>
+          <a:prstGeom prst="roundRect">
+            <a:avLst>
+              <a:gd name="adj" fmla="val 50000"/>
+            </a:avLst>
+          </a:prstGeom>
+          <a:solidFill>
+            <a:srgbClr val="9BEFE9"/>
+          </a:solidFill>
+          <a:ln w="19050">
+            <a:noFill/>
+          </a:ln>
+        </p:spPr>
+        <p:style>
+          <a:lnRef idx="2">
+            <a:schemeClr val="accent1">
+              <a:shade val="50000"/>
+            </a:schemeClr>
+          </a:lnRef>
+          <a:fillRef idx="1">
+            <a:schemeClr val="accent1"/>
+          </a:fillRef>
+          <a:effectRef idx="0">
+            <a:schemeClr val="accent1"/>
+          </a:effectRef>
+          <a:fontRef idx="minor">
+            <a:schemeClr val="lt1"/>
+          </a:fontRef>
+        </p:style>
+        <p:txBody>
+          <a:bodyPr rtlCol="0" anchor="ctr"/>
+          <a:lstStyle/>
+          <a:p>
+            <a:pPr algn="ctr"/>
+            <a:endParaRPr lang="zh-CN" altLang="en-US"/>
+          </a:p>
+        </p:txBody>
+      </p:sp>
+      <p:grpSp>
+        <p:nvGrpSpPr>
+          <p:cNvPr id="14" name="组合 13">
+            <a:extLst>
+              <a:ext uri="{FF2B5EF4-FFF2-40B4-BE49-F238E27FC236}">
+                <a16:creationId xmlns:a16="http://schemas.microsoft.com/office/drawing/2014/main" id="{91F2EFE0-CB2D-43B4-811B-7B46F86B0597}"/>
+              </a:ext>
+            </a:extLst>
+          </p:cNvPr>
+          <p:cNvGrpSpPr>
+            <a:grpSpLocks noChangeAspect="1"/>
+          </p:cNvGrpSpPr>
+          <p:nvPr/>
+        </p:nvGrpSpPr>
+        <p:grpSpPr>
+          <a:xfrm>
+            <a:off x="2940167" y="1059238"/>
+            <a:ext cx="144829" cy="288000"/>
+            <a:chOff x="2940166" y="1059238"/>
+            <a:chExt cx="235347" cy="468000"/>
+          </a:xfrm>
+        </p:grpSpPr>
+        <p:sp>
+          <p:nvSpPr>
+            <p:cNvPr id="34" name="矩形: 圆角 33">
+              <a:extLst>
+                <a:ext uri="{FF2B5EF4-FFF2-40B4-BE49-F238E27FC236}">
+                  <a16:creationId xmlns:a16="http://schemas.microsoft.com/office/drawing/2014/main" id="{5FB19D58-3CBD-4E87-9EFC-D3C99C72F321}"/>
+                </a:ext>
+              </a:extLst>
+            </p:cNvPr>
+            <p:cNvSpPr/>
+            <p:nvPr/>
+          </p:nvSpPr>
+          <p:spPr>
+            <a:xfrm>
+              <a:off x="2940166" y="1059238"/>
+              <a:ext cx="235347" cy="234000"/>
+            </a:xfrm>
+            <a:prstGeom prst="roundRect">
+              <a:avLst>
+                <a:gd name="adj" fmla="val 50000"/>
+              </a:avLst>
+            </a:prstGeom>
+            <a:solidFill>
+              <a:schemeClr val="bg1">
+                <a:lumMod val="85000"/>
+              </a:schemeClr>
+            </a:solidFill>
+            <a:ln w="19050">
+              <a:noFill/>
+            </a:ln>
+          </p:spPr>
+          <p:style>
+            <a:lnRef idx="2">
+              <a:schemeClr val="accent1">
+                <a:shade val="50000"/>
+              </a:schemeClr>
+            </a:lnRef>
+            <a:fillRef idx="1">
+              <a:schemeClr val="accent1"/>
+            </a:fillRef>
+            <a:effectRef idx="0">
+              <a:schemeClr val="accent1"/>
+            </a:effectRef>
+            <a:fontRef idx="minor">
+              <a:schemeClr val="lt1"/>
+            </a:fontRef>
+          </p:style>
+          <p:txBody>
+            <a:bodyPr rtlCol="0" anchor="ctr"/>
+            <a:lstStyle/>
+            <a:p>
+              <a:pPr algn="ctr"/>
+              <a:endParaRPr lang="zh-CN" altLang="en-US"/>
+            </a:p>
+          </p:txBody>
+        </p:sp>
+        <p:sp>
+          <p:nvSpPr>
+            <p:cNvPr id="36" name="矩形: 圆角 35">
+              <a:extLst>
+                <a:ext uri="{FF2B5EF4-FFF2-40B4-BE49-F238E27FC236}">
+                  <a16:creationId xmlns:a16="http://schemas.microsoft.com/office/drawing/2014/main" id="{39F9C29F-EA4C-405C-B200-F20D3FFA1080}"/>
+                </a:ext>
+              </a:extLst>
+            </p:cNvPr>
+            <p:cNvSpPr/>
+            <p:nvPr/>
+          </p:nvSpPr>
+          <p:spPr>
+            <a:xfrm>
+              <a:off x="2940166" y="1293238"/>
+              <a:ext cx="235347" cy="234000"/>
+            </a:xfrm>
+            <a:prstGeom prst="roundRect">
+              <a:avLst>
+                <a:gd name="adj" fmla="val 50000"/>
+              </a:avLst>
+            </a:prstGeom>
+            <a:solidFill>
+              <a:srgbClr val="5FE5DD"/>
+            </a:solidFill>
+            <a:ln w="19050">
+              <a:noFill/>
+            </a:ln>
+          </p:spPr>
+          <p:style>
+            <a:lnRef idx="2">
+              <a:schemeClr val="accent1">
+                <a:shade val="50000"/>
+              </a:schemeClr>
+            </a:lnRef>
+            <a:fillRef idx="1">
+              <a:schemeClr val="accent1"/>
+            </a:fillRef>
+            <a:effectRef idx="0">
+              <a:schemeClr val="accent1"/>
+            </a:effectRef>
+            <a:fontRef idx="minor">
+              <a:schemeClr val="lt1"/>
+            </a:fontRef>
+          </p:style>
+          <p:txBody>
+            <a:bodyPr rtlCol="0" anchor="ctr"/>
+            <a:lstStyle/>
+            <a:p>
+              <a:pPr algn="ctr"/>
+              <a:endParaRPr lang="zh-CN" altLang="en-US"/>
+            </a:p>
+          </p:txBody>
+        </p:sp>
+        <p:grpSp>
+          <p:nvGrpSpPr>
+            <p:cNvPr id="12" name="组合 11">
+              <a:extLst>
+                <a:ext uri="{FF2B5EF4-FFF2-40B4-BE49-F238E27FC236}">
+                  <a16:creationId xmlns:a16="http://schemas.microsoft.com/office/drawing/2014/main" id="{BA0D470B-BA98-400C-A5C1-08D13F4AE905}"/>
+                </a:ext>
+              </a:extLst>
+            </p:cNvPr>
+            <p:cNvGrpSpPr/>
+            <p:nvPr/>
+          </p:nvGrpSpPr>
+          <p:grpSpPr>
+            <a:xfrm>
+              <a:off x="2999003" y="1345039"/>
+              <a:ext cx="117673" cy="130397"/>
+              <a:chOff x="4202723" y="1556238"/>
+              <a:chExt cx="218196" cy="241790"/>
+            </a:xfrm>
+          </p:grpSpPr>
+          <p:cxnSp>
+            <p:nvCxnSpPr>
+              <p:cNvPr id="6" name="直接连接符 5">
+                <a:extLst>
+                  <a:ext uri="{FF2B5EF4-FFF2-40B4-BE49-F238E27FC236}">
+                    <a16:creationId xmlns:a16="http://schemas.microsoft.com/office/drawing/2014/main" id="{6AEB06DA-3BD0-4139-A5B0-C6A8E7573D50}"/>
+                  </a:ext>
+                </a:extLst>
+              </p:cNvPr>
+              <p:cNvCxnSpPr/>
+              <p:nvPr/>
+            </p:nvCxnSpPr>
+            <p:spPr>
+              <a:xfrm>
+                <a:off x="4202723" y="1710082"/>
+                <a:ext cx="76344" cy="87945"/>
+              </a:xfrm>
+              <a:prstGeom prst="line">
+                <a:avLst/>
+              </a:prstGeom>
+              <a:ln w="19050" cap="rnd">
+                <a:solidFill>
+                  <a:schemeClr val="bg1"/>
+                </a:solidFill>
+                <a:round/>
+              </a:ln>
+            </p:spPr>
+            <p:style>
+              <a:lnRef idx="1">
+                <a:schemeClr val="accent1"/>
+              </a:lnRef>
+              <a:fillRef idx="0">
+                <a:schemeClr val="accent1"/>
+              </a:fillRef>
+              <a:effectRef idx="0">
+                <a:schemeClr val="accent1"/>
+              </a:effectRef>
+              <a:fontRef idx="minor">
+                <a:schemeClr val="tx1"/>
+              </a:fontRef>
+            </p:style>
+          </p:cxnSp>
+          <p:cxnSp>
+            <p:nvCxnSpPr>
+              <p:cNvPr id="38" name="直接连接符 37">
+                <a:extLst>
+                  <a:ext uri="{FF2B5EF4-FFF2-40B4-BE49-F238E27FC236}">
+                    <a16:creationId xmlns:a16="http://schemas.microsoft.com/office/drawing/2014/main" id="{367AE5CA-1610-467F-B6EB-79A306146CC1}"/>
+                  </a:ext>
+                </a:extLst>
+              </p:cNvPr>
+              <p:cNvCxnSpPr>
+                <a:cxnSpLocks/>
+              </p:cNvCxnSpPr>
+              <p:nvPr/>
+            </p:nvCxnSpPr>
+            <p:spPr>
+              <a:xfrm flipV="1">
+                <a:off x="4279067" y="1556238"/>
+                <a:ext cx="141852" cy="241790"/>
+              </a:xfrm>
+              <a:prstGeom prst="line">
+                <a:avLst/>
+              </a:prstGeom>
+              <a:ln w="19050" cap="rnd">
+                <a:solidFill>
+                  <a:schemeClr val="bg1"/>
+                </a:solidFill>
+                <a:round/>
+              </a:ln>
+            </p:spPr>
+            <p:style>
+              <a:lnRef idx="1">
+                <a:schemeClr val="accent1"/>
+              </a:lnRef>
+              <a:fillRef idx="0">
+                <a:schemeClr val="accent1"/>
+              </a:fillRef>
+              <a:effectRef idx="0">
+                <a:schemeClr val="accent1"/>
+              </a:effectRef>
+              <a:fontRef idx="minor">
+                <a:schemeClr val="tx1"/>
+              </a:fontRef>
+            </p:style>
+          </p:cxnSp>
+        </p:grpSp>
+      </p:grpSp>
+      <p:sp>
+        <p:nvSpPr>
+          <p:cNvPr id="13" name="矩形: 圆角 12">
+            <a:extLst>
+              <a:ext uri="{FF2B5EF4-FFF2-40B4-BE49-F238E27FC236}">
+                <a16:creationId xmlns:a16="http://schemas.microsoft.com/office/drawing/2014/main" id="{723AD7F3-70FD-416D-B4B7-89DEB39F73AC}"/>
+              </a:ext>
+            </a:extLst>
+          </p:cNvPr>
+          <p:cNvSpPr/>
+          <p:nvPr/>
+        </p:nvSpPr>
+        <p:spPr>
+          <a:xfrm>
+            <a:off x="1628258" y="1756399"/>
+            <a:ext cx="2029341" cy="234000"/>
+          </a:xfrm>
+          <a:prstGeom prst="roundRect">
+            <a:avLst>
+              <a:gd name="adj" fmla="val 50000"/>
+            </a:avLst>
+          </a:prstGeom>
+          <a:solidFill>
+            <a:srgbClr val="C0F9F5">
+              <a:alpha val="40000"/>
+            </a:srgbClr>
+          </a:solidFill>
+          <a:ln w="19050">
+            <a:noFill/>
+          </a:ln>
+        </p:spPr>
+        <p:style>
+          <a:lnRef idx="2">
+            <a:schemeClr val="accent1">
+              <a:shade val="50000"/>
+            </a:schemeClr>
+          </a:lnRef>
+          <a:fillRef idx="1">
+            <a:schemeClr val="accent1"/>
+          </a:fillRef>
+          <a:effectRef idx="0">
+            <a:schemeClr val="accent1"/>
+          </a:effectRef>
+          <a:fontRef idx="minor">
+            <a:schemeClr val="lt1"/>
+          </a:fontRef>
+        </p:style>
+        <p:txBody>
+          <a:bodyPr rtlCol="0" anchor="ctr"/>
+          <a:lstStyle/>
+          <a:p>
+            <a:pPr algn="ctr"/>
+            <a:endParaRPr lang="zh-CN" altLang="en-US"/>
+          </a:p>
+        </p:txBody>
+      </p:sp>
+      <p:sp>
+        <p:nvSpPr>
+          <p:cNvPr id="15" name="矩形: 圆角 14">
+            <a:extLst>
+              <a:ext uri="{FF2B5EF4-FFF2-40B4-BE49-F238E27FC236}">
+                <a16:creationId xmlns:a16="http://schemas.microsoft.com/office/drawing/2014/main" id="{36AF7EA4-0B84-4B08-97AE-71CAD8CF6D55}"/>
+              </a:ext>
+            </a:extLst>
+          </p:cNvPr>
+          <p:cNvSpPr/>
+          <p:nvPr/>
+        </p:nvSpPr>
+        <p:spPr>
+          <a:xfrm>
+            <a:off x="1628257" y="1990399"/>
+            <a:ext cx="2029341" cy="234000"/>
+          </a:xfrm>
+          <a:prstGeom prst="roundRect">
+            <a:avLst>
+              <a:gd name="adj" fmla="val 50000"/>
+            </a:avLst>
+          </a:prstGeom>
+          <a:solidFill>
+            <a:srgbClr val="9BEFE9"/>
+          </a:solidFill>
+          <a:ln w="19050">
+            <a:noFill/>
+          </a:ln>
+        </p:spPr>
+        <p:style>
+          <a:lnRef idx="2">
+            <a:schemeClr val="accent1">
+              <a:shade val="50000"/>
+            </a:schemeClr>
+          </a:lnRef>
+          <a:fillRef idx="1">
+            <a:schemeClr val="accent1"/>
+          </a:fillRef>
+          <a:effectRef idx="0">
+            <a:schemeClr val="accent1"/>
+          </a:effectRef>
+          <a:fontRef idx="minor">
+            <a:schemeClr val="lt1"/>
+          </a:fontRef>
+        </p:style>
+        <p:txBody>
+          <a:bodyPr rtlCol="0" anchor="ctr"/>
+          <a:lstStyle/>
+          <a:p>
+            <a:pPr algn="ctr"/>
+            <a:endParaRPr lang="zh-CN" altLang="en-US"/>
+          </a:p>
+        </p:txBody>
+      </p:sp>
+      <p:grpSp>
+        <p:nvGrpSpPr>
+          <p:cNvPr id="16" name="组合 15">
+            <a:extLst>
+              <a:ext uri="{FF2B5EF4-FFF2-40B4-BE49-F238E27FC236}">
+                <a16:creationId xmlns:a16="http://schemas.microsoft.com/office/drawing/2014/main" id="{E3DF496C-9A68-4F5A-8BDC-08494990DE21}"/>
+              </a:ext>
+            </a:extLst>
+          </p:cNvPr>
+          <p:cNvGrpSpPr/>
+          <p:nvPr/>
+        </p:nvGrpSpPr>
+        <p:grpSpPr>
+          <a:xfrm>
+            <a:off x="5531477" y="613312"/>
+            <a:ext cx="720000" cy="720000"/>
+            <a:chOff x="6071477" y="391055"/>
+            <a:chExt cx="720000" cy="720000"/>
+          </a:xfrm>
+        </p:grpSpPr>
+        <p:sp>
+          <p:nvSpPr>
+            <p:cNvPr id="17" name="椭圆 16">
+              <a:extLst>
+                <a:ext uri="{FF2B5EF4-FFF2-40B4-BE49-F238E27FC236}">
+                  <a16:creationId xmlns:a16="http://schemas.microsoft.com/office/drawing/2014/main" id="{86982436-EB77-4814-9DF7-2DCF4C7600BE}"/>
+                </a:ext>
+              </a:extLst>
+            </p:cNvPr>
+            <p:cNvSpPr/>
+            <p:nvPr/>
+          </p:nvSpPr>
+          <p:spPr>
+            <a:xfrm>
+              <a:off x="6071477" y="391055"/>
+              <a:ext cx="720000" cy="720000"/>
+            </a:xfrm>
+            <a:prstGeom prst="ellipse">
+              <a:avLst/>
+            </a:prstGeom>
+            <a:gradFill>
+              <a:gsLst>
+                <a:gs pos="0">
+                  <a:srgbClr val="5FE5DD"/>
+                </a:gs>
+                <a:gs pos="100000">
+                  <a:srgbClr val="22D0C4"/>
+                </a:gs>
+              </a:gsLst>
+              <a:path path="circle">
+                <a:fillToRect r="100000" b="100000"/>
+              </a:path>
+            </a:gradFill>
+            <a:ln>
+              <a:noFill/>
+            </a:ln>
+            <a:effectLst/>
+          </p:spPr>
+          <p:style>
+            <a:lnRef idx="2">
+              <a:schemeClr val="accent1">
+                <a:shade val="50000"/>
+              </a:schemeClr>
+            </a:lnRef>
+            <a:fillRef idx="1">
+              <a:schemeClr val="accent1"/>
+            </a:fillRef>
+            <a:effectRef idx="0">
+              <a:schemeClr val="accent1"/>
+            </a:effectRef>
+            <a:fontRef idx="minor">
+              <a:schemeClr val="lt1"/>
+            </a:fontRef>
+          </p:style>
+          <p:txBody>
+            <a:bodyPr rtlCol="0" anchor="ctr"/>
+            <a:lstStyle/>
+            <a:p>
+              <a:pPr algn="ctr"/>
+              <a:endParaRPr lang="zh-CN" altLang="en-US"/>
+            </a:p>
+          </p:txBody>
+        </p:sp>
+        <p:grpSp>
+          <p:nvGrpSpPr>
+            <p:cNvPr id="18" name="组合 17">
+              <a:extLst>
+                <a:ext uri="{FF2B5EF4-FFF2-40B4-BE49-F238E27FC236}">
+                  <a16:creationId xmlns:a16="http://schemas.microsoft.com/office/drawing/2014/main" id="{3A83D688-A7AE-4D9D-9C83-C3CA5629FFE9}"/>
+                </a:ext>
+              </a:extLst>
+            </p:cNvPr>
+            <p:cNvGrpSpPr/>
+            <p:nvPr/>
+          </p:nvGrpSpPr>
+          <p:grpSpPr>
+            <a:xfrm>
+              <a:off x="6212664" y="468495"/>
+              <a:ext cx="432876" cy="418685"/>
+              <a:chOff x="4344687" y="1948502"/>
+              <a:chExt cx="966838" cy="935999"/>
+            </a:xfrm>
+          </p:grpSpPr>
+          <p:sp>
+            <p:nvSpPr>
+              <p:cNvPr id="21" name="等腰三角形 20">
+                <a:extLst>
+                  <a:ext uri="{FF2B5EF4-FFF2-40B4-BE49-F238E27FC236}">
+                    <a16:creationId xmlns:a16="http://schemas.microsoft.com/office/drawing/2014/main" id="{B04A078C-A9BB-4BC7-8C6E-E5DB872BDE24}"/>
+                  </a:ext>
+                </a:extLst>
+              </p:cNvPr>
+              <p:cNvSpPr/>
+              <p:nvPr/>
+            </p:nvSpPr>
+            <p:spPr>
+              <a:xfrm>
+                <a:off x="4344687" y="1948502"/>
+                <a:ext cx="794132" cy="935999"/>
+              </a:xfrm>
+              <a:prstGeom prst="triangle">
+                <a:avLst/>
+              </a:prstGeom>
+              <a:solidFill>
+                <a:schemeClr val="bg1"/>
+              </a:solidFill>
+              <a:ln>
+                <a:noFill/>
+              </a:ln>
+              <a:effectLst/>
+            </p:spPr>
+            <p:style>
+              <a:lnRef idx="2">
+                <a:schemeClr val="accent1">
+                  <a:shade val="50000"/>
+                </a:schemeClr>
+              </a:lnRef>
+              <a:fillRef idx="1">
+                <a:schemeClr val="accent1"/>
+              </a:fillRef>
+              <a:effectRef idx="0">
+                <a:schemeClr val="accent1"/>
+              </a:effectRef>
+              <a:fontRef idx="minor">
+                <a:schemeClr val="lt1"/>
+              </a:fontRef>
+            </p:style>
+            <p:txBody>
+              <a:bodyPr rtlCol="0" anchor="ctr"/>
+              <a:lstStyle/>
+              <a:p>
+                <a:pPr algn="ctr"/>
+                <a:endParaRPr lang="zh-CN" altLang="en-US"/>
+              </a:p>
+            </p:txBody>
+          </p:sp>
+          <p:sp>
+            <p:nvSpPr>
+              <p:cNvPr id="22" name="等腰三角形 21">
+                <a:extLst>
+                  <a:ext uri="{FF2B5EF4-FFF2-40B4-BE49-F238E27FC236}">
+                    <a16:creationId xmlns:a16="http://schemas.microsoft.com/office/drawing/2014/main" id="{4CA4CB68-1D79-4042-A3B6-7DCCC41401AC}"/>
+                  </a:ext>
+                </a:extLst>
+              </p:cNvPr>
+              <p:cNvSpPr/>
+              <p:nvPr/>
+            </p:nvSpPr>
+            <p:spPr>
+              <a:xfrm>
+                <a:off x="4712557" y="2269353"/>
+                <a:ext cx="598968" cy="608640"/>
+              </a:xfrm>
+              <a:prstGeom prst="triangle">
+                <a:avLst/>
+              </a:prstGeom>
+              <a:solidFill>
+                <a:schemeClr val="bg1">
+                  <a:alpha val="80000"/>
+                </a:schemeClr>
+              </a:solidFill>
+              <a:ln>
+                <a:noFill/>
+              </a:ln>
+              <a:effectLst/>
+            </p:spPr>
+            <p:style>
+              <a:lnRef idx="2">
+                <a:schemeClr val="accent1">
+                  <a:shade val="50000"/>
+                </a:schemeClr>
+              </a:lnRef>
+              <a:fillRef idx="1">
+                <a:schemeClr val="accent1"/>
+              </a:fillRef>
+              <a:effectRef idx="0">
+                <a:schemeClr val="accent1"/>
+              </a:effectRef>
+              <a:fontRef idx="minor">
+                <a:schemeClr val="lt1"/>
+              </a:fontRef>
+            </p:style>
+            <p:txBody>
+              <a:bodyPr rtlCol="0" anchor="ctr"/>
+              <a:lstStyle/>
+              <a:p>
+                <a:pPr algn="ctr"/>
+                <a:endParaRPr lang="zh-CN" altLang="en-US"/>
+              </a:p>
+            </p:txBody>
+          </p:sp>
+        </p:grpSp>
+        <p:sp>
+          <p:nvSpPr>
+            <p:cNvPr id="19" name="任意多边形: 形状 18">
+              <a:extLst>
+                <a:ext uri="{FF2B5EF4-FFF2-40B4-BE49-F238E27FC236}">
+                  <a16:creationId xmlns:a16="http://schemas.microsoft.com/office/drawing/2014/main" id="{AFDA9BFC-11BB-4573-A6A7-4D417BA1AE4B}"/>
+                </a:ext>
+              </a:extLst>
+            </p:cNvPr>
+            <p:cNvSpPr/>
+            <p:nvPr/>
+          </p:nvSpPr>
+          <p:spPr>
+            <a:xfrm>
+              <a:off x="6099637" y="884272"/>
+              <a:ext cx="666210" cy="226783"/>
+            </a:xfrm>
+            <a:custGeom>
+              <a:avLst/>
+              <a:gdLst>
+                <a:gd name="connsiteX0" fmla="*/ 0 w 666210"/>
+                <a:gd name="connsiteY0" fmla="*/ 0 h 226783"/>
+                <a:gd name="connsiteX1" fmla="*/ 666210 w 666210"/>
+                <a:gd name="connsiteY1" fmla="*/ 0 h 226783"/>
+                <a:gd name="connsiteX2" fmla="*/ 664815 w 666210"/>
+                <a:gd name="connsiteY2" fmla="*/ 6911 h 226783"/>
+                <a:gd name="connsiteX3" fmla="*/ 333105 w 666210"/>
+                <a:gd name="connsiteY3" fmla="*/ 226783 h 226783"/>
+                <a:gd name="connsiteX4" fmla="*/ 1396 w 666210"/>
+                <a:gd name="connsiteY4" fmla="*/ 6911 h 226783"/>
+              </a:gdLst>
+              <a:ahLst/>
+              <a:cxnLst>
+                <a:cxn ang="0">
+                  <a:pos x="connsiteX0" y="connsiteY0"/>
+                </a:cxn>
+                <a:cxn ang="0">
+                  <a:pos x="connsiteX1" y="connsiteY1"/>
+                </a:cxn>
+                <a:cxn ang="0">
+                  <a:pos x="connsiteX2" y="connsiteY2"/>
+                </a:cxn>
+                <a:cxn ang="0">
+                  <a:pos x="connsiteX3" y="connsiteY3"/>
+                </a:cxn>
+                <a:cxn ang="0">
+                  <a:pos x="connsiteX4" y="connsiteY4"/>
+                </a:cxn>
+              </a:cxnLst>
+              <a:rect l="l" t="t" r="r" b="b"/>
+              <a:pathLst>
+                <a:path w="666210" h="226783">
+                  <a:moveTo>
+                    <a:pt x="0" y="0"/>
+                  </a:moveTo>
+                  <a:lnTo>
+                    <a:pt x="666210" y="0"/>
+                  </a:lnTo>
+                  <a:lnTo>
+                    <a:pt x="664815" y="6911"/>
+                  </a:lnTo>
+                  <a:cubicBezTo>
+                    <a:pt x="610164" y="136121"/>
+                    <a:pt x="482222" y="226783"/>
+                    <a:pt x="333105" y="226783"/>
+                  </a:cubicBezTo>
+                  <a:cubicBezTo>
+                    <a:pt x="183988" y="226783"/>
+                    <a:pt x="56047" y="136121"/>
+                    <a:pt x="1396" y="6911"/>
+                  </a:cubicBezTo>
+                  <a:close/>
+                </a:path>
+              </a:pathLst>
+            </a:custGeom>
+            <a:solidFill>
+              <a:schemeClr val="bg1">
+                <a:alpha val="50000"/>
+              </a:schemeClr>
+            </a:solidFill>
+            <a:ln>
+              <a:noFill/>
+            </a:ln>
+            <a:effectLst/>
+          </p:spPr>
+          <p:style>
+            <a:lnRef idx="2">
+              <a:schemeClr val="accent1">
+                <a:shade val="50000"/>
+              </a:schemeClr>
+            </a:lnRef>
+            <a:fillRef idx="1">
+              <a:schemeClr val="accent1"/>
+            </a:fillRef>
+            <a:effectRef idx="0">
+              <a:schemeClr val="accent1"/>
+            </a:effectRef>
+            <a:fontRef idx="minor">
+              <a:schemeClr val="lt1"/>
+            </a:fontRef>
+          </p:style>
+          <p:txBody>
+            <a:bodyPr wrap="square" rtlCol="0" anchor="ctr">
+              <a:noAutofit/>
+            </a:bodyPr>
+            <a:lstStyle/>
+            <a:p>
+              <a:pPr algn="ctr"/>
+              <a:endParaRPr lang="zh-CN" altLang="en-US"/>
+            </a:p>
+          </p:txBody>
+        </p:sp>
+        <p:sp>
+          <p:nvSpPr>
+            <p:cNvPr id="20" name="任意多边形: 形状 19">
+              <a:extLst>
+                <a:ext uri="{FF2B5EF4-FFF2-40B4-BE49-F238E27FC236}">
+                  <a16:creationId xmlns:a16="http://schemas.microsoft.com/office/drawing/2014/main" id="{94F007CC-B857-4FD2-8ECA-EBF569898BF4}"/>
+                </a:ext>
+              </a:extLst>
+            </p:cNvPr>
+            <p:cNvSpPr/>
+            <p:nvPr/>
+          </p:nvSpPr>
+          <p:spPr>
+            <a:xfrm>
+              <a:off x="6212663" y="884270"/>
+              <a:ext cx="480296" cy="187301"/>
+            </a:xfrm>
+            <a:custGeom>
+              <a:avLst/>
+              <a:gdLst>
+                <a:gd name="connsiteX0" fmla="*/ 8301 w 468514"/>
+                <a:gd name="connsiteY0" fmla="*/ 0 h 192314"/>
+                <a:gd name="connsiteX1" fmla="*/ 429967 w 468514"/>
+                <a:gd name="connsiteY1" fmla="*/ 0 h 192314"/>
+                <a:gd name="connsiteX2" fmla="*/ 468514 w 468514"/>
+                <a:gd name="connsiteY2" fmla="*/ 119144 h 192314"/>
+                <a:gd name="connsiteX3" fmla="*/ 417717 w 468514"/>
+                <a:gd name="connsiteY3" fmla="*/ 165301 h 192314"/>
+                <a:gd name="connsiteX4" fmla="*/ 361525 w 468514"/>
+                <a:gd name="connsiteY4" fmla="*/ 192314 h 192314"/>
+                <a:gd name="connsiteX5" fmla="*/ 0 w 468514"/>
+                <a:gd name="connsiteY5" fmla="*/ 2686 h 192314"/>
+              </a:gdLst>
+              <a:ahLst/>
+              <a:cxnLst>
+                <a:cxn ang="0">
+                  <a:pos x="connsiteX0" y="connsiteY0"/>
+                </a:cxn>
+                <a:cxn ang="0">
+                  <a:pos x="connsiteX1" y="connsiteY1"/>
+                </a:cxn>
+                <a:cxn ang="0">
+                  <a:pos x="connsiteX2" y="connsiteY2"/>
+                </a:cxn>
+                <a:cxn ang="0">
+                  <a:pos x="connsiteX3" y="connsiteY3"/>
+                </a:cxn>
+                <a:cxn ang="0">
+                  <a:pos x="connsiteX4" y="connsiteY4"/>
+                </a:cxn>
+                <a:cxn ang="0">
+                  <a:pos x="connsiteX5" y="connsiteY5"/>
+                </a:cxn>
+              </a:cxnLst>
+              <a:rect l="l" t="t" r="r" b="b"/>
+              <a:pathLst>
+                <a:path w="468514" h="192314">
+                  <a:moveTo>
+                    <a:pt x="8301" y="0"/>
+                  </a:moveTo>
+                  <a:lnTo>
+                    <a:pt x="429967" y="0"/>
+                  </a:lnTo>
+                  <a:lnTo>
+                    <a:pt x="468514" y="119144"/>
+                  </a:lnTo>
+                  <a:lnTo>
+                    <a:pt x="417717" y="165301"/>
+                  </a:lnTo>
+                  <a:lnTo>
+                    <a:pt x="361525" y="192314"/>
+                  </a:lnTo>
+                  <a:lnTo>
+                    <a:pt x="0" y="2686"/>
+                  </a:lnTo>
+                  <a:close/>
+                </a:path>
+              </a:pathLst>
+            </a:custGeom>
+            <a:solidFill>
+              <a:schemeClr val="bg1">
+                <a:alpha val="50000"/>
+              </a:schemeClr>
+            </a:solidFill>
+            <a:ln>
+              <a:noFill/>
+            </a:ln>
+            <a:effectLst/>
+          </p:spPr>
+          <p:style>
+            <a:lnRef idx="2">
+              <a:schemeClr val="accent1">
+                <a:shade val="50000"/>
+              </a:schemeClr>
+            </a:lnRef>
+            <a:fillRef idx="1">
+              <a:schemeClr val="accent1"/>
+            </a:fillRef>
+            <a:effectRef idx="0">
+              <a:schemeClr val="accent1"/>
+            </a:effectRef>
+            <a:fontRef idx="minor">
+              <a:schemeClr val="lt1"/>
+            </a:fontRef>
+          </p:style>
+          <p:txBody>
+            <a:bodyPr wrap="square" rtlCol="0" anchor="ctr">
+              <a:noAutofit/>
+            </a:bodyPr>
+            <a:lstStyle/>
+            <a:p>
+              <a:pPr algn="ctr"/>
+              <a:endParaRPr lang="zh-CN" altLang="en-US"/>
+            </a:p>
+          </p:txBody>
+        </p:sp>
+      </p:grpSp>
+      <p:sp>
+        <p:nvSpPr>
+          <p:cNvPr id="2" name="文本框 1">
+            <a:extLst>
+              <a:ext uri="{FF2B5EF4-FFF2-40B4-BE49-F238E27FC236}">
+                <a16:creationId xmlns:a16="http://schemas.microsoft.com/office/drawing/2014/main" id="{5376734F-5A74-4635-945F-AF40500C1D9B}"/>
+              </a:ext>
+            </a:extLst>
+          </p:cNvPr>
+          <p:cNvSpPr txBox="1"/>
+          <p:nvPr/>
+        </p:nvSpPr>
+        <p:spPr>
+          <a:xfrm>
+            <a:off x="5603972" y="1536120"/>
+            <a:ext cx="466794" cy="276999"/>
+          </a:xfrm>
+          <a:prstGeom prst="rect">
+            <a:avLst/>
+          </a:prstGeom>
+          <a:noFill/>
+        </p:spPr>
+        <p:txBody>
+          <a:bodyPr wrap="none" rtlCol="0">
+            <a:spAutoFit/>
+          </a:bodyPr>
+          <a:lstStyle/>
+          <a:p>
+            <a:pPr algn="ctr"/>
+            <a:r>
+              <a:rPr lang="en-US" altLang="zh-CN" sz="1200">
+                <a:latin typeface="Wingdings 2" panose="05020102010507070707" pitchFamily="18" charset="2"/>
+              </a:rPr>
+              <a:t>RC</a:t>
+            </a:r>
+            <a:endParaRPr lang="zh-CN" altLang="en-US" sz="1200">
+              <a:latin typeface="Wingdings 2" panose="05020102010507070707" pitchFamily="18" charset="2"/>
+            </a:endParaRPr>
+          </a:p>
+        </p:txBody>
+      </p:sp>
+      <p:grpSp>
+        <p:nvGrpSpPr>
+          <p:cNvPr id="33" name="组合 32">
+            <a:extLst>
+              <a:ext uri="{FF2B5EF4-FFF2-40B4-BE49-F238E27FC236}">
+                <a16:creationId xmlns:a16="http://schemas.microsoft.com/office/drawing/2014/main" id="{A3088884-2070-445C-91A1-5BC4C36A130C}"/>
+              </a:ext>
+            </a:extLst>
+          </p:cNvPr>
+          <p:cNvGrpSpPr/>
+          <p:nvPr/>
+        </p:nvGrpSpPr>
+        <p:grpSpPr>
+          <a:xfrm>
+            <a:off x="6550892" y="613312"/>
+            <a:ext cx="720000" cy="720000"/>
+            <a:chOff x="6071477" y="391055"/>
+            <a:chExt cx="720000" cy="720000"/>
+          </a:xfrm>
+        </p:grpSpPr>
+        <p:sp>
+          <p:nvSpPr>
+            <p:cNvPr id="35" name="椭圆 34">
+              <a:extLst>
+                <a:ext uri="{FF2B5EF4-FFF2-40B4-BE49-F238E27FC236}">
+                  <a16:creationId xmlns:a16="http://schemas.microsoft.com/office/drawing/2014/main" id="{250E69DD-9122-4F9A-8778-798065D7361D}"/>
+                </a:ext>
+              </a:extLst>
+            </p:cNvPr>
+            <p:cNvSpPr/>
+            <p:nvPr/>
+          </p:nvSpPr>
+          <p:spPr>
+            <a:xfrm>
+              <a:off x="6071477" y="391055"/>
+              <a:ext cx="720000" cy="720000"/>
+            </a:xfrm>
+            <a:prstGeom prst="ellipse">
+              <a:avLst/>
+            </a:prstGeom>
+            <a:solidFill>
+              <a:srgbClr val="FF0000"/>
+            </a:solidFill>
+            <a:ln>
+              <a:noFill/>
+            </a:ln>
+            <a:effectLst>
+              <a:outerShdw blurRad="101600" algn="ctr" rotWithShape="0">
+                <a:schemeClr val="tx1">
+                  <a:alpha val="20000"/>
+                </a:schemeClr>
+              </a:outerShdw>
+            </a:effectLst>
+          </p:spPr>
+          <p:style>
+            <a:lnRef idx="2">
+              <a:schemeClr val="accent1">
+                <a:shade val="50000"/>
+              </a:schemeClr>
+            </a:lnRef>
+            <a:fillRef idx="1">
+              <a:schemeClr val="accent1"/>
+            </a:fillRef>
+            <a:effectRef idx="0">
+              <a:schemeClr val="accent1"/>
+            </a:effectRef>
+            <a:fontRef idx="minor">
+              <a:schemeClr val="lt1"/>
+            </a:fontRef>
+          </p:style>
+          <p:txBody>
+            <a:bodyPr rtlCol="0" anchor="ctr"/>
+            <a:lstStyle/>
+            <a:p>
+              <a:pPr algn="ctr"/>
+              <a:endParaRPr lang="zh-CN" altLang="en-US"/>
+            </a:p>
+          </p:txBody>
+        </p:sp>
+        <p:grpSp>
+          <p:nvGrpSpPr>
+            <p:cNvPr id="37" name="组合 36">
+              <a:extLst>
+                <a:ext uri="{FF2B5EF4-FFF2-40B4-BE49-F238E27FC236}">
+                  <a16:creationId xmlns:a16="http://schemas.microsoft.com/office/drawing/2014/main" id="{B966C7FE-A337-4CAF-90DD-F95B9B89AC73}"/>
+                </a:ext>
+              </a:extLst>
+            </p:cNvPr>
+            <p:cNvGrpSpPr/>
+            <p:nvPr/>
+          </p:nvGrpSpPr>
+          <p:grpSpPr>
+            <a:xfrm>
+              <a:off x="6212664" y="468495"/>
+              <a:ext cx="432876" cy="418685"/>
+              <a:chOff x="4344687" y="1948502"/>
+              <a:chExt cx="966838" cy="935999"/>
+            </a:xfrm>
+          </p:grpSpPr>
+          <p:sp>
+            <p:nvSpPr>
+              <p:cNvPr id="41" name="等腰三角形 40">
+                <a:extLst>
+                  <a:ext uri="{FF2B5EF4-FFF2-40B4-BE49-F238E27FC236}">
+                    <a16:creationId xmlns:a16="http://schemas.microsoft.com/office/drawing/2014/main" id="{E919E407-1407-4133-8E53-C0D0454729CC}"/>
+                  </a:ext>
+                </a:extLst>
+              </p:cNvPr>
+              <p:cNvSpPr/>
+              <p:nvPr/>
+            </p:nvSpPr>
+            <p:spPr>
+              <a:xfrm>
+                <a:off x="4344687" y="1948502"/>
+                <a:ext cx="794132" cy="935999"/>
+              </a:xfrm>
+              <a:prstGeom prst="triangle">
+                <a:avLst/>
+              </a:prstGeom>
+              <a:solidFill>
+                <a:srgbClr val="FDB800"/>
+              </a:solidFill>
+              <a:ln>
+                <a:noFill/>
+              </a:ln>
+              <a:effectLst/>
+            </p:spPr>
+            <p:style>
+              <a:lnRef idx="2">
+                <a:schemeClr val="accent1">
+                  <a:shade val="50000"/>
+                </a:schemeClr>
+              </a:lnRef>
+              <a:fillRef idx="1">
+                <a:schemeClr val="accent1"/>
+              </a:fillRef>
+              <a:effectRef idx="0">
+                <a:schemeClr val="accent1"/>
+              </a:effectRef>
+              <a:fontRef idx="minor">
+                <a:schemeClr val="lt1"/>
+              </a:fontRef>
+            </p:style>
+            <p:txBody>
+              <a:bodyPr rtlCol="0" anchor="ctr"/>
+              <a:lstStyle/>
+              <a:p>
+                <a:pPr algn="ctr"/>
+                <a:endParaRPr lang="zh-CN" altLang="en-US"/>
+              </a:p>
+            </p:txBody>
+          </p:sp>
+          <p:sp>
+            <p:nvSpPr>
+              <p:cNvPr id="42" name="等腰三角形 41">
+                <a:extLst>
+                  <a:ext uri="{FF2B5EF4-FFF2-40B4-BE49-F238E27FC236}">
+                    <a16:creationId xmlns:a16="http://schemas.microsoft.com/office/drawing/2014/main" id="{01AA9E8F-C2B5-4AC9-8914-AFBBCE1327DD}"/>
+                  </a:ext>
+                </a:extLst>
+              </p:cNvPr>
+              <p:cNvSpPr/>
+              <p:nvPr/>
+            </p:nvSpPr>
+            <p:spPr>
+              <a:xfrm>
+                <a:off x="4712557" y="2269353"/>
+                <a:ext cx="598968" cy="608640"/>
+              </a:xfrm>
+              <a:prstGeom prst="triangle">
+                <a:avLst/>
+              </a:prstGeom>
+              <a:solidFill>
+                <a:srgbClr val="FDB800">
+                  <a:alpha val="80000"/>
+                </a:srgbClr>
+              </a:solidFill>
+              <a:ln>
+                <a:noFill/>
+              </a:ln>
+              <a:effectLst/>
+            </p:spPr>
+            <p:style>
+              <a:lnRef idx="2">
+                <a:schemeClr val="accent1">
+                  <a:shade val="50000"/>
+                </a:schemeClr>
+              </a:lnRef>
+              <a:fillRef idx="1">
+                <a:schemeClr val="accent1"/>
+              </a:fillRef>
+              <a:effectRef idx="0">
+                <a:schemeClr val="accent1"/>
+              </a:effectRef>
+              <a:fontRef idx="minor">
+                <a:schemeClr val="lt1"/>
+              </a:fontRef>
+            </p:style>
+            <p:txBody>
+              <a:bodyPr rtlCol="0" anchor="ctr"/>
+              <a:lstStyle/>
+              <a:p>
+                <a:pPr algn="ctr"/>
+                <a:endParaRPr lang="zh-CN" altLang="en-US"/>
+              </a:p>
+            </p:txBody>
+          </p:sp>
+        </p:grpSp>
+        <p:sp>
+          <p:nvSpPr>
+            <p:cNvPr id="39" name="任意多边形: 形状 38">
+              <a:extLst>
+                <a:ext uri="{FF2B5EF4-FFF2-40B4-BE49-F238E27FC236}">
+                  <a16:creationId xmlns:a16="http://schemas.microsoft.com/office/drawing/2014/main" id="{DD8CB9A8-E658-475D-BCB3-C6ED3B58A797}"/>
+                </a:ext>
+              </a:extLst>
+            </p:cNvPr>
+            <p:cNvSpPr/>
+            <p:nvPr/>
+          </p:nvSpPr>
+          <p:spPr>
+            <a:xfrm>
+              <a:off x="6099637" y="884272"/>
+              <a:ext cx="666210" cy="226783"/>
+            </a:xfrm>
+            <a:custGeom>
+              <a:avLst/>
+              <a:gdLst>
+                <a:gd name="connsiteX0" fmla="*/ 0 w 666210"/>
+                <a:gd name="connsiteY0" fmla="*/ 0 h 226783"/>
+                <a:gd name="connsiteX1" fmla="*/ 666210 w 666210"/>
+                <a:gd name="connsiteY1" fmla="*/ 0 h 226783"/>
+                <a:gd name="connsiteX2" fmla="*/ 664815 w 666210"/>
+                <a:gd name="connsiteY2" fmla="*/ 6911 h 226783"/>
+                <a:gd name="connsiteX3" fmla="*/ 333105 w 666210"/>
+                <a:gd name="connsiteY3" fmla="*/ 226783 h 226783"/>
+                <a:gd name="connsiteX4" fmla="*/ 1396 w 666210"/>
+                <a:gd name="connsiteY4" fmla="*/ 6911 h 226783"/>
+              </a:gdLst>
+              <a:ahLst/>
+              <a:cxnLst>
+                <a:cxn ang="0">
+                  <a:pos x="connsiteX0" y="connsiteY0"/>
+                </a:cxn>
+                <a:cxn ang="0">
+                  <a:pos x="connsiteX1" y="connsiteY1"/>
+                </a:cxn>
+                <a:cxn ang="0">
+                  <a:pos x="connsiteX2" y="connsiteY2"/>
+                </a:cxn>
+                <a:cxn ang="0">
+                  <a:pos x="connsiteX3" y="connsiteY3"/>
+                </a:cxn>
+                <a:cxn ang="0">
+                  <a:pos x="connsiteX4" y="connsiteY4"/>
+                </a:cxn>
+              </a:cxnLst>
+              <a:rect l="l" t="t" r="r" b="b"/>
+              <a:pathLst>
+                <a:path w="666210" h="226783">
+                  <a:moveTo>
+                    <a:pt x="0" y="0"/>
+                  </a:moveTo>
+                  <a:lnTo>
+                    <a:pt x="666210" y="0"/>
+                  </a:lnTo>
+                  <a:lnTo>
+                    <a:pt x="664815" y="6911"/>
+                  </a:lnTo>
+                  <a:cubicBezTo>
+                    <a:pt x="610164" y="136121"/>
+                    <a:pt x="482222" y="226783"/>
+                    <a:pt x="333105" y="226783"/>
+                  </a:cubicBezTo>
+                  <a:cubicBezTo>
+                    <a:pt x="183988" y="226783"/>
+                    <a:pt x="56047" y="136121"/>
+                    <a:pt x="1396" y="6911"/>
+                  </a:cubicBezTo>
+                  <a:close/>
+                </a:path>
+              </a:pathLst>
+            </a:custGeom>
+            <a:solidFill>
+              <a:srgbClr val="FDB800">
+                <a:alpha val="50000"/>
+              </a:srgbClr>
+            </a:solidFill>
+            <a:ln>
+              <a:noFill/>
+            </a:ln>
+            <a:effectLst/>
+          </p:spPr>
+          <p:style>
+            <a:lnRef idx="2">
+              <a:schemeClr val="accent1">
+                <a:shade val="50000"/>
+              </a:schemeClr>
+            </a:lnRef>
+            <a:fillRef idx="1">
+              <a:schemeClr val="accent1"/>
+            </a:fillRef>
+            <a:effectRef idx="0">
+              <a:schemeClr val="accent1"/>
+            </a:effectRef>
+            <a:fontRef idx="minor">
+              <a:schemeClr val="lt1"/>
+            </a:fontRef>
+          </p:style>
+          <p:txBody>
+            <a:bodyPr wrap="square" rtlCol="0" anchor="ctr">
+              <a:noAutofit/>
+            </a:bodyPr>
+            <a:lstStyle/>
+            <a:p>
+              <a:pPr algn="ctr"/>
+              <a:endParaRPr lang="zh-CN" altLang="en-US"/>
+            </a:p>
+          </p:txBody>
+        </p:sp>
+        <p:sp>
+          <p:nvSpPr>
+            <p:cNvPr id="40" name="任意多边形: 形状 39">
+              <a:extLst>
+                <a:ext uri="{FF2B5EF4-FFF2-40B4-BE49-F238E27FC236}">
+                  <a16:creationId xmlns:a16="http://schemas.microsoft.com/office/drawing/2014/main" id="{D0E5A621-93F5-449F-ABAA-57D0050796AF}"/>
+                </a:ext>
+              </a:extLst>
+            </p:cNvPr>
+            <p:cNvSpPr/>
+            <p:nvPr/>
+          </p:nvSpPr>
+          <p:spPr>
+            <a:xfrm>
+              <a:off x="6212663" y="884270"/>
+              <a:ext cx="480296" cy="187301"/>
+            </a:xfrm>
+            <a:custGeom>
+              <a:avLst/>
+              <a:gdLst>
+                <a:gd name="connsiteX0" fmla="*/ 8301 w 468514"/>
+                <a:gd name="connsiteY0" fmla="*/ 0 h 192314"/>
+                <a:gd name="connsiteX1" fmla="*/ 429967 w 468514"/>
+                <a:gd name="connsiteY1" fmla="*/ 0 h 192314"/>
+                <a:gd name="connsiteX2" fmla="*/ 468514 w 468514"/>
+                <a:gd name="connsiteY2" fmla="*/ 119144 h 192314"/>
+                <a:gd name="connsiteX3" fmla="*/ 417717 w 468514"/>
+                <a:gd name="connsiteY3" fmla="*/ 165301 h 192314"/>
+                <a:gd name="connsiteX4" fmla="*/ 361525 w 468514"/>
+                <a:gd name="connsiteY4" fmla="*/ 192314 h 192314"/>
+                <a:gd name="connsiteX5" fmla="*/ 0 w 468514"/>
+                <a:gd name="connsiteY5" fmla="*/ 2686 h 192314"/>
+              </a:gdLst>
+              <a:ahLst/>
+              <a:cxnLst>
+                <a:cxn ang="0">
+                  <a:pos x="connsiteX0" y="connsiteY0"/>
+                </a:cxn>
+                <a:cxn ang="0">
+                  <a:pos x="connsiteX1" y="connsiteY1"/>
+                </a:cxn>
+                <a:cxn ang="0">
+                  <a:pos x="connsiteX2" y="connsiteY2"/>
+                </a:cxn>
+                <a:cxn ang="0">
+                  <a:pos x="connsiteX3" y="connsiteY3"/>
+                </a:cxn>
+                <a:cxn ang="0">
+                  <a:pos x="connsiteX4" y="connsiteY4"/>
+                </a:cxn>
+                <a:cxn ang="0">
+                  <a:pos x="connsiteX5" y="connsiteY5"/>
+                </a:cxn>
+              </a:cxnLst>
+              <a:rect l="l" t="t" r="r" b="b"/>
+              <a:pathLst>
+                <a:path w="468514" h="192314">
+                  <a:moveTo>
+                    <a:pt x="8301" y="0"/>
+                  </a:moveTo>
+                  <a:lnTo>
+                    <a:pt x="429967" y="0"/>
+                  </a:lnTo>
+                  <a:lnTo>
+                    <a:pt x="468514" y="119144"/>
+                  </a:lnTo>
+                  <a:lnTo>
+                    <a:pt x="417717" y="165301"/>
+                  </a:lnTo>
+                  <a:lnTo>
+                    <a:pt x="361525" y="192314"/>
+                  </a:lnTo>
+                  <a:lnTo>
+                    <a:pt x="0" y="2686"/>
+                  </a:lnTo>
+                  <a:close/>
+                </a:path>
+              </a:pathLst>
+            </a:custGeom>
+            <a:solidFill>
+              <a:srgbClr val="FDB800">
+                <a:alpha val="50000"/>
+              </a:srgbClr>
+            </a:solidFill>
+            <a:ln>
+              <a:noFill/>
+            </a:ln>
+            <a:effectLst/>
+          </p:spPr>
+          <p:style>
+            <a:lnRef idx="2">
+              <a:schemeClr val="accent1">
+                <a:shade val="50000"/>
+              </a:schemeClr>
+            </a:lnRef>
+            <a:fillRef idx="1">
+              <a:schemeClr val="accent1"/>
+            </a:fillRef>
+            <a:effectRef idx="0">
+              <a:schemeClr val="accent1"/>
+            </a:effectRef>
+            <a:fontRef idx="minor">
+              <a:schemeClr val="lt1"/>
+            </a:fontRef>
+          </p:style>
+          <p:txBody>
+            <a:bodyPr wrap="square" rtlCol="0" anchor="ctr">
+              <a:noAutofit/>
+            </a:bodyPr>
+            <a:lstStyle/>
+            <a:p>
+              <a:pPr algn="ctr"/>
+              <a:endParaRPr lang="zh-CN" altLang="en-US"/>
+            </a:p>
+          </p:txBody>
+        </p:sp>
+      </p:grpSp>
+      <p:sp>
+        <p:nvSpPr>
+          <p:cNvPr id="43" name="文本框 42">
+            <a:extLst>
+              <a:ext uri="{FF2B5EF4-FFF2-40B4-BE49-F238E27FC236}">
+                <a16:creationId xmlns:a16="http://schemas.microsoft.com/office/drawing/2014/main" id="{5FE84B48-7270-4A61-8132-08C45B3FFE5B}"/>
+              </a:ext>
+            </a:extLst>
+          </p:cNvPr>
+          <p:cNvSpPr txBox="1"/>
+          <p:nvPr/>
+        </p:nvSpPr>
+        <p:spPr>
+          <a:xfrm>
+            <a:off x="6682304" y="1531291"/>
+            <a:ext cx="457177" cy="276999"/>
+          </a:xfrm>
+          <a:prstGeom prst="rect">
+            <a:avLst/>
+          </a:prstGeom>
+          <a:noFill/>
+        </p:spPr>
+        <p:txBody>
+          <a:bodyPr wrap="none" rtlCol="0">
+            <a:spAutoFit/>
+          </a:bodyPr>
+          <a:lstStyle/>
+          <a:p>
+            <a:pPr algn="ctr"/>
+            <a:r>
+              <a:rPr lang="en-US" altLang="zh-CN" sz="1200">
+                <a:latin typeface="Abadi Extra Light" panose="020B0204020104020204" pitchFamily="34" charset="0"/>
+              </a:rPr>
+              <a:t>Beta</a:t>
+            </a:r>
+            <a:endParaRPr lang="zh-CN" altLang="en-US" sz="1200">
+              <a:latin typeface="Abadi Extra Light" panose="020B0204020104020204" pitchFamily="34" charset="0"/>
+            </a:endParaRPr>
+          </a:p>
+        </p:txBody>
+      </p:sp>
+      <p:sp>
+        <p:nvSpPr>
+          <p:cNvPr id="3" name="梯形 2">
+            <a:extLst>
+              <a:ext uri="{FF2B5EF4-FFF2-40B4-BE49-F238E27FC236}">
+                <a16:creationId xmlns:a16="http://schemas.microsoft.com/office/drawing/2014/main" id="{A66DDB69-B1C3-4DE8-9CA9-A41B6A25B9E4}"/>
+              </a:ext>
+            </a:extLst>
+          </p:cNvPr>
+          <p:cNvSpPr/>
+          <p:nvPr/>
+        </p:nvSpPr>
+        <p:spPr>
+          <a:xfrm flipV="1">
+            <a:off x="5526726" y="2985995"/>
+            <a:ext cx="1330057" cy="802140"/>
+          </a:xfrm>
+          <a:prstGeom prst="trapezoid">
+            <a:avLst>
+              <a:gd name="adj" fmla="val 27598"/>
+            </a:avLst>
+          </a:prstGeom>
+          <a:solidFill>
+            <a:srgbClr val="C0F9F5"/>
+          </a:solidFill>
+          <a:ln>
+            <a:noFill/>
+          </a:ln>
+        </p:spPr>
+        <p:style>
+          <a:lnRef idx="2">
+            <a:schemeClr val="accent1">
+              <a:shade val="50000"/>
+            </a:schemeClr>
+          </a:lnRef>
+          <a:fillRef idx="1">
+            <a:schemeClr val="accent1"/>
+          </a:fillRef>
+          <a:effectRef idx="0">
+            <a:schemeClr val="accent1"/>
+          </a:effectRef>
+          <a:fontRef idx="minor">
+            <a:schemeClr val="lt1"/>
+          </a:fontRef>
+        </p:style>
+        <p:txBody>
+          <a:bodyPr rtlCol="0" anchor="ctr"/>
+          <a:lstStyle/>
+          <a:p>
+            <a:pPr algn="ctr"/>
+            <a:endParaRPr lang="zh-CN" altLang="en-US"/>
+          </a:p>
+        </p:txBody>
+      </p:sp>
+      <p:sp>
+        <p:nvSpPr>
+          <p:cNvPr id="45" name="任意多边形: 形状 44">
+            <a:extLst>
+              <a:ext uri="{FF2B5EF4-FFF2-40B4-BE49-F238E27FC236}">
+                <a16:creationId xmlns:a16="http://schemas.microsoft.com/office/drawing/2014/main" id="{E1148238-D07A-46DD-ACB4-4507B348794E}"/>
+              </a:ext>
+            </a:extLst>
+          </p:cNvPr>
+          <p:cNvSpPr/>
+          <p:nvPr/>
+        </p:nvSpPr>
+        <p:spPr>
+          <a:xfrm flipV="1">
+            <a:off x="6247154" y="2980124"/>
+            <a:ext cx="607475" cy="802140"/>
+          </a:xfrm>
+          <a:custGeom>
+            <a:avLst/>
+            <a:gdLst>
+              <a:gd name="connsiteX0" fmla="*/ 161307 w 607475"/>
+              <a:gd name="connsiteY0" fmla="*/ 802140 h 802140"/>
+              <a:gd name="connsiteX1" fmla="*/ 607475 w 607475"/>
+              <a:gd name="connsiteY1" fmla="*/ 802140 h 802140"/>
+              <a:gd name="connsiteX2" fmla="*/ 362951 w 607475"/>
+              <a:gd name="connsiteY2" fmla="*/ 0 h 802140"/>
+              <a:gd name="connsiteX3" fmla="*/ 0 w 607475"/>
+              <a:gd name="connsiteY3" fmla="*/ 0 h 802140"/>
+            </a:gdLst>
+            <a:ahLst/>
+            <a:cxnLst>
+              <a:cxn ang="0">
+                <a:pos x="connsiteX0" y="connsiteY0"/>
+              </a:cxn>
+              <a:cxn ang="0">
+                <a:pos x="connsiteX1" y="connsiteY1"/>
+              </a:cxn>
+              <a:cxn ang="0">
+                <a:pos x="connsiteX2" y="connsiteY2"/>
+              </a:cxn>
+              <a:cxn ang="0">
+                <a:pos x="connsiteX3" y="connsiteY3"/>
+              </a:cxn>
+            </a:cxnLst>
+            <a:rect l="l" t="t" r="r" b="b"/>
+            <a:pathLst>
+              <a:path w="607475" h="802140">
+                <a:moveTo>
+                  <a:pt x="161307" y="802140"/>
+                </a:moveTo>
+                <a:lnTo>
+                  <a:pt x="607475" y="802140"/>
+                </a:lnTo>
+                <a:lnTo>
+                  <a:pt x="362951" y="0"/>
+                </a:lnTo>
+                <a:lnTo>
+                  <a:pt x="0" y="0"/>
+                </a:lnTo>
+                <a:close/>
+              </a:path>
+            </a:pathLst>
+          </a:custGeom>
+          <a:solidFill>
+            <a:srgbClr val="22D0C4">
+              <a:alpha val="30000"/>
+            </a:srgbClr>
+          </a:solidFill>
+          <a:ln>
+            <a:noFill/>
+          </a:ln>
+        </p:spPr>
+        <p:style>
+          <a:lnRef idx="2">
+            <a:schemeClr val="accent1">
+              <a:shade val="50000"/>
+            </a:schemeClr>
+          </a:lnRef>
+          <a:fillRef idx="1">
+            <a:schemeClr val="accent1"/>
+          </a:fillRef>
+          <a:effectRef idx="0">
+            <a:schemeClr val="accent1"/>
+          </a:effectRef>
+          <a:fontRef idx="minor">
+            <a:schemeClr val="lt1"/>
+          </a:fontRef>
+        </p:style>
+        <p:txBody>
+          <a:bodyPr wrap="square" rtlCol="0" anchor="ctr">
+            <a:noAutofit/>
+          </a:bodyPr>
+          <a:lstStyle/>
+          <a:p>
+            <a:pPr algn="ctr"/>
+            <a:endParaRPr lang="zh-CN" altLang="en-US"/>
+          </a:p>
+        </p:txBody>
+      </p:sp>
+      <p:grpSp>
+        <p:nvGrpSpPr>
+          <p:cNvPr id="44" name="组合 43">
+            <a:extLst>
+              <a:ext uri="{FF2B5EF4-FFF2-40B4-BE49-F238E27FC236}">
+                <a16:creationId xmlns:a16="http://schemas.microsoft.com/office/drawing/2014/main" id="{AA935424-61CD-41B6-A19B-B72418AA8572}"/>
+              </a:ext>
+            </a:extLst>
+          </p:cNvPr>
+          <p:cNvGrpSpPr/>
+          <p:nvPr/>
+        </p:nvGrpSpPr>
+        <p:grpSpPr>
+          <a:xfrm>
+            <a:off x="7870826" y="2771545"/>
+            <a:ext cx="720001" cy="720000"/>
+            <a:chOff x="7548956" y="646268"/>
+            <a:chExt cx="720001" cy="720000"/>
+          </a:xfrm>
+        </p:grpSpPr>
+        <p:sp>
+          <p:nvSpPr>
+            <p:cNvPr id="46" name="椭圆 45">
+              <a:extLst>
+                <a:ext uri="{FF2B5EF4-FFF2-40B4-BE49-F238E27FC236}">
+                  <a16:creationId xmlns:a16="http://schemas.microsoft.com/office/drawing/2014/main" id="{5513C23A-285E-4966-A7F2-26B323CB8F5B}"/>
+                </a:ext>
+              </a:extLst>
+            </p:cNvPr>
+            <p:cNvSpPr/>
+            <p:nvPr/>
+          </p:nvSpPr>
+          <p:spPr>
+            <a:xfrm>
+              <a:off x="7548956" y="646268"/>
+              <a:ext cx="720000" cy="720000"/>
+            </a:xfrm>
+            <a:prstGeom prst="ellipse">
+              <a:avLst/>
+            </a:prstGeom>
+            <a:solidFill>
+              <a:srgbClr val="909090"/>
+            </a:solidFill>
+            <a:ln>
+              <a:noFill/>
+            </a:ln>
+            <a:effectLst/>
+          </p:spPr>
+          <p:style>
+            <a:lnRef idx="2">
+              <a:schemeClr val="accent1">
+                <a:shade val="50000"/>
+              </a:schemeClr>
+            </a:lnRef>
+            <a:fillRef idx="1">
+              <a:schemeClr val="accent1"/>
+            </a:fillRef>
+            <a:effectRef idx="0">
+              <a:schemeClr val="accent1"/>
+            </a:effectRef>
+            <a:fontRef idx="minor">
+              <a:schemeClr val="lt1"/>
+            </a:fontRef>
+          </p:style>
+          <p:txBody>
+            <a:bodyPr rtlCol="0" anchor="ctr"/>
+            <a:lstStyle/>
+            <a:p>
+              <a:pPr algn="ctr"/>
+              <a:endParaRPr lang="zh-CN" altLang="en-US"/>
+            </a:p>
+          </p:txBody>
+        </p:sp>
+        <p:sp>
+          <p:nvSpPr>
+            <p:cNvPr id="47" name="任意多边形: 形状 46">
+              <a:extLst>
+                <a:ext uri="{FF2B5EF4-FFF2-40B4-BE49-F238E27FC236}">
+                  <a16:creationId xmlns:a16="http://schemas.microsoft.com/office/drawing/2014/main" id="{E6367D73-7968-464D-A455-4F12E639093D}"/>
+                </a:ext>
+              </a:extLst>
+            </p:cNvPr>
+            <p:cNvSpPr/>
+            <p:nvPr/>
+          </p:nvSpPr>
+          <p:spPr>
+            <a:xfrm rot="10800000">
+              <a:off x="7901023" y="646268"/>
+              <a:ext cx="367933" cy="720000"/>
+            </a:xfrm>
+            <a:custGeom>
+              <a:avLst/>
+              <a:gdLst>
+                <a:gd name="connsiteX0" fmla="*/ 360000 w 367933"/>
+                <a:gd name="connsiteY0" fmla="*/ 0 h 720000"/>
+                <a:gd name="connsiteX1" fmla="*/ 367933 w 367933"/>
+                <a:gd name="connsiteY1" fmla="*/ 800 h 720000"/>
+                <a:gd name="connsiteX2" fmla="*/ 367933 w 367933"/>
+                <a:gd name="connsiteY2" fmla="*/ 719200 h 720000"/>
+                <a:gd name="connsiteX3" fmla="*/ 360000 w 367933"/>
+                <a:gd name="connsiteY3" fmla="*/ 720000 h 720000"/>
+                <a:gd name="connsiteX4" fmla="*/ 0 w 367933"/>
+                <a:gd name="connsiteY4" fmla="*/ 360000 h 720000"/>
+                <a:gd name="connsiteX5" fmla="*/ 360000 w 367933"/>
+                <a:gd name="connsiteY5" fmla="*/ 0 h 720000"/>
+              </a:gdLst>
+              <a:ahLst/>
+              <a:cxnLst>
+                <a:cxn ang="0">
+                  <a:pos x="connsiteX0" y="connsiteY0"/>
+                </a:cxn>
+                <a:cxn ang="0">
+                  <a:pos x="connsiteX1" y="connsiteY1"/>
+                </a:cxn>
+                <a:cxn ang="0">
+                  <a:pos x="connsiteX2" y="connsiteY2"/>
+                </a:cxn>
+                <a:cxn ang="0">
+                  <a:pos x="connsiteX3" y="connsiteY3"/>
+                </a:cxn>
+                <a:cxn ang="0">
+                  <a:pos x="connsiteX4" y="connsiteY4"/>
+                </a:cxn>
+                <a:cxn ang="0">
+                  <a:pos x="connsiteX5" y="connsiteY5"/>
+                </a:cxn>
+              </a:cxnLst>
+              <a:rect l="l" t="t" r="r" b="b"/>
+              <a:pathLst>
+                <a:path w="367933" h="720000">
+                  <a:moveTo>
+                    <a:pt x="360000" y="0"/>
+                  </a:moveTo>
+                  <a:lnTo>
+                    <a:pt x="367933" y="800"/>
+                  </a:lnTo>
+                  <a:lnTo>
+                    <a:pt x="367933" y="719200"/>
+                  </a:lnTo>
+                  <a:lnTo>
+                    <a:pt x="360000" y="720000"/>
+                  </a:lnTo>
+                  <a:cubicBezTo>
+                    <a:pt x="161177" y="720000"/>
+                    <a:pt x="0" y="558823"/>
+                    <a:pt x="0" y="360000"/>
+                  </a:cubicBezTo>
+                  <a:cubicBezTo>
+                    <a:pt x="0" y="161177"/>
+                    <a:pt x="161177" y="0"/>
+                    <a:pt x="360000" y="0"/>
+                  </a:cubicBezTo>
+                  <a:close/>
+                </a:path>
+              </a:pathLst>
+            </a:custGeom>
+            <a:gradFill flip="none" rotWithShape="1">
+              <a:gsLst>
+                <a:gs pos="100000">
+                  <a:schemeClr val="bg1">
+                    <a:alpha val="40000"/>
+                  </a:schemeClr>
+                </a:gs>
+                <a:gs pos="0">
+                  <a:schemeClr val="bg1">
+                    <a:alpha val="80000"/>
+                  </a:schemeClr>
+                </a:gs>
+              </a:gsLst>
+              <a:path path="circle">
+                <a:fillToRect r="100000" b="100000"/>
+              </a:path>
+              <a:tileRect l="-100000" t="-100000"/>
+            </a:gradFill>
+            <a:ln>
+              <a:noFill/>
+            </a:ln>
+          </p:spPr>
+          <p:style>
+            <a:lnRef idx="2">
+              <a:schemeClr val="accent1">
+                <a:shade val="50000"/>
+              </a:schemeClr>
+            </a:lnRef>
+            <a:fillRef idx="1">
+              <a:schemeClr val="accent1"/>
+            </a:fillRef>
+            <a:effectRef idx="0">
+              <a:schemeClr val="accent1"/>
+            </a:effectRef>
+            <a:fontRef idx="minor">
+              <a:schemeClr val="lt1"/>
+            </a:fontRef>
+          </p:style>
+          <p:txBody>
+            <a:bodyPr wrap="square" rtlCol="0" anchor="ctr">
+              <a:noAutofit/>
+            </a:bodyPr>
+            <a:lstStyle/>
+            <a:p>
+              <a:pPr algn="ctr"/>
+              <a:endParaRPr lang="zh-CN" altLang="en-US"/>
+            </a:p>
+          </p:txBody>
+        </p:sp>
+        <p:sp>
+          <p:nvSpPr>
+            <p:cNvPr id="48" name="任意多边形: 形状 47">
+              <a:extLst>
+                <a:ext uri="{FF2B5EF4-FFF2-40B4-BE49-F238E27FC236}">
+                  <a16:creationId xmlns:a16="http://schemas.microsoft.com/office/drawing/2014/main" id="{6739C874-96E7-4488-A737-849BD4A387CB}"/>
+                </a:ext>
+              </a:extLst>
+            </p:cNvPr>
+            <p:cNvSpPr/>
+            <p:nvPr/>
+          </p:nvSpPr>
+          <p:spPr>
+            <a:xfrm rot="16200000">
+              <a:off x="7724990" y="822301"/>
+              <a:ext cx="367933" cy="720000"/>
+            </a:xfrm>
+            <a:custGeom>
+              <a:avLst/>
+              <a:gdLst>
+                <a:gd name="connsiteX0" fmla="*/ 360000 w 367933"/>
+                <a:gd name="connsiteY0" fmla="*/ 0 h 720000"/>
+                <a:gd name="connsiteX1" fmla="*/ 367933 w 367933"/>
+                <a:gd name="connsiteY1" fmla="*/ 800 h 720000"/>
+                <a:gd name="connsiteX2" fmla="*/ 367933 w 367933"/>
+                <a:gd name="connsiteY2" fmla="*/ 719200 h 720000"/>
+                <a:gd name="connsiteX3" fmla="*/ 360000 w 367933"/>
+                <a:gd name="connsiteY3" fmla="*/ 720000 h 720000"/>
+                <a:gd name="connsiteX4" fmla="*/ 0 w 367933"/>
+                <a:gd name="connsiteY4" fmla="*/ 360000 h 720000"/>
+                <a:gd name="connsiteX5" fmla="*/ 360000 w 367933"/>
+                <a:gd name="connsiteY5" fmla="*/ 0 h 720000"/>
+              </a:gdLst>
+              <a:ahLst/>
+              <a:cxnLst>
+                <a:cxn ang="0">
+                  <a:pos x="connsiteX0" y="connsiteY0"/>
+                </a:cxn>
+                <a:cxn ang="0">
+                  <a:pos x="connsiteX1" y="connsiteY1"/>
+                </a:cxn>
+                <a:cxn ang="0">
+                  <a:pos x="connsiteX2" y="connsiteY2"/>
+                </a:cxn>
+                <a:cxn ang="0">
+                  <a:pos x="connsiteX3" y="connsiteY3"/>
+                </a:cxn>
+                <a:cxn ang="0">
+                  <a:pos x="connsiteX4" y="connsiteY4"/>
+                </a:cxn>
+                <a:cxn ang="0">
+                  <a:pos x="connsiteX5" y="connsiteY5"/>
+                </a:cxn>
+              </a:cxnLst>
+              <a:rect l="l" t="t" r="r" b="b"/>
+              <a:pathLst>
+                <a:path w="367933" h="720000">
+                  <a:moveTo>
+                    <a:pt x="360000" y="0"/>
+                  </a:moveTo>
+                  <a:lnTo>
+                    <a:pt x="367933" y="800"/>
+                  </a:lnTo>
+                  <a:lnTo>
+                    <a:pt x="367933" y="719200"/>
+                  </a:lnTo>
+                  <a:lnTo>
+                    <a:pt x="360000" y="720000"/>
+                  </a:lnTo>
+                  <a:cubicBezTo>
+                    <a:pt x="161177" y="720000"/>
+                    <a:pt x="0" y="558823"/>
+                    <a:pt x="0" y="360000"/>
+                  </a:cubicBezTo>
+                  <a:cubicBezTo>
+                    <a:pt x="0" y="161177"/>
+                    <a:pt x="161177" y="0"/>
+                    <a:pt x="360000" y="0"/>
+                  </a:cubicBezTo>
+                  <a:close/>
+                </a:path>
+              </a:pathLst>
+            </a:custGeom>
+            <a:gradFill flip="none" rotWithShape="1">
+              <a:gsLst>
+                <a:gs pos="100000">
+                  <a:schemeClr val="bg1">
+                    <a:alpha val="40000"/>
+                  </a:schemeClr>
+                </a:gs>
+                <a:gs pos="0">
+                  <a:schemeClr val="bg1">
+                    <a:alpha val="80000"/>
+                  </a:schemeClr>
+                </a:gs>
+              </a:gsLst>
+              <a:path path="circle">
+                <a:fillToRect l="50000" t="50000" r="50000" b="50000"/>
+              </a:path>
+              <a:tileRect/>
+            </a:gradFill>
+            <a:ln>
+              <a:noFill/>
+            </a:ln>
+          </p:spPr>
+          <p:style>
+            <a:lnRef idx="2">
+              <a:schemeClr val="accent1">
+                <a:shade val="50000"/>
+              </a:schemeClr>
+            </a:lnRef>
+            <a:fillRef idx="1">
+              <a:schemeClr val="accent1"/>
+            </a:fillRef>
+            <a:effectRef idx="0">
+              <a:schemeClr val="accent1"/>
+            </a:effectRef>
+            <a:fontRef idx="minor">
+              <a:schemeClr val="lt1"/>
+            </a:fontRef>
+          </p:style>
+          <p:txBody>
+            <a:bodyPr wrap="square" rtlCol="0" anchor="ctr">
+              <a:noAutofit/>
+            </a:bodyPr>
+            <a:lstStyle/>
+            <a:p>
+              <a:pPr algn="ctr"/>
+              <a:endParaRPr lang="zh-CN" altLang="en-US"/>
+            </a:p>
+          </p:txBody>
+        </p:sp>
+      </p:grpSp>
+      <p:grpSp>
+        <p:nvGrpSpPr>
+          <p:cNvPr id="9" name="组合 8">
+            <a:extLst>
+              <a:ext uri="{FF2B5EF4-FFF2-40B4-BE49-F238E27FC236}">
+                <a16:creationId xmlns:a16="http://schemas.microsoft.com/office/drawing/2014/main" id="{FFE44ECE-F2A4-4DC9-8253-686A7CF2EB5C}"/>
+              </a:ext>
+            </a:extLst>
+          </p:cNvPr>
+          <p:cNvGrpSpPr/>
+          <p:nvPr/>
+        </p:nvGrpSpPr>
+        <p:grpSpPr>
+          <a:xfrm>
+            <a:off x="7798134" y="2698811"/>
+            <a:ext cx="849517" cy="849600"/>
+            <a:chOff x="7741309" y="2604304"/>
+            <a:chExt cx="849517" cy="995423"/>
+          </a:xfrm>
+        </p:grpSpPr>
+        <p:cxnSp>
+          <p:nvCxnSpPr>
+            <p:cNvPr id="5" name="直接连接符 4">
+              <a:extLst>
+                <a:ext uri="{FF2B5EF4-FFF2-40B4-BE49-F238E27FC236}">
+                  <a16:creationId xmlns:a16="http://schemas.microsoft.com/office/drawing/2014/main" id="{541059F2-C38A-411B-946C-225058FD0B1A}"/>
+                </a:ext>
+              </a:extLst>
+            </p:cNvPr>
+            <p:cNvCxnSpPr/>
+            <p:nvPr/>
+          </p:nvCxnSpPr>
+          <p:spPr>
+            <a:xfrm>
+              <a:off x="7743463" y="2604304"/>
+              <a:ext cx="847363" cy="995423"/>
+            </a:xfrm>
+            <a:prstGeom prst="line">
+              <a:avLst/>
+            </a:prstGeom>
+            <a:ln w="76200" cap="rnd">
+              <a:solidFill>
+                <a:srgbClr val="E9403A">
+                  <a:alpha val="80000"/>
+                </a:srgbClr>
+              </a:solidFill>
+              <a:round/>
+            </a:ln>
+          </p:spPr>
+          <p:style>
+            <a:lnRef idx="1">
+              <a:schemeClr val="accent1"/>
+            </a:lnRef>
+            <a:fillRef idx="0">
+              <a:schemeClr val="accent1"/>
+            </a:fillRef>
+            <a:effectRef idx="0">
+              <a:schemeClr val="accent1"/>
+            </a:effectRef>
+            <a:fontRef idx="minor">
+              <a:schemeClr val="tx1"/>
+            </a:fontRef>
+          </p:style>
+        </p:cxnSp>
+        <p:cxnSp>
+          <p:nvCxnSpPr>
+            <p:cNvPr id="49" name="直接连接符 48">
+              <a:extLst>
+                <a:ext uri="{FF2B5EF4-FFF2-40B4-BE49-F238E27FC236}">
+                  <a16:creationId xmlns:a16="http://schemas.microsoft.com/office/drawing/2014/main" id="{1F8CAEC1-7984-482A-B42E-C9AA4C8E7661}"/>
+                </a:ext>
+              </a:extLst>
+            </p:cNvPr>
+            <p:cNvCxnSpPr>
+              <a:cxnSpLocks/>
+            </p:cNvCxnSpPr>
+            <p:nvPr/>
+          </p:nvCxnSpPr>
+          <p:spPr>
+            <a:xfrm flipV="1">
+              <a:off x="7741309" y="2649508"/>
+              <a:ext cx="849517" cy="936364"/>
+            </a:xfrm>
+            <a:prstGeom prst="line">
+              <a:avLst/>
+            </a:prstGeom>
+            <a:ln w="76200" cap="rnd">
+              <a:solidFill>
+                <a:srgbClr val="E9403A"/>
+              </a:solidFill>
+              <a:round/>
+            </a:ln>
+          </p:spPr>
+          <p:style>
+            <a:lnRef idx="1">
+              <a:schemeClr val="accent1"/>
+            </a:lnRef>
+            <a:fillRef idx="0">
+              <a:schemeClr val="accent1"/>
+            </a:fillRef>
+            <a:effectRef idx="0">
+              <a:schemeClr val="accent1"/>
+            </a:effectRef>
+            <a:fontRef idx="minor">
+              <a:schemeClr val="tx1"/>
+            </a:fontRef>
+          </p:style>
+        </p:cxnSp>
+      </p:grpSp>
+      <p:sp>
+        <p:nvSpPr>
+          <p:cNvPr id="10" name="椭圆 9">
+            <a:extLst>
+              <a:ext uri="{FF2B5EF4-FFF2-40B4-BE49-F238E27FC236}">
+                <a16:creationId xmlns:a16="http://schemas.microsoft.com/office/drawing/2014/main" id="{CE3980EB-EC3E-4F6D-B2C5-DECCE0CDF777}"/>
+              </a:ext>
+            </a:extLst>
+          </p:cNvPr>
+          <p:cNvSpPr/>
+          <p:nvPr/>
+        </p:nvSpPr>
+        <p:spPr>
+          <a:xfrm>
+            <a:off x="3284677" y="3491545"/>
+            <a:ext cx="554400" cy="555171"/>
+          </a:xfrm>
+          <a:prstGeom prst="ellipse">
+            <a:avLst/>
+          </a:prstGeom>
+          <a:solidFill>
+            <a:srgbClr val="22D0C4"/>
+          </a:solidFill>
+          <a:ln>
+            <a:noFill/>
+          </a:ln>
+        </p:spPr>
+        <p:style>
+          <a:lnRef idx="2">
+            <a:schemeClr val="accent1">
+              <a:shade val="50000"/>
+            </a:schemeClr>
+          </a:lnRef>
+          <a:fillRef idx="1">
+            <a:schemeClr val="accent1"/>
+          </a:fillRef>
+          <a:effectRef idx="0">
+            <a:schemeClr val="accent1"/>
+          </a:effectRef>
+          <a:fontRef idx="minor">
+            <a:schemeClr val="lt1"/>
+          </a:fontRef>
+        </p:style>
+        <p:txBody>
+          <a:bodyPr rtlCol="0" anchor="ctr"/>
+          <a:lstStyle/>
+          <a:p>
+            <a:pPr algn="ctr"/>
+            <a:endParaRPr lang="zh-CN" altLang="en-US"/>
+          </a:p>
+        </p:txBody>
+      </p:sp>
+      <p:sp>
+        <p:nvSpPr>
+          <p:cNvPr id="51" name="任意多边形: 形状 50">
+            <a:extLst>
+              <a:ext uri="{FF2B5EF4-FFF2-40B4-BE49-F238E27FC236}">
+                <a16:creationId xmlns:a16="http://schemas.microsoft.com/office/drawing/2014/main" id="{D4BEFD04-E839-4379-8286-1678B2EA9499}"/>
+              </a:ext>
+            </a:extLst>
+          </p:cNvPr>
+          <p:cNvSpPr>
+            <a:spLocks noChangeAspect="1"/>
+          </p:cNvSpPr>
+          <p:nvPr/>
+        </p:nvSpPr>
+        <p:spPr>
+          <a:xfrm>
+            <a:off x="3032059" y="4134999"/>
+            <a:ext cx="1059637" cy="446314"/>
+          </a:xfrm>
+          <a:custGeom>
+            <a:avLst/>
+            <a:gdLst>
+              <a:gd name="connsiteX0" fmla="*/ 529818 w 1059637"/>
+              <a:gd name="connsiteY0" fmla="*/ 0 h 446314"/>
+              <a:gd name="connsiteX1" fmla="*/ 1058113 w 1059637"/>
+              <a:gd name="connsiteY1" fmla="*/ 431171 h 446314"/>
+              <a:gd name="connsiteX2" fmla="*/ 1059637 w 1059637"/>
+              <a:gd name="connsiteY2" fmla="*/ 446314 h 446314"/>
+              <a:gd name="connsiteX3" fmla="*/ 0 w 1059637"/>
+              <a:gd name="connsiteY3" fmla="*/ 446314 h 446314"/>
+              <a:gd name="connsiteX4" fmla="*/ 1524 w 1059637"/>
+              <a:gd name="connsiteY4" fmla="*/ 431171 h 446314"/>
+              <a:gd name="connsiteX5" fmla="*/ 529818 w 1059637"/>
+              <a:gd name="connsiteY5" fmla="*/ 0 h 446314"/>
+            </a:gdLst>
+            <a:ahLst/>
+            <a:cxnLst>
+              <a:cxn ang="0">
+                <a:pos x="connsiteX0" y="connsiteY0"/>
+              </a:cxn>
+              <a:cxn ang="0">
+                <a:pos x="connsiteX1" y="connsiteY1"/>
+              </a:cxn>
+              <a:cxn ang="0">
+                <a:pos x="connsiteX2" y="connsiteY2"/>
+              </a:cxn>
+              <a:cxn ang="0">
+                <a:pos x="connsiteX3" y="connsiteY3"/>
+              </a:cxn>
+              <a:cxn ang="0">
+                <a:pos x="connsiteX4" y="connsiteY4"/>
+              </a:cxn>
+              <a:cxn ang="0">
+                <a:pos x="connsiteX5" y="connsiteY5"/>
+              </a:cxn>
+            </a:cxnLst>
+            <a:rect l="l" t="t" r="r" b="b"/>
+            <a:pathLst>
+              <a:path w="1059637" h="446314">
+                <a:moveTo>
+                  <a:pt x="529818" y="0"/>
+                </a:moveTo>
+                <a:cubicBezTo>
+                  <a:pt x="790411" y="0"/>
+                  <a:pt x="1007830" y="185102"/>
+                  <a:pt x="1058113" y="431171"/>
+                </a:cubicBezTo>
+                <a:lnTo>
+                  <a:pt x="1059637" y="446314"/>
+                </a:lnTo>
+                <a:lnTo>
+                  <a:pt x="0" y="446314"/>
+                </a:lnTo>
+                <a:lnTo>
+                  <a:pt x="1524" y="431171"/>
+                </a:lnTo>
+                <a:cubicBezTo>
+                  <a:pt x="51807" y="185102"/>
+                  <a:pt x="269226" y="0"/>
+                  <a:pt x="529818" y="0"/>
+                </a:cubicBezTo>
+                <a:close/>
+              </a:path>
+            </a:pathLst>
+          </a:custGeom>
+          <a:solidFill>
+            <a:srgbClr val="C0F9F5"/>
+          </a:solidFill>
+          <a:ln>
+            <a:noFill/>
+          </a:ln>
+        </p:spPr>
+        <p:style>
+          <a:lnRef idx="2">
+            <a:schemeClr val="accent1">
+              <a:shade val="50000"/>
+            </a:schemeClr>
+          </a:lnRef>
+          <a:fillRef idx="1">
+            <a:schemeClr val="accent1"/>
+          </a:fillRef>
+          <a:effectRef idx="0">
+            <a:schemeClr val="accent1"/>
+          </a:effectRef>
+          <a:fontRef idx="minor">
+            <a:schemeClr val="lt1"/>
+          </a:fontRef>
+        </p:style>
+        <p:txBody>
+          <a:bodyPr wrap="square" rtlCol="0" anchor="ctr">
+            <a:noAutofit/>
+          </a:bodyPr>
+          <a:lstStyle/>
+          <a:p>
+            <a:pPr algn="ctr"/>
+            <a:endParaRPr lang="zh-CN" altLang="en-US"/>
+          </a:p>
+        </p:txBody>
+      </p:sp>
+      <p:grpSp>
+        <p:nvGrpSpPr>
+          <p:cNvPr id="4" name="组合 3">
+            <a:extLst>
+              <a:ext uri="{FF2B5EF4-FFF2-40B4-BE49-F238E27FC236}">
+                <a16:creationId xmlns:a16="http://schemas.microsoft.com/office/drawing/2014/main" id="{8D29F522-F5F9-4C63-A165-B52F291C72ED}"/>
+              </a:ext>
+            </a:extLst>
+          </p:cNvPr>
+          <p:cNvGrpSpPr/>
+          <p:nvPr/>
+        </p:nvGrpSpPr>
+        <p:grpSpPr>
+          <a:xfrm>
+            <a:off x="3976928" y="816119"/>
+            <a:ext cx="1220400" cy="1219359"/>
+            <a:chOff x="6071477" y="391055"/>
+            <a:chExt cx="720000" cy="720000"/>
+          </a:xfrm>
+        </p:grpSpPr>
+        <p:sp>
+          <p:nvSpPr>
+            <p:cNvPr id="52" name="椭圆 51">
+              <a:extLst>
+                <a:ext uri="{FF2B5EF4-FFF2-40B4-BE49-F238E27FC236}">
+                  <a16:creationId xmlns:a16="http://schemas.microsoft.com/office/drawing/2014/main" id="{FBCDDC3D-A200-44BB-9230-5BC9E6F06F2E}"/>
+                </a:ext>
+              </a:extLst>
+            </p:cNvPr>
+            <p:cNvSpPr/>
+            <p:nvPr/>
+          </p:nvSpPr>
+          <p:spPr>
+            <a:xfrm>
+              <a:off x="6071477" y="391055"/>
+              <a:ext cx="720000" cy="720000"/>
+            </a:xfrm>
+            <a:prstGeom prst="ellipse">
+              <a:avLst/>
+            </a:prstGeom>
+            <a:gradFill>
+              <a:gsLst>
+                <a:gs pos="0">
+                  <a:srgbClr val="5FE5DD"/>
+                </a:gs>
+                <a:gs pos="100000">
+                  <a:srgbClr val="22D0C4"/>
+                </a:gs>
+              </a:gsLst>
+              <a:path path="circle">
+                <a:fillToRect r="100000" b="100000"/>
+              </a:path>
+            </a:gradFill>
+            <a:ln>
+              <a:noFill/>
+            </a:ln>
+            <a:effectLst>
+              <a:outerShdw blurRad="203200" algn="ctr" rotWithShape="0">
+                <a:prstClr val="black">
+                  <a:alpha val="20000"/>
+                </a:prstClr>
+              </a:outerShdw>
+            </a:effectLst>
+          </p:spPr>
+          <p:style>
+            <a:lnRef idx="2">
+              <a:schemeClr val="accent1">
+                <a:shade val="50000"/>
+              </a:schemeClr>
+            </a:lnRef>
+            <a:fillRef idx="1">
+              <a:schemeClr val="accent1"/>
+            </a:fillRef>
+            <a:effectRef idx="0">
+              <a:schemeClr val="accent1"/>
+            </a:effectRef>
+            <a:fontRef idx="minor">
+              <a:schemeClr val="lt1"/>
+            </a:fontRef>
+          </p:style>
+          <p:txBody>
+            <a:bodyPr rtlCol="0" anchor="ctr"/>
+            <a:lstStyle/>
+            <a:p>
+              <a:pPr algn="ctr"/>
+              <a:endParaRPr lang="zh-CN" altLang="en-US"/>
+            </a:p>
+          </p:txBody>
+        </p:sp>
+        <p:grpSp>
+          <p:nvGrpSpPr>
+            <p:cNvPr id="53" name="组合 52">
+              <a:extLst>
+                <a:ext uri="{FF2B5EF4-FFF2-40B4-BE49-F238E27FC236}">
+                  <a16:creationId xmlns:a16="http://schemas.microsoft.com/office/drawing/2014/main" id="{CC7760CE-AEE3-434C-B244-D10A44D07785}"/>
+                </a:ext>
+              </a:extLst>
+            </p:cNvPr>
+            <p:cNvGrpSpPr/>
+            <p:nvPr/>
+          </p:nvGrpSpPr>
+          <p:grpSpPr>
+            <a:xfrm>
+              <a:off x="6212659" y="468495"/>
+              <a:ext cx="432875" cy="418685"/>
+              <a:chOff x="4344687" y="1948502"/>
+              <a:chExt cx="966838" cy="935999"/>
+            </a:xfrm>
+          </p:grpSpPr>
+          <p:sp>
+            <p:nvSpPr>
+              <p:cNvPr id="56" name="等腰三角形 55">
+                <a:extLst>
+                  <a:ext uri="{FF2B5EF4-FFF2-40B4-BE49-F238E27FC236}">
+                    <a16:creationId xmlns:a16="http://schemas.microsoft.com/office/drawing/2014/main" id="{36C1B7A1-BFB5-49F2-8586-F08300E457FB}"/>
+                  </a:ext>
+                </a:extLst>
+              </p:cNvPr>
+              <p:cNvSpPr/>
+              <p:nvPr/>
+            </p:nvSpPr>
+            <p:spPr>
+              <a:xfrm>
+                <a:off x="4344687" y="1948502"/>
+                <a:ext cx="794132" cy="935999"/>
+              </a:xfrm>
+              <a:prstGeom prst="triangle">
+                <a:avLst/>
+              </a:prstGeom>
+              <a:solidFill>
+                <a:schemeClr val="bg1"/>
+              </a:solidFill>
+              <a:ln>
+                <a:noFill/>
+              </a:ln>
+              <a:effectLst/>
+            </p:spPr>
+            <p:style>
+              <a:lnRef idx="2">
+                <a:schemeClr val="accent1">
+                  <a:shade val="50000"/>
+                </a:schemeClr>
+              </a:lnRef>
+              <a:fillRef idx="1">
+                <a:schemeClr val="accent1"/>
+              </a:fillRef>
+              <a:effectRef idx="0">
+                <a:schemeClr val="accent1"/>
+              </a:effectRef>
+              <a:fontRef idx="minor">
+                <a:schemeClr val="lt1"/>
+              </a:fontRef>
+            </p:style>
+            <p:txBody>
+              <a:bodyPr rtlCol="0" anchor="ctr"/>
+              <a:lstStyle/>
+              <a:p>
+                <a:pPr algn="ctr"/>
+                <a:endParaRPr lang="zh-CN" altLang="en-US"/>
+              </a:p>
+            </p:txBody>
+          </p:sp>
+          <p:sp>
+            <p:nvSpPr>
+              <p:cNvPr id="57" name="等腰三角形 56">
+                <a:extLst>
+                  <a:ext uri="{FF2B5EF4-FFF2-40B4-BE49-F238E27FC236}">
+                    <a16:creationId xmlns:a16="http://schemas.microsoft.com/office/drawing/2014/main" id="{677E996C-B95A-41CB-AEDE-637A3937B794}"/>
+                  </a:ext>
+                </a:extLst>
+              </p:cNvPr>
+              <p:cNvSpPr/>
+              <p:nvPr/>
+            </p:nvSpPr>
+            <p:spPr>
+              <a:xfrm>
+                <a:off x="4712557" y="2269353"/>
+                <a:ext cx="598968" cy="608640"/>
+              </a:xfrm>
+              <a:prstGeom prst="triangle">
+                <a:avLst/>
+              </a:prstGeom>
+              <a:solidFill>
+                <a:schemeClr val="bg1">
+                  <a:alpha val="80000"/>
+                </a:schemeClr>
+              </a:solidFill>
+              <a:ln>
+                <a:noFill/>
+              </a:ln>
+              <a:effectLst/>
+            </p:spPr>
+            <p:style>
+              <a:lnRef idx="2">
+                <a:schemeClr val="accent1">
+                  <a:shade val="50000"/>
+                </a:schemeClr>
+              </a:lnRef>
+              <a:fillRef idx="1">
+                <a:schemeClr val="accent1"/>
+              </a:fillRef>
+              <a:effectRef idx="0">
+                <a:schemeClr val="accent1"/>
+              </a:effectRef>
+              <a:fontRef idx="minor">
+                <a:schemeClr val="lt1"/>
+              </a:fontRef>
+            </p:style>
+            <p:txBody>
+              <a:bodyPr rtlCol="0" anchor="ctr"/>
+              <a:lstStyle/>
+              <a:p>
+                <a:pPr algn="ctr"/>
+                <a:endParaRPr lang="zh-CN" altLang="en-US"/>
+              </a:p>
+            </p:txBody>
+          </p:sp>
+        </p:grpSp>
+        <p:sp>
+          <p:nvSpPr>
+            <p:cNvPr id="54" name="任意多边形: 形状 53">
+              <a:extLst>
+                <a:ext uri="{FF2B5EF4-FFF2-40B4-BE49-F238E27FC236}">
+                  <a16:creationId xmlns:a16="http://schemas.microsoft.com/office/drawing/2014/main" id="{A297C4F8-EE29-4A72-BCA3-2B06E4728613}"/>
+                </a:ext>
+              </a:extLst>
+            </p:cNvPr>
+            <p:cNvSpPr/>
+            <p:nvPr/>
+          </p:nvSpPr>
+          <p:spPr>
+            <a:xfrm>
+              <a:off x="6099637" y="884272"/>
+              <a:ext cx="666210" cy="226783"/>
+            </a:xfrm>
+            <a:custGeom>
+              <a:avLst/>
+              <a:gdLst>
+                <a:gd name="connsiteX0" fmla="*/ 0 w 666210"/>
+                <a:gd name="connsiteY0" fmla="*/ 0 h 226783"/>
+                <a:gd name="connsiteX1" fmla="*/ 666210 w 666210"/>
+                <a:gd name="connsiteY1" fmla="*/ 0 h 226783"/>
+                <a:gd name="connsiteX2" fmla="*/ 664815 w 666210"/>
+                <a:gd name="connsiteY2" fmla="*/ 6911 h 226783"/>
+                <a:gd name="connsiteX3" fmla="*/ 333105 w 666210"/>
+                <a:gd name="connsiteY3" fmla="*/ 226783 h 226783"/>
+                <a:gd name="connsiteX4" fmla="*/ 1396 w 666210"/>
+                <a:gd name="connsiteY4" fmla="*/ 6911 h 226783"/>
+              </a:gdLst>
+              <a:ahLst/>
+              <a:cxnLst>
+                <a:cxn ang="0">
+                  <a:pos x="connsiteX0" y="connsiteY0"/>
+                </a:cxn>
+                <a:cxn ang="0">
+                  <a:pos x="connsiteX1" y="connsiteY1"/>
+                </a:cxn>
+                <a:cxn ang="0">
+                  <a:pos x="connsiteX2" y="connsiteY2"/>
+                </a:cxn>
+                <a:cxn ang="0">
+                  <a:pos x="connsiteX3" y="connsiteY3"/>
+                </a:cxn>
+                <a:cxn ang="0">
+                  <a:pos x="connsiteX4" y="connsiteY4"/>
+                </a:cxn>
+              </a:cxnLst>
+              <a:rect l="l" t="t" r="r" b="b"/>
+              <a:pathLst>
+                <a:path w="666210" h="226783">
+                  <a:moveTo>
+                    <a:pt x="0" y="0"/>
+                  </a:moveTo>
+                  <a:lnTo>
+                    <a:pt x="666210" y="0"/>
+                  </a:lnTo>
+                  <a:lnTo>
+                    <a:pt x="664815" y="6911"/>
+                  </a:lnTo>
+                  <a:cubicBezTo>
+                    <a:pt x="610164" y="136121"/>
+                    <a:pt x="482222" y="226783"/>
+                    <a:pt x="333105" y="226783"/>
+                  </a:cubicBezTo>
+                  <a:cubicBezTo>
+                    <a:pt x="183988" y="226783"/>
+                    <a:pt x="56047" y="136121"/>
+                    <a:pt x="1396" y="6911"/>
+                  </a:cubicBezTo>
+                  <a:close/>
+                </a:path>
+              </a:pathLst>
+            </a:custGeom>
+            <a:solidFill>
+              <a:schemeClr val="bg1">
+                <a:alpha val="50000"/>
+              </a:schemeClr>
+            </a:solidFill>
+            <a:ln>
+              <a:noFill/>
+            </a:ln>
+            <a:effectLst/>
+          </p:spPr>
+          <p:style>
+            <a:lnRef idx="2">
+              <a:schemeClr val="accent1">
+                <a:shade val="50000"/>
+              </a:schemeClr>
+            </a:lnRef>
+            <a:fillRef idx="1">
+              <a:schemeClr val="accent1"/>
+            </a:fillRef>
+            <a:effectRef idx="0">
+              <a:schemeClr val="accent1"/>
+            </a:effectRef>
+            <a:fontRef idx="minor">
+              <a:schemeClr val="lt1"/>
+            </a:fontRef>
+          </p:style>
+          <p:txBody>
+            <a:bodyPr wrap="square" rtlCol="0" anchor="ctr">
+              <a:noAutofit/>
+            </a:bodyPr>
+            <a:lstStyle/>
+            <a:p>
+              <a:pPr algn="ctr"/>
+              <a:endParaRPr lang="zh-CN" altLang="en-US"/>
+            </a:p>
+          </p:txBody>
+        </p:sp>
+        <p:sp>
+          <p:nvSpPr>
+            <p:cNvPr id="55" name="任意多边形: 形状 54">
+              <a:extLst>
+                <a:ext uri="{FF2B5EF4-FFF2-40B4-BE49-F238E27FC236}">
+                  <a16:creationId xmlns:a16="http://schemas.microsoft.com/office/drawing/2014/main" id="{9DB76B74-E4A1-4F3C-9B0C-E7C9009756B6}"/>
+                </a:ext>
+              </a:extLst>
+            </p:cNvPr>
+            <p:cNvSpPr/>
+            <p:nvPr/>
+          </p:nvSpPr>
+          <p:spPr>
+            <a:xfrm>
+              <a:off x="6212663" y="884270"/>
+              <a:ext cx="480296" cy="187301"/>
+            </a:xfrm>
+            <a:custGeom>
+              <a:avLst/>
+              <a:gdLst>
+                <a:gd name="connsiteX0" fmla="*/ 8301 w 468514"/>
+                <a:gd name="connsiteY0" fmla="*/ 0 h 192314"/>
+                <a:gd name="connsiteX1" fmla="*/ 429967 w 468514"/>
+                <a:gd name="connsiteY1" fmla="*/ 0 h 192314"/>
+                <a:gd name="connsiteX2" fmla="*/ 468514 w 468514"/>
+                <a:gd name="connsiteY2" fmla="*/ 119144 h 192314"/>
+                <a:gd name="connsiteX3" fmla="*/ 417717 w 468514"/>
+                <a:gd name="connsiteY3" fmla="*/ 165301 h 192314"/>
+                <a:gd name="connsiteX4" fmla="*/ 361525 w 468514"/>
+                <a:gd name="connsiteY4" fmla="*/ 192314 h 192314"/>
+                <a:gd name="connsiteX5" fmla="*/ 0 w 468514"/>
+                <a:gd name="connsiteY5" fmla="*/ 2686 h 192314"/>
+              </a:gdLst>
+              <a:ahLst/>
+              <a:cxnLst>
+                <a:cxn ang="0">
+                  <a:pos x="connsiteX0" y="connsiteY0"/>
+                </a:cxn>
+                <a:cxn ang="0">
+                  <a:pos x="connsiteX1" y="connsiteY1"/>
+                </a:cxn>
+                <a:cxn ang="0">
+                  <a:pos x="connsiteX2" y="connsiteY2"/>
+                </a:cxn>
+                <a:cxn ang="0">
+                  <a:pos x="connsiteX3" y="connsiteY3"/>
+                </a:cxn>
+                <a:cxn ang="0">
+                  <a:pos x="connsiteX4" y="connsiteY4"/>
+                </a:cxn>
+                <a:cxn ang="0">
+                  <a:pos x="connsiteX5" y="connsiteY5"/>
+                </a:cxn>
+              </a:cxnLst>
+              <a:rect l="l" t="t" r="r" b="b"/>
+              <a:pathLst>
+                <a:path w="468514" h="192314">
+                  <a:moveTo>
+                    <a:pt x="8301" y="0"/>
+                  </a:moveTo>
+                  <a:lnTo>
+                    <a:pt x="429967" y="0"/>
+                  </a:lnTo>
+                  <a:lnTo>
+                    <a:pt x="468514" y="119144"/>
+                  </a:lnTo>
+                  <a:lnTo>
+                    <a:pt x="417717" y="165301"/>
+                  </a:lnTo>
+                  <a:lnTo>
+                    <a:pt x="361525" y="192314"/>
+                  </a:lnTo>
+                  <a:lnTo>
+                    <a:pt x="0" y="2686"/>
+                  </a:lnTo>
+                  <a:close/>
+                </a:path>
+              </a:pathLst>
+            </a:custGeom>
+            <a:solidFill>
+              <a:schemeClr val="bg1">
+                <a:alpha val="50000"/>
+              </a:schemeClr>
+            </a:solidFill>
+            <a:ln>
+              <a:noFill/>
+            </a:ln>
+            <a:effectLst/>
+          </p:spPr>
+          <p:style>
+            <a:lnRef idx="2">
+              <a:schemeClr val="accent1">
+                <a:shade val="50000"/>
+              </a:schemeClr>
+            </a:lnRef>
+            <a:fillRef idx="1">
+              <a:schemeClr val="accent1"/>
+            </a:fillRef>
+            <a:effectRef idx="0">
+              <a:schemeClr val="accent1"/>
+            </a:effectRef>
+            <a:fontRef idx="minor">
+              <a:schemeClr val="lt1"/>
+            </a:fontRef>
+          </p:style>
+          <p:txBody>
+            <a:bodyPr wrap="square" rtlCol="0" anchor="ctr">
+              <a:noAutofit/>
+            </a:bodyPr>
+            <a:lstStyle/>
+            <a:p>
+              <a:pPr algn="ctr"/>
+              <a:endParaRPr lang="zh-CN" altLang="en-US"/>
+            </a:p>
+          </p:txBody>
+        </p:sp>
+      </p:grpSp>
+    </p:spTree>
+    <p:extLst>
+      <p:ext uri="{BB962C8B-B14F-4D97-AF65-F5344CB8AC3E}">
+        <p14:creationId xmlns:p14="http://schemas.microsoft.com/office/powerpoint/2010/main" val="1059686716"/>
+      </p:ext>
+    </p:extLst>
+  </p:cSld>
+  <p:clrMapOvr>
+    <a:masterClrMapping/>
+  </p:clrMapOvr>
+</p:sld>
+</file>
+
+<file path=ppt/slides/slide5.xml><?xml version="1.0" encoding="utf-8"?>
+<p:sld xmlns:a="http://schemas.openxmlformats.org/drawingml/2006/main" xmlns:r="http://schemas.openxmlformats.org/officeDocument/2006/relationships" xmlns:p="http://schemas.openxmlformats.org/presentationml/2006/main">
+  <p:cSld>
+    <p:spTree>
+      <p:nvGrpSpPr>
+        <p:cNvPr id="1" name=""/>
+        <p:cNvGrpSpPr/>
+        <p:nvPr/>
+      </p:nvGrpSpPr>
+      <p:grpSpPr>
+        <a:xfrm>
+          <a:off x="0" y="0"/>
+          <a:ext cx="0" cy="0"/>
+          <a:chOff x="0" y="0"/>
+          <a:chExt cx="0" cy="0"/>
+        </a:xfrm>
+      </p:grpSpPr>
       <p:pic>
         <p:nvPicPr>
           <p:cNvPr id="20" name="图片 19">
@@ -11809,7 +14814,7 @@
 </p:sld>
 </file>
 
-<file path=ppt/slides/slide5.xml><?xml version="1.0" encoding="utf-8"?>
+<file path=ppt/slides/slide6.xml><?xml version="1.0" encoding="utf-8"?>
 <p:sld xmlns:a="http://schemas.openxmlformats.org/drawingml/2006/main" xmlns:r="http://schemas.openxmlformats.org/officeDocument/2006/relationships" xmlns:p="http://schemas.openxmlformats.org/presentationml/2006/main">
   <p:cSld>
     <p:bg>
@@ -14679,7 +17684,7 @@
 </p:sld>
 </file>
 
-<file path=ppt/slides/slide6.xml><?xml version="1.0" encoding="utf-8"?>
+<file path=ppt/slides/slide7.xml><?xml version="1.0" encoding="utf-8"?>
 <p:sld xmlns:a="http://schemas.openxmlformats.org/drawingml/2006/main" xmlns:r="http://schemas.openxmlformats.org/officeDocument/2006/relationships" xmlns:p="http://schemas.openxmlformats.org/presentationml/2006/main">
   <p:cSld>
     <p:spTree>
@@ -16581,7 +19586,7 @@
 </p:sld>
 </file>
 
-<file path=ppt/slides/slide7.xml><?xml version="1.0" encoding="utf-8"?>
+<file path=ppt/slides/slide8.xml><?xml version="1.0" encoding="utf-8"?>
 <p:sld xmlns:a="http://schemas.openxmlformats.org/drawingml/2006/main" xmlns:r="http://schemas.openxmlformats.org/officeDocument/2006/relationships" xmlns:p="http://schemas.openxmlformats.org/presentationml/2006/main">
   <p:cSld>
     <p:spTree>
@@ -19011,7 +22016,7 @@
 </p:sld>
 </file>
 
-<file path=ppt/slides/slide8.xml><?xml version="1.0" encoding="utf-8"?>
+<file path=ppt/slides/slide9.xml><?xml version="1.0" encoding="utf-8"?>
 <p:sld xmlns:a="http://schemas.openxmlformats.org/drawingml/2006/main" xmlns:r="http://schemas.openxmlformats.org/officeDocument/2006/relationships" xmlns:p="http://schemas.openxmlformats.org/presentationml/2006/main">
   <p:cSld>
     <p:bg>

--- a/UI.pptx
+++ b/UI.pptx
@@ -9919,13 +9919,7 @@
             <a:ln>
               <a:noFill/>
             </a:ln>
-            <a:effectLst>
-              <a:outerShdw blurRad="101600" algn="ctr" rotWithShape="0">
-                <a:schemeClr val="tx1">
-                  <a:alpha val="20000"/>
-                </a:schemeClr>
-              </a:outerShdw>
-            </a:effectLst>
+            <a:effectLst/>
           </p:spPr>
           <p:style>
             <a:lnRef idx="2">

--- a/UI.pptx
+++ b/UI.pptx
@@ -267,7 +267,7 @@
           <a:p>
             <a:fld id="{F3BA182F-79D5-4EF3-A581-738F691F52DF}" type="datetimeFigureOut">
               <a:rPr lang="zh-CN" altLang="en-US" smtClean="0"/>
-              <a:t>2019/10/1</a:t>
+              <a:t>2019/12/8 Sunday</a:t>
             </a:fld>
             <a:endParaRPr lang="zh-CN" altLang="en-US"/>
           </a:p>
@@ -465,7 +465,7 @@
           <a:p>
             <a:fld id="{F3BA182F-79D5-4EF3-A581-738F691F52DF}" type="datetimeFigureOut">
               <a:rPr lang="zh-CN" altLang="en-US" smtClean="0"/>
-              <a:t>2019/10/1</a:t>
+              <a:t>2019/12/8 Sunday</a:t>
             </a:fld>
             <a:endParaRPr lang="zh-CN" altLang="en-US"/>
           </a:p>
@@ -673,7 +673,7 @@
           <a:p>
             <a:fld id="{F3BA182F-79D5-4EF3-A581-738F691F52DF}" type="datetimeFigureOut">
               <a:rPr lang="zh-CN" altLang="en-US" smtClean="0"/>
-              <a:t>2019/10/1</a:t>
+              <a:t>2019/12/8 Sunday</a:t>
             </a:fld>
             <a:endParaRPr lang="zh-CN" altLang="en-US"/>
           </a:p>
@@ -871,7 +871,7 @@
           <a:p>
             <a:fld id="{F3BA182F-79D5-4EF3-A581-738F691F52DF}" type="datetimeFigureOut">
               <a:rPr lang="zh-CN" altLang="en-US" smtClean="0"/>
-              <a:t>2019/10/1</a:t>
+              <a:t>2019/12/8 Sunday</a:t>
             </a:fld>
             <a:endParaRPr lang="zh-CN" altLang="en-US"/>
           </a:p>
@@ -1146,7 +1146,7 @@
           <a:p>
             <a:fld id="{F3BA182F-79D5-4EF3-A581-738F691F52DF}" type="datetimeFigureOut">
               <a:rPr lang="zh-CN" altLang="en-US" smtClean="0"/>
-              <a:t>2019/10/1</a:t>
+              <a:t>2019/12/8 Sunday</a:t>
             </a:fld>
             <a:endParaRPr lang="zh-CN" altLang="en-US"/>
           </a:p>
@@ -1411,7 +1411,7 @@
           <a:p>
             <a:fld id="{F3BA182F-79D5-4EF3-A581-738F691F52DF}" type="datetimeFigureOut">
               <a:rPr lang="zh-CN" altLang="en-US" smtClean="0"/>
-              <a:t>2019/10/1</a:t>
+              <a:t>2019/12/8 Sunday</a:t>
             </a:fld>
             <a:endParaRPr lang="zh-CN" altLang="en-US"/>
           </a:p>
@@ -1823,7 +1823,7 @@
           <a:p>
             <a:fld id="{F3BA182F-79D5-4EF3-A581-738F691F52DF}" type="datetimeFigureOut">
               <a:rPr lang="zh-CN" altLang="en-US" smtClean="0"/>
-              <a:t>2019/10/1</a:t>
+              <a:t>2019/12/8 Sunday</a:t>
             </a:fld>
             <a:endParaRPr lang="zh-CN" altLang="en-US"/>
           </a:p>
@@ -1964,7 +1964,7 @@
           <a:p>
             <a:fld id="{F3BA182F-79D5-4EF3-A581-738F691F52DF}" type="datetimeFigureOut">
               <a:rPr lang="zh-CN" altLang="en-US" smtClean="0"/>
-              <a:t>2019/10/1</a:t>
+              <a:t>2019/12/8 Sunday</a:t>
             </a:fld>
             <a:endParaRPr lang="zh-CN" altLang="en-US"/>
           </a:p>
@@ -2077,7 +2077,7 @@
           <a:p>
             <a:fld id="{F3BA182F-79D5-4EF3-A581-738F691F52DF}" type="datetimeFigureOut">
               <a:rPr lang="zh-CN" altLang="en-US" smtClean="0"/>
-              <a:t>2019/10/1</a:t>
+              <a:t>2019/12/8 Sunday</a:t>
             </a:fld>
             <a:endParaRPr lang="zh-CN" altLang="en-US"/>
           </a:p>
@@ -2388,7 +2388,7 @@
           <a:p>
             <a:fld id="{F3BA182F-79D5-4EF3-A581-738F691F52DF}" type="datetimeFigureOut">
               <a:rPr lang="zh-CN" altLang="en-US" smtClean="0"/>
-              <a:t>2019/10/1</a:t>
+              <a:t>2019/12/8 Sunday</a:t>
             </a:fld>
             <a:endParaRPr lang="zh-CN" altLang="en-US"/>
           </a:p>
@@ -2676,7 +2676,7 @@
           <a:p>
             <a:fld id="{F3BA182F-79D5-4EF3-A581-738F691F52DF}" type="datetimeFigureOut">
               <a:rPr lang="zh-CN" altLang="en-US" smtClean="0"/>
-              <a:t>2019/10/1</a:t>
+              <a:t>2019/12/8 Sunday</a:t>
             </a:fld>
             <a:endParaRPr lang="zh-CN" altLang="en-US"/>
           </a:p>
@@ -2917,7 +2917,7 @@
           <a:p>
             <a:fld id="{F3BA182F-79D5-4EF3-A581-738F691F52DF}" type="datetimeFigureOut">
               <a:rPr lang="zh-CN" altLang="en-US" smtClean="0"/>
-              <a:t>2019/10/1</a:t>
+              <a:t>2019/12/8 Sunday</a:t>
             </a:fld>
             <a:endParaRPr lang="zh-CN" altLang="en-US"/>
           </a:p>
@@ -11563,6 +11563,453 @@
           </p:txBody>
         </p:sp>
       </p:grpSp>
+      <p:grpSp>
+        <p:nvGrpSpPr>
+          <p:cNvPr id="50" name="组合 49">
+            <a:extLst>
+              <a:ext uri="{FF2B5EF4-FFF2-40B4-BE49-F238E27FC236}">
+                <a16:creationId xmlns:a16="http://schemas.microsoft.com/office/drawing/2014/main" id="{3B43831A-2BD9-4400-9382-2EA9909DDEC5}"/>
+              </a:ext>
+            </a:extLst>
+          </p:cNvPr>
+          <p:cNvGrpSpPr/>
+          <p:nvPr/>
+        </p:nvGrpSpPr>
+        <p:grpSpPr>
+          <a:xfrm>
+            <a:off x="9427469" y="723632"/>
+            <a:ext cx="1220400" cy="1219359"/>
+            <a:chOff x="6071477" y="391055"/>
+            <a:chExt cx="720000" cy="720000"/>
+          </a:xfrm>
+        </p:grpSpPr>
+        <p:sp>
+          <p:nvSpPr>
+            <p:cNvPr id="58" name="椭圆 57">
+              <a:extLst>
+                <a:ext uri="{FF2B5EF4-FFF2-40B4-BE49-F238E27FC236}">
+                  <a16:creationId xmlns:a16="http://schemas.microsoft.com/office/drawing/2014/main" id="{CA87A800-BC97-4693-9FAA-0F293D3F6130}"/>
+                </a:ext>
+              </a:extLst>
+            </p:cNvPr>
+            <p:cNvSpPr/>
+            <p:nvPr/>
+          </p:nvSpPr>
+          <p:spPr>
+            <a:xfrm>
+              <a:off x="6071477" y="391055"/>
+              <a:ext cx="720000" cy="720000"/>
+            </a:xfrm>
+            <a:prstGeom prst="ellipse">
+              <a:avLst/>
+            </a:prstGeom>
+            <a:gradFill>
+              <a:gsLst>
+                <a:gs pos="0">
+                  <a:srgbClr val="5FE5DD"/>
+                </a:gs>
+                <a:gs pos="100000">
+                  <a:srgbClr val="22D0C4"/>
+                </a:gs>
+              </a:gsLst>
+              <a:path path="circle">
+                <a:fillToRect r="100000" b="100000"/>
+              </a:path>
+            </a:gradFill>
+            <a:ln>
+              <a:noFill/>
+            </a:ln>
+            <a:effectLst>
+              <a:outerShdw blurRad="101600" dist="38100" dir="5400000" algn="t" rotWithShape="0">
+                <a:prstClr val="black">
+                  <a:alpha val="20000"/>
+                </a:prstClr>
+              </a:outerShdw>
+            </a:effectLst>
+          </p:spPr>
+          <p:style>
+            <a:lnRef idx="2">
+              <a:schemeClr val="accent1">
+                <a:shade val="50000"/>
+              </a:schemeClr>
+            </a:lnRef>
+            <a:fillRef idx="1">
+              <a:schemeClr val="accent1"/>
+            </a:fillRef>
+            <a:effectRef idx="0">
+              <a:schemeClr val="accent1"/>
+            </a:effectRef>
+            <a:fontRef idx="minor">
+              <a:schemeClr val="lt1"/>
+            </a:fontRef>
+          </p:style>
+          <p:txBody>
+            <a:bodyPr rtlCol="0" anchor="ctr"/>
+            <a:lstStyle/>
+            <a:p>
+              <a:pPr algn="ctr"/>
+              <a:endParaRPr lang="zh-CN" altLang="en-US"/>
+            </a:p>
+          </p:txBody>
+        </p:sp>
+        <p:grpSp>
+          <p:nvGrpSpPr>
+            <p:cNvPr id="59" name="组合 58">
+              <a:extLst>
+                <a:ext uri="{FF2B5EF4-FFF2-40B4-BE49-F238E27FC236}">
+                  <a16:creationId xmlns:a16="http://schemas.microsoft.com/office/drawing/2014/main" id="{9B0BAB5A-AE44-4811-A8F7-40A53600386A}"/>
+                </a:ext>
+              </a:extLst>
+            </p:cNvPr>
+            <p:cNvGrpSpPr/>
+            <p:nvPr/>
+          </p:nvGrpSpPr>
+          <p:grpSpPr>
+            <a:xfrm>
+              <a:off x="6212659" y="468495"/>
+              <a:ext cx="432875" cy="418685"/>
+              <a:chOff x="4344687" y="1948502"/>
+              <a:chExt cx="966838" cy="935999"/>
+            </a:xfrm>
+          </p:grpSpPr>
+          <p:sp>
+            <p:nvSpPr>
+              <p:cNvPr id="62" name="等腰三角形 61">
+                <a:extLst>
+                  <a:ext uri="{FF2B5EF4-FFF2-40B4-BE49-F238E27FC236}">
+                    <a16:creationId xmlns:a16="http://schemas.microsoft.com/office/drawing/2014/main" id="{B8958622-9015-438C-8D56-F95EF43D9D34}"/>
+                  </a:ext>
+                </a:extLst>
+              </p:cNvPr>
+              <p:cNvSpPr/>
+              <p:nvPr/>
+            </p:nvSpPr>
+            <p:spPr>
+              <a:xfrm>
+                <a:off x="4344687" y="1948502"/>
+                <a:ext cx="794132" cy="935999"/>
+              </a:xfrm>
+              <a:prstGeom prst="triangle">
+                <a:avLst/>
+              </a:prstGeom>
+              <a:solidFill>
+                <a:schemeClr val="bg1"/>
+              </a:solidFill>
+              <a:ln>
+                <a:noFill/>
+              </a:ln>
+              <a:effectLst/>
+            </p:spPr>
+            <p:style>
+              <a:lnRef idx="2">
+                <a:schemeClr val="accent1">
+                  <a:shade val="50000"/>
+                </a:schemeClr>
+              </a:lnRef>
+              <a:fillRef idx="1">
+                <a:schemeClr val="accent1"/>
+              </a:fillRef>
+              <a:effectRef idx="0">
+                <a:schemeClr val="accent1"/>
+              </a:effectRef>
+              <a:fontRef idx="minor">
+                <a:schemeClr val="lt1"/>
+              </a:fontRef>
+            </p:style>
+            <p:txBody>
+              <a:bodyPr rtlCol="0" anchor="ctr"/>
+              <a:lstStyle/>
+              <a:p>
+                <a:pPr algn="ctr"/>
+                <a:endParaRPr lang="zh-CN" altLang="en-US"/>
+              </a:p>
+            </p:txBody>
+          </p:sp>
+          <p:sp>
+            <p:nvSpPr>
+              <p:cNvPr id="63" name="等腰三角形 62">
+                <a:extLst>
+                  <a:ext uri="{FF2B5EF4-FFF2-40B4-BE49-F238E27FC236}">
+                    <a16:creationId xmlns:a16="http://schemas.microsoft.com/office/drawing/2014/main" id="{3DCADBBD-0F4C-4D4C-AD76-F1E12E4A45FC}"/>
+                  </a:ext>
+                </a:extLst>
+              </p:cNvPr>
+              <p:cNvSpPr/>
+              <p:nvPr/>
+            </p:nvSpPr>
+            <p:spPr>
+              <a:xfrm>
+                <a:off x="4712557" y="2269353"/>
+                <a:ext cx="598968" cy="608640"/>
+              </a:xfrm>
+              <a:prstGeom prst="triangle">
+                <a:avLst/>
+              </a:prstGeom>
+              <a:solidFill>
+                <a:schemeClr val="bg1">
+                  <a:alpha val="80000"/>
+                </a:schemeClr>
+              </a:solidFill>
+              <a:ln>
+                <a:noFill/>
+              </a:ln>
+              <a:effectLst/>
+            </p:spPr>
+            <p:style>
+              <a:lnRef idx="2">
+                <a:schemeClr val="accent1">
+                  <a:shade val="50000"/>
+                </a:schemeClr>
+              </a:lnRef>
+              <a:fillRef idx="1">
+                <a:schemeClr val="accent1"/>
+              </a:fillRef>
+              <a:effectRef idx="0">
+                <a:schemeClr val="accent1"/>
+              </a:effectRef>
+              <a:fontRef idx="minor">
+                <a:schemeClr val="lt1"/>
+              </a:fontRef>
+            </p:style>
+            <p:txBody>
+              <a:bodyPr rtlCol="0" anchor="ctr"/>
+              <a:lstStyle/>
+              <a:p>
+                <a:pPr algn="ctr"/>
+                <a:endParaRPr lang="zh-CN" altLang="en-US"/>
+              </a:p>
+            </p:txBody>
+          </p:sp>
+        </p:grpSp>
+        <p:sp>
+          <p:nvSpPr>
+            <p:cNvPr id="60" name="任意多边形: 形状 59">
+              <a:extLst>
+                <a:ext uri="{FF2B5EF4-FFF2-40B4-BE49-F238E27FC236}">
+                  <a16:creationId xmlns:a16="http://schemas.microsoft.com/office/drawing/2014/main" id="{960FF556-8CCB-40A6-8A03-957756730C13}"/>
+                </a:ext>
+              </a:extLst>
+            </p:cNvPr>
+            <p:cNvSpPr/>
+            <p:nvPr/>
+          </p:nvSpPr>
+          <p:spPr>
+            <a:xfrm>
+              <a:off x="6099637" y="884272"/>
+              <a:ext cx="666210" cy="226783"/>
+            </a:xfrm>
+            <a:custGeom>
+              <a:avLst/>
+              <a:gdLst>
+                <a:gd name="connsiteX0" fmla="*/ 0 w 666210"/>
+                <a:gd name="connsiteY0" fmla="*/ 0 h 226783"/>
+                <a:gd name="connsiteX1" fmla="*/ 666210 w 666210"/>
+                <a:gd name="connsiteY1" fmla="*/ 0 h 226783"/>
+                <a:gd name="connsiteX2" fmla="*/ 664815 w 666210"/>
+                <a:gd name="connsiteY2" fmla="*/ 6911 h 226783"/>
+                <a:gd name="connsiteX3" fmla="*/ 333105 w 666210"/>
+                <a:gd name="connsiteY3" fmla="*/ 226783 h 226783"/>
+                <a:gd name="connsiteX4" fmla="*/ 1396 w 666210"/>
+                <a:gd name="connsiteY4" fmla="*/ 6911 h 226783"/>
+              </a:gdLst>
+              <a:ahLst/>
+              <a:cxnLst>
+                <a:cxn ang="0">
+                  <a:pos x="connsiteX0" y="connsiteY0"/>
+                </a:cxn>
+                <a:cxn ang="0">
+                  <a:pos x="connsiteX1" y="connsiteY1"/>
+                </a:cxn>
+                <a:cxn ang="0">
+                  <a:pos x="connsiteX2" y="connsiteY2"/>
+                </a:cxn>
+                <a:cxn ang="0">
+                  <a:pos x="connsiteX3" y="connsiteY3"/>
+                </a:cxn>
+                <a:cxn ang="0">
+                  <a:pos x="connsiteX4" y="connsiteY4"/>
+                </a:cxn>
+              </a:cxnLst>
+              <a:rect l="l" t="t" r="r" b="b"/>
+              <a:pathLst>
+                <a:path w="666210" h="226783">
+                  <a:moveTo>
+                    <a:pt x="0" y="0"/>
+                  </a:moveTo>
+                  <a:lnTo>
+                    <a:pt x="666210" y="0"/>
+                  </a:lnTo>
+                  <a:lnTo>
+                    <a:pt x="664815" y="6911"/>
+                  </a:lnTo>
+                  <a:cubicBezTo>
+                    <a:pt x="610164" y="136121"/>
+                    <a:pt x="482222" y="226783"/>
+                    <a:pt x="333105" y="226783"/>
+                  </a:cubicBezTo>
+                  <a:cubicBezTo>
+                    <a:pt x="183988" y="226783"/>
+                    <a:pt x="56047" y="136121"/>
+                    <a:pt x="1396" y="6911"/>
+                  </a:cubicBezTo>
+                  <a:close/>
+                </a:path>
+              </a:pathLst>
+            </a:custGeom>
+            <a:solidFill>
+              <a:schemeClr val="bg1">
+                <a:alpha val="50000"/>
+              </a:schemeClr>
+            </a:solidFill>
+            <a:ln>
+              <a:noFill/>
+            </a:ln>
+            <a:effectLst/>
+          </p:spPr>
+          <p:style>
+            <a:lnRef idx="2">
+              <a:schemeClr val="accent1">
+                <a:shade val="50000"/>
+              </a:schemeClr>
+            </a:lnRef>
+            <a:fillRef idx="1">
+              <a:schemeClr val="accent1"/>
+            </a:fillRef>
+            <a:effectRef idx="0">
+              <a:schemeClr val="accent1"/>
+            </a:effectRef>
+            <a:fontRef idx="minor">
+              <a:schemeClr val="lt1"/>
+            </a:fontRef>
+          </p:style>
+          <p:txBody>
+            <a:bodyPr wrap="square" rtlCol="0" anchor="ctr">
+              <a:noAutofit/>
+            </a:bodyPr>
+            <a:lstStyle/>
+            <a:p>
+              <a:pPr algn="ctr"/>
+              <a:endParaRPr lang="zh-CN" altLang="en-US"/>
+            </a:p>
+          </p:txBody>
+        </p:sp>
+        <p:sp>
+          <p:nvSpPr>
+            <p:cNvPr id="61" name="任意多边形: 形状 60">
+              <a:extLst>
+                <a:ext uri="{FF2B5EF4-FFF2-40B4-BE49-F238E27FC236}">
+                  <a16:creationId xmlns:a16="http://schemas.microsoft.com/office/drawing/2014/main" id="{D6673751-B388-480D-B5D1-4FD8FDFD621E}"/>
+                </a:ext>
+              </a:extLst>
+            </p:cNvPr>
+            <p:cNvSpPr/>
+            <p:nvPr/>
+          </p:nvSpPr>
+          <p:spPr>
+            <a:xfrm>
+              <a:off x="6212663" y="884270"/>
+              <a:ext cx="480296" cy="187301"/>
+            </a:xfrm>
+            <a:custGeom>
+              <a:avLst/>
+              <a:gdLst>
+                <a:gd name="connsiteX0" fmla="*/ 8301 w 468514"/>
+                <a:gd name="connsiteY0" fmla="*/ 0 h 192314"/>
+                <a:gd name="connsiteX1" fmla="*/ 429967 w 468514"/>
+                <a:gd name="connsiteY1" fmla="*/ 0 h 192314"/>
+                <a:gd name="connsiteX2" fmla="*/ 468514 w 468514"/>
+                <a:gd name="connsiteY2" fmla="*/ 119144 h 192314"/>
+                <a:gd name="connsiteX3" fmla="*/ 417717 w 468514"/>
+                <a:gd name="connsiteY3" fmla="*/ 165301 h 192314"/>
+                <a:gd name="connsiteX4" fmla="*/ 361525 w 468514"/>
+                <a:gd name="connsiteY4" fmla="*/ 192314 h 192314"/>
+                <a:gd name="connsiteX5" fmla="*/ 0 w 468514"/>
+                <a:gd name="connsiteY5" fmla="*/ 2686 h 192314"/>
+              </a:gdLst>
+              <a:ahLst/>
+              <a:cxnLst>
+                <a:cxn ang="0">
+                  <a:pos x="connsiteX0" y="connsiteY0"/>
+                </a:cxn>
+                <a:cxn ang="0">
+                  <a:pos x="connsiteX1" y="connsiteY1"/>
+                </a:cxn>
+                <a:cxn ang="0">
+                  <a:pos x="connsiteX2" y="connsiteY2"/>
+                </a:cxn>
+                <a:cxn ang="0">
+                  <a:pos x="connsiteX3" y="connsiteY3"/>
+                </a:cxn>
+                <a:cxn ang="0">
+                  <a:pos x="connsiteX4" y="connsiteY4"/>
+                </a:cxn>
+                <a:cxn ang="0">
+                  <a:pos x="connsiteX5" y="connsiteY5"/>
+                </a:cxn>
+              </a:cxnLst>
+              <a:rect l="l" t="t" r="r" b="b"/>
+              <a:pathLst>
+                <a:path w="468514" h="192314">
+                  <a:moveTo>
+                    <a:pt x="8301" y="0"/>
+                  </a:moveTo>
+                  <a:lnTo>
+                    <a:pt x="429967" y="0"/>
+                  </a:lnTo>
+                  <a:lnTo>
+                    <a:pt x="468514" y="119144"/>
+                  </a:lnTo>
+                  <a:lnTo>
+                    <a:pt x="417717" y="165301"/>
+                  </a:lnTo>
+                  <a:lnTo>
+                    <a:pt x="361525" y="192314"/>
+                  </a:lnTo>
+                  <a:lnTo>
+                    <a:pt x="0" y="2686"/>
+                  </a:lnTo>
+                  <a:close/>
+                </a:path>
+              </a:pathLst>
+            </a:custGeom>
+            <a:solidFill>
+              <a:schemeClr val="bg1">
+                <a:alpha val="50000"/>
+              </a:schemeClr>
+            </a:solidFill>
+            <a:ln>
+              <a:noFill/>
+            </a:ln>
+            <a:effectLst/>
+          </p:spPr>
+          <p:style>
+            <a:lnRef idx="2">
+              <a:schemeClr val="accent1">
+                <a:shade val="50000"/>
+              </a:schemeClr>
+            </a:lnRef>
+            <a:fillRef idx="1">
+              <a:schemeClr val="accent1"/>
+            </a:fillRef>
+            <a:effectRef idx="0">
+              <a:schemeClr val="accent1"/>
+            </a:effectRef>
+            <a:fontRef idx="minor">
+              <a:schemeClr val="lt1"/>
+            </a:fontRef>
+          </p:style>
+          <p:txBody>
+            <a:bodyPr wrap="square" rtlCol="0" anchor="ctr">
+              <a:noAutofit/>
+            </a:bodyPr>
+            <a:lstStyle/>
+            <a:p>
+              <a:pPr algn="ctr"/>
+              <a:endParaRPr lang="zh-CN" altLang="en-US"/>
+            </a:p>
+          </p:txBody>
+        </p:sp>
+      </p:grpSp>
     </p:spTree>
     <p:extLst>
       <p:ext uri="{BB962C8B-B14F-4D97-AF65-F5344CB8AC3E}">

--- a/UI.pptx
+++ b/UI.pptx
@@ -9,11 +9,10 @@
     <p:sldId id="265" r:id="rId3"/>
     <p:sldId id="264" r:id="rId4"/>
     <p:sldId id="269" r:id="rId5"/>
-    <p:sldId id="268" r:id="rId6"/>
-    <p:sldId id="266" r:id="rId7"/>
-    <p:sldId id="262" r:id="rId8"/>
-    <p:sldId id="267" r:id="rId9"/>
-    <p:sldId id="263" r:id="rId10"/>
+    <p:sldId id="266" r:id="rId6"/>
+    <p:sldId id="262" r:id="rId7"/>
+    <p:sldId id="267" r:id="rId8"/>
+    <p:sldId id="263" r:id="rId9"/>
   </p:sldIdLst>
   <p:sldSz cx="12192000" cy="6858000"/>
   <p:notesSz cx="6858000" cy="9144000"/>
@@ -267,7 +266,7 @@
           <a:p>
             <a:fld id="{F3BA182F-79D5-4EF3-A581-738F691F52DF}" type="datetimeFigureOut">
               <a:rPr lang="zh-CN" altLang="en-US" smtClean="0"/>
-              <a:t>2019/12/8 Sunday</a:t>
+              <a:t>2019/12/9</a:t>
             </a:fld>
             <a:endParaRPr lang="zh-CN" altLang="en-US"/>
           </a:p>
@@ -465,7 +464,7 @@
           <a:p>
             <a:fld id="{F3BA182F-79D5-4EF3-A581-738F691F52DF}" type="datetimeFigureOut">
               <a:rPr lang="zh-CN" altLang="en-US" smtClean="0"/>
-              <a:t>2019/12/8 Sunday</a:t>
+              <a:t>2019/12/9</a:t>
             </a:fld>
             <a:endParaRPr lang="zh-CN" altLang="en-US"/>
           </a:p>
@@ -673,7 +672,7 @@
           <a:p>
             <a:fld id="{F3BA182F-79D5-4EF3-A581-738F691F52DF}" type="datetimeFigureOut">
               <a:rPr lang="zh-CN" altLang="en-US" smtClean="0"/>
-              <a:t>2019/12/8 Sunday</a:t>
+              <a:t>2019/12/9</a:t>
             </a:fld>
             <a:endParaRPr lang="zh-CN" altLang="en-US"/>
           </a:p>
@@ -871,7 +870,7 @@
           <a:p>
             <a:fld id="{F3BA182F-79D5-4EF3-A581-738F691F52DF}" type="datetimeFigureOut">
               <a:rPr lang="zh-CN" altLang="en-US" smtClean="0"/>
-              <a:t>2019/12/8 Sunday</a:t>
+              <a:t>2019/12/9</a:t>
             </a:fld>
             <a:endParaRPr lang="zh-CN" altLang="en-US"/>
           </a:p>
@@ -1146,7 +1145,7 @@
           <a:p>
             <a:fld id="{F3BA182F-79D5-4EF3-A581-738F691F52DF}" type="datetimeFigureOut">
               <a:rPr lang="zh-CN" altLang="en-US" smtClean="0"/>
-              <a:t>2019/12/8 Sunday</a:t>
+              <a:t>2019/12/9</a:t>
             </a:fld>
             <a:endParaRPr lang="zh-CN" altLang="en-US"/>
           </a:p>
@@ -1411,7 +1410,7 @@
           <a:p>
             <a:fld id="{F3BA182F-79D5-4EF3-A581-738F691F52DF}" type="datetimeFigureOut">
               <a:rPr lang="zh-CN" altLang="en-US" smtClean="0"/>
-              <a:t>2019/12/8 Sunday</a:t>
+              <a:t>2019/12/9</a:t>
             </a:fld>
             <a:endParaRPr lang="zh-CN" altLang="en-US"/>
           </a:p>
@@ -1823,7 +1822,7 @@
           <a:p>
             <a:fld id="{F3BA182F-79D5-4EF3-A581-738F691F52DF}" type="datetimeFigureOut">
               <a:rPr lang="zh-CN" altLang="en-US" smtClean="0"/>
-              <a:t>2019/12/8 Sunday</a:t>
+              <a:t>2019/12/9</a:t>
             </a:fld>
             <a:endParaRPr lang="zh-CN" altLang="en-US"/>
           </a:p>
@@ -1964,7 +1963,7 @@
           <a:p>
             <a:fld id="{F3BA182F-79D5-4EF3-A581-738F691F52DF}" type="datetimeFigureOut">
               <a:rPr lang="zh-CN" altLang="en-US" smtClean="0"/>
-              <a:t>2019/12/8 Sunday</a:t>
+              <a:t>2019/12/9</a:t>
             </a:fld>
             <a:endParaRPr lang="zh-CN" altLang="en-US"/>
           </a:p>
@@ -2077,7 +2076,7 @@
           <a:p>
             <a:fld id="{F3BA182F-79D5-4EF3-A581-738F691F52DF}" type="datetimeFigureOut">
               <a:rPr lang="zh-CN" altLang="en-US" smtClean="0"/>
-              <a:t>2019/12/8 Sunday</a:t>
+              <a:t>2019/12/9</a:t>
             </a:fld>
             <a:endParaRPr lang="zh-CN" altLang="en-US"/>
           </a:p>
@@ -2388,7 +2387,7 @@
           <a:p>
             <a:fld id="{F3BA182F-79D5-4EF3-A581-738F691F52DF}" type="datetimeFigureOut">
               <a:rPr lang="zh-CN" altLang="en-US" smtClean="0"/>
-              <a:t>2019/12/8 Sunday</a:t>
+              <a:t>2019/12/9</a:t>
             </a:fld>
             <a:endParaRPr lang="zh-CN" altLang="en-US"/>
           </a:p>
@@ -2676,7 +2675,7 @@
           <a:p>
             <a:fld id="{F3BA182F-79D5-4EF3-A581-738F691F52DF}" type="datetimeFigureOut">
               <a:rPr lang="zh-CN" altLang="en-US" smtClean="0"/>
-              <a:t>2019/12/8 Sunday</a:t>
+              <a:t>2019/12/9</a:t>
             </a:fld>
             <a:endParaRPr lang="zh-CN" altLang="en-US"/>
           </a:p>
@@ -2917,7 +2916,7 @@
           <a:p>
             <a:fld id="{F3BA182F-79D5-4EF3-A581-738F691F52DF}" type="datetimeFigureOut">
               <a:rPr lang="zh-CN" altLang="en-US" smtClean="0"/>
-              <a:t>2019/12/8 Sunday</a:t>
+              <a:t>2019/12/9</a:t>
             </a:fld>
             <a:endParaRPr lang="zh-CN" altLang="en-US"/>
           </a:p>
@@ -12010,6 +12009,876 @@
           </p:txBody>
         </p:sp>
       </p:grpSp>
+      <p:grpSp>
+        <p:nvGrpSpPr>
+          <p:cNvPr id="64" name="组合 63">
+            <a:extLst>
+              <a:ext uri="{FF2B5EF4-FFF2-40B4-BE49-F238E27FC236}">
+                <a16:creationId xmlns:a16="http://schemas.microsoft.com/office/drawing/2014/main" id="{56B9B9B1-3668-4923-AF55-98041BC228CC}"/>
+              </a:ext>
+            </a:extLst>
+          </p:cNvPr>
+          <p:cNvGrpSpPr>
+            <a:grpSpLocks/>
+          </p:cNvGrpSpPr>
+          <p:nvPr/>
+        </p:nvGrpSpPr>
+        <p:grpSpPr>
+          <a:xfrm>
+            <a:off x="6613292" y="4581313"/>
+            <a:ext cx="540460" cy="540000"/>
+            <a:chOff x="6071477" y="391055"/>
+            <a:chExt cx="720000" cy="720000"/>
+          </a:xfrm>
+        </p:grpSpPr>
+        <p:sp>
+          <p:nvSpPr>
+            <p:cNvPr id="65" name="椭圆 64">
+              <a:extLst>
+                <a:ext uri="{FF2B5EF4-FFF2-40B4-BE49-F238E27FC236}">
+                  <a16:creationId xmlns:a16="http://schemas.microsoft.com/office/drawing/2014/main" id="{CA77E343-7627-4F68-B0B6-74FE5E5700AF}"/>
+                </a:ext>
+              </a:extLst>
+            </p:cNvPr>
+            <p:cNvSpPr/>
+            <p:nvPr/>
+          </p:nvSpPr>
+          <p:spPr>
+            <a:xfrm>
+              <a:off x="6071477" y="391055"/>
+              <a:ext cx="720000" cy="720000"/>
+            </a:xfrm>
+            <a:prstGeom prst="ellipse">
+              <a:avLst/>
+            </a:prstGeom>
+            <a:gradFill>
+              <a:gsLst>
+                <a:gs pos="0">
+                  <a:srgbClr val="5FE5DD"/>
+                </a:gs>
+                <a:gs pos="100000">
+                  <a:srgbClr val="22D0C4"/>
+                </a:gs>
+              </a:gsLst>
+              <a:path path="circle">
+                <a:fillToRect r="100000" b="100000"/>
+              </a:path>
+            </a:gradFill>
+            <a:ln>
+              <a:noFill/>
+            </a:ln>
+            <a:effectLst>
+              <a:outerShdw blurRad="203200" algn="ctr" rotWithShape="0">
+                <a:prstClr val="black">
+                  <a:alpha val="20000"/>
+                </a:prstClr>
+              </a:outerShdw>
+            </a:effectLst>
+          </p:spPr>
+          <p:style>
+            <a:lnRef idx="2">
+              <a:schemeClr val="accent1">
+                <a:shade val="50000"/>
+              </a:schemeClr>
+            </a:lnRef>
+            <a:fillRef idx="1">
+              <a:schemeClr val="accent1"/>
+            </a:fillRef>
+            <a:effectRef idx="0">
+              <a:schemeClr val="accent1"/>
+            </a:effectRef>
+            <a:fontRef idx="minor">
+              <a:schemeClr val="lt1"/>
+            </a:fontRef>
+          </p:style>
+          <p:txBody>
+            <a:bodyPr rtlCol="0" anchor="ctr"/>
+            <a:lstStyle/>
+            <a:p>
+              <a:pPr algn="ctr"/>
+              <a:endParaRPr lang="zh-CN" altLang="en-US"/>
+            </a:p>
+          </p:txBody>
+        </p:sp>
+        <p:grpSp>
+          <p:nvGrpSpPr>
+            <p:cNvPr id="66" name="组合 65">
+              <a:extLst>
+                <a:ext uri="{FF2B5EF4-FFF2-40B4-BE49-F238E27FC236}">
+                  <a16:creationId xmlns:a16="http://schemas.microsoft.com/office/drawing/2014/main" id="{4077A588-24B2-4E00-8A52-65F1FF0578E5}"/>
+                </a:ext>
+              </a:extLst>
+            </p:cNvPr>
+            <p:cNvGrpSpPr/>
+            <p:nvPr/>
+          </p:nvGrpSpPr>
+          <p:grpSpPr>
+            <a:xfrm>
+              <a:off x="6212659" y="468495"/>
+              <a:ext cx="432875" cy="418685"/>
+              <a:chOff x="4344687" y="1948502"/>
+              <a:chExt cx="966838" cy="935999"/>
+            </a:xfrm>
+          </p:grpSpPr>
+          <p:sp>
+            <p:nvSpPr>
+              <p:cNvPr id="69" name="等腰三角形 68">
+                <a:extLst>
+                  <a:ext uri="{FF2B5EF4-FFF2-40B4-BE49-F238E27FC236}">
+                    <a16:creationId xmlns:a16="http://schemas.microsoft.com/office/drawing/2014/main" id="{D16C9B6B-285B-42D7-84ED-F5580965C46E}"/>
+                  </a:ext>
+                </a:extLst>
+              </p:cNvPr>
+              <p:cNvSpPr/>
+              <p:nvPr/>
+            </p:nvSpPr>
+            <p:spPr>
+              <a:xfrm>
+                <a:off x="4344687" y="1948502"/>
+                <a:ext cx="794132" cy="935999"/>
+              </a:xfrm>
+              <a:prstGeom prst="triangle">
+                <a:avLst/>
+              </a:prstGeom>
+              <a:solidFill>
+                <a:schemeClr val="bg1"/>
+              </a:solidFill>
+              <a:ln>
+                <a:noFill/>
+              </a:ln>
+              <a:effectLst/>
+            </p:spPr>
+            <p:style>
+              <a:lnRef idx="2">
+                <a:schemeClr val="accent1">
+                  <a:shade val="50000"/>
+                </a:schemeClr>
+              </a:lnRef>
+              <a:fillRef idx="1">
+                <a:schemeClr val="accent1"/>
+              </a:fillRef>
+              <a:effectRef idx="0">
+                <a:schemeClr val="accent1"/>
+              </a:effectRef>
+              <a:fontRef idx="minor">
+                <a:schemeClr val="lt1"/>
+              </a:fontRef>
+            </p:style>
+            <p:txBody>
+              <a:bodyPr rtlCol="0" anchor="ctr"/>
+              <a:lstStyle/>
+              <a:p>
+                <a:pPr algn="ctr"/>
+                <a:endParaRPr lang="zh-CN" altLang="en-US"/>
+              </a:p>
+            </p:txBody>
+          </p:sp>
+          <p:sp>
+            <p:nvSpPr>
+              <p:cNvPr id="70" name="等腰三角形 69">
+                <a:extLst>
+                  <a:ext uri="{FF2B5EF4-FFF2-40B4-BE49-F238E27FC236}">
+                    <a16:creationId xmlns:a16="http://schemas.microsoft.com/office/drawing/2014/main" id="{ECBAE5BB-301F-418D-A505-9CF8D60E7EA3}"/>
+                  </a:ext>
+                </a:extLst>
+              </p:cNvPr>
+              <p:cNvSpPr/>
+              <p:nvPr/>
+            </p:nvSpPr>
+            <p:spPr>
+              <a:xfrm>
+                <a:off x="4712557" y="2269353"/>
+                <a:ext cx="598968" cy="608640"/>
+              </a:xfrm>
+              <a:prstGeom prst="triangle">
+                <a:avLst/>
+              </a:prstGeom>
+              <a:solidFill>
+                <a:schemeClr val="bg1">
+                  <a:alpha val="80000"/>
+                </a:schemeClr>
+              </a:solidFill>
+              <a:ln>
+                <a:noFill/>
+              </a:ln>
+              <a:effectLst/>
+            </p:spPr>
+            <p:style>
+              <a:lnRef idx="2">
+                <a:schemeClr val="accent1">
+                  <a:shade val="50000"/>
+                </a:schemeClr>
+              </a:lnRef>
+              <a:fillRef idx="1">
+                <a:schemeClr val="accent1"/>
+              </a:fillRef>
+              <a:effectRef idx="0">
+                <a:schemeClr val="accent1"/>
+              </a:effectRef>
+              <a:fontRef idx="minor">
+                <a:schemeClr val="lt1"/>
+              </a:fontRef>
+            </p:style>
+            <p:txBody>
+              <a:bodyPr rtlCol="0" anchor="ctr"/>
+              <a:lstStyle/>
+              <a:p>
+                <a:pPr algn="ctr"/>
+                <a:endParaRPr lang="zh-CN" altLang="en-US"/>
+              </a:p>
+            </p:txBody>
+          </p:sp>
+        </p:grpSp>
+        <p:sp>
+          <p:nvSpPr>
+            <p:cNvPr id="67" name="任意多边形: 形状 66">
+              <a:extLst>
+                <a:ext uri="{FF2B5EF4-FFF2-40B4-BE49-F238E27FC236}">
+                  <a16:creationId xmlns:a16="http://schemas.microsoft.com/office/drawing/2014/main" id="{B2C15DCF-C566-4309-89B7-1BCD092B36F3}"/>
+                </a:ext>
+              </a:extLst>
+            </p:cNvPr>
+            <p:cNvSpPr/>
+            <p:nvPr/>
+          </p:nvSpPr>
+          <p:spPr>
+            <a:xfrm>
+              <a:off x="6099637" y="884272"/>
+              <a:ext cx="666210" cy="226783"/>
+            </a:xfrm>
+            <a:custGeom>
+              <a:avLst/>
+              <a:gdLst>
+                <a:gd name="connsiteX0" fmla="*/ 0 w 666210"/>
+                <a:gd name="connsiteY0" fmla="*/ 0 h 226783"/>
+                <a:gd name="connsiteX1" fmla="*/ 666210 w 666210"/>
+                <a:gd name="connsiteY1" fmla="*/ 0 h 226783"/>
+                <a:gd name="connsiteX2" fmla="*/ 664815 w 666210"/>
+                <a:gd name="connsiteY2" fmla="*/ 6911 h 226783"/>
+                <a:gd name="connsiteX3" fmla="*/ 333105 w 666210"/>
+                <a:gd name="connsiteY3" fmla="*/ 226783 h 226783"/>
+                <a:gd name="connsiteX4" fmla="*/ 1396 w 666210"/>
+                <a:gd name="connsiteY4" fmla="*/ 6911 h 226783"/>
+              </a:gdLst>
+              <a:ahLst/>
+              <a:cxnLst>
+                <a:cxn ang="0">
+                  <a:pos x="connsiteX0" y="connsiteY0"/>
+                </a:cxn>
+                <a:cxn ang="0">
+                  <a:pos x="connsiteX1" y="connsiteY1"/>
+                </a:cxn>
+                <a:cxn ang="0">
+                  <a:pos x="connsiteX2" y="connsiteY2"/>
+                </a:cxn>
+                <a:cxn ang="0">
+                  <a:pos x="connsiteX3" y="connsiteY3"/>
+                </a:cxn>
+                <a:cxn ang="0">
+                  <a:pos x="connsiteX4" y="connsiteY4"/>
+                </a:cxn>
+              </a:cxnLst>
+              <a:rect l="l" t="t" r="r" b="b"/>
+              <a:pathLst>
+                <a:path w="666210" h="226783">
+                  <a:moveTo>
+                    <a:pt x="0" y="0"/>
+                  </a:moveTo>
+                  <a:lnTo>
+                    <a:pt x="666210" y="0"/>
+                  </a:lnTo>
+                  <a:lnTo>
+                    <a:pt x="664815" y="6911"/>
+                  </a:lnTo>
+                  <a:cubicBezTo>
+                    <a:pt x="610164" y="136121"/>
+                    <a:pt x="482222" y="226783"/>
+                    <a:pt x="333105" y="226783"/>
+                  </a:cubicBezTo>
+                  <a:cubicBezTo>
+                    <a:pt x="183988" y="226783"/>
+                    <a:pt x="56047" y="136121"/>
+                    <a:pt x="1396" y="6911"/>
+                  </a:cubicBezTo>
+                  <a:close/>
+                </a:path>
+              </a:pathLst>
+            </a:custGeom>
+            <a:solidFill>
+              <a:schemeClr val="bg1">
+                <a:alpha val="50000"/>
+              </a:schemeClr>
+            </a:solidFill>
+            <a:ln>
+              <a:noFill/>
+            </a:ln>
+            <a:effectLst/>
+          </p:spPr>
+          <p:style>
+            <a:lnRef idx="2">
+              <a:schemeClr val="accent1">
+                <a:shade val="50000"/>
+              </a:schemeClr>
+            </a:lnRef>
+            <a:fillRef idx="1">
+              <a:schemeClr val="accent1"/>
+            </a:fillRef>
+            <a:effectRef idx="0">
+              <a:schemeClr val="accent1"/>
+            </a:effectRef>
+            <a:fontRef idx="minor">
+              <a:schemeClr val="lt1"/>
+            </a:fontRef>
+          </p:style>
+          <p:txBody>
+            <a:bodyPr wrap="square" rtlCol="0" anchor="ctr">
+              <a:noAutofit/>
+            </a:bodyPr>
+            <a:lstStyle/>
+            <a:p>
+              <a:pPr algn="ctr"/>
+              <a:endParaRPr lang="zh-CN" altLang="en-US"/>
+            </a:p>
+          </p:txBody>
+        </p:sp>
+        <p:sp>
+          <p:nvSpPr>
+            <p:cNvPr id="68" name="任意多边形: 形状 67">
+              <a:extLst>
+                <a:ext uri="{FF2B5EF4-FFF2-40B4-BE49-F238E27FC236}">
+                  <a16:creationId xmlns:a16="http://schemas.microsoft.com/office/drawing/2014/main" id="{FC73E206-DA2D-4684-BFBF-C0DFAA4A4FC9}"/>
+                </a:ext>
+              </a:extLst>
+            </p:cNvPr>
+            <p:cNvSpPr/>
+            <p:nvPr/>
+          </p:nvSpPr>
+          <p:spPr>
+            <a:xfrm>
+              <a:off x="6212663" y="884270"/>
+              <a:ext cx="480296" cy="187301"/>
+            </a:xfrm>
+            <a:custGeom>
+              <a:avLst/>
+              <a:gdLst>
+                <a:gd name="connsiteX0" fmla="*/ 8301 w 468514"/>
+                <a:gd name="connsiteY0" fmla="*/ 0 h 192314"/>
+                <a:gd name="connsiteX1" fmla="*/ 429967 w 468514"/>
+                <a:gd name="connsiteY1" fmla="*/ 0 h 192314"/>
+                <a:gd name="connsiteX2" fmla="*/ 468514 w 468514"/>
+                <a:gd name="connsiteY2" fmla="*/ 119144 h 192314"/>
+                <a:gd name="connsiteX3" fmla="*/ 417717 w 468514"/>
+                <a:gd name="connsiteY3" fmla="*/ 165301 h 192314"/>
+                <a:gd name="connsiteX4" fmla="*/ 361525 w 468514"/>
+                <a:gd name="connsiteY4" fmla="*/ 192314 h 192314"/>
+                <a:gd name="connsiteX5" fmla="*/ 0 w 468514"/>
+                <a:gd name="connsiteY5" fmla="*/ 2686 h 192314"/>
+              </a:gdLst>
+              <a:ahLst/>
+              <a:cxnLst>
+                <a:cxn ang="0">
+                  <a:pos x="connsiteX0" y="connsiteY0"/>
+                </a:cxn>
+                <a:cxn ang="0">
+                  <a:pos x="connsiteX1" y="connsiteY1"/>
+                </a:cxn>
+                <a:cxn ang="0">
+                  <a:pos x="connsiteX2" y="connsiteY2"/>
+                </a:cxn>
+                <a:cxn ang="0">
+                  <a:pos x="connsiteX3" y="connsiteY3"/>
+                </a:cxn>
+                <a:cxn ang="0">
+                  <a:pos x="connsiteX4" y="connsiteY4"/>
+                </a:cxn>
+                <a:cxn ang="0">
+                  <a:pos x="connsiteX5" y="connsiteY5"/>
+                </a:cxn>
+              </a:cxnLst>
+              <a:rect l="l" t="t" r="r" b="b"/>
+              <a:pathLst>
+                <a:path w="468514" h="192314">
+                  <a:moveTo>
+                    <a:pt x="8301" y="0"/>
+                  </a:moveTo>
+                  <a:lnTo>
+                    <a:pt x="429967" y="0"/>
+                  </a:lnTo>
+                  <a:lnTo>
+                    <a:pt x="468514" y="119144"/>
+                  </a:lnTo>
+                  <a:lnTo>
+                    <a:pt x="417717" y="165301"/>
+                  </a:lnTo>
+                  <a:lnTo>
+                    <a:pt x="361525" y="192314"/>
+                  </a:lnTo>
+                  <a:lnTo>
+                    <a:pt x="0" y="2686"/>
+                  </a:lnTo>
+                  <a:close/>
+                </a:path>
+              </a:pathLst>
+            </a:custGeom>
+            <a:solidFill>
+              <a:schemeClr val="bg1">
+                <a:alpha val="50000"/>
+              </a:schemeClr>
+            </a:solidFill>
+            <a:ln>
+              <a:noFill/>
+            </a:ln>
+            <a:effectLst/>
+          </p:spPr>
+          <p:style>
+            <a:lnRef idx="2">
+              <a:schemeClr val="accent1">
+                <a:shade val="50000"/>
+              </a:schemeClr>
+            </a:lnRef>
+            <a:fillRef idx="1">
+              <a:schemeClr val="accent1"/>
+            </a:fillRef>
+            <a:effectRef idx="0">
+              <a:schemeClr val="accent1"/>
+            </a:effectRef>
+            <a:fontRef idx="minor">
+              <a:schemeClr val="lt1"/>
+            </a:fontRef>
+          </p:style>
+          <p:txBody>
+            <a:bodyPr wrap="square" rtlCol="0" anchor="ctr">
+              <a:noAutofit/>
+            </a:bodyPr>
+            <a:lstStyle/>
+            <a:p>
+              <a:pPr algn="ctr"/>
+              <a:endParaRPr lang="zh-CN" altLang="en-US"/>
+            </a:p>
+          </p:txBody>
+        </p:sp>
+      </p:grpSp>
+      <p:sp>
+        <p:nvSpPr>
+          <p:cNvPr id="72" name="椭圆 71">
+            <a:extLst>
+              <a:ext uri="{FF2B5EF4-FFF2-40B4-BE49-F238E27FC236}">
+                <a16:creationId xmlns:a16="http://schemas.microsoft.com/office/drawing/2014/main" id="{1857A218-0101-4513-9FC8-3012B4FC873F}"/>
+              </a:ext>
+            </a:extLst>
+          </p:cNvPr>
+          <p:cNvSpPr/>
+          <p:nvPr/>
+        </p:nvSpPr>
+        <p:spPr>
+          <a:xfrm>
+            <a:off x="7793266" y="4581313"/>
+            <a:ext cx="540460" cy="540000"/>
+          </a:xfrm>
+          <a:prstGeom prst="ellipse">
+            <a:avLst/>
+          </a:prstGeom>
+          <a:solidFill>
+            <a:srgbClr val="E9403A"/>
+          </a:solidFill>
+          <a:ln>
+            <a:noFill/>
+          </a:ln>
+          <a:effectLst>
+            <a:outerShdw blurRad="101600" algn="ctr" rotWithShape="0">
+              <a:prstClr val="black">
+                <a:alpha val="30000"/>
+              </a:prstClr>
+            </a:outerShdw>
+          </a:effectLst>
+        </p:spPr>
+        <p:style>
+          <a:lnRef idx="2">
+            <a:schemeClr val="accent1">
+              <a:shade val="50000"/>
+            </a:schemeClr>
+          </a:lnRef>
+          <a:fillRef idx="1">
+            <a:schemeClr val="accent1"/>
+          </a:fillRef>
+          <a:effectRef idx="0">
+            <a:schemeClr val="accent1"/>
+          </a:effectRef>
+          <a:fontRef idx="minor">
+            <a:schemeClr val="lt1"/>
+          </a:fontRef>
+        </p:style>
+        <p:txBody>
+          <a:bodyPr rtlCol="0" anchor="ctr"/>
+          <a:lstStyle/>
+          <a:p>
+            <a:pPr algn="ctr"/>
+            <a:endParaRPr lang="zh-CN" altLang="en-US" sz="2400" dirty="0">
+              <a:latin typeface="Abadi" panose="020B0604020104020204" pitchFamily="34" charset="0"/>
+            </a:endParaRPr>
+          </a:p>
+        </p:txBody>
+      </p:sp>
+      <p:grpSp>
+        <p:nvGrpSpPr>
+          <p:cNvPr id="11" name="组合 10">
+            <a:extLst>
+              <a:ext uri="{FF2B5EF4-FFF2-40B4-BE49-F238E27FC236}">
+                <a16:creationId xmlns:a16="http://schemas.microsoft.com/office/drawing/2014/main" id="{4D9AE781-713C-4A29-B629-C82216E73A0B}"/>
+              </a:ext>
+            </a:extLst>
+          </p:cNvPr>
+          <p:cNvGrpSpPr/>
+          <p:nvPr/>
+        </p:nvGrpSpPr>
+        <p:grpSpPr>
+          <a:xfrm>
+            <a:off x="7903093" y="4708608"/>
+            <a:ext cx="320806" cy="269843"/>
+            <a:chOff x="7902087" y="4717073"/>
+            <a:chExt cx="320806" cy="269843"/>
+          </a:xfrm>
+        </p:grpSpPr>
+        <p:sp>
+          <p:nvSpPr>
+            <p:cNvPr id="8" name="矩形 7">
+              <a:extLst>
+                <a:ext uri="{FF2B5EF4-FFF2-40B4-BE49-F238E27FC236}">
+                  <a16:creationId xmlns:a16="http://schemas.microsoft.com/office/drawing/2014/main" id="{71286C26-CDC7-48C3-AB11-478215C7A125}"/>
+                </a:ext>
+              </a:extLst>
+            </p:cNvPr>
+            <p:cNvSpPr/>
+            <p:nvPr/>
+          </p:nvSpPr>
+          <p:spPr>
+            <a:xfrm>
+              <a:off x="7938206" y="4717073"/>
+              <a:ext cx="250581" cy="162658"/>
+            </a:xfrm>
+            <a:prstGeom prst="rect">
+              <a:avLst/>
+            </a:prstGeom>
+            <a:solidFill>
+              <a:schemeClr val="bg1"/>
+            </a:solidFill>
+            <a:ln>
+              <a:noFill/>
+            </a:ln>
+          </p:spPr>
+          <p:style>
+            <a:lnRef idx="2">
+              <a:schemeClr val="accent1">
+                <a:shade val="50000"/>
+              </a:schemeClr>
+            </a:lnRef>
+            <a:fillRef idx="1">
+              <a:schemeClr val="accent1"/>
+            </a:fillRef>
+            <a:effectRef idx="0">
+              <a:schemeClr val="accent1"/>
+            </a:effectRef>
+            <a:fontRef idx="minor">
+              <a:schemeClr val="lt1"/>
+            </a:fontRef>
+          </p:style>
+          <p:txBody>
+            <a:bodyPr rtlCol="0" anchor="ctr"/>
+            <a:lstStyle/>
+            <a:p>
+              <a:pPr algn="ctr"/>
+              <a:endParaRPr lang="zh-CN" altLang="en-US"/>
+            </a:p>
+          </p:txBody>
+        </p:sp>
+        <p:sp>
+          <p:nvSpPr>
+            <p:cNvPr id="78" name="梯形 77">
+              <a:extLst>
+                <a:ext uri="{FF2B5EF4-FFF2-40B4-BE49-F238E27FC236}">
+                  <a16:creationId xmlns:a16="http://schemas.microsoft.com/office/drawing/2014/main" id="{97CFC8D3-8867-4181-9CB5-BEEA14967C56}"/>
+                </a:ext>
+              </a:extLst>
+            </p:cNvPr>
+            <p:cNvSpPr/>
+            <p:nvPr/>
+          </p:nvSpPr>
+          <p:spPr>
+            <a:xfrm>
+              <a:off x="7902087" y="4879902"/>
+              <a:ext cx="320806" cy="107014"/>
+            </a:xfrm>
+            <a:prstGeom prst="trapezoid">
+              <a:avLst>
+                <a:gd name="adj" fmla="val 33216"/>
+              </a:avLst>
+            </a:prstGeom>
+            <a:solidFill>
+              <a:schemeClr val="bg1">
+                <a:alpha val="70000"/>
+              </a:schemeClr>
+            </a:solidFill>
+            <a:ln>
+              <a:noFill/>
+            </a:ln>
+            <a:effectLst>
+              <a:outerShdw blurRad="50800" dist="38100" dir="5400000" algn="t" rotWithShape="0">
+                <a:prstClr val="black">
+                  <a:alpha val="20000"/>
+                </a:prstClr>
+              </a:outerShdw>
+            </a:effectLst>
+          </p:spPr>
+          <p:style>
+            <a:lnRef idx="2">
+              <a:schemeClr val="accent1">
+                <a:shade val="50000"/>
+              </a:schemeClr>
+            </a:lnRef>
+            <a:fillRef idx="1">
+              <a:schemeClr val="accent1"/>
+            </a:fillRef>
+            <a:effectRef idx="0">
+              <a:schemeClr val="accent1"/>
+            </a:effectRef>
+            <a:fontRef idx="minor">
+              <a:schemeClr val="lt1"/>
+            </a:fontRef>
+          </p:style>
+          <p:txBody>
+            <a:bodyPr rtlCol="0" anchor="ctr"/>
+            <a:lstStyle/>
+            <a:p>
+              <a:pPr algn="ctr"/>
+              <a:endParaRPr lang="zh-CN" altLang="en-US"/>
+            </a:p>
+          </p:txBody>
+        </p:sp>
+        <p:sp>
+          <p:nvSpPr>
+            <p:cNvPr id="79" name="矩形 78">
+              <a:extLst>
+                <a:ext uri="{FF2B5EF4-FFF2-40B4-BE49-F238E27FC236}">
+                  <a16:creationId xmlns:a16="http://schemas.microsoft.com/office/drawing/2014/main" id="{5AAA0D74-4F47-499D-AA19-83A19959C46B}"/>
+                </a:ext>
+              </a:extLst>
+            </p:cNvPr>
+            <p:cNvSpPr>
+              <a:spLocks noChangeAspect="1"/>
+            </p:cNvSpPr>
+            <p:nvPr/>
+          </p:nvSpPr>
+          <p:spPr>
+            <a:xfrm>
+              <a:off x="7952578" y="4726402"/>
+              <a:ext cx="221837" cy="144000"/>
+            </a:xfrm>
+            <a:prstGeom prst="rect">
+              <a:avLst/>
+            </a:prstGeom>
+            <a:solidFill>
+              <a:schemeClr val="tx1">
+                <a:alpha val="20000"/>
+              </a:schemeClr>
+            </a:solidFill>
+            <a:ln>
+              <a:noFill/>
+            </a:ln>
+          </p:spPr>
+          <p:style>
+            <a:lnRef idx="2">
+              <a:schemeClr val="accent1">
+                <a:shade val="50000"/>
+              </a:schemeClr>
+            </a:lnRef>
+            <a:fillRef idx="1">
+              <a:schemeClr val="accent1"/>
+            </a:fillRef>
+            <a:effectRef idx="0">
+              <a:schemeClr val="accent1"/>
+            </a:effectRef>
+            <a:fontRef idx="minor">
+              <a:schemeClr val="lt1"/>
+            </a:fontRef>
+          </p:style>
+          <p:txBody>
+            <a:bodyPr rtlCol="0" anchor="ctr"/>
+            <a:lstStyle/>
+            <a:p>
+              <a:pPr algn="ctr"/>
+              <a:endParaRPr lang="zh-CN" altLang="en-US"/>
+            </a:p>
+          </p:txBody>
+        </p:sp>
+        <p:sp>
+          <p:nvSpPr>
+            <p:cNvPr id="80" name="矩形 79">
+              <a:extLst>
+                <a:ext uri="{FF2B5EF4-FFF2-40B4-BE49-F238E27FC236}">
+                  <a16:creationId xmlns:a16="http://schemas.microsoft.com/office/drawing/2014/main" id="{6F6F87B0-2CBB-4FA5-9E66-3FFC90C79726}"/>
+                </a:ext>
+              </a:extLst>
+            </p:cNvPr>
+            <p:cNvSpPr>
+              <a:spLocks/>
+            </p:cNvSpPr>
+            <p:nvPr/>
+          </p:nvSpPr>
+          <p:spPr>
+            <a:xfrm>
+              <a:off x="7989087" y="4753787"/>
+              <a:ext cx="108000" cy="14400"/>
+            </a:xfrm>
+            <a:prstGeom prst="rect">
+              <a:avLst/>
+            </a:prstGeom>
+            <a:solidFill>
+              <a:srgbClr val="E9403A">
+                <a:alpha val="40000"/>
+              </a:srgbClr>
+            </a:solidFill>
+            <a:ln>
+              <a:noFill/>
+            </a:ln>
+          </p:spPr>
+          <p:style>
+            <a:lnRef idx="2">
+              <a:schemeClr val="accent1">
+                <a:shade val="50000"/>
+              </a:schemeClr>
+            </a:lnRef>
+            <a:fillRef idx="1">
+              <a:schemeClr val="accent1"/>
+            </a:fillRef>
+            <a:effectRef idx="0">
+              <a:schemeClr val="accent1"/>
+            </a:effectRef>
+            <a:fontRef idx="minor">
+              <a:schemeClr val="lt1"/>
+            </a:fontRef>
+          </p:style>
+          <p:txBody>
+            <a:bodyPr rtlCol="0" anchor="ctr"/>
+            <a:lstStyle/>
+            <a:p>
+              <a:pPr algn="ctr"/>
+              <a:endParaRPr lang="zh-CN" altLang="en-US"/>
+            </a:p>
+          </p:txBody>
+        </p:sp>
+        <p:sp>
+          <p:nvSpPr>
+            <p:cNvPr id="81" name="矩形 80">
+              <a:extLst>
+                <a:ext uri="{FF2B5EF4-FFF2-40B4-BE49-F238E27FC236}">
+                  <a16:creationId xmlns:a16="http://schemas.microsoft.com/office/drawing/2014/main" id="{CC82917A-5A81-4D20-ABA6-D33F1F48E80B}"/>
+                </a:ext>
+              </a:extLst>
+            </p:cNvPr>
+            <p:cNvSpPr>
+              <a:spLocks/>
+            </p:cNvSpPr>
+            <p:nvPr/>
+          </p:nvSpPr>
+          <p:spPr>
+            <a:xfrm>
+              <a:off x="7953207" y="4824683"/>
+              <a:ext cx="221207" cy="45719"/>
+            </a:xfrm>
+            <a:prstGeom prst="rect">
+              <a:avLst/>
+            </a:prstGeom>
+            <a:solidFill>
+              <a:srgbClr val="E9403A">
+                <a:alpha val="80000"/>
+              </a:srgbClr>
+            </a:solidFill>
+            <a:ln>
+              <a:noFill/>
+            </a:ln>
+          </p:spPr>
+          <p:style>
+            <a:lnRef idx="2">
+              <a:schemeClr val="accent1">
+                <a:shade val="50000"/>
+              </a:schemeClr>
+            </a:lnRef>
+            <a:fillRef idx="1">
+              <a:schemeClr val="accent1"/>
+            </a:fillRef>
+            <a:effectRef idx="0">
+              <a:schemeClr val="accent1"/>
+            </a:effectRef>
+            <a:fontRef idx="minor">
+              <a:schemeClr val="lt1"/>
+            </a:fontRef>
+          </p:style>
+          <p:txBody>
+            <a:bodyPr rtlCol="0" anchor="ctr"/>
+            <a:lstStyle/>
+            <a:p>
+              <a:pPr algn="ctr"/>
+              <a:endParaRPr lang="zh-CN" altLang="en-US"/>
+            </a:p>
+          </p:txBody>
+        </p:sp>
+        <p:sp>
+          <p:nvSpPr>
+            <p:cNvPr id="82" name="矩形 81">
+              <a:extLst>
+                <a:ext uri="{FF2B5EF4-FFF2-40B4-BE49-F238E27FC236}">
+                  <a16:creationId xmlns:a16="http://schemas.microsoft.com/office/drawing/2014/main" id="{AE0811C7-299C-4EFD-84D9-C026924C1422}"/>
+                </a:ext>
+              </a:extLst>
+            </p:cNvPr>
+            <p:cNvSpPr>
+              <a:spLocks/>
+            </p:cNvSpPr>
+            <p:nvPr/>
+          </p:nvSpPr>
+          <p:spPr>
+            <a:xfrm>
+              <a:off x="8043840" y="4786109"/>
+              <a:ext cx="108000" cy="14400"/>
+            </a:xfrm>
+            <a:prstGeom prst="rect">
+              <a:avLst/>
+            </a:prstGeom>
+            <a:solidFill>
+              <a:srgbClr val="E9403A">
+                <a:alpha val="60000"/>
+              </a:srgbClr>
+            </a:solidFill>
+            <a:ln>
+              <a:noFill/>
+            </a:ln>
+          </p:spPr>
+          <p:style>
+            <a:lnRef idx="2">
+              <a:schemeClr val="accent1">
+                <a:shade val="50000"/>
+              </a:schemeClr>
+            </a:lnRef>
+            <a:fillRef idx="1">
+              <a:schemeClr val="accent1"/>
+            </a:fillRef>
+            <a:effectRef idx="0">
+              <a:schemeClr val="accent1"/>
+            </a:effectRef>
+            <a:fontRef idx="minor">
+              <a:schemeClr val="lt1"/>
+            </a:fontRef>
+          </p:style>
+          <p:txBody>
+            <a:bodyPr rtlCol="0" anchor="ctr"/>
+            <a:lstStyle/>
+            <a:p>
+              <a:pPr algn="ctr"/>
+              <a:endParaRPr lang="zh-CN" altLang="en-US"/>
+            </a:p>
+          </p:txBody>
+        </p:sp>
+      </p:grpSp>
     </p:spTree>
     <p:extLst>
       <p:ext uri="{BB962C8B-B14F-4D97-AF65-F5344CB8AC3E}">
@@ -15030,234 +15899,6 @@
 <file path=ppt/slides/slide5.xml><?xml version="1.0" encoding="utf-8"?>
 <p:sld xmlns:a="http://schemas.openxmlformats.org/drawingml/2006/main" xmlns:r="http://schemas.openxmlformats.org/officeDocument/2006/relationships" xmlns:p="http://schemas.openxmlformats.org/presentationml/2006/main">
   <p:cSld>
-    <p:spTree>
-      <p:nvGrpSpPr>
-        <p:cNvPr id="1" name=""/>
-        <p:cNvGrpSpPr/>
-        <p:nvPr/>
-      </p:nvGrpSpPr>
-      <p:grpSpPr>
-        <a:xfrm>
-          <a:off x="0" y="0"/>
-          <a:ext cx="0" cy="0"/>
-          <a:chOff x="0" y="0"/>
-          <a:chExt cx="0" cy="0"/>
-        </a:xfrm>
-      </p:grpSpPr>
-      <p:pic>
-        <p:nvPicPr>
-          <p:cNvPr id="20" name="图片 19">
-            <a:extLst>
-              <a:ext uri="{FF2B5EF4-FFF2-40B4-BE49-F238E27FC236}">
-                <a16:creationId xmlns:a16="http://schemas.microsoft.com/office/drawing/2014/main" id="{94E165E8-D27D-407A-8CA6-09B5F9E38FDB}"/>
-              </a:ext>
-            </a:extLst>
-          </p:cNvPr>
-          <p:cNvPicPr>
-            <a:picLocks noChangeAspect="1"/>
-          </p:cNvPicPr>
-          <p:nvPr/>
-        </p:nvPicPr>
-        <p:blipFill>
-          <a:blip r:embed="rId2">
-            <a:grayscl/>
-            <a:extLst>
-              <a:ext uri="{BEBA8EAE-BF5A-486C-A8C5-ECC9F3942E4B}">
-                <a14:imgProps xmlns:a14="http://schemas.microsoft.com/office/drawing/2010/main">
-                  <a14:imgLayer r:embed="rId3">
-                    <a14:imgEffect>
-                      <a14:brightnessContrast bright="-20000"/>
-                    </a14:imgEffect>
-                  </a14:imgLayer>
-                </a14:imgProps>
-              </a:ext>
-            </a:extLst>
-          </a:blip>
-          <a:stretch>
-            <a:fillRect/>
-          </a:stretch>
-        </p:blipFill>
-        <p:spPr>
-          <a:xfrm>
-            <a:off x="4373731" y="2034419"/>
-            <a:ext cx="3444538" cy="2789162"/>
-          </a:xfrm>
-          <a:prstGeom prst="rect">
-            <a:avLst/>
-          </a:prstGeom>
-        </p:spPr>
-      </p:pic>
-      <p:pic>
-        <p:nvPicPr>
-          <p:cNvPr id="22" name="图片 21">
-            <a:extLst>
-              <a:ext uri="{FF2B5EF4-FFF2-40B4-BE49-F238E27FC236}">
-                <a16:creationId xmlns:a16="http://schemas.microsoft.com/office/drawing/2014/main" id="{0F5B1225-9C82-4A86-BA54-F5019CB6DA01}"/>
-              </a:ext>
-            </a:extLst>
-          </p:cNvPr>
-          <p:cNvPicPr>
-            <a:picLocks noChangeAspect="1"/>
-          </p:cNvPicPr>
-          <p:nvPr/>
-        </p:nvPicPr>
-        <p:blipFill>
-          <a:blip r:embed="rId4">
-            <a:extLst>
-              <a:ext uri="{BEBA8EAE-BF5A-486C-A8C5-ECC9F3942E4B}">
-                <a14:imgProps xmlns:a14="http://schemas.microsoft.com/office/drawing/2010/main">
-                  <a14:imgLayer r:embed="rId3">
-                    <a14:imgEffect>
-                      <a14:backgroundRemoval t="9563" b="99454" l="9956" r="89602">
-                        <a14:foregroundMark x1="54204" y1="94809" x2="65044" y2="95902"/>
-                        <a14:foregroundMark x1="52212" y1="94262" x2="51770" y2="99180"/>
-                        <a14:foregroundMark x1="66150" y1="90984" x2="73009" y2="99454"/>
-                        <a14:foregroundMark x1="74998" y1="98837" x2="75221" y2="99180"/>
-                        <a14:foregroundMark x1="69118" y1="89817" x2="73401" y2="96387"/>
-                        <a14:foregroundMark x1="74110" y1="98484" x2="74115" y2="98634"/>
-                        <a14:foregroundMark x1="74040" y1="96312" x2="74051" y2="96646"/>
-                        <a14:backgroundMark x1="28761" y1="23497" x2="16372" y2="45628"/>
-                        <a14:backgroundMark x1="16372" y1="45628" x2="22124" y2="73497"/>
-                        <a14:backgroundMark x1="22124" y1="73497" x2="34956" y2="81148"/>
-                        <a14:backgroundMark x1="34956" y1="81148" x2="53982" y2="82514"/>
-                        <a14:backgroundMark x1="53982" y1="82514" x2="73230" y2="74863"/>
-                        <a14:backgroundMark x1="73230" y1="74863" x2="73451" y2="45902"/>
-                        <a14:backgroundMark x1="73451" y1="45902" x2="57522" y2="30328"/>
-                        <a14:backgroundMark x1="57522" y1="30328" x2="33628" y2="28689"/>
-                        <a14:backgroundMark x1="33628" y1="28689" x2="20796" y2="47541"/>
-                        <a14:backgroundMark x1="20796" y1="47541" x2="45796" y2="55464"/>
-                        <a14:backgroundMark x1="45796" y1="55464" x2="50000" y2="53825"/>
-                        <a14:backgroundMark x1="22566" y1="15027" x2="14381" y2="31148"/>
-                        <a14:backgroundMark x1="14381" y1="31148" x2="8628" y2="57104"/>
-                        <a14:backgroundMark x1="8628" y1="57104" x2="11504" y2="79235"/>
-                        <a14:backgroundMark x1="11504" y1="79235" x2="32301" y2="53279"/>
-                        <a14:backgroundMark x1="32301" y1="53279" x2="35619" y2="31967"/>
-                        <a14:backgroundMark x1="35619" y1="31967" x2="45133" y2="11749"/>
-                        <a14:backgroundMark x1="45133" y1="11749" x2="67257" y2="10929"/>
-                        <a14:backgroundMark x1="67257" y1="10929" x2="76770" y2="33060"/>
-                        <a14:backgroundMark x1="76770" y1="33060" x2="77876" y2="81694"/>
-                        <a14:backgroundMark x1="77876" y1="81694" x2="78982" y2="61749"/>
-                        <a14:backgroundMark x1="78982" y1="61749" x2="78319" y2="61202"/>
-                        <a14:backgroundMark x1="60619" y1="33880" x2="25442" y2="66120"/>
-                        <a14:backgroundMark x1="25442" y1="66120" x2="39159" y2="73770"/>
-                        <a14:backgroundMark x1="39159" y1="73770" x2="50885" y2="54645"/>
-                        <a14:backgroundMark x1="50885" y1="54645" x2="37832" y2="47541"/>
-                        <a14:backgroundMark x1="37832" y1="47541" x2="52212" y2="83333"/>
-                        <a14:backgroundMark x1="72518" y1="85800" x2="79204" y2="86612"/>
-                        <a14:backgroundMark x1="52212" y1="83333" x2="70776" y2="85588"/>
-                        <a14:backgroundMark x1="79204" y1="86612" x2="82301" y2="63934"/>
-                        <a14:backgroundMark x1="82301" y1="63934" x2="73894" y2="44536"/>
-                        <a14:backgroundMark x1="73894" y1="44536" x2="63053" y2="33333"/>
-                        <a14:backgroundMark x1="52434" y1="60109" x2="40265" y2="80328"/>
-                        <a14:backgroundMark x1="40265" y1="80328" x2="52655" y2="60656"/>
-                        <a14:backgroundMark x1="52655" y1="60656" x2="55531" y2="37978"/>
-                        <a14:backgroundMark x1="55531" y1="37978" x2="42920" y2="51913"/>
-                        <a14:backgroundMark x1="42920" y1="51913" x2="47345" y2="70492"/>
-                        <a14:backgroundMark x1="47345" y1="70492" x2="62832" y2="77596"/>
-                        <a14:backgroundMark x1="62832" y1="77596" x2="74558" y2="60656"/>
-                        <a14:backgroundMark x1="74558" y1="60656" x2="57301" y2="42896"/>
-                        <a14:backgroundMark x1="57301" y1="42896" x2="48673" y2="42623"/>
-                        <a14:backgroundMark x1="26991" y1="15574" x2="48673" y2="23224"/>
-                        <a14:backgroundMark x1="57301" y1="44262" x2="63938" y2="61749"/>
-                        <a14:backgroundMark x1="63938" y1="61749" x2="72566" y2="72404"/>
-                        <a14:backgroundMark x1="52434" y1="63661" x2="76549" y2="76776"/>
-                        <a14:backgroundMark x1="34956" y1="58197" x2="44027" y2="71585"/>
-                        <a14:backgroundMark x1="44469" y1="57104" x2="32522" y2="58743"/>
-                        <a14:backgroundMark x1="64159" y1="59836" x2="77655" y2="65574"/>
-                        <a14:backgroundMark x1="77655" y1="65574" x2="77655" y2="65847"/>
-                        <a14:backgroundMark x1="63938" y1="60656" x2="50442" y2="70219"/>
-                        <a14:backgroundMark x1="50442" y1="70219" x2="50442" y2="70219"/>
-                        <a14:backgroundMark x1="55531" y1="52732" x2="65044" y2="61475"/>
-                        <a14:backgroundMark x1="36726" y1="84973" x2="40929" y2="99454"/>
-                        <a14:backgroundMark x1="11062" y1="71585" x2="21903" y2="97814"/>
-                        <a14:backgroundMark x1="21018" y1="76503" x2="28982" y2="98634"/>
-                        <a14:backgroundMark x1="75885" y1="86885" x2="76327" y2="92077"/>
-                        <a14:backgroundMark x1="76991" y1="97814" x2="76549" y2="99454"/>
-                        <a14:backgroundMark x1="74558" y1="85246" x2="78097" y2="93989"/>
-                        <a14:backgroundMark x1="67257" y1="85792" x2="75000" y2="83880"/>
-                      </a14:backgroundRemoval>
-                    </a14:imgEffect>
-                  </a14:imgLayer>
-                </a14:imgProps>
-              </a:ext>
-            </a:extLst>
-          </a:blip>
-          <a:stretch>
-            <a:fillRect/>
-          </a:stretch>
-        </p:blipFill>
-        <p:spPr>
-          <a:xfrm>
-            <a:off x="4373731" y="2034419"/>
-            <a:ext cx="3444538" cy="2789162"/>
-          </a:xfrm>
-          <a:prstGeom prst="rect">
-            <a:avLst/>
-          </a:prstGeom>
-        </p:spPr>
-      </p:pic>
-      <p:sp>
-        <p:nvSpPr>
-          <p:cNvPr id="23" name="文本框 22">
-            <a:extLst>
-              <a:ext uri="{FF2B5EF4-FFF2-40B4-BE49-F238E27FC236}">
-                <a16:creationId xmlns:a16="http://schemas.microsoft.com/office/drawing/2014/main" id="{4748A9F2-B3D8-4C56-A6E2-C1065A8CD937}"/>
-              </a:ext>
-            </a:extLst>
-          </p:cNvPr>
-          <p:cNvSpPr txBox="1"/>
-          <p:nvPr/>
-        </p:nvSpPr>
-        <p:spPr>
-          <a:xfrm>
-            <a:off x="5033886" y="3064048"/>
-            <a:ext cx="2531462" cy="1569660"/>
-          </a:xfrm>
-          <a:prstGeom prst="rect">
-            <a:avLst/>
-          </a:prstGeom>
-          <a:noFill/>
-        </p:spPr>
-        <p:txBody>
-          <a:bodyPr wrap="none" rtlCol="0">
-            <a:spAutoFit/>
-          </a:bodyPr>
-          <a:lstStyle/>
-          <a:p>
-            <a:r>
-              <a:rPr lang="en-US" altLang="zh-CN" sz="9600">
-                <a:solidFill>
-                  <a:srgbClr val="FF0000"/>
-                </a:solidFill>
-                <a:latin typeface="Abadi Extra Light" panose="020B0204020104020204" pitchFamily="34" charset="0"/>
-              </a:rPr>
-              <a:t>F**K</a:t>
-            </a:r>
-            <a:endParaRPr lang="zh-CN" altLang="en-US" sz="9600">
-              <a:solidFill>
-                <a:srgbClr val="FF0000"/>
-              </a:solidFill>
-              <a:latin typeface="Abadi Extra Light" panose="020B0204020104020204" pitchFamily="34" charset="0"/>
-            </a:endParaRPr>
-          </a:p>
-        </p:txBody>
-      </p:sp>
-    </p:spTree>
-    <p:extLst>
-      <p:ext uri="{BB962C8B-B14F-4D97-AF65-F5344CB8AC3E}">
-        <p14:creationId xmlns:p14="http://schemas.microsoft.com/office/powerpoint/2010/main" val="3361814802"/>
-      </p:ext>
-    </p:extLst>
-  </p:cSld>
-  <p:clrMapOvr>
-    <a:masterClrMapping/>
-  </p:clrMapOvr>
-</p:sld>
-</file>
-
-<file path=ppt/slides/slide6.xml><?xml version="1.0" encoding="utf-8"?>
-<p:sld xmlns:a="http://schemas.openxmlformats.org/drawingml/2006/main" xmlns:r="http://schemas.openxmlformats.org/officeDocument/2006/relationships" xmlns:p="http://schemas.openxmlformats.org/presentationml/2006/main">
-  <p:cSld>
     <p:bg>
       <p:bgPr>
         <a:solidFill>
@@ -18125,7 +18766,7 @@
 </p:sld>
 </file>
 
-<file path=ppt/slides/slide7.xml><?xml version="1.0" encoding="utf-8"?>
+<file path=ppt/slides/slide6.xml><?xml version="1.0" encoding="utf-8"?>
 <p:sld xmlns:a="http://schemas.openxmlformats.org/drawingml/2006/main" xmlns:r="http://schemas.openxmlformats.org/officeDocument/2006/relationships" xmlns:p="http://schemas.openxmlformats.org/presentationml/2006/main">
   <p:cSld>
     <p:spTree>
@@ -20027,7 +20668,7 @@
 </p:sld>
 </file>
 
-<file path=ppt/slides/slide8.xml><?xml version="1.0" encoding="utf-8"?>
+<file path=ppt/slides/slide7.xml><?xml version="1.0" encoding="utf-8"?>
 <p:sld xmlns:a="http://schemas.openxmlformats.org/drawingml/2006/main" xmlns:r="http://schemas.openxmlformats.org/officeDocument/2006/relationships" xmlns:p="http://schemas.openxmlformats.org/presentationml/2006/main">
   <p:cSld>
     <p:spTree>
@@ -22457,7 +23098,7 @@
 </p:sld>
 </file>
 
-<file path=ppt/slides/slide9.xml><?xml version="1.0" encoding="utf-8"?>
+<file path=ppt/slides/slide8.xml><?xml version="1.0" encoding="utf-8"?>
 <p:sld xmlns:a="http://schemas.openxmlformats.org/drawingml/2006/main" xmlns:r="http://schemas.openxmlformats.org/officeDocument/2006/relationships" xmlns:p="http://schemas.openxmlformats.org/presentationml/2006/main">
   <p:cSld>
     <p:bg>

--- a/UI.pptx
+++ b/UI.pptx
@@ -10,9 +10,10 @@
     <p:sldId id="264" r:id="rId4"/>
     <p:sldId id="269" r:id="rId5"/>
     <p:sldId id="266" r:id="rId6"/>
-    <p:sldId id="262" r:id="rId7"/>
-    <p:sldId id="267" r:id="rId8"/>
-    <p:sldId id="263" r:id="rId9"/>
+    <p:sldId id="270" r:id="rId7"/>
+    <p:sldId id="262" r:id="rId8"/>
+    <p:sldId id="267" r:id="rId9"/>
+    <p:sldId id="263" r:id="rId10"/>
   </p:sldIdLst>
   <p:sldSz cx="12192000" cy="6858000"/>
   <p:notesSz cx="6858000" cy="9144000"/>
@@ -266,7 +267,7 @@
           <a:p>
             <a:fld id="{F3BA182F-79D5-4EF3-A581-738F691F52DF}" type="datetimeFigureOut">
               <a:rPr lang="zh-CN" altLang="en-US" smtClean="0"/>
-              <a:t>2019/12/9</a:t>
+              <a:t>2020/1/25</a:t>
             </a:fld>
             <a:endParaRPr lang="zh-CN" altLang="en-US"/>
           </a:p>
@@ -464,7 +465,7 @@
           <a:p>
             <a:fld id="{F3BA182F-79D5-4EF3-A581-738F691F52DF}" type="datetimeFigureOut">
               <a:rPr lang="zh-CN" altLang="en-US" smtClean="0"/>
-              <a:t>2019/12/9</a:t>
+              <a:t>2020/1/25</a:t>
             </a:fld>
             <a:endParaRPr lang="zh-CN" altLang="en-US"/>
           </a:p>
@@ -672,7 +673,7 @@
           <a:p>
             <a:fld id="{F3BA182F-79D5-4EF3-A581-738F691F52DF}" type="datetimeFigureOut">
               <a:rPr lang="zh-CN" altLang="en-US" smtClean="0"/>
-              <a:t>2019/12/9</a:t>
+              <a:t>2020/1/25</a:t>
             </a:fld>
             <a:endParaRPr lang="zh-CN" altLang="en-US"/>
           </a:p>
@@ -870,7 +871,7 @@
           <a:p>
             <a:fld id="{F3BA182F-79D5-4EF3-A581-738F691F52DF}" type="datetimeFigureOut">
               <a:rPr lang="zh-CN" altLang="en-US" smtClean="0"/>
-              <a:t>2019/12/9</a:t>
+              <a:t>2020/1/25</a:t>
             </a:fld>
             <a:endParaRPr lang="zh-CN" altLang="en-US"/>
           </a:p>
@@ -1145,7 +1146,7 @@
           <a:p>
             <a:fld id="{F3BA182F-79D5-4EF3-A581-738F691F52DF}" type="datetimeFigureOut">
               <a:rPr lang="zh-CN" altLang="en-US" smtClean="0"/>
-              <a:t>2019/12/9</a:t>
+              <a:t>2020/1/25</a:t>
             </a:fld>
             <a:endParaRPr lang="zh-CN" altLang="en-US"/>
           </a:p>
@@ -1410,7 +1411,7 @@
           <a:p>
             <a:fld id="{F3BA182F-79D5-4EF3-A581-738F691F52DF}" type="datetimeFigureOut">
               <a:rPr lang="zh-CN" altLang="en-US" smtClean="0"/>
-              <a:t>2019/12/9</a:t>
+              <a:t>2020/1/25</a:t>
             </a:fld>
             <a:endParaRPr lang="zh-CN" altLang="en-US"/>
           </a:p>
@@ -1822,7 +1823,7 @@
           <a:p>
             <a:fld id="{F3BA182F-79D5-4EF3-A581-738F691F52DF}" type="datetimeFigureOut">
               <a:rPr lang="zh-CN" altLang="en-US" smtClean="0"/>
-              <a:t>2019/12/9</a:t>
+              <a:t>2020/1/25</a:t>
             </a:fld>
             <a:endParaRPr lang="zh-CN" altLang="en-US"/>
           </a:p>
@@ -1963,7 +1964,7 @@
           <a:p>
             <a:fld id="{F3BA182F-79D5-4EF3-A581-738F691F52DF}" type="datetimeFigureOut">
               <a:rPr lang="zh-CN" altLang="en-US" smtClean="0"/>
-              <a:t>2019/12/9</a:t>
+              <a:t>2020/1/25</a:t>
             </a:fld>
             <a:endParaRPr lang="zh-CN" altLang="en-US"/>
           </a:p>
@@ -2076,7 +2077,7 @@
           <a:p>
             <a:fld id="{F3BA182F-79D5-4EF3-A581-738F691F52DF}" type="datetimeFigureOut">
               <a:rPr lang="zh-CN" altLang="en-US" smtClean="0"/>
-              <a:t>2019/12/9</a:t>
+              <a:t>2020/1/25</a:t>
             </a:fld>
             <a:endParaRPr lang="zh-CN" altLang="en-US"/>
           </a:p>
@@ -2387,7 +2388,7 @@
           <a:p>
             <a:fld id="{F3BA182F-79D5-4EF3-A581-738F691F52DF}" type="datetimeFigureOut">
               <a:rPr lang="zh-CN" altLang="en-US" smtClean="0"/>
-              <a:t>2019/12/9</a:t>
+              <a:t>2020/1/25</a:t>
             </a:fld>
             <a:endParaRPr lang="zh-CN" altLang="en-US"/>
           </a:p>
@@ -2675,7 +2676,7 @@
           <a:p>
             <a:fld id="{F3BA182F-79D5-4EF3-A581-738F691F52DF}" type="datetimeFigureOut">
               <a:rPr lang="zh-CN" altLang="en-US" smtClean="0"/>
-              <a:t>2019/12/9</a:t>
+              <a:t>2020/1/25</a:t>
             </a:fld>
             <a:endParaRPr lang="zh-CN" altLang="en-US"/>
           </a:p>
@@ -2916,7 +2917,7 @@
           <a:p>
             <a:fld id="{F3BA182F-79D5-4EF3-A581-738F691F52DF}" type="datetimeFigureOut">
               <a:rPr lang="zh-CN" altLang="en-US" smtClean="0"/>
-              <a:t>2019/12/9</a:t>
+              <a:t>2020/1/25</a:t>
             </a:fld>
             <a:endParaRPr lang="zh-CN" altLang="en-US"/>
           </a:p>
@@ -8580,6 +8581,16 @@
 <file path=ppt/slides/slide3.xml><?xml version="1.0" encoding="utf-8"?>
 <p:sld xmlns:a="http://schemas.openxmlformats.org/drawingml/2006/main" xmlns:r="http://schemas.openxmlformats.org/officeDocument/2006/relationships" xmlns:p="http://schemas.openxmlformats.org/presentationml/2006/main">
   <p:cSld>
+    <p:bg>
+      <p:bgPr>
+        <a:solidFill>
+          <a:schemeClr val="bg1">
+            <a:lumMod val="95000"/>
+          </a:schemeClr>
+        </a:solidFill>
+        <a:effectLst/>
+      </p:bgPr>
+    </p:bg>
     <p:spTree>
       <p:nvGrpSpPr>
         <p:cNvPr id="1" name=""/>
@@ -11562,32 +11573,90 @@
           </p:txBody>
         </p:sp>
       </p:grpSp>
-      <p:grpSp>
-        <p:nvGrpSpPr>
-          <p:cNvPr id="50" name="组合 49">
+      <p:sp>
+        <p:nvSpPr>
+          <p:cNvPr id="58" name="矩形 57">
             <a:extLst>
               <a:ext uri="{FF2B5EF4-FFF2-40B4-BE49-F238E27FC236}">
-                <a16:creationId xmlns:a16="http://schemas.microsoft.com/office/drawing/2014/main" id="{3B43831A-2BD9-4400-9382-2EA9909DDEC5}"/>
+                <a16:creationId xmlns:a16="http://schemas.microsoft.com/office/drawing/2014/main" id="{CA87A800-BC97-4693-9FAA-0F293D3F6130}"/>
               </a:ext>
             </a:extLst>
           </p:cNvPr>
-          <p:cNvGrpSpPr/>
+          <p:cNvSpPr/>
+          <p:nvPr/>
+        </p:nvSpPr>
+        <p:spPr>
+          <a:xfrm>
+            <a:off x="9427469" y="723632"/>
+            <a:ext cx="1220400" cy="1219359"/>
+          </a:xfrm>
+          <a:prstGeom prst="rect">
+            <a:avLst/>
+          </a:prstGeom>
+          <a:solidFill>
+            <a:schemeClr val="bg1"/>
+          </a:solidFill>
+          <a:ln>
+            <a:noFill/>
+          </a:ln>
+          <a:effectLst/>
+        </p:spPr>
+        <p:style>
+          <a:lnRef idx="2">
+            <a:schemeClr val="accent1">
+              <a:shade val="50000"/>
+            </a:schemeClr>
+          </a:lnRef>
+          <a:fillRef idx="1">
+            <a:schemeClr val="accent1"/>
+          </a:fillRef>
+          <a:effectRef idx="0">
+            <a:schemeClr val="accent1"/>
+          </a:effectRef>
+          <a:fontRef idx="minor">
+            <a:schemeClr val="lt1"/>
+          </a:fontRef>
+        </p:style>
+        <p:txBody>
+          <a:bodyPr rtlCol="0" anchor="ctr"/>
+          <a:lstStyle/>
+          <a:p>
+            <a:pPr algn="ctr"/>
+            <a:endParaRPr lang="zh-CN" altLang="en-US"/>
+          </a:p>
+        </p:txBody>
+      </p:sp>
+      <p:grpSp>
+        <p:nvGrpSpPr>
+          <p:cNvPr id="59" name="组合 58">
+            <a:extLst>
+              <a:ext uri="{FF2B5EF4-FFF2-40B4-BE49-F238E27FC236}">
+                <a16:creationId xmlns:a16="http://schemas.microsoft.com/office/drawing/2014/main" id="{9B0BAB5A-AE44-4811-A8F7-40A53600386A}"/>
+              </a:ext>
+            </a:extLst>
+          </p:cNvPr>
+          <p:cNvGrpSpPr>
+            <a:grpSpLocks noChangeAspect="1"/>
+          </p:cNvGrpSpPr>
           <p:nvPr/>
         </p:nvGrpSpPr>
         <p:grpSpPr>
           <a:xfrm>
-            <a:off x="9427469" y="723632"/>
-            <a:ext cx="1220400" cy="1219359"/>
-            <a:chOff x="6071477" y="391055"/>
-            <a:chExt cx="720000" cy="720000"/>
+            <a:off x="9429275" y="899544"/>
+            <a:ext cx="1218594" cy="1043447"/>
+            <a:chOff x="4344687" y="1952030"/>
+            <a:chExt cx="966838" cy="935999"/>
           </a:xfrm>
+          <a:solidFill>
+            <a:srgbClr val="37D7CD"/>
+          </a:solidFill>
         </p:grpSpPr>
         <p:sp>
           <p:nvSpPr>
-            <p:cNvPr id="58" name="椭圆 57">
+            <p:cNvPr id="63" name="等腰三角形 62">
               <a:extLst>
                 <a:ext uri="{FF2B5EF4-FFF2-40B4-BE49-F238E27FC236}">
-                  <a16:creationId xmlns:a16="http://schemas.microsoft.com/office/drawing/2014/main" id="{CA87A800-BC97-4693-9FAA-0F293D3F6130}"/>
+                  <a16:creationId xmlns:a16="http://schemas.microsoft.com/office/drawing/2014/main" id="{3DCADBBD-0F4C-4D4C-AD76-F1E12E4A45FC}"/>
                 </a:ext>
               </a:extLst>
             </p:cNvPr>
@@ -11596,19 +11665,23 @@
           </p:nvSpPr>
           <p:spPr>
             <a:xfrm>
-              <a:off x="6071477" y="391055"/>
-              <a:ext cx="720000" cy="720000"/>
+              <a:off x="4712557" y="2279389"/>
+              <a:ext cx="598968" cy="608640"/>
             </a:xfrm>
-            <a:prstGeom prst="ellipse">
+            <a:prstGeom prst="triangle">
               <a:avLst/>
             </a:prstGeom>
             <a:gradFill>
               <a:gsLst>
                 <a:gs pos="0">
-                  <a:srgbClr val="5FE5DD"/>
+                  <a:srgbClr val="5FE5DD">
+                    <a:alpha val="70000"/>
+                  </a:srgbClr>
                 </a:gs>
                 <a:gs pos="100000">
-                  <a:srgbClr val="22D0C4"/>
+                  <a:srgbClr val="22D0C4">
+                    <a:alpha val="80000"/>
+                  </a:srgbClr>
                 </a:gs>
               </a:gsLst>
               <a:path path="circle">
@@ -11618,13 +11691,7 @@
             <a:ln>
               <a:noFill/>
             </a:ln>
-            <a:effectLst>
-              <a:outerShdw blurRad="101600" dist="38100" dir="5400000" algn="t" rotWithShape="0">
-                <a:prstClr val="black">
-                  <a:alpha val="20000"/>
-                </a:prstClr>
-              </a:outerShdw>
-            </a:effectLst>
+            <a:effectLst/>
           </p:spPr>
           <p:style>
             <a:lnRef idx="2">
@@ -11651,141 +11718,12 @@
             </a:p>
           </p:txBody>
         </p:sp>
-        <p:grpSp>
-          <p:nvGrpSpPr>
-            <p:cNvPr id="59" name="组合 58">
+        <p:sp>
+          <p:nvSpPr>
+            <p:cNvPr id="62" name="等腰三角形 61">
               <a:extLst>
                 <a:ext uri="{FF2B5EF4-FFF2-40B4-BE49-F238E27FC236}">
-                  <a16:creationId xmlns:a16="http://schemas.microsoft.com/office/drawing/2014/main" id="{9B0BAB5A-AE44-4811-A8F7-40A53600386A}"/>
-                </a:ext>
-              </a:extLst>
-            </p:cNvPr>
-            <p:cNvGrpSpPr/>
-            <p:nvPr/>
-          </p:nvGrpSpPr>
-          <p:grpSpPr>
-            <a:xfrm>
-              <a:off x="6212659" y="468495"/>
-              <a:ext cx="432875" cy="418685"/>
-              <a:chOff x="4344687" y="1948502"/>
-              <a:chExt cx="966838" cy="935999"/>
-            </a:xfrm>
-          </p:grpSpPr>
-          <p:sp>
-            <p:nvSpPr>
-              <p:cNvPr id="62" name="等腰三角形 61">
-                <a:extLst>
-                  <a:ext uri="{FF2B5EF4-FFF2-40B4-BE49-F238E27FC236}">
-                    <a16:creationId xmlns:a16="http://schemas.microsoft.com/office/drawing/2014/main" id="{B8958622-9015-438C-8D56-F95EF43D9D34}"/>
-                  </a:ext>
-                </a:extLst>
-              </p:cNvPr>
-              <p:cNvSpPr/>
-              <p:nvPr/>
-            </p:nvSpPr>
-            <p:spPr>
-              <a:xfrm>
-                <a:off x="4344687" y="1948502"/>
-                <a:ext cx="794132" cy="935999"/>
-              </a:xfrm>
-              <a:prstGeom prst="triangle">
-                <a:avLst/>
-              </a:prstGeom>
-              <a:solidFill>
-                <a:schemeClr val="bg1"/>
-              </a:solidFill>
-              <a:ln>
-                <a:noFill/>
-              </a:ln>
-              <a:effectLst/>
-            </p:spPr>
-            <p:style>
-              <a:lnRef idx="2">
-                <a:schemeClr val="accent1">
-                  <a:shade val="50000"/>
-                </a:schemeClr>
-              </a:lnRef>
-              <a:fillRef idx="1">
-                <a:schemeClr val="accent1"/>
-              </a:fillRef>
-              <a:effectRef idx="0">
-                <a:schemeClr val="accent1"/>
-              </a:effectRef>
-              <a:fontRef idx="minor">
-                <a:schemeClr val="lt1"/>
-              </a:fontRef>
-            </p:style>
-            <p:txBody>
-              <a:bodyPr rtlCol="0" anchor="ctr"/>
-              <a:lstStyle/>
-              <a:p>
-                <a:pPr algn="ctr"/>
-                <a:endParaRPr lang="zh-CN" altLang="en-US"/>
-              </a:p>
-            </p:txBody>
-          </p:sp>
-          <p:sp>
-            <p:nvSpPr>
-              <p:cNvPr id="63" name="等腰三角形 62">
-                <a:extLst>
-                  <a:ext uri="{FF2B5EF4-FFF2-40B4-BE49-F238E27FC236}">
-                    <a16:creationId xmlns:a16="http://schemas.microsoft.com/office/drawing/2014/main" id="{3DCADBBD-0F4C-4D4C-AD76-F1E12E4A45FC}"/>
-                  </a:ext>
-                </a:extLst>
-              </p:cNvPr>
-              <p:cNvSpPr/>
-              <p:nvPr/>
-            </p:nvSpPr>
-            <p:spPr>
-              <a:xfrm>
-                <a:off x="4712557" y="2269353"/>
-                <a:ext cx="598968" cy="608640"/>
-              </a:xfrm>
-              <a:prstGeom prst="triangle">
-                <a:avLst/>
-              </a:prstGeom>
-              <a:solidFill>
-                <a:schemeClr val="bg1">
-                  <a:alpha val="80000"/>
-                </a:schemeClr>
-              </a:solidFill>
-              <a:ln>
-                <a:noFill/>
-              </a:ln>
-              <a:effectLst/>
-            </p:spPr>
-            <p:style>
-              <a:lnRef idx="2">
-                <a:schemeClr val="accent1">
-                  <a:shade val="50000"/>
-                </a:schemeClr>
-              </a:lnRef>
-              <a:fillRef idx="1">
-                <a:schemeClr val="accent1"/>
-              </a:fillRef>
-              <a:effectRef idx="0">
-                <a:schemeClr val="accent1"/>
-              </a:effectRef>
-              <a:fontRef idx="minor">
-                <a:schemeClr val="lt1"/>
-              </a:fontRef>
-            </p:style>
-            <p:txBody>
-              <a:bodyPr rtlCol="0" anchor="ctr"/>
-              <a:lstStyle/>
-              <a:p>
-                <a:pPr algn="ctr"/>
-                <a:endParaRPr lang="zh-CN" altLang="en-US"/>
-              </a:p>
-            </p:txBody>
-          </p:sp>
-        </p:grpSp>
-        <p:sp>
-          <p:nvSpPr>
-            <p:cNvPr id="60" name="任意多边形: 形状 59">
-              <a:extLst>
-                <a:ext uri="{FF2B5EF4-FFF2-40B4-BE49-F238E27FC236}">
-                  <a16:creationId xmlns:a16="http://schemas.microsoft.com/office/drawing/2014/main" id="{960FF556-8CCB-40A6-8A03-957756730C13}"/>
+                  <a16:creationId xmlns:a16="http://schemas.microsoft.com/office/drawing/2014/main" id="{B8958622-9015-438C-8D56-F95EF43D9D34}"/>
                 </a:ext>
               </a:extLst>
             </p:cNvPr>
@@ -11794,72 +11732,25 @@
           </p:nvSpPr>
           <p:spPr>
             <a:xfrm>
-              <a:off x="6099637" y="884272"/>
-              <a:ext cx="666210" cy="226783"/>
+              <a:off x="4344687" y="1952030"/>
+              <a:ext cx="794132" cy="935999"/>
             </a:xfrm>
-            <a:custGeom>
+            <a:prstGeom prst="triangle">
               <a:avLst/>
-              <a:gdLst>
-                <a:gd name="connsiteX0" fmla="*/ 0 w 666210"/>
-                <a:gd name="connsiteY0" fmla="*/ 0 h 226783"/>
-                <a:gd name="connsiteX1" fmla="*/ 666210 w 666210"/>
-                <a:gd name="connsiteY1" fmla="*/ 0 h 226783"/>
-                <a:gd name="connsiteX2" fmla="*/ 664815 w 666210"/>
-                <a:gd name="connsiteY2" fmla="*/ 6911 h 226783"/>
-                <a:gd name="connsiteX3" fmla="*/ 333105 w 666210"/>
-                <a:gd name="connsiteY3" fmla="*/ 226783 h 226783"/>
-                <a:gd name="connsiteX4" fmla="*/ 1396 w 666210"/>
-                <a:gd name="connsiteY4" fmla="*/ 6911 h 226783"/>
-              </a:gdLst>
-              <a:ahLst/>
-              <a:cxnLst>
-                <a:cxn ang="0">
-                  <a:pos x="connsiteX0" y="connsiteY0"/>
-                </a:cxn>
-                <a:cxn ang="0">
-                  <a:pos x="connsiteX1" y="connsiteY1"/>
-                </a:cxn>
-                <a:cxn ang="0">
-                  <a:pos x="connsiteX2" y="connsiteY2"/>
-                </a:cxn>
-                <a:cxn ang="0">
-                  <a:pos x="connsiteX3" y="connsiteY3"/>
-                </a:cxn>
-                <a:cxn ang="0">
-                  <a:pos x="connsiteX4" y="connsiteY4"/>
-                </a:cxn>
-              </a:cxnLst>
-              <a:rect l="l" t="t" r="r" b="b"/>
-              <a:pathLst>
-                <a:path w="666210" h="226783">
-                  <a:moveTo>
-                    <a:pt x="0" y="0"/>
-                  </a:moveTo>
-                  <a:lnTo>
-                    <a:pt x="666210" y="0"/>
-                  </a:lnTo>
-                  <a:lnTo>
-                    <a:pt x="664815" y="6911"/>
-                  </a:lnTo>
-                  <a:cubicBezTo>
-                    <a:pt x="610164" y="136121"/>
-                    <a:pt x="482222" y="226783"/>
-                    <a:pt x="333105" y="226783"/>
-                  </a:cubicBezTo>
-                  <a:cubicBezTo>
-                    <a:pt x="183988" y="226783"/>
-                    <a:pt x="56047" y="136121"/>
-                    <a:pt x="1396" y="6911"/>
-                  </a:cubicBezTo>
-                  <a:close/>
-                </a:path>
-              </a:pathLst>
-            </a:custGeom>
-            <a:solidFill>
-              <a:schemeClr val="bg1">
-                <a:alpha val="50000"/>
-              </a:schemeClr>
-            </a:solidFill>
+            </a:prstGeom>
+            <a:gradFill>
+              <a:gsLst>
+                <a:gs pos="0">
+                  <a:srgbClr val="5FE5DD"/>
+                </a:gs>
+                <a:gs pos="100000">
+                  <a:srgbClr val="22D0C4"/>
+                </a:gs>
+              </a:gsLst>
+              <a:path path="circle">
+                <a:fillToRect r="100000" b="100000"/>
+              </a:path>
+            </a:gradFill>
             <a:ln>
               <a:noFill/>
             </a:ln>
@@ -11882,125 +11773,7 @@
             </a:fontRef>
           </p:style>
           <p:txBody>
-            <a:bodyPr wrap="square" rtlCol="0" anchor="ctr">
-              <a:noAutofit/>
-            </a:bodyPr>
-            <a:lstStyle/>
-            <a:p>
-              <a:pPr algn="ctr"/>
-              <a:endParaRPr lang="zh-CN" altLang="en-US"/>
-            </a:p>
-          </p:txBody>
-        </p:sp>
-        <p:sp>
-          <p:nvSpPr>
-            <p:cNvPr id="61" name="任意多边形: 形状 60">
-              <a:extLst>
-                <a:ext uri="{FF2B5EF4-FFF2-40B4-BE49-F238E27FC236}">
-                  <a16:creationId xmlns:a16="http://schemas.microsoft.com/office/drawing/2014/main" id="{D6673751-B388-480D-B5D1-4FD8FDFD621E}"/>
-                </a:ext>
-              </a:extLst>
-            </p:cNvPr>
-            <p:cNvSpPr/>
-            <p:nvPr/>
-          </p:nvSpPr>
-          <p:spPr>
-            <a:xfrm>
-              <a:off x="6212663" y="884270"/>
-              <a:ext cx="480296" cy="187301"/>
-            </a:xfrm>
-            <a:custGeom>
-              <a:avLst/>
-              <a:gdLst>
-                <a:gd name="connsiteX0" fmla="*/ 8301 w 468514"/>
-                <a:gd name="connsiteY0" fmla="*/ 0 h 192314"/>
-                <a:gd name="connsiteX1" fmla="*/ 429967 w 468514"/>
-                <a:gd name="connsiteY1" fmla="*/ 0 h 192314"/>
-                <a:gd name="connsiteX2" fmla="*/ 468514 w 468514"/>
-                <a:gd name="connsiteY2" fmla="*/ 119144 h 192314"/>
-                <a:gd name="connsiteX3" fmla="*/ 417717 w 468514"/>
-                <a:gd name="connsiteY3" fmla="*/ 165301 h 192314"/>
-                <a:gd name="connsiteX4" fmla="*/ 361525 w 468514"/>
-                <a:gd name="connsiteY4" fmla="*/ 192314 h 192314"/>
-                <a:gd name="connsiteX5" fmla="*/ 0 w 468514"/>
-                <a:gd name="connsiteY5" fmla="*/ 2686 h 192314"/>
-              </a:gdLst>
-              <a:ahLst/>
-              <a:cxnLst>
-                <a:cxn ang="0">
-                  <a:pos x="connsiteX0" y="connsiteY0"/>
-                </a:cxn>
-                <a:cxn ang="0">
-                  <a:pos x="connsiteX1" y="connsiteY1"/>
-                </a:cxn>
-                <a:cxn ang="0">
-                  <a:pos x="connsiteX2" y="connsiteY2"/>
-                </a:cxn>
-                <a:cxn ang="0">
-                  <a:pos x="connsiteX3" y="connsiteY3"/>
-                </a:cxn>
-                <a:cxn ang="0">
-                  <a:pos x="connsiteX4" y="connsiteY4"/>
-                </a:cxn>
-                <a:cxn ang="0">
-                  <a:pos x="connsiteX5" y="connsiteY5"/>
-                </a:cxn>
-              </a:cxnLst>
-              <a:rect l="l" t="t" r="r" b="b"/>
-              <a:pathLst>
-                <a:path w="468514" h="192314">
-                  <a:moveTo>
-                    <a:pt x="8301" y="0"/>
-                  </a:moveTo>
-                  <a:lnTo>
-                    <a:pt x="429967" y="0"/>
-                  </a:lnTo>
-                  <a:lnTo>
-                    <a:pt x="468514" y="119144"/>
-                  </a:lnTo>
-                  <a:lnTo>
-                    <a:pt x="417717" y="165301"/>
-                  </a:lnTo>
-                  <a:lnTo>
-                    <a:pt x="361525" y="192314"/>
-                  </a:lnTo>
-                  <a:lnTo>
-                    <a:pt x="0" y="2686"/>
-                  </a:lnTo>
-                  <a:close/>
-                </a:path>
-              </a:pathLst>
-            </a:custGeom>
-            <a:solidFill>
-              <a:schemeClr val="bg1">
-                <a:alpha val="50000"/>
-              </a:schemeClr>
-            </a:solidFill>
-            <a:ln>
-              <a:noFill/>
-            </a:ln>
-            <a:effectLst/>
-          </p:spPr>
-          <p:style>
-            <a:lnRef idx="2">
-              <a:schemeClr val="accent1">
-                <a:shade val="50000"/>
-              </a:schemeClr>
-            </a:lnRef>
-            <a:fillRef idx="1">
-              <a:schemeClr val="accent1"/>
-            </a:fillRef>
-            <a:effectRef idx="0">
-              <a:schemeClr val="accent1"/>
-            </a:effectRef>
-            <a:fontRef idx="minor">
-              <a:schemeClr val="lt1"/>
-            </a:fontRef>
-          </p:style>
-          <p:txBody>
-            <a:bodyPr wrap="square" rtlCol="0" anchor="ctr">
-              <a:noAutofit/>
-            </a:bodyPr>
+            <a:bodyPr rtlCol="0" anchor="ctr"/>
             <a:lstStyle/>
             <a:p>
               <a:pPr algn="ctr"/>
@@ -12879,6 +12652,143 @@
           </p:txBody>
         </p:sp>
       </p:grpSp>
+      <p:sp>
+        <p:nvSpPr>
+          <p:cNvPr id="76" name="任意多边形: 形状 75">
+            <a:extLst>
+              <a:ext uri="{FF2B5EF4-FFF2-40B4-BE49-F238E27FC236}">
+                <a16:creationId xmlns:a16="http://schemas.microsoft.com/office/drawing/2014/main" id="{903CBCE4-7E49-4C9C-B4E0-2BDCECB33B77}"/>
+              </a:ext>
+            </a:extLst>
+          </p:cNvPr>
+          <p:cNvSpPr/>
+          <p:nvPr/>
+        </p:nvSpPr>
+        <p:spPr>
+          <a:xfrm>
+            <a:off x="9429275" y="889438"/>
+            <a:ext cx="1218594" cy="1047380"/>
+          </a:xfrm>
+          <a:custGeom>
+            <a:avLst/>
+            <a:gdLst>
+              <a:gd name="connsiteX0" fmla="*/ 500459 w 1218594"/>
+              <a:gd name="connsiteY0" fmla="*/ 0 h 1047380"/>
+              <a:gd name="connsiteX1" fmla="*/ 753190 w 1218594"/>
+              <a:gd name="connsiteY1" fmla="*/ 526941 h 1047380"/>
+              <a:gd name="connsiteX2" fmla="*/ 841127 w 1218594"/>
+              <a:gd name="connsiteY2" fmla="*/ 368871 h 1047380"/>
+              <a:gd name="connsiteX3" fmla="*/ 1218594 w 1218594"/>
+              <a:gd name="connsiteY3" fmla="*/ 1047380 h 1047380"/>
+              <a:gd name="connsiteX4" fmla="*/ 463660 w 1218594"/>
+              <a:gd name="connsiteY4" fmla="*/ 1047380 h 1047380"/>
+              <a:gd name="connsiteX5" fmla="*/ 465848 w 1218594"/>
+              <a:gd name="connsiteY5" fmla="*/ 1043447 h 1047380"/>
+              <a:gd name="connsiteX6" fmla="*/ 0 w 1218594"/>
+              <a:gd name="connsiteY6" fmla="*/ 1043447 h 1047380"/>
+            </a:gdLst>
+            <a:ahLst/>
+            <a:cxnLst>
+              <a:cxn ang="0">
+                <a:pos x="connsiteX0" y="connsiteY0"/>
+              </a:cxn>
+              <a:cxn ang="0">
+                <a:pos x="connsiteX1" y="connsiteY1"/>
+              </a:cxn>
+              <a:cxn ang="0">
+                <a:pos x="connsiteX2" y="connsiteY2"/>
+              </a:cxn>
+              <a:cxn ang="0">
+                <a:pos x="connsiteX3" y="connsiteY3"/>
+              </a:cxn>
+              <a:cxn ang="0">
+                <a:pos x="connsiteX4" y="connsiteY4"/>
+              </a:cxn>
+              <a:cxn ang="0">
+                <a:pos x="connsiteX5" y="connsiteY5"/>
+              </a:cxn>
+              <a:cxn ang="0">
+                <a:pos x="connsiteX6" y="connsiteY6"/>
+              </a:cxn>
+            </a:cxnLst>
+            <a:rect l="l" t="t" r="r" b="b"/>
+            <a:pathLst>
+              <a:path w="1218594" h="1047380">
+                <a:moveTo>
+                  <a:pt x="500459" y="0"/>
+                </a:moveTo>
+                <a:lnTo>
+                  <a:pt x="753190" y="526941"/>
+                </a:lnTo>
+                <a:lnTo>
+                  <a:pt x="841127" y="368871"/>
+                </a:lnTo>
+                <a:lnTo>
+                  <a:pt x="1218594" y="1047380"/>
+                </a:lnTo>
+                <a:lnTo>
+                  <a:pt x="463660" y="1047380"/>
+                </a:lnTo>
+                <a:lnTo>
+                  <a:pt x="465848" y="1043447"/>
+                </a:lnTo>
+                <a:lnTo>
+                  <a:pt x="0" y="1043447"/>
+                </a:lnTo>
+                <a:close/>
+              </a:path>
+            </a:pathLst>
+          </a:custGeom>
+          <a:gradFill flip="none" rotWithShape="1">
+            <a:gsLst>
+              <a:gs pos="0">
+                <a:schemeClr val="bg1">
+                  <a:alpha val="40000"/>
+                </a:schemeClr>
+              </a:gs>
+              <a:gs pos="100000">
+                <a:schemeClr val="bg1">
+                  <a:alpha val="0"/>
+                </a:schemeClr>
+              </a:gs>
+            </a:gsLst>
+            <a:path path="circle">
+              <a:fillToRect l="100000" b="100000"/>
+            </a:path>
+            <a:tileRect t="-100000" r="-100000"/>
+          </a:gradFill>
+          <a:ln>
+            <a:noFill/>
+          </a:ln>
+          <a:effectLst/>
+        </p:spPr>
+        <p:style>
+          <a:lnRef idx="2">
+            <a:schemeClr val="accent1">
+              <a:shade val="50000"/>
+            </a:schemeClr>
+          </a:lnRef>
+          <a:fillRef idx="1">
+            <a:schemeClr val="accent1"/>
+          </a:fillRef>
+          <a:effectRef idx="0">
+            <a:schemeClr val="accent1"/>
+          </a:effectRef>
+          <a:fontRef idx="minor">
+            <a:schemeClr val="lt1"/>
+          </a:fontRef>
+        </p:style>
+        <p:txBody>
+          <a:bodyPr wrap="square" rtlCol="0" anchor="ctr">
+            <a:noAutofit/>
+          </a:bodyPr>
+          <a:lstStyle/>
+          <a:p>
+            <a:pPr algn="ctr"/>
+            <a:endParaRPr lang="zh-CN" altLang="en-US"/>
+          </a:p>
+        </p:txBody>
+      </p:sp>
     </p:spTree>
     <p:extLst>
       <p:ext uri="{BB962C8B-B14F-4D97-AF65-F5344CB8AC3E}">
@@ -15940,20 +15850,20 @@
           </a:xfrm>
           <a:prstGeom prst="roundRect">
             <a:avLst>
-              <a:gd name="adj" fmla="val 815"/>
+              <a:gd name="adj" fmla="val 0"/>
             </a:avLst>
           </a:prstGeom>
           <a:solidFill>
-            <a:schemeClr val="bg1"/>
+            <a:srgbClr val="343438"/>
           </a:solidFill>
           <a:ln>
             <a:noFill/>
           </a:ln>
           <a:effectLst>
             <a:outerShdw blurRad="152400" algn="ctr" rotWithShape="0">
-              <a:prstClr val="black">
-                <a:alpha val="20000"/>
-              </a:prstClr>
+              <a:srgbClr val="7030A0">
+                <a:alpha val="50000"/>
+              </a:srgbClr>
             </a:outerShdw>
           </a:effectLst>
         </p:spPr>
@@ -18769,6 +18679,2052 @@
 <file path=ppt/slides/slide6.xml><?xml version="1.0" encoding="utf-8"?>
 <p:sld xmlns:a="http://schemas.openxmlformats.org/drawingml/2006/main" xmlns:r="http://schemas.openxmlformats.org/officeDocument/2006/relationships" xmlns:p="http://schemas.openxmlformats.org/presentationml/2006/main">
   <p:cSld>
+    <p:bg>
+      <p:bgPr>
+        <a:solidFill>
+          <a:schemeClr val="bg1"/>
+        </a:solidFill>
+        <a:effectLst/>
+      </p:bgPr>
+    </p:bg>
+    <p:spTree>
+      <p:nvGrpSpPr>
+        <p:cNvPr id="1" name=""/>
+        <p:cNvGrpSpPr/>
+        <p:nvPr/>
+      </p:nvGrpSpPr>
+      <p:grpSpPr>
+        <a:xfrm>
+          <a:off x="0" y="0"/>
+          <a:ext cx="0" cy="0"/>
+          <a:chOff x="0" y="0"/>
+          <a:chExt cx="0" cy="0"/>
+        </a:xfrm>
+      </p:grpSpPr>
+      <p:sp>
+        <p:nvSpPr>
+          <p:cNvPr id="4" name="矩形: 圆角 3">
+            <a:extLst>
+              <a:ext uri="{FF2B5EF4-FFF2-40B4-BE49-F238E27FC236}">
+                <a16:creationId xmlns:a16="http://schemas.microsoft.com/office/drawing/2014/main" id="{249576B7-257E-4A08-99D9-B97946F2E623}"/>
+              </a:ext>
+            </a:extLst>
+          </p:cNvPr>
+          <p:cNvSpPr/>
+          <p:nvPr/>
+        </p:nvSpPr>
+        <p:spPr>
+          <a:xfrm>
+            <a:off x="2329543" y="550073"/>
+            <a:ext cx="7750628" cy="5818069"/>
+          </a:xfrm>
+          <a:prstGeom prst="roundRect">
+            <a:avLst>
+              <a:gd name="adj" fmla="val 0"/>
+            </a:avLst>
+          </a:prstGeom>
+          <a:solidFill>
+            <a:srgbClr val="46464C">
+              <a:alpha val="89804"/>
+            </a:srgbClr>
+          </a:solidFill>
+          <a:ln>
+            <a:noFill/>
+          </a:ln>
+          <a:effectLst>
+            <a:outerShdw blurRad="152400" algn="ctr" rotWithShape="0">
+              <a:schemeClr val="tx1">
+                <a:alpha val="50000"/>
+              </a:schemeClr>
+            </a:outerShdw>
+          </a:effectLst>
+        </p:spPr>
+        <p:style>
+          <a:lnRef idx="2">
+            <a:schemeClr val="accent1">
+              <a:shade val="50000"/>
+            </a:schemeClr>
+          </a:lnRef>
+          <a:fillRef idx="1">
+            <a:schemeClr val="accent1"/>
+          </a:fillRef>
+          <a:effectRef idx="0">
+            <a:schemeClr val="accent1"/>
+          </a:effectRef>
+          <a:fontRef idx="minor">
+            <a:schemeClr val="lt1"/>
+          </a:fontRef>
+        </p:style>
+        <p:txBody>
+          <a:bodyPr rtlCol="0" anchor="ctr"/>
+          <a:lstStyle/>
+          <a:p>
+            <a:pPr algn="ctr"/>
+            <a:endParaRPr lang="zh-CN" altLang="en-US"/>
+          </a:p>
+        </p:txBody>
+      </p:sp>
+      <p:pic>
+        <p:nvPicPr>
+          <p:cNvPr id="31" name="图片 30">
+            <a:extLst>
+              <a:ext uri="{FF2B5EF4-FFF2-40B4-BE49-F238E27FC236}">
+                <a16:creationId xmlns:a16="http://schemas.microsoft.com/office/drawing/2014/main" id="{F54C37B1-E39C-4F44-B9EC-B55027E2E885}"/>
+              </a:ext>
+            </a:extLst>
+          </p:cNvPr>
+          <p:cNvPicPr>
+            <a:picLocks noChangeAspect="1"/>
+          </p:cNvPicPr>
+          <p:nvPr/>
+        </p:nvPicPr>
+        <p:blipFill>
+          <a:blip r:embed="rId2"/>
+          <a:stretch>
+            <a:fillRect/>
+          </a:stretch>
+        </p:blipFill>
+        <p:spPr>
+          <a:xfrm>
+            <a:off x="961192" y="2705138"/>
+            <a:ext cx="586791" cy="449619"/>
+          </a:xfrm>
+          <a:prstGeom prst="rect">
+            <a:avLst/>
+          </a:prstGeom>
+        </p:spPr>
+      </p:pic>
+      <p:grpSp>
+        <p:nvGrpSpPr>
+          <p:cNvPr id="32" name="组合 31">
+            <a:extLst>
+              <a:ext uri="{FF2B5EF4-FFF2-40B4-BE49-F238E27FC236}">
+                <a16:creationId xmlns:a16="http://schemas.microsoft.com/office/drawing/2014/main" id="{22510958-BD21-4D18-AD49-AD6C5D175E13}"/>
+              </a:ext>
+            </a:extLst>
+          </p:cNvPr>
+          <p:cNvGrpSpPr/>
+          <p:nvPr/>
+        </p:nvGrpSpPr>
+        <p:grpSpPr>
+          <a:xfrm>
+            <a:off x="984601" y="880757"/>
+            <a:ext cx="310036" cy="309504"/>
+            <a:chOff x="1461084" y="1669789"/>
+            <a:chExt cx="248400" cy="247972"/>
+          </a:xfrm>
+        </p:grpSpPr>
+        <p:sp>
+          <p:nvSpPr>
+            <p:cNvPr id="28" name="矩形 27">
+              <a:extLst>
+                <a:ext uri="{FF2B5EF4-FFF2-40B4-BE49-F238E27FC236}">
+                  <a16:creationId xmlns:a16="http://schemas.microsoft.com/office/drawing/2014/main" id="{49485767-8BCD-484B-AA4C-38D745D4A9A2}"/>
+                </a:ext>
+              </a:extLst>
+            </p:cNvPr>
+            <p:cNvSpPr/>
+            <p:nvPr/>
+          </p:nvSpPr>
+          <p:spPr>
+            <a:xfrm>
+              <a:off x="1461084" y="1669789"/>
+              <a:ext cx="248400" cy="247972"/>
+            </a:xfrm>
+            <a:prstGeom prst="rect">
+              <a:avLst/>
+            </a:prstGeom>
+            <a:solidFill>
+              <a:schemeClr val="bg1">
+                <a:lumMod val="95000"/>
+                <a:alpha val="0"/>
+              </a:schemeClr>
+            </a:solidFill>
+            <a:ln>
+              <a:noFill/>
+            </a:ln>
+          </p:spPr>
+          <p:style>
+            <a:lnRef idx="2">
+              <a:schemeClr val="accent1">
+                <a:shade val="50000"/>
+              </a:schemeClr>
+            </a:lnRef>
+            <a:fillRef idx="1">
+              <a:schemeClr val="accent1"/>
+            </a:fillRef>
+            <a:effectRef idx="0">
+              <a:schemeClr val="accent1"/>
+            </a:effectRef>
+            <a:fontRef idx="minor">
+              <a:schemeClr val="lt1"/>
+            </a:fontRef>
+          </p:style>
+          <p:txBody>
+            <a:bodyPr rtlCol="0" anchor="ctr"/>
+            <a:lstStyle/>
+            <a:p>
+              <a:pPr algn="ctr"/>
+              <a:endParaRPr lang="zh-CN" altLang="en-US"/>
+            </a:p>
+          </p:txBody>
+        </p:sp>
+        <p:sp>
+          <p:nvSpPr>
+            <p:cNvPr id="29" name="矩形 28">
+              <a:extLst>
+                <a:ext uri="{FF2B5EF4-FFF2-40B4-BE49-F238E27FC236}">
+                  <a16:creationId xmlns:a16="http://schemas.microsoft.com/office/drawing/2014/main" id="{9499A29E-2F07-4652-A3FB-C1E03BEA8EDE}"/>
+                </a:ext>
+              </a:extLst>
+            </p:cNvPr>
+            <p:cNvSpPr/>
+            <p:nvPr/>
+          </p:nvSpPr>
+          <p:spPr>
+            <a:xfrm>
+              <a:off x="1487033" y="1718629"/>
+              <a:ext cx="139884" cy="108501"/>
+            </a:xfrm>
+            <a:prstGeom prst="rect">
+              <a:avLst/>
+            </a:prstGeom>
+            <a:solidFill>
+              <a:srgbClr val="643EFF"/>
+            </a:solidFill>
+            <a:ln>
+              <a:noFill/>
+            </a:ln>
+          </p:spPr>
+          <p:style>
+            <a:lnRef idx="2">
+              <a:schemeClr val="accent1">
+                <a:shade val="50000"/>
+              </a:schemeClr>
+            </a:lnRef>
+            <a:fillRef idx="1">
+              <a:schemeClr val="accent1"/>
+            </a:fillRef>
+            <a:effectRef idx="0">
+              <a:schemeClr val="accent1"/>
+            </a:effectRef>
+            <a:fontRef idx="minor">
+              <a:schemeClr val="lt1"/>
+            </a:fontRef>
+          </p:style>
+          <p:txBody>
+            <a:bodyPr rtlCol="0" anchor="ctr"/>
+            <a:lstStyle/>
+            <a:p>
+              <a:pPr algn="ctr"/>
+              <a:endParaRPr lang="zh-CN" altLang="en-US"/>
+            </a:p>
+          </p:txBody>
+        </p:sp>
+        <p:sp>
+          <p:nvSpPr>
+            <p:cNvPr id="30" name="矩形 29">
+              <a:extLst>
+                <a:ext uri="{FF2B5EF4-FFF2-40B4-BE49-F238E27FC236}">
+                  <a16:creationId xmlns:a16="http://schemas.microsoft.com/office/drawing/2014/main" id="{4FEC0EB6-16AA-4BE0-86FB-90C9FC9F6E61}"/>
+                </a:ext>
+              </a:extLst>
+            </p:cNvPr>
+            <p:cNvSpPr/>
+            <p:nvPr/>
+          </p:nvSpPr>
+          <p:spPr>
+            <a:xfrm>
+              <a:off x="1542810" y="1758605"/>
+              <a:ext cx="139884" cy="108501"/>
+            </a:xfrm>
+            <a:prstGeom prst="rect">
+              <a:avLst/>
+            </a:prstGeom>
+            <a:solidFill>
+              <a:srgbClr val="22D0C4"/>
+            </a:solidFill>
+            <a:ln>
+              <a:noFill/>
+            </a:ln>
+          </p:spPr>
+          <p:style>
+            <a:lnRef idx="2">
+              <a:schemeClr val="accent1">
+                <a:shade val="50000"/>
+              </a:schemeClr>
+            </a:lnRef>
+            <a:fillRef idx="1">
+              <a:schemeClr val="accent1"/>
+            </a:fillRef>
+            <a:effectRef idx="0">
+              <a:schemeClr val="accent1"/>
+            </a:effectRef>
+            <a:fontRef idx="minor">
+              <a:schemeClr val="lt1"/>
+            </a:fontRef>
+          </p:style>
+          <p:txBody>
+            <a:bodyPr rtlCol="0" anchor="ctr"/>
+            <a:lstStyle/>
+            <a:p>
+              <a:pPr algn="ctr"/>
+              <a:endParaRPr lang="zh-CN" altLang="en-US"/>
+            </a:p>
+          </p:txBody>
+        </p:sp>
+      </p:grpSp>
+      <p:grpSp>
+        <p:nvGrpSpPr>
+          <p:cNvPr id="59" name="组合 58">
+            <a:extLst>
+              <a:ext uri="{FF2B5EF4-FFF2-40B4-BE49-F238E27FC236}">
+                <a16:creationId xmlns:a16="http://schemas.microsoft.com/office/drawing/2014/main" id="{E3A3EE5C-A83E-41D4-A577-EE314E7EBCED}"/>
+              </a:ext>
+            </a:extLst>
+          </p:cNvPr>
+          <p:cNvGrpSpPr/>
+          <p:nvPr/>
+        </p:nvGrpSpPr>
+        <p:grpSpPr>
+          <a:xfrm>
+            <a:off x="985884" y="1392149"/>
+            <a:ext cx="310572" cy="310038"/>
+            <a:chOff x="2664000" y="1936800"/>
+            <a:chExt cx="248829" cy="248400"/>
+          </a:xfrm>
+        </p:grpSpPr>
+        <p:grpSp>
+          <p:nvGrpSpPr>
+            <p:cNvPr id="47" name="组合 46">
+              <a:extLst>
+                <a:ext uri="{FF2B5EF4-FFF2-40B4-BE49-F238E27FC236}">
+                  <a16:creationId xmlns:a16="http://schemas.microsoft.com/office/drawing/2014/main" id="{B0578023-EC45-4B1A-81D1-EC2A8F920543}"/>
+                </a:ext>
+              </a:extLst>
+            </p:cNvPr>
+            <p:cNvGrpSpPr>
+              <a:grpSpLocks noChangeAspect="1"/>
+            </p:cNvGrpSpPr>
+            <p:nvPr/>
+          </p:nvGrpSpPr>
+          <p:grpSpPr>
+            <a:xfrm>
+              <a:off x="2664000" y="1936800"/>
+              <a:ext cx="248829" cy="248400"/>
+              <a:chOff x="1423783" y="1830253"/>
+              <a:chExt cx="248400" cy="247972"/>
+            </a:xfrm>
+          </p:grpSpPr>
+          <p:sp>
+            <p:nvSpPr>
+              <p:cNvPr id="39" name="矩形 38">
+                <a:extLst>
+                  <a:ext uri="{FF2B5EF4-FFF2-40B4-BE49-F238E27FC236}">
+                    <a16:creationId xmlns:a16="http://schemas.microsoft.com/office/drawing/2014/main" id="{C466D7EE-A5DB-48F2-ABEB-7B8FE43ACCD7}"/>
+                  </a:ext>
+                </a:extLst>
+              </p:cNvPr>
+              <p:cNvSpPr/>
+              <p:nvPr/>
+            </p:nvSpPr>
+            <p:spPr>
+              <a:xfrm>
+                <a:off x="1423783" y="1830253"/>
+                <a:ext cx="248400" cy="247972"/>
+              </a:xfrm>
+              <a:prstGeom prst="rect">
+                <a:avLst/>
+              </a:prstGeom>
+              <a:solidFill>
+                <a:schemeClr val="bg1">
+                  <a:lumMod val="95000"/>
+                  <a:alpha val="0"/>
+                </a:schemeClr>
+              </a:solidFill>
+              <a:ln>
+                <a:noFill/>
+              </a:ln>
+            </p:spPr>
+            <p:style>
+              <a:lnRef idx="2">
+                <a:schemeClr val="accent1">
+                  <a:shade val="50000"/>
+                </a:schemeClr>
+              </a:lnRef>
+              <a:fillRef idx="1">
+                <a:schemeClr val="accent1"/>
+              </a:fillRef>
+              <a:effectRef idx="0">
+                <a:schemeClr val="accent1"/>
+              </a:effectRef>
+              <a:fontRef idx="minor">
+                <a:schemeClr val="lt1"/>
+              </a:fontRef>
+            </p:style>
+            <p:txBody>
+              <a:bodyPr rtlCol="0" anchor="ctr"/>
+              <a:lstStyle/>
+              <a:p>
+                <a:pPr algn="ctr"/>
+                <a:endParaRPr lang="zh-CN" altLang="en-US"/>
+              </a:p>
+            </p:txBody>
+          </p:sp>
+          <p:sp>
+            <p:nvSpPr>
+              <p:cNvPr id="41" name="椭圆 40">
+                <a:extLst>
+                  <a:ext uri="{FF2B5EF4-FFF2-40B4-BE49-F238E27FC236}">
+                    <a16:creationId xmlns:a16="http://schemas.microsoft.com/office/drawing/2014/main" id="{23D6FF8B-81C7-47AC-ABC2-C0B594B243C5}"/>
+                  </a:ext>
+                </a:extLst>
+              </p:cNvPr>
+              <p:cNvSpPr/>
+              <p:nvPr/>
+            </p:nvSpPr>
+            <p:spPr>
+              <a:xfrm>
+                <a:off x="1464717" y="1872649"/>
+                <a:ext cx="165833" cy="165600"/>
+              </a:xfrm>
+              <a:prstGeom prst="ellipse">
+                <a:avLst/>
+              </a:prstGeom>
+              <a:solidFill>
+                <a:srgbClr val="643EFF"/>
+              </a:solidFill>
+              <a:ln>
+                <a:noFill/>
+              </a:ln>
+            </p:spPr>
+            <p:style>
+              <a:lnRef idx="2">
+                <a:schemeClr val="accent1">
+                  <a:shade val="50000"/>
+                </a:schemeClr>
+              </a:lnRef>
+              <a:fillRef idx="1">
+                <a:schemeClr val="accent1"/>
+              </a:fillRef>
+              <a:effectRef idx="0">
+                <a:schemeClr val="accent1"/>
+              </a:effectRef>
+              <a:fontRef idx="minor">
+                <a:schemeClr val="lt1"/>
+              </a:fontRef>
+            </p:style>
+            <p:txBody>
+              <a:bodyPr rtlCol="0" anchor="ctr"/>
+              <a:lstStyle/>
+              <a:p>
+                <a:pPr algn="ctr"/>
+                <a:endParaRPr lang="zh-CN" altLang="en-US"/>
+              </a:p>
+            </p:txBody>
+          </p:sp>
+        </p:grpSp>
+        <p:grpSp>
+          <p:nvGrpSpPr>
+            <p:cNvPr id="58" name="组合 57">
+              <a:extLst>
+                <a:ext uri="{FF2B5EF4-FFF2-40B4-BE49-F238E27FC236}">
+                  <a16:creationId xmlns:a16="http://schemas.microsoft.com/office/drawing/2014/main" id="{280D688C-B58F-4C30-BAEA-12229663CC05}"/>
+                </a:ext>
+              </a:extLst>
+            </p:cNvPr>
+            <p:cNvGrpSpPr/>
+            <p:nvPr/>
+          </p:nvGrpSpPr>
+          <p:grpSpPr>
+            <a:xfrm>
+              <a:off x="2783383" y="2003380"/>
+              <a:ext cx="45719" cy="77831"/>
+              <a:chOff x="2788065" y="1979269"/>
+              <a:chExt cx="83059" cy="165886"/>
+            </a:xfrm>
+          </p:grpSpPr>
+          <p:cxnSp>
+            <p:nvCxnSpPr>
+              <p:cNvPr id="52" name="直接连接符 51">
+                <a:extLst>
+                  <a:ext uri="{FF2B5EF4-FFF2-40B4-BE49-F238E27FC236}">
+                    <a16:creationId xmlns:a16="http://schemas.microsoft.com/office/drawing/2014/main" id="{7D0D5507-67EE-47CE-BB5F-F82CF59F31F6}"/>
+                  </a:ext>
+                </a:extLst>
+              </p:cNvPr>
+              <p:cNvCxnSpPr>
+                <a:cxnSpLocks/>
+                <a:stCxn id="41" idx="0"/>
+                <a:endCxn id="41" idx="4"/>
+              </p:cNvCxnSpPr>
+              <p:nvPr/>
+            </p:nvCxnSpPr>
+            <p:spPr>
+              <a:xfrm>
+                <a:off x="2788065" y="1979269"/>
+                <a:ext cx="0" cy="165886"/>
+              </a:xfrm>
+              <a:prstGeom prst="line">
+                <a:avLst/>
+              </a:prstGeom>
+              <a:ln w="19050" cap="rnd">
+                <a:solidFill>
+                  <a:schemeClr val="bg1"/>
+                </a:solidFill>
+                <a:round/>
+              </a:ln>
+            </p:spPr>
+            <p:style>
+              <a:lnRef idx="1">
+                <a:schemeClr val="accent1"/>
+              </a:lnRef>
+              <a:fillRef idx="0">
+                <a:schemeClr val="accent1"/>
+              </a:fillRef>
+              <a:effectRef idx="0">
+                <a:schemeClr val="accent1"/>
+              </a:effectRef>
+              <a:fontRef idx="minor">
+                <a:schemeClr val="tx1"/>
+              </a:fontRef>
+            </p:style>
+          </p:cxnSp>
+          <p:cxnSp>
+            <p:nvCxnSpPr>
+              <p:cNvPr id="55" name="直接连接符 54">
+                <a:extLst>
+                  <a:ext uri="{FF2B5EF4-FFF2-40B4-BE49-F238E27FC236}">
+                    <a16:creationId xmlns:a16="http://schemas.microsoft.com/office/drawing/2014/main" id="{1BD4ED56-637B-4A9A-8A82-3873466503F4}"/>
+                  </a:ext>
+                </a:extLst>
+              </p:cNvPr>
+              <p:cNvCxnSpPr>
+                <a:cxnSpLocks/>
+                <a:stCxn id="41" idx="4"/>
+                <a:endCxn id="41" idx="6"/>
+              </p:cNvCxnSpPr>
+              <p:nvPr/>
+            </p:nvCxnSpPr>
+            <p:spPr>
+              <a:xfrm flipV="1">
+                <a:off x="2788065" y="2062212"/>
+                <a:ext cx="83059" cy="82943"/>
+              </a:xfrm>
+              <a:prstGeom prst="line">
+                <a:avLst/>
+              </a:prstGeom>
+              <a:ln w="19050" cap="rnd">
+                <a:solidFill>
+                  <a:schemeClr val="bg1"/>
+                </a:solidFill>
+                <a:round/>
+              </a:ln>
+            </p:spPr>
+            <p:style>
+              <a:lnRef idx="1">
+                <a:schemeClr val="accent1"/>
+              </a:lnRef>
+              <a:fillRef idx="0">
+                <a:schemeClr val="accent1"/>
+              </a:fillRef>
+              <a:effectRef idx="0">
+                <a:schemeClr val="accent1"/>
+              </a:effectRef>
+              <a:fontRef idx="minor">
+                <a:schemeClr val="tx1"/>
+              </a:fontRef>
+            </p:style>
+          </p:cxnSp>
+        </p:grpSp>
+      </p:grpSp>
+      <p:grpSp>
+        <p:nvGrpSpPr>
+          <p:cNvPr id="69" name="组合 68">
+            <a:extLst>
+              <a:ext uri="{FF2B5EF4-FFF2-40B4-BE49-F238E27FC236}">
+                <a16:creationId xmlns:a16="http://schemas.microsoft.com/office/drawing/2014/main" id="{7F360FFC-BBEB-4F65-9627-328B40092837}"/>
+              </a:ext>
+            </a:extLst>
+          </p:cNvPr>
+          <p:cNvGrpSpPr/>
+          <p:nvPr/>
+        </p:nvGrpSpPr>
+        <p:grpSpPr>
+          <a:xfrm>
+            <a:off x="985884" y="1866719"/>
+            <a:ext cx="310572" cy="310038"/>
+            <a:chOff x="2664000" y="2196707"/>
+            <a:chExt cx="248829" cy="248400"/>
+          </a:xfrm>
+        </p:grpSpPr>
+        <p:grpSp>
+          <p:nvGrpSpPr>
+            <p:cNvPr id="62" name="组合 61">
+              <a:extLst>
+                <a:ext uri="{FF2B5EF4-FFF2-40B4-BE49-F238E27FC236}">
+                  <a16:creationId xmlns:a16="http://schemas.microsoft.com/office/drawing/2014/main" id="{9C5873D3-D6BF-403F-9F37-E069E8E2874E}"/>
+                </a:ext>
+              </a:extLst>
+            </p:cNvPr>
+            <p:cNvGrpSpPr>
+              <a:grpSpLocks noChangeAspect="1"/>
+            </p:cNvGrpSpPr>
+            <p:nvPr/>
+          </p:nvGrpSpPr>
+          <p:grpSpPr>
+            <a:xfrm>
+              <a:off x="2664000" y="2196707"/>
+              <a:ext cx="248829" cy="248400"/>
+              <a:chOff x="1423783" y="1830253"/>
+              <a:chExt cx="248400" cy="247972"/>
+            </a:xfrm>
+          </p:grpSpPr>
+          <p:sp>
+            <p:nvSpPr>
+              <p:cNvPr id="66" name="矩形 65">
+                <a:extLst>
+                  <a:ext uri="{FF2B5EF4-FFF2-40B4-BE49-F238E27FC236}">
+                    <a16:creationId xmlns:a16="http://schemas.microsoft.com/office/drawing/2014/main" id="{98A8493A-EEFB-4092-AD60-6768342A8BD3}"/>
+                  </a:ext>
+                </a:extLst>
+              </p:cNvPr>
+              <p:cNvSpPr/>
+              <p:nvPr/>
+            </p:nvSpPr>
+            <p:spPr>
+              <a:xfrm>
+                <a:off x="1423783" y="1830253"/>
+                <a:ext cx="248400" cy="247972"/>
+              </a:xfrm>
+              <a:prstGeom prst="rect">
+                <a:avLst/>
+              </a:prstGeom>
+              <a:solidFill>
+                <a:schemeClr val="bg1">
+                  <a:lumMod val="95000"/>
+                  <a:alpha val="0"/>
+                </a:schemeClr>
+              </a:solidFill>
+              <a:ln>
+                <a:noFill/>
+              </a:ln>
+            </p:spPr>
+            <p:style>
+              <a:lnRef idx="2">
+                <a:schemeClr val="accent1">
+                  <a:shade val="50000"/>
+                </a:schemeClr>
+              </a:lnRef>
+              <a:fillRef idx="1">
+                <a:schemeClr val="accent1"/>
+              </a:fillRef>
+              <a:effectRef idx="0">
+                <a:schemeClr val="accent1"/>
+              </a:effectRef>
+              <a:fontRef idx="minor">
+                <a:schemeClr val="lt1"/>
+              </a:fontRef>
+            </p:style>
+            <p:txBody>
+              <a:bodyPr rtlCol="0" anchor="ctr"/>
+              <a:lstStyle/>
+              <a:p>
+                <a:pPr algn="ctr"/>
+                <a:endParaRPr lang="zh-CN" altLang="en-US"/>
+              </a:p>
+            </p:txBody>
+          </p:sp>
+          <p:sp>
+            <p:nvSpPr>
+              <p:cNvPr id="67" name="椭圆 66">
+                <a:extLst>
+                  <a:ext uri="{FF2B5EF4-FFF2-40B4-BE49-F238E27FC236}">
+                    <a16:creationId xmlns:a16="http://schemas.microsoft.com/office/drawing/2014/main" id="{0750323A-F6D8-472C-9DC2-B5F3A4DAA2EF}"/>
+                  </a:ext>
+                </a:extLst>
+              </p:cNvPr>
+              <p:cNvSpPr/>
+              <p:nvPr/>
+            </p:nvSpPr>
+            <p:spPr>
+              <a:xfrm>
+                <a:off x="1464717" y="1872649"/>
+                <a:ext cx="165833" cy="165600"/>
+              </a:xfrm>
+              <a:prstGeom prst="ellipse">
+                <a:avLst/>
+              </a:prstGeom>
+              <a:solidFill>
+                <a:srgbClr val="22D0C4"/>
+              </a:solidFill>
+              <a:ln>
+                <a:noFill/>
+              </a:ln>
+            </p:spPr>
+            <p:style>
+              <a:lnRef idx="2">
+                <a:schemeClr val="accent1">
+                  <a:shade val="50000"/>
+                </a:schemeClr>
+              </a:lnRef>
+              <a:fillRef idx="1">
+                <a:schemeClr val="accent1"/>
+              </a:fillRef>
+              <a:effectRef idx="0">
+                <a:schemeClr val="accent1"/>
+              </a:effectRef>
+              <a:fontRef idx="minor">
+                <a:schemeClr val="lt1"/>
+              </a:fontRef>
+            </p:style>
+            <p:txBody>
+              <a:bodyPr rtlCol="0" anchor="ctr"/>
+              <a:lstStyle/>
+              <a:p>
+                <a:pPr algn="ctr"/>
+                <a:endParaRPr lang="zh-CN" altLang="en-US"/>
+              </a:p>
+            </p:txBody>
+          </p:sp>
+        </p:grpSp>
+        <p:cxnSp>
+          <p:nvCxnSpPr>
+            <p:cNvPr id="68" name="直接连接符 67">
+              <a:extLst>
+                <a:ext uri="{FF2B5EF4-FFF2-40B4-BE49-F238E27FC236}">
+                  <a16:creationId xmlns:a16="http://schemas.microsoft.com/office/drawing/2014/main" id="{FEFF536D-0CB6-45CC-9D95-DC09347E95FA}"/>
+                </a:ext>
+              </a:extLst>
+            </p:cNvPr>
+            <p:cNvCxnSpPr>
+              <a:cxnSpLocks/>
+            </p:cNvCxnSpPr>
+            <p:nvPr/>
+          </p:nvCxnSpPr>
+          <p:spPr>
+            <a:xfrm>
+              <a:off x="2780938" y="2283332"/>
+              <a:ext cx="0" cy="77831"/>
+            </a:xfrm>
+            <a:prstGeom prst="line">
+              <a:avLst/>
+            </a:prstGeom>
+            <a:ln w="19050" cap="rnd">
+              <a:solidFill>
+                <a:schemeClr val="bg1"/>
+              </a:solidFill>
+              <a:round/>
+            </a:ln>
+          </p:spPr>
+          <p:style>
+            <a:lnRef idx="1">
+              <a:schemeClr val="accent1"/>
+            </a:lnRef>
+            <a:fillRef idx="0">
+              <a:schemeClr val="accent1"/>
+            </a:fillRef>
+            <a:effectRef idx="0">
+              <a:schemeClr val="accent1"/>
+            </a:effectRef>
+            <a:fontRef idx="minor">
+              <a:schemeClr val="tx1"/>
+            </a:fontRef>
+          </p:style>
+        </p:cxnSp>
+      </p:grpSp>
+      <p:grpSp>
+        <p:nvGrpSpPr>
+          <p:cNvPr id="99" name="组合 98">
+            <a:extLst>
+              <a:ext uri="{FF2B5EF4-FFF2-40B4-BE49-F238E27FC236}">
+                <a16:creationId xmlns:a16="http://schemas.microsoft.com/office/drawing/2014/main" id="{2DFF5994-02A6-4958-A35E-7DB88C8B642C}"/>
+              </a:ext>
+            </a:extLst>
+          </p:cNvPr>
+          <p:cNvGrpSpPr/>
+          <p:nvPr/>
+        </p:nvGrpSpPr>
+        <p:grpSpPr>
+          <a:xfrm>
+            <a:off x="1592401" y="880757"/>
+            <a:ext cx="310572" cy="310038"/>
+            <a:chOff x="1592401" y="880757"/>
+            <a:chExt cx="310572" cy="310038"/>
+          </a:xfrm>
+        </p:grpSpPr>
+        <p:sp>
+          <p:nvSpPr>
+            <p:cNvPr id="92" name="矩形 91">
+              <a:extLst>
+                <a:ext uri="{FF2B5EF4-FFF2-40B4-BE49-F238E27FC236}">
+                  <a16:creationId xmlns:a16="http://schemas.microsoft.com/office/drawing/2014/main" id="{F4EBA385-353D-4BB8-88DB-B1A9F1FA59EF}"/>
+                </a:ext>
+              </a:extLst>
+            </p:cNvPr>
+            <p:cNvSpPr/>
+            <p:nvPr/>
+          </p:nvSpPr>
+          <p:spPr>
+            <a:xfrm>
+              <a:off x="1592401" y="880757"/>
+              <a:ext cx="310572" cy="310038"/>
+            </a:xfrm>
+            <a:prstGeom prst="rect">
+              <a:avLst/>
+            </a:prstGeom>
+            <a:solidFill>
+              <a:schemeClr val="bg1">
+                <a:lumMod val="95000"/>
+                <a:alpha val="0"/>
+              </a:schemeClr>
+            </a:solidFill>
+            <a:ln>
+              <a:noFill/>
+            </a:ln>
+          </p:spPr>
+          <p:style>
+            <a:lnRef idx="2">
+              <a:schemeClr val="accent1">
+                <a:shade val="50000"/>
+              </a:schemeClr>
+            </a:lnRef>
+            <a:fillRef idx="1">
+              <a:schemeClr val="accent1"/>
+            </a:fillRef>
+            <a:effectRef idx="0">
+              <a:schemeClr val="accent1"/>
+            </a:effectRef>
+            <a:fontRef idx="minor">
+              <a:schemeClr val="lt1"/>
+            </a:fontRef>
+          </p:style>
+          <p:txBody>
+            <a:bodyPr rtlCol="0" anchor="ctr"/>
+            <a:lstStyle/>
+            <a:p>
+              <a:pPr algn="ctr"/>
+              <a:endParaRPr lang="zh-CN" altLang="en-US"/>
+            </a:p>
+          </p:txBody>
+        </p:sp>
+        <p:grpSp>
+          <p:nvGrpSpPr>
+            <p:cNvPr id="98" name="组合 97">
+              <a:extLst>
+                <a:ext uri="{FF2B5EF4-FFF2-40B4-BE49-F238E27FC236}">
+                  <a16:creationId xmlns:a16="http://schemas.microsoft.com/office/drawing/2014/main" id="{024F7E86-95C5-4BE0-B6D0-2747505A230E}"/>
+                </a:ext>
+              </a:extLst>
+            </p:cNvPr>
+            <p:cNvGrpSpPr/>
+            <p:nvPr/>
+          </p:nvGrpSpPr>
+          <p:grpSpPr>
+            <a:xfrm>
+              <a:off x="1642914" y="912251"/>
+              <a:ext cx="209547" cy="247051"/>
+              <a:chOff x="1645669" y="893430"/>
+              <a:chExt cx="209547" cy="247051"/>
+            </a:xfrm>
+          </p:grpSpPr>
+          <p:sp>
+            <p:nvSpPr>
+              <p:cNvPr id="93" name="椭圆 92">
+                <a:extLst>
+                  <a:ext uri="{FF2B5EF4-FFF2-40B4-BE49-F238E27FC236}">
+                    <a16:creationId xmlns:a16="http://schemas.microsoft.com/office/drawing/2014/main" id="{73671702-0EAF-4FDF-BD92-53FB8973F037}"/>
+                  </a:ext>
+                </a:extLst>
+              </p:cNvPr>
+              <p:cNvSpPr/>
+              <p:nvPr/>
+            </p:nvSpPr>
+            <p:spPr>
+              <a:xfrm>
+                <a:off x="1645670" y="893430"/>
+                <a:ext cx="207339" cy="207049"/>
+              </a:xfrm>
+              <a:prstGeom prst="ellipse">
+                <a:avLst/>
+              </a:prstGeom>
+              <a:solidFill>
+                <a:srgbClr val="22D0C4"/>
+              </a:solidFill>
+              <a:ln>
+                <a:noFill/>
+              </a:ln>
+            </p:spPr>
+            <p:style>
+              <a:lnRef idx="2">
+                <a:schemeClr val="accent1">
+                  <a:shade val="50000"/>
+                </a:schemeClr>
+              </a:lnRef>
+              <a:fillRef idx="1">
+                <a:schemeClr val="accent1"/>
+              </a:fillRef>
+              <a:effectRef idx="0">
+                <a:schemeClr val="accent1"/>
+              </a:effectRef>
+              <a:fontRef idx="minor">
+                <a:schemeClr val="lt1"/>
+              </a:fontRef>
+            </p:style>
+            <p:txBody>
+              <a:bodyPr rtlCol="0" anchor="ctr"/>
+              <a:lstStyle/>
+              <a:p>
+                <a:pPr algn="ctr"/>
+                <a:endParaRPr lang="zh-CN" altLang="en-US"/>
+              </a:p>
+            </p:txBody>
+          </p:sp>
+          <p:grpSp>
+            <p:nvGrpSpPr>
+              <p:cNvPr id="97" name="组合 96">
+                <a:extLst>
+                  <a:ext uri="{FF2B5EF4-FFF2-40B4-BE49-F238E27FC236}">
+                    <a16:creationId xmlns:a16="http://schemas.microsoft.com/office/drawing/2014/main" id="{F85FFA41-1FA1-4A30-BDC9-CF620DECE416}"/>
+                  </a:ext>
+                </a:extLst>
+              </p:cNvPr>
+              <p:cNvGrpSpPr/>
+              <p:nvPr/>
+            </p:nvGrpSpPr>
+            <p:grpSpPr>
+              <a:xfrm>
+                <a:off x="1645669" y="903741"/>
+                <a:ext cx="209547" cy="236740"/>
+                <a:chOff x="1645669" y="903741"/>
+                <a:chExt cx="209547" cy="236740"/>
+              </a:xfrm>
+            </p:grpSpPr>
+            <p:sp>
+              <p:nvSpPr>
+                <p:cNvPr id="94" name="椭圆 93">
+                  <a:extLst>
+                    <a:ext uri="{FF2B5EF4-FFF2-40B4-BE49-F238E27FC236}">
+                      <a16:creationId xmlns:a16="http://schemas.microsoft.com/office/drawing/2014/main" id="{315BE0DB-913E-4BD7-9DC9-200904264CF5}"/>
+                    </a:ext>
+                  </a:extLst>
+                </p:cNvPr>
+                <p:cNvSpPr/>
+                <p:nvPr/>
+              </p:nvSpPr>
+              <p:spPr>
+                <a:xfrm>
+                  <a:off x="1645669" y="903741"/>
+                  <a:ext cx="207339" cy="207049"/>
+                </a:xfrm>
+                <a:prstGeom prst="ellipse">
+                  <a:avLst/>
+                </a:prstGeom>
+                <a:solidFill>
+                  <a:srgbClr val="22D0C4">
+                    <a:alpha val="30000"/>
+                  </a:srgbClr>
+                </a:solidFill>
+                <a:ln>
+                  <a:noFill/>
+                </a:ln>
+              </p:spPr>
+              <p:style>
+                <a:lnRef idx="2">
+                  <a:schemeClr val="accent1">
+                    <a:shade val="50000"/>
+                  </a:schemeClr>
+                </a:lnRef>
+                <a:fillRef idx="1">
+                  <a:schemeClr val="accent1"/>
+                </a:fillRef>
+                <a:effectRef idx="0">
+                  <a:schemeClr val="accent1"/>
+                </a:effectRef>
+                <a:fontRef idx="minor">
+                  <a:schemeClr val="lt1"/>
+                </a:fontRef>
+              </p:style>
+              <p:txBody>
+                <a:bodyPr rtlCol="0" anchor="ctr"/>
+                <a:lstStyle/>
+                <a:p>
+                  <a:pPr algn="ctr"/>
+                  <a:endParaRPr lang="zh-CN" altLang="en-US"/>
+                </a:p>
+              </p:txBody>
+            </p:sp>
+            <p:sp>
+              <p:nvSpPr>
+                <p:cNvPr id="95" name="椭圆 94">
+                  <a:extLst>
+                    <a:ext uri="{FF2B5EF4-FFF2-40B4-BE49-F238E27FC236}">
+                      <a16:creationId xmlns:a16="http://schemas.microsoft.com/office/drawing/2014/main" id="{5B337DD6-9828-430F-8743-85DBCE3DF251}"/>
+                    </a:ext>
+                  </a:extLst>
+                </p:cNvPr>
+                <p:cNvSpPr/>
+                <p:nvPr/>
+              </p:nvSpPr>
+              <p:spPr>
+                <a:xfrm>
+                  <a:off x="1647877" y="917855"/>
+                  <a:ext cx="207339" cy="207049"/>
+                </a:xfrm>
+                <a:prstGeom prst="ellipse">
+                  <a:avLst/>
+                </a:prstGeom>
+                <a:solidFill>
+                  <a:srgbClr val="22D0C4">
+                    <a:alpha val="20000"/>
+                  </a:srgbClr>
+                </a:solidFill>
+                <a:ln>
+                  <a:noFill/>
+                </a:ln>
+              </p:spPr>
+              <p:style>
+                <a:lnRef idx="2">
+                  <a:schemeClr val="accent1">
+                    <a:shade val="50000"/>
+                  </a:schemeClr>
+                </a:lnRef>
+                <a:fillRef idx="1">
+                  <a:schemeClr val="accent1"/>
+                </a:fillRef>
+                <a:effectRef idx="0">
+                  <a:schemeClr val="accent1"/>
+                </a:effectRef>
+                <a:fontRef idx="minor">
+                  <a:schemeClr val="lt1"/>
+                </a:fontRef>
+              </p:style>
+              <p:txBody>
+                <a:bodyPr rtlCol="0" anchor="ctr"/>
+                <a:lstStyle/>
+                <a:p>
+                  <a:pPr algn="ctr"/>
+                  <a:endParaRPr lang="zh-CN" altLang="en-US"/>
+                </a:p>
+              </p:txBody>
+            </p:sp>
+            <p:sp>
+              <p:nvSpPr>
+                <p:cNvPr id="96" name="椭圆 95">
+                  <a:extLst>
+                    <a:ext uri="{FF2B5EF4-FFF2-40B4-BE49-F238E27FC236}">
+                      <a16:creationId xmlns:a16="http://schemas.microsoft.com/office/drawing/2014/main" id="{B877473A-FC05-4534-80ED-0D07E64C30D0}"/>
+                    </a:ext>
+                  </a:extLst>
+                </p:cNvPr>
+                <p:cNvSpPr/>
+                <p:nvPr/>
+              </p:nvSpPr>
+              <p:spPr>
+                <a:xfrm>
+                  <a:off x="1647478" y="933432"/>
+                  <a:ext cx="207339" cy="207049"/>
+                </a:xfrm>
+                <a:prstGeom prst="ellipse">
+                  <a:avLst/>
+                </a:prstGeom>
+                <a:solidFill>
+                  <a:srgbClr val="22D0C4">
+                    <a:alpha val="10000"/>
+                  </a:srgbClr>
+                </a:solidFill>
+                <a:ln>
+                  <a:noFill/>
+                </a:ln>
+              </p:spPr>
+              <p:style>
+                <a:lnRef idx="2">
+                  <a:schemeClr val="accent1">
+                    <a:shade val="50000"/>
+                  </a:schemeClr>
+                </a:lnRef>
+                <a:fillRef idx="1">
+                  <a:schemeClr val="accent1"/>
+                </a:fillRef>
+                <a:effectRef idx="0">
+                  <a:schemeClr val="accent1"/>
+                </a:effectRef>
+                <a:fontRef idx="minor">
+                  <a:schemeClr val="lt1"/>
+                </a:fontRef>
+              </p:style>
+              <p:txBody>
+                <a:bodyPr rtlCol="0" anchor="ctr"/>
+                <a:lstStyle/>
+                <a:p>
+                  <a:pPr algn="ctr"/>
+                  <a:endParaRPr lang="zh-CN" altLang="en-US"/>
+                </a:p>
+              </p:txBody>
+            </p:sp>
+          </p:grpSp>
+        </p:grpSp>
+      </p:grpSp>
+      <p:grpSp>
+        <p:nvGrpSpPr>
+          <p:cNvPr id="56" name="组合 55">
+            <a:extLst>
+              <a:ext uri="{FF2B5EF4-FFF2-40B4-BE49-F238E27FC236}">
+                <a16:creationId xmlns:a16="http://schemas.microsoft.com/office/drawing/2014/main" id="{DA9997A4-C409-4E54-A195-7C34B56ECE31}"/>
+              </a:ext>
+            </a:extLst>
+          </p:cNvPr>
+          <p:cNvGrpSpPr>
+            <a:grpSpLocks noChangeAspect="1"/>
+          </p:cNvGrpSpPr>
+          <p:nvPr/>
+        </p:nvGrpSpPr>
+        <p:grpSpPr>
+          <a:xfrm>
+            <a:off x="1582421" y="1368803"/>
+            <a:ext cx="310572" cy="310038"/>
+            <a:chOff x="1423783" y="1830253"/>
+            <a:chExt cx="248400" cy="247972"/>
+          </a:xfrm>
+        </p:grpSpPr>
+        <p:sp>
+          <p:nvSpPr>
+            <p:cNvPr id="64" name="矩形 63">
+              <a:extLst>
+                <a:ext uri="{FF2B5EF4-FFF2-40B4-BE49-F238E27FC236}">
+                  <a16:creationId xmlns:a16="http://schemas.microsoft.com/office/drawing/2014/main" id="{3EAD220F-A9B5-463D-8350-9A5A7713724E}"/>
+                </a:ext>
+              </a:extLst>
+            </p:cNvPr>
+            <p:cNvSpPr/>
+            <p:nvPr/>
+          </p:nvSpPr>
+          <p:spPr>
+            <a:xfrm>
+              <a:off x="1423783" y="1830253"/>
+              <a:ext cx="248400" cy="247972"/>
+            </a:xfrm>
+            <a:prstGeom prst="rect">
+              <a:avLst/>
+            </a:prstGeom>
+            <a:solidFill>
+              <a:schemeClr val="bg1">
+                <a:lumMod val="95000"/>
+                <a:alpha val="0"/>
+              </a:schemeClr>
+            </a:solidFill>
+            <a:ln>
+              <a:noFill/>
+            </a:ln>
+          </p:spPr>
+          <p:style>
+            <a:lnRef idx="2">
+              <a:schemeClr val="accent1">
+                <a:shade val="50000"/>
+              </a:schemeClr>
+            </a:lnRef>
+            <a:fillRef idx="1">
+              <a:schemeClr val="accent1"/>
+            </a:fillRef>
+            <a:effectRef idx="0">
+              <a:schemeClr val="accent1"/>
+            </a:effectRef>
+            <a:fontRef idx="minor">
+              <a:schemeClr val="lt1"/>
+            </a:fontRef>
+          </p:style>
+          <p:txBody>
+            <a:bodyPr rtlCol="0" anchor="ctr"/>
+            <a:lstStyle/>
+            <a:p>
+              <a:pPr algn="ctr"/>
+              <a:endParaRPr lang="zh-CN" altLang="en-US"/>
+            </a:p>
+          </p:txBody>
+        </p:sp>
+        <p:sp>
+          <p:nvSpPr>
+            <p:cNvPr id="65" name="椭圆 64">
+              <a:extLst>
+                <a:ext uri="{FF2B5EF4-FFF2-40B4-BE49-F238E27FC236}">
+                  <a16:creationId xmlns:a16="http://schemas.microsoft.com/office/drawing/2014/main" id="{EAEF200B-5C86-43FC-A0B5-9C5349BCA732}"/>
+                </a:ext>
+              </a:extLst>
+            </p:cNvPr>
+            <p:cNvSpPr/>
+            <p:nvPr/>
+          </p:nvSpPr>
+          <p:spPr>
+            <a:xfrm>
+              <a:off x="1464717" y="1872649"/>
+              <a:ext cx="165833" cy="165600"/>
+            </a:xfrm>
+            <a:prstGeom prst="ellipse">
+              <a:avLst/>
+            </a:prstGeom>
+            <a:solidFill>
+              <a:srgbClr val="643EFF"/>
+            </a:solidFill>
+            <a:ln>
+              <a:noFill/>
+            </a:ln>
+          </p:spPr>
+          <p:style>
+            <a:lnRef idx="2">
+              <a:schemeClr val="accent1">
+                <a:shade val="50000"/>
+              </a:schemeClr>
+            </a:lnRef>
+            <a:fillRef idx="1">
+              <a:schemeClr val="accent1"/>
+            </a:fillRef>
+            <a:effectRef idx="0">
+              <a:schemeClr val="accent1"/>
+            </a:effectRef>
+            <a:fontRef idx="minor">
+              <a:schemeClr val="lt1"/>
+            </a:fontRef>
+          </p:style>
+          <p:txBody>
+            <a:bodyPr rtlCol="0" anchor="ctr"/>
+            <a:lstStyle/>
+            <a:p>
+              <a:pPr algn="ctr"/>
+              <a:r>
+                <a:rPr lang="en-US" altLang="zh-CN" sz="1200" b="1"/>
+                <a:t>…</a:t>
+              </a:r>
+              <a:endParaRPr lang="zh-CN" altLang="en-US" sz="1200" b="1"/>
+            </a:p>
+          </p:txBody>
+        </p:sp>
+      </p:grpSp>
+      <p:grpSp>
+        <p:nvGrpSpPr>
+          <p:cNvPr id="5" name="组合 4">
+            <a:extLst>
+              <a:ext uri="{FF2B5EF4-FFF2-40B4-BE49-F238E27FC236}">
+                <a16:creationId xmlns:a16="http://schemas.microsoft.com/office/drawing/2014/main" id="{64F3421A-C5F7-404F-BDBC-C3E2632FA16E}"/>
+              </a:ext>
+            </a:extLst>
+          </p:cNvPr>
+          <p:cNvGrpSpPr/>
+          <p:nvPr/>
+        </p:nvGrpSpPr>
+        <p:grpSpPr>
+          <a:xfrm>
+            <a:off x="1589936" y="1866719"/>
+            <a:ext cx="310572" cy="310038"/>
+            <a:chOff x="1589936" y="1866719"/>
+            <a:chExt cx="310572" cy="310038"/>
+          </a:xfrm>
+        </p:grpSpPr>
+        <p:sp>
+          <p:nvSpPr>
+            <p:cNvPr id="61" name="矩形 60">
+              <a:extLst>
+                <a:ext uri="{FF2B5EF4-FFF2-40B4-BE49-F238E27FC236}">
+                  <a16:creationId xmlns:a16="http://schemas.microsoft.com/office/drawing/2014/main" id="{29D034E3-C30E-4A97-8340-E4D5EB83BD3F}"/>
+                </a:ext>
+              </a:extLst>
+            </p:cNvPr>
+            <p:cNvSpPr/>
+            <p:nvPr/>
+          </p:nvSpPr>
+          <p:spPr>
+            <a:xfrm>
+              <a:off x="1589936" y="1866719"/>
+              <a:ext cx="310572" cy="310038"/>
+            </a:xfrm>
+            <a:prstGeom prst="rect">
+              <a:avLst/>
+            </a:prstGeom>
+            <a:solidFill>
+              <a:srgbClr val="E9403A">
+                <a:alpha val="0"/>
+              </a:srgbClr>
+            </a:solidFill>
+            <a:ln>
+              <a:noFill/>
+            </a:ln>
+          </p:spPr>
+          <p:style>
+            <a:lnRef idx="2">
+              <a:schemeClr val="accent1">
+                <a:shade val="50000"/>
+              </a:schemeClr>
+            </a:lnRef>
+            <a:fillRef idx="1">
+              <a:schemeClr val="accent1"/>
+            </a:fillRef>
+            <a:effectRef idx="0">
+              <a:schemeClr val="accent1"/>
+            </a:effectRef>
+            <a:fontRef idx="minor">
+              <a:schemeClr val="lt1"/>
+            </a:fontRef>
+          </p:style>
+          <p:txBody>
+            <a:bodyPr rtlCol="0" anchor="ctr"/>
+            <a:lstStyle/>
+            <a:p>
+              <a:pPr algn="ctr"/>
+              <a:endParaRPr lang="zh-CN" altLang="en-US"/>
+            </a:p>
+          </p:txBody>
+        </p:sp>
+        <p:sp>
+          <p:nvSpPr>
+            <p:cNvPr id="77" name="椭圆 76">
+              <a:extLst>
+                <a:ext uri="{FF2B5EF4-FFF2-40B4-BE49-F238E27FC236}">
+                  <a16:creationId xmlns:a16="http://schemas.microsoft.com/office/drawing/2014/main" id="{4C912488-0FA5-4A21-90E5-2DE09AD5CCE5}"/>
+                </a:ext>
+              </a:extLst>
+            </p:cNvPr>
+            <p:cNvSpPr/>
+            <p:nvPr/>
+          </p:nvSpPr>
+          <p:spPr>
+            <a:xfrm>
+              <a:off x="1662832" y="1929044"/>
+              <a:ext cx="114508" cy="119002"/>
+            </a:xfrm>
+            <a:prstGeom prst="ellipse">
+              <a:avLst/>
+            </a:prstGeom>
+            <a:solidFill>
+              <a:srgbClr val="C0F9F5"/>
+            </a:solidFill>
+            <a:ln>
+              <a:noFill/>
+            </a:ln>
+          </p:spPr>
+          <p:style>
+            <a:lnRef idx="2">
+              <a:schemeClr val="accent1">
+                <a:shade val="50000"/>
+              </a:schemeClr>
+            </a:lnRef>
+            <a:fillRef idx="1">
+              <a:schemeClr val="accent1"/>
+            </a:fillRef>
+            <a:effectRef idx="0">
+              <a:schemeClr val="accent1"/>
+            </a:effectRef>
+            <a:fontRef idx="minor">
+              <a:schemeClr val="lt1"/>
+            </a:fontRef>
+          </p:style>
+          <p:txBody>
+            <a:bodyPr rtlCol="0" anchor="ctr"/>
+            <a:lstStyle/>
+            <a:p>
+              <a:pPr algn="ctr"/>
+              <a:endParaRPr lang="zh-CN" altLang="en-US" sz="1200" b="1"/>
+            </a:p>
+          </p:txBody>
+        </p:sp>
+        <p:sp>
+          <p:nvSpPr>
+            <p:cNvPr id="70" name="椭圆 69">
+              <a:extLst>
+                <a:ext uri="{FF2B5EF4-FFF2-40B4-BE49-F238E27FC236}">
+                  <a16:creationId xmlns:a16="http://schemas.microsoft.com/office/drawing/2014/main" id="{7B140033-30D4-4B65-8205-AF6CFB9571F2}"/>
+                </a:ext>
+              </a:extLst>
+            </p:cNvPr>
+            <p:cNvSpPr/>
+            <p:nvPr/>
+          </p:nvSpPr>
+          <p:spPr>
+            <a:xfrm>
+              <a:off x="1711773" y="1929044"/>
+              <a:ext cx="114508" cy="119002"/>
+            </a:xfrm>
+            <a:prstGeom prst="ellipse">
+              <a:avLst/>
+            </a:prstGeom>
+            <a:solidFill>
+              <a:srgbClr val="22D0C4"/>
+            </a:solidFill>
+            <a:ln>
+              <a:noFill/>
+            </a:ln>
+          </p:spPr>
+          <p:style>
+            <a:lnRef idx="2">
+              <a:schemeClr val="accent1">
+                <a:shade val="50000"/>
+              </a:schemeClr>
+            </a:lnRef>
+            <a:fillRef idx="1">
+              <a:schemeClr val="accent1"/>
+            </a:fillRef>
+            <a:effectRef idx="0">
+              <a:schemeClr val="accent1"/>
+            </a:effectRef>
+            <a:fontRef idx="minor">
+              <a:schemeClr val="lt1"/>
+            </a:fontRef>
+          </p:style>
+          <p:txBody>
+            <a:bodyPr rtlCol="0" anchor="ctr"/>
+            <a:lstStyle/>
+            <a:p>
+              <a:pPr algn="ctr"/>
+              <a:endParaRPr lang="zh-CN" altLang="en-US" sz="1200" b="1"/>
+            </a:p>
+          </p:txBody>
+        </p:sp>
+        <p:sp>
+          <p:nvSpPr>
+            <p:cNvPr id="63" name="梯形 62">
+              <a:extLst>
+                <a:ext uri="{FF2B5EF4-FFF2-40B4-BE49-F238E27FC236}">
+                  <a16:creationId xmlns:a16="http://schemas.microsoft.com/office/drawing/2014/main" id="{759F6971-21F0-4592-A5B7-11A147B1981E}"/>
+                </a:ext>
+              </a:extLst>
+            </p:cNvPr>
+            <p:cNvSpPr/>
+            <p:nvPr/>
+          </p:nvSpPr>
+          <p:spPr>
+            <a:xfrm flipV="1">
+              <a:off x="1642969" y="2007774"/>
+              <a:ext cx="201204" cy="119001"/>
+            </a:xfrm>
+            <a:prstGeom prst="trapezoid">
+              <a:avLst>
+                <a:gd name="adj" fmla="val 25936"/>
+              </a:avLst>
+            </a:prstGeom>
+            <a:solidFill>
+              <a:srgbClr val="F5F5F5"/>
+            </a:solidFill>
+            <a:ln>
+              <a:noFill/>
+            </a:ln>
+          </p:spPr>
+          <p:style>
+            <a:lnRef idx="2">
+              <a:schemeClr val="accent1">
+                <a:shade val="50000"/>
+              </a:schemeClr>
+            </a:lnRef>
+            <a:fillRef idx="1">
+              <a:schemeClr val="accent1"/>
+            </a:fillRef>
+            <a:effectRef idx="0">
+              <a:schemeClr val="accent1"/>
+            </a:effectRef>
+            <a:fontRef idx="minor">
+              <a:schemeClr val="lt1"/>
+            </a:fontRef>
+          </p:style>
+          <p:txBody>
+            <a:bodyPr rtlCol="0" anchor="ctr"/>
+            <a:lstStyle/>
+            <a:p>
+              <a:pPr algn="ctr"/>
+              <a:endParaRPr lang="zh-CN" altLang="en-US" sz="1200" b="1"/>
+            </a:p>
+          </p:txBody>
+        </p:sp>
+        <p:sp>
+          <p:nvSpPr>
+            <p:cNvPr id="81" name="任意多边形: 形状 80">
+              <a:extLst>
+                <a:ext uri="{FF2B5EF4-FFF2-40B4-BE49-F238E27FC236}">
+                  <a16:creationId xmlns:a16="http://schemas.microsoft.com/office/drawing/2014/main" id="{D9342CF3-FC31-42CA-AAEF-25EC22FE9871}"/>
+                </a:ext>
+              </a:extLst>
+            </p:cNvPr>
+            <p:cNvSpPr/>
+            <p:nvPr/>
+          </p:nvSpPr>
+          <p:spPr>
+            <a:xfrm flipV="1">
+              <a:off x="1757314" y="2007773"/>
+              <a:ext cx="90430" cy="121551"/>
+            </a:xfrm>
+            <a:custGeom>
+              <a:avLst/>
+              <a:gdLst>
+                <a:gd name="connsiteX0" fmla="*/ 62795 w 90430"/>
+                <a:gd name="connsiteY0" fmla="*/ 119001 h 119001"/>
+                <a:gd name="connsiteX1" fmla="*/ 90430 w 90430"/>
+                <a:gd name="connsiteY1" fmla="*/ 119001 h 119001"/>
+                <a:gd name="connsiteX2" fmla="*/ 59566 w 90430"/>
+                <a:gd name="connsiteY2" fmla="*/ 0 h 119001"/>
+                <a:gd name="connsiteX3" fmla="*/ 0 w 90430"/>
+                <a:gd name="connsiteY3" fmla="*/ 0 h 119001"/>
+              </a:gdLst>
+              <a:ahLst/>
+              <a:cxnLst>
+                <a:cxn ang="0">
+                  <a:pos x="connsiteX0" y="connsiteY0"/>
+                </a:cxn>
+                <a:cxn ang="0">
+                  <a:pos x="connsiteX1" y="connsiteY1"/>
+                </a:cxn>
+                <a:cxn ang="0">
+                  <a:pos x="connsiteX2" y="connsiteY2"/>
+                </a:cxn>
+                <a:cxn ang="0">
+                  <a:pos x="connsiteX3" y="connsiteY3"/>
+                </a:cxn>
+              </a:cxnLst>
+              <a:rect l="l" t="t" r="r" b="b"/>
+              <a:pathLst>
+                <a:path w="90430" h="119001">
+                  <a:moveTo>
+                    <a:pt x="62795" y="119001"/>
+                  </a:moveTo>
+                  <a:lnTo>
+                    <a:pt x="90430" y="119001"/>
+                  </a:lnTo>
+                  <a:lnTo>
+                    <a:pt x="59566" y="0"/>
+                  </a:lnTo>
+                  <a:lnTo>
+                    <a:pt x="0" y="0"/>
+                  </a:lnTo>
+                  <a:close/>
+                </a:path>
+              </a:pathLst>
+            </a:custGeom>
+            <a:solidFill>
+              <a:schemeClr val="bg1">
+                <a:lumMod val="85000"/>
+              </a:schemeClr>
+            </a:solidFill>
+            <a:ln>
+              <a:noFill/>
+            </a:ln>
+          </p:spPr>
+          <p:style>
+            <a:lnRef idx="2">
+              <a:schemeClr val="accent1">
+                <a:shade val="50000"/>
+              </a:schemeClr>
+            </a:lnRef>
+            <a:fillRef idx="1">
+              <a:schemeClr val="accent1"/>
+            </a:fillRef>
+            <a:effectRef idx="0">
+              <a:schemeClr val="accent1"/>
+            </a:effectRef>
+            <a:fontRef idx="minor">
+              <a:schemeClr val="lt1"/>
+            </a:fontRef>
+          </p:style>
+          <p:txBody>
+            <a:bodyPr wrap="square" rtlCol="0" anchor="ctr">
+              <a:noAutofit/>
+            </a:bodyPr>
+            <a:lstStyle/>
+            <a:p>
+              <a:pPr algn="ctr"/>
+              <a:endParaRPr lang="zh-CN" altLang="en-US" sz="1200" b="1"/>
+            </a:p>
+          </p:txBody>
+        </p:sp>
+      </p:grpSp>
+      <p:sp>
+        <p:nvSpPr>
+          <p:cNvPr id="12" name="矩形: 圆角 11">
+            <a:extLst>
+              <a:ext uri="{FF2B5EF4-FFF2-40B4-BE49-F238E27FC236}">
+                <a16:creationId xmlns:a16="http://schemas.microsoft.com/office/drawing/2014/main" id="{A1E6E626-877D-498A-80A7-BBFD20C75936}"/>
+              </a:ext>
+            </a:extLst>
+          </p:cNvPr>
+          <p:cNvSpPr/>
+          <p:nvPr/>
+        </p:nvSpPr>
+        <p:spPr>
+          <a:xfrm>
+            <a:off x="2329542" y="991612"/>
+            <a:ext cx="2543399" cy="5375658"/>
+          </a:xfrm>
+          <a:prstGeom prst="roundRect">
+            <a:avLst>
+              <a:gd name="adj" fmla="val 0"/>
+            </a:avLst>
+          </a:prstGeom>
+          <a:solidFill>
+            <a:schemeClr val="bg1">
+              <a:alpha val="5000"/>
+            </a:schemeClr>
+          </a:solidFill>
+          <a:ln>
+            <a:noFill/>
+          </a:ln>
+          <a:effectLst/>
+        </p:spPr>
+        <p:style>
+          <a:lnRef idx="2">
+            <a:schemeClr val="accent1">
+              <a:shade val="50000"/>
+            </a:schemeClr>
+          </a:lnRef>
+          <a:fillRef idx="1">
+            <a:schemeClr val="accent1"/>
+          </a:fillRef>
+          <a:effectRef idx="0">
+            <a:schemeClr val="accent1"/>
+          </a:effectRef>
+          <a:fontRef idx="minor">
+            <a:schemeClr val="lt1"/>
+          </a:fontRef>
+        </p:style>
+        <p:txBody>
+          <a:bodyPr rtlCol="0" anchor="ctr"/>
+          <a:lstStyle/>
+          <a:p>
+            <a:pPr algn="ctr"/>
+            <a:endParaRPr lang="zh-CN" altLang="en-US"/>
+          </a:p>
+        </p:txBody>
+      </p:sp>
+      <p:sp>
+        <p:nvSpPr>
+          <p:cNvPr id="10" name="矩形: 圆角 9">
+            <a:extLst>
+              <a:ext uri="{FF2B5EF4-FFF2-40B4-BE49-F238E27FC236}">
+                <a16:creationId xmlns:a16="http://schemas.microsoft.com/office/drawing/2014/main" id="{737F649F-93D4-48BA-BFAE-173C605BC9E4}"/>
+              </a:ext>
+            </a:extLst>
+          </p:cNvPr>
+          <p:cNvSpPr/>
+          <p:nvPr/>
+        </p:nvSpPr>
+        <p:spPr>
+          <a:xfrm>
+            <a:off x="2329542" y="550636"/>
+            <a:ext cx="7750628" cy="458792"/>
+          </a:xfrm>
+          <a:prstGeom prst="roundRect">
+            <a:avLst>
+              <a:gd name="adj" fmla="val 0"/>
+            </a:avLst>
+          </a:prstGeom>
+          <a:solidFill>
+            <a:schemeClr val="bg1"/>
+          </a:solidFill>
+          <a:ln>
+            <a:noFill/>
+          </a:ln>
+          <a:effectLst/>
+        </p:spPr>
+        <p:style>
+          <a:lnRef idx="2">
+            <a:schemeClr val="accent1">
+              <a:shade val="50000"/>
+            </a:schemeClr>
+          </a:lnRef>
+          <a:fillRef idx="1">
+            <a:schemeClr val="accent1"/>
+          </a:fillRef>
+          <a:effectRef idx="0">
+            <a:schemeClr val="accent1"/>
+          </a:effectRef>
+          <a:fontRef idx="minor">
+            <a:schemeClr val="lt1"/>
+          </a:fontRef>
+        </p:style>
+        <p:txBody>
+          <a:bodyPr rtlCol="0" anchor="ctr"/>
+          <a:lstStyle/>
+          <a:p>
+            <a:pPr algn="ctr"/>
+            <a:endParaRPr lang="zh-CN" altLang="en-US"/>
+          </a:p>
+        </p:txBody>
+      </p:sp>
+      <p:grpSp>
+        <p:nvGrpSpPr>
+          <p:cNvPr id="8" name="组合 7">
+            <a:extLst>
+              <a:ext uri="{FF2B5EF4-FFF2-40B4-BE49-F238E27FC236}">
+                <a16:creationId xmlns:a16="http://schemas.microsoft.com/office/drawing/2014/main" id="{E46FDB1D-B536-4F53-BC2D-4241E9BA0036}"/>
+              </a:ext>
+            </a:extLst>
+          </p:cNvPr>
+          <p:cNvGrpSpPr>
+            <a:grpSpLocks noChangeAspect="1"/>
+          </p:cNvGrpSpPr>
+          <p:nvPr/>
+        </p:nvGrpSpPr>
+        <p:grpSpPr>
+          <a:xfrm>
+            <a:off x="2501331" y="690032"/>
+            <a:ext cx="208198" cy="180000"/>
+            <a:chOff x="9429275" y="889438"/>
+            <a:chExt cx="1218594" cy="1053553"/>
+          </a:xfrm>
+        </p:grpSpPr>
+        <p:grpSp>
+          <p:nvGrpSpPr>
+            <p:cNvPr id="3" name="组合 2">
+              <a:extLst>
+                <a:ext uri="{FF2B5EF4-FFF2-40B4-BE49-F238E27FC236}">
+                  <a16:creationId xmlns:a16="http://schemas.microsoft.com/office/drawing/2014/main" id="{C1AB879B-A8CB-4EAA-929B-6A493580DBCB}"/>
+                </a:ext>
+              </a:extLst>
+            </p:cNvPr>
+            <p:cNvGrpSpPr>
+              <a:grpSpLocks noChangeAspect="1"/>
+            </p:cNvGrpSpPr>
+            <p:nvPr/>
+          </p:nvGrpSpPr>
+          <p:grpSpPr>
+            <a:xfrm>
+              <a:off x="9429275" y="899544"/>
+              <a:ext cx="1218594" cy="1043447"/>
+              <a:chOff x="4344687" y="1952030"/>
+              <a:chExt cx="966838" cy="935999"/>
+            </a:xfrm>
+            <a:solidFill>
+              <a:srgbClr val="37D7CD"/>
+            </a:solidFill>
+          </p:grpSpPr>
+          <p:sp>
+            <p:nvSpPr>
+              <p:cNvPr id="84" name="等腰三角形 83">
+                <a:extLst>
+                  <a:ext uri="{FF2B5EF4-FFF2-40B4-BE49-F238E27FC236}">
+                    <a16:creationId xmlns:a16="http://schemas.microsoft.com/office/drawing/2014/main" id="{CB181F7A-A467-4121-9488-0F31A7BEE6F3}"/>
+                  </a:ext>
+                </a:extLst>
+              </p:cNvPr>
+              <p:cNvSpPr/>
+              <p:nvPr/>
+            </p:nvSpPr>
+            <p:spPr>
+              <a:xfrm>
+                <a:off x="4712557" y="2279389"/>
+                <a:ext cx="598968" cy="608640"/>
+              </a:xfrm>
+              <a:prstGeom prst="triangle">
+                <a:avLst/>
+              </a:prstGeom>
+              <a:gradFill>
+                <a:gsLst>
+                  <a:gs pos="0">
+                    <a:srgbClr val="5FE5DD">
+                      <a:alpha val="70000"/>
+                    </a:srgbClr>
+                  </a:gs>
+                  <a:gs pos="100000">
+                    <a:srgbClr val="22D0C4">
+                      <a:alpha val="80000"/>
+                    </a:srgbClr>
+                  </a:gs>
+                </a:gsLst>
+                <a:path path="circle">
+                  <a:fillToRect r="100000" b="100000"/>
+                </a:path>
+              </a:gradFill>
+              <a:ln>
+                <a:noFill/>
+              </a:ln>
+              <a:effectLst/>
+            </p:spPr>
+            <p:style>
+              <a:lnRef idx="2">
+                <a:schemeClr val="accent1">
+                  <a:shade val="50000"/>
+                </a:schemeClr>
+              </a:lnRef>
+              <a:fillRef idx="1">
+                <a:schemeClr val="accent1"/>
+              </a:fillRef>
+              <a:effectRef idx="0">
+                <a:schemeClr val="accent1"/>
+              </a:effectRef>
+              <a:fontRef idx="minor">
+                <a:schemeClr val="lt1"/>
+              </a:fontRef>
+            </p:style>
+            <p:txBody>
+              <a:bodyPr rtlCol="0" anchor="ctr"/>
+              <a:lstStyle/>
+              <a:p>
+                <a:pPr algn="ctr"/>
+                <a:endParaRPr lang="zh-CN" altLang="en-US"/>
+              </a:p>
+            </p:txBody>
+          </p:sp>
+          <p:sp>
+            <p:nvSpPr>
+              <p:cNvPr id="85" name="等腰三角形 84">
+                <a:extLst>
+                  <a:ext uri="{FF2B5EF4-FFF2-40B4-BE49-F238E27FC236}">
+                    <a16:creationId xmlns:a16="http://schemas.microsoft.com/office/drawing/2014/main" id="{7A99F81D-BEC0-4895-8FE5-3926E511442E}"/>
+                  </a:ext>
+                </a:extLst>
+              </p:cNvPr>
+              <p:cNvSpPr/>
+              <p:nvPr/>
+            </p:nvSpPr>
+            <p:spPr>
+              <a:xfrm>
+                <a:off x="4344687" y="1952030"/>
+                <a:ext cx="794132" cy="935999"/>
+              </a:xfrm>
+              <a:prstGeom prst="triangle">
+                <a:avLst/>
+              </a:prstGeom>
+              <a:gradFill>
+                <a:gsLst>
+                  <a:gs pos="0">
+                    <a:srgbClr val="5FE5DD"/>
+                  </a:gs>
+                  <a:gs pos="100000">
+                    <a:srgbClr val="22D0C4"/>
+                  </a:gs>
+                </a:gsLst>
+                <a:path path="circle">
+                  <a:fillToRect r="100000" b="100000"/>
+                </a:path>
+              </a:gradFill>
+              <a:ln>
+                <a:noFill/>
+              </a:ln>
+              <a:effectLst/>
+            </p:spPr>
+            <p:style>
+              <a:lnRef idx="2">
+                <a:schemeClr val="accent1">
+                  <a:shade val="50000"/>
+                </a:schemeClr>
+              </a:lnRef>
+              <a:fillRef idx="1">
+                <a:schemeClr val="accent1"/>
+              </a:fillRef>
+              <a:effectRef idx="0">
+                <a:schemeClr val="accent1"/>
+              </a:effectRef>
+              <a:fontRef idx="minor">
+                <a:schemeClr val="lt1"/>
+              </a:fontRef>
+            </p:style>
+            <p:txBody>
+              <a:bodyPr rtlCol="0" anchor="ctr"/>
+              <a:lstStyle/>
+              <a:p>
+                <a:pPr algn="ctr"/>
+                <a:endParaRPr lang="zh-CN" altLang="en-US"/>
+              </a:p>
+            </p:txBody>
+          </p:sp>
+        </p:grpSp>
+        <p:sp>
+          <p:nvSpPr>
+            <p:cNvPr id="7" name="任意多边形: 形状 6">
+              <a:extLst>
+                <a:ext uri="{FF2B5EF4-FFF2-40B4-BE49-F238E27FC236}">
+                  <a16:creationId xmlns:a16="http://schemas.microsoft.com/office/drawing/2014/main" id="{A36FE995-2E91-4183-AC08-5D4CD8E762E3}"/>
+                </a:ext>
+              </a:extLst>
+            </p:cNvPr>
+            <p:cNvSpPr/>
+            <p:nvPr/>
+          </p:nvSpPr>
+          <p:spPr>
+            <a:xfrm>
+              <a:off x="9429275" y="889438"/>
+              <a:ext cx="1218594" cy="1047380"/>
+            </a:xfrm>
+            <a:custGeom>
+              <a:avLst/>
+              <a:gdLst>
+                <a:gd name="connsiteX0" fmla="*/ 500459 w 1218594"/>
+                <a:gd name="connsiteY0" fmla="*/ 0 h 1047380"/>
+                <a:gd name="connsiteX1" fmla="*/ 753190 w 1218594"/>
+                <a:gd name="connsiteY1" fmla="*/ 526941 h 1047380"/>
+                <a:gd name="connsiteX2" fmla="*/ 841127 w 1218594"/>
+                <a:gd name="connsiteY2" fmla="*/ 368871 h 1047380"/>
+                <a:gd name="connsiteX3" fmla="*/ 1218594 w 1218594"/>
+                <a:gd name="connsiteY3" fmla="*/ 1047380 h 1047380"/>
+                <a:gd name="connsiteX4" fmla="*/ 463660 w 1218594"/>
+                <a:gd name="connsiteY4" fmla="*/ 1047380 h 1047380"/>
+                <a:gd name="connsiteX5" fmla="*/ 465848 w 1218594"/>
+                <a:gd name="connsiteY5" fmla="*/ 1043447 h 1047380"/>
+                <a:gd name="connsiteX6" fmla="*/ 0 w 1218594"/>
+                <a:gd name="connsiteY6" fmla="*/ 1043447 h 1047380"/>
+              </a:gdLst>
+              <a:ahLst/>
+              <a:cxnLst>
+                <a:cxn ang="0">
+                  <a:pos x="connsiteX0" y="connsiteY0"/>
+                </a:cxn>
+                <a:cxn ang="0">
+                  <a:pos x="connsiteX1" y="connsiteY1"/>
+                </a:cxn>
+                <a:cxn ang="0">
+                  <a:pos x="connsiteX2" y="connsiteY2"/>
+                </a:cxn>
+                <a:cxn ang="0">
+                  <a:pos x="connsiteX3" y="connsiteY3"/>
+                </a:cxn>
+                <a:cxn ang="0">
+                  <a:pos x="connsiteX4" y="connsiteY4"/>
+                </a:cxn>
+                <a:cxn ang="0">
+                  <a:pos x="connsiteX5" y="connsiteY5"/>
+                </a:cxn>
+                <a:cxn ang="0">
+                  <a:pos x="connsiteX6" y="connsiteY6"/>
+                </a:cxn>
+              </a:cxnLst>
+              <a:rect l="l" t="t" r="r" b="b"/>
+              <a:pathLst>
+                <a:path w="1218594" h="1047380">
+                  <a:moveTo>
+                    <a:pt x="500459" y="0"/>
+                  </a:moveTo>
+                  <a:lnTo>
+                    <a:pt x="753190" y="526941"/>
+                  </a:lnTo>
+                  <a:lnTo>
+                    <a:pt x="841127" y="368871"/>
+                  </a:lnTo>
+                  <a:lnTo>
+                    <a:pt x="1218594" y="1047380"/>
+                  </a:lnTo>
+                  <a:lnTo>
+                    <a:pt x="463660" y="1047380"/>
+                  </a:lnTo>
+                  <a:lnTo>
+                    <a:pt x="465848" y="1043447"/>
+                  </a:lnTo>
+                  <a:lnTo>
+                    <a:pt x="0" y="1043447"/>
+                  </a:lnTo>
+                  <a:close/>
+                </a:path>
+              </a:pathLst>
+            </a:custGeom>
+            <a:gradFill flip="none" rotWithShape="1">
+              <a:gsLst>
+                <a:gs pos="0">
+                  <a:schemeClr val="bg1">
+                    <a:alpha val="40000"/>
+                  </a:schemeClr>
+                </a:gs>
+                <a:gs pos="100000">
+                  <a:schemeClr val="bg1">
+                    <a:alpha val="0"/>
+                  </a:schemeClr>
+                </a:gs>
+              </a:gsLst>
+              <a:path path="circle">
+                <a:fillToRect l="100000" b="100000"/>
+              </a:path>
+              <a:tileRect t="-100000" r="-100000"/>
+            </a:gradFill>
+            <a:ln>
+              <a:noFill/>
+            </a:ln>
+            <a:effectLst/>
+          </p:spPr>
+          <p:style>
+            <a:lnRef idx="2">
+              <a:schemeClr val="accent1">
+                <a:shade val="50000"/>
+              </a:schemeClr>
+            </a:lnRef>
+            <a:fillRef idx="1">
+              <a:schemeClr val="accent1"/>
+            </a:fillRef>
+            <a:effectRef idx="0">
+              <a:schemeClr val="accent1"/>
+            </a:effectRef>
+            <a:fontRef idx="minor">
+              <a:schemeClr val="lt1"/>
+            </a:fontRef>
+          </p:style>
+          <p:txBody>
+            <a:bodyPr wrap="square" rtlCol="0" anchor="ctr">
+              <a:noAutofit/>
+            </a:bodyPr>
+            <a:lstStyle/>
+            <a:p>
+              <a:pPr algn="ctr"/>
+              <a:endParaRPr lang="zh-CN" altLang="en-US"/>
+            </a:p>
+          </p:txBody>
+        </p:sp>
+      </p:grpSp>
+      <p:sp>
+        <p:nvSpPr>
+          <p:cNvPr id="9" name="文本框 8">
+            <a:extLst>
+              <a:ext uri="{FF2B5EF4-FFF2-40B4-BE49-F238E27FC236}">
+                <a16:creationId xmlns:a16="http://schemas.microsoft.com/office/drawing/2014/main" id="{88CE18C8-8576-4D60-9299-29F62B287108}"/>
+              </a:ext>
+            </a:extLst>
+          </p:cNvPr>
+          <p:cNvSpPr txBox="1"/>
+          <p:nvPr/>
+        </p:nvSpPr>
+        <p:spPr>
+          <a:xfrm>
+            <a:off x="2777654" y="626144"/>
+            <a:ext cx="1401346" cy="307777"/>
+          </a:xfrm>
+          <a:prstGeom prst="rect">
+            <a:avLst/>
+          </a:prstGeom>
+          <a:noFill/>
+        </p:spPr>
+        <p:txBody>
+          <a:bodyPr wrap="none" rtlCol="0">
+            <a:spAutoFit/>
+          </a:bodyPr>
+          <a:lstStyle/>
+          <a:p>
+            <a:r>
+              <a:rPr lang="en-US" altLang="zh-CN" sz="1400">
+                <a:solidFill>
+                  <a:schemeClr val="bg1">
+                    <a:lumMod val="65000"/>
+                  </a:schemeClr>
+                </a:solidFill>
+                <a:latin typeface="+mn-ea"/>
+              </a:rPr>
+              <a:t>Emerald Builder</a:t>
+            </a:r>
+            <a:endParaRPr lang="zh-CN" altLang="en-US" sz="1400">
+              <a:solidFill>
+                <a:schemeClr val="bg1">
+                  <a:lumMod val="65000"/>
+                </a:schemeClr>
+              </a:solidFill>
+              <a:latin typeface="+mn-ea"/>
+            </a:endParaRPr>
+          </a:p>
+        </p:txBody>
+      </p:sp>
+    </p:spTree>
+    <p:extLst>
+      <p:ext uri="{BB962C8B-B14F-4D97-AF65-F5344CB8AC3E}">
+        <p14:creationId xmlns:p14="http://schemas.microsoft.com/office/powerpoint/2010/main" val="321072506"/>
+      </p:ext>
+    </p:extLst>
+  </p:cSld>
+  <p:clrMapOvr>
+    <a:masterClrMapping/>
+  </p:clrMapOvr>
+</p:sld>
+</file>
+
+<file path=ppt/slides/slide7.xml><?xml version="1.0" encoding="utf-8"?>
+<p:sld xmlns:a="http://schemas.openxmlformats.org/drawingml/2006/main" xmlns:r="http://schemas.openxmlformats.org/officeDocument/2006/relationships" xmlns:p="http://schemas.openxmlformats.org/presentationml/2006/main">
+  <p:cSld>
     <p:spTree>
       <p:nvGrpSpPr>
         <p:cNvPr id="1" name=""/>
@@ -20668,7 +22624,7 @@
 </p:sld>
 </file>
 
-<file path=ppt/slides/slide7.xml><?xml version="1.0" encoding="utf-8"?>
+<file path=ppt/slides/slide8.xml><?xml version="1.0" encoding="utf-8"?>
 <p:sld xmlns:a="http://schemas.openxmlformats.org/drawingml/2006/main" xmlns:r="http://schemas.openxmlformats.org/officeDocument/2006/relationships" xmlns:p="http://schemas.openxmlformats.org/presentationml/2006/main">
   <p:cSld>
     <p:spTree>
@@ -23098,7 +25054,7 @@
 </p:sld>
 </file>
 
-<file path=ppt/slides/slide8.xml><?xml version="1.0" encoding="utf-8"?>
+<file path=ppt/slides/slide9.xml><?xml version="1.0" encoding="utf-8"?>
 <p:sld xmlns:a="http://schemas.openxmlformats.org/drawingml/2006/main" xmlns:r="http://schemas.openxmlformats.org/officeDocument/2006/relationships" xmlns:p="http://schemas.openxmlformats.org/presentationml/2006/main">
   <p:cSld>
     <p:bg>

--- a/UI.pptx
+++ b/UI.pptx
@@ -267,7 +267,7 @@
           <a:p>
             <a:fld id="{F3BA182F-79D5-4EF3-A581-738F691F52DF}" type="datetimeFigureOut">
               <a:rPr lang="zh-CN" altLang="en-US" smtClean="0"/>
-              <a:t>2020/1/25</a:t>
+              <a:t>2020/1/26</a:t>
             </a:fld>
             <a:endParaRPr lang="zh-CN" altLang="en-US"/>
           </a:p>
@@ -465,7 +465,7 @@
           <a:p>
             <a:fld id="{F3BA182F-79D5-4EF3-A581-738F691F52DF}" type="datetimeFigureOut">
               <a:rPr lang="zh-CN" altLang="en-US" smtClean="0"/>
-              <a:t>2020/1/25</a:t>
+              <a:t>2020/1/26</a:t>
             </a:fld>
             <a:endParaRPr lang="zh-CN" altLang="en-US"/>
           </a:p>
@@ -673,7 +673,7 @@
           <a:p>
             <a:fld id="{F3BA182F-79D5-4EF3-A581-738F691F52DF}" type="datetimeFigureOut">
               <a:rPr lang="zh-CN" altLang="en-US" smtClean="0"/>
-              <a:t>2020/1/25</a:t>
+              <a:t>2020/1/26</a:t>
             </a:fld>
             <a:endParaRPr lang="zh-CN" altLang="en-US"/>
           </a:p>
@@ -871,7 +871,7 @@
           <a:p>
             <a:fld id="{F3BA182F-79D5-4EF3-A581-738F691F52DF}" type="datetimeFigureOut">
               <a:rPr lang="zh-CN" altLang="en-US" smtClean="0"/>
-              <a:t>2020/1/25</a:t>
+              <a:t>2020/1/26</a:t>
             </a:fld>
             <a:endParaRPr lang="zh-CN" altLang="en-US"/>
           </a:p>
@@ -1146,7 +1146,7 @@
           <a:p>
             <a:fld id="{F3BA182F-79D5-4EF3-A581-738F691F52DF}" type="datetimeFigureOut">
               <a:rPr lang="zh-CN" altLang="en-US" smtClean="0"/>
-              <a:t>2020/1/25</a:t>
+              <a:t>2020/1/26</a:t>
             </a:fld>
             <a:endParaRPr lang="zh-CN" altLang="en-US"/>
           </a:p>
@@ -1411,7 +1411,7 @@
           <a:p>
             <a:fld id="{F3BA182F-79D5-4EF3-A581-738F691F52DF}" type="datetimeFigureOut">
               <a:rPr lang="zh-CN" altLang="en-US" smtClean="0"/>
-              <a:t>2020/1/25</a:t>
+              <a:t>2020/1/26</a:t>
             </a:fld>
             <a:endParaRPr lang="zh-CN" altLang="en-US"/>
           </a:p>
@@ -1823,7 +1823,7 @@
           <a:p>
             <a:fld id="{F3BA182F-79D5-4EF3-A581-738F691F52DF}" type="datetimeFigureOut">
               <a:rPr lang="zh-CN" altLang="en-US" smtClean="0"/>
-              <a:t>2020/1/25</a:t>
+              <a:t>2020/1/26</a:t>
             </a:fld>
             <a:endParaRPr lang="zh-CN" altLang="en-US"/>
           </a:p>
@@ -1964,7 +1964,7 @@
           <a:p>
             <a:fld id="{F3BA182F-79D5-4EF3-A581-738F691F52DF}" type="datetimeFigureOut">
               <a:rPr lang="zh-CN" altLang="en-US" smtClean="0"/>
-              <a:t>2020/1/25</a:t>
+              <a:t>2020/1/26</a:t>
             </a:fld>
             <a:endParaRPr lang="zh-CN" altLang="en-US"/>
           </a:p>
@@ -2077,7 +2077,7 @@
           <a:p>
             <a:fld id="{F3BA182F-79D5-4EF3-A581-738F691F52DF}" type="datetimeFigureOut">
               <a:rPr lang="zh-CN" altLang="en-US" smtClean="0"/>
-              <a:t>2020/1/25</a:t>
+              <a:t>2020/1/26</a:t>
             </a:fld>
             <a:endParaRPr lang="zh-CN" altLang="en-US"/>
           </a:p>
@@ -2388,7 +2388,7 @@
           <a:p>
             <a:fld id="{F3BA182F-79D5-4EF3-A581-738F691F52DF}" type="datetimeFigureOut">
               <a:rPr lang="zh-CN" altLang="en-US" smtClean="0"/>
-              <a:t>2020/1/25</a:t>
+              <a:t>2020/1/26</a:t>
             </a:fld>
             <a:endParaRPr lang="zh-CN" altLang="en-US"/>
           </a:p>
@@ -2676,7 +2676,7 @@
           <a:p>
             <a:fld id="{F3BA182F-79D5-4EF3-A581-738F691F52DF}" type="datetimeFigureOut">
               <a:rPr lang="zh-CN" altLang="en-US" smtClean="0"/>
-              <a:t>2020/1/25</a:t>
+              <a:t>2020/1/26</a:t>
             </a:fld>
             <a:endParaRPr lang="zh-CN" altLang="en-US"/>
           </a:p>
@@ -2917,7 +2917,7 @@
           <a:p>
             <a:fld id="{F3BA182F-79D5-4EF3-A581-738F691F52DF}" type="datetimeFigureOut">
               <a:rPr lang="zh-CN" altLang="en-US" smtClean="0"/>
-              <a:t>2020/1/25</a:t>
+              <a:t>2020/1/26</a:t>
             </a:fld>
             <a:endParaRPr lang="zh-CN" altLang="en-US"/>
           </a:p>
@@ -12838,6 +12838,13 @@
             <a:chOff x="7548956" y="646268"/>
             <a:chExt cx="720001" cy="720000"/>
           </a:xfrm>
+          <a:effectLst>
+            <a:outerShdw blurRad="63500" sx="102000" sy="102000" algn="ctr" rotWithShape="0">
+              <a:prstClr val="black">
+                <a:alpha val="40000"/>
+              </a:prstClr>
+            </a:outerShdw>
+          </a:effectLst>
         </p:grpSpPr>
         <p:sp>
           <p:nvSpPr>
@@ -14597,9 +14604,19 @@
               <a:gd name="adj" fmla="val 27598"/>
             </a:avLst>
           </a:prstGeom>
-          <a:solidFill>
-            <a:srgbClr val="C0F9F5"/>
-          </a:solidFill>
+          <a:gradFill>
+            <a:gsLst>
+              <a:gs pos="100000">
+                <a:srgbClr val="37D7CD"/>
+              </a:gs>
+              <a:gs pos="0">
+                <a:srgbClr val="1FBFB4"/>
+              </a:gs>
+            </a:gsLst>
+            <a:path path="circle">
+              <a:fillToRect l="100000" b="100000"/>
+            </a:path>
+          </a:gradFill>
           <a:ln>
             <a:noFill/>
           </a:ln>
@@ -14643,7 +14660,7 @@
         </p:nvSpPr>
         <p:spPr>
           <a:xfrm flipV="1">
-            <a:off x="6247154" y="2980124"/>
+            <a:off x="6440155" y="3937816"/>
             <a:ext cx="607475" cy="802140"/>
           </a:xfrm>
           <a:custGeom>
@@ -14747,6 +14764,13 @@
             <a:chOff x="7548956" y="646268"/>
             <a:chExt cx="720001" cy="720000"/>
           </a:xfrm>
+          <a:effectLst>
+            <a:outerShdw blurRad="101600" algn="ctr" rotWithShape="0">
+              <a:prstClr val="black">
+                <a:alpha val="30000"/>
+              </a:prstClr>
+            </a:outerShdw>
+          </a:effectLst>
         </p:grpSpPr>
         <p:sp>
           <p:nvSpPr>
@@ -15080,7 +15104,7 @@
         </p:nvGrpSpPr>
         <p:grpSpPr>
           <a:xfrm>
-            <a:off x="7798134" y="2698811"/>
+            <a:off x="7798134" y="2697318"/>
             <a:ext cx="849517" cy="849600"/>
             <a:chOff x="7741309" y="2604304"/>
             <a:chExt cx="849517" cy="995423"/>
@@ -15107,11 +15131,24 @@
               <a:avLst/>
             </a:prstGeom>
             <a:ln w="76200" cap="rnd">
-              <a:solidFill>
-                <a:srgbClr val="E9403A">
-                  <a:alpha val="80000"/>
-                </a:srgbClr>
-              </a:solidFill>
+              <a:gradFill flip="none" rotWithShape="1">
+                <a:gsLst>
+                  <a:gs pos="0">
+                    <a:srgbClr val="FF0000">
+                      <a:alpha val="50000"/>
+                    </a:srgbClr>
+                  </a:gs>
+                  <a:gs pos="100000">
+                    <a:srgbClr val="E9403A">
+                      <a:alpha val="20000"/>
+                    </a:srgbClr>
+                  </a:gs>
+                </a:gsLst>
+                <a:path path="circle">
+                  <a:fillToRect t="100000" r="100000"/>
+                </a:path>
+                <a:tileRect l="-100000" b="-100000"/>
+              </a:gradFill>
               <a:round/>
             </a:ln>
           </p:spPr>
@@ -15153,9 +15190,24 @@
               <a:avLst/>
             </a:prstGeom>
             <a:ln w="76200" cap="rnd">
-              <a:solidFill>
-                <a:srgbClr val="E9403A"/>
-              </a:solidFill>
+              <a:gradFill flip="none" rotWithShape="1">
+                <a:gsLst>
+                  <a:gs pos="0">
+                    <a:srgbClr val="FF0000">
+                      <a:alpha val="50000"/>
+                    </a:srgbClr>
+                  </a:gs>
+                  <a:gs pos="100000">
+                    <a:srgbClr val="E9403A">
+                      <a:alpha val="20000"/>
+                    </a:srgbClr>
+                  </a:gs>
+                </a:gsLst>
+                <a:path path="circle">
+                  <a:fillToRect t="100000" r="100000"/>
+                </a:path>
+                <a:tileRect l="-100000" b="-100000"/>
+              </a:gradFill>
               <a:round/>
             </a:ln>
           </p:spPr>
@@ -15195,9 +15247,20 @@
           <a:prstGeom prst="ellipse">
             <a:avLst/>
           </a:prstGeom>
-          <a:solidFill>
-            <a:srgbClr val="22D0C4"/>
-          </a:solidFill>
+          <a:gradFill flip="none" rotWithShape="1">
+            <a:gsLst>
+              <a:gs pos="0">
+                <a:srgbClr val="37D7CD"/>
+              </a:gs>
+              <a:gs pos="100000">
+                <a:srgbClr val="1FBFB4"/>
+              </a:gs>
+            </a:gsLst>
+            <a:path path="circle">
+              <a:fillToRect r="100000" b="100000"/>
+            </a:path>
+            <a:tileRect l="-100000" t="-100000"/>
+          </a:gradFill>
           <a:ln>
             <a:noFill/>
           </a:ln>
@@ -15243,7 +15306,7 @@
         </p:nvSpPr>
         <p:spPr>
           <a:xfrm>
-            <a:off x="3032059" y="4134999"/>
+            <a:off x="3038544" y="4046716"/>
             <a:ext cx="1059637" cy="446314"/>
           </a:xfrm>
           <a:custGeom>
@@ -15312,9 +15375,23 @@
               </a:path>
             </a:pathLst>
           </a:custGeom>
-          <a:solidFill>
-            <a:srgbClr val="C0F9F5"/>
-          </a:solidFill>
+          <a:gradFill>
+            <a:gsLst>
+              <a:gs pos="0">
+                <a:srgbClr val="37D7CD">
+                  <a:alpha val="50000"/>
+                </a:srgbClr>
+              </a:gs>
+              <a:gs pos="100000">
+                <a:srgbClr val="1FBFB4">
+                  <a:alpha val="50000"/>
+                </a:srgbClr>
+              </a:gs>
+            </a:gsLst>
+            <a:path path="circle">
+              <a:fillToRect r="100000" b="100000"/>
+            </a:path>
+          </a:gradFill>
           <a:ln>
             <a:noFill/>
           </a:ln>
@@ -15793,6 +15870,189 @@
           </p:txBody>
         </p:sp>
       </p:grpSp>
+      <p:sp>
+        <p:nvSpPr>
+          <p:cNvPr id="59" name="任意多边形: 形状 58">
+            <a:extLst>
+              <a:ext uri="{FF2B5EF4-FFF2-40B4-BE49-F238E27FC236}">
+                <a16:creationId xmlns:a16="http://schemas.microsoft.com/office/drawing/2014/main" id="{AB9E390C-E58C-445A-B5DE-DF260CC7B176}"/>
+              </a:ext>
+            </a:extLst>
+          </p:cNvPr>
+          <p:cNvSpPr>
+            <a:spLocks noChangeAspect="1"/>
+          </p:cNvSpPr>
+          <p:nvPr/>
+        </p:nvSpPr>
+        <p:spPr>
+          <a:xfrm>
+            <a:off x="3040846" y="3491545"/>
+            <a:ext cx="1059637" cy="1001485"/>
+          </a:xfrm>
+          <a:custGeom>
+            <a:avLst/>
+            <a:gdLst>
+              <a:gd name="connsiteX0" fmla="*/ 529818 w 1059637"/>
+              <a:gd name="connsiteY0" fmla="*/ 555171 h 1001485"/>
+              <a:gd name="connsiteX1" fmla="*/ 1058113 w 1059637"/>
+              <a:gd name="connsiteY1" fmla="*/ 986342 h 1001485"/>
+              <a:gd name="connsiteX2" fmla="*/ 1059637 w 1059637"/>
+              <a:gd name="connsiteY2" fmla="*/ 1001485 h 1001485"/>
+              <a:gd name="connsiteX3" fmla="*/ 0 w 1059637"/>
+              <a:gd name="connsiteY3" fmla="*/ 1001485 h 1001485"/>
+              <a:gd name="connsiteX4" fmla="*/ 1524 w 1059637"/>
+              <a:gd name="connsiteY4" fmla="*/ 986342 h 1001485"/>
+              <a:gd name="connsiteX5" fmla="*/ 529818 w 1059637"/>
+              <a:gd name="connsiteY5" fmla="*/ 555171 h 1001485"/>
+              <a:gd name="connsiteX6" fmla="*/ 523333 w 1059637"/>
+              <a:gd name="connsiteY6" fmla="*/ 0 h 1001485"/>
+              <a:gd name="connsiteX7" fmla="*/ 800533 w 1059637"/>
+              <a:gd name="connsiteY7" fmla="*/ 277586 h 1001485"/>
+              <a:gd name="connsiteX8" fmla="*/ 523333 w 1059637"/>
+              <a:gd name="connsiteY8" fmla="*/ 555172 h 1001485"/>
+              <a:gd name="connsiteX9" fmla="*/ 246133 w 1059637"/>
+              <a:gd name="connsiteY9" fmla="*/ 277586 h 1001485"/>
+              <a:gd name="connsiteX10" fmla="*/ 523333 w 1059637"/>
+              <a:gd name="connsiteY10" fmla="*/ 0 h 1001485"/>
+            </a:gdLst>
+            <a:ahLst/>
+            <a:cxnLst>
+              <a:cxn ang="0">
+                <a:pos x="connsiteX0" y="connsiteY0"/>
+              </a:cxn>
+              <a:cxn ang="0">
+                <a:pos x="connsiteX1" y="connsiteY1"/>
+              </a:cxn>
+              <a:cxn ang="0">
+                <a:pos x="connsiteX2" y="connsiteY2"/>
+              </a:cxn>
+              <a:cxn ang="0">
+                <a:pos x="connsiteX3" y="connsiteY3"/>
+              </a:cxn>
+              <a:cxn ang="0">
+                <a:pos x="connsiteX4" y="connsiteY4"/>
+              </a:cxn>
+              <a:cxn ang="0">
+                <a:pos x="connsiteX5" y="connsiteY5"/>
+              </a:cxn>
+              <a:cxn ang="0">
+                <a:pos x="connsiteX6" y="connsiteY6"/>
+              </a:cxn>
+              <a:cxn ang="0">
+                <a:pos x="connsiteX7" y="connsiteY7"/>
+              </a:cxn>
+              <a:cxn ang="0">
+                <a:pos x="connsiteX8" y="connsiteY8"/>
+              </a:cxn>
+              <a:cxn ang="0">
+                <a:pos x="connsiteX9" y="connsiteY9"/>
+              </a:cxn>
+              <a:cxn ang="0">
+                <a:pos x="connsiteX10" y="connsiteY10"/>
+              </a:cxn>
+            </a:cxnLst>
+            <a:rect l="l" t="t" r="r" b="b"/>
+            <a:pathLst>
+              <a:path w="1059637" h="1001485">
+                <a:moveTo>
+                  <a:pt x="529818" y="555171"/>
+                </a:moveTo>
+                <a:cubicBezTo>
+                  <a:pt x="790411" y="555171"/>
+                  <a:pt x="1007830" y="740273"/>
+                  <a:pt x="1058113" y="986342"/>
+                </a:cubicBezTo>
+                <a:lnTo>
+                  <a:pt x="1059637" y="1001485"/>
+                </a:lnTo>
+                <a:lnTo>
+                  <a:pt x="0" y="1001485"/>
+                </a:lnTo>
+                <a:lnTo>
+                  <a:pt x="1524" y="986342"/>
+                </a:lnTo>
+                <a:cubicBezTo>
+                  <a:pt x="51807" y="740273"/>
+                  <a:pt x="269226" y="555171"/>
+                  <a:pt x="529818" y="555171"/>
+                </a:cubicBezTo>
+                <a:close/>
+                <a:moveTo>
+                  <a:pt x="523333" y="0"/>
+                </a:moveTo>
+                <a:cubicBezTo>
+                  <a:pt x="676426" y="0"/>
+                  <a:pt x="800533" y="124279"/>
+                  <a:pt x="800533" y="277586"/>
+                </a:cubicBezTo>
+                <a:cubicBezTo>
+                  <a:pt x="800533" y="430893"/>
+                  <a:pt x="676426" y="555172"/>
+                  <a:pt x="523333" y="555172"/>
+                </a:cubicBezTo>
+                <a:cubicBezTo>
+                  <a:pt x="370240" y="555172"/>
+                  <a:pt x="246133" y="430893"/>
+                  <a:pt x="246133" y="277586"/>
+                </a:cubicBezTo>
+                <a:cubicBezTo>
+                  <a:pt x="246133" y="124279"/>
+                  <a:pt x="370240" y="0"/>
+                  <a:pt x="523333" y="0"/>
+                </a:cubicBezTo>
+                <a:close/>
+              </a:path>
+            </a:pathLst>
+          </a:custGeom>
+          <a:gradFill flip="none" rotWithShape="1">
+            <a:gsLst>
+              <a:gs pos="0">
+                <a:schemeClr val="bg1">
+                  <a:alpha val="40000"/>
+                </a:schemeClr>
+              </a:gs>
+              <a:gs pos="100000">
+                <a:schemeClr val="bg1">
+                  <a:alpha val="0"/>
+                </a:schemeClr>
+              </a:gs>
+            </a:gsLst>
+            <a:path path="circle">
+              <a:fillToRect l="100000" b="100000"/>
+            </a:path>
+            <a:tileRect t="-100000" r="-100000"/>
+          </a:gradFill>
+          <a:ln>
+            <a:noFill/>
+          </a:ln>
+        </p:spPr>
+        <p:style>
+          <a:lnRef idx="2">
+            <a:schemeClr val="accent1">
+              <a:shade val="50000"/>
+            </a:schemeClr>
+          </a:lnRef>
+          <a:fillRef idx="1">
+            <a:schemeClr val="accent1"/>
+          </a:fillRef>
+          <a:effectRef idx="0">
+            <a:schemeClr val="accent1"/>
+          </a:effectRef>
+          <a:fontRef idx="minor">
+            <a:schemeClr val="lt1"/>
+          </a:fontRef>
+        </p:style>
+        <p:txBody>
+          <a:bodyPr wrap="square" rtlCol="0" anchor="ctr">
+            <a:noAutofit/>
+          </a:bodyPr>
+          <a:lstStyle/>
+          <a:p>
+            <a:pPr algn="ctr"/>
+            <a:endParaRPr lang="zh-CN" altLang="en-US"/>
+          </a:p>
+        </p:txBody>
+      </p:sp>
     </p:spTree>
     <p:extLst>
       <p:ext uri="{BB962C8B-B14F-4D97-AF65-F5344CB8AC3E}">
@@ -20709,6 +20969,488 @@
           </a:p>
         </p:txBody>
       </p:sp>
+      <p:sp>
+        <p:nvSpPr>
+          <p:cNvPr id="2" name="矩形: 圆角 1">
+            <a:extLst>
+              <a:ext uri="{FF2B5EF4-FFF2-40B4-BE49-F238E27FC236}">
+                <a16:creationId xmlns:a16="http://schemas.microsoft.com/office/drawing/2014/main" id="{BB2FA424-41EF-4D4C-9FF4-4949808D4ADF}"/>
+              </a:ext>
+            </a:extLst>
+          </p:cNvPr>
+          <p:cNvSpPr/>
+          <p:nvPr/>
+        </p:nvSpPr>
+        <p:spPr>
+          <a:xfrm>
+            <a:off x="3899926" y="1445156"/>
+            <a:ext cx="7750628" cy="5818069"/>
+          </a:xfrm>
+          <a:prstGeom prst="roundRect">
+            <a:avLst>
+              <a:gd name="adj" fmla="val 0"/>
+            </a:avLst>
+          </a:prstGeom>
+          <a:solidFill>
+            <a:schemeClr val="bg1"/>
+          </a:solidFill>
+          <a:ln>
+            <a:noFill/>
+          </a:ln>
+          <a:effectLst>
+            <a:outerShdw blurRad="152400" algn="ctr" rotWithShape="0">
+              <a:schemeClr val="tx1">
+                <a:alpha val="50000"/>
+              </a:schemeClr>
+            </a:outerShdw>
+          </a:effectLst>
+        </p:spPr>
+        <p:style>
+          <a:lnRef idx="2">
+            <a:schemeClr val="accent1">
+              <a:shade val="50000"/>
+            </a:schemeClr>
+          </a:lnRef>
+          <a:fillRef idx="1">
+            <a:schemeClr val="accent1"/>
+          </a:fillRef>
+          <a:effectRef idx="0">
+            <a:schemeClr val="accent1"/>
+          </a:effectRef>
+          <a:fontRef idx="minor">
+            <a:schemeClr val="lt1"/>
+          </a:fontRef>
+        </p:style>
+        <p:txBody>
+          <a:bodyPr rtlCol="0" anchor="ctr"/>
+          <a:lstStyle/>
+          <a:p>
+            <a:pPr algn="ctr"/>
+            <a:endParaRPr lang="zh-CN" altLang="en-US"/>
+          </a:p>
+        </p:txBody>
+      </p:sp>
+      <p:sp>
+        <p:nvSpPr>
+          <p:cNvPr id="11" name="矩形: 圆角 10">
+            <a:extLst>
+              <a:ext uri="{FF2B5EF4-FFF2-40B4-BE49-F238E27FC236}">
+                <a16:creationId xmlns:a16="http://schemas.microsoft.com/office/drawing/2014/main" id="{6479C65E-A30D-4188-89FB-D791A9D13BD8}"/>
+              </a:ext>
+            </a:extLst>
+          </p:cNvPr>
+          <p:cNvSpPr/>
+          <p:nvPr/>
+        </p:nvSpPr>
+        <p:spPr>
+          <a:xfrm>
+            <a:off x="3899925" y="1445719"/>
+            <a:ext cx="7750628" cy="458792"/>
+          </a:xfrm>
+          <a:prstGeom prst="roundRect">
+            <a:avLst>
+              <a:gd name="adj" fmla="val 0"/>
+            </a:avLst>
+          </a:prstGeom>
+          <a:solidFill>
+            <a:schemeClr val="bg1"/>
+          </a:solidFill>
+          <a:ln>
+            <a:noFill/>
+          </a:ln>
+          <a:effectLst/>
+        </p:spPr>
+        <p:style>
+          <a:lnRef idx="2">
+            <a:schemeClr val="accent1">
+              <a:shade val="50000"/>
+            </a:schemeClr>
+          </a:lnRef>
+          <a:fillRef idx="1">
+            <a:schemeClr val="accent1"/>
+          </a:fillRef>
+          <a:effectRef idx="0">
+            <a:schemeClr val="accent1"/>
+          </a:effectRef>
+          <a:fontRef idx="minor">
+            <a:schemeClr val="lt1"/>
+          </a:fontRef>
+        </p:style>
+        <p:txBody>
+          <a:bodyPr rtlCol="0" anchor="ctr"/>
+          <a:lstStyle/>
+          <a:p>
+            <a:pPr algn="ctr"/>
+            <a:endParaRPr lang="zh-CN" altLang="en-US"/>
+          </a:p>
+        </p:txBody>
+      </p:sp>
+      <p:grpSp>
+        <p:nvGrpSpPr>
+          <p:cNvPr id="13" name="组合 12">
+            <a:extLst>
+              <a:ext uri="{FF2B5EF4-FFF2-40B4-BE49-F238E27FC236}">
+                <a16:creationId xmlns:a16="http://schemas.microsoft.com/office/drawing/2014/main" id="{9FDC28A8-3FB9-4058-A406-F926CC1093C4}"/>
+              </a:ext>
+            </a:extLst>
+          </p:cNvPr>
+          <p:cNvGrpSpPr>
+            <a:grpSpLocks noChangeAspect="1"/>
+          </p:cNvGrpSpPr>
+          <p:nvPr/>
+        </p:nvGrpSpPr>
+        <p:grpSpPr>
+          <a:xfrm>
+            <a:off x="4071714" y="1585115"/>
+            <a:ext cx="208198" cy="180000"/>
+            <a:chOff x="9429275" y="889438"/>
+            <a:chExt cx="1218594" cy="1053553"/>
+          </a:xfrm>
+        </p:grpSpPr>
+        <p:grpSp>
+          <p:nvGrpSpPr>
+            <p:cNvPr id="53" name="组合 52">
+              <a:extLst>
+                <a:ext uri="{FF2B5EF4-FFF2-40B4-BE49-F238E27FC236}">
+                  <a16:creationId xmlns:a16="http://schemas.microsoft.com/office/drawing/2014/main" id="{60EA79CE-12C3-42DC-AAE8-75D3B25A1709}"/>
+                </a:ext>
+              </a:extLst>
+            </p:cNvPr>
+            <p:cNvGrpSpPr>
+              <a:grpSpLocks noChangeAspect="1"/>
+            </p:cNvGrpSpPr>
+            <p:nvPr/>
+          </p:nvGrpSpPr>
+          <p:grpSpPr>
+            <a:xfrm>
+              <a:off x="9429275" y="899544"/>
+              <a:ext cx="1218594" cy="1043447"/>
+              <a:chOff x="4344687" y="1952030"/>
+              <a:chExt cx="966838" cy="935999"/>
+            </a:xfrm>
+            <a:solidFill>
+              <a:srgbClr val="37D7CD"/>
+            </a:solidFill>
+          </p:grpSpPr>
+          <p:sp>
+            <p:nvSpPr>
+              <p:cNvPr id="57" name="等腰三角形 56">
+                <a:extLst>
+                  <a:ext uri="{FF2B5EF4-FFF2-40B4-BE49-F238E27FC236}">
+                    <a16:creationId xmlns:a16="http://schemas.microsoft.com/office/drawing/2014/main" id="{BD90207B-1750-4C16-B5DE-D5697E42704C}"/>
+                  </a:ext>
+                </a:extLst>
+              </p:cNvPr>
+              <p:cNvSpPr/>
+              <p:nvPr/>
+            </p:nvSpPr>
+            <p:spPr>
+              <a:xfrm>
+                <a:off x="4712557" y="2279389"/>
+                <a:ext cx="598968" cy="608640"/>
+              </a:xfrm>
+              <a:prstGeom prst="triangle">
+                <a:avLst/>
+              </a:prstGeom>
+              <a:gradFill>
+                <a:gsLst>
+                  <a:gs pos="0">
+                    <a:srgbClr val="5FE5DD">
+                      <a:alpha val="70000"/>
+                    </a:srgbClr>
+                  </a:gs>
+                  <a:gs pos="100000">
+                    <a:srgbClr val="22D0C4">
+                      <a:alpha val="80000"/>
+                    </a:srgbClr>
+                  </a:gs>
+                </a:gsLst>
+                <a:path path="circle">
+                  <a:fillToRect r="100000" b="100000"/>
+                </a:path>
+              </a:gradFill>
+              <a:ln>
+                <a:noFill/>
+              </a:ln>
+              <a:effectLst/>
+            </p:spPr>
+            <p:style>
+              <a:lnRef idx="2">
+                <a:schemeClr val="accent1">
+                  <a:shade val="50000"/>
+                </a:schemeClr>
+              </a:lnRef>
+              <a:fillRef idx="1">
+                <a:schemeClr val="accent1"/>
+              </a:fillRef>
+              <a:effectRef idx="0">
+                <a:schemeClr val="accent1"/>
+              </a:effectRef>
+              <a:fontRef idx="minor">
+                <a:schemeClr val="lt1"/>
+              </a:fontRef>
+            </p:style>
+            <p:txBody>
+              <a:bodyPr rtlCol="0" anchor="ctr"/>
+              <a:lstStyle/>
+              <a:p>
+                <a:pPr algn="ctr"/>
+                <a:endParaRPr lang="zh-CN" altLang="en-US"/>
+              </a:p>
+            </p:txBody>
+          </p:sp>
+          <p:sp>
+            <p:nvSpPr>
+              <p:cNvPr id="60" name="等腰三角形 59">
+                <a:extLst>
+                  <a:ext uri="{FF2B5EF4-FFF2-40B4-BE49-F238E27FC236}">
+                    <a16:creationId xmlns:a16="http://schemas.microsoft.com/office/drawing/2014/main" id="{5AD6332D-0BBC-4BAD-A67C-103006740A98}"/>
+                  </a:ext>
+                </a:extLst>
+              </p:cNvPr>
+              <p:cNvSpPr/>
+              <p:nvPr/>
+            </p:nvSpPr>
+            <p:spPr>
+              <a:xfrm>
+                <a:off x="4344687" y="1952030"/>
+                <a:ext cx="794132" cy="935999"/>
+              </a:xfrm>
+              <a:prstGeom prst="triangle">
+                <a:avLst/>
+              </a:prstGeom>
+              <a:gradFill>
+                <a:gsLst>
+                  <a:gs pos="0">
+                    <a:srgbClr val="5FE5DD"/>
+                  </a:gs>
+                  <a:gs pos="100000">
+                    <a:srgbClr val="22D0C4"/>
+                  </a:gs>
+                </a:gsLst>
+                <a:path path="circle">
+                  <a:fillToRect r="100000" b="100000"/>
+                </a:path>
+              </a:gradFill>
+              <a:ln>
+                <a:noFill/>
+              </a:ln>
+              <a:effectLst/>
+            </p:spPr>
+            <p:style>
+              <a:lnRef idx="2">
+                <a:schemeClr val="accent1">
+                  <a:shade val="50000"/>
+                </a:schemeClr>
+              </a:lnRef>
+              <a:fillRef idx="1">
+                <a:schemeClr val="accent1"/>
+              </a:fillRef>
+              <a:effectRef idx="0">
+                <a:schemeClr val="accent1"/>
+              </a:effectRef>
+              <a:fontRef idx="minor">
+                <a:schemeClr val="lt1"/>
+              </a:fontRef>
+            </p:style>
+            <p:txBody>
+              <a:bodyPr rtlCol="0" anchor="ctr"/>
+              <a:lstStyle/>
+              <a:p>
+                <a:pPr algn="ctr"/>
+                <a:endParaRPr lang="zh-CN" altLang="en-US"/>
+              </a:p>
+            </p:txBody>
+          </p:sp>
+        </p:grpSp>
+        <p:sp>
+          <p:nvSpPr>
+            <p:cNvPr id="54" name="任意多边形: 形状 53">
+              <a:extLst>
+                <a:ext uri="{FF2B5EF4-FFF2-40B4-BE49-F238E27FC236}">
+                  <a16:creationId xmlns:a16="http://schemas.microsoft.com/office/drawing/2014/main" id="{8DD845CF-3DD2-447D-AD02-316CD0267464}"/>
+                </a:ext>
+              </a:extLst>
+            </p:cNvPr>
+            <p:cNvSpPr/>
+            <p:nvPr/>
+          </p:nvSpPr>
+          <p:spPr>
+            <a:xfrm>
+              <a:off x="9429275" y="889438"/>
+              <a:ext cx="1218594" cy="1047380"/>
+            </a:xfrm>
+            <a:custGeom>
+              <a:avLst/>
+              <a:gdLst>
+                <a:gd name="connsiteX0" fmla="*/ 500459 w 1218594"/>
+                <a:gd name="connsiteY0" fmla="*/ 0 h 1047380"/>
+                <a:gd name="connsiteX1" fmla="*/ 753190 w 1218594"/>
+                <a:gd name="connsiteY1" fmla="*/ 526941 h 1047380"/>
+                <a:gd name="connsiteX2" fmla="*/ 841127 w 1218594"/>
+                <a:gd name="connsiteY2" fmla="*/ 368871 h 1047380"/>
+                <a:gd name="connsiteX3" fmla="*/ 1218594 w 1218594"/>
+                <a:gd name="connsiteY3" fmla="*/ 1047380 h 1047380"/>
+                <a:gd name="connsiteX4" fmla="*/ 463660 w 1218594"/>
+                <a:gd name="connsiteY4" fmla="*/ 1047380 h 1047380"/>
+                <a:gd name="connsiteX5" fmla="*/ 465848 w 1218594"/>
+                <a:gd name="connsiteY5" fmla="*/ 1043447 h 1047380"/>
+                <a:gd name="connsiteX6" fmla="*/ 0 w 1218594"/>
+                <a:gd name="connsiteY6" fmla="*/ 1043447 h 1047380"/>
+              </a:gdLst>
+              <a:ahLst/>
+              <a:cxnLst>
+                <a:cxn ang="0">
+                  <a:pos x="connsiteX0" y="connsiteY0"/>
+                </a:cxn>
+                <a:cxn ang="0">
+                  <a:pos x="connsiteX1" y="connsiteY1"/>
+                </a:cxn>
+                <a:cxn ang="0">
+                  <a:pos x="connsiteX2" y="connsiteY2"/>
+                </a:cxn>
+                <a:cxn ang="0">
+                  <a:pos x="connsiteX3" y="connsiteY3"/>
+                </a:cxn>
+                <a:cxn ang="0">
+                  <a:pos x="connsiteX4" y="connsiteY4"/>
+                </a:cxn>
+                <a:cxn ang="0">
+                  <a:pos x="connsiteX5" y="connsiteY5"/>
+                </a:cxn>
+                <a:cxn ang="0">
+                  <a:pos x="connsiteX6" y="connsiteY6"/>
+                </a:cxn>
+              </a:cxnLst>
+              <a:rect l="l" t="t" r="r" b="b"/>
+              <a:pathLst>
+                <a:path w="1218594" h="1047380">
+                  <a:moveTo>
+                    <a:pt x="500459" y="0"/>
+                  </a:moveTo>
+                  <a:lnTo>
+                    <a:pt x="753190" y="526941"/>
+                  </a:lnTo>
+                  <a:lnTo>
+                    <a:pt x="841127" y="368871"/>
+                  </a:lnTo>
+                  <a:lnTo>
+                    <a:pt x="1218594" y="1047380"/>
+                  </a:lnTo>
+                  <a:lnTo>
+                    <a:pt x="463660" y="1047380"/>
+                  </a:lnTo>
+                  <a:lnTo>
+                    <a:pt x="465848" y="1043447"/>
+                  </a:lnTo>
+                  <a:lnTo>
+                    <a:pt x="0" y="1043447"/>
+                  </a:lnTo>
+                  <a:close/>
+                </a:path>
+              </a:pathLst>
+            </a:custGeom>
+            <a:gradFill flip="none" rotWithShape="1">
+              <a:gsLst>
+                <a:gs pos="0">
+                  <a:schemeClr val="bg1">
+                    <a:alpha val="40000"/>
+                  </a:schemeClr>
+                </a:gs>
+                <a:gs pos="100000">
+                  <a:schemeClr val="bg1">
+                    <a:alpha val="0"/>
+                  </a:schemeClr>
+                </a:gs>
+              </a:gsLst>
+              <a:path path="circle">
+                <a:fillToRect l="100000" b="100000"/>
+              </a:path>
+              <a:tileRect t="-100000" r="-100000"/>
+            </a:gradFill>
+            <a:ln>
+              <a:noFill/>
+            </a:ln>
+            <a:effectLst/>
+          </p:spPr>
+          <p:style>
+            <a:lnRef idx="2">
+              <a:schemeClr val="accent1">
+                <a:shade val="50000"/>
+              </a:schemeClr>
+            </a:lnRef>
+            <a:fillRef idx="1">
+              <a:schemeClr val="accent1"/>
+            </a:fillRef>
+            <a:effectRef idx="0">
+              <a:schemeClr val="accent1"/>
+            </a:effectRef>
+            <a:fontRef idx="minor">
+              <a:schemeClr val="lt1"/>
+            </a:fontRef>
+          </p:style>
+          <p:txBody>
+            <a:bodyPr wrap="square" rtlCol="0" anchor="ctr">
+              <a:noAutofit/>
+            </a:bodyPr>
+            <a:lstStyle/>
+            <a:p>
+              <a:pPr algn="ctr"/>
+              <a:endParaRPr lang="zh-CN" altLang="en-US"/>
+            </a:p>
+          </p:txBody>
+        </p:sp>
+      </p:grpSp>
+      <p:sp>
+        <p:nvSpPr>
+          <p:cNvPr id="14" name="文本框 13">
+            <a:extLst>
+              <a:ext uri="{FF2B5EF4-FFF2-40B4-BE49-F238E27FC236}">
+                <a16:creationId xmlns:a16="http://schemas.microsoft.com/office/drawing/2014/main" id="{8F579F32-FC5D-47F9-AADD-D252738BF852}"/>
+              </a:ext>
+            </a:extLst>
+          </p:cNvPr>
+          <p:cNvSpPr txBox="1"/>
+          <p:nvPr/>
+        </p:nvSpPr>
+        <p:spPr>
+          <a:xfrm>
+            <a:off x="4348037" y="1521227"/>
+            <a:ext cx="1401346" cy="307777"/>
+          </a:xfrm>
+          <a:prstGeom prst="rect">
+            <a:avLst/>
+          </a:prstGeom>
+          <a:noFill/>
+        </p:spPr>
+        <p:txBody>
+          <a:bodyPr wrap="none" rtlCol="0">
+            <a:spAutoFit/>
+          </a:bodyPr>
+          <a:lstStyle/>
+          <a:p>
+            <a:r>
+              <a:rPr lang="en-US" altLang="zh-CN" sz="1400">
+                <a:solidFill>
+                  <a:schemeClr val="bg1">
+                    <a:lumMod val="65000"/>
+                  </a:schemeClr>
+                </a:solidFill>
+                <a:latin typeface="+mn-ea"/>
+              </a:rPr>
+              <a:t>Emerald Builder</a:t>
+            </a:r>
+            <a:endParaRPr lang="zh-CN" altLang="en-US" sz="1400">
+              <a:solidFill>
+                <a:schemeClr val="bg1">
+                  <a:lumMod val="65000"/>
+                </a:schemeClr>
+              </a:solidFill>
+              <a:latin typeface="+mn-ea"/>
+            </a:endParaRPr>
+          </a:p>
+        </p:txBody>
+      </p:sp>
     </p:spTree>
     <p:extLst>
       <p:ext uri="{BB962C8B-B14F-4D97-AF65-F5344CB8AC3E}">

--- a/UI.pptx
+++ b/UI.pptx
@@ -6,14 +6,15 @@
   </p:sldMasterIdLst>
   <p:sldIdLst>
     <p:sldId id="260" r:id="rId2"/>
-    <p:sldId id="265" r:id="rId3"/>
-    <p:sldId id="264" r:id="rId4"/>
-    <p:sldId id="269" r:id="rId5"/>
-    <p:sldId id="266" r:id="rId6"/>
-    <p:sldId id="270" r:id="rId7"/>
-    <p:sldId id="262" r:id="rId8"/>
-    <p:sldId id="267" r:id="rId9"/>
-    <p:sldId id="263" r:id="rId10"/>
+    <p:sldId id="271" r:id="rId3"/>
+    <p:sldId id="265" r:id="rId4"/>
+    <p:sldId id="264" r:id="rId5"/>
+    <p:sldId id="269" r:id="rId6"/>
+    <p:sldId id="266" r:id="rId7"/>
+    <p:sldId id="270" r:id="rId8"/>
+    <p:sldId id="262" r:id="rId9"/>
+    <p:sldId id="267" r:id="rId10"/>
+    <p:sldId id="263" r:id="rId11"/>
   </p:sldIdLst>
   <p:sldSz cx="12192000" cy="6858000"/>
   <p:notesSz cx="6858000" cy="9144000"/>
@@ -267,7 +268,7 @@
           <a:p>
             <a:fld id="{F3BA182F-79D5-4EF3-A581-738F691F52DF}" type="datetimeFigureOut">
               <a:rPr lang="zh-CN" altLang="en-US" smtClean="0"/>
-              <a:t>2020/1/26</a:t>
+              <a:t>2020/1/28</a:t>
             </a:fld>
             <a:endParaRPr lang="zh-CN" altLang="en-US"/>
           </a:p>
@@ -465,7 +466,7 @@
           <a:p>
             <a:fld id="{F3BA182F-79D5-4EF3-A581-738F691F52DF}" type="datetimeFigureOut">
               <a:rPr lang="zh-CN" altLang="en-US" smtClean="0"/>
-              <a:t>2020/1/26</a:t>
+              <a:t>2020/1/28</a:t>
             </a:fld>
             <a:endParaRPr lang="zh-CN" altLang="en-US"/>
           </a:p>
@@ -673,7 +674,7 @@
           <a:p>
             <a:fld id="{F3BA182F-79D5-4EF3-A581-738F691F52DF}" type="datetimeFigureOut">
               <a:rPr lang="zh-CN" altLang="en-US" smtClean="0"/>
-              <a:t>2020/1/26</a:t>
+              <a:t>2020/1/28</a:t>
             </a:fld>
             <a:endParaRPr lang="zh-CN" altLang="en-US"/>
           </a:p>
@@ -871,7 +872,7 @@
           <a:p>
             <a:fld id="{F3BA182F-79D5-4EF3-A581-738F691F52DF}" type="datetimeFigureOut">
               <a:rPr lang="zh-CN" altLang="en-US" smtClean="0"/>
-              <a:t>2020/1/26</a:t>
+              <a:t>2020/1/28</a:t>
             </a:fld>
             <a:endParaRPr lang="zh-CN" altLang="en-US"/>
           </a:p>
@@ -1146,7 +1147,7 @@
           <a:p>
             <a:fld id="{F3BA182F-79D5-4EF3-A581-738F691F52DF}" type="datetimeFigureOut">
               <a:rPr lang="zh-CN" altLang="en-US" smtClean="0"/>
-              <a:t>2020/1/26</a:t>
+              <a:t>2020/1/28</a:t>
             </a:fld>
             <a:endParaRPr lang="zh-CN" altLang="en-US"/>
           </a:p>
@@ -1411,7 +1412,7 @@
           <a:p>
             <a:fld id="{F3BA182F-79D5-4EF3-A581-738F691F52DF}" type="datetimeFigureOut">
               <a:rPr lang="zh-CN" altLang="en-US" smtClean="0"/>
-              <a:t>2020/1/26</a:t>
+              <a:t>2020/1/28</a:t>
             </a:fld>
             <a:endParaRPr lang="zh-CN" altLang="en-US"/>
           </a:p>
@@ -1823,7 +1824,7 @@
           <a:p>
             <a:fld id="{F3BA182F-79D5-4EF3-A581-738F691F52DF}" type="datetimeFigureOut">
               <a:rPr lang="zh-CN" altLang="en-US" smtClean="0"/>
-              <a:t>2020/1/26</a:t>
+              <a:t>2020/1/28</a:t>
             </a:fld>
             <a:endParaRPr lang="zh-CN" altLang="en-US"/>
           </a:p>
@@ -1964,7 +1965,7 @@
           <a:p>
             <a:fld id="{F3BA182F-79D5-4EF3-A581-738F691F52DF}" type="datetimeFigureOut">
               <a:rPr lang="zh-CN" altLang="en-US" smtClean="0"/>
-              <a:t>2020/1/26</a:t>
+              <a:t>2020/1/28</a:t>
             </a:fld>
             <a:endParaRPr lang="zh-CN" altLang="en-US"/>
           </a:p>
@@ -2077,7 +2078,7 @@
           <a:p>
             <a:fld id="{F3BA182F-79D5-4EF3-A581-738F691F52DF}" type="datetimeFigureOut">
               <a:rPr lang="zh-CN" altLang="en-US" smtClean="0"/>
-              <a:t>2020/1/26</a:t>
+              <a:t>2020/1/28</a:t>
             </a:fld>
             <a:endParaRPr lang="zh-CN" altLang="en-US"/>
           </a:p>
@@ -2388,7 +2389,7 @@
           <a:p>
             <a:fld id="{F3BA182F-79D5-4EF3-A581-738F691F52DF}" type="datetimeFigureOut">
               <a:rPr lang="zh-CN" altLang="en-US" smtClean="0"/>
-              <a:t>2020/1/26</a:t>
+              <a:t>2020/1/28</a:t>
             </a:fld>
             <a:endParaRPr lang="zh-CN" altLang="en-US"/>
           </a:p>
@@ -2676,7 +2677,7 @@
           <a:p>
             <a:fld id="{F3BA182F-79D5-4EF3-A581-738F691F52DF}" type="datetimeFigureOut">
               <a:rPr lang="zh-CN" altLang="en-US" smtClean="0"/>
-              <a:t>2020/1/26</a:t>
+              <a:t>2020/1/28</a:t>
             </a:fld>
             <a:endParaRPr lang="zh-CN" altLang="en-US"/>
           </a:p>
@@ -2917,7 +2918,7 @@
           <a:p>
             <a:fld id="{F3BA182F-79D5-4EF3-A581-738F691F52DF}" type="datetimeFigureOut">
               <a:rPr lang="zh-CN" altLang="en-US" smtClean="0"/>
-              <a:t>2020/1/26</a:t>
+              <a:t>2020/1/28</a:t>
             </a:fld>
             <a:endParaRPr lang="zh-CN" altLang="en-US"/>
           </a:p>
@@ -3358,7 +3359,7 @@
         </p:nvSpPr>
         <p:spPr>
           <a:xfrm>
-            <a:off x="3081670" y="3647787"/>
+            <a:off x="2434290" y="4517262"/>
             <a:ext cx="1199263" cy="1044862"/>
           </a:xfrm>
           <a:prstGeom prst="rect">
@@ -5149,7 +5150,7 @@
         </p:nvGrpSpPr>
         <p:grpSpPr>
           <a:xfrm>
-            <a:off x="3434115" y="3940340"/>
+            <a:off x="2799921" y="4834570"/>
             <a:ext cx="468000" cy="468000"/>
             <a:chOff x="4627642" y="4188354"/>
             <a:chExt cx="417573" cy="420715"/>
@@ -6750,7 +6751,7319 @@
 </p:sld>
 </file>
 
+<file path=ppt/slides/slide10.xml><?xml version="1.0" encoding="utf-8"?>
+<p:sld xmlns:a="http://schemas.openxmlformats.org/drawingml/2006/main" xmlns:r="http://schemas.openxmlformats.org/officeDocument/2006/relationships" xmlns:p="http://schemas.openxmlformats.org/presentationml/2006/main">
+  <p:cSld>
+    <p:bg>
+      <p:bgPr>
+        <a:solidFill>
+          <a:srgbClr val="0D0D1E"/>
+        </a:solidFill>
+        <a:effectLst/>
+      </p:bgPr>
+    </p:bg>
+    <p:spTree>
+      <p:nvGrpSpPr>
+        <p:cNvPr id="1" name=""/>
+        <p:cNvGrpSpPr/>
+        <p:nvPr/>
+      </p:nvGrpSpPr>
+      <p:grpSpPr>
+        <a:xfrm>
+          <a:off x="0" y="0"/>
+          <a:ext cx="0" cy="0"/>
+          <a:chOff x="0" y="0"/>
+          <a:chExt cx="0" cy="0"/>
+        </a:xfrm>
+      </p:grpSpPr>
+      <p:grpSp>
+        <p:nvGrpSpPr>
+          <p:cNvPr id="3" name="组合 2">
+            <a:extLst>
+              <a:ext uri="{FF2B5EF4-FFF2-40B4-BE49-F238E27FC236}">
+                <a16:creationId xmlns:a16="http://schemas.microsoft.com/office/drawing/2014/main" id="{CA1685B2-A14B-420B-BCFD-5482A0C2D4C4}"/>
+              </a:ext>
+            </a:extLst>
+          </p:cNvPr>
+          <p:cNvGrpSpPr/>
+          <p:nvPr/>
+        </p:nvGrpSpPr>
+        <p:grpSpPr>
+          <a:xfrm>
+            <a:off x="3216594" y="2869986"/>
+            <a:ext cx="5748824" cy="1080000"/>
+            <a:chOff x="3216594" y="2869986"/>
+            <a:chExt cx="5748824" cy="1080000"/>
+          </a:xfrm>
+        </p:grpSpPr>
+        <p:grpSp>
+          <p:nvGrpSpPr>
+            <p:cNvPr id="71" name="组合 70">
+              <a:extLst>
+                <a:ext uri="{FF2B5EF4-FFF2-40B4-BE49-F238E27FC236}">
+                  <a16:creationId xmlns:a16="http://schemas.microsoft.com/office/drawing/2014/main" id="{81FB3B35-2318-4457-95DC-C520B75AE75F}"/>
+                </a:ext>
+              </a:extLst>
+            </p:cNvPr>
+            <p:cNvGrpSpPr/>
+            <p:nvPr/>
+          </p:nvGrpSpPr>
+          <p:grpSpPr>
+            <a:xfrm>
+              <a:off x="5158215" y="3228619"/>
+              <a:ext cx="663905" cy="663905"/>
+              <a:chOff x="5598211" y="2485999"/>
+              <a:chExt cx="252000" cy="252000"/>
+            </a:xfrm>
+          </p:grpSpPr>
+          <p:cxnSp>
+            <p:nvCxnSpPr>
+              <p:cNvPr id="49" name="直接连接符 48">
+                <a:extLst>
+                  <a:ext uri="{FF2B5EF4-FFF2-40B4-BE49-F238E27FC236}">
+                    <a16:creationId xmlns:a16="http://schemas.microsoft.com/office/drawing/2014/main" id="{4AFC89BE-23B8-45FF-987D-E6560BFF3DCC}"/>
+                  </a:ext>
+                </a:extLst>
+              </p:cNvPr>
+              <p:cNvCxnSpPr>
+                <a:cxnSpLocks/>
+              </p:cNvCxnSpPr>
+              <p:nvPr/>
+            </p:nvCxnSpPr>
+            <p:spPr>
+              <a:xfrm>
+                <a:off x="5599551" y="2601685"/>
+                <a:ext cx="250660" cy="0"/>
+              </a:xfrm>
+              <a:prstGeom prst="line">
+                <a:avLst/>
+              </a:prstGeom>
+              <a:ln w="76200" cap="rnd">
+                <a:solidFill>
+                  <a:schemeClr val="tx1">
+                    <a:lumMod val="50000"/>
+                    <a:lumOff val="50000"/>
+                  </a:schemeClr>
+                </a:solidFill>
+                <a:round/>
+              </a:ln>
+            </p:spPr>
+            <p:style>
+              <a:lnRef idx="1">
+                <a:schemeClr val="accent1"/>
+              </a:lnRef>
+              <a:fillRef idx="0">
+                <a:schemeClr val="accent1"/>
+              </a:fillRef>
+              <a:effectRef idx="0">
+                <a:schemeClr val="accent1"/>
+              </a:effectRef>
+              <a:fontRef idx="minor">
+                <a:schemeClr val="tx1"/>
+              </a:fontRef>
+            </p:style>
+          </p:cxnSp>
+          <p:sp>
+            <p:nvSpPr>
+              <p:cNvPr id="48" name="弧形 47">
+                <a:extLst>
+                  <a:ext uri="{FF2B5EF4-FFF2-40B4-BE49-F238E27FC236}">
+                    <a16:creationId xmlns:a16="http://schemas.microsoft.com/office/drawing/2014/main" id="{A1B02804-B06D-4C16-8363-61CE38D605E4}"/>
+                  </a:ext>
+                </a:extLst>
+              </p:cNvPr>
+              <p:cNvSpPr/>
+              <p:nvPr/>
+            </p:nvSpPr>
+            <p:spPr>
+              <a:xfrm>
+                <a:off x="5598211" y="2485999"/>
+                <a:ext cx="252000" cy="252000"/>
+              </a:xfrm>
+              <a:prstGeom prst="arc">
+                <a:avLst>
+                  <a:gd name="adj1" fmla="val 1817991"/>
+                  <a:gd name="adj2" fmla="val 21272467"/>
+                </a:avLst>
+              </a:prstGeom>
+              <a:ln w="76200" cap="rnd">
+                <a:solidFill>
+                  <a:schemeClr val="bg1"/>
+                </a:solidFill>
+                <a:round/>
+              </a:ln>
+            </p:spPr>
+            <p:style>
+              <a:lnRef idx="1">
+                <a:schemeClr val="accent1"/>
+              </a:lnRef>
+              <a:fillRef idx="0">
+                <a:schemeClr val="accent1"/>
+              </a:fillRef>
+              <a:effectRef idx="0">
+                <a:schemeClr val="accent1"/>
+              </a:effectRef>
+              <a:fontRef idx="minor">
+                <a:schemeClr val="tx1"/>
+              </a:fontRef>
+            </p:style>
+            <p:txBody>
+              <a:bodyPr rtlCol="0" anchor="ctr"/>
+              <a:lstStyle/>
+              <a:p>
+                <a:pPr algn="ctr"/>
+                <a:endParaRPr lang="zh-CN" altLang="en-US"/>
+              </a:p>
+            </p:txBody>
+          </p:sp>
+        </p:grpSp>
+        <p:grpSp>
+          <p:nvGrpSpPr>
+            <p:cNvPr id="75" name="组合 74">
+              <a:extLst>
+                <a:ext uri="{FF2B5EF4-FFF2-40B4-BE49-F238E27FC236}">
+                  <a16:creationId xmlns:a16="http://schemas.microsoft.com/office/drawing/2014/main" id="{B690163C-5BFE-4F9D-85B4-AAC5BC56FF23}"/>
+                </a:ext>
+              </a:extLst>
+            </p:cNvPr>
+            <p:cNvGrpSpPr/>
+            <p:nvPr/>
+          </p:nvGrpSpPr>
+          <p:grpSpPr>
+            <a:xfrm>
+              <a:off x="6194310" y="3228619"/>
+              <a:ext cx="312984" cy="663905"/>
+              <a:chOff x="6000369" y="2485999"/>
+              <a:chExt cx="118800" cy="252000"/>
+            </a:xfrm>
+          </p:grpSpPr>
+          <p:cxnSp>
+            <p:nvCxnSpPr>
+              <p:cNvPr id="50" name="直接连接符 49">
+                <a:extLst>
+                  <a:ext uri="{FF2B5EF4-FFF2-40B4-BE49-F238E27FC236}">
+                    <a16:creationId xmlns:a16="http://schemas.microsoft.com/office/drawing/2014/main" id="{DA87BA15-9820-4056-A9D2-A9DD43EEE201}"/>
+                  </a:ext>
+                </a:extLst>
+              </p:cNvPr>
+              <p:cNvCxnSpPr>
+                <a:cxnSpLocks/>
+              </p:cNvCxnSpPr>
+              <p:nvPr/>
+            </p:nvCxnSpPr>
+            <p:spPr>
+              <a:xfrm flipH="1">
+                <a:off x="6001038" y="2539804"/>
+                <a:ext cx="0" cy="198195"/>
+              </a:xfrm>
+              <a:prstGeom prst="line">
+                <a:avLst/>
+              </a:prstGeom>
+              <a:ln w="76200" cap="rnd">
+                <a:solidFill>
+                  <a:schemeClr val="bg1"/>
+                </a:solidFill>
+                <a:round/>
+              </a:ln>
+            </p:spPr>
+            <p:style>
+              <a:lnRef idx="1">
+                <a:schemeClr val="accent1"/>
+              </a:lnRef>
+              <a:fillRef idx="0">
+                <a:schemeClr val="accent1"/>
+              </a:fillRef>
+              <a:effectRef idx="0">
+                <a:schemeClr val="accent1"/>
+              </a:effectRef>
+              <a:fontRef idx="minor">
+                <a:schemeClr val="tx1"/>
+              </a:fontRef>
+            </p:style>
+          </p:cxnSp>
+          <p:sp>
+            <p:nvSpPr>
+              <p:cNvPr id="51" name="弧形 50">
+                <a:extLst>
+                  <a:ext uri="{FF2B5EF4-FFF2-40B4-BE49-F238E27FC236}">
+                    <a16:creationId xmlns:a16="http://schemas.microsoft.com/office/drawing/2014/main" id="{05B6D31A-DC6D-4CE1-BF67-A5EF0BFC166E}"/>
+                  </a:ext>
+                </a:extLst>
+              </p:cNvPr>
+              <p:cNvSpPr/>
+              <p:nvPr/>
+            </p:nvSpPr>
+            <p:spPr>
+              <a:xfrm>
+                <a:off x="6000369" y="2485999"/>
+                <a:ext cx="118800" cy="118800"/>
+              </a:xfrm>
+              <a:prstGeom prst="arc">
+                <a:avLst>
+                  <a:gd name="adj1" fmla="val 11124299"/>
+                  <a:gd name="adj2" fmla="val 17866105"/>
+                </a:avLst>
+              </a:prstGeom>
+              <a:ln w="76200" cap="rnd">
+                <a:solidFill>
+                  <a:schemeClr val="bg1"/>
+                </a:solidFill>
+                <a:round/>
+              </a:ln>
+            </p:spPr>
+            <p:style>
+              <a:lnRef idx="1">
+                <a:schemeClr val="accent1"/>
+              </a:lnRef>
+              <a:fillRef idx="0">
+                <a:schemeClr val="accent1"/>
+              </a:fillRef>
+              <a:effectRef idx="0">
+                <a:schemeClr val="accent1"/>
+              </a:effectRef>
+              <a:fontRef idx="minor">
+                <a:schemeClr val="tx1"/>
+              </a:fontRef>
+            </p:style>
+            <p:txBody>
+              <a:bodyPr rtlCol="0" anchor="ctr"/>
+              <a:lstStyle/>
+              <a:p>
+                <a:pPr algn="ctr"/>
+                <a:endParaRPr lang="zh-CN" altLang="en-US"/>
+              </a:p>
+            </p:txBody>
+          </p:sp>
+        </p:grpSp>
+        <p:grpSp>
+          <p:nvGrpSpPr>
+            <p:cNvPr id="70" name="组合 69">
+              <a:extLst>
+                <a:ext uri="{FF2B5EF4-FFF2-40B4-BE49-F238E27FC236}">
+                  <a16:creationId xmlns:a16="http://schemas.microsoft.com/office/drawing/2014/main" id="{C3DFB8FF-027A-4004-A0D2-974ABAB6DBA2}"/>
+                </a:ext>
+              </a:extLst>
+            </p:cNvPr>
+            <p:cNvGrpSpPr/>
+            <p:nvPr/>
+          </p:nvGrpSpPr>
+          <p:grpSpPr>
+            <a:xfrm>
+              <a:off x="4150673" y="3363911"/>
+              <a:ext cx="635352" cy="528613"/>
+              <a:chOff x="5208895" y="2542553"/>
+              <a:chExt cx="241162" cy="200647"/>
+            </a:xfrm>
+          </p:grpSpPr>
+          <p:cxnSp>
+            <p:nvCxnSpPr>
+              <p:cNvPr id="52" name="直接连接符 51">
+                <a:extLst>
+                  <a:ext uri="{FF2B5EF4-FFF2-40B4-BE49-F238E27FC236}">
+                    <a16:creationId xmlns:a16="http://schemas.microsoft.com/office/drawing/2014/main" id="{A0F72843-E342-4206-BBFF-889EE8C9C32F}"/>
+                  </a:ext>
+                </a:extLst>
+              </p:cNvPr>
+              <p:cNvCxnSpPr>
+                <a:cxnSpLocks/>
+              </p:cNvCxnSpPr>
+              <p:nvPr/>
+            </p:nvCxnSpPr>
+            <p:spPr>
+              <a:xfrm>
+                <a:off x="5219470" y="2553586"/>
+                <a:ext cx="109218" cy="88566"/>
+              </a:xfrm>
+              <a:prstGeom prst="line">
+                <a:avLst/>
+              </a:prstGeom>
+              <a:ln w="76200" cap="rnd">
+                <a:solidFill>
+                  <a:schemeClr val="tx1">
+                    <a:lumMod val="50000"/>
+                    <a:lumOff val="50000"/>
+                  </a:schemeClr>
+                </a:solidFill>
+                <a:round/>
+              </a:ln>
+            </p:spPr>
+            <p:style>
+              <a:lnRef idx="1">
+                <a:schemeClr val="accent1"/>
+              </a:lnRef>
+              <a:fillRef idx="0">
+                <a:schemeClr val="accent1"/>
+              </a:fillRef>
+              <a:effectRef idx="0">
+                <a:schemeClr val="accent1"/>
+              </a:effectRef>
+              <a:fontRef idx="minor">
+                <a:schemeClr val="tx1"/>
+              </a:fontRef>
+            </p:style>
+          </p:cxnSp>
+          <p:cxnSp>
+            <p:nvCxnSpPr>
+              <p:cNvPr id="38" name="直接连接符 37">
+                <a:extLst>
+                  <a:ext uri="{FF2B5EF4-FFF2-40B4-BE49-F238E27FC236}">
+                    <a16:creationId xmlns:a16="http://schemas.microsoft.com/office/drawing/2014/main" id="{A45B12B5-270C-494C-8D33-8FB78ED71159}"/>
+                  </a:ext>
+                </a:extLst>
+              </p:cNvPr>
+              <p:cNvCxnSpPr>
+                <a:cxnSpLocks/>
+              </p:cNvCxnSpPr>
+              <p:nvPr/>
+            </p:nvCxnSpPr>
+            <p:spPr>
+              <a:xfrm flipH="1">
+                <a:off x="5328688" y="2545005"/>
+                <a:ext cx="119741" cy="97147"/>
+              </a:xfrm>
+              <a:prstGeom prst="line">
+                <a:avLst/>
+              </a:prstGeom>
+              <a:ln w="76200" cap="rnd">
+                <a:solidFill>
+                  <a:schemeClr val="bg1"/>
+                </a:solidFill>
+                <a:round/>
+              </a:ln>
+            </p:spPr>
+            <p:style>
+              <a:lnRef idx="1">
+                <a:schemeClr val="accent1"/>
+              </a:lnRef>
+              <a:fillRef idx="0">
+                <a:schemeClr val="accent1"/>
+              </a:fillRef>
+              <a:effectRef idx="0">
+                <a:schemeClr val="accent1"/>
+              </a:effectRef>
+              <a:fontRef idx="minor">
+                <a:schemeClr val="tx1"/>
+              </a:fontRef>
+            </p:style>
+          </p:cxnSp>
+          <p:cxnSp>
+            <p:nvCxnSpPr>
+              <p:cNvPr id="40" name="直接连接符 39">
+                <a:extLst>
+                  <a:ext uri="{FF2B5EF4-FFF2-40B4-BE49-F238E27FC236}">
+                    <a16:creationId xmlns:a16="http://schemas.microsoft.com/office/drawing/2014/main" id="{B7C98CE0-D706-4A88-AEDF-74A7C348E056}"/>
+                  </a:ext>
+                </a:extLst>
+              </p:cNvPr>
+              <p:cNvCxnSpPr>
+                <a:cxnSpLocks/>
+              </p:cNvCxnSpPr>
+              <p:nvPr/>
+            </p:nvCxnSpPr>
+            <p:spPr>
+              <a:xfrm>
+                <a:off x="5450057" y="2542553"/>
+                <a:ext cx="0" cy="198137"/>
+              </a:xfrm>
+              <a:prstGeom prst="line">
+                <a:avLst/>
+              </a:prstGeom>
+              <a:ln w="76200" cap="rnd">
+                <a:solidFill>
+                  <a:schemeClr val="tx1">
+                    <a:lumMod val="50000"/>
+                    <a:lumOff val="50000"/>
+                  </a:schemeClr>
+                </a:solidFill>
+                <a:round/>
+              </a:ln>
+            </p:spPr>
+            <p:style>
+              <a:lnRef idx="1">
+                <a:schemeClr val="accent1"/>
+              </a:lnRef>
+              <a:fillRef idx="0">
+                <a:schemeClr val="accent1"/>
+              </a:fillRef>
+              <a:effectRef idx="0">
+                <a:schemeClr val="accent1"/>
+              </a:effectRef>
+              <a:fontRef idx="minor">
+                <a:schemeClr val="tx1"/>
+              </a:fontRef>
+            </p:style>
+          </p:cxnSp>
+          <p:cxnSp>
+            <p:nvCxnSpPr>
+              <p:cNvPr id="37" name="直接连接符 36">
+                <a:extLst>
+                  <a:ext uri="{FF2B5EF4-FFF2-40B4-BE49-F238E27FC236}">
+                    <a16:creationId xmlns:a16="http://schemas.microsoft.com/office/drawing/2014/main" id="{EAEA0A26-9F0E-4BB4-A9D7-94B2282A59D2}"/>
+                  </a:ext>
+                </a:extLst>
+              </p:cNvPr>
+              <p:cNvCxnSpPr>
+                <a:cxnSpLocks/>
+              </p:cNvCxnSpPr>
+              <p:nvPr/>
+            </p:nvCxnSpPr>
+            <p:spPr>
+              <a:xfrm>
+                <a:off x="5208895" y="2547583"/>
+                <a:ext cx="0" cy="195617"/>
+              </a:xfrm>
+              <a:prstGeom prst="line">
+                <a:avLst/>
+              </a:prstGeom>
+              <a:ln w="76200" cap="rnd">
+                <a:solidFill>
+                  <a:schemeClr val="bg1"/>
+                </a:solidFill>
+                <a:round/>
+              </a:ln>
+            </p:spPr>
+            <p:style>
+              <a:lnRef idx="1">
+                <a:schemeClr val="accent1"/>
+              </a:lnRef>
+              <a:fillRef idx="0">
+                <a:schemeClr val="accent1"/>
+              </a:fillRef>
+              <a:effectRef idx="0">
+                <a:schemeClr val="accent1"/>
+              </a:effectRef>
+              <a:fontRef idx="minor">
+                <a:schemeClr val="tx1"/>
+              </a:fontRef>
+            </p:style>
+          </p:cxnSp>
+        </p:grpSp>
+        <p:grpSp>
+          <p:nvGrpSpPr>
+            <p:cNvPr id="76" name="组合 75">
+              <a:extLst>
+                <a:ext uri="{FF2B5EF4-FFF2-40B4-BE49-F238E27FC236}">
+                  <a16:creationId xmlns:a16="http://schemas.microsoft.com/office/drawing/2014/main" id="{2D7D6CD3-5144-43C1-861B-19698A47928E}"/>
+                </a:ext>
+              </a:extLst>
+            </p:cNvPr>
+            <p:cNvGrpSpPr/>
+            <p:nvPr/>
+          </p:nvGrpSpPr>
+          <p:grpSpPr>
+            <a:xfrm>
+              <a:off x="6701771" y="3228619"/>
+              <a:ext cx="667388" cy="663905"/>
+              <a:chOff x="6201266" y="2485999"/>
+              <a:chExt cx="253322" cy="252000"/>
+            </a:xfrm>
+          </p:grpSpPr>
+          <p:sp>
+            <p:nvSpPr>
+              <p:cNvPr id="58" name="弧形 57">
+                <a:extLst>
+                  <a:ext uri="{FF2B5EF4-FFF2-40B4-BE49-F238E27FC236}">
+                    <a16:creationId xmlns:a16="http://schemas.microsoft.com/office/drawing/2014/main" id="{FD9102C1-5F61-4459-ACA6-37133A7BD381}"/>
+                  </a:ext>
+                </a:extLst>
+              </p:cNvPr>
+              <p:cNvSpPr/>
+              <p:nvPr/>
+            </p:nvSpPr>
+            <p:spPr>
+              <a:xfrm>
+                <a:off x="6201266" y="2485999"/>
+                <a:ext cx="252000" cy="252000"/>
+              </a:xfrm>
+              <a:prstGeom prst="arc">
+                <a:avLst>
+                  <a:gd name="adj1" fmla="val 21364427"/>
+                  <a:gd name="adj2" fmla="val 21272467"/>
+                </a:avLst>
+              </a:prstGeom>
+              <a:ln w="76200" cap="rnd">
+                <a:solidFill>
+                  <a:schemeClr val="bg1"/>
+                </a:solidFill>
+                <a:round/>
+              </a:ln>
+            </p:spPr>
+            <p:style>
+              <a:lnRef idx="1">
+                <a:schemeClr val="accent1"/>
+              </a:lnRef>
+              <a:fillRef idx="0">
+                <a:schemeClr val="accent1"/>
+              </a:fillRef>
+              <a:effectRef idx="0">
+                <a:schemeClr val="accent1"/>
+              </a:effectRef>
+              <a:fontRef idx="minor">
+                <a:schemeClr val="tx1"/>
+              </a:fontRef>
+            </p:style>
+            <p:txBody>
+              <a:bodyPr rtlCol="0" anchor="ctr"/>
+              <a:lstStyle/>
+              <a:p>
+                <a:pPr algn="ctr"/>
+                <a:endParaRPr lang="zh-CN" altLang="en-US"/>
+              </a:p>
+            </p:txBody>
+          </p:sp>
+          <p:cxnSp>
+            <p:nvCxnSpPr>
+              <p:cNvPr id="59" name="直接连接符 58">
+                <a:extLst>
+                  <a:ext uri="{FF2B5EF4-FFF2-40B4-BE49-F238E27FC236}">
+                    <a16:creationId xmlns:a16="http://schemas.microsoft.com/office/drawing/2014/main" id="{F1FB9638-5867-4358-A29F-6079B4DEFD4B}"/>
+                  </a:ext>
+                </a:extLst>
+              </p:cNvPr>
+              <p:cNvCxnSpPr>
+                <a:cxnSpLocks/>
+              </p:cNvCxnSpPr>
+              <p:nvPr/>
+            </p:nvCxnSpPr>
+            <p:spPr>
+              <a:xfrm flipH="1">
+                <a:off x="6453266" y="2485999"/>
+                <a:ext cx="1322" cy="252000"/>
+              </a:xfrm>
+              <a:prstGeom prst="line">
+                <a:avLst/>
+              </a:prstGeom>
+              <a:ln w="76200" cap="rnd">
+                <a:solidFill>
+                  <a:schemeClr val="tx1">
+                    <a:lumMod val="50000"/>
+                    <a:lumOff val="50000"/>
+                  </a:schemeClr>
+                </a:solidFill>
+                <a:round/>
+              </a:ln>
+            </p:spPr>
+            <p:style>
+              <a:lnRef idx="1">
+                <a:schemeClr val="accent1"/>
+              </a:lnRef>
+              <a:fillRef idx="0">
+                <a:schemeClr val="accent1"/>
+              </a:fillRef>
+              <a:effectRef idx="0">
+                <a:schemeClr val="accent1"/>
+              </a:effectRef>
+              <a:fontRef idx="minor">
+                <a:schemeClr val="tx1"/>
+              </a:fontRef>
+            </p:style>
+          </p:cxnSp>
+        </p:grpSp>
+        <p:cxnSp>
+          <p:nvCxnSpPr>
+            <p:cNvPr id="61" name="直接连接符 60">
+              <a:extLst>
+                <a:ext uri="{FF2B5EF4-FFF2-40B4-BE49-F238E27FC236}">
+                  <a16:creationId xmlns:a16="http://schemas.microsoft.com/office/drawing/2014/main" id="{6ECB2F65-1AD6-4EA9-BFBC-E2979544CB46}"/>
+                </a:ext>
+              </a:extLst>
+            </p:cNvPr>
+            <p:cNvCxnSpPr>
+              <a:cxnSpLocks/>
+            </p:cNvCxnSpPr>
+            <p:nvPr/>
+          </p:nvCxnSpPr>
+          <p:spPr>
+            <a:xfrm>
+              <a:off x="7741349" y="2873448"/>
+              <a:ext cx="0" cy="1073076"/>
+            </a:xfrm>
+            <a:prstGeom prst="line">
+              <a:avLst/>
+            </a:prstGeom>
+            <a:ln w="76200" cap="rnd">
+              <a:solidFill>
+                <a:schemeClr val="bg1"/>
+              </a:solidFill>
+              <a:round/>
+            </a:ln>
+          </p:spPr>
+          <p:style>
+            <a:lnRef idx="1">
+              <a:schemeClr val="accent1"/>
+            </a:lnRef>
+            <a:fillRef idx="0">
+              <a:schemeClr val="accent1"/>
+            </a:fillRef>
+            <a:effectRef idx="0">
+              <a:schemeClr val="accent1"/>
+            </a:effectRef>
+            <a:fontRef idx="minor">
+              <a:schemeClr val="tx1"/>
+            </a:fontRef>
+          </p:style>
+        </p:cxnSp>
+        <p:grpSp>
+          <p:nvGrpSpPr>
+            <p:cNvPr id="85" name="组合 84">
+              <a:extLst>
+                <a:ext uri="{FF2B5EF4-FFF2-40B4-BE49-F238E27FC236}">
+                  <a16:creationId xmlns:a16="http://schemas.microsoft.com/office/drawing/2014/main" id="{321D4381-33D9-44E9-A69D-F6A180F16ABD}"/>
+                </a:ext>
+              </a:extLst>
+            </p:cNvPr>
+            <p:cNvGrpSpPr/>
+            <p:nvPr/>
+          </p:nvGrpSpPr>
+          <p:grpSpPr>
+            <a:xfrm>
+              <a:off x="3216594" y="3100524"/>
+              <a:ext cx="792000" cy="792000"/>
+              <a:chOff x="5101774" y="2455056"/>
+              <a:chExt cx="792000" cy="792000"/>
+            </a:xfrm>
+          </p:grpSpPr>
+          <p:cxnSp>
+            <p:nvCxnSpPr>
+              <p:cNvPr id="34" name="直接连接符 33">
+                <a:extLst>
+                  <a:ext uri="{FF2B5EF4-FFF2-40B4-BE49-F238E27FC236}">
+                    <a16:creationId xmlns:a16="http://schemas.microsoft.com/office/drawing/2014/main" id="{3EF835D2-AFED-4476-A39D-312AA1A0439D}"/>
+                  </a:ext>
+                </a:extLst>
+              </p:cNvPr>
+              <p:cNvCxnSpPr/>
+              <p:nvPr/>
+            </p:nvCxnSpPr>
+            <p:spPr>
+              <a:xfrm>
+                <a:off x="5172391" y="2851056"/>
+                <a:ext cx="485402" cy="0"/>
+              </a:xfrm>
+              <a:prstGeom prst="line">
+                <a:avLst/>
+              </a:prstGeom>
+              <a:ln w="76200" cap="rnd">
+                <a:solidFill>
+                  <a:schemeClr val="tx1">
+                    <a:lumMod val="50000"/>
+                    <a:lumOff val="50000"/>
+                  </a:schemeClr>
+                </a:solidFill>
+                <a:round/>
+              </a:ln>
+            </p:spPr>
+            <p:style>
+              <a:lnRef idx="1">
+                <a:schemeClr val="accent1"/>
+              </a:lnRef>
+              <a:fillRef idx="0">
+                <a:schemeClr val="accent1"/>
+              </a:fillRef>
+              <a:effectRef idx="0">
+                <a:schemeClr val="accent1"/>
+              </a:effectRef>
+              <a:fontRef idx="minor">
+                <a:schemeClr val="tx1"/>
+              </a:fontRef>
+            </p:style>
+          </p:cxnSp>
+          <p:sp>
+            <p:nvSpPr>
+              <p:cNvPr id="84" name="弧形 83">
+                <a:extLst>
+                  <a:ext uri="{FF2B5EF4-FFF2-40B4-BE49-F238E27FC236}">
+                    <a16:creationId xmlns:a16="http://schemas.microsoft.com/office/drawing/2014/main" id="{738F2808-47EE-47C8-B763-C7EDABBE1A00}"/>
+                  </a:ext>
+                </a:extLst>
+              </p:cNvPr>
+              <p:cNvSpPr>
+                <a:spLocks noChangeAspect="1"/>
+              </p:cNvSpPr>
+              <p:nvPr/>
+            </p:nvSpPr>
+            <p:spPr>
+              <a:xfrm>
+                <a:off x="5101774" y="2455056"/>
+                <a:ext cx="792000" cy="792000"/>
+              </a:xfrm>
+              <a:prstGeom prst="arc">
+                <a:avLst>
+                  <a:gd name="adj1" fmla="val 3895352"/>
+                  <a:gd name="adj2" fmla="val 17604657"/>
+                </a:avLst>
+              </a:prstGeom>
+              <a:ln w="76200" cap="rnd">
+                <a:solidFill>
+                  <a:schemeClr val="bg1"/>
+                </a:solidFill>
+                <a:round/>
+              </a:ln>
+            </p:spPr>
+            <p:style>
+              <a:lnRef idx="1">
+                <a:schemeClr val="accent1"/>
+              </a:lnRef>
+              <a:fillRef idx="0">
+                <a:schemeClr val="accent1"/>
+              </a:fillRef>
+              <a:effectRef idx="0">
+                <a:schemeClr val="accent1"/>
+              </a:effectRef>
+              <a:fontRef idx="minor">
+                <a:schemeClr val="tx1"/>
+              </a:fontRef>
+            </p:style>
+            <p:txBody>
+              <a:bodyPr rtlCol="0" anchor="ctr"/>
+              <a:lstStyle/>
+              <a:p>
+                <a:pPr algn="ctr"/>
+                <a:endParaRPr lang="zh-CN" altLang="en-US"/>
+              </a:p>
+            </p:txBody>
+          </p:sp>
+        </p:grpSp>
+        <p:grpSp>
+          <p:nvGrpSpPr>
+            <p:cNvPr id="89" name="组合 88">
+              <a:extLst>
+                <a:ext uri="{FF2B5EF4-FFF2-40B4-BE49-F238E27FC236}">
+                  <a16:creationId xmlns:a16="http://schemas.microsoft.com/office/drawing/2014/main" id="{CBD42311-87DF-4F42-9D74-F7270BA26E2B}"/>
+                </a:ext>
+              </a:extLst>
+            </p:cNvPr>
+            <p:cNvGrpSpPr/>
+            <p:nvPr/>
+          </p:nvGrpSpPr>
+          <p:grpSpPr>
+            <a:xfrm>
+              <a:off x="7885418" y="2869986"/>
+              <a:ext cx="1080000" cy="1080000"/>
+              <a:chOff x="9835468" y="2491210"/>
+              <a:chExt cx="1080000" cy="1080000"/>
+            </a:xfrm>
+          </p:grpSpPr>
+          <p:sp>
+            <p:nvSpPr>
+              <p:cNvPr id="64" name="弧形 63">
+                <a:extLst>
+                  <a:ext uri="{FF2B5EF4-FFF2-40B4-BE49-F238E27FC236}">
+                    <a16:creationId xmlns:a16="http://schemas.microsoft.com/office/drawing/2014/main" id="{763EC656-CD8A-412B-9CDA-094285A2D60C}"/>
+                  </a:ext>
+                </a:extLst>
+              </p:cNvPr>
+              <p:cNvSpPr/>
+              <p:nvPr/>
+            </p:nvSpPr>
+            <p:spPr>
+              <a:xfrm>
+                <a:off x="10043516" y="2699258"/>
+                <a:ext cx="663905" cy="663905"/>
+              </a:xfrm>
+              <a:prstGeom prst="arc">
+                <a:avLst>
+                  <a:gd name="adj1" fmla="val 21364427"/>
+                  <a:gd name="adj2" fmla="val 21272467"/>
+                </a:avLst>
+              </a:prstGeom>
+              <a:ln w="76200" cap="rnd">
+                <a:solidFill>
+                  <a:schemeClr val="bg1"/>
+                </a:solidFill>
+                <a:round/>
+              </a:ln>
+            </p:spPr>
+            <p:style>
+              <a:lnRef idx="1">
+                <a:schemeClr val="accent1"/>
+              </a:lnRef>
+              <a:fillRef idx="0">
+                <a:schemeClr val="accent1"/>
+              </a:fillRef>
+              <a:effectRef idx="0">
+                <a:schemeClr val="accent1"/>
+              </a:effectRef>
+              <a:fontRef idx="minor">
+                <a:schemeClr val="tx1"/>
+              </a:fontRef>
+            </p:style>
+            <p:txBody>
+              <a:bodyPr rtlCol="0" anchor="ctr"/>
+              <a:lstStyle/>
+              <a:p>
+                <a:pPr algn="ctr"/>
+                <a:endParaRPr lang="zh-CN" altLang="en-US"/>
+              </a:p>
+            </p:txBody>
+          </p:sp>
+          <p:sp>
+            <p:nvSpPr>
+              <p:cNvPr id="88" name="弧形 87">
+                <a:extLst>
+                  <a:ext uri="{FF2B5EF4-FFF2-40B4-BE49-F238E27FC236}">
+                    <a16:creationId xmlns:a16="http://schemas.microsoft.com/office/drawing/2014/main" id="{A8D34806-3F7B-4942-B810-B6C8D5E1E13B}"/>
+                  </a:ext>
+                </a:extLst>
+              </p:cNvPr>
+              <p:cNvSpPr>
+                <a:spLocks noChangeAspect="1"/>
+              </p:cNvSpPr>
+              <p:nvPr/>
+            </p:nvSpPr>
+            <p:spPr>
+              <a:xfrm>
+                <a:off x="9835468" y="2491210"/>
+                <a:ext cx="1080000" cy="1080000"/>
+              </a:xfrm>
+              <a:prstGeom prst="arc">
+                <a:avLst>
+                  <a:gd name="adj1" fmla="val 15877922"/>
+                  <a:gd name="adj2" fmla="val 5881754"/>
+                </a:avLst>
+              </a:prstGeom>
+              <a:ln w="76200" cap="rnd">
+                <a:solidFill>
+                  <a:schemeClr val="tx1">
+                    <a:lumMod val="50000"/>
+                    <a:lumOff val="50000"/>
+                  </a:schemeClr>
+                </a:solidFill>
+                <a:round/>
+              </a:ln>
+            </p:spPr>
+            <p:style>
+              <a:lnRef idx="1">
+                <a:schemeClr val="accent1"/>
+              </a:lnRef>
+              <a:fillRef idx="0">
+                <a:schemeClr val="accent1"/>
+              </a:fillRef>
+              <a:effectRef idx="0">
+                <a:schemeClr val="accent1"/>
+              </a:effectRef>
+              <a:fontRef idx="minor">
+                <a:schemeClr val="tx1"/>
+              </a:fontRef>
+            </p:style>
+            <p:txBody>
+              <a:bodyPr rtlCol="0" anchor="ctr"/>
+              <a:lstStyle/>
+              <a:p>
+                <a:pPr algn="ctr"/>
+                <a:endParaRPr lang="zh-CN" altLang="en-US"/>
+              </a:p>
+            </p:txBody>
+          </p:sp>
+        </p:grpSp>
+      </p:grpSp>
+    </p:spTree>
+    <p:extLst>
+      <p:ext uri="{BB962C8B-B14F-4D97-AF65-F5344CB8AC3E}">
+        <p14:creationId xmlns:p14="http://schemas.microsoft.com/office/powerpoint/2010/main" val="4030841273"/>
+      </p:ext>
+    </p:extLst>
+  </p:cSld>
+  <p:clrMapOvr>
+    <a:masterClrMapping/>
+  </p:clrMapOvr>
+</p:sld>
+</file>
+
 <file path=ppt/slides/slide2.xml><?xml version="1.0" encoding="utf-8"?>
+<p:sld xmlns:a="http://schemas.openxmlformats.org/drawingml/2006/main" xmlns:r="http://schemas.openxmlformats.org/officeDocument/2006/relationships" xmlns:p="http://schemas.openxmlformats.org/presentationml/2006/main">
+  <p:cSld>
+    <p:bg>
+      <p:bgPr>
+        <a:solidFill>
+          <a:schemeClr val="bg1"/>
+        </a:solidFill>
+        <a:effectLst/>
+      </p:bgPr>
+    </p:bg>
+    <p:spTree>
+      <p:nvGrpSpPr>
+        <p:cNvPr id="1" name=""/>
+        <p:cNvGrpSpPr/>
+        <p:nvPr/>
+      </p:nvGrpSpPr>
+      <p:grpSpPr>
+        <a:xfrm>
+          <a:off x="0" y="0"/>
+          <a:ext cx="0" cy="0"/>
+          <a:chOff x="0" y="0"/>
+          <a:chExt cx="0" cy="0"/>
+        </a:xfrm>
+      </p:grpSpPr>
+      <p:sp>
+        <p:nvSpPr>
+          <p:cNvPr id="5" name="矩形 4">
+            <a:extLst>
+              <a:ext uri="{FF2B5EF4-FFF2-40B4-BE49-F238E27FC236}">
+                <a16:creationId xmlns:a16="http://schemas.microsoft.com/office/drawing/2014/main" id="{06C64902-F571-4444-AD67-F929E71D7DFC}"/>
+              </a:ext>
+            </a:extLst>
+          </p:cNvPr>
+          <p:cNvSpPr/>
+          <p:nvPr/>
+        </p:nvSpPr>
+        <p:spPr>
+          <a:xfrm>
+            <a:off x="3298327" y="1755773"/>
+            <a:ext cx="652576" cy="652576"/>
+          </a:xfrm>
+          <a:prstGeom prst="rect">
+            <a:avLst/>
+          </a:prstGeom>
+          <a:noFill/>
+          <a:ln>
+            <a:noFill/>
+          </a:ln>
+        </p:spPr>
+        <p:style>
+          <a:lnRef idx="2">
+            <a:schemeClr val="accent1">
+              <a:shade val="50000"/>
+            </a:schemeClr>
+          </a:lnRef>
+          <a:fillRef idx="1">
+            <a:schemeClr val="accent1"/>
+          </a:fillRef>
+          <a:effectRef idx="0">
+            <a:schemeClr val="accent1"/>
+          </a:effectRef>
+          <a:fontRef idx="minor">
+            <a:schemeClr val="lt1"/>
+          </a:fontRef>
+        </p:style>
+        <p:txBody>
+          <a:bodyPr rtlCol="0" anchor="ctr"/>
+          <a:lstStyle/>
+          <a:p>
+            <a:pPr algn="ctr"/>
+            <a:endParaRPr lang="zh-CN" altLang="en-US"/>
+          </a:p>
+        </p:txBody>
+      </p:sp>
+      <p:grpSp>
+        <p:nvGrpSpPr>
+          <p:cNvPr id="6" name="组合 5">
+            <a:extLst>
+              <a:ext uri="{FF2B5EF4-FFF2-40B4-BE49-F238E27FC236}">
+                <a16:creationId xmlns:a16="http://schemas.microsoft.com/office/drawing/2014/main" id="{6A8A1478-96BE-4141-AFC9-41EEBC28F583}"/>
+              </a:ext>
+            </a:extLst>
+          </p:cNvPr>
+          <p:cNvGrpSpPr>
+            <a:grpSpLocks noChangeAspect="1"/>
+          </p:cNvGrpSpPr>
+          <p:nvPr/>
+        </p:nvGrpSpPr>
+        <p:grpSpPr>
+          <a:xfrm>
+            <a:off x="3513921" y="1894861"/>
+            <a:ext cx="221389" cy="374400"/>
+            <a:chOff x="2064310" y="1674512"/>
+            <a:chExt cx="560873" cy="948511"/>
+          </a:xfrm>
+        </p:grpSpPr>
+        <p:sp>
+          <p:nvSpPr>
+            <p:cNvPr id="7" name="矩形: 圆角 6">
+              <a:extLst>
+                <a:ext uri="{FF2B5EF4-FFF2-40B4-BE49-F238E27FC236}">
+                  <a16:creationId xmlns:a16="http://schemas.microsoft.com/office/drawing/2014/main" id="{25538A0D-7B47-4EBB-9F6E-7BD29003E58B}"/>
+                </a:ext>
+              </a:extLst>
+            </p:cNvPr>
+            <p:cNvSpPr/>
+            <p:nvPr/>
+          </p:nvSpPr>
+          <p:spPr>
+            <a:xfrm>
+              <a:off x="2064310" y="1674513"/>
+              <a:ext cx="560873" cy="948510"/>
+            </a:xfrm>
+            <a:prstGeom prst="roundRect">
+              <a:avLst>
+                <a:gd name="adj" fmla="val 48664"/>
+              </a:avLst>
+            </a:prstGeom>
+            <a:gradFill>
+              <a:gsLst>
+                <a:gs pos="0">
+                  <a:schemeClr val="bg1">
+                    <a:alpha val="70000"/>
+                  </a:schemeClr>
+                </a:gs>
+                <a:gs pos="100000">
+                  <a:schemeClr val="bg1">
+                    <a:alpha val="30000"/>
+                  </a:schemeClr>
+                </a:gs>
+              </a:gsLst>
+              <a:path path="circle">
+                <a:fillToRect l="100000" b="100000"/>
+              </a:path>
+            </a:gradFill>
+            <a:ln w="76200">
+              <a:noFill/>
+            </a:ln>
+          </p:spPr>
+          <p:style>
+            <a:lnRef idx="2">
+              <a:schemeClr val="accent1">
+                <a:shade val="50000"/>
+              </a:schemeClr>
+            </a:lnRef>
+            <a:fillRef idx="1">
+              <a:schemeClr val="accent1"/>
+            </a:fillRef>
+            <a:effectRef idx="0">
+              <a:schemeClr val="accent1"/>
+            </a:effectRef>
+            <a:fontRef idx="minor">
+              <a:schemeClr val="lt1"/>
+            </a:fontRef>
+          </p:style>
+          <p:txBody>
+            <a:bodyPr rtlCol="0" anchor="ctr"/>
+            <a:lstStyle/>
+            <a:p>
+              <a:pPr algn="ctr"/>
+              <a:endParaRPr lang="zh-CN" altLang="en-US"/>
+            </a:p>
+          </p:txBody>
+        </p:sp>
+        <p:sp>
+          <p:nvSpPr>
+            <p:cNvPr id="8" name="任意多边形: 形状 7">
+              <a:extLst>
+                <a:ext uri="{FF2B5EF4-FFF2-40B4-BE49-F238E27FC236}">
+                  <a16:creationId xmlns:a16="http://schemas.microsoft.com/office/drawing/2014/main" id="{608A459B-6E89-466E-829F-A02063705669}"/>
+                </a:ext>
+              </a:extLst>
+            </p:cNvPr>
+            <p:cNvSpPr/>
+            <p:nvPr/>
+          </p:nvSpPr>
+          <p:spPr>
+            <a:xfrm flipH="1" flipV="1">
+              <a:off x="2343291" y="1674512"/>
+              <a:ext cx="280800" cy="556780"/>
+            </a:xfrm>
+            <a:custGeom>
+              <a:avLst/>
+              <a:gdLst>
+                <a:gd name="connsiteX0" fmla="*/ 280800 w 281163"/>
+                <a:gd name="connsiteY0" fmla="*/ 576780 h 576780"/>
+                <a:gd name="connsiteX1" fmla="*/ 0 w 281163"/>
+                <a:gd name="connsiteY1" fmla="*/ 295600 h 576780"/>
+                <a:gd name="connsiteX2" fmla="*/ 0 w 281163"/>
+                <a:gd name="connsiteY2" fmla="*/ 195180 h 576780"/>
+                <a:gd name="connsiteX3" fmla="*/ 363 w 281163"/>
+                <a:gd name="connsiteY3" fmla="*/ 195180 h 576780"/>
+                <a:gd name="connsiteX4" fmla="*/ 363 w 281163"/>
+                <a:gd name="connsiteY4" fmla="*/ 0 h 576780"/>
+                <a:gd name="connsiteX5" fmla="*/ 278036 w 281163"/>
+                <a:gd name="connsiteY5" fmla="*/ 195180 h 576780"/>
+                <a:gd name="connsiteX6" fmla="*/ 280800 w 281163"/>
+                <a:gd name="connsiteY6" fmla="*/ 195180 h 576780"/>
+                <a:gd name="connsiteX7" fmla="*/ 280800 w 281163"/>
+                <a:gd name="connsiteY7" fmla="*/ 197123 h 576780"/>
+                <a:gd name="connsiteX8" fmla="*/ 281163 w 281163"/>
+                <a:gd name="connsiteY8" fmla="*/ 197378 h 576780"/>
+                <a:gd name="connsiteX9" fmla="*/ 280800 w 281163"/>
+                <a:gd name="connsiteY9" fmla="*/ 197378 h 576780"/>
+              </a:gdLst>
+              <a:ahLst/>
+              <a:cxnLst>
+                <a:cxn ang="0">
+                  <a:pos x="connsiteX0" y="connsiteY0"/>
+                </a:cxn>
+                <a:cxn ang="0">
+                  <a:pos x="connsiteX1" y="connsiteY1"/>
+                </a:cxn>
+                <a:cxn ang="0">
+                  <a:pos x="connsiteX2" y="connsiteY2"/>
+                </a:cxn>
+                <a:cxn ang="0">
+                  <a:pos x="connsiteX3" y="connsiteY3"/>
+                </a:cxn>
+                <a:cxn ang="0">
+                  <a:pos x="connsiteX4" y="connsiteY4"/>
+                </a:cxn>
+                <a:cxn ang="0">
+                  <a:pos x="connsiteX5" y="connsiteY5"/>
+                </a:cxn>
+                <a:cxn ang="0">
+                  <a:pos x="connsiteX6" y="connsiteY6"/>
+                </a:cxn>
+                <a:cxn ang="0">
+                  <a:pos x="connsiteX7" y="connsiteY7"/>
+                </a:cxn>
+                <a:cxn ang="0">
+                  <a:pos x="connsiteX8" y="connsiteY8"/>
+                </a:cxn>
+                <a:cxn ang="0">
+                  <a:pos x="connsiteX9" y="connsiteY9"/>
+                </a:cxn>
+              </a:cxnLst>
+              <a:rect l="l" t="t" r="r" b="b"/>
+              <a:pathLst>
+                <a:path w="281163" h="576780">
+                  <a:moveTo>
+                    <a:pt x="280800" y="576780"/>
+                  </a:moveTo>
+                  <a:cubicBezTo>
+                    <a:pt x="125719" y="576780"/>
+                    <a:pt x="0" y="450891"/>
+                    <a:pt x="0" y="295600"/>
+                  </a:cubicBezTo>
+                  <a:lnTo>
+                    <a:pt x="0" y="195180"/>
+                  </a:lnTo>
+                  <a:lnTo>
+                    <a:pt x="363" y="195180"/>
+                  </a:lnTo>
+                  <a:lnTo>
+                    <a:pt x="363" y="0"/>
+                  </a:lnTo>
+                  <a:lnTo>
+                    <a:pt x="278036" y="195180"/>
+                  </a:lnTo>
+                  <a:lnTo>
+                    <a:pt x="280800" y="195180"/>
+                  </a:lnTo>
+                  <a:lnTo>
+                    <a:pt x="280800" y="197123"/>
+                  </a:lnTo>
+                  <a:lnTo>
+                    <a:pt x="281163" y="197378"/>
+                  </a:lnTo>
+                  <a:lnTo>
+                    <a:pt x="280800" y="197378"/>
+                  </a:lnTo>
+                  <a:close/>
+                </a:path>
+              </a:pathLst>
+            </a:custGeom>
+            <a:solidFill>
+              <a:schemeClr val="bg1">
+                <a:alpha val="30000"/>
+              </a:schemeClr>
+            </a:solidFill>
+            <a:ln>
+              <a:noFill/>
+            </a:ln>
+          </p:spPr>
+          <p:style>
+            <a:lnRef idx="2">
+              <a:schemeClr val="accent1">
+                <a:shade val="50000"/>
+              </a:schemeClr>
+            </a:lnRef>
+            <a:fillRef idx="1">
+              <a:schemeClr val="accent1"/>
+            </a:fillRef>
+            <a:effectRef idx="0">
+              <a:schemeClr val="accent1"/>
+            </a:effectRef>
+            <a:fontRef idx="minor">
+              <a:schemeClr val="lt1"/>
+            </a:fontRef>
+          </p:style>
+          <p:txBody>
+            <a:bodyPr wrap="square" rtlCol="0" anchor="ctr">
+              <a:noAutofit/>
+            </a:bodyPr>
+            <a:lstStyle/>
+            <a:p>
+              <a:pPr algn="ctr"/>
+              <a:endParaRPr lang="zh-CN" altLang="en-US"/>
+            </a:p>
+          </p:txBody>
+        </p:sp>
+        <p:sp>
+          <p:nvSpPr>
+            <p:cNvPr id="9" name="矩形: 圆角 8">
+              <a:extLst>
+                <a:ext uri="{FF2B5EF4-FFF2-40B4-BE49-F238E27FC236}">
+                  <a16:creationId xmlns:a16="http://schemas.microsoft.com/office/drawing/2014/main" id="{C80D658E-8CEB-4A64-9614-9EACEF895AC6}"/>
+                </a:ext>
+              </a:extLst>
+            </p:cNvPr>
+            <p:cNvSpPr/>
+            <p:nvPr/>
+          </p:nvSpPr>
+          <p:spPr>
+            <a:xfrm>
+              <a:off x="2299503" y="1775035"/>
+              <a:ext cx="87577" cy="179543"/>
+            </a:xfrm>
+            <a:prstGeom prst="roundRect">
+              <a:avLst>
+                <a:gd name="adj" fmla="val 48664"/>
+              </a:avLst>
+            </a:prstGeom>
+            <a:solidFill>
+              <a:schemeClr val="bg1"/>
+            </a:solidFill>
+            <a:ln w="76200">
+              <a:noFill/>
+            </a:ln>
+          </p:spPr>
+          <p:style>
+            <a:lnRef idx="2">
+              <a:schemeClr val="accent1">
+                <a:shade val="50000"/>
+              </a:schemeClr>
+            </a:lnRef>
+            <a:fillRef idx="1">
+              <a:schemeClr val="accent1"/>
+            </a:fillRef>
+            <a:effectRef idx="0">
+              <a:schemeClr val="accent1"/>
+            </a:effectRef>
+            <a:fontRef idx="minor">
+              <a:schemeClr val="lt1"/>
+            </a:fontRef>
+          </p:style>
+          <p:txBody>
+            <a:bodyPr rtlCol="0" anchor="ctr"/>
+            <a:lstStyle/>
+            <a:p>
+              <a:pPr algn="ctr"/>
+              <a:endParaRPr lang="zh-CN" altLang="en-US"/>
+            </a:p>
+          </p:txBody>
+        </p:sp>
+      </p:grpSp>
+      <p:sp>
+        <p:nvSpPr>
+          <p:cNvPr id="12" name="矩形 11">
+            <a:extLst>
+              <a:ext uri="{FF2B5EF4-FFF2-40B4-BE49-F238E27FC236}">
+                <a16:creationId xmlns:a16="http://schemas.microsoft.com/office/drawing/2014/main" id="{2023286B-947C-4B2C-9183-D4DB91296FC8}"/>
+              </a:ext>
+            </a:extLst>
+          </p:cNvPr>
+          <p:cNvSpPr/>
+          <p:nvPr/>
+        </p:nvSpPr>
+        <p:spPr>
+          <a:xfrm flipH="1">
+            <a:off x="4077666" y="1755773"/>
+            <a:ext cx="652576" cy="652576"/>
+          </a:xfrm>
+          <a:prstGeom prst="rect">
+            <a:avLst/>
+          </a:prstGeom>
+          <a:noFill/>
+          <a:ln>
+            <a:noFill/>
+          </a:ln>
+        </p:spPr>
+        <p:style>
+          <a:lnRef idx="2">
+            <a:schemeClr val="accent1">
+              <a:shade val="50000"/>
+            </a:schemeClr>
+          </a:lnRef>
+          <a:fillRef idx="1">
+            <a:schemeClr val="accent1"/>
+          </a:fillRef>
+          <a:effectRef idx="0">
+            <a:schemeClr val="accent1"/>
+          </a:effectRef>
+          <a:fontRef idx="minor">
+            <a:schemeClr val="lt1"/>
+          </a:fontRef>
+        </p:style>
+        <p:txBody>
+          <a:bodyPr rtlCol="0" anchor="ctr"/>
+          <a:lstStyle/>
+          <a:p>
+            <a:pPr algn="ctr"/>
+            <a:endParaRPr lang="zh-CN" altLang="en-US"/>
+          </a:p>
+        </p:txBody>
+      </p:sp>
+      <p:grpSp>
+        <p:nvGrpSpPr>
+          <p:cNvPr id="13" name="组合 12">
+            <a:extLst>
+              <a:ext uri="{FF2B5EF4-FFF2-40B4-BE49-F238E27FC236}">
+                <a16:creationId xmlns:a16="http://schemas.microsoft.com/office/drawing/2014/main" id="{CF8C88DA-CEA8-42A6-B3ED-1DF64F2F79DA}"/>
+              </a:ext>
+            </a:extLst>
+          </p:cNvPr>
+          <p:cNvGrpSpPr>
+            <a:grpSpLocks noChangeAspect="1"/>
+          </p:cNvGrpSpPr>
+          <p:nvPr/>
+        </p:nvGrpSpPr>
+        <p:grpSpPr>
+          <a:xfrm flipH="1">
+            <a:off x="4293260" y="1894861"/>
+            <a:ext cx="221389" cy="374400"/>
+            <a:chOff x="2064310" y="1674512"/>
+            <a:chExt cx="560873" cy="948511"/>
+          </a:xfrm>
+        </p:grpSpPr>
+        <p:sp>
+          <p:nvSpPr>
+            <p:cNvPr id="14" name="矩形: 圆角 13">
+              <a:extLst>
+                <a:ext uri="{FF2B5EF4-FFF2-40B4-BE49-F238E27FC236}">
+                  <a16:creationId xmlns:a16="http://schemas.microsoft.com/office/drawing/2014/main" id="{850F186B-4F45-4C9C-825D-66E3C6C2F352}"/>
+                </a:ext>
+              </a:extLst>
+            </p:cNvPr>
+            <p:cNvSpPr/>
+            <p:nvPr/>
+          </p:nvSpPr>
+          <p:spPr>
+            <a:xfrm>
+              <a:off x="2064310" y="1674513"/>
+              <a:ext cx="560873" cy="948510"/>
+            </a:xfrm>
+            <a:prstGeom prst="roundRect">
+              <a:avLst>
+                <a:gd name="adj" fmla="val 48664"/>
+              </a:avLst>
+            </a:prstGeom>
+            <a:gradFill>
+              <a:gsLst>
+                <a:gs pos="0">
+                  <a:schemeClr val="bg1">
+                    <a:alpha val="70000"/>
+                  </a:schemeClr>
+                </a:gs>
+                <a:gs pos="100000">
+                  <a:schemeClr val="bg1">
+                    <a:alpha val="30000"/>
+                  </a:schemeClr>
+                </a:gs>
+              </a:gsLst>
+              <a:path path="circle">
+                <a:fillToRect l="100000" b="100000"/>
+              </a:path>
+            </a:gradFill>
+            <a:ln w="76200">
+              <a:noFill/>
+            </a:ln>
+          </p:spPr>
+          <p:style>
+            <a:lnRef idx="2">
+              <a:schemeClr val="accent1">
+                <a:shade val="50000"/>
+              </a:schemeClr>
+            </a:lnRef>
+            <a:fillRef idx="1">
+              <a:schemeClr val="accent1"/>
+            </a:fillRef>
+            <a:effectRef idx="0">
+              <a:schemeClr val="accent1"/>
+            </a:effectRef>
+            <a:fontRef idx="minor">
+              <a:schemeClr val="lt1"/>
+            </a:fontRef>
+          </p:style>
+          <p:txBody>
+            <a:bodyPr rtlCol="0" anchor="ctr"/>
+            <a:lstStyle/>
+            <a:p>
+              <a:pPr algn="ctr"/>
+              <a:endParaRPr lang="zh-CN" altLang="en-US"/>
+            </a:p>
+          </p:txBody>
+        </p:sp>
+        <p:sp>
+          <p:nvSpPr>
+            <p:cNvPr id="15" name="任意多边形: 形状 14">
+              <a:extLst>
+                <a:ext uri="{FF2B5EF4-FFF2-40B4-BE49-F238E27FC236}">
+                  <a16:creationId xmlns:a16="http://schemas.microsoft.com/office/drawing/2014/main" id="{15A389DD-9D71-4CF5-9573-91C24BA0CDF6}"/>
+                </a:ext>
+              </a:extLst>
+            </p:cNvPr>
+            <p:cNvSpPr/>
+            <p:nvPr/>
+          </p:nvSpPr>
+          <p:spPr>
+            <a:xfrm flipH="1" flipV="1">
+              <a:off x="2343291" y="1674512"/>
+              <a:ext cx="280800" cy="556780"/>
+            </a:xfrm>
+            <a:custGeom>
+              <a:avLst/>
+              <a:gdLst>
+                <a:gd name="connsiteX0" fmla="*/ 280800 w 281163"/>
+                <a:gd name="connsiteY0" fmla="*/ 576780 h 576780"/>
+                <a:gd name="connsiteX1" fmla="*/ 0 w 281163"/>
+                <a:gd name="connsiteY1" fmla="*/ 295600 h 576780"/>
+                <a:gd name="connsiteX2" fmla="*/ 0 w 281163"/>
+                <a:gd name="connsiteY2" fmla="*/ 195180 h 576780"/>
+                <a:gd name="connsiteX3" fmla="*/ 363 w 281163"/>
+                <a:gd name="connsiteY3" fmla="*/ 195180 h 576780"/>
+                <a:gd name="connsiteX4" fmla="*/ 363 w 281163"/>
+                <a:gd name="connsiteY4" fmla="*/ 0 h 576780"/>
+                <a:gd name="connsiteX5" fmla="*/ 278036 w 281163"/>
+                <a:gd name="connsiteY5" fmla="*/ 195180 h 576780"/>
+                <a:gd name="connsiteX6" fmla="*/ 280800 w 281163"/>
+                <a:gd name="connsiteY6" fmla="*/ 195180 h 576780"/>
+                <a:gd name="connsiteX7" fmla="*/ 280800 w 281163"/>
+                <a:gd name="connsiteY7" fmla="*/ 197123 h 576780"/>
+                <a:gd name="connsiteX8" fmla="*/ 281163 w 281163"/>
+                <a:gd name="connsiteY8" fmla="*/ 197378 h 576780"/>
+                <a:gd name="connsiteX9" fmla="*/ 280800 w 281163"/>
+                <a:gd name="connsiteY9" fmla="*/ 197378 h 576780"/>
+              </a:gdLst>
+              <a:ahLst/>
+              <a:cxnLst>
+                <a:cxn ang="0">
+                  <a:pos x="connsiteX0" y="connsiteY0"/>
+                </a:cxn>
+                <a:cxn ang="0">
+                  <a:pos x="connsiteX1" y="connsiteY1"/>
+                </a:cxn>
+                <a:cxn ang="0">
+                  <a:pos x="connsiteX2" y="connsiteY2"/>
+                </a:cxn>
+                <a:cxn ang="0">
+                  <a:pos x="connsiteX3" y="connsiteY3"/>
+                </a:cxn>
+                <a:cxn ang="0">
+                  <a:pos x="connsiteX4" y="connsiteY4"/>
+                </a:cxn>
+                <a:cxn ang="0">
+                  <a:pos x="connsiteX5" y="connsiteY5"/>
+                </a:cxn>
+                <a:cxn ang="0">
+                  <a:pos x="connsiteX6" y="connsiteY6"/>
+                </a:cxn>
+                <a:cxn ang="0">
+                  <a:pos x="connsiteX7" y="connsiteY7"/>
+                </a:cxn>
+                <a:cxn ang="0">
+                  <a:pos x="connsiteX8" y="connsiteY8"/>
+                </a:cxn>
+                <a:cxn ang="0">
+                  <a:pos x="connsiteX9" y="connsiteY9"/>
+                </a:cxn>
+              </a:cxnLst>
+              <a:rect l="l" t="t" r="r" b="b"/>
+              <a:pathLst>
+                <a:path w="281163" h="576780">
+                  <a:moveTo>
+                    <a:pt x="280800" y="576780"/>
+                  </a:moveTo>
+                  <a:cubicBezTo>
+                    <a:pt x="125719" y="576780"/>
+                    <a:pt x="0" y="450891"/>
+                    <a:pt x="0" y="295600"/>
+                  </a:cubicBezTo>
+                  <a:lnTo>
+                    <a:pt x="0" y="195180"/>
+                  </a:lnTo>
+                  <a:lnTo>
+                    <a:pt x="363" y="195180"/>
+                  </a:lnTo>
+                  <a:lnTo>
+                    <a:pt x="363" y="0"/>
+                  </a:lnTo>
+                  <a:lnTo>
+                    <a:pt x="278036" y="195180"/>
+                  </a:lnTo>
+                  <a:lnTo>
+                    <a:pt x="280800" y="195180"/>
+                  </a:lnTo>
+                  <a:lnTo>
+                    <a:pt x="280800" y="197123"/>
+                  </a:lnTo>
+                  <a:lnTo>
+                    <a:pt x="281163" y="197378"/>
+                  </a:lnTo>
+                  <a:lnTo>
+                    <a:pt x="280800" y="197378"/>
+                  </a:lnTo>
+                  <a:close/>
+                </a:path>
+              </a:pathLst>
+            </a:custGeom>
+            <a:solidFill>
+              <a:schemeClr val="bg1">
+                <a:alpha val="30000"/>
+              </a:schemeClr>
+            </a:solidFill>
+            <a:ln>
+              <a:noFill/>
+            </a:ln>
+          </p:spPr>
+          <p:style>
+            <a:lnRef idx="2">
+              <a:schemeClr val="accent1">
+                <a:shade val="50000"/>
+              </a:schemeClr>
+            </a:lnRef>
+            <a:fillRef idx="1">
+              <a:schemeClr val="accent1"/>
+            </a:fillRef>
+            <a:effectRef idx="0">
+              <a:schemeClr val="accent1"/>
+            </a:effectRef>
+            <a:fontRef idx="minor">
+              <a:schemeClr val="lt1"/>
+            </a:fontRef>
+          </p:style>
+          <p:txBody>
+            <a:bodyPr wrap="square" rtlCol="0" anchor="ctr">
+              <a:noAutofit/>
+            </a:bodyPr>
+            <a:lstStyle/>
+            <a:p>
+              <a:pPr algn="ctr"/>
+              <a:endParaRPr lang="zh-CN" altLang="en-US"/>
+            </a:p>
+          </p:txBody>
+        </p:sp>
+        <p:sp>
+          <p:nvSpPr>
+            <p:cNvPr id="16" name="矩形: 圆角 15">
+              <a:extLst>
+                <a:ext uri="{FF2B5EF4-FFF2-40B4-BE49-F238E27FC236}">
+                  <a16:creationId xmlns:a16="http://schemas.microsoft.com/office/drawing/2014/main" id="{5E2EB8BB-51F8-418D-8304-54678CC51EE7}"/>
+                </a:ext>
+              </a:extLst>
+            </p:cNvPr>
+            <p:cNvSpPr/>
+            <p:nvPr/>
+          </p:nvSpPr>
+          <p:spPr>
+            <a:xfrm>
+              <a:off x="2299503" y="1775035"/>
+              <a:ext cx="87577" cy="179543"/>
+            </a:xfrm>
+            <a:prstGeom prst="roundRect">
+              <a:avLst>
+                <a:gd name="adj" fmla="val 48664"/>
+              </a:avLst>
+            </a:prstGeom>
+            <a:solidFill>
+              <a:schemeClr val="bg1"/>
+            </a:solidFill>
+            <a:ln w="76200">
+              <a:noFill/>
+            </a:ln>
+          </p:spPr>
+          <p:style>
+            <a:lnRef idx="2">
+              <a:schemeClr val="accent1">
+                <a:shade val="50000"/>
+              </a:schemeClr>
+            </a:lnRef>
+            <a:fillRef idx="1">
+              <a:schemeClr val="accent1"/>
+            </a:fillRef>
+            <a:effectRef idx="0">
+              <a:schemeClr val="accent1"/>
+            </a:effectRef>
+            <a:fontRef idx="minor">
+              <a:schemeClr val="lt1"/>
+            </a:fontRef>
+          </p:style>
+          <p:txBody>
+            <a:bodyPr rtlCol="0" anchor="ctr"/>
+            <a:lstStyle/>
+            <a:p>
+              <a:pPr algn="ctr"/>
+              <a:endParaRPr lang="zh-CN" altLang="en-US"/>
+            </a:p>
+          </p:txBody>
+        </p:sp>
+      </p:grpSp>
+      <p:sp>
+        <p:nvSpPr>
+          <p:cNvPr id="19" name="矩形 18">
+            <a:extLst>
+              <a:ext uri="{FF2B5EF4-FFF2-40B4-BE49-F238E27FC236}">
+                <a16:creationId xmlns:a16="http://schemas.microsoft.com/office/drawing/2014/main" id="{AEC3D5A2-B939-4F6A-A9EB-7CA9F8B3D6E2}"/>
+              </a:ext>
+            </a:extLst>
+          </p:cNvPr>
+          <p:cNvSpPr/>
+          <p:nvPr/>
+        </p:nvSpPr>
+        <p:spPr>
+          <a:xfrm flipH="1">
+            <a:off x="4839559" y="1755773"/>
+            <a:ext cx="652576" cy="652576"/>
+          </a:xfrm>
+          <a:prstGeom prst="rect">
+            <a:avLst/>
+          </a:prstGeom>
+          <a:noFill/>
+          <a:ln>
+            <a:noFill/>
+          </a:ln>
+        </p:spPr>
+        <p:style>
+          <a:lnRef idx="2">
+            <a:schemeClr val="accent1">
+              <a:shade val="50000"/>
+            </a:schemeClr>
+          </a:lnRef>
+          <a:fillRef idx="1">
+            <a:schemeClr val="accent1"/>
+          </a:fillRef>
+          <a:effectRef idx="0">
+            <a:schemeClr val="accent1"/>
+          </a:effectRef>
+          <a:fontRef idx="minor">
+            <a:schemeClr val="lt1"/>
+          </a:fontRef>
+        </p:style>
+        <p:txBody>
+          <a:bodyPr rtlCol="0" anchor="ctr"/>
+          <a:lstStyle/>
+          <a:p>
+            <a:pPr algn="ctr"/>
+            <a:endParaRPr lang="zh-CN" altLang="en-US"/>
+          </a:p>
+        </p:txBody>
+      </p:sp>
+      <p:grpSp>
+        <p:nvGrpSpPr>
+          <p:cNvPr id="20" name="组合 19">
+            <a:extLst>
+              <a:ext uri="{FF2B5EF4-FFF2-40B4-BE49-F238E27FC236}">
+                <a16:creationId xmlns:a16="http://schemas.microsoft.com/office/drawing/2014/main" id="{A219E6EF-FB2C-45C7-A913-34CABA39F691}"/>
+              </a:ext>
+            </a:extLst>
+          </p:cNvPr>
+          <p:cNvGrpSpPr>
+            <a:grpSpLocks noChangeAspect="1"/>
+          </p:cNvGrpSpPr>
+          <p:nvPr/>
+        </p:nvGrpSpPr>
+        <p:grpSpPr>
+          <a:xfrm>
+            <a:off x="5055152" y="1894861"/>
+            <a:ext cx="221390" cy="374400"/>
+            <a:chOff x="5481345" y="1674513"/>
+            <a:chExt cx="560873" cy="948510"/>
+          </a:xfrm>
+          <a:gradFill>
+            <a:gsLst>
+              <a:gs pos="0">
+                <a:schemeClr val="bg1">
+                  <a:alpha val="70000"/>
+                </a:schemeClr>
+              </a:gs>
+              <a:gs pos="100000">
+                <a:schemeClr val="bg1">
+                  <a:alpha val="30000"/>
+                </a:schemeClr>
+              </a:gs>
+            </a:gsLst>
+            <a:path path="circle">
+              <a:fillToRect l="100000" b="100000"/>
+            </a:path>
+          </a:gradFill>
+        </p:grpSpPr>
+        <p:sp>
+          <p:nvSpPr>
+            <p:cNvPr id="21" name="矩形: 圆角 20">
+              <a:extLst>
+                <a:ext uri="{FF2B5EF4-FFF2-40B4-BE49-F238E27FC236}">
+                  <a16:creationId xmlns:a16="http://schemas.microsoft.com/office/drawing/2014/main" id="{7D37A5EF-7C40-4F77-BFEE-B21D830A1F7F}"/>
+                </a:ext>
+              </a:extLst>
+            </p:cNvPr>
+            <p:cNvSpPr/>
+            <p:nvPr/>
+          </p:nvSpPr>
+          <p:spPr>
+            <a:xfrm flipH="1">
+              <a:off x="5481345" y="1674513"/>
+              <a:ext cx="560873" cy="948510"/>
+            </a:xfrm>
+            <a:prstGeom prst="roundRect">
+              <a:avLst>
+                <a:gd name="adj" fmla="val 48664"/>
+              </a:avLst>
+            </a:prstGeom>
+            <a:grpFill/>
+            <a:ln w="76200">
+              <a:noFill/>
+            </a:ln>
+          </p:spPr>
+          <p:style>
+            <a:lnRef idx="2">
+              <a:schemeClr val="accent1">
+                <a:shade val="50000"/>
+              </a:schemeClr>
+            </a:lnRef>
+            <a:fillRef idx="1">
+              <a:schemeClr val="accent1"/>
+            </a:fillRef>
+            <a:effectRef idx="0">
+              <a:schemeClr val="accent1"/>
+            </a:effectRef>
+            <a:fontRef idx="minor">
+              <a:schemeClr val="lt1"/>
+            </a:fontRef>
+          </p:style>
+          <p:txBody>
+            <a:bodyPr rtlCol="0" anchor="ctr"/>
+            <a:lstStyle/>
+            <a:p>
+              <a:pPr algn="ctr"/>
+              <a:endParaRPr lang="zh-CN" altLang="en-US"/>
+            </a:p>
+          </p:txBody>
+        </p:sp>
+        <p:sp>
+          <p:nvSpPr>
+            <p:cNvPr id="23" name="矩形: 圆角 22">
+              <a:extLst>
+                <a:ext uri="{FF2B5EF4-FFF2-40B4-BE49-F238E27FC236}">
+                  <a16:creationId xmlns:a16="http://schemas.microsoft.com/office/drawing/2014/main" id="{31860CF6-2804-43EF-866C-119E57DA52B2}"/>
+                </a:ext>
+              </a:extLst>
+            </p:cNvPr>
+            <p:cNvSpPr/>
+            <p:nvPr/>
+          </p:nvSpPr>
+          <p:spPr>
+            <a:xfrm flipH="1">
+              <a:off x="5719448" y="1775035"/>
+              <a:ext cx="87577" cy="179543"/>
+            </a:xfrm>
+            <a:prstGeom prst="roundRect">
+              <a:avLst>
+                <a:gd name="adj" fmla="val 48664"/>
+              </a:avLst>
+            </a:prstGeom>
+            <a:solidFill>
+              <a:schemeClr val="bg1"/>
+            </a:solidFill>
+            <a:ln w="76200">
+              <a:noFill/>
+            </a:ln>
+          </p:spPr>
+          <p:style>
+            <a:lnRef idx="2">
+              <a:schemeClr val="accent1">
+                <a:shade val="50000"/>
+              </a:schemeClr>
+            </a:lnRef>
+            <a:fillRef idx="1">
+              <a:schemeClr val="accent1"/>
+            </a:fillRef>
+            <a:effectRef idx="0">
+              <a:schemeClr val="accent1"/>
+            </a:effectRef>
+            <a:fontRef idx="minor">
+              <a:schemeClr val="lt1"/>
+            </a:fontRef>
+          </p:style>
+          <p:txBody>
+            <a:bodyPr rtlCol="0" anchor="ctr"/>
+            <a:lstStyle/>
+            <a:p>
+              <a:pPr algn="ctr"/>
+              <a:endParaRPr lang="zh-CN" altLang="en-US"/>
+            </a:p>
+          </p:txBody>
+        </p:sp>
+      </p:grpSp>
+      <p:sp>
+        <p:nvSpPr>
+          <p:cNvPr id="26" name="矩形 25">
+            <a:extLst>
+              <a:ext uri="{FF2B5EF4-FFF2-40B4-BE49-F238E27FC236}">
+                <a16:creationId xmlns:a16="http://schemas.microsoft.com/office/drawing/2014/main" id="{8D2F3293-5725-42B8-9AA4-1888FAAA4F8A}"/>
+              </a:ext>
+            </a:extLst>
+          </p:cNvPr>
+          <p:cNvSpPr/>
+          <p:nvPr/>
+        </p:nvSpPr>
+        <p:spPr>
+          <a:xfrm flipH="1">
+            <a:off x="5601453" y="1757889"/>
+            <a:ext cx="652576" cy="652576"/>
+          </a:xfrm>
+          <a:prstGeom prst="rect">
+            <a:avLst/>
+          </a:prstGeom>
+          <a:noFill/>
+          <a:ln>
+            <a:noFill/>
+          </a:ln>
+        </p:spPr>
+        <p:style>
+          <a:lnRef idx="2">
+            <a:schemeClr val="accent1">
+              <a:shade val="50000"/>
+            </a:schemeClr>
+          </a:lnRef>
+          <a:fillRef idx="1">
+            <a:schemeClr val="accent1"/>
+          </a:fillRef>
+          <a:effectRef idx="0">
+            <a:schemeClr val="accent1"/>
+          </a:effectRef>
+          <a:fontRef idx="minor">
+            <a:schemeClr val="lt1"/>
+          </a:fontRef>
+        </p:style>
+        <p:txBody>
+          <a:bodyPr rtlCol="0" anchor="ctr"/>
+          <a:lstStyle/>
+          <a:p>
+            <a:pPr algn="ctr"/>
+            <a:endParaRPr lang="zh-CN" altLang="en-US"/>
+          </a:p>
+        </p:txBody>
+      </p:sp>
+      <p:grpSp>
+        <p:nvGrpSpPr>
+          <p:cNvPr id="27" name="组合 26">
+            <a:extLst>
+              <a:ext uri="{FF2B5EF4-FFF2-40B4-BE49-F238E27FC236}">
+                <a16:creationId xmlns:a16="http://schemas.microsoft.com/office/drawing/2014/main" id="{3E5D471D-534A-4B0D-8ACF-0C534BA5AB92}"/>
+              </a:ext>
+            </a:extLst>
+          </p:cNvPr>
+          <p:cNvGrpSpPr>
+            <a:grpSpLocks noChangeAspect="1"/>
+          </p:cNvGrpSpPr>
+          <p:nvPr/>
+        </p:nvGrpSpPr>
+        <p:grpSpPr>
+          <a:xfrm>
+            <a:off x="5817046" y="1896977"/>
+            <a:ext cx="221390" cy="374400"/>
+            <a:chOff x="5481345" y="1674513"/>
+            <a:chExt cx="560873" cy="948510"/>
+          </a:xfrm>
+        </p:grpSpPr>
+        <p:sp>
+          <p:nvSpPr>
+            <p:cNvPr id="28" name="矩形: 圆角 27">
+              <a:extLst>
+                <a:ext uri="{FF2B5EF4-FFF2-40B4-BE49-F238E27FC236}">
+                  <a16:creationId xmlns:a16="http://schemas.microsoft.com/office/drawing/2014/main" id="{F636D9B4-0271-4001-A881-8ADEC6D52B98}"/>
+                </a:ext>
+              </a:extLst>
+            </p:cNvPr>
+            <p:cNvSpPr/>
+            <p:nvPr/>
+          </p:nvSpPr>
+          <p:spPr>
+            <a:xfrm flipH="1">
+              <a:off x="5481345" y="1674513"/>
+              <a:ext cx="560873" cy="948510"/>
+            </a:xfrm>
+            <a:prstGeom prst="roundRect">
+              <a:avLst>
+                <a:gd name="adj" fmla="val 48664"/>
+              </a:avLst>
+            </a:prstGeom>
+            <a:gradFill flip="none" rotWithShape="1">
+              <a:gsLst>
+                <a:gs pos="0">
+                  <a:schemeClr val="bg1">
+                    <a:alpha val="70000"/>
+                  </a:schemeClr>
+                </a:gs>
+                <a:gs pos="100000">
+                  <a:schemeClr val="bg1">
+                    <a:alpha val="30000"/>
+                  </a:schemeClr>
+                </a:gs>
+              </a:gsLst>
+              <a:path path="circle">
+                <a:fillToRect r="100000" b="100000"/>
+              </a:path>
+              <a:tileRect l="-100000" t="-100000"/>
+            </a:gradFill>
+            <a:ln w="76200">
+              <a:noFill/>
+            </a:ln>
+          </p:spPr>
+          <p:style>
+            <a:lnRef idx="2">
+              <a:schemeClr val="accent1">
+                <a:shade val="50000"/>
+              </a:schemeClr>
+            </a:lnRef>
+            <a:fillRef idx="1">
+              <a:schemeClr val="accent1"/>
+            </a:fillRef>
+            <a:effectRef idx="0">
+              <a:schemeClr val="accent1"/>
+            </a:effectRef>
+            <a:fontRef idx="minor">
+              <a:schemeClr val="lt1"/>
+            </a:fontRef>
+          </p:style>
+          <p:txBody>
+            <a:bodyPr rtlCol="0" anchor="ctr"/>
+            <a:lstStyle/>
+            <a:p>
+              <a:pPr algn="ctr"/>
+              <a:endParaRPr lang="zh-CN" altLang="en-US"/>
+            </a:p>
+          </p:txBody>
+        </p:sp>
+        <p:sp>
+          <p:nvSpPr>
+            <p:cNvPr id="29" name="矩形: 圆角 28">
+              <a:extLst>
+                <a:ext uri="{FF2B5EF4-FFF2-40B4-BE49-F238E27FC236}">
+                  <a16:creationId xmlns:a16="http://schemas.microsoft.com/office/drawing/2014/main" id="{13C6DF63-AA81-4DC3-9CDA-109A2EFD37B5}"/>
+                </a:ext>
+              </a:extLst>
+            </p:cNvPr>
+            <p:cNvSpPr/>
+            <p:nvPr/>
+          </p:nvSpPr>
+          <p:spPr>
+            <a:xfrm flipH="1">
+              <a:off x="5719448" y="1775035"/>
+              <a:ext cx="87577" cy="179543"/>
+            </a:xfrm>
+            <a:prstGeom prst="roundRect">
+              <a:avLst>
+                <a:gd name="adj" fmla="val 48664"/>
+              </a:avLst>
+            </a:prstGeom>
+            <a:solidFill>
+              <a:schemeClr val="bg1"/>
+            </a:solidFill>
+            <a:ln w="76200">
+              <a:noFill/>
+            </a:ln>
+          </p:spPr>
+          <p:style>
+            <a:lnRef idx="2">
+              <a:schemeClr val="accent1">
+                <a:shade val="50000"/>
+              </a:schemeClr>
+            </a:lnRef>
+            <a:fillRef idx="1">
+              <a:schemeClr val="accent1"/>
+            </a:fillRef>
+            <a:effectRef idx="0">
+              <a:schemeClr val="accent1"/>
+            </a:effectRef>
+            <a:fontRef idx="minor">
+              <a:schemeClr val="lt1"/>
+            </a:fontRef>
+          </p:style>
+          <p:txBody>
+            <a:bodyPr rtlCol="0" anchor="ctr"/>
+            <a:lstStyle/>
+            <a:p>
+              <a:pPr algn="ctr"/>
+              <a:endParaRPr lang="zh-CN" altLang="en-US"/>
+            </a:p>
+          </p:txBody>
+        </p:sp>
+      </p:grpSp>
+      <p:sp>
+        <p:nvSpPr>
+          <p:cNvPr id="32" name="矩形 31">
+            <a:extLst>
+              <a:ext uri="{FF2B5EF4-FFF2-40B4-BE49-F238E27FC236}">
+                <a16:creationId xmlns:a16="http://schemas.microsoft.com/office/drawing/2014/main" id="{FA2DB047-1ECD-4D25-BC50-ED482E7EECAA}"/>
+              </a:ext>
+            </a:extLst>
+          </p:cNvPr>
+          <p:cNvSpPr/>
+          <p:nvPr/>
+        </p:nvSpPr>
+        <p:spPr>
+          <a:xfrm>
+            <a:off x="4077666" y="2543197"/>
+            <a:ext cx="652576" cy="652576"/>
+          </a:xfrm>
+          <a:prstGeom prst="rect">
+            <a:avLst/>
+          </a:prstGeom>
+          <a:noFill/>
+          <a:ln>
+            <a:noFill/>
+          </a:ln>
+        </p:spPr>
+        <p:style>
+          <a:lnRef idx="2">
+            <a:schemeClr val="accent1">
+              <a:shade val="50000"/>
+            </a:schemeClr>
+          </a:lnRef>
+          <a:fillRef idx="1">
+            <a:schemeClr val="accent1"/>
+          </a:fillRef>
+          <a:effectRef idx="0">
+            <a:schemeClr val="accent1"/>
+          </a:effectRef>
+          <a:fontRef idx="minor">
+            <a:schemeClr val="lt1"/>
+          </a:fontRef>
+        </p:style>
+        <p:txBody>
+          <a:bodyPr rtlCol="0" anchor="ctr"/>
+          <a:lstStyle/>
+          <a:p>
+            <a:pPr algn="ctr"/>
+            <a:endParaRPr lang="zh-CN" altLang="en-US"/>
+          </a:p>
+        </p:txBody>
+      </p:sp>
+      <p:sp>
+        <p:nvSpPr>
+          <p:cNvPr id="36" name="矩形 35">
+            <a:extLst>
+              <a:ext uri="{FF2B5EF4-FFF2-40B4-BE49-F238E27FC236}">
+                <a16:creationId xmlns:a16="http://schemas.microsoft.com/office/drawing/2014/main" id="{D18BBD44-2A9E-4142-B7F6-2694DA5BF701}"/>
+              </a:ext>
+            </a:extLst>
+          </p:cNvPr>
+          <p:cNvSpPr/>
+          <p:nvPr/>
+        </p:nvSpPr>
+        <p:spPr>
+          <a:xfrm>
+            <a:off x="4838612" y="2545064"/>
+            <a:ext cx="652576" cy="652576"/>
+          </a:xfrm>
+          <a:prstGeom prst="rect">
+            <a:avLst/>
+          </a:prstGeom>
+          <a:noFill/>
+          <a:ln>
+            <a:noFill/>
+          </a:ln>
+        </p:spPr>
+        <p:style>
+          <a:lnRef idx="2">
+            <a:schemeClr val="accent1">
+              <a:shade val="50000"/>
+            </a:schemeClr>
+          </a:lnRef>
+          <a:fillRef idx="1">
+            <a:schemeClr val="accent1"/>
+          </a:fillRef>
+          <a:effectRef idx="0">
+            <a:schemeClr val="accent1"/>
+          </a:effectRef>
+          <a:fontRef idx="minor">
+            <a:schemeClr val="lt1"/>
+          </a:fontRef>
+        </p:style>
+        <p:txBody>
+          <a:bodyPr rtlCol="0" anchor="ctr"/>
+          <a:lstStyle/>
+          <a:p>
+            <a:pPr algn="ctr"/>
+            <a:endParaRPr lang="zh-CN" altLang="en-US"/>
+          </a:p>
+        </p:txBody>
+      </p:sp>
+      <p:sp>
+        <p:nvSpPr>
+          <p:cNvPr id="42" name="矩形 41">
+            <a:extLst>
+              <a:ext uri="{FF2B5EF4-FFF2-40B4-BE49-F238E27FC236}">
+                <a16:creationId xmlns:a16="http://schemas.microsoft.com/office/drawing/2014/main" id="{FBEB7DA8-D769-4C3C-A1BB-66FD26BC7046}"/>
+              </a:ext>
+            </a:extLst>
+          </p:cNvPr>
+          <p:cNvSpPr/>
+          <p:nvPr/>
+        </p:nvSpPr>
+        <p:spPr>
+          <a:xfrm>
+            <a:off x="5599803" y="2543197"/>
+            <a:ext cx="652576" cy="652576"/>
+          </a:xfrm>
+          <a:prstGeom prst="rect">
+            <a:avLst/>
+          </a:prstGeom>
+          <a:noFill/>
+          <a:ln>
+            <a:noFill/>
+          </a:ln>
+        </p:spPr>
+        <p:style>
+          <a:lnRef idx="2">
+            <a:schemeClr val="accent1">
+              <a:shade val="50000"/>
+            </a:schemeClr>
+          </a:lnRef>
+          <a:fillRef idx="1">
+            <a:schemeClr val="accent1"/>
+          </a:fillRef>
+          <a:effectRef idx="0">
+            <a:schemeClr val="accent1"/>
+          </a:effectRef>
+          <a:fontRef idx="minor">
+            <a:schemeClr val="lt1"/>
+          </a:fontRef>
+        </p:style>
+        <p:txBody>
+          <a:bodyPr rtlCol="0" anchor="ctr"/>
+          <a:lstStyle/>
+          <a:p>
+            <a:pPr algn="ctr"/>
+            <a:endParaRPr lang="zh-CN" altLang="en-US"/>
+          </a:p>
+        </p:txBody>
+      </p:sp>
+      <p:sp>
+        <p:nvSpPr>
+          <p:cNvPr id="54" name="矩形 53">
+            <a:extLst>
+              <a:ext uri="{FF2B5EF4-FFF2-40B4-BE49-F238E27FC236}">
+                <a16:creationId xmlns:a16="http://schemas.microsoft.com/office/drawing/2014/main" id="{047E51C2-63C2-4BE3-9CAC-ECA57AA13193}"/>
+              </a:ext>
+            </a:extLst>
+          </p:cNvPr>
+          <p:cNvSpPr/>
+          <p:nvPr/>
+        </p:nvSpPr>
+        <p:spPr>
+          <a:xfrm>
+            <a:off x="3297566" y="2543197"/>
+            <a:ext cx="652576" cy="652576"/>
+          </a:xfrm>
+          <a:prstGeom prst="rect">
+            <a:avLst/>
+          </a:prstGeom>
+          <a:noFill/>
+          <a:ln>
+            <a:noFill/>
+          </a:ln>
+        </p:spPr>
+        <p:style>
+          <a:lnRef idx="2">
+            <a:schemeClr val="accent1">
+              <a:shade val="50000"/>
+            </a:schemeClr>
+          </a:lnRef>
+          <a:fillRef idx="1">
+            <a:schemeClr val="accent1"/>
+          </a:fillRef>
+          <a:effectRef idx="0">
+            <a:schemeClr val="accent1"/>
+          </a:effectRef>
+          <a:fontRef idx="minor">
+            <a:schemeClr val="lt1"/>
+          </a:fontRef>
+        </p:style>
+        <p:txBody>
+          <a:bodyPr rtlCol="0" anchor="ctr"/>
+          <a:lstStyle/>
+          <a:p>
+            <a:pPr algn="ctr"/>
+            <a:endParaRPr lang="zh-CN" altLang="en-US"/>
+          </a:p>
+        </p:txBody>
+      </p:sp>
+      <p:grpSp>
+        <p:nvGrpSpPr>
+          <p:cNvPr id="55" name="组合 54">
+            <a:extLst>
+              <a:ext uri="{FF2B5EF4-FFF2-40B4-BE49-F238E27FC236}">
+                <a16:creationId xmlns:a16="http://schemas.microsoft.com/office/drawing/2014/main" id="{6698C803-7392-4772-9C6A-6E3340F6A99C}"/>
+              </a:ext>
+            </a:extLst>
+          </p:cNvPr>
+          <p:cNvGrpSpPr>
+            <a:grpSpLocks/>
+          </p:cNvGrpSpPr>
+          <p:nvPr/>
+        </p:nvGrpSpPr>
+        <p:grpSpPr>
+          <a:xfrm>
+            <a:off x="3412981" y="2682285"/>
+            <a:ext cx="421746" cy="374400"/>
+            <a:chOff x="1874876" y="3087351"/>
+            <a:chExt cx="384853" cy="341649"/>
+          </a:xfrm>
+        </p:grpSpPr>
+        <p:sp>
+          <p:nvSpPr>
+            <p:cNvPr id="56" name="矩形: 圆角 55">
+              <a:extLst>
+                <a:ext uri="{FF2B5EF4-FFF2-40B4-BE49-F238E27FC236}">
+                  <a16:creationId xmlns:a16="http://schemas.microsoft.com/office/drawing/2014/main" id="{4E1B835B-C91C-43E7-AC40-C94B13EA0B23}"/>
+                </a:ext>
+              </a:extLst>
+            </p:cNvPr>
+            <p:cNvSpPr/>
+            <p:nvPr/>
+          </p:nvSpPr>
+          <p:spPr>
+            <a:xfrm>
+              <a:off x="1874876" y="3087351"/>
+              <a:ext cx="384853" cy="341649"/>
+            </a:xfrm>
+            <a:prstGeom prst="roundRect">
+              <a:avLst>
+                <a:gd name="adj" fmla="val 0"/>
+              </a:avLst>
+            </a:prstGeom>
+            <a:gradFill>
+              <a:gsLst>
+                <a:gs pos="0">
+                  <a:schemeClr val="bg1">
+                    <a:alpha val="20000"/>
+                  </a:schemeClr>
+                </a:gs>
+                <a:gs pos="100000">
+                  <a:schemeClr val="bg1">
+                    <a:alpha val="50000"/>
+                  </a:schemeClr>
+                </a:gs>
+              </a:gsLst>
+              <a:path path="circle">
+                <a:fillToRect l="100000" b="100000"/>
+              </a:path>
+            </a:gradFill>
+            <a:ln w="28575">
+              <a:noFill/>
+            </a:ln>
+          </p:spPr>
+          <p:style>
+            <a:lnRef idx="2">
+              <a:schemeClr val="accent1">
+                <a:shade val="50000"/>
+              </a:schemeClr>
+            </a:lnRef>
+            <a:fillRef idx="1">
+              <a:schemeClr val="accent1"/>
+            </a:fillRef>
+            <a:effectRef idx="0">
+              <a:schemeClr val="accent1"/>
+            </a:effectRef>
+            <a:fontRef idx="minor">
+              <a:schemeClr val="lt1"/>
+            </a:fontRef>
+          </p:style>
+          <p:txBody>
+            <a:bodyPr rtlCol="0" anchor="ctr"/>
+            <a:lstStyle/>
+            <a:p>
+              <a:pPr algn="ctr"/>
+              <a:endParaRPr lang="zh-CN" altLang="en-US"/>
+            </a:p>
+          </p:txBody>
+        </p:sp>
+        <p:sp>
+          <p:nvSpPr>
+            <p:cNvPr id="57" name="矩形 56">
+              <a:extLst>
+                <a:ext uri="{FF2B5EF4-FFF2-40B4-BE49-F238E27FC236}">
+                  <a16:creationId xmlns:a16="http://schemas.microsoft.com/office/drawing/2014/main" id="{FD28C12C-F778-4EA0-B67F-EFB5AC75F2A8}"/>
+                </a:ext>
+              </a:extLst>
+            </p:cNvPr>
+            <p:cNvSpPr/>
+            <p:nvPr/>
+          </p:nvSpPr>
+          <p:spPr>
+            <a:xfrm>
+              <a:off x="1874876" y="3087351"/>
+              <a:ext cx="384853" cy="72469"/>
+            </a:xfrm>
+            <a:prstGeom prst="rect">
+              <a:avLst/>
+            </a:prstGeom>
+            <a:gradFill>
+              <a:gsLst>
+                <a:gs pos="0">
+                  <a:schemeClr val="bg1">
+                    <a:alpha val="20000"/>
+                  </a:schemeClr>
+                </a:gs>
+                <a:gs pos="100000">
+                  <a:schemeClr val="bg1">
+                    <a:alpha val="50000"/>
+                  </a:schemeClr>
+                </a:gs>
+              </a:gsLst>
+              <a:path path="circle">
+                <a:fillToRect l="100000" b="100000"/>
+              </a:path>
+            </a:gradFill>
+            <a:ln w="28575">
+              <a:noFill/>
+            </a:ln>
+          </p:spPr>
+          <p:style>
+            <a:lnRef idx="2">
+              <a:schemeClr val="accent1">
+                <a:shade val="50000"/>
+              </a:schemeClr>
+            </a:lnRef>
+            <a:fillRef idx="1">
+              <a:schemeClr val="accent1"/>
+            </a:fillRef>
+            <a:effectRef idx="0">
+              <a:schemeClr val="accent1"/>
+            </a:effectRef>
+            <a:fontRef idx="minor">
+              <a:schemeClr val="lt1"/>
+            </a:fontRef>
+          </p:style>
+          <p:txBody>
+            <a:bodyPr rtlCol="0" anchor="ctr"/>
+            <a:lstStyle/>
+            <a:p>
+              <a:pPr algn="ctr"/>
+              <a:endParaRPr lang="zh-CN" altLang="en-US"/>
+            </a:p>
+          </p:txBody>
+        </p:sp>
+        <p:sp>
+          <p:nvSpPr>
+            <p:cNvPr id="58" name="矩形 57">
+              <a:extLst>
+                <a:ext uri="{FF2B5EF4-FFF2-40B4-BE49-F238E27FC236}">
+                  <a16:creationId xmlns:a16="http://schemas.microsoft.com/office/drawing/2014/main" id="{AE38747E-A021-4B85-9AC0-C4B6311F0515}"/>
+                </a:ext>
+              </a:extLst>
+            </p:cNvPr>
+            <p:cNvSpPr/>
+            <p:nvPr/>
+          </p:nvSpPr>
+          <p:spPr>
+            <a:xfrm>
+              <a:off x="1907412" y="3192603"/>
+              <a:ext cx="288000" cy="25200"/>
+            </a:xfrm>
+            <a:prstGeom prst="rect">
+              <a:avLst/>
+            </a:prstGeom>
+            <a:solidFill>
+              <a:schemeClr val="bg1"/>
+            </a:solidFill>
+            <a:ln w="6350">
+              <a:noFill/>
+            </a:ln>
+          </p:spPr>
+          <p:style>
+            <a:lnRef idx="2">
+              <a:schemeClr val="accent1">
+                <a:shade val="50000"/>
+              </a:schemeClr>
+            </a:lnRef>
+            <a:fillRef idx="1">
+              <a:schemeClr val="accent1"/>
+            </a:fillRef>
+            <a:effectRef idx="0">
+              <a:schemeClr val="accent1"/>
+            </a:effectRef>
+            <a:fontRef idx="minor">
+              <a:schemeClr val="lt1"/>
+            </a:fontRef>
+          </p:style>
+          <p:txBody>
+            <a:bodyPr rtlCol="0" anchor="ctr"/>
+            <a:lstStyle/>
+            <a:p>
+              <a:pPr algn="ctr"/>
+              <a:endParaRPr lang="zh-CN" altLang="en-US"/>
+            </a:p>
+          </p:txBody>
+        </p:sp>
+        <p:sp>
+          <p:nvSpPr>
+            <p:cNvPr id="59" name="矩形 58">
+              <a:extLst>
+                <a:ext uri="{FF2B5EF4-FFF2-40B4-BE49-F238E27FC236}">
+                  <a16:creationId xmlns:a16="http://schemas.microsoft.com/office/drawing/2014/main" id="{BF5F3D70-12DE-4C97-A1D5-03B794908077}"/>
+                </a:ext>
+              </a:extLst>
+            </p:cNvPr>
+            <p:cNvSpPr/>
+            <p:nvPr/>
+          </p:nvSpPr>
+          <p:spPr>
+            <a:xfrm>
+              <a:off x="1907412" y="3239942"/>
+              <a:ext cx="216000" cy="25200"/>
+            </a:xfrm>
+            <a:prstGeom prst="rect">
+              <a:avLst/>
+            </a:prstGeom>
+            <a:solidFill>
+              <a:schemeClr val="bg1">
+                <a:alpha val="70000"/>
+              </a:schemeClr>
+            </a:solidFill>
+            <a:ln w="6350">
+              <a:noFill/>
+            </a:ln>
+          </p:spPr>
+          <p:style>
+            <a:lnRef idx="2">
+              <a:schemeClr val="accent1">
+                <a:shade val="50000"/>
+              </a:schemeClr>
+            </a:lnRef>
+            <a:fillRef idx="1">
+              <a:schemeClr val="accent1"/>
+            </a:fillRef>
+            <a:effectRef idx="0">
+              <a:schemeClr val="accent1"/>
+            </a:effectRef>
+            <a:fontRef idx="minor">
+              <a:schemeClr val="lt1"/>
+            </a:fontRef>
+          </p:style>
+          <p:txBody>
+            <a:bodyPr rtlCol="0" anchor="ctr"/>
+            <a:lstStyle/>
+            <a:p>
+              <a:pPr algn="ctr"/>
+              <a:endParaRPr lang="zh-CN" altLang="en-US"/>
+            </a:p>
+          </p:txBody>
+        </p:sp>
+        <p:sp>
+          <p:nvSpPr>
+            <p:cNvPr id="60" name="矩形 59">
+              <a:extLst>
+                <a:ext uri="{FF2B5EF4-FFF2-40B4-BE49-F238E27FC236}">
+                  <a16:creationId xmlns:a16="http://schemas.microsoft.com/office/drawing/2014/main" id="{8B46A206-8372-46D7-B98D-BF5D55A75677}"/>
+                </a:ext>
+              </a:extLst>
+            </p:cNvPr>
+            <p:cNvSpPr/>
+            <p:nvPr/>
+          </p:nvSpPr>
+          <p:spPr>
+            <a:xfrm>
+              <a:off x="1907412" y="3285972"/>
+              <a:ext cx="144000" cy="25200"/>
+            </a:xfrm>
+            <a:prstGeom prst="rect">
+              <a:avLst/>
+            </a:prstGeom>
+            <a:solidFill>
+              <a:schemeClr val="bg1">
+                <a:alpha val="40000"/>
+              </a:schemeClr>
+            </a:solidFill>
+            <a:ln w="6350">
+              <a:noFill/>
+            </a:ln>
+          </p:spPr>
+          <p:style>
+            <a:lnRef idx="2">
+              <a:schemeClr val="accent1">
+                <a:shade val="50000"/>
+              </a:schemeClr>
+            </a:lnRef>
+            <a:fillRef idx="1">
+              <a:schemeClr val="accent1"/>
+            </a:fillRef>
+            <a:effectRef idx="0">
+              <a:schemeClr val="accent1"/>
+            </a:effectRef>
+            <a:fontRef idx="minor">
+              <a:schemeClr val="lt1"/>
+            </a:fontRef>
+          </p:style>
+          <p:txBody>
+            <a:bodyPr rtlCol="0" anchor="ctr"/>
+            <a:lstStyle/>
+            <a:p>
+              <a:pPr algn="ctr"/>
+              <a:endParaRPr lang="zh-CN" altLang="en-US"/>
+            </a:p>
+          </p:txBody>
+        </p:sp>
+      </p:grpSp>
+      <p:grpSp>
+        <p:nvGrpSpPr>
+          <p:cNvPr id="79" name="组合 78">
+            <a:extLst>
+              <a:ext uri="{FF2B5EF4-FFF2-40B4-BE49-F238E27FC236}">
+                <a16:creationId xmlns:a16="http://schemas.microsoft.com/office/drawing/2014/main" id="{679D7F01-2F08-45A6-958F-DF4D96547685}"/>
+              </a:ext>
+            </a:extLst>
+          </p:cNvPr>
+          <p:cNvGrpSpPr/>
+          <p:nvPr/>
+        </p:nvGrpSpPr>
+        <p:grpSpPr>
+          <a:xfrm>
+            <a:off x="5013254" y="2678752"/>
+            <a:ext cx="303292" cy="385200"/>
+            <a:chOff x="5013254" y="2685731"/>
+            <a:chExt cx="303292" cy="385200"/>
+          </a:xfrm>
+        </p:grpSpPr>
+        <p:sp>
+          <p:nvSpPr>
+            <p:cNvPr id="77" name="任意多边形: 形状 76">
+              <a:extLst>
+                <a:ext uri="{FF2B5EF4-FFF2-40B4-BE49-F238E27FC236}">
+                  <a16:creationId xmlns:a16="http://schemas.microsoft.com/office/drawing/2014/main" id="{886128E2-921C-47AD-97D3-DA763743AAE0}"/>
+                </a:ext>
+              </a:extLst>
+            </p:cNvPr>
+            <p:cNvSpPr>
+              <a:spLocks/>
+            </p:cNvSpPr>
+            <p:nvPr/>
+          </p:nvSpPr>
+          <p:spPr>
+            <a:xfrm flipV="1">
+              <a:off x="5013254" y="2685731"/>
+              <a:ext cx="303292" cy="385200"/>
+            </a:xfrm>
+            <a:custGeom>
+              <a:avLst/>
+              <a:gdLst>
+                <a:gd name="connsiteX0" fmla="*/ 192427 w 384854"/>
+                <a:gd name="connsiteY0" fmla="*/ 488790 h 488790"/>
+                <a:gd name="connsiteX1" fmla="*/ 384854 w 384854"/>
+                <a:gd name="connsiteY1" fmla="*/ 296363 h 488790"/>
+                <a:gd name="connsiteX2" fmla="*/ 369732 w 384854"/>
+                <a:gd name="connsiteY2" fmla="*/ 221462 h 488790"/>
+                <a:gd name="connsiteX3" fmla="*/ 344205 w 384854"/>
+                <a:gd name="connsiteY3" fmla="*/ 183600 h 488790"/>
+                <a:gd name="connsiteX4" fmla="*/ 344613 w 384854"/>
+                <a:gd name="connsiteY4" fmla="*/ 183600 h 488790"/>
+                <a:gd name="connsiteX5" fmla="*/ 193413 w 384854"/>
+                <a:gd name="connsiteY5" fmla="*/ 0 h 488790"/>
+                <a:gd name="connsiteX6" fmla="*/ 42213 w 384854"/>
+                <a:gd name="connsiteY6" fmla="*/ 183600 h 488790"/>
+                <a:gd name="connsiteX7" fmla="*/ 40649 w 384854"/>
+                <a:gd name="connsiteY7" fmla="*/ 183600 h 488790"/>
+                <a:gd name="connsiteX8" fmla="*/ 15122 w 384854"/>
+                <a:gd name="connsiteY8" fmla="*/ 221462 h 488790"/>
+                <a:gd name="connsiteX9" fmla="*/ 0 w 384854"/>
+                <a:gd name="connsiteY9" fmla="*/ 296363 h 488790"/>
+                <a:gd name="connsiteX10" fmla="*/ 192427 w 384854"/>
+                <a:gd name="connsiteY10" fmla="*/ 488790 h 488790"/>
+              </a:gdLst>
+              <a:ahLst/>
+              <a:cxnLst>
+                <a:cxn ang="0">
+                  <a:pos x="connsiteX0" y="connsiteY0"/>
+                </a:cxn>
+                <a:cxn ang="0">
+                  <a:pos x="connsiteX1" y="connsiteY1"/>
+                </a:cxn>
+                <a:cxn ang="0">
+                  <a:pos x="connsiteX2" y="connsiteY2"/>
+                </a:cxn>
+                <a:cxn ang="0">
+                  <a:pos x="connsiteX3" y="connsiteY3"/>
+                </a:cxn>
+                <a:cxn ang="0">
+                  <a:pos x="connsiteX4" y="connsiteY4"/>
+                </a:cxn>
+                <a:cxn ang="0">
+                  <a:pos x="connsiteX5" y="connsiteY5"/>
+                </a:cxn>
+                <a:cxn ang="0">
+                  <a:pos x="connsiteX6" y="connsiteY6"/>
+                </a:cxn>
+                <a:cxn ang="0">
+                  <a:pos x="connsiteX7" y="connsiteY7"/>
+                </a:cxn>
+                <a:cxn ang="0">
+                  <a:pos x="connsiteX8" y="connsiteY8"/>
+                </a:cxn>
+                <a:cxn ang="0">
+                  <a:pos x="connsiteX9" y="connsiteY9"/>
+                </a:cxn>
+                <a:cxn ang="0">
+                  <a:pos x="connsiteX10" y="connsiteY10"/>
+                </a:cxn>
+              </a:cxnLst>
+              <a:rect l="l" t="t" r="r" b="b"/>
+              <a:pathLst>
+                <a:path w="384854" h="488790">
+                  <a:moveTo>
+                    <a:pt x="192427" y="488790"/>
+                  </a:moveTo>
+                  <a:cubicBezTo>
+                    <a:pt x="298701" y="488790"/>
+                    <a:pt x="384854" y="402637"/>
+                    <a:pt x="384854" y="296363"/>
+                  </a:cubicBezTo>
+                  <a:cubicBezTo>
+                    <a:pt x="384854" y="269794"/>
+                    <a:pt x="379470" y="244483"/>
+                    <a:pt x="369732" y="221462"/>
+                  </a:cubicBezTo>
+                  <a:lnTo>
+                    <a:pt x="344205" y="183600"/>
+                  </a:lnTo>
+                  <a:lnTo>
+                    <a:pt x="344613" y="183600"/>
+                  </a:lnTo>
+                  <a:lnTo>
+                    <a:pt x="193413" y="0"/>
+                  </a:lnTo>
+                  <a:lnTo>
+                    <a:pt x="42213" y="183600"/>
+                  </a:lnTo>
+                  <a:lnTo>
+                    <a:pt x="40649" y="183600"/>
+                  </a:lnTo>
+                  <a:lnTo>
+                    <a:pt x="15122" y="221462"/>
+                  </a:lnTo>
+                  <a:cubicBezTo>
+                    <a:pt x="5385" y="244483"/>
+                    <a:pt x="0" y="269794"/>
+                    <a:pt x="0" y="296363"/>
+                  </a:cubicBezTo>
+                  <a:cubicBezTo>
+                    <a:pt x="0" y="402637"/>
+                    <a:pt x="86153" y="488790"/>
+                    <a:pt x="192427" y="488790"/>
+                  </a:cubicBezTo>
+                  <a:close/>
+                </a:path>
+              </a:pathLst>
+            </a:custGeom>
+            <a:gradFill flip="none" rotWithShape="1">
+              <a:gsLst>
+                <a:gs pos="0">
+                  <a:schemeClr val="bg1">
+                    <a:alpha val="40000"/>
+                  </a:schemeClr>
+                </a:gs>
+                <a:gs pos="100000">
+                  <a:schemeClr val="bg1">
+                    <a:alpha val="20000"/>
+                  </a:schemeClr>
+                </a:gs>
+              </a:gsLst>
+              <a:path path="circle">
+                <a:fillToRect r="100000" b="100000"/>
+              </a:path>
+              <a:tileRect l="-100000" t="-100000"/>
+            </a:gradFill>
+            <a:ln w="19050">
+              <a:noFill/>
+            </a:ln>
+          </p:spPr>
+          <p:style>
+            <a:lnRef idx="2">
+              <a:schemeClr val="accent1">
+                <a:shade val="50000"/>
+              </a:schemeClr>
+            </a:lnRef>
+            <a:fillRef idx="1">
+              <a:schemeClr val="accent1"/>
+            </a:fillRef>
+            <a:effectRef idx="0">
+              <a:schemeClr val="accent1"/>
+            </a:effectRef>
+            <a:fontRef idx="minor">
+              <a:schemeClr val="lt1"/>
+            </a:fontRef>
+          </p:style>
+          <p:txBody>
+            <a:bodyPr wrap="square" rtlCol="0" anchor="ctr">
+              <a:noAutofit/>
+            </a:bodyPr>
+            <a:lstStyle/>
+            <a:p>
+              <a:pPr algn="ctr"/>
+              <a:endParaRPr lang="zh-CN" altLang="en-US"/>
+            </a:p>
+          </p:txBody>
+        </p:sp>
+        <p:sp>
+          <p:nvSpPr>
+            <p:cNvPr id="78" name="椭圆 77">
+              <a:extLst>
+                <a:ext uri="{FF2B5EF4-FFF2-40B4-BE49-F238E27FC236}">
+                  <a16:creationId xmlns:a16="http://schemas.microsoft.com/office/drawing/2014/main" id="{F5C33EFF-EAD1-47FF-BB3E-4483FAA41040}"/>
+                </a:ext>
+              </a:extLst>
+            </p:cNvPr>
+            <p:cNvSpPr/>
+            <p:nvPr/>
+          </p:nvSpPr>
+          <p:spPr>
+            <a:xfrm>
+              <a:off x="5083900" y="2753789"/>
+              <a:ext cx="162000" cy="162000"/>
+            </a:xfrm>
+            <a:prstGeom prst="ellipse">
+              <a:avLst/>
+            </a:prstGeom>
+            <a:gradFill flip="none" rotWithShape="1">
+              <a:gsLst>
+                <a:gs pos="0">
+                  <a:schemeClr val="bg1">
+                    <a:alpha val="90000"/>
+                  </a:schemeClr>
+                </a:gs>
+                <a:gs pos="100000">
+                  <a:schemeClr val="bg1">
+                    <a:alpha val="30000"/>
+                  </a:schemeClr>
+                </a:gs>
+              </a:gsLst>
+              <a:path path="circle">
+                <a:fillToRect l="100000" b="100000"/>
+              </a:path>
+              <a:tileRect t="-100000" r="-100000"/>
+            </a:gradFill>
+            <a:ln>
+              <a:noFill/>
+            </a:ln>
+          </p:spPr>
+          <p:style>
+            <a:lnRef idx="2">
+              <a:schemeClr val="accent1">
+                <a:shade val="50000"/>
+              </a:schemeClr>
+            </a:lnRef>
+            <a:fillRef idx="1">
+              <a:schemeClr val="accent1"/>
+            </a:fillRef>
+            <a:effectRef idx="0">
+              <a:schemeClr val="accent1"/>
+            </a:effectRef>
+            <a:fontRef idx="minor">
+              <a:schemeClr val="lt1"/>
+            </a:fontRef>
+          </p:style>
+          <p:txBody>
+            <a:bodyPr rtlCol="0" anchor="ctr"/>
+            <a:lstStyle/>
+            <a:p>
+              <a:pPr algn="ctr"/>
+              <a:endParaRPr lang="zh-CN" altLang="en-US"/>
+            </a:p>
+          </p:txBody>
+        </p:sp>
+      </p:grpSp>
+      <p:grpSp>
+        <p:nvGrpSpPr>
+          <p:cNvPr id="85" name="组合 84">
+            <a:extLst>
+              <a:ext uri="{FF2B5EF4-FFF2-40B4-BE49-F238E27FC236}">
+                <a16:creationId xmlns:a16="http://schemas.microsoft.com/office/drawing/2014/main" id="{49989142-13EA-4367-A7A9-114FB08A3004}"/>
+              </a:ext>
+            </a:extLst>
+          </p:cNvPr>
+          <p:cNvGrpSpPr/>
+          <p:nvPr/>
+        </p:nvGrpSpPr>
+        <p:grpSpPr>
+          <a:xfrm>
+            <a:off x="4211528" y="2677059"/>
+            <a:ext cx="384853" cy="384853"/>
+            <a:chOff x="4211528" y="2674640"/>
+            <a:chExt cx="384853" cy="384853"/>
+          </a:xfrm>
+        </p:grpSpPr>
+        <p:sp>
+          <p:nvSpPr>
+            <p:cNvPr id="33" name="矩形: 圆角 32">
+              <a:extLst>
+                <a:ext uri="{FF2B5EF4-FFF2-40B4-BE49-F238E27FC236}">
+                  <a16:creationId xmlns:a16="http://schemas.microsoft.com/office/drawing/2014/main" id="{8963AC16-6CE3-4563-9D14-EE6BE2764F11}"/>
+                </a:ext>
+              </a:extLst>
+            </p:cNvPr>
+            <p:cNvSpPr/>
+            <p:nvPr/>
+          </p:nvSpPr>
+          <p:spPr>
+            <a:xfrm>
+              <a:off x="4211528" y="2674640"/>
+              <a:ext cx="384853" cy="384853"/>
+            </a:xfrm>
+            <a:prstGeom prst="roundRect">
+              <a:avLst>
+                <a:gd name="adj" fmla="val 0"/>
+              </a:avLst>
+            </a:prstGeom>
+            <a:gradFill flip="none" rotWithShape="1">
+              <a:gsLst>
+                <a:gs pos="0">
+                  <a:schemeClr val="bg1">
+                    <a:alpha val="30000"/>
+                  </a:schemeClr>
+                </a:gs>
+                <a:gs pos="100000">
+                  <a:schemeClr val="bg1">
+                    <a:alpha val="50000"/>
+                  </a:schemeClr>
+                </a:gs>
+              </a:gsLst>
+              <a:path path="circle">
+                <a:fillToRect l="100000" b="100000"/>
+              </a:path>
+              <a:tileRect t="-100000" r="-100000"/>
+            </a:gradFill>
+            <a:ln w="28575" cap="rnd">
+              <a:noFill/>
+              <a:round/>
+            </a:ln>
+          </p:spPr>
+          <p:style>
+            <a:lnRef idx="2">
+              <a:schemeClr val="accent1">
+                <a:shade val="50000"/>
+              </a:schemeClr>
+            </a:lnRef>
+            <a:fillRef idx="1">
+              <a:schemeClr val="accent1"/>
+            </a:fillRef>
+            <a:effectRef idx="0">
+              <a:schemeClr val="accent1"/>
+            </a:effectRef>
+            <a:fontRef idx="minor">
+              <a:schemeClr val="lt1"/>
+            </a:fontRef>
+          </p:style>
+          <p:txBody>
+            <a:bodyPr rtlCol="0" anchor="ctr"/>
+            <a:lstStyle/>
+            <a:p>
+              <a:pPr algn="ctr"/>
+              <a:endParaRPr lang="zh-CN" altLang="en-US"/>
+            </a:p>
+          </p:txBody>
+        </p:sp>
+        <p:sp>
+          <p:nvSpPr>
+            <p:cNvPr id="84" name="任意多边形: 形状 83">
+              <a:extLst>
+                <a:ext uri="{FF2B5EF4-FFF2-40B4-BE49-F238E27FC236}">
+                  <a16:creationId xmlns:a16="http://schemas.microsoft.com/office/drawing/2014/main" id="{9B096CB8-108A-42D7-8CFD-73F05CE60D5A}"/>
+                </a:ext>
+              </a:extLst>
+            </p:cNvPr>
+            <p:cNvSpPr/>
+            <p:nvPr/>
+          </p:nvSpPr>
+          <p:spPr>
+            <a:xfrm>
+              <a:off x="4211528" y="2674640"/>
+              <a:ext cx="384853" cy="384853"/>
+            </a:xfrm>
+            <a:custGeom>
+              <a:avLst/>
+              <a:gdLst>
+                <a:gd name="connsiteX0" fmla="*/ 0 w 384853"/>
+                <a:gd name="connsiteY0" fmla="*/ 0 h 384853"/>
+                <a:gd name="connsiteX1" fmla="*/ 1895 w 384853"/>
+                <a:gd name="connsiteY1" fmla="*/ 0 h 384853"/>
+                <a:gd name="connsiteX2" fmla="*/ 384853 w 384853"/>
+                <a:gd name="connsiteY2" fmla="*/ 380280 h 384853"/>
+                <a:gd name="connsiteX3" fmla="*/ 384853 w 384853"/>
+                <a:gd name="connsiteY3" fmla="*/ 384853 h 384853"/>
+                <a:gd name="connsiteX4" fmla="*/ 0 w 384853"/>
+                <a:gd name="connsiteY4" fmla="*/ 384853 h 384853"/>
+              </a:gdLst>
+              <a:ahLst/>
+              <a:cxnLst>
+                <a:cxn ang="0">
+                  <a:pos x="connsiteX0" y="connsiteY0"/>
+                </a:cxn>
+                <a:cxn ang="0">
+                  <a:pos x="connsiteX1" y="connsiteY1"/>
+                </a:cxn>
+                <a:cxn ang="0">
+                  <a:pos x="connsiteX2" y="connsiteY2"/>
+                </a:cxn>
+                <a:cxn ang="0">
+                  <a:pos x="connsiteX3" y="connsiteY3"/>
+                </a:cxn>
+                <a:cxn ang="0">
+                  <a:pos x="connsiteX4" y="connsiteY4"/>
+                </a:cxn>
+              </a:cxnLst>
+              <a:rect l="l" t="t" r="r" b="b"/>
+              <a:pathLst>
+                <a:path w="384853" h="384853">
+                  <a:moveTo>
+                    <a:pt x="0" y="0"/>
+                  </a:moveTo>
+                  <a:lnTo>
+                    <a:pt x="1895" y="0"/>
+                  </a:lnTo>
+                  <a:lnTo>
+                    <a:pt x="384853" y="380280"/>
+                  </a:lnTo>
+                  <a:lnTo>
+                    <a:pt x="384853" y="384853"/>
+                  </a:lnTo>
+                  <a:lnTo>
+                    <a:pt x="0" y="384853"/>
+                  </a:lnTo>
+                  <a:close/>
+                </a:path>
+              </a:pathLst>
+            </a:custGeom>
+            <a:gradFill flip="none" rotWithShape="1">
+              <a:gsLst>
+                <a:gs pos="0">
+                  <a:schemeClr val="bg1">
+                    <a:alpha val="0"/>
+                  </a:schemeClr>
+                </a:gs>
+                <a:gs pos="100000">
+                  <a:schemeClr val="bg1">
+                    <a:alpha val="50000"/>
+                  </a:schemeClr>
+                </a:gs>
+              </a:gsLst>
+              <a:path path="circle">
+                <a:fillToRect l="100000" b="100000"/>
+              </a:path>
+              <a:tileRect t="-100000" r="-100000"/>
+            </a:gradFill>
+            <a:ln w="28575" cap="rnd">
+              <a:noFill/>
+              <a:round/>
+            </a:ln>
+          </p:spPr>
+          <p:style>
+            <a:lnRef idx="2">
+              <a:schemeClr val="accent1">
+                <a:shade val="50000"/>
+              </a:schemeClr>
+            </a:lnRef>
+            <a:fillRef idx="1">
+              <a:schemeClr val="accent1"/>
+            </a:fillRef>
+            <a:effectRef idx="0">
+              <a:schemeClr val="accent1"/>
+            </a:effectRef>
+            <a:fontRef idx="minor">
+              <a:schemeClr val="lt1"/>
+            </a:fontRef>
+          </p:style>
+          <p:txBody>
+            <a:bodyPr wrap="square" rtlCol="0" anchor="ctr">
+              <a:noAutofit/>
+            </a:bodyPr>
+            <a:lstStyle/>
+            <a:p>
+              <a:pPr algn="ctr"/>
+              <a:endParaRPr lang="zh-CN" altLang="en-US"/>
+            </a:p>
+          </p:txBody>
+        </p:sp>
+      </p:grpSp>
+      <p:grpSp>
+        <p:nvGrpSpPr>
+          <p:cNvPr id="87" name="组合 86">
+            <a:extLst>
+              <a:ext uri="{FF2B5EF4-FFF2-40B4-BE49-F238E27FC236}">
+                <a16:creationId xmlns:a16="http://schemas.microsoft.com/office/drawing/2014/main" id="{054EFA4A-7A48-4511-814B-DDC65917CC87}"/>
+              </a:ext>
+            </a:extLst>
+          </p:cNvPr>
+          <p:cNvGrpSpPr/>
+          <p:nvPr/>
+        </p:nvGrpSpPr>
+        <p:grpSpPr>
+          <a:xfrm>
+            <a:off x="5738891" y="2682285"/>
+            <a:ext cx="374400" cy="374400"/>
+            <a:chOff x="5733491" y="2676885"/>
+            <a:chExt cx="374400" cy="374400"/>
+          </a:xfrm>
+        </p:grpSpPr>
+        <p:sp>
+          <p:nvSpPr>
+            <p:cNvPr id="44" name="椭圆 43">
+              <a:extLst>
+                <a:ext uri="{FF2B5EF4-FFF2-40B4-BE49-F238E27FC236}">
+                  <a16:creationId xmlns:a16="http://schemas.microsoft.com/office/drawing/2014/main" id="{878F28F1-7DA6-4C51-BEF7-3A7342BDC9E5}"/>
+                </a:ext>
+              </a:extLst>
+            </p:cNvPr>
+            <p:cNvSpPr/>
+            <p:nvPr/>
+          </p:nvSpPr>
+          <p:spPr>
+            <a:xfrm>
+              <a:off x="5733492" y="2676885"/>
+              <a:ext cx="374399" cy="374400"/>
+            </a:xfrm>
+            <a:prstGeom prst="ellipse">
+              <a:avLst/>
+            </a:prstGeom>
+            <a:gradFill flip="none" rotWithShape="1">
+              <a:gsLst>
+                <a:gs pos="0">
+                  <a:schemeClr val="bg1">
+                    <a:alpha val="10000"/>
+                  </a:schemeClr>
+                </a:gs>
+                <a:gs pos="100000">
+                  <a:schemeClr val="bg1">
+                    <a:alpha val="40000"/>
+                  </a:schemeClr>
+                </a:gs>
+              </a:gsLst>
+              <a:path path="circle">
+                <a:fillToRect t="100000" r="100000"/>
+              </a:path>
+              <a:tileRect l="-100000" b="-100000"/>
+            </a:gradFill>
+            <a:ln>
+              <a:noFill/>
+            </a:ln>
+          </p:spPr>
+          <p:style>
+            <a:lnRef idx="2">
+              <a:schemeClr val="accent1">
+                <a:shade val="50000"/>
+              </a:schemeClr>
+            </a:lnRef>
+            <a:fillRef idx="1">
+              <a:schemeClr val="accent1"/>
+            </a:fillRef>
+            <a:effectRef idx="0">
+              <a:schemeClr val="accent1"/>
+            </a:effectRef>
+            <a:fontRef idx="minor">
+              <a:schemeClr val="lt1"/>
+            </a:fontRef>
+          </p:style>
+          <p:txBody>
+            <a:bodyPr rtlCol="0" anchor="ctr"/>
+            <a:lstStyle/>
+            <a:p>
+              <a:pPr algn="ctr"/>
+              <a:endParaRPr lang="zh-CN" altLang="en-US"/>
+            </a:p>
+          </p:txBody>
+        </p:sp>
+        <p:grpSp>
+          <p:nvGrpSpPr>
+            <p:cNvPr id="86" name="组合 85">
+              <a:extLst>
+                <a:ext uri="{FF2B5EF4-FFF2-40B4-BE49-F238E27FC236}">
+                  <a16:creationId xmlns:a16="http://schemas.microsoft.com/office/drawing/2014/main" id="{A2F7FC5E-3957-4D05-A698-E2853BB3D889}"/>
+                </a:ext>
+              </a:extLst>
+            </p:cNvPr>
+            <p:cNvGrpSpPr>
+              <a:grpSpLocks noChangeAspect="1"/>
+            </p:cNvGrpSpPr>
+            <p:nvPr/>
+          </p:nvGrpSpPr>
+          <p:grpSpPr>
+            <a:xfrm>
+              <a:off x="5808782" y="2752035"/>
+              <a:ext cx="215001" cy="215748"/>
+              <a:chOff x="5797859" y="2749426"/>
+              <a:chExt cx="245663" cy="246516"/>
+            </a:xfrm>
+          </p:grpSpPr>
+          <p:sp>
+            <p:nvSpPr>
+              <p:cNvPr id="48" name="矩形 47">
+                <a:extLst>
+                  <a:ext uri="{FF2B5EF4-FFF2-40B4-BE49-F238E27FC236}">
+                    <a16:creationId xmlns:a16="http://schemas.microsoft.com/office/drawing/2014/main" id="{FE8C1752-B34E-454B-A469-803CA7FA60CD}"/>
+                  </a:ext>
+                </a:extLst>
+              </p:cNvPr>
+              <p:cNvSpPr/>
+              <p:nvPr/>
+            </p:nvSpPr>
+            <p:spPr>
+              <a:xfrm>
+                <a:off x="5797859" y="2749426"/>
+                <a:ext cx="245663" cy="246516"/>
+              </a:xfrm>
+              <a:prstGeom prst="rect">
+                <a:avLst/>
+              </a:prstGeom>
+              <a:gradFill flip="none" rotWithShape="1">
+                <a:gsLst>
+                  <a:gs pos="0">
+                    <a:schemeClr val="bg1">
+                      <a:alpha val="30000"/>
+                    </a:schemeClr>
+                  </a:gs>
+                  <a:gs pos="100000">
+                    <a:schemeClr val="bg1">
+                      <a:alpha val="70000"/>
+                    </a:schemeClr>
+                  </a:gs>
+                </a:gsLst>
+                <a:path path="circle">
+                  <a:fillToRect t="100000" r="100000"/>
+                </a:path>
+                <a:tileRect l="-100000" b="-100000"/>
+              </a:gradFill>
+              <a:ln>
+                <a:noFill/>
+              </a:ln>
+            </p:spPr>
+            <p:style>
+              <a:lnRef idx="2">
+                <a:schemeClr val="accent1">
+                  <a:shade val="50000"/>
+                </a:schemeClr>
+              </a:lnRef>
+              <a:fillRef idx="1">
+                <a:schemeClr val="accent1"/>
+              </a:fillRef>
+              <a:effectRef idx="0">
+                <a:schemeClr val="accent1"/>
+              </a:effectRef>
+              <a:fontRef idx="minor">
+                <a:schemeClr val="lt1"/>
+              </a:fontRef>
+            </p:style>
+            <p:txBody>
+              <a:bodyPr rtlCol="0" anchor="ctr"/>
+              <a:lstStyle/>
+              <a:p>
+                <a:pPr algn="ctr"/>
+                <a:endParaRPr lang="zh-CN" altLang="en-US"/>
+              </a:p>
+            </p:txBody>
+          </p:sp>
+          <p:sp>
+            <p:nvSpPr>
+              <p:cNvPr id="50" name="矩形 49">
+                <a:extLst>
+                  <a:ext uri="{FF2B5EF4-FFF2-40B4-BE49-F238E27FC236}">
+                    <a16:creationId xmlns:a16="http://schemas.microsoft.com/office/drawing/2014/main" id="{0AAAA413-E9CD-4A79-945D-23F0952090BD}"/>
+                  </a:ext>
+                </a:extLst>
+              </p:cNvPr>
+              <p:cNvSpPr/>
+              <p:nvPr/>
+            </p:nvSpPr>
+            <p:spPr>
+              <a:xfrm>
+                <a:off x="5819474" y="2777749"/>
+                <a:ext cx="184266" cy="15858"/>
+              </a:xfrm>
+              <a:prstGeom prst="rect">
+                <a:avLst/>
+              </a:prstGeom>
+              <a:solidFill>
+                <a:schemeClr val="bg1"/>
+              </a:solidFill>
+              <a:ln>
+                <a:noFill/>
+              </a:ln>
+            </p:spPr>
+            <p:style>
+              <a:lnRef idx="2">
+                <a:schemeClr val="accent1">
+                  <a:shade val="50000"/>
+                </a:schemeClr>
+              </a:lnRef>
+              <a:fillRef idx="1">
+                <a:schemeClr val="accent1"/>
+              </a:fillRef>
+              <a:effectRef idx="0">
+                <a:schemeClr val="accent1"/>
+              </a:effectRef>
+              <a:fontRef idx="minor">
+                <a:schemeClr val="lt1"/>
+              </a:fontRef>
+            </p:style>
+            <p:txBody>
+              <a:bodyPr rtlCol="0" anchor="ctr"/>
+              <a:lstStyle/>
+              <a:p>
+                <a:pPr algn="ctr"/>
+                <a:endParaRPr lang="zh-CN" altLang="en-US"/>
+              </a:p>
+            </p:txBody>
+          </p:sp>
+          <p:sp>
+            <p:nvSpPr>
+              <p:cNvPr id="51" name="矩形 50">
+                <a:extLst>
+                  <a:ext uri="{FF2B5EF4-FFF2-40B4-BE49-F238E27FC236}">
+                    <a16:creationId xmlns:a16="http://schemas.microsoft.com/office/drawing/2014/main" id="{67E24CFE-0056-47E3-913E-261C36D8AE4D}"/>
+                  </a:ext>
+                </a:extLst>
+              </p:cNvPr>
+              <p:cNvSpPr/>
+              <p:nvPr/>
+            </p:nvSpPr>
+            <p:spPr>
+              <a:xfrm>
+                <a:off x="5819474" y="2808148"/>
+                <a:ext cx="121861" cy="15858"/>
+              </a:xfrm>
+              <a:prstGeom prst="rect">
+                <a:avLst/>
+              </a:prstGeom>
+              <a:solidFill>
+                <a:schemeClr val="bg1"/>
+              </a:solidFill>
+              <a:ln>
+                <a:noFill/>
+              </a:ln>
+            </p:spPr>
+            <p:style>
+              <a:lnRef idx="2">
+                <a:schemeClr val="accent1">
+                  <a:shade val="50000"/>
+                </a:schemeClr>
+              </a:lnRef>
+              <a:fillRef idx="1">
+                <a:schemeClr val="accent1"/>
+              </a:fillRef>
+              <a:effectRef idx="0">
+                <a:schemeClr val="accent1"/>
+              </a:effectRef>
+              <a:fontRef idx="minor">
+                <a:schemeClr val="lt1"/>
+              </a:fontRef>
+            </p:style>
+            <p:txBody>
+              <a:bodyPr rtlCol="0" anchor="ctr"/>
+              <a:lstStyle/>
+              <a:p>
+                <a:pPr algn="ctr"/>
+                <a:endParaRPr lang="zh-CN" altLang="en-US"/>
+              </a:p>
+            </p:txBody>
+          </p:sp>
+        </p:grpSp>
+        <p:sp>
+          <p:nvSpPr>
+            <p:cNvPr id="49" name="任意多边形: 形状 48">
+              <a:extLst>
+                <a:ext uri="{FF2B5EF4-FFF2-40B4-BE49-F238E27FC236}">
+                  <a16:creationId xmlns:a16="http://schemas.microsoft.com/office/drawing/2014/main" id="{F7ED3559-417F-4E8C-94E8-C4912668ED86}"/>
+                </a:ext>
+              </a:extLst>
+            </p:cNvPr>
+            <p:cNvSpPr/>
+            <p:nvPr/>
+          </p:nvSpPr>
+          <p:spPr>
+            <a:xfrm>
+              <a:off x="5733491" y="2854405"/>
+              <a:ext cx="374400" cy="196880"/>
+            </a:xfrm>
+            <a:custGeom>
+              <a:avLst/>
+              <a:gdLst>
+                <a:gd name="connsiteX0" fmla="*/ 5997 w 1434298"/>
+                <a:gd name="connsiteY0" fmla="*/ 0 h 839165"/>
+                <a:gd name="connsiteX1" fmla="*/ 1428301 w 1434298"/>
+                <a:gd name="connsiteY1" fmla="*/ 0 h 839165"/>
+                <a:gd name="connsiteX2" fmla="*/ 1430596 w 1434298"/>
+                <a:gd name="connsiteY2" fmla="*/ 15660 h 839165"/>
+                <a:gd name="connsiteX3" fmla="*/ 1434298 w 1434298"/>
+                <a:gd name="connsiteY3" fmla="*/ 92048 h 839165"/>
+                <a:gd name="connsiteX4" fmla="*/ 717149 w 1434298"/>
+                <a:gd name="connsiteY4" fmla="*/ 839165 h 839165"/>
+                <a:gd name="connsiteX5" fmla="*/ 0 w 1434298"/>
+                <a:gd name="connsiteY5" fmla="*/ 92048 h 839165"/>
+                <a:gd name="connsiteX6" fmla="*/ 3703 w 1434298"/>
+                <a:gd name="connsiteY6" fmla="*/ 15660 h 839165"/>
+              </a:gdLst>
+              <a:ahLst/>
+              <a:cxnLst>
+                <a:cxn ang="0">
+                  <a:pos x="connsiteX0" y="connsiteY0"/>
+                </a:cxn>
+                <a:cxn ang="0">
+                  <a:pos x="connsiteX1" y="connsiteY1"/>
+                </a:cxn>
+                <a:cxn ang="0">
+                  <a:pos x="connsiteX2" y="connsiteY2"/>
+                </a:cxn>
+                <a:cxn ang="0">
+                  <a:pos x="connsiteX3" y="connsiteY3"/>
+                </a:cxn>
+                <a:cxn ang="0">
+                  <a:pos x="connsiteX4" y="connsiteY4"/>
+                </a:cxn>
+                <a:cxn ang="0">
+                  <a:pos x="connsiteX5" y="connsiteY5"/>
+                </a:cxn>
+                <a:cxn ang="0">
+                  <a:pos x="connsiteX6" y="connsiteY6"/>
+                </a:cxn>
+              </a:cxnLst>
+              <a:rect l="l" t="t" r="r" b="b"/>
+              <a:pathLst>
+                <a:path w="1434298" h="839165">
+                  <a:moveTo>
+                    <a:pt x="5997" y="0"/>
+                  </a:moveTo>
+                  <a:lnTo>
+                    <a:pt x="1428301" y="0"/>
+                  </a:lnTo>
+                  <a:lnTo>
+                    <a:pt x="1430596" y="15660"/>
+                  </a:lnTo>
+                  <a:cubicBezTo>
+                    <a:pt x="1433044" y="40776"/>
+                    <a:pt x="1434298" y="66259"/>
+                    <a:pt x="1434298" y="92048"/>
+                  </a:cubicBezTo>
+                  <a:cubicBezTo>
+                    <a:pt x="1434298" y="504669"/>
+                    <a:pt x="1113219" y="839165"/>
+                    <a:pt x="717149" y="839165"/>
+                  </a:cubicBezTo>
+                  <a:cubicBezTo>
+                    <a:pt x="321079" y="839165"/>
+                    <a:pt x="0" y="504669"/>
+                    <a:pt x="0" y="92048"/>
+                  </a:cubicBezTo>
+                  <a:cubicBezTo>
+                    <a:pt x="0" y="66259"/>
+                    <a:pt x="1254" y="40776"/>
+                    <a:pt x="3703" y="15660"/>
+                  </a:cubicBezTo>
+                  <a:close/>
+                </a:path>
+              </a:pathLst>
+            </a:custGeom>
+            <a:solidFill>
+              <a:schemeClr val="bg1">
+                <a:alpha val="70000"/>
+              </a:schemeClr>
+            </a:solidFill>
+            <a:ln w="28575">
+              <a:noFill/>
+            </a:ln>
+          </p:spPr>
+          <p:style>
+            <a:lnRef idx="2">
+              <a:schemeClr val="accent1">
+                <a:shade val="50000"/>
+              </a:schemeClr>
+            </a:lnRef>
+            <a:fillRef idx="1">
+              <a:schemeClr val="accent1"/>
+            </a:fillRef>
+            <a:effectRef idx="0">
+              <a:schemeClr val="accent1"/>
+            </a:effectRef>
+            <a:fontRef idx="minor">
+              <a:schemeClr val="lt1"/>
+            </a:fontRef>
+          </p:style>
+          <p:txBody>
+            <a:bodyPr wrap="square" rtlCol="0" anchor="ctr">
+              <a:noAutofit/>
+            </a:bodyPr>
+            <a:lstStyle/>
+            <a:p>
+              <a:pPr algn="ctr"/>
+              <a:endParaRPr lang="zh-CN" altLang="en-US"/>
+            </a:p>
+          </p:txBody>
+        </p:sp>
+      </p:grpSp>
+      <p:sp>
+        <p:nvSpPr>
+          <p:cNvPr id="89" name="矩形 88">
+            <a:extLst>
+              <a:ext uri="{FF2B5EF4-FFF2-40B4-BE49-F238E27FC236}">
+                <a16:creationId xmlns:a16="http://schemas.microsoft.com/office/drawing/2014/main" id="{2E83329A-ECBF-4499-9029-B09838A0E464}"/>
+              </a:ext>
+            </a:extLst>
+          </p:cNvPr>
+          <p:cNvSpPr/>
+          <p:nvPr/>
+        </p:nvSpPr>
+        <p:spPr>
+          <a:xfrm>
+            <a:off x="5827699" y="4199544"/>
+            <a:ext cx="652576" cy="652576"/>
+          </a:xfrm>
+          <a:prstGeom prst="rect">
+            <a:avLst/>
+          </a:prstGeom>
+          <a:noFill/>
+          <a:ln>
+            <a:noFill/>
+          </a:ln>
+        </p:spPr>
+        <p:style>
+          <a:lnRef idx="2">
+            <a:schemeClr val="accent1">
+              <a:shade val="50000"/>
+            </a:schemeClr>
+          </a:lnRef>
+          <a:fillRef idx="1">
+            <a:schemeClr val="accent1"/>
+          </a:fillRef>
+          <a:effectRef idx="0">
+            <a:schemeClr val="accent1"/>
+          </a:effectRef>
+          <a:fontRef idx="minor">
+            <a:schemeClr val="lt1"/>
+          </a:fontRef>
+        </p:style>
+        <p:txBody>
+          <a:bodyPr rtlCol="0" anchor="ctr"/>
+          <a:lstStyle/>
+          <a:p>
+            <a:pPr algn="ctr"/>
+            <a:endParaRPr lang="zh-CN" altLang="en-US"/>
+          </a:p>
+        </p:txBody>
+      </p:sp>
+      <p:grpSp>
+        <p:nvGrpSpPr>
+          <p:cNvPr id="171" name="组合 170">
+            <a:extLst>
+              <a:ext uri="{FF2B5EF4-FFF2-40B4-BE49-F238E27FC236}">
+                <a16:creationId xmlns:a16="http://schemas.microsoft.com/office/drawing/2014/main" id="{43B43870-8112-4EC5-8178-B06263AC6D8E}"/>
+              </a:ext>
+            </a:extLst>
+          </p:cNvPr>
+          <p:cNvGrpSpPr/>
+          <p:nvPr/>
+        </p:nvGrpSpPr>
+        <p:grpSpPr>
+          <a:xfrm>
+            <a:off x="6039915" y="4337848"/>
+            <a:ext cx="224098" cy="375969"/>
+            <a:chOff x="6043293" y="4334651"/>
+            <a:chExt cx="224098" cy="375969"/>
+          </a:xfrm>
+        </p:grpSpPr>
+        <p:sp>
+          <p:nvSpPr>
+            <p:cNvPr id="146" name="矩形: 圆角 145">
+              <a:extLst>
+                <a:ext uri="{FF2B5EF4-FFF2-40B4-BE49-F238E27FC236}">
+                  <a16:creationId xmlns:a16="http://schemas.microsoft.com/office/drawing/2014/main" id="{4C5FB119-CA2F-4291-AB00-1705353D79D2}"/>
+                </a:ext>
+              </a:extLst>
+            </p:cNvPr>
+            <p:cNvSpPr/>
+            <p:nvPr/>
+          </p:nvSpPr>
+          <p:spPr>
+            <a:xfrm>
+              <a:off x="6043293" y="4336220"/>
+              <a:ext cx="221389" cy="374400"/>
+            </a:xfrm>
+            <a:prstGeom prst="roundRect">
+              <a:avLst>
+                <a:gd name="adj" fmla="val 48664"/>
+              </a:avLst>
+            </a:prstGeom>
+            <a:gradFill flip="none" rotWithShape="1">
+              <a:gsLst>
+                <a:gs pos="0">
+                  <a:srgbClr val="7BE5DD"/>
+                </a:gs>
+                <a:gs pos="100000">
+                  <a:srgbClr val="1FBFB4"/>
+                </a:gs>
+              </a:gsLst>
+              <a:path path="circle">
+                <a:fillToRect l="100000" b="100000"/>
+              </a:path>
+              <a:tileRect t="-100000" r="-100000"/>
+            </a:gradFill>
+            <a:ln w="76200">
+              <a:noFill/>
+            </a:ln>
+            <a:effectLst>
+              <a:outerShdw blurRad="101600" algn="ctr" rotWithShape="0">
+                <a:prstClr val="black">
+                  <a:alpha val="20000"/>
+                </a:prstClr>
+              </a:outerShdw>
+            </a:effectLst>
+          </p:spPr>
+          <p:style>
+            <a:lnRef idx="2">
+              <a:schemeClr val="accent1">
+                <a:shade val="50000"/>
+              </a:schemeClr>
+            </a:lnRef>
+            <a:fillRef idx="1">
+              <a:schemeClr val="accent1"/>
+            </a:fillRef>
+            <a:effectRef idx="0">
+              <a:schemeClr val="accent1"/>
+            </a:effectRef>
+            <a:fontRef idx="minor">
+              <a:schemeClr val="lt1"/>
+            </a:fontRef>
+          </p:style>
+          <p:txBody>
+            <a:bodyPr rtlCol="0" anchor="ctr"/>
+            <a:lstStyle/>
+            <a:p>
+              <a:pPr algn="ctr"/>
+              <a:endParaRPr lang="zh-CN" altLang="en-US"/>
+            </a:p>
+          </p:txBody>
+        </p:sp>
+        <p:grpSp>
+          <p:nvGrpSpPr>
+            <p:cNvPr id="94" name="组合 93">
+              <a:extLst>
+                <a:ext uri="{FF2B5EF4-FFF2-40B4-BE49-F238E27FC236}">
+                  <a16:creationId xmlns:a16="http://schemas.microsoft.com/office/drawing/2014/main" id="{061BED0E-8824-4C5C-85D4-160364FAF88C}"/>
+                </a:ext>
+              </a:extLst>
+            </p:cNvPr>
+            <p:cNvGrpSpPr>
+              <a:grpSpLocks noChangeAspect="1"/>
+            </p:cNvGrpSpPr>
+            <p:nvPr/>
+          </p:nvGrpSpPr>
+          <p:grpSpPr>
+            <a:xfrm>
+              <a:off x="6046002" y="4334651"/>
+              <a:ext cx="221389" cy="374400"/>
+              <a:chOff x="2074560" y="1674512"/>
+              <a:chExt cx="560873" cy="948511"/>
+            </a:xfrm>
+          </p:grpSpPr>
+          <p:sp>
+            <p:nvSpPr>
+              <p:cNvPr id="91" name="矩形: 圆角 90">
+                <a:extLst>
+                  <a:ext uri="{FF2B5EF4-FFF2-40B4-BE49-F238E27FC236}">
+                    <a16:creationId xmlns:a16="http://schemas.microsoft.com/office/drawing/2014/main" id="{B6427655-D490-4DF4-8CFB-B0173739D7A6}"/>
+                  </a:ext>
+                </a:extLst>
+              </p:cNvPr>
+              <p:cNvSpPr/>
+              <p:nvPr/>
+            </p:nvSpPr>
+            <p:spPr>
+              <a:xfrm>
+                <a:off x="2074560" y="1674512"/>
+                <a:ext cx="560873" cy="948511"/>
+              </a:xfrm>
+              <a:prstGeom prst="roundRect">
+                <a:avLst>
+                  <a:gd name="adj" fmla="val 48664"/>
+                </a:avLst>
+              </a:prstGeom>
+              <a:gradFill>
+                <a:gsLst>
+                  <a:gs pos="0">
+                    <a:schemeClr val="bg1">
+                      <a:alpha val="60000"/>
+                    </a:schemeClr>
+                  </a:gs>
+                  <a:gs pos="100000">
+                    <a:schemeClr val="bg1">
+                      <a:alpha val="20000"/>
+                    </a:schemeClr>
+                  </a:gs>
+                </a:gsLst>
+                <a:path path="circle">
+                  <a:fillToRect l="100000" b="100000"/>
+                </a:path>
+              </a:gradFill>
+              <a:ln w="76200">
+                <a:noFill/>
+              </a:ln>
+            </p:spPr>
+            <p:style>
+              <a:lnRef idx="2">
+                <a:schemeClr val="accent1">
+                  <a:shade val="50000"/>
+                </a:schemeClr>
+              </a:lnRef>
+              <a:fillRef idx="1">
+                <a:schemeClr val="accent1"/>
+              </a:fillRef>
+              <a:effectRef idx="0">
+                <a:schemeClr val="accent1"/>
+              </a:effectRef>
+              <a:fontRef idx="minor">
+                <a:schemeClr val="lt1"/>
+              </a:fontRef>
+            </p:style>
+            <p:txBody>
+              <a:bodyPr rtlCol="0" anchor="ctr"/>
+              <a:lstStyle/>
+              <a:p>
+                <a:pPr algn="ctr"/>
+                <a:endParaRPr lang="zh-CN" altLang="en-US"/>
+              </a:p>
+            </p:txBody>
+          </p:sp>
+          <p:sp>
+            <p:nvSpPr>
+              <p:cNvPr id="92" name="任意多边形: 形状 91">
+                <a:extLst>
+                  <a:ext uri="{FF2B5EF4-FFF2-40B4-BE49-F238E27FC236}">
+                    <a16:creationId xmlns:a16="http://schemas.microsoft.com/office/drawing/2014/main" id="{60149B26-632C-4078-9BA6-14415FAA73FC}"/>
+                  </a:ext>
+                </a:extLst>
+              </p:cNvPr>
+              <p:cNvSpPr/>
+              <p:nvPr/>
+            </p:nvSpPr>
+            <p:spPr>
+              <a:xfrm flipH="1" flipV="1">
+                <a:off x="2353541" y="1674512"/>
+                <a:ext cx="280800" cy="556779"/>
+              </a:xfrm>
+              <a:custGeom>
+                <a:avLst/>
+                <a:gdLst>
+                  <a:gd name="connsiteX0" fmla="*/ 280800 w 281163"/>
+                  <a:gd name="connsiteY0" fmla="*/ 576780 h 576780"/>
+                  <a:gd name="connsiteX1" fmla="*/ 0 w 281163"/>
+                  <a:gd name="connsiteY1" fmla="*/ 295600 h 576780"/>
+                  <a:gd name="connsiteX2" fmla="*/ 0 w 281163"/>
+                  <a:gd name="connsiteY2" fmla="*/ 195180 h 576780"/>
+                  <a:gd name="connsiteX3" fmla="*/ 363 w 281163"/>
+                  <a:gd name="connsiteY3" fmla="*/ 195180 h 576780"/>
+                  <a:gd name="connsiteX4" fmla="*/ 363 w 281163"/>
+                  <a:gd name="connsiteY4" fmla="*/ 0 h 576780"/>
+                  <a:gd name="connsiteX5" fmla="*/ 278036 w 281163"/>
+                  <a:gd name="connsiteY5" fmla="*/ 195180 h 576780"/>
+                  <a:gd name="connsiteX6" fmla="*/ 280800 w 281163"/>
+                  <a:gd name="connsiteY6" fmla="*/ 195180 h 576780"/>
+                  <a:gd name="connsiteX7" fmla="*/ 280800 w 281163"/>
+                  <a:gd name="connsiteY7" fmla="*/ 197123 h 576780"/>
+                  <a:gd name="connsiteX8" fmla="*/ 281163 w 281163"/>
+                  <a:gd name="connsiteY8" fmla="*/ 197378 h 576780"/>
+                  <a:gd name="connsiteX9" fmla="*/ 280800 w 281163"/>
+                  <a:gd name="connsiteY9" fmla="*/ 197378 h 576780"/>
+                </a:gdLst>
+                <a:ahLst/>
+                <a:cxnLst>
+                  <a:cxn ang="0">
+                    <a:pos x="connsiteX0" y="connsiteY0"/>
+                  </a:cxn>
+                  <a:cxn ang="0">
+                    <a:pos x="connsiteX1" y="connsiteY1"/>
+                  </a:cxn>
+                  <a:cxn ang="0">
+                    <a:pos x="connsiteX2" y="connsiteY2"/>
+                  </a:cxn>
+                  <a:cxn ang="0">
+                    <a:pos x="connsiteX3" y="connsiteY3"/>
+                  </a:cxn>
+                  <a:cxn ang="0">
+                    <a:pos x="connsiteX4" y="connsiteY4"/>
+                  </a:cxn>
+                  <a:cxn ang="0">
+                    <a:pos x="connsiteX5" y="connsiteY5"/>
+                  </a:cxn>
+                  <a:cxn ang="0">
+                    <a:pos x="connsiteX6" y="connsiteY6"/>
+                  </a:cxn>
+                  <a:cxn ang="0">
+                    <a:pos x="connsiteX7" y="connsiteY7"/>
+                  </a:cxn>
+                  <a:cxn ang="0">
+                    <a:pos x="connsiteX8" y="connsiteY8"/>
+                  </a:cxn>
+                  <a:cxn ang="0">
+                    <a:pos x="connsiteX9" y="connsiteY9"/>
+                  </a:cxn>
+                </a:cxnLst>
+                <a:rect l="l" t="t" r="r" b="b"/>
+                <a:pathLst>
+                  <a:path w="281163" h="576780">
+                    <a:moveTo>
+                      <a:pt x="280800" y="576780"/>
+                    </a:moveTo>
+                    <a:cubicBezTo>
+                      <a:pt x="125719" y="576780"/>
+                      <a:pt x="0" y="450891"/>
+                      <a:pt x="0" y="295600"/>
+                    </a:cubicBezTo>
+                    <a:lnTo>
+                      <a:pt x="0" y="195180"/>
+                    </a:lnTo>
+                    <a:lnTo>
+                      <a:pt x="363" y="195180"/>
+                    </a:lnTo>
+                    <a:lnTo>
+                      <a:pt x="363" y="0"/>
+                    </a:lnTo>
+                    <a:lnTo>
+                      <a:pt x="278036" y="195180"/>
+                    </a:lnTo>
+                    <a:lnTo>
+                      <a:pt x="280800" y="195180"/>
+                    </a:lnTo>
+                    <a:lnTo>
+                      <a:pt x="280800" y="197123"/>
+                    </a:lnTo>
+                    <a:lnTo>
+                      <a:pt x="281163" y="197378"/>
+                    </a:lnTo>
+                    <a:lnTo>
+                      <a:pt x="280800" y="197378"/>
+                    </a:lnTo>
+                    <a:close/>
+                  </a:path>
+                </a:pathLst>
+              </a:custGeom>
+              <a:solidFill>
+                <a:schemeClr val="bg1">
+                  <a:alpha val="70000"/>
+                </a:schemeClr>
+              </a:solidFill>
+              <a:ln>
+                <a:noFill/>
+              </a:ln>
+            </p:spPr>
+            <p:style>
+              <a:lnRef idx="2">
+                <a:schemeClr val="accent1">
+                  <a:shade val="50000"/>
+                </a:schemeClr>
+              </a:lnRef>
+              <a:fillRef idx="1">
+                <a:schemeClr val="accent1"/>
+              </a:fillRef>
+              <a:effectRef idx="0">
+                <a:schemeClr val="accent1"/>
+              </a:effectRef>
+              <a:fontRef idx="minor">
+                <a:schemeClr val="lt1"/>
+              </a:fontRef>
+            </p:style>
+            <p:txBody>
+              <a:bodyPr wrap="square" rtlCol="0" anchor="ctr">
+                <a:noAutofit/>
+              </a:bodyPr>
+              <a:lstStyle/>
+              <a:p>
+                <a:pPr algn="ctr"/>
+                <a:endParaRPr lang="zh-CN" altLang="en-US"/>
+              </a:p>
+            </p:txBody>
+          </p:sp>
+          <p:sp>
+            <p:nvSpPr>
+              <p:cNvPr id="93" name="矩形: 圆角 92">
+                <a:extLst>
+                  <a:ext uri="{FF2B5EF4-FFF2-40B4-BE49-F238E27FC236}">
+                    <a16:creationId xmlns:a16="http://schemas.microsoft.com/office/drawing/2014/main" id="{0E2C8601-AA11-4725-A32E-3F80E0626BEB}"/>
+                  </a:ext>
+                </a:extLst>
+              </p:cNvPr>
+              <p:cNvSpPr/>
+              <p:nvPr/>
+            </p:nvSpPr>
+            <p:spPr>
+              <a:xfrm>
+                <a:off x="2309753" y="1775035"/>
+                <a:ext cx="87578" cy="179543"/>
+              </a:xfrm>
+              <a:prstGeom prst="roundRect">
+                <a:avLst>
+                  <a:gd name="adj" fmla="val 48664"/>
+                </a:avLst>
+              </a:prstGeom>
+              <a:solidFill>
+                <a:schemeClr val="bg1"/>
+              </a:solidFill>
+              <a:ln w="76200">
+                <a:noFill/>
+              </a:ln>
+            </p:spPr>
+            <p:style>
+              <a:lnRef idx="2">
+                <a:schemeClr val="accent1">
+                  <a:shade val="50000"/>
+                </a:schemeClr>
+              </a:lnRef>
+              <a:fillRef idx="1">
+                <a:schemeClr val="accent1"/>
+              </a:fillRef>
+              <a:effectRef idx="0">
+                <a:schemeClr val="accent1"/>
+              </a:effectRef>
+              <a:fontRef idx="minor">
+                <a:schemeClr val="lt1"/>
+              </a:fontRef>
+            </p:style>
+            <p:txBody>
+              <a:bodyPr rtlCol="0" anchor="ctr"/>
+              <a:lstStyle/>
+              <a:p>
+                <a:pPr algn="ctr"/>
+                <a:endParaRPr lang="zh-CN" altLang="en-US"/>
+              </a:p>
+            </p:txBody>
+          </p:sp>
+        </p:grpSp>
+      </p:grpSp>
+      <p:sp>
+        <p:nvSpPr>
+          <p:cNvPr id="96" name="矩形 95">
+            <a:extLst>
+              <a:ext uri="{FF2B5EF4-FFF2-40B4-BE49-F238E27FC236}">
+                <a16:creationId xmlns:a16="http://schemas.microsoft.com/office/drawing/2014/main" id="{145F7472-2F6C-44B2-A3B2-F1DF36EC31D7}"/>
+              </a:ext>
+            </a:extLst>
+          </p:cNvPr>
+          <p:cNvSpPr/>
+          <p:nvPr/>
+        </p:nvSpPr>
+        <p:spPr>
+          <a:xfrm flipH="1">
+            <a:off x="6607038" y="4199544"/>
+            <a:ext cx="652576" cy="652576"/>
+          </a:xfrm>
+          <a:prstGeom prst="rect">
+            <a:avLst/>
+          </a:prstGeom>
+          <a:noFill/>
+          <a:ln>
+            <a:noFill/>
+          </a:ln>
+        </p:spPr>
+        <p:style>
+          <a:lnRef idx="2">
+            <a:schemeClr val="accent1">
+              <a:shade val="50000"/>
+            </a:schemeClr>
+          </a:lnRef>
+          <a:fillRef idx="1">
+            <a:schemeClr val="accent1"/>
+          </a:fillRef>
+          <a:effectRef idx="0">
+            <a:schemeClr val="accent1"/>
+          </a:effectRef>
+          <a:fontRef idx="minor">
+            <a:schemeClr val="lt1"/>
+          </a:fontRef>
+        </p:style>
+        <p:txBody>
+          <a:bodyPr rtlCol="0" anchor="ctr"/>
+          <a:lstStyle/>
+          <a:p>
+            <a:pPr algn="ctr"/>
+            <a:endParaRPr lang="zh-CN" altLang="en-US"/>
+          </a:p>
+        </p:txBody>
+      </p:sp>
+      <p:sp>
+        <p:nvSpPr>
+          <p:cNvPr id="103" name="矩形 102">
+            <a:extLst>
+              <a:ext uri="{FF2B5EF4-FFF2-40B4-BE49-F238E27FC236}">
+                <a16:creationId xmlns:a16="http://schemas.microsoft.com/office/drawing/2014/main" id="{89B4F8DD-70A9-499A-B735-D134BC87FB6C}"/>
+              </a:ext>
+            </a:extLst>
+          </p:cNvPr>
+          <p:cNvSpPr/>
+          <p:nvPr/>
+        </p:nvSpPr>
+        <p:spPr>
+          <a:xfrm flipH="1">
+            <a:off x="7368931" y="4199544"/>
+            <a:ext cx="652576" cy="652576"/>
+          </a:xfrm>
+          <a:prstGeom prst="rect">
+            <a:avLst/>
+          </a:prstGeom>
+          <a:noFill/>
+          <a:ln>
+            <a:noFill/>
+          </a:ln>
+        </p:spPr>
+        <p:style>
+          <a:lnRef idx="2">
+            <a:schemeClr val="accent1">
+              <a:shade val="50000"/>
+            </a:schemeClr>
+          </a:lnRef>
+          <a:fillRef idx="1">
+            <a:schemeClr val="accent1"/>
+          </a:fillRef>
+          <a:effectRef idx="0">
+            <a:schemeClr val="accent1"/>
+          </a:effectRef>
+          <a:fontRef idx="minor">
+            <a:schemeClr val="lt1"/>
+          </a:fontRef>
+        </p:style>
+        <p:txBody>
+          <a:bodyPr rtlCol="0" anchor="ctr"/>
+          <a:lstStyle/>
+          <a:p>
+            <a:pPr algn="ctr"/>
+            <a:endParaRPr lang="zh-CN" altLang="en-US"/>
+          </a:p>
+        </p:txBody>
+      </p:sp>
+      <p:sp>
+        <p:nvSpPr>
+          <p:cNvPr id="115" name="矩形 114">
+            <a:extLst>
+              <a:ext uri="{FF2B5EF4-FFF2-40B4-BE49-F238E27FC236}">
+                <a16:creationId xmlns:a16="http://schemas.microsoft.com/office/drawing/2014/main" id="{FEC790B5-6A3F-48C4-97F4-A9DCF44D4275}"/>
+              </a:ext>
+            </a:extLst>
+          </p:cNvPr>
+          <p:cNvSpPr/>
+          <p:nvPr/>
+        </p:nvSpPr>
+        <p:spPr>
+          <a:xfrm>
+            <a:off x="5826456" y="5984248"/>
+            <a:ext cx="652576" cy="652576"/>
+          </a:xfrm>
+          <a:prstGeom prst="rect">
+            <a:avLst/>
+          </a:prstGeom>
+          <a:noFill/>
+          <a:ln>
+            <a:noFill/>
+          </a:ln>
+        </p:spPr>
+        <p:style>
+          <a:lnRef idx="2">
+            <a:schemeClr val="accent1">
+              <a:shade val="50000"/>
+            </a:schemeClr>
+          </a:lnRef>
+          <a:fillRef idx="1">
+            <a:schemeClr val="accent1"/>
+          </a:fillRef>
+          <a:effectRef idx="0">
+            <a:schemeClr val="accent1"/>
+          </a:effectRef>
+          <a:fontRef idx="minor">
+            <a:schemeClr val="lt1"/>
+          </a:fontRef>
+        </p:style>
+        <p:txBody>
+          <a:bodyPr rtlCol="0" anchor="ctr"/>
+          <a:lstStyle/>
+          <a:p>
+            <a:pPr algn="ctr"/>
+            <a:endParaRPr lang="zh-CN" altLang="en-US"/>
+          </a:p>
+        </p:txBody>
+      </p:sp>
+      <p:sp>
+        <p:nvSpPr>
+          <p:cNvPr id="117" name="矩形 116">
+            <a:extLst>
+              <a:ext uri="{FF2B5EF4-FFF2-40B4-BE49-F238E27FC236}">
+                <a16:creationId xmlns:a16="http://schemas.microsoft.com/office/drawing/2014/main" id="{DEA99DB4-ED6D-441B-94B5-246225D4C4E5}"/>
+              </a:ext>
+            </a:extLst>
+          </p:cNvPr>
+          <p:cNvSpPr/>
+          <p:nvPr/>
+        </p:nvSpPr>
+        <p:spPr>
+          <a:xfrm>
+            <a:off x="6624897" y="4986968"/>
+            <a:ext cx="652576" cy="652576"/>
+          </a:xfrm>
+          <a:prstGeom prst="rect">
+            <a:avLst/>
+          </a:prstGeom>
+          <a:noFill/>
+          <a:ln>
+            <a:noFill/>
+          </a:ln>
+        </p:spPr>
+        <p:style>
+          <a:lnRef idx="2">
+            <a:schemeClr val="accent1">
+              <a:shade val="50000"/>
+            </a:schemeClr>
+          </a:lnRef>
+          <a:fillRef idx="1">
+            <a:schemeClr val="accent1"/>
+          </a:fillRef>
+          <a:effectRef idx="0">
+            <a:schemeClr val="accent1"/>
+          </a:effectRef>
+          <a:fontRef idx="minor">
+            <a:schemeClr val="lt1"/>
+          </a:fontRef>
+        </p:style>
+        <p:txBody>
+          <a:bodyPr rtlCol="0" anchor="ctr"/>
+          <a:lstStyle/>
+          <a:p>
+            <a:pPr algn="ctr"/>
+            <a:endParaRPr lang="zh-CN" altLang="en-US"/>
+          </a:p>
+        </p:txBody>
+      </p:sp>
+      <p:sp>
+        <p:nvSpPr>
+          <p:cNvPr id="119" name="矩形 118">
+            <a:extLst>
+              <a:ext uri="{FF2B5EF4-FFF2-40B4-BE49-F238E27FC236}">
+                <a16:creationId xmlns:a16="http://schemas.microsoft.com/office/drawing/2014/main" id="{4EC9CF0A-4266-4B2C-A3FD-383DB1CBB572}"/>
+              </a:ext>
+            </a:extLst>
+          </p:cNvPr>
+          <p:cNvSpPr/>
+          <p:nvPr/>
+        </p:nvSpPr>
+        <p:spPr>
+          <a:xfrm>
+            <a:off x="7386088" y="4985101"/>
+            <a:ext cx="652576" cy="652576"/>
+          </a:xfrm>
+          <a:prstGeom prst="rect">
+            <a:avLst/>
+          </a:prstGeom>
+          <a:noFill/>
+          <a:ln>
+            <a:noFill/>
+          </a:ln>
+        </p:spPr>
+        <p:style>
+          <a:lnRef idx="2">
+            <a:schemeClr val="accent1">
+              <a:shade val="50000"/>
+            </a:schemeClr>
+          </a:lnRef>
+          <a:fillRef idx="1">
+            <a:schemeClr val="accent1"/>
+          </a:fillRef>
+          <a:effectRef idx="0">
+            <a:schemeClr val="accent1"/>
+          </a:effectRef>
+          <a:fontRef idx="minor">
+            <a:schemeClr val="lt1"/>
+          </a:fontRef>
+        </p:style>
+        <p:txBody>
+          <a:bodyPr rtlCol="0" anchor="ctr"/>
+          <a:lstStyle/>
+          <a:p>
+            <a:pPr algn="ctr"/>
+            <a:endParaRPr lang="zh-CN" altLang="en-US"/>
+          </a:p>
+        </p:txBody>
+      </p:sp>
+      <p:sp>
+        <p:nvSpPr>
+          <p:cNvPr id="121" name="矩形 120">
+            <a:extLst>
+              <a:ext uri="{FF2B5EF4-FFF2-40B4-BE49-F238E27FC236}">
+                <a16:creationId xmlns:a16="http://schemas.microsoft.com/office/drawing/2014/main" id="{4CBC4C0F-29D2-47EF-82E5-FD24F81E9533}"/>
+              </a:ext>
+            </a:extLst>
+          </p:cNvPr>
+          <p:cNvSpPr/>
+          <p:nvPr/>
+        </p:nvSpPr>
+        <p:spPr>
+          <a:xfrm>
+            <a:off x="5826938" y="4986968"/>
+            <a:ext cx="652576" cy="652576"/>
+          </a:xfrm>
+          <a:prstGeom prst="rect">
+            <a:avLst/>
+          </a:prstGeom>
+          <a:noFill/>
+          <a:ln>
+            <a:noFill/>
+          </a:ln>
+        </p:spPr>
+        <p:style>
+          <a:lnRef idx="2">
+            <a:schemeClr val="accent1">
+              <a:shade val="50000"/>
+            </a:schemeClr>
+          </a:lnRef>
+          <a:fillRef idx="1">
+            <a:schemeClr val="accent1"/>
+          </a:fillRef>
+          <a:effectRef idx="0">
+            <a:schemeClr val="accent1"/>
+          </a:effectRef>
+          <a:fontRef idx="minor">
+            <a:schemeClr val="lt1"/>
+          </a:fontRef>
+        </p:style>
+        <p:txBody>
+          <a:bodyPr rtlCol="0" anchor="ctr"/>
+          <a:lstStyle/>
+          <a:p>
+            <a:pPr algn="ctr"/>
+            <a:endParaRPr lang="zh-CN" altLang="en-US"/>
+          </a:p>
+        </p:txBody>
+      </p:sp>
+      <p:grpSp>
+        <p:nvGrpSpPr>
+          <p:cNvPr id="172" name="组合 171">
+            <a:extLst>
+              <a:ext uri="{FF2B5EF4-FFF2-40B4-BE49-F238E27FC236}">
+                <a16:creationId xmlns:a16="http://schemas.microsoft.com/office/drawing/2014/main" id="{37DC01BB-245B-418F-B80B-B4EAC3F90470}"/>
+              </a:ext>
+            </a:extLst>
+          </p:cNvPr>
+          <p:cNvGrpSpPr/>
+          <p:nvPr/>
+        </p:nvGrpSpPr>
+        <p:grpSpPr>
+          <a:xfrm>
+            <a:off x="5941779" y="5125508"/>
+            <a:ext cx="422894" cy="375497"/>
+            <a:chOff x="5941778" y="5124468"/>
+            <a:chExt cx="422894" cy="375497"/>
+          </a:xfrm>
+        </p:grpSpPr>
+        <p:sp>
+          <p:nvSpPr>
+            <p:cNvPr id="158" name="矩形: 圆角 157">
+              <a:extLst>
+                <a:ext uri="{FF2B5EF4-FFF2-40B4-BE49-F238E27FC236}">
+                  <a16:creationId xmlns:a16="http://schemas.microsoft.com/office/drawing/2014/main" id="{EAA7AC57-8217-44E4-AE1B-2C5E6CC4B242}"/>
+                </a:ext>
+              </a:extLst>
+            </p:cNvPr>
+            <p:cNvSpPr/>
+            <p:nvPr/>
+          </p:nvSpPr>
+          <p:spPr>
+            <a:xfrm>
+              <a:off x="5941778" y="5124468"/>
+              <a:ext cx="421746" cy="374400"/>
+            </a:xfrm>
+            <a:prstGeom prst="roundRect">
+              <a:avLst>
+                <a:gd name="adj" fmla="val 0"/>
+              </a:avLst>
+            </a:prstGeom>
+            <a:gradFill>
+              <a:gsLst>
+                <a:gs pos="0">
+                  <a:srgbClr val="46464C"/>
+                </a:gs>
+                <a:gs pos="100000">
+                  <a:srgbClr val="26262A"/>
+                </a:gs>
+              </a:gsLst>
+              <a:path path="circle">
+                <a:fillToRect l="100000" b="100000"/>
+              </a:path>
+            </a:gradFill>
+            <a:ln w="28575">
+              <a:noFill/>
+            </a:ln>
+            <a:effectLst>
+              <a:outerShdw blurRad="101600" algn="ctr" rotWithShape="0">
+                <a:prstClr val="black">
+                  <a:alpha val="20000"/>
+                </a:prstClr>
+              </a:outerShdw>
+            </a:effectLst>
+          </p:spPr>
+          <p:style>
+            <a:lnRef idx="2">
+              <a:schemeClr val="accent1">
+                <a:shade val="50000"/>
+              </a:schemeClr>
+            </a:lnRef>
+            <a:fillRef idx="1">
+              <a:schemeClr val="accent1"/>
+            </a:fillRef>
+            <a:effectRef idx="0">
+              <a:schemeClr val="accent1"/>
+            </a:effectRef>
+            <a:fontRef idx="minor">
+              <a:schemeClr val="lt1"/>
+            </a:fontRef>
+          </p:style>
+          <p:txBody>
+            <a:bodyPr rtlCol="0" anchor="ctr"/>
+            <a:lstStyle/>
+            <a:p>
+              <a:pPr algn="ctr"/>
+              <a:endParaRPr lang="zh-CN" altLang="en-US"/>
+            </a:p>
+          </p:txBody>
+        </p:sp>
+        <p:grpSp>
+          <p:nvGrpSpPr>
+            <p:cNvPr id="128" name="组合 127">
+              <a:extLst>
+                <a:ext uri="{FF2B5EF4-FFF2-40B4-BE49-F238E27FC236}">
+                  <a16:creationId xmlns:a16="http://schemas.microsoft.com/office/drawing/2014/main" id="{83440DBB-05E3-4B5A-B8CD-04A0BCD0D3BB}"/>
+                </a:ext>
+              </a:extLst>
+            </p:cNvPr>
+            <p:cNvGrpSpPr>
+              <a:grpSpLocks/>
+            </p:cNvGrpSpPr>
+            <p:nvPr/>
+          </p:nvGrpSpPr>
+          <p:grpSpPr>
+            <a:xfrm>
+              <a:off x="5942926" y="5125565"/>
+              <a:ext cx="421746" cy="374400"/>
+              <a:chOff x="1874876" y="3087351"/>
+              <a:chExt cx="384853" cy="341649"/>
+            </a:xfrm>
+          </p:grpSpPr>
+          <p:sp>
+            <p:nvSpPr>
+              <p:cNvPr id="123" name="矩形: 圆角 122">
+                <a:extLst>
+                  <a:ext uri="{FF2B5EF4-FFF2-40B4-BE49-F238E27FC236}">
+                    <a16:creationId xmlns:a16="http://schemas.microsoft.com/office/drawing/2014/main" id="{1BC0FFA6-308B-4096-A15A-467275A78832}"/>
+                  </a:ext>
+                </a:extLst>
+              </p:cNvPr>
+              <p:cNvSpPr/>
+              <p:nvPr/>
+            </p:nvSpPr>
+            <p:spPr>
+              <a:xfrm>
+                <a:off x="1874876" y="3087351"/>
+                <a:ext cx="384853" cy="341649"/>
+              </a:xfrm>
+              <a:prstGeom prst="roundRect">
+                <a:avLst>
+                  <a:gd name="adj" fmla="val 0"/>
+                </a:avLst>
+              </a:prstGeom>
+              <a:gradFill>
+                <a:gsLst>
+                  <a:gs pos="0">
+                    <a:schemeClr val="bg1">
+                      <a:alpha val="20000"/>
+                    </a:schemeClr>
+                  </a:gs>
+                  <a:gs pos="100000">
+                    <a:schemeClr val="bg1">
+                      <a:alpha val="50000"/>
+                    </a:schemeClr>
+                  </a:gs>
+                </a:gsLst>
+                <a:path path="circle">
+                  <a:fillToRect l="100000" b="100000"/>
+                </a:path>
+              </a:gradFill>
+              <a:ln w="28575">
+                <a:noFill/>
+              </a:ln>
+            </p:spPr>
+            <p:style>
+              <a:lnRef idx="2">
+                <a:schemeClr val="accent1">
+                  <a:shade val="50000"/>
+                </a:schemeClr>
+              </a:lnRef>
+              <a:fillRef idx="1">
+                <a:schemeClr val="accent1"/>
+              </a:fillRef>
+              <a:effectRef idx="0">
+                <a:schemeClr val="accent1"/>
+              </a:effectRef>
+              <a:fontRef idx="minor">
+                <a:schemeClr val="lt1"/>
+              </a:fontRef>
+            </p:style>
+            <p:txBody>
+              <a:bodyPr rtlCol="0" anchor="ctr"/>
+              <a:lstStyle/>
+              <a:p>
+                <a:pPr algn="ctr"/>
+                <a:endParaRPr lang="zh-CN" altLang="en-US"/>
+              </a:p>
+            </p:txBody>
+          </p:sp>
+          <p:sp>
+            <p:nvSpPr>
+              <p:cNvPr id="124" name="矩形 123">
+                <a:extLst>
+                  <a:ext uri="{FF2B5EF4-FFF2-40B4-BE49-F238E27FC236}">
+                    <a16:creationId xmlns:a16="http://schemas.microsoft.com/office/drawing/2014/main" id="{712172AC-0C23-4A99-935F-6F74A28D80B5}"/>
+                  </a:ext>
+                </a:extLst>
+              </p:cNvPr>
+              <p:cNvSpPr/>
+              <p:nvPr/>
+            </p:nvSpPr>
+            <p:spPr>
+              <a:xfrm>
+                <a:off x="1874876" y="3087351"/>
+                <a:ext cx="384853" cy="72469"/>
+              </a:xfrm>
+              <a:prstGeom prst="rect">
+                <a:avLst/>
+              </a:prstGeom>
+              <a:gradFill>
+                <a:gsLst>
+                  <a:gs pos="0">
+                    <a:schemeClr val="bg1">
+                      <a:alpha val="20000"/>
+                    </a:schemeClr>
+                  </a:gs>
+                  <a:gs pos="100000">
+                    <a:schemeClr val="bg1">
+                      <a:alpha val="50000"/>
+                    </a:schemeClr>
+                  </a:gs>
+                </a:gsLst>
+                <a:path path="circle">
+                  <a:fillToRect l="100000" b="100000"/>
+                </a:path>
+              </a:gradFill>
+              <a:ln w="28575">
+                <a:noFill/>
+              </a:ln>
+            </p:spPr>
+            <p:style>
+              <a:lnRef idx="2">
+                <a:schemeClr val="accent1">
+                  <a:shade val="50000"/>
+                </a:schemeClr>
+              </a:lnRef>
+              <a:fillRef idx="1">
+                <a:schemeClr val="accent1"/>
+              </a:fillRef>
+              <a:effectRef idx="0">
+                <a:schemeClr val="accent1"/>
+              </a:effectRef>
+              <a:fontRef idx="minor">
+                <a:schemeClr val="lt1"/>
+              </a:fontRef>
+            </p:style>
+            <p:txBody>
+              <a:bodyPr rtlCol="0" anchor="ctr"/>
+              <a:lstStyle/>
+              <a:p>
+                <a:pPr algn="ctr"/>
+                <a:endParaRPr lang="zh-CN" altLang="en-US"/>
+              </a:p>
+            </p:txBody>
+          </p:sp>
+          <p:sp>
+            <p:nvSpPr>
+              <p:cNvPr id="125" name="矩形 124">
+                <a:extLst>
+                  <a:ext uri="{FF2B5EF4-FFF2-40B4-BE49-F238E27FC236}">
+                    <a16:creationId xmlns:a16="http://schemas.microsoft.com/office/drawing/2014/main" id="{BF1B8AA0-6E92-472D-AAA2-53A2B2D08F7A}"/>
+                  </a:ext>
+                </a:extLst>
+              </p:cNvPr>
+              <p:cNvSpPr/>
+              <p:nvPr/>
+            </p:nvSpPr>
+            <p:spPr>
+              <a:xfrm>
+                <a:off x="1907412" y="3192603"/>
+                <a:ext cx="288000" cy="25200"/>
+              </a:xfrm>
+              <a:prstGeom prst="rect">
+                <a:avLst/>
+              </a:prstGeom>
+              <a:solidFill>
+                <a:schemeClr val="bg1"/>
+              </a:solidFill>
+              <a:ln w="6350">
+                <a:noFill/>
+              </a:ln>
+            </p:spPr>
+            <p:style>
+              <a:lnRef idx="2">
+                <a:schemeClr val="accent1">
+                  <a:shade val="50000"/>
+                </a:schemeClr>
+              </a:lnRef>
+              <a:fillRef idx="1">
+                <a:schemeClr val="accent1"/>
+              </a:fillRef>
+              <a:effectRef idx="0">
+                <a:schemeClr val="accent1"/>
+              </a:effectRef>
+              <a:fontRef idx="minor">
+                <a:schemeClr val="lt1"/>
+              </a:fontRef>
+            </p:style>
+            <p:txBody>
+              <a:bodyPr rtlCol="0" anchor="ctr"/>
+              <a:lstStyle/>
+              <a:p>
+                <a:pPr algn="ctr"/>
+                <a:endParaRPr lang="zh-CN" altLang="en-US"/>
+              </a:p>
+            </p:txBody>
+          </p:sp>
+          <p:sp>
+            <p:nvSpPr>
+              <p:cNvPr id="126" name="矩形 125">
+                <a:extLst>
+                  <a:ext uri="{FF2B5EF4-FFF2-40B4-BE49-F238E27FC236}">
+                    <a16:creationId xmlns:a16="http://schemas.microsoft.com/office/drawing/2014/main" id="{08B7E542-0333-4C36-A2F5-3B0A090551F3}"/>
+                  </a:ext>
+                </a:extLst>
+              </p:cNvPr>
+              <p:cNvSpPr/>
+              <p:nvPr/>
+            </p:nvSpPr>
+            <p:spPr>
+              <a:xfrm>
+                <a:off x="1907412" y="3239942"/>
+                <a:ext cx="216000" cy="25200"/>
+              </a:xfrm>
+              <a:prstGeom prst="rect">
+                <a:avLst/>
+              </a:prstGeom>
+              <a:solidFill>
+                <a:schemeClr val="bg1">
+                  <a:alpha val="70000"/>
+                </a:schemeClr>
+              </a:solidFill>
+              <a:ln w="6350">
+                <a:noFill/>
+              </a:ln>
+            </p:spPr>
+            <p:style>
+              <a:lnRef idx="2">
+                <a:schemeClr val="accent1">
+                  <a:shade val="50000"/>
+                </a:schemeClr>
+              </a:lnRef>
+              <a:fillRef idx="1">
+                <a:schemeClr val="accent1"/>
+              </a:fillRef>
+              <a:effectRef idx="0">
+                <a:schemeClr val="accent1"/>
+              </a:effectRef>
+              <a:fontRef idx="minor">
+                <a:schemeClr val="lt1"/>
+              </a:fontRef>
+            </p:style>
+            <p:txBody>
+              <a:bodyPr rtlCol="0" anchor="ctr"/>
+              <a:lstStyle/>
+              <a:p>
+                <a:pPr algn="ctr"/>
+                <a:endParaRPr lang="zh-CN" altLang="en-US"/>
+              </a:p>
+            </p:txBody>
+          </p:sp>
+          <p:sp>
+            <p:nvSpPr>
+              <p:cNvPr id="127" name="矩形 126">
+                <a:extLst>
+                  <a:ext uri="{FF2B5EF4-FFF2-40B4-BE49-F238E27FC236}">
+                    <a16:creationId xmlns:a16="http://schemas.microsoft.com/office/drawing/2014/main" id="{688CA4AF-F0ED-4C32-9FF2-171CF2E8F5DD}"/>
+                  </a:ext>
+                </a:extLst>
+              </p:cNvPr>
+              <p:cNvSpPr/>
+              <p:nvPr/>
+            </p:nvSpPr>
+            <p:spPr>
+              <a:xfrm>
+                <a:off x="1907412" y="3285972"/>
+                <a:ext cx="144000" cy="25200"/>
+              </a:xfrm>
+              <a:prstGeom prst="rect">
+                <a:avLst/>
+              </a:prstGeom>
+              <a:solidFill>
+                <a:schemeClr val="bg1">
+                  <a:alpha val="40000"/>
+                </a:schemeClr>
+              </a:solidFill>
+              <a:ln w="6350">
+                <a:noFill/>
+              </a:ln>
+            </p:spPr>
+            <p:style>
+              <a:lnRef idx="2">
+                <a:schemeClr val="accent1">
+                  <a:shade val="50000"/>
+                </a:schemeClr>
+              </a:lnRef>
+              <a:fillRef idx="1">
+                <a:schemeClr val="accent1"/>
+              </a:fillRef>
+              <a:effectRef idx="0">
+                <a:schemeClr val="accent1"/>
+              </a:effectRef>
+              <a:fontRef idx="minor">
+                <a:schemeClr val="lt1"/>
+              </a:fontRef>
+            </p:style>
+            <p:txBody>
+              <a:bodyPr rtlCol="0" anchor="ctr"/>
+              <a:lstStyle/>
+              <a:p>
+                <a:pPr algn="ctr"/>
+                <a:endParaRPr lang="zh-CN" altLang="en-US"/>
+              </a:p>
+            </p:txBody>
+          </p:sp>
+        </p:grpSp>
+      </p:grpSp>
+      <p:grpSp>
+        <p:nvGrpSpPr>
+          <p:cNvPr id="168" name="组合 167">
+            <a:extLst>
+              <a:ext uri="{FF2B5EF4-FFF2-40B4-BE49-F238E27FC236}">
+                <a16:creationId xmlns:a16="http://schemas.microsoft.com/office/drawing/2014/main" id="{54C97DEF-F2FA-4F22-A5B0-91E9CD3BC512}"/>
+              </a:ext>
+            </a:extLst>
+          </p:cNvPr>
+          <p:cNvGrpSpPr/>
+          <p:nvPr/>
+        </p:nvGrpSpPr>
+        <p:grpSpPr>
+          <a:xfrm>
+            <a:off x="6798764" y="5119647"/>
+            <a:ext cx="304842" cy="387218"/>
+            <a:chOff x="7541032" y="5119068"/>
+            <a:chExt cx="304842" cy="387218"/>
+          </a:xfrm>
+        </p:grpSpPr>
+        <p:sp>
+          <p:nvSpPr>
+            <p:cNvPr id="162" name="任意多边形: 形状 161">
+              <a:extLst>
+                <a:ext uri="{FF2B5EF4-FFF2-40B4-BE49-F238E27FC236}">
+                  <a16:creationId xmlns:a16="http://schemas.microsoft.com/office/drawing/2014/main" id="{927BA018-7533-4102-843E-F3FBDD28ACDD}"/>
+                </a:ext>
+              </a:extLst>
+            </p:cNvPr>
+            <p:cNvSpPr>
+              <a:spLocks/>
+            </p:cNvSpPr>
+            <p:nvPr/>
+          </p:nvSpPr>
+          <p:spPr>
+            <a:xfrm flipV="1">
+              <a:off x="7541032" y="5121086"/>
+              <a:ext cx="303292" cy="385200"/>
+            </a:xfrm>
+            <a:custGeom>
+              <a:avLst/>
+              <a:gdLst>
+                <a:gd name="connsiteX0" fmla="*/ 192427 w 384854"/>
+                <a:gd name="connsiteY0" fmla="*/ 488790 h 488790"/>
+                <a:gd name="connsiteX1" fmla="*/ 384854 w 384854"/>
+                <a:gd name="connsiteY1" fmla="*/ 296363 h 488790"/>
+                <a:gd name="connsiteX2" fmla="*/ 369732 w 384854"/>
+                <a:gd name="connsiteY2" fmla="*/ 221462 h 488790"/>
+                <a:gd name="connsiteX3" fmla="*/ 344205 w 384854"/>
+                <a:gd name="connsiteY3" fmla="*/ 183600 h 488790"/>
+                <a:gd name="connsiteX4" fmla="*/ 344613 w 384854"/>
+                <a:gd name="connsiteY4" fmla="*/ 183600 h 488790"/>
+                <a:gd name="connsiteX5" fmla="*/ 193413 w 384854"/>
+                <a:gd name="connsiteY5" fmla="*/ 0 h 488790"/>
+                <a:gd name="connsiteX6" fmla="*/ 42213 w 384854"/>
+                <a:gd name="connsiteY6" fmla="*/ 183600 h 488790"/>
+                <a:gd name="connsiteX7" fmla="*/ 40649 w 384854"/>
+                <a:gd name="connsiteY7" fmla="*/ 183600 h 488790"/>
+                <a:gd name="connsiteX8" fmla="*/ 15122 w 384854"/>
+                <a:gd name="connsiteY8" fmla="*/ 221462 h 488790"/>
+                <a:gd name="connsiteX9" fmla="*/ 0 w 384854"/>
+                <a:gd name="connsiteY9" fmla="*/ 296363 h 488790"/>
+                <a:gd name="connsiteX10" fmla="*/ 192427 w 384854"/>
+                <a:gd name="connsiteY10" fmla="*/ 488790 h 488790"/>
+              </a:gdLst>
+              <a:ahLst/>
+              <a:cxnLst>
+                <a:cxn ang="0">
+                  <a:pos x="connsiteX0" y="connsiteY0"/>
+                </a:cxn>
+                <a:cxn ang="0">
+                  <a:pos x="connsiteX1" y="connsiteY1"/>
+                </a:cxn>
+                <a:cxn ang="0">
+                  <a:pos x="connsiteX2" y="connsiteY2"/>
+                </a:cxn>
+                <a:cxn ang="0">
+                  <a:pos x="connsiteX3" y="connsiteY3"/>
+                </a:cxn>
+                <a:cxn ang="0">
+                  <a:pos x="connsiteX4" y="connsiteY4"/>
+                </a:cxn>
+                <a:cxn ang="0">
+                  <a:pos x="connsiteX5" y="connsiteY5"/>
+                </a:cxn>
+                <a:cxn ang="0">
+                  <a:pos x="connsiteX6" y="connsiteY6"/>
+                </a:cxn>
+                <a:cxn ang="0">
+                  <a:pos x="connsiteX7" y="connsiteY7"/>
+                </a:cxn>
+                <a:cxn ang="0">
+                  <a:pos x="connsiteX8" y="connsiteY8"/>
+                </a:cxn>
+                <a:cxn ang="0">
+                  <a:pos x="connsiteX9" y="connsiteY9"/>
+                </a:cxn>
+                <a:cxn ang="0">
+                  <a:pos x="connsiteX10" y="connsiteY10"/>
+                </a:cxn>
+              </a:cxnLst>
+              <a:rect l="l" t="t" r="r" b="b"/>
+              <a:pathLst>
+                <a:path w="384854" h="488790">
+                  <a:moveTo>
+                    <a:pt x="192427" y="488790"/>
+                  </a:moveTo>
+                  <a:cubicBezTo>
+                    <a:pt x="298701" y="488790"/>
+                    <a:pt x="384854" y="402637"/>
+                    <a:pt x="384854" y="296363"/>
+                  </a:cubicBezTo>
+                  <a:cubicBezTo>
+                    <a:pt x="384854" y="269794"/>
+                    <a:pt x="379470" y="244483"/>
+                    <a:pt x="369732" y="221462"/>
+                  </a:cubicBezTo>
+                  <a:lnTo>
+                    <a:pt x="344205" y="183600"/>
+                  </a:lnTo>
+                  <a:lnTo>
+                    <a:pt x="344613" y="183600"/>
+                  </a:lnTo>
+                  <a:lnTo>
+                    <a:pt x="193413" y="0"/>
+                  </a:lnTo>
+                  <a:lnTo>
+                    <a:pt x="42213" y="183600"/>
+                  </a:lnTo>
+                  <a:lnTo>
+                    <a:pt x="40649" y="183600"/>
+                  </a:lnTo>
+                  <a:lnTo>
+                    <a:pt x="15122" y="221462"/>
+                  </a:lnTo>
+                  <a:cubicBezTo>
+                    <a:pt x="5385" y="244483"/>
+                    <a:pt x="0" y="269794"/>
+                    <a:pt x="0" y="296363"/>
+                  </a:cubicBezTo>
+                  <a:cubicBezTo>
+                    <a:pt x="0" y="402637"/>
+                    <a:pt x="86153" y="488790"/>
+                    <a:pt x="192427" y="488790"/>
+                  </a:cubicBezTo>
+                  <a:close/>
+                </a:path>
+              </a:pathLst>
+            </a:custGeom>
+            <a:gradFill flip="none" rotWithShape="1">
+              <a:gsLst>
+                <a:gs pos="100000">
+                  <a:srgbClr val="E9403A"/>
+                </a:gs>
+                <a:gs pos="0">
+                  <a:srgbClr val="FE3802"/>
+                </a:gs>
+              </a:gsLst>
+              <a:path path="circle">
+                <a:fillToRect r="100000" b="100000"/>
+              </a:path>
+              <a:tileRect l="-100000" t="-100000"/>
+            </a:gradFill>
+            <a:ln w="19050">
+              <a:noFill/>
+            </a:ln>
+            <a:effectLst>
+              <a:outerShdw blurRad="101600" algn="ctr" rotWithShape="0">
+                <a:prstClr val="black">
+                  <a:alpha val="20000"/>
+                </a:prstClr>
+              </a:outerShdw>
+            </a:effectLst>
+          </p:spPr>
+          <p:style>
+            <a:lnRef idx="2">
+              <a:schemeClr val="accent1">
+                <a:shade val="50000"/>
+              </a:schemeClr>
+            </a:lnRef>
+            <a:fillRef idx="1">
+              <a:schemeClr val="accent1"/>
+            </a:fillRef>
+            <a:effectRef idx="0">
+              <a:schemeClr val="accent1"/>
+            </a:effectRef>
+            <a:fontRef idx="minor">
+              <a:schemeClr val="lt1"/>
+            </a:fontRef>
+          </p:style>
+          <p:txBody>
+            <a:bodyPr wrap="square" rtlCol="0" anchor="ctr">
+              <a:noAutofit/>
+            </a:bodyPr>
+            <a:lstStyle/>
+            <a:p>
+              <a:pPr algn="ctr"/>
+              <a:endParaRPr lang="zh-CN" altLang="en-US"/>
+            </a:p>
+          </p:txBody>
+        </p:sp>
+        <p:grpSp>
+          <p:nvGrpSpPr>
+            <p:cNvPr id="132" name="组合 131">
+              <a:extLst>
+                <a:ext uri="{FF2B5EF4-FFF2-40B4-BE49-F238E27FC236}">
+                  <a16:creationId xmlns:a16="http://schemas.microsoft.com/office/drawing/2014/main" id="{10CE49D3-5C56-433C-A0AA-2457D891419B}"/>
+                </a:ext>
+              </a:extLst>
+            </p:cNvPr>
+            <p:cNvGrpSpPr/>
+            <p:nvPr/>
+          </p:nvGrpSpPr>
+          <p:grpSpPr>
+            <a:xfrm>
+              <a:off x="7542582" y="5119068"/>
+              <a:ext cx="303292" cy="385200"/>
+              <a:chOff x="5015213" y="2680556"/>
+              <a:chExt cx="303292" cy="385200"/>
+            </a:xfrm>
+          </p:grpSpPr>
+          <p:sp>
+            <p:nvSpPr>
+              <p:cNvPr id="130" name="任意多边形: 形状 129">
+                <a:extLst>
+                  <a:ext uri="{FF2B5EF4-FFF2-40B4-BE49-F238E27FC236}">
+                    <a16:creationId xmlns:a16="http://schemas.microsoft.com/office/drawing/2014/main" id="{8A8409AB-76DB-473B-A155-511F367A28E8}"/>
+                  </a:ext>
+                </a:extLst>
+              </p:cNvPr>
+              <p:cNvSpPr>
+                <a:spLocks/>
+              </p:cNvSpPr>
+              <p:nvPr/>
+            </p:nvSpPr>
+            <p:spPr>
+              <a:xfrm flipV="1">
+                <a:off x="5015213" y="2680556"/>
+                <a:ext cx="303292" cy="385200"/>
+              </a:xfrm>
+              <a:custGeom>
+                <a:avLst/>
+                <a:gdLst>
+                  <a:gd name="connsiteX0" fmla="*/ 192427 w 384854"/>
+                  <a:gd name="connsiteY0" fmla="*/ 488790 h 488790"/>
+                  <a:gd name="connsiteX1" fmla="*/ 384854 w 384854"/>
+                  <a:gd name="connsiteY1" fmla="*/ 296363 h 488790"/>
+                  <a:gd name="connsiteX2" fmla="*/ 369732 w 384854"/>
+                  <a:gd name="connsiteY2" fmla="*/ 221462 h 488790"/>
+                  <a:gd name="connsiteX3" fmla="*/ 344205 w 384854"/>
+                  <a:gd name="connsiteY3" fmla="*/ 183600 h 488790"/>
+                  <a:gd name="connsiteX4" fmla="*/ 344613 w 384854"/>
+                  <a:gd name="connsiteY4" fmla="*/ 183600 h 488790"/>
+                  <a:gd name="connsiteX5" fmla="*/ 193413 w 384854"/>
+                  <a:gd name="connsiteY5" fmla="*/ 0 h 488790"/>
+                  <a:gd name="connsiteX6" fmla="*/ 42213 w 384854"/>
+                  <a:gd name="connsiteY6" fmla="*/ 183600 h 488790"/>
+                  <a:gd name="connsiteX7" fmla="*/ 40649 w 384854"/>
+                  <a:gd name="connsiteY7" fmla="*/ 183600 h 488790"/>
+                  <a:gd name="connsiteX8" fmla="*/ 15122 w 384854"/>
+                  <a:gd name="connsiteY8" fmla="*/ 221462 h 488790"/>
+                  <a:gd name="connsiteX9" fmla="*/ 0 w 384854"/>
+                  <a:gd name="connsiteY9" fmla="*/ 296363 h 488790"/>
+                  <a:gd name="connsiteX10" fmla="*/ 192427 w 384854"/>
+                  <a:gd name="connsiteY10" fmla="*/ 488790 h 488790"/>
+                </a:gdLst>
+                <a:ahLst/>
+                <a:cxnLst>
+                  <a:cxn ang="0">
+                    <a:pos x="connsiteX0" y="connsiteY0"/>
+                  </a:cxn>
+                  <a:cxn ang="0">
+                    <a:pos x="connsiteX1" y="connsiteY1"/>
+                  </a:cxn>
+                  <a:cxn ang="0">
+                    <a:pos x="connsiteX2" y="connsiteY2"/>
+                  </a:cxn>
+                  <a:cxn ang="0">
+                    <a:pos x="connsiteX3" y="connsiteY3"/>
+                  </a:cxn>
+                  <a:cxn ang="0">
+                    <a:pos x="connsiteX4" y="connsiteY4"/>
+                  </a:cxn>
+                  <a:cxn ang="0">
+                    <a:pos x="connsiteX5" y="connsiteY5"/>
+                  </a:cxn>
+                  <a:cxn ang="0">
+                    <a:pos x="connsiteX6" y="connsiteY6"/>
+                  </a:cxn>
+                  <a:cxn ang="0">
+                    <a:pos x="connsiteX7" y="connsiteY7"/>
+                  </a:cxn>
+                  <a:cxn ang="0">
+                    <a:pos x="connsiteX8" y="connsiteY8"/>
+                  </a:cxn>
+                  <a:cxn ang="0">
+                    <a:pos x="connsiteX9" y="connsiteY9"/>
+                  </a:cxn>
+                  <a:cxn ang="0">
+                    <a:pos x="connsiteX10" y="connsiteY10"/>
+                  </a:cxn>
+                </a:cxnLst>
+                <a:rect l="l" t="t" r="r" b="b"/>
+                <a:pathLst>
+                  <a:path w="384854" h="488790">
+                    <a:moveTo>
+                      <a:pt x="192427" y="488790"/>
+                    </a:moveTo>
+                    <a:cubicBezTo>
+                      <a:pt x="298701" y="488790"/>
+                      <a:pt x="384854" y="402637"/>
+                      <a:pt x="384854" y="296363"/>
+                    </a:cubicBezTo>
+                    <a:cubicBezTo>
+                      <a:pt x="384854" y="269794"/>
+                      <a:pt x="379470" y="244483"/>
+                      <a:pt x="369732" y="221462"/>
+                    </a:cubicBezTo>
+                    <a:lnTo>
+                      <a:pt x="344205" y="183600"/>
+                    </a:lnTo>
+                    <a:lnTo>
+                      <a:pt x="344613" y="183600"/>
+                    </a:lnTo>
+                    <a:lnTo>
+                      <a:pt x="193413" y="0"/>
+                    </a:lnTo>
+                    <a:lnTo>
+                      <a:pt x="42213" y="183600"/>
+                    </a:lnTo>
+                    <a:lnTo>
+                      <a:pt x="40649" y="183600"/>
+                    </a:lnTo>
+                    <a:lnTo>
+                      <a:pt x="15122" y="221462"/>
+                    </a:lnTo>
+                    <a:cubicBezTo>
+                      <a:pt x="5385" y="244483"/>
+                      <a:pt x="0" y="269794"/>
+                      <a:pt x="0" y="296363"/>
+                    </a:cubicBezTo>
+                    <a:cubicBezTo>
+                      <a:pt x="0" y="402637"/>
+                      <a:pt x="86153" y="488790"/>
+                      <a:pt x="192427" y="488790"/>
+                    </a:cubicBezTo>
+                    <a:close/>
+                  </a:path>
+                </a:pathLst>
+              </a:custGeom>
+              <a:gradFill flip="none" rotWithShape="1">
+                <a:gsLst>
+                  <a:gs pos="0">
+                    <a:schemeClr val="bg1">
+                      <a:alpha val="10000"/>
+                    </a:schemeClr>
+                  </a:gs>
+                  <a:gs pos="100000">
+                    <a:schemeClr val="bg1">
+                      <a:alpha val="30000"/>
+                    </a:schemeClr>
+                  </a:gs>
+                </a:gsLst>
+                <a:path path="circle">
+                  <a:fillToRect r="100000" b="100000"/>
+                </a:path>
+                <a:tileRect l="-100000" t="-100000"/>
+              </a:gradFill>
+              <a:ln w="19050">
+                <a:noFill/>
+              </a:ln>
+            </p:spPr>
+            <p:style>
+              <a:lnRef idx="2">
+                <a:schemeClr val="accent1">
+                  <a:shade val="50000"/>
+                </a:schemeClr>
+              </a:lnRef>
+              <a:fillRef idx="1">
+                <a:schemeClr val="accent1"/>
+              </a:fillRef>
+              <a:effectRef idx="0">
+                <a:schemeClr val="accent1"/>
+              </a:effectRef>
+              <a:fontRef idx="minor">
+                <a:schemeClr val="lt1"/>
+              </a:fontRef>
+            </p:style>
+            <p:txBody>
+              <a:bodyPr wrap="square" rtlCol="0" anchor="ctr">
+                <a:noAutofit/>
+              </a:bodyPr>
+              <a:lstStyle/>
+              <a:p>
+                <a:pPr algn="ctr"/>
+                <a:endParaRPr lang="zh-CN" altLang="en-US"/>
+              </a:p>
+            </p:txBody>
+          </p:sp>
+          <p:sp>
+            <p:nvSpPr>
+              <p:cNvPr id="131" name="椭圆 130">
+                <a:extLst>
+                  <a:ext uri="{FF2B5EF4-FFF2-40B4-BE49-F238E27FC236}">
+                    <a16:creationId xmlns:a16="http://schemas.microsoft.com/office/drawing/2014/main" id="{90C01BC6-EEFC-425A-99D5-6686AB918BC0}"/>
+                  </a:ext>
+                </a:extLst>
+              </p:cNvPr>
+              <p:cNvSpPr/>
+              <p:nvPr/>
+            </p:nvSpPr>
+            <p:spPr>
+              <a:xfrm>
+                <a:off x="5083900" y="2753789"/>
+                <a:ext cx="162000" cy="162000"/>
+              </a:xfrm>
+              <a:prstGeom prst="ellipse">
+                <a:avLst/>
+              </a:prstGeom>
+              <a:gradFill flip="none" rotWithShape="1">
+                <a:gsLst>
+                  <a:gs pos="0">
+                    <a:schemeClr val="bg1">
+                      <a:alpha val="90000"/>
+                    </a:schemeClr>
+                  </a:gs>
+                  <a:gs pos="100000">
+                    <a:schemeClr val="bg1">
+                      <a:alpha val="30000"/>
+                    </a:schemeClr>
+                  </a:gs>
+                </a:gsLst>
+                <a:path path="circle">
+                  <a:fillToRect l="100000" b="100000"/>
+                </a:path>
+                <a:tileRect t="-100000" r="-100000"/>
+              </a:gradFill>
+              <a:ln>
+                <a:noFill/>
+              </a:ln>
+            </p:spPr>
+            <p:style>
+              <a:lnRef idx="2">
+                <a:schemeClr val="accent1">
+                  <a:shade val="50000"/>
+                </a:schemeClr>
+              </a:lnRef>
+              <a:fillRef idx="1">
+                <a:schemeClr val="accent1"/>
+              </a:fillRef>
+              <a:effectRef idx="0">
+                <a:schemeClr val="accent1"/>
+              </a:effectRef>
+              <a:fontRef idx="minor">
+                <a:schemeClr val="lt1"/>
+              </a:fontRef>
+            </p:style>
+            <p:txBody>
+              <a:bodyPr rtlCol="0" anchor="ctr"/>
+              <a:lstStyle/>
+              <a:p>
+                <a:pPr algn="ctr"/>
+                <a:endParaRPr lang="zh-CN" altLang="en-US"/>
+              </a:p>
+            </p:txBody>
+          </p:sp>
+        </p:grpSp>
+      </p:grpSp>
+      <p:grpSp>
+        <p:nvGrpSpPr>
+          <p:cNvPr id="167" name="组合 166">
+            <a:extLst>
+              <a:ext uri="{FF2B5EF4-FFF2-40B4-BE49-F238E27FC236}">
+                <a16:creationId xmlns:a16="http://schemas.microsoft.com/office/drawing/2014/main" id="{F64BE667-9F7A-40F9-A6A9-716EDC1D448D}"/>
+              </a:ext>
+            </a:extLst>
+          </p:cNvPr>
+          <p:cNvGrpSpPr/>
+          <p:nvPr/>
+        </p:nvGrpSpPr>
+        <p:grpSpPr>
+          <a:xfrm>
+            <a:off x="7523862" y="5124132"/>
+            <a:ext cx="377028" cy="374514"/>
+            <a:chOff x="8265635" y="5121438"/>
+            <a:chExt cx="377028" cy="374514"/>
+          </a:xfrm>
+        </p:grpSpPr>
+        <p:sp>
+          <p:nvSpPr>
+            <p:cNvPr id="164" name="椭圆 163">
+              <a:extLst>
+                <a:ext uri="{FF2B5EF4-FFF2-40B4-BE49-F238E27FC236}">
+                  <a16:creationId xmlns:a16="http://schemas.microsoft.com/office/drawing/2014/main" id="{C79300EC-D110-4FD2-94CD-1C720D578FAC}"/>
+                </a:ext>
+              </a:extLst>
+            </p:cNvPr>
+            <p:cNvSpPr/>
+            <p:nvPr/>
+          </p:nvSpPr>
+          <p:spPr>
+            <a:xfrm>
+              <a:off x="8266401" y="5121552"/>
+              <a:ext cx="374399" cy="374400"/>
+            </a:xfrm>
+            <a:prstGeom prst="ellipse">
+              <a:avLst/>
+            </a:prstGeom>
+            <a:gradFill flip="none" rotWithShape="1">
+              <a:gsLst>
+                <a:gs pos="0">
+                  <a:srgbClr val="FDCC02"/>
+                </a:gs>
+                <a:gs pos="100000">
+                  <a:srgbClr val="FFB242"/>
+                </a:gs>
+              </a:gsLst>
+              <a:path path="circle">
+                <a:fillToRect t="100000" r="100000"/>
+              </a:path>
+              <a:tileRect l="-100000" b="-100000"/>
+            </a:gradFill>
+            <a:ln>
+              <a:noFill/>
+            </a:ln>
+            <a:effectLst>
+              <a:outerShdw blurRad="101600" algn="ctr" rotWithShape="0">
+                <a:prstClr val="black">
+                  <a:alpha val="20000"/>
+                </a:prstClr>
+              </a:outerShdw>
+            </a:effectLst>
+          </p:spPr>
+          <p:style>
+            <a:lnRef idx="2">
+              <a:schemeClr val="accent1">
+                <a:shade val="50000"/>
+              </a:schemeClr>
+            </a:lnRef>
+            <a:fillRef idx="1">
+              <a:schemeClr val="accent1"/>
+            </a:fillRef>
+            <a:effectRef idx="0">
+              <a:schemeClr val="accent1"/>
+            </a:effectRef>
+            <a:fontRef idx="minor">
+              <a:schemeClr val="lt1"/>
+            </a:fontRef>
+          </p:style>
+          <p:txBody>
+            <a:bodyPr rtlCol="0" anchor="ctr"/>
+            <a:lstStyle/>
+            <a:p>
+              <a:pPr algn="ctr"/>
+              <a:endParaRPr lang="zh-CN" altLang="en-US"/>
+            </a:p>
+          </p:txBody>
+        </p:sp>
+        <p:grpSp>
+          <p:nvGrpSpPr>
+            <p:cNvPr id="144" name="组合 143">
+              <a:extLst>
+                <a:ext uri="{FF2B5EF4-FFF2-40B4-BE49-F238E27FC236}">
+                  <a16:creationId xmlns:a16="http://schemas.microsoft.com/office/drawing/2014/main" id="{2701687F-4C81-4835-9709-162AA5F6CB9B}"/>
+                </a:ext>
+              </a:extLst>
+            </p:cNvPr>
+            <p:cNvGrpSpPr/>
+            <p:nvPr/>
+          </p:nvGrpSpPr>
+          <p:grpSpPr>
+            <a:xfrm>
+              <a:off x="8265635" y="5121438"/>
+              <a:ext cx="377028" cy="374400"/>
+              <a:chOff x="5730863" y="2676885"/>
+              <a:chExt cx="377028" cy="374400"/>
+            </a:xfrm>
+          </p:grpSpPr>
+          <p:sp>
+            <p:nvSpPr>
+              <p:cNvPr id="138" name="椭圆 137">
+                <a:extLst>
+                  <a:ext uri="{FF2B5EF4-FFF2-40B4-BE49-F238E27FC236}">
+                    <a16:creationId xmlns:a16="http://schemas.microsoft.com/office/drawing/2014/main" id="{A7CAC104-D7EF-4922-A780-02C7FFD30D82}"/>
+                  </a:ext>
+                </a:extLst>
+              </p:cNvPr>
+              <p:cNvSpPr/>
+              <p:nvPr/>
+            </p:nvSpPr>
+            <p:spPr>
+              <a:xfrm>
+                <a:off x="5733492" y="2676885"/>
+                <a:ext cx="374399" cy="374400"/>
+              </a:xfrm>
+              <a:prstGeom prst="ellipse">
+                <a:avLst/>
+              </a:prstGeom>
+              <a:gradFill flip="none" rotWithShape="1">
+                <a:gsLst>
+                  <a:gs pos="0">
+                    <a:schemeClr val="bg1">
+                      <a:alpha val="0"/>
+                    </a:schemeClr>
+                  </a:gs>
+                  <a:gs pos="100000">
+                    <a:schemeClr val="bg1">
+                      <a:alpha val="50000"/>
+                    </a:schemeClr>
+                  </a:gs>
+                </a:gsLst>
+                <a:path path="circle">
+                  <a:fillToRect t="100000" r="100000"/>
+                </a:path>
+                <a:tileRect l="-100000" b="-100000"/>
+              </a:gradFill>
+              <a:ln>
+                <a:noFill/>
+              </a:ln>
+            </p:spPr>
+            <p:style>
+              <a:lnRef idx="2">
+                <a:schemeClr val="accent1">
+                  <a:shade val="50000"/>
+                </a:schemeClr>
+              </a:lnRef>
+              <a:fillRef idx="1">
+                <a:schemeClr val="accent1"/>
+              </a:fillRef>
+              <a:effectRef idx="0">
+                <a:schemeClr val="accent1"/>
+              </a:effectRef>
+              <a:fontRef idx="minor">
+                <a:schemeClr val="lt1"/>
+              </a:fontRef>
+            </p:style>
+            <p:txBody>
+              <a:bodyPr rtlCol="0" anchor="ctr"/>
+              <a:lstStyle/>
+              <a:p>
+                <a:pPr algn="ctr"/>
+                <a:endParaRPr lang="zh-CN" altLang="en-US"/>
+              </a:p>
+            </p:txBody>
+          </p:sp>
+          <p:grpSp>
+            <p:nvGrpSpPr>
+              <p:cNvPr id="139" name="组合 138">
+                <a:extLst>
+                  <a:ext uri="{FF2B5EF4-FFF2-40B4-BE49-F238E27FC236}">
+                    <a16:creationId xmlns:a16="http://schemas.microsoft.com/office/drawing/2014/main" id="{FF82F45F-689B-4563-9CCC-83A66F280A81}"/>
+                  </a:ext>
+                </a:extLst>
+              </p:cNvPr>
+              <p:cNvGrpSpPr>
+                <a:grpSpLocks noChangeAspect="1"/>
+              </p:cNvGrpSpPr>
+              <p:nvPr/>
+            </p:nvGrpSpPr>
+            <p:grpSpPr>
+              <a:xfrm>
+                <a:off x="5808782" y="2752035"/>
+                <a:ext cx="215001" cy="215748"/>
+                <a:chOff x="5797859" y="2749426"/>
+                <a:chExt cx="245663" cy="246516"/>
+              </a:xfrm>
+            </p:grpSpPr>
+            <p:sp>
+              <p:nvSpPr>
+                <p:cNvPr id="141" name="矩形 140">
+                  <a:extLst>
+                    <a:ext uri="{FF2B5EF4-FFF2-40B4-BE49-F238E27FC236}">
+                      <a16:creationId xmlns:a16="http://schemas.microsoft.com/office/drawing/2014/main" id="{F50BC3B9-503C-43D8-AF5D-F94D594EE03A}"/>
+                    </a:ext>
+                  </a:extLst>
+                </p:cNvPr>
+                <p:cNvSpPr/>
+                <p:nvPr/>
+              </p:nvSpPr>
+              <p:spPr>
+                <a:xfrm>
+                  <a:off x="5797859" y="2749426"/>
+                  <a:ext cx="245663" cy="246516"/>
+                </a:xfrm>
+                <a:prstGeom prst="rect">
+                  <a:avLst/>
+                </a:prstGeom>
+                <a:gradFill flip="none" rotWithShape="1">
+                  <a:gsLst>
+                    <a:gs pos="0">
+                      <a:schemeClr val="bg1">
+                        <a:alpha val="70000"/>
+                      </a:schemeClr>
+                    </a:gs>
+                    <a:gs pos="100000">
+                      <a:schemeClr val="bg1"/>
+                    </a:gs>
+                  </a:gsLst>
+                  <a:path path="circle">
+                    <a:fillToRect t="100000" r="100000"/>
+                  </a:path>
+                  <a:tileRect l="-100000" b="-100000"/>
+                </a:gradFill>
+                <a:ln>
+                  <a:noFill/>
+                </a:ln>
+              </p:spPr>
+              <p:style>
+                <a:lnRef idx="2">
+                  <a:schemeClr val="accent1">
+                    <a:shade val="50000"/>
+                  </a:schemeClr>
+                </a:lnRef>
+                <a:fillRef idx="1">
+                  <a:schemeClr val="accent1"/>
+                </a:fillRef>
+                <a:effectRef idx="0">
+                  <a:schemeClr val="accent1"/>
+                </a:effectRef>
+                <a:fontRef idx="minor">
+                  <a:schemeClr val="lt1"/>
+                </a:fontRef>
+              </p:style>
+              <p:txBody>
+                <a:bodyPr rtlCol="0" anchor="ctr"/>
+                <a:lstStyle/>
+                <a:p>
+                  <a:pPr algn="ctr"/>
+                  <a:endParaRPr lang="zh-CN" altLang="en-US"/>
+                </a:p>
+              </p:txBody>
+            </p:sp>
+            <p:sp>
+              <p:nvSpPr>
+                <p:cNvPr id="142" name="矩形 141">
+                  <a:extLst>
+                    <a:ext uri="{FF2B5EF4-FFF2-40B4-BE49-F238E27FC236}">
+                      <a16:creationId xmlns:a16="http://schemas.microsoft.com/office/drawing/2014/main" id="{2A63A950-B7E3-45A1-87AF-7E5E3D53DDA6}"/>
+                    </a:ext>
+                  </a:extLst>
+                </p:cNvPr>
+                <p:cNvSpPr/>
+                <p:nvPr/>
+              </p:nvSpPr>
+              <p:spPr>
+                <a:xfrm>
+                  <a:off x="5819474" y="2777749"/>
+                  <a:ext cx="184266" cy="15858"/>
+                </a:xfrm>
+                <a:prstGeom prst="rect">
+                  <a:avLst/>
+                </a:prstGeom>
+                <a:solidFill>
+                  <a:schemeClr val="bg1">
+                    <a:lumMod val="75000"/>
+                  </a:schemeClr>
+                </a:solidFill>
+                <a:ln>
+                  <a:noFill/>
+                </a:ln>
+              </p:spPr>
+              <p:style>
+                <a:lnRef idx="2">
+                  <a:schemeClr val="accent1">
+                    <a:shade val="50000"/>
+                  </a:schemeClr>
+                </a:lnRef>
+                <a:fillRef idx="1">
+                  <a:schemeClr val="accent1"/>
+                </a:fillRef>
+                <a:effectRef idx="0">
+                  <a:schemeClr val="accent1"/>
+                </a:effectRef>
+                <a:fontRef idx="minor">
+                  <a:schemeClr val="lt1"/>
+                </a:fontRef>
+              </p:style>
+              <p:txBody>
+                <a:bodyPr rtlCol="0" anchor="ctr"/>
+                <a:lstStyle/>
+                <a:p>
+                  <a:pPr algn="ctr"/>
+                  <a:endParaRPr lang="zh-CN" altLang="en-US"/>
+                </a:p>
+              </p:txBody>
+            </p:sp>
+            <p:sp>
+              <p:nvSpPr>
+                <p:cNvPr id="143" name="矩形 142">
+                  <a:extLst>
+                    <a:ext uri="{FF2B5EF4-FFF2-40B4-BE49-F238E27FC236}">
+                      <a16:creationId xmlns:a16="http://schemas.microsoft.com/office/drawing/2014/main" id="{4D61A8FE-24B4-49FB-A365-A4BB8AF6068D}"/>
+                    </a:ext>
+                  </a:extLst>
+                </p:cNvPr>
+                <p:cNvSpPr/>
+                <p:nvPr/>
+              </p:nvSpPr>
+              <p:spPr>
+                <a:xfrm>
+                  <a:off x="5819474" y="2808148"/>
+                  <a:ext cx="121861" cy="15858"/>
+                </a:xfrm>
+                <a:prstGeom prst="rect">
+                  <a:avLst/>
+                </a:prstGeom>
+                <a:solidFill>
+                  <a:schemeClr val="bg1">
+                    <a:lumMod val="75000"/>
+                  </a:schemeClr>
+                </a:solidFill>
+                <a:ln>
+                  <a:noFill/>
+                </a:ln>
+              </p:spPr>
+              <p:style>
+                <a:lnRef idx="2">
+                  <a:schemeClr val="accent1">
+                    <a:shade val="50000"/>
+                  </a:schemeClr>
+                </a:lnRef>
+                <a:fillRef idx="1">
+                  <a:schemeClr val="accent1"/>
+                </a:fillRef>
+                <a:effectRef idx="0">
+                  <a:schemeClr val="accent1"/>
+                </a:effectRef>
+                <a:fontRef idx="minor">
+                  <a:schemeClr val="lt1"/>
+                </a:fontRef>
+              </p:style>
+              <p:txBody>
+                <a:bodyPr rtlCol="0" anchor="ctr"/>
+                <a:lstStyle/>
+                <a:p>
+                  <a:pPr algn="ctr"/>
+                  <a:endParaRPr lang="zh-CN" altLang="en-US"/>
+                </a:p>
+              </p:txBody>
+            </p:sp>
+          </p:grpSp>
+          <p:sp>
+            <p:nvSpPr>
+              <p:cNvPr id="140" name="任意多边形: 形状 139">
+                <a:extLst>
+                  <a:ext uri="{FF2B5EF4-FFF2-40B4-BE49-F238E27FC236}">
+                    <a16:creationId xmlns:a16="http://schemas.microsoft.com/office/drawing/2014/main" id="{0759C3B6-A3E8-4A6A-83FE-9FAA55ACB7A5}"/>
+                  </a:ext>
+                </a:extLst>
+              </p:cNvPr>
+              <p:cNvSpPr/>
+              <p:nvPr/>
+            </p:nvSpPr>
+            <p:spPr>
+              <a:xfrm>
+                <a:off x="5730863" y="2854405"/>
+                <a:ext cx="374400" cy="196880"/>
+              </a:xfrm>
+              <a:custGeom>
+                <a:avLst/>
+                <a:gdLst>
+                  <a:gd name="connsiteX0" fmla="*/ 5997 w 1434298"/>
+                  <a:gd name="connsiteY0" fmla="*/ 0 h 839165"/>
+                  <a:gd name="connsiteX1" fmla="*/ 1428301 w 1434298"/>
+                  <a:gd name="connsiteY1" fmla="*/ 0 h 839165"/>
+                  <a:gd name="connsiteX2" fmla="*/ 1430596 w 1434298"/>
+                  <a:gd name="connsiteY2" fmla="*/ 15660 h 839165"/>
+                  <a:gd name="connsiteX3" fmla="*/ 1434298 w 1434298"/>
+                  <a:gd name="connsiteY3" fmla="*/ 92048 h 839165"/>
+                  <a:gd name="connsiteX4" fmla="*/ 717149 w 1434298"/>
+                  <a:gd name="connsiteY4" fmla="*/ 839165 h 839165"/>
+                  <a:gd name="connsiteX5" fmla="*/ 0 w 1434298"/>
+                  <a:gd name="connsiteY5" fmla="*/ 92048 h 839165"/>
+                  <a:gd name="connsiteX6" fmla="*/ 3703 w 1434298"/>
+                  <a:gd name="connsiteY6" fmla="*/ 15660 h 839165"/>
+                </a:gdLst>
+                <a:ahLst/>
+                <a:cxnLst>
+                  <a:cxn ang="0">
+                    <a:pos x="connsiteX0" y="connsiteY0"/>
+                  </a:cxn>
+                  <a:cxn ang="0">
+                    <a:pos x="connsiteX1" y="connsiteY1"/>
+                  </a:cxn>
+                  <a:cxn ang="0">
+                    <a:pos x="connsiteX2" y="connsiteY2"/>
+                  </a:cxn>
+                  <a:cxn ang="0">
+                    <a:pos x="connsiteX3" y="connsiteY3"/>
+                  </a:cxn>
+                  <a:cxn ang="0">
+                    <a:pos x="connsiteX4" y="connsiteY4"/>
+                  </a:cxn>
+                  <a:cxn ang="0">
+                    <a:pos x="connsiteX5" y="connsiteY5"/>
+                  </a:cxn>
+                  <a:cxn ang="0">
+                    <a:pos x="connsiteX6" y="connsiteY6"/>
+                  </a:cxn>
+                </a:cxnLst>
+                <a:rect l="l" t="t" r="r" b="b"/>
+                <a:pathLst>
+                  <a:path w="1434298" h="839165">
+                    <a:moveTo>
+                      <a:pt x="5997" y="0"/>
+                    </a:moveTo>
+                    <a:lnTo>
+                      <a:pt x="1428301" y="0"/>
+                    </a:lnTo>
+                    <a:lnTo>
+                      <a:pt x="1430596" y="15660"/>
+                    </a:lnTo>
+                    <a:cubicBezTo>
+                      <a:pt x="1433044" y="40776"/>
+                      <a:pt x="1434298" y="66259"/>
+                      <a:pt x="1434298" y="92048"/>
+                    </a:cubicBezTo>
+                    <a:cubicBezTo>
+                      <a:pt x="1434298" y="504669"/>
+                      <a:pt x="1113219" y="839165"/>
+                      <a:pt x="717149" y="839165"/>
+                    </a:cubicBezTo>
+                    <a:cubicBezTo>
+                      <a:pt x="321079" y="839165"/>
+                      <a:pt x="0" y="504669"/>
+                      <a:pt x="0" y="92048"/>
+                    </a:cubicBezTo>
+                    <a:cubicBezTo>
+                      <a:pt x="0" y="66259"/>
+                      <a:pt x="1254" y="40776"/>
+                      <a:pt x="3703" y="15660"/>
+                    </a:cubicBezTo>
+                    <a:close/>
+                  </a:path>
+                </a:pathLst>
+              </a:custGeom>
+              <a:solidFill>
+                <a:schemeClr val="bg1"/>
+              </a:solidFill>
+              <a:ln w="28575">
+                <a:noFill/>
+              </a:ln>
+            </p:spPr>
+            <p:style>
+              <a:lnRef idx="2">
+                <a:schemeClr val="accent1">
+                  <a:shade val="50000"/>
+                </a:schemeClr>
+              </a:lnRef>
+              <a:fillRef idx="1">
+                <a:schemeClr val="accent1"/>
+              </a:fillRef>
+              <a:effectRef idx="0">
+                <a:schemeClr val="accent1"/>
+              </a:effectRef>
+              <a:fontRef idx="minor">
+                <a:schemeClr val="lt1"/>
+              </a:fontRef>
+            </p:style>
+            <p:txBody>
+              <a:bodyPr wrap="square" rtlCol="0" anchor="ctr">
+                <a:noAutofit/>
+              </a:bodyPr>
+              <a:lstStyle/>
+              <a:p>
+                <a:pPr algn="ctr"/>
+                <a:endParaRPr lang="zh-CN" altLang="en-US"/>
+              </a:p>
+            </p:txBody>
+          </p:sp>
+        </p:grpSp>
+      </p:grpSp>
+      <p:grpSp>
+        <p:nvGrpSpPr>
+          <p:cNvPr id="170" name="组合 169">
+            <a:extLst>
+              <a:ext uri="{FF2B5EF4-FFF2-40B4-BE49-F238E27FC236}">
+                <a16:creationId xmlns:a16="http://schemas.microsoft.com/office/drawing/2014/main" id="{9402727C-B287-4BB7-9859-5D7CE4BB0358}"/>
+              </a:ext>
+            </a:extLst>
+          </p:cNvPr>
+          <p:cNvGrpSpPr/>
+          <p:nvPr/>
+        </p:nvGrpSpPr>
+        <p:grpSpPr>
+          <a:xfrm>
+            <a:off x="6822631" y="4334586"/>
+            <a:ext cx="221390" cy="378446"/>
+            <a:chOff x="6860809" y="4351754"/>
+            <a:chExt cx="221390" cy="378446"/>
+          </a:xfrm>
+        </p:grpSpPr>
+        <p:sp>
+          <p:nvSpPr>
+            <p:cNvPr id="154" name="矩形: 圆角 153">
+              <a:extLst>
+                <a:ext uri="{FF2B5EF4-FFF2-40B4-BE49-F238E27FC236}">
+                  <a16:creationId xmlns:a16="http://schemas.microsoft.com/office/drawing/2014/main" id="{071BA80C-073C-488A-8C9C-D9FF7F6760EB}"/>
+                </a:ext>
+              </a:extLst>
+            </p:cNvPr>
+            <p:cNvSpPr/>
+            <p:nvPr/>
+          </p:nvSpPr>
+          <p:spPr>
+            <a:xfrm>
+              <a:off x="6860810" y="4355800"/>
+              <a:ext cx="221389" cy="374400"/>
+            </a:xfrm>
+            <a:prstGeom prst="roundRect">
+              <a:avLst>
+                <a:gd name="adj" fmla="val 48664"/>
+              </a:avLst>
+            </a:prstGeom>
+            <a:gradFill flip="none" rotWithShape="1">
+              <a:gsLst>
+                <a:gs pos="0">
+                  <a:srgbClr val="7BE5DD"/>
+                </a:gs>
+                <a:gs pos="100000">
+                  <a:srgbClr val="1FBFB4"/>
+                </a:gs>
+              </a:gsLst>
+              <a:path path="circle">
+                <a:fillToRect l="100000" b="100000"/>
+              </a:path>
+              <a:tileRect t="-100000" r="-100000"/>
+            </a:gradFill>
+            <a:ln w="76200">
+              <a:noFill/>
+            </a:ln>
+            <a:effectLst>
+              <a:outerShdw blurRad="101600" algn="ctr" rotWithShape="0">
+                <a:prstClr val="black">
+                  <a:alpha val="20000"/>
+                </a:prstClr>
+              </a:outerShdw>
+            </a:effectLst>
+          </p:spPr>
+          <p:style>
+            <a:lnRef idx="2">
+              <a:schemeClr val="accent1">
+                <a:shade val="50000"/>
+              </a:schemeClr>
+            </a:lnRef>
+            <a:fillRef idx="1">
+              <a:schemeClr val="accent1"/>
+            </a:fillRef>
+            <a:effectRef idx="0">
+              <a:schemeClr val="accent1"/>
+            </a:effectRef>
+            <a:fontRef idx="minor">
+              <a:schemeClr val="lt1"/>
+            </a:fontRef>
+          </p:style>
+          <p:txBody>
+            <a:bodyPr rtlCol="0" anchor="ctr"/>
+            <a:lstStyle/>
+            <a:p>
+              <a:pPr algn="ctr"/>
+              <a:endParaRPr lang="zh-CN" altLang="en-US"/>
+            </a:p>
+          </p:txBody>
+        </p:sp>
+        <p:grpSp>
+          <p:nvGrpSpPr>
+            <p:cNvPr id="101" name="组合 100">
+              <a:extLst>
+                <a:ext uri="{FF2B5EF4-FFF2-40B4-BE49-F238E27FC236}">
+                  <a16:creationId xmlns:a16="http://schemas.microsoft.com/office/drawing/2014/main" id="{123D201F-D2DD-41C3-9D9E-35E9C6FA4D76}"/>
+                </a:ext>
+              </a:extLst>
+            </p:cNvPr>
+            <p:cNvGrpSpPr>
+              <a:grpSpLocks noChangeAspect="1"/>
+            </p:cNvGrpSpPr>
+            <p:nvPr/>
+          </p:nvGrpSpPr>
+          <p:grpSpPr>
+            <a:xfrm flipH="1">
+              <a:off x="6860809" y="4351754"/>
+              <a:ext cx="221389" cy="378446"/>
+              <a:chOff x="2064310" y="1664262"/>
+              <a:chExt cx="560873" cy="958761"/>
+            </a:xfrm>
+          </p:grpSpPr>
+          <p:sp>
+            <p:nvSpPr>
+              <p:cNvPr id="98" name="矩形: 圆角 97">
+                <a:extLst>
+                  <a:ext uri="{FF2B5EF4-FFF2-40B4-BE49-F238E27FC236}">
+                    <a16:creationId xmlns:a16="http://schemas.microsoft.com/office/drawing/2014/main" id="{440530C2-F745-44F8-A425-2F4B4E77DE13}"/>
+                  </a:ext>
+                </a:extLst>
+              </p:cNvPr>
+              <p:cNvSpPr/>
+              <p:nvPr/>
+            </p:nvSpPr>
+            <p:spPr>
+              <a:xfrm>
+                <a:off x="2064310" y="1674513"/>
+                <a:ext cx="560873" cy="948510"/>
+              </a:xfrm>
+              <a:prstGeom prst="roundRect">
+                <a:avLst>
+                  <a:gd name="adj" fmla="val 48664"/>
+                </a:avLst>
+              </a:prstGeom>
+              <a:gradFill>
+                <a:gsLst>
+                  <a:gs pos="0">
+                    <a:schemeClr val="bg1">
+                      <a:alpha val="60000"/>
+                    </a:schemeClr>
+                  </a:gs>
+                  <a:gs pos="100000">
+                    <a:schemeClr val="bg1">
+                      <a:alpha val="20000"/>
+                    </a:schemeClr>
+                  </a:gs>
+                </a:gsLst>
+                <a:path path="circle">
+                  <a:fillToRect l="100000" b="100000"/>
+                </a:path>
+              </a:gradFill>
+              <a:ln w="76200">
+                <a:noFill/>
+              </a:ln>
+            </p:spPr>
+            <p:style>
+              <a:lnRef idx="2">
+                <a:schemeClr val="accent1">
+                  <a:shade val="50000"/>
+                </a:schemeClr>
+              </a:lnRef>
+              <a:fillRef idx="1">
+                <a:schemeClr val="accent1"/>
+              </a:fillRef>
+              <a:effectRef idx="0">
+                <a:schemeClr val="accent1"/>
+              </a:effectRef>
+              <a:fontRef idx="minor">
+                <a:schemeClr val="lt1"/>
+              </a:fontRef>
+            </p:style>
+            <p:txBody>
+              <a:bodyPr rtlCol="0" anchor="ctr"/>
+              <a:lstStyle/>
+              <a:p>
+                <a:pPr algn="ctr"/>
+                <a:endParaRPr lang="zh-CN" altLang="en-US"/>
+              </a:p>
+            </p:txBody>
+          </p:sp>
+          <p:sp>
+            <p:nvSpPr>
+              <p:cNvPr id="99" name="任意多边形: 形状 98">
+                <a:extLst>
+                  <a:ext uri="{FF2B5EF4-FFF2-40B4-BE49-F238E27FC236}">
+                    <a16:creationId xmlns:a16="http://schemas.microsoft.com/office/drawing/2014/main" id="{2D458D09-C1F9-4A27-9C2C-0592B275EFCE}"/>
+                  </a:ext>
+                </a:extLst>
+              </p:cNvPr>
+              <p:cNvSpPr/>
+              <p:nvPr/>
+            </p:nvSpPr>
+            <p:spPr>
+              <a:xfrm flipH="1" flipV="1">
+                <a:off x="2343291" y="1664262"/>
+                <a:ext cx="280800" cy="556779"/>
+              </a:xfrm>
+              <a:custGeom>
+                <a:avLst/>
+                <a:gdLst>
+                  <a:gd name="connsiteX0" fmla="*/ 280800 w 281163"/>
+                  <a:gd name="connsiteY0" fmla="*/ 576780 h 576780"/>
+                  <a:gd name="connsiteX1" fmla="*/ 0 w 281163"/>
+                  <a:gd name="connsiteY1" fmla="*/ 295600 h 576780"/>
+                  <a:gd name="connsiteX2" fmla="*/ 0 w 281163"/>
+                  <a:gd name="connsiteY2" fmla="*/ 195180 h 576780"/>
+                  <a:gd name="connsiteX3" fmla="*/ 363 w 281163"/>
+                  <a:gd name="connsiteY3" fmla="*/ 195180 h 576780"/>
+                  <a:gd name="connsiteX4" fmla="*/ 363 w 281163"/>
+                  <a:gd name="connsiteY4" fmla="*/ 0 h 576780"/>
+                  <a:gd name="connsiteX5" fmla="*/ 278036 w 281163"/>
+                  <a:gd name="connsiteY5" fmla="*/ 195180 h 576780"/>
+                  <a:gd name="connsiteX6" fmla="*/ 280800 w 281163"/>
+                  <a:gd name="connsiteY6" fmla="*/ 195180 h 576780"/>
+                  <a:gd name="connsiteX7" fmla="*/ 280800 w 281163"/>
+                  <a:gd name="connsiteY7" fmla="*/ 197123 h 576780"/>
+                  <a:gd name="connsiteX8" fmla="*/ 281163 w 281163"/>
+                  <a:gd name="connsiteY8" fmla="*/ 197378 h 576780"/>
+                  <a:gd name="connsiteX9" fmla="*/ 280800 w 281163"/>
+                  <a:gd name="connsiteY9" fmla="*/ 197378 h 576780"/>
+                </a:gdLst>
+                <a:ahLst/>
+                <a:cxnLst>
+                  <a:cxn ang="0">
+                    <a:pos x="connsiteX0" y="connsiteY0"/>
+                  </a:cxn>
+                  <a:cxn ang="0">
+                    <a:pos x="connsiteX1" y="connsiteY1"/>
+                  </a:cxn>
+                  <a:cxn ang="0">
+                    <a:pos x="connsiteX2" y="connsiteY2"/>
+                  </a:cxn>
+                  <a:cxn ang="0">
+                    <a:pos x="connsiteX3" y="connsiteY3"/>
+                  </a:cxn>
+                  <a:cxn ang="0">
+                    <a:pos x="connsiteX4" y="connsiteY4"/>
+                  </a:cxn>
+                  <a:cxn ang="0">
+                    <a:pos x="connsiteX5" y="connsiteY5"/>
+                  </a:cxn>
+                  <a:cxn ang="0">
+                    <a:pos x="connsiteX6" y="connsiteY6"/>
+                  </a:cxn>
+                  <a:cxn ang="0">
+                    <a:pos x="connsiteX7" y="connsiteY7"/>
+                  </a:cxn>
+                  <a:cxn ang="0">
+                    <a:pos x="connsiteX8" y="connsiteY8"/>
+                  </a:cxn>
+                  <a:cxn ang="0">
+                    <a:pos x="connsiteX9" y="connsiteY9"/>
+                  </a:cxn>
+                </a:cxnLst>
+                <a:rect l="l" t="t" r="r" b="b"/>
+                <a:pathLst>
+                  <a:path w="281163" h="576780">
+                    <a:moveTo>
+                      <a:pt x="280800" y="576780"/>
+                    </a:moveTo>
+                    <a:cubicBezTo>
+                      <a:pt x="125719" y="576780"/>
+                      <a:pt x="0" y="450891"/>
+                      <a:pt x="0" y="295600"/>
+                    </a:cubicBezTo>
+                    <a:lnTo>
+                      <a:pt x="0" y="195180"/>
+                    </a:lnTo>
+                    <a:lnTo>
+                      <a:pt x="363" y="195180"/>
+                    </a:lnTo>
+                    <a:lnTo>
+                      <a:pt x="363" y="0"/>
+                    </a:lnTo>
+                    <a:lnTo>
+                      <a:pt x="278036" y="195180"/>
+                    </a:lnTo>
+                    <a:lnTo>
+                      <a:pt x="280800" y="195180"/>
+                    </a:lnTo>
+                    <a:lnTo>
+                      <a:pt x="280800" y="197123"/>
+                    </a:lnTo>
+                    <a:lnTo>
+                      <a:pt x="281163" y="197378"/>
+                    </a:lnTo>
+                    <a:lnTo>
+                      <a:pt x="280800" y="197378"/>
+                    </a:lnTo>
+                    <a:close/>
+                  </a:path>
+                </a:pathLst>
+              </a:custGeom>
+              <a:solidFill>
+                <a:schemeClr val="bg1">
+                  <a:alpha val="70000"/>
+                </a:schemeClr>
+              </a:solidFill>
+              <a:ln>
+                <a:noFill/>
+              </a:ln>
+            </p:spPr>
+            <p:style>
+              <a:lnRef idx="2">
+                <a:schemeClr val="accent1">
+                  <a:shade val="50000"/>
+                </a:schemeClr>
+              </a:lnRef>
+              <a:fillRef idx="1">
+                <a:schemeClr val="accent1"/>
+              </a:fillRef>
+              <a:effectRef idx="0">
+                <a:schemeClr val="accent1"/>
+              </a:effectRef>
+              <a:fontRef idx="minor">
+                <a:schemeClr val="lt1"/>
+              </a:fontRef>
+            </p:style>
+            <p:txBody>
+              <a:bodyPr wrap="square" rtlCol="0" anchor="ctr">
+                <a:noAutofit/>
+              </a:bodyPr>
+              <a:lstStyle/>
+              <a:p>
+                <a:pPr algn="ctr"/>
+                <a:endParaRPr lang="zh-CN" altLang="en-US"/>
+              </a:p>
+            </p:txBody>
+          </p:sp>
+          <p:sp>
+            <p:nvSpPr>
+              <p:cNvPr id="100" name="矩形: 圆角 99">
+                <a:extLst>
+                  <a:ext uri="{FF2B5EF4-FFF2-40B4-BE49-F238E27FC236}">
+                    <a16:creationId xmlns:a16="http://schemas.microsoft.com/office/drawing/2014/main" id="{91063896-16AB-40E7-A7A4-56D86E88D13A}"/>
+                  </a:ext>
+                </a:extLst>
+              </p:cNvPr>
+              <p:cNvSpPr/>
+              <p:nvPr/>
+            </p:nvSpPr>
+            <p:spPr>
+              <a:xfrm>
+                <a:off x="2299503" y="1775035"/>
+                <a:ext cx="87577" cy="179543"/>
+              </a:xfrm>
+              <a:prstGeom prst="roundRect">
+                <a:avLst>
+                  <a:gd name="adj" fmla="val 48664"/>
+                </a:avLst>
+              </a:prstGeom>
+              <a:solidFill>
+                <a:schemeClr val="bg1"/>
+              </a:solidFill>
+              <a:ln w="76200">
+                <a:noFill/>
+              </a:ln>
+            </p:spPr>
+            <p:style>
+              <a:lnRef idx="2">
+                <a:schemeClr val="accent1">
+                  <a:shade val="50000"/>
+                </a:schemeClr>
+              </a:lnRef>
+              <a:fillRef idx="1">
+                <a:schemeClr val="accent1"/>
+              </a:fillRef>
+              <a:effectRef idx="0">
+                <a:schemeClr val="accent1"/>
+              </a:effectRef>
+              <a:fontRef idx="minor">
+                <a:schemeClr val="lt1"/>
+              </a:fontRef>
+            </p:style>
+            <p:txBody>
+              <a:bodyPr rtlCol="0" anchor="ctr"/>
+              <a:lstStyle/>
+              <a:p>
+                <a:pPr algn="ctr"/>
+                <a:endParaRPr lang="zh-CN" altLang="en-US"/>
+              </a:p>
+            </p:txBody>
+          </p:sp>
+        </p:grpSp>
+      </p:grpSp>
+      <p:grpSp>
+        <p:nvGrpSpPr>
+          <p:cNvPr id="169" name="组合 168">
+            <a:extLst>
+              <a:ext uri="{FF2B5EF4-FFF2-40B4-BE49-F238E27FC236}">
+                <a16:creationId xmlns:a16="http://schemas.microsoft.com/office/drawing/2014/main" id="{576A96AC-C663-478F-AFE0-01AEE830DDFA}"/>
+              </a:ext>
+            </a:extLst>
+          </p:cNvPr>
+          <p:cNvGrpSpPr/>
+          <p:nvPr/>
+        </p:nvGrpSpPr>
+        <p:grpSpPr>
+          <a:xfrm>
+            <a:off x="7584524" y="4338632"/>
+            <a:ext cx="221390" cy="374400"/>
+            <a:chOff x="7613271" y="4346591"/>
+            <a:chExt cx="221390" cy="374400"/>
+          </a:xfrm>
+        </p:grpSpPr>
+        <p:sp>
+          <p:nvSpPr>
+            <p:cNvPr id="156" name="矩形: 圆角 155">
+              <a:extLst>
+                <a:ext uri="{FF2B5EF4-FFF2-40B4-BE49-F238E27FC236}">
+                  <a16:creationId xmlns:a16="http://schemas.microsoft.com/office/drawing/2014/main" id="{439F910B-1B01-44A8-9192-B3D1939F8230}"/>
+                </a:ext>
+              </a:extLst>
+            </p:cNvPr>
+            <p:cNvSpPr/>
+            <p:nvPr/>
+          </p:nvSpPr>
+          <p:spPr>
+            <a:xfrm>
+              <a:off x="7613272" y="4346591"/>
+              <a:ext cx="221389" cy="374400"/>
+            </a:xfrm>
+            <a:prstGeom prst="roundRect">
+              <a:avLst>
+                <a:gd name="adj" fmla="val 48664"/>
+              </a:avLst>
+            </a:prstGeom>
+            <a:gradFill flip="none" rotWithShape="1">
+              <a:gsLst>
+                <a:gs pos="0">
+                  <a:srgbClr val="7BE5DD"/>
+                </a:gs>
+                <a:gs pos="100000">
+                  <a:srgbClr val="1FBFB4"/>
+                </a:gs>
+              </a:gsLst>
+              <a:path path="circle">
+                <a:fillToRect l="100000" b="100000"/>
+              </a:path>
+              <a:tileRect t="-100000" r="-100000"/>
+            </a:gradFill>
+            <a:ln w="76200">
+              <a:noFill/>
+            </a:ln>
+            <a:effectLst>
+              <a:outerShdw blurRad="101600" algn="ctr" rotWithShape="0">
+                <a:prstClr val="black">
+                  <a:alpha val="20000"/>
+                </a:prstClr>
+              </a:outerShdw>
+            </a:effectLst>
+          </p:spPr>
+          <p:style>
+            <a:lnRef idx="2">
+              <a:schemeClr val="accent1">
+                <a:shade val="50000"/>
+              </a:schemeClr>
+            </a:lnRef>
+            <a:fillRef idx="1">
+              <a:schemeClr val="accent1"/>
+            </a:fillRef>
+            <a:effectRef idx="0">
+              <a:schemeClr val="accent1"/>
+            </a:effectRef>
+            <a:fontRef idx="minor">
+              <a:schemeClr val="lt1"/>
+            </a:fontRef>
+          </p:style>
+          <p:txBody>
+            <a:bodyPr rtlCol="0" anchor="ctr"/>
+            <a:lstStyle/>
+            <a:p>
+              <a:pPr algn="ctr"/>
+              <a:endParaRPr lang="zh-CN" altLang="en-US"/>
+            </a:p>
+          </p:txBody>
+        </p:sp>
+        <p:grpSp>
+          <p:nvGrpSpPr>
+            <p:cNvPr id="113" name="组合 112">
+              <a:extLst>
+                <a:ext uri="{FF2B5EF4-FFF2-40B4-BE49-F238E27FC236}">
+                  <a16:creationId xmlns:a16="http://schemas.microsoft.com/office/drawing/2014/main" id="{CEDD4E67-8B08-4145-88E3-8E7FE53C6EC9}"/>
+                </a:ext>
+              </a:extLst>
+            </p:cNvPr>
+            <p:cNvGrpSpPr>
+              <a:grpSpLocks noChangeAspect="1"/>
+            </p:cNvGrpSpPr>
+            <p:nvPr/>
+          </p:nvGrpSpPr>
+          <p:grpSpPr>
+            <a:xfrm>
+              <a:off x="7613271" y="4346591"/>
+              <a:ext cx="221390" cy="374400"/>
+              <a:chOff x="5481345" y="1674513"/>
+              <a:chExt cx="560873" cy="948510"/>
+            </a:xfrm>
+          </p:grpSpPr>
+          <p:sp>
+            <p:nvSpPr>
+              <p:cNvPr id="111" name="矩形: 圆角 110">
+                <a:extLst>
+                  <a:ext uri="{FF2B5EF4-FFF2-40B4-BE49-F238E27FC236}">
+                    <a16:creationId xmlns:a16="http://schemas.microsoft.com/office/drawing/2014/main" id="{F44200A7-69BE-4DE3-9B05-78A32B42413F}"/>
+                  </a:ext>
+                </a:extLst>
+              </p:cNvPr>
+              <p:cNvSpPr/>
+              <p:nvPr/>
+            </p:nvSpPr>
+            <p:spPr>
+              <a:xfrm flipH="1">
+                <a:off x="5481345" y="1674513"/>
+                <a:ext cx="560873" cy="948510"/>
+              </a:xfrm>
+              <a:prstGeom prst="roundRect">
+                <a:avLst>
+                  <a:gd name="adj" fmla="val 48664"/>
+                </a:avLst>
+              </a:prstGeom>
+              <a:gradFill flip="none" rotWithShape="1">
+                <a:gsLst>
+                  <a:gs pos="0">
+                    <a:schemeClr val="bg1">
+                      <a:alpha val="50000"/>
+                    </a:schemeClr>
+                  </a:gs>
+                  <a:gs pos="100000">
+                    <a:schemeClr val="bg1">
+                      <a:alpha val="30000"/>
+                    </a:schemeClr>
+                  </a:gs>
+                </a:gsLst>
+                <a:path path="circle">
+                  <a:fillToRect r="100000" b="100000"/>
+                </a:path>
+                <a:tileRect l="-100000" t="-100000"/>
+              </a:gradFill>
+              <a:ln w="76200">
+                <a:noFill/>
+              </a:ln>
+            </p:spPr>
+            <p:style>
+              <a:lnRef idx="2">
+                <a:schemeClr val="accent1">
+                  <a:shade val="50000"/>
+                </a:schemeClr>
+              </a:lnRef>
+              <a:fillRef idx="1">
+                <a:schemeClr val="accent1"/>
+              </a:fillRef>
+              <a:effectRef idx="0">
+                <a:schemeClr val="accent1"/>
+              </a:effectRef>
+              <a:fontRef idx="minor">
+                <a:schemeClr val="lt1"/>
+              </a:fontRef>
+            </p:style>
+            <p:txBody>
+              <a:bodyPr rtlCol="0" anchor="ctr"/>
+              <a:lstStyle/>
+              <a:p>
+                <a:pPr algn="ctr"/>
+                <a:endParaRPr lang="zh-CN" altLang="en-US"/>
+              </a:p>
+            </p:txBody>
+          </p:sp>
+          <p:sp>
+            <p:nvSpPr>
+              <p:cNvPr id="112" name="矩形: 圆角 111">
+                <a:extLst>
+                  <a:ext uri="{FF2B5EF4-FFF2-40B4-BE49-F238E27FC236}">
+                    <a16:creationId xmlns:a16="http://schemas.microsoft.com/office/drawing/2014/main" id="{EDFF2CC6-BCAC-4F4A-AC76-4943BD916167}"/>
+                  </a:ext>
+                </a:extLst>
+              </p:cNvPr>
+              <p:cNvSpPr/>
+              <p:nvPr/>
+            </p:nvSpPr>
+            <p:spPr>
+              <a:xfrm flipH="1">
+                <a:off x="5719448" y="1775035"/>
+                <a:ext cx="87577" cy="179543"/>
+              </a:xfrm>
+              <a:prstGeom prst="roundRect">
+                <a:avLst>
+                  <a:gd name="adj" fmla="val 48664"/>
+                </a:avLst>
+              </a:prstGeom>
+              <a:solidFill>
+                <a:schemeClr val="bg1"/>
+              </a:solidFill>
+              <a:ln w="76200">
+                <a:noFill/>
+              </a:ln>
+            </p:spPr>
+            <p:style>
+              <a:lnRef idx="2">
+                <a:schemeClr val="accent1">
+                  <a:shade val="50000"/>
+                </a:schemeClr>
+              </a:lnRef>
+              <a:fillRef idx="1">
+                <a:schemeClr val="accent1"/>
+              </a:fillRef>
+              <a:effectRef idx="0">
+                <a:schemeClr val="accent1"/>
+              </a:effectRef>
+              <a:fontRef idx="minor">
+                <a:schemeClr val="lt1"/>
+              </a:fontRef>
+            </p:style>
+            <p:txBody>
+              <a:bodyPr rtlCol="0" anchor="ctr"/>
+              <a:lstStyle/>
+              <a:p>
+                <a:pPr algn="ctr"/>
+                <a:endParaRPr lang="zh-CN" altLang="en-US"/>
+              </a:p>
+            </p:txBody>
+          </p:sp>
+        </p:grpSp>
+      </p:grpSp>
+      <p:sp>
+        <p:nvSpPr>
+          <p:cNvPr id="184" name="任意多边形: 形状 183">
+            <a:extLst>
+              <a:ext uri="{FF2B5EF4-FFF2-40B4-BE49-F238E27FC236}">
+                <a16:creationId xmlns:a16="http://schemas.microsoft.com/office/drawing/2014/main" id="{5AD72D06-3983-4037-9BD5-44AD55B9D5A9}"/>
+              </a:ext>
+            </a:extLst>
+          </p:cNvPr>
+          <p:cNvSpPr>
+            <a:spLocks/>
+          </p:cNvSpPr>
+          <p:nvPr/>
+        </p:nvSpPr>
+        <p:spPr>
+          <a:xfrm>
+            <a:off x="5996591" y="6123336"/>
+            <a:ext cx="312307" cy="374400"/>
+          </a:xfrm>
+          <a:custGeom>
+            <a:avLst/>
+            <a:gdLst>
+              <a:gd name="connsiteX0" fmla="*/ 247127 w 349343"/>
+              <a:gd name="connsiteY0" fmla="*/ 0 h 418800"/>
+              <a:gd name="connsiteX1" fmla="*/ 348277 w 349343"/>
+              <a:gd name="connsiteY1" fmla="*/ 0 h 418800"/>
+              <a:gd name="connsiteX2" fmla="*/ 348277 w 349343"/>
+              <a:gd name="connsiteY2" fmla="*/ 252520 h 418800"/>
+              <a:gd name="connsiteX3" fmla="*/ 349343 w 349343"/>
+              <a:gd name="connsiteY3" fmla="*/ 252520 h 418800"/>
+              <a:gd name="connsiteX4" fmla="*/ 337180 w 349343"/>
+              <a:gd name="connsiteY4" fmla="*/ 312162 h 418800"/>
+              <a:gd name="connsiteX5" fmla="*/ 174672 w 349343"/>
+              <a:gd name="connsiteY5" fmla="*/ 418800 h 418800"/>
+              <a:gd name="connsiteX6" fmla="*/ 12163 w 349343"/>
+              <a:gd name="connsiteY6" fmla="*/ 312162 h 418800"/>
+              <a:gd name="connsiteX7" fmla="*/ 0 w 349343"/>
+              <a:gd name="connsiteY7" fmla="*/ 252520 h 418800"/>
+              <a:gd name="connsiteX8" fmla="*/ 774 w 349343"/>
+              <a:gd name="connsiteY8" fmla="*/ 252520 h 418800"/>
+              <a:gd name="connsiteX9" fmla="*/ 774 w 349343"/>
+              <a:gd name="connsiteY9" fmla="*/ 2030 h 418800"/>
+              <a:gd name="connsiteX10" fmla="*/ 101924 w 349343"/>
+              <a:gd name="connsiteY10" fmla="*/ 2030 h 418800"/>
+              <a:gd name="connsiteX11" fmla="*/ 101924 w 349343"/>
+              <a:gd name="connsiteY11" fmla="*/ 253709 h 418800"/>
+              <a:gd name="connsiteX12" fmla="*/ 104867 w 349343"/>
+              <a:gd name="connsiteY12" fmla="*/ 268131 h 418800"/>
+              <a:gd name="connsiteX13" fmla="*/ 173360 w 349343"/>
+              <a:gd name="connsiteY13" fmla="*/ 313050 h 418800"/>
+              <a:gd name="connsiteX14" fmla="*/ 241854 w 349343"/>
+              <a:gd name="connsiteY14" fmla="*/ 268131 h 418800"/>
+              <a:gd name="connsiteX15" fmla="*/ 245040 w 349343"/>
+              <a:gd name="connsiteY15" fmla="*/ 252520 h 418800"/>
+              <a:gd name="connsiteX16" fmla="*/ 247127 w 349343"/>
+              <a:gd name="connsiteY16" fmla="*/ 252520 h 418800"/>
+            </a:gdLst>
+            <a:ahLst/>
+            <a:cxnLst>
+              <a:cxn ang="0">
+                <a:pos x="connsiteX0" y="connsiteY0"/>
+              </a:cxn>
+              <a:cxn ang="0">
+                <a:pos x="connsiteX1" y="connsiteY1"/>
+              </a:cxn>
+              <a:cxn ang="0">
+                <a:pos x="connsiteX2" y="connsiteY2"/>
+              </a:cxn>
+              <a:cxn ang="0">
+                <a:pos x="connsiteX3" y="connsiteY3"/>
+              </a:cxn>
+              <a:cxn ang="0">
+                <a:pos x="connsiteX4" y="connsiteY4"/>
+              </a:cxn>
+              <a:cxn ang="0">
+                <a:pos x="connsiteX5" y="connsiteY5"/>
+              </a:cxn>
+              <a:cxn ang="0">
+                <a:pos x="connsiteX6" y="connsiteY6"/>
+              </a:cxn>
+              <a:cxn ang="0">
+                <a:pos x="connsiteX7" y="connsiteY7"/>
+              </a:cxn>
+              <a:cxn ang="0">
+                <a:pos x="connsiteX8" y="connsiteY8"/>
+              </a:cxn>
+              <a:cxn ang="0">
+                <a:pos x="connsiteX9" y="connsiteY9"/>
+              </a:cxn>
+              <a:cxn ang="0">
+                <a:pos x="connsiteX10" y="connsiteY10"/>
+              </a:cxn>
+              <a:cxn ang="0">
+                <a:pos x="connsiteX11" y="connsiteY11"/>
+              </a:cxn>
+              <a:cxn ang="0">
+                <a:pos x="connsiteX12" y="connsiteY12"/>
+              </a:cxn>
+              <a:cxn ang="0">
+                <a:pos x="connsiteX13" y="connsiteY13"/>
+              </a:cxn>
+              <a:cxn ang="0">
+                <a:pos x="connsiteX14" y="connsiteY14"/>
+              </a:cxn>
+              <a:cxn ang="0">
+                <a:pos x="connsiteX15" y="connsiteY15"/>
+              </a:cxn>
+              <a:cxn ang="0">
+                <a:pos x="connsiteX16" y="connsiteY16"/>
+              </a:cxn>
+            </a:cxnLst>
+            <a:rect l="l" t="t" r="r" b="b"/>
+            <a:pathLst>
+              <a:path w="349343" h="418800">
+                <a:moveTo>
+                  <a:pt x="247127" y="0"/>
+                </a:moveTo>
+                <a:lnTo>
+                  <a:pt x="348277" y="0"/>
+                </a:lnTo>
+                <a:lnTo>
+                  <a:pt x="348277" y="252520"/>
+                </a:lnTo>
+                <a:lnTo>
+                  <a:pt x="349343" y="252520"/>
+                </a:lnTo>
+                <a:lnTo>
+                  <a:pt x="337180" y="312162"/>
+                </a:lnTo>
+                <a:cubicBezTo>
+                  <a:pt x="310406" y="374829"/>
+                  <a:pt x="247726" y="418800"/>
+                  <a:pt x="174672" y="418800"/>
+                </a:cubicBezTo>
+                <a:cubicBezTo>
+                  <a:pt x="101617" y="418800"/>
+                  <a:pt x="38937" y="374829"/>
+                  <a:pt x="12163" y="312162"/>
+                </a:cubicBezTo>
+                <a:lnTo>
+                  <a:pt x="0" y="252520"/>
+                </a:lnTo>
+                <a:lnTo>
+                  <a:pt x="774" y="252520"/>
+                </a:lnTo>
+                <a:lnTo>
+                  <a:pt x="774" y="2030"/>
+                </a:lnTo>
+                <a:lnTo>
+                  <a:pt x="101924" y="2030"/>
+                </a:lnTo>
+                <a:lnTo>
+                  <a:pt x="101924" y="253709"/>
+                </a:lnTo>
+                <a:lnTo>
+                  <a:pt x="104867" y="268131"/>
+                </a:lnTo>
+                <a:cubicBezTo>
+                  <a:pt x="116152" y="294528"/>
+                  <a:pt x="142570" y="313050"/>
+                  <a:pt x="173360" y="313050"/>
+                </a:cubicBezTo>
+                <a:cubicBezTo>
+                  <a:pt x="204151" y="313050"/>
+                  <a:pt x="230570" y="294528"/>
+                  <a:pt x="241854" y="268131"/>
+                </a:cubicBezTo>
+                <a:lnTo>
+                  <a:pt x="245040" y="252520"/>
+                </a:lnTo>
+                <a:lnTo>
+                  <a:pt x="247127" y="252520"/>
+                </a:lnTo>
+                <a:close/>
+              </a:path>
+            </a:pathLst>
+          </a:custGeom>
+          <a:gradFill>
+            <a:gsLst>
+              <a:gs pos="0">
+                <a:schemeClr val="bg1">
+                  <a:alpha val="50000"/>
+                </a:schemeClr>
+              </a:gs>
+              <a:gs pos="99000">
+                <a:schemeClr val="bg1"/>
+              </a:gs>
+            </a:gsLst>
+            <a:path path="circle">
+              <a:fillToRect l="100000" b="100000"/>
+            </a:path>
+          </a:gradFill>
+          <a:ln>
+            <a:noFill/>
+          </a:ln>
+          <a:effectLst>
+            <a:outerShdw blurRad="101600" algn="ctr" rotWithShape="0">
+              <a:prstClr val="black">
+                <a:alpha val="20000"/>
+              </a:prstClr>
+            </a:outerShdw>
+          </a:effectLst>
+        </p:spPr>
+        <p:style>
+          <a:lnRef idx="2">
+            <a:schemeClr val="accent1">
+              <a:shade val="50000"/>
+            </a:schemeClr>
+          </a:lnRef>
+          <a:fillRef idx="1">
+            <a:schemeClr val="accent1"/>
+          </a:fillRef>
+          <a:effectRef idx="0">
+            <a:schemeClr val="accent1"/>
+          </a:effectRef>
+          <a:fontRef idx="minor">
+            <a:schemeClr val="lt1"/>
+          </a:fontRef>
+        </p:style>
+        <p:txBody>
+          <a:bodyPr wrap="square" rtlCol="0" anchor="ctr">
+            <a:noAutofit/>
+          </a:bodyPr>
+          <a:lstStyle/>
+          <a:p>
+            <a:pPr algn="ctr"/>
+            <a:endParaRPr lang="zh-CN" altLang="en-US"/>
+          </a:p>
+        </p:txBody>
+      </p:sp>
+      <p:sp>
+        <p:nvSpPr>
+          <p:cNvPr id="185" name="椭圆 184">
+            <a:extLst>
+              <a:ext uri="{FF2B5EF4-FFF2-40B4-BE49-F238E27FC236}">
+                <a16:creationId xmlns:a16="http://schemas.microsoft.com/office/drawing/2014/main" id="{3C275875-AE8A-463B-B85D-ACBD0D79103F}"/>
+              </a:ext>
+            </a:extLst>
+          </p:cNvPr>
+          <p:cNvSpPr/>
+          <p:nvPr/>
+        </p:nvSpPr>
+        <p:spPr>
+          <a:xfrm>
+            <a:off x="6217604" y="6358660"/>
+            <a:ext cx="180000" cy="180000"/>
+          </a:xfrm>
+          <a:prstGeom prst="ellipse">
+            <a:avLst/>
+          </a:prstGeom>
+          <a:gradFill>
+            <a:gsLst>
+              <a:gs pos="0">
+                <a:srgbClr val="ED6461"/>
+              </a:gs>
+              <a:gs pos="100000">
+                <a:srgbClr val="FE3802"/>
+              </a:gs>
+            </a:gsLst>
+            <a:path path="circle">
+              <a:fillToRect l="100000" b="100000"/>
+            </a:path>
+          </a:gradFill>
+          <a:ln>
+            <a:noFill/>
+          </a:ln>
+        </p:spPr>
+        <p:style>
+          <a:lnRef idx="2">
+            <a:schemeClr val="accent1">
+              <a:shade val="50000"/>
+            </a:schemeClr>
+          </a:lnRef>
+          <a:fillRef idx="1">
+            <a:schemeClr val="accent1"/>
+          </a:fillRef>
+          <a:effectRef idx="0">
+            <a:schemeClr val="accent1"/>
+          </a:effectRef>
+          <a:fontRef idx="minor">
+            <a:schemeClr val="lt1"/>
+          </a:fontRef>
+        </p:style>
+        <p:txBody>
+          <a:bodyPr rtlCol="0" anchor="ctr"/>
+          <a:lstStyle/>
+          <a:p>
+            <a:pPr algn="ctr"/>
+            <a:endParaRPr lang="zh-CN" altLang="en-US"/>
+          </a:p>
+        </p:txBody>
+      </p:sp>
+      <p:sp>
+        <p:nvSpPr>
+          <p:cNvPr id="187" name="矩形 186">
+            <a:extLst>
+              <a:ext uri="{FF2B5EF4-FFF2-40B4-BE49-F238E27FC236}">
+                <a16:creationId xmlns:a16="http://schemas.microsoft.com/office/drawing/2014/main" id="{2551B3FB-059D-4CBC-805E-9C08174B7F93}"/>
+              </a:ext>
+            </a:extLst>
+          </p:cNvPr>
+          <p:cNvSpPr/>
+          <p:nvPr/>
+        </p:nvSpPr>
+        <p:spPr>
+          <a:xfrm>
+            <a:off x="6676989" y="5984248"/>
+            <a:ext cx="652576" cy="652576"/>
+          </a:xfrm>
+          <a:prstGeom prst="rect">
+            <a:avLst/>
+          </a:prstGeom>
+          <a:noFill/>
+          <a:ln>
+            <a:noFill/>
+          </a:ln>
+        </p:spPr>
+        <p:style>
+          <a:lnRef idx="2">
+            <a:schemeClr val="accent1">
+              <a:shade val="50000"/>
+            </a:schemeClr>
+          </a:lnRef>
+          <a:fillRef idx="1">
+            <a:schemeClr val="accent1"/>
+          </a:fillRef>
+          <a:effectRef idx="0">
+            <a:schemeClr val="accent1"/>
+          </a:effectRef>
+          <a:fontRef idx="minor">
+            <a:schemeClr val="lt1"/>
+          </a:fontRef>
+        </p:style>
+        <p:txBody>
+          <a:bodyPr rtlCol="0" anchor="ctr"/>
+          <a:lstStyle/>
+          <a:p>
+            <a:pPr algn="ctr"/>
+            <a:endParaRPr lang="zh-CN" altLang="en-US"/>
+          </a:p>
+        </p:txBody>
+      </p:sp>
+      <p:sp>
+        <p:nvSpPr>
+          <p:cNvPr id="189" name="任意多边形: 形状 188">
+            <a:extLst>
+              <a:ext uri="{FF2B5EF4-FFF2-40B4-BE49-F238E27FC236}">
+                <a16:creationId xmlns:a16="http://schemas.microsoft.com/office/drawing/2014/main" id="{F2774379-C822-4C2D-9BDE-0495F0494A93}"/>
+              </a:ext>
+            </a:extLst>
+          </p:cNvPr>
+          <p:cNvSpPr>
+            <a:spLocks/>
+          </p:cNvSpPr>
+          <p:nvPr/>
+        </p:nvSpPr>
+        <p:spPr>
+          <a:xfrm>
+            <a:off x="6847124" y="6123336"/>
+            <a:ext cx="312307" cy="374400"/>
+          </a:xfrm>
+          <a:custGeom>
+            <a:avLst/>
+            <a:gdLst>
+              <a:gd name="connsiteX0" fmla="*/ 247127 w 349343"/>
+              <a:gd name="connsiteY0" fmla="*/ 0 h 418800"/>
+              <a:gd name="connsiteX1" fmla="*/ 348277 w 349343"/>
+              <a:gd name="connsiteY1" fmla="*/ 0 h 418800"/>
+              <a:gd name="connsiteX2" fmla="*/ 348277 w 349343"/>
+              <a:gd name="connsiteY2" fmla="*/ 252520 h 418800"/>
+              <a:gd name="connsiteX3" fmla="*/ 349343 w 349343"/>
+              <a:gd name="connsiteY3" fmla="*/ 252520 h 418800"/>
+              <a:gd name="connsiteX4" fmla="*/ 337180 w 349343"/>
+              <a:gd name="connsiteY4" fmla="*/ 312162 h 418800"/>
+              <a:gd name="connsiteX5" fmla="*/ 174672 w 349343"/>
+              <a:gd name="connsiteY5" fmla="*/ 418800 h 418800"/>
+              <a:gd name="connsiteX6" fmla="*/ 12163 w 349343"/>
+              <a:gd name="connsiteY6" fmla="*/ 312162 h 418800"/>
+              <a:gd name="connsiteX7" fmla="*/ 0 w 349343"/>
+              <a:gd name="connsiteY7" fmla="*/ 252520 h 418800"/>
+              <a:gd name="connsiteX8" fmla="*/ 774 w 349343"/>
+              <a:gd name="connsiteY8" fmla="*/ 252520 h 418800"/>
+              <a:gd name="connsiteX9" fmla="*/ 774 w 349343"/>
+              <a:gd name="connsiteY9" fmla="*/ 2030 h 418800"/>
+              <a:gd name="connsiteX10" fmla="*/ 101924 w 349343"/>
+              <a:gd name="connsiteY10" fmla="*/ 2030 h 418800"/>
+              <a:gd name="connsiteX11" fmla="*/ 101924 w 349343"/>
+              <a:gd name="connsiteY11" fmla="*/ 253709 h 418800"/>
+              <a:gd name="connsiteX12" fmla="*/ 104867 w 349343"/>
+              <a:gd name="connsiteY12" fmla="*/ 268131 h 418800"/>
+              <a:gd name="connsiteX13" fmla="*/ 173360 w 349343"/>
+              <a:gd name="connsiteY13" fmla="*/ 313050 h 418800"/>
+              <a:gd name="connsiteX14" fmla="*/ 241854 w 349343"/>
+              <a:gd name="connsiteY14" fmla="*/ 268131 h 418800"/>
+              <a:gd name="connsiteX15" fmla="*/ 245040 w 349343"/>
+              <a:gd name="connsiteY15" fmla="*/ 252520 h 418800"/>
+              <a:gd name="connsiteX16" fmla="*/ 247127 w 349343"/>
+              <a:gd name="connsiteY16" fmla="*/ 252520 h 418800"/>
+            </a:gdLst>
+            <a:ahLst/>
+            <a:cxnLst>
+              <a:cxn ang="0">
+                <a:pos x="connsiteX0" y="connsiteY0"/>
+              </a:cxn>
+              <a:cxn ang="0">
+                <a:pos x="connsiteX1" y="connsiteY1"/>
+              </a:cxn>
+              <a:cxn ang="0">
+                <a:pos x="connsiteX2" y="connsiteY2"/>
+              </a:cxn>
+              <a:cxn ang="0">
+                <a:pos x="connsiteX3" y="connsiteY3"/>
+              </a:cxn>
+              <a:cxn ang="0">
+                <a:pos x="connsiteX4" y="connsiteY4"/>
+              </a:cxn>
+              <a:cxn ang="0">
+                <a:pos x="connsiteX5" y="connsiteY5"/>
+              </a:cxn>
+              <a:cxn ang="0">
+                <a:pos x="connsiteX6" y="connsiteY6"/>
+              </a:cxn>
+              <a:cxn ang="0">
+                <a:pos x="connsiteX7" y="connsiteY7"/>
+              </a:cxn>
+              <a:cxn ang="0">
+                <a:pos x="connsiteX8" y="connsiteY8"/>
+              </a:cxn>
+              <a:cxn ang="0">
+                <a:pos x="connsiteX9" y="connsiteY9"/>
+              </a:cxn>
+              <a:cxn ang="0">
+                <a:pos x="connsiteX10" y="connsiteY10"/>
+              </a:cxn>
+              <a:cxn ang="0">
+                <a:pos x="connsiteX11" y="connsiteY11"/>
+              </a:cxn>
+              <a:cxn ang="0">
+                <a:pos x="connsiteX12" y="connsiteY12"/>
+              </a:cxn>
+              <a:cxn ang="0">
+                <a:pos x="connsiteX13" y="connsiteY13"/>
+              </a:cxn>
+              <a:cxn ang="0">
+                <a:pos x="connsiteX14" y="connsiteY14"/>
+              </a:cxn>
+              <a:cxn ang="0">
+                <a:pos x="connsiteX15" y="connsiteY15"/>
+              </a:cxn>
+              <a:cxn ang="0">
+                <a:pos x="connsiteX16" y="connsiteY16"/>
+              </a:cxn>
+            </a:cxnLst>
+            <a:rect l="l" t="t" r="r" b="b"/>
+            <a:pathLst>
+              <a:path w="349343" h="418800">
+                <a:moveTo>
+                  <a:pt x="247127" y="0"/>
+                </a:moveTo>
+                <a:lnTo>
+                  <a:pt x="348277" y="0"/>
+                </a:lnTo>
+                <a:lnTo>
+                  <a:pt x="348277" y="252520"/>
+                </a:lnTo>
+                <a:lnTo>
+                  <a:pt x="349343" y="252520"/>
+                </a:lnTo>
+                <a:lnTo>
+                  <a:pt x="337180" y="312162"/>
+                </a:lnTo>
+                <a:cubicBezTo>
+                  <a:pt x="310406" y="374829"/>
+                  <a:pt x="247726" y="418800"/>
+                  <a:pt x="174672" y="418800"/>
+                </a:cubicBezTo>
+                <a:cubicBezTo>
+                  <a:pt x="101617" y="418800"/>
+                  <a:pt x="38937" y="374829"/>
+                  <a:pt x="12163" y="312162"/>
+                </a:cubicBezTo>
+                <a:lnTo>
+                  <a:pt x="0" y="252520"/>
+                </a:lnTo>
+                <a:lnTo>
+                  <a:pt x="774" y="252520"/>
+                </a:lnTo>
+                <a:lnTo>
+                  <a:pt x="774" y="2030"/>
+                </a:lnTo>
+                <a:lnTo>
+                  <a:pt x="101924" y="2030"/>
+                </a:lnTo>
+                <a:lnTo>
+                  <a:pt x="101924" y="253709"/>
+                </a:lnTo>
+                <a:lnTo>
+                  <a:pt x="104867" y="268131"/>
+                </a:lnTo>
+                <a:cubicBezTo>
+                  <a:pt x="116152" y="294528"/>
+                  <a:pt x="142570" y="313050"/>
+                  <a:pt x="173360" y="313050"/>
+                </a:cubicBezTo>
+                <a:cubicBezTo>
+                  <a:pt x="204151" y="313050"/>
+                  <a:pt x="230570" y="294528"/>
+                  <a:pt x="241854" y="268131"/>
+                </a:cubicBezTo>
+                <a:lnTo>
+                  <a:pt x="245040" y="252520"/>
+                </a:lnTo>
+                <a:lnTo>
+                  <a:pt x="247127" y="252520"/>
+                </a:lnTo>
+                <a:close/>
+              </a:path>
+            </a:pathLst>
+          </a:custGeom>
+          <a:gradFill>
+            <a:gsLst>
+              <a:gs pos="0">
+                <a:srgbClr val="ED6461"/>
+              </a:gs>
+              <a:gs pos="100000">
+                <a:srgbClr val="FE3802"/>
+              </a:gs>
+            </a:gsLst>
+            <a:path path="circle">
+              <a:fillToRect l="100000" b="100000"/>
+            </a:path>
+          </a:gradFill>
+          <a:ln>
+            <a:noFill/>
+          </a:ln>
+          <a:effectLst>
+            <a:outerShdw blurRad="101600" algn="ctr" rotWithShape="0">
+              <a:prstClr val="black">
+                <a:alpha val="20000"/>
+              </a:prstClr>
+            </a:outerShdw>
+          </a:effectLst>
+        </p:spPr>
+        <p:style>
+          <a:lnRef idx="2">
+            <a:schemeClr val="accent1">
+              <a:shade val="50000"/>
+            </a:schemeClr>
+          </a:lnRef>
+          <a:fillRef idx="1">
+            <a:schemeClr val="accent1"/>
+          </a:fillRef>
+          <a:effectRef idx="0">
+            <a:schemeClr val="accent1"/>
+          </a:effectRef>
+          <a:fontRef idx="minor">
+            <a:schemeClr val="lt1"/>
+          </a:fontRef>
+        </p:style>
+        <p:txBody>
+          <a:bodyPr wrap="square" rtlCol="0" anchor="ctr">
+            <a:noAutofit/>
+          </a:bodyPr>
+          <a:lstStyle/>
+          <a:p>
+            <a:pPr algn="ctr"/>
+            <a:endParaRPr lang="zh-CN" altLang="en-US"/>
+          </a:p>
+        </p:txBody>
+      </p:sp>
+      <p:sp>
+        <p:nvSpPr>
+          <p:cNvPr id="193" name="矩形 192">
+            <a:extLst>
+              <a:ext uri="{FF2B5EF4-FFF2-40B4-BE49-F238E27FC236}">
+                <a16:creationId xmlns:a16="http://schemas.microsoft.com/office/drawing/2014/main" id="{D8948CD9-7EFE-456A-9879-EB39BFB362BD}"/>
+              </a:ext>
+            </a:extLst>
+          </p:cNvPr>
+          <p:cNvSpPr/>
+          <p:nvPr/>
+        </p:nvSpPr>
+        <p:spPr>
+          <a:xfrm>
+            <a:off x="7063215" y="6341270"/>
+            <a:ext cx="180000" cy="180000"/>
+          </a:xfrm>
+          <a:prstGeom prst="rect">
+            <a:avLst/>
+          </a:prstGeom>
+          <a:gradFill>
+            <a:gsLst>
+              <a:gs pos="0">
+                <a:schemeClr val="bg1">
+                  <a:alpha val="20000"/>
+                </a:schemeClr>
+              </a:gs>
+              <a:gs pos="100000">
+                <a:schemeClr val="bg1"/>
+              </a:gs>
+            </a:gsLst>
+            <a:path path="circle">
+              <a:fillToRect l="100000" b="100000"/>
+            </a:path>
+          </a:gradFill>
+          <a:ln>
+            <a:noFill/>
+          </a:ln>
+          <a:effectLst>
+            <a:outerShdw blurRad="101600" algn="ctr" rotWithShape="0">
+              <a:prstClr val="black">
+                <a:alpha val="20000"/>
+              </a:prstClr>
+            </a:outerShdw>
+          </a:effectLst>
+        </p:spPr>
+        <p:style>
+          <a:lnRef idx="2">
+            <a:schemeClr val="accent1">
+              <a:shade val="50000"/>
+            </a:schemeClr>
+          </a:lnRef>
+          <a:fillRef idx="1">
+            <a:schemeClr val="accent1"/>
+          </a:fillRef>
+          <a:effectRef idx="0">
+            <a:schemeClr val="accent1"/>
+          </a:effectRef>
+          <a:fontRef idx="minor">
+            <a:schemeClr val="lt1"/>
+          </a:fontRef>
+        </p:style>
+        <p:txBody>
+          <a:bodyPr rtlCol="0" anchor="ctr"/>
+          <a:lstStyle/>
+          <a:p>
+            <a:pPr algn="ctr"/>
+            <a:endParaRPr lang="zh-CN" altLang="en-US"/>
+          </a:p>
+        </p:txBody>
+      </p:sp>
+      <p:sp>
+        <p:nvSpPr>
+          <p:cNvPr id="195" name="矩形 194">
+            <a:extLst>
+              <a:ext uri="{FF2B5EF4-FFF2-40B4-BE49-F238E27FC236}">
+                <a16:creationId xmlns:a16="http://schemas.microsoft.com/office/drawing/2014/main" id="{DE23DA88-D973-4A45-8CAF-DBEAF6F6528E}"/>
+              </a:ext>
+            </a:extLst>
+          </p:cNvPr>
+          <p:cNvSpPr/>
+          <p:nvPr/>
+        </p:nvSpPr>
+        <p:spPr>
+          <a:xfrm>
+            <a:off x="7481761" y="5984248"/>
+            <a:ext cx="652576" cy="652576"/>
+          </a:xfrm>
+          <a:prstGeom prst="rect">
+            <a:avLst/>
+          </a:prstGeom>
+          <a:noFill/>
+          <a:ln>
+            <a:noFill/>
+          </a:ln>
+        </p:spPr>
+        <p:style>
+          <a:lnRef idx="2">
+            <a:schemeClr val="accent1">
+              <a:shade val="50000"/>
+            </a:schemeClr>
+          </a:lnRef>
+          <a:fillRef idx="1">
+            <a:schemeClr val="accent1"/>
+          </a:fillRef>
+          <a:effectRef idx="0">
+            <a:schemeClr val="accent1"/>
+          </a:effectRef>
+          <a:fontRef idx="minor">
+            <a:schemeClr val="lt1"/>
+          </a:fontRef>
+        </p:style>
+        <p:txBody>
+          <a:bodyPr rtlCol="0" anchor="ctr"/>
+          <a:lstStyle/>
+          <a:p>
+            <a:pPr algn="ctr"/>
+            <a:endParaRPr lang="zh-CN" altLang="en-US"/>
+          </a:p>
+        </p:txBody>
+      </p:sp>
+      <p:sp>
+        <p:nvSpPr>
+          <p:cNvPr id="197" name="任意多边形: 形状 196">
+            <a:extLst>
+              <a:ext uri="{FF2B5EF4-FFF2-40B4-BE49-F238E27FC236}">
+                <a16:creationId xmlns:a16="http://schemas.microsoft.com/office/drawing/2014/main" id="{0B3CEEC3-8B24-45D7-B18A-4A04204474F3}"/>
+              </a:ext>
+            </a:extLst>
+          </p:cNvPr>
+          <p:cNvSpPr>
+            <a:spLocks/>
+          </p:cNvSpPr>
+          <p:nvPr/>
+        </p:nvSpPr>
+        <p:spPr>
+          <a:xfrm>
+            <a:off x="7651896" y="6123336"/>
+            <a:ext cx="312307" cy="374400"/>
+          </a:xfrm>
+          <a:custGeom>
+            <a:avLst/>
+            <a:gdLst>
+              <a:gd name="connsiteX0" fmla="*/ 247127 w 349343"/>
+              <a:gd name="connsiteY0" fmla="*/ 0 h 418800"/>
+              <a:gd name="connsiteX1" fmla="*/ 348277 w 349343"/>
+              <a:gd name="connsiteY1" fmla="*/ 0 h 418800"/>
+              <a:gd name="connsiteX2" fmla="*/ 348277 w 349343"/>
+              <a:gd name="connsiteY2" fmla="*/ 252520 h 418800"/>
+              <a:gd name="connsiteX3" fmla="*/ 349343 w 349343"/>
+              <a:gd name="connsiteY3" fmla="*/ 252520 h 418800"/>
+              <a:gd name="connsiteX4" fmla="*/ 337180 w 349343"/>
+              <a:gd name="connsiteY4" fmla="*/ 312162 h 418800"/>
+              <a:gd name="connsiteX5" fmla="*/ 174672 w 349343"/>
+              <a:gd name="connsiteY5" fmla="*/ 418800 h 418800"/>
+              <a:gd name="connsiteX6" fmla="*/ 12163 w 349343"/>
+              <a:gd name="connsiteY6" fmla="*/ 312162 h 418800"/>
+              <a:gd name="connsiteX7" fmla="*/ 0 w 349343"/>
+              <a:gd name="connsiteY7" fmla="*/ 252520 h 418800"/>
+              <a:gd name="connsiteX8" fmla="*/ 774 w 349343"/>
+              <a:gd name="connsiteY8" fmla="*/ 252520 h 418800"/>
+              <a:gd name="connsiteX9" fmla="*/ 774 w 349343"/>
+              <a:gd name="connsiteY9" fmla="*/ 2030 h 418800"/>
+              <a:gd name="connsiteX10" fmla="*/ 101924 w 349343"/>
+              <a:gd name="connsiteY10" fmla="*/ 2030 h 418800"/>
+              <a:gd name="connsiteX11" fmla="*/ 101924 w 349343"/>
+              <a:gd name="connsiteY11" fmla="*/ 253709 h 418800"/>
+              <a:gd name="connsiteX12" fmla="*/ 104867 w 349343"/>
+              <a:gd name="connsiteY12" fmla="*/ 268131 h 418800"/>
+              <a:gd name="connsiteX13" fmla="*/ 173360 w 349343"/>
+              <a:gd name="connsiteY13" fmla="*/ 313050 h 418800"/>
+              <a:gd name="connsiteX14" fmla="*/ 241854 w 349343"/>
+              <a:gd name="connsiteY14" fmla="*/ 268131 h 418800"/>
+              <a:gd name="connsiteX15" fmla="*/ 245040 w 349343"/>
+              <a:gd name="connsiteY15" fmla="*/ 252520 h 418800"/>
+              <a:gd name="connsiteX16" fmla="*/ 247127 w 349343"/>
+              <a:gd name="connsiteY16" fmla="*/ 252520 h 418800"/>
+            </a:gdLst>
+            <a:ahLst/>
+            <a:cxnLst>
+              <a:cxn ang="0">
+                <a:pos x="connsiteX0" y="connsiteY0"/>
+              </a:cxn>
+              <a:cxn ang="0">
+                <a:pos x="connsiteX1" y="connsiteY1"/>
+              </a:cxn>
+              <a:cxn ang="0">
+                <a:pos x="connsiteX2" y="connsiteY2"/>
+              </a:cxn>
+              <a:cxn ang="0">
+                <a:pos x="connsiteX3" y="connsiteY3"/>
+              </a:cxn>
+              <a:cxn ang="0">
+                <a:pos x="connsiteX4" y="connsiteY4"/>
+              </a:cxn>
+              <a:cxn ang="0">
+                <a:pos x="connsiteX5" y="connsiteY5"/>
+              </a:cxn>
+              <a:cxn ang="0">
+                <a:pos x="connsiteX6" y="connsiteY6"/>
+              </a:cxn>
+              <a:cxn ang="0">
+                <a:pos x="connsiteX7" y="connsiteY7"/>
+              </a:cxn>
+              <a:cxn ang="0">
+                <a:pos x="connsiteX8" y="connsiteY8"/>
+              </a:cxn>
+              <a:cxn ang="0">
+                <a:pos x="connsiteX9" y="connsiteY9"/>
+              </a:cxn>
+              <a:cxn ang="0">
+                <a:pos x="connsiteX10" y="connsiteY10"/>
+              </a:cxn>
+              <a:cxn ang="0">
+                <a:pos x="connsiteX11" y="connsiteY11"/>
+              </a:cxn>
+              <a:cxn ang="0">
+                <a:pos x="connsiteX12" y="connsiteY12"/>
+              </a:cxn>
+              <a:cxn ang="0">
+                <a:pos x="connsiteX13" y="connsiteY13"/>
+              </a:cxn>
+              <a:cxn ang="0">
+                <a:pos x="connsiteX14" y="connsiteY14"/>
+              </a:cxn>
+              <a:cxn ang="0">
+                <a:pos x="connsiteX15" y="connsiteY15"/>
+              </a:cxn>
+              <a:cxn ang="0">
+                <a:pos x="connsiteX16" y="connsiteY16"/>
+              </a:cxn>
+            </a:cxnLst>
+            <a:rect l="l" t="t" r="r" b="b"/>
+            <a:pathLst>
+              <a:path w="349343" h="418800">
+                <a:moveTo>
+                  <a:pt x="247127" y="0"/>
+                </a:moveTo>
+                <a:lnTo>
+                  <a:pt x="348277" y="0"/>
+                </a:lnTo>
+                <a:lnTo>
+                  <a:pt x="348277" y="252520"/>
+                </a:lnTo>
+                <a:lnTo>
+                  <a:pt x="349343" y="252520"/>
+                </a:lnTo>
+                <a:lnTo>
+                  <a:pt x="337180" y="312162"/>
+                </a:lnTo>
+                <a:cubicBezTo>
+                  <a:pt x="310406" y="374829"/>
+                  <a:pt x="247726" y="418800"/>
+                  <a:pt x="174672" y="418800"/>
+                </a:cubicBezTo>
+                <a:cubicBezTo>
+                  <a:pt x="101617" y="418800"/>
+                  <a:pt x="38937" y="374829"/>
+                  <a:pt x="12163" y="312162"/>
+                </a:cubicBezTo>
+                <a:lnTo>
+                  <a:pt x="0" y="252520"/>
+                </a:lnTo>
+                <a:lnTo>
+                  <a:pt x="774" y="252520"/>
+                </a:lnTo>
+                <a:lnTo>
+                  <a:pt x="774" y="2030"/>
+                </a:lnTo>
+                <a:lnTo>
+                  <a:pt x="101924" y="2030"/>
+                </a:lnTo>
+                <a:lnTo>
+                  <a:pt x="101924" y="253709"/>
+                </a:lnTo>
+                <a:lnTo>
+                  <a:pt x="104867" y="268131"/>
+                </a:lnTo>
+                <a:cubicBezTo>
+                  <a:pt x="116152" y="294528"/>
+                  <a:pt x="142570" y="313050"/>
+                  <a:pt x="173360" y="313050"/>
+                </a:cubicBezTo>
+                <a:cubicBezTo>
+                  <a:pt x="204151" y="313050"/>
+                  <a:pt x="230570" y="294528"/>
+                  <a:pt x="241854" y="268131"/>
+                </a:cubicBezTo>
+                <a:lnTo>
+                  <a:pt x="245040" y="252520"/>
+                </a:lnTo>
+                <a:lnTo>
+                  <a:pt x="247127" y="252520"/>
+                </a:lnTo>
+                <a:close/>
+              </a:path>
+            </a:pathLst>
+          </a:custGeom>
+          <a:gradFill>
+            <a:gsLst>
+              <a:gs pos="0">
+                <a:srgbClr val="7BE5DD"/>
+              </a:gs>
+              <a:gs pos="100000">
+                <a:srgbClr val="1FBFB4"/>
+              </a:gs>
+            </a:gsLst>
+            <a:path path="circle">
+              <a:fillToRect l="100000" b="100000"/>
+            </a:path>
+          </a:gradFill>
+          <a:ln>
+            <a:noFill/>
+          </a:ln>
+          <a:effectLst>
+            <a:outerShdw blurRad="101600" algn="ctr" rotWithShape="0">
+              <a:prstClr val="black">
+                <a:alpha val="20000"/>
+              </a:prstClr>
+            </a:outerShdw>
+          </a:effectLst>
+        </p:spPr>
+        <p:style>
+          <a:lnRef idx="2">
+            <a:schemeClr val="accent1">
+              <a:shade val="50000"/>
+            </a:schemeClr>
+          </a:lnRef>
+          <a:fillRef idx="1">
+            <a:schemeClr val="accent1"/>
+          </a:fillRef>
+          <a:effectRef idx="0">
+            <a:schemeClr val="accent1"/>
+          </a:effectRef>
+          <a:fontRef idx="minor">
+            <a:schemeClr val="lt1"/>
+          </a:fontRef>
+        </p:style>
+        <p:txBody>
+          <a:bodyPr wrap="square" rtlCol="0" anchor="ctr">
+            <a:noAutofit/>
+          </a:bodyPr>
+          <a:lstStyle/>
+          <a:p>
+            <a:pPr algn="ctr"/>
+            <a:endParaRPr lang="zh-CN" altLang="en-US"/>
+          </a:p>
+        </p:txBody>
+      </p:sp>
+      <p:grpSp>
+        <p:nvGrpSpPr>
+          <p:cNvPr id="208" name="组合 207">
+            <a:extLst>
+              <a:ext uri="{FF2B5EF4-FFF2-40B4-BE49-F238E27FC236}">
+                <a16:creationId xmlns:a16="http://schemas.microsoft.com/office/drawing/2014/main" id="{A3C8DD0B-BAF4-424F-89FE-1EBB6522BFF7}"/>
+              </a:ext>
+            </a:extLst>
+          </p:cNvPr>
+          <p:cNvGrpSpPr/>
+          <p:nvPr/>
+        </p:nvGrpSpPr>
+        <p:grpSpPr>
+          <a:xfrm>
+            <a:off x="7869200" y="6331116"/>
+            <a:ext cx="172690" cy="190154"/>
+            <a:chOff x="8101060" y="6317776"/>
+            <a:chExt cx="172690" cy="190154"/>
+          </a:xfrm>
+          <a:effectLst>
+            <a:outerShdw blurRad="101600" algn="ctr" rotWithShape="0">
+              <a:prstClr val="black">
+                <a:alpha val="20000"/>
+              </a:prstClr>
+            </a:outerShdw>
+          </a:effectLst>
+        </p:grpSpPr>
+        <p:cxnSp>
+          <p:nvCxnSpPr>
+            <p:cNvPr id="201" name="直接连接符 200">
+              <a:extLst>
+                <a:ext uri="{FF2B5EF4-FFF2-40B4-BE49-F238E27FC236}">
+                  <a16:creationId xmlns:a16="http://schemas.microsoft.com/office/drawing/2014/main" id="{E42EBFED-87A3-4A7B-B06F-4EEDEBE507B7}"/>
+                </a:ext>
+              </a:extLst>
+            </p:cNvPr>
+            <p:cNvCxnSpPr>
+              <a:cxnSpLocks/>
+            </p:cNvCxnSpPr>
+            <p:nvPr/>
+          </p:nvCxnSpPr>
+          <p:spPr>
+            <a:xfrm>
+              <a:off x="8101060" y="6379959"/>
+              <a:ext cx="172690" cy="0"/>
+            </a:xfrm>
+            <a:prstGeom prst="line">
+              <a:avLst/>
+            </a:prstGeom>
+            <a:ln w="25400" cap="rnd">
+              <a:solidFill>
+                <a:schemeClr val="bg1"/>
+              </a:solidFill>
+              <a:round/>
+            </a:ln>
+          </p:spPr>
+          <p:style>
+            <a:lnRef idx="1">
+              <a:schemeClr val="accent1"/>
+            </a:lnRef>
+            <a:fillRef idx="0">
+              <a:schemeClr val="accent1"/>
+            </a:fillRef>
+            <a:effectRef idx="0">
+              <a:schemeClr val="accent1"/>
+            </a:effectRef>
+            <a:fontRef idx="minor">
+              <a:schemeClr val="tx1"/>
+            </a:fontRef>
+          </p:style>
+        </p:cxnSp>
+        <p:cxnSp>
+          <p:nvCxnSpPr>
+            <p:cNvPr id="203" name="直接连接符 202">
+              <a:extLst>
+                <a:ext uri="{FF2B5EF4-FFF2-40B4-BE49-F238E27FC236}">
+                  <a16:creationId xmlns:a16="http://schemas.microsoft.com/office/drawing/2014/main" id="{D835DCB8-B261-496B-A5C3-2C76D6131C97}"/>
+                </a:ext>
+              </a:extLst>
+            </p:cNvPr>
+            <p:cNvCxnSpPr>
+              <a:cxnSpLocks/>
+            </p:cNvCxnSpPr>
+            <p:nvPr/>
+          </p:nvCxnSpPr>
+          <p:spPr>
+            <a:xfrm>
+              <a:off x="8101060" y="6441949"/>
+              <a:ext cx="172690" cy="0"/>
+            </a:xfrm>
+            <a:prstGeom prst="line">
+              <a:avLst/>
+            </a:prstGeom>
+            <a:ln w="25400" cap="rnd">
+              <a:solidFill>
+                <a:schemeClr val="bg1"/>
+              </a:solidFill>
+              <a:round/>
+            </a:ln>
+          </p:spPr>
+          <p:style>
+            <a:lnRef idx="1">
+              <a:schemeClr val="accent1"/>
+            </a:lnRef>
+            <a:fillRef idx="0">
+              <a:schemeClr val="accent1"/>
+            </a:fillRef>
+            <a:effectRef idx="0">
+              <a:schemeClr val="accent1"/>
+            </a:effectRef>
+            <a:fontRef idx="minor">
+              <a:schemeClr val="tx1"/>
+            </a:fontRef>
+          </p:style>
+        </p:cxnSp>
+        <p:cxnSp>
+          <p:nvCxnSpPr>
+            <p:cNvPr id="204" name="直接连接符 203">
+              <a:extLst>
+                <a:ext uri="{FF2B5EF4-FFF2-40B4-BE49-F238E27FC236}">
+                  <a16:creationId xmlns:a16="http://schemas.microsoft.com/office/drawing/2014/main" id="{731F5D1A-F88C-49A2-A6FC-06159CB4AECD}"/>
+                </a:ext>
+              </a:extLst>
+            </p:cNvPr>
+            <p:cNvCxnSpPr>
+              <a:cxnSpLocks/>
+            </p:cNvCxnSpPr>
+            <p:nvPr/>
+          </p:nvCxnSpPr>
+          <p:spPr>
+            <a:xfrm>
+              <a:off x="8155826" y="6317776"/>
+              <a:ext cx="953" cy="190154"/>
+            </a:xfrm>
+            <a:prstGeom prst="line">
+              <a:avLst/>
+            </a:prstGeom>
+            <a:ln w="25400" cap="rnd">
+              <a:solidFill>
+                <a:schemeClr val="bg1"/>
+              </a:solidFill>
+              <a:round/>
+            </a:ln>
+          </p:spPr>
+          <p:style>
+            <a:lnRef idx="1">
+              <a:schemeClr val="accent1"/>
+            </a:lnRef>
+            <a:fillRef idx="0">
+              <a:schemeClr val="accent1"/>
+            </a:fillRef>
+            <a:effectRef idx="0">
+              <a:schemeClr val="accent1"/>
+            </a:effectRef>
+            <a:fontRef idx="minor">
+              <a:schemeClr val="tx1"/>
+            </a:fontRef>
+          </p:style>
+        </p:cxnSp>
+        <p:cxnSp>
+          <p:nvCxnSpPr>
+            <p:cNvPr id="207" name="直接连接符 206">
+              <a:extLst>
+                <a:ext uri="{FF2B5EF4-FFF2-40B4-BE49-F238E27FC236}">
+                  <a16:creationId xmlns:a16="http://schemas.microsoft.com/office/drawing/2014/main" id="{784A0801-C3E2-4CAA-98F0-2A06E800ED2A}"/>
+                </a:ext>
+              </a:extLst>
+            </p:cNvPr>
+            <p:cNvCxnSpPr>
+              <a:cxnSpLocks/>
+            </p:cNvCxnSpPr>
+            <p:nvPr/>
+          </p:nvCxnSpPr>
+          <p:spPr>
+            <a:xfrm>
+              <a:off x="8215268" y="6317776"/>
+              <a:ext cx="953" cy="190154"/>
+            </a:xfrm>
+            <a:prstGeom prst="line">
+              <a:avLst/>
+            </a:prstGeom>
+            <a:ln w="25400" cap="rnd">
+              <a:solidFill>
+                <a:schemeClr val="bg1"/>
+              </a:solidFill>
+              <a:round/>
+            </a:ln>
+          </p:spPr>
+          <p:style>
+            <a:lnRef idx="1">
+              <a:schemeClr val="accent1"/>
+            </a:lnRef>
+            <a:fillRef idx="0">
+              <a:schemeClr val="accent1"/>
+            </a:fillRef>
+            <a:effectRef idx="0">
+              <a:schemeClr val="accent1"/>
+            </a:effectRef>
+            <a:fontRef idx="minor">
+              <a:schemeClr val="tx1"/>
+            </a:fontRef>
+          </p:style>
+        </p:cxnSp>
+      </p:grpSp>
+    </p:spTree>
+    <p:extLst>
+      <p:ext uri="{BB962C8B-B14F-4D97-AF65-F5344CB8AC3E}">
+        <p14:creationId xmlns:p14="http://schemas.microsoft.com/office/powerpoint/2010/main" val="1808050253"/>
+      </p:ext>
+    </p:extLst>
+  </p:cSld>
+  <p:clrMapOvr>
+    <a:masterClrMapping/>
+  </p:clrMapOvr>
+</p:sld>
+</file>
+
+<file path=ppt/slides/slide3.xml><?xml version="1.0" encoding="utf-8"?>
 <p:sld xmlns:a="http://schemas.openxmlformats.org/drawingml/2006/main" xmlns:r="http://schemas.openxmlformats.org/officeDocument/2006/relationships" xmlns:p="http://schemas.openxmlformats.org/presentationml/2006/main">
   <p:cSld>
     <p:spTree>
@@ -8578,7 +15891,7 @@
 </p:sld>
 </file>
 
-<file path=ppt/slides/slide3.xml><?xml version="1.0" encoding="utf-8"?>
+<file path=ppt/slides/slide4.xml><?xml version="1.0" encoding="utf-8"?>
 <p:sld xmlns:a="http://schemas.openxmlformats.org/drawingml/2006/main" xmlns:r="http://schemas.openxmlformats.org/officeDocument/2006/relationships" xmlns:p="http://schemas.openxmlformats.org/presentationml/2006/main">
   <p:cSld>
     <p:bg>
@@ -12802,7 +20115,7 @@
 </p:sld>
 </file>
 
-<file path=ppt/slides/slide4.xml><?xml version="1.0" encoding="utf-8"?>
+<file path=ppt/slides/slide5.xml><?xml version="1.0" encoding="utf-8"?>
 <p:sld xmlns:a="http://schemas.openxmlformats.org/drawingml/2006/main" xmlns:r="http://schemas.openxmlformats.org/officeDocument/2006/relationships" xmlns:p="http://schemas.openxmlformats.org/presentationml/2006/main">
   <p:cSld>
     <p:spTree>
@@ -16066,7 +23379,7 @@
 </p:sld>
 </file>
 
-<file path=ppt/slides/slide5.xml><?xml version="1.0" encoding="utf-8"?>
+<file path=ppt/slides/slide6.xml><?xml version="1.0" encoding="utf-8"?>
 <p:sld xmlns:a="http://schemas.openxmlformats.org/drawingml/2006/main" xmlns:r="http://schemas.openxmlformats.org/officeDocument/2006/relationships" xmlns:p="http://schemas.openxmlformats.org/presentationml/2006/main">
   <p:cSld>
     <p:bg>
@@ -18936,7 +26249,7 @@
 </p:sld>
 </file>
 
-<file path=ppt/slides/slide6.xml><?xml version="1.0" encoding="utf-8"?>
+<file path=ppt/slides/slide7.xml><?xml version="1.0" encoding="utf-8"?>
 <p:sld xmlns:a="http://schemas.openxmlformats.org/drawingml/2006/main" xmlns:r="http://schemas.openxmlformats.org/officeDocument/2006/relationships" xmlns:p="http://schemas.openxmlformats.org/presentationml/2006/main">
   <p:cSld>
     <p:bg>
@@ -21464,7 +28777,7 @@
 </p:sld>
 </file>
 
-<file path=ppt/slides/slide7.xml><?xml version="1.0" encoding="utf-8"?>
+<file path=ppt/slides/slide8.xml><?xml version="1.0" encoding="utf-8"?>
 <p:sld xmlns:a="http://schemas.openxmlformats.org/drawingml/2006/main" xmlns:r="http://schemas.openxmlformats.org/officeDocument/2006/relationships" xmlns:p="http://schemas.openxmlformats.org/presentationml/2006/main">
   <p:cSld>
     <p:spTree>
@@ -23366,7 +30679,7 @@
 </p:sld>
 </file>
 
-<file path=ppt/slides/slide8.xml><?xml version="1.0" encoding="utf-8"?>
+<file path=ppt/slides/slide9.xml><?xml version="1.0" encoding="utf-8"?>
 <p:sld xmlns:a="http://schemas.openxmlformats.org/drawingml/2006/main" xmlns:r="http://schemas.openxmlformats.org/officeDocument/2006/relationships" xmlns:p="http://schemas.openxmlformats.org/presentationml/2006/main">
   <p:cSld>
     <p:spTree>
@@ -25796,925 +33109,6 @@
 </p:sld>
 </file>
 
-<file path=ppt/slides/slide9.xml><?xml version="1.0" encoding="utf-8"?>
-<p:sld xmlns:a="http://schemas.openxmlformats.org/drawingml/2006/main" xmlns:r="http://schemas.openxmlformats.org/officeDocument/2006/relationships" xmlns:p="http://schemas.openxmlformats.org/presentationml/2006/main">
-  <p:cSld>
-    <p:bg>
-      <p:bgPr>
-        <a:solidFill>
-          <a:srgbClr val="0D0D1E"/>
-        </a:solidFill>
-        <a:effectLst/>
-      </p:bgPr>
-    </p:bg>
-    <p:spTree>
-      <p:nvGrpSpPr>
-        <p:cNvPr id="1" name=""/>
-        <p:cNvGrpSpPr/>
-        <p:nvPr/>
-      </p:nvGrpSpPr>
-      <p:grpSpPr>
-        <a:xfrm>
-          <a:off x="0" y="0"/>
-          <a:ext cx="0" cy="0"/>
-          <a:chOff x="0" y="0"/>
-          <a:chExt cx="0" cy="0"/>
-        </a:xfrm>
-      </p:grpSpPr>
-      <p:grpSp>
-        <p:nvGrpSpPr>
-          <p:cNvPr id="3" name="组合 2">
-            <a:extLst>
-              <a:ext uri="{FF2B5EF4-FFF2-40B4-BE49-F238E27FC236}">
-                <a16:creationId xmlns:a16="http://schemas.microsoft.com/office/drawing/2014/main" id="{CA1685B2-A14B-420B-BCFD-5482A0C2D4C4}"/>
-              </a:ext>
-            </a:extLst>
-          </p:cNvPr>
-          <p:cNvGrpSpPr/>
-          <p:nvPr/>
-        </p:nvGrpSpPr>
-        <p:grpSpPr>
-          <a:xfrm>
-            <a:off x="3216594" y="2869986"/>
-            <a:ext cx="5748824" cy="1080000"/>
-            <a:chOff x="3216594" y="2869986"/>
-            <a:chExt cx="5748824" cy="1080000"/>
-          </a:xfrm>
-        </p:grpSpPr>
-        <p:grpSp>
-          <p:nvGrpSpPr>
-            <p:cNvPr id="71" name="组合 70">
-              <a:extLst>
-                <a:ext uri="{FF2B5EF4-FFF2-40B4-BE49-F238E27FC236}">
-                  <a16:creationId xmlns:a16="http://schemas.microsoft.com/office/drawing/2014/main" id="{81FB3B35-2318-4457-95DC-C520B75AE75F}"/>
-                </a:ext>
-              </a:extLst>
-            </p:cNvPr>
-            <p:cNvGrpSpPr/>
-            <p:nvPr/>
-          </p:nvGrpSpPr>
-          <p:grpSpPr>
-            <a:xfrm>
-              <a:off x="5158215" y="3228619"/>
-              <a:ext cx="663905" cy="663905"/>
-              <a:chOff x="5598211" y="2485999"/>
-              <a:chExt cx="252000" cy="252000"/>
-            </a:xfrm>
-          </p:grpSpPr>
-          <p:cxnSp>
-            <p:nvCxnSpPr>
-              <p:cNvPr id="49" name="直接连接符 48">
-                <a:extLst>
-                  <a:ext uri="{FF2B5EF4-FFF2-40B4-BE49-F238E27FC236}">
-                    <a16:creationId xmlns:a16="http://schemas.microsoft.com/office/drawing/2014/main" id="{4AFC89BE-23B8-45FF-987D-E6560BFF3DCC}"/>
-                  </a:ext>
-                </a:extLst>
-              </p:cNvPr>
-              <p:cNvCxnSpPr>
-                <a:cxnSpLocks/>
-              </p:cNvCxnSpPr>
-              <p:nvPr/>
-            </p:nvCxnSpPr>
-            <p:spPr>
-              <a:xfrm>
-                <a:off x="5599551" y="2601685"/>
-                <a:ext cx="250660" cy="0"/>
-              </a:xfrm>
-              <a:prstGeom prst="line">
-                <a:avLst/>
-              </a:prstGeom>
-              <a:ln w="76200" cap="rnd">
-                <a:solidFill>
-                  <a:schemeClr val="tx1">
-                    <a:lumMod val="50000"/>
-                    <a:lumOff val="50000"/>
-                  </a:schemeClr>
-                </a:solidFill>
-                <a:round/>
-              </a:ln>
-            </p:spPr>
-            <p:style>
-              <a:lnRef idx="1">
-                <a:schemeClr val="accent1"/>
-              </a:lnRef>
-              <a:fillRef idx="0">
-                <a:schemeClr val="accent1"/>
-              </a:fillRef>
-              <a:effectRef idx="0">
-                <a:schemeClr val="accent1"/>
-              </a:effectRef>
-              <a:fontRef idx="minor">
-                <a:schemeClr val="tx1"/>
-              </a:fontRef>
-            </p:style>
-          </p:cxnSp>
-          <p:sp>
-            <p:nvSpPr>
-              <p:cNvPr id="48" name="弧形 47">
-                <a:extLst>
-                  <a:ext uri="{FF2B5EF4-FFF2-40B4-BE49-F238E27FC236}">
-                    <a16:creationId xmlns:a16="http://schemas.microsoft.com/office/drawing/2014/main" id="{A1B02804-B06D-4C16-8363-61CE38D605E4}"/>
-                  </a:ext>
-                </a:extLst>
-              </p:cNvPr>
-              <p:cNvSpPr/>
-              <p:nvPr/>
-            </p:nvSpPr>
-            <p:spPr>
-              <a:xfrm>
-                <a:off x="5598211" y="2485999"/>
-                <a:ext cx="252000" cy="252000"/>
-              </a:xfrm>
-              <a:prstGeom prst="arc">
-                <a:avLst>
-                  <a:gd name="adj1" fmla="val 1817991"/>
-                  <a:gd name="adj2" fmla="val 21272467"/>
-                </a:avLst>
-              </a:prstGeom>
-              <a:ln w="76200" cap="rnd">
-                <a:solidFill>
-                  <a:schemeClr val="bg1"/>
-                </a:solidFill>
-                <a:round/>
-              </a:ln>
-            </p:spPr>
-            <p:style>
-              <a:lnRef idx="1">
-                <a:schemeClr val="accent1"/>
-              </a:lnRef>
-              <a:fillRef idx="0">
-                <a:schemeClr val="accent1"/>
-              </a:fillRef>
-              <a:effectRef idx="0">
-                <a:schemeClr val="accent1"/>
-              </a:effectRef>
-              <a:fontRef idx="minor">
-                <a:schemeClr val="tx1"/>
-              </a:fontRef>
-            </p:style>
-            <p:txBody>
-              <a:bodyPr rtlCol="0" anchor="ctr"/>
-              <a:lstStyle/>
-              <a:p>
-                <a:pPr algn="ctr"/>
-                <a:endParaRPr lang="zh-CN" altLang="en-US"/>
-              </a:p>
-            </p:txBody>
-          </p:sp>
-        </p:grpSp>
-        <p:grpSp>
-          <p:nvGrpSpPr>
-            <p:cNvPr id="75" name="组合 74">
-              <a:extLst>
-                <a:ext uri="{FF2B5EF4-FFF2-40B4-BE49-F238E27FC236}">
-                  <a16:creationId xmlns:a16="http://schemas.microsoft.com/office/drawing/2014/main" id="{B690163C-5BFE-4F9D-85B4-AAC5BC56FF23}"/>
-                </a:ext>
-              </a:extLst>
-            </p:cNvPr>
-            <p:cNvGrpSpPr/>
-            <p:nvPr/>
-          </p:nvGrpSpPr>
-          <p:grpSpPr>
-            <a:xfrm>
-              <a:off x="6194310" y="3228619"/>
-              <a:ext cx="312984" cy="663905"/>
-              <a:chOff x="6000369" y="2485999"/>
-              <a:chExt cx="118800" cy="252000"/>
-            </a:xfrm>
-          </p:grpSpPr>
-          <p:cxnSp>
-            <p:nvCxnSpPr>
-              <p:cNvPr id="50" name="直接连接符 49">
-                <a:extLst>
-                  <a:ext uri="{FF2B5EF4-FFF2-40B4-BE49-F238E27FC236}">
-                    <a16:creationId xmlns:a16="http://schemas.microsoft.com/office/drawing/2014/main" id="{DA87BA15-9820-4056-A9D2-A9DD43EEE201}"/>
-                  </a:ext>
-                </a:extLst>
-              </p:cNvPr>
-              <p:cNvCxnSpPr>
-                <a:cxnSpLocks/>
-              </p:cNvCxnSpPr>
-              <p:nvPr/>
-            </p:nvCxnSpPr>
-            <p:spPr>
-              <a:xfrm flipH="1">
-                <a:off x="6001038" y="2539804"/>
-                <a:ext cx="0" cy="198195"/>
-              </a:xfrm>
-              <a:prstGeom prst="line">
-                <a:avLst/>
-              </a:prstGeom>
-              <a:ln w="76200" cap="rnd">
-                <a:solidFill>
-                  <a:schemeClr val="bg1"/>
-                </a:solidFill>
-                <a:round/>
-              </a:ln>
-            </p:spPr>
-            <p:style>
-              <a:lnRef idx="1">
-                <a:schemeClr val="accent1"/>
-              </a:lnRef>
-              <a:fillRef idx="0">
-                <a:schemeClr val="accent1"/>
-              </a:fillRef>
-              <a:effectRef idx="0">
-                <a:schemeClr val="accent1"/>
-              </a:effectRef>
-              <a:fontRef idx="minor">
-                <a:schemeClr val="tx1"/>
-              </a:fontRef>
-            </p:style>
-          </p:cxnSp>
-          <p:sp>
-            <p:nvSpPr>
-              <p:cNvPr id="51" name="弧形 50">
-                <a:extLst>
-                  <a:ext uri="{FF2B5EF4-FFF2-40B4-BE49-F238E27FC236}">
-                    <a16:creationId xmlns:a16="http://schemas.microsoft.com/office/drawing/2014/main" id="{05B6D31A-DC6D-4CE1-BF67-A5EF0BFC166E}"/>
-                  </a:ext>
-                </a:extLst>
-              </p:cNvPr>
-              <p:cNvSpPr/>
-              <p:nvPr/>
-            </p:nvSpPr>
-            <p:spPr>
-              <a:xfrm>
-                <a:off x="6000369" y="2485999"/>
-                <a:ext cx="118800" cy="118800"/>
-              </a:xfrm>
-              <a:prstGeom prst="arc">
-                <a:avLst>
-                  <a:gd name="adj1" fmla="val 11124299"/>
-                  <a:gd name="adj2" fmla="val 17866105"/>
-                </a:avLst>
-              </a:prstGeom>
-              <a:ln w="76200" cap="rnd">
-                <a:solidFill>
-                  <a:schemeClr val="bg1"/>
-                </a:solidFill>
-                <a:round/>
-              </a:ln>
-            </p:spPr>
-            <p:style>
-              <a:lnRef idx="1">
-                <a:schemeClr val="accent1"/>
-              </a:lnRef>
-              <a:fillRef idx="0">
-                <a:schemeClr val="accent1"/>
-              </a:fillRef>
-              <a:effectRef idx="0">
-                <a:schemeClr val="accent1"/>
-              </a:effectRef>
-              <a:fontRef idx="minor">
-                <a:schemeClr val="tx1"/>
-              </a:fontRef>
-            </p:style>
-            <p:txBody>
-              <a:bodyPr rtlCol="0" anchor="ctr"/>
-              <a:lstStyle/>
-              <a:p>
-                <a:pPr algn="ctr"/>
-                <a:endParaRPr lang="zh-CN" altLang="en-US"/>
-              </a:p>
-            </p:txBody>
-          </p:sp>
-        </p:grpSp>
-        <p:grpSp>
-          <p:nvGrpSpPr>
-            <p:cNvPr id="70" name="组合 69">
-              <a:extLst>
-                <a:ext uri="{FF2B5EF4-FFF2-40B4-BE49-F238E27FC236}">
-                  <a16:creationId xmlns:a16="http://schemas.microsoft.com/office/drawing/2014/main" id="{C3DFB8FF-027A-4004-A0D2-974ABAB6DBA2}"/>
-                </a:ext>
-              </a:extLst>
-            </p:cNvPr>
-            <p:cNvGrpSpPr/>
-            <p:nvPr/>
-          </p:nvGrpSpPr>
-          <p:grpSpPr>
-            <a:xfrm>
-              <a:off x="4150673" y="3363911"/>
-              <a:ext cx="635352" cy="528613"/>
-              <a:chOff x="5208895" y="2542553"/>
-              <a:chExt cx="241162" cy="200647"/>
-            </a:xfrm>
-          </p:grpSpPr>
-          <p:cxnSp>
-            <p:nvCxnSpPr>
-              <p:cNvPr id="52" name="直接连接符 51">
-                <a:extLst>
-                  <a:ext uri="{FF2B5EF4-FFF2-40B4-BE49-F238E27FC236}">
-                    <a16:creationId xmlns:a16="http://schemas.microsoft.com/office/drawing/2014/main" id="{A0F72843-E342-4206-BBFF-889EE8C9C32F}"/>
-                  </a:ext>
-                </a:extLst>
-              </p:cNvPr>
-              <p:cNvCxnSpPr>
-                <a:cxnSpLocks/>
-              </p:cNvCxnSpPr>
-              <p:nvPr/>
-            </p:nvCxnSpPr>
-            <p:spPr>
-              <a:xfrm>
-                <a:off x="5219470" y="2553586"/>
-                <a:ext cx="109218" cy="88566"/>
-              </a:xfrm>
-              <a:prstGeom prst="line">
-                <a:avLst/>
-              </a:prstGeom>
-              <a:ln w="76200" cap="rnd">
-                <a:solidFill>
-                  <a:schemeClr val="tx1">
-                    <a:lumMod val="50000"/>
-                    <a:lumOff val="50000"/>
-                  </a:schemeClr>
-                </a:solidFill>
-                <a:round/>
-              </a:ln>
-            </p:spPr>
-            <p:style>
-              <a:lnRef idx="1">
-                <a:schemeClr val="accent1"/>
-              </a:lnRef>
-              <a:fillRef idx="0">
-                <a:schemeClr val="accent1"/>
-              </a:fillRef>
-              <a:effectRef idx="0">
-                <a:schemeClr val="accent1"/>
-              </a:effectRef>
-              <a:fontRef idx="minor">
-                <a:schemeClr val="tx1"/>
-              </a:fontRef>
-            </p:style>
-          </p:cxnSp>
-          <p:cxnSp>
-            <p:nvCxnSpPr>
-              <p:cNvPr id="38" name="直接连接符 37">
-                <a:extLst>
-                  <a:ext uri="{FF2B5EF4-FFF2-40B4-BE49-F238E27FC236}">
-                    <a16:creationId xmlns:a16="http://schemas.microsoft.com/office/drawing/2014/main" id="{A45B12B5-270C-494C-8D33-8FB78ED71159}"/>
-                  </a:ext>
-                </a:extLst>
-              </p:cNvPr>
-              <p:cNvCxnSpPr>
-                <a:cxnSpLocks/>
-              </p:cNvCxnSpPr>
-              <p:nvPr/>
-            </p:nvCxnSpPr>
-            <p:spPr>
-              <a:xfrm flipH="1">
-                <a:off x="5328688" y="2545005"/>
-                <a:ext cx="119741" cy="97147"/>
-              </a:xfrm>
-              <a:prstGeom prst="line">
-                <a:avLst/>
-              </a:prstGeom>
-              <a:ln w="76200" cap="rnd">
-                <a:solidFill>
-                  <a:schemeClr val="bg1"/>
-                </a:solidFill>
-                <a:round/>
-              </a:ln>
-            </p:spPr>
-            <p:style>
-              <a:lnRef idx="1">
-                <a:schemeClr val="accent1"/>
-              </a:lnRef>
-              <a:fillRef idx="0">
-                <a:schemeClr val="accent1"/>
-              </a:fillRef>
-              <a:effectRef idx="0">
-                <a:schemeClr val="accent1"/>
-              </a:effectRef>
-              <a:fontRef idx="minor">
-                <a:schemeClr val="tx1"/>
-              </a:fontRef>
-            </p:style>
-          </p:cxnSp>
-          <p:cxnSp>
-            <p:nvCxnSpPr>
-              <p:cNvPr id="40" name="直接连接符 39">
-                <a:extLst>
-                  <a:ext uri="{FF2B5EF4-FFF2-40B4-BE49-F238E27FC236}">
-                    <a16:creationId xmlns:a16="http://schemas.microsoft.com/office/drawing/2014/main" id="{B7C98CE0-D706-4A88-AEDF-74A7C348E056}"/>
-                  </a:ext>
-                </a:extLst>
-              </p:cNvPr>
-              <p:cNvCxnSpPr>
-                <a:cxnSpLocks/>
-              </p:cNvCxnSpPr>
-              <p:nvPr/>
-            </p:nvCxnSpPr>
-            <p:spPr>
-              <a:xfrm>
-                <a:off x="5450057" y="2542553"/>
-                <a:ext cx="0" cy="198137"/>
-              </a:xfrm>
-              <a:prstGeom prst="line">
-                <a:avLst/>
-              </a:prstGeom>
-              <a:ln w="76200" cap="rnd">
-                <a:solidFill>
-                  <a:schemeClr val="tx1">
-                    <a:lumMod val="50000"/>
-                    <a:lumOff val="50000"/>
-                  </a:schemeClr>
-                </a:solidFill>
-                <a:round/>
-              </a:ln>
-            </p:spPr>
-            <p:style>
-              <a:lnRef idx="1">
-                <a:schemeClr val="accent1"/>
-              </a:lnRef>
-              <a:fillRef idx="0">
-                <a:schemeClr val="accent1"/>
-              </a:fillRef>
-              <a:effectRef idx="0">
-                <a:schemeClr val="accent1"/>
-              </a:effectRef>
-              <a:fontRef idx="minor">
-                <a:schemeClr val="tx1"/>
-              </a:fontRef>
-            </p:style>
-          </p:cxnSp>
-          <p:cxnSp>
-            <p:nvCxnSpPr>
-              <p:cNvPr id="37" name="直接连接符 36">
-                <a:extLst>
-                  <a:ext uri="{FF2B5EF4-FFF2-40B4-BE49-F238E27FC236}">
-                    <a16:creationId xmlns:a16="http://schemas.microsoft.com/office/drawing/2014/main" id="{EAEA0A26-9F0E-4BB4-A9D7-94B2282A59D2}"/>
-                  </a:ext>
-                </a:extLst>
-              </p:cNvPr>
-              <p:cNvCxnSpPr>
-                <a:cxnSpLocks/>
-              </p:cNvCxnSpPr>
-              <p:nvPr/>
-            </p:nvCxnSpPr>
-            <p:spPr>
-              <a:xfrm>
-                <a:off x="5208895" y="2547583"/>
-                <a:ext cx="0" cy="195617"/>
-              </a:xfrm>
-              <a:prstGeom prst="line">
-                <a:avLst/>
-              </a:prstGeom>
-              <a:ln w="76200" cap="rnd">
-                <a:solidFill>
-                  <a:schemeClr val="bg1"/>
-                </a:solidFill>
-                <a:round/>
-              </a:ln>
-            </p:spPr>
-            <p:style>
-              <a:lnRef idx="1">
-                <a:schemeClr val="accent1"/>
-              </a:lnRef>
-              <a:fillRef idx="0">
-                <a:schemeClr val="accent1"/>
-              </a:fillRef>
-              <a:effectRef idx="0">
-                <a:schemeClr val="accent1"/>
-              </a:effectRef>
-              <a:fontRef idx="minor">
-                <a:schemeClr val="tx1"/>
-              </a:fontRef>
-            </p:style>
-          </p:cxnSp>
-        </p:grpSp>
-        <p:grpSp>
-          <p:nvGrpSpPr>
-            <p:cNvPr id="76" name="组合 75">
-              <a:extLst>
-                <a:ext uri="{FF2B5EF4-FFF2-40B4-BE49-F238E27FC236}">
-                  <a16:creationId xmlns:a16="http://schemas.microsoft.com/office/drawing/2014/main" id="{2D7D6CD3-5144-43C1-861B-19698A47928E}"/>
-                </a:ext>
-              </a:extLst>
-            </p:cNvPr>
-            <p:cNvGrpSpPr/>
-            <p:nvPr/>
-          </p:nvGrpSpPr>
-          <p:grpSpPr>
-            <a:xfrm>
-              <a:off x="6701771" y="3228619"/>
-              <a:ext cx="667388" cy="663905"/>
-              <a:chOff x="6201266" y="2485999"/>
-              <a:chExt cx="253322" cy="252000"/>
-            </a:xfrm>
-          </p:grpSpPr>
-          <p:sp>
-            <p:nvSpPr>
-              <p:cNvPr id="58" name="弧形 57">
-                <a:extLst>
-                  <a:ext uri="{FF2B5EF4-FFF2-40B4-BE49-F238E27FC236}">
-                    <a16:creationId xmlns:a16="http://schemas.microsoft.com/office/drawing/2014/main" id="{FD9102C1-5F61-4459-ACA6-37133A7BD381}"/>
-                  </a:ext>
-                </a:extLst>
-              </p:cNvPr>
-              <p:cNvSpPr/>
-              <p:nvPr/>
-            </p:nvSpPr>
-            <p:spPr>
-              <a:xfrm>
-                <a:off x="6201266" y="2485999"/>
-                <a:ext cx="252000" cy="252000"/>
-              </a:xfrm>
-              <a:prstGeom prst="arc">
-                <a:avLst>
-                  <a:gd name="adj1" fmla="val 21364427"/>
-                  <a:gd name="adj2" fmla="val 21272467"/>
-                </a:avLst>
-              </a:prstGeom>
-              <a:ln w="76200" cap="rnd">
-                <a:solidFill>
-                  <a:schemeClr val="bg1"/>
-                </a:solidFill>
-                <a:round/>
-              </a:ln>
-            </p:spPr>
-            <p:style>
-              <a:lnRef idx="1">
-                <a:schemeClr val="accent1"/>
-              </a:lnRef>
-              <a:fillRef idx="0">
-                <a:schemeClr val="accent1"/>
-              </a:fillRef>
-              <a:effectRef idx="0">
-                <a:schemeClr val="accent1"/>
-              </a:effectRef>
-              <a:fontRef idx="minor">
-                <a:schemeClr val="tx1"/>
-              </a:fontRef>
-            </p:style>
-            <p:txBody>
-              <a:bodyPr rtlCol="0" anchor="ctr"/>
-              <a:lstStyle/>
-              <a:p>
-                <a:pPr algn="ctr"/>
-                <a:endParaRPr lang="zh-CN" altLang="en-US"/>
-              </a:p>
-            </p:txBody>
-          </p:sp>
-          <p:cxnSp>
-            <p:nvCxnSpPr>
-              <p:cNvPr id="59" name="直接连接符 58">
-                <a:extLst>
-                  <a:ext uri="{FF2B5EF4-FFF2-40B4-BE49-F238E27FC236}">
-                    <a16:creationId xmlns:a16="http://schemas.microsoft.com/office/drawing/2014/main" id="{F1FB9638-5867-4358-A29F-6079B4DEFD4B}"/>
-                  </a:ext>
-                </a:extLst>
-              </p:cNvPr>
-              <p:cNvCxnSpPr>
-                <a:cxnSpLocks/>
-              </p:cNvCxnSpPr>
-              <p:nvPr/>
-            </p:nvCxnSpPr>
-            <p:spPr>
-              <a:xfrm flipH="1">
-                <a:off x="6453266" y="2485999"/>
-                <a:ext cx="1322" cy="252000"/>
-              </a:xfrm>
-              <a:prstGeom prst="line">
-                <a:avLst/>
-              </a:prstGeom>
-              <a:ln w="76200" cap="rnd">
-                <a:solidFill>
-                  <a:schemeClr val="tx1">
-                    <a:lumMod val="50000"/>
-                    <a:lumOff val="50000"/>
-                  </a:schemeClr>
-                </a:solidFill>
-                <a:round/>
-              </a:ln>
-            </p:spPr>
-            <p:style>
-              <a:lnRef idx="1">
-                <a:schemeClr val="accent1"/>
-              </a:lnRef>
-              <a:fillRef idx="0">
-                <a:schemeClr val="accent1"/>
-              </a:fillRef>
-              <a:effectRef idx="0">
-                <a:schemeClr val="accent1"/>
-              </a:effectRef>
-              <a:fontRef idx="minor">
-                <a:schemeClr val="tx1"/>
-              </a:fontRef>
-            </p:style>
-          </p:cxnSp>
-        </p:grpSp>
-        <p:cxnSp>
-          <p:nvCxnSpPr>
-            <p:cNvPr id="61" name="直接连接符 60">
-              <a:extLst>
-                <a:ext uri="{FF2B5EF4-FFF2-40B4-BE49-F238E27FC236}">
-                  <a16:creationId xmlns:a16="http://schemas.microsoft.com/office/drawing/2014/main" id="{6ECB2F65-1AD6-4EA9-BFBC-E2979544CB46}"/>
-                </a:ext>
-              </a:extLst>
-            </p:cNvPr>
-            <p:cNvCxnSpPr>
-              <a:cxnSpLocks/>
-            </p:cNvCxnSpPr>
-            <p:nvPr/>
-          </p:nvCxnSpPr>
-          <p:spPr>
-            <a:xfrm>
-              <a:off x="7741349" y="2873448"/>
-              <a:ext cx="0" cy="1073076"/>
-            </a:xfrm>
-            <a:prstGeom prst="line">
-              <a:avLst/>
-            </a:prstGeom>
-            <a:ln w="76200" cap="rnd">
-              <a:solidFill>
-                <a:schemeClr val="bg1"/>
-              </a:solidFill>
-              <a:round/>
-            </a:ln>
-          </p:spPr>
-          <p:style>
-            <a:lnRef idx="1">
-              <a:schemeClr val="accent1"/>
-            </a:lnRef>
-            <a:fillRef idx="0">
-              <a:schemeClr val="accent1"/>
-            </a:fillRef>
-            <a:effectRef idx="0">
-              <a:schemeClr val="accent1"/>
-            </a:effectRef>
-            <a:fontRef idx="minor">
-              <a:schemeClr val="tx1"/>
-            </a:fontRef>
-          </p:style>
-        </p:cxnSp>
-        <p:grpSp>
-          <p:nvGrpSpPr>
-            <p:cNvPr id="85" name="组合 84">
-              <a:extLst>
-                <a:ext uri="{FF2B5EF4-FFF2-40B4-BE49-F238E27FC236}">
-                  <a16:creationId xmlns:a16="http://schemas.microsoft.com/office/drawing/2014/main" id="{321D4381-33D9-44E9-A69D-F6A180F16ABD}"/>
-                </a:ext>
-              </a:extLst>
-            </p:cNvPr>
-            <p:cNvGrpSpPr/>
-            <p:nvPr/>
-          </p:nvGrpSpPr>
-          <p:grpSpPr>
-            <a:xfrm>
-              <a:off x="3216594" y="3100524"/>
-              <a:ext cx="792000" cy="792000"/>
-              <a:chOff x="5101774" y="2455056"/>
-              <a:chExt cx="792000" cy="792000"/>
-            </a:xfrm>
-          </p:grpSpPr>
-          <p:cxnSp>
-            <p:nvCxnSpPr>
-              <p:cNvPr id="34" name="直接连接符 33">
-                <a:extLst>
-                  <a:ext uri="{FF2B5EF4-FFF2-40B4-BE49-F238E27FC236}">
-                    <a16:creationId xmlns:a16="http://schemas.microsoft.com/office/drawing/2014/main" id="{3EF835D2-AFED-4476-A39D-312AA1A0439D}"/>
-                  </a:ext>
-                </a:extLst>
-              </p:cNvPr>
-              <p:cNvCxnSpPr/>
-              <p:nvPr/>
-            </p:nvCxnSpPr>
-            <p:spPr>
-              <a:xfrm>
-                <a:off x="5172391" y="2851056"/>
-                <a:ext cx="485402" cy="0"/>
-              </a:xfrm>
-              <a:prstGeom prst="line">
-                <a:avLst/>
-              </a:prstGeom>
-              <a:ln w="76200" cap="rnd">
-                <a:solidFill>
-                  <a:schemeClr val="tx1">
-                    <a:lumMod val="50000"/>
-                    <a:lumOff val="50000"/>
-                  </a:schemeClr>
-                </a:solidFill>
-                <a:round/>
-              </a:ln>
-            </p:spPr>
-            <p:style>
-              <a:lnRef idx="1">
-                <a:schemeClr val="accent1"/>
-              </a:lnRef>
-              <a:fillRef idx="0">
-                <a:schemeClr val="accent1"/>
-              </a:fillRef>
-              <a:effectRef idx="0">
-                <a:schemeClr val="accent1"/>
-              </a:effectRef>
-              <a:fontRef idx="minor">
-                <a:schemeClr val="tx1"/>
-              </a:fontRef>
-            </p:style>
-          </p:cxnSp>
-          <p:sp>
-            <p:nvSpPr>
-              <p:cNvPr id="84" name="弧形 83">
-                <a:extLst>
-                  <a:ext uri="{FF2B5EF4-FFF2-40B4-BE49-F238E27FC236}">
-                    <a16:creationId xmlns:a16="http://schemas.microsoft.com/office/drawing/2014/main" id="{738F2808-47EE-47C8-B763-C7EDABBE1A00}"/>
-                  </a:ext>
-                </a:extLst>
-              </p:cNvPr>
-              <p:cNvSpPr>
-                <a:spLocks noChangeAspect="1"/>
-              </p:cNvSpPr>
-              <p:nvPr/>
-            </p:nvSpPr>
-            <p:spPr>
-              <a:xfrm>
-                <a:off x="5101774" y="2455056"/>
-                <a:ext cx="792000" cy="792000"/>
-              </a:xfrm>
-              <a:prstGeom prst="arc">
-                <a:avLst>
-                  <a:gd name="adj1" fmla="val 3895352"/>
-                  <a:gd name="adj2" fmla="val 17604657"/>
-                </a:avLst>
-              </a:prstGeom>
-              <a:ln w="76200" cap="rnd">
-                <a:solidFill>
-                  <a:schemeClr val="bg1"/>
-                </a:solidFill>
-                <a:round/>
-              </a:ln>
-            </p:spPr>
-            <p:style>
-              <a:lnRef idx="1">
-                <a:schemeClr val="accent1"/>
-              </a:lnRef>
-              <a:fillRef idx="0">
-                <a:schemeClr val="accent1"/>
-              </a:fillRef>
-              <a:effectRef idx="0">
-                <a:schemeClr val="accent1"/>
-              </a:effectRef>
-              <a:fontRef idx="minor">
-                <a:schemeClr val="tx1"/>
-              </a:fontRef>
-            </p:style>
-            <p:txBody>
-              <a:bodyPr rtlCol="0" anchor="ctr"/>
-              <a:lstStyle/>
-              <a:p>
-                <a:pPr algn="ctr"/>
-                <a:endParaRPr lang="zh-CN" altLang="en-US"/>
-              </a:p>
-            </p:txBody>
-          </p:sp>
-        </p:grpSp>
-        <p:grpSp>
-          <p:nvGrpSpPr>
-            <p:cNvPr id="89" name="组合 88">
-              <a:extLst>
-                <a:ext uri="{FF2B5EF4-FFF2-40B4-BE49-F238E27FC236}">
-                  <a16:creationId xmlns:a16="http://schemas.microsoft.com/office/drawing/2014/main" id="{CBD42311-87DF-4F42-9D74-F7270BA26E2B}"/>
-                </a:ext>
-              </a:extLst>
-            </p:cNvPr>
-            <p:cNvGrpSpPr/>
-            <p:nvPr/>
-          </p:nvGrpSpPr>
-          <p:grpSpPr>
-            <a:xfrm>
-              <a:off x="7885418" y="2869986"/>
-              <a:ext cx="1080000" cy="1080000"/>
-              <a:chOff x="9835468" y="2491210"/>
-              <a:chExt cx="1080000" cy="1080000"/>
-            </a:xfrm>
-          </p:grpSpPr>
-          <p:sp>
-            <p:nvSpPr>
-              <p:cNvPr id="64" name="弧形 63">
-                <a:extLst>
-                  <a:ext uri="{FF2B5EF4-FFF2-40B4-BE49-F238E27FC236}">
-                    <a16:creationId xmlns:a16="http://schemas.microsoft.com/office/drawing/2014/main" id="{763EC656-CD8A-412B-9CDA-094285A2D60C}"/>
-                  </a:ext>
-                </a:extLst>
-              </p:cNvPr>
-              <p:cNvSpPr/>
-              <p:nvPr/>
-            </p:nvSpPr>
-            <p:spPr>
-              <a:xfrm>
-                <a:off x="10043516" y="2699258"/>
-                <a:ext cx="663905" cy="663905"/>
-              </a:xfrm>
-              <a:prstGeom prst="arc">
-                <a:avLst>
-                  <a:gd name="adj1" fmla="val 21364427"/>
-                  <a:gd name="adj2" fmla="val 21272467"/>
-                </a:avLst>
-              </a:prstGeom>
-              <a:ln w="76200" cap="rnd">
-                <a:solidFill>
-                  <a:schemeClr val="bg1"/>
-                </a:solidFill>
-                <a:round/>
-              </a:ln>
-            </p:spPr>
-            <p:style>
-              <a:lnRef idx="1">
-                <a:schemeClr val="accent1"/>
-              </a:lnRef>
-              <a:fillRef idx="0">
-                <a:schemeClr val="accent1"/>
-              </a:fillRef>
-              <a:effectRef idx="0">
-                <a:schemeClr val="accent1"/>
-              </a:effectRef>
-              <a:fontRef idx="minor">
-                <a:schemeClr val="tx1"/>
-              </a:fontRef>
-            </p:style>
-            <p:txBody>
-              <a:bodyPr rtlCol="0" anchor="ctr"/>
-              <a:lstStyle/>
-              <a:p>
-                <a:pPr algn="ctr"/>
-                <a:endParaRPr lang="zh-CN" altLang="en-US"/>
-              </a:p>
-            </p:txBody>
-          </p:sp>
-          <p:sp>
-            <p:nvSpPr>
-              <p:cNvPr id="88" name="弧形 87">
-                <a:extLst>
-                  <a:ext uri="{FF2B5EF4-FFF2-40B4-BE49-F238E27FC236}">
-                    <a16:creationId xmlns:a16="http://schemas.microsoft.com/office/drawing/2014/main" id="{A8D34806-3F7B-4942-B810-B6C8D5E1E13B}"/>
-                  </a:ext>
-                </a:extLst>
-              </p:cNvPr>
-              <p:cNvSpPr>
-                <a:spLocks noChangeAspect="1"/>
-              </p:cNvSpPr>
-              <p:nvPr/>
-            </p:nvSpPr>
-            <p:spPr>
-              <a:xfrm>
-                <a:off x="9835468" y="2491210"/>
-                <a:ext cx="1080000" cy="1080000"/>
-              </a:xfrm>
-              <a:prstGeom prst="arc">
-                <a:avLst>
-                  <a:gd name="adj1" fmla="val 15877922"/>
-                  <a:gd name="adj2" fmla="val 5881754"/>
-                </a:avLst>
-              </a:prstGeom>
-              <a:ln w="76200" cap="rnd">
-                <a:solidFill>
-                  <a:schemeClr val="tx1">
-                    <a:lumMod val="50000"/>
-                    <a:lumOff val="50000"/>
-                  </a:schemeClr>
-                </a:solidFill>
-                <a:round/>
-              </a:ln>
-            </p:spPr>
-            <p:style>
-              <a:lnRef idx="1">
-                <a:schemeClr val="accent1"/>
-              </a:lnRef>
-              <a:fillRef idx="0">
-                <a:schemeClr val="accent1"/>
-              </a:fillRef>
-              <a:effectRef idx="0">
-                <a:schemeClr val="accent1"/>
-              </a:effectRef>
-              <a:fontRef idx="minor">
-                <a:schemeClr val="tx1"/>
-              </a:fontRef>
-            </p:style>
-            <p:txBody>
-              <a:bodyPr rtlCol="0" anchor="ctr"/>
-              <a:lstStyle/>
-              <a:p>
-                <a:pPr algn="ctr"/>
-                <a:endParaRPr lang="zh-CN" altLang="en-US"/>
-              </a:p>
-            </p:txBody>
-          </p:sp>
-        </p:grpSp>
-      </p:grpSp>
-    </p:spTree>
-    <p:extLst>
-      <p:ext uri="{BB962C8B-B14F-4D97-AF65-F5344CB8AC3E}">
-        <p14:creationId xmlns:p14="http://schemas.microsoft.com/office/powerpoint/2010/main" val="4030841273"/>
-      </p:ext>
-    </p:extLst>
-  </p:cSld>
-  <p:clrMapOvr>
-    <a:masterClrMapping/>
-  </p:clrMapOvr>
-</p:sld>
-</file>
-
 <file path=ppt/theme/theme1.xml><?xml version="1.0" encoding="utf-8"?>
 <a:theme xmlns:a="http://schemas.openxmlformats.org/drawingml/2006/main" name="Office 主题​​">
   <a:themeElements>

--- a/UI.pptx
+++ b/UI.pptx
@@ -268,7 +268,7 @@
           <a:p>
             <a:fld id="{F3BA182F-79D5-4EF3-A581-738F691F52DF}" type="datetimeFigureOut">
               <a:rPr lang="zh-CN" altLang="en-US" smtClean="0"/>
-              <a:t>2020/1/28</a:t>
+              <a:t>2020/2/3</a:t>
             </a:fld>
             <a:endParaRPr lang="zh-CN" altLang="en-US"/>
           </a:p>
@@ -466,7 +466,7 @@
           <a:p>
             <a:fld id="{F3BA182F-79D5-4EF3-A581-738F691F52DF}" type="datetimeFigureOut">
               <a:rPr lang="zh-CN" altLang="en-US" smtClean="0"/>
-              <a:t>2020/1/28</a:t>
+              <a:t>2020/2/3</a:t>
             </a:fld>
             <a:endParaRPr lang="zh-CN" altLang="en-US"/>
           </a:p>
@@ -674,7 +674,7 @@
           <a:p>
             <a:fld id="{F3BA182F-79D5-4EF3-A581-738F691F52DF}" type="datetimeFigureOut">
               <a:rPr lang="zh-CN" altLang="en-US" smtClean="0"/>
-              <a:t>2020/1/28</a:t>
+              <a:t>2020/2/3</a:t>
             </a:fld>
             <a:endParaRPr lang="zh-CN" altLang="en-US"/>
           </a:p>
@@ -872,7 +872,7 @@
           <a:p>
             <a:fld id="{F3BA182F-79D5-4EF3-A581-738F691F52DF}" type="datetimeFigureOut">
               <a:rPr lang="zh-CN" altLang="en-US" smtClean="0"/>
-              <a:t>2020/1/28</a:t>
+              <a:t>2020/2/3</a:t>
             </a:fld>
             <a:endParaRPr lang="zh-CN" altLang="en-US"/>
           </a:p>
@@ -1147,7 +1147,7 @@
           <a:p>
             <a:fld id="{F3BA182F-79D5-4EF3-A581-738F691F52DF}" type="datetimeFigureOut">
               <a:rPr lang="zh-CN" altLang="en-US" smtClean="0"/>
-              <a:t>2020/1/28</a:t>
+              <a:t>2020/2/3</a:t>
             </a:fld>
             <a:endParaRPr lang="zh-CN" altLang="en-US"/>
           </a:p>
@@ -1412,7 +1412,7 @@
           <a:p>
             <a:fld id="{F3BA182F-79D5-4EF3-A581-738F691F52DF}" type="datetimeFigureOut">
               <a:rPr lang="zh-CN" altLang="en-US" smtClean="0"/>
-              <a:t>2020/1/28</a:t>
+              <a:t>2020/2/3</a:t>
             </a:fld>
             <a:endParaRPr lang="zh-CN" altLang="en-US"/>
           </a:p>
@@ -1824,7 +1824,7 @@
           <a:p>
             <a:fld id="{F3BA182F-79D5-4EF3-A581-738F691F52DF}" type="datetimeFigureOut">
               <a:rPr lang="zh-CN" altLang="en-US" smtClean="0"/>
-              <a:t>2020/1/28</a:t>
+              <a:t>2020/2/3</a:t>
             </a:fld>
             <a:endParaRPr lang="zh-CN" altLang="en-US"/>
           </a:p>
@@ -1965,7 +1965,7 @@
           <a:p>
             <a:fld id="{F3BA182F-79D5-4EF3-A581-738F691F52DF}" type="datetimeFigureOut">
               <a:rPr lang="zh-CN" altLang="en-US" smtClean="0"/>
-              <a:t>2020/1/28</a:t>
+              <a:t>2020/2/3</a:t>
             </a:fld>
             <a:endParaRPr lang="zh-CN" altLang="en-US"/>
           </a:p>
@@ -2078,7 +2078,7 @@
           <a:p>
             <a:fld id="{F3BA182F-79D5-4EF3-A581-738F691F52DF}" type="datetimeFigureOut">
               <a:rPr lang="zh-CN" altLang="en-US" smtClean="0"/>
-              <a:t>2020/1/28</a:t>
+              <a:t>2020/2/3</a:t>
             </a:fld>
             <a:endParaRPr lang="zh-CN" altLang="en-US"/>
           </a:p>
@@ -2389,7 +2389,7 @@
           <a:p>
             <a:fld id="{F3BA182F-79D5-4EF3-A581-738F691F52DF}" type="datetimeFigureOut">
               <a:rPr lang="zh-CN" altLang="en-US" smtClean="0"/>
-              <a:t>2020/1/28</a:t>
+              <a:t>2020/2/3</a:t>
             </a:fld>
             <a:endParaRPr lang="zh-CN" altLang="en-US"/>
           </a:p>
@@ -2677,7 +2677,7 @@
           <a:p>
             <a:fld id="{F3BA182F-79D5-4EF3-A581-738F691F52DF}" type="datetimeFigureOut">
               <a:rPr lang="zh-CN" altLang="en-US" smtClean="0"/>
-              <a:t>2020/1/28</a:t>
+              <a:t>2020/2/3</a:t>
             </a:fld>
             <a:endParaRPr lang="zh-CN" altLang="en-US"/>
           </a:p>
@@ -2918,7 +2918,7 @@
           <a:p>
             <a:fld id="{F3BA182F-79D5-4EF3-A581-738F691F52DF}" type="datetimeFigureOut">
               <a:rPr lang="zh-CN" altLang="en-US" smtClean="0"/>
-              <a:t>2020/1/28</a:t>
+              <a:t>2020/2/3</a:t>
             </a:fld>
             <a:endParaRPr lang="zh-CN" altLang="en-US"/>
           </a:p>
@@ -20102,6 +20102,537 @@
           </a:p>
         </p:txBody>
       </p:sp>
+      <p:sp>
+        <p:nvSpPr>
+          <p:cNvPr id="7" name="矩形 6">
+            <a:extLst>
+              <a:ext uri="{FF2B5EF4-FFF2-40B4-BE49-F238E27FC236}">
+                <a16:creationId xmlns:a16="http://schemas.microsoft.com/office/drawing/2014/main" id="{E500A13F-9887-47C3-9659-5497D5BD1CB0}"/>
+              </a:ext>
+            </a:extLst>
+          </p:cNvPr>
+          <p:cNvSpPr/>
+          <p:nvPr/>
+        </p:nvSpPr>
+        <p:spPr>
+          <a:xfrm>
+            <a:off x="9425663" y="2278359"/>
+            <a:ext cx="1220400" cy="1219359"/>
+          </a:xfrm>
+          <a:prstGeom prst="rect">
+            <a:avLst/>
+          </a:prstGeom>
+          <a:solidFill>
+            <a:schemeClr val="bg1"/>
+          </a:solidFill>
+          <a:ln>
+            <a:noFill/>
+          </a:ln>
+          <a:effectLst/>
+        </p:spPr>
+        <p:style>
+          <a:lnRef idx="2">
+            <a:schemeClr val="accent1">
+              <a:shade val="50000"/>
+            </a:schemeClr>
+          </a:lnRef>
+          <a:fillRef idx="1">
+            <a:schemeClr val="accent1"/>
+          </a:fillRef>
+          <a:effectRef idx="0">
+            <a:schemeClr val="accent1"/>
+          </a:effectRef>
+          <a:fontRef idx="minor">
+            <a:schemeClr val="lt1"/>
+          </a:fontRef>
+        </p:style>
+        <p:txBody>
+          <a:bodyPr rtlCol="0" anchor="ctr"/>
+          <a:lstStyle/>
+          <a:p>
+            <a:pPr algn="ctr"/>
+            <a:endParaRPr lang="zh-CN" altLang="en-US"/>
+          </a:p>
+        </p:txBody>
+      </p:sp>
+      <p:grpSp>
+        <p:nvGrpSpPr>
+          <p:cNvPr id="24" name="组合 23">
+            <a:extLst>
+              <a:ext uri="{FF2B5EF4-FFF2-40B4-BE49-F238E27FC236}">
+                <a16:creationId xmlns:a16="http://schemas.microsoft.com/office/drawing/2014/main" id="{F809119C-BE3E-4DEE-9D43-EBAA824DAD64}"/>
+              </a:ext>
+            </a:extLst>
+          </p:cNvPr>
+          <p:cNvGrpSpPr>
+            <a:grpSpLocks noChangeAspect="1"/>
+          </p:cNvGrpSpPr>
+          <p:nvPr/>
+        </p:nvGrpSpPr>
+        <p:grpSpPr>
+          <a:xfrm>
+            <a:off x="9435029" y="2448098"/>
+            <a:ext cx="1218594" cy="1043447"/>
+            <a:chOff x="4344687" y="1952030"/>
+            <a:chExt cx="966838" cy="935999"/>
+          </a:xfrm>
+          <a:solidFill>
+            <a:srgbClr val="37D7CD"/>
+          </a:solidFill>
+        </p:grpSpPr>
+        <p:sp>
+          <p:nvSpPr>
+            <p:cNvPr id="74" name="等腰三角形 73">
+              <a:extLst>
+                <a:ext uri="{FF2B5EF4-FFF2-40B4-BE49-F238E27FC236}">
+                  <a16:creationId xmlns:a16="http://schemas.microsoft.com/office/drawing/2014/main" id="{95BD62D8-44EF-46B0-8D74-AB5DA511ACBF}"/>
+                </a:ext>
+              </a:extLst>
+            </p:cNvPr>
+            <p:cNvSpPr/>
+            <p:nvPr/>
+          </p:nvSpPr>
+          <p:spPr>
+            <a:xfrm>
+              <a:off x="4712557" y="2279389"/>
+              <a:ext cx="598968" cy="608640"/>
+            </a:xfrm>
+            <a:prstGeom prst="triangle">
+              <a:avLst/>
+            </a:prstGeom>
+            <a:gradFill>
+              <a:gsLst>
+                <a:gs pos="0">
+                  <a:srgbClr val="ED6461">
+                    <a:alpha val="70000"/>
+                  </a:srgbClr>
+                </a:gs>
+                <a:gs pos="100000">
+                  <a:srgbClr val="FE3802">
+                    <a:alpha val="80000"/>
+                  </a:srgbClr>
+                </a:gs>
+              </a:gsLst>
+              <a:path path="circle">
+                <a:fillToRect r="100000" b="100000"/>
+              </a:path>
+            </a:gradFill>
+            <a:ln>
+              <a:noFill/>
+            </a:ln>
+            <a:effectLst/>
+          </p:spPr>
+          <p:style>
+            <a:lnRef idx="2">
+              <a:schemeClr val="accent1">
+                <a:shade val="50000"/>
+              </a:schemeClr>
+            </a:lnRef>
+            <a:fillRef idx="1">
+              <a:schemeClr val="accent1"/>
+            </a:fillRef>
+            <a:effectRef idx="0">
+              <a:schemeClr val="accent1"/>
+            </a:effectRef>
+            <a:fontRef idx="minor">
+              <a:schemeClr val="lt1"/>
+            </a:fontRef>
+          </p:style>
+          <p:txBody>
+            <a:bodyPr rtlCol="0" anchor="ctr"/>
+            <a:lstStyle/>
+            <a:p>
+              <a:pPr algn="ctr"/>
+              <a:endParaRPr lang="zh-CN" altLang="en-US"/>
+            </a:p>
+          </p:txBody>
+        </p:sp>
+        <p:sp>
+          <p:nvSpPr>
+            <p:cNvPr id="75" name="等腰三角形 74">
+              <a:extLst>
+                <a:ext uri="{FF2B5EF4-FFF2-40B4-BE49-F238E27FC236}">
+                  <a16:creationId xmlns:a16="http://schemas.microsoft.com/office/drawing/2014/main" id="{235803E9-F80A-4753-B29C-15901E461C29}"/>
+                </a:ext>
+              </a:extLst>
+            </p:cNvPr>
+            <p:cNvSpPr/>
+            <p:nvPr/>
+          </p:nvSpPr>
+          <p:spPr>
+            <a:xfrm>
+              <a:off x="4344687" y="1952030"/>
+              <a:ext cx="794132" cy="935999"/>
+            </a:xfrm>
+            <a:prstGeom prst="triangle">
+              <a:avLst/>
+            </a:prstGeom>
+            <a:gradFill>
+              <a:gsLst>
+                <a:gs pos="100000">
+                  <a:srgbClr val="FE3802"/>
+                </a:gs>
+                <a:gs pos="0">
+                  <a:srgbClr val="ED6461"/>
+                </a:gs>
+              </a:gsLst>
+              <a:path path="circle">
+                <a:fillToRect r="100000" b="100000"/>
+              </a:path>
+            </a:gradFill>
+            <a:ln>
+              <a:noFill/>
+            </a:ln>
+            <a:effectLst/>
+          </p:spPr>
+          <p:style>
+            <a:lnRef idx="2">
+              <a:schemeClr val="accent1">
+                <a:shade val="50000"/>
+              </a:schemeClr>
+            </a:lnRef>
+            <a:fillRef idx="1">
+              <a:schemeClr val="accent1"/>
+            </a:fillRef>
+            <a:effectRef idx="0">
+              <a:schemeClr val="accent1"/>
+            </a:effectRef>
+            <a:fontRef idx="minor">
+              <a:schemeClr val="lt1"/>
+            </a:fontRef>
+          </p:style>
+          <p:txBody>
+            <a:bodyPr rtlCol="0" anchor="ctr"/>
+            <a:lstStyle/>
+            <a:p>
+              <a:pPr algn="ctr"/>
+              <a:endParaRPr lang="zh-CN" altLang="en-US"/>
+            </a:p>
+          </p:txBody>
+        </p:sp>
+      </p:grpSp>
+      <p:sp>
+        <p:nvSpPr>
+          <p:cNvPr id="26" name="任意多边形: 形状 25">
+            <a:extLst>
+              <a:ext uri="{FF2B5EF4-FFF2-40B4-BE49-F238E27FC236}">
+                <a16:creationId xmlns:a16="http://schemas.microsoft.com/office/drawing/2014/main" id="{3711DD85-E2E2-4F0A-9B11-478AABE847F2}"/>
+              </a:ext>
+            </a:extLst>
+          </p:cNvPr>
+          <p:cNvSpPr/>
+          <p:nvPr/>
+        </p:nvSpPr>
+        <p:spPr>
+          <a:xfrm>
+            <a:off x="9435029" y="2441892"/>
+            <a:ext cx="1218594" cy="1047380"/>
+          </a:xfrm>
+          <a:custGeom>
+            <a:avLst/>
+            <a:gdLst>
+              <a:gd name="connsiteX0" fmla="*/ 500459 w 1218594"/>
+              <a:gd name="connsiteY0" fmla="*/ 0 h 1047380"/>
+              <a:gd name="connsiteX1" fmla="*/ 753190 w 1218594"/>
+              <a:gd name="connsiteY1" fmla="*/ 526941 h 1047380"/>
+              <a:gd name="connsiteX2" fmla="*/ 841127 w 1218594"/>
+              <a:gd name="connsiteY2" fmla="*/ 368871 h 1047380"/>
+              <a:gd name="connsiteX3" fmla="*/ 1218594 w 1218594"/>
+              <a:gd name="connsiteY3" fmla="*/ 1047380 h 1047380"/>
+              <a:gd name="connsiteX4" fmla="*/ 463660 w 1218594"/>
+              <a:gd name="connsiteY4" fmla="*/ 1047380 h 1047380"/>
+              <a:gd name="connsiteX5" fmla="*/ 465848 w 1218594"/>
+              <a:gd name="connsiteY5" fmla="*/ 1043447 h 1047380"/>
+              <a:gd name="connsiteX6" fmla="*/ 0 w 1218594"/>
+              <a:gd name="connsiteY6" fmla="*/ 1043447 h 1047380"/>
+            </a:gdLst>
+            <a:ahLst/>
+            <a:cxnLst>
+              <a:cxn ang="0">
+                <a:pos x="connsiteX0" y="connsiteY0"/>
+              </a:cxn>
+              <a:cxn ang="0">
+                <a:pos x="connsiteX1" y="connsiteY1"/>
+              </a:cxn>
+              <a:cxn ang="0">
+                <a:pos x="connsiteX2" y="connsiteY2"/>
+              </a:cxn>
+              <a:cxn ang="0">
+                <a:pos x="connsiteX3" y="connsiteY3"/>
+              </a:cxn>
+              <a:cxn ang="0">
+                <a:pos x="connsiteX4" y="connsiteY4"/>
+              </a:cxn>
+              <a:cxn ang="0">
+                <a:pos x="connsiteX5" y="connsiteY5"/>
+              </a:cxn>
+              <a:cxn ang="0">
+                <a:pos x="connsiteX6" y="connsiteY6"/>
+              </a:cxn>
+            </a:cxnLst>
+            <a:rect l="l" t="t" r="r" b="b"/>
+            <a:pathLst>
+              <a:path w="1218594" h="1047380">
+                <a:moveTo>
+                  <a:pt x="500459" y="0"/>
+                </a:moveTo>
+                <a:lnTo>
+                  <a:pt x="753190" y="526941"/>
+                </a:lnTo>
+                <a:lnTo>
+                  <a:pt x="841127" y="368871"/>
+                </a:lnTo>
+                <a:lnTo>
+                  <a:pt x="1218594" y="1047380"/>
+                </a:lnTo>
+                <a:lnTo>
+                  <a:pt x="463660" y="1047380"/>
+                </a:lnTo>
+                <a:lnTo>
+                  <a:pt x="465848" y="1043447"/>
+                </a:lnTo>
+                <a:lnTo>
+                  <a:pt x="0" y="1043447"/>
+                </a:lnTo>
+                <a:close/>
+              </a:path>
+            </a:pathLst>
+          </a:custGeom>
+          <a:gradFill flip="none" rotWithShape="1">
+            <a:gsLst>
+              <a:gs pos="0">
+                <a:schemeClr val="bg1">
+                  <a:alpha val="40000"/>
+                </a:schemeClr>
+              </a:gs>
+              <a:gs pos="100000">
+                <a:schemeClr val="bg1">
+                  <a:alpha val="0"/>
+                </a:schemeClr>
+              </a:gs>
+            </a:gsLst>
+            <a:path path="circle">
+              <a:fillToRect l="100000" b="100000"/>
+            </a:path>
+            <a:tileRect t="-100000" r="-100000"/>
+          </a:gradFill>
+          <a:ln>
+            <a:noFill/>
+          </a:ln>
+          <a:effectLst/>
+        </p:spPr>
+        <p:style>
+          <a:lnRef idx="2">
+            <a:schemeClr val="accent1">
+              <a:shade val="50000"/>
+            </a:schemeClr>
+          </a:lnRef>
+          <a:fillRef idx="1">
+            <a:schemeClr val="accent1"/>
+          </a:fillRef>
+          <a:effectRef idx="0">
+            <a:schemeClr val="accent1"/>
+          </a:effectRef>
+          <a:fontRef idx="minor">
+            <a:schemeClr val="lt1"/>
+          </a:fontRef>
+        </p:style>
+        <p:txBody>
+          <a:bodyPr wrap="square" rtlCol="0" anchor="ctr">
+            <a:noAutofit/>
+          </a:bodyPr>
+          <a:lstStyle/>
+          <a:p>
+            <a:pPr algn="ctr"/>
+            <a:endParaRPr lang="zh-CN" altLang="en-US"/>
+          </a:p>
+        </p:txBody>
+      </p:sp>
+      <p:sp>
+        <p:nvSpPr>
+          <p:cNvPr id="50" name="矩形 49">
+            <a:extLst>
+              <a:ext uri="{FF2B5EF4-FFF2-40B4-BE49-F238E27FC236}">
+                <a16:creationId xmlns:a16="http://schemas.microsoft.com/office/drawing/2014/main" id="{DD79EDDA-D8B7-463C-B3BF-5B64F5453E4D}"/>
+              </a:ext>
+            </a:extLst>
+          </p:cNvPr>
+          <p:cNvSpPr/>
+          <p:nvPr/>
+        </p:nvSpPr>
+        <p:spPr>
+          <a:xfrm>
+            <a:off x="9261324" y="4402204"/>
+            <a:ext cx="1220400" cy="1219359"/>
+          </a:xfrm>
+          <a:prstGeom prst="rect">
+            <a:avLst/>
+          </a:prstGeom>
+          <a:gradFill>
+            <a:gsLst>
+              <a:gs pos="100000">
+                <a:srgbClr val="1FBFB4"/>
+              </a:gs>
+              <a:gs pos="0">
+                <a:srgbClr val="6EE5DD"/>
+              </a:gs>
+            </a:gsLst>
+            <a:path path="circle">
+              <a:fillToRect l="100000" b="100000"/>
+            </a:path>
+          </a:gradFill>
+          <a:ln>
+            <a:noFill/>
+          </a:ln>
+          <a:effectLst/>
+        </p:spPr>
+        <p:style>
+          <a:lnRef idx="2">
+            <a:schemeClr val="accent1">
+              <a:shade val="50000"/>
+            </a:schemeClr>
+          </a:lnRef>
+          <a:fillRef idx="1">
+            <a:schemeClr val="accent1"/>
+          </a:fillRef>
+          <a:effectRef idx="0">
+            <a:schemeClr val="accent1"/>
+          </a:effectRef>
+          <a:fontRef idx="minor">
+            <a:schemeClr val="lt1"/>
+          </a:fontRef>
+        </p:style>
+        <p:txBody>
+          <a:bodyPr rtlCol="0" anchor="ctr"/>
+          <a:lstStyle/>
+          <a:p>
+            <a:pPr algn="ctr"/>
+            <a:endParaRPr lang="zh-CN" altLang="en-US"/>
+          </a:p>
+        </p:txBody>
+      </p:sp>
+      <p:sp>
+        <p:nvSpPr>
+          <p:cNvPr id="61" name="任意多边形: 形状 60">
+            <a:extLst>
+              <a:ext uri="{FF2B5EF4-FFF2-40B4-BE49-F238E27FC236}">
+                <a16:creationId xmlns:a16="http://schemas.microsoft.com/office/drawing/2014/main" id="{1C456E73-50EB-4014-982E-18EC9D8EFD8A}"/>
+              </a:ext>
+            </a:extLst>
+          </p:cNvPr>
+          <p:cNvSpPr/>
+          <p:nvPr/>
+        </p:nvSpPr>
+        <p:spPr>
+          <a:xfrm>
+            <a:off x="9261324" y="4590588"/>
+            <a:ext cx="1218594" cy="1047380"/>
+          </a:xfrm>
+          <a:custGeom>
+            <a:avLst/>
+            <a:gdLst>
+              <a:gd name="connsiteX0" fmla="*/ 500459 w 1218594"/>
+              <a:gd name="connsiteY0" fmla="*/ 0 h 1047380"/>
+              <a:gd name="connsiteX1" fmla="*/ 753190 w 1218594"/>
+              <a:gd name="connsiteY1" fmla="*/ 526941 h 1047380"/>
+              <a:gd name="connsiteX2" fmla="*/ 841127 w 1218594"/>
+              <a:gd name="connsiteY2" fmla="*/ 368871 h 1047380"/>
+              <a:gd name="connsiteX3" fmla="*/ 1218594 w 1218594"/>
+              <a:gd name="connsiteY3" fmla="*/ 1047380 h 1047380"/>
+              <a:gd name="connsiteX4" fmla="*/ 463660 w 1218594"/>
+              <a:gd name="connsiteY4" fmla="*/ 1047380 h 1047380"/>
+              <a:gd name="connsiteX5" fmla="*/ 465848 w 1218594"/>
+              <a:gd name="connsiteY5" fmla="*/ 1043447 h 1047380"/>
+              <a:gd name="connsiteX6" fmla="*/ 0 w 1218594"/>
+              <a:gd name="connsiteY6" fmla="*/ 1043447 h 1047380"/>
+            </a:gdLst>
+            <a:ahLst/>
+            <a:cxnLst>
+              <a:cxn ang="0">
+                <a:pos x="connsiteX0" y="connsiteY0"/>
+              </a:cxn>
+              <a:cxn ang="0">
+                <a:pos x="connsiteX1" y="connsiteY1"/>
+              </a:cxn>
+              <a:cxn ang="0">
+                <a:pos x="connsiteX2" y="connsiteY2"/>
+              </a:cxn>
+              <a:cxn ang="0">
+                <a:pos x="connsiteX3" y="connsiteY3"/>
+              </a:cxn>
+              <a:cxn ang="0">
+                <a:pos x="connsiteX4" y="connsiteY4"/>
+              </a:cxn>
+              <a:cxn ang="0">
+                <a:pos x="connsiteX5" y="connsiteY5"/>
+              </a:cxn>
+              <a:cxn ang="0">
+                <a:pos x="connsiteX6" y="connsiteY6"/>
+              </a:cxn>
+            </a:cxnLst>
+            <a:rect l="l" t="t" r="r" b="b"/>
+            <a:pathLst>
+              <a:path w="1218594" h="1047380">
+                <a:moveTo>
+                  <a:pt x="500459" y="0"/>
+                </a:moveTo>
+                <a:lnTo>
+                  <a:pt x="753190" y="526941"/>
+                </a:lnTo>
+                <a:lnTo>
+                  <a:pt x="841127" y="368871"/>
+                </a:lnTo>
+                <a:lnTo>
+                  <a:pt x="1218594" y="1047380"/>
+                </a:lnTo>
+                <a:lnTo>
+                  <a:pt x="463660" y="1047380"/>
+                </a:lnTo>
+                <a:lnTo>
+                  <a:pt x="465848" y="1043447"/>
+                </a:lnTo>
+                <a:lnTo>
+                  <a:pt x="0" y="1043447"/>
+                </a:lnTo>
+                <a:close/>
+              </a:path>
+            </a:pathLst>
+          </a:custGeom>
+          <a:solidFill>
+            <a:schemeClr val="bg1"/>
+          </a:solidFill>
+          <a:ln>
+            <a:noFill/>
+          </a:ln>
+          <a:effectLst/>
+        </p:spPr>
+        <p:style>
+          <a:lnRef idx="2">
+            <a:schemeClr val="accent1">
+              <a:shade val="50000"/>
+            </a:schemeClr>
+          </a:lnRef>
+          <a:fillRef idx="1">
+            <a:schemeClr val="accent1"/>
+          </a:fillRef>
+          <a:effectRef idx="0">
+            <a:schemeClr val="accent1"/>
+          </a:effectRef>
+          <a:fontRef idx="minor">
+            <a:schemeClr val="lt1"/>
+          </a:fontRef>
+        </p:style>
+        <p:txBody>
+          <a:bodyPr wrap="square" rtlCol="0" anchor="ctr">
+            <a:noAutofit/>
+          </a:bodyPr>
+          <a:lstStyle/>
+          <a:p>
+            <a:pPr algn="ctr"/>
+            <a:endParaRPr lang="zh-CN" altLang="en-US"/>
+          </a:p>
+        </p:txBody>
+      </p:sp>
     </p:spTree>
     <p:extLst>
       <p:ext uri="{BB962C8B-B14F-4D97-AF65-F5344CB8AC3E}">
@@ -26254,9 +26785,29 @@
   <p:cSld>
     <p:bg>
       <p:bgPr>
-        <a:solidFill>
-          <a:schemeClr val="bg1"/>
-        </a:solidFill>
+        <a:blipFill dpi="0" rotWithShape="1">
+          <a:blip r:embed="rId2">
+            <a:lum/>
+            <a:extLst>
+              <a:ext uri="{BEBA8EAE-BF5A-486C-A8C5-ECC9F3942E4B}">
+                <a14:imgProps xmlns:a14="http://schemas.microsoft.com/office/drawing/2010/main">
+                  <a14:imgLayer r:embed="rId3">
+                    <a14:imgEffect>
+                      <a14:artisticBlur radius="30"/>
+                    </a14:imgEffect>
+                  </a14:imgLayer>
+                </a14:imgProps>
+              </a:ext>
+              <a:ext uri="{837473B0-CC2E-450A-ABE3-18F120FF3D39}">
+                <a1611:picAttrSrcUrl xmlns:a1611="http://schemas.microsoft.com/office/drawing/2016/11/main" r:id="rId4"/>
+              </a:ext>
+            </a:extLst>
+          </a:blip>
+          <a:srcRect/>
+          <a:stretch>
+            <a:fillRect t="-9000" b="-9000"/>
+          </a:stretch>
+        </a:blipFill>
         <a:effectLst/>
       </p:bgPr>
     </p:bg>
@@ -26274,69 +26825,6 @@
           <a:chExt cx="0" cy="0"/>
         </a:xfrm>
       </p:grpSpPr>
-      <p:sp>
-        <p:nvSpPr>
-          <p:cNvPr id="4" name="矩形: 圆角 3">
-            <a:extLst>
-              <a:ext uri="{FF2B5EF4-FFF2-40B4-BE49-F238E27FC236}">
-                <a16:creationId xmlns:a16="http://schemas.microsoft.com/office/drawing/2014/main" id="{249576B7-257E-4A08-99D9-B97946F2E623}"/>
-              </a:ext>
-            </a:extLst>
-          </p:cNvPr>
-          <p:cNvSpPr/>
-          <p:nvPr/>
-        </p:nvSpPr>
-        <p:spPr>
-          <a:xfrm>
-            <a:off x="2329543" y="550073"/>
-            <a:ext cx="7750628" cy="5818069"/>
-          </a:xfrm>
-          <a:prstGeom prst="roundRect">
-            <a:avLst>
-              <a:gd name="adj" fmla="val 0"/>
-            </a:avLst>
-          </a:prstGeom>
-          <a:solidFill>
-            <a:srgbClr val="46464C">
-              <a:alpha val="89804"/>
-            </a:srgbClr>
-          </a:solidFill>
-          <a:ln>
-            <a:noFill/>
-          </a:ln>
-          <a:effectLst>
-            <a:outerShdw blurRad="152400" algn="ctr" rotWithShape="0">
-              <a:schemeClr val="tx1">
-                <a:alpha val="50000"/>
-              </a:schemeClr>
-            </a:outerShdw>
-          </a:effectLst>
-        </p:spPr>
-        <p:style>
-          <a:lnRef idx="2">
-            <a:schemeClr val="accent1">
-              <a:shade val="50000"/>
-            </a:schemeClr>
-          </a:lnRef>
-          <a:fillRef idx="1">
-            <a:schemeClr val="accent1"/>
-          </a:fillRef>
-          <a:effectRef idx="0">
-            <a:schemeClr val="accent1"/>
-          </a:effectRef>
-          <a:fontRef idx="minor">
-            <a:schemeClr val="lt1"/>
-          </a:fontRef>
-        </p:style>
-        <p:txBody>
-          <a:bodyPr rtlCol="0" anchor="ctr"/>
-          <a:lstStyle/>
-          <a:p>
-            <a:pPr algn="ctr"/>
-            <a:endParaRPr lang="zh-CN" altLang="en-US"/>
-          </a:p>
-        </p:txBody>
-      </p:sp>
       <p:pic>
         <p:nvPicPr>
           <p:cNvPr id="31" name="图片 30">
@@ -26352,7 +26840,7 @@
           <p:nvPr/>
         </p:nvPicPr>
         <p:blipFill>
-          <a:blip r:embed="rId2"/>
+          <a:blip r:embed="rId5"/>
           <a:stretch>
             <a:fillRect/>
           </a:stretch>
@@ -27804,12 +28292,59 @@
           </p:txBody>
         </p:sp>
       </p:grpSp>
+      <p:pic>
+        <p:nvPicPr>
+          <p:cNvPr id="1026" name="Picture 2">
+            <a:extLst>
+              <a:ext uri="{FF2B5EF4-FFF2-40B4-BE49-F238E27FC236}">
+                <a16:creationId xmlns:a16="http://schemas.microsoft.com/office/drawing/2014/main" id="{045AFCD1-2602-4035-BB80-4763F3B928E4}"/>
+              </a:ext>
+            </a:extLst>
+          </p:cNvPr>
+          <p:cNvPicPr>
+            <a:picLocks noChangeAspect="1" noChangeArrowheads="1"/>
+          </p:cNvPicPr>
+          <p:nvPr/>
+        </p:nvPicPr>
+        <p:blipFill>
+          <a:blip r:embed="rId6">
+            <a:extLst>
+              <a:ext uri="{28A0092B-C50C-407E-A947-70E740481C1C}">
+                <a14:useLocalDpi xmlns:a14="http://schemas.microsoft.com/office/drawing/2010/main" val="0"/>
+              </a:ext>
+            </a:extLst>
+          </a:blip>
+          <a:srcRect/>
+          <a:stretch>
+            <a:fillRect/>
+          </a:stretch>
+        </p:blipFill>
+        <p:spPr bwMode="auto">
+          <a:xfrm>
+            <a:off x="9058275" y="1190261"/>
+            <a:ext cx="6267450" cy="4705350"/>
+          </a:xfrm>
+          <a:prstGeom prst="rect">
+            <a:avLst/>
+          </a:prstGeom>
+          <a:noFill/>
+          <a:extLst>
+            <a:ext uri="{909E8E84-426E-40DD-AFC4-6F175D3DCCD1}">
+              <a14:hiddenFill xmlns:a14="http://schemas.microsoft.com/office/drawing/2010/main">
+                <a:solidFill>
+                  <a:srgbClr val="FFFFFF"/>
+                </a:solidFill>
+              </a14:hiddenFill>
+            </a:ext>
+          </a:extLst>
+        </p:spPr>
+      </p:pic>
       <p:sp>
         <p:nvSpPr>
-          <p:cNvPr id="12" name="矩形: 圆角 11">
+          <p:cNvPr id="16" name="矩形: 圆角 15">
             <a:extLst>
               <a:ext uri="{FF2B5EF4-FFF2-40B4-BE49-F238E27FC236}">
-                <a16:creationId xmlns:a16="http://schemas.microsoft.com/office/drawing/2014/main" id="{A1E6E626-877D-498A-80A7-BBFD20C75936}"/>
+                <a16:creationId xmlns:a16="http://schemas.microsoft.com/office/drawing/2014/main" id="{6197723A-AC16-432D-B0D3-AC0F1E43EAF1}"/>
               </a:ext>
             </a:extLst>
           </p:cNvPr>
@@ -27818,490 +28353,12 @@
         </p:nvSpPr>
         <p:spPr>
           <a:xfrm>
-            <a:off x="2329542" y="991612"/>
-            <a:ext cx="2543399" cy="5375658"/>
+            <a:off x="4620405" y="2176757"/>
+            <a:ext cx="3858576" cy="3295519"/>
           </a:xfrm>
           <a:prstGeom prst="roundRect">
             <a:avLst>
-              <a:gd name="adj" fmla="val 0"/>
-            </a:avLst>
-          </a:prstGeom>
-          <a:solidFill>
-            <a:schemeClr val="bg1">
-              <a:alpha val="5000"/>
-            </a:schemeClr>
-          </a:solidFill>
-          <a:ln>
-            <a:noFill/>
-          </a:ln>
-          <a:effectLst/>
-        </p:spPr>
-        <p:style>
-          <a:lnRef idx="2">
-            <a:schemeClr val="accent1">
-              <a:shade val="50000"/>
-            </a:schemeClr>
-          </a:lnRef>
-          <a:fillRef idx="1">
-            <a:schemeClr val="accent1"/>
-          </a:fillRef>
-          <a:effectRef idx="0">
-            <a:schemeClr val="accent1"/>
-          </a:effectRef>
-          <a:fontRef idx="minor">
-            <a:schemeClr val="lt1"/>
-          </a:fontRef>
-        </p:style>
-        <p:txBody>
-          <a:bodyPr rtlCol="0" anchor="ctr"/>
-          <a:lstStyle/>
-          <a:p>
-            <a:pPr algn="ctr"/>
-            <a:endParaRPr lang="zh-CN" altLang="en-US"/>
-          </a:p>
-        </p:txBody>
-      </p:sp>
-      <p:sp>
-        <p:nvSpPr>
-          <p:cNvPr id="10" name="矩形: 圆角 9">
-            <a:extLst>
-              <a:ext uri="{FF2B5EF4-FFF2-40B4-BE49-F238E27FC236}">
-                <a16:creationId xmlns:a16="http://schemas.microsoft.com/office/drawing/2014/main" id="{737F649F-93D4-48BA-BFAE-173C605BC9E4}"/>
-              </a:ext>
-            </a:extLst>
-          </p:cNvPr>
-          <p:cNvSpPr/>
-          <p:nvPr/>
-        </p:nvSpPr>
-        <p:spPr>
-          <a:xfrm>
-            <a:off x="2329542" y="550636"/>
-            <a:ext cx="7750628" cy="458792"/>
-          </a:xfrm>
-          <a:prstGeom prst="roundRect">
-            <a:avLst>
-              <a:gd name="adj" fmla="val 0"/>
-            </a:avLst>
-          </a:prstGeom>
-          <a:solidFill>
-            <a:schemeClr val="bg1"/>
-          </a:solidFill>
-          <a:ln>
-            <a:noFill/>
-          </a:ln>
-          <a:effectLst/>
-        </p:spPr>
-        <p:style>
-          <a:lnRef idx="2">
-            <a:schemeClr val="accent1">
-              <a:shade val="50000"/>
-            </a:schemeClr>
-          </a:lnRef>
-          <a:fillRef idx="1">
-            <a:schemeClr val="accent1"/>
-          </a:fillRef>
-          <a:effectRef idx="0">
-            <a:schemeClr val="accent1"/>
-          </a:effectRef>
-          <a:fontRef idx="minor">
-            <a:schemeClr val="lt1"/>
-          </a:fontRef>
-        </p:style>
-        <p:txBody>
-          <a:bodyPr rtlCol="0" anchor="ctr"/>
-          <a:lstStyle/>
-          <a:p>
-            <a:pPr algn="ctr"/>
-            <a:endParaRPr lang="zh-CN" altLang="en-US"/>
-          </a:p>
-        </p:txBody>
-      </p:sp>
-      <p:grpSp>
-        <p:nvGrpSpPr>
-          <p:cNvPr id="8" name="组合 7">
-            <a:extLst>
-              <a:ext uri="{FF2B5EF4-FFF2-40B4-BE49-F238E27FC236}">
-                <a16:creationId xmlns:a16="http://schemas.microsoft.com/office/drawing/2014/main" id="{E46FDB1D-B536-4F53-BC2D-4241E9BA0036}"/>
-              </a:ext>
-            </a:extLst>
-          </p:cNvPr>
-          <p:cNvGrpSpPr>
-            <a:grpSpLocks noChangeAspect="1"/>
-          </p:cNvGrpSpPr>
-          <p:nvPr/>
-        </p:nvGrpSpPr>
-        <p:grpSpPr>
-          <a:xfrm>
-            <a:off x="2501331" y="690032"/>
-            <a:ext cx="208198" cy="180000"/>
-            <a:chOff x="9429275" y="889438"/>
-            <a:chExt cx="1218594" cy="1053553"/>
-          </a:xfrm>
-        </p:grpSpPr>
-        <p:grpSp>
-          <p:nvGrpSpPr>
-            <p:cNvPr id="3" name="组合 2">
-              <a:extLst>
-                <a:ext uri="{FF2B5EF4-FFF2-40B4-BE49-F238E27FC236}">
-                  <a16:creationId xmlns:a16="http://schemas.microsoft.com/office/drawing/2014/main" id="{C1AB879B-A8CB-4EAA-929B-6A493580DBCB}"/>
-                </a:ext>
-              </a:extLst>
-            </p:cNvPr>
-            <p:cNvGrpSpPr>
-              <a:grpSpLocks noChangeAspect="1"/>
-            </p:cNvGrpSpPr>
-            <p:nvPr/>
-          </p:nvGrpSpPr>
-          <p:grpSpPr>
-            <a:xfrm>
-              <a:off x="9429275" y="899544"/>
-              <a:ext cx="1218594" cy="1043447"/>
-              <a:chOff x="4344687" y="1952030"/>
-              <a:chExt cx="966838" cy="935999"/>
-            </a:xfrm>
-            <a:solidFill>
-              <a:srgbClr val="37D7CD"/>
-            </a:solidFill>
-          </p:grpSpPr>
-          <p:sp>
-            <p:nvSpPr>
-              <p:cNvPr id="84" name="等腰三角形 83">
-                <a:extLst>
-                  <a:ext uri="{FF2B5EF4-FFF2-40B4-BE49-F238E27FC236}">
-                    <a16:creationId xmlns:a16="http://schemas.microsoft.com/office/drawing/2014/main" id="{CB181F7A-A467-4121-9488-0F31A7BEE6F3}"/>
-                  </a:ext>
-                </a:extLst>
-              </p:cNvPr>
-              <p:cNvSpPr/>
-              <p:nvPr/>
-            </p:nvSpPr>
-            <p:spPr>
-              <a:xfrm>
-                <a:off x="4712557" y="2279389"/>
-                <a:ext cx="598968" cy="608640"/>
-              </a:xfrm>
-              <a:prstGeom prst="triangle">
-                <a:avLst/>
-              </a:prstGeom>
-              <a:gradFill>
-                <a:gsLst>
-                  <a:gs pos="0">
-                    <a:srgbClr val="5FE5DD">
-                      <a:alpha val="70000"/>
-                    </a:srgbClr>
-                  </a:gs>
-                  <a:gs pos="100000">
-                    <a:srgbClr val="22D0C4">
-                      <a:alpha val="80000"/>
-                    </a:srgbClr>
-                  </a:gs>
-                </a:gsLst>
-                <a:path path="circle">
-                  <a:fillToRect r="100000" b="100000"/>
-                </a:path>
-              </a:gradFill>
-              <a:ln>
-                <a:noFill/>
-              </a:ln>
-              <a:effectLst/>
-            </p:spPr>
-            <p:style>
-              <a:lnRef idx="2">
-                <a:schemeClr val="accent1">
-                  <a:shade val="50000"/>
-                </a:schemeClr>
-              </a:lnRef>
-              <a:fillRef idx="1">
-                <a:schemeClr val="accent1"/>
-              </a:fillRef>
-              <a:effectRef idx="0">
-                <a:schemeClr val="accent1"/>
-              </a:effectRef>
-              <a:fontRef idx="minor">
-                <a:schemeClr val="lt1"/>
-              </a:fontRef>
-            </p:style>
-            <p:txBody>
-              <a:bodyPr rtlCol="0" anchor="ctr"/>
-              <a:lstStyle/>
-              <a:p>
-                <a:pPr algn="ctr"/>
-                <a:endParaRPr lang="zh-CN" altLang="en-US"/>
-              </a:p>
-            </p:txBody>
-          </p:sp>
-          <p:sp>
-            <p:nvSpPr>
-              <p:cNvPr id="85" name="等腰三角形 84">
-                <a:extLst>
-                  <a:ext uri="{FF2B5EF4-FFF2-40B4-BE49-F238E27FC236}">
-                    <a16:creationId xmlns:a16="http://schemas.microsoft.com/office/drawing/2014/main" id="{7A99F81D-BEC0-4895-8FE5-3926E511442E}"/>
-                  </a:ext>
-                </a:extLst>
-              </p:cNvPr>
-              <p:cNvSpPr/>
-              <p:nvPr/>
-            </p:nvSpPr>
-            <p:spPr>
-              <a:xfrm>
-                <a:off x="4344687" y="1952030"/>
-                <a:ext cx="794132" cy="935999"/>
-              </a:xfrm>
-              <a:prstGeom prst="triangle">
-                <a:avLst/>
-              </a:prstGeom>
-              <a:gradFill>
-                <a:gsLst>
-                  <a:gs pos="0">
-                    <a:srgbClr val="5FE5DD"/>
-                  </a:gs>
-                  <a:gs pos="100000">
-                    <a:srgbClr val="22D0C4"/>
-                  </a:gs>
-                </a:gsLst>
-                <a:path path="circle">
-                  <a:fillToRect r="100000" b="100000"/>
-                </a:path>
-              </a:gradFill>
-              <a:ln>
-                <a:noFill/>
-              </a:ln>
-              <a:effectLst/>
-            </p:spPr>
-            <p:style>
-              <a:lnRef idx="2">
-                <a:schemeClr val="accent1">
-                  <a:shade val="50000"/>
-                </a:schemeClr>
-              </a:lnRef>
-              <a:fillRef idx="1">
-                <a:schemeClr val="accent1"/>
-              </a:fillRef>
-              <a:effectRef idx="0">
-                <a:schemeClr val="accent1"/>
-              </a:effectRef>
-              <a:fontRef idx="minor">
-                <a:schemeClr val="lt1"/>
-              </a:fontRef>
-            </p:style>
-            <p:txBody>
-              <a:bodyPr rtlCol="0" anchor="ctr"/>
-              <a:lstStyle/>
-              <a:p>
-                <a:pPr algn="ctr"/>
-                <a:endParaRPr lang="zh-CN" altLang="en-US"/>
-              </a:p>
-            </p:txBody>
-          </p:sp>
-        </p:grpSp>
-        <p:sp>
-          <p:nvSpPr>
-            <p:cNvPr id="7" name="任意多边形: 形状 6">
-              <a:extLst>
-                <a:ext uri="{FF2B5EF4-FFF2-40B4-BE49-F238E27FC236}">
-                  <a16:creationId xmlns:a16="http://schemas.microsoft.com/office/drawing/2014/main" id="{A36FE995-2E91-4183-AC08-5D4CD8E762E3}"/>
-                </a:ext>
-              </a:extLst>
-            </p:cNvPr>
-            <p:cNvSpPr/>
-            <p:nvPr/>
-          </p:nvSpPr>
-          <p:spPr>
-            <a:xfrm>
-              <a:off x="9429275" y="889438"/>
-              <a:ext cx="1218594" cy="1047380"/>
-            </a:xfrm>
-            <a:custGeom>
-              <a:avLst/>
-              <a:gdLst>
-                <a:gd name="connsiteX0" fmla="*/ 500459 w 1218594"/>
-                <a:gd name="connsiteY0" fmla="*/ 0 h 1047380"/>
-                <a:gd name="connsiteX1" fmla="*/ 753190 w 1218594"/>
-                <a:gd name="connsiteY1" fmla="*/ 526941 h 1047380"/>
-                <a:gd name="connsiteX2" fmla="*/ 841127 w 1218594"/>
-                <a:gd name="connsiteY2" fmla="*/ 368871 h 1047380"/>
-                <a:gd name="connsiteX3" fmla="*/ 1218594 w 1218594"/>
-                <a:gd name="connsiteY3" fmla="*/ 1047380 h 1047380"/>
-                <a:gd name="connsiteX4" fmla="*/ 463660 w 1218594"/>
-                <a:gd name="connsiteY4" fmla="*/ 1047380 h 1047380"/>
-                <a:gd name="connsiteX5" fmla="*/ 465848 w 1218594"/>
-                <a:gd name="connsiteY5" fmla="*/ 1043447 h 1047380"/>
-                <a:gd name="connsiteX6" fmla="*/ 0 w 1218594"/>
-                <a:gd name="connsiteY6" fmla="*/ 1043447 h 1047380"/>
-              </a:gdLst>
-              <a:ahLst/>
-              <a:cxnLst>
-                <a:cxn ang="0">
-                  <a:pos x="connsiteX0" y="connsiteY0"/>
-                </a:cxn>
-                <a:cxn ang="0">
-                  <a:pos x="connsiteX1" y="connsiteY1"/>
-                </a:cxn>
-                <a:cxn ang="0">
-                  <a:pos x="connsiteX2" y="connsiteY2"/>
-                </a:cxn>
-                <a:cxn ang="0">
-                  <a:pos x="connsiteX3" y="connsiteY3"/>
-                </a:cxn>
-                <a:cxn ang="0">
-                  <a:pos x="connsiteX4" y="connsiteY4"/>
-                </a:cxn>
-                <a:cxn ang="0">
-                  <a:pos x="connsiteX5" y="connsiteY5"/>
-                </a:cxn>
-                <a:cxn ang="0">
-                  <a:pos x="connsiteX6" y="connsiteY6"/>
-                </a:cxn>
-              </a:cxnLst>
-              <a:rect l="l" t="t" r="r" b="b"/>
-              <a:pathLst>
-                <a:path w="1218594" h="1047380">
-                  <a:moveTo>
-                    <a:pt x="500459" y="0"/>
-                  </a:moveTo>
-                  <a:lnTo>
-                    <a:pt x="753190" y="526941"/>
-                  </a:lnTo>
-                  <a:lnTo>
-                    <a:pt x="841127" y="368871"/>
-                  </a:lnTo>
-                  <a:lnTo>
-                    <a:pt x="1218594" y="1047380"/>
-                  </a:lnTo>
-                  <a:lnTo>
-                    <a:pt x="463660" y="1047380"/>
-                  </a:lnTo>
-                  <a:lnTo>
-                    <a:pt x="465848" y="1043447"/>
-                  </a:lnTo>
-                  <a:lnTo>
-                    <a:pt x="0" y="1043447"/>
-                  </a:lnTo>
-                  <a:close/>
-                </a:path>
-              </a:pathLst>
-            </a:custGeom>
-            <a:gradFill flip="none" rotWithShape="1">
-              <a:gsLst>
-                <a:gs pos="0">
-                  <a:schemeClr val="bg1">
-                    <a:alpha val="40000"/>
-                  </a:schemeClr>
-                </a:gs>
-                <a:gs pos="100000">
-                  <a:schemeClr val="bg1">
-                    <a:alpha val="0"/>
-                  </a:schemeClr>
-                </a:gs>
-              </a:gsLst>
-              <a:path path="circle">
-                <a:fillToRect l="100000" b="100000"/>
-              </a:path>
-              <a:tileRect t="-100000" r="-100000"/>
-            </a:gradFill>
-            <a:ln>
-              <a:noFill/>
-            </a:ln>
-            <a:effectLst/>
-          </p:spPr>
-          <p:style>
-            <a:lnRef idx="2">
-              <a:schemeClr val="accent1">
-                <a:shade val="50000"/>
-              </a:schemeClr>
-            </a:lnRef>
-            <a:fillRef idx="1">
-              <a:schemeClr val="accent1"/>
-            </a:fillRef>
-            <a:effectRef idx="0">
-              <a:schemeClr val="accent1"/>
-            </a:effectRef>
-            <a:fontRef idx="minor">
-              <a:schemeClr val="lt1"/>
-            </a:fontRef>
-          </p:style>
-          <p:txBody>
-            <a:bodyPr wrap="square" rtlCol="0" anchor="ctr">
-              <a:noAutofit/>
-            </a:bodyPr>
-            <a:lstStyle/>
-            <a:p>
-              <a:pPr algn="ctr"/>
-              <a:endParaRPr lang="zh-CN" altLang="en-US"/>
-            </a:p>
-          </p:txBody>
-        </p:sp>
-      </p:grpSp>
-      <p:sp>
-        <p:nvSpPr>
-          <p:cNvPr id="9" name="文本框 8">
-            <a:extLst>
-              <a:ext uri="{FF2B5EF4-FFF2-40B4-BE49-F238E27FC236}">
-                <a16:creationId xmlns:a16="http://schemas.microsoft.com/office/drawing/2014/main" id="{88CE18C8-8576-4D60-9299-29F62B287108}"/>
-              </a:ext>
-            </a:extLst>
-          </p:cNvPr>
-          <p:cNvSpPr txBox="1"/>
-          <p:nvPr/>
-        </p:nvSpPr>
-        <p:spPr>
-          <a:xfrm>
-            <a:off x="2777654" y="626144"/>
-            <a:ext cx="1401346" cy="307777"/>
-          </a:xfrm>
-          <a:prstGeom prst="rect">
-            <a:avLst/>
-          </a:prstGeom>
-          <a:noFill/>
-        </p:spPr>
-        <p:txBody>
-          <a:bodyPr wrap="none" rtlCol="0">
-            <a:spAutoFit/>
-          </a:bodyPr>
-          <a:lstStyle/>
-          <a:p>
-            <a:r>
-              <a:rPr lang="en-US" altLang="zh-CN" sz="1400">
-                <a:solidFill>
-                  <a:schemeClr val="bg1">
-                    <a:lumMod val="65000"/>
-                  </a:schemeClr>
-                </a:solidFill>
-                <a:latin typeface="+mn-ea"/>
-              </a:rPr>
-              <a:t>Emerald Builder</a:t>
-            </a:r>
-            <a:endParaRPr lang="zh-CN" altLang="en-US" sz="1400">
-              <a:solidFill>
-                <a:schemeClr val="bg1">
-                  <a:lumMod val="65000"/>
-                </a:schemeClr>
-              </a:solidFill>
-              <a:latin typeface="+mn-ea"/>
-            </a:endParaRPr>
-          </a:p>
-        </p:txBody>
-      </p:sp>
-      <p:sp>
-        <p:nvSpPr>
-          <p:cNvPr id="2" name="矩形: 圆角 1">
-            <a:extLst>
-              <a:ext uri="{FF2B5EF4-FFF2-40B4-BE49-F238E27FC236}">
-                <a16:creationId xmlns:a16="http://schemas.microsoft.com/office/drawing/2014/main" id="{BB2FA424-41EF-4D4C-9FF4-4949808D4ADF}"/>
-              </a:ext>
-            </a:extLst>
-          </p:cNvPr>
-          <p:cNvSpPr/>
-          <p:nvPr/>
-        </p:nvSpPr>
-        <p:spPr>
-          <a:xfrm>
-            <a:off x="3899926" y="1445156"/>
-            <a:ext cx="7750628" cy="5818069"/>
-          </a:xfrm>
-          <a:prstGeom prst="roundRect">
-            <a:avLst>
-              <a:gd name="adj" fmla="val 0"/>
+              <a:gd name="adj" fmla="val 6254"/>
             </a:avLst>
           </a:prstGeom>
           <a:solidFill>
@@ -28311,10 +28368,10 @@
             <a:noFill/>
           </a:ln>
           <a:effectLst>
-            <a:outerShdw blurRad="152400" algn="ctr" rotWithShape="0">
-              <a:schemeClr val="tx1">
-                <a:alpha val="50000"/>
-              </a:schemeClr>
+            <a:outerShdw blurRad="203200" dist="101600" dir="5400000" algn="t" rotWithShape="0">
+              <a:prstClr val="black">
+                <a:alpha val="40000"/>
+              </a:prstClr>
             </a:outerShdw>
           </a:effectLst>
         </p:spPr>
@@ -28345,33 +28402,49 @@
       </p:sp>
       <p:sp>
         <p:nvSpPr>
-          <p:cNvPr id="11" name="矩形: 圆角 10">
+          <p:cNvPr id="80" name="椭圆 79">
             <a:extLst>
               <a:ext uri="{FF2B5EF4-FFF2-40B4-BE49-F238E27FC236}">
-                <a16:creationId xmlns:a16="http://schemas.microsoft.com/office/drawing/2014/main" id="{6479C65E-A30D-4188-89FB-D791A9D13BD8}"/>
+                <a16:creationId xmlns:a16="http://schemas.microsoft.com/office/drawing/2014/main" id="{76D007B8-0468-47E9-A3F5-3DA5E227EDE8}"/>
               </a:ext>
             </a:extLst>
           </p:cNvPr>
-          <p:cNvSpPr/>
+          <p:cNvSpPr>
+            <a:spLocks noChangeAspect="1"/>
+          </p:cNvSpPr>
           <p:nvPr/>
         </p:nvSpPr>
         <p:spPr>
           <a:xfrm>
-            <a:off x="3899925" y="1445719"/>
-            <a:ext cx="7750628" cy="458792"/>
+            <a:off x="6189386" y="1816757"/>
+            <a:ext cx="720615" cy="720000"/>
           </a:xfrm>
-          <a:prstGeom prst="roundRect">
-            <a:avLst>
-              <a:gd name="adj" fmla="val 0"/>
-            </a:avLst>
+          <a:prstGeom prst="ellipse">
+            <a:avLst/>
           </a:prstGeom>
-          <a:solidFill>
-            <a:schemeClr val="bg1"/>
-          </a:solidFill>
+          <a:blipFill dpi="0" rotWithShape="1">
+            <a:blip r:embed="rId7">
+              <a:extLst>
+                <a:ext uri="{28A0092B-C50C-407E-A947-70E740481C1C}">
+                  <a14:useLocalDpi xmlns:a14="http://schemas.microsoft.com/office/drawing/2010/main" val="0"/>
+                </a:ext>
+              </a:extLst>
+            </a:blip>
+            <a:srcRect/>
+            <a:stretch>
+              <a:fillRect/>
+            </a:stretch>
+          </a:blipFill>
           <a:ln>
             <a:noFill/>
           </a:ln>
-          <a:effectLst/>
+          <a:effectLst>
+            <a:outerShdw blurRad="101600" dist="38100" dir="5400000" algn="t" rotWithShape="0">
+              <a:prstClr val="black">
+                <a:alpha val="20000"/>
+              </a:prstClr>
+            </a:outerShdw>
+          </a:effectLst>
         </p:spPr>
         <p:style>
           <a:lnRef idx="2">
@@ -28395,372 +28468,6 @@
           <a:p>
             <a:pPr algn="ctr"/>
             <a:endParaRPr lang="zh-CN" altLang="en-US"/>
-          </a:p>
-        </p:txBody>
-      </p:sp>
-      <p:grpSp>
-        <p:nvGrpSpPr>
-          <p:cNvPr id="13" name="组合 12">
-            <a:extLst>
-              <a:ext uri="{FF2B5EF4-FFF2-40B4-BE49-F238E27FC236}">
-                <a16:creationId xmlns:a16="http://schemas.microsoft.com/office/drawing/2014/main" id="{9FDC28A8-3FB9-4058-A406-F926CC1093C4}"/>
-              </a:ext>
-            </a:extLst>
-          </p:cNvPr>
-          <p:cNvGrpSpPr>
-            <a:grpSpLocks noChangeAspect="1"/>
-          </p:cNvGrpSpPr>
-          <p:nvPr/>
-        </p:nvGrpSpPr>
-        <p:grpSpPr>
-          <a:xfrm>
-            <a:off x="4071714" y="1585115"/>
-            <a:ext cx="208198" cy="180000"/>
-            <a:chOff x="9429275" y="889438"/>
-            <a:chExt cx="1218594" cy="1053553"/>
-          </a:xfrm>
-        </p:grpSpPr>
-        <p:grpSp>
-          <p:nvGrpSpPr>
-            <p:cNvPr id="53" name="组合 52">
-              <a:extLst>
-                <a:ext uri="{FF2B5EF4-FFF2-40B4-BE49-F238E27FC236}">
-                  <a16:creationId xmlns:a16="http://schemas.microsoft.com/office/drawing/2014/main" id="{60EA79CE-12C3-42DC-AAE8-75D3B25A1709}"/>
-                </a:ext>
-              </a:extLst>
-            </p:cNvPr>
-            <p:cNvGrpSpPr>
-              <a:grpSpLocks noChangeAspect="1"/>
-            </p:cNvGrpSpPr>
-            <p:nvPr/>
-          </p:nvGrpSpPr>
-          <p:grpSpPr>
-            <a:xfrm>
-              <a:off x="9429275" y="899544"/>
-              <a:ext cx="1218594" cy="1043447"/>
-              <a:chOff x="4344687" y="1952030"/>
-              <a:chExt cx="966838" cy="935999"/>
-            </a:xfrm>
-            <a:solidFill>
-              <a:srgbClr val="37D7CD"/>
-            </a:solidFill>
-          </p:grpSpPr>
-          <p:sp>
-            <p:nvSpPr>
-              <p:cNvPr id="57" name="等腰三角形 56">
-                <a:extLst>
-                  <a:ext uri="{FF2B5EF4-FFF2-40B4-BE49-F238E27FC236}">
-                    <a16:creationId xmlns:a16="http://schemas.microsoft.com/office/drawing/2014/main" id="{BD90207B-1750-4C16-B5DE-D5697E42704C}"/>
-                  </a:ext>
-                </a:extLst>
-              </p:cNvPr>
-              <p:cNvSpPr/>
-              <p:nvPr/>
-            </p:nvSpPr>
-            <p:spPr>
-              <a:xfrm>
-                <a:off x="4712557" y="2279389"/>
-                <a:ext cx="598968" cy="608640"/>
-              </a:xfrm>
-              <a:prstGeom prst="triangle">
-                <a:avLst/>
-              </a:prstGeom>
-              <a:gradFill>
-                <a:gsLst>
-                  <a:gs pos="0">
-                    <a:srgbClr val="5FE5DD">
-                      <a:alpha val="70000"/>
-                    </a:srgbClr>
-                  </a:gs>
-                  <a:gs pos="100000">
-                    <a:srgbClr val="22D0C4">
-                      <a:alpha val="80000"/>
-                    </a:srgbClr>
-                  </a:gs>
-                </a:gsLst>
-                <a:path path="circle">
-                  <a:fillToRect r="100000" b="100000"/>
-                </a:path>
-              </a:gradFill>
-              <a:ln>
-                <a:noFill/>
-              </a:ln>
-              <a:effectLst/>
-            </p:spPr>
-            <p:style>
-              <a:lnRef idx="2">
-                <a:schemeClr val="accent1">
-                  <a:shade val="50000"/>
-                </a:schemeClr>
-              </a:lnRef>
-              <a:fillRef idx="1">
-                <a:schemeClr val="accent1"/>
-              </a:fillRef>
-              <a:effectRef idx="0">
-                <a:schemeClr val="accent1"/>
-              </a:effectRef>
-              <a:fontRef idx="minor">
-                <a:schemeClr val="lt1"/>
-              </a:fontRef>
-            </p:style>
-            <p:txBody>
-              <a:bodyPr rtlCol="0" anchor="ctr"/>
-              <a:lstStyle/>
-              <a:p>
-                <a:pPr algn="ctr"/>
-                <a:endParaRPr lang="zh-CN" altLang="en-US"/>
-              </a:p>
-            </p:txBody>
-          </p:sp>
-          <p:sp>
-            <p:nvSpPr>
-              <p:cNvPr id="60" name="等腰三角形 59">
-                <a:extLst>
-                  <a:ext uri="{FF2B5EF4-FFF2-40B4-BE49-F238E27FC236}">
-                    <a16:creationId xmlns:a16="http://schemas.microsoft.com/office/drawing/2014/main" id="{5AD6332D-0BBC-4BAD-A67C-103006740A98}"/>
-                  </a:ext>
-                </a:extLst>
-              </p:cNvPr>
-              <p:cNvSpPr/>
-              <p:nvPr/>
-            </p:nvSpPr>
-            <p:spPr>
-              <a:xfrm>
-                <a:off x="4344687" y="1952030"/>
-                <a:ext cx="794132" cy="935999"/>
-              </a:xfrm>
-              <a:prstGeom prst="triangle">
-                <a:avLst/>
-              </a:prstGeom>
-              <a:gradFill>
-                <a:gsLst>
-                  <a:gs pos="0">
-                    <a:srgbClr val="5FE5DD"/>
-                  </a:gs>
-                  <a:gs pos="100000">
-                    <a:srgbClr val="22D0C4"/>
-                  </a:gs>
-                </a:gsLst>
-                <a:path path="circle">
-                  <a:fillToRect r="100000" b="100000"/>
-                </a:path>
-              </a:gradFill>
-              <a:ln>
-                <a:noFill/>
-              </a:ln>
-              <a:effectLst/>
-            </p:spPr>
-            <p:style>
-              <a:lnRef idx="2">
-                <a:schemeClr val="accent1">
-                  <a:shade val="50000"/>
-                </a:schemeClr>
-              </a:lnRef>
-              <a:fillRef idx="1">
-                <a:schemeClr val="accent1"/>
-              </a:fillRef>
-              <a:effectRef idx="0">
-                <a:schemeClr val="accent1"/>
-              </a:effectRef>
-              <a:fontRef idx="minor">
-                <a:schemeClr val="lt1"/>
-              </a:fontRef>
-            </p:style>
-            <p:txBody>
-              <a:bodyPr rtlCol="0" anchor="ctr"/>
-              <a:lstStyle/>
-              <a:p>
-                <a:pPr algn="ctr"/>
-                <a:endParaRPr lang="zh-CN" altLang="en-US"/>
-              </a:p>
-            </p:txBody>
-          </p:sp>
-        </p:grpSp>
-        <p:sp>
-          <p:nvSpPr>
-            <p:cNvPr id="54" name="任意多边形: 形状 53">
-              <a:extLst>
-                <a:ext uri="{FF2B5EF4-FFF2-40B4-BE49-F238E27FC236}">
-                  <a16:creationId xmlns:a16="http://schemas.microsoft.com/office/drawing/2014/main" id="{8DD845CF-3DD2-447D-AD02-316CD0267464}"/>
-                </a:ext>
-              </a:extLst>
-            </p:cNvPr>
-            <p:cNvSpPr/>
-            <p:nvPr/>
-          </p:nvSpPr>
-          <p:spPr>
-            <a:xfrm>
-              <a:off x="9429275" y="889438"/>
-              <a:ext cx="1218594" cy="1047380"/>
-            </a:xfrm>
-            <a:custGeom>
-              <a:avLst/>
-              <a:gdLst>
-                <a:gd name="connsiteX0" fmla="*/ 500459 w 1218594"/>
-                <a:gd name="connsiteY0" fmla="*/ 0 h 1047380"/>
-                <a:gd name="connsiteX1" fmla="*/ 753190 w 1218594"/>
-                <a:gd name="connsiteY1" fmla="*/ 526941 h 1047380"/>
-                <a:gd name="connsiteX2" fmla="*/ 841127 w 1218594"/>
-                <a:gd name="connsiteY2" fmla="*/ 368871 h 1047380"/>
-                <a:gd name="connsiteX3" fmla="*/ 1218594 w 1218594"/>
-                <a:gd name="connsiteY3" fmla="*/ 1047380 h 1047380"/>
-                <a:gd name="connsiteX4" fmla="*/ 463660 w 1218594"/>
-                <a:gd name="connsiteY4" fmla="*/ 1047380 h 1047380"/>
-                <a:gd name="connsiteX5" fmla="*/ 465848 w 1218594"/>
-                <a:gd name="connsiteY5" fmla="*/ 1043447 h 1047380"/>
-                <a:gd name="connsiteX6" fmla="*/ 0 w 1218594"/>
-                <a:gd name="connsiteY6" fmla="*/ 1043447 h 1047380"/>
-              </a:gdLst>
-              <a:ahLst/>
-              <a:cxnLst>
-                <a:cxn ang="0">
-                  <a:pos x="connsiteX0" y="connsiteY0"/>
-                </a:cxn>
-                <a:cxn ang="0">
-                  <a:pos x="connsiteX1" y="connsiteY1"/>
-                </a:cxn>
-                <a:cxn ang="0">
-                  <a:pos x="connsiteX2" y="connsiteY2"/>
-                </a:cxn>
-                <a:cxn ang="0">
-                  <a:pos x="connsiteX3" y="connsiteY3"/>
-                </a:cxn>
-                <a:cxn ang="0">
-                  <a:pos x="connsiteX4" y="connsiteY4"/>
-                </a:cxn>
-                <a:cxn ang="0">
-                  <a:pos x="connsiteX5" y="connsiteY5"/>
-                </a:cxn>
-                <a:cxn ang="0">
-                  <a:pos x="connsiteX6" y="connsiteY6"/>
-                </a:cxn>
-              </a:cxnLst>
-              <a:rect l="l" t="t" r="r" b="b"/>
-              <a:pathLst>
-                <a:path w="1218594" h="1047380">
-                  <a:moveTo>
-                    <a:pt x="500459" y="0"/>
-                  </a:moveTo>
-                  <a:lnTo>
-                    <a:pt x="753190" y="526941"/>
-                  </a:lnTo>
-                  <a:lnTo>
-                    <a:pt x="841127" y="368871"/>
-                  </a:lnTo>
-                  <a:lnTo>
-                    <a:pt x="1218594" y="1047380"/>
-                  </a:lnTo>
-                  <a:lnTo>
-                    <a:pt x="463660" y="1047380"/>
-                  </a:lnTo>
-                  <a:lnTo>
-                    <a:pt x="465848" y="1043447"/>
-                  </a:lnTo>
-                  <a:lnTo>
-                    <a:pt x="0" y="1043447"/>
-                  </a:lnTo>
-                  <a:close/>
-                </a:path>
-              </a:pathLst>
-            </a:custGeom>
-            <a:gradFill flip="none" rotWithShape="1">
-              <a:gsLst>
-                <a:gs pos="0">
-                  <a:schemeClr val="bg1">
-                    <a:alpha val="40000"/>
-                  </a:schemeClr>
-                </a:gs>
-                <a:gs pos="100000">
-                  <a:schemeClr val="bg1">
-                    <a:alpha val="0"/>
-                  </a:schemeClr>
-                </a:gs>
-              </a:gsLst>
-              <a:path path="circle">
-                <a:fillToRect l="100000" b="100000"/>
-              </a:path>
-              <a:tileRect t="-100000" r="-100000"/>
-            </a:gradFill>
-            <a:ln>
-              <a:noFill/>
-            </a:ln>
-            <a:effectLst/>
-          </p:spPr>
-          <p:style>
-            <a:lnRef idx="2">
-              <a:schemeClr val="accent1">
-                <a:shade val="50000"/>
-              </a:schemeClr>
-            </a:lnRef>
-            <a:fillRef idx="1">
-              <a:schemeClr val="accent1"/>
-            </a:fillRef>
-            <a:effectRef idx="0">
-              <a:schemeClr val="accent1"/>
-            </a:effectRef>
-            <a:fontRef idx="minor">
-              <a:schemeClr val="lt1"/>
-            </a:fontRef>
-          </p:style>
-          <p:txBody>
-            <a:bodyPr wrap="square" rtlCol="0" anchor="ctr">
-              <a:noAutofit/>
-            </a:bodyPr>
-            <a:lstStyle/>
-            <a:p>
-              <a:pPr algn="ctr"/>
-              <a:endParaRPr lang="zh-CN" altLang="en-US"/>
-            </a:p>
-          </p:txBody>
-        </p:sp>
-      </p:grpSp>
-      <p:sp>
-        <p:nvSpPr>
-          <p:cNvPr id="14" name="文本框 13">
-            <a:extLst>
-              <a:ext uri="{FF2B5EF4-FFF2-40B4-BE49-F238E27FC236}">
-                <a16:creationId xmlns:a16="http://schemas.microsoft.com/office/drawing/2014/main" id="{8F579F32-FC5D-47F9-AADD-D252738BF852}"/>
-              </a:ext>
-            </a:extLst>
-          </p:cNvPr>
-          <p:cNvSpPr txBox="1"/>
-          <p:nvPr/>
-        </p:nvSpPr>
-        <p:spPr>
-          <a:xfrm>
-            <a:off x="4348037" y="1521227"/>
-            <a:ext cx="1401346" cy="307777"/>
-          </a:xfrm>
-          <a:prstGeom prst="rect">
-            <a:avLst/>
-          </a:prstGeom>
-          <a:noFill/>
-        </p:spPr>
-        <p:txBody>
-          <a:bodyPr wrap="none" rtlCol="0">
-            <a:spAutoFit/>
-          </a:bodyPr>
-          <a:lstStyle/>
-          <a:p>
-            <a:r>
-              <a:rPr lang="en-US" altLang="zh-CN" sz="1400">
-                <a:solidFill>
-                  <a:schemeClr val="bg1">
-                    <a:lumMod val="65000"/>
-                  </a:schemeClr>
-                </a:solidFill>
-                <a:latin typeface="+mn-ea"/>
-              </a:rPr>
-              <a:t>Emerald Builder</a:t>
-            </a:r>
-            <a:endParaRPr lang="zh-CN" altLang="en-US" sz="1400">
-              <a:solidFill>
-                <a:schemeClr val="bg1">
-                  <a:lumMod val="65000"/>
-                </a:schemeClr>
-              </a:solidFill>
-              <a:latin typeface="+mn-ea"/>
-            </a:endParaRPr>
           </a:p>
         </p:txBody>
       </p:sp>

--- a/UI.pptx
+++ b/UI.pptx
@@ -268,7 +268,7 @@
           <a:p>
             <a:fld id="{F3BA182F-79D5-4EF3-A581-738F691F52DF}" type="datetimeFigureOut">
               <a:rPr lang="zh-CN" altLang="en-US" smtClean="0"/>
-              <a:t>2020/2/3</a:t>
+              <a:t>2020/2/9</a:t>
             </a:fld>
             <a:endParaRPr lang="zh-CN" altLang="en-US"/>
           </a:p>
@@ -466,7 +466,7 @@
           <a:p>
             <a:fld id="{F3BA182F-79D5-4EF3-A581-738F691F52DF}" type="datetimeFigureOut">
               <a:rPr lang="zh-CN" altLang="en-US" smtClean="0"/>
-              <a:t>2020/2/3</a:t>
+              <a:t>2020/2/9</a:t>
             </a:fld>
             <a:endParaRPr lang="zh-CN" altLang="en-US"/>
           </a:p>
@@ -674,7 +674,7 @@
           <a:p>
             <a:fld id="{F3BA182F-79D5-4EF3-A581-738F691F52DF}" type="datetimeFigureOut">
               <a:rPr lang="zh-CN" altLang="en-US" smtClean="0"/>
-              <a:t>2020/2/3</a:t>
+              <a:t>2020/2/9</a:t>
             </a:fld>
             <a:endParaRPr lang="zh-CN" altLang="en-US"/>
           </a:p>
@@ -872,7 +872,7 @@
           <a:p>
             <a:fld id="{F3BA182F-79D5-4EF3-A581-738F691F52DF}" type="datetimeFigureOut">
               <a:rPr lang="zh-CN" altLang="en-US" smtClean="0"/>
-              <a:t>2020/2/3</a:t>
+              <a:t>2020/2/9</a:t>
             </a:fld>
             <a:endParaRPr lang="zh-CN" altLang="en-US"/>
           </a:p>
@@ -1147,7 +1147,7 @@
           <a:p>
             <a:fld id="{F3BA182F-79D5-4EF3-A581-738F691F52DF}" type="datetimeFigureOut">
               <a:rPr lang="zh-CN" altLang="en-US" smtClean="0"/>
-              <a:t>2020/2/3</a:t>
+              <a:t>2020/2/9</a:t>
             </a:fld>
             <a:endParaRPr lang="zh-CN" altLang="en-US"/>
           </a:p>
@@ -1412,7 +1412,7 @@
           <a:p>
             <a:fld id="{F3BA182F-79D5-4EF3-A581-738F691F52DF}" type="datetimeFigureOut">
               <a:rPr lang="zh-CN" altLang="en-US" smtClean="0"/>
-              <a:t>2020/2/3</a:t>
+              <a:t>2020/2/9</a:t>
             </a:fld>
             <a:endParaRPr lang="zh-CN" altLang="en-US"/>
           </a:p>
@@ -1824,7 +1824,7 @@
           <a:p>
             <a:fld id="{F3BA182F-79D5-4EF3-A581-738F691F52DF}" type="datetimeFigureOut">
               <a:rPr lang="zh-CN" altLang="en-US" smtClean="0"/>
-              <a:t>2020/2/3</a:t>
+              <a:t>2020/2/9</a:t>
             </a:fld>
             <a:endParaRPr lang="zh-CN" altLang="en-US"/>
           </a:p>
@@ -1965,7 +1965,7 @@
           <a:p>
             <a:fld id="{F3BA182F-79D5-4EF3-A581-738F691F52DF}" type="datetimeFigureOut">
               <a:rPr lang="zh-CN" altLang="en-US" smtClean="0"/>
-              <a:t>2020/2/3</a:t>
+              <a:t>2020/2/9</a:t>
             </a:fld>
             <a:endParaRPr lang="zh-CN" altLang="en-US"/>
           </a:p>
@@ -2078,7 +2078,7 @@
           <a:p>
             <a:fld id="{F3BA182F-79D5-4EF3-A581-738F691F52DF}" type="datetimeFigureOut">
               <a:rPr lang="zh-CN" altLang="en-US" smtClean="0"/>
-              <a:t>2020/2/3</a:t>
+              <a:t>2020/2/9</a:t>
             </a:fld>
             <a:endParaRPr lang="zh-CN" altLang="en-US"/>
           </a:p>
@@ -2389,7 +2389,7 @@
           <a:p>
             <a:fld id="{F3BA182F-79D5-4EF3-A581-738F691F52DF}" type="datetimeFigureOut">
               <a:rPr lang="zh-CN" altLang="en-US" smtClean="0"/>
-              <a:t>2020/2/3</a:t>
+              <a:t>2020/2/9</a:t>
             </a:fld>
             <a:endParaRPr lang="zh-CN" altLang="en-US"/>
           </a:p>
@@ -2677,7 +2677,7 @@
           <a:p>
             <a:fld id="{F3BA182F-79D5-4EF3-A581-738F691F52DF}" type="datetimeFigureOut">
               <a:rPr lang="zh-CN" altLang="en-US" smtClean="0"/>
-              <a:t>2020/2/3</a:t>
+              <a:t>2020/2/9</a:t>
             </a:fld>
             <a:endParaRPr lang="zh-CN" altLang="en-US"/>
           </a:p>
@@ -2918,7 +2918,7 @@
           <a:p>
             <a:fld id="{F3BA182F-79D5-4EF3-A581-738F691F52DF}" type="datetimeFigureOut">
               <a:rPr lang="zh-CN" altLang="en-US" smtClean="0"/>
-              <a:t>2020/2/3</a:t>
+              <a:t>2020/2/9</a:t>
             </a:fld>
             <a:endParaRPr lang="zh-CN" altLang="en-US"/>
           </a:p>
@@ -20633,6 +20633,481 @@
           </a:p>
         </p:txBody>
       </p:sp>
+      <p:sp>
+        <p:nvSpPr>
+          <p:cNvPr id="27" name="矩形 26">
+            <a:extLst>
+              <a:ext uri="{FF2B5EF4-FFF2-40B4-BE49-F238E27FC236}">
+                <a16:creationId xmlns:a16="http://schemas.microsoft.com/office/drawing/2014/main" id="{F379403E-BD4E-432B-B593-B34B14D38D8D}"/>
+              </a:ext>
+            </a:extLst>
+          </p:cNvPr>
+          <p:cNvSpPr/>
+          <p:nvPr/>
+        </p:nvSpPr>
+        <p:spPr>
+          <a:xfrm>
+            <a:off x="4298680" y="3634434"/>
+            <a:ext cx="1441227" cy="1440000"/>
+          </a:xfrm>
+          <a:prstGeom prst="rect">
+            <a:avLst/>
+          </a:prstGeom>
+          <a:noFill/>
+          <a:ln>
+            <a:noFill/>
+          </a:ln>
+          <a:effectLst/>
+        </p:spPr>
+        <p:style>
+          <a:lnRef idx="2">
+            <a:schemeClr val="accent1">
+              <a:shade val="50000"/>
+            </a:schemeClr>
+          </a:lnRef>
+          <a:fillRef idx="1">
+            <a:schemeClr val="accent1"/>
+          </a:fillRef>
+          <a:effectRef idx="0">
+            <a:schemeClr val="accent1"/>
+          </a:effectRef>
+          <a:fontRef idx="minor">
+            <a:schemeClr val="lt1"/>
+          </a:fontRef>
+        </p:style>
+        <p:txBody>
+          <a:bodyPr rtlCol="0" anchor="ctr"/>
+          <a:lstStyle/>
+          <a:p>
+            <a:pPr algn="ctr"/>
+            <a:endParaRPr lang="zh-CN" altLang="en-US" sz="2400" dirty="0">
+              <a:latin typeface="Abadi" panose="020B0604020104020204" pitchFamily="34" charset="0"/>
+            </a:endParaRPr>
+          </a:p>
+        </p:txBody>
+      </p:sp>
+      <p:grpSp>
+        <p:nvGrpSpPr>
+          <p:cNvPr id="28" name="组合 27">
+            <a:extLst>
+              <a:ext uri="{FF2B5EF4-FFF2-40B4-BE49-F238E27FC236}">
+                <a16:creationId xmlns:a16="http://schemas.microsoft.com/office/drawing/2014/main" id="{C9BDB9DA-4B14-491A-B897-BF81355D93D1}"/>
+              </a:ext>
+            </a:extLst>
+          </p:cNvPr>
+          <p:cNvGrpSpPr/>
+          <p:nvPr/>
+        </p:nvGrpSpPr>
+        <p:grpSpPr>
+          <a:xfrm>
+            <a:off x="4592079" y="3973863"/>
+            <a:ext cx="855483" cy="716737"/>
+            <a:chOff x="7902285" y="4717073"/>
+            <a:chExt cx="320806" cy="268777"/>
+          </a:xfrm>
+        </p:grpSpPr>
+        <p:sp>
+          <p:nvSpPr>
+            <p:cNvPr id="85" name="梯形 84">
+              <a:extLst>
+                <a:ext uri="{FF2B5EF4-FFF2-40B4-BE49-F238E27FC236}">
+                  <a16:creationId xmlns:a16="http://schemas.microsoft.com/office/drawing/2014/main" id="{29217382-1E06-4D50-8F02-E00EFC58651E}"/>
+                </a:ext>
+              </a:extLst>
+            </p:cNvPr>
+            <p:cNvSpPr/>
+            <p:nvPr/>
+          </p:nvSpPr>
+          <p:spPr>
+            <a:xfrm>
+              <a:off x="7902285" y="4878836"/>
+              <a:ext cx="320806" cy="107014"/>
+            </a:xfrm>
+            <a:prstGeom prst="trapezoid">
+              <a:avLst>
+                <a:gd name="adj" fmla="val 33216"/>
+              </a:avLst>
+            </a:prstGeom>
+            <a:gradFill>
+              <a:gsLst>
+                <a:gs pos="0">
+                  <a:srgbClr val="4B4B58"/>
+                </a:gs>
+                <a:gs pos="100000">
+                  <a:schemeClr val="tx1">
+                    <a:lumMod val="95000"/>
+                    <a:lumOff val="5000"/>
+                  </a:schemeClr>
+                </a:gs>
+              </a:gsLst>
+              <a:path path="circle">
+                <a:fillToRect t="100000" r="100000"/>
+              </a:path>
+            </a:gradFill>
+            <a:ln>
+              <a:noFill/>
+            </a:ln>
+            <a:effectLst>
+              <a:outerShdw blurRad="101600" dist="38100" dir="5400000" algn="t" rotWithShape="0">
+                <a:prstClr val="black">
+                  <a:alpha val="20000"/>
+                </a:prstClr>
+              </a:outerShdw>
+            </a:effectLst>
+          </p:spPr>
+          <p:style>
+            <a:lnRef idx="2">
+              <a:schemeClr val="accent1">
+                <a:shade val="50000"/>
+              </a:schemeClr>
+            </a:lnRef>
+            <a:fillRef idx="1">
+              <a:schemeClr val="accent1"/>
+            </a:fillRef>
+            <a:effectRef idx="0">
+              <a:schemeClr val="accent1"/>
+            </a:effectRef>
+            <a:fontRef idx="minor">
+              <a:schemeClr val="lt1"/>
+            </a:fontRef>
+          </p:style>
+          <p:txBody>
+            <a:bodyPr rtlCol="0" anchor="ctr"/>
+            <a:lstStyle/>
+            <a:p>
+              <a:pPr algn="ctr"/>
+              <a:endParaRPr lang="zh-CN" altLang="en-US"/>
+            </a:p>
+          </p:txBody>
+        </p:sp>
+        <p:sp>
+          <p:nvSpPr>
+            <p:cNvPr id="84" name="矩形 83">
+              <a:extLst>
+                <a:ext uri="{FF2B5EF4-FFF2-40B4-BE49-F238E27FC236}">
+                  <a16:creationId xmlns:a16="http://schemas.microsoft.com/office/drawing/2014/main" id="{735A9963-4821-49E5-AAA5-3E15A2CE9436}"/>
+                </a:ext>
+              </a:extLst>
+            </p:cNvPr>
+            <p:cNvSpPr/>
+            <p:nvPr/>
+          </p:nvSpPr>
+          <p:spPr>
+            <a:xfrm>
+              <a:off x="7938206" y="4717073"/>
+              <a:ext cx="250581" cy="162658"/>
+            </a:xfrm>
+            <a:prstGeom prst="rect">
+              <a:avLst/>
+            </a:prstGeom>
+            <a:gradFill>
+              <a:gsLst>
+                <a:gs pos="0">
+                  <a:srgbClr val="4B4B58"/>
+                </a:gs>
+                <a:gs pos="100000">
+                  <a:schemeClr val="tx1"/>
+                </a:gs>
+              </a:gsLst>
+              <a:path path="circle">
+                <a:fillToRect t="100000" r="100000"/>
+              </a:path>
+            </a:gradFill>
+            <a:ln>
+              <a:noFill/>
+            </a:ln>
+          </p:spPr>
+          <p:style>
+            <a:lnRef idx="2">
+              <a:schemeClr val="accent1">
+                <a:shade val="50000"/>
+              </a:schemeClr>
+            </a:lnRef>
+            <a:fillRef idx="1">
+              <a:schemeClr val="accent1"/>
+            </a:fillRef>
+            <a:effectRef idx="0">
+              <a:schemeClr val="accent1"/>
+            </a:effectRef>
+            <a:fontRef idx="minor">
+              <a:schemeClr val="lt1"/>
+            </a:fontRef>
+          </p:style>
+          <p:txBody>
+            <a:bodyPr rtlCol="0" anchor="ctr"/>
+            <a:lstStyle/>
+            <a:p>
+              <a:pPr algn="ctr"/>
+              <a:endParaRPr lang="zh-CN" altLang="en-US"/>
+            </a:p>
+          </p:txBody>
+        </p:sp>
+        <p:sp>
+          <p:nvSpPr>
+            <p:cNvPr id="86" name="矩形 85">
+              <a:extLst>
+                <a:ext uri="{FF2B5EF4-FFF2-40B4-BE49-F238E27FC236}">
+                  <a16:creationId xmlns:a16="http://schemas.microsoft.com/office/drawing/2014/main" id="{013C64F4-91FD-482F-8663-C3470367CD90}"/>
+                </a:ext>
+              </a:extLst>
+            </p:cNvPr>
+            <p:cNvSpPr>
+              <a:spLocks noChangeAspect="1"/>
+            </p:cNvSpPr>
+            <p:nvPr/>
+          </p:nvSpPr>
+          <p:spPr>
+            <a:xfrm>
+              <a:off x="7950630" y="4731719"/>
+              <a:ext cx="221837" cy="133365"/>
+            </a:xfrm>
+            <a:prstGeom prst="rect">
+              <a:avLst/>
+            </a:prstGeom>
+            <a:gradFill flip="none" rotWithShape="1">
+              <a:gsLst>
+                <a:gs pos="0">
+                  <a:schemeClr val="bg1"/>
+                </a:gs>
+                <a:gs pos="100000">
+                  <a:schemeClr val="bg1">
+                    <a:alpha val="90000"/>
+                  </a:schemeClr>
+                </a:gs>
+              </a:gsLst>
+              <a:path path="circle">
+                <a:fillToRect t="100000" r="100000"/>
+              </a:path>
+              <a:tileRect l="-100000" b="-100000"/>
+            </a:gradFill>
+            <a:ln>
+              <a:noFill/>
+            </a:ln>
+          </p:spPr>
+          <p:style>
+            <a:lnRef idx="2">
+              <a:schemeClr val="accent1">
+                <a:shade val="50000"/>
+              </a:schemeClr>
+            </a:lnRef>
+            <a:fillRef idx="1">
+              <a:schemeClr val="accent1"/>
+            </a:fillRef>
+            <a:effectRef idx="0">
+              <a:schemeClr val="accent1"/>
+            </a:effectRef>
+            <a:fontRef idx="minor">
+              <a:schemeClr val="lt1"/>
+            </a:fontRef>
+          </p:style>
+          <p:txBody>
+            <a:bodyPr rtlCol="0" anchor="ctr"/>
+            <a:lstStyle/>
+            <a:p>
+              <a:pPr algn="ctr"/>
+              <a:endParaRPr lang="zh-CN" altLang="en-US"/>
+            </a:p>
+          </p:txBody>
+        </p:sp>
+        <p:sp>
+          <p:nvSpPr>
+            <p:cNvPr id="88" name="矩形 87">
+              <a:extLst>
+                <a:ext uri="{FF2B5EF4-FFF2-40B4-BE49-F238E27FC236}">
+                  <a16:creationId xmlns:a16="http://schemas.microsoft.com/office/drawing/2014/main" id="{BDFDC31C-E537-4B31-93F3-114C7A7298F7}"/>
+                </a:ext>
+              </a:extLst>
+            </p:cNvPr>
+            <p:cNvSpPr>
+              <a:spLocks/>
+            </p:cNvSpPr>
+            <p:nvPr/>
+          </p:nvSpPr>
+          <p:spPr>
+            <a:xfrm>
+              <a:off x="7950630" y="4731719"/>
+              <a:ext cx="221837" cy="133365"/>
+            </a:xfrm>
+            <a:prstGeom prst="rect">
+              <a:avLst/>
+            </a:prstGeom>
+            <a:gradFill>
+              <a:gsLst>
+                <a:gs pos="0">
+                  <a:srgbClr val="6EE5DD"/>
+                </a:gs>
+                <a:gs pos="100000">
+                  <a:srgbClr val="1FBFB4"/>
+                </a:gs>
+              </a:gsLst>
+              <a:path path="circle">
+                <a:fillToRect t="100000" r="100000"/>
+              </a:path>
+            </a:gradFill>
+            <a:ln>
+              <a:noFill/>
+            </a:ln>
+          </p:spPr>
+          <p:style>
+            <a:lnRef idx="2">
+              <a:schemeClr val="accent1">
+                <a:shade val="50000"/>
+              </a:schemeClr>
+            </a:lnRef>
+            <a:fillRef idx="1">
+              <a:schemeClr val="accent1"/>
+            </a:fillRef>
+            <a:effectRef idx="0">
+              <a:schemeClr val="accent1"/>
+            </a:effectRef>
+            <a:fontRef idx="minor">
+              <a:schemeClr val="lt1"/>
+            </a:fontRef>
+          </p:style>
+          <p:txBody>
+            <a:bodyPr rtlCol="0" anchor="ctr"/>
+            <a:lstStyle/>
+            <a:p>
+              <a:pPr algn="ctr"/>
+              <a:endParaRPr lang="zh-CN" altLang="en-US"/>
+            </a:p>
+          </p:txBody>
+        </p:sp>
+      </p:grpSp>
+      <p:sp>
+        <p:nvSpPr>
+          <p:cNvPr id="71" name="任意多边形: 形状 70">
+            <a:extLst>
+              <a:ext uri="{FF2B5EF4-FFF2-40B4-BE49-F238E27FC236}">
+                <a16:creationId xmlns:a16="http://schemas.microsoft.com/office/drawing/2014/main" id="{7A8DC34B-2DCA-4B92-A943-1B76A23FF2EE}"/>
+              </a:ext>
+            </a:extLst>
+          </p:cNvPr>
+          <p:cNvSpPr/>
+          <p:nvPr/>
+        </p:nvSpPr>
+        <p:spPr>
+          <a:xfrm>
+            <a:off x="4841646" y="4046717"/>
+            <a:ext cx="356349" cy="321440"/>
+          </a:xfrm>
+          <a:custGeom>
+            <a:avLst/>
+            <a:gdLst>
+              <a:gd name="connsiteX0" fmla="*/ 500459 w 1218594"/>
+              <a:gd name="connsiteY0" fmla="*/ 0 h 1047380"/>
+              <a:gd name="connsiteX1" fmla="*/ 753190 w 1218594"/>
+              <a:gd name="connsiteY1" fmla="*/ 526941 h 1047380"/>
+              <a:gd name="connsiteX2" fmla="*/ 841127 w 1218594"/>
+              <a:gd name="connsiteY2" fmla="*/ 368871 h 1047380"/>
+              <a:gd name="connsiteX3" fmla="*/ 1218594 w 1218594"/>
+              <a:gd name="connsiteY3" fmla="*/ 1047380 h 1047380"/>
+              <a:gd name="connsiteX4" fmla="*/ 463660 w 1218594"/>
+              <a:gd name="connsiteY4" fmla="*/ 1047380 h 1047380"/>
+              <a:gd name="connsiteX5" fmla="*/ 465848 w 1218594"/>
+              <a:gd name="connsiteY5" fmla="*/ 1043447 h 1047380"/>
+              <a:gd name="connsiteX6" fmla="*/ 0 w 1218594"/>
+              <a:gd name="connsiteY6" fmla="*/ 1043447 h 1047380"/>
+            </a:gdLst>
+            <a:ahLst/>
+            <a:cxnLst>
+              <a:cxn ang="0">
+                <a:pos x="connsiteX0" y="connsiteY0"/>
+              </a:cxn>
+              <a:cxn ang="0">
+                <a:pos x="connsiteX1" y="connsiteY1"/>
+              </a:cxn>
+              <a:cxn ang="0">
+                <a:pos x="connsiteX2" y="connsiteY2"/>
+              </a:cxn>
+              <a:cxn ang="0">
+                <a:pos x="connsiteX3" y="connsiteY3"/>
+              </a:cxn>
+              <a:cxn ang="0">
+                <a:pos x="connsiteX4" y="connsiteY4"/>
+              </a:cxn>
+              <a:cxn ang="0">
+                <a:pos x="connsiteX5" y="connsiteY5"/>
+              </a:cxn>
+              <a:cxn ang="0">
+                <a:pos x="connsiteX6" y="connsiteY6"/>
+              </a:cxn>
+            </a:cxnLst>
+            <a:rect l="l" t="t" r="r" b="b"/>
+            <a:pathLst>
+              <a:path w="1218594" h="1047380">
+                <a:moveTo>
+                  <a:pt x="500459" y="0"/>
+                </a:moveTo>
+                <a:lnTo>
+                  <a:pt x="753190" y="526941"/>
+                </a:lnTo>
+                <a:lnTo>
+                  <a:pt x="841127" y="368871"/>
+                </a:lnTo>
+                <a:lnTo>
+                  <a:pt x="1218594" y="1047380"/>
+                </a:lnTo>
+                <a:lnTo>
+                  <a:pt x="463660" y="1047380"/>
+                </a:lnTo>
+                <a:lnTo>
+                  <a:pt x="465848" y="1043447"/>
+                </a:lnTo>
+                <a:lnTo>
+                  <a:pt x="0" y="1043447"/>
+                </a:lnTo>
+                <a:close/>
+              </a:path>
+            </a:pathLst>
+          </a:custGeom>
+          <a:gradFill>
+            <a:gsLst>
+              <a:gs pos="0">
+                <a:schemeClr val="bg1"/>
+              </a:gs>
+              <a:gs pos="100000">
+                <a:schemeClr val="bg1">
+                  <a:alpha val="50000"/>
+                </a:schemeClr>
+              </a:gs>
+            </a:gsLst>
+            <a:path path="circle">
+              <a:fillToRect t="100000" r="100000"/>
+            </a:path>
+          </a:gradFill>
+          <a:ln>
+            <a:noFill/>
+          </a:ln>
+          <a:effectLst/>
+        </p:spPr>
+        <p:style>
+          <a:lnRef idx="2">
+            <a:schemeClr val="accent1">
+              <a:shade val="50000"/>
+            </a:schemeClr>
+          </a:lnRef>
+          <a:fillRef idx="1">
+            <a:schemeClr val="accent1"/>
+          </a:fillRef>
+          <a:effectRef idx="0">
+            <a:schemeClr val="accent1"/>
+          </a:effectRef>
+          <a:fontRef idx="minor">
+            <a:schemeClr val="lt1"/>
+          </a:fontRef>
+        </p:style>
+        <p:txBody>
+          <a:bodyPr wrap="square" rtlCol="0" anchor="ctr">
+            <a:noAutofit/>
+          </a:bodyPr>
+          <a:lstStyle/>
+          <a:p>
+            <a:pPr algn="ctr"/>
+            <a:endParaRPr lang="zh-CN" altLang="en-US"/>
+          </a:p>
+        </p:txBody>
+      </p:sp>
     </p:spTree>
     <p:extLst>
       <p:ext uri="{BB962C8B-B14F-4D97-AF65-F5344CB8AC3E}">

--- a/UI.pptx
+++ b/UI.pptx
@@ -7,14 +7,15 @@
   <p:sldIdLst>
     <p:sldId id="260" r:id="rId2"/>
     <p:sldId id="271" r:id="rId3"/>
-    <p:sldId id="265" r:id="rId4"/>
-    <p:sldId id="264" r:id="rId5"/>
-    <p:sldId id="269" r:id="rId6"/>
-    <p:sldId id="266" r:id="rId7"/>
-    <p:sldId id="270" r:id="rId8"/>
-    <p:sldId id="262" r:id="rId9"/>
-    <p:sldId id="267" r:id="rId10"/>
-    <p:sldId id="263" r:id="rId11"/>
+    <p:sldId id="272" r:id="rId4"/>
+    <p:sldId id="265" r:id="rId5"/>
+    <p:sldId id="264" r:id="rId6"/>
+    <p:sldId id="269" r:id="rId7"/>
+    <p:sldId id="266" r:id="rId8"/>
+    <p:sldId id="270" r:id="rId9"/>
+    <p:sldId id="262" r:id="rId10"/>
+    <p:sldId id="267" r:id="rId11"/>
+    <p:sldId id="263" r:id="rId12"/>
   </p:sldIdLst>
   <p:sldSz cx="12192000" cy="6858000"/>
   <p:notesSz cx="6858000" cy="9144000"/>
@@ -268,7 +269,7 @@
           <a:p>
             <a:fld id="{F3BA182F-79D5-4EF3-A581-738F691F52DF}" type="datetimeFigureOut">
               <a:rPr lang="zh-CN" altLang="en-US" smtClean="0"/>
-              <a:t>2020/2/9</a:t>
+              <a:t>2020/2/17</a:t>
             </a:fld>
             <a:endParaRPr lang="zh-CN" altLang="en-US"/>
           </a:p>
@@ -466,7 +467,7 @@
           <a:p>
             <a:fld id="{F3BA182F-79D5-4EF3-A581-738F691F52DF}" type="datetimeFigureOut">
               <a:rPr lang="zh-CN" altLang="en-US" smtClean="0"/>
-              <a:t>2020/2/9</a:t>
+              <a:t>2020/2/17</a:t>
             </a:fld>
             <a:endParaRPr lang="zh-CN" altLang="en-US"/>
           </a:p>
@@ -674,7 +675,7 @@
           <a:p>
             <a:fld id="{F3BA182F-79D5-4EF3-A581-738F691F52DF}" type="datetimeFigureOut">
               <a:rPr lang="zh-CN" altLang="en-US" smtClean="0"/>
-              <a:t>2020/2/9</a:t>
+              <a:t>2020/2/17</a:t>
             </a:fld>
             <a:endParaRPr lang="zh-CN" altLang="en-US"/>
           </a:p>
@@ -872,7 +873,7 @@
           <a:p>
             <a:fld id="{F3BA182F-79D5-4EF3-A581-738F691F52DF}" type="datetimeFigureOut">
               <a:rPr lang="zh-CN" altLang="en-US" smtClean="0"/>
-              <a:t>2020/2/9</a:t>
+              <a:t>2020/2/17</a:t>
             </a:fld>
             <a:endParaRPr lang="zh-CN" altLang="en-US"/>
           </a:p>
@@ -1147,7 +1148,7 @@
           <a:p>
             <a:fld id="{F3BA182F-79D5-4EF3-A581-738F691F52DF}" type="datetimeFigureOut">
               <a:rPr lang="zh-CN" altLang="en-US" smtClean="0"/>
-              <a:t>2020/2/9</a:t>
+              <a:t>2020/2/17</a:t>
             </a:fld>
             <a:endParaRPr lang="zh-CN" altLang="en-US"/>
           </a:p>
@@ -1412,7 +1413,7 @@
           <a:p>
             <a:fld id="{F3BA182F-79D5-4EF3-A581-738F691F52DF}" type="datetimeFigureOut">
               <a:rPr lang="zh-CN" altLang="en-US" smtClean="0"/>
-              <a:t>2020/2/9</a:t>
+              <a:t>2020/2/17</a:t>
             </a:fld>
             <a:endParaRPr lang="zh-CN" altLang="en-US"/>
           </a:p>
@@ -1824,7 +1825,7 @@
           <a:p>
             <a:fld id="{F3BA182F-79D5-4EF3-A581-738F691F52DF}" type="datetimeFigureOut">
               <a:rPr lang="zh-CN" altLang="en-US" smtClean="0"/>
-              <a:t>2020/2/9</a:t>
+              <a:t>2020/2/17</a:t>
             </a:fld>
             <a:endParaRPr lang="zh-CN" altLang="en-US"/>
           </a:p>
@@ -1965,7 +1966,7 @@
           <a:p>
             <a:fld id="{F3BA182F-79D5-4EF3-A581-738F691F52DF}" type="datetimeFigureOut">
               <a:rPr lang="zh-CN" altLang="en-US" smtClean="0"/>
-              <a:t>2020/2/9</a:t>
+              <a:t>2020/2/17</a:t>
             </a:fld>
             <a:endParaRPr lang="zh-CN" altLang="en-US"/>
           </a:p>
@@ -2078,7 +2079,7 @@
           <a:p>
             <a:fld id="{F3BA182F-79D5-4EF3-A581-738F691F52DF}" type="datetimeFigureOut">
               <a:rPr lang="zh-CN" altLang="en-US" smtClean="0"/>
-              <a:t>2020/2/9</a:t>
+              <a:t>2020/2/17</a:t>
             </a:fld>
             <a:endParaRPr lang="zh-CN" altLang="en-US"/>
           </a:p>
@@ -2389,7 +2390,7 @@
           <a:p>
             <a:fld id="{F3BA182F-79D5-4EF3-A581-738F691F52DF}" type="datetimeFigureOut">
               <a:rPr lang="zh-CN" altLang="en-US" smtClean="0"/>
-              <a:t>2020/2/9</a:t>
+              <a:t>2020/2/17</a:t>
             </a:fld>
             <a:endParaRPr lang="zh-CN" altLang="en-US"/>
           </a:p>
@@ -2677,7 +2678,7 @@
           <a:p>
             <a:fld id="{F3BA182F-79D5-4EF3-A581-738F691F52DF}" type="datetimeFigureOut">
               <a:rPr lang="zh-CN" altLang="en-US" smtClean="0"/>
-              <a:t>2020/2/9</a:t>
+              <a:t>2020/2/17</a:t>
             </a:fld>
             <a:endParaRPr lang="zh-CN" altLang="en-US"/>
           </a:p>
@@ -2918,7 +2919,7 @@
           <a:p>
             <a:fld id="{F3BA182F-79D5-4EF3-A581-738F691F52DF}" type="datetimeFigureOut">
               <a:rPr lang="zh-CN" altLang="en-US" smtClean="0"/>
-              <a:t>2020/2/9</a:t>
+              <a:t>2020/2/17</a:t>
             </a:fld>
             <a:endParaRPr lang="zh-CN" altLang="en-US"/>
           </a:p>
@@ -6752,6 +6753,2436 @@
 </file>
 
 <file path=ppt/slides/slide10.xml><?xml version="1.0" encoding="utf-8"?>
+<p:sld xmlns:a="http://schemas.openxmlformats.org/drawingml/2006/main" xmlns:r="http://schemas.openxmlformats.org/officeDocument/2006/relationships" xmlns:p="http://schemas.openxmlformats.org/presentationml/2006/main">
+  <p:cSld>
+    <p:spTree>
+      <p:nvGrpSpPr>
+        <p:cNvPr id="1" name=""/>
+        <p:cNvGrpSpPr/>
+        <p:nvPr/>
+      </p:nvGrpSpPr>
+      <p:grpSpPr>
+        <a:xfrm>
+          <a:off x="0" y="0"/>
+          <a:ext cx="0" cy="0"/>
+          <a:chOff x="0" y="0"/>
+          <a:chExt cx="0" cy="0"/>
+        </a:xfrm>
+      </p:grpSpPr>
+      <p:sp>
+        <p:nvSpPr>
+          <p:cNvPr id="23" name="矩形: 圆角 22">
+            <a:extLst>
+              <a:ext uri="{FF2B5EF4-FFF2-40B4-BE49-F238E27FC236}">
+                <a16:creationId xmlns:a16="http://schemas.microsoft.com/office/drawing/2014/main" id="{4E5ECD87-B485-4E6F-9956-145F41562FF7}"/>
+              </a:ext>
+            </a:extLst>
+          </p:cNvPr>
+          <p:cNvSpPr/>
+          <p:nvPr/>
+        </p:nvSpPr>
+        <p:spPr>
+          <a:xfrm>
+            <a:off x="1547388" y="272160"/>
+            <a:ext cx="648000" cy="648000"/>
+          </a:xfrm>
+          <a:prstGeom prst="roundRect">
+            <a:avLst>
+              <a:gd name="adj" fmla="val 50000"/>
+            </a:avLst>
+          </a:prstGeom>
+          <a:solidFill>
+            <a:srgbClr val="5FE5DD"/>
+          </a:solidFill>
+          <a:ln w="19050">
+            <a:noFill/>
+          </a:ln>
+        </p:spPr>
+        <p:style>
+          <a:lnRef idx="2">
+            <a:schemeClr val="accent1">
+              <a:shade val="50000"/>
+            </a:schemeClr>
+          </a:lnRef>
+          <a:fillRef idx="1">
+            <a:schemeClr val="accent1"/>
+          </a:fillRef>
+          <a:effectRef idx="0">
+            <a:schemeClr val="accent1"/>
+          </a:effectRef>
+          <a:fontRef idx="minor">
+            <a:schemeClr val="lt1"/>
+          </a:fontRef>
+        </p:style>
+        <p:txBody>
+          <a:bodyPr rtlCol="0" anchor="ctr"/>
+          <a:lstStyle/>
+          <a:p>
+            <a:pPr algn="ctr"/>
+            <a:endParaRPr lang="zh-CN" altLang="en-US"/>
+          </a:p>
+        </p:txBody>
+      </p:sp>
+      <p:sp>
+        <p:nvSpPr>
+          <p:cNvPr id="24" name="矩形: 圆角 23">
+            <a:extLst>
+              <a:ext uri="{FF2B5EF4-FFF2-40B4-BE49-F238E27FC236}">
+                <a16:creationId xmlns:a16="http://schemas.microsoft.com/office/drawing/2014/main" id="{45E09B75-67F4-4F89-B760-1EFE16250094}"/>
+              </a:ext>
+            </a:extLst>
+          </p:cNvPr>
+          <p:cNvSpPr/>
+          <p:nvPr/>
+        </p:nvSpPr>
+        <p:spPr>
+          <a:xfrm>
+            <a:off x="555313" y="272160"/>
+            <a:ext cx="648000" cy="648000"/>
+          </a:xfrm>
+          <a:prstGeom prst="roundRect">
+            <a:avLst>
+              <a:gd name="adj" fmla="val 50000"/>
+            </a:avLst>
+          </a:prstGeom>
+          <a:solidFill>
+            <a:srgbClr val="5FE5DD"/>
+          </a:solidFill>
+          <a:ln w="19050">
+            <a:noFill/>
+          </a:ln>
+        </p:spPr>
+        <p:style>
+          <a:lnRef idx="2">
+            <a:schemeClr val="accent1">
+              <a:shade val="50000"/>
+            </a:schemeClr>
+          </a:lnRef>
+          <a:fillRef idx="1">
+            <a:schemeClr val="accent1"/>
+          </a:fillRef>
+          <a:effectRef idx="0">
+            <a:schemeClr val="accent1"/>
+          </a:effectRef>
+          <a:fontRef idx="minor">
+            <a:schemeClr val="lt1"/>
+          </a:fontRef>
+        </p:style>
+        <p:txBody>
+          <a:bodyPr rtlCol="0" anchor="ctr"/>
+          <a:lstStyle/>
+          <a:p>
+            <a:pPr algn="ctr"/>
+            <a:endParaRPr lang="zh-CN" altLang="en-US"/>
+          </a:p>
+        </p:txBody>
+      </p:sp>
+      <p:grpSp>
+        <p:nvGrpSpPr>
+          <p:cNvPr id="2" name="组合 1">
+            <a:extLst>
+              <a:ext uri="{FF2B5EF4-FFF2-40B4-BE49-F238E27FC236}">
+                <a16:creationId xmlns:a16="http://schemas.microsoft.com/office/drawing/2014/main" id="{1E1CC9FE-3A33-4BA6-A6C7-DCA4FC070772}"/>
+              </a:ext>
+            </a:extLst>
+          </p:cNvPr>
+          <p:cNvGrpSpPr/>
+          <p:nvPr/>
+        </p:nvGrpSpPr>
+        <p:grpSpPr>
+          <a:xfrm>
+            <a:off x="3387338" y="2750108"/>
+            <a:ext cx="5758811" cy="1164892"/>
+            <a:chOff x="3387338" y="2750108"/>
+            <a:chExt cx="5758811" cy="1164892"/>
+          </a:xfrm>
+        </p:grpSpPr>
+        <p:grpSp>
+          <p:nvGrpSpPr>
+            <p:cNvPr id="71" name="组合 70">
+              <a:extLst>
+                <a:ext uri="{FF2B5EF4-FFF2-40B4-BE49-F238E27FC236}">
+                  <a16:creationId xmlns:a16="http://schemas.microsoft.com/office/drawing/2014/main" id="{81FB3B35-2318-4457-95DC-C520B75AE75F}"/>
+                </a:ext>
+              </a:extLst>
+            </p:cNvPr>
+            <p:cNvGrpSpPr/>
+            <p:nvPr/>
+          </p:nvGrpSpPr>
+          <p:grpSpPr>
+            <a:xfrm>
+              <a:off x="5328959" y="3159279"/>
+              <a:ext cx="663905" cy="663905"/>
+              <a:chOff x="5598211" y="2485999"/>
+              <a:chExt cx="252000" cy="252000"/>
+            </a:xfrm>
+          </p:grpSpPr>
+          <p:cxnSp>
+            <p:nvCxnSpPr>
+              <p:cNvPr id="49" name="直接连接符 48">
+                <a:extLst>
+                  <a:ext uri="{FF2B5EF4-FFF2-40B4-BE49-F238E27FC236}">
+                    <a16:creationId xmlns:a16="http://schemas.microsoft.com/office/drawing/2014/main" id="{4AFC89BE-23B8-45FF-987D-E6560BFF3DCC}"/>
+                  </a:ext>
+                </a:extLst>
+              </p:cNvPr>
+              <p:cNvCxnSpPr>
+                <a:cxnSpLocks/>
+              </p:cNvCxnSpPr>
+              <p:nvPr/>
+            </p:nvCxnSpPr>
+            <p:spPr>
+              <a:xfrm>
+                <a:off x="5599551" y="2601685"/>
+                <a:ext cx="250660" cy="0"/>
+              </a:xfrm>
+              <a:prstGeom prst="line">
+                <a:avLst/>
+              </a:prstGeom>
+              <a:ln w="76200" cap="rnd">
+                <a:solidFill>
+                  <a:schemeClr val="tx1">
+                    <a:lumMod val="50000"/>
+                    <a:lumOff val="50000"/>
+                  </a:schemeClr>
+                </a:solidFill>
+                <a:round/>
+              </a:ln>
+            </p:spPr>
+            <p:style>
+              <a:lnRef idx="1">
+                <a:schemeClr val="accent1"/>
+              </a:lnRef>
+              <a:fillRef idx="0">
+                <a:schemeClr val="accent1"/>
+              </a:fillRef>
+              <a:effectRef idx="0">
+                <a:schemeClr val="accent1"/>
+              </a:effectRef>
+              <a:fontRef idx="minor">
+                <a:schemeClr val="tx1"/>
+              </a:fontRef>
+            </p:style>
+          </p:cxnSp>
+          <p:sp>
+            <p:nvSpPr>
+              <p:cNvPr id="48" name="弧形 47">
+                <a:extLst>
+                  <a:ext uri="{FF2B5EF4-FFF2-40B4-BE49-F238E27FC236}">
+                    <a16:creationId xmlns:a16="http://schemas.microsoft.com/office/drawing/2014/main" id="{A1B02804-B06D-4C16-8363-61CE38D605E4}"/>
+                  </a:ext>
+                </a:extLst>
+              </p:cNvPr>
+              <p:cNvSpPr/>
+              <p:nvPr/>
+            </p:nvSpPr>
+            <p:spPr>
+              <a:xfrm>
+                <a:off x="5598211" y="2485999"/>
+                <a:ext cx="252000" cy="252000"/>
+              </a:xfrm>
+              <a:prstGeom prst="arc">
+                <a:avLst>
+                  <a:gd name="adj1" fmla="val 1817991"/>
+                  <a:gd name="adj2" fmla="val 21272467"/>
+                </a:avLst>
+              </a:prstGeom>
+              <a:ln w="76200" cap="rnd">
+                <a:solidFill>
+                  <a:schemeClr val="tx1"/>
+                </a:solidFill>
+                <a:round/>
+              </a:ln>
+            </p:spPr>
+            <p:style>
+              <a:lnRef idx="1">
+                <a:schemeClr val="accent1"/>
+              </a:lnRef>
+              <a:fillRef idx="0">
+                <a:schemeClr val="accent1"/>
+              </a:fillRef>
+              <a:effectRef idx="0">
+                <a:schemeClr val="accent1"/>
+              </a:effectRef>
+              <a:fontRef idx="minor">
+                <a:schemeClr val="tx1"/>
+              </a:fontRef>
+            </p:style>
+            <p:txBody>
+              <a:bodyPr rtlCol="0" anchor="ctr"/>
+              <a:lstStyle/>
+              <a:p>
+                <a:pPr algn="ctr"/>
+                <a:endParaRPr lang="zh-CN" altLang="en-US"/>
+              </a:p>
+            </p:txBody>
+          </p:sp>
+        </p:grpSp>
+        <p:grpSp>
+          <p:nvGrpSpPr>
+            <p:cNvPr id="75" name="组合 74">
+              <a:extLst>
+                <a:ext uri="{FF2B5EF4-FFF2-40B4-BE49-F238E27FC236}">
+                  <a16:creationId xmlns:a16="http://schemas.microsoft.com/office/drawing/2014/main" id="{B690163C-5BFE-4F9D-85B4-AAC5BC56FF23}"/>
+                </a:ext>
+              </a:extLst>
+            </p:cNvPr>
+            <p:cNvGrpSpPr/>
+            <p:nvPr/>
+          </p:nvGrpSpPr>
+          <p:grpSpPr>
+            <a:xfrm>
+              <a:off x="6365054" y="3159279"/>
+              <a:ext cx="312984" cy="663905"/>
+              <a:chOff x="6000369" y="2485999"/>
+              <a:chExt cx="118800" cy="252000"/>
+            </a:xfrm>
+          </p:grpSpPr>
+          <p:cxnSp>
+            <p:nvCxnSpPr>
+              <p:cNvPr id="50" name="直接连接符 49">
+                <a:extLst>
+                  <a:ext uri="{FF2B5EF4-FFF2-40B4-BE49-F238E27FC236}">
+                    <a16:creationId xmlns:a16="http://schemas.microsoft.com/office/drawing/2014/main" id="{DA87BA15-9820-4056-A9D2-A9DD43EEE201}"/>
+                  </a:ext>
+                </a:extLst>
+              </p:cNvPr>
+              <p:cNvCxnSpPr>
+                <a:cxnSpLocks/>
+              </p:cNvCxnSpPr>
+              <p:nvPr/>
+            </p:nvCxnSpPr>
+            <p:spPr>
+              <a:xfrm flipH="1">
+                <a:off x="6001038" y="2539804"/>
+                <a:ext cx="0" cy="198195"/>
+              </a:xfrm>
+              <a:prstGeom prst="line">
+                <a:avLst/>
+              </a:prstGeom>
+              <a:ln w="76200" cap="rnd">
+                <a:solidFill>
+                  <a:schemeClr val="tx1"/>
+                </a:solidFill>
+                <a:round/>
+              </a:ln>
+            </p:spPr>
+            <p:style>
+              <a:lnRef idx="1">
+                <a:schemeClr val="accent1"/>
+              </a:lnRef>
+              <a:fillRef idx="0">
+                <a:schemeClr val="accent1"/>
+              </a:fillRef>
+              <a:effectRef idx="0">
+                <a:schemeClr val="accent1"/>
+              </a:effectRef>
+              <a:fontRef idx="minor">
+                <a:schemeClr val="tx1"/>
+              </a:fontRef>
+            </p:style>
+          </p:cxnSp>
+          <p:sp>
+            <p:nvSpPr>
+              <p:cNvPr id="51" name="弧形 50">
+                <a:extLst>
+                  <a:ext uri="{FF2B5EF4-FFF2-40B4-BE49-F238E27FC236}">
+                    <a16:creationId xmlns:a16="http://schemas.microsoft.com/office/drawing/2014/main" id="{05B6D31A-DC6D-4CE1-BF67-A5EF0BFC166E}"/>
+                  </a:ext>
+                </a:extLst>
+              </p:cNvPr>
+              <p:cNvSpPr/>
+              <p:nvPr/>
+            </p:nvSpPr>
+            <p:spPr>
+              <a:xfrm>
+                <a:off x="6000369" y="2485999"/>
+                <a:ext cx="118800" cy="118800"/>
+              </a:xfrm>
+              <a:prstGeom prst="arc">
+                <a:avLst>
+                  <a:gd name="adj1" fmla="val 11124299"/>
+                  <a:gd name="adj2" fmla="val 17866105"/>
+                </a:avLst>
+              </a:prstGeom>
+              <a:ln w="76200" cap="rnd">
+                <a:solidFill>
+                  <a:schemeClr val="tx1"/>
+                </a:solidFill>
+                <a:round/>
+              </a:ln>
+            </p:spPr>
+            <p:style>
+              <a:lnRef idx="1">
+                <a:schemeClr val="accent1"/>
+              </a:lnRef>
+              <a:fillRef idx="0">
+                <a:schemeClr val="accent1"/>
+              </a:fillRef>
+              <a:effectRef idx="0">
+                <a:schemeClr val="accent1"/>
+              </a:effectRef>
+              <a:fontRef idx="minor">
+                <a:schemeClr val="tx1"/>
+              </a:fontRef>
+            </p:style>
+            <p:txBody>
+              <a:bodyPr rtlCol="0" anchor="ctr"/>
+              <a:lstStyle/>
+              <a:p>
+                <a:pPr algn="ctr"/>
+                <a:endParaRPr lang="zh-CN" altLang="en-US"/>
+              </a:p>
+            </p:txBody>
+          </p:sp>
+        </p:grpSp>
+        <p:grpSp>
+          <p:nvGrpSpPr>
+            <p:cNvPr id="70" name="组合 69">
+              <a:extLst>
+                <a:ext uri="{FF2B5EF4-FFF2-40B4-BE49-F238E27FC236}">
+                  <a16:creationId xmlns:a16="http://schemas.microsoft.com/office/drawing/2014/main" id="{C3DFB8FF-027A-4004-A0D2-974ABAB6DBA2}"/>
+                </a:ext>
+              </a:extLst>
+            </p:cNvPr>
+            <p:cNvGrpSpPr/>
+            <p:nvPr/>
+          </p:nvGrpSpPr>
+          <p:grpSpPr>
+            <a:xfrm>
+              <a:off x="4321417" y="3294571"/>
+              <a:ext cx="635352" cy="528613"/>
+              <a:chOff x="5208895" y="2542553"/>
+              <a:chExt cx="241162" cy="200647"/>
+            </a:xfrm>
+          </p:grpSpPr>
+          <p:cxnSp>
+            <p:nvCxnSpPr>
+              <p:cNvPr id="52" name="直接连接符 51">
+                <a:extLst>
+                  <a:ext uri="{FF2B5EF4-FFF2-40B4-BE49-F238E27FC236}">
+                    <a16:creationId xmlns:a16="http://schemas.microsoft.com/office/drawing/2014/main" id="{A0F72843-E342-4206-BBFF-889EE8C9C32F}"/>
+                  </a:ext>
+                </a:extLst>
+              </p:cNvPr>
+              <p:cNvCxnSpPr>
+                <a:cxnSpLocks/>
+              </p:cNvCxnSpPr>
+              <p:nvPr/>
+            </p:nvCxnSpPr>
+            <p:spPr>
+              <a:xfrm>
+                <a:off x="5219470" y="2553586"/>
+                <a:ext cx="109218" cy="88566"/>
+              </a:xfrm>
+              <a:prstGeom prst="line">
+                <a:avLst/>
+              </a:prstGeom>
+              <a:ln w="76200" cap="rnd">
+                <a:solidFill>
+                  <a:schemeClr val="tx1">
+                    <a:lumMod val="50000"/>
+                    <a:lumOff val="50000"/>
+                  </a:schemeClr>
+                </a:solidFill>
+                <a:round/>
+              </a:ln>
+            </p:spPr>
+            <p:style>
+              <a:lnRef idx="1">
+                <a:schemeClr val="accent1"/>
+              </a:lnRef>
+              <a:fillRef idx="0">
+                <a:schemeClr val="accent1"/>
+              </a:fillRef>
+              <a:effectRef idx="0">
+                <a:schemeClr val="accent1"/>
+              </a:effectRef>
+              <a:fontRef idx="minor">
+                <a:schemeClr val="tx1"/>
+              </a:fontRef>
+            </p:style>
+          </p:cxnSp>
+          <p:cxnSp>
+            <p:nvCxnSpPr>
+              <p:cNvPr id="38" name="直接连接符 37">
+                <a:extLst>
+                  <a:ext uri="{FF2B5EF4-FFF2-40B4-BE49-F238E27FC236}">
+                    <a16:creationId xmlns:a16="http://schemas.microsoft.com/office/drawing/2014/main" id="{A45B12B5-270C-494C-8D33-8FB78ED71159}"/>
+                  </a:ext>
+                </a:extLst>
+              </p:cNvPr>
+              <p:cNvCxnSpPr>
+                <a:cxnSpLocks/>
+              </p:cNvCxnSpPr>
+              <p:nvPr/>
+            </p:nvCxnSpPr>
+            <p:spPr>
+              <a:xfrm flipH="1">
+                <a:off x="5328688" y="2545005"/>
+                <a:ext cx="119741" cy="97147"/>
+              </a:xfrm>
+              <a:prstGeom prst="line">
+                <a:avLst/>
+              </a:prstGeom>
+              <a:ln w="76200" cap="rnd">
+                <a:solidFill>
+                  <a:schemeClr val="tx1"/>
+                </a:solidFill>
+                <a:round/>
+              </a:ln>
+            </p:spPr>
+            <p:style>
+              <a:lnRef idx="1">
+                <a:schemeClr val="accent1"/>
+              </a:lnRef>
+              <a:fillRef idx="0">
+                <a:schemeClr val="accent1"/>
+              </a:fillRef>
+              <a:effectRef idx="0">
+                <a:schemeClr val="accent1"/>
+              </a:effectRef>
+              <a:fontRef idx="minor">
+                <a:schemeClr val="tx1"/>
+              </a:fontRef>
+            </p:style>
+          </p:cxnSp>
+          <p:cxnSp>
+            <p:nvCxnSpPr>
+              <p:cNvPr id="40" name="直接连接符 39">
+                <a:extLst>
+                  <a:ext uri="{FF2B5EF4-FFF2-40B4-BE49-F238E27FC236}">
+                    <a16:creationId xmlns:a16="http://schemas.microsoft.com/office/drawing/2014/main" id="{B7C98CE0-D706-4A88-AEDF-74A7C348E056}"/>
+                  </a:ext>
+                </a:extLst>
+              </p:cNvPr>
+              <p:cNvCxnSpPr>
+                <a:cxnSpLocks/>
+              </p:cNvCxnSpPr>
+              <p:nvPr/>
+            </p:nvCxnSpPr>
+            <p:spPr>
+              <a:xfrm>
+                <a:off x="5450057" y="2542553"/>
+                <a:ext cx="0" cy="198137"/>
+              </a:xfrm>
+              <a:prstGeom prst="line">
+                <a:avLst/>
+              </a:prstGeom>
+              <a:ln w="76200" cap="rnd">
+                <a:solidFill>
+                  <a:schemeClr val="tx1">
+                    <a:lumMod val="50000"/>
+                    <a:lumOff val="50000"/>
+                  </a:schemeClr>
+                </a:solidFill>
+                <a:round/>
+              </a:ln>
+            </p:spPr>
+            <p:style>
+              <a:lnRef idx="1">
+                <a:schemeClr val="accent1"/>
+              </a:lnRef>
+              <a:fillRef idx="0">
+                <a:schemeClr val="accent1"/>
+              </a:fillRef>
+              <a:effectRef idx="0">
+                <a:schemeClr val="accent1"/>
+              </a:effectRef>
+              <a:fontRef idx="minor">
+                <a:schemeClr val="tx1"/>
+              </a:fontRef>
+            </p:style>
+          </p:cxnSp>
+          <p:cxnSp>
+            <p:nvCxnSpPr>
+              <p:cNvPr id="37" name="直接连接符 36">
+                <a:extLst>
+                  <a:ext uri="{FF2B5EF4-FFF2-40B4-BE49-F238E27FC236}">
+                    <a16:creationId xmlns:a16="http://schemas.microsoft.com/office/drawing/2014/main" id="{EAEA0A26-9F0E-4BB4-A9D7-94B2282A59D2}"/>
+                  </a:ext>
+                </a:extLst>
+              </p:cNvPr>
+              <p:cNvCxnSpPr>
+                <a:cxnSpLocks/>
+              </p:cNvCxnSpPr>
+              <p:nvPr/>
+            </p:nvCxnSpPr>
+            <p:spPr>
+              <a:xfrm>
+                <a:off x="5208895" y="2547583"/>
+                <a:ext cx="0" cy="195617"/>
+              </a:xfrm>
+              <a:prstGeom prst="line">
+                <a:avLst/>
+              </a:prstGeom>
+              <a:ln w="76200" cap="rnd">
+                <a:solidFill>
+                  <a:schemeClr val="tx1"/>
+                </a:solidFill>
+                <a:round/>
+              </a:ln>
+            </p:spPr>
+            <p:style>
+              <a:lnRef idx="1">
+                <a:schemeClr val="accent1"/>
+              </a:lnRef>
+              <a:fillRef idx="0">
+                <a:schemeClr val="accent1"/>
+              </a:fillRef>
+              <a:effectRef idx="0">
+                <a:schemeClr val="accent1"/>
+              </a:effectRef>
+              <a:fontRef idx="minor">
+                <a:schemeClr val="tx1"/>
+              </a:fontRef>
+            </p:style>
+          </p:cxnSp>
+        </p:grpSp>
+        <p:grpSp>
+          <p:nvGrpSpPr>
+            <p:cNvPr id="76" name="组合 75">
+              <a:extLst>
+                <a:ext uri="{FF2B5EF4-FFF2-40B4-BE49-F238E27FC236}">
+                  <a16:creationId xmlns:a16="http://schemas.microsoft.com/office/drawing/2014/main" id="{2D7D6CD3-5144-43C1-861B-19698A47928E}"/>
+                </a:ext>
+              </a:extLst>
+            </p:cNvPr>
+            <p:cNvGrpSpPr/>
+            <p:nvPr/>
+          </p:nvGrpSpPr>
+          <p:grpSpPr>
+            <a:xfrm>
+              <a:off x="6872515" y="3159279"/>
+              <a:ext cx="667388" cy="663905"/>
+              <a:chOff x="6201266" y="2485999"/>
+              <a:chExt cx="253322" cy="252000"/>
+            </a:xfrm>
+          </p:grpSpPr>
+          <p:sp>
+            <p:nvSpPr>
+              <p:cNvPr id="58" name="弧形 57">
+                <a:extLst>
+                  <a:ext uri="{FF2B5EF4-FFF2-40B4-BE49-F238E27FC236}">
+                    <a16:creationId xmlns:a16="http://schemas.microsoft.com/office/drawing/2014/main" id="{FD9102C1-5F61-4459-ACA6-37133A7BD381}"/>
+                  </a:ext>
+                </a:extLst>
+              </p:cNvPr>
+              <p:cNvSpPr/>
+              <p:nvPr/>
+            </p:nvSpPr>
+            <p:spPr>
+              <a:xfrm>
+                <a:off x="6201266" y="2485999"/>
+                <a:ext cx="252000" cy="252000"/>
+              </a:xfrm>
+              <a:prstGeom prst="arc">
+                <a:avLst>
+                  <a:gd name="adj1" fmla="val 21364427"/>
+                  <a:gd name="adj2" fmla="val 21272467"/>
+                </a:avLst>
+              </a:prstGeom>
+              <a:ln w="76200" cap="rnd">
+                <a:solidFill>
+                  <a:schemeClr val="tx1"/>
+                </a:solidFill>
+                <a:round/>
+              </a:ln>
+            </p:spPr>
+            <p:style>
+              <a:lnRef idx="1">
+                <a:schemeClr val="accent1"/>
+              </a:lnRef>
+              <a:fillRef idx="0">
+                <a:schemeClr val="accent1"/>
+              </a:fillRef>
+              <a:effectRef idx="0">
+                <a:schemeClr val="accent1"/>
+              </a:effectRef>
+              <a:fontRef idx="minor">
+                <a:schemeClr val="tx1"/>
+              </a:fontRef>
+            </p:style>
+            <p:txBody>
+              <a:bodyPr rtlCol="0" anchor="ctr"/>
+              <a:lstStyle/>
+              <a:p>
+                <a:pPr algn="ctr"/>
+                <a:endParaRPr lang="zh-CN" altLang="en-US"/>
+              </a:p>
+            </p:txBody>
+          </p:sp>
+          <p:cxnSp>
+            <p:nvCxnSpPr>
+              <p:cNvPr id="59" name="直接连接符 58">
+                <a:extLst>
+                  <a:ext uri="{FF2B5EF4-FFF2-40B4-BE49-F238E27FC236}">
+                    <a16:creationId xmlns:a16="http://schemas.microsoft.com/office/drawing/2014/main" id="{F1FB9638-5867-4358-A29F-6079B4DEFD4B}"/>
+                  </a:ext>
+                </a:extLst>
+              </p:cNvPr>
+              <p:cNvCxnSpPr>
+                <a:cxnSpLocks/>
+              </p:cNvCxnSpPr>
+              <p:nvPr/>
+            </p:nvCxnSpPr>
+            <p:spPr>
+              <a:xfrm flipH="1">
+                <a:off x="6453266" y="2485999"/>
+                <a:ext cx="1322" cy="252000"/>
+              </a:xfrm>
+              <a:prstGeom prst="line">
+                <a:avLst/>
+              </a:prstGeom>
+              <a:ln w="76200" cap="rnd">
+                <a:solidFill>
+                  <a:schemeClr val="tx1">
+                    <a:lumMod val="50000"/>
+                    <a:lumOff val="50000"/>
+                  </a:schemeClr>
+                </a:solidFill>
+                <a:round/>
+              </a:ln>
+            </p:spPr>
+            <p:style>
+              <a:lnRef idx="1">
+                <a:schemeClr val="accent1"/>
+              </a:lnRef>
+              <a:fillRef idx="0">
+                <a:schemeClr val="accent1"/>
+              </a:fillRef>
+              <a:effectRef idx="0">
+                <a:schemeClr val="accent1"/>
+              </a:effectRef>
+              <a:fontRef idx="minor">
+                <a:schemeClr val="tx1"/>
+              </a:fontRef>
+            </p:style>
+          </p:cxnSp>
+        </p:grpSp>
+        <p:cxnSp>
+          <p:nvCxnSpPr>
+            <p:cNvPr id="61" name="直接连接符 60">
+              <a:extLst>
+                <a:ext uri="{FF2B5EF4-FFF2-40B4-BE49-F238E27FC236}">
+                  <a16:creationId xmlns:a16="http://schemas.microsoft.com/office/drawing/2014/main" id="{6ECB2F65-1AD6-4EA9-BFBC-E2979544CB46}"/>
+                </a:ext>
+              </a:extLst>
+            </p:cNvPr>
+            <p:cNvCxnSpPr>
+              <a:cxnSpLocks/>
+            </p:cNvCxnSpPr>
+            <p:nvPr/>
+          </p:nvCxnSpPr>
+          <p:spPr>
+            <a:xfrm>
+              <a:off x="7912093" y="2750108"/>
+              <a:ext cx="0" cy="1073076"/>
+            </a:xfrm>
+            <a:prstGeom prst="line">
+              <a:avLst/>
+            </a:prstGeom>
+            <a:ln w="76200" cap="rnd">
+              <a:solidFill>
+                <a:schemeClr val="tx1"/>
+              </a:solidFill>
+              <a:round/>
+            </a:ln>
+          </p:spPr>
+          <p:style>
+            <a:lnRef idx="1">
+              <a:schemeClr val="accent1"/>
+            </a:lnRef>
+            <a:fillRef idx="0">
+              <a:schemeClr val="accent1"/>
+            </a:fillRef>
+            <a:effectRef idx="0">
+              <a:schemeClr val="accent1"/>
+            </a:effectRef>
+            <a:fontRef idx="minor">
+              <a:schemeClr val="tx1"/>
+            </a:fontRef>
+          </p:style>
+        </p:cxnSp>
+        <p:grpSp>
+          <p:nvGrpSpPr>
+            <p:cNvPr id="85" name="组合 84">
+              <a:extLst>
+                <a:ext uri="{FF2B5EF4-FFF2-40B4-BE49-F238E27FC236}">
+                  <a16:creationId xmlns:a16="http://schemas.microsoft.com/office/drawing/2014/main" id="{321D4381-33D9-44E9-A69D-F6A180F16ABD}"/>
+                </a:ext>
+              </a:extLst>
+            </p:cNvPr>
+            <p:cNvGrpSpPr/>
+            <p:nvPr/>
+          </p:nvGrpSpPr>
+          <p:grpSpPr>
+            <a:xfrm>
+              <a:off x="3387338" y="3051075"/>
+              <a:ext cx="792000" cy="792000"/>
+              <a:chOff x="5101774" y="2455056"/>
+              <a:chExt cx="792000" cy="792000"/>
+            </a:xfrm>
+          </p:grpSpPr>
+          <p:cxnSp>
+            <p:nvCxnSpPr>
+              <p:cNvPr id="34" name="直接连接符 33">
+                <a:extLst>
+                  <a:ext uri="{FF2B5EF4-FFF2-40B4-BE49-F238E27FC236}">
+                    <a16:creationId xmlns:a16="http://schemas.microsoft.com/office/drawing/2014/main" id="{3EF835D2-AFED-4476-A39D-312AA1A0439D}"/>
+                  </a:ext>
+                </a:extLst>
+              </p:cNvPr>
+              <p:cNvCxnSpPr/>
+              <p:nvPr/>
+            </p:nvCxnSpPr>
+            <p:spPr>
+              <a:xfrm>
+                <a:off x="5172391" y="2851056"/>
+                <a:ext cx="485402" cy="0"/>
+              </a:xfrm>
+              <a:prstGeom prst="line">
+                <a:avLst/>
+              </a:prstGeom>
+              <a:ln w="76200" cap="rnd">
+                <a:solidFill>
+                  <a:schemeClr val="tx1">
+                    <a:lumMod val="50000"/>
+                    <a:lumOff val="50000"/>
+                  </a:schemeClr>
+                </a:solidFill>
+                <a:round/>
+              </a:ln>
+            </p:spPr>
+            <p:style>
+              <a:lnRef idx="1">
+                <a:schemeClr val="accent1"/>
+              </a:lnRef>
+              <a:fillRef idx="0">
+                <a:schemeClr val="accent1"/>
+              </a:fillRef>
+              <a:effectRef idx="0">
+                <a:schemeClr val="accent1"/>
+              </a:effectRef>
+              <a:fontRef idx="minor">
+                <a:schemeClr val="tx1"/>
+              </a:fontRef>
+            </p:style>
+          </p:cxnSp>
+          <p:sp>
+            <p:nvSpPr>
+              <p:cNvPr id="84" name="弧形 83">
+                <a:extLst>
+                  <a:ext uri="{FF2B5EF4-FFF2-40B4-BE49-F238E27FC236}">
+                    <a16:creationId xmlns:a16="http://schemas.microsoft.com/office/drawing/2014/main" id="{738F2808-47EE-47C8-B763-C7EDABBE1A00}"/>
+                  </a:ext>
+                </a:extLst>
+              </p:cNvPr>
+              <p:cNvSpPr>
+                <a:spLocks noChangeAspect="1"/>
+              </p:cNvSpPr>
+              <p:nvPr/>
+            </p:nvSpPr>
+            <p:spPr>
+              <a:xfrm>
+                <a:off x="5101774" y="2455056"/>
+                <a:ext cx="792000" cy="792000"/>
+              </a:xfrm>
+              <a:prstGeom prst="arc">
+                <a:avLst>
+                  <a:gd name="adj1" fmla="val 3895352"/>
+                  <a:gd name="adj2" fmla="val 17604657"/>
+                </a:avLst>
+              </a:prstGeom>
+              <a:ln w="76200" cap="rnd">
+                <a:solidFill>
+                  <a:schemeClr val="tx1"/>
+                </a:solidFill>
+                <a:round/>
+              </a:ln>
+            </p:spPr>
+            <p:style>
+              <a:lnRef idx="1">
+                <a:schemeClr val="accent1"/>
+              </a:lnRef>
+              <a:fillRef idx="0">
+                <a:schemeClr val="accent1"/>
+              </a:fillRef>
+              <a:effectRef idx="0">
+                <a:schemeClr val="accent1"/>
+              </a:effectRef>
+              <a:fontRef idx="minor">
+                <a:schemeClr val="tx1"/>
+              </a:fontRef>
+            </p:style>
+            <p:txBody>
+              <a:bodyPr rtlCol="0" anchor="ctr"/>
+              <a:lstStyle/>
+              <a:p>
+                <a:pPr algn="ctr"/>
+                <a:endParaRPr lang="zh-CN" altLang="en-US"/>
+              </a:p>
+            </p:txBody>
+          </p:sp>
+        </p:grpSp>
+        <p:grpSp>
+          <p:nvGrpSpPr>
+            <p:cNvPr id="89" name="组合 88">
+              <a:extLst>
+                <a:ext uri="{FF2B5EF4-FFF2-40B4-BE49-F238E27FC236}">
+                  <a16:creationId xmlns:a16="http://schemas.microsoft.com/office/drawing/2014/main" id="{CBD42311-87DF-4F42-9D74-F7270BA26E2B}"/>
+                </a:ext>
+              </a:extLst>
+            </p:cNvPr>
+            <p:cNvGrpSpPr/>
+            <p:nvPr/>
+          </p:nvGrpSpPr>
+          <p:grpSpPr>
+            <a:xfrm>
+              <a:off x="8174149" y="2943000"/>
+              <a:ext cx="972000" cy="972000"/>
+              <a:chOff x="9835468" y="2491210"/>
+              <a:chExt cx="972000" cy="972000"/>
+            </a:xfrm>
+          </p:grpSpPr>
+          <p:sp>
+            <p:nvSpPr>
+              <p:cNvPr id="64" name="弧形 63">
+                <a:extLst>
+                  <a:ext uri="{FF2B5EF4-FFF2-40B4-BE49-F238E27FC236}">
+                    <a16:creationId xmlns:a16="http://schemas.microsoft.com/office/drawing/2014/main" id="{763EC656-CD8A-412B-9CDA-094285A2D60C}"/>
+                  </a:ext>
+                </a:extLst>
+              </p:cNvPr>
+              <p:cNvSpPr/>
+              <p:nvPr/>
+            </p:nvSpPr>
+            <p:spPr>
+              <a:xfrm>
+                <a:off x="9985764" y="2645258"/>
+                <a:ext cx="663905" cy="663905"/>
+              </a:xfrm>
+              <a:prstGeom prst="arc">
+                <a:avLst>
+                  <a:gd name="adj1" fmla="val 21364427"/>
+                  <a:gd name="adj2" fmla="val 21272467"/>
+                </a:avLst>
+              </a:prstGeom>
+              <a:ln w="76200" cap="rnd">
+                <a:solidFill>
+                  <a:schemeClr val="tx1"/>
+                </a:solidFill>
+                <a:round/>
+              </a:ln>
+            </p:spPr>
+            <p:style>
+              <a:lnRef idx="1">
+                <a:schemeClr val="accent1"/>
+              </a:lnRef>
+              <a:fillRef idx="0">
+                <a:schemeClr val="accent1"/>
+              </a:fillRef>
+              <a:effectRef idx="0">
+                <a:schemeClr val="accent1"/>
+              </a:effectRef>
+              <a:fontRef idx="minor">
+                <a:schemeClr val="tx1"/>
+              </a:fontRef>
+            </p:style>
+            <p:txBody>
+              <a:bodyPr rtlCol="0" anchor="ctr"/>
+              <a:lstStyle/>
+              <a:p>
+                <a:pPr algn="ctr"/>
+                <a:endParaRPr lang="zh-CN" altLang="en-US"/>
+              </a:p>
+            </p:txBody>
+          </p:sp>
+          <p:sp>
+            <p:nvSpPr>
+              <p:cNvPr id="88" name="弧形 87">
+                <a:extLst>
+                  <a:ext uri="{FF2B5EF4-FFF2-40B4-BE49-F238E27FC236}">
+                    <a16:creationId xmlns:a16="http://schemas.microsoft.com/office/drawing/2014/main" id="{A8D34806-3F7B-4942-B810-B6C8D5E1E13B}"/>
+                  </a:ext>
+                </a:extLst>
+              </p:cNvPr>
+              <p:cNvSpPr>
+                <a:spLocks noChangeAspect="1"/>
+              </p:cNvSpPr>
+              <p:nvPr/>
+            </p:nvSpPr>
+            <p:spPr>
+              <a:xfrm>
+                <a:off x="9835468" y="2491210"/>
+                <a:ext cx="972000" cy="972000"/>
+              </a:xfrm>
+              <a:prstGeom prst="arc">
+                <a:avLst>
+                  <a:gd name="adj1" fmla="val 15877922"/>
+                  <a:gd name="adj2" fmla="val 5881754"/>
+                </a:avLst>
+              </a:prstGeom>
+              <a:ln w="76200" cap="rnd">
+                <a:solidFill>
+                  <a:schemeClr val="tx1">
+                    <a:lumMod val="50000"/>
+                    <a:lumOff val="50000"/>
+                  </a:schemeClr>
+                </a:solidFill>
+                <a:round/>
+              </a:ln>
+            </p:spPr>
+            <p:style>
+              <a:lnRef idx="1">
+                <a:schemeClr val="accent1"/>
+              </a:lnRef>
+              <a:fillRef idx="0">
+                <a:schemeClr val="accent1"/>
+              </a:fillRef>
+              <a:effectRef idx="0">
+                <a:schemeClr val="accent1"/>
+              </a:effectRef>
+              <a:fontRef idx="minor">
+                <a:schemeClr val="tx1"/>
+              </a:fontRef>
+            </p:style>
+            <p:txBody>
+              <a:bodyPr rtlCol="0" anchor="ctr"/>
+              <a:lstStyle/>
+              <a:p>
+                <a:pPr algn="ctr"/>
+                <a:endParaRPr lang="zh-CN" altLang="en-US"/>
+              </a:p>
+            </p:txBody>
+          </p:sp>
+        </p:grpSp>
+      </p:grpSp>
+      <p:grpSp>
+        <p:nvGrpSpPr>
+          <p:cNvPr id="57" name="组合 56">
+            <a:extLst>
+              <a:ext uri="{FF2B5EF4-FFF2-40B4-BE49-F238E27FC236}">
+                <a16:creationId xmlns:a16="http://schemas.microsoft.com/office/drawing/2014/main" id="{9DA068F1-6266-4A49-959B-ED162028249B}"/>
+              </a:ext>
+            </a:extLst>
+          </p:cNvPr>
+          <p:cNvGrpSpPr>
+            <a:grpSpLocks noChangeAspect="1"/>
+          </p:cNvGrpSpPr>
+          <p:nvPr/>
+        </p:nvGrpSpPr>
+        <p:grpSpPr>
+          <a:xfrm>
+            <a:off x="3229539" y="804770"/>
+            <a:ext cx="1800000" cy="364104"/>
+            <a:chOff x="3387338" y="2750108"/>
+            <a:chExt cx="5758811" cy="1164892"/>
+          </a:xfrm>
+        </p:grpSpPr>
+        <p:grpSp>
+          <p:nvGrpSpPr>
+            <p:cNvPr id="60" name="组合 59">
+              <a:extLst>
+                <a:ext uri="{FF2B5EF4-FFF2-40B4-BE49-F238E27FC236}">
+                  <a16:creationId xmlns:a16="http://schemas.microsoft.com/office/drawing/2014/main" id="{951930C2-BC3B-46BA-A857-500F57B5CCC3}"/>
+                </a:ext>
+              </a:extLst>
+            </p:cNvPr>
+            <p:cNvGrpSpPr/>
+            <p:nvPr/>
+          </p:nvGrpSpPr>
+          <p:grpSpPr>
+            <a:xfrm>
+              <a:off x="5328959" y="3159279"/>
+              <a:ext cx="663905" cy="663905"/>
+              <a:chOff x="5598211" y="2485999"/>
+              <a:chExt cx="252000" cy="252000"/>
+            </a:xfrm>
+          </p:grpSpPr>
+          <p:cxnSp>
+            <p:nvCxnSpPr>
+              <p:cNvPr id="87" name="直接连接符 86">
+                <a:extLst>
+                  <a:ext uri="{FF2B5EF4-FFF2-40B4-BE49-F238E27FC236}">
+                    <a16:creationId xmlns:a16="http://schemas.microsoft.com/office/drawing/2014/main" id="{252BF2B0-37A6-41D2-A988-CBC7718F7370}"/>
+                  </a:ext>
+                </a:extLst>
+              </p:cNvPr>
+              <p:cNvCxnSpPr>
+                <a:cxnSpLocks/>
+              </p:cNvCxnSpPr>
+              <p:nvPr/>
+            </p:nvCxnSpPr>
+            <p:spPr>
+              <a:xfrm>
+                <a:off x="5599551" y="2601685"/>
+                <a:ext cx="250660" cy="0"/>
+              </a:xfrm>
+              <a:prstGeom prst="line">
+                <a:avLst/>
+              </a:prstGeom>
+              <a:ln w="28575" cap="rnd">
+                <a:solidFill>
+                  <a:schemeClr val="tx1">
+                    <a:lumMod val="50000"/>
+                    <a:lumOff val="50000"/>
+                  </a:schemeClr>
+                </a:solidFill>
+                <a:round/>
+              </a:ln>
+            </p:spPr>
+            <p:style>
+              <a:lnRef idx="1">
+                <a:schemeClr val="accent1"/>
+              </a:lnRef>
+              <a:fillRef idx="0">
+                <a:schemeClr val="accent1"/>
+              </a:fillRef>
+              <a:effectRef idx="0">
+                <a:schemeClr val="accent1"/>
+              </a:effectRef>
+              <a:fontRef idx="minor">
+                <a:schemeClr val="tx1"/>
+              </a:fontRef>
+            </p:style>
+          </p:cxnSp>
+          <p:sp>
+            <p:nvSpPr>
+              <p:cNvPr id="90" name="弧形 89">
+                <a:extLst>
+                  <a:ext uri="{FF2B5EF4-FFF2-40B4-BE49-F238E27FC236}">
+                    <a16:creationId xmlns:a16="http://schemas.microsoft.com/office/drawing/2014/main" id="{2FE74D66-6DA0-4C19-A510-4E996CE9F720}"/>
+                  </a:ext>
+                </a:extLst>
+              </p:cNvPr>
+              <p:cNvSpPr/>
+              <p:nvPr/>
+            </p:nvSpPr>
+            <p:spPr>
+              <a:xfrm>
+                <a:off x="5598211" y="2485999"/>
+                <a:ext cx="252000" cy="252000"/>
+              </a:xfrm>
+              <a:prstGeom prst="arc">
+                <a:avLst>
+                  <a:gd name="adj1" fmla="val 1817991"/>
+                  <a:gd name="adj2" fmla="val 21272467"/>
+                </a:avLst>
+              </a:prstGeom>
+              <a:ln w="28575" cap="rnd">
+                <a:solidFill>
+                  <a:schemeClr val="tx1"/>
+                </a:solidFill>
+                <a:round/>
+              </a:ln>
+            </p:spPr>
+            <p:style>
+              <a:lnRef idx="1">
+                <a:schemeClr val="accent1"/>
+              </a:lnRef>
+              <a:fillRef idx="0">
+                <a:schemeClr val="accent1"/>
+              </a:fillRef>
+              <a:effectRef idx="0">
+                <a:schemeClr val="accent1"/>
+              </a:effectRef>
+              <a:fontRef idx="minor">
+                <a:schemeClr val="tx1"/>
+              </a:fontRef>
+            </p:style>
+            <p:txBody>
+              <a:bodyPr rtlCol="0" anchor="ctr"/>
+              <a:lstStyle/>
+              <a:p>
+                <a:pPr algn="ctr"/>
+                <a:endParaRPr lang="zh-CN" altLang="en-US"/>
+              </a:p>
+            </p:txBody>
+          </p:sp>
+        </p:grpSp>
+        <p:grpSp>
+          <p:nvGrpSpPr>
+            <p:cNvPr id="62" name="组合 61">
+              <a:extLst>
+                <a:ext uri="{FF2B5EF4-FFF2-40B4-BE49-F238E27FC236}">
+                  <a16:creationId xmlns:a16="http://schemas.microsoft.com/office/drawing/2014/main" id="{ACEEBDFC-A06A-4C26-BF71-AE7D852C68D1}"/>
+                </a:ext>
+              </a:extLst>
+            </p:cNvPr>
+            <p:cNvGrpSpPr/>
+            <p:nvPr/>
+          </p:nvGrpSpPr>
+          <p:grpSpPr>
+            <a:xfrm>
+              <a:off x="6365054" y="3159279"/>
+              <a:ext cx="312984" cy="663905"/>
+              <a:chOff x="6000369" y="2485999"/>
+              <a:chExt cx="118800" cy="252000"/>
+            </a:xfrm>
+          </p:grpSpPr>
+          <p:cxnSp>
+            <p:nvCxnSpPr>
+              <p:cNvPr id="83" name="直接连接符 82">
+                <a:extLst>
+                  <a:ext uri="{FF2B5EF4-FFF2-40B4-BE49-F238E27FC236}">
+                    <a16:creationId xmlns:a16="http://schemas.microsoft.com/office/drawing/2014/main" id="{1CA610F4-3E04-4618-9959-C13BCE5F72E1}"/>
+                  </a:ext>
+                </a:extLst>
+              </p:cNvPr>
+              <p:cNvCxnSpPr>
+                <a:cxnSpLocks/>
+              </p:cNvCxnSpPr>
+              <p:nvPr/>
+            </p:nvCxnSpPr>
+            <p:spPr>
+              <a:xfrm flipH="1">
+                <a:off x="6001038" y="2539804"/>
+                <a:ext cx="0" cy="198195"/>
+              </a:xfrm>
+              <a:prstGeom prst="line">
+                <a:avLst/>
+              </a:prstGeom>
+              <a:ln w="28575" cap="rnd">
+                <a:solidFill>
+                  <a:schemeClr val="tx1"/>
+                </a:solidFill>
+                <a:round/>
+              </a:ln>
+            </p:spPr>
+            <p:style>
+              <a:lnRef idx="1">
+                <a:schemeClr val="accent1"/>
+              </a:lnRef>
+              <a:fillRef idx="0">
+                <a:schemeClr val="accent1"/>
+              </a:fillRef>
+              <a:effectRef idx="0">
+                <a:schemeClr val="accent1"/>
+              </a:effectRef>
+              <a:fontRef idx="minor">
+                <a:schemeClr val="tx1"/>
+              </a:fontRef>
+            </p:style>
+          </p:cxnSp>
+          <p:sp>
+            <p:nvSpPr>
+              <p:cNvPr id="86" name="弧形 85">
+                <a:extLst>
+                  <a:ext uri="{FF2B5EF4-FFF2-40B4-BE49-F238E27FC236}">
+                    <a16:creationId xmlns:a16="http://schemas.microsoft.com/office/drawing/2014/main" id="{CE3BEF76-1F39-4B71-A16B-35A660798F5C}"/>
+                  </a:ext>
+                </a:extLst>
+              </p:cNvPr>
+              <p:cNvSpPr/>
+              <p:nvPr/>
+            </p:nvSpPr>
+            <p:spPr>
+              <a:xfrm>
+                <a:off x="6000369" y="2485999"/>
+                <a:ext cx="118800" cy="118800"/>
+              </a:xfrm>
+              <a:prstGeom prst="arc">
+                <a:avLst>
+                  <a:gd name="adj1" fmla="val 11124299"/>
+                  <a:gd name="adj2" fmla="val 17866105"/>
+                </a:avLst>
+              </a:prstGeom>
+              <a:ln w="28575" cap="rnd">
+                <a:solidFill>
+                  <a:schemeClr val="tx1"/>
+                </a:solidFill>
+                <a:round/>
+              </a:ln>
+            </p:spPr>
+            <p:style>
+              <a:lnRef idx="1">
+                <a:schemeClr val="accent1"/>
+              </a:lnRef>
+              <a:fillRef idx="0">
+                <a:schemeClr val="accent1"/>
+              </a:fillRef>
+              <a:effectRef idx="0">
+                <a:schemeClr val="accent1"/>
+              </a:effectRef>
+              <a:fontRef idx="minor">
+                <a:schemeClr val="tx1"/>
+              </a:fontRef>
+            </p:style>
+            <p:txBody>
+              <a:bodyPr rtlCol="0" anchor="ctr"/>
+              <a:lstStyle/>
+              <a:p>
+                <a:pPr algn="ctr"/>
+                <a:endParaRPr lang="zh-CN" altLang="en-US"/>
+              </a:p>
+            </p:txBody>
+          </p:sp>
+        </p:grpSp>
+        <p:grpSp>
+          <p:nvGrpSpPr>
+            <p:cNvPr id="63" name="组合 62">
+              <a:extLst>
+                <a:ext uri="{FF2B5EF4-FFF2-40B4-BE49-F238E27FC236}">
+                  <a16:creationId xmlns:a16="http://schemas.microsoft.com/office/drawing/2014/main" id="{3BC4992C-59A1-4468-9F15-CEFCBEE57754}"/>
+                </a:ext>
+              </a:extLst>
+            </p:cNvPr>
+            <p:cNvGrpSpPr/>
+            <p:nvPr/>
+          </p:nvGrpSpPr>
+          <p:grpSpPr>
+            <a:xfrm>
+              <a:off x="4321417" y="3294571"/>
+              <a:ext cx="635352" cy="528613"/>
+              <a:chOff x="5208895" y="2542553"/>
+              <a:chExt cx="241162" cy="200647"/>
+            </a:xfrm>
+          </p:grpSpPr>
+          <p:cxnSp>
+            <p:nvCxnSpPr>
+              <p:cNvPr id="79" name="直接连接符 78">
+                <a:extLst>
+                  <a:ext uri="{FF2B5EF4-FFF2-40B4-BE49-F238E27FC236}">
+                    <a16:creationId xmlns:a16="http://schemas.microsoft.com/office/drawing/2014/main" id="{DF7D3D73-CAF8-4C37-9B34-84473E723ABA}"/>
+                  </a:ext>
+                </a:extLst>
+              </p:cNvPr>
+              <p:cNvCxnSpPr>
+                <a:cxnSpLocks/>
+              </p:cNvCxnSpPr>
+              <p:nvPr/>
+            </p:nvCxnSpPr>
+            <p:spPr>
+              <a:xfrm>
+                <a:off x="5219470" y="2553586"/>
+                <a:ext cx="109218" cy="88566"/>
+              </a:xfrm>
+              <a:prstGeom prst="line">
+                <a:avLst/>
+              </a:prstGeom>
+              <a:ln w="28575" cap="rnd">
+                <a:solidFill>
+                  <a:schemeClr val="tx1">
+                    <a:lumMod val="50000"/>
+                    <a:lumOff val="50000"/>
+                  </a:schemeClr>
+                </a:solidFill>
+                <a:round/>
+              </a:ln>
+            </p:spPr>
+            <p:style>
+              <a:lnRef idx="1">
+                <a:schemeClr val="accent1"/>
+              </a:lnRef>
+              <a:fillRef idx="0">
+                <a:schemeClr val="accent1"/>
+              </a:fillRef>
+              <a:effectRef idx="0">
+                <a:schemeClr val="accent1"/>
+              </a:effectRef>
+              <a:fontRef idx="minor">
+                <a:schemeClr val="tx1"/>
+              </a:fontRef>
+            </p:style>
+          </p:cxnSp>
+          <p:cxnSp>
+            <p:nvCxnSpPr>
+              <p:cNvPr id="80" name="直接连接符 79">
+                <a:extLst>
+                  <a:ext uri="{FF2B5EF4-FFF2-40B4-BE49-F238E27FC236}">
+                    <a16:creationId xmlns:a16="http://schemas.microsoft.com/office/drawing/2014/main" id="{043E7DD5-DD7A-40CB-9677-D9E54C000DD8}"/>
+                  </a:ext>
+                </a:extLst>
+              </p:cNvPr>
+              <p:cNvCxnSpPr>
+                <a:cxnSpLocks/>
+              </p:cNvCxnSpPr>
+              <p:nvPr/>
+            </p:nvCxnSpPr>
+            <p:spPr>
+              <a:xfrm flipH="1">
+                <a:off x="5328688" y="2545005"/>
+                <a:ext cx="119741" cy="97147"/>
+              </a:xfrm>
+              <a:prstGeom prst="line">
+                <a:avLst/>
+              </a:prstGeom>
+              <a:ln w="28575" cap="rnd">
+                <a:solidFill>
+                  <a:schemeClr val="tx1"/>
+                </a:solidFill>
+                <a:round/>
+              </a:ln>
+            </p:spPr>
+            <p:style>
+              <a:lnRef idx="1">
+                <a:schemeClr val="accent1"/>
+              </a:lnRef>
+              <a:fillRef idx="0">
+                <a:schemeClr val="accent1"/>
+              </a:fillRef>
+              <a:effectRef idx="0">
+                <a:schemeClr val="accent1"/>
+              </a:effectRef>
+              <a:fontRef idx="minor">
+                <a:schemeClr val="tx1"/>
+              </a:fontRef>
+            </p:style>
+          </p:cxnSp>
+          <p:cxnSp>
+            <p:nvCxnSpPr>
+              <p:cNvPr id="81" name="直接连接符 80">
+                <a:extLst>
+                  <a:ext uri="{FF2B5EF4-FFF2-40B4-BE49-F238E27FC236}">
+                    <a16:creationId xmlns:a16="http://schemas.microsoft.com/office/drawing/2014/main" id="{1058501C-8EFB-4922-AD7D-CA2593B61D06}"/>
+                  </a:ext>
+                </a:extLst>
+              </p:cNvPr>
+              <p:cNvCxnSpPr>
+                <a:cxnSpLocks/>
+              </p:cNvCxnSpPr>
+              <p:nvPr/>
+            </p:nvCxnSpPr>
+            <p:spPr>
+              <a:xfrm>
+                <a:off x="5450057" y="2542553"/>
+                <a:ext cx="0" cy="198137"/>
+              </a:xfrm>
+              <a:prstGeom prst="line">
+                <a:avLst/>
+              </a:prstGeom>
+              <a:ln w="28575" cap="rnd">
+                <a:solidFill>
+                  <a:schemeClr val="tx1">
+                    <a:lumMod val="50000"/>
+                    <a:lumOff val="50000"/>
+                  </a:schemeClr>
+                </a:solidFill>
+                <a:round/>
+              </a:ln>
+            </p:spPr>
+            <p:style>
+              <a:lnRef idx="1">
+                <a:schemeClr val="accent1"/>
+              </a:lnRef>
+              <a:fillRef idx="0">
+                <a:schemeClr val="accent1"/>
+              </a:fillRef>
+              <a:effectRef idx="0">
+                <a:schemeClr val="accent1"/>
+              </a:effectRef>
+              <a:fontRef idx="minor">
+                <a:schemeClr val="tx1"/>
+              </a:fontRef>
+            </p:style>
+          </p:cxnSp>
+          <p:cxnSp>
+            <p:nvCxnSpPr>
+              <p:cNvPr id="82" name="直接连接符 81">
+                <a:extLst>
+                  <a:ext uri="{FF2B5EF4-FFF2-40B4-BE49-F238E27FC236}">
+                    <a16:creationId xmlns:a16="http://schemas.microsoft.com/office/drawing/2014/main" id="{213A26B2-5F4C-420C-9012-CE2143447480}"/>
+                  </a:ext>
+                </a:extLst>
+              </p:cNvPr>
+              <p:cNvCxnSpPr>
+                <a:cxnSpLocks/>
+              </p:cNvCxnSpPr>
+              <p:nvPr/>
+            </p:nvCxnSpPr>
+            <p:spPr>
+              <a:xfrm>
+                <a:off x="5208895" y="2547583"/>
+                <a:ext cx="0" cy="195617"/>
+              </a:xfrm>
+              <a:prstGeom prst="line">
+                <a:avLst/>
+              </a:prstGeom>
+              <a:ln w="28575" cap="rnd">
+                <a:solidFill>
+                  <a:schemeClr val="tx1"/>
+                </a:solidFill>
+                <a:round/>
+              </a:ln>
+            </p:spPr>
+            <p:style>
+              <a:lnRef idx="1">
+                <a:schemeClr val="accent1"/>
+              </a:lnRef>
+              <a:fillRef idx="0">
+                <a:schemeClr val="accent1"/>
+              </a:fillRef>
+              <a:effectRef idx="0">
+                <a:schemeClr val="accent1"/>
+              </a:effectRef>
+              <a:fontRef idx="minor">
+                <a:schemeClr val="tx1"/>
+              </a:fontRef>
+            </p:style>
+          </p:cxnSp>
+        </p:grpSp>
+        <p:grpSp>
+          <p:nvGrpSpPr>
+            <p:cNvPr id="65" name="组合 64">
+              <a:extLst>
+                <a:ext uri="{FF2B5EF4-FFF2-40B4-BE49-F238E27FC236}">
+                  <a16:creationId xmlns:a16="http://schemas.microsoft.com/office/drawing/2014/main" id="{61B95BFC-DC24-479C-8CA1-16B0ABEAD31B}"/>
+                </a:ext>
+              </a:extLst>
+            </p:cNvPr>
+            <p:cNvGrpSpPr/>
+            <p:nvPr/>
+          </p:nvGrpSpPr>
+          <p:grpSpPr>
+            <a:xfrm>
+              <a:off x="6872515" y="3159279"/>
+              <a:ext cx="667388" cy="663905"/>
+              <a:chOff x="6201266" y="2485999"/>
+              <a:chExt cx="253322" cy="252000"/>
+            </a:xfrm>
+          </p:grpSpPr>
+          <p:sp>
+            <p:nvSpPr>
+              <p:cNvPr id="77" name="弧形 76">
+                <a:extLst>
+                  <a:ext uri="{FF2B5EF4-FFF2-40B4-BE49-F238E27FC236}">
+                    <a16:creationId xmlns:a16="http://schemas.microsoft.com/office/drawing/2014/main" id="{96AB8CFA-7B6E-4BD3-A718-A3AF34A490B8}"/>
+                  </a:ext>
+                </a:extLst>
+              </p:cNvPr>
+              <p:cNvSpPr/>
+              <p:nvPr/>
+            </p:nvSpPr>
+            <p:spPr>
+              <a:xfrm>
+                <a:off x="6201266" y="2485999"/>
+                <a:ext cx="252000" cy="252000"/>
+              </a:xfrm>
+              <a:prstGeom prst="arc">
+                <a:avLst>
+                  <a:gd name="adj1" fmla="val 21364427"/>
+                  <a:gd name="adj2" fmla="val 21272467"/>
+                </a:avLst>
+              </a:prstGeom>
+              <a:ln w="28575" cap="rnd">
+                <a:solidFill>
+                  <a:schemeClr val="tx1"/>
+                </a:solidFill>
+                <a:round/>
+              </a:ln>
+            </p:spPr>
+            <p:style>
+              <a:lnRef idx="1">
+                <a:schemeClr val="accent1"/>
+              </a:lnRef>
+              <a:fillRef idx="0">
+                <a:schemeClr val="accent1"/>
+              </a:fillRef>
+              <a:effectRef idx="0">
+                <a:schemeClr val="accent1"/>
+              </a:effectRef>
+              <a:fontRef idx="minor">
+                <a:schemeClr val="tx1"/>
+              </a:fontRef>
+            </p:style>
+            <p:txBody>
+              <a:bodyPr rtlCol="0" anchor="ctr"/>
+              <a:lstStyle/>
+              <a:p>
+                <a:pPr algn="ctr"/>
+                <a:endParaRPr lang="zh-CN" altLang="en-US"/>
+              </a:p>
+            </p:txBody>
+          </p:sp>
+          <p:cxnSp>
+            <p:nvCxnSpPr>
+              <p:cNvPr id="78" name="直接连接符 77">
+                <a:extLst>
+                  <a:ext uri="{FF2B5EF4-FFF2-40B4-BE49-F238E27FC236}">
+                    <a16:creationId xmlns:a16="http://schemas.microsoft.com/office/drawing/2014/main" id="{A5BBA061-67FC-492D-9263-C0AA629E1E80}"/>
+                  </a:ext>
+                </a:extLst>
+              </p:cNvPr>
+              <p:cNvCxnSpPr>
+                <a:cxnSpLocks/>
+              </p:cNvCxnSpPr>
+              <p:nvPr/>
+            </p:nvCxnSpPr>
+            <p:spPr>
+              <a:xfrm flipH="1">
+                <a:off x="6453266" y="2485999"/>
+                <a:ext cx="1322" cy="252000"/>
+              </a:xfrm>
+              <a:prstGeom prst="line">
+                <a:avLst/>
+              </a:prstGeom>
+              <a:ln w="28575" cap="rnd">
+                <a:solidFill>
+                  <a:schemeClr val="tx1">
+                    <a:lumMod val="50000"/>
+                    <a:lumOff val="50000"/>
+                  </a:schemeClr>
+                </a:solidFill>
+                <a:round/>
+              </a:ln>
+            </p:spPr>
+            <p:style>
+              <a:lnRef idx="1">
+                <a:schemeClr val="accent1"/>
+              </a:lnRef>
+              <a:fillRef idx="0">
+                <a:schemeClr val="accent1"/>
+              </a:fillRef>
+              <a:effectRef idx="0">
+                <a:schemeClr val="accent1"/>
+              </a:effectRef>
+              <a:fontRef idx="minor">
+                <a:schemeClr val="tx1"/>
+              </a:fontRef>
+            </p:style>
+          </p:cxnSp>
+        </p:grpSp>
+        <p:cxnSp>
+          <p:nvCxnSpPr>
+            <p:cNvPr id="66" name="直接连接符 65">
+              <a:extLst>
+                <a:ext uri="{FF2B5EF4-FFF2-40B4-BE49-F238E27FC236}">
+                  <a16:creationId xmlns:a16="http://schemas.microsoft.com/office/drawing/2014/main" id="{5FC3B8A1-54E6-447B-AAE9-D272FD7FED6A}"/>
+                </a:ext>
+              </a:extLst>
+            </p:cNvPr>
+            <p:cNvCxnSpPr>
+              <a:cxnSpLocks/>
+            </p:cNvCxnSpPr>
+            <p:nvPr/>
+          </p:nvCxnSpPr>
+          <p:spPr>
+            <a:xfrm>
+              <a:off x="7912093" y="2750108"/>
+              <a:ext cx="0" cy="1073076"/>
+            </a:xfrm>
+            <a:prstGeom prst="line">
+              <a:avLst/>
+            </a:prstGeom>
+            <a:ln w="28575" cap="rnd">
+              <a:solidFill>
+                <a:schemeClr val="tx1"/>
+              </a:solidFill>
+              <a:round/>
+            </a:ln>
+          </p:spPr>
+          <p:style>
+            <a:lnRef idx="1">
+              <a:schemeClr val="accent1"/>
+            </a:lnRef>
+            <a:fillRef idx="0">
+              <a:schemeClr val="accent1"/>
+            </a:fillRef>
+            <a:effectRef idx="0">
+              <a:schemeClr val="accent1"/>
+            </a:effectRef>
+            <a:fontRef idx="minor">
+              <a:schemeClr val="tx1"/>
+            </a:fontRef>
+          </p:style>
+        </p:cxnSp>
+        <p:grpSp>
+          <p:nvGrpSpPr>
+            <p:cNvPr id="67" name="组合 66">
+              <a:extLst>
+                <a:ext uri="{FF2B5EF4-FFF2-40B4-BE49-F238E27FC236}">
+                  <a16:creationId xmlns:a16="http://schemas.microsoft.com/office/drawing/2014/main" id="{C75F163A-2D35-4B9A-8298-AC6072A68F84}"/>
+                </a:ext>
+              </a:extLst>
+            </p:cNvPr>
+            <p:cNvGrpSpPr/>
+            <p:nvPr/>
+          </p:nvGrpSpPr>
+          <p:grpSpPr>
+            <a:xfrm>
+              <a:off x="3387338" y="3051075"/>
+              <a:ext cx="792000" cy="792000"/>
+              <a:chOff x="5101774" y="2455056"/>
+              <a:chExt cx="792000" cy="792000"/>
+            </a:xfrm>
+          </p:grpSpPr>
+          <p:cxnSp>
+            <p:nvCxnSpPr>
+              <p:cNvPr id="73" name="直接连接符 72">
+                <a:extLst>
+                  <a:ext uri="{FF2B5EF4-FFF2-40B4-BE49-F238E27FC236}">
+                    <a16:creationId xmlns:a16="http://schemas.microsoft.com/office/drawing/2014/main" id="{3BBAD85D-F64A-47FD-B31B-CA7C9513FAC9}"/>
+                  </a:ext>
+                </a:extLst>
+              </p:cNvPr>
+              <p:cNvCxnSpPr/>
+              <p:nvPr/>
+            </p:nvCxnSpPr>
+            <p:spPr>
+              <a:xfrm>
+                <a:off x="5172391" y="2851056"/>
+                <a:ext cx="485402" cy="0"/>
+              </a:xfrm>
+              <a:prstGeom prst="line">
+                <a:avLst/>
+              </a:prstGeom>
+              <a:ln w="28575" cap="rnd">
+                <a:solidFill>
+                  <a:schemeClr val="tx1">
+                    <a:lumMod val="50000"/>
+                    <a:lumOff val="50000"/>
+                  </a:schemeClr>
+                </a:solidFill>
+                <a:round/>
+              </a:ln>
+            </p:spPr>
+            <p:style>
+              <a:lnRef idx="1">
+                <a:schemeClr val="accent1"/>
+              </a:lnRef>
+              <a:fillRef idx="0">
+                <a:schemeClr val="accent1"/>
+              </a:fillRef>
+              <a:effectRef idx="0">
+                <a:schemeClr val="accent1"/>
+              </a:effectRef>
+              <a:fontRef idx="minor">
+                <a:schemeClr val="tx1"/>
+              </a:fontRef>
+            </p:style>
+          </p:cxnSp>
+          <p:sp>
+            <p:nvSpPr>
+              <p:cNvPr id="74" name="弧形 73">
+                <a:extLst>
+                  <a:ext uri="{FF2B5EF4-FFF2-40B4-BE49-F238E27FC236}">
+                    <a16:creationId xmlns:a16="http://schemas.microsoft.com/office/drawing/2014/main" id="{A946D3B3-4E00-4FB6-8213-B37B143A8471}"/>
+                  </a:ext>
+                </a:extLst>
+              </p:cNvPr>
+              <p:cNvSpPr>
+                <a:spLocks noChangeAspect="1"/>
+              </p:cNvSpPr>
+              <p:nvPr/>
+            </p:nvSpPr>
+            <p:spPr>
+              <a:xfrm>
+                <a:off x="5101774" y="2455056"/>
+                <a:ext cx="792000" cy="792000"/>
+              </a:xfrm>
+              <a:prstGeom prst="arc">
+                <a:avLst>
+                  <a:gd name="adj1" fmla="val 3895352"/>
+                  <a:gd name="adj2" fmla="val 17604657"/>
+                </a:avLst>
+              </a:prstGeom>
+              <a:ln w="28575" cap="rnd">
+                <a:solidFill>
+                  <a:schemeClr val="tx1"/>
+                </a:solidFill>
+                <a:round/>
+              </a:ln>
+            </p:spPr>
+            <p:style>
+              <a:lnRef idx="1">
+                <a:schemeClr val="accent1"/>
+              </a:lnRef>
+              <a:fillRef idx="0">
+                <a:schemeClr val="accent1"/>
+              </a:fillRef>
+              <a:effectRef idx="0">
+                <a:schemeClr val="accent1"/>
+              </a:effectRef>
+              <a:fontRef idx="minor">
+                <a:schemeClr val="tx1"/>
+              </a:fontRef>
+            </p:style>
+            <p:txBody>
+              <a:bodyPr rtlCol="0" anchor="ctr"/>
+              <a:lstStyle/>
+              <a:p>
+                <a:pPr algn="ctr"/>
+                <a:endParaRPr lang="zh-CN" altLang="en-US"/>
+              </a:p>
+            </p:txBody>
+          </p:sp>
+        </p:grpSp>
+        <p:grpSp>
+          <p:nvGrpSpPr>
+            <p:cNvPr id="68" name="组合 67">
+              <a:extLst>
+                <a:ext uri="{FF2B5EF4-FFF2-40B4-BE49-F238E27FC236}">
+                  <a16:creationId xmlns:a16="http://schemas.microsoft.com/office/drawing/2014/main" id="{4472DB95-E46F-4777-9E05-9AB05EC07C7A}"/>
+                </a:ext>
+              </a:extLst>
+            </p:cNvPr>
+            <p:cNvGrpSpPr/>
+            <p:nvPr/>
+          </p:nvGrpSpPr>
+          <p:grpSpPr>
+            <a:xfrm>
+              <a:off x="8174149" y="2943000"/>
+              <a:ext cx="972000" cy="972000"/>
+              <a:chOff x="9835468" y="2491210"/>
+              <a:chExt cx="972000" cy="972000"/>
+            </a:xfrm>
+          </p:grpSpPr>
+          <p:sp>
+            <p:nvSpPr>
+              <p:cNvPr id="69" name="弧形 68">
+                <a:extLst>
+                  <a:ext uri="{FF2B5EF4-FFF2-40B4-BE49-F238E27FC236}">
+                    <a16:creationId xmlns:a16="http://schemas.microsoft.com/office/drawing/2014/main" id="{F920678A-6465-4C48-A9DC-CB560D53CCCD}"/>
+                  </a:ext>
+                </a:extLst>
+              </p:cNvPr>
+              <p:cNvSpPr/>
+              <p:nvPr/>
+            </p:nvSpPr>
+            <p:spPr>
+              <a:xfrm>
+                <a:off x="9985764" y="2645258"/>
+                <a:ext cx="663905" cy="663905"/>
+              </a:xfrm>
+              <a:prstGeom prst="arc">
+                <a:avLst>
+                  <a:gd name="adj1" fmla="val 21364427"/>
+                  <a:gd name="adj2" fmla="val 21272467"/>
+                </a:avLst>
+              </a:prstGeom>
+              <a:ln w="28575" cap="rnd">
+                <a:solidFill>
+                  <a:schemeClr val="tx1"/>
+                </a:solidFill>
+                <a:round/>
+              </a:ln>
+            </p:spPr>
+            <p:style>
+              <a:lnRef idx="1">
+                <a:schemeClr val="accent1"/>
+              </a:lnRef>
+              <a:fillRef idx="0">
+                <a:schemeClr val="accent1"/>
+              </a:fillRef>
+              <a:effectRef idx="0">
+                <a:schemeClr val="accent1"/>
+              </a:effectRef>
+              <a:fontRef idx="minor">
+                <a:schemeClr val="tx1"/>
+              </a:fontRef>
+            </p:style>
+            <p:txBody>
+              <a:bodyPr rtlCol="0" anchor="ctr"/>
+              <a:lstStyle/>
+              <a:p>
+                <a:pPr algn="ctr"/>
+                <a:endParaRPr lang="zh-CN" altLang="en-US"/>
+              </a:p>
+            </p:txBody>
+          </p:sp>
+          <p:sp>
+            <p:nvSpPr>
+              <p:cNvPr id="72" name="弧形 71">
+                <a:extLst>
+                  <a:ext uri="{FF2B5EF4-FFF2-40B4-BE49-F238E27FC236}">
+                    <a16:creationId xmlns:a16="http://schemas.microsoft.com/office/drawing/2014/main" id="{F0BD6CC4-D015-43F7-AB0B-D8026A39D74E}"/>
+                  </a:ext>
+                </a:extLst>
+              </p:cNvPr>
+              <p:cNvSpPr>
+                <a:spLocks noChangeAspect="1"/>
+              </p:cNvSpPr>
+              <p:nvPr/>
+            </p:nvSpPr>
+            <p:spPr>
+              <a:xfrm>
+                <a:off x="9835468" y="2491210"/>
+                <a:ext cx="972000" cy="972000"/>
+              </a:xfrm>
+              <a:prstGeom prst="arc">
+                <a:avLst>
+                  <a:gd name="adj1" fmla="val 15877922"/>
+                  <a:gd name="adj2" fmla="val 5881754"/>
+                </a:avLst>
+              </a:prstGeom>
+              <a:ln w="28575" cap="rnd">
+                <a:solidFill>
+                  <a:schemeClr val="tx1">
+                    <a:lumMod val="50000"/>
+                    <a:lumOff val="50000"/>
+                  </a:schemeClr>
+                </a:solidFill>
+                <a:round/>
+              </a:ln>
+            </p:spPr>
+            <p:style>
+              <a:lnRef idx="1">
+                <a:schemeClr val="accent1"/>
+              </a:lnRef>
+              <a:fillRef idx="0">
+                <a:schemeClr val="accent1"/>
+              </a:fillRef>
+              <a:effectRef idx="0">
+                <a:schemeClr val="accent1"/>
+              </a:effectRef>
+              <a:fontRef idx="minor">
+                <a:schemeClr val="tx1"/>
+              </a:fontRef>
+            </p:style>
+            <p:txBody>
+              <a:bodyPr rtlCol="0" anchor="ctr"/>
+              <a:lstStyle/>
+              <a:p>
+                <a:pPr algn="ctr"/>
+                <a:endParaRPr lang="zh-CN" altLang="en-US"/>
+              </a:p>
+            </p:txBody>
+          </p:sp>
+        </p:grpSp>
+      </p:grpSp>
+      <p:cxnSp>
+        <p:nvCxnSpPr>
+          <p:cNvPr id="53" name="直接连接符 52">
+            <a:extLst>
+              <a:ext uri="{FF2B5EF4-FFF2-40B4-BE49-F238E27FC236}">
+                <a16:creationId xmlns:a16="http://schemas.microsoft.com/office/drawing/2014/main" id="{A2B97D28-2C8F-4828-B17C-B8C43985C7A0}"/>
+              </a:ext>
+            </a:extLst>
+          </p:cNvPr>
+          <p:cNvCxnSpPr>
+            <a:cxnSpLocks/>
+          </p:cNvCxnSpPr>
+          <p:nvPr/>
+        </p:nvCxnSpPr>
+        <p:spPr>
+          <a:xfrm>
+            <a:off x="3517261" y="4368360"/>
+            <a:ext cx="526673" cy="0"/>
+          </a:xfrm>
+          <a:prstGeom prst="line">
+            <a:avLst/>
+          </a:prstGeom>
+          <a:ln w="76200" cap="rnd">
+            <a:solidFill>
+              <a:schemeClr val="tx1"/>
+            </a:solidFill>
+            <a:round/>
+          </a:ln>
+        </p:spPr>
+        <p:style>
+          <a:lnRef idx="1">
+            <a:schemeClr val="accent1"/>
+          </a:lnRef>
+          <a:fillRef idx="0">
+            <a:schemeClr val="accent1"/>
+          </a:fillRef>
+          <a:effectRef idx="0">
+            <a:schemeClr val="accent1"/>
+          </a:effectRef>
+          <a:fontRef idx="minor">
+            <a:schemeClr val="tx1"/>
+          </a:fontRef>
+        </p:style>
+      </p:cxnSp>
+      <p:cxnSp>
+        <p:nvCxnSpPr>
+          <p:cNvPr id="54" name="直接连接符 53">
+            <a:extLst>
+              <a:ext uri="{FF2B5EF4-FFF2-40B4-BE49-F238E27FC236}">
+                <a16:creationId xmlns:a16="http://schemas.microsoft.com/office/drawing/2014/main" id="{009E1BA1-1F16-42F6-87A4-8BBC7DC2A0EE}"/>
+              </a:ext>
+            </a:extLst>
+          </p:cNvPr>
+          <p:cNvCxnSpPr>
+            <a:cxnSpLocks/>
+          </p:cNvCxnSpPr>
+          <p:nvPr/>
+        </p:nvCxnSpPr>
+        <p:spPr>
+          <a:xfrm>
+            <a:off x="3517261" y="4771280"/>
+            <a:ext cx="526673" cy="0"/>
+          </a:xfrm>
+          <a:prstGeom prst="line">
+            <a:avLst/>
+          </a:prstGeom>
+          <a:ln w="76200" cap="rnd">
+            <a:solidFill>
+              <a:schemeClr val="tx1"/>
+            </a:solidFill>
+            <a:round/>
+          </a:ln>
+        </p:spPr>
+        <p:style>
+          <a:lnRef idx="1">
+            <a:schemeClr val="accent1"/>
+          </a:lnRef>
+          <a:fillRef idx="0">
+            <a:schemeClr val="accent1"/>
+          </a:fillRef>
+          <a:effectRef idx="0">
+            <a:schemeClr val="accent1"/>
+          </a:effectRef>
+          <a:fontRef idx="minor">
+            <a:schemeClr val="tx1"/>
+          </a:fontRef>
+        </p:style>
+      </p:cxnSp>
+      <p:cxnSp>
+        <p:nvCxnSpPr>
+          <p:cNvPr id="55" name="直接连接符 54">
+            <a:extLst>
+              <a:ext uri="{FF2B5EF4-FFF2-40B4-BE49-F238E27FC236}">
+                <a16:creationId xmlns:a16="http://schemas.microsoft.com/office/drawing/2014/main" id="{94B06C0E-1998-43B2-BDF5-DFA5D6EF1529}"/>
+              </a:ext>
+            </a:extLst>
+          </p:cNvPr>
+          <p:cNvCxnSpPr>
+            <a:cxnSpLocks/>
+          </p:cNvCxnSpPr>
+          <p:nvPr/>
+        </p:nvCxnSpPr>
+        <p:spPr>
+          <a:xfrm>
+            <a:off x="3516542" y="5178376"/>
+            <a:ext cx="526673" cy="0"/>
+          </a:xfrm>
+          <a:prstGeom prst="line">
+            <a:avLst/>
+          </a:prstGeom>
+          <a:ln w="76200" cap="rnd">
+            <a:solidFill>
+              <a:schemeClr val="tx1"/>
+            </a:solidFill>
+            <a:round/>
+          </a:ln>
+        </p:spPr>
+        <p:style>
+          <a:lnRef idx="1">
+            <a:schemeClr val="accent1"/>
+          </a:lnRef>
+          <a:fillRef idx="0">
+            <a:schemeClr val="accent1"/>
+          </a:fillRef>
+          <a:effectRef idx="0">
+            <a:schemeClr val="accent1"/>
+          </a:effectRef>
+          <a:fontRef idx="minor">
+            <a:schemeClr val="tx1"/>
+          </a:fontRef>
+        </p:style>
+      </p:cxnSp>
+      <p:cxnSp>
+        <p:nvCxnSpPr>
+          <p:cNvPr id="56" name="直接连接符 55">
+            <a:extLst>
+              <a:ext uri="{FF2B5EF4-FFF2-40B4-BE49-F238E27FC236}">
+                <a16:creationId xmlns:a16="http://schemas.microsoft.com/office/drawing/2014/main" id="{59C12463-FFC6-48CD-894B-B15F19DBAB3C}"/>
+              </a:ext>
+            </a:extLst>
+          </p:cNvPr>
+          <p:cNvCxnSpPr>
+            <a:cxnSpLocks/>
+          </p:cNvCxnSpPr>
+          <p:nvPr/>
+        </p:nvCxnSpPr>
+        <p:spPr>
+          <a:xfrm>
+            <a:off x="3516542" y="4368360"/>
+            <a:ext cx="0" cy="810016"/>
+          </a:xfrm>
+          <a:prstGeom prst="line">
+            <a:avLst/>
+          </a:prstGeom>
+          <a:ln w="76200" cap="rnd">
+            <a:solidFill>
+              <a:schemeClr val="tx1"/>
+            </a:solidFill>
+            <a:round/>
+          </a:ln>
+        </p:spPr>
+        <p:style>
+          <a:lnRef idx="1">
+            <a:schemeClr val="accent1"/>
+          </a:lnRef>
+          <a:fillRef idx="0">
+            <a:schemeClr val="accent1"/>
+          </a:fillRef>
+          <a:effectRef idx="0">
+            <a:schemeClr val="accent1"/>
+          </a:effectRef>
+          <a:fontRef idx="minor">
+            <a:schemeClr val="tx1"/>
+          </a:fontRef>
+        </p:style>
+      </p:cxnSp>
+      <p:cxnSp>
+        <p:nvCxnSpPr>
+          <p:cNvPr id="91" name="直接连接符 90">
+            <a:extLst>
+              <a:ext uri="{FF2B5EF4-FFF2-40B4-BE49-F238E27FC236}">
+                <a16:creationId xmlns:a16="http://schemas.microsoft.com/office/drawing/2014/main" id="{B5B81D85-6BB0-488A-AB6B-6C0367A9F8A8}"/>
+              </a:ext>
+            </a:extLst>
+          </p:cNvPr>
+          <p:cNvCxnSpPr>
+            <a:cxnSpLocks/>
+          </p:cNvCxnSpPr>
+          <p:nvPr/>
+        </p:nvCxnSpPr>
+        <p:spPr>
+          <a:xfrm>
+            <a:off x="4349277" y="4368360"/>
+            <a:ext cx="0" cy="810016"/>
+          </a:xfrm>
+          <a:prstGeom prst="line">
+            <a:avLst/>
+          </a:prstGeom>
+          <a:ln w="76200" cap="rnd">
+            <a:solidFill>
+              <a:schemeClr val="tx1"/>
+            </a:solidFill>
+            <a:round/>
+          </a:ln>
+        </p:spPr>
+        <p:style>
+          <a:lnRef idx="1">
+            <a:schemeClr val="accent1"/>
+          </a:lnRef>
+          <a:fillRef idx="0">
+            <a:schemeClr val="accent1"/>
+          </a:fillRef>
+          <a:effectRef idx="0">
+            <a:schemeClr val="accent1"/>
+          </a:effectRef>
+          <a:fontRef idx="minor">
+            <a:schemeClr val="tx1"/>
+          </a:fontRef>
+        </p:style>
+      </p:cxnSp>
+      <p:cxnSp>
+        <p:nvCxnSpPr>
+          <p:cNvPr id="92" name="直接连接符 91">
+            <a:extLst>
+              <a:ext uri="{FF2B5EF4-FFF2-40B4-BE49-F238E27FC236}">
+                <a16:creationId xmlns:a16="http://schemas.microsoft.com/office/drawing/2014/main" id="{DD6DDEAA-C9DB-4507-AE98-83D72E38D5BD}"/>
+              </a:ext>
+            </a:extLst>
+          </p:cNvPr>
+          <p:cNvCxnSpPr>
+            <a:cxnSpLocks/>
+          </p:cNvCxnSpPr>
+          <p:nvPr/>
+        </p:nvCxnSpPr>
+        <p:spPr>
+          <a:xfrm>
+            <a:off x="4349277" y="4368360"/>
+            <a:ext cx="376449" cy="353952"/>
+          </a:xfrm>
+          <a:prstGeom prst="line">
+            <a:avLst/>
+          </a:prstGeom>
+          <a:ln w="76200" cap="rnd">
+            <a:solidFill>
+              <a:schemeClr val="tx1"/>
+            </a:solidFill>
+            <a:round/>
+          </a:ln>
+        </p:spPr>
+        <p:style>
+          <a:lnRef idx="1">
+            <a:schemeClr val="accent1"/>
+          </a:lnRef>
+          <a:fillRef idx="0">
+            <a:schemeClr val="accent1"/>
+          </a:fillRef>
+          <a:effectRef idx="0">
+            <a:schemeClr val="accent1"/>
+          </a:effectRef>
+          <a:fontRef idx="minor">
+            <a:schemeClr val="tx1"/>
+          </a:fontRef>
+        </p:style>
+      </p:cxnSp>
+      <p:cxnSp>
+        <p:nvCxnSpPr>
+          <p:cNvPr id="93" name="直接连接符 92">
+            <a:extLst>
+              <a:ext uri="{FF2B5EF4-FFF2-40B4-BE49-F238E27FC236}">
+                <a16:creationId xmlns:a16="http://schemas.microsoft.com/office/drawing/2014/main" id="{5150981B-B011-466A-845E-15CFA94752E6}"/>
+              </a:ext>
+            </a:extLst>
+          </p:cNvPr>
+          <p:cNvCxnSpPr>
+            <a:cxnSpLocks/>
+          </p:cNvCxnSpPr>
+          <p:nvPr/>
+        </p:nvCxnSpPr>
+        <p:spPr>
+          <a:xfrm flipV="1">
+            <a:off x="4725726" y="4368360"/>
+            <a:ext cx="364674" cy="353952"/>
+          </a:xfrm>
+          <a:prstGeom prst="line">
+            <a:avLst/>
+          </a:prstGeom>
+          <a:ln w="76200" cap="rnd">
+            <a:solidFill>
+              <a:schemeClr val="tx1"/>
+            </a:solidFill>
+            <a:round/>
+          </a:ln>
+        </p:spPr>
+        <p:style>
+          <a:lnRef idx="1">
+            <a:schemeClr val="accent1"/>
+          </a:lnRef>
+          <a:fillRef idx="0">
+            <a:schemeClr val="accent1"/>
+          </a:fillRef>
+          <a:effectRef idx="0">
+            <a:schemeClr val="accent1"/>
+          </a:effectRef>
+          <a:fontRef idx="minor">
+            <a:schemeClr val="tx1"/>
+          </a:fontRef>
+        </p:style>
+      </p:cxnSp>
+      <p:cxnSp>
+        <p:nvCxnSpPr>
+          <p:cNvPr id="94" name="直接连接符 93">
+            <a:extLst>
+              <a:ext uri="{FF2B5EF4-FFF2-40B4-BE49-F238E27FC236}">
+                <a16:creationId xmlns:a16="http://schemas.microsoft.com/office/drawing/2014/main" id="{6F0B3CA6-D905-4646-9453-DD36C0F0BF84}"/>
+              </a:ext>
+            </a:extLst>
+          </p:cNvPr>
+          <p:cNvCxnSpPr>
+            <a:cxnSpLocks/>
+          </p:cNvCxnSpPr>
+          <p:nvPr/>
+        </p:nvCxnSpPr>
+        <p:spPr>
+          <a:xfrm>
+            <a:off x="5090400" y="4368360"/>
+            <a:ext cx="0" cy="810016"/>
+          </a:xfrm>
+          <a:prstGeom prst="line">
+            <a:avLst/>
+          </a:prstGeom>
+          <a:ln w="76200" cap="rnd">
+            <a:solidFill>
+              <a:schemeClr val="tx1"/>
+            </a:solidFill>
+            <a:round/>
+          </a:ln>
+        </p:spPr>
+        <p:style>
+          <a:lnRef idx="1">
+            <a:schemeClr val="accent1"/>
+          </a:lnRef>
+          <a:fillRef idx="0">
+            <a:schemeClr val="accent1"/>
+          </a:fillRef>
+          <a:effectRef idx="0">
+            <a:schemeClr val="accent1"/>
+          </a:effectRef>
+          <a:fontRef idx="minor">
+            <a:schemeClr val="tx1"/>
+          </a:fontRef>
+        </p:style>
+      </p:cxnSp>
+      <p:cxnSp>
+        <p:nvCxnSpPr>
+          <p:cNvPr id="95" name="直接连接符 94">
+            <a:extLst>
+              <a:ext uri="{FF2B5EF4-FFF2-40B4-BE49-F238E27FC236}">
+                <a16:creationId xmlns:a16="http://schemas.microsoft.com/office/drawing/2014/main" id="{11A292C7-5EBA-495E-9CBA-39756E11D86E}"/>
+              </a:ext>
+            </a:extLst>
+          </p:cNvPr>
+          <p:cNvCxnSpPr>
+            <a:cxnSpLocks/>
+          </p:cNvCxnSpPr>
+          <p:nvPr/>
+        </p:nvCxnSpPr>
+        <p:spPr>
+          <a:xfrm>
+            <a:off x="5459918" y="4366272"/>
+            <a:ext cx="0" cy="810016"/>
+          </a:xfrm>
+          <a:prstGeom prst="line">
+            <a:avLst/>
+          </a:prstGeom>
+          <a:ln w="76200" cap="rnd">
+            <a:solidFill>
+              <a:schemeClr val="tx1"/>
+            </a:solidFill>
+            <a:round/>
+          </a:ln>
+        </p:spPr>
+        <p:style>
+          <a:lnRef idx="1">
+            <a:schemeClr val="accent1"/>
+          </a:lnRef>
+          <a:fillRef idx="0">
+            <a:schemeClr val="accent1"/>
+          </a:fillRef>
+          <a:effectRef idx="0">
+            <a:schemeClr val="accent1"/>
+          </a:effectRef>
+          <a:fontRef idx="minor">
+            <a:schemeClr val="tx1"/>
+          </a:fontRef>
+        </p:style>
+      </p:cxnSp>
+      <p:cxnSp>
+        <p:nvCxnSpPr>
+          <p:cNvPr id="96" name="直接连接符 95">
+            <a:extLst>
+              <a:ext uri="{FF2B5EF4-FFF2-40B4-BE49-F238E27FC236}">
+                <a16:creationId xmlns:a16="http://schemas.microsoft.com/office/drawing/2014/main" id="{C9280CEF-CD78-4815-B70D-09B0CE46B92E}"/>
+              </a:ext>
+            </a:extLst>
+          </p:cNvPr>
+          <p:cNvCxnSpPr>
+            <a:cxnSpLocks/>
+          </p:cNvCxnSpPr>
+          <p:nvPr/>
+        </p:nvCxnSpPr>
+        <p:spPr>
+          <a:xfrm>
+            <a:off x="5517715" y="4771280"/>
+            <a:ext cx="469594" cy="405008"/>
+          </a:xfrm>
+          <a:prstGeom prst="line">
+            <a:avLst/>
+          </a:prstGeom>
+          <a:ln w="76200" cap="rnd">
+            <a:solidFill>
+              <a:schemeClr val="tx1"/>
+            </a:solidFill>
+            <a:round/>
+          </a:ln>
+        </p:spPr>
+        <p:style>
+          <a:lnRef idx="1">
+            <a:schemeClr val="accent1"/>
+          </a:lnRef>
+          <a:fillRef idx="0">
+            <a:schemeClr val="accent1"/>
+          </a:fillRef>
+          <a:effectRef idx="0">
+            <a:schemeClr val="accent1"/>
+          </a:effectRef>
+          <a:fontRef idx="minor">
+            <a:schemeClr val="tx1"/>
+          </a:fontRef>
+        </p:style>
+      </p:cxnSp>
+      <p:cxnSp>
+        <p:nvCxnSpPr>
+          <p:cNvPr id="97" name="直接连接符 96">
+            <a:extLst>
+              <a:ext uri="{FF2B5EF4-FFF2-40B4-BE49-F238E27FC236}">
+                <a16:creationId xmlns:a16="http://schemas.microsoft.com/office/drawing/2014/main" id="{D98456B8-D86A-4121-B2FC-2B8BEEC0B01D}"/>
+              </a:ext>
+            </a:extLst>
+          </p:cNvPr>
+          <p:cNvCxnSpPr>
+            <a:cxnSpLocks/>
+          </p:cNvCxnSpPr>
+          <p:nvPr/>
+        </p:nvCxnSpPr>
+        <p:spPr>
+          <a:xfrm flipV="1">
+            <a:off x="5517715" y="4366272"/>
+            <a:ext cx="469594" cy="405008"/>
+          </a:xfrm>
+          <a:prstGeom prst="line">
+            <a:avLst/>
+          </a:prstGeom>
+          <a:ln w="76200" cap="rnd">
+            <a:solidFill>
+              <a:schemeClr val="tx1"/>
+            </a:solidFill>
+            <a:round/>
+          </a:ln>
+        </p:spPr>
+        <p:style>
+          <a:lnRef idx="1">
+            <a:schemeClr val="accent1"/>
+          </a:lnRef>
+          <a:fillRef idx="0">
+            <a:schemeClr val="accent1"/>
+          </a:fillRef>
+          <a:effectRef idx="0">
+            <a:schemeClr val="accent1"/>
+          </a:effectRef>
+          <a:fontRef idx="minor">
+            <a:schemeClr val="tx1"/>
+          </a:fontRef>
+        </p:style>
+      </p:cxnSp>
+      <p:cxnSp>
+        <p:nvCxnSpPr>
+          <p:cNvPr id="98" name="直接连接符 97">
+            <a:extLst>
+              <a:ext uri="{FF2B5EF4-FFF2-40B4-BE49-F238E27FC236}">
+                <a16:creationId xmlns:a16="http://schemas.microsoft.com/office/drawing/2014/main" id="{BA24BB0A-E51A-4EE8-9800-B015A2256099}"/>
+              </a:ext>
+            </a:extLst>
+          </p:cNvPr>
+          <p:cNvCxnSpPr>
+            <a:cxnSpLocks/>
+          </p:cNvCxnSpPr>
+          <p:nvPr/>
+        </p:nvCxnSpPr>
+        <p:spPr>
+          <a:xfrm>
+            <a:off x="5459919" y="4366272"/>
+            <a:ext cx="527390" cy="0"/>
+          </a:xfrm>
+          <a:prstGeom prst="line">
+            <a:avLst/>
+          </a:prstGeom>
+          <a:ln w="76200" cap="rnd">
+            <a:solidFill>
+              <a:schemeClr val="tx1"/>
+            </a:solidFill>
+            <a:round/>
+          </a:ln>
+        </p:spPr>
+        <p:style>
+          <a:lnRef idx="1">
+            <a:schemeClr val="accent1"/>
+          </a:lnRef>
+          <a:fillRef idx="0">
+            <a:schemeClr val="accent1"/>
+          </a:fillRef>
+          <a:effectRef idx="0">
+            <a:schemeClr val="accent1"/>
+          </a:effectRef>
+          <a:fontRef idx="minor">
+            <a:schemeClr val="tx1"/>
+          </a:fontRef>
+        </p:style>
+      </p:cxnSp>
+    </p:spTree>
+    <p:extLst>
+      <p:ext uri="{BB962C8B-B14F-4D97-AF65-F5344CB8AC3E}">
+        <p14:creationId xmlns:p14="http://schemas.microsoft.com/office/powerpoint/2010/main" val="2245897195"/>
+      </p:ext>
+    </p:extLst>
+  </p:cSld>
+  <p:clrMapOvr>
+    <a:masterClrMapping/>
+  </p:clrMapOvr>
+</p:sld>
+</file>
+
+<file path=ppt/slides/slide11.xml><?xml version="1.0" encoding="utf-8"?>
 <p:sld xmlns:a="http://schemas.openxmlformats.org/drawingml/2006/main" xmlns:r="http://schemas.openxmlformats.org/officeDocument/2006/relationships" xmlns:p="http://schemas.openxmlformats.org/presentationml/2006/main">
   <p:cSld>
     <p:bg>
@@ -14082,6 +16513,449 @@
       </p:grpSpPr>
       <p:sp>
         <p:nvSpPr>
+          <p:cNvPr id="5" name="矩形: 圆角 4">
+            <a:extLst>
+              <a:ext uri="{FF2B5EF4-FFF2-40B4-BE49-F238E27FC236}">
+                <a16:creationId xmlns:a16="http://schemas.microsoft.com/office/drawing/2014/main" id="{F729E905-52FB-4EED-BD25-9B1FD9AAC2E3}"/>
+              </a:ext>
+            </a:extLst>
+          </p:cNvPr>
+          <p:cNvSpPr/>
+          <p:nvPr/>
+        </p:nvSpPr>
+        <p:spPr>
+          <a:xfrm>
+            <a:off x="2394571" y="1578917"/>
+            <a:ext cx="7402858" cy="3700166"/>
+          </a:xfrm>
+          <a:prstGeom prst="roundRect">
+            <a:avLst>
+              <a:gd name="adj" fmla="val 8534"/>
+            </a:avLst>
+          </a:prstGeom>
+          <a:gradFill>
+            <a:gsLst>
+              <a:gs pos="100000">
+                <a:srgbClr val="36363A"/>
+              </a:gs>
+              <a:gs pos="0">
+                <a:srgbClr val="4B4B58"/>
+              </a:gs>
+            </a:gsLst>
+            <a:path path="circle">
+              <a:fillToRect l="100000" b="100000"/>
+            </a:path>
+          </a:gradFill>
+          <a:ln>
+            <a:noFill/>
+          </a:ln>
+          <a:effectLst>
+            <a:outerShdw blurRad="203200" dist="38100" dir="5400000" algn="t" rotWithShape="0">
+              <a:prstClr val="black">
+                <a:alpha val="40000"/>
+              </a:prstClr>
+            </a:outerShdw>
+          </a:effectLst>
+        </p:spPr>
+        <p:style>
+          <a:lnRef idx="2">
+            <a:schemeClr val="accent1">
+              <a:shade val="50000"/>
+            </a:schemeClr>
+          </a:lnRef>
+          <a:fillRef idx="1">
+            <a:schemeClr val="accent1"/>
+          </a:fillRef>
+          <a:effectRef idx="0">
+            <a:schemeClr val="accent1"/>
+          </a:effectRef>
+          <a:fontRef idx="minor">
+            <a:schemeClr val="lt1"/>
+          </a:fontRef>
+        </p:style>
+        <p:txBody>
+          <a:bodyPr rtlCol="0" anchor="ctr"/>
+          <a:lstStyle/>
+          <a:p>
+            <a:pPr algn="ctr"/>
+            <a:endParaRPr lang="zh-CN" altLang="en-US"/>
+          </a:p>
+        </p:txBody>
+      </p:sp>
+      <p:pic>
+        <p:nvPicPr>
+          <p:cNvPr id="7" name="图片 6" descr="图片包含 游戏机&#10;&#10;描述已自动生成">
+            <a:extLst>
+              <a:ext uri="{FF2B5EF4-FFF2-40B4-BE49-F238E27FC236}">
+                <a16:creationId xmlns:a16="http://schemas.microsoft.com/office/drawing/2014/main" id="{1152CD02-5A9D-4197-8FD3-7B185E98AA29}"/>
+              </a:ext>
+            </a:extLst>
+          </p:cNvPr>
+          <p:cNvPicPr>
+            <a:picLocks noChangeAspect="1"/>
+          </p:cNvPicPr>
+          <p:nvPr/>
+        </p:nvPicPr>
+        <p:blipFill>
+          <a:blip r:embed="rId2">
+            <a:alphaModFix/>
+            <a:extLst>
+              <a:ext uri="{BEBA8EAE-BF5A-486C-A8C5-ECC9F3942E4B}">
+                <a14:imgProps xmlns:a14="http://schemas.microsoft.com/office/drawing/2010/main">
+                  <a14:imgLayer r:embed="rId3">
+                    <a14:imgEffect>
+                      <a14:brightnessContrast bright="100000"/>
+                    </a14:imgEffect>
+                  </a14:imgLayer>
+                </a14:imgProps>
+              </a:ext>
+              <a:ext uri="{28A0092B-C50C-407E-A947-70E740481C1C}">
+                <a14:useLocalDpi xmlns:a14="http://schemas.microsoft.com/office/drawing/2010/main" val="0"/>
+              </a:ext>
+            </a:extLst>
+          </a:blip>
+          <a:stretch>
+            <a:fillRect/>
+          </a:stretch>
+        </p:blipFill>
+        <p:spPr>
+          <a:xfrm>
+            <a:off x="3438958" y="2481435"/>
+            <a:ext cx="1685381" cy="1685381"/>
+          </a:xfrm>
+          <a:prstGeom prst="rect">
+            <a:avLst/>
+          </a:prstGeom>
+        </p:spPr>
+      </p:pic>
+      <p:pic>
+        <p:nvPicPr>
+          <p:cNvPr id="9" name="图片 8" descr="图片包含 游戏机&#10;&#10;描述已自动生成">
+            <a:extLst>
+              <a:ext uri="{FF2B5EF4-FFF2-40B4-BE49-F238E27FC236}">
+                <a16:creationId xmlns:a16="http://schemas.microsoft.com/office/drawing/2014/main" id="{D6FEC528-361A-479A-8B94-A2B9CA85E014}"/>
+              </a:ext>
+            </a:extLst>
+          </p:cNvPr>
+          <p:cNvPicPr>
+            <a:picLocks noChangeAspect="1"/>
+          </p:cNvPicPr>
+          <p:nvPr/>
+        </p:nvPicPr>
+        <p:blipFill>
+          <a:blip r:embed="rId2">
+            <a:alphaModFix amt="50000"/>
+            <a:extLst>
+              <a:ext uri="{BEBA8EAE-BF5A-486C-A8C5-ECC9F3942E4B}">
+                <a14:imgProps xmlns:a14="http://schemas.microsoft.com/office/drawing/2010/main">
+                  <a14:imgLayer r:embed="rId3">
+                    <a14:imgEffect>
+                      <a14:brightnessContrast bright="100000"/>
+                    </a14:imgEffect>
+                  </a14:imgLayer>
+                </a14:imgProps>
+              </a:ext>
+              <a:ext uri="{28A0092B-C50C-407E-A947-70E740481C1C}">
+                <a14:useLocalDpi xmlns:a14="http://schemas.microsoft.com/office/drawing/2010/main" val="0"/>
+              </a:ext>
+            </a:extLst>
+          </a:blip>
+          <a:stretch>
+            <a:fillRect/>
+          </a:stretch>
+        </p:blipFill>
+        <p:spPr>
+          <a:xfrm>
+            <a:off x="3024838" y="2495885"/>
+            <a:ext cx="828240" cy="828240"/>
+          </a:xfrm>
+          <a:prstGeom prst="rect">
+            <a:avLst/>
+          </a:prstGeom>
+        </p:spPr>
+      </p:pic>
+      <p:pic>
+        <p:nvPicPr>
+          <p:cNvPr id="11" name="图片 10" descr="图片包含 游戏机&#10;&#10;描述已自动生成">
+            <a:extLst>
+              <a:ext uri="{FF2B5EF4-FFF2-40B4-BE49-F238E27FC236}">
+                <a16:creationId xmlns:a16="http://schemas.microsoft.com/office/drawing/2014/main" id="{BF6F87A1-FC18-4DE9-B710-8B9F5409E955}"/>
+              </a:ext>
+            </a:extLst>
+          </p:cNvPr>
+          <p:cNvPicPr>
+            <a:picLocks noChangeAspect="1"/>
+          </p:cNvPicPr>
+          <p:nvPr/>
+        </p:nvPicPr>
+        <p:blipFill>
+          <a:blip r:embed="rId2">
+            <a:alphaModFix amt="35000"/>
+            <a:extLst>
+              <a:ext uri="{BEBA8EAE-BF5A-486C-A8C5-ECC9F3942E4B}">
+                <a14:imgProps xmlns:a14="http://schemas.microsoft.com/office/drawing/2010/main">
+                  <a14:imgLayer r:embed="rId3">
+                    <a14:imgEffect>
+                      <a14:brightnessContrast bright="100000"/>
+                    </a14:imgEffect>
+                  </a14:imgLayer>
+                </a14:imgProps>
+              </a:ext>
+              <a:ext uri="{28A0092B-C50C-407E-A947-70E740481C1C}">
+                <a14:useLocalDpi xmlns:a14="http://schemas.microsoft.com/office/drawing/2010/main" val="0"/>
+              </a:ext>
+            </a:extLst>
+          </a:blip>
+          <a:stretch>
+            <a:fillRect/>
+          </a:stretch>
+        </p:blipFill>
+        <p:spPr>
+          <a:xfrm>
+            <a:off x="4074588" y="2420651"/>
+            <a:ext cx="828240" cy="828240"/>
+          </a:xfrm>
+          <a:prstGeom prst="rect">
+            <a:avLst/>
+          </a:prstGeom>
+        </p:spPr>
+      </p:pic>
+      <p:pic>
+        <p:nvPicPr>
+          <p:cNvPr id="13" name="图片 12" descr="图片包含 游戏机&#10;&#10;描述已自动生成">
+            <a:extLst>
+              <a:ext uri="{FF2B5EF4-FFF2-40B4-BE49-F238E27FC236}">
+                <a16:creationId xmlns:a16="http://schemas.microsoft.com/office/drawing/2014/main" id="{C69A4F5C-1BF3-491C-A32F-470F8677B3E7}"/>
+              </a:ext>
+            </a:extLst>
+          </p:cNvPr>
+          <p:cNvPicPr>
+            <a:picLocks noChangeAspect="1"/>
+          </p:cNvPicPr>
+          <p:nvPr/>
+        </p:nvPicPr>
+        <p:blipFill>
+          <a:blip r:embed="rId2">
+            <a:alphaModFix amt="20000"/>
+            <a:extLst>
+              <a:ext uri="{BEBA8EAE-BF5A-486C-A8C5-ECC9F3942E4B}">
+                <a14:imgProps xmlns:a14="http://schemas.microsoft.com/office/drawing/2010/main">
+                  <a14:imgLayer r:embed="rId3">
+                    <a14:imgEffect>
+                      <a14:brightnessContrast bright="100000"/>
+                    </a14:imgEffect>
+                  </a14:imgLayer>
+                </a14:imgProps>
+              </a:ext>
+              <a:ext uri="{28A0092B-C50C-407E-A947-70E740481C1C}">
+                <a14:useLocalDpi xmlns:a14="http://schemas.microsoft.com/office/drawing/2010/main" val="0"/>
+              </a:ext>
+            </a:extLst>
+          </a:blip>
+          <a:stretch>
+            <a:fillRect/>
+          </a:stretch>
+        </p:blipFill>
+        <p:spPr>
+          <a:xfrm>
+            <a:off x="3709658" y="3981038"/>
+            <a:ext cx="729859" cy="729859"/>
+          </a:xfrm>
+          <a:prstGeom prst="rect">
+            <a:avLst/>
+          </a:prstGeom>
+        </p:spPr>
+      </p:pic>
+      <p:sp>
+        <p:nvSpPr>
+          <p:cNvPr id="15" name="文本框 14">
+            <a:extLst>
+              <a:ext uri="{FF2B5EF4-FFF2-40B4-BE49-F238E27FC236}">
+                <a16:creationId xmlns:a16="http://schemas.microsoft.com/office/drawing/2014/main" id="{67587570-D887-4047-98F3-1DBD4818D182}"/>
+              </a:ext>
+            </a:extLst>
+          </p:cNvPr>
+          <p:cNvSpPr txBox="1"/>
+          <p:nvPr/>
+        </p:nvSpPr>
+        <p:spPr>
+          <a:xfrm>
+            <a:off x="5904356" y="2294784"/>
+            <a:ext cx="3334567" cy="954107"/>
+          </a:xfrm>
+          <a:prstGeom prst="rect">
+            <a:avLst/>
+          </a:prstGeom>
+          <a:noFill/>
+        </p:spPr>
+        <p:txBody>
+          <a:bodyPr wrap="none" rtlCol="0">
+            <a:spAutoFit/>
+          </a:bodyPr>
+          <a:lstStyle/>
+          <a:p>
+            <a:r>
+              <a:rPr lang="en-US" altLang="zh-CN" sz="2800" b="1">
+                <a:solidFill>
+                  <a:schemeClr val="bg1"/>
+                </a:solidFill>
+                <a:effectLst>
+                  <a:outerShdw blurRad="38100" dist="38100" dir="2700000" algn="tl">
+                    <a:srgbClr val="000000">
+                      <a:alpha val="43137"/>
+                    </a:srgbClr>
+                  </a:outerShdw>
+                </a:effectLst>
+                <a:latin typeface="微软雅黑" panose="020B0503020204020204" pitchFamily="34" charset="-122"/>
+                <a:ea typeface="微软雅黑" panose="020B0503020204020204" pitchFamily="34" charset="-122"/>
+              </a:rPr>
+              <a:t>Emerald </a:t>
+            </a:r>
+            <a:r>
+              <a:rPr lang="en-US" altLang="zh-CN" sz="2800" b="1">
+                <a:solidFill>
+                  <a:srgbClr val="7BE5DD"/>
+                </a:solidFill>
+                <a:effectLst>
+                  <a:outerShdw blurRad="38100" dist="38100" dir="2700000" algn="tl">
+                    <a:srgbClr val="000000">
+                      <a:alpha val="43137"/>
+                    </a:srgbClr>
+                  </a:outerShdw>
+                </a:effectLst>
+                <a:latin typeface="微软雅黑" panose="020B0503020204020204" pitchFamily="34" charset="-122"/>
+                <a:ea typeface="微软雅黑" panose="020B0503020204020204" pitchFamily="34" charset="-122"/>
+              </a:rPr>
+              <a:t>Cleaning</a:t>
+            </a:r>
+          </a:p>
+          <a:p>
+            <a:pPr algn="r"/>
+            <a:r>
+              <a:rPr lang="en-US" altLang="zh-CN" sz="2800">
+                <a:solidFill>
+                  <a:schemeClr val="bg1"/>
+                </a:solidFill>
+                <a:latin typeface="微软雅黑" panose="020B0503020204020204" pitchFamily="34" charset="-122"/>
+                <a:ea typeface="微软雅黑" panose="020B0503020204020204" pitchFamily="34" charset="-122"/>
+              </a:rPr>
+              <a:t>Project</a:t>
+            </a:r>
+            <a:endParaRPr lang="zh-CN" altLang="en-US" sz="2800">
+              <a:solidFill>
+                <a:schemeClr val="bg1"/>
+              </a:solidFill>
+              <a:latin typeface="微软雅黑" panose="020B0503020204020204" pitchFamily="34" charset="-122"/>
+              <a:ea typeface="微软雅黑" panose="020B0503020204020204" pitchFamily="34" charset="-122"/>
+            </a:endParaRPr>
+          </a:p>
+        </p:txBody>
+      </p:sp>
+      <p:sp>
+        <p:nvSpPr>
+          <p:cNvPr id="17" name="文本框 16">
+            <a:extLst>
+              <a:ext uri="{FF2B5EF4-FFF2-40B4-BE49-F238E27FC236}">
+                <a16:creationId xmlns:a16="http://schemas.microsoft.com/office/drawing/2014/main" id="{7FB856C6-D3D7-477C-8F7E-B5448545BC85}"/>
+              </a:ext>
+            </a:extLst>
+          </p:cNvPr>
+          <p:cNvSpPr txBox="1"/>
+          <p:nvPr/>
+        </p:nvSpPr>
+        <p:spPr>
+          <a:xfrm>
+            <a:off x="5813271" y="3902085"/>
+            <a:ext cx="3516735" cy="707886"/>
+          </a:xfrm>
+          <a:prstGeom prst="rect">
+            <a:avLst/>
+          </a:prstGeom>
+          <a:noFill/>
+        </p:spPr>
+        <p:txBody>
+          <a:bodyPr wrap="square" rtlCol="0">
+            <a:spAutoFit/>
+          </a:bodyPr>
+          <a:lstStyle/>
+          <a:p>
+            <a:pPr algn="r"/>
+            <a:r>
+              <a:rPr lang="en-US" altLang="zh-CN" sz="2000" b="1">
+                <a:solidFill>
+                  <a:schemeClr val="bg1"/>
+                </a:solidFill>
+                <a:effectLst>
+                  <a:outerShdw blurRad="38100" dist="38100" dir="2700000" algn="tl">
+                    <a:srgbClr val="000000">
+                      <a:alpha val="43137"/>
+                    </a:srgbClr>
+                  </a:outerShdw>
+                </a:effectLst>
+                <a:latin typeface="微软雅黑" panose="020B0503020204020204" pitchFamily="34" charset="-122"/>
+                <a:ea typeface="微软雅黑" panose="020B0503020204020204" pitchFamily="34" charset="-122"/>
+              </a:rPr>
+              <a:t>2.17-2.20 </a:t>
+            </a:r>
+            <a:r>
+              <a:rPr lang="zh-CN" altLang="en-US" sz="2000" b="1">
+                <a:solidFill>
+                  <a:schemeClr val="bg1"/>
+                </a:solidFill>
+                <a:effectLst>
+                  <a:outerShdw blurRad="38100" dist="38100" dir="2700000" algn="tl">
+                    <a:srgbClr val="000000">
+                      <a:alpha val="43137"/>
+                    </a:srgbClr>
+                  </a:outerShdw>
+                </a:effectLst>
+                <a:latin typeface="微软雅黑" panose="020B0503020204020204" pitchFamily="34" charset="-122"/>
+                <a:ea typeface="微软雅黑" panose="020B0503020204020204" pitchFamily="34" charset="-122"/>
+              </a:rPr>
+              <a:t>尽力铲除所有不良  体验和无用功能</a:t>
+            </a:r>
+            <a:endParaRPr lang="zh-CN" altLang="en-US" sz="2000">
+              <a:solidFill>
+                <a:schemeClr val="bg1"/>
+              </a:solidFill>
+              <a:latin typeface="微软雅黑" panose="020B0503020204020204" pitchFamily="34" charset="-122"/>
+              <a:ea typeface="微软雅黑" panose="020B0503020204020204" pitchFamily="34" charset="-122"/>
+            </a:endParaRPr>
+          </a:p>
+        </p:txBody>
+      </p:sp>
+    </p:spTree>
+    <p:extLst>
+      <p:ext uri="{BB962C8B-B14F-4D97-AF65-F5344CB8AC3E}">
+        <p14:creationId xmlns:p14="http://schemas.microsoft.com/office/powerpoint/2010/main" val="2059414502"/>
+      </p:ext>
+    </p:extLst>
+  </p:cSld>
+  <p:clrMapOvr>
+    <a:masterClrMapping/>
+  </p:clrMapOvr>
+</p:sld>
+</file>
+
+<file path=ppt/slides/slide4.xml><?xml version="1.0" encoding="utf-8"?>
+<p:sld xmlns:a="http://schemas.openxmlformats.org/drawingml/2006/main" xmlns:r="http://schemas.openxmlformats.org/officeDocument/2006/relationships" xmlns:p="http://schemas.openxmlformats.org/presentationml/2006/main">
+  <p:cSld>
+    <p:spTree>
+      <p:nvGrpSpPr>
+        <p:cNvPr id="1" name=""/>
+        <p:cNvGrpSpPr/>
+        <p:nvPr/>
+      </p:nvGrpSpPr>
+      <p:grpSpPr>
+        <a:xfrm>
+          <a:off x="0" y="0"/>
+          <a:ext cx="0" cy="0"/>
+          <a:chOff x="0" y="0"/>
+          <a:chExt cx="0" cy="0"/>
+        </a:xfrm>
+      </p:grpSpPr>
+      <p:sp>
+        <p:nvSpPr>
           <p:cNvPr id="40" name="等腰三角形 39">
             <a:extLst>
               <a:ext uri="{FF2B5EF4-FFF2-40B4-BE49-F238E27FC236}">
@@ -15891,7 +18765,7 @@
 </p:sld>
 </file>
 
-<file path=ppt/slides/slide4.xml><?xml version="1.0" encoding="utf-8"?>
+<file path=ppt/slides/slide5.xml><?xml version="1.0" encoding="utf-8"?>
 <p:sld xmlns:a="http://schemas.openxmlformats.org/drawingml/2006/main" xmlns:r="http://schemas.openxmlformats.org/officeDocument/2006/relationships" xmlns:p="http://schemas.openxmlformats.org/presentationml/2006/main">
   <p:cSld>
     <p:bg>
@@ -21121,7 +23995,7 @@
 </p:sld>
 </file>
 
-<file path=ppt/slides/slide5.xml><?xml version="1.0" encoding="utf-8"?>
+<file path=ppt/slides/slide6.xml><?xml version="1.0" encoding="utf-8"?>
 <p:sld xmlns:a="http://schemas.openxmlformats.org/drawingml/2006/main" xmlns:r="http://schemas.openxmlformats.org/officeDocument/2006/relationships" xmlns:p="http://schemas.openxmlformats.org/presentationml/2006/main">
   <p:cSld>
     <p:spTree>
@@ -24385,7 +27259,7 @@
 </p:sld>
 </file>
 
-<file path=ppt/slides/slide6.xml><?xml version="1.0" encoding="utf-8"?>
+<file path=ppt/slides/slide7.xml><?xml version="1.0" encoding="utf-8"?>
 <p:sld xmlns:a="http://schemas.openxmlformats.org/drawingml/2006/main" xmlns:r="http://schemas.openxmlformats.org/officeDocument/2006/relationships" xmlns:p="http://schemas.openxmlformats.org/presentationml/2006/main">
   <p:cSld>
     <p:bg>
@@ -27255,7 +30129,7 @@
 </p:sld>
 </file>
 
-<file path=ppt/slides/slide7.xml><?xml version="1.0" encoding="utf-8"?>
+<file path=ppt/slides/slide8.xml><?xml version="1.0" encoding="utf-8"?>
 <p:sld xmlns:a="http://schemas.openxmlformats.org/drawingml/2006/main" xmlns:r="http://schemas.openxmlformats.org/officeDocument/2006/relationships" xmlns:p="http://schemas.openxmlformats.org/presentationml/2006/main">
   <p:cSld>
     <p:bg>
@@ -28833,7 +31707,7 @@
           </a:xfrm>
           <a:prstGeom prst="roundRect">
             <a:avLst>
-              <a:gd name="adj" fmla="val 6254"/>
+              <a:gd name="adj" fmla="val 0"/>
             </a:avLst>
           </a:prstGeom>
           <a:solidFill>
@@ -28877,7 +31751,7 @@
       </p:sp>
       <p:sp>
         <p:nvSpPr>
-          <p:cNvPr id="80" name="椭圆 79">
+          <p:cNvPr id="80" name="矩形 79">
             <a:extLst>
               <a:ext uri="{FF2B5EF4-FFF2-40B4-BE49-F238E27FC236}">
                 <a16:creationId xmlns:a16="http://schemas.microsoft.com/office/drawing/2014/main" id="{76D007B8-0468-47E9-A3F5-3DA5E227EDE8}"/>
@@ -28894,7 +31768,7 @@
             <a:off x="6189386" y="1816757"/>
             <a:ext cx="720615" cy="720000"/>
           </a:xfrm>
-          <a:prstGeom prst="ellipse">
+          <a:prstGeom prst="rect">
             <a:avLst/>
           </a:prstGeom>
           <a:blipFill dpi="0" rotWithShape="1">
@@ -28950,1908 +31824,6 @@
     <p:extLst>
       <p:ext uri="{BB962C8B-B14F-4D97-AF65-F5344CB8AC3E}">
         <p14:creationId xmlns:p14="http://schemas.microsoft.com/office/powerpoint/2010/main" val="321072506"/>
-      </p:ext>
-    </p:extLst>
-  </p:cSld>
-  <p:clrMapOvr>
-    <a:masterClrMapping/>
-  </p:clrMapOvr>
-</p:sld>
-</file>
-
-<file path=ppt/slides/slide8.xml><?xml version="1.0" encoding="utf-8"?>
-<p:sld xmlns:a="http://schemas.openxmlformats.org/drawingml/2006/main" xmlns:r="http://schemas.openxmlformats.org/officeDocument/2006/relationships" xmlns:p="http://schemas.openxmlformats.org/presentationml/2006/main">
-  <p:cSld>
-    <p:spTree>
-      <p:nvGrpSpPr>
-        <p:cNvPr id="1" name=""/>
-        <p:cNvGrpSpPr/>
-        <p:nvPr/>
-      </p:nvGrpSpPr>
-      <p:grpSpPr>
-        <a:xfrm>
-          <a:off x="0" y="0"/>
-          <a:ext cx="0" cy="0"/>
-          <a:chOff x="0" y="0"/>
-          <a:chExt cx="0" cy="0"/>
-        </a:xfrm>
-      </p:grpSpPr>
-      <p:sp>
-        <p:nvSpPr>
-          <p:cNvPr id="23" name="矩形: 圆角 22">
-            <a:extLst>
-              <a:ext uri="{FF2B5EF4-FFF2-40B4-BE49-F238E27FC236}">
-                <a16:creationId xmlns:a16="http://schemas.microsoft.com/office/drawing/2014/main" id="{4E5ECD87-B485-4E6F-9956-145F41562FF7}"/>
-              </a:ext>
-            </a:extLst>
-          </p:cNvPr>
-          <p:cNvSpPr/>
-          <p:nvPr/>
-        </p:nvSpPr>
-        <p:spPr>
-          <a:xfrm>
-            <a:off x="1547388" y="272160"/>
-            <a:ext cx="648000" cy="648000"/>
-          </a:xfrm>
-          <a:prstGeom prst="roundRect">
-            <a:avLst>
-              <a:gd name="adj" fmla="val 50000"/>
-            </a:avLst>
-          </a:prstGeom>
-          <a:solidFill>
-            <a:srgbClr val="5FE5DD"/>
-          </a:solidFill>
-          <a:ln w="19050">
-            <a:noFill/>
-          </a:ln>
-        </p:spPr>
-        <p:style>
-          <a:lnRef idx="2">
-            <a:schemeClr val="accent1">
-              <a:shade val="50000"/>
-            </a:schemeClr>
-          </a:lnRef>
-          <a:fillRef idx="1">
-            <a:schemeClr val="accent1"/>
-          </a:fillRef>
-          <a:effectRef idx="0">
-            <a:schemeClr val="accent1"/>
-          </a:effectRef>
-          <a:fontRef idx="minor">
-            <a:schemeClr val="lt1"/>
-          </a:fontRef>
-        </p:style>
-        <p:txBody>
-          <a:bodyPr rtlCol="0" anchor="ctr"/>
-          <a:lstStyle/>
-          <a:p>
-            <a:pPr algn="ctr"/>
-            <a:endParaRPr lang="zh-CN" altLang="en-US"/>
-          </a:p>
-        </p:txBody>
-      </p:sp>
-      <p:sp>
-        <p:nvSpPr>
-          <p:cNvPr id="24" name="矩形: 圆角 23">
-            <a:extLst>
-              <a:ext uri="{FF2B5EF4-FFF2-40B4-BE49-F238E27FC236}">
-                <a16:creationId xmlns:a16="http://schemas.microsoft.com/office/drawing/2014/main" id="{45E09B75-67F4-4F89-B760-1EFE16250094}"/>
-              </a:ext>
-            </a:extLst>
-          </p:cNvPr>
-          <p:cNvSpPr/>
-          <p:nvPr/>
-        </p:nvSpPr>
-        <p:spPr>
-          <a:xfrm>
-            <a:off x="555313" y="272160"/>
-            <a:ext cx="648000" cy="648000"/>
-          </a:xfrm>
-          <a:prstGeom prst="roundRect">
-            <a:avLst>
-              <a:gd name="adj" fmla="val 50000"/>
-            </a:avLst>
-          </a:prstGeom>
-          <a:solidFill>
-            <a:srgbClr val="5FE5DD"/>
-          </a:solidFill>
-          <a:ln w="19050">
-            <a:noFill/>
-          </a:ln>
-        </p:spPr>
-        <p:style>
-          <a:lnRef idx="2">
-            <a:schemeClr val="accent1">
-              <a:shade val="50000"/>
-            </a:schemeClr>
-          </a:lnRef>
-          <a:fillRef idx="1">
-            <a:schemeClr val="accent1"/>
-          </a:fillRef>
-          <a:effectRef idx="0">
-            <a:schemeClr val="accent1"/>
-          </a:effectRef>
-          <a:fontRef idx="minor">
-            <a:schemeClr val="lt1"/>
-          </a:fontRef>
-        </p:style>
-        <p:txBody>
-          <a:bodyPr rtlCol="0" anchor="ctr"/>
-          <a:lstStyle/>
-          <a:p>
-            <a:pPr algn="ctr"/>
-            <a:endParaRPr lang="zh-CN" altLang="en-US"/>
-          </a:p>
-        </p:txBody>
-      </p:sp>
-      <p:grpSp>
-        <p:nvGrpSpPr>
-          <p:cNvPr id="2" name="组合 1">
-            <a:extLst>
-              <a:ext uri="{FF2B5EF4-FFF2-40B4-BE49-F238E27FC236}">
-                <a16:creationId xmlns:a16="http://schemas.microsoft.com/office/drawing/2014/main" id="{1E1CC9FE-3A33-4BA6-A6C7-DCA4FC070772}"/>
-              </a:ext>
-            </a:extLst>
-          </p:cNvPr>
-          <p:cNvGrpSpPr/>
-          <p:nvPr/>
-        </p:nvGrpSpPr>
-        <p:grpSpPr>
-          <a:xfrm>
-            <a:off x="3387338" y="2750108"/>
-            <a:ext cx="5758811" cy="1164892"/>
-            <a:chOff x="3387338" y="2750108"/>
-            <a:chExt cx="5758811" cy="1164892"/>
-          </a:xfrm>
-        </p:grpSpPr>
-        <p:grpSp>
-          <p:nvGrpSpPr>
-            <p:cNvPr id="71" name="组合 70">
-              <a:extLst>
-                <a:ext uri="{FF2B5EF4-FFF2-40B4-BE49-F238E27FC236}">
-                  <a16:creationId xmlns:a16="http://schemas.microsoft.com/office/drawing/2014/main" id="{81FB3B35-2318-4457-95DC-C520B75AE75F}"/>
-                </a:ext>
-              </a:extLst>
-            </p:cNvPr>
-            <p:cNvGrpSpPr/>
-            <p:nvPr/>
-          </p:nvGrpSpPr>
-          <p:grpSpPr>
-            <a:xfrm>
-              <a:off x="5328959" y="3159279"/>
-              <a:ext cx="663905" cy="663905"/>
-              <a:chOff x="5598211" y="2485999"/>
-              <a:chExt cx="252000" cy="252000"/>
-            </a:xfrm>
-          </p:grpSpPr>
-          <p:cxnSp>
-            <p:nvCxnSpPr>
-              <p:cNvPr id="49" name="直接连接符 48">
-                <a:extLst>
-                  <a:ext uri="{FF2B5EF4-FFF2-40B4-BE49-F238E27FC236}">
-                    <a16:creationId xmlns:a16="http://schemas.microsoft.com/office/drawing/2014/main" id="{4AFC89BE-23B8-45FF-987D-E6560BFF3DCC}"/>
-                  </a:ext>
-                </a:extLst>
-              </p:cNvPr>
-              <p:cNvCxnSpPr>
-                <a:cxnSpLocks/>
-              </p:cNvCxnSpPr>
-              <p:nvPr/>
-            </p:nvCxnSpPr>
-            <p:spPr>
-              <a:xfrm>
-                <a:off x="5599551" y="2601685"/>
-                <a:ext cx="250660" cy="0"/>
-              </a:xfrm>
-              <a:prstGeom prst="line">
-                <a:avLst/>
-              </a:prstGeom>
-              <a:ln w="76200" cap="rnd">
-                <a:solidFill>
-                  <a:schemeClr val="tx1">
-                    <a:lumMod val="50000"/>
-                    <a:lumOff val="50000"/>
-                  </a:schemeClr>
-                </a:solidFill>
-                <a:round/>
-              </a:ln>
-            </p:spPr>
-            <p:style>
-              <a:lnRef idx="1">
-                <a:schemeClr val="accent1"/>
-              </a:lnRef>
-              <a:fillRef idx="0">
-                <a:schemeClr val="accent1"/>
-              </a:fillRef>
-              <a:effectRef idx="0">
-                <a:schemeClr val="accent1"/>
-              </a:effectRef>
-              <a:fontRef idx="minor">
-                <a:schemeClr val="tx1"/>
-              </a:fontRef>
-            </p:style>
-          </p:cxnSp>
-          <p:sp>
-            <p:nvSpPr>
-              <p:cNvPr id="48" name="弧形 47">
-                <a:extLst>
-                  <a:ext uri="{FF2B5EF4-FFF2-40B4-BE49-F238E27FC236}">
-                    <a16:creationId xmlns:a16="http://schemas.microsoft.com/office/drawing/2014/main" id="{A1B02804-B06D-4C16-8363-61CE38D605E4}"/>
-                  </a:ext>
-                </a:extLst>
-              </p:cNvPr>
-              <p:cNvSpPr/>
-              <p:nvPr/>
-            </p:nvSpPr>
-            <p:spPr>
-              <a:xfrm>
-                <a:off x="5598211" y="2485999"/>
-                <a:ext cx="252000" cy="252000"/>
-              </a:xfrm>
-              <a:prstGeom prst="arc">
-                <a:avLst>
-                  <a:gd name="adj1" fmla="val 1817991"/>
-                  <a:gd name="adj2" fmla="val 21272467"/>
-                </a:avLst>
-              </a:prstGeom>
-              <a:ln w="76200" cap="rnd">
-                <a:solidFill>
-                  <a:schemeClr val="tx1"/>
-                </a:solidFill>
-                <a:round/>
-              </a:ln>
-            </p:spPr>
-            <p:style>
-              <a:lnRef idx="1">
-                <a:schemeClr val="accent1"/>
-              </a:lnRef>
-              <a:fillRef idx="0">
-                <a:schemeClr val="accent1"/>
-              </a:fillRef>
-              <a:effectRef idx="0">
-                <a:schemeClr val="accent1"/>
-              </a:effectRef>
-              <a:fontRef idx="minor">
-                <a:schemeClr val="tx1"/>
-              </a:fontRef>
-            </p:style>
-            <p:txBody>
-              <a:bodyPr rtlCol="0" anchor="ctr"/>
-              <a:lstStyle/>
-              <a:p>
-                <a:pPr algn="ctr"/>
-                <a:endParaRPr lang="zh-CN" altLang="en-US"/>
-              </a:p>
-            </p:txBody>
-          </p:sp>
-        </p:grpSp>
-        <p:grpSp>
-          <p:nvGrpSpPr>
-            <p:cNvPr id="75" name="组合 74">
-              <a:extLst>
-                <a:ext uri="{FF2B5EF4-FFF2-40B4-BE49-F238E27FC236}">
-                  <a16:creationId xmlns:a16="http://schemas.microsoft.com/office/drawing/2014/main" id="{B690163C-5BFE-4F9D-85B4-AAC5BC56FF23}"/>
-                </a:ext>
-              </a:extLst>
-            </p:cNvPr>
-            <p:cNvGrpSpPr/>
-            <p:nvPr/>
-          </p:nvGrpSpPr>
-          <p:grpSpPr>
-            <a:xfrm>
-              <a:off x="6365054" y="3159279"/>
-              <a:ext cx="312984" cy="663905"/>
-              <a:chOff x="6000369" y="2485999"/>
-              <a:chExt cx="118800" cy="252000"/>
-            </a:xfrm>
-          </p:grpSpPr>
-          <p:cxnSp>
-            <p:nvCxnSpPr>
-              <p:cNvPr id="50" name="直接连接符 49">
-                <a:extLst>
-                  <a:ext uri="{FF2B5EF4-FFF2-40B4-BE49-F238E27FC236}">
-                    <a16:creationId xmlns:a16="http://schemas.microsoft.com/office/drawing/2014/main" id="{DA87BA15-9820-4056-A9D2-A9DD43EEE201}"/>
-                  </a:ext>
-                </a:extLst>
-              </p:cNvPr>
-              <p:cNvCxnSpPr>
-                <a:cxnSpLocks/>
-              </p:cNvCxnSpPr>
-              <p:nvPr/>
-            </p:nvCxnSpPr>
-            <p:spPr>
-              <a:xfrm flipH="1">
-                <a:off x="6001038" y="2539804"/>
-                <a:ext cx="0" cy="198195"/>
-              </a:xfrm>
-              <a:prstGeom prst="line">
-                <a:avLst/>
-              </a:prstGeom>
-              <a:ln w="76200" cap="rnd">
-                <a:solidFill>
-                  <a:schemeClr val="tx1"/>
-                </a:solidFill>
-                <a:round/>
-              </a:ln>
-            </p:spPr>
-            <p:style>
-              <a:lnRef idx="1">
-                <a:schemeClr val="accent1"/>
-              </a:lnRef>
-              <a:fillRef idx="0">
-                <a:schemeClr val="accent1"/>
-              </a:fillRef>
-              <a:effectRef idx="0">
-                <a:schemeClr val="accent1"/>
-              </a:effectRef>
-              <a:fontRef idx="minor">
-                <a:schemeClr val="tx1"/>
-              </a:fontRef>
-            </p:style>
-          </p:cxnSp>
-          <p:sp>
-            <p:nvSpPr>
-              <p:cNvPr id="51" name="弧形 50">
-                <a:extLst>
-                  <a:ext uri="{FF2B5EF4-FFF2-40B4-BE49-F238E27FC236}">
-                    <a16:creationId xmlns:a16="http://schemas.microsoft.com/office/drawing/2014/main" id="{05B6D31A-DC6D-4CE1-BF67-A5EF0BFC166E}"/>
-                  </a:ext>
-                </a:extLst>
-              </p:cNvPr>
-              <p:cNvSpPr/>
-              <p:nvPr/>
-            </p:nvSpPr>
-            <p:spPr>
-              <a:xfrm>
-                <a:off x="6000369" y="2485999"/>
-                <a:ext cx="118800" cy="118800"/>
-              </a:xfrm>
-              <a:prstGeom prst="arc">
-                <a:avLst>
-                  <a:gd name="adj1" fmla="val 11124299"/>
-                  <a:gd name="adj2" fmla="val 17866105"/>
-                </a:avLst>
-              </a:prstGeom>
-              <a:ln w="76200" cap="rnd">
-                <a:solidFill>
-                  <a:schemeClr val="tx1"/>
-                </a:solidFill>
-                <a:round/>
-              </a:ln>
-            </p:spPr>
-            <p:style>
-              <a:lnRef idx="1">
-                <a:schemeClr val="accent1"/>
-              </a:lnRef>
-              <a:fillRef idx="0">
-                <a:schemeClr val="accent1"/>
-              </a:fillRef>
-              <a:effectRef idx="0">
-                <a:schemeClr val="accent1"/>
-              </a:effectRef>
-              <a:fontRef idx="minor">
-                <a:schemeClr val="tx1"/>
-              </a:fontRef>
-            </p:style>
-            <p:txBody>
-              <a:bodyPr rtlCol="0" anchor="ctr"/>
-              <a:lstStyle/>
-              <a:p>
-                <a:pPr algn="ctr"/>
-                <a:endParaRPr lang="zh-CN" altLang="en-US"/>
-              </a:p>
-            </p:txBody>
-          </p:sp>
-        </p:grpSp>
-        <p:grpSp>
-          <p:nvGrpSpPr>
-            <p:cNvPr id="70" name="组合 69">
-              <a:extLst>
-                <a:ext uri="{FF2B5EF4-FFF2-40B4-BE49-F238E27FC236}">
-                  <a16:creationId xmlns:a16="http://schemas.microsoft.com/office/drawing/2014/main" id="{C3DFB8FF-027A-4004-A0D2-974ABAB6DBA2}"/>
-                </a:ext>
-              </a:extLst>
-            </p:cNvPr>
-            <p:cNvGrpSpPr/>
-            <p:nvPr/>
-          </p:nvGrpSpPr>
-          <p:grpSpPr>
-            <a:xfrm>
-              <a:off x="4321417" y="3294571"/>
-              <a:ext cx="635352" cy="528613"/>
-              <a:chOff x="5208895" y="2542553"/>
-              <a:chExt cx="241162" cy="200647"/>
-            </a:xfrm>
-          </p:grpSpPr>
-          <p:cxnSp>
-            <p:nvCxnSpPr>
-              <p:cNvPr id="52" name="直接连接符 51">
-                <a:extLst>
-                  <a:ext uri="{FF2B5EF4-FFF2-40B4-BE49-F238E27FC236}">
-                    <a16:creationId xmlns:a16="http://schemas.microsoft.com/office/drawing/2014/main" id="{A0F72843-E342-4206-BBFF-889EE8C9C32F}"/>
-                  </a:ext>
-                </a:extLst>
-              </p:cNvPr>
-              <p:cNvCxnSpPr>
-                <a:cxnSpLocks/>
-              </p:cNvCxnSpPr>
-              <p:nvPr/>
-            </p:nvCxnSpPr>
-            <p:spPr>
-              <a:xfrm>
-                <a:off x="5219470" y="2553586"/>
-                <a:ext cx="109218" cy="88566"/>
-              </a:xfrm>
-              <a:prstGeom prst="line">
-                <a:avLst/>
-              </a:prstGeom>
-              <a:ln w="76200" cap="rnd">
-                <a:solidFill>
-                  <a:schemeClr val="tx1">
-                    <a:lumMod val="50000"/>
-                    <a:lumOff val="50000"/>
-                  </a:schemeClr>
-                </a:solidFill>
-                <a:round/>
-              </a:ln>
-            </p:spPr>
-            <p:style>
-              <a:lnRef idx="1">
-                <a:schemeClr val="accent1"/>
-              </a:lnRef>
-              <a:fillRef idx="0">
-                <a:schemeClr val="accent1"/>
-              </a:fillRef>
-              <a:effectRef idx="0">
-                <a:schemeClr val="accent1"/>
-              </a:effectRef>
-              <a:fontRef idx="minor">
-                <a:schemeClr val="tx1"/>
-              </a:fontRef>
-            </p:style>
-          </p:cxnSp>
-          <p:cxnSp>
-            <p:nvCxnSpPr>
-              <p:cNvPr id="38" name="直接连接符 37">
-                <a:extLst>
-                  <a:ext uri="{FF2B5EF4-FFF2-40B4-BE49-F238E27FC236}">
-                    <a16:creationId xmlns:a16="http://schemas.microsoft.com/office/drawing/2014/main" id="{A45B12B5-270C-494C-8D33-8FB78ED71159}"/>
-                  </a:ext>
-                </a:extLst>
-              </p:cNvPr>
-              <p:cNvCxnSpPr>
-                <a:cxnSpLocks/>
-              </p:cNvCxnSpPr>
-              <p:nvPr/>
-            </p:nvCxnSpPr>
-            <p:spPr>
-              <a:xfrm flipH="1">
-                <a:off x="5328688" y="2545005"/>
-                <a:ext cx="119741" cy="97147"/>
-              </a:xfrm>
-              <a:prstGeom prst="line">
-                <a:avLst/>
-              </a:prstGeom>
-              <a:ln w="76200" cap="rnd">
-                <a:solidFill>
-                  <a:schemeClr val="tx1"/>
-                </a:solidFill>
-                <a:round/>
-              </a:ln>
-            </p:spPr>
-            <p:style>
-              <a:lnRef idx="1">
-                <a:schemeClr val="accent1"/>
-              </a:lnRef>
-              <a:fillRef idx="0">
-                <a:schemeClr val="accent1"/>
-              </a:fillRef>
-              <a:effectRef idx="0">
-                <a:schemeClr val="accent1"/>
-              </a:effectRef>
-              <a:fontRef idx="minor">
-                <a:schemeClr val="tx1"/>
-              </a:fontRef>
-            </p:style>
-          </p:cxnSp>
-          <p:cxnSp>
-            <p:nvCxnSpPr>
-              <p:cNvPr id="40" name="直接连接符 39">
-                <a:extLst>
-                  <a:ext uri="{FF2B5EF4-FFF2-40B4-BE49-F238E27FC236}">
-                    <a16:creationId xmlns:a16="http://schemas.microsoft.com/office/drawing/2014/main" id="{B7C98CE0-D706-4A88-AEDF-74A7C348E056}"/>
-                  </a:ext>
-                </a:extLst>
-              </p:cNvPr>
-              <p:cNvCxnSpPr>
-                <a:cxnSpLocks/>
-              </p:cNvCxnSpPr>
-              <p:nvPr/>
-            </p:nvCxnSpPr>
-            <p:spPr>
-              <a:xfrm>
-                <a:off x="5450057" y="2542553"/>
-                <a:ext cx="0" cy="198137"/>
-              </a:xfrm>
-              <a:prstGeom prst="line">
-                <a:avLst/>
-              </a:prstGeom>
-              <a:ln w="76200" cap="rnd">
-                <a:solidFill>
-                  <a:schemeClr val="tx1">
-                    <a:lumMod val="50000"/>
-                    <a:lumOff val="50000"/>
-                  </a:schemeClr>
-                </a:solidFill>
-                <a:round/>
-              </a:ln>
-            </p:spPr>
-            <p:style>
-              <a:lnRef idx="1">
-                <a:schemeClr val="accent1"/>
-              </a:lnRef>
-              <a:fillRef idx="0">
-                <a:schemeClr val="accent1"/>
-              </a:fillRef>
-              <a:effectRef idx="0">
-                <a:schemeClr val="accent1"/>
-              </a:effectRef>
-              <a:fontRef idx="minor">
-                <a:schemeClr val="tx1"/>
-              </a:fontRef>
-            </p:style>
-          </p:cxnSp>
-          <p:cxnSp>
-            <p:nvCxnSpPr>
-              <p:cNvPr id="37" name="直接连接符 36">
-                <a:extLst>
-                  <a:ext uri="{FF2B5EF4-FFF2-40B4-BE49-F238E27FC236}">
-                    <a16:creationId xmlns:a16="http://schemas.microsoft.com/office/drawing/2014/main" id="{EAEA0A26-9F0E-4BB4-A9D7-94B2282A59D2}"/>
-                  </a:ext>
-                </a:extLst>
-              </p:cNvPr>
-              <p:cNvCxnSpPr>
-                <a:cxnSpLocks/>
-              </p:cNvCxnSpPr>
-              <p:nvPr/>
-            </p:nvCxnSpPr>
-            <p:spPr>
-              <a:xfrm>
-                <a:off x="5208895" y="2547583"/>
-                <a:ext cx="0" cy="195617"/>
-              </a:xfrm>
-              <a:prstGeom prst="line">
-                <a:avLst/>
-              </a:prstGeom>
-              <a:ln w="76200" cap="rnd">
-                <a:solidFill>
-                  <a:schemeClr val="tx1"/>
-                </a:solidFill>
-                <a:round/>
-              </a:ln>
-            </p:spPr>
-            <p:style>
-              <a:lnRef idx="1">
-                <a:schemeClr val="accent1"/>
-              </a:lnRef>
-              <a:fillRef idx="0">
-                <a:schemeClr val="accent1"/>
-              </a:fillRef>
-              <a:effectRef idx="0">
-                <a:schemeClr val="accent1"/>
-              </a:effectRef>
-              <a:fontRef idx="minor">
-                <a:schemeClr val="tx1"/>
-              </a:fontRef>
-            </p:style>
-          </p:cxnSp>
-        </p:grpSp>
-        <p:grpSp>
-          <p:nvGrpSpPr>
-            <p:cNvPr id="76" name="组合 75">
-              <a:extLst>
-                <a:ext uri="{FF2B5EF4-FFF2-40B4-BE49-F238E27FC236}">
-                  <a16:creationId xmlns:a16="http://schemas.microsoft.com/office/drawing/2014/main" id="{2D7D6CD3-5144-43C1-861B-19698A47928E}"/>
-                </a:ext>
-              </a:extLst>
-            </p:cNvPr>
-            <p:cNvGrpSpPr/>
-            <p:nvPr/>
-          </p:nvGrpSpPr>
-          <p:grpSpPr>
-            <a:xfrm>
-              <a:off x="6872515" y="3159279"/>
-              <a:ext cx="667388" cy="663905"/>
-              <a:chOff x="6201266" y="2485999"/>
-              <a:chExt cx="253322" cy="252000"/>
-            </a:xfrm>
-          </p:grpSpPr>
-          <p:sp>
-            <p:nvSpPr>
-              <p:cNvPr id="58" name="弧形 57">
-                <a:extLst>
-                  <a:ext uri="{FF2B5EF4-FFF2-40B4-BE49-F238E27FC236}">
-                    <a16:creationId xmlns:a16="http://schemas.microsoft.com/office/drawing/2014/main" id="{FD9102C1-5F61-4459-ACA6-37133A7BD381}"/>
-                  </a:ext>
-                </a:extLst>
-              </p:cNvPr>
-              <p:cNvSpPr/>
-              <p:nvPr/>
-            </p:nvSpPr>
-            <p:spPr>
-              <a:xfrm>
-                <a:off x="6201266" y="2485999"/>
-                <a:ext cx="252000" cy="252000"/>
-              </a:xfrm>
-              <a:prstGeom prst="arc">
-                <a:avLst>
-                  <a:gd name="adj1" fmla="val 21364427"/>
-                  <a:gd name="adj2" fmla="val 21272467"/>
-                </a:avLst>
-              </a:prstGeom>
-              <a:ln w="76200" cap="rnd">
-                <a:solidFill>
-                  <a:schemeClr val="tx1"/>
-                </a:solidFill>
-                <a:round/>
-              </a:ln>
-            </p:spPr>
-            <p:style>
-              <a:lnRef idx="1">
-                <a:schemeClr val="accent1"/>
-              </a:lnRef>
-              <a:fillRef idx="0">
-                <a:schemeClr val="accent1"/>
-              </a:fillRef>
-              <a:effectRef idx="0">
-                <a:schemeClr val="accent1"/>
-              </a:effectRef>
-              <a:fontRef idx="minor">
-                <a:schemeClr val="tx1"/>
-              </a:fontRef>
-            </p:style>
-            <p:txBody>
-              <a:bodyPr rtlCol="0" anchor="ctr"/>
-              <a:lstStyle/>
-              <a:p>
-                <a:pPr algn="ctr"/>
-                <a:endParaRPr lang="zh-CN" altLang="en-US"/>
-              </a:p>
-            </p:txBody>
-          </p:sp>
-          <p:cxnSp>
-            <p:nvCxnSpPr>
-              <p:cNvPr id="59" name="直接连接符 58">
-                <a:extLst>
-                  <a:ext uri="{FF2B5EF4-FFF2-40B4-BE49-F238E27FC236}">
-                    <a16:creationId xmlns:a16="http://schemas.microsoft.com/office/drawing/2014/main" id="{F1FB9638-5867-4358-A29F-6079B4DEFD4B}"/>
-                  </a:ext>
-                </a:extLst>
-              </p:cNvPr>
-              <p:cNvCxnSpPr>
-                <a:cxnSpLocks/>
-              </p:cNvCxnSpPr>
-              <p:nvPr/>
-            </p:nvCxnSpPr>
-            <p:spPr>
-              <a:xfrm flipH="1">
-                <a:off x="6453266" y="2485999"/>
-                <a:ext cx="1322" cy="252000"/>
-              </a:xfrm>
-              <a:prstGeom prst="line">
-                <a:avLst/>
-              </a:prstGeom>
-              <a:ln w="76200" cap="rnd">
-                <a:solidFill>
-                  <a:schemeClr val="tx1">
-                    <a:lumMod val="50000"/>
-                    <a:lumOff val="50000"/>
-                  </a:schemeClr>
-                </a:solidFill>
-                <a:round/>
-              </a:ln>
-            </p:spPr>
-            <p:style>
-              <a:lnRef idx="1">
-                <a:schemeClr val="accent1"/>
-              </a:lnRef>
-              <a:fillRef idx="0">
-                <a:schemeClr val="accent1"/>
-              </a:fillRef>
-              <a:effectRef idx="0">
-                <a:schemeClr val="accent1"/>
-              </a:effectRef>
-              <a:fontRef idx="minor">
-                <a:schemeClr val="tx1"/>
-              </a:fontRef>
-            </p:style>
-          </p:cxnSp>
-        </p:grpSp>
-        <p:cxnSp>
-          <p:nvCxnSpPr>
-            <p:cNvPr id="61" name="直接连接符 60">
-              <a:extLst>
-                <a:ext uri="{FF2B5EF4-FFF2-40B4-BE49-F238E27FC236}">
-                  <a16:creationId xmlns:a16="http://schemas.microsoft.com/office/drawing/2014/main" id="{6ECB2F65-1AD6-4EA9-BFBC-E2979544CB46}"/>
-                </a:ext>
-              </a:extLst>
-            </p:cNvPr>
-            <p:cNvCxnSpPr>
-              <a:cxnSpLocks/>
-            </p:cNvCxnSpPr>
-            <p:nvPr/>
-          </p:nvCxnSpPr>
-          <p:spPr>
-            <a:xfrm>
-              <a:off x="7912093" y="2750108"/>
-              <a:ext cx="0" cy="1073076"/>
-            </a:xfrm>
-            <a:prstGeom prst="line">
-              <a:avLst/>
-            </a:prstGeom>
-            <a:ln w="76200" cap="rnd">
-              <a:solidFill>
-                <a:schemeClr val="tx1"/>
-              </a:solidFill>
-              <a:round/>
-            </a:ln>
-          </p:spPr>
-          <p:style>
-            <a:lnRef idx="1">
-              <a:schemeClr val="accent1"/>
-            </a:lnRef>
-            <a:fillRef idx="0">
-              <a:schemeClr val="accent1"/>
-            </a:fillRef>
-            <a:effectRef idx="0">
-              <a:schemeClr val="accent1"/>
-            </a:effectRef>
-            <a:fontRef idx="minor">
-              <a:schemeClr val="tx1"/>
-            </a:fontRef>
-          </p:style>
-        </p:cxnSp>
-        <p:grpSp>
-          <p:nvGrpSpPr>
-            <p:cNvPr id="85" name="组合 84">
-              <a:extLst>
-                <a:ext uri="{FF2B5EF4-FFF2-40B4-BE49-F238E27FC236}">
-                  <a16:creationId xmlns:a16="http://schemas.microsoft.com/office/drawing/2014/main" id="{321D4381-33D9-44E9-A69D-F6A180F16ABD}"/>
-                </a:ext>
-              </a:extLst>
-            </p:cNvPr>
-            <p:cNvGrpSpPr/>
-            <p:nvPr/>
-          </p:nvGrpSpPr>
-          <p:grpSpPr>
-            <a:xfrm>
-              <a:off x="3387338" y="3051075"/>
-              <a:ext cx="792000" cy="792000"/>
-              <a:chOff x="5101774" y="2455056"/>
-              <a:chExt cx="792000" cy="792000"/>
-            </a:xfrm>
-          </p:grpSpPr>
-          <p:cxnSp>
-            <p:nvCxnSpPr>
-              <p:cNvPr id="34" name="直接连接符 33">
-                <a:extLst>
-                  <a:ext uri="{FF2B5EF4-FFF2-40B4-BE49-F238E27FC236}">
-                    <a16:creationId xmlns:a16="http://schemas.microsoft.com/office/drawing/2014/main" id="{3EF835D2-AFED-4476-A39D-312AA1A0439D}"/>
-                  </a:ext>
-                </a:extLst>
-              </p:cNvPr>
-              <p:cNvCxnSpPr/>
-              <p:nvPr/>
-            </p:nvCxnSpPr>
-            <p:spPr>
-              <a:xfrm>
-                <a:off x="5172391" y="2851056"/>
-                <a:ext cx="485402" cy="0"/>
-              </a:xfrm>
-              <a:prstGeom prst="line">
-                <a:avLst/>
-              </a:prstGeom>
-              <a:ln w="76200" cap="rnd">
-                <a:solidFill>
-                  <a:schemeClr val="tx1">
-                    <a:lumMod val="50000"/>
-                    <a:lumOff val="50000"/>
-                  </a:schemeClr>
-                </a:solidFill>
-                <a:round/>
-              </a:ln>
-            </p:spPr>
-            <p:style>
-              <a:lnRef idx="1">
-                <a:schemeClr val="accent1"/>
-              </a:lnRef>
-              <a:fillRef idx="0">
-                <a:schemeClr val="accent1"/>
-              </a:fillRef>
-              <a:effectRef idx="0">
-                <a:schemeClr val="accent1"/>
-              </a:effectRef>
-              <a:fontRef idx="minor">
-                <a:schemeClr val="tx1"/>
-              </a:fontRef>
-            </p:style>
-          </p:cxnSp>
-          <p:sp>
-            <p:nvSpPr>
-              <p:cNvPr id="84" name="弧形 83">
-                <a:extLst>
-                  <a:ext uri="{FF2B5EF4-FFF2-40B4-BE49-F238E27FC236}">
-                    <a16:creationId xmlns:a16="http://schemas.microsoft.com/office/drawing/2014/main" id="{738F2808-47EE-47C8-B763-C7EDABBE1A00}"/>
-                  </a:ext>
-                </a:extLst>
-              </p:cNvPr>
-              <p:cNvSpPr>
-                <a:spLocks noChangeAspect="1"/>
-              </p:cNvSpPr>
-              <p:nvPr/>
-            </p:nvSpPr>
-            <p:spPr>
-              <a:xfrm>
-                <a:off x="5101774" y="2455056"/>
-                <a:ext cx="792000" cy="792000"/>
-              </a:xfrm>
-              <a:prstGeom prst="arc">
-                <a:avLst>
-                  <a:gd name="adj1" fmla="val 3895352"/>
-                  <a:gd name="adj2" fmla="val 17604657"/>
-                </a:avLst>
-              </a:prstGeom>
-              <a:ln w="76200" cap="rnd">
-                <a:solidFill>
-                  <a:schemeClr val="tx1"/>
-                </a:solidFill>
-                <a:round/>
-              </a:ln>
-            </p:spPr>
-            <p:style>
-              <a:lnRef idx="1">
-                <a:schemeClr val="accent1"/>
-              </a:lnRef>
-              <a:fillRef idx="0">
-                <a:schemeClr val="accent1"/>
-              </a:fillRef>
-              <a:effectRef idx="0">
-                <a:schemeClr val="accent1"/>
-              </a:effectRef>
-              <a:fontRef idx="minor">
-                <a:schemeClr val="tx1"/>
-              </a:fontRef>
-            </p:style>
-            <p:txBody>
-              <a:bodyPr rtlCol="0" anchor="ctr"/>
-              <a:lstStyle/>
-              <a:p>
-                <a:pPr algn="ctr"/>
-                <a:endParaRPr lang="zh-CN" altLang="en-US"/>
-              </a:p>
-            </p:txBody>
-          </p:sp>
-        </p:grpSp>
-        <p:grpSp>
-          <p:nvGrpSpPr>
-            <p:cNvPr id="89" name="组合 88">
-              <a:extLst>
-                <a:ext uri="{FF2B5EF4-FFF2-40B4-BE49-F238E27FC236}">
-                  <a16:creationId xmlns:a16="http://schemas.microsoft.com/office/drawing/2014/main" id="{CBD42311-87DF-4F42-9D74-F7270BA26E2B}"/>
-                </a:ext>
-              </a:extLst>
-            </p:cNvPr>
-            <p:cNvGrpSpPr/>
-            <p:nvPr/>
-          </p:nvGrpSpPr>
-          <p:grpSpPr>
-            <a:xfrm>
-              <a:off x="8174149" y="2943000"/>
-              <a:ext cx="972000" cy="972000"/>
-              <a:chOff x="9835468" y="2491210"/>
-              <a:chExt cx="972000" cy="972000"/>
-            </a:xfrm>
-          </p:grpSpPr>
-          <p:sp>
-            <p:nvSpPr>
-              <p:cNvPr id="64" name="弧形 63">
-                <a:extLst>
-                  <a:ext uri="{FF2B5EF4-FFF2-40B4-BE49-F238E27FC236}">
-                    <a16:creationId xmlns:a16="http://schemas.microsoft.com/office/drawing/2014/main" id="{763EC656-CD8A-412B-9CDA-094285A2D60C}"/>
-                  </a:ext>
-                </a:extLst>
-              </p:cNvPr>
-              <p:cNvSpPr/>
-              <p:nvPr/>
-            </p:nvSpPr>
-            <p:spPr>
-              <a:xfrm>
-                <a:off x="9985764" y="2645258"/>
-                <a:ext cx="663905" cy="663905"/>
-              </a:xfrm>
-              <a:prstGeom prst="arc">
-                <a:avLst>
-                  <a:gd name="adj1" fmla="val 21364427"/>
-                  <a:gd name="adj2" fmla="val 21272467"/>
-                </a:avLst>
-              </a:prstGeom>
-              <a:ln w="76200" cap="rnd">
-                <a:solidFill>
-                  <a:schemeClr val="tx1"/>
-                </a:solidFill>
-                <a:round/>
-              </a:ln>
-            </p:spPr>
-            <p:style>
-              <a:lnRef idx="1">
-                <a:schemeClr val="accent1"/>
-              </a:lnRef>
-              <a:fillRef idx="0">
-                <a:schemeClr val="accent1"/>
-              </a:fillRef>
-              <a:effectRef idx="0">
-                <a:schemeClr val="accent1"/>
-              </a:effectRef>
-              <a:fontRef idx="minor">
-                <a:schemeClr val="tx1"/>
-              </a:fontRef>
-            </p:style>
-            <p:txBody>
-              <a:bodyPr rtlCol="0" anchor="ctr"/>
-              <a:lstStyle/>
-              <a:p>
-                <a:pPr algn="ctr"/>
-                <a:endParaRPr lang="zh-CN" altLang="en-US"/>
-              </a:p>
-            </p:txBody>
-          </p:sp>
-          <p:sp>
-            <p:nvSpPr>
-              <p:cNvPr id="88" name="弧形 87">
-                <a:extLst>
-                  <a:ext uri="{FF2B5EF4-FFF2-40B4-BE49-F238E27FC236}">
-                    <a16:creationId xmlns:a16="http://schemas.microsoft.com/office/drawing/2014/main" id="{A8D34806-3F7B-4942-B810-B6C8D5E1E13B}"/>
-                  </a:ext>
-                </a:extLst>
-              </p:cNvPr>
-              <p:cNvSpPr>
-                <a:spLocks noChangeAspect="1"/>
-              </p:cNvSpPr>
-              <p:nvPr/>
-            </p:nvSpPr>
-            <p:spPr>
-              <a:xfrm>
-                <a:off x="9835468" y="2491210"/>
-                <a:ext cx="972000" cy="972000"/>
-              </a:xfrm>
-              <a:prstGeom prst="arc">
-                <a:avLst>
-                  <a:gd name="adj1" fmla="val 15877922"/>
-                  <a:gd name="adj2" fmla="val 5881754"/>
-                </a:avLst>
-              </a:prstGeom>
-              <a:ln w="76200" cap="rnd">
-                <a:solidFill>
-                  <a:schemeClr val="tx1">
-                    <a:lumMod val="50000"/>
-                    <a:lumOff val="50000"/>
-                  </a:schemeClr>
-                </a:solidFill>
-                <a:round/>
-              </a:ln>
-            </p:spPr>
-            <p:style>
-              <a:lnRef idx="1">
-                <a:schemeClr val="accent1"/>
-              </a:lnRef>
-              <a:fillRef idx="0">
-                <a:schemeClr val="accent1"/>
-              </a:fillRef>
-              <a:effectRef idx="0">
-                <a:schemeClr val="accent1"/>
-              </a:effectRef>
-              <a:fontRef idx="minor">
-                <a:schemeClr val="tx1"/>
-              </a:fontRef>
-            </p:style>
-            <p:txBody>
-              <a:bodyPr rtlCol="0" anchor="ctr"/>
-              <a:lstStyle/>
-              <a:p>
-                <a:pPr algn="ctr"/>
-                <a:endParaRPr lang="zh-CN" altLang="en-US"/>
-              </a:p>
-            </p:txBody>
-          </p:sp>
-        </p:grpSp>
-      </p:grpSp>
-      <p:grpSp>
-        <p:nvGrpSpPr>
-          <p:cNvPr id="57" name="组合 56">
-            <a:extLst>
-              <a:ext uri="{FF2B5EF4-FFF2-40B4-BE49-F238E27FC236}">
-                <a16:creationId xmlns:a16="http://schemas.microsoft.com/office/drawing/2014/main" id="{9DA068F1-6266-4A49-959B-ED162028249B}"/>
-              </a:ext>
-            </a:extLst>
-          </p:cNvPr>
-          <p:cNvGrpSpPr>
-            <a:grpSpLocks noChangeAspect="1"/>
-          </p:cNvGrpSpPr>
-          <p:nvPr/>
-        </p:nvGrpSpPr>
-        <p:grpSpPr>
-          <a:xfrm>
-            <a:off x="3229539" y="804770"/>
-            <a:ext cx="1800000" cy="364104"/>
-            <a:chOff x="3387338" y="2750108"/>
-            <a:chExt cx="5758811" cy="1164892"/>
-          </a:xfrm>
-        </p:grpSpPr>
-        <p:grpSp>
-          <p:nvGrpSpPr>
-            <p:cNvPr id="60" name="组合 59">
-              <a:extLst>
-                <a:ext uri="{FF2B5EF4-FFF2-40B4-BE49-F238E27FC236}">
-                  <a16:creationId xmlns:a16="http://schemas.microsoft.com/office/drawing/2014/main" id="{951930C2-BC3B-46BA-A857-500F57B5CCC3}"/>
-                </a:ext>
-              </a:extLst>
-            </p:cNvPr>
-            <p:cNvGrpSpPr/>
-            <p:nvPr/>
-          </p:nvGrpSpPr>
-          <p:grpSpPr>
-            <a:xfrm>
-              <a:off x="5328959" y="3159279"/>
-              <a:ext cx="663905" cy="663905"/>
-              <a:chOff x="5598211" y="2485999"/>
-              <a:chExt cx="252000" cy="252000"/>
-            </a:xfrm>
-          </p:grpSpPr>
-          <p:cxnSp>
-            <p:nvCxnSpPr>
-              <p:cNvPr id="87" name="直接连接符 86">
-                <a:extLst>
-                  <a:ext uri="{FF2B5EF4-FFF2-40B4-BE49-F238E27FC236}">
-                    <a16:creationId xmlns:a16="http://schemas.microsoft.com/office/drawing/2014/main" id="{252BF2B0-37A6-41D2-A988-CBC7718F7370}"/>
-                  </a:ext>
-                </a:extLst>
-              </p:cNvPr>
-              <p:cNvCxnSpPr>
-                <a:cxnSpLocks/>
-              </p:cNvCxnSpPr>
-              <p:nvPr/>
-            </p:nvCxnSpPr>
-            <p:spPr>
-              <a:xfrm>
-                <a:off x="5599551" y="2601685"/>
-                <a:ext cx="250660" cy="0"/>
-              </a:xfrm>
-              <a:prstGeom prst="line">
-                <a:avLst/>
-              </a:prstGeom>
-              <a:ln w="28575" cap="rnd">
-                <a:solidFill>
-                  <a:schemeClr val="tx1">
-                    <a:lumMod val="50000"/>
-                    <a:lumOff val="50000"/>
-                  </a:schemeClr>
-                </a:solidFill>
-                <a:round/>
-              </a:ln>
-            </p:spPr>
-            <p:style>
-              <a:lnRef idx="1">
-                <a:schemeClr val="accent1"/>
-              </a:lnRef>
-              <a:fillRef idx="0">
-                <a:schemeClr val="accent1"/>
-              </a:fillRef>
-              <a:effectRef idx="0">
-                <a:schemeClr val="accent1"/>
-              </a:effectRef>
-              <a:fontRef idx="minor">
-                <a:schemeClr val="tx1"/>
-              </a:fontRef>
-            </p:style>
-          </p:cxnSp>
-          <p:sp>
-            <p:nvSpPr>
-              <p:cNvPr id="90" name="弧形 89">
-                <a:extLst>
-                  <a:ext uri="{FF2B5EF4-FFF2-40B4-BE49-F238E27FC236}">
-                    <a16:creationId xmlns:a16="http://schemas.microsoft.com/office/drawing/2014/main" id="{2FE74D66-6DA0-4C19-A510-4E996CE9F720}"/>
-                  </a:ext>
-                </a:extLst>
-              </p:cNvPr>
-              <p:cNvSpPr/>
-              <p:nvPr/>
-            </p:nvSpPr>
-            <p:spPr>
-              <a:xfrm>
-                <a:off x="5598211" y="2485999"/>
-                <a:ext cx="252000" cy="252000"/>
-              </a:xfrm>
-              <a:prstGeom prst="arc">
-                <a:avLst>
-                  <a:gd name="adj1" fmla="val 1817991"/>
-                  <a:gd name="adj2" fmla="val 21272467"/>
-                </a:avLst>
-              </a:prstGeom>
-              <a:ln w="28575" cap="rnd">
-                <a:solidFill>
-                  <a:schemeClr val="tx1"/>
-                </a:solidFill>
-                <a:round/>
-              </a:ln>
-            </p:spPr>
-            <p:style>
-              <a:lnRef idx="1">
-                <a:schemeClr val="accent1"/>
-              </a:lnRef>
-              <a:fillRef idx="0">
-                <a:schemeClr val="accent1"/>
-              </a:fillRef>
-              <a:effectRef idx="0">
-                <a:schemeClr val="accent1"/>
-              </a:effectRef>
-              <a:fontRef idx="minor">
-                <a:schemeClr val="tx1"/>
-              </a:fontRef>
-            </p:style>
-            <p:txBody>
-              <a:bodyPr rtlCol="0" anchor="ctr"/>
-              <a:lstStyle/>
-              <a:p>
-                <a:pPr algn="ctr"/>
-                <a:endParaRPr lang="zh-CN" altLang="en-US"/>
-              </a:p>
-            </p:txBody>
-          </p:sp>
-        </p:grpSp>
-        <p:grpSp>
-          <p:nvGrpSpPr>
-            <p:cNvPr id="62" name="组合 61">
-              <a:extLst>
-                <a:ext uri="{FF2B5EF4-FFF2-40B4-BE49-F238E27FC236}">
-                  <a16:creationId xmlns:a16="http://schemas.microsoft.com/office/drawing/2014/main" id="{ACEEBDFC-A06A-4C26-BF71-AE7D852C68D1}"/>
-                </a:ext>
-              </a:extLst>
-            </p:cNvPr>
-            <p:cNvGrpSpPr/>
-            <p:nvPr/>
-          </p:nvGrpSpPr>
-          <p:grpSpPr>
-            <a:xfrm>
-              <a:off x="6365054" y="3159279"/>
-              <a:ext cx="312984" cy="663905"/>
-              <a:chOff x="6000369" y="2485999"/>
-              <a:chExt cx="118800" cy="252000"/>
-            </a:xfrm>
-          </p:grpSpPr>
-          <p:cxnSp>
-            <p:nvCxnSpPr>
-              <p:cNvPr id="83" name="直接连接符 82">
-                <a:extLst>
-                  <a:ext uri="{FF2B5EF4-FFF2-40B4-BE49-F238E27FC236}">
-                    <a16:creationId xmlns:a16="http://schemas.microsoft.com/office/drawing/2014/main" id="{1CA610F4-3E04-4618-9959-C13BCE5F72E1}"/>
-                  </a:ext>
-                </a:extLst>
-              </p:cNvPr>
-              <p:cNvCxnSpPr>
-                <a:cxnSpLocks/>
-              </p:cNvCxnSpPr>
-              <p:nvPr/>
-            </p:nvCxnSpPr>
-            <p:spPr>
-              <a:xfrm flipH="1">
-                <a:off x="6001038" y="2539804"/>
-                <a:ext cx="0" cy="198195"/>
-              </a:xfrm>
-              <a:prstGeom prst="line">
-                <a:avLst/>
-              </a:prstGeom>
-              <a:ln w="28575" cap="rnd">
-                <a:solidFill>
-                  <a:schemeClr val="tx1"/>
-                </a:solidFill>
-                <a:round/>
-              </a:ln>
-            </p:spPr>
-            <p:style>
-              <a:lnRef idx="1">
-                <a:schemeClr val="accent1"/>
-              </a:lnRef>
-              <a:fillRef idx="0">
-                <a:schemeClr val="accent1"/>
-              </a:fillRef>
-              <a:effectRef idx="0">
-                <a:schemeClr val="accent1"/>
-              </a:effectRef>
-              <a:fontRef idx="minor">
-                <a:schemeClr val="tx1"/>
-              </a:fontRef>
-            </p:style>
-          </p:cxnSp>
-          <p:sp>
-            <p:nvSpPr>
-              <p:cNvPr id="86" name="弧形 85">
-                <a:extLst>
-                  <a:ext uri="{FF2B5EF4-FFF2-40B4-BE49-F238E27FC236}">
-                    <a16:creationId xmlns:a16="http://schemas.microsoft.com/office/drawing/2014/main" id="{CE3BEF76-1F39-4B71-A16B-35A660798F5C}"/>
-                  </a:ext>
-                </a:extLst>
-              </p:cNvPr>
-              <p:cNvSpPr/>
-              <p:nvPr/>
-            </p:nvSpPr>
-            <p:spPr>
-              <a:xfrm>
-                <a:off x="6000369" y="2485999"/>
-                <a:ext cx="118800" cy="118800"/>
-              </a:xfrm>
-              <a:prstGeom prst="arc">
-                <a:avLst>
-                  <a:gd name="adj1" fmla="val 11124299"/>
-                  <a:gd name="adj2" fmla="val 17866105"/>
-                </a:avLst>
-              </a:prstGeom>
-              <a:ln w="28575" cap="rnd">
-                <a:solidFill>
-                  <a:schemeClr val="tx1"/>
-                </a:solidFill>
-                <a:round/>
-              </a:ln>
-            </p:spPr>
-            <p:style>
-              <a:lnRef idx="1">
-                <a:schemeClr val="accent1"/>
-              </a:lnRef>
-              <a:fillRef idx="0">
-                <a:schemeClr val="accent1"/>
-              </a:fillRef>
-              <a:effectRef idx="0">
-                <a:schemeClr val="accent1"/>
-              </a:effectRef>
-              <a:fontRef idx="minor">
-                <a:schemeClr val="tx1"/>
-              </a:fontRef>
-            </p:style>
-            <p:txBody>
-              <a:bodyPr rtlCol="0" anchor="ctr"/>
-              <a:lstStyle/>
-              <a:p>
-                <a:pPr algn="ctr"/>
-                <a:endParaRPr lang="zh-CN" altLang="en-US"/>
-              </a:p>
-            </p:txBody>
-          </p:sp>
-        </p:grpSp>
-        <p:grpSp>
-          <p:nvGrpSpPr>
-            <p:cNvPr id="63" name="组合 62">
-              <a:extLst>
-                <a:ext uri="{FF2B5EF4-FFF2-40B4-BE49-F238E27FC236}">
-                  <a16:creationId xmlns:a16="http://schemas.microsoft.com/office/drawing/2014/main" id="{3BC4992C-59A1-4468-9F15-CEFCBEE57754}"/>
-                </a:ext>
-              </a:extLst>
-            </p:cNvPr>
-            <p:cNvGrpSpPr/>
-            <p:nvPr/>
-          </p:nvGrpSpPr>
-          <p:grpSpPr>
-            <a:xfrm>
-              <a:off x="4321417" y="3294571"/>
-              <a:ext cx="635352" cy="528613"/>
-              <a:chOff x="5208895" y="2542553"/>
-              <a:chExt cx="241162" cy="200647"/>
-            </a:xfrm>
-          </p:grpSpPr>
-          <p:cxnSp>
-            <p:nvCxnSpPr>
-              <p:cNvPr id="79" name="直接连接符 78">
-                <a:extLst>
-                  <a:ext uri="{FF2B5EF4-FFF2-40B4-BE49-F238E27FC236}">
-                    <a16:creationId xmlns:a16="http://schemas.microsoft.com/office/drawing/2014/main" id="{DF7D3D73-CAF8-4C37-9B34-84473E723ABA}"/>
-                  </a:ext>
-                </a:extLst>
-              </p:cNvPr>
-              <p:cNvCxnSpPr>
-                <a:cxnSpLocks/>
-              </p:cNvCxnSpPr>
-              <p:nvPr/>
-            </p:nvCxnSpPr>
-            <p:spPr>
-              <a:xfrm>
-                <a:off x="5219470" y="2553586"/>
-                <a:ext cx="109218" cy="88566"/>
-              </a:xfrm>
-              <a:prstGeom prst="line">
-                <a:avLst/>
-              </a:prstGeom>
-              <a:ln w="28575" cap="rnd">
-                <a:solidFill>
-                  <a:schemeClr val="tx1">
-                    <a:lumMod val="50000"/>
-                    <a:lumOff val="50000"/>
-                  </a:schemeClr>
-                </a:solidFill>
-                <a:round/>
-              </a:ln>
-            </p:spPr>
-            <p:style>
-              <a:lnRef idx="1">
-                <a:schemeClr val="accent1"/>
-              </a:lnRef>
-              <a:fillRef idx="0">
-                <a:schemeClr val="accent1"/>
-              </a:fillRef>
-              <a:effectRef idx="0">
-                <a:schemeClr val="accent1"/>
-              </a:effectRef>
-              <a:fontRef idx="minor">
-                <a:schemeClr val="tx1"/>
-              </a:fontRef>
-            </p:style>
-          </p:cxnSp>
-          <p:cxnSp>
-            <p:nvCxnSpPr>
-              <p:cNvPr id="80" name="直接连接符 79">
-                <a:extLst>
-                  <a:ext uri="{FF2B5EF4-FFF2-40B4-BE49-F238E27FC236}">
-                    <a16:creationId xmlns:a16="http://schemas.microsoft.com/office/drawing/2014/main" id="{043E7DD5-DD7A-40CB-9677-D9E54C000DD8}"/>
-                  </a:ext>
-                </a:extLst>
-              </p:cNvPr>
-              <p:cNvCxnSpPr>
-                <a:cxnSpLocks/>
-              </p:cNvCxnSpPr>
-              <p:nvPr/>
-            </p:nvCxnSpPr>
-            <p:spPr>
-              <a:xfrm flipH="1">
-                <a:off x="5328688" y="2545005"/>
-                <a:ext cx="119741" cy="97147"/>
-              </a:xfrm>
-              <a:prstGeom prst="line">
-                <a:avLst/>
-              </a:prstGeom>
-              <a:ln w="28575" cap="rnd">
-                <a:solidFill>
-                  <a:schemeClr val="tx1"/>
-                </a:solidFill>
-                <a:round/>
-              </a:ln>
-            </p:spPr>
-            <p:style>
-              <a:lnRef idx="1">
-                <a:schemeClr val="accent1"/>
-              </a:lnRef>
-              <a:fillRef idx="0">
-                <a:schemeClr val="accent1"/>
-              </a:fillRef>
-              <a:effectRef idx="0">
-                <a:schemeClr val="accent1"/>
-              </a:effectRef>
-              <a:fontRef idx="minor">
-                <a:schemeClr val="tx1"/>
-              </a:fontRef>
-            </p:style>
-          </p:cxnSp>
-          <p:cxnSp>
-            <p:nvCxnSpPr>
-              <p:cNvPr id="81" name="直接连接符 80">
-                <a:extLst>
-                  <a:ext uri="{FF2B5EF4-FFF2-40B4-BE49-F238E27FC236}">
-                    <a16:creationId xmlns:a16="http://schemas.microsoft.com/office/drawing/2014/main" id="{1058501C-8EFB-4922-AD7D-CA2593B61D06}"/>
-                  </a:ext>
-                </a:extLst>
-              </p:cNvPr>
-              <p:cNvCxnSpPr>
-                <a:cxnSpLocks/>
-              </p:cNvCxnSpPr>
-              <p:nvPr/>
-            </p:nvCxnSpPr>
-            <p:spPr>
-              <a:xfrm>
-                <a:off x="5450057" y="2542553"/>
-                <a:ext cx="0" cy="198137"/>
-              </a:xfrm>
-              <a:prstGeom prst="line">
-                <a:avLst/>
-              </a:prstGeom>
-              <a:ln w="28575" cap="rnd">
-                <a:solidFill>
-                  <a:schemeClr val="tx1">
-                    <a:lumMod val="50000"/>
-                    <a:lumOff val="50000"/>
-                  </a:schemeClr>
-                </a:solidFill>
-                <a:round/>
-              </a:ln>
-            </p:spPr>
-            <p:style>
-              <a:lnRef idx="1">
-                <a:schemeClr val="accent1"/>
-              </a:lnRef>
-              <a:fillRef idx="0">
-                <a:schemeClr val="accent1"/>
-              </a:fillRef>
-              <a:effectRef idx="0">
-                <a:schemeClr val="accent1"/>
-              </a:effectRef>
-              <a:fontRef idx="minor">
-                <a:schemeClr val="tx1"/>
-              </a:fontRef>
-            </p:style>
-          </p:cxnSp>
-          <p:cxnSp>
-            <p:nvCxnSpPr>
-              <p:cNvPr id="82" name="直接连接符 81">
-                <a:extLst>
-                  <a:ext uri="{FF2B5EF4-FFF2-40B4-BE49-F238E27FC236}">
-                    <a16:creationId xmlns:a16="http://schemas.microsoft.com/office/drawing/2014/main" id="{213A26B2-5F4C-420C-9012-CE2143447480}"/>
-                  </a:ext>
-                </a:extLst>
-              </p:cNvPr>
-              <p:cNvCxnSpPr>
-                <a:cxnSpLocks/>
-              </p:cNvCxnSpPr>
-              <p:nvPr/>
-            </p:nvCxnSpPr>
-            <p:spPr>
-              <a:xfrm>
-                <a:off x="5208895" y="2547583"/>
-                <a:ext cx="0" cy="195617"/>
-              </a:xfrm>
-              <a:prstGeom prst="line">
-                <a:avLst/>
-              </a:prstGeom>
-              <a:ln w="28575" cap="rnd">
-                <a:solidFill>
-                  <a:schemeClr val="tx1"/>
-                </a:solidFill>
-                <a:round/>
-              </a:ln>
-            </p:spPr>
-            <p:style>
-              <a:lnRef idx="1">
-                <a:schemeClr val="accent1"/>
-              </a:lnRef>
-              <a:fillRef idx="0">
-                <a:schemeClr val="accent1"/>
-              </a:fillRef>
-              <a:effectRef idx="0">
-                <a:schemeClr val="accent1"/>
-              </a:effectRef>
-              <a:fontRef idx="minor">
-                <a:schemeClr val="tx1"/>
-              </a:fontRef>
-            </p:style>
-          </p:cxnSp>
-        </p:grpSp>
-        <p:grpSp>
-          <p:nvGrpSpPr>
-            <p:cNvPr id="65" name="组合 64">
-              <a:extLst>
-                <a:ext uri="{FF2B5EF4-FFF2-40B4-BE49-F238E27FC236}">
-                  <a16:creationId xmlns:a16="http://schemas.microsoft.com/office/drawing/2014/main" id="{61B95BFC-DC24-479C-8CA1-16B0ABEAD31B}"/>
-                </a:ext>
-              </a:extLst>
-            </p:cNvPr>
-            <p:cNvGrpSpPr/>
-            <p:nvPr/>
-          </p:nvGrpSpPr>
-          <p:grpSpPr>
-            <a:xfrm>
-              <a:off x="6872515" y="3159279"/>
-              <a:ext cx="667388" cy="663905"/>
-              <a:chOff x="6201266" y="2485999"/>
-              <a:chExt cx="253322" cy="252000"/>
-            </a:xfrm>
-          </p:grpSpPr>
-          <p:sp>
-            <p:nvSpPr>
-              <p:cNvPr id="77" name="弧形 76">
-                <a:extLst>
-                  <a:ext uri="{FF2B5EF4-FFF2-40B4-BE49-F238E27FC236}">
-                    <a16:creationId xmlns:a16="http://schemas.microsoft.com/office/drawing/2014/main" id="{96AB8CFA-7B6E-4BD3-A718-A3AF34A490B8}"/>
-                  </a:ext>
-                </a:extLst>
-              </p:cNvPr>
-              <p:cNvSpPr/>
-              <p:nvPr/>
-            </p:nvSpPr>
-            <p:spPr>
-              <a:xfrm>
-                <a:off x="6201266" y="2485999"/>
-                <a:ext cx="252000" cy="252000"/>
-              </a:xfrm>
-              <a:prstGeom prst="arc">
-                <a:avLst>
-                  <a:gd name="adj1" fmla="val 21364427"/>
-                  <a:gd name="adj2" fmla="val 21272467"/>
-                </a:avLst>
-              </a:prstGeom>
-              <a:ln w="28575" cap="rnd">
-                <a:solidFill>
-                  <a:schemeClr val="tx1"/>
-                </a:solidFill>
-                <a:round/>
-              </a:ln>
-            </p:spPr>
-            <p:style>
-              <a:lnRef idx="1">
-                <a:schemeClr val="accent1"/>
-              </a:lnRef>
-              <a:fillRef idx="0">
-                <a:schemeClr val="accent1"/>
-              </a:fillRef>
-              <a:effectRef idx="0">
-                <a:schemeClr val="accent1"/>
-              </a:effectRef>
-              <a:fontRef idx="minor">
-                <a:schemeClr val="tx1"/>
-              </a:fontRef>
-            </p:style>
-            <p:txBody>
-              <a:bodyPr rtlCol="0" anchor="ctr"/>
-              <a:lstStyle/>
-              <a:p>
-                <a:pPr algn="ctr"/>
-                <a:endParaRPr lang="zh-CN" altLang="en-US"/>
-              </a:p>
-            </p:txBody>
-          </p:sp>
-          <p:cxnSp>
-            <p:nvCxnSpPr>
-              <p:cNvPr id="78" name="直接连接符 77">
-                <a:extLst>
-                  <a:ext uri="{FF2B5EF4-FFF2-40B4-BE49-F238E27FC236}">
-                    <a16:creationId xmlns:a16="http://schemas.microsoft.com/office/drawing/2014/main" id="{A5BBA061-67FC-492D-9263-C0AA629E1E80}"/>
-                  </a:ext>
-                </a:extLst>
-              </p:cNvPr>
-              <p:cNvCxnSpPr>
-                <a:cxnSpLocks/>
-              </p:cNvCxnSpPr>
-              <p:nvPr/>
-            </p:nvCxnSpPr>
-            <p:spPr>
-              <a:xfrm flipH="1">
-                <a:off x="6453266" y="2485999"/>
-                <a:ext cx="1322" cy="252000"/>
-              </a:xfrm>
-              <a:prstGeom prst="line">
-                <a:avLst/>
-              </a:prstGeom>
-              <a:ln w="28575" cap="rnd">
-                <a:solidFill>
-                  <a:schemeClr val="tx1">
-                    <a:lumMod val="50000"/>
-                    <a:lumOff val="50000"/>
-                  </a:schemeClr>
-                </a:solidFill>
-                <a:round/>
-              </a:ln>
-            </p:spPr>
-            <p:style>
-              <a:lnRef idx="1">
-                <a:schemeClr val="accent1"/>
-              </a:lnRef>
-              <a:fillRef idx="0">
-                <a:schemeClr val="accent1"/>
-              </a:fillRef>
-              <a:effectRef idx="0">
-                <a:schemeClr val="accent1"/>
-              </a:effectRef>
-              <a:fontRef idx="minor">
-                <a:schemeClr val="tx1"/>
-              </a:fontRef>
-            </p:style>
-          </p:cxnSp>
-        </p:grpSp>
-        <p:cxnSp>
-          <p:nvCxnSpPr>
-            <p:cNvPr id="66" name="直接连接符 65">
-              <a:extLst>
-                <a:ext uri="{FF2B5EF4-FFF2-40B4-BE49-F238E27FC236}">
-                  <a16:creationId xmlns:a16="http://schemas.microsoft.com/office/drawing/2014/main" id="{5FC3B8A1-54E6-447B-AAE9-D272FD7FED6A}"/>
-                </a:ext>
-              </a:extLst>
-            </p:cNvPr>
-            <p:cNvCxnSpPr>
-              <a:cxnSpLocks/>
-            </p:cNvCxnSpPr>
-            <p:nvPr/>
-          </p:nvCxnSpPr>
-          <p:spPr>
-            <a:xfrm>
-              <a:off x="7912093" y="2750108"/>
-              <a:ext cx="0" cy="1073076"/>
-            </a:xfrm>
-            <a:prstGeom prst="line">
-              <a:avLst/>
-            </a:prstGeom>
-            <a:ln w="28575" cap="rnd">
-              <a:solidFill>
-                <a:schemeClr val="tx1"/>
-              </a:solidFill>
-              <a:round/>
-            </a:ln>
-          </p:spPr>
-          <p:style>
-            <a:lnRef idx="1">
-              <a:schemeClr val="accent1"/>
-            </a:lnRef>
-            <a:fillRef idx="0">
-              <a:schemeClr val="accent1"/>
-            </a:fillRef>
-            <a:effectRef idx="0">
-              <a:schemeClr val="accent1"/>
-            </a:effectRef>
-            <a:fontRef idx="minor">
-              <a:schemeClr val="tx1"/>
-            </a:fontRef>
-          </p:style>
-        </p:cxnSp>
-        <p:grpSp>
-          <p:nvGrpSpPr>
-            <p:cNvPr id="67" name="组合 66">
-              <a:extLst>
-                <a:ext uri="{FF2B5EF4-FFF2-40B4-BE49-F238E27FC236}">
-                  <a16:creationId xmlns:a16="http://schemas.microsoft.com/office/drawing/2014/main" id="{C75F163A-2D35-4B9A-8298-AC6072A68F84}"/>
-                </a:ext>
-              </a:extLst>
-            </p:cNvPr>
-            <p:cNvGrpSpPr/>
-            <p:nvPr/>
-          </p:nvGrpSpPr>
-          <p:grpSpPr>
-            <a:xfrm>
-              <a:off x="3387338" y="3051075"/>
-              <a:ext cx="792000" cy="792000"/>
-              <a:chOff x="5101774" y="2455056"/>
-              <a:chExt cx="792000" cy="792000"/>
-            </a:xfrm>
-          </p:grpSpPr>
-          <p:cxnSp>
-            <p:nvCxnSpPr>
-              <p:cNvPr id="73" name="直接连接符 72">
-                <a:extLst>
-                  <a:ext uri="{FF2B5EF4-FFF2-40B4-BE49-F238E27FC236}">
-                    <a16:creationId xmlns:a16="http://schemas.microsoft.com/office/drawing/2014/main" id="{3BBAD85D-F64A-47FD-B31B-CA7C9513FAC9}"/>
-                  </a:ext>
-                </a:extLst>
-              </p:cNvPr>
-              <p:cNvCxnSpPr/>
-              <p:nvPr/>
-            </p:nvCxnSpPr>
-            <p:spPr>
-              <a:xfrm>
-                <a:off x="5172391" y="2851056"/>
-                <a:ext cx="485402" cy="0"/>
-              </a:xfrm>
-              <a:prstGeom prst="line">
-                <a:avLst/>
-              </a:prstGeom>
-              <a:ln w="28575" cap="rnd">
-                <a:solidFill>
-                  <a:schemeClr val="tx1">
-                    <a:lumMod val="50000"/>
-                    <a:lumOff val="50000"/>
-                  </a:schemeClr>
-                </a:solidFill>
-                <a:round/>
-              </a:ln>
-            </p:spPr>
-            <p:style>
-              <a:lnRef idx="1">
-                <a:schemeClr val="accent1"/>
-              </a:lnRef>
-              <a:fillRef idx="0">
-                <a:schemeClr val="accent1"/>
-              </a:fillRef>
-              <a:effectRef idx="0">
-                <a:schemeClr val="accent1"/>
-              </a:effectRef>
-              <a:fontRef idx="minor">
-                <a:schemeClr val="tx1"/>
-              </a:fontRef>
-            </p:style>
-          </p:cxnSp>
-          <p:sp>
-            <p:nvSpPr>
-              <p:cNvPr id="74" name="弧形 73">
-                <a:extLst>
-                  <a:ext uri="{FF2B5EF4-FFF2-40B4-BE49-F238E27FC236}">
-                    <a16:creationId xmlns:a16="http://schemas.microsoft.com/office/drawing/2014/main" id="{A946D3B3-4E00-4FB6-8213-B37B143A8471}"/>
-                  </a:ext>
-                </a:extLst>
-              </p:cNvPr>
-              <p:cNvSpPr>
-                <a:spLocks noChangeAspect="1"/>
-              </p:cNvSpPr>
-              <p:nvPr/>
-            </p:nvSpPr>
-            <p:spPr>
-              <a:xfrm>
-                <a:off x="5101774" y="2455056"/>
-                <a:ext cx="792000" cy="792000"/>
-              </a:xfrm>
-              <a:prstGeom prst="arc">
-                <a:avLst>
-                  <a:gd name="adj1" fmla="val 3895352"/>
-                  <a:gd name="adj2" fmla="val 17604657"/>
-                </a:avLst>
-              </a:prstGeom>
-              <a:ln w="28575" cap="rnd">
-                <a:solidFill>
-                  <a:schemeClr val="tx1"/>
-                </a:solidFill>
-                <a:round/>
-              </a:ln>
-            </p:spPr>
-            <p:style>
-              <a:lnRef idx="1">
-                <a:schemeClr val="accent1"/>
-              </a:lnRef>
-              <a:fillRef idx="0">
-                <a:schemeClr val="accent1"/>
-              </a:fillRef>
-              <a:effectRef idx="0">
-                <a:schemeClr val="accent1"/>
-              </a:effectRef>
-              <a:fontRef idx="minor">
-                <a:schemeClr val="tx1"/>
-              </a:fontRef>
-            </p:style>
-            <p:txBody>
-              <a:bodyPr rtlCol="0" anchor="ctr"/>
-              <a:lstStyle/>
-              <a:p>
-                <a:pPr algn="ctr"/>
-                <a:endParaRPr lang="zh-CN" altLang="en-US"/>
-              </a:p>
-            </p:txBody>
-          </p:sp>
-        </p:grpSp>
-        <p:grpSp>
-          <p:nvGrpSpPr>
-            <p:cNvPr id="68" name="组合 67">
-              <a:extLst>
-                <a:ext uri="{FF2B5EF4-FFF2-40B4-BE49-F238E27FC236}">
-                  <a16:creationId xmlns:a16="http://schemas.microsoft.com/office/drawing/2014/main" id="{4472DB95-E46F-4777-9E05-9AB05EC07C7A}"/>
-                </a:ext>
-              </a:extLst>
-            </p:cNvPr>
-            <p:cNvGrpSpPr/>
-            <p:nvPr/>
-          </p:nvGrpSpPr>
-          <p:grpSpPr>
-            <a:xfrm>
-              <a:off x="8174149" y="2943000"/>
-              <a:ext cx="972000" cy="972000"/>
-              <a:chOff x="9835468" y="2491210"/>
-              <a:chExt cx="972000" cy="972000"/>
-            </a:xfrm>
-          </p:grpSpPr>
-          <p:sp>
-            <p:nvSpPr>
-              <p:cNvPr id="69" name="弧形 68">
-                <a:extLst>
-                  <a:ext uri="{FF2B5EF4-FFF2-40B4-BE49-F238E27FC236}">
-                    <a16:creationId xmlns:a16="http://schemas.microsoft.com/office/drawing/2014/main" id="{F920678A-6465-4C48-A9DC-CB560D53CCCD}"/>
-                  </a:ext>
-                </a:extLst>
-              </p:cNvPr>
-              <p:cNvSpPr/>
-              <p:nvPr/>
-            </p:nvSpPr>
-            <p:spPr>
-              <a:xfrm>
-                <a:off x="9985764" y="2645258"/>
-                <a:ext cx="663905" cy="663905"/>
-              </a:xfrm>
-              <a:prstGeom prst="arc">
-                <a:avLst>
-                  <a:gd name="adj1" fmla="val 21364427"/>
-                  <a:gd name="adj2" fmla="val 21272467"/>
-                </a:avLst>
-              </a:prstGeom>
-              <a:ln w="28575" cap="rnd">
-                <a:solidFill>
-                  <a:schemeClr val="tx1"/>
-                </a:solidFill>
-                <a:round/>
-              </a:ln>
-            </p:spPr>
-            <p:style>
-              <a:lnRef idx="1">
-                <a:schemeClr val="accent1"/>
-              </a:lnRef>
-              <a:fillRef idx="0">
-                <a:schemeClr val="accent1"/>
-              </a:fillRef>
-              <a:effectRef idx="0">
-                <a:schemeClr val="accent1"/>
-              </a:effectRef>
-              <a:fontRef idx="minor">
-                <a:schemeClr val="tx1"/>
-              </a:fontRef>
-            </p:style>
-            <p:txBody>
-              <a:bodyPr rtlCol="0" anchor="ctr"/>
-              <a:lstStyle/>
-              <a:p>
-                <a:pPr algn="ctr"/>
-                <a:endParaRPr lang="zh-CN" altLang="en-US"/>
-              </a:p>
-            </p:txBody>
-          </p:sp>
-          <p:sp>
-            <p:nvSpPr>
-              <p:cNvPr id="72" name="弧形 71">
-                <a:extLst>
-                  <a:ext uri="{FF2B5EF4-FFF2-40B4-BE49-F238E27FC236}">
-                    <a16:creationId xmlns:a16="http://schemas.microsoft.com/office/drawing/2014/main" id="{F0BD6CC4-D015-43F7-AB0B-D8026A39D74E}"/>
-                  </a:ext>
-                </a:extLst>
-              </p:cNvPr>
-              <p:cNvSpPr>
-                <a:spLocks noChangeAspect="1"/>
-              </p:cNvSpPr>
-              <p:nvPr/>
-            </p:nvSpPr>
-            <p:spPr>
-              <a:xfrm>
-                <a:off x="9835468" y="2491210"/>
-                <a:ext cx="972000" cy="972000"/>
-              </a:xfrm>
-              <a:prstGeom prst="arc">
-                <a:avLst>
-                  <a:gd name="adj1" fmla="val 15877922"/>
-                  <a:gd name="adj2" fmla="val 5881754"/>
-                </a:avLst>
-              </a:prstGeom>
-              <a:ln w="28575" cap="rnd">
-                <a:solidFill>
-                  <a:schemeClr val="tx1">
-                    <a:lumMod val="50000"/>
-                    <a:lumOff val="50000"/>
-                  </a:schemeClr>
-                </a:solidFill>
-                <a:round/>
-              </a:ln>
-            </p:spPr>
-            <p:style>
-              <a:lnRef idx="1">
-                <a:schemeClr val="accent1"/>
-              </a:lnRef>
-              <a:fillRef idx="0">
-                <a:schemeClr val="accent1"/>
-              </a:fillRef>
-              <a:effectRef idx="0">
-                <a:schemeClr val="accent1"/>
-              </a:effectRef>
-              <a:fontRef idx="minor">
-                <a:schemeClr val="tx1"/>
-              </a:fontRef>
-            </p:style>
-            <p:txBody>
-              <a:bodyPr rtlCol="0" anchor="ctr"/>
-              <a:lstStyle/>
-              <a:p>
-                <a:pPr algn="ctr"/>
-                <a:endParaRPr lang="zh-CN" altLang="en-US"/>
-              </a:p>
-            </p:txBody>
-          </p:sp>
-        </p:grpSp>
-      </p:grpSp>
-    </p:spTree>
-    <p:extLst>
-      <p:ext uri="{BB962C8B-B14F-4D97-AF65-F5344CB8AC3E}">
-        <p14:creationId xmlns:p14="http://schemas.microsoft.com/office/powerpoint/2010/main" val="2602214897"/>
       </p:ext>
     </p:extLst>
   </p:cSld>
@@ -32750,538 +33722,10 @@
           </p:sp>
         </p:grpSp>
       </p:grpSp>
-      <p:cxnSp>
-        <p:nvCxnSpPr>
-          <p:cNvPr id="53" name="直接连接符 52">
-            <a:extLst>
-              <a:ext uri="{FF2B5EF4-FFF2-40B4-BE49-F238E27FC236}">
-                <a16:creationId xmlns:a16="http://schemas.microsoft.com/office/drawing/2014/main" id="{A2B97D28-2C8F-4828-B17C-B8C43985C7A0}"/>
-              </a:ext>
-            </a:extLst>
-          </p:cNvPr>
-          <p:cNvCxnSpPr>
-            <a:cxnSpLocks/>
-          </p:cNvCxnSpPr>
-          <p:nvPr/>
-        </p:nvCxnSpPr>
-        <p:spPr>
-          <a:xfrm>
-            <a:off x="3517261" y="4368360"/>
-            <a:ext cx="526673" cy="0"/>
-          </a:xfrm>
-          <a:prstGeom prst="line">
-            <a:avLst/>
-          </a:prstGeom>
-          <a:ln w="76200" cap="rnd">
-            <a:solidFill>
-              <a:schemeClr val="tx1"/>
-            </a:solidFill>
-            <a:round/>
-          </a:ln>
-        </p:spPr>
-        <p:style>
-          <a:lnRef idx="1">
-            <a:schemeClr val="accent1"/>
-          </a:lnRef>
-          <a:fillRef idx="0">
-            <a:schemeClr val="accent1"/>
-          </a:fillRef>
-          <a:effectRef idx="0">
-            <a:schemeClr val="accent1"/>
-          </a:effectRef>
-          <a:fontRef idx="minor">
-            <a:schemeClr val="tx1"/>
-          </a:fontRef>
-        </p:style>
-      </p:cxnSp>
-      <p:cxnSp>
-        <p:nvCxnSpPr>
-          <p:cNvPr id="54" name="直接连接符 53">
-            <a:extLst>
-              <a:ext uri="{FF2B5EF4-FFF2-40B4-BE49-F238E27FC236}">
-                <a16:creationId xmlns:a16="http://schemas.microsoft.com/office/drawing/2014/main" id="{009E1BA1-1F16-42F6-87A4-8BBC7DC2A0EE}"/>
-              </a:ext>
-            </a:extLst>
-          </p:cNvPr>
-          <p:cNvCxnSpPr>
-            <a:cxnSpLocks/>
-          </p:cNvCxnSpPr>
-          <p:nvPr/>
-        </p:nvCxnSpPr>
-        <p:spPr>
-          <a:xfrm>
-            <a:off x="3517261" y="4771280"/>
-            <a:ext cx="526673" cy="0"/>
-          </a:xfrm>
-          <a:prstGeom prst="line">
-            <a:avLst/>
-          </a:prstGeom>
-          <a:ln w="76200" cap="rnd">
-            <a:solidFill>
-              <a:schemeClr val="tx1"/>
-            </a:solidFill>
-            <a:round/>
-          </a:ln>
-        </p:spPr>
-        <p:style>
-          <a:lnRef idx="1">
-            <a:schemeClr val="accent1"/>
-          </a:lnRef>
-          <a:fillRef idx="0">
-            <a:schemeClr val="accent1"/>
-          </a:fillRef>
-          <a:effectRef idx="0">
-            <a:schemeClr val="accent1"/>
-          </a:effectRef>
-          <a:fontRef idx="minor">
-            <a:schemeClr val="tx1"/>
-          </a:fontRef>
-        </p:style>
-      </p:cxnSp>
-      <p:cxnSp>
-        <p:nvCxnSpPr>
-          <p:cNvPr id="55" name="直接连接符 54">
-            <a:extLst>
-              <a:ext uri="{FF2B5EF4-FFF2-40B4-BE49-F238E27FC236}">
-                <a16:creationId xmlns:a16="http://schemas.microsoft.com/office/drawing/2014/main" id="{94B06C0E-1998-43B2-BDF5-DFA5D6EF1529}"/>
-              </a:ext>
-            </a:extLst>
-          </p:cNvPr>
-          <p:cNvCxnSpPr>
-            <a:cxnSpLocks/>
-          </p:cNvCxnSpPr>
-          <p:nvPr/>
-        </p:nvCxnSpPr>
-        <p:spPr>
-          <a:xfrm>
-            <a:off x="3516542" y="5178376"/>
-            <a:ext cx="526673" cy="0"/>
-          </a:xfrm>
-          <a:prstGeom prst="line">
-            <a:avLst/>
-          </a:prstGeom>
-          <a:ln w="76200" cap="rnd">
-            <a:solidFill>
-              <a:schemeClr val="tx1"/>
-            </a:solidFill>
-            <a:round/>
-          </a:ln>
-        </p:spPr>
-        <p:style>
-          <a:lnRef idx="1">
-            <a:schemeClr val="accent1"/>
-          </a:lnRef>
-          <a:fillRef idx="0">
-            <a:schemeClr val="accent1"/>
-          </a:fillRef>
-          <a:effectRef idx="0">
-            <a:schemeClr val="accent1"/>
-          </a:effectRef>
-          <a:fontRef idx="minor">
-            <a:schemeClr val="tx1"/>
-          </a:fontRef>
-        </p:style>
-      </p:cxnSp>
-      <p:cxnSp>
-        <p:nvCxnSpPr>
-          <p:cNvPr id="56" name="直接连接符 55">
-            <a:extLst>
-              <a:ext uri="{FF2B5EF4-FFF2-40B4-BE49-F238E27FC236}">
-                <a16:creationId xmlns:a16="http://schemas.microsoft.com/office/drawing/2014/main" id="{59C12463-FFC6-48CD-894B-B15F19DBAB3C}"/>
-              </a:ext>
-            </a:extLst>
-          </p:cNvPr>
-          <p:cNvCxnSpPr>
-            <a:cxnSpLocks/>
-          </p:cNvCxnSpPr>
-          <p:nvPr/>
-        </p:nvCxnSpPr>
-        <p:spPr>
-          <a:xfrm>
-            <a:off x="3516542" y="4368360"/>
-            <a:ext cx="0" cy="810016"/>
-          </a:xfrm>
-          <a:prstGeom prst="line">
-            <a:avLst/>
-          </a:prstGeom>
-          <a:ln w="76200" cap="rnd">
-            <a:solidFill>
-              <a:schemeClr val="tx1"/>
-            </a:solidFill>
-            <a:round/>
-          </a:ln>
-        </p:spPr>
-        <p:style>
-          <a:lnRef idx="1">
-            <a:schemeClr val="accent1"/>
-          </a:lnRef>
-          <a:fillRef idx="0">
-            <a:schemeClr val="accent1"/>
-          </a:fillRef>
-          <a:effectRef idx="0">
-            <a:schemeClr val="accent1"/>
-          </a:effectRef>
-          <a:fontRef idx="minor">
-            <a:schemeClr val="tx1"/>
-          </a:fontRef>
-        </p:style>
-      </p:cxnSp>
-      <p:cxnSp>
-        <p:nvCxnSpPr>
-          <p:cNvPr id="91" name="直接连接符 90">
-            <a:extLst>
-              <a:ext uri="{FF2B5EF4-FFF2-40B4-BE49-F238E27FC236}">
-                <a16:creationId xmlns:a16="http://schemas.microsoft.com/office/drawing/2014/main" id="{B5B81D85-6BB0-488A-AB6B-6C0367A9F8A8}"/>
-              </a:ext>
-            </a:extLst>
-          </p:cNvPr>
-          <p:cNvCxnSpPr>
-            <a:cxnSpLocks/>
-          </p:cNvCxnSpPr>
-          <p:nvPr/>
-        </p:nvCxnSpPr>
-        <p:spPr>
-          <a:xfrm>
-            <a:off x="4349277" y="4368360"/>
-            <a:ext cx="0" cy="810016"/>
-          </a:xfrm>
-          <a:prstGeom prst="line">
-            <a:avLst/>
-          </a:prstGeom>
-          <a:ln w="76200" cap="rnd">
-            <a:solidFill>
-              <a:schemeClr val="tx1"/>
-            </a:solidFill>
-            <a:round/>
-          </a:ln>
-        </p:spPr>
-        <p:style>
-          <a:lnRef idx="1">
-            <a:schemeClr val="accent1"/>
-          </a:lnRef>
-          <a:fillRef idx="0">
-            <a:schemeClr val="accent1"/>
-          </a:fillRef>
-          <a:effectRef idx="0">
-            <a:schemeClr val="accent1"/>
-          </a:effectRef>
-          <a:fontRef idx="minor">
-            <a:schemeClr val="tx1"/>
-          </a:fontRef>
-        </p:style>
-      </p:cxnSp>
-      <p:cxnSp>
-        <p:nvCxnSpPr>
-          <p:cNvPr id="92" name="直接连接符 91">
-            <a:extLst>
-              <a:ext uri="{FF2B5EF4-FFF2-40B4-BE49-F238E27FC236}">
-                <a16:creationId xmlns:a16="http://schemas.microsoft.com/office/drawing/2014/main" id="{DD6DDEAA-C9DB-4507-AE98-83D72E38D5BD}"/>
-              </a:ext>
-            </a:extLst>
-          </p:cNvPr>
-          <p:cNvCxnSpPr>
-            <a:cxnSpLocks/>
-          </p:cNvCxnSpPr>
-          <p:nvPr/>
-        </p:nvCxnSpPr>
-        <p:spPr>
-          <a:xfrm>
-            <a:off x="4349277" y="4368360"/>
-            <a:ext cx="376449" cy="353952"/>
-          </a:xfrm>
-          <a:prstGeom prst="line">
-            <a:avLst/>
-          </a:prstGeom>
-          <a:ln w="76200" cap="rnd">
-            <a:solidFill>
-              <a:schemeClr val="tx1"/>
-            </a:solidFill>
-            <a:round/>
-          </a:ln>
-        </p:spPr>
-        <p:style>
-          <a:lnRef idx="1">
-            <a:schemeClr val="accent1"/>
-          </a:lnRef>
-          <a:fillRef idx="0">
-            <a:schemeClr val="accent1"/>
-          </a:fillRef>
-          <a:effectRef idx="0">
-            <a:schemeClr val="accent1"/>
-          </a:effectRef>
-          <a:fontRef idx="minor">
-            <a:schemeClr val="tx1"/>
-          </a:fontRef>
-        </p:style>
-      </p:cxnSp>
-      <p:cxnSp>
-        <p:nvCxnSpPr>
-          <p:cNvPr id="93" name="直接连接符 92">
-            <a:extLst>
-              <a:ext uri="{FF2B5EF4-FFF2-40B4-BE49-F238E27FC236}">
-                <a16:creationId xmlns:a16="http://schemas.microsoft.com/office/drawing/2014/main" id="{5150981B-B011-466A-845E-15CFA94752E6}"/>
-              </a:ext>
-            </a:extLst>
-          </p:cNvPr>
-          <p:cNvCxnSpPr>
-            <a:cxnSpLocks/>
-          </p:cNvCxnSpPr>
-          <p:nvPr/>
-        </p:nvCxnSpPr>
-        <p:spPr>
-          <a:xfrm flipV="1">
-            <a:off x="4725726" y="4368360"/>
-            <a:ext cx="364674" cy="353952"/>
-          </a:xfrm>
-          <a:prstGeom prst="line">
-            <a:avLst/>
-          </a:prstGeom>
-          <a:ln w="76200" cap="rnd">
-            <a:solidFill>
-              <a:schemeClr val="tx1"/>
-            </a:solidFill>
-            <a:round/>
-          </a:ln>
-        </p:spPr>
-        <p:style>
-          <a:lnRef idx="1">
-            <a:schemeClr val="accent1"/>
-          </a:lnRef>
-          <a:fillRef idx="0">
-            <a:schemeClr val="accent1"/>
-          </a:fillRef>
-          <a:effectRef idx="0">
-            <a:schemeClr val="accent1"/>
-          </a:effectRef>
-          <a:fontRef idx="minor">
-            <a:schemeClr val="tx1"/>
-          </a:fontRef>
-        </p:style>
-      </p:cxnSp>
-      <p:cxnSp>
-        <p:nvCxnSpPr>
-          <p:cNvPr id="94" name="直接连接符 93">
-            <a:extLst>
-              <a:ext uri="{FF2B5EF4-FFF2-40B4-BE49-F238E27FC236}">
-                <a16:creationId xmlns:a16="http://schemas.microsoft.com/office/drawing/2014/main" id="{6F0B3CA6-D905-4646-9453-DD36C0F0BF84}"/>
-              </a:ext>
-            </a:extLst>
-          </p:cNvPr>
-          <p:cNvCxnSpPr>
-            <a:cxnSpLocks/>
-          </p:cNvCxnSpPr>
-          <p:nvPr/>
-        </p:nvCxnSpPr>
-        <p:spPr>
-          <a:xfrm>
-            <a:off x="5090400" y="4368360"/>
-            <a:ext cx="0" cy="810016"/>
-          </a:xfrm>
-          <a:prstGeom prst="line">
-            <a:avLst/>
-          </a:prstGeom>
-          <a:ln w="76200" cap="rnd">
-            <a:solidFill>
-              <a:schemeClr val="tx1"/>
-            </a:solidFill>
-            <a:round/>
-          </a:ln>
-        </p:spPr>
-        <p:style>
-          <a:lnRef idx="1">
-            <a:schemeClr val="accent1"/>
-          </a:lnRef>
-          <a:fillRef idx="0">
-            <a:schemeClr val="accent1"/>
-          </a:fillRef>
-          <a:effectRef idx="0">
-            <a:schemeClr val="accent1"/>
-          </a:effectRef>
-          <a:fontRef idx="minor">
-            <a:schemeClr val="tx1"/>
-          </a:fontRef>
-        </p:style>
-      </p:cxnSp>
-      <p:cxnSp>
-        <p:nvCxnSpPr>
-          <p:cNvPr id="95" name="直接连接符 94">
-            <a:extLst>
-              <a:ext uri="{FF2B5EF4-FFF2-40B4-BE49-F238E27FC236}">
-                <a16:creationId xmlns:a16="http://schemas.microsoft.com/office/drawing/2014/main" id="{11A292C7-5EBA-495E-9CBA-39756E11D86E}"/>
-              </a:ext>
-            </a:extLst>
-          </p:cNvPr>
-          <p:cNvCxnSpPr>
-            <a:cxnSpLocks/>
-          </p:cNvCxnSpPr>
-          <p:nvPr/>
-        </p:nvCxnSpPr>
-        <p:spPr>
-          <a:xfrm>
-            <a:off x="5459918" y="4366272"/>
-            <a:ext cx="0" cy="810016"/>
-          </a:xfrm>
-          <a:prstGeom prst="line">
-            <a:avLst/>
-          </a:prstGeom>
-          <a:ln w="76200" cap="rnd">
-            <a:solidFill>
-              <a:schemeClr val="tx1"/>
-            </a:solidFill>
-            <a:round/>
-          </a:ln>
-        </p:spPr>
-        <p:style>
-          <a:lnRef idx="1">
-            <a:schemeClr val="accent1"/>
-          </a:lnRef>
-          <a:fillRef idx="0">
-            <a:schemeClr val="accent1"/>
-          </a:fillRef>
-          <a:effectRef idx="0">
-            <a:schemeClr val="accent1"/>
-          </a:effectRef>
-          <a:fontRef idx="minor">
-            <a:schemeClr val="tx1"/>
-          </a:fontRef>
-        </p:style>
-      </p:cxnSp>
-      <p:cxnSp>
-        <p:nvCxnSpPr>
-          <p:cNvPr id="96" name="直接连接符 95">
-            <a:extLst>
-              <a:ext uri="{FF2B5EF4-FFF2-40B4-BE49-F238E27FC236}">
-                <a16:creationId xmlns:a16="http://schemas.microsoft.com/office/drawing/2014/main" id="{C9280CEF-CD78-4815-B70D-09B0CE46B92E}"/>
-              </a:ext>
-            </a:extLst>
-          </p:cNvPr>
-          <p:cNvCxnSpPr>
-            <a:cxnSpLocks/>
-          </p:cNvCxnSpPr>
-          <p:nvPr/>
-        </p:nvCxnSpPr>
-        <p:spPr>
-          <a:xfrm>
-            <a:off x="5517715" y="4771280"/>
-            <a:ext cx="469594" cy="405008"/>
-          </a:xfrm>
-          <a:prstGeom prst="line">
-            <a:avLst/>
-          </a:prstGeom>
-          <a:ln w="76200" cap="rnd">
-            <a:solidFill>
-              <a:schemeClr val="tx1"/>
-            </a:solidFill>
-            <a:round/>
-          </a:ln>
-        </p:spPr>
-        <p:style>
-          <a:lnRef idx="1">
-            <a:schemeClr val="accent1"/>
-          </a:lnRef>
-          <a:fillRef idx="0">
-            <a:schemeClr val="accent1"/>
-          </a:fillRef>
-          <a:effectRef idx="0">
-            <a:schemeClr val="accent1"/>
-          </a:effectRef>
-          <a:fontRef idx="minor">
-            <a:schemeClr val="tx1"/>
-          </a:fontRef>
-        </p:style>
-      </p:cxnSp>
-      <p:cxnSp>
-        <p:nvCxnSpPr>
-          <p:cNvPr id="97" name="直接连接符 96">
-            <a:extLst>
-              <a:ext uri="{FF2B5EF4-FFF2-40B4-BE49-F238E27FC236}">
-                <a16:creationId xmlns:a16="http://schemas.microsoft.com/office/drawing/2014/main" id="{D98456B8-D86A-4121-B2FC-2B8BEEC0B01D}"/>
-              </a:ext>
-            </a:extLst>
-          </p:cNvPr>
-          <p:cNvCxnSpPr>
-            <a:cxnSpLocks/>
-          </p:cNvCxnSpPr>
-          <p:nvPr/>
-        </p:nvCxnSpPr>
-        <p:spPr>
-          <a:xfrm flipV="1">
-            <a:off x="5517715" y="4366272"/>
-            <a:ext cx="469594" cy="405008"/>
-          </a:xfrm>
-          <a:prstGeom prst="line">
-            <a:avLst/>
-          </a:prstGeom>
-          <a:ln w="76200" cap="rnd">
-            <a:solidFill>
-              <a:schemeClr val="tx1"/>
-            </a:solidFill>
-            <a:round/>
-          </a:ln>
-        </p:spPr>
-        <p:style>
-          <a:lnRef idx="1">
-            <a:schemeClr val="accent1"/>
-          </a:lnRef>
-          <a:fillRef idx="0">
-            <a:schemeClr val="accent1"/>
-          </a:fillRef>
-          <a:effectRef idx="0">
-            <a:schemeClr val="accent1"/>
-          </a:effectRef>
-          <a:fontRef idx="minor">
-            <a:schemeClr val="tx1"/>
-          </a:fontRef>
-        </p:style>
-      </p:cxnSp>
-      <p:cxnSp>
-        <p:nvCxnSpPr>
-          <p:cNvPr id="98" name="直接连接符 97">
-            <a:extLst>
-              <a:ext uri="{FF2B5EF4-FFF2-40B4-BE49-F238E27FC236}">
-                <a16:creationId xmlns:a16="http://schemas.microsoft.com/office/drawing/2014/main" id="{BA24BB0A-E51A-4EE8-9800-B015A2256099}"/>
-              </a:ext>
-            </a:extLst>
-          </p:cNvPr>
-          <p:cNvCxnSpPr>
-            <a:cxnSpLocks/>
-          </p:cNvCxnSpPr>
-          <p:nvPr/>
-        </p:nvCxnSpPr>
-        <p:spPr>
-          <a:xfrm>
-            <a:off x="5459919" y="4366272"/>
-            <a:ext cx="527390" cy="0"/>
-          </a:xfrm>
-          <a:prstGeom prst="line">
-            <a:avLst/>
-          </a:prstGeom>
-          <a:ln w="76200" cap="rnd">
-            <a:solidFill>
-              <a:schemeClr val="tx1"/>
-            </a:solidFill>
-            <a:round/>
-          </a:ln>
-        </p:spPr>
-        <p:style>
-          <a:lnRef idx="1">
-            <a:schemeClr val="accent1"/>
-          </a:lnRef>
-          <a:fillRef idx="0">
-            <a:schemeClr val="accent1"/>
-          </a:fillRef>
-          <a:effectRef idx="0">
-            <a:schemeClr val="accent1"/>
-          </a:effectRef>
-          <a:fontRef idx="minor">
-            <a:schemeClr val="tx1"/>
-          </a:fontRef>
-        </p:style>
-      </p:cxnSp>
     </p:spTree>
     <p:extLst>
       <p:ext uri="{BB962C8B-B14F-4D97-AF65-F5344CB8AC3E}">
-        <p14:creationId xmlns:p14="http://schemas.microsoft.com/office/powerpoint/2010/main" val="2245897195"/>
+        <p14:creationId xmlns:p14="http://schemas.microsoft.com/office/powerpoint/2010/main" val="2602214897"/>
       </p:ext>
     </p:extLst>
   </p:cSld>
